--- a/机制图示.pptx
+++ b/机制图示.pptx
@@ -5,7 +5,7 @@
     <p:sldMasterId id="2147483648" r:id="rId1"/>
   </p:sldMasterIdLst>
   <p:notesMasterIdLst>
-    <p:notesMasterId r:id="rId21"/>
+    <p:notesMasterId r:id="rId28"/>
   </p:notesMasterIdLst>
   <p:sldIdLst>
     <p:sldId id="273" r:id="rId2"/>
@@ -27,6 +27,13 @@
     <p:sldId id="269" r:id="rId18"/>
     <p:sldId id="271" r:id="rId19"/>
     <p:sldId id="272" r:id="rId20"/>
+    <p:sldId id="276" r:id="rId21"/>
+    <p:sldId id="277" r:id="rId22"/>
+    <p:sldId id="278" r:id="rId23"/>
+    <p:sldId id="279" r:id="rId24"/>
+    <p:sldId id="280" r:id="rId25"/>
+    <p:sldId id="281" r:id="rId26"/>
+    <p:sldId id="282" r:id="rId27"/>
   </p:sldIdLst>
   <p:sldSz cx="12192000" cy="6858000"/>
   <p:notesSz cx="6858000" cy="9144000"/>
@@ -215,7 +222,7 @@
           <a:p>
             <a:fld id="{93FFD0A6-741C-4C59-A922-D8D610EF6968}" type="datetimeFigureOut">
               <a:rPr lang="zh-CN" altLang="en-US" smtClean="0"/>
-              <a:t>2022/6/13</a:t>
+              <a:t>2022/6/14</a:t>
             </a:fld>
             <a:endParaRPr lang="zh-CN" altLang="en-US"/>
           </a:p>
@@ -733,7 +740,7 @@
           <a:p>
             <a:fld id="{BA054789-EACE-4F0B-85CE-A0AE8F37913A}" type="datetimeFigureOut">
               <a:rPr lang="zh-CN" altLang="en-US" smtClean="0"/>
-              <a:t>2022/6/13</a:t>
+              <a:t>2022/6/14</a:t>
             </a:fld>
             <a:endParaRPr lang="zh-CN" altLang="en-US"/>
           </a:p>
@@ -931,7 +938,7 @@
           <a:p>
             <a:fld id="{BA054789-EACE-4F0B-85CE-A0AE8F37913A}" type="datetimeFigureOut">
               <a:rPr lang="zh-CN" altLang="en-US" smtClean="0"/>
-              <a:t>2022/6/13</a:t>
+              <a:t>2022/6/14</a:t>
             </a:fld>
             <a:endParaRPr lang="zh-CN" altLang="en-US"/>
           </a:p>
@@ -1139,7 +1146,7 @@
           <a:p>
             <a:fld id="{BA054789-EACE-4F0B-85CE-A0AE8F37913A}" type="datetimeFigureOut">
               <a:rPr lang="zh-CN" altLang="en-US" smtClean="0"/>
-              <a:t>2022/6/13</a:t>
+              <a:t>2022/6/14</a:t>
             </a:fld>
             <a:endParaRPr lang="zh-CN" altLang="en-US"/>
           </a:p>
@@ -1696,7 +1703,7 @@
           <a:p>
             <a:fld id="{BA054789-EACE-4F0B-85CE-A0AE8F37913A}" type="datetimeFigureOut">
               <a:rPr lang="zh-CN" altLang="en-US" smtClean="0"/>
-              <a:t>2022/6/13</a:t>
+              <a:t>2022/6/14</a:t>
             </a:fld>
             <a:endParaRPr lang="zh-CN" altLang="en-US"/>
           </a:p>
@@ -1971,7 +1978,7 @@
           <a:p>
             <a:fld id="{BA054789-EACE-4F0B-85CE-A0AE8F37913A}" type="datetimeFigureOut">
               <a:rPr lang="zh-CN" altLang="en-US" smtClean="0"/>
-              <a:t>2022/6/13</a:t>
+              <a:t>2022/6/14</a:t>
             </a:fld>
             <a:endParaRPr lang="zh-CN" altLang="en-US"/>
           </a:p>
@@ -2236,7 +2243,7 @@
           <a:p>
             <a:fld id="{BA054789-EACE-4F0B-85CE-A0AE8F37913A}" type="datetimeFigureOut">
               <a:rPr lang="zh-CN" altLang="en-US" smtClean="0"/>
-              <a:t>2022/6/13</a:t>
+              <a:t>2022/6/14</a:t>
             </a:fld>
             <a:endParaRPr lang="zh-CN" altLang="en-US"/>
           </a:p>
@@ -2648,7 +2655,7 @@
           <a:p>
             <a:fld id="{BA054789-EACE-4F0B-85CE-A0AE8F37913A}" type="datetimeFigureOut">
               <a:rPr lang="zh-CN" altLang="en-US" smtClean="0"/>
-              <a:t>2022/6/13</a:t>
+              <a:t>2022/6/14</a:t>
             </a:fld>
             <a:endParaRPr lang="zh-CN" altLang="en-US"/>
           </a:p>
@@ -2789,7 +2796,7 @@
           <a:p>
             <a:fld id="{BA054789-EACE-4F0B-85CE-A0AE8F37913A}" type="datetimeFigureOut">
               <a:rPr lang="zh-CN" altLang="en-US" smtClean="0"/>
-              <a:t>2022/6/13</a:t>
+              <a:t>2022/6/14</a:t>
             </a:fld>
             <a:endParaRPr lang="zh-CN" altLang="en-US"/>
           </a:p>
@@ -2902,7 +2909,7 @@
           <a:p>
             <a:fld id="{BA054789-EACE-4F0B-85CE-A0AE8F37913A}" type="datetimeFigureOut">
               <a:rPr lang="zh-CN" altLang="en-US" smtClean="0"/>
-              <a:t>2022/6/13</a:t>
+              <a:t>2022/6/14</a:t>
             </a:fld>
             <a:endParaRPr lang="zh-CN" altLang="en-US"/>
           </a:p>
@@ -3213,7 +3220,7 @@
           <a:p>
             <a:fld id="{BA054789-EACE-4F0B-85CE-A0AE8F37913A}" type="datetimeFigureOut">
               <a:rPr lang="zh-CN" altLang="en-US" smtClean="0"/>
-              <a:t>2022/6/13</a:t>
+              <a:t>2022/6/14</a:t>
             </a:fld>
             <a:endParaRPr lang="zh-CN" altLang="en-US"/>
           </a:p>
@@ -3501,7 +3508,7 @@
           <a:p>
             <a:fld id="{BA054789-EACE-4F0B-85CE-A0AE8F37913A}" type="datetimeFigureOut">
               <a:rPr lang="zh-CN" altLang="en-US" smtClean="0"/>
-              <a:t>2022/6/13</a:t>
+              <a:t>2022/6/14</a:t>
             </a:fld>
             <a:endParaRPr lang="zh-CN" altLang="en-US"/>
           </a:p>
@@ -3742,7 +3749,7 @@
           <a:p>
             <a:fld id="{BA054789-EACE-4F0B-85CE-A0AE8F37913A}" type="datetimeFigureOut">
               <a:rPr lang="zh-CN" altLang="en-US" smtClean="0"/>
-              <a:t>2022/6/13</a:t>
+              <a:t>2022/6/14</a:t>
             </a:fld>
             <a:endParaRPr lang="zh-CN" altLang="en-US"/>
           </a:p>
@@ -16248,6 +16255,4238 @@
         </p:spPr>
       </p:pic>
     </p:spTree>
+  </p:cSld>
+  <p:clrMapOvr>
+    <a:masterClrMapping/>
+  </p:clrMapOvr>
+</p:sld>
+</file>
+
+<file path=ppt/slides/slide20.xml><?xml version="1.0" encoding="utf-8"?>
+<p:sld xmlns:a="http://schemas.openxmlformats.org/drawingml/2006/main" xmlns:r="http://schemas.openxmlformats.org/officeDocument/2006/relationships" xmlns:p="http://schemas.openxmlformats.org/presentationml/2006/main">
+  <p:cSld>
+    <p:spTree>
+      <p:nvGrpSpPr>
+        <p:cNvPr id="1" name=""/>
+        <p:cNvGrpSpPr/>
+        <p:nvPr/>
+      </p:nvGrpSpPr>
+      <p:grpSpPr>
+        <a:xfrm>
+          <a:off x="0" y="0"/>
+          <a:ext cx="0" cy="0"/>
+          <a:chOff x="0" y="0"/>
+          <a:chExt cx="0" cy="0"/>
+        </a:xfrm>
+      </p:grpSpPr>
+      <p:sp>
+        <p:nvSpPr>
+          <p:cNvPr id="2" name="标题 1">
+            <a:extLst>
+              <a:ext uri="{FF2B5EF4-FFF2-40B4-BE49-F238E27FC236}">
+                <a16:creationId xmlns:a16="http://schemas.microsoft.com/office/drawing/2014/main" id="{2A9B6C59-89F9-5390-BB77-F8DB7EF7B310}"/>
+              </a:ext>
+            </a:extLst>
+          </p:cNvPr>
+          <p:cNvSpPr>
+            <a:spLocks noGrp="1"/>
+          </p:cNvSpPr>
+          <p:nvPr>
+            <p:ph type="title"/>
+          </p:nvPr>
+        </p:nvSpPr>
+        <p:spPr>
+          <a:xfrm>
+            <a:off x="415600" y="3047200"/>
+            <a:ext cx="11360800" cy="763600"/>
+          </a:xfrm>
+        </p:spPr>
+        <p:txBody>
+          <a:bodyPr>
+            <a:normAutofit fontScale="90000"/>
+          </a:bodyPr>
+          <a:lstStyle/>
+          <a:p>
+            <a:pPr algn="ctr"/>
+            <a:r>
+              <a:rPr lang="ja-JP" altLang="en-US" b="1" dirty="0"/>
+              <a:t>夢幻パラダイス</a:t>
+            </a:r>
+            <a:endParaRPr lang="zh-CN" altLang="en-US" b="1" dirty="0"/>
+          </a:p>
+        </p:txBody>
+      </p:sp>
+    </p:spTree>
+    <p:extLst>
+      <p:ext uri="{BB962C8B-B14F-4D97-AF65-F5344CB8AC3E}">
+        <p14:creationId xmlns:p14="http://schemas.microsoft.com/office/powerpoint/2010/main" val="1988374329"/>
+      </p:ext>
+    </p:extLst>
+  </p:cSld>
+  <p:clrMapOvr>
+    <a:masterClrMapping/>
+  </p:clrMapOvr>
+</p:sld>
+</file>
+
+<file path=ppt/slides/slide21.xml><?xml version="1.0" encoding="utf-8"?>
+<p:sld xmlns:a="http://schemas.openxmlformats.org/drawingml/2006/main" xmlns:r="http://schemas.openxmlformats.org/officeDocument/2006/relationships" xmlns:p="http://schemas.openxmlformats.org/presentationml/2006/main">
+  <p:cSld>
+    <p:spTree>
+      <p:nvGrpSpPr>
+        <p:cNvPr id="1" name=""/>
+        <p:cNvGrpSpPr/>
+        <p:nvPr/>
+      </p:nvGrpSpPr>
+      <p:grpSpPr>
+        <a:xfrm>
+          <a:off x="0" y="0"/>
+          <a:ext cx="0" cy="0"/>
+          <a:chOff x="0" y="0"/>
+          <a:chExt cx="0" cy="0"/>
+        </a:xfrm>
+      </p:grpSpPr>
+      <p:sp>
+        <p:nvSpPr>
+          <p:cNvPr id="2" name="标题 1">
+            <a:extLst>
+              <a:ext uri="{FF2B5EF4-FFF2-40B4-BE49-F238E27FC236}">
+                <a16:creationId xmlns:a16="http://schemas.microsoft.com/office/drawing/2014/main" id="{80796E82-7314-2FBE-2DE8-DDD70D4DF27E}"/>
+              </a:ext>
+            </a:extLst>
+          </p:cNvPr>
+          <p:cNvSpPr>
+            <a:spLocks noGrp="1"/>
+          </p:cNvSpPr>
+          <p:nvPr>
+            <p:ph type="title"/>
+          </p:nvPr>
+        </p:nvSpPr>
+        <p:spPr>
+          <a:xfrm>
+            <a:off x="415600" y="270286"/>
+            <a:ext cx="11360800" cy="763600"/>
+          </a:xfrm>
+        </p:spPr>
+        <p:txBody>
+          <a:bodyPr>
+            <a:normAutofit/>
+          </a:bodyPr>
+          <a:lstStyle/>
+          <a:p>
+            <a:r>
+              <a:rPr lang="ja-JP" altLang="en-US" sz="2800" dirty="0">
+                <a:latin typeface="黑体" panose="02010609060101010101" pitchFamily="49" charset="-122"/>
+                <a:ea typeface="黑体" panose="02010609060101010101" pitchFamily="49" charset="-122"/>
+              </a:rPr>
+              <a:t>夢幻パラダイス　列車の距離減衰ダメージ詳細</a:t>
+            </a:r>
+            <a:endParaRPr lang="zh-CN" altLang="en-US" sz="2800" dirty="0">
+              <a:latin typeface="黑体" panose="02010609060101010101" pitchFamily="49" charset="-122"/>
+              <a:ea typeface="黑体" panose="02010609060101010101" pitchFamily="49" charset="-122"/>
+            </a:endParaRPr>
+          </a:p>
+        </p:txBody>
+      </p:sp>
+      <p:sp>
+        <p:nvSpPr>
+          <p:cNvPr id="4" name="文本框 3">
+            <a:extLst>
+              <a:ext uri="{FF2B5EF4-FFF2-40B4-BE49-F238E27FC236}">
+                <a16:creationId xmlns:a16="http://schemas.microsoft.com/office/drawing/2014/main" id="{3E8E8225-E7B4-E598-7AEB-66BC2EF7864E}"/>
+              </a:ext>
+            </a:extLst>
+          </p:cNvPr>
+          <p:cNvSpPr txBox="1"/>
+          <p:nvPr/>
+        </p:nvSpPr>
+        <p:spPr>
+          <a:xfrm>
+            <a:off x="612559" y="1671863"/>
+            <a:ext cx="3335990" cy="2862322"/>
+          </a:xfrm>
+          <a:prstGeom prst="rect">
+            <a:avLst/>
+          </a:prstGeom>
+          <a:noFill/>
+        </p:spPr>
+        <p:txBody>
+          <a:bodyPr wrap="square" rtlCol="0">
+            <a:spAutoFit/>
+          </a:bodyPr>
+          <a:lstStyle/>
+          <a:p>
+            <a:r>
+              <a:rPr lang="ja-JP" altLang="en-US" dirty="0"/>
+              <a:t>列車が北のポータルから突進するとして：</a:t>
+            </a:r>
+            <a:endParaRPr lang="en-US" altLang="ja-JP" dirty="0"/>
+          </a:p>
+          <a:p>
+            <a:endParaRPr lang="en-US" altLang="ja-JP" dirty="0"/>
+          </a:p>
+          <a:p>
+            <a:r>
+              <a:rPr lang="ja-JP" altLang="en-US" dirty="0"/>
+              <a:t>図の</a:t>
+            </a:r>
+            <a:r>
+              <a:rPr lang="en-US" altLang="ja-JP" dirty="0"/>
+              <a:t>3</a:t>
+            </a:r>
+            <a:r>
+              <a:rPr lang="ja-JP" altLang="en-US" dirty="0"/>
+              <a:t>番の距離以内は即死ダメージ</a:t>
+            </a:r>
+            <a:endParaRPr lang="en-US" altLang="ja-JP" dirty="0"/>
+          </a:p>
+          <a:p>
+            <a:endParaRPr lang="en-US" altLang="ja-JP" dirty="0"/>
+          </a:p>
+          <a:p>
+            <a:r>
+              <a:rPr lang="en-US" altLang="ja-JP" dirty="0"/>
+              <a:t>1</a:t>
+            </a:r>
+            <a:r>
+              <a:rPr lang="ja-JP" altLang="en-US" dirty="0"/>
+              <a:t>番の位置は</a:t>
+            </a:r>
+            <a:r>
+              <a:rPr lang="en-US" altLang="ja-JP" dirty="0"/>
+              <a:t>HP</a:t>
+            </a:r>
+            <a:r>
+              <a:rPr lang="ja-JP" altLang="en-US" dirty="0"/>
+              <a:t>上限</a:t>
+            </a:r>
+            <a:r>
+              <a:rPr lang="en-US" altLang="ja-JP" dirty="0"/>
+              <a:t>60</a:t>
+            </a:r>
+            <a:r>
+              <a:rPr lang="ja-JP" altLang="en-US" dirty="0"/>
+              <a:t>％ほどのダメージ</a:t>
+            </a:r>
+            <a:endParaRPr lang="en-US" altLang="ja-JP" dirty="0"/>
+          </a:p>
+          <a:p>
+            <a:endParaRPr lang="en-US" altLang="ja-JP" dirty="0"/>
+          </a:p>
+          <a:p>
+            <a:r>
+              <a:rPr lang="en-US" altLang="ja-JP" dirty="0"/>
+              <a:t>2</a:t>
+            </a:r>
+            <a:r>
+              <a:rPr lang="ja-JP" altLang="en-US" dirty="0"/>
+              <a:t>番の位置は</a:t>
+            </a:r>
+            <a:r>
+              <a:rPr lang="en-US" altLang="ja-JP" dirty="0"/>
+              <a:t>50</a:t>
+            </a:r>
+            <a:r>
+              <a:rPr lang="ja-JP" altLang="en-US" dirty="0"/>
+              <a:t>％</a:t>
+            </a:r>
+            <a:endParaRPr lang="en-US" altLang="ja-JP" dirty="0"/>
+          </a:p>
+        </p:txBody>
+      </p:sp>
+      <p:sp>
+        <p:nvSpPr>
+          <p:cNvPr id="94" name="椭圆 93">
+            <a:extLst>
+              <a:ext uri="{FF2B5EF4-FFF2-40B4-BE49-F238E27FC236}">
+                <a16:creationId xmlns:a16="http://schemas.microsoft.com/office/drawing/2014/main" id="{8BEE0963-F39F-E799-5A6C-7DB2D9695EA3}"/>
+              </a:ext>
+            </a:extLst>
+          </p:cNvPr>
+          <p:cNvSpPr/>
+          <p:nvPr/>
+        </p:nvSpPr>
+        <p:spPr>
+          <a:xfrm>
+            <a:off x="4699366" y="1193119"/>
+            <a:ext cx="5212080" cy="5212080"/>
+          </a:xfrm>
+          <a:prstGeom prst="ellipse">
+            <a:avLst/>
+          </a:prstGeom>
+          <a:solidFill>
+            <a:schemeClr val="bg1">
+              <a:lumMod val="85000"/>
+            </a:schemeClr>
+          </a:solidFill>
+          <a:ln>
+            <a:noFill/>
+          </a:ln>
+        </p:spPr>
+        <p:style>
+          <a:lnRef idx="0">
+            <a:scrgbClr r="0" g="0" b="0"/>
+          </a:lnRef>
+          <a:fillRef idx="0">
+            <a:scrgbClr r="0" g="0" b="0"/>
+          </a:fillRef>
+          <a:effectRef idx="0">
+            <a:scrgbClr r="0" g="0" b="0"/>
+          </a:effectRef>
+          <a:fontRef idx="minor">
+            <a:schemeClr val="lt1"/>
+          </a:fontRef>
+        </p:style>
+        <p:txBody>
+          <a:bodyPr rtlCol="0" anchor="ctr"/>
+          <a:lstStyle/>
+          <a:p>
+            <a:pPr algn="ctr"/>
+            <a:endParaRPr lang="zh-CN" altLang="en-US" dirty="0"/>
+          </a:p>
+        </p:txBody>
+      </p:sp>
+      <p:sp>
+        <p:nvSpPr>
+          <p:cNvPr id="3" name="椭圆 2">
+            <a:extLst>
+              <a:ext uri="{FF2B5EF4-FFF2-40B4-BE49-F238E27FC236}">
+                <a16:creationId xmlns:a16="http://schemas.microsoft.com/office/drawing/2014/main" id="{012F767B-5206-A517-0D25-41845DA1D568}"/>
+              </a:ext>
+            </a:extLst>
+          </p:cNvPr>
+          <p:cNvSpPr/>
+          <p:nvPr/>
+        </p:nvSpPr>
+        <p:spPr>
+          <a:xfrm>
+            <a:off x="6652116" y="1116566"/>
+            <a:ext cx="1263191" cy="333001"/>
+          </a:xfrm>
+          <a:prstGeom prst="ellipse">
+            <a:avLst/>
+          </a:prstGeom>
+          <a:solidFill>
+            <a:schemeClr val="accent1">
+              <a:lumMod val="60000"/>
+              <a:lumOff val="40000"/>
+            </a:schemeClr>
+          </a:solidFill>
+        </p:spPr>
+        <p:style>
+          <a:lnRef idx="2">
+            <a:schemeClr val="accent1">
+              <a:shade val="50000"/>
+            </a:schemeClr>
+          </a:lnRef>
+          <a:fillRef idx="1">
+            <a:schemeClr val="accent1"/>
+          </a:fillRef>
+          <a:effectRef idx="0">
+            <a:schemeClr val="accent1"/>
+          </a:effectRef>
+          <a:fontRef idx="minor">
+            <a:schemeClr val="lt1"/>
+          </a:fontRef>
+        </p:style>
+        <p:txBody>
+          <a:bodyPr rtlCol="0" anchor="ctr"/>
+          <a:lstStyle/>
+          <a:p>
+            <a:pPr algn="ctr"/>
+            <a:endParaRPr lang="zh-CN" altLang="en-US"/>
+          </a:p>
+        </p:txBody>
+      </p:sp>
+      <p:pic>
+        <p:nvPicPr>
+          <p:cNvPr id="25" name="图片 24">
+            <a:extLst>
+              <a:ext uri="{FF2B5EF4-FFF2-40B4-BE49-F238E27FC236}">
+                <a16:creationId xmlns:a16="http://schemas.microsoft.com/office/drawing/2014/main" id="{09006F16-5378-003E-5C0E-8FF9FEC546D4}"/>
+              </a:ext>
+            </a:extLst>
+          </p:cNvPr>
+          <p:cNvPicPr>
+            <a:picLocks noChangeAspect="1"/>
+          </p:cNvPicPr>
+          <p:nvPr/>
+        </p:nvPicPr>
+        <p:blipFill>
+          <a:blip r:embed="rId2"/>
+          <a:stretch>
+            <a:fillRect/>
+          </a:stretch>
+        </p:blipFill>
+        <p:spPr>
+          <a:xfrm>
+            <a:off x="5154552" y="4957277"/>
+            <a:ext cx="612100" cy="606957"/>
+          </a:xfrm>
+          <a:prstGeom prst="rect">
+            <a:avLst/>
+          </a:prstGeom>
+        </p:spPr>
+      </p:pic>
+      <p:pic>
+        <p:nvPicPr>
+          <p:cNvPr id="26" name="图片 25">
+            <a:extLst>
+              <a:ext uri="{FF2B5EF4-FFF2-40B4-BE49-F238E27FC236}">
+                <a16:creationId xmlns:a16="http://schemas.microsoft.com/office/drawing/2014/main" id="{2BAD37FB-EB9D-D370-2B51-8E35AAF38167}"/>
+              </a:ext>
+            </a:extLst>
+          </p:cNvPr>
+          <p:cNvPicPr>
+            <a:picLocks noChangeAspect="1"/>
+          </p:cNvPicPr>
+          <p:nvPr/>
+        </p:nvPicPr>
+        <p:blipFill>
+          <a:blip r:embed="rId3"/>
+          <a:stretch>
+            <a:fillRect/>
+          </a:stretch>
+        </p:blipFill>
+        <p:spPr>
+          <a:xfrm>
+            <a:off x="6999355" y="5798200"/>
+            <a:ext cx="612100" cy="606999"/>
+          </a:xfrm>
+          <a:prstGeom prst="rect">
+            <a:avLst/>
+          </a:prstGeom>
+        </p:spPr>
+      </p:pic>
+      <p:pic>
+        <p:nvPicPr>
+          <p:cNvPr id="27" name="图片 26">
+            <a:extLst>
+              <a:ext uri="{FF2B5EF4-FFF2-40B4-BE49-F238E27FC236}">
+                <a16:creationId xmlns:a16="http://schemas.microsoft.com/office/drawing/2014/main" id="{1C0210CD-C266-B930-E638-BB546D154C74}"/>
+              </a:ext>
+            </a:extLst>
+          </p:cNvPr>
+          <p:cNvPicPr>
+            <a:picLocks noChangeAspect="1"/>
+          </p:cNvPicPr>
+          <p:nvPr/>
+        </p:nvPicPr>
+        <p:blipFill>
+          <a:blip r:embed="rId4"/>
+          <a:stretch>
+            <a:fillRect/>
+          </a:stretch>
+        </p:blipFill>
+        <p:spPr>
+          <a:xfrm>
+            <a:off x="4528806" y="3495681"/>
+            <a:ext cx="612100" cy="606956"/>
+          </a:xfrm>
+          <a:prstGeom prst="rect">
+            <a:avLst/>
+          </a:prstGeom>
+        </p:spPr>
+      </p:pic>
+      <p:sp>
+        <p:nvSpPr>
+          <p:cNvPr id="12" name="箭头: 右 11">
+            <a:extLst>
+              <a:ext uri="{FF2B5EF4-FFF2-40B4-BE49-F238E27FC236}">
+                <a16:creationId xmlns:a16="http://schemas.microsoft.com/office/drawing/2014/main" id="{CBE2E6AE-C4B4-960A-F745-009687CC64E1}"/>
+              </a:ext>
+            </a:extLst>
+          </p:cNvPr>
+          <p:cNvSpPr/>
+          <p:nvPr/>
+        </p:nvSpPr>
+        <p:spPr>
+          <a:xfrm rot="8127009">
+            <a:off x="4391899" y="2594898"/>
+            <a:ext cx="3328019" cy="119633"/>
+          </a:xfrm>
+          <a:prstGeom prst="rightArrow">
+            <a:avLst/>
+          </a:prstGeom>
+          <a:solidFill>
+            <a:srgbClr val="FF0000"/>
+          </a:solidFill>
+          <a:ln>
+            <a:solidFill>
+              <a:srgbClr val="FF0000"/>
+            </a:solidFill>
+          </a:ln>
+        </p:spPr>
+        <p:style>
+          <a:lnRef idx="2">
+            <a:schemeClr val="accent1">
+              <a:shade val="50000"/>
+            </a:schemeClr>
+          </a:lnRef>
+          <a:fillRef idx="1">
+            <a:schemeClr val="accent1"/>
+          </a:fillRef>
+          <a:effectRef idx="0">
+            <a:schemeClr val="accent1"/>
+          </a:effectRef>
+          <a:fontRef idx="minor">
+            <a:schemeClr val="lt1"/>
+          </a:fontRef>
+        </p:style>
+        <p:txBody>
+          <a:bodyPr rtlCol="0" anchor="ctr"/>
+          <a:lstStyle/>
+          <a:p>
+            <a:pPr algn="ctr"/>
+            <a:endParaRPr lang="zh-CN" altLang="en-US"/>
+          </a:p>
+        </p:txBody>
+      </p:sp>
+      <p:sp>
+        <p:nvSpPr>
+          <p:cNvPr id="38" name="箭头: 右 37">
+            <a:extLst>
+              <a:ext uri="{FF2B5EF4-FFF2-40B4-BE49-F238E27FC236}">
+                <a16:creationId xmlns:a16="http://schemas.microsoft.com/office/drawing/2014/main" id="{D83C9897-8C6C-63D0-4980-561938006796}"/>
+              </a:ext>
+            </a:extLst>
+          </p:cNvPr>
+          <p:cNvSpPr/>
+          <p:nvPr/>
+        </p:nvSpPr>
+        <p:spPr>
+          <a:xfrm rot="6889945">
+            <a:off x="4347684" y="3275190"/>
+            <a:ext cx="4131512" cy="144361"/>
+          </a:xfrm>
+          <a:prstGeom prst="rightArrow">
+            <a:avLst/>
+          </a:prstGeom>
+          <a:ln/>
+        </p:spPr>
+        <p:style>
+          <a:lnRef idx="2">
+            <a:schemeClr val="accent4">
+              <a:shade val="50000"/>
+            </a:schemeClr>
+          </a:lnRef>
+          <a:fillRef idx="1">
+            <a:schemeClr val="accent4"/>
+          </a:fillRef>
+          <a:effectRef idx="0">
+            <a:schemeClr val="accent4"/>
+          </a:effectRef>
+          <a:fontRef idx="minor">
+            <a:schemeClr val="lt1"/>
+          </a:fontRef>
+        </p:style>
+        <p:txBody>
+          <a:bodyPr rtlCol="0" anchor="ctr"/>
+          <a:lstStyle/>
+          <a:p>
+            <a:pPr algn="ctr"/>
+            <a:endParaRPr lang="zh-CN" altLang="en-US"/>
+          </a:p>
+        </p:txBody>
+      </p:sp>
+      <p:sp>
+        <p:nvSpPr>
+          <p:cNvPr id="39" name="箭头: 右 38">
+            <a:extLst>
+              <a:ext uri="{FF2B5EF4-FFF2-40B4-BE49-F238E27FC236}">
+                <a16:creationId xmlns:a16="http://schemas.microsoft.com/office/drawing/2014/main" id="{7541AED3-F942-9EB8-6A5E-FD3C9A6A9741}"/>
+              </a:ext>
+            </a:extLst>
+          </p:cNvPr>
+          <p:cNvSpPr/>
+          <p:nvPr/>
+        </p:nvSpPr>
+        <p:spPr>
+          <a:xfrm rot="5400000">
+            <a:off x="4969431" y="3693800"/>
+            <a:ext cx="4628562" cy="125563"/>
+          </a:xfrm>
+          <a:prstGeom prst="rightArrow">
+            <a:avLst/>
+          </a:prstGeom>
+          <a:ln/>
+        </p:spPr>
+        <p:style>
+          <a:lnRef idx="2">
+            <a:schemeClr val="accent6">
+              <a:shade val="50000"/>
+            </a:schemeClr>
+          </a:lnRef>
+          <a:fillRef idx="1">
+            <a:schemeClr val="accent6"/>
+          </a:fillRef>
+          <a:effectRef idx="0">
+            <a:schemeClr val="accent6"/>
+          </a:effectRef>
+          <a:fontRef idx="minor">
+            <a:schemeClr val="lt1"/>
+          </a:fontRef>
+        </p:style>
+        <p:txBody>
+          <a:bodyPr rtlCol="0" anchor="ctr"/>
+          <a:lstStyle/>
+          <a:p>
+            <a:pPr algn="ctr"/>
+            <a:endParaRPr lang="zh-CN" altLang="en-US"/>
+          </a:p>
+        </p:txBody>
+      </p:sp>
+    </p:spTree>
+    <p:extLst>
+      <p:ext uri="{BB962C8B-B14F-4D97-AF65-F5344CB8AC3E}">
+        <p14:creationId xmlns:p14="http://schemas.microsoft.com/office/powerpoint/2010/main" val="1360046837"/>
+      </p:ext>
+    </p:extLst>
+  </p:cSld>
+  <p:clrMapOvr>
+    <a:masterClrMapping/>
+  </p:clrMapOvr>
+</p:sld>
+</file>
+
+<file path=ppt/slides/slide22.xml><?xml version="1.0" encoding="utf-8"?>
+<p:sld xmlns:a="http://schemas.openxmlformats.org/drawingml/2006/main" xmlns:r="http://schemas.openxmlformats.org/officeDocument/2006/relationships" xmlns:p="http://schemas.openxmlformats.org/presentationml/2006/main">
+  <p:cSld>
+    <p:spTree>
+      <p:nvGrpSpPr>
+        <p:cNvPr id="1" name=""/>
+        <p:cNvGrpSpPr/>
+        <p:nvPr/>
+      </p:nvGrpSpPr>
+      <p:grpSpPr>
+        <a:xfrm>
+          <a:off x="0" y="0"/>
+          <a:ext cx="0" cy="0"/>
+          <a:chOff x="0" y="0"/>
+          <a:chExt cx="0" cy="0"/>
+        </a:xfrm>
+      </p:grpSpPr>
+      <p:sp>
+        <p:nvSpPr>
+          <p:cNvPr id="2" name="标题 1">
+            <a:extLst>
+              <a:ext uri="{FF2B5EF4-FFF2-40B4-BE49-F238E27FC236}">
+                <a16:creationId xmlns:a16="http://schemas.microsoft.com/office/drawing/2014/main" id="{80796E82-7314-2FBE-2DE8-DDD70D4DF27E}"/>
+              </a:ext>
+            </a:extLst>
+          </p:cNvPr>
+          <p:cNvSpPr>
+            <a:spLocks noGrp="1"/>
+          </p:cNvSpPr>
+          <p:nvPr>
+            <p:ph type="title"/>
+          </p:nvPr>
+        </p:nvSpPr>
+        <p:spPr>
+          <a:xfrm>
+            <a:off x="415600" y="270286"/>
+            <a:ext cx="11360800" cy="763600"/>
+          </a:xfrm>
+        </p:spPr>
+        <p:txBody>
+          <a:bodyPr>
+            <a:normAutofit/>
+          </a:bodyPr>
+          <a:lstStyle/>
+          <a:p>
+            <a:r>
+              <a:rPr lang="ja-JP" altLang="en-US" sz="2800" dirty="0">
+                <a:latin typeface="黑体" panose="02010609060101010101" pitchFamily="49" charset="-122"/>
+                <a:ea typeface="黑体" panose="02010609060101010101" pitchFamily="49" charset="-122"/>
+              </a:rPr>
+              <a:t>夢幻パラダイス　白黒の塔の配置</a:t>
+            </a:r>
+            <a:endParaRPr lang="zh-CN" altLang="en-US" sz="2800" dirty="0">
+              <a:latin typeface="黑体" panose="02010609060101010101" pitchFamily="49" charset="-122"/>
+              <a:ea typeface="黑体" panose="02010609060101010101" pitchFamily="49" charset="-122"/>
+            </a:endParaRPr>
+          </a:p>
+        </p:txBody>
+      </p:sp>
+      <p:sp>
+        <p:nvSpPr>
+          <p:cNvPr id="4" name="文本框 3">
+            <a:extLst>
+              <a:ext uri="{FF2B5EF4-FFF2-40B4-BE49-F238E27FC236}">
+                <a16:creationId xmlns:a16="http://schemas.microsoft.com/office/drawing/2014/main" id="{3E8E8225-E7B4-E598-7AEB-66BC2EF7864E}"/>
+              </a:ext>
+            </a:extLst>
+          </p:cNvPr>
+          <p:cNvSpPr txBox="1"/>
+          <p:nvPr/>
+        </p:nvSpPr>
+        <p:spPr>
+          <a:xfrm>
+            <a:off x="612559" y="1671863"/>
+            <a:ext cx="3335990" cy="1754326"/>
+          </a:xfrm>
+          <a:prstGeom prst="rect">
+            <a:avLst/>
+          </a:prstGeom>
+          <a:noFill/>
+        </p:spPr>
+        <p:txBody>
+          <a:bodyPr wrap="square" rtlCol="0">
+            <a:spAutoFit/>
+          </a:bodyPr>
+          <a:lstStyle/>
+          <a:p>
+            <a:r>
+              <a:rPr lang="ja-JP" altLang="en-US" dirty="0"/>
+              <a:t>ポータルを北として、塔は図のように配置する</a:t>
+            </a:r>
+            <a:endParaRPr lang="en-US" altLang="ja-JP" dirty="0"/>
+          </a:p>
+          <a:p>
+            <a:endParaRPr lang="en-US" altLang="ja-JP" dirty="0"/>
+          </a:p>
+          <a:p>
+            <a:r>
+              <a:rPr lang="ja-JP" altLang="en-US" dirty="0"/>
+              <a:t>塔の中の数字は出現する順番で、すべての塔は四人用</a:t>
+            </a:r>
+            <a:endParaRPr lang="en-US" altLang="ja-JP" dirty="0"/>
+          </a:p>
+          <a:p>
+            <a:endParaRPr lang="en-US" altLang="ja-JP" dirty="0"/>
+          </a:p>
+        </p:txBody>
+      </p:sp>
+      <p:sp>
+        <p:nvSpPr>
+          <p:cNvPr id="94" name="椭圆 93">
+            <a:extLst>
+              <a:ext uri="{FF2B5EF4-FFF2-40B4-BE49-F238E27FC236}">
+                <a16:creationId xmlns:a16="http://schemas.microsoft.com/office/drawing/2014/main" id="{8BEE0963-F39F-E799-5A6C-7DB2D9695EA3}"/>
+              </a:ext>
+            </a:extLst>
+          </p:cNvPr>
+          <p:cNvSpPr/>
+          <p:nvPr/>
+        </p:nvSpPr>
+        <p:spPr>
+          <a:xfrm>
+            <a:off x="4699366" y="1193119"/>
+            <a:ext cx="5212080" cy="5212080"/>
+          </a:xfrm>
+          <a:prstGeom prst="ellipse">
+            <a:avLst/>
+          </a:prstGeom>
+          <a:solidFill>
+            <a:schemeClr val="bg1">
+              <a:lumMod val="85000"/>
+            </a:schemeClr>
+          </a:solidFill>
+          <a:ln>
+            <a:noFill/>
+          </a:ln>
+        </p:spPr>
+        <p:style>
+          <a:lnRef idx="0">
+            <a:scrgbClr r="0" g="0" b="0"/>
+          </a:lnRef>
+          <a:fillRef idx="0">
+            <a:scrgbClr r="0" g="0" b="0"/>
+          </a:fillRef>
+          <a:effectRef idx="0">
+            <a:scrgbClr r="0" g="0" b="0"/>
+          </a:effectRef>
+          <a:fontRef idx="minor">
+            <a:schemeClr val="lt1"/>
+          </a:fontRef>
+        </p:style>
+        <p:txBody>
+          <a:bodyPr rtlCol="0" anchor="ctr"/>
+          <a:lstStyle/>
+          <a:p>
+            <a:pPr algn="ctr"/>
+            <a:endParaRPr lang="zh-CN" altLang="en-US" dirty="0"/>
+          </a:p>
+        </p:txBody>
+      </p:sp>
+      <p:sp>
+        <p:nvSpPr>
+          <p:cNvPr id="3" name="椭圆 2">
+            <a:extLst>
+              <a:ext uri="{FF2B5EF4-FFF2-40B4-BE49-F238E27FC236}">
+                <a16:creationId xmlns:a16="http://schemas.microsoft.com/office/drawing/2014/main" id="{012F767B-5206-A517-0D25-41845DA1D568}"/>
+              </a:ext>
+            </a:extLst>
+          </p:cNvPr>
+          <p:cNvSpPr/>
+          <p:nvPr/>
+        </p:nvSpPr>
+        <p:spPr>
+          <a:xfrm>
+            <a:off x="6652116" y="1116566"/>
+            <a:ext cx="1263191" cy="333001"/>
+          </a:xfrm>
+          <a:prstGeom prst="ellipse">
+            <a:avLst/>
+          </a:prstGeom>
+          <a:solidFill>
+            <a:schemeClr val="accent1">
+              <a:lumMod val="60000"/>
+              <a:lumOff val="40000"/>
+            </a:schemeClr>
+          </a:solidFill>
+        </p:spPr>
+        <p:style>
+          <a:lnRef idx="2">
+            <a:schemeClr val="accent1">
+              <a:shade val="50000"/>
+            </a:schemeClr>
+          </a:lnRef>
+          <a:fillRef idx="1">
+            <a:schemeClr val="accent1"/>
+          </a:fillRef>
+          <a:effectRef idx="0">
+            <a:schemeClr val="accent1"/>
+          </a:effectRef>
+          <a:fontRef idx="minor">
+            <a:schemeClr val="lt1"/>
+          </a:fontRef>
+        </p:style>
+        <p:txBody>
+          <a:bodyPr rtlCol="0" anchor="ctr"/>
+          <a:lstStyle/>
+          <a:p>
+            <a:pPr algn="ctr"/>
+            <a:endParaRPr lang="zh-CN" altLang="en-US"/>
+          </a:p>
+        </p:txBody>
+      </p:sp>
+      <p:sp>
+        <p:nvSpPr>
+          <p:cNvPr id="13" name="椭圆 12">
+            <a:extLst>
+              <a:ext uri="{FF2B5EF4-FFF2-40B4-BE49-F238E27FC236}">
+                <a16:creationId xmlns:a16="http://schemas.microsoft.com/office/drawing/2014/main" id="{38B7E776-7869-C2EE-A5AD-FE07B12FAB74}"/>
+              </a:ext>
+            </a:extLst>
+          </p:cNvPr>
+          <p:cNvSpPr/>
+          <p:nvPr/>
+        </p:nvSpPr>
+        <p:spPr>
+          <a:xfrm>
+            <a:off x="5238161" y="4807042"/>
+            <a:ext cx="857839" cy="857839"/>
+          </a:xfrm>
+          <a:prstGeom prst="ellipse">
+            <a:avLst/>
+          </a:prstGeom>
+          <a:solidFill>
+            <a:schemeClr val="dk1">
+              <a:alpha val="50000"/>
+            </a:schemeClr>
+          </a:solidFill>
+          <a:ln>
+            <a:noFill/>
+          </a:ln>
+        </p:spPr>
+        <p:style>
+          <a:lnRef idx="0">
+            <a:scrgbClr r="0" g="0" b="0"/>
+          </a:lnRef>
+          <a:fillRef idx="0">
+            <a:scrgbClr r="0" g="0" b="0"/>
+          </a:fillRef>
+          <a:effectRef idx="0">
+            <a:scrgbClr r="0" g="0" b="0"/>
+          </a:effectRef>
+          <a:fontRef idx="minor">
+            <a:schemeClr val="lt1"/>
+          </a:fontRef>
+        </p:style>
+        <p:txBody>
+          <a:bodyPr rtlCol="0" anchor="ctr"/>
+          <a:lstStyle/>
+          <a:p>
+            <a:pPr algn="ctr"/>
+            <a:r>
+              <a:rPr lang="en-US" altLang="zh-CN" dirty="0"/>
+              <a:t>1</a:t>
+            </a:r>
+            <a:endParaRPr lang="zh-CN" altLang="en-US" dirty="0"/>
+          </a:p>
+        </p:txBody>
+      </p:sp>
+      <p:sp>
+        <p:nvSpPr>
+          <p:cNvPr id="14" name="椭圆 13">
+            <a:extLst>
+              <a:ext uri="{FF2B5EF4-FFF2-40B4-BE49-F238E27FC236}">
+                <a16:creationId xmlns:a16="http://schemas.microsoft.com/office/drawing/2014/main" id="{D8DD0DA6-117D-35B7-99A2-FF9219BEBA7A}"/>
+              </a:ext>
+            </a:extLst>
+          </p:cNvPr>
+          <p:cNvSpPr/>
+          <p:nvPr/>
+        </p:nvSpPr>
+        <p:spPr>
+          <a:xfrm>
+            <a:off x="4809241" y="3370239"/>
+            <a:ext cx="857839" cy="857839"/>
+          </a:xfrm>
+          <a:prstGeom prst="ellipse">
+            <a:avLst/>
+          </a:prstGeom>
+          <a:solidFill>
+            <a:schemeClr val="bg1"/>
+          </a:solidFill>
+          <a:ln/>
+        </p:spPr>
+        <p:style>
+          <a:lnRef idx="3">
+            <a:schemeClr val="lt1"/>
+          </a:lnRef>
+          <a:fillRef idx="1">
+            <a:schemeClr val="dk1"/>
+          </a:fillRef>
+          <a:effectRef idx="1">
+            <a:schemeClr val="dk1"/>
+          </a:effectRef>
+          <a:fontRef idx="minor">
+            <a:schemeClr val="lt1"/>
+          </a:fontRef>
+        </p:style>
+        <p:txBody>
+          <a:bodyPr rtlCol="0" anchor="ctr"/>
+          <a:lstStyle/>
+          <a:p>
+            <a:pPr algn="ctr"/>
+            <a:r>
+              <a:rPr lang="en-US" altLang="ja-JP" dirty="0">
+                <a:solidFill>
+                  <a:schemeClr val="tx1"/>
+                </a:solidFill>
+              </a:rPr>
+              <a:t>2</a:t>
+            </a:r>
+            <a:endParaRPr lang="zh-CN" altLang="en-US" dirty="0">
+              <a:solidFill>
+                <a:schemeClr val="tx1"/>
+              </a:solidFill>
+            </a:endParaRPr>
+          </a:p>
+        </p:txBody>
+      </p:sp>
+      <p:sp>
+        <p:nvSpPr>
+          <p:cNvPr id="15" name="椭圆 14">
+            <a:extLst>
+              <a:ext uri="{FF2B5EF4-FFF2-40B4-BE49-F238E27FC236}">
+                <a16:creationId xmlns:a16="http://schemas.microsoft.com/office/drawing/2014/main" id="{4473FF23-7236-BE2D-9F0F-D30171020183}"/>
+              </a:ext>
+            </a:extLst>
+          </p:cNvPr>
+          <p:cNvSpPr/>
+          <p:nvPr/>
+        </p:nvSpPr>
+        <p:spPr>
+          <a:xfrm>
+            <a:off x="6854791" y="1283066"/>
+            <a:ext cx="857839" cy="857839"/>
+          </a:xfrm>
+          <a:prstGeom prst="ellipse">
+            <a:avLst/>
+          </a:prstGeom>
+          <a:solidFill>
+            <a:schemeClr val="bg1"/>
+          </a:solidFill>
+          <a:ln/>
+        </p:spPr>
+        <p:style>
+          <a:lnRef idx="3">
+            <a:schemeClr val="lt1"/>
+          </a:lnRef>
+          <a:fillRef idx="1">
+            <a:schemeClr val="dk1"/>
+          </a:fillRef>
+          <a:effectRef idx="1">
+            <a:schemeClr val="dk1"/>
+          </a:effectRef>
+          <a:fontRef idx="minor">
+            <a:schemeClr val="lt1"/>
+          </a:fontRef>
+        </p:style>
+        <p:txBody>
+          <a:bodyPr rtlCol="0" anchor="ctr"/>
+          <a:lstStyle/>
+          <a:p>
+            <a:pPr algn="ctr"/>
+            <a:r>
+              <a:rPr lang="en-US" altLang="zh-CN" dirty="0">
+                <a:solidFill>
+                  <a:schemeClr val="tx1"/>
+                </a:solidFill>
+              </a:rPr>
+              <a:t>4</a:t>
+            </a:r>
+            <a:endParaRPr lang="zh-CN" altLang="en-US" dirty="0">
+              <a:solidFill>
+                <a:schemeClr val="tx1"/>
+              </a:solidFill>
+            </a:endParaRPr>
+          </a:p>
+        </p:txBody>
+      </p:sp>
+      <p:sp>
+        <p:nvSpPr>
+          <p:cNvPr id="16" name="椭圆 15">
+            <a:extLst>
+              <a:ext uri="{FF2B5EF4-FFF2-40B4-BE49-F238E27FC236}">
+                <a16:creationId xmlns:a16="http://schemas.microsoft.com/office/drawing/2014/main" id="{5B674586-3FAA-F398-D9DD-3C1412DB22B3}"/>
+              </a:ext>
+            </a:extLst>
+          </p:cNvPr>
+          <p:cNvSpPr/>
+          <p:nvPr/>
+        </p:nvSpPr>
+        <p:spPr>
+          <a:xfrm>
+            <a:off x="6854791" y="5474616"/>
+            <a:ext cx="857839" cy="857839"/>
+          </a:xfrm>
+          <a:prstGeom prst="ellipse">
+            <a:avLst/>
+          </a:prstGeom>
+          <a:solidFill>
+            <a:schemeClr val="bg1"/>
+          </a:solidFill>
+          <a:ln/>
+        </p:spPr>
+        <p:style>
+          <a:lnRef idx="3">
+            <a:schemeClr val="lt1"/>
+          </a:lnRef>
+          <a:fillRef idx="1">
+            <a:schemeClr val="dk1"/>
+          </a:fillRef>
+          <a:effectRef idx="1">
+            <a:schemeClr val="dk1"/>
+          </a:effectRef>
+          <a:fontRef idx="minor">
+            <a:schemeClr val="lt1"/>
+          </a:fontRef>
+        </p:style>
+        <p:txBody>
+          <a:bodyPr rtlCol="0" anchor="ctr"/>
+          <a:lstStyle/>
+          <a:p>
+            <a:pPr algn="ctr"/>
+            <a:r>
+              <a:rPr lang="en-US" altLang="zh-CN" dirty="0">
+                <a:solidFill>
+                  <a:schemeClr val="tx1"/>
+                </a:solidFill>
+              </a:rPr>
+              <a:t>4</a:t>
+            </a:r>
+            <a:endParaRPr lang="zh-CN" altLang="en-US" dirty="0">
+              <a:solidFill>
+                <a:schemeClr val="tx1"/>
+              </a:solidFill>
+            </a:endParaRPr>
+          </a:p>
+        </p:txBody>
+      </p:sp>
+      <p:sp>
+        <p:nvSpPr>
+          <p:cNvPr id="17" name="椭圆 16">
+            <a:extLst>
+              <a:ext uri="{FF2B5EF4-FFF2-40B4-BE49-F238E27FC236}">
+                <a16:creationId xmlns:a16="http://schemas.microsoft.com/office/drawing/2014/main" id="{1B65CA99-0563-B4C2-F8E8-0F681E9BE5AA}"/>
+              </a:ext>
+            </a:extLst>
+          </p:cNvPr>
+          <p:cNvSpPr/>
+          <p:nvPr/>
+        </p:nvSpPr>
+        <p:spPr>
+          <a:xfrm>
+            <a:off x="8960282" y="3370238"/>
+            <a:ext cx="857839" cy="857839"/>
+          </a:xfrm>
+          <a:prstGeom prst="ellipse">
+            <a:avLst/>
+          </a:prstGeom>
+          <a:solidFill>
+            <a:schemeClr val="bg1"/>
+          </a:solidFill>
+          <a:ln/>
+        </p:spPr>
+        <p:style>
+          <a:lnRef idx="3">
+            <a:schemeClr val="lt1"/>
+          </a:lnRef>
+          <a:fillRef idx="1">
+            <a:schemeClr val="dk1"/>
+          </a:fillRef>
+          <a:effectRef idx="1">
+            <a:schemeClr val="dk1"/>
+          </a:effectRef>
+          <a:fontRef idx="minor">
+            <a:schemeClr val="lt1"/>
+          </a:fontRef>
+        </p:style>
+        <p:txBody>
+          <a:bodyPr rtlCol="0" anchor="ctr"/>
+          <a:lstStyle/>
+          <a:p>
+            <a:pPr algn="ctr"/>
+            <a:r>
+              <a:rPr lang="en-US" altLang="zh-CN" dirty="0">
+                <a:solidFill>
+                  <a:schemeClr val="tx1"/>
+                </a:solidFill>
+              </a:rPr>
+              <a:t>2</a:t>
+            </a:r>
+            <a:endParaRPr lang="zh-CN" altLang="en-US" dirty="0">
+              <a:solidFill>
+                <a:schemeClr val="tx1"/>
+              </a:solidFill>
+            </a:endParaRPr>
+          </a:p>
+        </p:txBody>
+      </p:sp>
+      <p:sp>
+        <p:nvSpPr>
+          <p:cNvPr id="18" name="椭圆 17">
+            <a:extLst>
+              <a:ext uri="{FF2B5EF4-FFF2-40B4-BE49-F238E27FC236}">
+                <a16:creationId xmlns:a16="http://schemas.microsoft.com/office/drawing/2014/main" id="{28E9B88E-5089-3E31-A173-9E6BFC411B12}"/>
+              </a:ext>
+            </a:extLst>
+          </p:cNvPr>
+          <p:cNvSpPr/>
+          <p:nvPr/>
+        </p:nvSpPr>
+        <p:spPr>
+          <a:xfrm>
+            <a:off x="5268883" y="1982183"/>
+            <a:ext cx="857839" cy="857839"/>
+          </a:xfrm>
+          <a:prstGeom prst="ellipse">
+            <a:avLst/>
+          </a:prstGeom>
+          <a:solidFill>
+            <a:schemeClr val="dk1">
+              <a:alpha val="50000"/>
+            </a:schemeClr>
+          </a:solidFill>
+          <a:ln>
+            <a:noFill/>
+          </a:ln>
+        </p:spPr>
+        <p:style>
+          <a:lnRef idx="0">
+            <a:scrgbClr r="0" g="0" b="0"/>
+          </a:lnRef>
+          <a:fillRef idx="0">
+            <a:scrgbClr r="0" g="0" b="0"/>
+          </a:fillRef>
+          <a:effectRef idx="0">
+            <a:scrgbClr r="0" g="0" b="0"/>
+          </a:effectRef>
+          <a:fontRef idx="minor">
+            <a:schemeClr val="lt1"/>
+          </a:fontRef>
+        </p:style>
+        <p:txBody>
+          <a:bodyPr rtlCol="0" anchor="ctr"/>
+          <a:lstStyle/>
+          <a:p>
+            <a:pPr algn="ctr"/>
+            <a:r>
+              <a:rPr lang="en-US" altLang="zh-CN" dirty="0"/>
+              <a:t>3</a:t>
+            </a:r>
+            <a:endParaRPr lang="zh-CN" altLang="en-US" dirty="0"/>
+          </a:p>
+        </p:txBody>
+      </p:sp>
+      <p:sp>
+        <p:nvSpPr>
+          <p:cNvPr id="19" name="椭圆 18">
+            <a:extLst>
+              <a:ext uri="{FF2B5EF4-FFF2-40B4-BE49-F238E27FC236}">
+                <a16:creationId xmlns:a16="http://schemas.microsoft.com/office/drawing/2014/main" id="{65071104-DAC5-B2F4-E32C-3E8685DC9ABB}"/>
+              </a:ext>
+            </a:extLst>
+          </p:cNvPr>
+          <p:cNvSpPr/>
+          <p:nvPr/>
+        </p:nvSpPr>
+        <p:spPr>
+          <a:xfrm>
+            <a:off x="8383118" y="4807041"/>
+            <a:ext cx="857839" cy="857839"/>
+          </a:xfrm>
+          <a:prstGeom prst="ellipse">
+            <a:avLst/>
+          </a:prstGeom>
+          <a:solidFill>
+            <a:schemeClr val="dk1">
+              <a:alpha val="50000"/>
+            </a:schemeClr>
+          </a:solidFill>
+          <a:ln>
+            <a:noFill/>
+          </a:ln>
+        </p:spPr>
+        <p:style>
+          <a:lnRef idx="0">
+            <a:scrgbClr r="0" g="0" b="0"/>
+          </a:lnRef>
+          <a:fillRef idx="0">
+            <a:scrgbClr r="0" g="0" b="0"/>
+          </a:fillRef>
+          <a:effectRef idx="0">
+            <a:scrgbClr r="0" g="0" b="0"/>
+          </a:effectRef>
+          <a:fontRef idx="minor">
+            <a:schemeClr val="lt1"/>
+          </a:fontRef>
+        </p:style>
+        <p:txBody>
+          <a:bodyPr rtlCol="0" anchor="ctr"/>
+          <a:lstStyle/>
+          <a:p>
+            <a:pPr algn="ctr"/>
+            <a:r>
+              <a:rPr lang="en-US" altLang="zh-CN" dirty="0"/>
+              <a:t>3</a:t>
+            </a:r>
+            <a:endParaRPr lang="zh-CN" altLang="en-US" dirty="0"/>
+          </a:p>
+        </p:txBody>
+      </p:sp>
+      <p:sp>
+        <p:nvSpPr>
+          <p:cNvPr id="20" name="椭圆 19">
+            <a:extLst>
+              <a:ext uri="{FF2B5EF4-FFF2-40B4-BE49-F238E27FC236}">
+                <a16:creationId xmlns:a16="http://schemas.microsoft.com/office/drawing/2014/main" id="{139AD470-0E68-4E4A-461B-9AC53FA9B15D}"/>
+              </a:ext>
+            </a:extLst>
+          </p:cNvPr>
+          <p:cNvSpPr/>
+          <p:nvPr/>
+        </p:nvSpPr>
+        <p:spPr>
+          <a:xfrm>
+            <a:off x="8361715" y="1890977"/>
+            <a:ext cx="857839" cy="857839"/>
+          </a:xfrm>
+          <a:prstGeom prst="ellipse">
+            <a:avLst/>
+          </a:prstGeom>
+          <a:solidFill>
+            <a:schemeClr val="dk1">
+              <a:alpha val="50000"/>
+            </a:schemeClr>
+          </a:solidFill>
+          <a:ln>
+            <a:noFill/>
+          </a:ln>
+        </p:spPr>
+        <p:style>
+          <a:lnRef idx="0">
+            <a:scrgbClr r="0" g="0" b="0"/>
+          </a:lnRef>
+          <a:fillRef idx="0">
+            <a:scrgbClr r="0" g="0" b="0"/>
+          </a:fillRef>
+          <a:effectRef idx="0">
+            <a:scrgbClr r="0" g="0" b="0"/>
+          </a:effectRef>
+          <a:fontRef idx="minor">
+            <a:schemeClr val="lt1"/>
+          </a:fontRef>
+        </p:style>
+        <p:txBody>
+          <a:bodyPr rtlCol="0" anchor="ctr"/>
+          <a:lstStyle/>
+          <a:p>
+            <a:pPr algn="ctr"/>
+            <a:r>
+              <a:rPr lang="en-US" altLang="zh-CN" dirty="0"/>
+              <a:t>1</a:t>
+            </a:r>
+            <a:endParaRPr lang="zh-CN" altLang="en-US" dirty="0"/>
+          </a:p>
+        </p:txBody>
+      </p:sp>
+    </p:spTree>
+    <p:extLst>
+      <p:ext uri="{BB962C8B-B14F-4D97-AF65-F5344CB8AC3E}">
+        <p14:creationId xmlns:p14="http://schemas.microsoft.com/office/powerpoint/2010/main" val="3394140169"/>
+      </p:ext>
+    </p:extLst>
+  </p:cSld>
+  <p:clrMapOvr>
+    <a:masterClrMapping/>
+  </p:clrMapOvr>
+</p:sld>
+</file>
+
+<file path=ppt/slides/slide23.xml><?xml version="1.0" encoding="utf-8"?>
+<p:sld xmlns:a="http://schemas.openxmlformats.org/drawingml/2006/main" xmlns:r="http://schemas.openxmlformats.org/officeDocument/2006/relationships" xmlns:p="http://schemas.openxmlformats.org/presentationml/2006/main">
+  <p:cSld>
+    <p:spTree>
+      <p:nvGrpSpPr>
+        <p:cNvPr id="1" name=""/>
+        <p:cNvGrpSpPr/>
+        <p:nvPr/>
+      </p:nvGrpSpPr>
+      <p:grpSpPr>
+        <a:xfrm>
+          <a:off x="0" y="0"/>
+          <a:ext cx="0" cy="0"/>
+          <a:chOff x="0" y="0"/>
+          <a:chExt cx="0" cy="0"/>
+        </a:xfrm>
+      </p:grpSpPr>
+      <p:sp>
+        <p:nvSpPr>
+          <p:cNvPr id="2" name="标题 1">
+            <a:extLst>
+              <a:ext uri="{FF2B5EF4-FFF2-40B4-BE49-F238E27FC236}">
+                <a16:creationId xmlns:a16="http://schemas.microsoft.com/office/drawing/2014/main" id="{80796E82-7314-2FBE-2DE8-DDD70D4DF27E}"/>
+              </a:ext>
+            </a:extLst>
+          </p:cNvPr>
+          <p:cNvSpPr>
+            <a:spLocks noGrp="1"/>
+          </p:cNvSpPr>
+          <p:nvPr>
+            <p:ph type="title"/>
+          </p:nvPr>
+        </p:nvSpPr>
+        <p:spPr>
+          <a:xfrm>
+            <a:off x="415600" y="270286"/>
+            <a:ext cx="11360800" cy="763600"/>
+          </a:xfrm>
+        </p:spPr>
+        <p:txBody>
+          <a:bodyPr>
+            <a:normAutofit/>
+          </a:bodyPr>
+          <a:lstStyle/>
+          <a:p>
+            <a:r>
+              <a:rPr lang="ja-JP" altLang="en-US" sz="2800" dirty="0">
+                <a:latin typeface="黑体" panose="02010609060101010101" pitchFamily="49" charset="-122"/>
+                <a:ea typeface="黑体" panose="02010609060101010101" pitchFamily="49" charset="-122"/>
+              </a:rPr>
+              <a:t>夢幻パラダイス</a:t>
+            </a:r>
+            <a:r>
+              <a:rPr lang="en-US" altLang="ja-JP" sz="2800" dirty="0">
+                <a:latin typeface="黑体" panose="02010609060101010101" pitchFamily="49" charset="-122"/>
+                <a:ea typeface="黑体" panose="02010609060101010101" pitchFamily="49" charset="-122"/>
+              </a:rPr>
+              <a:t>1</a:t>
+            </a:r>
+            <a:endParaRPr lang="zh-CN" altLang="en-US" sz="2800" dirty="0">
+              <a:latin typeface="黑体" panose="02010609060101010101" pitchFamily="49" charset="-122"/>
+              <a:ea typeface="黑体" panose="02010609060101010101" pitchFamily="49" charset="-122"/>
+            </a:endParaRPr>
+          </a:p>
+        </p:txBody>
+      </p:sp>
+      <p:sp>
+        <p:nvSpPr>
+          <p:cNvPr id="4" name="文本框 3">
+            <a:extLst>
+              <a:ext uri="{FF2B5EF4-FFF2-40B4-BE49-F238E27FC236}">
+                <a16:creationId xmlns:a16="http://schemas.microsoft.com/office/drawing/2014/main" id="{3E8E8225-E7B4-E598-7AEB-66BC2EF7864E}"/>
+              </a:ext>
+            </a:extLst>
+          </p:cNvPr>
+          <p:cNvSpPr txBox="1"/>
+          <p:nvPr/>
+        </p:nvSpPr>
+        <p:spPr>
+          <a:xfrm>
+            <a:off x="612559" y="1671863"/>
+            <a:ext cx="3335990" cy="2862322"/>
+          </a:xfrm>
+          <a:prstGeom prst="rect">
+            <a:avLst/>
+          </a:prstGeom>
+          <a:noFill/>
+        </p:spPr>
+        <p:txBody>
+          <a:bodyPr wrap="square" rtlCol="0">
+            <a:spAutoFit/>
+          </a:bodyPr>
+          <a:lstStyle/>
+          <a:p>
+            <a:r>
+              <a:rPr lang="ja-JP" altLang="en-US" dirty="0"/>
+              <a:t>奇数組はポータル</a:t>
+            </a:r>
+            <a:r>
+              <a:rPr lang="en-US" altLang="ja-JP" dirty="0"/>
+              <a:t>0</a:t>
+            </a:r>
+            <a:r>
+              <a:rPr lang="ja-JP" altLang="en-US" dirty="0"/>
+              <a:t>の遠い塔へ行き、偶数組は近い塔</a:t>
+            </a:r>
+            <a:endParaRPr lang="en-US" altLang="ja-JP" dirty="0"/>
+          </a:p>
+          <a:p>
+            <a:endParaRPr lang="en-US" altLang="ja-JP" dirty="0"/>
+          </a:p>
+          <a:p>
+            <a:r>
+              <a:rPr lang="en-US" altLang="ja-JP" dirty="0"/>
+              <a:t>1</a:t>
+            </a:r>
+            <a:r>
+              <a:rPr lang="ja-JP" altLang="en-US" dirty="0"/>
+              <a:t>、</a:t>
+            </a:r>
+            <a:r>
+              <a:rPr lang="en-US" altLang="ja-JP" dirty="0"/>
+              <a:t>2</a:t>
+            </a:r>
+            <a:r>
+              <a:rPr lang="ja-JP" altLang="en-US" dirty="0"/>
+              <a:t>番の人は先頭で列車突進を受け止める</a:t>
+            </a:r>
+            <a:endParaRPr lang="en-US" altLang="ja-JP" dirty="0"/>
+          </a:p>
+          <a:p>
+            <a:endParaRPr lang="en-US" altLang="ja-JP" dirty="0"/>
+          </a:p>
+          <a:p>
+            <a:r>
+              <a:rPr lang="ja-JP" altLang="en-US" dirty="0"/>
+              <a:t>同時に一回目の塔処理</a:t>
+            </a:r>
+            <a:endParaRPr lang="en-US" altLang="ja-JP" dirty="0"/>
+          </a:p>
+          <a:p>
+            <a:endParaRPr lang="en-US" altLang="ja-JP" dirty="0"/>
+          </a:p>
+          <a:p>
+            <a:r>
+              <a:rPr lang="ja-JP" altLang="en-US" dirty="0"/>
+              <a:t>着弾順は</a:t>
+            </a:r>
+            <a:r>
+              <a:rPr lang="en-US" altLang="ja-JP" dirty="0"/>
+              <a:t>0-1</a:t>
+            </a:r>
+            <a:r>
+              <a:rPr lang="ja-JP" altLang="en-US" dirty="0"/>
+              <a:t>列車、一回目塔、</a:t>
+            </a:r>
+            <a:r>
+              <a:rPr lang="en-US" altLang="ja-JP" dirty="0"/>
+              <a:t>1-2</a:t>
+            </a:r>
+            <a:r>
+              <a:rPr lang="ja-JP" altLang="en-US" dirty="0"/>
+              <a:t>列車</a:t>
+            </a:r>
+            <a:endParaRPr lang="en-US" altLang="ja-JP" dirty="0"/>
+          </a:p>
+        </p:txBody>
+      </p:sp>
+      <p:sp>
+        <p:nvSpPr>
+          <p:cNvPr id="94" name="椭圆 93">
+            <a:extLst>
+              <a:ext uri="{FF2B5EF4-FFF2-40B4-BE49-F238E27FC236}">
+                <a16:creationId xmlns:a16="http://schemas.microsoft.com/office/drawing/2014/main" id="{8BEE0963-F39F-E799-5A6C-7DB2D9695EA3}"/>
+              </a:ext>
+            </a:extLst>
+          </p:cNvPr>
+          <p:cNvSpPr/>
+          <p:nvPr/>
+        </p:nvSpPr>
+        <p:spPr>
+          <a:xfrm>
+            <a:off x="4699366" y="1193119"/>
+            <a:ext cx="5212080" cy="5212080"/>
+          </a:xfrm>
+          <a:prstGeom prst="ellipse">
+            <a:avLst/>
+          </a:prstGeom>
+          <a:solidFill>
+            <a:schemeClr val="bg1">
+              <a:lumMod val="85000"/>
+            </a:schemeClr>
+          </a:solidFill>
+          <a:ln>
+            <a:noFill/>
+          </a:ln>
+        </p:spPr>
+        <p:style>
+          <a:lnRef idx="0">
+            <a:scrgbClr r="0" g="0" b="0"/>
+          </a:lnRef>
+          <a:fillRef idx="0">
+            <a:scrgbClr r="0" g="0" b="0"/>
+          </a:fillRef>
+          <a:effectRef idx="0">
+            <a:scrgbClr r="0" g="0" b="0"/>
+          </a:effectRef>
+          <a:fontRef idx="minor">
+            <a:schemeClr val="lt1"/>
+          </a:fontRef>
+        </p:style>
+        <p:txBody>
+          <a:bodyPr rtlCol="0" anchor="ctr"/>
+          <a:lstStyle/>
+          <a:p>
+            <a:pPr algn="ctr"/>
+            <a:endParaRPr lang="zh-CN" altLang="en-US" dirty="0"/>
+          </a:p>
+        </p:txBody>
+      </p:sp>
+      <p:sp>
+        <p:nvSpPr>
+          <p:cNvPr id="3" name="椭圆 2">
+            <a:extLst>
+              <a:ext uri="{FF2B5EF4-FFF2-40B4-BE49-F238E27FC236}">
+                <a16:creationId xmlns:a16="http://schemas.microsoft.com/office/drawing/2014/main" id="{012F767B-5206-A517-0D25-41845DA1D568}"/>
+              </a:ext>
+            </a:extLst>
+          </p:cNvPr>
+          <p:cNvSpPr/>
+          <p:nvPr/>
+        </p:nvSpPr>
+        <p:spPr>
+          <a:xfrm>
+            <a:off x="6652116" y="1116566"/>
+            <a:ext cx="1263191" cy="333001"/>
+          </a:xfrm>
+          <a:prstGeom prst="ellipse">
+            <a:avLst/>
+          </a:prstGeom>
+          <a:solidFill>
+            <a:schemeClr val="accent1">
+              <a:lumMod val="60000"/>
+              <a:lumOff val="40000"/>
+            </a:schemeClr>
+          </a:solidFill>
+        </p:spPr>
+        <p:style>
+          <a:lnRef idx="2">
+            <a:schemeClr val="accent1">
+              <a:shade val="50000"/>
+            </a:schemeClr>
+          </a:lnRef>
+          <a:fillRef idx="1">
+            <a:schemeClr val="accent1"/>
+          </a:fillRef>
+          <a:effectRef idx="0">
+            <a:schemeClr val="accent1"/>
+          </a:effectRef>
+          <a:fontRef idx="minor">
+            <a:schemeClr val="lt1"/>
+          </a:fontRef>
+        </p:style>
+        <p:txBody>
+          <a:bodyPr rtlCol="0" anchor="ctr"/>
+          <a:lstStyle/>
+          <a:p>
+            <a:pPr algn="ctr"/>
+            <a:endParaRPr lang="zh-CN" altLang="en-US"/>
+          </a:p>
+        </p:txBody>
+      </p:sp>
+      <p:sp>
+        <p:nvSpPr>
+          <p:cNvPr id="13" name="椭圆 12">
+            <a:extLst>
+              <a:ext uri="{FF2B5EF4-FFF2-40B4-BE49-F238E27FC236}">
+                <a16:creationId xmlns:a16="http://schemas.microsoft.com/office/drawing/2014/main" id="{38B7E776-7869-C2EE-A5AD-FE07B12FAB74}"/>
+              </a:ext>
+            </a:extLst>
+          </p:cNvPr>
+          <p:cNvSpPr/>
+          <p:nvPr/>
+        </p:nvSpPr>
+        <p:spPr>
+          <a:xfrm>
+            <a:off x="5238161" y="4807042"/>
+            <a:ext cx="857839" cy="857839"/>
+          </a:xfrm>
+          <a:prstGeom prst="ellipse">
+            <a:avLst/>
+          </a:prstGeom>
+          <a:solidFill>
+            <a:schemeClr val="dk1">
+              <a:alpha val="50000"/>
+            </a:schemeClr>
+          </a:solidFill>
+          <a:ln>
+            <a:noFill/>
+          </a:ln>
+        </p:spPr>
+        <p:style>
+          <a:lnRef idx="0">
+            <a:scrgbClr r="0" g="0" b="0"/>
+          </a:lnRef>
+          <a:fillRef idx="0">
+            <a:scrgbClr r="0" g="0" b="0"/>
+          </a:fillRef>
+          <a:effectRef idx="0">
+            <a:scrgbClr r="0" g="0" b="0"/>
+          </a:effectRef>
+          <a:fontRef idx="minor">
+            <a:schemeClr val="lt1"/>
+          </a:fontRef>
+        </p:style>
+        <p:txBody>
+          <a:bodyPr rtlCol="0" anchor="ctr"/>
+          <a:lstStyle/>
+          <a:p>
+            <a:pPr algn="ctr"/>
+            <a:r>
+              <a:rPr lang="en-US" altLang="zh-CN" dirty="0"/>
+              <a:t>1</a:t>
+            </a:r>
+            <a:endParaRPr lang="zh-CN" altLang="en-US" dirty="0"/>
+          </a:p>
+        </p:txBody>
+      </p:sp>
+      <p:sp>
+        <p:nvSpPr>
+          <p:cNvPr id="20" name="椭圆 19">
+            <a:extLst>
+              <a:ext uri="{FF2B5EF4-FFF2-40B4-BE49-F238E27FC236}">
+                <a16:creationId xmlns:a16="http://schemas.microsoft.com/office/drawing/2014/main" id="{139AD470-0E68-4E4A-461B-9AC53FA9B15D}"/>
+              </a:ext>
+            </a:extLst>
+          </p:cNvPr>
+          <p:cNvSpPr/>
+          <p:nvPr/>
+        </p:nvSpPr>
+        <p:spPr>
+          <a:xfrm>
+            <a:off x="8361715" y="1890977"/>
+            <a:ext cx="857839" cy="857839"/>
+          </a:xfrm>
+          <a:prstGeom prst="ellipse">
+            <a:avLst/>
+          </a:prstGeom>
+          <a:solidFill>
+            <a:schemeClr val="dk1">
+              <a:alpha val="50000"/>
+            </a:schemeClr>
+          </a:solidFill>
+          <a:ln>
+            <a:noFill/>
+          </a:ln>
+        </p:spPr>
+        <p:style>
+          <a:lnRef idx="0">
+            <a:scrgbClr r="0" g="0" b="0"/>
+          </a:lnRef>
+          <a:fillRef idx="0">
+            <a:scrgbClr r="0" g="0" b="0"/>
+          </a:fillRef>
+          <a:effectRef idx="0">
+            <a:scrgbClr r="0" g="0" b="0"/>
+          </a:effectRef>
+          <a:fontRef idx="minor">
+            <a:schemeClr val="lt1"/>
+          </a:fontRef>
+        </p:style>
+        <p:txBody>
+          <a:bodyPr rtlCol="0" anchor="ctr"/>
+          <a:lstStyle/>
+          <a:p>
+            <a:pPr algn="ctr"/>
+            <a:r>
+              <a:rPr lang="en-US" altLang="zh-CN" dirty="0"/>
+              <a:t>1</a:t>
+            </a:r>
+            <a:endParaRPr lang="zh-CN" altLang="en-US" dirty="0"/>
+          </a:p>
+        </p:txBody>
+      </p:sp>
+      <p:pic>
+        <p:nvPicPr>
+          <p:cNvPr id="29" name="图片 28">
+            <a:extLst>
+              <a:ext uri="{FF2B5EF4-FFF2-40B4-BE49-F238E27FC236}">
+                <a16:creationId xmlns:a16="http://schemas.microsoft.com/office/drawing/2014/main" id="{37828109-D1DB-24B1-070F-6C6C2342A787}"/>
+              </a:ext>
+            </a:extLst>
+          </p:cNvPr>
+          <p:cNvPicPr>
+            <a:picLocks noChangeAspect="1"/>
+          </p:cNvPicPr>
+          <p:nvPr/>
+        </p:nvPicPr>
+        <p:blipFill>
+          <a:blip r:embed="rId2"/>
+          <a:stretch>
+            <a:fillRect/>
+          </a:stretch>
+        </p:blipFill>
+        <p:spPr>
+          <a:xfrm flipV="1">
+            <a:off x="5729797" y="4822244"/>
+            <a:ext cx="361410" cy="358373"/>
+          </a:xfrm>
+          <a:prstGeom prst="rect">
+            <a:avLst/>
+          </a:prstGeom>
+        </p:spPr>
+      </p:pic>
+      <p:pic>
+        <p:nvPicPr>
+          <p:cNvPr id="30" name="图片 29">
+            <a:extLst>
+              <a:ext uri="{FF2B5EF4-FFF2-40B4-BE49-F238E27FC236}">
+                <a16:creationId xmlns:a16="http://schemas.microsoft.com/office/drawing/2014/main" id="{308EB72D-0591-1F78-12FC-CD798BD7E73D}"/>
+              </a:ext>
+            </a:extLst>
+          </p:cNvPr>
+          <p:cNvPicPr>
+            <a:picLocks noChangeAspect="1"/>
+          </p:cNvPicPr>
+          <p:nvPr/>
+        </p:nvPicPr>
+        <p:blipFill>
+          <a:blip r:embed="rId3"/>
+          <a:stretch>
+            <a:fillRect/>
+          </a:stretch>
+        </p:blipFill>
+        <p:spPr>
+          <a:xfrm flipV="1">
+            <a:off x="8361715" y="2393022"/>
+            <a:ext cx="364447" cy="361410"/>
+          </a:xfrm>
+          <a:prstGeom prst="rect">
+            <a:avLst/>
+          </a:prstGeom>
+        </p:spPr>
+      </p:pic>
+      <p:pic>
+        <p:nvPicPr>
+          <p:cNvPr id="31" name="图片 30">
+            <a:extLst>
+              <a:ext uri="{FF2B5EF4-FFF2-40B4-BE49-F238E27FC236}">
+                <a16:creationId xmlns:a16="http://schemas.microsoft.com/office/drawing/2014/main" id="{07F4B817-9FB7-F356-BFC2-674680D05075}"/>
+              </a:ext>
+            </a:extLst>
+          </p:cNvPr>
+          <p:cNvPicPr>
+            <a:picLocks noChangeAspect="1"/>
+          </p:cNvPicPr>
+          <p:nvPr/>
+        </p:nvPicPr>
+        <p:blipFill>
+          <a:blip r:embed="rId4"/>
+          <a:stretch>
+            <a:fillRect/>
+          </a:stretch>
+        </p:blipFill>
+        <p:spPr>
+          <a:xfrm flipV="1">
+            <a:off x="5191002" y="5180617"/>
+            <a:ext cx="361410" cy="358373"/>
+          </a:xfrm>
+          <a:prstGeom prst="rect">
+            <a:avLst/>
+          </a:prstGeom>
+        </p:spPr>
+      </p:pic>
+      <p:pic>
+        <p:nvPicPr>
+          <p:cNvPr id="32" name="图片 31">
+            <a:extLst>
+              <a:ext uri="{FF2B5EF4-FFF2-40B4-BE49-F238E27FC236}">
+                <a16:creationId xmlns:a16="http://schemas.microsoft.com/office/drawing/2014/main" id="{6AD0DB1A-3123-D4EB-783F-2A1EBF1F865D}"/>
+              </a:ext>
+            </a:extLst>
+          </p:cNvPr>
+          <p:cNvPicPr>
+            <a:picLocks noChangeAspect="1"/>
+          </p:cNvPicPr>
+          <p:nvPr/>
+        </p:nvPicPr>
+        <p:blipFill>
+          <a:blip r:embed="rId5"/>
+          <a:stretch>
+            <a:fillRect/>
+          </a:stretch>
+        </p:blipFill>
+        <p:spPr>
+          <a:xfrm flipV="1">
+            <a:off x="8726162" y="1798964"/>
+            <a:ext cx="364447" cy="370521"/>
+          </a:xfrm>
+          <a:prstGeom prst="rect">
+            <a:avLst/>
+          </a:prstGeom>
+        </p:spPr>
+      </p:pic>
+      <p:pic>
+        <p:nvPicPr>
+          <p:cNvPr id="33" name="图片 32">
+            <a:extLst>
+              <a:ext uri="{FF2B5EF4-FFF2-40B4-BE49-F238E27FC236}">
+                <a16:creationId xmlns:a16="http://schemas.microsoft.com/office/drawing/2014/main" id="{6EA6B283-FA33-8B5F-19D9-23C22512D6A2}"/>
+              </a:ext>
+            </a:extLst>
+          </p:cNvPr>
+          <p:cNvPicPr>
+            <a:picLocks noChangeAspect="1"/>
+          </p:cNvPicPr>
+          <p:nvPr/>
+        </p:nvPicPr>
+        <p:blipFill>
+          <a:blip r:embed="rId6"/>
+          <a:stretch>
+            <a:fillRect/>
+          </a:stretch>
+        </p:blipFill>
+        <p:spPr>
+          <a:xfrm flipV="1">
+            <a:off x="5118695" y="5515999"/>
+            <a:ext cx="771413" cy="364447"/>
+          </a:xfrm>
+          <a:prstGeom prst="rect">
+            <a:avLst/>
+          </a:prstGeom>
+        </p:spPr>
+      </p:pic>
+      <p:pic>
+        <p:nvPicPr>
+          <p:cNvPr id="34" name="图片 33">
+            <a:extLst>
+              <a:ext uri="{FF2B5EF4-FFF2-40B4-BE49-F238E27FC236}">
+                <a16:creationId xmlns:a16="http://schemas.microsoft.com/office/drawing/2014/main" id="{A7CC21E1-7467-1ACF-2ED7-68959584D6DF}"/>
+              </a:ext>
+            </a:extLst>
+          </p:cNvPr>
+          <p:cNvPicPr>
+            <a:picLocks noChangeAspect="1"/>
+          </p:cNvPicPr>
+          <p:nvPr/>
+        </p:nvPicPr>
+        <p:blipFill>
+          <a:blip r:embed="rId7"/>
+          <a:stretch>
+            <a:fillRect/>
+          </a:stretch>
+        </p:blipFill>
+        <p:spPr>
+          <a:xfrm flipV="1">
+            <a:off x="8852626" y="2153918"/>
+            <a:ext cx="744078" cy="385706"/>
+          </a:xfrm>
+          <a:prstGeom prst="rect">
+            <a:avLst/>
+          </a:prstGeom>
+        </p:spPr>
+      </p:pic>
+      <p:pic>
+        <p:nvPicPr>
+          <p:cNvPr id="35" name="图片 34">
+            <a:extLst>
+              <a:ext uri="{FF2B5EF4-FFF2-40B4-BE49-F238E27FC236}">
+                <a16:creationId xmlns:a16="http://schemas.microsoft.com/office/drawing/2014/main" id="{4FD1822D-6EF2-CCB1-76AC-A770762EDBFB}"/>
+              </a:ext>
+            </a:extLst>
+          </p:cNvPr>
+          <p:cNvPicPr>
+            <a:picLocks noChangeAspect="1"/>
+          </p:cNvPicPr>
+          <p:nvPr/>
+        </p:nvPicPr>
+        <p:blipFill>
+          <a:blip r:embed="rId8"/>
+          <a:stretch>
+            <a:fillRect/>
+          </a:stretch>
+        </p:blipFill>
+        <p:spPr>
+          <a:xfrm flipV="1">
+            <a:off x="5118695" y="5810447"/>
+            <a:ext cx="747116" cy="379632"/>
+          </a:xfrm>
+          <a:prstGeom prst="rect">
+            <a:avLst/>
+          </a:prstGeom>
+        </p:spPr>
+      </p:pic>
+      <p:pic>
+        <p:nvPicPr>
+          <p:cNvPr id="36" name="图片 35">
+            <a:extLst>
+              <a:ext uri="{FF2B5EF4-FFF2-40B4-BE49-F238E27FC236}">
+                <a16:creationId xmlns:a16="http://schemas.microsoft.com/office/drawing/2014/main" id="{9E02D9AC-14F1-BAD2-3488-0805428D78DE}"/>
+              </a:ext>
+            </a:extLst>
+          </p:cNvPr>
+          <p:cNvPicPr>
+            <a:picLocks noChangeAspect="1"/>
+          </p:cNvPicPr>
+          <p:nvPr/>
+        </p:nvPicPr>
+        <p:blipFill>
+          <a:blip r:embed="rId9"/>
+          <a:stretch>
+            <a:fillRect/>
+          </a:stretch>
+        </p:blipFill>
+        <p:spPr>
+          <a:xfrm flipV="1">
+            <a:off x="8908385" y="2515115"/>
+            <a:ext cx="744079" cy="367484"/>
+          </a:xfrm>
+          <a:prstGeom prst="rect">
+            <a:avLst/>
+          </a:prstGeom>
+        </p:spPr>
+      </p:pic>
+      <p:sp>
+        <p:nvSpPr>
+          <p:cNvPr id="39" name="箭头: 右 38">
+            <a:extLst>
+              <a:ext uri="{FF2B5EF4-FFF2-40B4-BE49-F238E27FC236}">
+                <a16:creationId xmlns:a16="http://schemas.microsoft.com/office/drawing/2014/main" id="{E96F8D33-A9BF-94AC-B64B-D6CB8722BEEB}"/>
+              </a:ext>
+            </a:extLst>
+          </p:cNvPr>
+          <p:cNvSpPr/>
+          <p:nvPr/>
+        </p:nvSpPr>
+        <p:spPr>
+          <a:xfrm rot="6563148">
+            <a:off x="4738225" y="2822275"/>
+            <a:ext cx="3646457" cy="979749"/>
+          </a:xfrm>
+          <a:prstGeom prst="rightArrow">
+            <a:avLst/>
+          </a:prstGeom>
+          <a:solidFill>
+            <a:schemeClr val="accent2">
+              <a:alpha val="50000"/>
+            </a:schemeClr>
+          </a:solidFill>
+          <a:ln>
+            <a:noFill/>
+          </a:ln>
+        </p:spPr>
+        <p:style>
+          <a:lnRef idx="0">
+            <a:scrgbClr r="0" g="0" b="0"/>
+          </a:lnRef>
+          <a:fillRef idx="0">
+            <a:scrgbClr r="0" g="0" b="0"/>
+          </a:fillRef>
+          <a:effectRef idx="0">
+            <a:scrgbClr r="0" g="0" b="0"/>
+          </a:effectRef>
+          <a:fontRef idx="minor">
+            <a:schemeClr val="lt1"/>
+          </a:fontRef>
+        </p:style>
+        <p:txBody>
+          <a:bodyPr rtlCol="0" anchor="ctr"/>
+          <a:lstStyle/>
+          <a:p>
+            <a:pPr algn="ctr"/>
+            <a:endParaRPr lang="zh-CN" altLang="en-US"/>
+          </a:p>
+        </p:txBody>
+      </p:sp>
+      <p:sp>
+        <p:nvSpPr>
+          <p:cNvPr id="40" name="箭头: 右 39">
+            <a:extLst>
+              <a:ext uri="{FF2B5EF4-FFF2-40B4-BE49-F238E27FC236}">
+                <a16:creationId xmlns:a16="http://schemas.microsoft.com/office/drawing/2014/main" id="{9C2A8819-B668-0107-BB7F-64E2A52819BC}"/>
+              </a:ext>
+            </a:extLst>
+          </p:cNvPr>
+          <p:cNvSpPr/>
+          <p:nvPr/>
+        </p:nvSpPr>
+        <p:spPr>
+          <a:xfrm rot="19038524">
+            <a:off x="5577293" y="3228522"/>
+            <a:ext cx="3489555" cy="979749"/>
+          </a:xfrm>
+          <a:prstGeom prst="rightArrow">
+            <a:avLst/>
+          </a:prstGeom>
+          <a:solidFill>
+            <a:schemeClr val="accent2">
+              <a:alpha val="50000"/>
+            </a:schemeClr>
+          </a:solidFill>
+          <a:ln>
+            <a:noFill/>
+          </a:ln>
+        </p:spPr>
+        <p:style>
+          <a:lnRef idx="0">
+            <a:scrgbClr r="0" g="0" b="0"/>
+          </a:lnRef>
+          <a:fillRef idx="0">
+            <a:scrgbClr r="0" g="0" b="0"/>
+          </a:fillRef>
+          <a:effectRef idx="0">
+            <a:scrgbClr r="0" g="0" b="0"/>
+          </a:effectRef>
+          <a:fontRef idx="minor">
+            <a:schemeClr val="lt1"/>
+          </a:fontRef>
+        </p:style>
+        <p:txBody>
+          <a:bodyPr rtlCol="0" anchor="ctr"/>
+          <a:lstStyle/>
+          <a:p>
+            <a:pPr algn="ctr"/>
+            <a:endParaRPr lang="zh-CN" altLang="en-US"/>
+          </a:p>
+        </p:txBody>
+      </p:sp>
+    </p:spTree>
+    <p:extLst>
+      <p:ext uri="{BB962C8B-B14F-4D97-AF65-F5344CB8AC3E}">
+        <p14:creationId xmlns:p14="http://schemas.microsoft.com/office/powerpoint/2010/main" val="3723017413"/>
+      </p:ext>
+    </p:extLst>
+  </p:cSld>
+  <p:clrMapOvr>
+    <a:masterClrMapping/>
+  </p:clrMapOvr>
+</p:sld>
+</file>
+
+<file path=ppt/slides/slide24.xml><?xml version="1.0" encoding="utf-8"?>
+<p:sld xmlns:a="http://schemas.openxmlformats.org/drawingml/2006/main" xmlns:r="http://schemas.openxmlformats.org/officeDocument/2006/relationships" xmlns:p="http://schemas.openxmlformats.org/presentationml/2006/main">
+  <p:cSld>
+    <p:spTree>
+      <p:nvGrpSpPr>
+        <p:cNvPr id="1" name=""/>
+        <p:cNvGrpSpPr/>
+        <p:nvPr/>
+      </p:nvGrpSpPr>
+      <p:grpSpPr>
+        <a:xfrm>
+          <a:off x="0" y="0"/>
+          <a:ext cx="0" cy="0"/>
+          <a:chOff x="0" y="0"/>
+          <a:chExt cx="0" cy="0"/>
+        </a:xfrm>
+      </p:grpSpPr>
+      <p:sp>
+        <p:nvSpPr>
+          <p:cNvPr id="2" name="标题 1">
+            <a:extLst>
+              <a:ext uri="{FF2B5EF4-FFF2-40B4-BE49-F238E27FC236}">
+                <a16:creationId xmlns:a16="http://schemas.microsoft.com/office/drawing/2014/main" id="{80796E82-7314-2FBE-2DE8-DDD70D4DF27E}"/>
+              </a:ext>
+            </a:extLst>
+          </p:cNvPr>
+          <p:cNvSpPr>
+            <a:spLocks noGrp="1"/>
+          </p:cNvSpPr>
+          <p:nvPr>
+            <p:ph type="title"/>
+          </p:nvPr>
+        </p:nvSpPr>
+        <p:spPr>
+          <a:xfrm>
+            <a:off x="415600" y="270286"/>
+            <a:ext cx="11360800" cy="763600"/>
+          </a:xfrm>
+        </p:spPr>
+        <p:txBody>
+          <a:bodyPr>
+            <a:normAutofit/>
+          </a:bodyPr>
+          <a:lstStyle/>
+          <a:p>
+            <a:r>
+              <a:rPr lang="ja-JP" altLang="en-US" sz="2800" dirty="0">
+                <a:latin typeface="黑体" panose="02010609060101010101" pitchFamily="49" charset="-122"/>
+                <a:ea typeface="黑体" panose="02010609060101010101" pitchFamily="49" charset="-122"/>
+              </a:rPr>
+              <a:t>夢幻パラダイス</a:t>
+            </a:r>
+            <a:r>
+              <a:rPr lang="en-US" altLang="ja-JP" sz="2800" dirty="0">
+                <a:latin typeface="黑体" panose="02010609060101010101" pitchFamily="49" charset="-122"/>
+                <a:ea typeface="黑体" panose="02010609060101010101" pitchFamily="49" charset="-122"/>
+              </a:rPr>
+              <a:t>2</a:t>
+            </a:r>
+            <a:endParaRPr lang="zh-CN" altLang="en-US" sz="2800" dirty="0">
+              <a:latin typeface="黑体" panose="02010609060101010101" pitchFamily="49" charset="-122"/>
+              <a:ea typeface="黑体" panose="02010609060101010101" pitchFamily="49" charset="-122"/>
+            </a:endParaRPr>
+          </a:p>
+        </p:txBody>
+      </p:sp>
+      <p:sp>
+        <p:nvSpPr>
+          <p:cNvPr id="4" name="文本框 3">
+            <a:extLst>
+              <a:ext uri="{FF2B5EF4-FFF2-40B4-BE49-F238E27FC236}">
+                <a16:creationId xmlns:a16="http://schemas.microsoft.com/office/drawing/2014/main" id="{3E8E8225-E7B4-E598-7AEB-66BC2EF7864E}"/>
+              </a:ext>
+            </a:extLst>
+          </p:cNvPr>
+          <p:cNvSpPr txBox="1"/>
+          <p:nvPr/>
+        </p:nvSpPr>
+        <p:spPr>
+          <a:xfrm>
+            <a:off x="612559" y="1671863"/>
+            <a:ext cx="3335990" cy="2585323"/>
+          </a:xfrm>
+          <a:prstGeom prst="rect">
+            <a:avLst/>
+          </a:prstGeom>
+          <a:noFill/>
+        </p:spPr>
+        <p:txBody>
+          <a:bodyPr wrap="square" rtlCol="0">
+            <a:spAutoFit/>
+          </a:bodyPr>
+          <a:lstStyle/>
+          <a:p>
+            <a:r>
+              <a:rPr lang="ja-JP" altLang="en-US" dirty="0"/>
+              <a:t>全員一個時計回りの塔を踏む</a:t>
+            </a:r>
+            <a:endParaRPr lang="en-US" altLang="ja-JP" dirty="0"/>
+          </a:p>
+          <a:p>
+            <a:endParaRPr lang="en-US" altLang="ja-JP" dirty="0"/>
+          </a:p>
+          <a:p>
+            <a:r>
+              <a:rPr lang="en-US" altLang="ja-JP" dirty="0"/>
+              <a:t>3</a:t>
+            </a:r>
+            <a:r>
+              <a:rPr lang="ja-JP" altLang="en-US" dirty="0"/>
+              <a:t>、</a:t>
+            </a:r>
+            <a:r>
+              <a:rPr lang="en-US" altLang="ja-JP" dirty="0"/>
+              <a:t>4</a:t>
+            </a:r>
+            <a:r>
+              <a:rPr lang="ja-JP" altLang="en-US" dirty="0"/>
+              <a:t>番の人は先頭で列車突進を受け止める</a:t>
+            </a:r>
+            <a:endParaRPr lang="en-US" altLang="ja-JP" dirty="0"/>
+          </a:p>
+          <a:p>
+            <a:endParaRPr lang="en-US" altLang="ja-JP" dirty="0"/>
+          </a:p>
+          <a:p>
+            <a:r>
+              <a:rPr lang="ja-JP" altLang="en-US" dirty="0"/>
+              <a:t>同時に二回目の塔処理</a:t>
+            </a:r>
+            <a:endParaRPr lang="en-US" altLang="ja-JP" dirty="0"/>
+          </a:p>
+          <a:p>
+            <a:endParaRPr lang="en-US" altLang="ja-JP" dirty="0"/>
+          </a:p>
+          <a:p>
+            <a:r>
+              <a:rPr lang="ja-JP" altLang="en-US" dirty="0"/>
+              <a:t>着弾順は</a:t>
+            </a:r>
+            <a:r>
+              <a:rPr lang="en-US" altLang="ja-JP" dirty="0"/>
+              <a:t>2-3</a:t>
+            </a:r>
+            <a:r>
+              <a:rPr lang="ja-JP" altLang="en-US" dirty="0"/>
+              <a:t>列車、二回目塔、</a:t>
+            </a:r>
+            <a:r>
+              <a:rPr lang="en-US" altLang="ja-JP" dirty="0"/>
+              <a:t>3-4</a:t>
+            </a:r>
+            <a:r>
+              <a:rPr lang="ja-JP" altLang="en-US" dirty="0"/>
+              <a:t>列車</a:t>
+            </a:r>
+            <a:endParaRPr lang="en-US" altLang="ja-JP" dirty="0"/>
+          </a:p>
+        </p:txBody>
+      </p:sp>
+      <p:sp>
+        <p:nvSpPr>
+          <p:cNvPr id="94" name="椭圆 93">
+            <a:extLst>
+              <a:ext uri="{FF2B5EF4-FFF2-40B4-BE49-F238E27FC236}">
+                <a16:creationId xmlns:a16="http://schemas.microsoft.com/office/drawing/2014/main" id="{8BEE0963-F39F-E799-5A6C-7DB2D9695EA3}"/>
+              </a:ext>
+            </a:extLst>
+          </p:cNvPr>
+          <p:cNvSpPr/>
+          <p:nvPr/>
+        </p:nvSpPr>
+        <p:spPr>
+          <a:xfrm>
+            <a:off x="4699366" y="1193119"/>
+            <a:ext cx="5212080" cy="5212080"/>
+          </a:xfrm>
+          <a:prstGeom prst="ellipse">
+            <a:avLst/>
+          </a:prstGeom>
+          <a:solidFill>
+            <a:schemeClr val="bg1">
+              <a:lumMod val="85000"/>
+            </a:schemeClr>
+          </a:solidFill>
+          <a:ln>
+            <a:noFill/>
+          </a:ln>
+        </p:spPr>
+        <p:style>
+          <a:lnRef idx="0">
+            <a:scrgbClr r="0" g="0" b="0"/>
+          </a:lnRef>
+          <a:fillRef idx="0">
+            <a:scrgbClr r="0" g="0" b="0"/>
+          </a:fillRef>
+          <a:effectRef idx="0">
+            <a:scrgbClr r="0" g="0" b="0"/>
+          </a:effectRef>
+          <a:fontRef idx="minor">
+            <a:schemeClr val="lt1"/>
+          </a:fontRef>
+        </p:style>
+        <p:txBody>
+          <a:bodyPr rtlCol="0" anchor="ctr"/>
+          <a:lstStyle/>
+          <a:p>
+            <a:pPr algn="ctr"/>
+            <a:endParaRPr lang="zh-CN" altLang="en-US" dirty="0"/>
+          </a:p>
+        </p:txBody>
+      </p:sp>
+      <p:sp>
+        <p:nvSpPr>
+          <p:cNvPr id="3" name="椭圆 2">
+            <a:extLst>
+              <a:ext uri="{FF2B5EF4-FFF2-40B4-BE49-F238E27FC236}">
+                <a16:creationId xmlns:a16="http://schemas.microsoft.com/office/drawing/2014/main" id="{012F767B-5206-A517-0D25-41845DA1D568}"/>
+              </a:ext>
+            </a:extLst>
+          </p:cNvPr>
+          <p:cNvSpPr/>
+          <p:nvPr/>
+        </p:nvSpPr>
+        <p:spPr>
+          <a:xfrm>
+            <a:off x="6652116" y="1116566"/>
+            <a:ext cx="1263191" cy="333001"/>
+          </a:xfrm>
+          <a:prstGeom prst="ellipse">
+            <a:avLst/>
+          </a:prstGeom>
+          <a:solidFill>
+            <a:schemeClr val="accent1">
+              <a:lumMod val="60000"/>
+              <a:lumOff val="40000"/>
+            </a:schemeClr>
+          </a:solidFill>
+        </p:spPr>
+        <p:style>
+          <a:lnRef idx="2">
+            <a:schemeClr val="accent1">
+              <a:shade val="50000"/>
+            </a:schemeClr>
+          </a:lnRef>
+          <a:fillRef idx="1">
+            <a:schemeClr val="accent1"/>
+          </a:fillRef>
+          <a:effectRef idx="0">
+            <a:schemeClr val="accent1"/>
+          </a:effectRef>
+          <a:fontRef idx="minor">
+            <a:schemeClr val="lt1"/>
+          </a:fontRef>
+        </p:style>
+        <p:txBody>
+          <a:bodyPr rtlCol="0" anchor="ctr"/>
+          <a:lstStyle/>
+          <a:p>
+            <a:pPr algn="ctr"/>
+            <a:endParaRPr lang="zh-CN" altLang="en-US"/>
+          </a:p>
+        </p:txBody>
+      </p:sp>
+      <p:sp>
+        <p:nvSpPr>
+          <p:cNvPr id="18" name="椭圆 17">
+            <a:extLst>
+              <a:ext uri="{FF2B5EF4-FFF2-40B4-BE49-F238E27FC236}">
+                <a16:creationId xmlns:a16="http://schemas.microsoft.com/office/drawing/2014/main" id="{4B33E43D-6830-FFA6-F0D9-FE3548A9AEEB}"/>
+              </a:ext>
+            </a:extLst>
+          </p:cNvPr>
+          <p:cNvSpPr/>
+          <p:nvPr/>
+        </p:nvSpPr>
+        <p:spPr>
+          <a:xfrm>
+            <a:off x="4809241" y="3370239"/>
+            <a:ext cx="857839" cy="857839"/>
+          </a:xfrm>
+          <a:prstGeom prst="ellipse">
+            <a:avLst/>
+          </a:prstGeom>
+          <a:solidFill>
+            <a:schemeClr val="bg1"/>
+          </a:solidFill>
+          <a:ln/>
+        </p:spPr>
+        <p:style>
+          <a:lnRef idx="3">
+            <a:schemeClr val="lt1"/>
+          </a:lnRef>
+          <a:fillRef idx="1">
+            <a:schemeClr val="dk1"/>
+          </a:fillRef>
+          <a:effectRef idx="1">
+            <a:schemeClr val="dk1"/>
+          </a:effectRef>
+          <a:fontRef idx="minor">
+            <a:schemeClr val="lt1"/>
+          </a:fontRef>
+        </p:style>
+        <p:txBody>
+          <a:bodyPr rtlCol="0" anchor="ctr"/>
+          <a:lstStyle/>
+          <a:p>
+            <a:pPr algn="ctr"/>
+            <a:r>
+              <a:rPr lang="en-US" altLang="ja-JP" dirty="0">
+                <a:solidFill>
+                  <a:schemeClr val="tx1"/>
+                </a:solidFill>
+              </a:rPr>
+              <a:t>2</a:t>
+            </a:r>
+            <a:endParaRPr lang="zh-CN" altLang="en-US" dirty="0">
+              <a:solidFill>
+                <a:schemeClr val="tx1"/>
+              </a:solidFill>
+            </a:endParaRPr>
+          </a:p>
+        </p:txBody>
+      </p:sp>
+      <p:sp>
+        <p:nvSpPr>
+          <p:cNvPr id="19" name="椭圆 18">
+            <a:extLst>
+              <a:ext uri="{FF2B5EF4-FFF2-40B4-BE49-F238E27FC236}">
+                <a16:creationId xmlns:a16="http://schemas.microsoft.com/office/drawing/2014/main" id="{C1D855FC-C9AF-91CE-40B0-D44AA72FE829}"/>
+              </a:ext>
+            </a:extLst>
+          </p:cNvPr>
+          <p:cNvSpPr/>
+          <p:nvPr/>
+        </p:nvSpPr>
+        <p:spPr>
+          <a:xfrm>
+            <a:off x="8960282" y="3370238"/>
+            <a:ext cx="857839" cy="857839"/>
+          </a:xfrm>
+          <a:prstGeom prst="ellipse">
+            <a:avLst/>
+          </a:prstGeom>
+          <a:solidFill>
+            <a:schemeClr val="bg1"/>
+          </a:solidFill>
+          <a:ln/>
+        </p:spPr>
+        <p:style>
+          <a:lnRef idx="3">
+            <a:schemeClr val="lt1"/>
+          </a:lnRef>
+          <a:fillRef idx="1">
+            <a:schemeClr val="dk1"/>
+          </a:fillRef>
+          <a:effectRef idx="1">
+            <a:schemeClr val="dk1"/>
+          </a:effectRef>
+          <a:fontRef idx="minor">
+            <a:schemeClr val="lt1"/>
+          </a:fontRef>
+        </p:style>
+        <p:txBody>
+          <a:bodyPr rtlCol="0" anchor="ctr"/>
+          <a:lstStyle/>
+          <a:p>
+            <a:pPr algn="ctr"/>
+            <a:r>
+              <a:rPr lang="en-US" altLang="zh-CN" dirty="0">
+                <a:solidFill>
+                  <a:schemeClr val="tx1"/>
+                </a:solidFill>
+              </a:rPr>
+              <a:t>2</a:t>
+            </a:r>
+            <a:endParaRPr lang="zh-CN" altLang="en-US" dirty="0">
+              <a:solidFill>
+                <a:schemeClr val="tx1"/>
+              </a:solidFill>
+            </a:endParaRPr>
+          </a:p>
+        </p:txBody>
+      </p:sp>
+      <p:pic>
+        <p:nvPicPr>
+          <p:cNvPr id="29" name="图片 28">
+            <a:extLst>
+              <a:ext uri="{FF2B5EF4-FFF2-40B4-BE49-F238E27FC236}">
+                <a16:creationId xmlns:a16="http://schemas.microsoft.com/office/drawing/2014/main" id="{37828109-D1DB-24B1-070F-6C6C2342A787}"/>
+              </a:ext>
+            </a:extLst>
+          </p:cNvPr>
+          <p:cNvPicPr>
+            <a:picLocks noChangeAspect="1"/>
+          </p:cNvPicPr>
+          <p:nvPr/>
+        </p:nvPicPr>
+        <p:blipFill>
+          <a:blip r:embed="rId2"/>
+          <a:stretch>
+            <a:fillRect/>
+          </a:stretch>
+        </p:blipFill>
+        <p:spPr>
+          <a:xfrm flipV="1">
+            <a:off x="4732143" y="3379356"/>
+            <a:ext cx="361410" cy="358373"/>
+          </a:xfrm>
+          <a:prstGeom prst="rect">
+            <a:avLst/>
+          </a:prstGeom>
+        </p:spPr>
+      </p:pic>
+      <p:pic>
+        <p:nvPicPr>
+          <p:cNvPr id="30" name="图片 29">
+            <a:extLst>
+              <a:ext uri="{FF2B5EF4-FFF2-40B4-BE49-F238E27FC236}">
+                <a16:creationId xmlns:a16="http://schemas.microsoft.com/office/drawing/2014/main" id="{308EB72D-0591-1F78-12FC-CD798BD7E73D}"/>
+              </a:ext>
+            </a:extLst>
+          </p:cNvPr>
+          <p:cNvPicPr>
+            <a:picLocks noChangeAspect="1"/>
+          </p:cNvPicPr>
+          <p:nvPr/>
+        </p:nvPicPr>
+        <p:blipFill>
+          <a:blip r:embed="rId3"/>
+          <a:stretch>
+            <a:fillRect/>
+          </a:stretch>
+        </p:blipFill>
+        <p:spPr>
+          <a:xfrm flipV="1">
+            <a:off x="9533971" y="3227733"/>
+            <a:ext cx="364447" cy="361410"/>
+          </a:xfrm>
+          <a:prstGeom prst="rect">
+            <a:avLst/>
+          </a:prstGeom>
+        </p:spPr>
+      </p:pic>
+      <p:pic>
+        <p:nvPicPr>
+          <p:cNvPr id="31" name="图片 30">
+            <a:extLst>
+              <a:ext uri="{FF2B5EF4-FFF2-40B4-BE49-F238E27FC236}">
+                <a16:creationId xmlns:a16="http://schemas.microsoft.com/office/drawing/2014/main" id="{07F4B817-9FB7-F356-BFC2-674680D05075}"/>
+              </a:ext>
+            </a:extLst>
+          </p:cNvPr>
+          <p:cNvPicPr>
+            <a:picLocks noChangeAspect="1"/>
+          </p:cNvPicPr>
+          <p:nvPr/>
+        </p:nvPicPr>
+        <p:blipFill>
+          <a:blip r:embed="rId4"/>
+          <a:stretch>
+            <a:fillRect/>
+          </a:stretch>
+        </p:blipFill>
+        <p:spPr>
+          <a:xfrm flipV="1">
+            <a:off x="5398026" y="3681765"/>
+            <a:ext cx="361410" cy="333263"/>
+          </a:xfrm>
+          <a:prstGeom prst="rect">
+            <a:avLst/>
+          </a:prstGeom>
+        </p:spPr>
+      </p:pic>
+      <p:pic>
+        <p:nvPicPr>
+          <p:cNvPr id="32" name="图片 31">
+            <a:extLst>
+              <a:ext uri="{FF2B5EF4-FFF2-40B4-BE49-F238E27FC236}">
+                <a16:creationId xmlns:a16="http://schemas.microsoft.com/office/drawing/2014/main" id="{6AD0DB1A-3123-D4EB-783F-2A1EBF1F865D}"/>
+              </a:ext>
+            </a:extLst>
+          </p:cNvPr>
+          <p:cNvPicPr>
+            <a:picLocks noChangeAspect="1"/>
+          </p:cNvPicPr>
+          <p:nvPr/>
+        </p:nvPicPr>
+        <p:blipFill>
+          <a:blip r:embed="rId5"/>
+          <a:stretch>
+            <a:fillRect/>
+          </a:stretch>
+        </p:blipFill>
+        <p:spPr>
+          <a:xfrm flipV="1">
+            <a:off x="8931146" y="3623293"/>
+            <a:ext cx="364447" cy="370521"/>
+          </a:xfrm>
+          <a:prstGeom prst="rect">
+            <a:avLst/>
+          </a:prstGeom>
+        </p:spPr>
+      </p:pic>
+      <p:pic>
+        <p:nvPicPr>
+          <p:cNvPr id="33" name="图片 32">
+            <a:extLst>
+              <a:ext uri="{FF2B5EF4-FFF2-40B4-BE49-F238E27FC236}">
+                <a16:creationId xmlns:a16="http://schemas.microsoft.com/office/drawing/2014/main" id="{6EA6B283-FA33-8B5F-19D9-23C22512D6A2}"/>
+              </a:ext>
+            </a:extLst>
+          </p:cNvPr>
+          <p:cNvPicPr>
+            <a:picLocks noChangeAspect="1"/>
+          </p:cNvPicPr>
+          <p:nvPr/>
+        </p:nvPicPr>
+        <p:blipFill>
+          <a:blip r:embed="rId6"/>
+          <a:stretch>
+            <a:fillRect/>
+          </a:stretch>
+        </p:blipFill>
+        <p:spPr>
+          <a:xfrm flipV="1">
+            <a:off x="4441080" y="3733634"/>
+            <a:ext cx="771413" cy="364447"/>
+          </a:xfrm>
+          <a:prstGeom prst="rect">
+            <a:avLst/>
+          </a:prstGeom>
+        </p:spPr>
+      </p:pic>
+      <p:pic>
+        <p:nvPicPr>
+          <p:cNvPr id="34" name="图片 33">
+            <a:extLst>
+              <a:ext uri="{FF2B5EF4-FFF2-40B4-BE49-F238E27FC236}">
+                <a16:creationId xmlns:a16="http://schemas.microsoft.com/office/drawing/2014/main" id="{A7CC21E1-7467-1ACF-2ED7-68959584D6DF}"/>
+              </a:ext>
+            </a:extLst>
+          </p:cNvPr>
+          <p:cNvPicPr>
+            <a:picLocks noChangeAspect="1"/>
+          </p:cNvPicPr>
+          <p:nvPr/>
+        </p:nvPicPr>
+        <p:blipFill>
+          <a:blip r:embed="rId7"/>
+          <a:stretch>
+            <a:fillRect/>
+          </a:stretch>
+        </p:blipFill>
+        <p:spPr>
+          <a:xfrm flipV="1">
+            <a:off x="9485453" y="3623293"/>
+            <a:ext cx="744078" cy="385706"/>
+          </a:xfrm>
+          <a:prstGeom prst="rect">
+            <a:avLst/>
+          </a:prstGeom>
+        </p:spPr>
+      </p:pic>
+      <p:pic>
+        <p:nvPicPr>
+          <p:cNvPr id="35" name="图片 34">
+            <a:extLst>
+              <a:ext uri="{FF2B5EF4-FFF2-40B4-BE49-F238E27FC236}">
+                <a16:creationId xmlns:a16="http://schemas.microsoft.com/office/drawing/2014/main" id="{4FD1822D-6EF2-CCB1-76AC-A770762EDBFB}"/>
+              </a:ext>
+            </a:extLst>
+          </p:cNvPr>
+          <p:cNvPicPr>
+            <a:picLocks noChangeAspect="1"/>
+          </p:cNvPicPr>
+          <p:nvPr/>
+        </p:nvPicPr>
+        <p:blipFill>
+          <a:blip r:embed="rId8"/>
+          <a:stretch>
+            <a:fillRect/>
+          </a:stretch>
+        </p:blipFill>
+        <p:spPr>
+          <a:xfrm flipV="1">
+            <a:off x="4470713" y="4067370"/>
+            <a:ext cx="747116" cy="379632"/>
+          </a:xfrm>
+          <a:prstGeom prst="rect">
+            <a:avLst/>
+          </a:prstGeom>
+        </p:spPr>
+      </p:pic>
+      <p:pic>
+        <p:nvPicPr>
+          <p:cNvPr id="36" name="图片 35">
+            <a:extLst>
+              <a:ext uri="{FF2B5EF4-FFF2-40B4-BE49-F238E27FC236}">
+                <a16:creationId xmlns:a16="http://schemas.microsoft.com/office/drawing/2014/main" id="{9E02D9AC-14F1-BAD2-3488-0805428D78DE}"/>
+              </a:ext>
+            </a:extLst>
+          </p:cNvPr>
+          <p:cNvPicPr>
+            <a:picLocks noChangeAspect="1"/>
+          </p:cNvPicPr>
+          <p:nvPr/>
+        </p:nvPicPr>
+        <p:blipFill>
+          <a:blip r:embed="rId9"/>
+          <a:stretch>
+            <a:fillRect/>
+          </a:stretch>
+        </p:blipFill>
+        <p:spPr>
+          <a:xfrm flipV="1">
+            <a:off x="9476855" y="4000760"/>
+            <a:ext cx="744079" cy="367484"/>
+          </a:xfrm>
+          <a:prstGeom prst="rect">
+            <a:avLst/>
+          </a:prstGeom>
+        </p:spPr>
+      </p:pic>
+      <p:sp>
+        <p:nvSpPr>
+          <p:cNvPr id="21" name="箭头: 右 20">
+            <a:extLst>
+              <a:ext uri="{FF2B5EF4-FFF2-40B4-BE49-F238E27FC236}">
+                <a16:creationId xmlns:a16="http://schemas.microsoft.com/office/drawing/2014/main" id="{712099D5-D46D-2313-85E7-AA26A729A7DC}"/>
+              </a:ext>
+            </a:extLst>
+          </p:cNvPr>
+          <p:cNvSpPr/>
+          <p:nvPr/>
+        </p:nvSpPr>
+        <p:spPr>
+          <a:xfrm rot="9017835">
+            <a:off x="5209347" y="2570061"/>
+            <a:ext cx="3646457" cy="979749"/>
+          </a:xfrm>
+          <a:prstGeom prst="rightArrow">
+            <a:avLst/>
+          </a:prstGeom>
+          <a:solidFill>
+            <a:schemeClr val="accent2">
+              <a:alpha val="50000"/>
+            </a:schemeClr>
+          </a:solidFill>
+          <a:ln>
+            <a:noFill/>
+          </a:ln>
+        </p:spPr>
+        <p:style>
+          <a:lnRef idx="0">
+            <a:scrgbClr r="0" g="0" b="0"/>
+          </a:lnRef>
+          <a:fillRef idx="0">
+            <a:scrgbClr r="0" g="0" b="0"/>
+          </a:fillRef>
+          <a:effectRef idx="0">
+            <a:scrgbClr r="0" g="0" b="0"/>
+          </a:effectRef>
+          <a:fontRef idx="minor">
+            <a:schemeClr val="lt1"/>
+          </a:fontRef>
+        </p:style>
+        <p:txBody>
+          <a:bodyPr rtlCol="0" anchor="ctr"/>
+          <a:lstStyle/>
+          <a:p>
+            <a:pPr algn="ctr"/>
+            <a:endParaRPr lang="zh-CN" altLang="en-US"/>
+          </a:p>
+        </p:txBody>
+      </p:sp>
+      <p:sp>
+        <p:nvSpPr>
+          <p:cNvPr id="22" name="箭头: 右 21">
+            <a:extLst>
+              <a:ext uri="{FF2B5EF4-FFF2-40B4-BE49-F238E27FC236}">
+                <a16:creationId xmlns:a16="http://schemas.microsoft.com/office/drawing/2014/main" id="{1919A2B7-D3C5-A1AD-8659-FD3B9646534B}"/>
+              </a:ext>
+            </a:extLst>
+          </p:cNvPr>
+          <p:cNvSpPr/>
+          <p:nvPr/>
+        </p:nvSpPr>
+        <p:spPr>
+          <a:xfrm rot="21493211">
+            <a:off x="5564430" y="3424192"/>
+            <a:ext cx="3489555" cy="979749"/>
+          </a:xfrm>
+          <a:prstGeom prst="rightArrow">
+            <a:avLst/>
+          </a:prstGeom>
+          <a:solidFill>
+            <a:schemeClr val="accent2">
+              <a:alpha val="50000"/>
+            </a:schemeClr>
+          </a:solidFill>
+          <a:ln>
+            <a:noFill/>
+          </a:ln>
+        </p:spPr>
+        <p:style>
+          <a:lnRef idx="0">
+            <a:scrgbClr r="0" g="0" b="0"/>
+          </a:lnRef>
+          <a:fillRef idx="0">
+            <a:scrgbClr r="0" g="0" b="0"/>
+          </a:fillRef>
+          <a:effectRef idx="0">
+            <a:scrgbClr r="0" g="0" b="0"/>
+          </a:effectRef>
+          <a:fontRef idx="minor">
+            <a:schemeClr val="lt1"/>
+          </a:fontRef>
+        </p:style>
+        <p:txBody>
+          <a:bodyPr rtlCol="0" anchor="ctr"/>
+          <a:lstStyle/>
+          <a:p>
+            <a:pPr algn="ctr"/>
+            <a:endParaRPr lang="zh-CN" altLang="en-US"/>
+          </a:p>
+        </p:txBody>
+      </p:sp>
+    </p:spTree>
+    <p:extLst>
+      <p:ext uri="{BB962C8B-B14F-4D97-AF65-F5344CB8AC3E}">
+        <p14:creationId xmlns:p14="http://schemas.microsoft.com/office/powerpoint/2010/main" val="430776174"/>
+      </p:ext>
+    </p:extLst>
+  </p:cSld>
+  <p:clrMapOvr>
+    <a:masterClrMapping/>
+  </p:clrMapOvr>
+</p:sld>
+</file>
+
+<file path=ppt/slides/slide25.xml><?xml version="1.0" encoding="utf-8"?>
+<p:sld xmlns:a="http://schemas.openxmlformats.org/drawingml/2006/main" xmlns:r="http://schemas.openxmlformats.org/officeDocument/2006/relationships" xmlns:p="http://schemas.openxmlformats.org/presentationml/2006/main">
+  <p:cSld>
+    <p:spTree>
+      <p:nvGrpSpPr>
+        <p:cNvPr id="1" name=""/>
+        <p:cNvGrpSpPr/>
+        <p:nvPr/>
+      </p:nvGrpSpPr>
+      <p:grpSpPr>
+        <a:xfrm>
+          <a:off x="0" y="0"/>
+          <a:ext cx="0" cy="0"/>
+          <a:chOff x="0" y="0"/>
+          <a:chExt cx="0" cy="0"/>
+        </a:xfrm>
+      </p:grpSpPr>
+      <p:sp>
+        <p:nvSpPr>
+          <p:cNvPr id="2" name="标题 1">
+            <a:extLst>
+              <a:ext uri="{FF2B5EF4-FFF2-40B4-BE49-F238E27FC236}">
+                <a16:creationId xmlns:a16="http://schemas.microsoft.com/office/drawing/2014/main" id="{80796E82-7314-2FBE-2DE8-DDD70D4DF27E}"/>
+              </a:ext>
+            </a:extLst>
+          </p:cNvPr>
+          <p:cNvSpPr>
+            <a:spLocks noGrp="1"/>
+          </p:cNvSpPr>
+          <p:nvPr>
+            <p:ph type="title"/>
+          </p:nvPr>
+        </p:nvSpPr>
+        <p:spPr>
+          <a:xfrm>
+            <a:off x="415600" y="270286"/>
+            <a:ext cx="11360800" cy="763600"/>
+          </a:xfrm>
+        </p:spPr>
+        <p:txBody>
+          <a:bodyPr>
+            <a:normAutofit/>
+          </a:bodyPr>
+          <a:lstStyle/>
+          <a:p>
+            <a:r>
+              <a:rPr lang="ja-JP" altLang="en-US" sz="2800" dirty="0">
+                <a:latin typeface="黑体" panose="02010609060101010101" pitchFamily="49" charset="-122"/>
+                <a:ea typeface="黑体" panose="02010609060101010101" pitchFamily="49" charset="-122"/>
+              </a:rPr>
+              <a:t>夢幻パラダイス</a:t>
+            </a:r>
+            <a:r>
+              <a:rPr lang="en-US" altLang="ja-JP" sz="2800" dirty="0">
+                <a:latin typeface="黑体" panose="02010609060101010101" pitchFamily="49" charset="-122"/>
+                <a:ea typeface="黑体" panose="02010609060101010101" pitchFamily="49" charset="-122"/>
+              </a:rPr>
+              <a:t>3</a:t>
+            </a:r>
+            <a:endParaRPr lang="zh-CN" altLang="en-US" sz="2800" dirty="0">
+              <a:latin typeface="黑体" panose="02010609060101010101" pitchFamily="49" charset="-122"/>
+              <a:ea typeface="黑体" panose="02010609060101010101" pitchFamily="49" charset="-122"/>
+            </a:endParaRPr>
+          </a:p>
+        </p:txBody>
+      </p:sp>
+      <p:sp>
+        <p:nvSpPr>
+          <p:cNvPr id="4" name="文本框 3">
+            <a:extLst>
+              <a:ext uri="{FF2B5EF4-FFF2-40B4-BE49-F238E27FC236}">
+                <a16:creationId xmlns:a16="http://schemas.microsoft.com/office/drawing/2014/main" id="{3E8E8225-E7B4-E598-7AEB-66BC2EF7864E}"/>
+              </a:ext>
+            </a:extLst>
+          </p:cNvPr>
+          <p:cNvSpPr txBox="1"/>
+          <p:nvPr/>
+        </p:nvSpPr>
+        <p:spPr>
+          <a:xfrm>
+            <a:off x="612559" y="1671863"/>
+            <a:ext cx="3335990" cy="2862322"/>
+          </a:xfrm>
+          <a:prstGeom prst="rect">
+            <a:avLst/>
+          </a:prstGeom>
+          <a:noFill/>
+        </p:spPr>
+        <p:txBody>
+          <a:bodyPr wrap="square" rtlCol="0">
+            <a:spAutoFit/>
+          </a:bodyPr>
+          <a:lstStyle/>
+          <a:p>
+            <a:r>
+              <a:rPr lang="ja-JP" altLang="en-US" dirty="0"/>
+              <a:t>引き続き全員一個時計回りの塔を踏む</a:t>
+            </a:r>
+            <a:endParaRPr lang="en-US" altLang="ja-JP" dirty="0"/>
+          </a:p>
+          <a:p>
+            <a:endParaRPr lang="en-US" altLang="ja-JP" dirty="0"/>
+          </a:p>
+          <a:p>
+            <a:r>
+              <a:rPr lang="en-US" altLang="ja-JP" dirty="0"/>
+              <a:t>5</a:t>
+            </a:r>
+            <a:r>
+              <a:rPr lang="ja-JP" altLang="en-US" dirty="0"/>
+              <a:t>、</a:t>
+            </a:r>
+            <a:r>
+              <a:rPr lang="en-US" altLang="ja-JP" dirty="0"/>
+              <a:t>6</a:t>
+            </a:r>
+            <a:r>
+              <a:rPr lang="ja-JP" altLang="en-US" dirty="0"/>
+              <a:t>番の人は先頭で列車突進を受け止める</a:t>
+            </a:r>
+            <a:endParaRPr lang="en-US" altLang="ja-JP" dirty="0"/>
+          </a:p>
+          <a:p>
+            <a:endParaRPr lang="en-US" altLang="ja-JP" dirty="0"/>
+          </a:p>
+          <a:p>
+            <a:r>
+              <a:rPr lang="ja-JP" altLang="en-US" dirty="0"/>
+              <a:t>同時に三回目の塔処理</a:t>
+            </a:r>
+            <a:endParaRPr lang="en-US" altLang="ja-JP" dirty="0"/>
+          </a:p>
+          <a:p>
+            <a:endParaRPr lang="en-US" altLang="ja-JP" dirty="0"/>
+          </a:p>
+          <a:p>
+            <a:r>
+              <a:rPr lang="ja-JP" altLang="en-US" dirty="0"/>
+              <a:t>着弾順は</a:t>
+            </a:r>
+            <a:r>
+              <a:rPr lang="en-US" altLang="ja-JP" dirty="0"/>
+              <a:t>4-5</a:t>
+            </a:r>
+            <a:r>
+              <a:rPr lang="ja-JP" altLang="en-US" dirty="0"/>
+              <a:t>列車、三回目塔、</a:t>
+            </a:r>
+            <a:r>
+              <a:rPr lang="en-US" altLang="ja-JP" dirty="0"/>
+              <a:t>5-6</a:t>
+            </a:r>
+            <a:r>
+              <a:rPr lang="ja-JP" altLang="en-US" dirty="0"/>
+              <a:t>列車</a:t>
+            </a:r>
+            <a:endParaRPr lang="en-US" altLang="ja-JP" dirty="0"/>
+          </a:p>
+        </p:txBody>
+      </p:sp>
+      <p:sp>
+        <p:nvSpPr>
+          <p:cNvPr id="94" name="椭圆 93">
+            <a:extLst>
+              <a:ext uri="{FF2B5EF4-FFF2-40B4-BE49-F238E27FC236}">
+                <a16:creationId xmlns:a16="http://schemas.microsoft.com/office/drawing/2014/main" id="{8BEE0963-F39F-E799-5A6C-7DB2D9695EA3}"/>
+              </a:ext>
+            </a:extLst>
+          </p:cNvPr>
+          <p:cNvSpPr/>
+          <p:nvPr/>
+        </p:nvSpPr>
+        <p:spPr>
+          <a:xfrm>
+            <a:off x="4699366" y="1193119"/>
+            <a:ext cx="5212080" cy="5212080"/>
+          </a:xfrm>
+          <a:prstGeom prst="ellipse">
+            <a:avLst/>
+          </a:prstGeom>
+          <a:solidFill>
+            <a:schemeClr val="bg1">
+              <a:lumMod val="85000"/>
+            </a:schemeClr>
+          </a:solidFill>
+          <a:ln>
+            <a:noFill/>
+          </a:ln>
+        </p:spPr>
+        <p:style>
+          <a:lnRef idx="0">
+            <a:scrgbClr r="0" g="0" b="0"/>
+          </a:lnRef>
+          <a:fillRef idx="0">
+            <a:scrgbClr r="0" g="0" b="0"/>
+          </a:fillRef>
+          <a:effectRef idx="0">
+            <a:scrgbClr r="0" g="0" b="0"/>
+          </a:effectRef>
+          <a:fontRef idx="minor">
+            <a:schemeClr val="lt1"/>
+          </a:fontRef>
+        </p:style>
+        <p:txBody>
+          <a:bodyPr rtlCol="0" anchor="ctr"/>
+          <a:lstStyle/>
+          <a:p>
+            <a:pPr algn="ctr"/>
+            <a:endParaRPr lang="zh-CN" altLang="en-US" dirty="0"/>
+          </a:p>
+        </p:txBody>
+      </p:sp>
+      <p:sp>
+        <p:nvSpPr>
+          <p:cNvPr id="3" name="椭圆 2">
+            <a:extLst>
+              <a:ext uri="{FF2B5EF4-FFF2-40B4-BE49-F238E27FC236}">
+                <a16:creationId xmlns:a16="http://schemas.microsoft.com/office/drawing/2014/main" id="{012F767B-5206-A517-0D25-41845DA1D568}"/>
+              </a:ext>
+            </a:extLst>
+          </p:cNvPr>
+          <p:cNvSpPr/>
+          <p:nvPr/>
+        </p:nvSpPr>
+        <p:spPr>
+          <a:xfrm>
+            <a:off x="6652116" y="1116566"/>
+            <a:ext cx="1263191" cy="333001"/>
+          </a:xfrm>
+          <a:prstGeom prst="ellipse">
+            <a:avLst/>
+          </a:prstGeom>
+          <a:solidFill>
+            <a:schemeClr val="accent1">
+              <a:lumMod val="60000"/>
+              <a:lumOff val="40000"/>
+            </a:schemeClr>
+          </a:solidFill>
+        </p:spPr>
+        <p:style>
+          <a:lnRef idx="2">
+            <a:schemeClr val="accent1">
+              <a:shade val="50000"/>
+            </a:schemeClr>
+          </a:lnRef>
+          <a:fillRef idx="1">
+            <a:schemeClr val="accent1"/>
+          </a:fillRef>
+          <a:effectRef idx="0">
+            <a:schemeClr val="accent1"/>
+          </a:effectRef>
+          <a:fontRef idx="minor">
+            <a:schemeClr val="lt1"/>
+          </a:fontRef>
+        </p:style>
+        <p:txBody>
+          <a:bodyPr rtlCol="0" anchor="ctr"/>
+          <a:lstStyle/>
+          <a:p>
+            <a:pPr algn="ctr"/>
+            <a:endParaRPr lang="zh-CN" altLang="en-US"/>
+          </a:p>
+        </p:txBody>
+      </p:sp>
+      <p:sp>
+        <p:nvSpPr>
+          <p:cNvPr id="21" name="箭头: 右 20">
+            <a:extLst>
+              <a:ext uri="{FF2B5EF4-FFF2-40B4-BE49-F238E27FC236}">
+                <a16:creationId xmlns:a16="http://schemas.microsoft.com/office/drawing/2014/main" id="{712099D5-D46D-2313-85E7-AA26A729A7DC}"/>
+              </a:ext>
+            </a:extLst>
+          </p:cNvPr>
+          <p:cNvSpPr/>
+          <p:nvPr/>
+        </p:nvSpPr>
+        <p:spPr>
+          <a:xfrm rot="12087535">
+            <a:off x="6059594" y="2761399"/>
+            <a:ext cx="3259459" cy="979749"/>
+          </a:xfrm>
+          <a:prstGeom prst="rightArrow">
+            <a:avLst/>
+          </a:prstGeom>
+          <a:solidFill>
+            <a:schemeClr val="accent2">
+              <a:alpha val="50000"/>
+            </a:schemeClr>
+          </a:solidFill>
+          <a:ln>
+            <a:noFill/>
+          </a:ln>
+        </p:spPr>
+        <p:style>
+          <a:lnRef idx="0">
+            <a:scrgbClr r="0" g="0" b="0"/>
+          </a:lnRef>
+          <a:fillRef idx="0">
+            <a:scrgbClr r="0" g="0" b="0"/>
+          </a:fillRef>
+          <a:effectRef idx="0">
+            <a:scrgbClr r="0" g="0" b="0"/>
+          </a:effectRef>
+          <a:fontRef idx="minor">
+            <a:schemeClr val="lt1"/>
+          </a:fontRef>
+        </p:style>
+        <p:txBody>
+          <a:bodyPr rtlCol="0" anchor="ctr"/>
+          <a:lstStyle/>
+          <a:p>
+            <a:pPr algn="ctr"/>
+            <a:endParaRPr lang="zh-CN" altLang="en-US"/>
+          </a:p>
+        </p:txBody>
+      </p:sp>
+      <p:sp>
+        <p:nvSpPr>
+          <p:cNvPr id="22" name="箭头: 右 21">
+            <a:extLst>
+              <a:ext uri="{FF2B5EF4-FFF2-40B4-BE49-F238E27FC236}">
+                <a16:creationId xmlns:a16="http://schemas.microsoft.com/office/drawing/2014/main" id="{1919A2B7-D3C5-A1AD-8659-FD3B9646534B}"/>
+              </a:ext>
+            </a:extLst>
+          </p:cNvPr>
+          <p:cNvSpPr/>
+          <p:nvPr/>
+        </p:nvSpPr>
+        <p:spPr>
+          <a:xfrm rot="2686058">
+            <a:off x="5561713" y="3391411"/>
+            <a:ext cx="3406738" cy="979749"/>
+          </a:xfrm>
+          <a:prstGeom prst="rightArrow">
+            <a:avLst/>
+          </a:prstGeom>
+          <a:solidFill>
+            <a:schemeClr val="accent2">
+              <a:alpha val="50000"/>
+            </a:schemeClr>
+          </a:solidFill>
+          <a:ln>
+            <a:noFill/>
+          </a:ln>
+        </p:spPr>
+        <p:style>
+          <a:lnRef idx="0">
+            <a:scrgbClr r="0" g="0" b="0"/>
+          </a:lnRef>
+          <a:fillRef idx="0">
+            <a:scrgbClr r="0" g="0" b="0"/>
+          </a:fillRef>
+          <a:effectRef idx="0">
+            <a:scrgbClr r="0" g="0" b="0"/>
+          </a:effectRef>
+          <a:fontRef idx="minor">
+            <a:schemeClr val="lt1"/>
+          </a:fontRef>
+        </p:style>
+        <p:txBody>
+          <a:bodyPr rtlCol="0" anchor="ctr"/>
+          <a:lstStyle/>
+          <a:p>
+            <a:pPr algn="ctr"/>
+            <a:endParaRPr lang="zh-CN" altLang="en-US"/>
+          </a:p>
+        </p:txBody>
+      </p:sp>
+      <p:sp>
+        <p:nvSpPr>
+          <p:cNvPr id="20" name="椭圆 19">
+            <a:extLst>
+              <a:ext uri="{FF2B5EF4-FFF2-40B4-BE49-F238E27FC236}">
+                <a16:creationId xmlns:a16="http://schemas.microsoft.com/office/drawing/2014/main" id="{71FC337B-6083-D7E5-BB6D-172C403FA83F}"/>
+              </a:ext>
+            </a:extLst>
+          </p:cNvPr>
+          <p:cNvSpPr/>
+          <p:nvPr/>
+        </p:nvSpPr>
+        <p:spPr>
+          <a:xfrm>
+            <a:off x="5268883" y="1982183"/>
+            <a:ext cx="857839" cy="857839"/>
+          </a:xfrm>
+          <a:prstGeom prst="ellipse">
+            <a:avLst/>
+          </a:prstGeom>
+          <a:solidFill>
+            <a:schemeClr val="dk1">
+              <a:alpha val="50000"/>
+            </a:schemeClr>
+          </a:solidFill>
+          <a:ln>
+            <a:noFill/>
+          </a:ln>
+        </p:spPr>
+        <p:style>
+          <a:lnRef idx="0">
+            <a:scrgbClr r="0" g="0" b="0"/>
+          </a:lnRef>
+          <a:fillRef idx="0">
+            <a:scrgbClr r="0" g="0" b="0"/>
+          </a:fillRef>
+          <a:effectRef idx="0">
+            <a:scrgbClr r="0" g="0" b="0"/>
+          </a:effectRef>
+          <a:fontRef idx="minor">
+            <a:schemeClr val="lt1"/>
+          </a:fontRef>
+        </p:style>
+        <p:txBody>
+          <a:bodyPr rtlCol="0" anchor="ctr"/>
+          <a:lstStyle/>
+          <a:p>
+            <a:pPr algn="ctr"/>
+            <a:r>
+              <a:rPr lang="en-US" altLang="zh-CN" dirty="0"/>
+              <a:t>3</a:t>
+            </a:r>
+            <a:endParaRPr lang="zh-CN" altLang="en-US" dirty="0"/>
+          </a:p>
+        </p:txBody>
+      </p:sp>
+      <p:sp>
+        <p:nvSpPr>
+          <p:cNvPr id="23" name="椭圆 22">
+            <a:extLst>
+              <a:ext uri="{FF2B5EF4-FFF2-40B4-BE49-F238E27FC236}">
+                <a16:creationId xmlns:a16="http://schemas.microsoft.com/office/drawing/2014/main" id="{42806F08-B73F-5A19-8F02-2707349F41F2}"/>
+              </a:ext>
+            </a:extLst>
+          </p:cNvPr>
+          <p:cNvSpPr/>
+          <p:nvPr/>
+        </p:nvSpPr>
+        <p:spPr>
+          <a:xfrm>
+            <a:off x="8383118" y="4807041"/>
+            <a:ext cx="857839" cy="857839"/>
+          </a:xfrm>
+          <a:prstGeom prst="ellipse">
+            <a:avLst/>
+          </a:prstGeom>
+          <a:solidFill>
+            <a:schemeClr val="dk1">
+              <a:alpha val="50000"/>
+            </a:schemeClr>
+          </a:solidFill>
+          <a:ln>
+            <a:noFill/>
+          </a:ln>
+        </p:spPr>
+        <p:style>
+          <a:lnRef idx="0">
+            <a:scrgbClr r="0" g="0" b="0"/>
+          </a:lnRef>
+          <a:fillRef idx="0">
+            <a:scrgbClr r="0" g="0" b="0"/>
+          </a:fillRef>
+          <a:effectRef idx="0">
+            <a:scrgbClr r="0" g="0" b="0"/>
+          </a:effectRef>
+          <a:fontRef idx="minor">
+            <a:schemeClr val="lt1"/>
+          </a:fontRef>
+        </p:style>
+        <p:txBody>
+          <a:bodyPr rtlCol="0" anchor="ctr"/>
+          <a:lstStyle/>
+          <a:p>
+            <a:pPr algn="ctr"/>
+            <a:r>
+              <a:rPr lang="en-US" altLang="zh-CN" dirty="0"/>
+              <a:t>3</a:t>
+            </a:r>
+            <a:endParaRPr lang="zh-CN" altLang="en-US" dirty="0"/>
+          </a:p>
+        </p:txBody>
+      </p:sp>
+      <p:pic>
+        <p:nvPicPr>
+          <p:cNvPr id="29" name="图片 28">
+            <a:extLst>
+              <a:ext uri="{FF2B5EF4-FFF2-40B4-BE49-F238E27FC236}">
+                <a16:creationId xmlns:a16="http://schemas.microsoft.com/office/drawing/2014/main" id="{37828109-D1DB-24B1-070F-6C6C2342A787}"/>
+              </a:ext>
+            </a:extLst>
+          </p:cNvPr>
+          <p:cNvPicPr>
+            <a:picLocks noChangeAspect="1"/>
+          </p:cNvPicPr>
+          <p:nvPr/>
+        </p:nvPicPr>
+        <p:blipFill>
+          <a:blip r:embed="rId2"/>
+          <a:stretch>
+            <a:fillRect/>
+          </a:stretch>
+        </p:blipFill>
+        <p:spPr>
+          <a:xfrm flipV="1">
+            <a:off x="5605128" y="1808733"/>
+            <a:ext cx="361410" cy="358373"/>
+          </a:xfrm>
+          <a:prstGeom prst="rect">
+            <a:avLst/>
+          </a:prstGeom>
+        </p:spPr>
+      </p:pic>
+      <p:pic>
+        <p:nvPicPr>
+          <p:cNvPr id="30" name="图片 29">
+            <a:extLst>
+              <a:ext uri="{FF2B5EF4-FFF2-40B4-BE49-F238E27FC236}">
+                <a16:creationId xmlns:a16="http://schemas.microsoft.com/office/drawing/2014/main" id="{308EB72D-0591-1F78-12FC-CD798BD7E73D}"/>
+              </a:ext>
+            </a:extLst>
+          </p:cNvPr>
+          <p:cNvPicPr>
+            <a:picLocks noChangeAspect="1"/>
+          </p:cNvPicPr>
+          <p:nvPr/>
+        </p:nvPicPr>
+        <p:blipFill>
+          <a:blip r:embed="rId3"/>
+          <a:stretch>
+            <a:fillRect/>
+          </a:stretch>
+        </p:blipFill>
+        <p:spPr>
+          <a:xfrm flipV="1">
+            <a:off x="9186996" y="4909958"/>
+            <a:ext cx="364447" cy="361410"/>
+          </a:xfrm>
+          <a:prstGeom prst="rect">
+            <a:avLst/>
+          </a:prstGeom>
+        </p:spPr>
+      </p:pic>
+      <p:pic>
+        <p:nvPicPr>
+          <p:cNvPr id="31" name="图片 30">
+            <a:extLst>
+              <a:ext uri="{FF2B5EF4-FFF2-40B4-BE49-F238E27FC236}">
+                <a16:creationId xmlns:a16="http://schemas.microsoft.com/office/drawing/2014/main" id="{07F4B817-9FB7-F356-BFC2-674680D05075}"/>
+              </a:ext>
+            </a:extLst>
+          </p:cNvPr>
+          <p:cNvPicPr>
+            <a:picLocks noChangeAspect="1"/>
+          </p:cNvPicPr>
+          <p:nvPr/>
+        </p:nvPicPr>
+        <p:blipFill>
+          <a:blip r:embed="rId4"/>
+          <a:stretch>
+            <a:fillRect/>
+          </a:stretch>
+        </p:blipFill>
+        <p:spPr>
+          <a:xfrm flipV="1">
+            <a:off x="5241781" y="2112288"/>
+            <a:ext cx="361410" cy="333263"/>
+          </a:xfrm>
+          <a:prstGeom prst="rect">
+            <a:avLst/>
+          </a:prstGeom>
+        </p:spPr>
+      </p:pic>
+      <p:pic>
+        <p:nvPicPr>
+          <p:cNvPr id="32" name="图片 31">
+            <a:extLst>
+              <a:ext uri="{FF2B5EF4-FFF2-40B4-BE49-F238E27FC236}">
+                <a16:creationId xmlns:a16="http://schemas.microsoft.com/office/drawing/2014/main" id="{6AD0DB1A-3123-D4EB-783F-2A1EBF1F865D}"/>
+              </a:ext>
+            </a:extLst>
+          </p:cNvPr>
+          <p:cNvPicPr>
+            <a:picLocks noChangeAspect="1"/>
+          </p:cNvPicPr>
+          <p:nvPr/>
+        </p:nvPicPr>
+        <p:blipFill>
+          <a:blip r:embed="rId5"/>
+          <a:stretch>
+            <a:fillRect/>
+          </a:stretch>
+        </p:blipFill>
+        <p:spPr>
+          <a:xfrm flipV="1">
+            <a:off x="8906095" y="5160108"/>
+            <a:ext cx="364447" cy="370521"/>
+          </a:xfrm>
+          <a:prstGeom prst="rect">
+            <a:avLst/>
+          </a:prstGeom>
+        </p:spPr>
+      </p:pic>
+      <p:pic>
+        <p:nvPicPr>
+          <p:cNvPr id="33" name="图片 32">
+            <a:extLst>
+              <a:ext uri="{FF2B5EF4-FFF2-40B4-BE49-F238E27FC236}">
+                <a16:creationId xmlns:a16="http://schemas.microsoft.com/office/drawing/2014/main" id="{6EA6B283-FA33-8B5F-19D9-23C22512D6A2}"/>
+              </a:ext>
+            </a:extLst>
+          </p:cNvPr>
+          <p:cNvPicPr>
+            <a:picLocks noChangeAspect="1"/>
+          </p:cNvPicPr>
+          <p:nvPr/>
+        </p:nvPicPr>
+        <p:blipFill>
+          <a:blip r:embed="rId6"/>
+          <a:stretch>
+            <a:fillRect/>
+          </a:stretch>
+        </p:blipFill>
+        <p:spPr>
+          <a:xfrm flipV="1">
+            <a:off x="5692952" y="2552128"/>
+            <a:ext cx="771413" cy="364447"/>
+          </a:xfrm>
+          <a:prstGeom prst="rect">
+            <a:avLst/>
+          </a:prstGeom>
+        </p:spPr>
+      </p:pic>
+      <p:pic>
+        <p:nvPicPr>
+          <p:cNvPr id="34" name="图片 33">
+            <a:extLst>
+              <a:ext uri="{FF2B5EF4-FFF2-40B4-BE49-F238E27FC236}">
+                <a16:creationId xmlns:a16="http://schemas.microsoft.com/office/drawing/2014/main" id="{A7CC21E1-7467-1ACF-2ED7-68959584D6DF}"/>
+              </a:ext>
+            </a:extLst>
+          </p:cNvPr>
+          <p:cNvPicPr>
+            <a:picLocks noChangeAspect="1"/>
+          </p:cNvPicPr>
+          <p:nvPr/>
+        </p:nvPicPr>
+        <p:blipFill>
+          <a:blip r:embed="rId7"/>
+          <a:stretch>
+            <a:fillRect/>
+          </a:stretch>
+        </p:blipFill>
+        <p:spPr>
+          <a:xfrm flipV="1">
+            <a:off x="8158950" y="4800430"/>
+            <a:ext cx="744078" cy="385706"/>
+          </a:xfrm>
+          <a:prstGeom prst="rect">
+            <a:avLst/>
+          </a:prstGeom>
+        </p:spPr>
+      </p:pic>
+      <p:pic>
+        <p:nvPicPr>
+          <p:cNvPr id="35" name="图片 34">
+            <a:extLst>
+              <a:ext uri="{FF2B5EF4-FFF2-40B4-BE49-F238E27FC236}">
+                <a16:creationId xmlns:a16="http://schemas.microsoft.com/office/drawing/2014/main" id="{4FD1822D-6EF2-CCB1-76AC-A770762EDBFB}"/>
+              </a:ext>
+            </a:extLst>
+          </p:cNvPr>
+          <p:cNvPicPr>
+            <a:picLocks noChangeAspect="1"/>
+          </p:cNvPicPr>
+          <p:nvPr/>
+        </p:nvPicPr>
+        <p:blipFill>
+          <a:blip r:embed="rId8"/>
+          <a:stretch>
+            <a:fillRect/>
+          </a:stretch>
+        </p:blipFill>
+        <p:spPr>
+          <a:xfrm flipV="1">
+            <a:off x="4854640" y="2467809"/>
+            <a:ext cx="747116" cy="379632"/>
+          </a:xfrm>
+          <a:prstGeom prst="rect">
+            <a:avLst/>
+          </a:prstGeom>
+        </p:spPr>
+      </p:pic>
+      <p:pic>
+        <p:nvPicPr>
+          <p:cNvPr id="36" name="图片 35">
+            <a:extLst>
+              <a:ext uri="{FF2B5EF4-FFF2-40B4-BE49-F238E27FC236}">
+                <a16:creationId xmlns:a16="http://schemas.microsoft.com/office/drawing/2014/main" id="{9E02D9AC-14F1-BAD2-3488-0805428D78DE}"/>
+              </a:ext>
+            </a:extLst>
+          </p:cNvPr>
+          <p:cNvPicPr>
+            <a:picLocks noChangeAspect="1"/>
+          </p:cNvPicPr>
+          <p:nvPr/>
+        </p:nvPicPr>
+        <p:blipFill>
+          <a:blip r:embed="rId9"/>
+          <a:stretch>
+            <a:fillRect/>
+          </a:stretch>
+        </p:blipFill>
+        <p:spPr>
+          <a:xfrm flipV="1">
+            <a:off x="8547654" y="5561911"/>
+            <a:ext cx="744079" cy="367484"/>
+          </a:xfrm>
+          <a:prstGeom prst="rect">
+            <a:avLst/>
+          </a:prstGeom>
+        </p:spPr>
+      </p:pic>
+    </p:spTree>
+    <p:extLst>
+      <p:ext uri="{BB962C8B-B14F-4D97-AF65-F5344CB8AC3E}">
+        <p14:creationId xmlns:p14="http://schemas.microsoft.com/office/powerpoint/2010/main" val="2663942321"/>
+      </p:ext>
+    </p:extLst>
+  </p:cSld>
+  <p:clrMapOvr>
+    <a:masterClrMapping/>
+  </p:clrMapOvr>
+</p:sld>
+</file>
+
+<file path=ppt/slides/slide26.xml><?xml version="1.0" encoding="utf-8"?>
+<p:sld xmlns:a="http://schemas.openxmlformats.org/drawingml/2006/main" xmlns:r="http://schemas.openxmlformats.org/officeDocument/2006/relationships" xmlns:p="http://schemas.openxmlformats.org/presentationml/2006/main">
+  <p:cSld>
+    <p:spTree>
+      <p:nvGrpSpPr>
+        <p:cNvPr id="1" name=""/>
+        <p:cNvGrpSpPr/>
+        <p:nvPr/>
+      </p:nvGrpSpPr>
+      <p:grpSpPr>
+        <a:xfrm>
+          <a:off x="0" y="0"/>
+          <a:ext cx="0" cy="0"/>
+          <a:chOff x="0" y="0"/>
+          <a:chExt cx="0" cy="0"/>
+        </a:xfrm>
+      </p:grpSpPr>
+      <p:sp>
+        <p:nvSpPr>
+          <p:cNvPr id="2" name="标题 1">
+            <a:extLst>
+              <a:ext uri="{FF2B5EF4-FFF2-40B4-BE49-F238E27FC236}">
+                <a16:creationId xmlns:a16="http://schemas.microsoft.com/office/drawing/2014/main" id="{80796E82-7314-2FBE-2DE8-DDD70D4DF27E}"/>
+              </a:ext>
+            </a:extLst>
+          </p:cNvPr>
+          <p:cNvSpPr>
+            <a:spLocks noGrp="1"/>
+          </p:cNvSpPr>
+          <p:nvPr>
+            <p:ph type="title"/>
+          </p:nvPr>
+        </p:nvSpPr>
+        <p:spPr>
+          <a:xfrm>
+            <a:off x="415600" y="270286"/>
+            <a:ext cx="11360800" cy="763600"/>
+          </a:xfrm>
+        </p:spPr>
+        <p:txBody>
+          <a:bodyPr>
+            <a:normAutofit/>
+          </a:bodyPr>
+          <a:lstStyle/>
+          <a:p>
+            <a:r>
+              <a:rPr lang="ja-JP" altLang="en-US" sz="2800" dirty="0">
+                <a:latin typeface="黑体" panose="02010609060101010101" pitchFamily="49" charset="-122"/>
+                <a:ea typeface="黑体" panose="02010609060101010101" pitchFamily="49" charset="-122"/>
+              </a:rPr>
+              <a:t>夢幻パラダイス</a:t>
+            </a:r>
+            <a:r>
+              <a:rPr lang="en-US" altLang="ja-JP" sz="2800" dirty="0">
+                <a:latin typeface="黑体" panose="02010609060101010101" pitchFamily="49" charset="-122"/>
+                <a:ea typeface="黑体" panose="02010609060101010101" pitchFamily="49" charset="-122"/>
+              </a:rPr>
+              <a:t>4</a:t>
+            </a:r>
+            <a:endParaRPr lang="zh-CN" altLang="en-US" sz="2800" dirty="0">
+              <a:latin typeface="黑体" panose="02010609060101010101" pitchFamily="49" charset="-122"/>
+              <a:ea typeface="黑体" panose="02010609060101010101" pitchFamily="49" charset="-122"/>
+            </a:endParaRPr>
+          </a:p>
+        </p:txBody>
+      </p:sp>
+      <p:sp>
+        <p:nvSpPr>
+          <p:cNvPr id="4" name="文本框 3">
+            <a:extLst>
+              <a:ext uri="{FF2B5EF4-FFF2-40B4-BE49-F238E27FC236}">
+                <a16:creationId xmlns:a16="http://schemas.microsoft.com/office/drawing/2014/main" id="{3E8E8225-E7B4-E598-7AEB-66BC2EF7864E}"/>
+              </a:ext>
+            </a:extLst>
+          </p:cNvPr>
+          <p:cNvSpPr txBox="1"/>
+          <p:nvPr/>
+        </p:nvSpPr>
+        <p:spPr>
+          <a:xfrm>
+            <a:off x="612559" y="1671863"/>
+            <a:ext cx="3335990" cy="2862322"/>
+          </a:xfrm>
+          <a:prstGeom prst="rect">
+            <a:avLst/>
+          </a:prstGeom>
+          <a:noFill/>
+        </p:spPr>
+        <p:txBody>
+          <a:bodyPr wrap="square" rtlCol="0">
+            <a:spAutoFit/>
+          </a:bodyPr>
+          <a:lstStyle/>
+          <a:p>
+            <a:r>
+              <a:rPr lang="ja-JP" altLang="en-US" dirty="0"/>
+              <a:t>引き続き全員一個時計回りの塔を踏む</a:t>
+            </a:r>
+            <a:endParaRPr lang="en-US" altLang="ja-JP" dirty="0"/>
+          </a:p>
+          <a:p>
+            <a:endParaRPr lang="en-US" altLang="ja-JP" dirty="0"/>
+          </a:p>
+          <a:p>
+            <a:r>
+              <a:rPr lang="en-US" altLang="ja-JP" dirty="0"/>
+              <a:t>7</a:t>
+            </a:r>
+            <a:r>
+              <a:rPr lang="ja-JP" altLang="en-US" dirty="0"/>
+              <a:t>、</a:t>
+            </a:r>
+            <a:r>
+              <a:rPr lang="en-US" altLang="ja-JP" dirty="0"/>
+              <a:t>8</a:t>
+            </a:r>
+            <a:r>
+              <a:rPr lang="ja-JP" altLang="en-US" dirty="0"/>
+              <a:t>番の人は先頭で列車突進を受け止める</a:t>
+            </a:r>
+            <a:endParaRPr lang="en-US" altLang="ja-JP" dirty="0"/>
+          </a:p>
+          <a:p>
+            <a:endParaRPr lang="en-US" altLang="ja-JP" dirty="0"/>
+          </a:p>
+          <a:p>
+            <a:r>
+              <a:rPr lang="ja-JP" altLang="en-US" dirty="0"/>
+              <a:t>同時に四回目の塔処理</a:t>
+            </a:r>
+            <a:endParaRPr lang="en-US" altLang="ja-JP" dirty="0"/>
+          </a:p>
+          <a:p>
+            <a:endParaRPr lang="en-US" altLang="ja-JP" dirty="0"/>
+          </a:p>
+          <a:p>
+            <a:r>
+              <a:rPr lang="ja-JP" altLang="en-US" dirty="0"/>
+              <a:t>着弾順は</a:t>
+            </a:r>
+            <a:r>
+              <a:rPr lang="en-US" altLang="ja-JP" dirty="0"/>
+              <a:t>6-7</a:t>
+            </a:r>
+            <a:r>
+              <a:rPr lang="ja-JP" altLang="en-US" dirty="0"/>
+              <a:t>列車、四回目塔、</a:t>
+            </a:r>
+            <a:r>
+              <a:rPr lang="en-US" altLang="ja-JP" dirty="0"/>
+              <a:t>7-8</a:t>
+            </a:r>
+            <a:r>
+              <a:rPr lang="ja-JP" altLang="en-US" dirty="0"/>
+              <a:t>列車</a:t>
+            </a:r>
+            <a:endParaRPr lang="en-US" altLang="ja-JP" dirty="0"/>
+          </a:p>
+        </p:txBody>
+      </p:sp>
+      <p:sp>
+        <p:nvSpPr>
+          <p:cNvPr id="94" name="椭圆 93">
+            <a:extLst>
+              <a:ext uri="{FF2B5EF4-FFF2-40B4-BE49-F238E27FC236}">
+                <a16:creationId xmlns:a16="http://schemas.microsoft.com/office/drawing/2014/main" id="{8BEE0963-F39F-E799-5A6C-7DB2D9695EA3}"/>
+              </a:ext>
+            </a:extLst>
+          </p:cNvPr>
+          <p:cNvSpPr/>
+          <p:nvPr/>
+        </p:nvSpPr>
+        <p:spPr>
+          <a:xfrm>
+            <a:off x="4699366" y="1193119"/>
+            <a:ext cx="5212080" cy="5212080"/>
+          </a:xfrm>
+          <a:prstGeom prst="ellipse">
+            <a:avLst/>
+          </a:prstGeom>
+          <a:solidFill>
+            <a:schemeClr val="bg1">
+              <a:lumMod val="85000"/>
+            </a:schemeClr>
+          </a:solidFill>
+          <a:ln>
+            <a:noFill/>
+          </a:ln>
+        </p:spPr>
+        <p:style>
+          <a:lnRef idx="0">
+            <a:scrgbClr r="0" g="0" b="0"/>
+          </a:lnRef>
+          <a:fillRef idx="0">
+            <a:scrgbClr r="0" g="0" b="0"/>
+          </a:fillRef>
+          <a:effectRef idx="0">
+            <a:scrgbClr r="0" g="0" b="0"/>
+          </a:effectRef>
+          <a:fontRef idx="minor">
+            <a:schemeClr val="lt1"/>
+          </a:fontRef>
+        </p:style>
+        <p:txBody>
+          <a:bodyPr rtlCol="0" anchor="ctr"/>
+          <a:lstStyle/>
+          <a:p>
+            <a:pPr algn="ctr"/>
+            <a:endParaRPr lang="zh-CN" altLang="en-US" dirty="0"/>
+          </a:p>
+        </p:txBody>
+      </p:sp>
+      <p:sp>
+        <p:nvSpPr>
+          <p:cNvPr id="3" name="椭圆 2">
+            <a:extLst>
+              <a:ext uri="{FF2B5EF4-FFF2-40B4-BE49-F238E27FC236}">
+                <a16:creationId xmlns:a16="http://schemas.microsoft.com/office/drawing/2014/main" id="{012F767B-5206-A517-0D25-41845DA1D568}"/>
+              </a:ext>
+            </a:extLst>
+          </p:cNvPr>
+          <p:cNvSpPr/>
+          <p:nvPr/>
+        </p:nvSpPr>
+        <p:spPr>
+          <a:xfrm>
+            <a:off x="6652116" y="1116566"/>
+            <a:ext cx="1263191" cy="333001"/>
+          </a:xfrm>
+          <a:prstGeom prst="ellipse">
+            <a:avLst/>
+          </a:prstGeom>
+          <a:solidFill>
+            <a:schemeClr val="accent1">
+              <a:lumMod val="60000"/>
+              <a:lumOff val="40000"/>
+            </a:schemeClr>
+          </a:solidFill>
+        </p:spPr>
+        <p:style>
+          <a:lnRef idx="2">
+            <a:schemeClr val="accent1">
+              <a:shade val="50000"/>
+            </a:schemeClr>
+          </a:lnRef>
+          <a:fillRef idx="1">
+            <a:schemeClr val="accent1"/>
+          </a:fillRef>
+          <a:effectRef idx="0">
+            <a:schemeClr val="accent1"/>
+          </a:effectRef>
+          <a:fontRef idx="minor">
+            <a:schemeClr val="lt1"/>
+          </a:fontRef>
+        </p:style>
+        <p:txBody>
+          <a:bodyPr rtlCol="0" anchor="ctr"/>
+          <a:lstStyle/>
+          <a:p>
+            <a:pPr algn="ctr"/>
+            <a:endParaRPr lang="zh-CN" altLang="en-US"/>
+          </a:p>
+        </p:txBody>
+      </p:sp>
+      <p:sp>
+        <p:nvSpPr>
+          <p:cNvPr id="21" name="箭头: 右 20">
+            <a:extLst>
+              <a:ext uri="{FF2B5EF4-FFF2-40B4-BE49-F238E27FC236}">
+                <a16:creationId xmlns:a16="http://schemas.microsoft.com/office/drawing/2014/main" id="{712099D5-D46D-2313-85E7-AA26A729A7DC}"/>
+              </a:ext>
+            </a:extLst>
+          </p:cNvPr>
+          <p:cNvSpPr/>
+          <p:nvPr/>
+        </p:nvSpPr>
+        <p:spPr>
+          <a:xfrm rot="14465637">
+            <a:off x="6407316" y="2981545"/>
+            <a:ext cx="3259459" cy="979749"/>
+          </a:xfrm>
+          <a:prstGeom prst="rightArrow">
+            <a:avLst/>
+          </a:prstGeom>
+          <a:solidFill>
+            <a:schemeClr val="accent2">
+              <a:alpha val="50000"/>
+            </a:schemeClr>
+          </a:solidFill>
+          <a:ln>
+            <a:noFill/>
+          </a:ln>
+        </p:spPr>
+        <p:style>
+          <a:lnRef idx="0">
+            <a:scrgbClr r="0" g="0" b="0"/>
+          </a:lnRef>
+          <a:fillRef idx="0">
+            <a:scrgbClr r="0" g="0" b="0"/>
+          </a:fillRef>
+          <a:effectRef idx="0">
+            <a:scrgbClr r="0" g="0" b="0"/>
+          </a:effectRef>
+          <a:fontRef idx="minor">
+            <a:schemeClr val="lt1"/>
+          </a:fontRef>
+        </p:style>
+        <p:txBody>
+          <a:bodyPr rtlCol="0" anchor="ctr"/>
+          <a:lstStyle/>
+          <a:p>
+            <a:pPr algn="ctr"/>
+            <a:endParaRPr lang="zh-CN" altLang="en-US"/>
+          </a:p>
+        </p:txBody>
+      </p:sp>
+      <p:sp>
+        <p:nvSpPr>
+          <p:cNvPr id="22" name="箭头: 右 21">
+            <a:extLst>
+              <a:ext uri="{FF2B5EF4-FFF2-40B4-BE49-F238E27FC236}">
+                <a16:creationId xmlns:a16="http://schemas.microsoft.com/office/drawing/2014/main" id="{1919A2B7-D3C5-A1AD-8659-FD3B9646534B}"/>
+              </a:ext>
+            </a:extLst>
+          </p:cNvPr>
+          <p:cNvSpPr/>
+          <p:nvPr/>
+        </p:nvSpPr>
+        <p:spPr>
+          <a:xfrm rot="5400000">
+            <a:off x="5641296" y="3360527"/>
+            <a:ext cx="3406738" cy="979749"/>
+          </a:xfrm>
+          <a:prstGeom prst="rightArrow">
+            <a:avLst/>
+          </a:prstGeom>
+          <a:solidFill>
+            <a:schemeClr val="accent2">
+              <a:alpha val="50000"/>
+            </a:schemeClr>
+          </a:solidFill>
+          <a:ln>
+            <a:noFill/>
+          </a:ln>
+        </p:spPr>
+        <p:style>
+          <a:lnRef idx="0">
+            <a:scrgbClr r="0" g="0" b="0"/>
+          </a:lnRef>
+          <a:fillRef idx="0">
+            <a:scrgbClr r="0" g="0" b="0"/>
+          </a:fillRef>
+          <a:effectRef idx="0">
+            <a:scrgbClr r="0" g="0" b="0"/>
+          </a:effectRef>
+          <a:fontRef idx="minor">
+            <a:schemeClr val="lt1"/>
+          </a:fontRef>
+        </p:style>
+        <p:txBody>
+          <a:bodyPr rtlCol="0" anchor="ctr"/>
+          <a:lstStyle/>
+          <a:p>
+            <a:pPr algn="ctr"/>
+            <a:endParaRPr lang="zh-CN" altLang="en-US"/>
+          </a:p>
+        </p:txBody>
+      </p:sp>
+      <p:sp>
+        <p:nvSpPr>
+          <p:cNvPr id="18" name="椭圆 17">
+            <a:extLst>
+              <a:ext uri="{FF2B5EF4-FFF2-40B4-BE49-F238E27FC236}">
+                <a16:creationId xmlns:a16="http://schemas.microsoft.com/office/drawing/2014/main" id="{F5A322F2-5817-3D48-1EC0-F4CD8343BB96}"/>
+              </a:ext>
+            </a:extLst>
+          </p:cNvPr>
+          <p:cNvSpPr/>
+          <p:nvPr/>
+        </p:nvSpPr>
+        <p:spPr>
+          <a:xfrm>
+            <a:off x="6854791" y="1283066"/>
+            <a:ext cx="857839" cy="857839"/>
+          </a:xfrm>
+          <a:prstGeom prst="ellipse">
+            <a:avLst/>
+          </a:prstGeom>
+          <a:solidFill>
+            <a:schemeClr val="bg1"/>
+          </a:solidFill>
+          <a:ln/>
+        </p:spPr>
+        <p:style>
+          <a:lnRef idx="3">
+            <a:schemeClr val="lt1"/>
+          </a:lnRef>
+          <a:fillRef idx="1">
+            <a:schemeClr val="dk1"/>
+          </a:fillRef>
+          <a:effectRef idx="1">
+            <a:schemeClr val="dk1"/>
+          </a:effectRef>
+          <a:fontRef idx="minor">
+            <a:schemeClr val="lt1"/>
+          </a:fontRef>
+        </p:style>
+        <p:txBody>
+          <a:bodyPr rtlCol="0" anchor="ctr"/>
+          <a:lstStyle/>
+          <a:p>
+            <a:pPr algn="ctr"/>
+            <a:r>
+              <a:rPr lang="en-US" altLang="zh-CN" dirty="0">
+                <a:solidFill>
+                  <a:schemeClr val="tx1"/>
+                </a:solidFill>
+              </a:rPr>
+              <a:t>4</a:t>
+            </a:r>
+            <a:endParaRPr lang="zh-CN" altLang="en-US" dirty="0">
+              <a:solidFill>
+                <a:schemeClr val="tx1"/>
+              </a:solidFill>
+            </a:endParaRPr>
+          </a:p>
+        </p:txBody>
+      </p:sp>
+      <p:sp>
+        <p:nvSpPr>
+          <p:cNvPr id="19" name="椭圆 18">
+            <a:extLst>
+              <a:ext uri="{FF2B5EF4-FFF2-40B4-BE49-F238E27FC236}">
+                <a16:creationId xmlns:a16="http://schemas.microsoft.com/office/drawing/2014/main" id="{7B553A98-99DD-ADE7-8F2C-82946FDF4A0F}"/>
+              </a:ext>
+            </a:extLst>
+          </p:cNvPr>
+          <p:cNvSpPr/>
+          <p:nvPr/>
+        </p:nvSpPr>
+        <p:spPr>
+          <a:xfrm>
+            <a:off x="6854791" y="5474616"/>
+            <a:ext cx="857839" cy="857839"/>
+          </a:xfrm>
+          <a:prstGeom prst="ellipse">
+            <a:avLst/>
+          </a:prstGeom>
+          <a:solidFill>
+            <a:schemeClr val="bg1"/>
+          </a:solidFill>
+          <a:ln/>
+        </p:spPr>
+        <p:style>
+          <a:lnRef idx="3">
+            <a:schemeClr val="lt1"/>
+          </a:lnRef>
+          <a:fillRef idx="1">
+            <a:schemeClr val="dk1"/>
+          </a:fillRef>
+          <a:effectRef idx="1">
+            <a:schemeClr val="dk1"/>
+          </a:effectRef>
+          <a:fontRef idx="minor">
+            <a:schemeClr val="lt1"/>
+          </a:fontRef>
+        </p:style>
+        <p:txBody>
+          <a:bodyPr rtlCol="0" anchor="ctr"/>
+          <a:lstStyle/>
+          <a:p>
+            <a:pPr algn="ctr"/>
+            <a:r>
+              <a:rPr lang="en-US" altLang="zh-CN" dirty="0">
+                <a:solidFill>
+                  <a:schemeClr val="tx1"/>
+                </a:solidFill>
+              </a:rPr>
+              <a:t>4</a:t>
+            </a:r>
+            <a:endParaRPr lang="zh-CN" altLang="en-US" dirty="0">
+              <a:solidFill>
+                <a:schemeClr val="tx1"/>
+              </a:solidFill>
+            </a:endParaRPr>
+          </a:p>
+        </p:txBody>
+      </p:sp>
+      <p:pic>
+        <p:nvPicPr>
+          <p:cNvPr id="29" name="图片 28">
+            <a:extLst>
+              <a:ext uri="{FF2B5EF4-FFF2-40B4-BE49-F238E27FC236}">
+                <a16:creationId xmlns:a16="http://schemas.microsoft.com/office/drawing/2014/main" id="{37828109-D1DB-24B1-070F-6C6C2342A787}"/>
+              </a:ext>
+            </a:extLst>
+          </p:cNvPr>
+          <p:cNvPicPr>
+            <a:picLocks noChangeAspect="1"/>
+          </p:cNvPicPr>
+          <p:nvPr/>
+        </p:nvPicPr>
+        <p:blipFill>
+          <a:blip r:embed="rId2"/>
+          <a:stretch>
+            <a:fillRect/>
+          </a:stretch>
+        </p:blipFill>
+        <p:spPr>
+          <a:xfrm flipV="1">
+            <a:off x="6652114" y="1449567"/>
+            <a:ext cx="361410" cy="358373"/>
+          </a:xfrm>
+          <a:prstGeom prst="rect">
+            <a:avLst/>
+          </a:prstGeom>
+        </p:spPr>
+      </p:pic>
+      <p:pic>
+        <p:nvPicPr>
+          <p:cNvPr id="30" name="图片 29">
+            <a:extLst>
+              <a:ext uri="{FF2B5EF4-FFF2-40B4-BE49-F238E27FC236}">
+                <a16:creationId xmlns:a16="http://schemas.microsoft.com/office/drawing/2014/main" id="{308EB72D-0591-1F78-12FC-CD798BD7E73D}"/>
+              </a:ext>
+            </a:extLst>
+          </p:cNvPr>
+          <p:cNvPicPr>
+            <a:picLocks noChangeAspect="1"/>
+          </p:cNvPicPr>
+          <p:nvPr/>
+        </p:nvPicPr>
+        <p:blipFill>
+          <a:blip r:embed="rId3"/>
+          <a:stretch>
+            <a:fillRect/>
+          </a:stretch>
+        </p:blipFill>
+        <p:spPr>
+          <a:xfrm flipV="1">
+            <a:off x="6752070" y="5961743"/>
+            <a:ext cx="364447" cy="361410"/>
+          </a:xfrm>
+          <a:prstGeom prst="rect">
+            <a:avLst/>
+          </a:prstGeom>
+        </p:spPr>
+      </p:pic>
+      <p:pic>
+        <p:nvPicPr>
+          <p:cNvPr id="31" name="图片 30">
+            <a:extLst>
+              <a:ext uri="{FF2B5EF4-FFF2-40B4-BE49-F238E27FC236}">
+                <a16:creationId xmlns:a16="http://schemas.microsoft.com/office/drawing/2014/main" id="{07F4B817-9FB7-F356-BFC2-674680D05075}"/>
+              </a:ext>
+            </a:extLst>
+          </p:cNvPr>
+          <p:cNvPicPr>
+            <a:picLocks noChangeAspect="1"/>
+          </p:cNvPicPr>
+          <p:nvPr/>
+        </p:nvPicPr>
+        <p:blipFill>
+          <a:blip r:embed="rId4"/>
+          <a:stretch>
+            <a:fillRect/>
+          </a:stretch>
+        </p:blipFill>
+        <p:spPr>
+          <a:xfrm flipV="1">
+            <a:off x="7127009" y="1347898"/>
+            <a:ext cx="361410" cy="333263"/>
+          </a:xfrm>
+          <a:prstGeom prst="rect">
+            <a:avLst/>
+          </a:prstGeom>
+        </p:spPr>
+      </p:pic>
+      <p:pic>
+        <p:nvPicPr>
+          <p:cNvPr id="32" name="图片 31">
+            <a:extLst>
+              <a:ext uri="{FF2B5EF4-FFF2-40B4-BE49-F238E27FC236}">
+                <a16:creationId xmlns:a16="http://schemas.microsoft.com/office/drawing/2014/main" id="{6AD0DB1A-3123-D4EB-783F-2A1EBF1F865D}"/>
+              </a:ext>
+            </a:extLst>
+          </p:cNvPr>
+          <p:cNvPicPr>
+            <a:picLocks noChangeAspect="1"/>
+          </p:cNvPicPr>
+          <p:nvPr/>
+        </p:nvPicPr>
+        <p:blipFill>
+          <a:blip r:embed="rId5"/>
+          <a:stretch>
+            <a:fillRect/>
+          </a:stretch>
+        </p:blipFill>
+        <p:spPr>
+          <a:xfrm flipV="1">
+            <a:off x="7160973" y="5998306"/>
+            <a:ext cx="364447" cy="370521"/>
+          </a:xfrm>
+          <a:prstGeom prst="rect">
+            <a:avLst/>
+          </a:prstGeom>
+        </p:spPr>
+      </p:pic>
+      <p:pic>
+        <p:nvPicPr>
+          <p:cNvPr id="33" name="图片 32">
+            <a:extLst>
+              <a:ext uri="{FF2B5EF4-FFF2-40B4-BE49-F238E27FC236}">
+                <a16:creationId xmlns:a16="http://schemas.microsoft.com/office/drawing/2014/main" id="{6EA6B283-FA33-8B5F-19D9-23C22512D6A2}"/>
+              </a:ext>
+            </a:extLst>
+          </p:cNvPr>
+          <p:cNvPicPr>
+            <a:picLocks noChangeAspect="1"/>
+          </p:cNvPicPr>
+          <p:nvPr/>
+        </p:nvPicPr>
+        <p:blipFill>
+          <a:blip r:embed="rId6"/>
+          <a:stretch>
+            <a:fillRect/>
+          </a:stretch>
+        </p:blipFill>
+        <p:spPr>
+          <a:xfrm flipV="1">
+            <a:off x="7529598" y="1487852"/>
+            <a:ext cx="771413" cy="364447"/>
+          </a:xfrm>
+          <a:prstGeom prst="rect">
+            <a:avLst/>
+          </a:prstGeom>
+        </p:spPr>
+      </p:pic>
+      <p:pic>
+        <p:nvPicPr>
+          <p:cNvPr id="34" name="图片 33">
+            <a:extLst>
+              <a:ext uri="{FF2B5EF4-FFF2-40B4-BE49-F238E27FC236}">
+                <a16:creationId xmlns:a16="http://schemas.microsoft.com/office/drawing/2014/main" id="{A7CC21E1-7467-1ACF-2ED7-68959584D6DF}"/>
+              </a:ext>
+            </a:extLst>
+          </p:cNvPr>
+          <p:cNvPicPr>
+            <a:picLocks noChangeAspect="1"/>
+          </p:cNvPicPr>
+          <p:nvPr/>
+        </p:nvPicPr>
+        <p:blipFill>
+          <a:blip r:embed="rId7"/>
+          <a:stretch>
+            <a:fillRect/>
+          </a:stretch>
+        </p:blipFill>
+        <p:spPr>
+          <a:xfrm flipV="1">
+            <a:off x="7525420" y="5903535"/>
+            <a:ext cx="744078" cy="385706"/>
+          </a:xfrm>
+          <a:prstGeom prst="rect">
+            <a:avLst/>
+          </a:prstGeom>
+        </p:spPr>
+      </p:pic>
+      <p:pic>
+        <p:nvPicPr>
+          <p:cNvPr id="35" name="图片 34">
+            <a:extLst>
+              <a:ext uri="{FF2B5EF4-FFF2-40B4-BE49-F238E27FC236}">
+                <a16:creationId xmlns:a16="http://schemas.microsoft.com/office/drawing/2014/main" id="{4FD1822D-6EF2-CCB1-76AC-A770762EDBFB}"/>
+              </a:ext>
+            </a:extLst>
+          </p:cNvPr>
+          <p:cNvPicPr>
+            <a:picLocks noChangeAspect="1"/>
+          </p:cNvPicPr>
+          <p:nvPr/>
+        </p:nvPicPr>
+        <p:blipFill>
+          <a:blip r:embed="rId8"/>
+          <a:stretch>
+            <a:fillRect/>
+          </a:stretch>
+        </p:blipFill>
+        <p:spPr>
+          <a:xfrm flipV="1">
+            <a:off x="6945990" y="1920506"/>
+            <a:ext cx="747116" cy="379632"/>
+          </a:xfrm>
+          <a:prstGeom prst="rect">
+            <a:avLst/>
+          </a:prstGeom>
+        </p:spPr>
+      </p:pic>
+      <p:pic>
+        <p:nvPicPr>
+          <p:cNvPr id="36" name="图片 35">
+            <a:extLst>
+              <a:ext uri="{FF2B5EF4-FFF2-40B4-BE49-F238E27FC236}">
+                <a16:creationId xmlns:a16="http://schemas.microsoft.com/office/drawing/2014/main" id="{9E02D9AC-14F1-BAD2-3488-0805428D78DE}"/>
+              </a:ext>
+            </a:extLst>
+          </p:cNvPr>
+          <p:cNvPicPr>
+            <a:picLocks noChangeAspect="1"/>
+          </p:cNvPicPr>
+          <p:nvPr/>
+        </p:nvPicPr>
+        <p:blipFill>
+          <a:blip r:embed="rId9"/>
+          <a:stretch>
+            <a:fillRect/>
+          </a:stretch>
+        </p:blipFill>
+        <p:spPr>
+          <a:xfrm flipV="1">
+            <a:off x="6934294" y="5346887"/>
+            <a:ext cx="744079" cy="367484"/>
+          </a:xfrm>
+          <a:prstGeom prst="rect">
+            <a:avLst/>
+          </a:prstGeom>
+        </p:spPr>
+      </p:pic>
+    </p:spTree>
+    <p:extLst>
+      <p:ext uri="{BB962C8B-B14F-4D97-AF65-F5344CB8AC3E}">
+        <p14:creationId xmlns:p14="http://schemas.microsoft.com/office/powerpoint/2010/main" val="554961649"/>
+      </p:ext>
+    </p:extLst>
   </p:cSld>
   <p:clrMapOvr>
     <a:masterClrMapping/>

--- a/机制图示.pptx
+++ b/机制图示.pptx
@@ -222,7 +222,7 @@
           <a:p>
             <a:fld id="{93FFD0A6-741C-4C59-A922-D8D610EF6968}" type="datetimeFigureOut">
               <a:rPr lang="zh-CN" altLang="en-US" smtClean="0"/>
-              <a:t>2022/6/14</a:t>
+              <a:t>2022/7/17</a:t>
             </a:fld>
             <a:endParaRPr lang="zh-CN" altLang="en-US"/>
           </a:p>
@@ -740,7 +740,7 @@
           <a:p>
             <a:fld id="{BA054789-EACE-4F0B-85CE-A0AE8F37913A}" type="datetimeFigureOut">
               <a:rPr lang="zh-CN" altLang="en-US" smtClean="0"/>
-              <a:t>2022/6/14</a:t>
+              <a:t>2022/7/17</a:t>
             </a:fld>
             <a:endParaRPr lang="zh-CN" altLang="en-US"/>
           </a:p>
@@ -938,7 +938,7 @@
           <a:p>
             <a:fld id="{BA054789-EACE-4F0B-85CE-A0AE8F37913A}" type="datetimeFigureOut">
               <a:rPr lang="zh-CN" altLang="en-US" smtClean="0"/>
-              <a:t>2022/6/14</a:t>
+              <a:t>2022/7/17</a:t>
             </a:fld>
             <a:endParaRPr lang="zh-CN" altLang="en-US"/>
           </a:p>
@@ -1146,7 +1146,7 @@
           <a:p>
             <a:fld id="{BA054789-EACE-4F0B-85CE-A0AE8F37913A}" type="datetimeFigureOut">
               <a:rPr lang="zh-CN" altLang="en-US" smtClean="0"/>
-              <a:t>2022/6/14</a:t>
+              <a:t>2022/7/17</a:t>
             </a:fld>
             <a:endParaRPr lang="zh-CN" altLang="en-US"/>
           </a:p>
@@ -1703,7 +1703,7 @@
           <a:p>
             <a:fld id="{BA054789-EACE-4F0B-85CE-A0AE8F37913A}" type="datetimeFigureOut">
               <a:rPr lang="zh-CN" altLang="en-US" smtClean="0"/>
-              <a:t>2022/6/14</a:t>
+              <a:t>2022/7/17</a:t>
             </a:fld>
             <a:endParaRPr lang="zh-CN" altLang="en-US"/>
           </a:p>
@@ -1978,7 +1978,7 @@
           <a:p>
             <a:fld id="{BA054789-EACE-4F0B-85CE-A0AE8F37913A}" type="datetimeFigureOut">
               <a:rPr lang="zh-CN" altLang="en-US" smtClean="0"/>
-              <a:t>2022/6/14</a:t>
+              <a:t>2022/7/17</a:t>
             </a:fld>
             <a:endParaRPr lang="zh-CN" altLang="en-US"/>
           </a:p>
@@ -2243,7 +2243,7 @@
           <a:p>
             <a:fld id="{BA054789-EACE-4F0B-85CE-A0AE8F37913A}" type="datetimeFigureOut">
               <a:rPr lang="zh-CN" altLang="en-US" smtClean="0"/>
-              <a:t>2022/6/14</a:t>
+              <a:t>2022/7/17</a:t>
             </a:fld>
             <a:endParaRPr lang="zh-CN" altLang="en-US"/>
           </a:p>
@@ -2655,7 +2655,7 @@
           <a:p>
             <a:fld id="{BA054789-EACE-4F0B-85CE-A0AE8F37913A}" type="datetimeFigureOut">
               <a:rPr lang="zh-CN" altLang="en-US" smtClean="0"/>
-              <a:t>2022/6/14</a:t>
+              <a:t>2022/7/17</a:t>
             </a:fld>
             <a:endParaRPr lang="zh-CN" altLang="en-US"/>
           </a:p>
@@ -2796,7 +2796,7 @@
           <a:p>
             <a:fld id="{BA054789-EACE-4F0B-85CE-A0AE8F37913A}" type="datetimeFigureOut">
               <a:rPr lang="zh-CN" altLang="en-US" smtClean="0"/>
-              <a:t>2022/6/14</a:t>
+              <a:t>2022/7/17</a:t>
             </a:fld>
             <a:endParaRPr lang="zh-CN" altLang="en-US"/>
           </a:p>
@@ -2909,7 +2909,7 @@
           <a:p>
             <a:fld id="{BA054789-EACE-4F0B-85CE-A0AE8F37913A}" type="datetimeFigureOut">
               <a:rPr lang="zh-CN" altLang="en-US" smtClean="0"/>
-              <a:t>2022/6/14</a:t>
+              <a:t>2022/7/17</a:t>
             </a:fld>
             <a:endParaRPr lang="zh-CN" altLang="en-US"/>
           </a:p>
@@ -3220,7 +3220,7 @@
           <a:p>
             <a:fld id="{BA054789-EACE-4F0B-85CE-A0AE8F37913A}" type="datetimeFigureOut">
               <a:rPr lang="zh-CN" altLang="en-US" smtClean="0"/>
-              <a:t>2022/6/14</a:t>
+              <a:t>2022/7/17</a:t>
             </a:fld>
             <a:endParaRPr lang="zh-CN" altLang="en-US"/>
           </a:p>
@@ -3508,7 +3508,7 @@
           <a:p>
             <a:fld id="{BA054789-EACE-4F0B-85CE-A0AE8F37913A}" type="datetimeFigureOut">
               <a:rPr lang="zh-CN" altLang="en-US" smtClean="0"/>
-              <a:t>2022/6/14</a:t>
+              <a:t>2022/7/17</a:t>
             </a:fld>
             <a:endParaRPr lang="zh-CN" altLang="en-US"/>
           </a:p>
@@ -3749,7 +3749,7 @@
           <a:p>
             <a:fld id="{BA054789-EACE-4F0B-85CE-A0AE8F37913A}" type="datetimeFigureOut">
               <a:rPr lang="zh-CN" altLang="en-US" smtClean="0"/>
-              <a:t>2022/6/14</a:t>
+              <a:t>2022/7/17</a:t>
             </a:fld>
             <a:endParaRPr lang="zh-CN" altLang="en-US"/>
           </a:p>
@@ -4266,7 +4266,7 @@
                 <a:latin typeface="黑体" panose="02010609060101010101" pitchFamily="49" charset="-122"/>
                 <a:ea typeface="黑体" panose="02010609060101010101" pitchFamily="49" charset="-122"/>
               </a:rPr>
-              <a:t>黄昏メリーゴーランド</a:t>
+              <a:t>黄昏メリーゴーランド </a:t>
             </a:r>
             <a:r>
               <a:rPr lang="en-US" altLang="zh-CN" sz="2800" dirty="0">
@@ -5224,7 +5224,7 @@
                 <a:latin typeface="黑体" panose="02010609060101010101" pitchFamily="49" charset="-122"/>
                 <a:ea typeface="黑体" panose="02010609060101010101" pitchFamily="49" charset="-122"/>
               </a:rPr>
-              <a:t>黄昏メリーゴーランド</a:t>
+              <a:t>黄昏メリーゴーランド </a:t>
             </a:r>
             <a:r>
               <a:rPr lang="en-US" altLang="ja-JP" sz="2800" dirty="0">
@@ -6288,7 +6288,7 @@
                 <a:latin typeface="黑体" panose="02010609060101010101" pitchFamily="49" charset="-122"/>
                 <a:ea typeface="黑体" panose="02010609060101010101" pitchFamily="49" charset="-122"/>
               </a:rPr>
-              <a:t>黄昏メリーゴーランド</a:t>
+              <a:t>黄昏メリーゴーランド </a:t>
             </a:r>
             <a:r>
               <a:rPr lang="en-US" altLang="ja-JP" sz="2800" dirty="0">
@@ -7651,7 +7651,7 @@
                 <a:latin typeface="黑体" panose="02010609060101010101" pitchFamily="49" charset="-122"/>
                 <a:ea typeface="黑体" panose="02010609060101010101" pitchFamily="49" charset="-122"/>
               </a:rPr>
-              <a:t>黄昏メリーゴーランド</a:t>
+              <a:t>黄昏メリーゴーランド </a:t>
             </a:r>
             <a:r>
               <a:rPr lang="en-US" altLang="ja-JP" sz="2800" dirty="0">
@@ -8540,7 +8540,7 @@
                 <a:latin typeface="黑体" panose="02010609060101010101" pitchFamily="49" charset="-122"/>
                 <a:ea typeface="黑体" panose="02010609060101010101" pitchFamily="49" charset="-122"/>
               </a:rPr>
-              <a:t>黄昏メリーゴーランド</a:t>
+              <a:t>黄昏メリーゴーランド </a:t>
             </a:r>
             <a:r>
               <a:rPr lang="en-US" altLang="ja-JP" sz="2800" dirty="0">
@@ -10030,7 +10030,7 @@
                 <a:latin typeface="黑体" panose="02010609060101010101" pitchFamily="49" charset="-122"/>
                 <a:ea typeface="黑体" panose="02010609060101010101" pitchFamily="49" charset="-122"/>
               </a:rPr>
-              <a:t>黄昏メリーゴーランド</a:t>
+              <a:t>黄昏メリーゴーランド </a:t>
             </a:r>
             <a:r>
               <a:rPr lang="en-US" altLang="ja-JP" sz="2800" dirty="0">
@@ -10919,7 +10919,7 @@
                 <a:latin typeface="黑体" panose="02010609060101010101" pitchFamily="49" charset="-122"/>
                 <a:ea typeface="黑体" panose="02010609060101010101" pitchFamily="49" charset="-122"/>
               </a:rPr>
-              <a:t>黄昏メリーゴーランド</a:t>
+              <a:t>黄昏メリーゴーランド </a:t>
             </a:r>
             <a:r>
               <a:rPr lang="en-US" altLang="ja-JP" sz="2800" dirty="0">
@@ -12040,7 +12040,7 @@
                 <a:latin typeface="黑体" panose="02010609060101010101" pitchFamily="49" charset="-122"/>
                 <a:ea typeface="黑体" panose="02010609060101010101" pitchFamily="49" charset="-122"/>
               </a:rPr>
-              <a:t>黄昏メリーゴーランド</a:t>
+              <a:t>黄昏メリーゴーランド </a:t>
             </a:r>
             <a:r>
               <a:rPr lang="en-US" altLang="ja-JP" sz="2800" dirty="0">
@@ -13161,7 +13161,7 @@
                 <a:latin typeface="黑体" panose="02010609060101010101" pitchFamily="49" charset="-122"/>
                 <a:ea typeface="黑体" panose="02010609060101010101" pitchFamily="49" charset="-122"/>
               </a:rPr>
-              <a:t>黄昏メリーゴーランド</a:t>
+              <a:t>黄昏メリーゴーランド </a:t>
             </a:r>
             <a:r>
               <a:rPr lang="en-US" altLang="ja-JP" sz="2800" dirty="0">
@@ -14050,7 +14050,7 @@
                 <a:latin typeface="黑体" panose="02010609060101010101" pitchFamily="49" charset="-122"/>
                 <a:ea typeface="黑体" panose="02010609060101010101" pitchFamily="49" charset="-122"/>
               </a:rPr>
-              <a:t>黄昏メリーゴーランド</a:t>
+              <a:t>黄昏メリーゴーランド </a:t>
             </a:r>
             <a:r>
               <a:rPr lang="en-US" altLang="ja-JP" sz="2800" dirty="0">
@@ -16948,7 +16948,15 @@
           <a:p>
             <a:r>
               <a:rPr lang="ja-JP" altLang="en-US" dirty="0"/>
-              <a:t>塔の中の数字は出現する順番で、すべての塔は四人用</a:t>
+              <a:t>塔の中の数字は出現する</a:t>
+            </a:r>
+            <a:r>
+              <a:rPr lang="ja-JP" altLang="en-US"/>
+              <a:t>順番、</a:t>
+            </a:r>
+            <a:r>
+              <a:rPr lang="ja-JP" altLang="en-US" dirty="0"/>
+              <a:t>すべての塔は四人用</a:t>
             </a:r>
             <a:endParaRPr lang="en-US" altLang="ja-JP" dirty="0"/>
           </a:p>
@@ -21595,7 +21603,7 @@
                 <a:latin typeface="黑体" panose="02010609060101010101" pitchFamily="49" charset="-122"/>
                 <a:ea typeface="黑体" panose="02010609060101010101" pitchFamily="49" charset="-122"/>
               </a:rPr>
-              <a:t>夜明けジェットコースター</a:t>
+              <a:t>夜明けジェットコースター </a:t>
             </a:r>
             <a:r>
               <a:rPr lang="en-US" altLang="zh-CN" sz="2800" dirty="0">
@@ -22148,7 +22156,7 @@
                 <a:latin typeface="黑体" panose="02010609060101010101" pitchFamily="49" charset="-122"/>
                 <a:ea typeface="黑体" panose="02010609060101010101" pitchFamily="49" charset="-122"/>
               </a:rPr>
-              <a:t>夜明けジェットコースター</a:t>
+              <a:t>夜明けジェットコースター </a:t>
             </a:r>
             <a:r>
               <a:rPr lang="en-US" altLang="zh-CN" sz="2800" dirty="0">
@@ -23065,7 +23073,7 @@
                 <a:latin typeface="黑体" panose="02010609060101010101" pitchFamily="49" charset="-122"/>
                 <a:ea typeface="黑体" panose="02010609060101010101" pitchFamily="49" charset="-122"/>
               </a:rPr>
-              <a:t>夜明けジェットコースター</a:t>
+              <a:t>夜明けジェットコースター </a:t>
             </a:r>
             <a:r>
               <a:rPr lang="en-US" altLang="zh-CN" sz="2400" dirty="0">

--- a/机制图示.pptx
+++ b/机制图示.pptx
@@ -624,7 +624,7 @@
           <p:cNvPr id="2" name="标题 1">
             <a:extLst>
               <a:ext uri="{FF2B5EF4-FFF2-40B4-BE49-F238E27FC236}">
-                <a16:creationId xmlns:a16="http://schemas.microsoft.com/office/drawing/2014/main" xmlns="" id="{4C529C05-6993-E374-2DE2-7EC1B69BA1EE}"/>
+                <a16:creationId xmlns="" xmlns:a16="http://schemas.microsoft.com/office/drawing/2014/main" id="{4C529C05-6993-E374-2DE2-7EC1B69BA1EE}"/>
               </a:ext>
             </a:extLst>
           </p:cNvPr>
@@ -661,7 +661,7 @@
           <p:cNvPr id="3" name="副标题 2">
             <a:extLst>
               <a:ext uri="{FF2B5EF4-FFF2-40B4-BE49-F238E27FC236}">
-                <a16:creationId xmlns:a16="http://schemas.microsoft.com/office/drawing/2014/main" xmlns="" id="{8D685AB2-71E0-83AD-E648-EA31522F89AA}"/>
+                <a16:creationId xmlns="" xmlns:a16="http://schemas.microsoft.com/office/drawing/2014/main" id="{8D685AB2-71E0-83AD-E648-EA31522F89AA}"/>
               </a:ext>
             </a:extLst>
           </p:cNvPr>
@@ -731,7 +731,7 @@
           <p:cNvPr id="4" name="日期占位符 3">
             <a:extLst>
               <a:ext uri="{FF2B5EF4-FFF2-40B4-BE49-F238E27FC236}">
-                <a16:creationId xmlns:a16="http://schemas.microsoft.com/office/drawing/2014/main" xmlns="" id="{C45A1BBE-92AA-97BD-9EDC-AF0FF54A8CA6}"/>
+                <a16:creationId xmlns="" xmlns:a16="http://schemas.microsoft.com/office/drawing/2014/main" id="{C45A1BBE-92AA-97BD-9EDC-AF0FF54A8CA6}"/>
               </a:ext>
             </a:extLst>
           </p:cNvPr>
@@ -760,7 +760,7 @@
           <p:cNvPr id="5" name="页脚占位符 4">
             <a:extLst>
               <a:ext uri="{FF2B5EF4-FFF2-40B4-BE49-F238E27FC236}">
-                <a16:creationId xmlns:a16="http://schemas.microsoft.com/office/drawing/2014/main" xmlns="" id="{E277CA1F-C9EC-9993-71F1-866A8154ED53}"/>
+                <a16:creationId xmlns="" xmlns:a16="http://schemas.microsoft.com/office/drawing/2014/main" id="{E277CA1F-C9EC-9993-71F1-866A8154ED53}"/>
               </a:ext>
             </a:extLst>
           </p:cNvPr>
@@ -785,7 +785,7 @@
           <p:cNvPr id="6" name="灯片编号占位符 5">
             <a:extLst>
               <a:ext uri="{FF2B5EF4-FFF2-40B4-BE49-F238E27FC236}">
-                <a16:creationId xmlns:a16="http://schemas.microsoft.com/office/drawing/2014/main" xmlns="" id="{0922099B-A7A5-E88B-B7B1-0425B195CADF}"/>
+                <a16:creationId xmlns="" xmlns:a16="http://schemas.microsoft.com/office/drawing/2014/main" id="{0922099B-A7A5-E88B-B7B1-0425B195CADF}"/>
               </a:ext>
             </a:extLst>
           </p:cNvPr>
@@ -844,7 +844,7 @@
           <p:cNvPr id="2" name="标题 1">
             <a:extLst>
               <a:ext uri="{FF2B5EF4-FFF2-40B4-BE49-F238E27FC236}">
-                <a16:creationId xmlns:a16="http://schemas.microsoft.com/office/drawing/2014/main" xmlns="" id="{4F5DFE4F-2322-BE5D-1ACB-D8FCEDC42378}"/>
+                <a16:creationId xmlns="" xmlns:a16="http://schemas.microsoft.com/office/drawing/2014/main" id="{4F5DFE4F-2322-BE5D-1ACB-D8FCEDC42378}"/>
               </a:ext>
             </a:extLst>
           </p:cNvPr>
@@ -872,7 +872,7 @@
           <p:cNvPr id="3" name="竖排文字占位符 2">
             <a:extLst>
               <a:ext uri="{FF2B5EF4-FFF2-40B4-BE49-F238E27FC236}">
-                <a16:creationId xmlns:a16="http://schemas.microsoft.com/office/drawing/2014/main" xmlns="" id="{8088D73B-E816-C321-246D-CD37EBC9C0AB}"/>
+                <a16:creationId xmlns="" xmlns:a16="http://schemas.microsoft.com/office/drawing/2014/main" id="{8088D73B-E816-C321-246D-CD37EBC9C0AB}"/>
               </a:ext>
             </a:extLst>
           </p:cNvPr>
@@ -929,7 +929,7 @@
           <p:cNvPr id="4" name="日期占位符 3">
             <a:extLst>
               <a:ext uri="{FF2B5EF4-FFF2-40B4-BE49-F238E27FC236}">
-                <a16:creationId xmlns:a16="http://schemas.microsoft.com/office/drawing/2014/main" xmlns="" id="{8DECFDC4-0E3F-9145-8C63-E9FFF453FFAB}"/>
+                <a16:creationId xmlns="" xmlns:a16="http://schemas.microsoft.com/office/drawing/2014/main" id="{8DECFDC4-0E3F-9145-8C63-E9FFF453FFAB}"/>
               </a:ext>
             </a:extLst>
           </p:cNvPr>
@@ -958,7 +958,7 @@
           <p:cNvPr id="5" name="页脚占位符 4">
             <a:extLst>
               <a:ext uri="{FF2B5EF4-FFF2-40B4-BE49-F238E27FC236}">
-                <a16:creationId xmlns:a16="http://schemas.microsoft.com/office/drawing/2014/main" xmlns="" id="{A3D62DD7-5525-B4BA-AA03-25FF4C0403A6}"/>
+                <a16:creationId xmlns="" xmlns:a16="http://schemas.microsoft.com/office/drawing/2014/main" id="{A3D62DD7-5525-B4BA-AA03-25FF4C0403A6}"/>
               </a:ext>
             </a:extLst>
           </p:cNvPr>
@@ -983,7 +983,7 @@
           <p:cNvPr id="6" name="灯片编号占位符 5">
             <a:extLst>
               <a:ext uri="{FF2B5EF4-FFF2-40B4-BE49-F238E27FC236}">
-                <a16:creationId xmlns:a16="http://schemas.microsoft.com/office/drawing/2014/main" xmlns="" id="{98F7AC82-750A-6BA1-A70D-D2E8ED618DE1}"/>
+                <a16:creationId xmlns="" xmlns:a16="http://schemas.microsoft.com/office/drawing/2014/main" id="{98F7AC82-750A-6BA1-A70D-D2E8ED618DE1}"/>
               </a:ext>
             </a:extLst>
           </p:cNvPr>
@@ -1042,7 +1042,7 @@
           <p:cNvPr id="2" name="竖排标题 1">
             <a:extLst>
               <a:ext uri="{FF2B5EF4-FFF2-40B4-BE49-F238E27FC236}">
-                <a16:creationId xmlns:a16="http://schemas.microsoft.com/office/drawing/2014/main" xmlns="" id="{4CF83B1B-91B5-671F-A161-727C9B763214}"/>
+                <a16:creationId xmlns="" xmlns:a16="http://schemas.microsoft.com/office/drawing/2014/main" id="{4CF83B1B-91B5-671F-A161-727C9B763214}"/>
               </a:ext>
             </a:extLst>
           </p:cNvPr>
@@ -1075,7 +1075,7 @@
           <p:cNvPr id="3" name="竖排文字占位符 2">
             <a:extLst>
               <a:ext uri="{FF2B5EF4-FFF2-40B4-BE49-F238E27FC236}">
-                <a16:creationId xmlns:a16="http://schemas.microsoft.com/office/drawing/2014/main" xmlns="" id="{BB08FF4A-FB49-2B3B-B3D5-164AC935EAC3}"/>
+                <a16:creationId xmlns="" xmlns:a16="http://schemas.microsoft.com/office/drawing/2014/main" id="{BB08FF4A-FB49-2B3B-B3D5-164AC935EAC3}"/>
               </a:ext>
             </a:extLst>
           </p:cNvPr>
@@ -1137,7 +1137,7 @@
           <p:cNvPr id="4" name="日期占位符 3">
             <a:extLst>
               <a:ext uri="{FF2B5EF4-FFF2-40B4-BE49-F238E27FC236}">
-                <a16:creationId xmlns:a16="http://schemas.microsoft.com/office/drawing/2014/main" xmlns="" id="{7BB95ED0-C4BA-DCCD-2E70-7B800185D571}"/>
+                <a16:creationId xmlns="" xmlns:a16="http://schemas.microsoft.com/office/drawing/2014/main" id="{7BB95ED0-C4BA-DCCD-2E70-7B800185D571}"/>
               </a:ext>
             </a:extLst>
           </p:cNvPr>
@@ -1166,7 +1166,7 @@
           <p:cNvPr id="5" name="页脚占位符 4">
             <a:extLst>
               <a:ext uri="{FF2B5EF4-FFF2-40B4-BE49-F238E27FC236}">
-                <a16:creationId xmlns:a16="http://schemas.microsoft.com/office/drawing/2014/main" xmlns="" id="{1BF31E75-820B-0F48-C8C2-00D1C17A0DE1}"/>
+                <a16:creationId xmlns="" xmlns:a16="http://schemas.microsoft.com/office/drawing/2014/main" id="{1BF31E75-820B-0F48-C8C2-00D1C17A0DE1}"/>
               </a:ext>
             </a:extLst>
           </p:cNvPr>
@@ -1191,7 +1191,7 @@
           <p:cNvPr id="6" name="灯片编号占位符 5">
             <a:extLst>
               <a:ext uri="{FF2B5EF4-FFF2-40B4-BE49-F238E27FC236}">
-                <a16:creationId xmlns:a16="http://schemas.microsoft.com/office/drawing/2014/main" xmlns="" id="{C44676BC-DB8F-6385-CCAA-24A642617E4C}"/>
+                <a16:creationId xmlns="" xmlns:a16="http://schemas.microsoft.com/office/drawing/2014/main" id="{C44676BC-DB8F-6385-CCAA-24A642617E4C}"/>
               </a:ext>
             </a:extLst>
           </p:cNvPr>
@@ -1609,7 +1609,7 @@
           <p:cNvPr id="2" name="标题 1">
             <a:extLst>
               <a:ext uri="{FF2B5EF4-FFF2-40B4-BE49-F238E27FC236}">
-                <a16:creationId xmlns:a16="http://schemas.microsoft.com/office/drawing/2014/main" xmlns="" id="{4A602A98-C390-5A43-8761-0489D4B42846}"/>
+                <a16:creationId xmlns="" xmlns:a16="http://schemas.microsoft.com/office/drawing/2014/main" id="{4A602A98-C390-5A43-8761-0489D4B42846}"/>
               </a:ext>
             </a:extLst>
           </p:cNvPr>
@@ -1637,7 +1637,7 @@
           <p:cNvPr id="3" name="内容占位符 2">
             <a:extLst>
               <a:ext uri="{FF2B5EF4-FFF2-40B4-BE49-F238E27FC236}">
-                <a16:creationId xmlns:a16="http://schemas.microsoft.com/office/drawing/2014/main" xmlns="" id="{11B58BD3-77FD-090F-EBEA-977F10D69F9C}"/>
+                <a16:creationId xmlns="" xmlns:a16="http://schemas.microsoft.com/office/drawing/2014/main" id="{11B58BD3-77FD-090F-EBEA-977F10D69F9C}"/>
               </a:ext>
             </a:extLst>
           </p:cNvPr>
@@ -1694,7 +1694,7 @@
           <p:cNvPr id="4" name="日期占位符 3">
             <a:extLst>
               <a:ext uri="{FF2B5EF4-FFF2-40B4-BE49-F238E27FC236}">
-                <a16:creationId xmlns:a16="http://schemas.microsoft.com/office/drawing/2014/main" xmlns="" id="{2F2888FE-0D56-D838-DDA2-9036767B7B83}"/>
+                <a16:creationId xmlns="" xmlns:a16="http://schemas.microsoft.com/office/drawing/2014/main" id="{2F2888FE-0D56-D838-DDA2-9036767B7B83}"/>
               </a:ext>
             </a:extLst>
           </p:cNvPr>
@@ -1723,7 +1723,7 @@
           <p:cNvPr id="5" name="页脚占位符 4">
             <a:extLst>
               <a:ext uri="{FF2B5EF4-FFF2-40B4-BE49-F238E27FC236}">
-                <a16:creationId xmlns:a16="http://schemas.microsoft.com/office/drawing/2014/main" xmlns="" id="{C9C7A18B-7856-24E0-6F3C-CD298036521A}"/>
+                <a16:creationId xmlns="" xmlns:a16="http://schemas.microsoft.com/office/drawing/2014/main" id="{C9C7A18B-7856-24E0-6F3C-CD298036521A}"/>
               </a:ext>
             </a:extLst>
           </p:cNvPr>
@@ -1748,7 +1748,7 @@
           <p:cNvPr id="6" name="灯片编号占位符 5">
             <a:extLst>
               <a:ext uri="{FF2B5EF4-FFF2-40B4-BE49-F238E27FC236}">
-                <a16:creationId xmlns:a16="http://schemas.microsoft.com/office/drawing/2014/main" xmlns="" id="{FC863C35-49EE-AE1E-476A-2115AB2F951A}"/>
+                <a16:creationId xmlns="" xmlns:a16="http://schemas.microsoft.com/office/drawing/2014/main" id="{FC863C35-49EE-AE1E-476A-2115AB2F951A}"/>
               </a:ext>
             </a:extLst>
           </p:cNvPr>
@@ -1807,7 +1807,7 @@
           <p:cNvPr id="2" name="标题 1">
             <a:extLst>
               <a:ext uri="{FF2B5EF4-FFF2-40B4-BE49-F238E27FC236}">
-                <a16:creationId xmlns:a16="http://schemas.microsoft.com/office/drawing/2014/main" xmlns="" id="{866638DE-98B5-DDC3-B3F8-3E4400828480}"/>
+                <a16:creationId xmlns="" xmlns:a16="http://schemas.microsoft.com/office/drawing/2014/main" id="{866638DE-98B5-DDC3-B3F8-3E4400828480}"/>
               </a:ext>
             </a:extLst>
           </p:cNvPr>
@@ -1844,7 +1844,7 @@
           <p:cNvPr id="3" name="文本占位符 2">
             <a:extLst>
               <a:ext uri="{FF2B5EF4-FFF2-40B4-BE49-F238E27FC236}">
-                <a16:creationId xmlns:a16="http://schemas.microsoft.com/office/drawing/2014/main" xmlns="" id="{04B7A2A4-817D-77B2-4735-132E59CD17F6}"/>
+                <a16:creationId xmlns="" xmlns:a16="http://schemas.microsoft.com/office/drawing/2014/main" id="{04B7A2A4-817D-77B2-4735-132E59CD17F6}"/>
               </a:ext>
             </a:extLst>
           </p:cNvPr>
@@ -1969,7 +1969,7 @@
           <p:cNvPr id="4" name="日期占位符 3">
             <a:extLst>
               <a:ext uri="{FF2B5EF4-FFF2-40B4-BE49-F238E27FC236}">
-                <a16:creationId xmlns:a16="http://schemas.microsoft.com/office/drawing/2014/main" xmlns="" id="{183CA83E-8AFE-5A62-E830-EB8E09B4095F}"/>
+                <a16:creationId xmlns="" xmlns:a16="http://schemas.microsoft.com/office/drawing/2014/main" id="{183CA83E-8AFE-5A62-E830-EB8E09B4095F}"/>
               </a:ext>
             </a:extLst>
           </p:cNvPr>
@@ -1998,7 +1998,7 @@
           <p:cNvPr id="5" name="页脚占位符 4">
             <a:extLst>
               <a:ext uri="{FF2B5EF4-FFF2-40B4-BE49-F238E27FC236}">
-                <a16:creationId xmlns:a16="http://schemas.microsoft.com/office/drawing/2014/main" xmlns="" id="{5F95EF5D-59A1-5AE4-9F96-B75770EE6C75}"/>
+                <a16:creationId xmlns="" xmlns:a16="http://schemas.microsoft.com/office/drawing/2014/main" id="{5F95EF5D-59A1-5AE4-9F96-B75770EE6C75}"/>
               </a:ext>
             </a:extLst>
           </p:cNvPr>
@@ -2023,7 +2023,7 @@
           <p:cNvPr id="6" name="灯片编号占位符 5">
             <a:extLst>
               <a:ext uri="{FF2B5EF4-FFF2-40B4-BE49-F238E27FC236}">
-                <a16:creationId xmlns:a16="http://schemas.microsoft.com/office/drawing/2014/main" xmlns="" id="{AEDD6E4D-49DA-3B43-D4CC-1D98B7AAFF66}"/>
+                <a16:creationId xmlns="" xmlns:a16="http://schemas.microsoft.com/office/drawing/2014/main" id="{AEDD6E4D-49DA-3B43-D4CC-1D98B7AAFF66}"/>
               </a:ext>
             </a:extLst>
           </p:cNvPr>
@@ -2082,7 +2082,7 @@
           <p:cNvPr id="2" name="标题 1">
             <a:extLst>
               <a:ext uri="{FF2B5EF4-FFF2-40B4-BE49-F238E27FC236}">
-                <a16:creationId xmlns:a16="http://schemas.microsoft.com/office/drawing/2014/main" xmlns="" id="{6143119A-5638-5FB3-124E-3B30981F030A}"/>
+                <a16:creationId xmlns="" xmlns:a16="http://schemas.microsoft.com/office/drawing/2014/main" id="{6143119A-5638-5FB3-124E-3B30981F030A}"/>
               </a:ext>
             </a:extLst>
           </p:cNvPr>
@@ -2110,7 +2110,7 @@
           <p:cNvPr id="3" name="内容占位符 2">
             <a:extLst>
               <a:ext uri="{FF2B5EF4-FFF2-40B4-BE49-F238E27FC236}">
-                <a16:creationId xmlns:a16="http://schemas.microsoft.com/office/drawing/2014/main" xmlns="" id="{C8F1DC48-C2D4-79DF-114F-EF5EEEBA4D3D}"/>
+                <a16:creationId xmlns="" xmlns:a16="http://schemas.microsoft.com/office/drawing/2014/main" id="{C8F1DC48-C2D4-79DF-114F-EF5EEEBA4D3D}"/>
               </a:ext>
             </a:extLst>
           </p:cNvPr>
@@ -2172,7 +2172,7 @@
           <p:cNvPr id="4" name="内容占位符 3">
             <a:extLst>
               <a:ext uri="{FF2B5EF4-FFF2-40B4-BE49-F238E27FC236}">
-                <a16:creationId xmlns:a16="http://schemas.microsoft.com/office/drawing/2014/main" xmlns="" id="{5163DEDF-28BC-F60D-FCBD-0D577102FE83}"/>
+                <a16:creationId xmlns="" xmlns:a16="http://schemas.microsoft.com/office/drawing/2014/main" id="{5163DEDF-28BC-F60D-FCBD-0D577102FE83}"/>
               </a:ext>
             </a:extLst>
           </p:cNvPr>
@@ -2234,7 +2234,7 @@
           <p:cNvPr id="5" name="日期占位符 4">
             <a:extLst>
               <a:ext uri="{FF2B5EF4-FFF2-40B4-BE49-F238E27FC236}">
-                <a16:creationId xmlns:a16="http://schemas.microsoft.com/office/drawing/2014/main" xmlns="" id="{11352899-B0A5-67BA-4F8C-A6BEB19057FD}"/>
+                <a16:creationId xmlns="" xmlns:a16="http://schemas.microsoft.com/office/drawing/2014/main" id="{11352899-B0A5-67BA-4F8C-A6BEB19057FD}"/>
               </a:ext>
             </a:extLst>
           </p:cNvPr>
@@ -2263,7 +2263,7 @@
           <p:cNvPr id="6" name="页脚占位符 5">
             <a:extLst>
               <a:ext uri="{FF2B5EF4-FFF2-40B4-BE49-F238E27FC236}">
-                <a16:creationId xmlns:a16="http://schemas.microsoft.com/office/drawing/2014/main" xmlns="" id="{A584D1DB-F7D5-5108-37F7-B12451D4AF43}"/>
+                <a16:creationId xmlns="" xmlns:a16="http://schemas.microsoft.com/office/drawing/2014/main" id="{A584D1DB-F7D5-5108-37F7-B12451D4AF43}"/>
               </a:ext>
             </a:extLst>
           </p:cNvPr>
@@ -2288,7 +2288,7 @@
           <p:cNvPr id="7" name="灯片编号占位符 6">
             <a:extLst>
               <a:ext uri="{FF2B5EF4-FFF2-40B4-BE49-F238E27FC236}">
-                <a16:creationId xmlns:a16="http://schemas.microsoft.com/office/drawing/2014/main" xmlns="" id="{2294CAD5-9704-832D-2AB9-684703BF36C6}"/>
+                <a16:creationId xmlns="" xmlns:a16="http://schemas.microsoft.com/office/drawing/2014/main" id="{2294CAD5-9704-832D-2AB9-684703BF36C6}"/>
               </a:ext>
             </a:extLst>
           </p:cNvPr>
@@ -2347,7 +2347,7 @@
           <p:cNvPr id="2" name="标题 1">
             <a:extLst>
               <a:ext uri="{FF2B5EF4-FFF2-40B4-BE49-F238E27FC236}">
-                <a16:creationId xmlns:a16="http://schemas.microsoft.com/office/drawing/2014/main" xmlns="" id="{5553C342-6EA7-A319-ED9F-F3DED51AB856}"/>
+                <a16:creationId xmlns="" xmlns:a16="http://schemas.microsoft.com/office/drawing/2014/main" id="{5553C342-6EA7-A319-ED9F-F3DED51AB856}"/>
               </a:ext>
             </a:extLst>
           </p:cNvPr>
@@ -2380,7 +2380,7 @@
           <p:cNvPr id="3" name="文本占位符 2">
             <a:extLst>
               <a:ext uri="{FF2B5EF4-FFF2-40B4-BE49-F238E27FC236}">
-                <a16:creationId xmlns:a16="http://schemas.microsoft.com/office/drawing/2014/main" xmlns="" id="{2A2E5CEB-B13F-86C3-3E47-796F7F60D6CC}"/>
+                <a16:creationId xmlns="" xmlns:a16="http://schemas.microsoft.com/office/drawing/2014/main" id="{2A2E5CEB-B13F-86C3-3E47-796F7F60D6CC}"/>
               </a:ext>
             </a:extLst>
           </p:cNvPr>
@@ -2451,7 +2451,7 @@
           <p:cNvPr id="4" name="内容占位符 3">
             <a:extLst>
               <a:ext uri="{FF2B5EF4-FFF2-40B4-BE49-F238E27FC236}">
-                <a16:creationId xmlns:a16="http://schemas.microsoft.com/office/drawing/2014/main" xmlns="" id="{A54930F9-E0D4-D998-09A2-343AA1F96076}"/>
+                <a16:creationId xmlns="" xmlns:a16="http://schemas.microsoft.com/office/drawing/2014/main" id="{A54930F9-E0D4-D998-09A2-343AA1F96076}"/>
               </a:ext>
             </a:extLst>
           </p:cNvPr>
@@ -2513,7 +2513,7 @@
           <p:cNvPr id="5" name="文本占位符 4">
             <a:extLst>
               <a:ext uri="{FF2B5EF4-FFF2-40B4-BE49-F238E27FC236}">
-                <a16:creationId xmlns:a16="http://schemas.microsoft.com/office/drawing/2014/main" xmlns="" id="{B4B7359A-E8FC-E1A9-A896-A49ED9AF86F8}"/>
+                <a16:creationId xmlns="" xmlns:a16="http://schemas.microsoft.com/office/drawing/2014/main" id="{B4B7359A-E8FC-E1A9-A896-A49ED9AF86F8}"/>
               </a:ext>
             </a:extLst>
           </p:cNvPr>
@@ -2584,7 +2584,7 @@
           <p:cNvPr id="6" name="内容占位符 5">
             <a:extLst>
               <a:ext uri="{FF2B5EF4-FFF2-40B4-BE49-F238E27FC236}">
-                <a16:creationId xmlns:a16="http://schemas.microsoft.com/office/drawing/2014/main" xmlns="" id="{4E52EA2F-1B41-D541-9632-9493F9B51AB0}"/>
+                <a16:creationId xmlns="" xmlns:a16="http://schemas.microsoft.com/office/drawing/2014/main" id="{4E52EA2F-1B41-D541-9632-9493F9B51AB0}"/>
               </a:ext>
             </a:extLst>
           </p:cNvPr>
@@ -2646,7 +2646,7 @@
           <p:cNvPr id="7" name="日期占位符 6">
             <a:extLst>
               <a:ext uri="{FF2B5EF4-FFF2-40B4-BE49-F238E27FC236}">
-                <a16:creationId xmlns:a16="http://schemas.microsoft.com/office/drawing/2014/main" xmlns="" id="{F8E2D812-175D-022A-8677-7639CB1825D7}"/>
+                <a16:creationId xmlns="" xmlns:a16="http://schemas.microsoft.com/office/drawing/2014/main" id="{F8E2D812-175D-022A-8677-7639CB1825D7}"/>
               </a:ext>
             </a:extLst>
           </p:cNvPr>
@@ -2675,7 +2675,7 @@
           <p:cNvPr id="8" name="页脚占位符 7">
             <a:extLst>
               <a:ext uri="{FF2B5EF4-FFF2-40B4-BE49-F238E27FC236}">
-                <a16:creationId xmlns:a16="http://schemas.microsoft.com/office/drawing/2014/main" xmlns="" id="{5E2441E0-E886-23FB-143C-558A79ACC5D8}"/>
+                <a16:creationId xmlns="" xmlns:a16="http://schemas.microsoft.com/office/drawing/2014/main" id="{5E2441E0-E886-23FB-143C-558A79ACC5D8}"/>
               </a:ext>
             </a:extLst>
           </p:cNvPr>
@@ -2700,7 +2700,7 @@
           <p:cNvPr id="9" name="灯片编号占位符 8">
             <a:extLst>
               <a:ext uri="{FF2B5EF4-FFF2-40B4-BE49-F238E27FC236}">
-                <a16:creationId xmlns:a16="http://schemas.microsoft.com/office/drawing/2014/main" xmlns="" id="{CDCA61B1-70E8-1169-875E-DB108C50E55C}"/>
+                <a16:creationId xmlns="" xmlns:a16="http://schemas.microsoft.com/office/drawing/2014/main" id="{CDCA61B1-70E8-1169-875E-DB108C50E55C}"/>
               </a:ext>
             </a:extLst>
           </p:cNvPr>
@@ -2759,7 +2759,7 @@
           <p:cNvPr id="2" name="标题 1">
             <a:extLst>
               <a:ext uri="{FF2B5EF4-FFF2-40B4-BE49-F238E27FC236}">
-                <a16:creationId xmlns:a16="http://schemas.microsoft.com/office/drawing/2014/main" xmlns="" id="{F44D1D6C-24E0-86EE-37DA-EDEDDC1CFD42}"/>
+                <a16:creationId xmlns="" xmlns:a16="http://schemas.microsoft.com/office/drawing/2014/main" id="{F44D1D6C-24E0-86EE-37DA-EDEDDC1CFD42}"/>
               </a:ext>
             </a:extLst>
           </p:cNvPr>
@@ -2787,7 +2787,7 @@
           <p:cNvPr id="3" name="日期占位符 2">
             <a:extLst>
               <a:ext uri="{FF2B5EF4-FFF2-40B4-BE49-F238E27FC236}">
-                <a16:creationId xmlns:a16="http://schemas.microsoft.com/office/drawing/2014/main" xmlns="" id="{452FC26A-E9FB-0541-86DB-AEEE5AAB387E}"/>
+                <a16:creationId xmlns="" xmlns:a16="http://schemas.microsoft.com/office/drawing/2014/main" id="{452FC26A-E9FB-0541-86DB-AEEE5AAB387E}"/>
               </a:ext>
             </a:extLst>
           </p:cNvPr>
@@ -2816,7 +2816,7 @@
           <p:cNvPr id="4" name="页脚占位符 3">
             <a:extLst>
               <a:ext uri="{FF2B5EF4-FFF2-40B4-BE49-F238E27FC236}">
-                <a16:creationId xmlns:a16="http://schemas.microsoft.com/office/drawing/2014/main" xmlns="" id="{914BC86C-F2F8-3396-17AC-0735983760FC}"/>
+                <a16:creationId xmlns="" xmlns:a16="http://schemas.microsoft.com/office/drawing/2014/main" id="{914BC86C-F2F8-3396-17AC-0735983760FC}"/>
               </a:ext>
             </a:extLst>
           </p:cNvPr>
@@ -2841,7 +2841,7 @@
           <p:cNvPr id="5" name="灯片编号占位符 4">
             <a:extLst>
               <a:ext uri="{FF2B5EF4-FFF2-40B4-BE49-F238E27FC236}">
-                <a16:creationId xmlns:a16="http://schemas.microsoft.com/office/drawing/2014/main" xmlns="" id="{BCD46C41-5FA4-E5F8-0E00-98EC89530535}"/>
+                <a16:creationId xmlns="" xmlns:a16="http://schemas.microsoft.com/office/drawing/2014/main" id="{BCD46C41-5FA4-E5F8-0E00-98EC89530535}"/>
               </a:ext>
             </a:extLst>
           </p:cNvPr>
@@ -2900,7 +2900,7 @@
           <p:cNvPr id="2" name="日期占位符 1">
             <a:extLst>
               <a:ext uri="{FF2B5EF4-FFF2-40B4-BE49-F238E27FC236}">
-                <a16:creationId xmlns:a16="http://schemas.microsoft.com/office/drawing/2014/main" xmlns="" id="{987885F3-BC73-F95E-1CC2-95AD9AFC4550}"/>
+                <a16:creationId xmlns="" xmlns:a16="http://schemas.microsoft.com/office/drawing/2014/main" id="{987885F3-BC73-F95E-1CC2-95AD9AFC4550}"/>
               </a:ext>
             </a:extLst>
           </p:cNvPr>
@@ -2929,7 +2929,7 @@
           <p:cNvPr id="3" name="页脚占位符 2">
             <a:extLst>
               <a:ext uri="{FF2B5EF4-FFF2-40B4-BE49-F238E27FC236}">
-                <a16:creationId xmlns:a16="http://schemas.microsoft.com/office/drawing/2014/main" xmlns="" id="{3A45F5EE-A519-0C1C-324D-67E058F91DDB}"/>
+                <a16:creationId xmlns="" xmlns:a16="http://schemas.microsoft.com/office/drawing/2014/main" id="{3A45F5EE-A519-0C1C-324D-67E058F91DDB}"/>
               </a:ext>
             </a:extLst>
           </p:cNvPr>
@@ -2954,7 +2954,7 @@
           <p:cNvPr id="4" name="灯片编号占位符 3">
             <a:extLst>
               <a:ext uri="{FF2B5EF4-FFF2-40B4-BE49-F238E27FC236}">
-                <a16:creationId xmlns:a16="http://schemas.microsoft.com/office/drawing/2014/main" xmlns="" id="{67EC8A15-FD0F-6449-C8C4-244D9A47FC09}"/>
+                <a16:creationId xmlns="" xmlns:a16="http://schemas.microsoft.com/office/drawing/2014/main" id="{67EC8A15-FD0F-6449-C8C4-244D9A47FC09}"/>
               </a:ext>
             </a:extLst>
           </p:cNvPr>
@@ -3013,7 +3013,7 @@
           <p:cNvPr id="2" name="标题 1">
             <a:extLst>
               <a:ext uri="{FF2B5EF4-FFF2-40B4-BE49-F238E27FC236}">
-                <a16:creationId xmlns:a16="http://schemas.microsoft.com/office/drawing/2014/main" xmlns="" id="{8207E91F-BEEE-171E-0131-6E86365BBE2D}"/>
+                <a16:creationId xmlns="" xmlns:a16="http://schemas.microsoft.com/office/drawing/2014/main" id="{8207E91F-BEEE-171E-0131-6E86365BBE2D}"/>
               </a:ext>
             </a:extLst>
           </p:cNvPr>
@@ -3050,7 +3050,7 @@
           <p:cNvPr id="3" name="内容占位符 2">
             <a:extLst>
               <a:ext uri="{FF2B5EF4-FFF2-40B4-BE49-F238E27FC236}">
-                <a16:creationId xmlns:a16="http://schemas.microsoft.com/office/drawing/2014/main" xmlns="" id="{224A1AFF-50FF-8C59-9840-606EB237D707}"/>
+                <a16:creationId xmlns="" xmlns:a16="http://schemas.microsoft.com/office/drawing/2014/main" id="{224A1AFF-50FF-8C59-9840-606EB237D707}"/>
               </a:ext>
             </a:extLst>
           </p:cNvPr>
@@ -3140,7 +3140,7 @@
           <p:cNvPr id="4" name="文本占位符 3">
             <a:extLst>
               <a:ext uri="{FF2B5EF4-FFF2-40B4-BE49-F238E27FC236}">
-                <a16:creationId xmlns:a16="http://schemas.microsoft.com/office/drawing/2014/main" xmlns="" id="{1918F8C3-484E-3A1E-8EA0-D9C66B071D46}"/>
+                <a16:creationId xmlns="" xmlns:a16="http://schemas.microsoft.com/office/drawing/2014/main" id="{1918F8C3-484E-3A1E-8EA0-D9C66B071D46}"/>
               </a:ext>
             </a:extLst>
           </p:cNvPr>
@@ -3211,7 +3211,7 @@
           <p:cNvPr id="5" name="日期占位符 4">
             <a:extLst>
               <a:ext uri="{FF2B5EF4-FFF2-40B4-BE49-F238E27FC236}">
-                <a16:creationId xmlns:a16="http://schemas.microsoft.com/office/drawing/2014/main" xmlns="" id="{6708E08C-E838-BC00-6EA5-3C80B9A0F2BF}"/>
+                <a16:creationId xmlns="" xmlns:a16="http://schemas.microsoft.com/office/drawing/2014/main" id="{6708E08C-E838-BC00-6EA5-3C80B9A0F2BF}"/>
               </a:ext>
             </a:extLst>
           </p:cNvPr>
@@ -3240,7 +3240,7 @@
           <p:cNvPr id="6" name="页脚占位符 5">
             <a:extLst>
               <a:ext uri="{FF2B5EF4-FFF2-40B4-BE49-F238E27FC236}">
-                <a16:creationId xmlns:a16="http://schemas.microsoft.com/office/drawing/2014/main" xmlns="" id="{439DBC6E-FDA4-993F-86BA-68C9D9CBCDA2}"/>
+                <a16:creationId xmlns="" xmlns:a16="http://schemas.microsoft.com/office/drawing/2014/main" id="{439DBC6E-FDA4-993F-86BA-68C9D9CBCDA2}"/>
               </a:ext>
             </a:extLst>
           </p:cNvPr>
@@ -3265,7 +3265,7 @@
           <p:cNvPr id="7" name="灯片编号占位符 6">
             <a:extLst>
               <a:ext uri="{FF2B5EF4-FFF2-40B4-BE49-F238E27FC236}">
-                <a16:creationId xmlns:a16="http://schemas.microsoft.com/office/drawing/2014/main" xmlns="" id="{84AC5D80-1CD5-A607-8281-BC0454CACBD2}"/>
+                <a16:creationId xmlns="" xmlns:a16="http://schemas.microsoft.com/office/drawing/2014/main" id="{84AC5D80-1CD5-A607-8281-BC0454CACBD2}"/>
               </a:ext>
             </a:extLst>
           </p:cNvPr>
@@ -3324,7 +3324,7 @@
           <p:cNvPr id="2" name="标题 1">
             <a:extLst>
               <a:ext uri="{FF2B5EF4-FFF2-40B4-BE49-F238E27FC236}">
-                <a16:creationId xmlns:a16="http://schemas.microsoft.com/office/drawing/2014/main" xmlns="" id="{8B87A630-13E3-6038-F332-B3BE60484A0E}"/>
+                <a16:creationId xmlns="" xmlns:a16="http://schemas.microsoft.com/office/drawing/2014/main" id="{8B87A630-13E3-6038-F332-B3BE60484A0E}"/>
               </a:ext>
             </a:extLst>
           </p:cNvPr>
@@ -3361,7 +3361,7 @@
           <p:cNvPr id="3" name="图片占位符 2">
             <a:extLst>
               <a:ext uri="{FF2B5EF4-FFF2-40B4-BE49-F238E27FC236}">
-                <a16:creationId xmlns:a16="http://schemas.microsoft.com/office/drawing/2014/main" xmlns="" id="{B92BC7D3-D3C2-E338-1906-89EBC814D58E}"/>
+                <a16:creationId xmlns="" xmlns:a16="http://schemas.microsoft.com/office/drawing/2014/main" id="{B92BC7D3-D3C2-E338-1906-89EBC814D58E}"/>
               </a:ext>
             </a:extLst>
           </p:cNvPr>
@@ -3428,7 +3428,7 @@
           <p:cNvPr id="4" name="文本占位符 3">
             <a:extLst>
               <a:ext uri="{FF2B5EF4-FFF2-40B4-BE49-F238E27FC236}">
-                <a16:creationId xmlns:a16="http://schemas.microsoft.com/office/drawing/2014/main" xmlns="" id="{07545A6D-4664-4BEC-EE9E-A985A49BADC9}"/>
+                <a16:creationId xmlns="" xmlns:a16="http://schemas.microsoft.com/office/drawing/2014/main" id="{07545A6D-4664-4BEC-EE9E-A985A49BADC9}"/>
               </a:ext>
             </a:extLst>
           </p:cNvPr>
@@ -3499,7 +3499,7 @@
           <p:cNvPr id="5" name="日期占位符 4">
             <a:extLst>
               <a:ext uri="{FF2B5EF4-FFF2-40B4-BE49-F238E27FC236}">
-                <a16:creationId xmlns:a16="http://schemas.microsoft.com/office/drawing/2014/main" xmlns="" id="{7C4A4C3B-C39E-7F62-7D92-3CC1CB7AE956}"/>
+                <a16:creationId xmlns="" xmlns:a16="http://schemas.microsoft.com/office/drawing/2014/main" id="{7C4A4C3B-C39E-7F62-7D92-3CC1CB7AE956}"/>
               </a:ext>
             </a:extLst>
           </p:cNvPr>
@@ -3528,7 +3528,7 @@
           <p:cNvPr id="6" name="页脚占位符 5">
             <a:extLst>
               <a:ext uri="{FF2B5EF4-FFF2-40B4-BE49-F238E27FC236}">
-                <a16:creationId xmlns:a16="http://schemas.microsoft.com/office/drawing/2014/main" xmlns="" id="{ABCA2129-E1A8-A9AB-72DB-E364A7654AE6}"/>
+                <a16:creationId xmlns="" xmlns:a16="http://schemas.microsoft.com/office/drawing/2014/main" id="{ABCA2129-E1A8-A9AB-72DB-E364A7654AE6}"/>
               </a:ext>
             </a:extLst>
           </p:cNvPr>
@@ -3553,7 +3553,7 @@
           <p:cNvPr id="7" name="灯片编号占位符 6">
             <a:extLst>
               <a:ext uri="{FF2B5EF4-FFF2-40B4-BE49-F238E27FC236}">
-                <a16:creationId xmlns:a16="http://schemas.microsoft.com/office/drawing/2014/main" xmlns="" id="{6890FD23-C4A5-BC02-595B-A819F72BEB9C}"/>
+                <a16:creationId xmlns="" xmlns:a16="http://schemas.microsoft.com/office/drawing/2014/main" id="{6890FD23-C4A5-BC02-595B-A819F72BEB9C}"/>
               </a:ext>
             </a:extLst>
           </p:cNvPr>
@@ -3617,7 +3617,7 @@
           <p:cNvPr id="2" name="标题占位符 1">
             <a:extLst>
               <a:ext uri="{FF2B5EF4-FFF2-40B4-BE49-F238E27FC236}">
-                <a16:creationId xmlns:a16="http://schemas.microsoft.com/office/drawing/2014/main" xmlns="" id="{92000A49-3619-2406-82EF-AED9BE75F34E}"/>
+                <a16:creationId xmlns="" xmlns:a16="http://schemas.microsoft.com/office/drawing/2014/main" id="{92000A49-3619-2406-82EF-AED9BE75F34E}"/>
               </a:ext>
             </a:extLst>
           </p:cNvPr>
@@ -3655,7 +3655,7 @@
           <p:cNvPr id="3" name="文本占位符 2">
             <a:extLst>
               <a:ext uri="{FF2B5EF4-FFF2-40B4-BE49-F238E27FC236}">
-                <a16:creationId xmlns:a16="http://schemas.microsoft.com/office/drawing/2014/main" xmlns="" id="{D43FE0F5-0CBC-BDA9-24CE-A859521DA656}"/>
+                <a16:creationId xmlns="" xmlns:a16="http://schemas.microsoft.com/office/drawing/2014/main" id="{D43FE0F5-0CBC-BDA9-24CE-A859521DA656}"/>
               </a:ext>
             </a:extLst>
           </p:cNvPr>
@@ -3722,7 +3722,7 @@
           <p:cNvPr id="4" name="日期占位符 3">
             <a:extLst>
               <a:ext uri="{FF2B5EF4-FFF2-40B4-BE49-F238E27FC236}">
-                <a16:creationId xmlns:a16="http://schemas.microsoft.com/office/drawing/2014/main" xmlns="" id="{2233451F-B070-3253-A379-82BC5C68026A}"/>
+                <a16:creationId xmlns="" xmlns:a16="http://schemas.microsoft.com/office/drawing/2014/main" id="{2233451F-B070-3253-A379-82BC5C68026A}"/>
               </a:ext>
             </a:extLst>
           </p:cNvPr>
@@ -3769,7 +3769,7 @@
           <p:cNvPr id="5" name="页脚占位符 4">
             <a:extLst>
               <a:ext uri="{FF2B5EF4-FFF2-40B4-BE49-F238E27FC236}">
-                <a16:creationId xmlns:a16="http://schemas.microsoft.com/office/drawing/2014/main" xmlns="" id="{06986DEC-0B9D-7F39-CE3E-66A01F226957}"/>
+                <a16:creationId xmlns="" xmlns:a16="http://schemas.microsoft.com/office/drawing/2014/main" id="{06986DEC-0B9D-7F39-CE3E-66A01F226957}"/>
               </a:ext>
             </a:extLst>
           </p:cNvPr>
@@ -3812,7 +3812,7 @@
           <p:cNvPr id="6" name="灯片编号占位符 5">
             <a:extLst>
               <a:ext uri="{FF2B5EF4-FFF2-40B4-BE49-F238E27FC236}">
-                <a16:creationId xmlns:a16="http://schemas.microsoft.com/office/drawing/2014/main" xmlns="" id="{4E5D66B3-A060-F0A8-8F68-EBE0B120344F}"/>
+                <a16:creationId xmlns="" xmlns:a16="http://schemas.microsoft.com/office/drawing/2014/main" id="{4E5D66B3-A060-F0A8-8F68-EBE0B120344F}"/>
               </a:ext>
             </a:extLst>
           </p:cNvPr>
@@ -4162,6 +4162,16 @@
 <file path=ppt/slides/slide1.xml><?xml version="1.0" encoding="utf-8"?>
 <p:sld xmlns:a="http://schemas.openxmlformats.org/drawingml/2006/main" xmlns:r="http://schemas.openxmlformats.org/officeDocument/2006/relationships" xmlns:p="http://schemas.openxmlformats.org/presentationml/2006/main">
   <p:cSld>
+    <p:bg>
+      <p:bgPr>
+        <a:solidFill>
+          <a:schemeClr val="bg1">
+            <a:lumMod val="50000"/>
+          </a:schemeClr>
+        </a:solidFill>
+        <a:effectLst/>
+      </p:bgPr>
+    </p:bg>
     <p:spTree>
       <p:nvGrpSpPr>
         <p:cNvPr id="1" name=""/>
@@ -4181,7 +4191,7 @@
           <p:cNvPr id="2" name="标题 1">
             <a:extLst>
               <a:ext uri="{FF2B5EF4-FFF2-40B4-BE49-F238E27FC236}">
-                <a16:creationId xmlns:a16="http://schemas.microsoft.com/office/drawing/2014/main" xmlns="" id="{2A9B6C59-89F9-5390-BB77-F8DB7EF7B310}"/>
+                <a16:creationId xmlns="" xmlns:a16="http://schemas.microsoft.com/office/drawing/2014/main" id="{2A9B6C59-89F9-5390-BB77-F8DB7EF7B310}"/>
               </a:ext>
             </a:extLst>
           </p:cNvPr>
@@ -4206,7 +4216,11 @@
           <a:p>
             <a:pPr algn="ctr"/>
             <a:r>
-              <a:rPr lang="zh-CN" altLang="en-US" b="1" dirty="0"/>
+              <a:rPr lang="zh-CN" altLang="en-US" b="1" dirty="0">
+                <a:solidFill>
+                  <a:schemeClr val="bg1"/>
+                </a:solidFill>
+              </a:rPr>
               <a:t>素材</a:t>
             </a:r>
           </a:p>
@@ -4247,7 +4261,7 @@
           <p:cNvPr id="4" name="椭圆 3">
             <a:extLst>
               <a:ext uri="{FF2B5EF4-FFF2-40B4-BE49-F238E27FC236}">
-                <a16:creationId xmlns:a16="http://schemas.microsoft.com/office/drawing/2014/main" xmlns="" id="{94C17F89-4022-3282-1B5A-F455F1578F55}"/>
+                <a16:creationId xmlns="" xmlns:a16="http://schemas.microsoft.com/office/drawing/2014/main" id="{94C17F89-4022-3282-1B5A-F455F1578F55}"/>
               </a:ext>
             </a:extLst>
           </p:cNvPr>
@@ -4986,7 +5000,7 @@
           <p:cNvPr id="4" name="椭圆 3">
             <a:extLst>
               <a:ext uri="{FF2B5EF4-FFF2-40B4-BE49-F238E27FC236}">
-                <a16:creationId xmlns:a16="http://schemas.microsoft.com/office/drawing/2014/main" xmlns="" id="{94C17F89-4022-3282-1B5A-F455F1578F55}"/>
+                <a16:creationId xmlns="" xmlns:a16="http://schemas.microsoft.com/office/drawing/2014/main" id="{94C17F89-4022-3282-1B5A-F455F1578F55}"/>
               </a:ext>
             </a:extLst>
           </p:cNvPr>
@@ -5561,7 +5575,7 @@
           <p:cNvPr id="38" name="Google Shape;90;p14">
             <a:extLst>
               <a:ext uri="{FF2B5EF4-FFF2-40B4-BE49-F238E27FC236}">
-                <a16:creationId xmlns:a16="http://schemas.microsoft.com/office/drawing/2014/main" xmlns="" id="{70D7F9C8-3F19-0671-CC95-0C6FF2D659F6}"/>
+                <a16:creationId xmlns="" xmlns:a16="http://schemas.microsoft.com/office/drawing/2014/main" id="{70D7F9C8-3F19-0671-CC95-0C6FF2D659F6}"/>
               </a:ext>
             </a:extLst>
           </p:cNvPr>
@@ -5595,7 +5609,7 @@
           <p:cNvPr id="39" name="Google Shape;90;p14">
             <a:extLst>
               <a:ext uri="{FF2B5EF4-FFF2-40B4-BE49-F238E27FC236}">
-                <a16:creationId xmlns:a16="http://schemas.microsoft.com/office/drawing/2014/main" xmlns="" id="{70D7F9C8-3F19-0671-CC95-0C6FF2D659F6}"/>
+                <a16:creationId xmlns="" xmlns:a16="http://schemas.microsoft.com/office/drawing/2014/main" id="{70D7F9C8-3F19-0671-CC95-0C6FF2D659F6}"/>
               </a:ext>
             </a:extLst>
           </p:cNvPr>
@@ -5659,7 +5673,7 @@
           <p:cNvPr id="4" name="椭圆 3">
             <a:extLst>
               <a:ext uri="{FF2B5EF4-FFF2-40B4-BE49-F238E27FC236}">
-                <a16:creationId xmlns:a16="http://schemas.microsoft.com/office/drawing/2014/main" xmlns="" id="{94C17F89-4022-3282-1B5A-F455F1578F55}"/>
+                <a16:creationId xmlns="" xmlns:a16="http://schemas.microsoft.com/office/drawing/2014/main" id="{94C17F89-4022-3282-1B5A-F455F1578F55}"/>
               </a:ext>
             </a:extLst>
           </p:cNvPr>
@@ -6334,7 +6348,7 @@
           <p:cNvPr id="2" name="标题 1">
             <a:extLst>
               <a:ext uri="{FF2B5EF4-FFF2-40B4-BE49-F238E27FC236}">
-                <a16:creationId xmlns:a16="http://schemas.microsoft.com/office/drawing/2014/main" xmlns="" id="{2A9B6C59-89F9-5390-BB77-F8DB7EF7B310}"/>
+                <a16:creationId xmlns="" xmlns:a16="http://schemas.microsoft.com/office/drawing/2014/main" id="{2A9B6C59-89F9-5390-BB77-F8DB7EF7B310}"/>
               </a:ext>
             </a:extLst>
           </p:cNvPr>
@@ -6409,7 +6423,7 @@
           <p:cNvPr id="2" name="标题 1">
             <a:extLst>
               <a:ext uri="{FF2B5EF4-FFF2-40B4-BE49-F238E27FC236}">
-                <a16:creationId xmlns:a16="http://schemas.microsoft.com/office/drawing/2014/main" xmlns="" id="{80796E82-7314-2FBE-2DE8-DDD70D4DF27E}"/>
+                <a16:creationId xmlns="" xmlns:a16="http://schemas.microsoft.com/office/drawing/2014/main" id="{80796E82-7314-2FBE-2DE8-DDD70D4DF27E}"/>
               </a:ext>
             </a:extLst>
           </p:cNvPr>
@@ -6465,7 +6479,7 @@
           <p:cNvPr id="5" name="椭圆 4">
             <a:extLst>
               <a:ext uri="{FF2B5EF4-FFF2-40B4-BE49-F238E27FC236}">
-                <a16:creationId xmlns:a16="http://schemas.microsoft.com/office/drawing/2014/main" xmlns="" id="{A020CC41-9901-5A10-06D8-1F19650A3A6A}"/>
+                <a16:creationId xmlns="" xmlns:a16="http://schemas.microsoft.com/office/drawing/2014/main" id="{A020CC41-9901-5A10-06D8-1F19650A3A6A}"/>
               </a:ext>
             </a:extLst>
           </p:cNvPr>
@@ -6517,7 +6531,7 @@
           <p:cNvPr id="19" name="Google Shape;73;p14">
             <a:extLst>
               <a:ext uri="{FF2B5EF4-FFF2-40B4-BE49-F238E27FC236}">
-                <a16:creationId xmlns:a16="http://schemas.microsoft.com/office/drawing/2014/main" xmlns="" id="{3442D827-BE6F-DFBF-3B15-223B2753D9E9}"/>
+                <a16:creationId xmlns="" xmlns:a16="http://schemas.microsoft.com/office/drawing/2014/main" id="{3442D827-BE6F-DFBF-3B15-223B2753D9E9}"/>
               </a:ext>
             </a:extLst>
           </p:cNvPr>
@@ -6551,7 +6565,7 @@
           <p:cNvPr id="3" name="椭圆 2">
             <a:extLst>
               <a:ext uri="{FF2B5EF4-FFF2-40B4-BE49-F238E27FC236}">
-                <a16:creationId xmlns:a16="http://schemas.microsoft.com/office/drawing/2014/main" xmlns="" id="{6A049D51-9228-994D-60FB-A0B21405E162}"/>
+                <a16:creationId xmlns="" xmlns:a16="http://schemas.microsoft.com/office/drawing/2014/main" id="{6A049D51-9228-994D-60FB-A0B21405E162}"/>
               </a:ext>
             </a:extLst>
           </p:cNvPr>
@@ -6607,7 +6621,7 @@
           <p:cNvPr id="20" name="椭圆 19">
             <a:extLst>
               <a:ext uri="{FF2B5EF4-FFF2-40B4-BE49-F238E27FC236}">
-                <a16:creationId xmlns:a16="http://schemas.microsoft.com/office/drawing/2014/main" xmlns="" id="{1CB92BD5-35D8-92CB-D9E4-9F7E63F85095}"/>
+                <a16:creationId xmlns="" xmlns:a16="http://schemas.microsoft.com/office/drawing/2014/main" id="{1CB92BD5-35D8-92CB-D9E4-9F7E63F85095}"/>
               </a:ext>
             </a:extLst>
           </p:cNvPr>
@@ -6663,7 +6677,7 @@
           <p:cNvPr id="21" name="椭圆 20">
             <a:extLst>
               <a:ext uri="{FF2B5EF4-FFF2-40B4-BE49-F238E27FC236}">
-                <a16:creationId xmlns:a16="http://schemas.microsoft.com/office/drawing/2014/main" xmlns="" id="{CC0D471C-430C-0F88-B963-906AF37643E5}"/>
+                <a16:creationId xmlns="" xmlns:a16="http://schemas.microsoft.com/office/drawing/2014/main" id="{CC0D471C-430C-0F88-B963-906AF37643E5}"/>
               </a:ext>
             </a:extLst>
           </p:cNvPr>
@@ -6719,7 +6733,7 @@
           <p:cNvPr id="22" name="椭圆 21">
             <a:extLst>
               <a:ext uri="{FF2B5EF4-FFF2-40B4-BE49-F238E27FC236}">
-                <a16:creationId xmlns:a16="http://schemas.microsoft.com/office/drawing/2014/main" xmlns="" id="{ECCA1AA6-1921-4825-44D1-D03BE773AACC}"/>
+                <a16:creationId xmlns="" xmlns:a16="http://schemas.microsoft.com/office/drawing/2014/main" id="{ECCA1AA6-1921-4825-44D1-D03BE773AACC}"/>
               </a:ext>
             </a:extLst>
           </p:cNvPr>
@@ -6775,7 +6789,7 @@
           <p:cNvPr id="23" name="椭圆 22">
             <a:extLst>
               <a:ext uri="{FF2B5EF4-FFF2-40B4-BE49-F238E27FC236}">
-                <a16:creationId xmlns:a16="http://schemas.microsoft.com/office/drawing/2014/main" xmlns="" id="{3F21BD1A-C0DB-4604-449C-A115F86B74D3}"/>
+                <a16:creationId xmlns="" xmlns:a16="http://schemas.microsoft.com/office/drawing/2014/main" id="{3F21BD1A-C0DB-4604-449C-A115F86B74D3}"/>
               </a:ext>
             </a:extLst>
           </p:cNvPr>
@@ -6835,7 +6849,7 @@
           <p:cNvPr id="24" name="椭圆 23">
             <a:extLst>
               <a:ext uri="{FF2B5EF4-FFF2-40B4-BE49-F238E27FC236}">
-                <a16:creationId xmlns:a16="http://schemas.microsoft.com/office/drawing/2014/main" xmlns="" id="{153EDE49-BF0B-3BFF-8FAE-EA9476EE1014}"/>
+                <a16:creationId xmlns="" xmlns:a16="http://schemas.microsoft.com/office/drawing/2014/main" id="{153EDE49-BF0B-3BFF-8FAE-EA9476EE1014}"/>
               </a:ext>
             </a:extLst>
           </p:cNvPr>
@@ -6895,7 +6909,7 @@
           <p:cNvPr id="25" name="椭圆 24">
             <a:extLst>
               <a:ext uri="{FF2B5EF4-FFF2-40B4-BE49-F238E27FC236}">
-                <a16:creationId xmlns:a16="http://schemas.microsoft.com/office/drawing/2014/main" xmlns="" id="{96E59006-D453-BDF9-72CE-BDDB3896D922}"/>
+                <a16:creationId xmlns="" xmlns:a16="http://schemas.microsoft.com/office/drawing/2014/main" id="{96E59006-D453-BDF9-72CE-BDDB3896D922}"/>
               </a:ext>
             </a:extLst>
           </p:cNvPr>
@@ -6955,7 +6969,7 @@
           <p:cNvPr id="26" name="椭圆 25">
             <a:extLst>
               <a:ext uri="{FF2B5EF4-FFF2-40B4-BE49-F238E27FC236}">
-                <a16:creationId xmlns:a16="http://schemas.microsoft.com/office/drawing/2014/main" xmlns="" id="{76DDE1EF-9352-BD67-F294-8E6E8429488F}"/>
+                <a16:creationId xmlns="" xmlns:a16="http://schemas.microsoft.com/office/drawing/2014/main" id="{76DDE1EF-9352-BD67-F294-8E6E8429488F}"/>
               </a:ext>
             </a:extLst>
           </p:cNvPr>
@@ -7015,7 +7029,7 @@
           <p:cNvPr id="6" name="Google Shape;74;p14">
             <a:extLst>
               <a:ext uri="{FF2B5EF4-FFF2-40B4-BE49-F238E27FC236}">
-                <a16:creationId xmlns:a16="http://schemas.microsoft.com/office/drawing/2014/main" xmlns="" id="{8ABB2948-CF7D-7BD6-14B8-367574244CB2}"/>
+                <a16:creationId xmlns="" xmlns:a16="http://schemas.microsoft.com/office/drawing/2014/main" id="{8ABB2948-CF7D-7BD6-14B8-367574244CB2}"/>
               </a:ext>
             </a:extLst>
           </p:cNvPr>
@@ -7049,7 +7063,7 @@
           <p:cNvPr id="7" name="Google Shape;75;p14">
             <a:extLst>
               <a:ext uri="{FF2B5EF4-FFF2-40B4-BE49-F238E27FC236}">
-                <a16:creationId xmlns:a16="http://schemas.microsoft.com/office/drawing/2014/main" xmlns="" id="{744D1F6B-EBF7-049C-9CBC-D2BD265B8DB5}"/>
+                <a16:creationId xmlns="" xmlns:a16="http://schemas.microsoft.com/office/drawing/2014/main" id="{744D1F6B-EBF7-049C-9CBC-D2BD265B8DB5}"/>
               </a:ext>
             </a:extLst>
           </p:cNvPr>
@@ -7083,7 +7097,7 @@
           <p:cNvPr id="8" name="Google Shape;76;p14">
             <a:extLst>
               <a:ext uri="{FF2B5EF4-FFF2-40B4-BE49-F238E27FC236}">
-                <a16:creationId xmlns:a16="http://schemas.microsoft.com/office/drawing/2014/main" xmlns="" id="{A0604560-830C-4AC9-3717-031AA48B5D45}"/>
+                <a16:creationId xmlns="" xmlns:a16="http://schemas.microsoft.com/office/drawing/2014/main" id="{A0604560-830C-4AC9-3717-031AA48B5D45}"/>
               </a:ext>
             </a:extLst>
           </p:cNvPr>
@@ -7117,7 +7131,7 @@
           <p:cNvPr id="9" name="Google Shape;77;p14">
             <a:extLst>
               <a:ext uri="{FF2B5EF4-FFF2-40B4-BE49-F238E27FC236}">
-                <a16:creationId xmlns:a16="http://schemas.microsoft.com/office/drawing/2014/main" xmlns="" id="{DC03C87C-87BB-A5EB-0D50-DDB31F93A6C2}"/>
+                <a16:creationId xmlns="" xmlns:a16="http://schemas.microsoft.com/office/drawing/2014/main" id="{DC03C87C-87BB-A5EB-0D50-DDB31F93A6C2}"/>
               </a:ext>
             </a:extLst>
           </p:cNvPr>
@@ -7151,7 +7165,7 @@
           <p:cNvPr id="10" name="Google Shape;78;p14">
             <a:extLst>
               <a:ext uri="{FF2B5EF4-FFF2-40B4-BE49-F238E27FC236}">
-                <a16:creationId xmlns:a16="http://schemas.microsoft.com/office/drawing/2014/main" xmlns="" id="{281D3DED-9B64-E88B-FC5F-0C30B82A9484}"/>
+                <a16:creationId xmlns="" xmlns:a16="http://schemas.microsoft.com/office/drawing/2014/main" id="{281D3DED-9B64-E88B-FC5F-0C30B82A9484}"/>
               </a:ext>
             </a:extLst>
           </p:cNvPr>
@@ -7185,7 +7199,7 @@
           <p:cNvPr id="11" name="Google Shape;79;p14">
             <a:extLst>
               <a:ext uri="{FF2B5EF4-FFF2-40B4-BE49-F238E27FC236}">
-                <a16:creationId xmlns:a16="http://schemas.microsoft.com/office/drawing/2014/main" xmlns="" id="{0DAE55E6-D474-C395-BC84-8ACA3CE820A0}"/>
+                <a16:creationId xmlns="" xmlns:a16="http://schemas.microsoft.com/office/drawing/2014/main" id="{0DAE55E6-D474-C395-BC84-8ACA3CE820A0}"/>
               </a:ext>
             </a:extLst>
           </p:cNvPr>
@@ -7219,7 +7233,7 @@
           <p:cNvPr id="12" name="Google Shape;80;p14">
             <a:extLst>
               <a:ext uri="{FF2B5EF4-FFF2-40B4-BE49-F238E27FC236}">
-                <a16:creationId xmlns:a16="http://schemas.microsoft.com/office/drawing/2014/main" xmlns="" id="{3A5AAC50-9F06-A76F-B20B-35CF3612E825}"/>
+                <a16:creationId xmlns="" xmlns:a16="http://schemas.microsoft.com/office/drawing/2014/main" id="{3A5AAC50-9F06-A76F-B20B-35CF3612E825}"/>
               </a:ext>
             </a:extLst>
           </p:cNvPr>
@@ -7253,7 +7267,7 @@
           <p:cNvPr id="13" name="Google Shape;81;p14">
             <a:extLst>
               <a:ext uri="{FF2B5EF4-FFF2-40B4-BE49-F238E27FC236}">
-                <a16:creationId xmlns:a16="http://schemas.microsoft.com/office/drawing/2014/main" xmlns="" id="{F33B3BEC-1095-E464-2D03-703E55B0F8A0}"/>
+                <a16:creationId xmlns="" xmlns:a16="http://schemas.microsoft.com/office/drawing/2014/main" id="{F33B3BEC-1095-E464-2D03-703E55B0F8A0}"/>
               </a:ext>
             </a:extLst>
           </p:cNvPr>
@@ -7287,7 +7301,7 @@
           <p:cNvPr id="4" name="文本框 3">
             <a:extLst>
               <a:ext uri="{FF2B5EF4-FFF2-40B4-BE49-F238E27FC236}">
-                <a16:creationId xmlns:a16="http://schemas.microsoft.com/office/drawing/2014/main" xmlns="" id="{3E8E8225-E7B4-E598-7AEB-66BC2EF7864E}"/>
+                <a16:creationId xmlns="" xmlns:a16="http://schemas.microsoft.com/office/drawing/2014/main" id="{3E8E8225-E7B4-E598-7AEB-66BC2EF7864E}"/>
               </a:ext>
             </a:extLst>
           </p:cNvPr>
@@ -7367,7 +7381,7 @@
           <p:cNvPr id="2" name="标题 1">
             <a:extLst>
               <a:ext uri="{FF2B5EF4-FFF2-40B4-BE49-F238E27FC236}">
-                <a16:creationId xmlns:a16="http://schemas.microsoft.com/office/drawing/2014/main" xmlns="" id="{80796E82-7314-2FBE-2DE8-DDD70D4DF27E}"/>
+                <a16:creationId xmlns="" xmlns:a16="http://schemas.microsoft.com/office/drawing/2014/main" id="{80796E82-7314-2FBE-2DE8-DDD70D4DF27E}"/>
               </a:ext>
             </a:extLst>
           </p:cNvPr>
@@ -7416,7 +7430,7 @@
           <p:cNvPr id="5" name="椭圆 4">
             <a:extLst>
               <a:ext uri="{FF2B5EF4-FFF2-40B4-BE49-F238E27FC236}">
-                <a16:creationId xmlns:a16="http://schemas.microsoft.com/office/drawing/2014/main" xmlns="" id="{A020CC41-9901-5A10-06D8-1F19650A3A6A}"/>
+                <a16:creationId xmlns="" xmlns:a16="http://schemas.microsoft.com/office/drawing/2014/main" id="{A020CC41-9901-5A10-06D8-1F19650A3A6A}"/>
               </a:ext>
             </a:extLst>
           </p:cNvPr>
@@ -7468,7 +7482,7 @@
           <p:cNvPr id="19" name="Google Shape;73;p14">
             <a:extLst>
               <a:ext uri="{FF2B5EF4-FFF2-40B4-BE49-F238E27FC236}">
-                <a16:creationId xmlns:a16="http://schemas.microsoft.com/office/drawing/2014/main" xmlns="" id="{3442D827-BE6F-DFBF-3B15-223B2753D9E9}"/>
+                <a16:creationId xmlns="" xmlns:a16="http://schemas.microsoft.com/office/drawing/2014/main" id="{3442D827-BE6F-DFBF-3B15-223B2753D9E9}"/>
               </a:ext>
             </a:extLst>
           </p:cNvPr>
@@ -7502,7 +7516,7 @@
           <p:cNvPr id="6" name="Google Shape;74;p14">
             <a:extLst>
               <a:ext uri="{FF2B5EF4-FFF2-40B4-BE49-F238E27FC236}">
-                <a16:creationId xmlns:a16="http://schemas.microsoft.com/office/drawing/2014/main" xmlns="" id="{8ABB2948-CF7D-7BD6-14B8-367574244CB2}"/>
+                <a16:creationId xmlns="" xmlns:a16="http://schemas.microsoft.com/office/drawing/2014/main" id="{8ABB2948-CF7D-7BD6-14B8-367574244CB2}"/>
               </a:ext>
             </a:extLst>
           </p:cNvPr>
@@ -7536,7 +7550,7 @@
           <p:cNvPr id="7" name="Google Shape;75;p14">
             <a:extLst>
               <a:ext uri="{FF2B5EF4-FFF2-40B4-BE49-F238E27FC236}">
-                <a16:creationId xmlns:a16="http://schemas.microsoft.com/office/drawing/2014/main" xmlns="" id="{744D1F6B-EBF7-049C-9CBC-D2BD265B8DB5}"/>
+                <a16:creationId xmlns="" xmlns:a16="http://schemas.microsoft.com/office/drawing/2014/main" id="{744D1F6B-EBF7-049C-9CBC-D2BD265B8DB5}"/>
               </a:ext>
             </a:extLst>
           </p:cNvPr>
@@ -7570,7 +7584,7 @@
           <p:cNvPr id="8" name="Google Shape;76;p14">
             <a:extLst>
               <a:ext uri="{FF2B5EF4-FFF2-40B4-BE49-F238E27FC236}">
-                <a16:creationId xmlns:a16="http://schemas.microsoft.com/office/drawing/2014/main" xmlns="" id="{A0604560-830C-4AC9-3717-031AA48B5D45}"/>
+                <a16:creationId xmlns="" xmlns:a16="http://schemas.microsoft.com/office/drawing/2014/main" id="{A0604560-830C-4AC9-3717-031AA48B5D45}"/>
               </a:ext>
             </a:extLst>
           </p:cNvPr>
@@ -7604,7 +7618,7 @@
           <p:cNvPr id="9" name="Google Shape;77;p14">
             <a:extLst>
               <a:ext uri="{FF2B5EF4-FFF2-40B4-BE49-F238E27FC236}">
-                <a16:creationId xmlns:a16="http://schemas.microsoft.com/office/drawing/2014/main" xmlns="" id="{DC03C87C-87BB-A5EB-0D50-DDB31F93A6C2}"/>
+                <a16:creationId xmlns="" xmlns:a16="http://schemas.microsoft.com/office/drawing/2014/main" id="{DC03C87C-87BB-A5EB-0D50-DDB31F93A6C2}"/>
               </a:ext>
             </a:extLst>
           </p:cNvPr>
@@ -7638,7 +7652,7 @@
           <p:cNvPr id="10" name="Google Shape;78;p14">
             <a:extLst>
               <a:ext uri="{FF2B5EF4-FFF2-40B4-BE49-F238E27FC236}">
-                <a16:creationId xmlns:a16="http://schemas.microsoft.com/office/drawing/2014/main" xmlns="" id="{281D3DED-9B64-E88B-FC5F-0C30B82A9484}"/>
+                <a16:creationId xmlns="" xmlns:a16="http://schemas.microsoft.com/office/drawing/2014/main" id="{281D3DED-9B64-E88B-FC5F-0C30B82A9484}"/>
               </a:ext>
             </a:extLst>
           </p:cNvPr>
@@ -7672,7 +7686,7 @@
           <p:cNvPr id="11" name="Google Shape;79;p14">
             <a:extLst>
               <a:ext uri="{FF2B5EF4-FFF2-40B4-BE49-F238E27FC236}">
-                <a16:creationId xmlns:a16="http://schemas.microsoft.com/office/drawing/2014/main" xmlns="" id="{0DAE55E6-D474-C395-BC84-8ACA3CE820A0}"/>
+                <a16:creationId xmlns="" xmlns:a16="http://schemas.microsoft.com/office/drawing/2014/main" id="{0DAE55E6-D474-C395-BC84-8ACA3CE820A0}"/>
               </a:ext>
             </a:extLst>
           </p:cNvPr>
@@ -7706,7 +7720,7 @@
           <p:cNvPr id="12" name="Google Shape;80;p14">
             <a:extLst>
               <a:ext uri="{FF2B5EF4-FFF2-40B4-BE49-F238E27FC236}">
-                <a16:creationId xmlns:a16="http://schemas.microsoft.com/office/drawing/2014/main" xmlns="" id="{3A5AAC50-9F06-A76F-B20B-35CF3612E825}"/>
+                <a16:creationId xmlns="" xmlns:a16="http://schemas.microsoft.com/office/drawing/2014/main" id="{3A5AAC50-9F06-A76F-B20B-35CF3612E825}"/>
               </a:ext>
             </a:extLst>
           </p:cNvPr>
@@ -7740,7 +7754,7 @@
           <p:cNvPr id="13" name="Google Shape;81;p14">
             <a:extLst>
               <a:ext uri="{FF2B5EF4-FFF2-40B4-BE49-F238E27FC236}">
-                <a16:creationId xmlns:a16="http://schemas.microsoft.com/office/drawing/2014/main" xmlns="" id="{F33B3BEC-1095-E464-2D03-703E55B0F8A0}"/>
+                <a16:creationId xmlns="" xmlns:a16="http://schemas.microsoft.com/office/drawing/2014/main" id="{F33B3BEC-1095-E464-2D03-703E55B0F8A0}"/>
               </a:ext>
             </a:extLst>
           </p:cNvPr>
@@ -7774,7 +7788,7 @@
           <p:cNvPr id="4" name="文本框 3">
             <a:extLst>
               <a:ext uri="{FF2B5EF4-FFF2-40B4-BE49-F238E27FC236}">
-                <a16:creationId xmlns:a16="http://schemas.microsoft.com/office/drawing/2014/main" xmlns="" id="{3E8E8225-E7B4-E598-7AEB-66BC2EF7864E}"/>
+                <a16:creationId xmlns="" xmlns:a16="http://schemas.microsoft.com/office/drawing/2014/main" id="{3E8E8225-E7B4-E598-7AEB-66BC2EF7864E}"/>
               </a:ext>
             </a:extLst>
           </p:cNvPr>
@@ -7814,7 +7828,7 @@
           <p:cNvPr id="27" name="箭头: 五边形 26">
             <a:extLst>
               <a:ext uri="{FF2B5EF4-FFF2-40B4-BE49-F238E27FC236}">
-                <a16:creationId xmlns:a16="http://schemas.microsoft.com/office/drawing/2014/main" xmlns="" id="{E085494B-F842-4C01-038E-DB08191BB1BE}"/>
+                <a16:creationId xmlns="" xmlns:a16="http://schemas.microsoft.com/office/drawing/2014/main" id="{E085494B-F842-4C01-038E-DB08191BB1BE}"/>
               </a:ext>
             </a:extLst>
           </p:cNvPr>
@@ -7870,7 +7884,7 @@
           <p:cNvPr id="28" name="文本框 27">
             <a:extLst>
               <a:ext uri="{FF2B5EF4-FFF2-40B4-BE49-F238E27FC236}">
-                <a16:creationId xmlns:a16="http://schemas.microsoft.com/office/drawing/2014/main" xmlns="" id="{342B569A-49B6-3B3C-8998-DEDD42D51B66}"/>
+                <a16:creationId xmlns="" xmlns:a16="http://schemas.microsoft.com/office/drawing/2014/main" id="{342B569A-49B6-3B3C-8998-DEDD42D51B66}"/>
               </a:ext>
             </a:extLst>
           </p:cNvPr>
@@ -7906,7 +7920,7 @@
           <p:cNvPr id="29" name="箭头: 五边形 28">
             <a:extLst>
               <a:ext uri="{FF2B5EF4-FFF2-40B4-BE49-F238E27FC236}">
-                <a16:creationId xmlns:a16="http://schemas.microsoft.com/office/drawing/2014/main" xmlns="" id="{3523BFDC-8B96-7B81-3159-C26951EC2B7B}"/>
+                <a16:creationId xmlns="" xmlns:a16="http://schemas.microsoft.com/office/drawing/2014/main" id="{3523BFDC-8B96-7B81-3159-C26951EC2B7B}"/>
               </a:ext>
             </a:extLst>
           </p:cNvPr>
@@ -7953,7 +7967,7 @@
           <p:cNvPr id="30" name="文本框 29">
             <a:extLst>
               <a:ext uri="{FF2B5EF4-FFF2-40B4-BE49-F238E27FC236}">
-                <a16:creationId xmlns:a16="http://schemas.microsoft.com/office/drawing/2014/main" xmlns="" id="{082D8EAA-C93E-D6A9-69A4-C34D928A3F9E}"/>
+                <a16:creationId xmlns="" xmlns:a16="http://schemas.microsoft.com/office/drawing/2014/main" id="{082D8EAA-C93E-D6A9-69A4-C34D928A3F9E}"/>
               </a:ext>
             </a:extLst>
           </p:cNvPr>
@@ -7989,7 +8003,7 @@
           <p:cNvPr id="31" name="箭头: 五边形 30">
             <a:extLst>
               <a:ext uri="{FF2B5EF4-FFF2-40B4-BE49-F238E27FC236}">
-                <a16:creationId xmlns:a16="http://schemas.microsoft.com/office/drawing/2014/main" xmlns="" id="{4B9E0D9B-D17E-69E7-1F9A-99DE7710B7A1}"/>
+                <a16:creationId xmlns="" xmlns:a16="http://schemas.microsoft.com/office/drawing/2014/main" id="{4B9E0D9B-D17E-69E7-1F9A-99DE7710B7A1}"/>
               </a:ext>
             </a:extLst>
           </p:cNvPr>
@@ -8036,7 +8050,7 @@
           <p:cNvPr id="32" name="箭头: 五边形 31">
             <a:extLst>
               <a:ext uri="{FF2B5EF4-FFF2-40B4-BE49-F238E27FC236}">
-                <a16:creationId xmlns:a16="http://schemas.microsoft.com/office/drawing/2014/main" xmlns="" id="{1C58B850-E627-D01E-6544-6FC012CCC33C}"/>
+                <a16:creationId xmlns="" xmlns:a16="http://schemas.microsoft.com/office/drawing/2014/main" id="{1C58B850-E627-D01E-6544-6FC012CCC33C}"/>
               </a:ext>
             </a:extLst>
           </p:cNvPr>
@@ -8092,7 +8106,7 @@
           <p:cNvPr id="33" name="箭头: 五边形 32">
             <a:extLst>
               <a:ext uri="{FF2B5EF4-FFF2-40B4-BE49-F238E27FC236}">
-                <a16:creationId xmlns:a16="http://schemas.microsoft.com/office/drawing/2014/main" xmlns="" id="{C768AE66-F650-1A37-7440-B571549FE915}"/>
+                <a16:creationId xmlns="" xmlns:a16="http://schemas.microsoft.com/office/drawing/2014/main" id="{C768AE66-F650-1A37-7440-B571549FE915}"/>
               </a:ext>
             </a:extLst>
           </p:cNvPr>
@@ -8148,7 +8162,7 @@
           <p:cNvPr id="34" name="箭头: 五边形 33">
             <a:extLst>
               <a:ext uri="{FF2B5EF4-FFF2-40B4-BE49-F238E27FC236}">
-                <a16:creationId xmlns:a16="http://schemas.microsoft.com/office/drawing/2014/main" xmlns="" id="{C73CB313-5C49-648F-D809-8346206978D1}"/>
+                <a16:creationId xmlns="" xmlns:a16="http://schemas.microsoft.com/office/drawing/2014/main" id="{C73CB313-5C49-648F-D809-8346206978D1}"/>
               </a:ext>
             </a:extLst>
           </p:cNvPr>
@@ -8204,7 +8218,7 @@
           <p:cNvPr id="35" name="箭头: 五边形 34">
             <a:extLst>
               <a:ext uri="{FF2B5EF4-FFF2-40B4-BE49-F238E27FC236}">
-                <a16:creationId xmlns:a16="http://schemas.microsoft.com/office/drawing/2014/main" xmlns="" id="{FC836AD9-A293-8E3F-664B-E692D69616E5}"/>
+                <a16:creationId xmlns="" xmlns:a16="http://schemas.microsoft.com/office/drawing/2014/main" id="{FC836AD9-A293-8E3F-664B-E692D69616E5}"/>
               </a:ext>
             </a:extLst>
           </p:cNvPr>
@@ -8260,7 +8274,7 @@
           <p:cNvPr id="37" name="箭头: 五边形 36">
             <a:extLst>
               <a:ext uri="{FF2B5EF4-FFF2-40B4-BE49-F238E27FC236}">
-                <a16:creationId xmlns:a16="http://schemas.microsoft.com/office/drawing/2014/main" xmlns="" id="{05ECD475-37EE-63E8-E9E5-EF81A4619214}"/>
+                <a16:creationId xmlns="" xmlns:a16="http://schemas.microsoft.com/office/drawing/2014/main" id="{05ECD475-37EE-63E8-E9E5-EF81A4619214}"/>
               </a:ext>
             </a:extLst>
           </p:cNvPr>
@@ -8307,7 +8321,7 @@
           <p:cNvPr id="38" name="箭头: 五边形 37">
             <a:extLst>
               <a:ext uri="{FF2B5EF4-FFF2-40B4-BE49-F238E27FC236}">
-                <a16:creationId xmlns:a16="http://schemas.microsoft.com/office/drawing/2014/main" xmlns="" id="{A6B5F2C7-042E-A328-27E2-FE7EEBDB2BDD}"/>
+                <a16:creationId xmlns="" xmlns:a16="http://schemas.microsoft.com/office/drawing/2014/main" id="{A6B5F2C7-042E-A328-27E2-FE7EEBDB2BDD}"/>
               </a:ext>
             </a:extLst>
           </p:cNvPr>
@@ -8354,7 +8368,7 @@
           <p:cNvPr id="39" name="箭头: 五边形 38">
             <a:extLst>
               <a:ext uri="{FF2B5EF4-FFF2-40B4-BE49-F238E27FC236}">
-                <a16:creationId xmlns:a16="http://schemas.microsoft.com/office/drawing/2014/main" xmlns="" id="{2D55E881-1EC3-4110-7472-1065FE27C440}"/>
+                <a16:creationId xmlns="" xmlns:a16="http://schemas.microsoft.com/office/drawing/2014/main" id="{2D55E881-1EC3-4110-7472-1065FE27C440}"/>
               </a:ext>
             </a:extLst>
           </p:cNvPr>
@@ -8431,7 +8445,7 @@
           <p:cNvPr id="2" name="标题 1">
             <a:extLst>
               <a:ext uri="{FF2B5EF4-FFF2-40B4-BE49-F238E27FC236}">
-                <a16:creationId xmlns:a16="http://schemas.microsoft.com/office/drawing/2014/main" xmlns="" id="{80796E82-7314-2FBE-2DE8-DDD70D4DF27E}"/>
+                <a16:creationId xmlns="" xmlns:a16="http://schemas.microsoft.com/office/drawing/2014/main" id="{80796E82-7314-2FBE-2DE8-DDD70D4DF27E}"/>
               </a:ext>
             </a:extLst>
           </p:cNvPr>
@@ -8480,7 +8494,7 @@
           <p:cNvPr id="5" name="椭圆 4">
             <a:extLst>
               <a:ext uri="{FF2B5EF4-FFF2-40B4-BE49-F238E27FC236}">
-                <a16:creationId xmlns:a16="http://schemas.microsoft.com/office/drawing/2014/main" xmlns="" id="{A020CC41-9901-5A10-06D8-1F19650A3A6A}"/>
+                <a16:creationId xmlns="" xmlns:a16="http://schemas.microsoft.com/office/drawing/2014/main" id="{A020CC41-9901-5A10-06D8-1F19650A3A6A}"/>
               </a:ext>
             </a:extLst>
           </p:cNvPr>
@@ -8532,7 +8546,7 @@
           <p:cNvPr id="19" name="Google Shape;73;p14">
             <a:extLst>
               <a:ext uri="{FF2B5EF4-FFF2-40B4-BE49-F238E27FC236}">
-                <a16:creationId xmlns:a16="http://schemas.microsoft.com/office/drawing/2014/main" xmlns="" id="{3442D827-BE6F-DFBF-3B15-223B2753D9E9}"/>
+                <a16:creationId xmlns="" xmlns:a16="http://schemas.microsoft.com/office/drawing/2014/main" id="{3442D827-BE6F-DFBF-3B15-223B2753D9E9}"/>
               </a:ext>
             </a:extLst>
           </p:cNvPr>
@@ -8566,7 +8580,7 @@
           <p:cNvPr id="3" name="椭圆 2">
             <a:extLst>
               <a:ext uri="{FF2B5EF4-FFF2-40B4-BE49-F238E27FC236}">
-                <a16:creationId xmlns:a16="http://schemas.microsoft.com/office/drawing/2014/main" xmlns="" id="{6A049D51-9228-994D-60FB-A0B21405E162}"/>
+                <a16:creationId xmlns="" xmlns:a16="http://schemas.microsoft.com/office/drawing/2014/main" id="{6A049D51-9228-994D-60FB-A0B21405E162}"/>
               </a:ext>
             </a:extLst>
           </p:cNvPr>
@@ -8622,7 +8636,7 @@
           <p:cNvPr id="20" name="椭圆 19">
             <a:extLst>
               <a:ext uri="{FF2B5EF4-FFF2-40B4-BE49-F238E27FC236}">
-                <a16:creationId xmlns:a16="http://schemas.microsoft.com/office/drawing/2014/main" xmlns="" id="{1CB92BD5-35D8-92CB-D9E4-9F7E63F85095}"/>
+                <a16:creationId xmlns="" xmlns:a16="http://schemas.microsoft.com/office/drawing/2014/main" id="{1CB92BD5-35D8-92CB-D9E4-9F7E63F85095}"/>
               </a:ext>
             </a:extLst>
           </p:cNvPr>
@@ -8678,7 +8692,7 @@
           <p:cNvPr id="21" name="椭圆 20">
             <a:extLst>
               <a:ext uri="{FF2B5EF4-FFF2-40B4-BE49-F238E27FC236}">
-                <a16:creationId xmlns:a16="http://schemas.microsoft.com/office/drawing/2014/main" xmlns="" id="{CC0D471C-430C-0F88-B963-906AF37643E5}"/>
+                <a16:creationId xmlns="" xmlns:a16="http://schemas.microsoft.com/office/drawing/2014/main" id="{CC0D471C-430C-0F88-B963-906AF37643E5}"/>
               </a:ext>
             </a:extLst>
           </p:cNvPr>
@@ -8734,7 +8748,7 @@
           <p:cNvPr id="22" name="椭圆 21">
             <a:extLst>
               <a:ext uri="{FF2B5EF4-FFF2-40B4-BE49-F238E27FC236}">
-                <a16:creationId xmlns:a16="http://schemas.microsoft.com/office/drawing/2014/main" xmlns="" id="{ECCA1AA6-1921-4825-44D1-D03BE773AACC}"/>
+                <a16:creationId xmlns="" xmlns:a16="http://schemas.microsoft.com/office/drawing/2014/main" id="{ECCA1AA6-1921-4825-44D1-D03BE773AACC}"/>
               </a:ext>
             </a:extLst>
           </p:cNvPr>
@@ -8790,7 +8804,7 @@
           <p:cNvPr id="23" name="椭圆 22">
             <a:extLst>
               <a:ext uri="{FF2B5EF4-FFF2-40B4-BE49-F238E27FC236}">
-                <a16:creationId xmlns:a16="http://schemas.microsoft.com/office/drawing/2014/main" xmlns="" id="{3F21BD1A-C0DB-4604-449C-A115F86B74D3}"/>
+                <a16:creationId xmlns="" xmlns:a16="http://schemas.microsoft.com/office/drawing/2014/main" id="{3F21BD1A-C0DB-4604-449C-A115F86B74D3}"/>
               </a:ext>
             </a:extLst>
           </p:cNvPr>
@@ -8850,7 +8864,7 @@
           <p:cNvPr id="24" name="椭圆 23">
             <a:extLst>
               <a:ext uri="{FF2B5EF4-FFF2-40B4-BE49-F238E27FC236}">
-                <a16:creationId xmlns:a16="http://schemas.microsoft.com/office/drawing/2014/main" xmlns="" id="{153EDE49-BF0B-3BFF-8FAE-EA9476EE1014}"/>
+                <a16:creationId xmlns="" xmlns:a16="http://schemas.microsoft.com/office/drawing/2014/main" id="{153EDE49-BF0B-3BFF-8FAE-EA9476EE1014}"/>
               </a:ext>
             </a:extLst>
           </p:cNvPr>
@@ -8910,7 +8924,7 @@
           <p:cNvPr id="25" name="椭圆 24">
             <a:extLst>
               <a:ext uri="{FF2B5EF4-FFF2-40B4-BE49-F238E27FC236}">
-                <a16:creationId xmlns:a16="http://schemas.microsoft.com/office/drawing/2014/main" xmlns="" id="{96E59006-D453-BDF9-72CE-BDDB3896D922}"/>
+                <a16:creationId xmlns="" xmlns:a16="http://schemas.microsoft.com/office/drawing/2014/main" id="{96E59006-D453-BDF9-72CE-BDDB3896D922}"/>
               </a:ext>
             </a:extLst>
           </p:cNvPr>
@@ -8970,7 +8984,7 @@
           <p:cNvPr id="26" name="椭圆 25">
             <a:extLst>
               <a:ext uri="{FF2B5EF4-FFF2-40B4-BE49-F238E27FC236}">
-                <a16:creationId xmlns:a16="http://schemas.microsoft.com/office/drawing/2014/main" xmlns="" id="{76DDE1EF-9352-BD67-F294-8E6E8429488F}"/>
+                <a16:creationId xmlns="" xmlns:a16="http://schemas.microsoft.com/office/drawing/2014/main" id="{76DDE1EF-9352-BD67-F294-8E6E8429488F}"/>
               </a:ext>
             </a:extLst>
           </p:cNvPr>
@@ -9030,7 +9044,7 @@
           <p:cNvPr id="4" name="文本框 3">
             <a:extLst>
               <a:ext uri="{FF2B5EF4-FFF2-40B4-BE49-F238E27FC236}">
-                <a16:creationId xmlns:a16="http://schemas.microsoft.com/office/drawing/2014/main" xmlns="" id="{3E8E8225-E7B4-E598-7AEB-66BC2EF7864E}"/>
+                <a16:creationId xmlns="" xmlns:a16="http://schemas.microsoft.com/office/drawing/2014/main" id="{3E8E8225-E7B4-E598-7AEB-66BC2EF7864E}"/>
               </a:ext>
             </a:extLst>
           </p:cNvPr>
@@ -9080,7 +9094,7 @@
           <p:cNvPr id="27" name="Google Shape;74;p14">
             <a:extLst>
               <a:ext uri="{FF2B5EF4-FFF2-40B4-BE49-F238E27FC236}">
-                <a16:creationId xmlns:a16="http://schemas.microsoft.com/office/drawing/2014/main" xmlns="" id="{F001360C-F541-C9AF-53E6-BA5E50272227}"/>
+                <a16:creationId xmlns="" xmlns:a16="http://schemas.microsoft.com/office/drawing/2014/main" id="{F001360C-F541-C9AF-53E6-BA5E50272227}"/>
               </a:ext>
             </a:extLst>
           </p:cNvPr>
@@ -9114,7 +9128,7 @@
           <p:cNvPr id="28" name="Google Shape;75;p14">
             <a:extLst>
               <a:ext uri="{FF2B5EF4-FFF2-40B4-BE49-F238E27FC236}">
-                <a16:creationId xmlns:a16="http://schemas.microsoft.com/office/drawing/2014/main" xmlns="" id="{BC47DF63-D787-76FF-F6E1-924DB122ED98}"/>
+                <a16:creationId xmlns="" xmlns:a16="http://schemas.microsoft.com/office/drawing/2014/main" id="{BC47DF63-D787-76FF-F6E1-924DB122ED98}"/>
               </a:ext>
             </a:extLst>
           </p:cNvPr>
@@ -9148,7 +9162,7 @@
           <p:cNvPr id="29" name="Google Shape;76;p14">
             <a:extLst>
               <a:ext uri="{FF2B5EF4-FFF2-40B4-BE49-F238E27FC236}">
-                <a16:creationId xmlns:a16="http://schemas.microsoft.com/office/drawing/2014/main" xmlns="" id="{E6DB3436-E7A1-74A4-306B-891B37C2E2BC}"/>
+                <a16:creationId xmlns="" xmlns:a16="http://schemas.microsoft.com/office/drawing/2014/main" id="{E6DB3436-E7A1-74A4-306B-891B37C2E2BC}"/>
               </a:ext>
             </a:extLst>
           </p:cNvPr>
@@ -9182,7 +9196,7 @@
           <p:cNvPr id="30" name="Google Shape;77;p14">
             <a:extLst>
               <a:ext uri="{FF2B5EF4-FFF2-40B4-BE49-F238E27FC236}">
-                <a16:creationId xmlns:a16="http://schemas.microsoft.com/office/drawing/2014/main" xmlns="" id="{4732D7A8-7A22-D333-C97E-9E6837577A1F}"/>
+                <a16:creationId xmlns="" xmlns:a16="http://schemas.microsoft.com/office/drawing/2014/main" id="{4732D7A8-7A22-D333-C97E-9E6837577A1F}"/>
               </a:ext>
             </a:extLst>
           </p:cNvPr>
@@ -9216,7 +9230,7 @@
           <p:cNvPr id="31" name="Google Shape;78;p14">
             <a:extLst>
               <a:ext uri="{FF2B5EF4-FFF2-40B4-BE49-F238E27FC236}">
-                <a16:creationId xmlns:a16="http://schemas.microsoft.com/office/drawing/2014/main" xmlns="" id="{56A704A4-652B-FEB3-E4FD-002BB01DD9FD}"/>
+                <a16:creationId xmlns="" xmlns:a16="http://schemas.microsoft.com/office/drawing/2014/main" id="{56A704A4-652B-FEB3-E4FD-002BB01DD9FD}"/>
               </a:ext>
             </a:extLst>
           </p:cNvPr>
@@ -9250,7 +9264,7 @@
           <p:cNvPr id="32" name="Google Shape;79;p14">
             <a:extLst>
               <a:ext uri="{FF2B5EF4-FFF2-40B4-BE49-F238E27FC236}">
-                <a16:creationId xmlns:a16="http://schemas.microsoft.com/office/drawing/2014/main" xmlns="" id="{2B1EC5ED-8A2C-AFB1-031C-190E068ED4D4}"/>
+                <a16:creationId xmlns="" xmlns:a16="http://schemas.microsoft.com/office/drawing/2014/main" id="{2B1EC5ED-8A2C-AFB1-031C-190E068ED4D4}"/>
               </a:ext>
             </a:extLst>
           </p:cNvPr>
@@ -9284,7 +9298,7 @@
           <p:cNvPr id="33" name="Google Shape;80;p14">
             <a:extLst>
               <a:ext uri="{FF2B5EF4-FFF2-40B4-BE49-F238E27FC236}">
-                <a16:creationId xmlns:a16="http://schemas.microsoft.com/office/drawing/2014/main" xmlns="" id="{66CD08D3-5714-3526-9D5B-B8686C293498}"/>
+                <a16:creationId xmlns="" xmlns:a16="http://schemas.microsoft.com/office/drawing/2014/main" id="{66CD08D3-5714-3526-9D5B-B8686C293498}"/>
               </a:ext>
             </a:extLst>
           </p:cNvPr>
@@ -9318,7 +9332,7 @@
           <p:cNvPr id="34" name="Google Shape;81;p14">
             <a:extLst>
               <a:ext uri="{FF2B5EF4-FFF2-40B4-BE49-F238E27FC236}">
-                <a16:creationId xmlns:a16="http://schemas.microsoft.com/office/drawing/2014/main" xmlns="" id="{08D2C6F6-EC7E-991B-0ABD-435E54875096}"/>
+                <a16:creationId xmlns="" xmlns:a16="http://schemas.microsoft.com/office/drawing/2014/main" id="{08D2C6F6-EC7E-991B-0ABD-435E54875096}"/>
               </a:ext>
             </a:extLst>
           </p:cNvPr>
@@ -9352,7 +9366,7 @@
           <p:cNvPr id="35" name="箭头: 五边形 34">
             <a:extLst>
               <a:ext uri="{FF2B5EF4-FFF2-40B4-BE49-F238E27FC236}">
-                <a16:creationId xmlns:a16="http://schemas.microsoft.com/office/drawing/2014/main" xmlns="" id="{45CBFFAB-1872-D837-E2C6-E919DC9EBA01}"/>
+                <a16:creationId xmlns="" xmlns:a16="http://schemas.microsoft.com/office/drawing/2014/main" id="{45CBFFAB-1872-D837-E2C6-E919DC9EBA01}"/>
               </a:ext>
             </a:extLst>
           </p:cNvPr>
@@ -9399,7 +9413,7 @@
           <p:cNvPr id="36" name="箭头: 五边形 35">
             <a:extLst>
               <a:ext uri="{FF2B5EF4-FFF2-40B4-BE49-F238E27FC236}">
-                <a16:creationId xmlns:a16="http://schemas.microsoft.com/office/drawing/2014/main" xmlns="" id="{E1B40010-B40E-1B8F-1326-136C2A5B675C}"/>
+                <a16:creationId xmlns="" xmlns:a16="http://schemas.microsoft.com/office/drawing/2014/main" id="{E1B40010-B40E-1B8F-1326-136C2A5B675C}"/>
               </a:ext>
             </a:extLst>
           </p:cNvPr>
@@ -9455,7 +9469,7 @@
           <p:cNvPr id="37" name="箭头: 五边形 36">
             <a:extLst>
               <a:ext uri="{FF2B5EF4-FFF2-40B4-BE49-F238E27FC236}">
-                <a16:creationId xmlns:a16="http://schemas.microsoft.com/office/drawing/2014/main" xmlns="" id="{3D0F7E28-4B9F-42FB-3041-A660EACDA846}"/>
+                <a16:creationId xmlns="" xmlns:a16="http://schemas.microsoft.com/office/drawing/2014/main" id="{3D0F7E28-4B9F-42FB-3041-A660EACDA846}"/>
               </a:ext>
             </a:extLst>
           </p:cNvPr>
@@ -9511,7 +9525,7 @@
           <p:cNvPr id="38" name="箭头: 五边形 37">
             <a:extLst>
               <a:ext uri="{FF2B5EF4-FFF2-40B4-BE49-F238E27FC236}">
-                <a16:creationId xmlns:a16="http://schemas.microsoft.com/office/drawing/2014/main" xmlns="" id="{F2C895B2-888C-AE59-96AA-DC572DF8AECF}"/>
+                <a16:creationId xmlns="" xmlns:a16="http://schemas.microsoft.com/office/drawing/2014/main" id="{F2C895B2-888C-AE59-96AA-DC572DF8AECF}"/>
               </a:ext>
             </a:extLst>
           </p:cNvPr>
@@ -9567,7 +9581,7 @@
           <p:cNvPr id="39" name="箭头: 五边形 38">
             <a:extLst>
               <a:ext uri="{FF2B5EF4-FFF2-40B4-BE49-F238E27FC236}">
-                <a16:creationId xmlns:a16="http://schemas.microsoft.com/office/drawing/2014/main" xmlns="" id="{FE7171F9-6901-D35F-3EBF-EF312187A7B1}"/>
+                <a16:creationId xmlns="" xmlns:a16="http://schemas.microsoft.com/office/drawing/2014/main" id="{FE7171F9-6901-D35F-3EBF-EF312187A7B1}"/>
               </a:ext>
             </a:extLst>
           </p:cNvPr>
@@ -9623,7 +9637,7 @@
           <p:cNvPr id="40" name="箭头: 五边形 39">
             <a:extLst>
               <a:ext uri="{FF2B5EF4-FFF2-40B4-BE49-F238E27FC236}">
-                <a16:creationId xmlns:a16="http://schemas.microsoft.com/office/drawing/2014/main" xmlns="" id="{16B50CFD-37FF-2522-847C-ED21245232E4}"/>
+                <a16:creationId xmlns="" xmlns:a16="http://schemas.microsoft.com/office/drawing/2014/main" id="{16B50CFD-37FF-2522-847C-ED21245232E4}"/>
               </a:ext>
             </a:extLst>
           </p:cNvPr>
@@ -9670,7 +9684,7 @@
           <p:cNvPr id="41" name="箭头: 五边形 40">
             <a:extLst>
               <a:ext uri="{FF2B5EF4-FFF2-40B4-BE49-F238E27FC236}">
-                <a16:creationId xmlns:a16="http://schemas.microsoft.com/office/drawing/2014/main" xmlns="" id="{E064F493-09BD-2E6B-64E8-D8FB51398996}"/>
+                <a16:creationId xmlns="" xmlns:a16="http://schemas.microsoft.com/office/drawing/2014/main" id="{E064F493-09BD-2E6B-64E8-D8FB51398996}"/>
               </a:ext>
             </a:extLst>
           </p:cNvPr>
@@ -9717,7 +9731,7 @@
           <p:cNvPr id="42" name="箭头: 五边形 41">
             <a:extLst>
               <a:ext uri="{FF2B5EF4-FFF2-40B4-BE49-F238E27FC236}">
-                <a16:creationId xmlns:a16="http://schemas.microsoft.com/office/drawing/2014/main" xmlns="" id="{17EE7FAC-09DB-BC90-8147-28775EF08FEB}"/>
+                <a16:creationId xmlns="" xmlns:a16="http://schemas.microsoft.com/office/drawing/2014/main" id="{17EE7FAC-09DB-BC90-8147-28775EF08FEB}"/>
               </a:ext>
             </a:extLst>
           </p:cNvPr>
@@ -9794,7 +9808,7 @@
           <p:cNvPr id="2" name="标题 1">
             <a:extLst>
               <a:ext uri="{FF2B5EF4-FFF2-40B4-BE49-F238E27FC236}">
-                <a16:creationId xmlns:a16="http://schemas.microsoft.com/office/drawing/2014/main" xmlns="" id="{80796E82-7314-2FBE-2DE8-DDD70D4DF27E}"/>
+                <a16:creationId xmlns="" xmlns:a16="http://schemas.microsoft.com/office/drawing/2014/main" id="{80796E82-7314-2FBE-2DE8-DDD70D4DF27E}"/>
               </a:ext>
             </a:extLst>
           </p:cNvPr>
@@ -9843,7 +9857,7 @@
           <p:cNvPr id="5" name="椭圆 4">
             <a:extLst>
               <a:ext uri="{FF2B5EF4-FFF2-40B4-BE49-F238E27FC236}">
-                <a16:creationId xmlns:a16="http://schemas.microsoft.com/office/drawing/2014/main" xmlns="" id="{A020CC41-9901-5A10-06D8-1F19650A3A6A}"/>
+                <a16:creationId xmlns="" xmlns:a16="http://schemas.microsoft.com/office/drawing/2014/main" id="{A020CC41-9901-5A10-06D8-1F19650A3A6A}"/>
               </a:ext>
             </a:extLst>
           </p:cNvPr>
@@ -9895,7 +9909,7 @@
           <p:cNvPr id="19" name="Google Shape;73;p14">
             <a:extLst>
               <a:ext uri="{FF2B5EF4-FFF2-40B4-BE49-F238E27FC236}">
-                <a16:creationId xmlns:a16="http://schemas.microsoft.com/office/drawing/2014/main" xmlns="" id="{3442D827-BE6F-DFBF-3B15-223B2753D9E9}"/>
+                <a16:creationId xmlns="" xmlns:a16="http://schemas.microsoft.com/office/drawing/2014/main" id="{3442D827-BE6F-DFBF-3B15-223B2753D9E9}"/>
               </a:ext>
             </a:extLst>
           </p:cNvPr>
@@ -9929,7 +9943,7 @@
           <p:cNvPr id="6" name="Google Shape;74;p14">
             <a:extLst>
               <a:ext uri="{FF2B5EF4-FFF2-40B4-BE49-F238E27FC236}">
-                <a16:creationId xmlns:a16="http://schemas.microsoft.com/office/drawing/2014/main" xmlns="" id="{8ABB2948-CF7D-7BD6-14B8-367574244CB2}"/>
+                <a16:creationId xmlns="" xmlns:a16="http://schemas.microsoft.com/office/drawing/2014/main" id="{8ABB2948-CF7D-7BD6-14B8-367574244CB2}"/>
               </a:ext>
             </a:extLst>
           </p:cNvPr>
@@ -9963,7 +9977,7 @@
           <p:cNvPr id="7" name="Google Shape;75;p14">
             <a:extLst>
               <a:ext uri="{FF2B5EF4-FFF2-40B4-BE49-F238E27FC236}">
-                <a16:creationId xmlns:a16="http://schemas.microsoft.com/office/drawing/2014/main" xmlns="" id="{744D1F6B-EBF7-049C-9CBC-D2BD265B8DB5}"/>
+                <a16:creationId xmlns="" xmlns:a16="http://schemas.microsoft.com/office/drawing/2014/main" id="{744D1F6B-EBF7-049C-9CBC-D2BD265B8DB5}"/>
               </a:ext>
             </a:extLst>
           </p:cNvPr>
@@ -9997,7 +10011,7 @@
           <p:cNvPr id="8" name="Google Shape;76;p14">
             <a:extLst>
               <a:ext uri="{FF2B5EF4-FFF2-40B4-BE49-F238E27FC236}">
-                <a16:creationId xmlns:a16="http://schemas.microsoft.com/office/drawing/2014/main" xmlns="" id="{A0604560-830C-4AC9-3717-031AA48B5D45}"/>
+                <a16:creationId xmlns="" xmlns:a16="http://schemas.microsoft.com/office/drawing/2014/main" id="{A0604560-830C-4AC9-3717-031AA48B5D45}"/>
               </a:ext>
             </a:extLst>
           </p:cNvPr>
@@ -10031,7 +10045,7 @@
           <p:cNvPr id="9" name="Google Shape;77;p14">
             <a:extLst>
               <a:ext uri="{FF2B5EF4-FFF2-40B4-BE49-F238E27FC236}">
-                <a16:creationId xmlns:a16="http://schemas.microsoft.com/office/drawing/2014/main" xmlns="" id="{DC03C87C-87BB-A5EB-0D50-DDB31F93A6C2}"/>
+                <a16:creationId xmlns="" xmlns:a16="http://schemas.microsoft.com/office/drawing/2014/main" id="{DC03C87C-87BB-A5EB-0D50-DDB31F93A6C2}"/>
               </a:ext>
             </a:extLst>
           </p:cNvPr>
@@ -10065,7 +10079,7 @@
           <p:cNvPr id="10" name="Google Shape;78;p14">
             <a:extLst>
               <a:ext uri="{FF2B5EF4-FFF2-40B4-BE49-F238E27FC236}">
-                <a16:creationId xmlns:a16="http://schemas.microsoft.com/office/drawing/2014/main" xmlns="" id="{281D3DED-9B64-E88B-FC5F-0C30B82A9484}"/>
+                <a16:creationId xmlns="" xmlns:a16="http://schemas.microsoft.com/office/drawing/2014/main" id="{281D3DED-9B64-E88B-FC5F-0C30B82A9484}"/>
               </a:ext>
             </a:extLst>
           </p:cNvPr>
@@ -10099,7 +10113,7 @@
           <p:cNvPr id="11" name="Google Shape;79;p14">
             <a:extLst>
               <a:ext uri="{FF2B5EF4-FFF2-40B4-BE49-F238E27FC236}">
-                <a16:creationId xmlns:a16="http://schemas.microsoft.com/office/drawing/2014/main" xmlns="" id="{0DAE55E6-D474-C395-BC84-8ACA3CE820A0}"/>
+                <a16:creationId xmlns="" xmlns:a16="http://schemas.microsoft.com/office/drawing/2014/main" id="{0DAE55E6-D474-C395-BC84-8ACA3CE820A0}"/>
               </a:ext>
             </a:extLst>
           </p:cNvPr>
@@ -10133,7 +10147,7 @@
           <p:cNvPr id="12" name="Google Shape;80;p14">
             <a:extLst>
               <a:ext uri="{FF2B5EF4-FFF2-40B4-BE49-F238E27FC236}">
-                <a16:creationId xmlns:a16="http://schemas.microsoft.com/office/drawing/2014/main" xmlns="" id="{3A5AAC50-9F06-A76F-B20B-35CF3612E825}"/>
+                <a16:creationId xmlns="" xmlns:a16="http://schemas.microsoft.com/office/drawing/2014/main" id="{3A5AAC50-9F06-A76F-B20B-35CF3612E825}"/>
               </a:ext>
             </a:extLst>
           </p:cNvPr>
@@ -10167,7 +10181,7 @@
           <p:cNvPr id="13" name="Google Shape;81;p14">
             <a:extLst>
               <a:ext uri="{FF2B5EF4-FFF2-40B4-BE49-F238E27FC236}">
-                <a16:creationId xmlns:a16="http://schemas.microsoft.com/office/drawing/2014/main" xmlns="" id="{F33B3BEC-1095-E464-2D03-703E55B0F8A0}"/>
+                <a16:creationId xmlns="" xmlns:a16="http://schemas.microsoft.com/office/drawing/2014/main" id="{F33B3BEC-1095-E464-2D03-703E55B0F8A0}"/>
               </a:ext>
             </a:extLst>
           </p:cNvPr>
@@ -10201,7 +10215,7 @@
           <p:cNvPr id="4" name="文本框 3">
             <a:extLst>
               <a:ext uri="{FF2B5EF4-FFF2-40B4-BE49-F238E27FC236}">
-                <a16:creationId xmlns:a16="http://schemas.microsoft.com/office/drawing/2014/main" xmlns="" id="{3E8E8225-E7B4-E598-7AEB-66BC2EF7864E}"/>
+                <a16:creationId xmlns="" xmlns:a16="http://schemas.microsoft.com/office/drawing/2014/main" id="{3E8E8225-E7B4-E598-7AEB-66BC2EF7864E}"/>
               </a:ext>
             </a:extLst>
           </p:cNvPr>
@@ -10241,7 +10255,7 @@
           <p:cNvPr id="31" name="箭头: 五边形 30">
             <a:extLst>
               <a:ext uri="{FF2B5EF4-FFF2-40B4-BE49-F238E27FC236}">
-                <a16:creationId xmlns:a16="http://schemas.microsoft.com/office/drawing/2014/main" xmlns="" id="{4B9E0D9B-D17E-69E7-1F9A-99DE7710B7A1}"/>
+                <a16:creationId xmlns="" xmlns:a16="http://schemas.microsoft.com/office/drawing/2014/main" id="{4B9E0D9B-D17E-69E7-1F9A-99DE7710B7A1}"/>
               </a:ext>
             </a:extLst>
           </p:cNvPr>
@@ -10288,7 +10302,7 @@
           <p:cNvPr id="32" name="箭头: 五边形 31">
             <a:extLst>
               <a:ext uri="{FF2B5EF4-FFF2-40B4-BE49-F238E27FC236}">
-                <a16:creationId xmlns:a16="http://schemas.microsoft.com/office/drawing/2014/main" xmlns="" id="{1C58B850-E627-D01E-6544-6FC012CCC33C}"/>
+                <a16:creationId xmlns="" xmlns:a16="http://schemas.microsoft.com/office/drawing/2014/main" id="{1C58B850-E627-D01E-6544-6FC012CCC33C}"/>
               </a:ext>
             </a:extLst>
           </p:cNvPr>
@@ -10344,7 +10358,7 @@
           <p:cNvPr id="33" name="箭头: 五边形 32">
             <a:extLst>
               <a:ext uri="{FF2B5EF4-FFF2-40B4-BE49-F238E27FC236}">
-                <a16:creationId xmlns:a16="http://schemas.microsoft.com/office/drawing/2014/main" xmlns="" id="{C768AE66-F650-1A37-7440-B571549FE915}"/>
+                <a16:creationId xmlns="" xmlns:a16="http://schemas.microsoft.com/office/drawing/2014/main" id="{C768AE66-F650-1A37-7440-B571549FE915}"/>
               </a:ext>
             </a:extLst>
           </p:cNvPr>
@@ -10400,7 +10414,7 @@
           <p:cNvPr id="34" name="箭头: 五边形 33">
             <a:extLst>
               <a:ext uri="{FF2B5EF4-FFF2-40B4-BE49-F238E27FC236}">
-                <a16:creationId xmlns:a16="http://schemas.microsoft.com/office/drawing/2014/main" xmlns="" id="{C73CB313-5C49-648F-D809-8346206978D1}"/>
+                <a16:creationId xmlns="" xmlns:a16="http://schemas.microsoft.com/office/drawing/2014/main" id="{C73CB313-5C49-648F-D809-8346206978D1}"/>
               </a:ext>
             </a:extLst>
           </p:cNvPr>
@@ -10456,7 +10470,7 @@
           <p:cNvPr id="35" name="箭头: 五边形 34">
             <a:extLst>
               <a:ext uri="{FF2B5EF4-FFF2-40B4-BE49-F238E27FC236}">
-                <a16:creationId xmlns:a16="http://schemas.microsoft.com/office/drawing/2014/main" xmlns="" id="{FC836AD9-A293-8E3F-664B-E692D69616E5}"/>
+                <a16:creationId xmlns="" xmlns:a16="http://schemas.microsoft.com/office/drawing/2014/main" id="{FC836AD9-A293-8E3F-664B-E692D69616E5}"/>
               </a:ext>
             </a:extLst>
           </p:cNvPr>
@@ -10512,7 +10526,7 @@
           <p:cNvPr id="37" name="箭头: 五边形 36">
             <a:extLst>
               <a:ext uri="{FF2B5EF4-FFF2-40B4-BE49-F238E27FC236}">
-                <a16:creationId xmlns:a16="http://schemas.microsoft.com/office/drawing/2014/main" xmlns="" id="{05ECD475-37EE-63E8-E9E5-EF81A4619214}"/>
+                <a16:creationId xmlns="" xmlns:a16="http://schemas.microsoft.com/office/drawing/2014/main" id="{05ECD475-37EE-63E8-E9E5-EF81A4619214}"/>
               </a:ext>
             </a:extLst>
           </p:cNvPr>
@@ -10559,7 +10573,7 @@
           <p:cNvPr id="38" name="箭头: 五边形 37">
             <a:extLst>
               <a:ext uri="{FF2B5EF4-FFF2-40B4-BE49-F238E27FC236}">
-                <a16:creationId xmlns:a16="http://schemas.microsoft.com/office/drawing/2014/main" xmlns="" id="{A6B5F2C7-042E-A328-27E2-FE7EEBDB2BDD}"/>
+                <a16:creationId xmlns="" xmlns:a16="http://schemas.microsoft.com/office/drawing/2014/main" id="{A6B5F2C7-042E-A328-27E2-FE7EEBDB2BDD}"/>
               </a:ext>
             </a:extLst>
           </p:cNvPr>
@@ -10606,7 +10620,7 @@
           <p:cNvPr id="39" name="箭头: 五边形 38">
             <a:extLst>
               <a:ext uri="{FF2B5EF4-FFF2-40B4-BE49-F238E27FC236}">
-                <a16:creationId xmlns:a16="http://schemas.microsoft.com/office/drawing/2014/main" xmlns="" id="{2D55E881-1EC3-4110-7472-1065FE27C440}"/>
+                <a16:creationId xmlns="" xmlns:a16="http://schemas.microsoft.com/office/drawing/2014/main" id="{2D55E881-1EC3-4110-7472-1065FE27C440}"/>
               </a:ext>
             </a:extLst>
           </p:cNvPr>
@@ -10683,7 +10697,7 @@
           <p:cNvPr id="2" name="标题 1">
             <a:extLst>
               <a:ext uri="{FF2B5EF4-FFF2-40B4-BE49-F238E27FC236}">
-                <a16:creationId xmlns:a16="http://schemas.microsoft.com/office/drawing/2014/main" xmlns="" id="{80796E82-7314-2FBE-2DE8-DDD70D4DF27E}"/>
+                <a16:creationId xmlns="" xmlns:a16="http://schemas.microsoft.com/office/drawing/2014/main" id="{80796E82-7314-2FBE-2DE8-DDD70D4DF27E}"/>
               </a:ext>
             </a:extLst>
           </p:cNvPr>
@@ -10732,7 +10746,7 @@
           <p:cNvPr id="5" name="椭圆 4">
             <a:extLst>
               <a:ext uri="{FF2B5EF4-FFF2-40B4-BE49-F238E27FC236}">
-                <a16:creationId xmlns:a16="http://schemas.microsoft.com/office/drawing/2014/main" xmlns="" id="{A020CC41-9901-5A10-06D8-1F19650A3A6A}"/>
+                <a16:creationId xmlns="" xmlns:a16="http://schemas.microsoft.com/office/drawing/2014/main" id="{A020CC41-9901-5A10-06D8-1F19650A3A6A}"/>
               </a:ext>
             </a:extLst>
           </p:cNvPr>
@@ -10784,7 +10798,7 @@
           <p:cNvPr id="19" name="Google Shape;73;p14">
             <a:extLst>
               <a:ext uri="{FF2B5EF4-FFF2-40B4-BE49-F238E27FC236}">
-                <a16:creationId xmlns:a16="http://schemas.microsoft.com/office/drawing/2014/main" xmlns="" id="{3442D827-BE6F-DFBF-3B15-223B2753D9E9}"/>
+                <a16:creationId xmlns="" xmlns:a16="http://schemas.microsoft.com/office/drawing/2014/main" id="{3442D827-BE6F-DFBF-3B15-223B2753D9E9}"/>
               </a:ext>
             </a:extLst>
           </p:cNvPr>
@@ -10818,7 +10832,7 @@
           <p:cNvPr id="4" name="文本框 3">
             <a:extLst>
               <a:ext uri="{FF2B5EF4-FFF2-40B4-BE49-F238E27FC236}">
-                <a16:creationId xmlns:a16="http://schemas.microsoft.com/office/drawing/2014/main" xmlns="" id="{3E8E8225-E7B4-E598-7AEB-66BC2EF7864E}"/>
+                <a16:creationId xmlns="" xmlns:a16="http://schemas.microsoft.com/office/drawing/2014/main" id="{3E8E8225-E7B4-E598-7AEB-66BC2EF7864E}"/>
               </a:ext>
             </a:extLst>
           </p:cNvPr>
@@ -10868,7 +10882,7 @@
           <p:cNvPr id="22" name="椭圆 21">
             <a:extLst>
               <a:ext uri="{FF2B5EF4-FFF2-40B4-BE49-F238E27FC236}">
-                <a16:creationId xmlns:a16="http://schemas.microsoft.com/office/drawing/2014/main" xmlns="" id="{4E75EC5F-C5EA-EA42-7F36-03E60DC340EA}"/>
+                <a16:creationId xmlns="" xmlns:a16="http://schemas.microsoft.com/office/drawing/2014/main" id="{4E75EC5F-C5EA-EA42-7F36-03E60DC340EA}"/>
               </a:ext>
             </a:extLst>
           </p:cNvPr>
@@ -10924,7 +10938,7 @@
           <p:cNvPr id="23" name="椭圆 22">
             <a:extLst>
               <a:ext uri="{FF2B5EF4-FFF2-40B4-BE49-F238E27FC236}">
-                <a16:creationId xmlns:a16="http://schemas.microsoft.com/office/drawing/2014/main" xmlns="" id="{BA952E59-C089-7749-A0B7-A5088390FAB8}"/>
+                <a16:creationId xmlns="" xmlns:a16="http://schemas.microsoft.com/office/drawing/2014/main" id="{BA952E59-C089-7749-A0B7-A5088390FAB8}"/>
               </a:ext>
             </a:extLst>
           </p:cNvPr>
@@ -10980,7 +10994,7 @@
           <p:cNvPr id="24" name="椭圆 23">
             <a:extLst>
               <a:ext uri="{FF2B5EF4-FFF2-40B4-BE49-F238E27FC236}">
-                <a16:creationId xmlns:a16="http://schemas.microsoft.com/office/drawing/2014/main" xmlns="" id="{A4A4D5D7-187E-AE99-3C62-2864073C8838}"/>
+                <a16:creationId xmlns="" xmlns:a16="http://schemas.microsoft.com/office/drawing/2014/main" id="{A4A4D5D7-187E-AE99-3C62-2864073C8838}"/>
               </a:ext>
             </a:extLst>
           </p:cNvPr>
@@ -11040,7 +11054,7 @@
           <p:cNvPr id="25" name="椭圆 24">
             <a:extLst>
               <a:ext uri="{FF2B5EF4-FFF2-40B4-BE49-F238E27FC236}">
-                <a16:creationId xmlns:a16="http://schemas.microsoft.com/office/drawing/2014/main" xmlns="" id="{10CF8DA3-C49C-2BED-92B6-1728851E6352}"/>
+                <a16:creationId xmlns="" xmlns:a16="http://schemas.microsoft.com/office/drawing/2014/main" id="{10CF8DA3-C49C-2BED-92B6-1728851E6352}"/>
               </a:ext>
             </a:extLst>
           </p:cNvPr>
@@ -11100,7 +11114,7 @@
           <p:cNvPr id="3" name="矩形 2">
             <a:extLst>
               <a:ext uri="{FF2B5EF4-FFF2-40B4-BE49-F238E27FC236}">
-                <a16:creationId xmlns:a16="http://schemas.microsoft.com/office/drawing/2014/main" xmlns="" id="{E58FCDA4-B35B-B0FC-BF81-317243318E0C}"/>
+                <a16:creationId xmlns="" xmlns:a16="http://schemas.microsoft.com/office/drawing/2014/main" id="{E58FCDA4-B35B-B0FC-BF81-317243318E0C}"/>
               </a:ext>
             </a:extLst>
           </p:cNvPr>
@@ -11151,7 +11165,7 @@
           <p:cNvPr id="14" name="文本框 13">
             <a:extLst>
               <a:ext uri="{FF2B5EF4-FFF2-40B4-BE49-F238E27FC236}">
-                <a16:creationId xmlns:a16="http://schemas.microsoft.com/office/drawing/2014/main" xmlns="" id="{86C23270-8523-9E1F-9089-1BAE5BB2BA1E}"/>
+                <a16:creationId xmlns="" xmlns:a16="http://schemas.microsoft.com/office/drawing/2014/main" id="{86C23270-8523-9E1F-9089-1BAE5BB2BA1E}"/>
               </a:ext>
             </a:extLst>
           </p:cNvPr>
@@ -11190,7 +11204,7 @@
           <p:cNvPr id="28" name="Google Shape;95;p14">
             <a:extLst>
               <a:ext uri="{FF2B5EF4-FFF2-40B4-BE49-F238E27FC236}">
-                <a16:creationId xmlns:a16="http://schemas.microsoft.com/office/drawing/2014/main" xmlns="" id="{EEDC2338-19B0-9AEF-E3AB-A6669DB1AB3C}"/>
+                <a16:creationId xmlns="" xmlns:a16="http://schemas.microsoft.com/office/drawing/2014/main" id="{EEDC2338-19B0-9AEF-E3AB-A6669DB1AB3C}"/>
               </a:ext>
             </a:extLst>
           </p:cNvPr>
@@ -11235,7 +11249,7 @@
           <p:cNvPr id="30" name="Google Shape;95;p14">
             <a:extLst>
               <a:ext uri="{FF2B5EF4-FFF2-40B4-BE49-F238E27FC236}">
-                <a16:creationId xmlns:a16="http://schemas.microsoft.com/office/drawing/2014/main" xmlns="" id="{ED46A2FC-07A8-D7CB-1BD8-0E661350E51A}"/>
+                <a16:creationId xmlns="" xmlns:a16="http://schemas.microsoft.com/office/drawing/2014/main" id="{ED46A2FC-07A8-D7CB-1BD8-0E661350E51A}"/>
               </a:ext>
             </a:extLst>
           </p:cNvPr>
@@ -11280,7 +11294,7 @@
           <p:cNvPr id="40" name="Google Shape;95;p14">
             <a:extLst>
               <a:ext uri="{FF2B5EF4-FFF2-40B4-BE49-F238E27FC236}">
-                <a16:creationId xmlns:a16="http://schemas.microsoft.com/office/drawing/2014/main" xmlns="" id="{5C0D3D95-6875-4112-D7AD-10A524259CD9}"/>
+                <a16:creationId xmlns="" xmlns:a16="http://schemas.microsoft.com/office/drawing/2014/main" id="{5C0D3D95-6875-4112-D7AD-10A524259CD9}"/>
               </a:ext>
             </a:extLst>
           </p:cNvPr>
@@ -11325,7 +11339,7 @@
           <p:cNvPr id="36" name="Google Shape;95;p14">
             <a:extLst>
               <a:ext uri="{FF2B5EF4-FFF2-40B4-BE49-F238E27FC236}">
-                <a16:creationId xmlns:a16="http://schemas.microsoft.com/office/drawing/2014/main" xmlns="" id="{9E119CFD-5E2B-65ED-E815-3244ADC9A772}"/>
+                <a16:creationId xmlns="" xmlns:a16="http://schemas.microsoft.com/office/drawing/2014/main" id="{9E119CFD-5E2B-65ED-E815-3244ADC9A772}"/>
               </a:ext>
             </a:extLst>
           </p:cNvPr>
@@ -11370,7 +11384,7 @@
           <p:cNvPr id="41" name="Google Shape;95;p14">
             <a:extLst>
               <a:ext uri="{FF2B5EF4-FFF2-40B4-BE49-F238E27FC236}">
-                <a16:creationId xmlns:a16="http://schemas.microsoft.com/office/drawing/2014/main" xmlns="" id="{2EE8C164-4A50-6B68-5212-66A52AD354FF}"/>
+                <a16:creationId xmlns="" xmlns:a16="http://schemas.microsoft.com/office/drawing/2014/main" id="{2EE8C164-4A50-6B68-5212-66A52AD354FF}"/>
               </a:ext>
             </a:extLst>
           </p:cNvPr>
@@ -11415,7 +11429,7 @@
           <p:cNvPr id="42" name="文本框 41">
             <a:extLst>
               <a:ext uri="{FF2B5EF4-FFF2-40B4-BE49-F238E27FC236}">
-                <a16:creationId xmlns:a16="http://schemas.microsoft.com/office/drawing/2014/main" xmlns="" id="{30BA300D-7904-1EA9-E1AF-5BB52B9C2B3C}"/>
+                <a16:creationId xmlns="" xmlns:a16="http://schemas.microsoft.com/office/drawing/2014/main" id="{30BA300D-7904-1EA9-E1AF-5BB52B9C2B3C}"/>
               </a:ext>
             </a:extLst>
           </p:cNvPr>
@@ -11459,7 +11473,7 @@
           <p:cNvPr id="43" name="Google Shape;74;p14">
             <a:extLst>
               <a:ext uri="{FF2B5EF4-FFF2-40B4-BE49-F238E27FC236}">
-                <a16:creationId xmlns:a16="http://schemas.microsoft.com/office/drawing/2014/main" xmlns="" id="{E48899FC-526F-8B64-1631-CF40D6C5BAEC}"/>
+                <a16:creationId xmlns="" xmlns:a16="http://schemas.microsoft.com/office/drawing/2014/main" id="{E48899FC-526F-8B64-1631-CF40D6C5BAEC}"/>
               </a:ext>
             </a:extLst>
           </p:cNvPr>
@@ -11493,7 +11507,7 @@
           <p:cNvPr id="44" name="Google Shape;75;p14">
             <a:extLst>
               <a:ext uri="{FF2B5EF4-FFF2-40B4-BE49-F238E27FC236}">
-                <a16:creationId xmlns:a16="http://schemas.microsoft.com/office/drawing/2014/main" xmlns="" id="{088679CF-39C5-ECE6-59D7-27F53A9AB563}"/>
+                <a16:creationId xmlns="" xmlns:a16="http://schemas.microsoft.com/office/drawing/2014/main" id="{088679CF-39C5-ECE6-59D7-27F53A9AB563}"/>
               </a:ext>
             </a:extLst>
           </p:cNvPr>
@@ -11527,7 +11541,7 @@
           <p:cNvPr id="45" name="Google Shape;76;p14">
             <a:extLst>
               <a:ext uri="{FF2B5EF4-FFF2-40B4-BE49-F238E27FC236}">
-                <a16:creationId xmlns:a16="http://schemas.microsoft.com/office/drawing/2014/main" xmlns="" id="{AE138E72-5785-8C58-5E75-AFE4DE780F49}"/>
+                <a16:creationId xmlns="" xmlns:a16="http://schemas.microsoft.com/office/drawing/2014/main" id="{AE138E72-5785-8C58-5E75-AFE4DE780F49}"/>
               </a:ext>
             </a:extLst>
           </p:cNvPr>
@@ -11561,7 +11575,7 @@
           <p:cNvPr id="46" name="Google Shape;77;p14">
             <a:extLst>
               <a:ext uri="{FF2B5EF4-FFF2-40B4-BE49-F238E27FC236}">
-                <a16:creationId xmlns:a16="http://schemas.microsoft.com/office/drawing/2014/main" xmlns="" id="{66A469E8-3612-14E6-B23E-7FBEFD2A264F}"/>
+                <a16:creationId xmlns="" xmlns:a16="http://schemas.microsoft.com/office/drawing/2014/main" id="{66A469E8-3612-14E6-B23E-7FBEFD2A264F}"/>
               </a:ext>
             </a:extLst>
           </p:cNvPr>
@@ -11595,7 +11609,7 @@
           <p:cNvPr id="47" name="Google Shape;78;p14">
             <a:extLst>
               <a:ext uri="{FF2B5EF4-FFF2-40B4-BE49-F238E27FC236}">
-                <a16:creationId xmlns:a16="http://schemas.microsoft.com/office/drawing/2014/main" xmlns="" id="{BC96CA4D-3E93-F066-7EF4-6418372B4FCD}"/>
+                <a16:creationId xmlns="" xmlns:a16="http://schemas.microsoft.com/office/drawing/2014/main" id="{BC96CA4D-3E93-F066-7EF4-6418372B4FCD}"/>
               </a:ext>
             </a:extLst>
           </p:cNvPr>
@@ -11629,7 +11643,7 @@
           <p:cNvPr id="48" name="Google Shape;79;p14">
             <a:extLst>
               <a:ext uri="{FF2B5EF4-FFF2-40B4-BE49-F238E27FC236}">
-                <a16:creationId xmlns:a16="http://schemas.microsoft.com/office/drawing/2014/main" xmlns="" id="{ABE0846A-4C61-8491-DA0B-C55034726178}"/>
+                <a16:creationId xmlns="" xmlns:a16="http://schemas.microsoft.com/office/drawing/2014/main" id="{ABE0846A-4C61-8491-DA0B-C55034726178}"/>
               </a:ext>
             </a:extLst>
           </p:cNvPr>
@@ -11663,7 +11677,7 @@
           <p:cNvPr id="49" name="Google Shape;80;p14">
             <a:extLst>
               <a:ext uri="{FF2B5EF4-FFF2-40B4-BE49-F238E27FC236}">
-                <a16:creationId xmlns:a16="http://schemas.microsoft.com/office/drawing/2014/main" xmlns="" id="{B7F3B198-1A53-B78D-FABF-2828A0B7F923}"/>
+                <a16:creationId xmlns="" xmlns:a16="http://schemas.microsoft.com/office/drawing/2014/main" id="{B7F3B198-1A53-B78D-FABF-2828A0B7F923}"/>
               </a:ext>
             </a:extLst>
           </p:cNvPr>
@@ -11697,7 +11711,7 @@
           <p:cNvPr id="50" name="Google Shape;81;p14">
             <a:extLst>
               <a:ext uri="{FF2B5EF4-FFF2-40B4-BE49-F238E27FC236}">
-                <a16:creationId xmlns:a16="http://schemas.microsoft.com/office/drawing/2014/main" xmlns="" id="{4CBC555B-EEC2-5C97-BC99-4D39E31ADF7B}"/>
+                <a16:creationId xmlns="" xmlns:a16="http://schemas.microsoft.com/office/drawing/2014/main" id="{4CBC555B-EEC2-5C97-BC99-4D39E31ADF7B}"/>
               </a:ext>
             </a:extLst>
           </p:cNvPr>
@@ -11731,7 +11745,7 @@
           <p:cNvPr id="51" name="箭头: 五边形 50">
             <a:extLst>
               <a:ext uri="{FF2B5EF4-FFF2-40B4-BE49-F238E27FC236}">
-                <a16:creationId xmlns:a16="http://schemas.microsoft.com/office/drawing/2014/main" xmlns="" id="{A15E417E-5C3E-CBC1-B518-A7B4FB3DFA5F}"/>
+                <a16:creationId xmlns="" xmlns:a16="http://schemas.microsoft.com/office/drawing/2014/main" id="{A15E417E-5C3E-CBC1-B518-A7B4FB3DFA5F}"/>
               </a:ext>
             </a:extLst>
           </p:cNvPr>
@@ -11778,7 +11792,7 @@
           <p:cNvPr id="52" name="箭头: 五边形 51">
             <a:extLst>
               <a:ext uri="{FF2B5EF4-FFF2-40B4-BE49-F238E27FC236}">
-                <a16:creationId xmlns:a16="http://schemas.microsoft.com/office/drawing/2014/main" xmlns="" id="{3F990466-3C46-33F3-0E3C-1AC438764343}"/>
+                <a16:creationId xmlns="" xmlns:a16="http://schemas.microsoft.com/office/drawing/2014/main" id="{3F990466-3C46-33F3-0E3C-1AC438764343}"/>
               </a:ext>
             </a:extLst>
           </p:cNvPr>
@@ -11834,7 +11848,7 @@
           <p:cNvPr id="53" name="箭头: 五边形 52">
             <a:extLst>
               <a:ext uri="{FF2B5EF4-FFF2-40B4-BE49-F238E27FC236}">
-                <a16:creationId xmlns:a16="http://schemas.microsoft.com/office/drawing/2014/main" xmlns="" id="{82E481AF-A1FF-14F6-55A8-EF2C5038F04E}"/>
+                <a16:creationId xmlns="" xmlns:a16="http://schemas.microsoft.com/office/drawing/2014/main" id="{82E481AF-A1FF-14F6-55A8-EF2C5038F04E}"/>
               </a:ext>
             </a:extLst>
           </p:cNvPr>
@@ -11890,7 +11904,7 @@
           <p:cNvPr id="54" name="箭头: 五边形 53">
             <a:extLst>
               <a:ext uri="{FF2B5EF4-FFF2-40B4-BE49-F238E27FC236}">
-                <a16:creationId xmlns:a16="http://schemas.microsoft.com/office/drawing/2014/main" xmlns="" id="{0AB3C1ED-A3EF-0632-1FB9-9F2D89CE6389}"/>
+                <a16:creationId xmlns="" xmlns:a16="http://schemas.microsoft.com/office/drawing/2014/main" id="{0AB3C1ED-A3EF-0632-1FB9-9F2D89CE6389}"/>
               </a:ext>
             </a:extLst>
           </p:cNvPr>
@@ -11946,7 +11960,7 @@
           <p:cNvPr id="55" name="箭头: 五边形 54">
             <a:extLst>
               <a:ext uri="{FF2B5EF4-FFF2-40B4-BE49-F238E27FC236}">
-                <a16:creationId xmlns:a16="http://schemas.microsoft.com/office/drawing/2014/main" xmlns="" id="{97931E3B-652F-32D7-F2C2-5EDAC4D5B299}"/>
+                <a16:creationId xmlns="" xmlns:a16="http://schemas.microsoft.com/office/drawing/2014/main" id="{97931E3B-652F-32D7-F2C2-5EDAC4D5B299}"/>
               </a:ext>
             </a:extLst>
           </p:cNvPr>
@@ -12002,7 +12016,7 @@
           <p:cNvPr id="56" name="箭头: 五边形 55">
             <a:extLst>
               <a:ext uri="{FF2B5EF4-FFF2-40B4-BE49-F238E27FC236}">
-                <a16:creationId xmlns:a16="http://schemas.microsoft.com/office/drawing/2014/main" xmlns="" id="{BD53DE19-CAE1-79A8-2FA1-61C6E6E67D40}"/>
+                <a16:creationId xmlns="" xmlns:a16="http://schemas.microsoft.com/office/drawing/2014/main" id="{BD53DE19-CAE1-79A8-2FA1-61C6E6E67D40}"/>
               </a:ext>
             </a:extLst>
           </p:cNvPr>
@@ -12049,7 +12063,7 @@
           <p:cNvPr id="57" name="箭头: 五边形 56">
             <a:extLst>
               <a:ext uri="{FF2B5EF4-FFF2-40B4-BE49-F238E27FC236}">
-                <a16:creationId xmlns:a16="http://schemas.microsoft.com/office/drawing/2014/main" xmlns="" id="{54A7E9A7-A08E-D7A0-C9DD-95DEF8009AAF}"/>
+                <a16:creationId xmlns="" xmlns:a16="http://schemas.microsoft.com/office/drawing/2014/main" id="{54A7E9A7-A08E-D7A0-C9DD-95DEF8009AAF}"/>
               </a:ext>
             </a:extLst>
           </p:cNvPr>
@@ -12096,7 +12110,7 @@
           <p:cNvPr id="58" name="箭头: 五边形 57">
             <a:extLst>
               <a:ext uri="{FF2B5EF4-FFF2-40B4-BE49-F238E27FC236}">
-                <a16:creationId xmlns:a16="http://schemas.microsoft.com/office/drawing/2014/main" xmlns="" id="{17D488BC-2AD8-AA46-3898-7D1625A12033}"/>
+                <a16:creationId xmlns="" xmlns:a16="http://schemas.microsoft.com/office/drawing/2014/main" id="{17D488BC-2AD8-AA46-3898-7D1625A12033}"/>
               </a:ext>
             </a:extLst>
           </p:cNvPr>
@@ -12173,7 +12187,7 @@
           <p:cNvPr id="2" name="标题 1">
             <a:extLst>
               <a:ext uri="{FF2B5EF4-FFF2-40B4-BE49-F238E27FC236}">
-                <a16:creationId xmlns:a16="http://schemas.microsoft.com/office/drawing/2014/main" xmlns="" id="{80796E82-7314-2FBE-2DE8-DDD70D4DF27E}"/>
+                <a16:creationId xmlns="" xmlns:a16="http://schemas.microsoft.com/office/drawing/2014/main" id="{80796E82-7314-2FBE-2DE8-DDD70D4DF27E}"/>
               </a:ext>
             </a:extLst>
           </p:cNvPr>
@@ -12222,7 +12236,7 @@
           <p:cNvPr id="5" name="椭圆 4">
             <a:extLst>
               <a:ext uri="{FF2B5EF4-FFF2-40B4-BE49-F238E27FC236}">
-                <a16:creationId xmlns:a16="http://schemas.microsoft.com/office/drawing/2014/main" xmlns="" id="{A020CC41-9901-5A10-06D8-1F19650A3A6A}"/>
+                <a16:creationId xmlns="" xmlns:a16="http://schemas.microsoft.com/office/drawing/2014/main" id="{A020CC41-9901-5A10-06D8-1F19650A3A6A}"/>
               </a:ext>
             </a:extLst>
           </p:cNvPr>
@@ -12274,7 +12288,7 @@
           <p:cNvPr id="19" name="Google Shape;73;p14">
             <a:extLst>
               <a:ext uri="{FF2B5EF4-FFF2-40B4-BE49-F238E27FC236}">
-                <a16:creationId xmlns:a16="http://schemas.microsoft.com/office/drawing/2014/main" xmlns="" id="{3442D827-BE6F-DFBF-3B15-223B2753D9E9}"/>
+                <a16:creationId xmlns="" xmlns:a16="http://schemas.microsoft.com/office/drawing/2014/main" id="{3442D827-BE6F-DFBF-3B15-223B2753D9E9}"/>
               </a:ext>
             </a:extLst>
           </p:cNvPr>
@@ -12308,7 +12322,7 @@
           <p:cNvPr id="6" name="Google Shape;74;p14">
             <a:extLst>
               <a:ext uri="{FF2B5EF4-FFF2-40B4-BE49-F238E27FC236}">
-                <a16:creationId xmlns:a16="http://schemas.microsoft.com/office/drawing/2014/main" xmlns="" id="{8ABB2948-CF7D-7BD6-14B8-367574244CB2}"/>
+                <a16:creationId xmlns="" xmlns:a16="http://schemas.microsoft.com/office/drawing/2014/main" id="{8ABB2948-CF7D-7BD6-14B8-367574244CB2}"/>
               </a:ext>
             </a:extLst>
           </p:cNvPr>
@@ -12342,7 +12356,7 @@
           <p:cNvPr id="8" name="Google Shape;76;p14">
             <a:extLst>
               <a:ext uri="{FF2B5EF4-FFF2-40B4-BE49-F238E27FC236}">
-                <a16:creationId xmlns:a16="http://schemas.microsoft.com/office/drawing/2014/main" xmlns="" id="{A0604560-830C-4AC9-3717-031AA48B5D45}"/>
+                <a16:creationId xmlns="" xmlns:a16="http://schemas.microsoft.com/office/drawing/2014/main" id="{A0604560-830C-4AC9-3717-031AA48B5D45}"/>
               </a:ext>
             </a:extLst>
           </p:cNvPr>
@@ -12376,7 +12390,7 @@
           <p:cNvPr id="11" name="Google Shape;79;p14">
             <a:extLst>
               <a:ext uri="{FF2B5EF4-FFF2-40B4-BE49-F238E27FC236}">
-                <a16:creationId xmlns:a16="http://schemas.microsoft.com/office/drawing/2014/main" xmlns="" id="{0DAE55E6-D474-C395-BC84-8ACA3CE820A0}"/>
+                <a16:creationId xmlns="" xmlns:a16="http://schemas.microsoft.com/office/drawing/2014/main" id="{0DAE55E6-D474-C395-BC84-8ACA3CE820A0}"/>
               </a:ext>
             </a:extLst>
           </p:cNvPr>
@@ -12410,7 +12424,7 @@
           <p:cNvPr id="12" name="Google Shape;80;p14">
             <a:extLst>
               <a:ext uri="{FF2B5EF4-FFF2-40B4-BE49-F238E27FC236}">
-                <a16:creationId xmlns:a16="http://schemas.microsoft.com/office/drawing/2014/main" xmlns="" id="{3A5AAC50-9F06-A76F-B20B-35CF3612E825}"/>
+                <a16:creationId xmlns="" xmlns:a16="http://schemas.microsoft.com/office/drawing/2014/main" id="{3A5AAC50-9F06-A76F-B20B-35CF3612E825}"/>
               </a:ext>
             </a:extLst>
           </p:cNvPr>
@@ -12444,7 +12458,7 @@
           <p:cNvPr id="4" name="文本框 3">
             <a:extLst>
               <a:ext uri="{FF2B5EF4-FFF2-40B4-BE49-F238E27FC236}">
-                <a16:creationId xmlns:a16="http://schemas.microsoft.com/office/drawing/2014/main" xmlns="" id="{3E8E8225-E7B4-E598-7AEB-66BC2EF7864E}"/>
+                <a16:creationId xmlns="" xmlns:a16="http://schemas.microsoft.com/office/drawing/2014/main" id="{3E8E8225-E7B4-E598-7AEB-66BC2EF7864E}"/>
               </a:ext>
             </a:extLst>
           </p:cNvPr>
@@ -12484,7 +12498,7 @@
           <p:cNvPr id="31" name="箭头: 五边形 30">
             <a:extLst>
               <a:ext uri="{FF2B5EF4-FFF2-40B4-BE49-F238E27FC236}">
-                <a16:creationId xmlns:a16="http://schemas.microsoft.com/office/drawing/2014/main" xmlns="" id="{4B9E0D9B-D17E-69E7-1F9A-99DE7710B7A1}"/>
+                <a16:creationId xmlns="" xmlns:a16="http://schemas.microsoft.com/office/drawing/2014/main" id="{4B9E0D9B-D17E-69E7-1F9A-99DE7710B7A1}"/>
               </a:ext>
             </a:extLst>
           </p:cNvPr>
@@ -12531,7 +12545,7 @@
           <p:cNvPr id="33" name="箭头: 五边形 32">
             <a:extLst>
               <a:ext uri="{FF2B5EF4-FFF2-40B4-BE49-F238E27FC236}">
-                <a16:creationId xmlns:a16="http://schemas.microsoft.com/office/drawing/2014/main" xmlns="" id="{C768AE66-F650-1A37-7440-B571549FE915}"/>
+                <a16:creationId xmlns="" xmlns:a16="http://schemas.microsoft.com/office/drawing/2014/main" id="{C768AE66-F650-1A37-7440-B571549FE915}"/>
               </a:ext>
             </a:extLst>
           </p:cNvPr>
@@ -12587,7 +12601,7 @@
           <p:cNvPr id="35" name="箭头: 五边形 34">
             <a:extLst>
               <a:ext uri="{FF2B5EF4-FFF2-40B4-BE49-F238E27FC236}">
-                <a16:creationId xmlns:a16="http://schemas.microsoft.com/office/drawing/2014/main" xmlns="" id="{FC836AD9-A293-8E3F-664B-E692D69616E5}"/>
+                <a16:creationId xmlns="" xmlns:a16="http://schemas.microsoft.com/office/drawing/2014/main" id="{FC836AD9-A293-8E3F-664B-E692D69616E5}"/>
               </a:ext>
             </a:extLst>
           </p:cNvPr>
@@ -12643,7 +12657,7 @@
           <p:cNvPr id="37" name="箭头: 五边形 36">
             <a:extLst>
               <a:ext uri="{FF2B5EF4-FFF2-40B4-BE49-F238E27FC236}">
-                <a16:creationId xmlns:a16="http://schemas.microsoft.com/office/drawing/2014/main" xmlns="" id="{05ECD475-37EE-63E8-E9E5-EF81A4619214}"/>
+                <a16:creationId xmlns="" xmlns:a16="http://schemas.microsoft.com/office/drawing/2014/main" id="{05ECD475-37EE-63E8-E9E5-EF81A4619214}"/>
               </a:ext>
             </a:extLst>
           </p:cNvPr>
@@ -12690,7 +12704,7 @@
           <p:cNvPr id="30" name="Google Shape;75;p14">
             <a:extLst>
               <a:ext uri="{FF2B5EF4-FFF2-40B4-BE49-F238E27FC236}">
-                <a16:creationId xmlns:a16="http://schemas.microsoft.com/office/drawing/2014/main" xmlns="" id="{E8CD191A-BC20-B4B9-0F77-A770F7BFAC28}"/>
+                <a16:creationId xmlns="" xmlns:a16="http://schemas.microsoft.com/office/drawing/2014/main" id="{E8CD191A-BC20-B4B9-0F77-A770F7BFAC28}"/>
               </a:ext>
             </a:extLst>
           </p:cNvPr>
@@ -12724,7 +12738,7 @@
           <p:cNvPr id="36" name="Google Shape;77;p14">
             <a:extLst>
               <a:ext uri="{FF2B5EF4-FFF2-40B4-BE49-F238E27FC236}">
-                <a16:creationId xmlns:a16="http://schemas.microsoft.com/office/drawing/2014/main" xmlns="" id="{D2A03513-860E-AEB3-C60B-B28086582A81}"/>
+                <a16:creationId xmlns="" xmlns:a16="http://schemas.microsoft.com/office/drawing/2014/main" id="{D2A03513-860E-AEB3-C60B-B28086582A81}"/>
               </a:ext>
             </a:extLst>
           </p:cNvPr>
@@ -12758,7 +12772,7 @@
           <p:cNvPr id="40" name="Google Shape;78;p14">
             <a:extLst>
               <a:ext uri="{FF2B5EF4-FFF2-40B4-BE49-F238E27FC236}">
-                <a16:creationId xmlns:a16="http://schemas.microsoft.com/office/drawing/2014/main" xmlns="" id="{4192ED35-AB80-8468-99E1-C9A9BDA8A7D3}"/>
+                <a16:creationId xmlns="" xmlns:a16="http://schemas.microsoft.com/office/drawing/2014/main" id="{4192ED35-AB80-8468-99E1-C9A9BDA8A7D3}"/>
               </a:ext>
             </a:extLst>
           </p:cNvPr>
@@ -12792,7 +12806,7 @@
           <p:cNvPr id="41" name="Google Shape;81;p14">
             <a:extLst>
               <a:ext uri="{FF2B5EF4-FFF2-40B4-BE49-F238E27FC236}">
-                <a16:creationId xmlns:a16="http://schemas.microsoft.com/office/drawing/2014/main" xmlns="" id="{C0FC87F9-1543-0D73-36B0-9CD905C3E530}"/>
+                <a16:creationId xmlns="" xmlns:a16="http://schemas.microsoft.com/office/drawing/2014/main" id="{C0FC87F9-1543-0D73-36B0-9CD905C3E530}"/>
               </a:ext>
             </a:extLst>
           </p:cNvPr>
@@ -12826,7 +12840,7 @@
           <p:cNvPr id="42" name="箭头: 五边形 41">
             <a:extLst>
               <a:ext uri="{FF2B5EF4-FFF2-40B4-BE49-F238E27FC236}">
-                <a16:creationId xmlns:a16="http://schemas.microsoft.com/office/drawing/2014/main" xmlns="" id="{7EBEF984-F98B-ADD1-3CDC-6AB1174A8D83}"/>
+                <a16:creationId xmlns="" xmlns:a16="http://schemas.microsoft.com/office/drawing/2014/main" id="{7EBEF984-F98B-ADD1-3CDC-6AB1174A8D83}"/>
               </a:ext>
             </a:extLst>
           </p:cNvPr>
@@ -12882,7 +12896,7 @@
           <p:cNvPr id="43" name="箭头: 五边形 42">
             <a:extLst>
               <a:ext uri="{FF2B5EF4-FFF2-40B4-BE49-F238E27FC236}">
-                <a16:creationId xmlns:a16="http://schemas.microsoft.com/office/drawing/2014/main" xmlns="" id="{35BD309B-9ECD-3FBE-FBC4-1E1A07BE57C7}"/>
+                <a16:creationId xmlns="" xmlns:a16="http://schemas.microsoft.com/office/drawing/2014/main" id="{35BD309B-9ECD-3FBE-FBC4-1E1A07BE57C7}"/>
               </a:ext>
             </a:extLst>
           </p:cNvPr>
@@ -12938,7 +12952,7 @@
           <p:cNvPr id="44" name="箭头: 五边形 43">
             <a:extLst>
               <a:ext uri="{FF2B5EF4-FFF2-40B4-BE49-F238E27FC236}">
-                <a16:creationId xmlns:a16="http://schemas.microsoft.com/office/drawing/2014/main" xmlns="" id="{15FD29AB-A713-CB93-D601-DC1B84060FE1}"/>
+                <a16:creationId xmlns="" xmlns:a16="http://schemas.microsoft.com/office/drawing/2014/main" id="{15FD29AB-A713-CB93-D601-DC1B84060FE1}"/>
               </a:ext>
             </a:extLst>
           </p:cNvPr>
@@ -12985,7 +12999,7 @@
           <p:cNvPr id="45" name="箭头: 五边形 44">
             <a:extLst>
               <a:ext uri="{FF2B5EF4-FFF2-40B4-BE49-F238E27FC236}">
-                <a16:creationId xmlns:a16="http://schemas.microsoft.com/office/drawing/2014/main" xmlns="" id="{985479B4-7D41-B26B-85E4-9E2F0030D890}"/>
+                <a16:creationId xmlns="" xmlns:a16="http://schemas.microsoft.com/office/drawing/2014/main" id="{985479B4-7D41-B26B-85E4-9E2F0030D890}"/>
               </a:ext>
             </a:extLst>
           </p:cNvPr>
@@ -14201,7 +14215,7 @@
           <p:cNvPr id="41" name="椭圆 40">
             <a:extLst>
               <a:ext uri="{FF2B5EF4-FFF2-40B4-BE49-F238E27FC236}">
-                <a16:creationId xmlns:a16="http://schemas.microsoft.com/office/drawing/2014/main" xmlns="" id="{94C17F89-4022-3282-1B5A-F455F1578F55}"/>
+                <a16:creationId xmlns="" xmlns:a16="http://schemas.microsoft.com/office/drawing/2014/main" id="{94C17F89-4022-3282-1B5A-F455F1578F55}"/>
               </a:ext>
             </a:extLst>
           </p:cNvPr>
@@ -14253,7 +14267,7 @@
           <p:cNvPr id="42" name="Google Shape;85;p14">
             <a:extLst>
               <a:ext uri="{FF2B5EF4-FFF2-40B4-BE49-F238E27FC236}">
-                <a16:creationId xmlns:a16="http://schemas.microsoft.com/office/drawing/2014/main" xmlns="" id="{09D17530-BFD0-53F3-E337-2F4C46CDEEBD}"/>
+                <a16:creationId xmlns="" xmlns:a16="http://schemas.microsoft.com/office/drawing/2014/main" id="{09D17530-BFD0-53F3-E337-2F4C46CDEEBD}"/>
               </a:ext>
             </a:extLst>
           </p:cNvPr>
@@ -14319,7 +14333,7 @@
           <p:cNvPr id="2" name="标题 1">
             <a:extLst>
               <a:ext uri="{FF2B5EF4-FFF2-40B4-BE49-F238E27FC236}">
-                <a16:creationId xmlns:a16="http://schemas.microsoft.com/office/drawing/2014/main" xmlns="" id="{80796E82-7314-2FBE-2DE8-DDD70D4DF27E}"/>
+                <a16:creationId xmlns="" xmlns:a16="http://schemas.microsoft.com/office/drawing/2014/main" id="{80796E82-7314-2FBE-2DE8-DDD70D4DF27E}"/>
               </a:ext>
             </a:extLst>
           </p:cNvPr>
@@ -14368,7 +14382,7 @@
           <p:cNvPr id="5" name="椭圆 4">
             <a:extLst>
               <a:ext uri="{FF2B5EF4-FFF2-40B4-BE49-F238E27FC236}">
-                <a16:creationId xmlns:a16="http://schemas.microsoft.com/office/drawing/2014/main" xmlns="" id="{A020CC41-9901-5A10-06D8-1F19650A3A6A}"/>
+                <a16:creationId xmlns="" xmlns:a16="http://schemas.microsoft.com/office/drawing/2014/main" id="{A020CC41-9901-5A10-06D8-1F19650A3A6A}"/>
               </a:ext>
             </a:extLst>
           </p:cNvPr>
@@ -14420,7 +14434,7 @@
           <p:cNvPr id="19" name="Google Shape;73;p14">
             <a:extLst>
               <a:ext uri="{FF2B5EF4-FFF2-40B4-BE49-F238E27FC236}">
-                <a16:creationId xmlns:a16="http://schemas.microsoft.com/office/drawing/2014/main" xmlns="" id="{3442D827-BE6F-DFBF-3B15-223B2753D9E9}"/>
+                <a16:creationId xmlns="" xmlns:a16="http://schemas.microsoft.com/office/drawing/2014/main" id="{3442D827-BE6F-DFBF-3B15-223B2753D9E9}"/>
               </a:ext>
             </a:extLst>
           </p:cNvPr>
@@ -14454,7 +14468,7 @@
           <p:cNvPr id="4" name="文本框 3">
             <a:extLst>
               <a:ext uri="{FF2B5EF4-FFF2-40B4-BE49-F238E27FC236}">
-                <a16:creationId xmlns:a16="http://schemas.microsoft.com/office/drawing/2014/main" xmlns="" id="{3E8E8225-E7B4-E598-7AEB-66BC2EF7864E}"/>
+                <a16:creationId xmlns="" xmlns:a16="http://schemas.microsoft.com/office/drawing/2014/main" id="{3E8E8225-E7B4-E598-7AEB-66BC2EF7864E}"/>
               </a:ext>
             </a:extLst>
           </p:cNvPr>
@@ -14494,7 +14508,7 @@
           <p:cNvPr id="32" name="椭圆 31">
             <a:extLst>
               <a:ext uri="{FF2B5EF4-FFF2-40B4-BE49-F238E27FC236}">
-                <a16:creationId xmlns:a16="http://schemas.microsoft.com/office/drawing/2014/main" xmlns="" id="{7C1E3AD7-2822-E440-E62A-F1A4C70A8067}"/>
+                <a16:creationId xmlns="" xmlns:a16="http://schemas.microsoft.com/office/drawing/2014/main" id="{7C1E3AD7-2822-E440-E62A-F1A4C70A8067}"/>
               </a:ext>
             </a:extLst>
           </p:cNvPr>
@@ -14550,7 +14564,7 @@
           <p:cNvPr id="34" name="椭圆 33">
             <a:extLst>
               <a:ext uri="{FF2B5EF4-FFF2-40B4-BE49-F238E27FC236}">
-                <a16:creationId xmlns:a16="http://schemas.microsoft.com/office/drawing/2014/main" xmlns="" id="{C692896F-F031-2107-F5D8-57735A94BD39}"/>
+                <a16:creationId xmlns="" xmlns:a16="http://schemas.microsoft.com/office/drawing/2014/main" id="{C692896F-F031-2107-F5D8-57735A94BD39}"/>
               </a:ext>
             </a:extLst>
           </p:cNvPr>
@@ -14606,7 +14620,7 @@
           <p:cNvPr id="38" name="椭圆 37">
             <a:extLst>
               <a:ext uri="{FF2B5EF4-FFF2-40B4-BE49-F238E27FC236}">
-                <a16:creationId xmlns:a16="http://schemas.microsoft.com/office/drawing/2014/main" xmlns="" id="{E7E11154-FE44-F1B3-5655-92B62D92F525}"/>
+                <a16:creationId xmlns="" xmlns:a16="http://schemas.microsoft.com/office/drawing/2014/main" id="{E7E11154-FE44-F1B3-5655-92B62D92F525}"/>
               </a:ext>
             </a:extLst>
           </p:cNvPr>
@@ -14666,7 +14680,7 @@
           <p:cNvPr id="39" name="椭圆 38">
             <a:extLst>
               <a:ext uri="{FF2B5EF4-FFF2-40B4-BE49-F238E27FC236}">
-                <a16:creationId xmlns:a16="http://schemas.microsoft.com/office/drawing/2014/main" xmlns="" id="{5A744988-2ECB-D75A-B760-C02F9B2F609B}"/>
+                <a16:creationId xmlns="" xmlns:a16="http://schemas.microsoft.com/office/drawing/2014/main" id="{5A744988-2ECB-D75A-B760-C02F9B2F609B}"/>
               </a:ext>
             </a:extLst>
           </p:cNvPr>
@@ -14726,7 +14740,7 @@
           <p:cNvPr id="6" name="Google Shape;74;p14">
             <a:extLst>
               <a:ext uri="{FF2B5EF4-FFF2-40B4-BE49-F238E27FC236}">
-                <a16:creationId xmlns:a16="http://schemas.microsoft.com/office/drawing/2014/main" xmlns="" id="{8ABB2948-CF7D-7BD6-14B8-367574244CB2}"/>
+                <a16:creationId xmlns="" xmlns:a16="http://schemas.microsoft.com/office/drawing/2014/main" id="{8ABB2948-CF7D-7BD6-14B8-367574244CB2}"/>
               </a:ext>
             </a:extLst>
           </p:cNvPr>
@@ -14760,7 +14774,7 @@
           <p:cNvPr id="8" name="Google Shape;76;p14">
             <a:extLst>
               <a:ext uri="{FF2B5EF4-FFF2-40B4-BE49-F238E27FC236}">
-                <a16:creationId xmlns:a16="http://schemas.microsoft.com/office/drawing/2014/main" xmlns="" id="{A0604560-830C-4AC9-3717-031AA48B5D45}"/>
+                <a16:creationId xmlns="" xmlns:a16="http://schemas.microsoft.com/office/drawing/2014/main" id="{A0604560-830C-4AC9-3717-031AA48B5D45}"/>
               </a:ext>
             </a:extLst>
           </p:cNvPr>
@@ -14794,7 +14808,7 @@
           <p:cNvPr id="11" name="Google Shape;79;p14">
             <a:extLst>
               <a:ext uri="{FF2B5EF4-FFF2-40B4-BE49-F238E27FC236}">
-                <a16:creationId xmlns:a16="http://schemas.microsoft.com/office/drawing/2014/main" xmlns="" id="{0DAE55E6-D474-C395-BC84-8ACA3CE820A0}"/>
+                <a16:creationId xmlns="" xmlns:a16="http://schemas.microsoft.com/office/drawing/2014/main" id="{0DAE55E6-D474-C395-BC84-8ACA3CE820A0}"/>
               </a:ext>
             </a:extLst>
           </p:cNvPr>
@@ -14828,7 +14842,7 @@
           <p:cNvPr id="12" name="Google Shape;80;p14">
             <a:extLst>
               <a:ext uri="{FF2B5EF4-FFF2-40B4-BE49-F238E27FC236}">
-                <a16:creationId xmlns:a16="http://schemas.microsoft.com/office/drawing/2014/main" xmlns="" id="{3A5AAC50-9F06-A76F-B20B-35CF3612E825}"/>
+                <a16:creationId xmlns="" xmlns:a16="http://schemas.microsoft.com/office/drawing/2014/main" id="{3A5AAC50-9F06-A76F-B20B-35CF3612E825}"/>
               </a:ext>
             </a:extLst>
           </p:cNvPr>
@@ -14862,7 +14876,7 @@
           <p:cNvPr id="31" name="箭头: 五边形 30">
             <a:extLst>
               <a:ext uri="{FF2B5EF4-FFF2-40B4-BE49-F238E27FC236}">
-                <a16:creationId xmlns:a16="http://schemas.microsoft.com/office/drawing/2014/main" xmlns="" id="{4B9E0D9B-D17E-69E7-1F9A-99DE7710B7A1}"/>
+                <a16:creationId xmlns="" xmlns:a16="http://schemas.microsoft.com/office/drawing/2014/main" id="{4B9E0D9B-D17E-69E7-1F9A-99DE7710B7A1}"/>
               </a:ext>
             </a:extLst>
           </p:cNvPr>
@@ -14909,7 +14923,7 @@
           <p:cNvPr id="33" name="箭头: 五边形 32">
             <a:extLst>
               <a:ext uri="{FF2B5EF4-FFF2-40B4-BE49-F238E27FC236}">
-                <a16:creationId xmlns:a16="http://schemas.microsoft.com/office/drawing/2014/main" xmlns="" id="{C768AE66-F650-1A37-7440-B571549FE915}"/>
+                <a16:creationId xmlns="" xmlns:a16="http://schemas.microsoft.com/office/drawing/2014/main" id="{C768AE66-F650-1A37-7440-B571549FE915}"/>
               </a:ext>
             </a:extLst>
           </p:cNvPr>
@@ -14965,7 +14979,7 @@
           <p:cNvPr id="35" name="箭头: 五边形 34">
             <a:extLst>
               <a:ext uri="{FF2B5EF4-FFF2-40B4-BE49-F238E27FC236}">
-                <a16:creationId xmlns:a16="http://schemas.microsoft.com/office/drawing/2014/main" xmlns="" id="{FC836AD9-A293-8E3F-664B-E692D69616E5}"/>
+                <a16:creationId xmlns="" xmlns:a16="http://schemas.microsoft.com/office/drawing/2014/main" id="{FC836AD9-A293-8E3F-664B-E692D69616E5}"/>
               </a:ext>
             </a:extLst>
           </p:cNvPr>
@@ -15021,7 +15035,7 @@
           <p:cNvPr id="37" name="箭头: 五边形 36">
             <a:extLst>
               <a:ext uri="{FF2B5EF4-FFF2-40B4-BE49-F238E27FC236}">
-                <a16:creationId xmlns:a16="http://schemas.microsoft.com/office/drawing/2014/main" xmlns="" id="{05ECD475-37EE-63E8-E9E5-EF81A4619214}"/>
+                <a16:creationId xmlns="" xmlns:a16="http://schemas.microsoft.com/office/drawing/2014/main" id="{05ECD475-37EE-63E8-E9E5-EF81A4619214}"/>
               </a:ext>
             </a:extLst>
           </p:cNvPr>
@@ -15068,7 +15082,7 @@
           <p:cNvPr id="30" name="Google Shape;75;p14">
             <a:extLst>
               <a:ext uri="{FF2B5EF4-FFF2-40B4-BE49-F238E27FC236}">
-                <a16:creationId xmlns:a16="http://schemas.microsoft.com/office/drawing/2014/main" xmlns="" id="{E8CD191A-BC20-B4B9-0F77-A770F7BFAC28}"/>
+                <a16:creationId xmlns="" xmlns:a16="http://schemas.microsoft.com/office/drawing/2014/main" id="{E8CD191A-BC20-B4B9-0F77-A770F7BFAC28}"/>
               </a:ext>
             </a:extLst>
           </p:cNvPr>
@@ -15102,7 +15116,7 @@
           <p:cNvPr id="36" name="Google Shape;77;p14">
             <a:extLst>
               <a:ext uri="{FF2B5EF4-FFF2-40B4-BE49-F238E27FC236}">
-                <a16:creationId xmlns:a16="http://schemas.microsoft.com/office/drawing/2014/main" xmlns="" id="{D2A03513-860E-AEB3-C60B-B28086582A81}"/>
+                <a16:creationId xmlns="" xmlns:a16="http://schemas.microsoft.com/office/drawing/2014/main" id="{D2A03513-860E-AEB3-C60B-B28086582A81}"/>
               </a:ext>
             </a:extLst>
           </p:cNvPr>
@@ -15136,7 +15150,7 @@
           <p:cNvPr id="40" name="Google Shape;78;p14">
             <a:extLst>
               <a:ext uri="{FF2B5EF4-FFF2-40B4-BE49-F238E27FC236}">
-                <a16:creationId xmlns:a16="http://schemas.microsoft.com/office/drawing/2014/main" xmlns="" id="{4192ED35-AB80-8468-99E1-C9A9BDA8A7D3}"/>
+                <a16:creationId xmlns="" xmlns:a16="http://schemas.microsoft.com/office/drawing/2014/main" id="{4192ED35-AB80-8468-99E1-C9A9BDA8A7D3}"/>
               </a:ext>
             </a:extLst>
           </p:cNvPr>
@@ -15170,7 +15184,7 @@
           <p:cNvPr id="41" name="Google Shape;81;p14">
             <a:extLst>
               <a:ext uri="{FF2B5EF4-FFF2-40B4-BE49-F238E27FC236}">
-                <a16:creationId xmlns:a16="http://schemas.microsoft.com/office/drawing/2014/main" xmlns="" id="{C0FC87F9-1543-0D73-36B0-9CD905C3E530}"/>
+                <a16:creationId xmlns="" xmlns:a16="http://schemas.microsoft.com/office/drawing/2014/main" id="{C0FC87F9-1543-0D73-36B0-9CD905C3E530}"/>
               </a:ext>
             </a:extLst>
           </p:cNvPr>
@@ -15204,7 +15218,7 @@
           <p:cNvPr id="42" name="箭头: 五边形 41">
             <a:extLst>
               <a:ext uri="{FF2B5EF4-FFF2-40B4-BE49-F238E27FC236}">
-                <a16:creationId xmlns:a16="http://schemas.microsoft.com/office/drawing/2014/main" xmlns="" id="{7EBEF984-F98B-ADD1-3CDC-6AB1174A8D83}"/>
+                <a16:creationId xmlns="" xmlns:a16="http://schemas.microsoft.com/office/drawing/2014/main" id="{7EBEF984-F98B-ADD1-3CDC-6AB1174A8D83}"/>
               </a:ext>
             </a:extLst>
           </p:cNvPr>
@@ -15260,7 +15274,7 @@
           <p:cNvPr id="43" name="箭头: 五边形 42">
             <a:extLst>
               <a:ext uri="{FF2B5EF4-FFF2-40B4-BE49-F238E27FC236}">
-                <a16:creationId xmlns:a16="http://schemas.microsoft.com/office/drawing/2014/main" xmlns="" id="{35BD309B-9ECD-3FBE-FBC4-1E1A07BE57C7}"/>
+                <a16:creationId xmlns="" xmlns:a16="http://schemas.microsoft.com/office/drawing/2014/main" id="{35BD309B-9ECD-3FBE-FBC4-1E1A07BE57C7}"/>
               </a:ext>
             </a:extLst>
           </p:cNvPr>
@@ -15316,7 +15330,7 @@
           <p:cNvPr id="44" name="箭头: 五边形 43">
             <a:extLst>
               <a:ext uri="{FF2B5EF4-FFF2-40B4-BE49-F238E27FC236}">
-                <a16:creationId xmlns:a16="http://schemas.microsoft.com/office/drawing/2014/main" xmlns="" id="{15FD29AB-A713-CB93-D601-DC1B84060FE1}"/>
+                <a16:creationId xmlns="" xmlns:a16="http://schemas.microsoft.com/office/drawing/2014/main" id="{15FD29AB-A713-CB93-D601-DC1B84060FE1}"/>
               </a:ext>
             </a:extLst>
           </p:cNvPr>
@@ -15363,7 +15377,7 @@
           <p:cNvPr id="45" name="箭头: 五边形 44">
             <a:extLst>
               <a:ext uri="{FF2B5EF4-FFF2-40B4-BE49-F238E27FC236}">
-                <a16:creationId xmlns:a16="http://schemas.microsoft.com/office/drawing/2014/main" xmlns="" id="{985479B4-7D41-B26B-85E4-9E2F0030D890}"/>
+                <a16:creationId xmlns="" xmlns:a16="http://schemas.microsoft.com/office/drawing/2014/main" id="{985479B4-7D41-B26B-85E4-9E2F0030D890}"/>
               </a:ext>
             </a:extLst>
           </p:cNvPr>
@@ -15440,7 +15454,7 @@
           <p:cNvPr id="2" name="标题 1">
             <a:extLst>
               <a:ext uri="{FF2B5EF4-FFF2-40B4-BE49-F238E27FC236}">
-                <a16:creationId xmlns:a16="http://schemas.microsoft.com/office/drawing/2014/main" xmlns="" id="{80796E82-7314-2FBE-2DE8-DDD70D4DF27E}"/>
+                <a16:creationId xmlns="" xmlns:a16="http://schemas.microsoft.com/office/drawing/2014/main" id="{80796E82-7314-2FBE-2DE8-DDD70D4DF27E}"/>
               </a:ext>
             </a:extLst>
           </p:cNvPr>
@@ -15489,7 +15503,7 @@
           <p:cNvPr id="4" name="文本框 3">
             <a:extLst>
               <a:ext uri="{FF2B5EF4-FFF2-40B4-BE49-F238E27FC236}">
-                <a16:creationId xmlns:a16="http://schemas.microsoft.com/office/drawing/2014/main" xmlns="" id="{3E8E8225-E7B4-E598-7AEB-66BC2EF7864E}"/>
+                <a16:creationId xmlns="" xmlns:a16="http://schemas.microsoft.com/office/drawing/2014/main" id="{3E8E8225-E7B4-E598-7AEB-66BC2EF7864E}"/>
               </a:ext>
             </a:extLst>
           </p:cNvPr>
@@ -15529,7 +15543,7 @@
           <p:cNvPr id="94" name="椭圆 93">
             <a:extLst>
               <a:ext uri="{FF2B5EF4-FFF2-40B4-BE49-F238E27FC236}">
-                <a16:creationId xmlns:a16="http://schemas.microsoft.com/office/drawing/2014/main" xmlns="" id="{8BEE0963-F39F-E799-5A6C-7DB2D9695EA3}"/>
+                <a16:creationId xmlns="" xmlns:a16="http://schemas.microsoft.com/office/drawing/2014/main" id="{8BEE0963-F39F-E799-5A6C-7DB2D9695EA3}"/>
               </a:ext>
             </a:extLst>
           </p:cNvPr>
@@ -15581,7 +15595,7 @@
           <p:cNvPr id="95" name="Google Shape;73;p14">
             <a:extLst>
               <a:ext uri="{FF2B5EF4-FFF2-40B4-BE49-F238E27FC236}">
-                <a16:creationId xmlns:a16="http://schemas.microsoft.com/office/drawing/2014/main" xmlns="" id="{728B4BED-4470-8B41-5F52-AEAB959AE86A}"/>
+                <a16:creationId xmlns="" xmlns:a16="http://schemas.microsoft.com/office/drawing/2014/main" id="{728B4BED-4470-8B41-5F52-AEAB959AE86A}"/>
               </a:ext>
             </a:extLst>
           </p:cNvPr>
@@ -15615,7 +15629,7 @@
           <p:cNvPr id="96" name="椭圆 95">
             <a:extLst>
               <a:ext uri="{FF2B5EF4-FFF2-40B4-BE49-F238E27FC236}">
-                <a16:creationId xmlns:a16="http://schemas.microsoft.com/office/drawing/2014/main" xmlns="" id="{AF996894-1BC8-7090-4657-FC54AE71EC7F}"/>
+                <a16:creationId xmlns="" xmlns:a16="http://schemas.microsoft.com/office/drawing/2014/main" id="{AF996894-1BC8-7090-4657-FC54AE71EC7F}"/>
               </a:ext>
             </a:extLst>
           </p:cNvPr>
@@ -15671,7 +15685,7 @@
           <p:cNvPr id="97" name="椭圆 96">
             <a:extLst>
               <a:ext uri="{FF2B5EF4-FFF2-40B4-BE49-F238E27FC236}">
-                <a16:creationId xmlns:a16="http://schemas.microsoft.com/office/drawing/2014/main" xmlns="" id="{61254F9E-C540-E155-7BDC-015D0038A8F2}"/>
+                <a16:creationId xmlns="" xmlns:a16="http://schemas.microsoft.com/office/drawing/2014/main" id="{61254F9E-C540-E155-7BDC-015D0038A8F2}"/>
               </a:ext>
             </a:extLst>
           </p:cNvPr>
@@ -15727,7 +15741,7 @@
           <p:cNvPr id="98" name="椭圆 97">
             <a:extLst>
               <a:ext uri="{FF2B5EF4-FFF2-40B4-BE49-F238E27FC236}">
-                <a16:creationId xmlns:a16="http://schemas.microsoft.com/office/drawing/2014/main" xmlns="" id="{67AC39F3-9E15-C508-9F79-5833BA9DCC7E}"/>
+                <a16:creationId xmlns="" xmlns:a16="http://schemas.microsoft.com/office/drawing/2014/main" id="{67AC39F3-9E15-C508-9F79-5833BA9DCC7E}"/>
               </a:ext>
             </a:extLst>
           </p:cNvPr>
@@ -15787,7 +15801,7 @@
           <p:cNvPr id="99" name="椭圆 98">
             <a:extLst>
               <a:ext uri="{FF2B5EF4-FFF2-40B4-BE49-F238E27FC236}">
-                <a16:creationId xmlns:a16="http://schemas.microsoft.com/office/drawing/2014/main" xmlns="" id="{7078CA09-5A9E-D1A8-A854-B30AB88523FD}"/>
+                <a16:creationId xmlns="" xmlns:a16="http://schemas.microsoft.com/office/drawing/2014/main" id="{7078CA09-5A9E-D1A8-A854-B30AB88523FD}"/>
               </a:ext>
             </a:extLst>
           </p:cNvPr>
@@ -15847,7 +15861,7 @@
           <p:cNvPr id="100" name="Google Shape;74;p14">
             <a:extLst>
               <a:ext uri="{FF2B5EF4-FFF2-40B4-BE49-F238E27FC236}">
-                <a16:creationId xmlns:a16="http://schemas.microsoft.com/office/drawing/2014/main" xmlns="" id="{2D6CB586-E89B-F20A-E516-58B36CEB1867}"/>
+                <a16:creationId xmlns="" xmlns:a16="http://schemas.microsoft.com/office/drawing/2014/main" id="{2D6CB586-E89B-F20A-E516-58B36CEB1867}"/>
               </a:ext>
             </a:extLst>
           </p:cNvPr>
@@ -15881,7 +15895,7 @@
           <p:cNvPr id="101" name="Google Shape;76;p14">
             <a:extLst>
               <a:ext uri="{FF2B5EF4-FFF2-40B4-BE49-F238E27FC236}">
-                <a16:creationId xmlns:a16="http://schemas.microsoft.com/office/drawing/2014/main" xmlns="" id="{320E54BE-9086-C596-8E30-5802E54EFB64}"/>
+                <a16:creationId xmlns="" xmlns:a16="http://schemas.microsoft.com/office/drawing/2014/main" id="{320E54BE-9086-C596-8E30-5802E54EFB64}"/>
               </a:ext>
             </a:extLst>
           </p:cNvPr>
@@ -15915,7 +15929,7 @@
           <p:cNvPr id="102" name="Google Shape;79;p14">
             <a:extLst>
               <a:ext uri="{FF2B5EF4-FFF2-40B4-BE49-F238E27FC236}">
-                <a16:creationId xmlns:a16="http://schemas.microsoft.com/office/drawing/2014/main" xmlns="" id="{2CB29429-3A6A-075E-E051-F2605E6CF72B}"/>
+                <a16:creationId xmlns="" xmlns:a16="http://schemas.microsoft.com/office/drawing/2014/main" id="{2CB29429-3A6A-075E-E051-F2605E6CF72B}"/>
               </a:ext>
             </a:extLst>
           </p:cNvPr>
@@ -15949,7 +15963,7 @@
           <p:cNvPr id="103" name="Google Shape;80;p14">
             <a:extLst>
               <a:ext uri="{FF2B5EF4-FFF2-40B4-BE49-F238E27FC236}">
-                <a16:creationId xmlns:a16="http://schemas.microsoft.com/office/drawing/2014/main" xmlns="" id="{87A8869F-6890-93EE-47C2-B6909C99470B}"/>
+                <a16:creationId xmlns="" xmlns:a16="http://schemas.microsoft.com/office/drawing/2014/main" id="{87A8869F-6890-93EE-47C2-B6909C99470B}"/>
               </a:ext>
             </a:extLst>
           </p:cNvPr>
@@ -15983,7 +15997,7 @@
           <p:cNvPr id="104" name="箭头: 五边形 103">
             <a:extLst>
               <a:ext uri="{FF2B5EF4-FFF2-40B4-BE49-F238E27FC236}">
-                <a16:creationId xmlns:a16="http://schemas.microsoft.com/office/drawing/2014/main" xmlns="" id="{FEE47AE7-C9FA-4144-87DD-8E8CA1F603A1}"/>
+                <a16:creationId xmlns="" xmlns:a16="http://schemas.microsoft.com/office/drawing/2014/main" id="{FEE47AE7-C9FA-4144-87DD-8E8CA1F603A1}"/>
               </a:ext>
             </a:extLst>
           </p:cNvPr>
@@ -16030,7 +16044,7 @@
           <p:cNvPr id="105" name="箭头: 五边形 104">
             <a:extLst>
               <a:ext uri="{FF2B5EF4-FFF2-40B4-BE49-F238E27FC236}">
-                <a16:creationId xmlns:a16="http://schemas.microsoft.com/office/drawing/2014/main" xmlns="" id="{125693EC-2137-4901-2D9F-CA02EFB6EC1C}"/>
+                <a16:creationId xmlns="" xmlns:a16="http://schemas.microsoft.com/office/drawing/2014/main" id="{125693EC-2137-4901-2D9F-CA02EFB6EC1C}"/>
               </a:ext>
             </a:extLst>
           </p:cNvPr>
@@ -16086,7 +16100,7 @@
           <p:cNvPr id="106" name="箭头: 五边形 105">
             <a:extLst>
               <a:ext uri="{FF2B5EF4-FFF2-40B4-BE49-F238E27FC236}">
-                <a16:creationId xmlns:a16="http://schemas.microsoft.com/office/drawing/2014/main" xmlns="" id="{0A75FABD-C11D-5BF2-CA28-79F84BEC2D52}"/>
+                <a16:creationId xmlns="" xmlns:a16="http://schemas.microsoft.com/office/drawing/2014/main" id="{0A75FABD-C11D-5BF2-CA28-79F84BEC2D52}"/>
               </a:ext>
             </a:extLst>
           </p:cNvPr>
@@ -16142,7 +16156,7 @@
           <p:cNvPr id="107" name="箭头: 五边形 106">
             <a:extLst>
               <a:ext uri="{FF2B5EF4-FFF2-40B4-BE49-F238E27FC236}">
-                <a16:creationId xmlns:a16="http://schemas.microsoft.com/office/drawing/2014/main" xmlns="" id="{94FFE1CA-95B6-5FB5-0E93-C32CA673CFB0}"/>
+                <a16:creationId xmlns="" xmlns:a16="http://schemas.microsoft.com/office/drawing/2014/main" id="{94FFE1CA-95B6-5FB5-0E93-C32CA673CFB0}"/>
               </a:ext>
             </a:extLst>
           </p:cNvPr>
@@ -16189,7 +16203,7 @@
           <p:cNvPr id="108" name="Google Shape;75;p14">
             <a:extLst>
               <a:ext uri="{FF2B5EF4-FFF2-40B4-BE49-F238E27FC236}">
-                <a16:creationId xmlns:a16="http://schemas.microsoft.com/office/drawing/2014/main" xmlns="" id="{C28BC135-A694-D736-05E2-392BAA6546C4}"/>
+                <a16:creationId xmlns="" xmlns:a16="http://schemas.microsoft.com/office/drawing/2014/main" id="{C28BC135-A694-D736-05E2-392BAA6546C4}"/>
               </a:ext>
             </a:extLst>
           </p:cNvPr>
@@ -16223,7 +16237,7 @@
           <p:cNvPr id="109" name="Google Shape;77;p14">
             <a:extLst>
               <a:ext uri="{FF2B5EF4-FFF2-40B4-BE49-F238E27FC236}">
-                <a16:creationId xmlns:a16="http://schemas.microsoft.com/office/drawing/2014/main" xmlns="" id="{26E64EC8-A00D-85A2-55E9-80371504FA45}"/>
+                <a16:creationId xmlns="" xmlns:a16="http://schemas.microsoft.com/office/drawing/2014/main" id="{26E64EC8-A00D-85A2-55E9-80371504FA45}"/>
               </a:ext>
             </a:extLst>
           </p:cNvPr>
@@ -16257,7 +16271,7 @@
           <p:cNvPr id="110" name="Google Shape;78;p14">
             <a:extLst>
               <a:ext uri="{FF2B5EF4-FFF2-40B4-BE49-F238E27FC236}">
-                <a16:creationId xmlns:a16="http://schemas.microsoft.com/office/drawing/2014/main" xmlns="" id="{3776E30B-813F-0863-0AAF-08F593A4A164}"/>
+                <a16:creationId xmlns="" xmlns:a16="http://schemas.microsoft.com/office/drawing/2014/main" id="{3776E30B-813F-0863-0AAF-08F593A4A164}"/>
               </a:ext>
             </a:extLst>
           </p:cNvPr>
@@ -16291,7 +16305,7 @@
           <p:cNvPr id="111" name="Google Shape;81;p14">
             <a:extLst>
               <a:ext uri="{FF2B5EF4-FFF2-40B4-BE49-F238E27FC236}">
-                <a16:creationId xmlns:a16="http://schemas.microsoft.com/office/drawing/2014/main" xmlns="" id="{4C069DC5-4186-0285-5D83-B8FFA739F050}"/>
+                <a16:creationId xmlns="" xmlns:a16="http://schemas.microsoft.com/office/drawing/2014/main" id="{4C069DC5-4186-0285-5D83-B8FFA739F050}"/>
               </a:ext>
             </a:extLst>
           </p:cNvPr>
@@ -16325,7 +16339,7 @@
           <p:cNvPr id="112" name="箭头: 五边形 111">
             <a:extLst>
               <a:ext uri="{FF2B5EF4-FFF2-40B4-BE49-F238E27FC236}">
-                <a16:creationId xmlns:a16="http://schemas.microsoft.com/office/drawing/2014/main" xmlns="" id="{7CD9D67F-B213-AAAA-9054-02755BE2146A}"/>
+                <a16:creationId xmlns="" xmlns:a16="http://schemas.microsoft.com/office/drawing/2014/main" id="{7CD9D67F-B213-AAAA-9054-02755BE2146A}"/>
               </a:ext>
             </a:extLst>
           </p:cNvPr>
@@ -16381,7 +16395,7 @@
           <p:cNvPr id="113" name="箭头: 五边形 112">
             <a:extLst>
               <a:ext uri="{FF2B5EF4-FFF2-40B4-BE49-F238E27FC236}">
-                <a16:creationId xmlns:a16="http://schemas.microsoft.com/office/drawing/2014/main" xmlns="" id="{F8AE02EB-01D9-FA19-B065-CCE211B6884B}"/>
+                <a16:creationId xmlns="" xmlns:a16="http://schemas.microsoft.com/office/drawing/2014/main" id="{F8AE02EB-01D9-FA19-B065-CCE211B6884B}"/>
               </a:ext>
             </a:extLst>
           </p:cNvPr>
@@ -16437,7 +16451,7 @@
           <p:cNvPr id="114" name="箭头: 五边形 113">
             <a:extLst>
               <a:ext uri="{FF2B5EF4-FFF2-40B4-BE49-F238E27FC236}">
-                <a16:creationId xmlns:a16="http://schemas.microsoft.com/office/drawing/2014/main" xmlns="" id="{CD3E578E-DF8A-1EA0-3438-736889E4F552}"/>
+                <a16:creationId xmlns="" xmlns:a16="http://schemas.microsoft.com/office/drawing/2014/main" id="{CD3E578E-DF8A-1EA0-3438-736889E4F552}"/>
               </a:ext>
             </a:extLst>
           </p:cNvPr>
@@ -16484,7 +16498,7 @@
           <p:cNvPr id="115" name="箭头: 五边形 114">
             <a:extLst>
               <a:ext uri="{FF2B5EF4-FFF2-40B4-BE49-F238E27FC236}">
-                <a16:creationId xmlns:a16="http://schemas.microsoft.com/office/drawing/2014/main" xmlns="" id="{F8C96D6D-C8E2-1DE1-7975-1FE461A07D04}"/>
+                <a16:creationId xmlns="" xmlns:a16="http://schemas.microsoft.com/office/drawing/2014/main" id="{F8C96D6D-C8E2-1DE1-7975-1FE461A07D04}"/>
               </a:ext>
             </a:extLst>
           </p:cNvPr>
@@ -16561,7 +16575,7 @@
           <p:cNvPr id="2" name="标题 1">
             <a:extLst>
               <a:ext uri="{FF2B5EF4-FFF2-40B4-BE49-F238E27FC236}">
-                <a16:creationId xmlns:a16="http://schemas.microsoft.com/office/drawing/2014/main" xmlns="" id="{80796E82-7314-2FBE-2DE8-DDD70D4DF27E}"/>
+                <a16:creationId xmlns="" xmlns:a16="http://schemas.microsoft.com/office/drawing/2014/main" id="{80796E82-7314-2FBE-2DE8-DDD70D4DF27E}"/>
               </a:ext>
             </a:extLst>
           </p:cNvPr>
@@ -16610,7 +16624,7 @@
           <p:cNvPr id="4" name="文本框 3">
             <a:extLst>
               <a:ext uri="{FF2B5EF4-FFF2-40B4-BE49-F238E27FC236}">
-                <a16:creationId xmlns:a16="http://schemas.microsoft.com/office/drawing/2014/main" xmlns="" id="{3E8E8225-E7B4-E598-7AEB-66BC2EF7864E}"/>
+                <a16:creationId xmlns="" xmlns:a16="http://schemas.microsoft.com/office/drawing/2014/main" id="{3E8E8225-E7B4-E598-7AEB-66BC2EF7864E}"/>
               </a:ext>
             </a:extLst>
           </p:cNvPr>
@@ -16650,7 +16664,7 @@
           <p:cNvPr id="94" name="椭圆 93">
             <a:extLst>
               <a:ext uri="{FF2B5EF4-FFF2-40B4-BE49-F238E27FC236}">
-                <a16:creationId xmlns:a16="http://schemas.microsoft.com/office/drawing/2014/main" xmlns="" id="{8BEE0963-F39F-E799-5A6C-7DB2D9695EA3}"/>
+                <a16:creationId xmlns="" xmlns:a16="http://schemas.microsoft.com/office/drawing/2014/main" id="{8BEE0963-F39F-E799-5A6C-7DB2D9695EA3}"/>
               </a:ext>
             </a:extLst>
           </p:cNvPr>
@@ -16702,7 +16716,7 @@
           <p:cNvPr id="95" name="Google Shape;73;p14">
             <a:extLst>
               <a:ext uri="{FF2B5EF4-FFF2-40B4-BE49-F238E27FC236}">
-                <a16:creationId xmlns:a16="http://schemas.microsoft.com/office/drawing/2014/main" xmlns="" id="{728B4BED-4470-8B41-5F52-AEAB959AE86A}"/>
+                <a16:creationId xmlns="" xmlns:a16="http://schemas.microsoft.com/office/drawing/2014/main" id="{728B4BED-4470-8B41-5F52-AEAB959AE86A}"/>
               </a:ext>
             </a:extLst>
           </p:cNvPr>
@@ -16736,7 +16750,7 @@
           <p:cNvPr id="100" name="Google Shape;74;p14">
             <a:extLst>
               <a:ext uri="{FF2B5EF4-FFF2-40B4-BE49-F238E27FC236}">
-                <a16:creationId xmlns:a16="http://schemas.microsoft.com/office/drawing/2014/main" xmlns="" id="{2D6CB586-E89B-F20A-E516-58B36CEB1867}"/>
+                <a16:creationId xmlns="" xmlns:a16="http://schemas.microsoft.com/office/drawing/2014/main" id="{2D6CB586-E89B-F20A-E516-58B36CEB1867}"/>
               </a:ext>
             </a:extLst>
           </p:cNvPr>
@@ -16770,7 +16784,7 @@
           <p:cNvPr id="101" name="Google Shape;76;p14">
             <a:extLst>
               <a:ext uri="{FF2B5EF4-FFF2-40B4-BE49-F238E27FC236}">
-                <a16:creationId xmlns:a16="http://schemas.microsoft.com/office/drawing/2014/main" xmlns="" id="{320E54BE-9086-C596-8E30-5802E54EFB64}"/>
+                <a16:creationId xmlns="" xmlns:a16="http://schemas.microsoft.com/office/drawing/2014/main" id="{320E54BE-9086-C596-8E30-5802E54EFB64}"/>
               </a:ext>
             </a:extLst>
           </p:cNvPr>
@@ -16804,7 +16818,7 @@
           <p:cNvPr id="102" name="Google Shape;79;p14">
             <a:extLst>
               <a:ext uri="{FF2B5EF4-FFF2-40B4-BE49-F238E27FC236}">
-                <a16:creationId xmlns:a16="http://schemas.microsoft.com/office/drawing/2014/main" xmlns="" id="{2CB29429-3A6A-075E-E051-F2605E6CF72B}"/>
+                <a16:creationId xmlns="" xmlns:a16="http://schemas.microsoft.com/office/drawing/2014/main" id="{2CB29429-3A6A-075E-E051-F2605E6CF72B}"/>
               </a:ext>
             </a:extLst>
           </p:cNvPr>
@@ -16838,7 +16852,7 @@
           <p:cNvPr id="103" name="Google Shape;80;p14">
             <a:extLst>
               <a:ext uri="{FF2B5EF4-FFF2-40B4-BE49-F238E27FC236}">
-                <a16:creationId xmlns:a16="http://schemas.microsoft.com/office/drawing/2014/main" xmlns="" id="{87A8869F-6890-93EE-47C2-B6909C99470B}"/>
+                <a16:creationId xmlns="" xmlns:a16="http://schemas.microsoft.com/office/drawing/2014/main" id="{87A8869F-6890-93EE-47C2-B6909C99470B}"/>
               </a:ext>
             </a:extLst>
           </p:cNvPr>
@@ -16872,7 +16886,7 @@
           <p:cNvPr id="104" name="箭头: 五边形 103">
             <a:extLst>
               <a:ext uri="{FF2B5EF4-FFF2-40B4-BE49-F238E27FC236}">
-                <a16:creationId xmlns:a16="http://schemas.microsoft.com/office/drawing/2014/main" xmlns="" id="{FEE47AE7-C9FA-4144-87DD-8E8CA1F603A1}"/>
+                <a16:creationId xmlns="" xmlns:a16="http://schemas.microsoft.com/office/drawing/2014/main" id="{FEE47AE7-C9FA-4144-87DD-8E8CA1F603A1}"/>
               </a:ext>
             </a:extLst>
           </p:cNvPr>
@@ -16919,7 +16933,7 @@
           <p:cNvPr id="105" name="箭头: 五边形 104">
             <a:extLst>
               <a:ext uri="{FF2B5EF4-FFF2-40B4-BE49-F238E27FC236}">
-                <a16:creationId xmlns:a16="http://schemas.microsoft.com/office/drawing/2014/main" xmlns="" id="{125693EC-2137-4901-2D9F-CA02EFB6EC1C}"/>
+                <a16:creationId xmlns="" xmlns:a16="http://schemas.microsoft.com/office/drawing/2014/main" id="{125693EC-2137-4901-2D9F-CA02EFB6EC1C}"/>
               </a:ext>
             </a:extLst>
           </p:cNvPr>
@@ -16975,7 +16989,7 @@
           <p:cNvPr id="106" name="箭头: 五边形 105">
             <a:extLst>
               <a:ext uri="{FF2B5EF4-FFF2-40B4-BE49-F238E27FC236}">
-                <a16:creationId xmlns:a16="http://schemas.microsoft.com/office/drawing/2014/main" xmlns="" id="{0A75FABD-C11D-5BF2-CA28-79F84BEC2D52}"/>
+                <a16:creationId xmlns="" xmlns:a16="http://schemas.microsoft.com/office/drawing/2014/main" id="{0A75FABD-C11D-5BF2-CA28-79F84BEC2D52}"/>
               </a:ext>
             </a:extLst>
           </p:cNvPr>
@@ -17031,7 +17045,7 @@
           <p:cNvPr id="107" name="箭头: 五边形 106">
             <a:extLst>
               <a:ext uri="{FF2B5EF4-FFF2-40B4-BE49-F238E27FC236}">
-                <a16:creationId xmlns:a16="http://schemas.microsoft.com/office/drawing/2014/main" xmlns="" id="{94FFE1CA-95B6-5FB5-0E93-C32CA673CFB0}"/>
+                <a16:creationId xmlns="" xmlns:a16="http://schemas.microsoft.com/office/drawing/2014/main" id="{94FFE1CA-95B6-5FB5-0E93-C32CA673CFB0}"/>
               </a:ext>
             </a:extLst>
           </p:cNvPr>
@@ -17078,7 +17092,7 @@
           <p:cNvPr id="108" name="Google Shape;75;p14">
             <a:extLst>
               <a:ext uri="{FF2B5EF4-FFF2-40B4-BE49-F238E27FC236}">
-                <a16:creationId xmlns:a16="http://schemas.microsoft.com/office/drawing/2014/main" xmlns="" id="{C28BC135-A694-D736-05E2-392BAA6546C4}"/>
+                <a16:creationId xmlns="" xmlns:a16="http://schemas.microsoft.com/office/drawing/2014/main" id="{C28BC135-A694-D736-05E2-392BAA6546C4}"/>
               </a:ext>
             </a:extLst>
           </p:cNvPr>
@@ -17112,7 +17126,7 @@
           <p:cNvPr id="109" name="Google Shape;77;p14">
             <a:extLst>
               <a:ext uri="{FF2B5EF4-FFF2-40B4-BE49-F238E27FC236}">
-                <a16:creationId xmlns:a16="http://schemas.microsoft.com/office/drawing/2014/main" xmlns="" id="{26E64EC8-A00D-85A2-55E9-80371504FA45}"/>
+                <a16:creationId xmlns="" xmlns:a16="http://schemas.microsoft.com/office/drawing/2014/main" id="{26E64EC8-A00D-85A2-55E9-80371504FA45}"/>
               </a:ext>
             </a:extLst>
           </p:cNvPr>
@@ -17146,7 +17160,7 @@
           <p:cNvPr id="110" name="Google Shape;78;p14">
             <a:extLst>
               <a:ext uri="{FF2B5EF4-FFF2-40B4-BE49-F238E27FC236}">
-                <a16:creationId xmlns:a16="http://schemas.microsoft.com/office/drawing/2014/main" xmlns="" id="{3776E30B-813F-0863-0AAF-08F593A4A164}"/>
+                <a16:creationId xmlns="" xmlns:a16="http://schemas.microsoft.com/office/drawing/2014/main" id="{3776E30B-813F-0863-0AAF-08F593A4A164}"/>
               </a:ext>
             </a:extLst>
           </p:cNvPr>
@@ -17180,7 +17194,7 @@
           <p:cNvPr id="111" name="Google Shape;81;p14">
             <a:extLst>
               <a:ext uri="{FF2B5EF4-FFF2-40B4-BE49-F238E27FC236}">
-                <a16:creationId xmlns:a16="http://schemas.microsoft.com/office/drawing/2014/main" xmlns="" id="{4C069DC5-4186-0285-5D83-B8FFA739F050}"/>
+                <a16:creationId xmlns="" xmlns:a16="http://schemas.microsoft.com/office/drawing/2014/main" id="{4C069DC5-4186-0285-5D83-B8FFA739F050}"/>
               </a:ext>
             </a:extLst>
           </p:cNvPr>
@@ -17214,7 +17228,7 @@
           <p:cNvPr id="112" name="箭头: 五边形 111">
             <a:extLst>
               <a:ext uri="{FF2B5EF4-FFF2-40B4-BE49-F238E27FC236}">
-                <a16:creationId xmlns:a16="http://schemas.microsoft.com/office/drawing/2014/main" xmlns="" id="{7CD9D67F-B213-AAAA-9054-02755BE2146A}"/>
+                <a16:creationId xmlns="" xmlns:a16="http://schemas.microsoft.com/office/drawing/2014/main" id="{7CD9D67F-B213-AAAA-9054-02755BE2146A}"/>
               </a:ext>
             </a:extLst>
           </p:cNvPr>
@@ -17270,7 +17284,7 @@
           <p:cNvPr id="113" name="箭头: 五边形 112">
             <a:extLst>
               <a:ext uri="{FF2B5EF4-FFF2-40B4-BE49-F238E27FC236}">
-                <a16:creationId xmlns:a16="http://schemas.microsoft.com/office/drawing/2014/main" xmlns="" id="{F8AE02EB-01D9-FA19-B065-CCE211B6884B}"/>
+                <a16:creationId xmlns="" xmlns:a16="http://schemas.microsoft.com/office/drawing/2014/main" id="{F8AE02EB-01D9-FA19-B065-CCE211B6884B}"/>
               </a:ext>
             </a:extLst>
           </p:cNvPr>
@@ -17326,7 +17340,7 @@
           <p:cNvPr id="114" name="箭头: 五边形 113">
             <a:extLst>
               <a:ext uri="{FF2B5EF4-FFF2-40B4-BE49-F238E27FC236}">
-                <a16:creationId xmlns:a16="http://schemas.microsoft.com/office/drawing/2014/main" xmlns="" id="{CD3E578E-DF8A-1EA0-3438-736889E4F552}"/>
+                <a16:creationId xmlns="" xmlns:a16="http://schemas.microsoft.com/office/drawing/2014/main" id="{CD3E578E-DF8A-1EA0-3438-736889E4F552}"/>
               </a:ext>
             </a:extLst>
           </p:cNvPr>
@@ -17373,7 +17387,7 @@
           <p:cNvPr id="115" name="箭头: 五边形 114">
             <a:extLst>
               <a:ext uri="{FF2B5EF4-FFF2-40B4-BE49-F238E27FC236}">
-                <a16:creationId xmlns:a16="http://schemas.microsoft.com/office/drawing/2014/main" xmlns="" id="{F8C96D6D-C8E2-1DE1-7975-1FE461A07D04}"/>
+                <a16:creationId xmlns="" xmlns:a16="http://schemas.microsoft.com/office/drawing/2014/main" id="{F8C96D6D-C8E2-1DE1-7975-1FE461A07D04}"/>
               </a:ext>
             </a:extLst>
           </p:cNvPr>
@@ -17450,7 +17464,7 @@
           <p:cNvPr id="2" name="标题 1">
             <a:extLst>
               <a:ext uri="{FF2B5EF4-FFF2-40B4-BE49-F238E27FC236}">
-                <a16:creationId xmlns:a16="http://schemas.microsoft.com/office/drawing/2014/main" xmlns="" id="{80796E82-7314-2FBE-2DE8-DDD70D4DF27E}"/>
+                <a16:creationId xmlns="" xmlns:a16="http://schemas.microsoft.com/office/drawing/2014/main" id="{80796E82-7314-2FBE-2DE8-DDD70D4DF27E}"/>
               </a:ext>
             </a:extLst>
           </p:cNvPr>
@@ -17499,7 +17513,7 @@
           <p:cNvPr id="4" name="文本框 3">
             <a:extLst>
               <a:ext uri="{FF2B5EF4-FFF2-40B4-BE49-F238E27FC236}">
-                <a16:creationId xmlns:a16="http://schemas.microsoft.com/office/drawing/2014/main" xmlns="" id="{3E8E8225-E7B4-E598-7AEB-66BC2EF7864E}"/>
+                <a16:creationId xmlns="" xmlns:a16="http://schemas.microsoft.com/office/drawing/2014/main" id="{3E8E8225-E7B4-E598-7AEB-66BC2EF7864E}"/>
               </a:ext>
             </a:extLst>
           </p:cNvPr>
@@ -17539,7 +17553,7 @@
           <p:cNvPr id="94" name="椭圆 93">
             <a:extLst>
               <a:ext uri="{FF2B5EF4-FFF2-40B4-BE49-F238E27FC236}">
-                <a16:creationId xmlns:a16="http://schemas.microsoft.com/office/drawing/2014/main" xmlns="" id="{8BEE0963-F39F-E799-5A6C-7DB2D9695EA3}"/>
+                <a16:creationId xmlns="" xmlns:a16="http://schemas.microsoft.com/office/drawing/2014/main" id="{8BEE0963-F39F-E799-5A6C-7DB2D9695EA3}"/>
               </a:ext>
             </a:extLst>
           </p:cNvPr>
@@ -17591,7 +17605,7 @@
           <p:cNvPr id="95" name="Google Shape;73;p14">
             <a:extLst>
               <a:ext uri="{FF2B5EF4-FFF2-40B4-BE49-F238E27FC236}">
-                <a16:creationId xmlns:a16="http://schemas.microsoft.com/office/drawing/2014/main" xmlns="" id="{728B4BED-4470-8B41-5F52-AEAB959AE86A}"/>
+                <a16:creationId xmlns="" xmlns:a16="http://schemas.microsoft.com/office/drawing/2014/main" id="{728B4BED-4470-8B41-5F52-AEAB959AE86A}"/>
               </a:ext>
             </a:extLst>
           </p:cNvPr>
@@ -17625,7 +17639,7 @@
           <p:cNvPr id="23" name="椭圆 22">
             <a:extLst>
               <a:ext uri="{FF2B5EF4-FFF2-40B4-BE49-F238E27FC236}">
-                <a16:creationId xmlns:a16="http://schemas.microsoft.com/office/drawing/2014/main" xmlns="" id="{824F6C0B-F2BF-8F57-435A-24EF38F1CED2}"/>
+                <a16:creationId xmlns="" xmlns:a16="http://schemas.microsoft.com/office/drawing/2014/main" id="{824F6C0B-F2BF-8F57-435A-24EF38F1CED2}"/>
               </a:ext>
             </a:extLst>
           </p:cNvPr>
@@ -17681,7 +17695,7 @@
           <p:cNvPr id="24" name="椭圆 23">
             <a:extLst>
               <a:ext uri="{FF2B5EF4-FFF2-40B4-BE49-F238E27FC236}">
-                <a16:creationId xmlns:a16="http://schemas.microsoft.com/office/drawing/2014/main" xmlns="" id="{180D6603-04FC-C694-538B-19D759A53C63}"/>
+                <a16:creationId xmlns="" xmlns:a16="http://schemas.microsoft.com/office/drawing/2014/main" id="{180D6603-04FC-C694-538B-19D759A53C63}"/>
               </a:ext>
             </a:extLst>
           </p:cNvPr>
@@ -17741,7 +17755,7 @@
           <p:cNvPr id="100" name="Google Shape;74;p14">
             <a:extLst>
               <a:ext uri="{FF2B5EF4-FFF2-40B4-BE49-F238E27FC236}">
-                <a16:creationId xmlns:a16="http://schemas.microsoft.com/office/drawing/2014/main" xmlns="" id="{2D6CB586-E89B-F20A-E516-58B36CEB1867}"/>
+                <a16:creationId xmlns="" xmlns:a16="http://schemas.microsoft.com/office/drawing/2014/main" id="{2D6CB586-E89B-F20A-E516-58B36CEB1867}"/>
               </a:ext>
             </a:extLst>
           </p:cNvPr>
@@ -17775,7 +17789,7 @@
           <p:cNvPr id="101" name="Google Shape;76;p14">
             <a:extLst>
               <a:ext uri="{FF2B5EF4-FFF2-40B4-BE49-F238E27FC236}">
-                <a16:creationId xmlns:a16="http://schemas.microsoft.com/office/drawing/2014/main" xmlns="" id="{320E54BE-9086-C596-8E30-5802E54EFB64}"/>
+                <a16:creationId xmlns="" xmlns:a16="http://schemas.microsoft.com/office/drawing/2014/main" id="{320E54BE-9086-C596-8E30-5802E54EFB64}"/>
               </a:ext>
             </a:extLst>
           </p:cNvPr>
@@ -17809,7 +17823,7 @@
           <p:cNvPr id="102" name="Google Shape;79;p14">
             <a:extLst>
               <a:ext uri="{FF2B5EF4-FFF2-40B4-BE49-F238E27FC236}">
-                <a16:creationId xmlns:a16="http://schemas.microsoft.com/office/drawing/2014/main" xmlns="" id="{2CB29429-3A6A-075E-E051-F2605E6CF72B}"/>
+                <a16:creationId xmlns="" xmlns:a16="http://schemas.microsoft.com/office/drawing/2014/main" id="{2CB29429-3A6A-075E-E051-F2605E6CF72B}"/>
               </a:ext>
             </a:extLst>
           </p:cNvPr>
@@ -17843,7 +17857,7 @@
           <p:cNvPr id="103" name="Google Shape;80;p14">
             <a:extLst>
               <a:ext uri="{FF2B5EF4-FFF2-40B4-BE49-F238E27FC236}">
-                <a16:creationId xmlns:a16="http://schemas.microsoft.com/office/drawing/2014/main" xmlns="" id="{87A8869F-6890-93EE-47C2-B6909C99470B}"/>
+                <a16:creationId xmlns="" xmlns:a16="http://schemas.microsoft.com/office/drawing/2014/main" id="{87A8869F-6890-93EE-47C2-B6909C99470B}"/>
               </a:ext>
             </a:extLst>
           </p:cNvPr>
@@ -17877,7 +17891,7 @@
           <p:cNvPr id="104" name="箭头: 五边形 103">
             <a:extLst>
               <a:ext uri="{FF2B5EF4-FFF2-40B4-BE49-F238E27FC236}">
-                <a16:creationId xmlns:a16="http://schemas.microsoft.com/office/drawing/2014/main" xmlns="" id="{FEE47AE7-C9FA-4144-87DD-8E8CA1F603A1}"/>
+                <a16:creationId xmlns="" xmlns:a16="http://schemas.microsoft.com/office/drawing/2014/main" id="{FEE47AE7-C9FA-4144-87DD-8E8CA1F603A1}"/>
               </a:ext>
             </a:extLst>
           </p:cNvPr>
@@ -17924,7 +17938,7 @@
           <p:cNvPr id="105" name="箭头: 五边形 104">
             <a:extLst>
               <a:ext uri="{FF2B5EF4-FFF2-40B4-BE49-F238E27FC236}">
-                <a16:creationId xmlns:a16="http://schemas.microsoft.com/office/drawing/2014/main" xmlns="" id="{125693EC-2137-4901-2D9F-CA02EFB6EC1C}"/>
+                <a16:creationId xmlns="" xmlns:a16="http://schemas.microsoft.com/office/drawing/2014/main" id="{125693EC-2137-4901-2D9F-CA02EFB6EC1C}"/>
               </a:ext>
             </a:extLst>
           </p:cNvPr>
@@ -17980,7 +17994,7 @@
           <p:cNvPr id="106" name="箭头: 五边形 105">
             <a:extLst>
               <a:ext uri="{FF2B5EF4-FFF2-40B4-BE49-F238E27FC236}">
-                <a16:creationId xmlns:a16="http://schemas.microsoft.com/office/drawing/2014/main" xmlns="" id="{0A75FABD-C11D-5BF2-CA28-79F84BEC2D52}"/>
+                <a16:creationId xmlns="" xmlns:a16="http://schemas.microsoft.com/office/drawing/2014/main" id="{0A75FABD-C11D-5BF2-CA28-79F84BEC2D52}"/>
               </a:ext>
             </a:extLst>
           </p:cNvPr>
@@ -18036,7 +18050,7 @@
           <p:cNvPr id="107" name="箭头: 五边形 106">
             <a:extLst>
               <a:ext uri="{FF2B5EF4-FFF2-40B4-BE49-F238E27FC236}">
-                <a16:creationId xmlns:a16="http://schemas.microsoft.com/office/drawing/2014/main" xmlns="" id="{94FFE1CA-95B6-5FB5-0E93-C32CA673CFB0}"/>
+                <a16:creationId xmlns="" xmlns:a16="http://schemas.microsoft.com/office/drawing/2014/main" id="{94FFE1CA-95B6-5FB5-0E93-C32CA673CFB0}"/>
               </a:ext>
             </a:extLst>
           </p:cNvPr>
@@ -18083,7 +18097,7 @@
           <p:cNvPr id="108" name="Google Shape;75;p14">
             <a:extLst>
               <a:ext uri="{FF2B5EF4-FFF2-40B4-BE49-F238E27FC236}">
-                <a16:creationId xmlns:a16="http://schemas.microsoft.com/office/drawing/2014/main" xmlns="" id="{C28BC135-A694-D736-05E2-392BAA6546C4}"/>
+                <a16:creationId xmlns="" xmlns:a16="http://schemas.microsoft.com/office/drawing/2014/main" id="{C28BC135-A694-D736-05E2-392BAA6546C4}"/>
               </a:ext>
             </a:extLst>
           </p:cNvPr>
@@ -18117,7 +18131,7 @@
           <p:cNvPr id="109" name="Google Shape;77;p14">
             <a:extLst>
               <a:ext uri="{FF2B5EF4-FFF2-40B4-BE49-F238E27FC236}">
-                <a16:creationId xmlns:a16="http://schemas.microsoft.com/office/drawing/2014/main" xmlns="" id="{26E64EC8-A00D-85A2-55E9-80371504FA45}"/>
+                <a16:creationId xmlns="" xmlns:a16="http://schemas.microsoft.com/office/drawing/2014/main" id="{26E64EC8-A00D-85A2-55E9-80371504FA45}"/>
               </a:ext>
             </a:extLst>
           </p:cNvPr>
@@ -18151,7 +18165,7 @@
           <p:cNvPr id="110" name="Google Shape;78;p14">
             <a:extLst>
               <a:ext uri="{FF2B5EF4-FFF2-40B4-BE49-F238E27FC236}">
-                <a16:creationId xmlns:a16="http://schemas.microsoft.com/office/drawing/2014/main" xmlns="" id="{3776E30B-813F-0863-0AAF-08F593A4A164}"/>
+                <a16:creationId xmlns="" xmlns:a16="http://schemas.microsoft.com/office/drawing/2014/main" id="{3776E30B-813F-0863-0AAF-08F593A4A164}"/>
               </a:ext>
             </a:extLst>
           </p:cNvPr>
@@ -18185,7 +18199,7 @@
           <p:cNvPr id="111" name="Google Shape;81;p14">
             <a:extLst>
               <a:ext uri="{FF2B5EF4-FFF2-40B4-BE49-F238E27FC236}">
-                <a16:creationId xmlns:a16="http://schemas.microsoft.com/office/drawing/2014/main" xmlns="" id="{4C069DC5-4186-0285-5D83-B8FFA739F050}"/>
+                <a16:creationId xmlns="" xmlns:a16="http://schemas.microsoft.com/office/drawing/2014/main" id="{4C069DC5-4186-0285-5D83-B8FFA739F050}"/>
               </a:ext>
             </a:extLst>
           </p:cNvPr>
@@ -18219,7 +18233,7 @@
           <p:cNvPr id="112" name="箭头: 五边形 111">
             <a:extLst>
               <a:ext uri="{FF2B5EF4-FFF2-40B4-BE49-F238E27FC236}">
-                <a16:creationId xmlns:a16="http://schemas.microsoft.com/office/drawing/2014/main" xmlns="" id="{7CD9D67F-B213-AAAA-9054-02755BE2146A}"/>
+                <a16:creationId xmlns="" xmlns:a16="http://schemas.microsoft.com/office/drawing/2014/main" id="{7CD9D67F-B213-AAAA-9054-02755BE2146A}"/>
               </a:ext>
             </a:extLst>
           </p:cNvPr>
@@ -18275,7 +18289,7 @@
           <p:cNvPr id="113" name="箭头: 五边形 112">
             <a:extLst>
               <a:ext uri="{FF2B5EF4-FFF2-40B4-BE49-F238E27FC236}">
-                <a16:creationId xmlns:a16="http://schemas.microsoft.com/office/drawing/2014/main" xmlns="" id="{F8AE02EB-01D9-FA19-B065-CCE211B6884B}"/>
+                <a16:creationId xmlns="" xmlns:a16="http://schemas.microsoft.com/office/drawing/2014/main" id="{F8AE02EB-01D9-FA19-B065-CCE211B6884B}"/>
               </a:ext>
             </a:extLst>
           </p:cNvPr>
@@ -18331,7 +18345,7 @@
           <p:cNvPr id="114" name="箭头: 五边形 113">
             <a:extLst>
               <a:ext uri="{FF2B5EF4-FFF2-40B4-BE49-F238E27FC236}">
-                <a16:creationId xmlns:a16="http://schemas.microsoft.com/office/drawing/2014/main" xmlns="" id="{CD3E578E-DF8A-1EA0-3438-736889E4F552}"/>
+                <a16:creationId xmlns="" xmlns:a16="http://schemas.microsoft.com/office/drawing/2014/main" id="{CD3E578E-DF8A-1EA0-3438-736889E4F552}"/>
               </a:ext>
             </a:extLst>
           </p:cNvPr>
@@ -18378,7 +18392,7 @@
           <p:cNvPr id="115" name="箭头: 五边形 114">
             <a:extLst>
               <a:ext uri="{FF2B5EF4-FFF2-40B4-BE49-F238E27FC236}">
-                <a16:creationId xmlns:a16="http://schemas.microsoft.com/office/drawing/2014/main" xmlns="" id="{F8C96D6D-C8E2-1DE1-7975-1FE461A07D04}"/>
+                <a16:creationId xmlns="" xmlns:a16="http://schemas.microsoft.com/office/drawing/2014/main" id="{F8C96D6D-C8E2-1DE1-7975-1FE461A07D04}"/>
               </a:ext>
             </a:extLst>
           </p:cNvPr>
@@ -18465,7 +18479,7 @@
           <p:cNvPr id="2" name="标题 1">
             <a:extLst>
               <a:ext uri="{FF2B5EF4-FFF2-40B4-BE49-F238E27FC236}">
-                <a16:creationId xmlns:a16="http://schemas.microsoft.com/office/drawing/2014/main" xmlns="" id="{2A9B6C59-89F9-5390-BB77-F8DB7EF7B310}"/>
+                <a16:creationId xmlns="" xmlns:a16="http://schemas.microsoft.com/office/drawing/2014/main" id="{2A9B6C59-89F9-5390-BB77-F8DB7EF7B310}"/>
               </a:ext>
             </a:extLst>
           </p:cNvPr>
@@ -18540,7 +18554,7 @@
           <p:cNvPr id="2" name="标题 1">
             <a:extLst>
               <a:ext uri="{FF2B5EF4-FFF2-40B4-BE49-F238E27FC236}">
-                <a16:creationId xmlns:a16="http://schemas.microsoft.com/office/drawing/2014/main" xmlns="" id="{80796E82-7314-2FBE-2DE8-DDD70D4DF27E}"/>
+                <a16:creationId xmlns="" xmlns:a16="http://schemas.microsoft.com/office/drawing/2014/main" id="{80796E82-7314-2FBE-2DE8-DDD70D4DF27E}"/>
               </a:ext>
             </a:extLst>
           </p:cNvPr>
@@ -18582,7 +18596,7 @@
           <p:cNvPr id="4" name="文本框 3">
             <a:extLst>
               <a:ext uri="{FF2B5EF4-FFF2-40B4-BE49-F238E27FC236}">
-                <a16:creationId xmlns:a16="http://schemas.microsoft.com/office/drawing/2014/main" xmlns="" id="{3E8E8225-E7B4-E598-7AEB-66BC2EF7864E}"/>
+                <a16:creationId xmlns="" xmlns:a16="http://schemas.microsoft.com/office/drawing/2014/main" id="{3E8E8225-E7B4-E598-7AEB-66BC2EF7864E}"/>
               </a:ext>
             </a:extLst>
           </p:cNvPr>
@@ -18688,7 +18702,7 @@
           <p:cNvPr id="94" name="椭圆 93">
             <a:extLst>
               <a:ext uri="{FF2B5EF4-FFF2-40B4-BE49-F238E27FC236}">
-                <a16:creationId xmlns:a16="http://schemas.microsoft.com/office/drawing/2014/main" xmlns="" id="{8BEE0963-F39F-E799-5A6C-7DB2D9695EA3}"/>
+                <a16:creationId xmlns="" xmlns:a16="http://schemas.microsoft.com/office/drawing/2014/main" id="{8BEE0963-F39F-E799-5A6C-7DB2D9695EA3}"/>
               </a:ext>
             </a:extLst>
           </p:cNvPr>
@@ -18740,7 +18754,7 @@
           <p:cNvPr id="3" name="椭圆 2">
             <a:extLst>
               <a:ext uri="{FF2B5EF4-FFF2-40B4-BE49-F238E27FC236}">
-                <a16:creationId xmlns:a16="http://schemas.microsoft.com/office/drawing/2014/main" xmlns="" id="{012F767B-5206-A517-0D25-41845DA1D568}"/>
+                <a16:creationId xmlns="" xmlns:a16="http://schemas.microsoft.com/office/drawing/2014/main" id="{012F767B-5206-A517-0D25-41845DA1D568}"/>
               </a:ext>
             </a:extLst>
           </p:cNvPr>
@@ -18792,7 +18806,7 @@
           <p:cNvPr id="25" name="图片 24">
             <a:extLst>
               <a:ext uri="{FF2B5EF4-FFF2-40B4-BE49-F238E27FC236}">
-                <a16:creationId xmlns:a16="http://schemas.microsoft.com/office/drawing/2014/main" xmlns="" id="{09006F16-5378-003E-5C0E-8FF9FEC546D4}"/>
+                <a16:creationId xmlns="" xmlns:a16="http://schemas.microsoft.com/office/drawing/2014/main" id="{09006F16-5378-003E-5C0E-8FF9FEC546D4}"/>
               </a:ext>
             </a:extLst>
           </p:cNvPr>
@@ -18822,7 +18836,7 @@
           <p:cNvPr id="26" name="图片 25">
             <a:extLst>
               <a:ext uri="{FF2B5EF4-FFF2-40B4-BE49-F238E27FC236}">
-                <a16:creationId xmlns:a16="http://schemas.microsoft.com/office/drawing/2014/main" xmlns="" id="{2BAD37FB-EB9D-D370-2B51-8E35AAF38167}"/>
+                <a16:creationId xmlns="" xmlns:a16="http://schemas.microsoft.com/office/drawing/2014/main" id="{2BAD37FB-EB9D-D370-2B51-8E35AAF38167}"/>
               </a:ext>
             </a:extLst>
           </p:cNvPr>
@@ -18852,7 +18866,7 @@
           <p:cNvPr id="27" name="图片 26">
             <a:extLst>
               <a:ext uri="{FF2B5EF4-FFF2-40B4-BE49-F238E27FC236}">
-                <a16:creationId xmlns:a16="http://schemas.microsoft.com/office/drawing/2014/main" xmlns="" id="{1C0210CD-C266-B930-E638-BB546D154C74}"/>
+                <a16:creationId xmlns="" xmlns:a16="http://schemas.microsoft.com/office/drawing/2014/main" id="{1C0210CD-C266-B930-E638-BB546D154C74}"/>
               </a:ext>
             </a:extLst>
           </p:cNvPr>
@@ -18882,7 +18896,7 @@
           <p:cNvPr id="12" name="箭头: 右 11">
             <a:extLst>
               <a:ext uri="{FF2B5EF4-FFF2-40B4-BE49-F238E27FC236}">
-                <a16:creationId xmlns:a16="http://schemas.microsoft.com/office/drawing/2014/main" xmlns="" id="{CBE2E6AE-C4B4-960A-F745-009687CC64E1}"/>
+                <a16:creationId xmlns="" xmlns:a16="http://schemas.microsoft.com/office/drawing/2014/main" id="{CBE2E6AE-C4B4-960A-F745-009687CC64E1}"/>
               </a:ext>
             </a:extLst>
           </p:cNvPr>
@@ -18936,7 +18950,7 @@
           <p:cNvPr id="38" name="箭头: 右 37">
             <a:extLst>
               <a:ext uri="{FF2B5EF4-FFF2-40B4-BE49-F238E27FC236}">
-                <a16:creationId xmlns:a16="http://schemas.microsoft.com/office/drawing/2014/main" xmlns="" id="{D83C9897-8C6C-63D0-4980-561938006796}"/>
+                <a16:creationId xmlns="" xmlns:a16="http://schemas.microsoft.com/office/drawing/2014/main" id="{D83C9897-8C6C-63D0-4980-561938006796}"/>
               </a:ext>
             </a:extLst>
           </p:cNvPr>
@@ -18983,7 +18997,7 @@
           <p:cNvPr id="39" name="箭头: 右 38">
             <a:extLst>
               <a:ext uri="{FF2B5EF4-FFF2-40B4-BE49-F238E27FC236}">
-                <a16:creationId xmlns:a16="http://schemas.microsoft.com/office/drawing/2014/main" xmlns="" id="{7541AED3-F942-9EB8-6A5E-FD3C9A6A9741}"/>
+                <a16:creationId xmlns="" xmlns:a16="http://schemas.microsoft.com/office/drawing/2014/main" id="{7541AED3-F942-9EB8-6A5E-FD3C9A6A9741}"/>
               </a:ext>
             </a:extLst>
           </p:cNvPr>
@@ -19060,7 +19074,7 @@
           <p:cNvPr id="2" name="标题 1">
             <a:extLst>
               <a:ext uri="{FF2B5EF4-FFF2-40B4-BE49-F238E27FC236}">
-                <a16:creationId xmlns:a16="http://schemas.microsoft.com/office/drawing/2014/main" xmlns="" id="{80796E82-7314-2FBE-2DE8-DDD70D4DF27E}"/>
+                <a16:creationId xmlns="" xmlns:a16="http://schemas.microsoft.com/office/drawing/2014/main" id="{80796E82-7314-2FBE-2DE8-DDD70D4DF27E}"/>
               </a:ext>
             </a:extLst>
           </p:cNvPr>
@@ -19102,7 +19116,7 @@
           <p:cNvPr id="4" name="文本框 3">
             <a:extLst>
               <a:ext uri="{FF2B5EF4-FFF2-40B4-BE49-F238E27FC236}">
-                <a16:creationId xmlns:a16="http://schemas.microsoft.com/office/drawing/2014/main" xmlns="" id="{3E8E8225-E7B4-E598-7AEB-66BC2EF7864E}"/>
+                <a16:creationId xmlns="" xmlns:a16="http://schemas.microsoft.com/office/drawing/2014/main" id="{3E8E8225-E7B4-E598-7AEB-66BC2EF7864E}"/>
               </a:ext>
             </a:extLst>
           </p:cNvPr>
@@ -19159,7 +19173,7 @@
           <p:cNvPr id="94" name="椭圆 93">
             <a:extLst>
               <a:ext uri="{FF2B5EF4-FFF2-40B4-BE49-F238E27FC236}">
-                <a16:creationId xmlns:a16="http://schemas.microsoft.com/office/drawing/2014/main" xmlns="" id="{8BEE0963-F39F-E799-5A6C-7DB2D9695EA3}"/>
+                <a16:creationId xmlns="" xmlns:a16="http://schemas.microsoft.com/office/drawing/2014/main" id="{8BEE0963-F39F-E799-5A6C-7DB2D9695EA3}"/>
               </a:ext>
             </a:extLst>
           </p:cNvPr>
@@ -19211,7 +19225,7 @@
           <p:cNvPr id="3" name="椭圆 2">
             <a:extLst>
               <a:ext uri="{FF2B5EF4-FFF2-40B4-BE49-F238E27FC236}">
-                <a16:creationId xmlns:a16="http://schemas.microsoft.com/office/drawing/2014/main" xmlns="" id="{012F767B-5206-A517-0D25-41845DA1D568}"/>
+                <a16:creationId xmlns="" xmlns:a16="http://schemas.microsoft.com/office/drawing/2014/main" id="{012F767B-5206-A517-0D25-41845DA1D568}"/>
               </a:ext>
             </a:extLst>
           </p:cNvPr>
@@ -19263,7 +19277,7 @@
           <p:cNvPr id="13" name="椭圆 12">
             <a:extLst>
               <a:ext uri="{FF2B5EF4-FFF2-40B4-BE49-F238E27FC236}">
-                <a16:creationId xmlns:a16="http://schemas.microsoft.com/office/drawing/2014/main" xmlns="" id="{38B7E776-7869-C2EE-A5AD-FE07B12FAB74}"/>
+                <a16:creationId xmlns="" xmlns:a16="http://schemas.microsoft.com/office/drawing/2014/main" id="{38B7E776-7869-C2EE-A5AD-FE07B12FAB74}"/>
               </a:ext>
             </a:extLst>
           </p:cNvPr>
@@ -19319,7 +19333,7 @@
           <p:cNvPr id="14" name="椭圆 13">
             <a:extLst>
               <a:ext uri="{FF2B5EF4-FFF2-40B4-BE49-F238E27FC236}">
-                <a16:creationId xmlns:a16="http://schemas.microsoft.com/office/drawing/2014/main" xmlns="" id="{D8DD0DA6-117D-35B7-99A2-FF9219BEBA7A}"/>
+                <a16:creationId xmlns="" xmlns:a16="http://schemas.microsoft.com/office/drawing/2014/main" id="{D8DD0DA6-117D-35B7-99A2-FF9219BEBA7A}"/>
               </a:ext>
             </a:extLst>
           </p:cNvPr>
@@ -19379,7 +19393,7 @@
           <p:cNvPr id="15" name="椭圆 14">
             <a:extLst>
               <a:ext uri="{FF2B5EF4-FFF2-40B4-BE49-F238E27FC236}">
-                <a16:creationId xmlns:a16="http://schemas.microsoft.com/office/drawing/2014/main" xmlns="" id="{4473FF23-7236-BE2D-9F0F-D30171020183}"/>
+                <a16:creationId xmlns="" xmlns:a16="http://schemas.microsoft.com/office/drawing/2014/main" id="{4473FF23-7236-BE2D-9F0F-D30171020183}"/>
               </a:ext>
             </a:extLst>
           </p:cNvPr>
@@ -19439,7 +19453,7 @@
           <p:cNvPr id="16" name="椭圆 15">
             <a:extLst>
               <a:ext uri="{FF2B5EF4-FFF2-40B4-BE49-F238E27FC236}">
-                <a16:creationId xmlns:a16="http://schemas.microsoft.com/office/drawing/2014/main" xmlns="" id="{5B674586-3FAA-F398-D9DD-3C1412DB22B3}"/>
+                <a16:creationId xmlns="" xmlns:a16="http://schemas.microsoft.com/office/drawing/2014/main" id="{5B674586-3FAA-F398-D9DD-3C1412DB22B3}"/>
               </a:ext>
             </a:extLst>
           </p:cNvPr>
@@ -19499,7 +19513,7 @@
           <p:cNvPr id="17" name="椭圆 16">
             <a:extLst>
               <a:ext uri="{FF2B5EF4-FFF2-40B4-BE49-F238E27FC236}">
-                <a16:creationId xmlns:a16="http://schemas.microsoft.com/office/drawing/2014/main" xmlns="" id="{1B65CA99-0563-B4C2-F8E8-0F681E9BE5AA}"/>
+                <a16:creationId xmlns="" xmlns:a16="http://schemas.microsoft.com/office/drawing/2014/main" id="{1B65CA99-0563-B4C2-F8E8-0F681E9BE5AA}"/>
               </a:ext>
             </a:extLst>
           </p:cNvPr>
@@ -19559,7 +19573,7 @@
           <p:cNvPr id="18" name="椭圆 17">
             <a:extLst>
               <a:ext uri="{FF2B5EF4-FFF2-40B4-BE49-F238E27FC236}">
-                <a16:creationId xmlns:a16="http://schemas.microsoft.com/office/drawing/2014/main" xmlns="" id="{28E9B88E-5089-3E31-A173-9E6BFC411B12}"/>
+                <a16:creationId xmlns="" xmlns:a16="http://schemas.microsoft.com/office/drawing/2014/main" id="{28E9B88E-5089-3E31-A173-9E6BFC411B12}"/>
               </a:ext>
             </a:extLst>
           </p:cNvPr>
@@ -19615,7 +19629,7 @@
           <p:cNvPr id="19" name="椭圆 18">
             <a:extLst>
               <a:ext uri="{FF2B5EF4-FFF2-40B4-BE49-F238E27FC236}">
-                <a16:creationId xmlns:a16="http://schemas.microsoft.com/office/drawing/2014/main" xmlns="" id="{65071104-DAC5-B2F4-E32C-3E8685DC9ABB}"/>
+                <a16:creationId xmlns="" xmlns:a16="http://schemas.microsoft.com/office/drawing/2014/main" id="{65071104-DAC5-B2F4-E32C-3E8685DC9ABB}"/>
               </a:ext>
             </a:extLst>
           </p:cNvPr>
@@ -19671,7 +19685,7 @@
           <p:cNvPr id="20" name="椭圆 19">
             <a:extLst>
               <a:ext uri="{FF2B5EF4-FFF2-40B4-BE49-F238E27FC236}">
-                <a16:creationId xmlns:a16="http://schemas.microsoft.com/office/drawing/2014/main" xmlns="" id="{139AD470-0E68-4E4A-461B-9AC53FA9B15D}"/>
+                <a16:creationId xmlns="" xmlns:a16="http://schemas.microsoft.com/office/drawing/2014/main" id="{139AD470-0E68-4E4A-461B-9AC53FA9B15D}"/>
               </a:ext>
             </a:extLst>
           </p:cNvPr>
@@ -19757,7 +19771,7 @@
           <p:cNvPr id="2" name="标题 1">
             <a:extLst>
               <a:ext uri="{FF2B5EF4-FFF2-40B4-BE49-F238E27FC236}">
-                <a16:creationId xmlns:a16="http://schemas.microsoft.com/office/drawing/2014/main" xmlns="" id="{80796E82-7314-2FBE-2DE8-DDD70D4DF27E}"/>
+                <a16:creationId xmlns="" xmlns:a16="http://schemas.microsoft.com/office/drawing/2014/main" id="{80796E82-7314-2FBE-2DE8-DDD70D4DF27E}"/>
               </a:ext>
             </a:extLst>
           </p:cNvPr>
@@ -19806,7 +19820,7 @@
           <p:cNvPr id="4" name="文本框 3">
             <a:extLst>
               <a:ext uri="{FF2B5EF4-FFF2-40B4-BE49-F238E27FC236}">
-                <a16:creationId xmlns:a16="http://schemas.microsoft.com/office/drawing/2014/main" xmlns="" id="{3E8E8225-E7B4-E598-7AEB-66BC2EF7864E}"/>
+                <a16:creationId xmlns="" xmlns:a16="http://schemas.microsoft.com/office/drawing/2014/main" id="{3E8E8225-E7B4-E598-7AEB-66BC2EF7864E}"/>
               </a:ext>
             </a:extLst>
           </p:cNvPr>
@@ -19908,7 +19922,7 @@
           <p:cNvPr id="94" name="椭圆 93">
             <a:extLst>
               <a:ext uri="{FF2B5EF4-FFF2-40B4-BE49-F238E27FC236}">
-                <a16:creationId xmlns:a16="http://schemas.microsoft.com/office/drawing/2014/main" xmlns="" id="{8BEE0963-F39F-E799-5A6C-7DB2D9695EA3}"/>
+                <a16:creationId xmlns="" xmlns:a16="http://schemas.microsoft.com/office/drawing/2014/main" id="{8BEE0963-F39F-E799-5A6C-7DB2D9695EA3}"/>
               </a:ext>
             </a:extLst>
           </p:cNvPr>
@@ -19960,7 +19974,7 @@
           <p:cNvPr id="3" name="椭圆 2">
             <a:extLst>
               <a:ext uri="{FF2B5EF4-FFF2-40B4-BE49-F238E27FC236}">
-                <a16:creationId xmlns:a16="http://schemas.microsoft.com/office/drawing/2014/main" xmlns="" id="{012F767B-5206-A517-0D25-41845DA1D568}"/>
+                <a16:creationId xmlns="" xmlns:a16="http://schemas.microsoft.com/office/drawing/2014/main" id="{012F767B-5206-A517-0D25-41845DA1D568}"/>
               </a:ext>
             </a:extLst>
           </p:cNvPr>
@@ -20012,7 +20026,7 @@
           <p:cNvPr id="13" name="椭圆 12">
             <a:extLst>
               <a:ext uri="{FF2B5EF4-FFF2-40B4-BE49-F238E27FC236}">
-                <a16:creationId xmlns:a16="http://schemas.microsoft.com/office/drawing/2014/main" xmlns="" id="{38B7E776-7869-C2EE-A5AD-FE07B12FAB74}"/>
+                <a16:creationId xmlns="" xmlns:a16="http://schemas.microsoft.com/office/drawing/2014/main" id="{38B7E776-7869-C2EE-A5AD-FE07B12FAB74}"/>
               </a:ext>
             </a:extLst>
           </p:cNvPr>
@@ -20068,7 +20082,7 @@
           <p:cNvPr id="20" name="椭圆 19">
             <a:extLst>
               <a:ext uri="{FF2B5EF4-FFF2-40B4-BE49-F238E27FC236}">
-                <a16:creationId xmlns:a16="http://schemas.microsoft.com/office/drawing/2014/main" xmlns="" id="{139AD470-0E68-4E4A-461B-9AC53FA9B15D}"/>
+                <a16:creationId xmlns="" xmlns:a16="http://schemas.microsoft.com/office/drawing/2014/main" id="{139AD470-0E68-4E4A-461B-9AC53FA9B15D}"/>
               </a:ext>
             </a:extLst>
           </p:cNvPr>
@@ -20124,7 +20138,7 @@
           <p:cNvPr id="29" name="图片 28">
             <a:extLst>
               <a:ext uri="{FF2B5EF4-FFF2-40B4-BE49-F238E27FC236}">
-                <a16:creationId xmlns:a16="http://schemas.microsoft.com/office/drawing/2014/main" xmlns="" id="{37828109-D1DB-24B1-070F-6C6C2342A787}"/>
+                <a16:creationId xmlns="" xmlns:a16="http://schemas.microsoft.com/office/drawing/2014/main" id="{37828109-D1DB-24B1-070F-6C6C2342A787}"/>
               </a:ext>
             </a:extLst>
           </p:cNvPr>
@@ -20154,7 +20168,7 @@
           <p:cNvPr id="30" name="图片 29">
             <a:extLst>
               <a:ext uri="{FF2B5EF4-FFF2-40B4-BE49-F238E27FC236}">
-                <a16:creationId xmlns:a16="http://schemas.microsoft.com/office/drawing/2014/main" xmlns="" id="{308EB72D-0591-1F78-12FC-CD798BD7E73D}"/>
+                <a16:creationId xmlns="" xmlns:a16="http://schemas.microsoft.com/office/drawing/2014/main" id="{308EB72D-0591-1F78-12FC-CD798BD7E73D}"/>
               </a:ext>
             </a:extLst>
           </p:cNvPr>
@@ -20184,7 +20198,7 @@
           <p:cNvPr id="31" name="图片 30">
             <a:extLst>
               <a:ext uri="{FF2B5EF4-FFF2-40B4-BE49-F238E27FC236}">
-                <a16:creationId xmlns:a16="http://schemas.microsoft.com/office/drawing/2014/main" xmlns="" id="{07F4B817-9FB7-F356-BFC2-674680D05075}"/>
+                <a16:creationId xmlns="" xmlns:a16="http://schemas.microsoft.com/office/drawing/2014/main" id="{07F4B817-9FB7-F356-BFC2-674680D05075}"/>
               </a:ext>
             </a:extLst>
           </p:cNvPr>
@@ -20214,7 +20228,7 @@
           <p:cNvPr id="32" name="图片 31">
             <a:extLst>
               <a:ext uri="{FF2B5EF4-FFF2-40B4-BE49-F238E27FC236}">
-                <a16:creationId xmlns:a16="http://schemas.microsoft.com/office/drawing/2014/main" xmlns="" id="{6AD0DB1A-3123-D4EB-783F-2A1EBF1F865D}"/>
+                <a16:creationId xmlns="" xmlns:a16="http://schemas.microsoft.com/office/drawing/2014/main" id="{6AD0DB1A-3123-D4EB-783F-2A1EBF1F865D}"/>
               </a:ext>
             </a:extLst>
           </p:cNvPr>
@@ -20244,7 +20258,7 @@
           <p:cNvPr id="33" name="图片 32">
             <a:extLst>
               <a:ext uri="{FF2B5EF4-FFF2-40B4-BE49-F238E27FC236}">
-                <a16:creationId xmlns:a16="http://schemas.microsoft.com/office/drawing/2014/main" xmlns="" id="{6EA6B283-FA33-8B5F-19D9-23C22512D6A2}"/>
+                <a16:creationId xmlns="" xmlns:a16="http://schemas.microsoft.com/office/drawing/2014/main" id="{6EA6B283-FA33-8B5F-19D9-23C22512D6A2}"/>
               </a:ext>
             </a:extLst>
           </p:cNvPr>
@@ -20274,7 +20288,7 @@
           <p:cNvPr id="34" name="图片 33">
             <a:extLst>
               <a:ext uri="{FF2B5EF4-FFF2-40B4-BE49-F238E27FC236}">
-                <a16:creationId xmlns:a16="http://schemas.microsoft.com/office/drawing/2014/main" xmlns="" id="{A7CC21E1-7467-1ACF-2ED7-68959584D6DF}"/>
+                <a16:creationId xmlns="" xmlns:a16="http://schemas.microsoft.com/office/drawing/2014/main" id="{A7CC21E1-7467-1ACF-2ED7-68959584D6DF}"/>
               </a:ext>
             </a:extLst>
           </p:cNvPr>
@@ -20304,7 +20318,7 @@
           <p:cNvPr id="35" name="图片 34">
             <a:extLst>
               <a:ext uri="{FF2B5EF4-FFF2-40B4-BE49-F238E27FC236}">
-                <a16:creationId xmlns:a16="http://schemas.microsoft.com/office/drawing/2014/main" xmlns="" id="{4FD1822D-6EF2-CCB1-76AC-A770762EDBFB}"/>
+                <a16:creationId xmlns="" xmlns:a16="http://schemas.microsoft.com/office/drawing/2014/main" id="{4FD1822D-6EF2-CCB1-76AC-A770762EDBFB}"/>
               </a:ext>
             </a:extLst>
           </p:cNvPr>
@@ -20334,7 +20348,7 @@
           <p:cNvPr id="36" name="图片 35">
             <a:extLst>
               <a:ext uri="{FF2B5EF4-FFF2-40B4-BE49-F238E27FC236}">
-                <a16:creationId xmlns:a16="http://schemas.microsoft.com/office/drawing/2014/main" xmlns="" id="{9E02D9AC-14F1-BAD2-3488-0805428D78DE}"/>
+                <a16:creationId xmlns="" xmlns:a16="http://schemas.microsoft.com/office/drawing/2014/main" id="{9E02D9AC-14F1-BAD2-3488-0805428D78DE}"/>
               </a:ext>
             </a:extLst>
           </p:cNvPr>
@@ -20364,7 +20378,7 @@
           <p:cNvPr id="39" name="箭头: 右 38">
             <a:extLst>
               <a:ext uri="{FF2B5EF4-FFF2-40B4-BE49-F238E27FC236}">
-                <a16:creationId xmlns:a16="http://schemas.microsoft.com/office/drawing/2014/main" xmlns="" id="{E96F8D33-A9BF-94AC-B64B-D6CB8722BEEB}"/>
+                <a16:creationId xmlns="" xmlns:a16="http://schemas.microsoft.com/office/drawing/2014/main" id="{E96F8D33-A9BF-94AC-B64B-D6CB8722BEEB}"/>
               </a:ext>
             </a:extLst>
           </p:cNvPr>
@@ -20416,7 +20430,7 @@
           <p:cNvPr id="40" name="箭头: 右 39">
             <a:extLst>
               <a:ext uri="{FF2B5EF4-FFF2-40B4-BE49-F238E27FC236}">
-                <a16:creationId xmlns:a16="http://schemas.microsoft.com/office/drawing/2014/main" xmlns="" id="{9C2A8819-B668-0107-BB7F-64E2A52819BC}"/>
+                <a16:creationId xmlns="" xmlns:a16="http://schemas.microsoft.com/office/drawing/2014/main" id="{9C2A8819-B668-0107-BB7F-64E2A52819BC}"/>
               </a:ext>
             </a:extLst>
           </p:cNvPr>
@@ -20498,7 +20512,7 @@
           <p:cNvPr id="2" name="标题 1">
             <a:extLst>
               <a:ext uri="{FF2B5EF4-FFF2-40B4-BE49-F238E27FC236}">
-                <a16:creationId xmlns:a16="http://schemas.microsoft.com/office/drawing/2014/main" xmlns="" id="{80796E82-7314-2FBE-2DE8-DDD70D4DF27E}"/>
+                <a16:creationId xmlns="" xmlns:a16="http://schemas.microsoft.com/office/drawing/2014/main" id="{80796E82-7314-2FBE-2DE8-DDD70D4DF27E}"/>
               </a:ext>
             </a:extLst>
           </p:cNvPr>
@@ -20547,7 +20561,7 @@
           <p:cNvPr id="4" name="文本框 3">
             <a:extLst>
               <a:ext uri="{FF2B5EF4-FFF2-40B4-BE49-F238E27FC236}">
-                <a16:creationId xmlns:a16="http://schemas.microsoft.com/office/drawing/2014/main" xmlns="" id="{3E8E8225-E7B4-E598-7AEB-66BC2EF7864E}"/>
+                <a16:creationId xmlns="" xmlns:a16="http://schemas.microsoft.com/office/drawing/2014/main" id="{3E8E8225-E7B4-E598-7AEB-66BC2EF7864E}"/>
               </a:ext>
             </a:extLst>
           </p:cNvPr>
@@ -20641,7 +20655,7 @@
           <p:cNvPr id="94" name="椭圆 93">
             <a:extLst>
               <a:ext uri="{FF2B5EF4-FFF2-40B4-BE49-F238E27FC236}">
-                <a16:creationId xmlns:a16="http://schemas.microsoft.com/office/drawing/2014/main" xmlns="" id="{8BEE0963-F39F-E799-5A6C-7DB2D9695EA3}"/>
+                <a16:creationId xmlns="" xmlns:a16="http://schemas.microsoft.com/office/drawing/2014/main" id="{8BEE0963-F39F-E799-5A6C-7DB2D9695EA3}"/>
               </a:ext>
             </a:extLst>
           </p:cNvPr>
@@ -20693,7 +20707,7 @@
           <p:cNvPr id="3" name="椭圆 2">
             <a:extLst>
               <a:ext uri="{FF2B5EF4-FFF2-40B4-BE49-F238E27FC236}">
-                <a16:creationId xmlns:a16="http://schemas.microsoft.com/office/drawing/2014/main" xmlns="" id="{012F767B-5206-A517-0D25-41845DA1D568}"/>
+                <a16:creationId xmlns="" xmlns:a16="http://schemas.microsoft.com/office/drawing/2014/main" id="{012F767B-5206-A517-0D25-41845DA1D568}"/>
               </a:ext>
             </a:extLst>
           </p:cNvPr>
@@ -20745,7 +20759,7 @@
           <p:cNvPr id="18" name="椭圆 17">
             <a:extLst>
               <a:ext uri="{FF2B5EF4-FFF2-40B4-BE49-F238E27FC236}">
-                <a16:creationId xmlns:a16="http://schemas.microsoft.com/office/drawing/2014/main" xmlns="" id="{4B33E43D-6830-FFA6-F0D9-FE3548A9AEEB}"/>
+                <a16:creationId xmlns="" xmlns:a16="http://schemas.microsoft.com/office/drawing/2014/main" id="{4B33E43D-6830-FFA6-F0D9-FE3548A9AEEB}"/>
               </a:ext>
             </a:extLst>
           </p:cNvPr>
@@ -20805,7 +20819,7 @@
           <p:cNvPr id="19" name="椭圆 18">
             <a:extLst>
               <a:ext uri="{FF2B5EF4-FFF2-40B4-BE49-F238E27FC236}">
-                <a16:creationId xmlns:a16="http://schemas.microsoft.com/office/drawing/2014/main" xmlns="" id="{C1D855FC-C9AF-91CE-40B0-D44AA72FE829}"/>
+                <a16:creationId xmlns="" xmlns:a16="http://schemas.microsoft.com/office/drawing/2014/main" id="{C1D855FC-C9AF-91CE-40B0-D44AA72FE829}"/>
               </a:ext>
             </a:extLst>
           </p:cNvPr>
@@ -20865,7 +20879,7 @@
           <p:cNvPr id="29" name="图片 28">
             <a:extLst>
               <a:ext uri="{FF2B5EF4-FFF2-40B4-BE49-F238E27FC236}">
-                <a16:creationId xmlns:a16="http://schemas.microsoft.com/office/drawing/2014/main" xmlns="" id="{37828109-D1DB-24B1-070F-6C6C2342A787}"/>
+                <a16:creationId xmlns="" xmlns:a16="http://schemas.microsoft.com/office/drawing/2014/main" id="{37828109-D1DB-24B1-070F-6C6C2342A787}"/>
               </a:ext>
             </a:extLst>
           </p:cNvPr>
@@ -20895,7 +20909,7 @@
           <p:cNvPr id="30" name="图片 29">
             <a:extLst>
               <a:ext uri="{FF2B5EF4-FFF2-40B4-BE49-F238E27FC236}">
-                <a16:creationId xmlns:a16="http://schemas.microsoft.com/office/drawing/2014/main" xmlns="" id="{308EB72D-0591-1F78-12FC-CD798BD7E73D}"/>
+                <a16:creationId xmlns="" xmlns:a16="http://schemas.microsoft.com/office/drawing/2014/main" id="{308EB72D-0591-1F78-12FC-CD798BD7E73D}"/>
               </a:ext>
             </a:extLst>
           </p:cNvPr>
@@ -20925,7 +20939,7 @@
           <p:cNvPr id="31" name="图片 30">
             <a:extLst>
               <a:ext uri="{FF2B5EF4-FFF2-40B4-BE49-F238E27FC236}">
-                <a16:creationId xmlns:a16="http://schemas.microsoft.com/office/drawing/2014/main" xmlns="" id="{07F4B817-9FB7-F356-BFC2-674680D05075}"/>
+                <a16:creationId xmlns="" xmlns:a16="http://schemas.microsoft.com/office/drawing/2014/main" id="{07F4B817-9FB7-F356-BFC2-674680D05075}"/>
               </a:ext>
             </a:extLst>
           </p:cNvPr>
@@ -20955,7 +20969,7 @@
           <p:cNvPr id="32" name="图片 31">
             <a:extLst>
               <a:ext uri="{FF2B5EF4-FFF2-40B4-BE49-F238E27FC236}">
-                <a16:creationId xmlns:a16="http://schemas.microsoft.com/office/drawing/2014/main" xmlns="" id="{6AD0DB1A-3123-D4EB-783F-2A1EBF1F865D}"/>
+                <a16:creationId xmlns="" xmlns:a16="http://schemas.microsoft.com/office/drawing/2014/main" id="{6AD0DB1A-3123-D4EB-783F-2A1EBF1F865D}"/>
               </a:ext>
             </a:extLst>
           </p:cNvPr>
@@ -20985,7 +20999,7 @@
           <p:cNvPr id="33" name="图片 32">
             <a:extLst>
               <a:ext uri="{FF2B5EF4-FFF2-40B4-BE49-F238E27FC236}">
-                <a16:creationId xmlns:a16="http://schemas.microsoft.com/office/drawing/2014/main" xmlns="" id="{6EA6B283-FA33-8B5F-19D9-23C22512D6A2}"/>
+                <a16:creationId xmlns="" xmlns:a16="http://schemas.microsoft.com/office/drawing/2014/main" id="{6EA6B283-FA33-8B5F-19D9-23C22512D6A2}"/>
               </a:ext>
             </a:extLst>
           </p:cNvPr>
@@ -21015,7 +21029,7 @@
           <p:cNvPr id="34" name="图片 33">
             <a:extLst>
               <a:ext uri="{FF2B5EF4-FFF2-40B4-BE49-F238E27FC236}">
-                <a16:creationId xmlns:a16="http://schemas.microsoft.com/office/drawing/2014/main" xmlns="" id="{A7CC21E1-7467-1ACF-2ED7-68959584D6DF}"/>
+                <a16:creationId xmlns="" xmlns:a16="http://schemas.microsoft.com/office/drawing/2014/main" id="{A7CC21E1-7467-1ACF-2ED7-68959584D6DF}"/>
               </a:ext>
             </a:extLst>
           </p:cNvPr>
@@ -21045,7 +21059,7 @@
           <p:cNvPr id="35" name="图片 34">
             <a:extLst>
               <a:ext uri="{FF2B5EF4-FFF2-40B4-BE49-F238E27FC236}">
-                <a16:creationId xmlns:a16="http://schemas.microsoft.com/office/drawing/2014/main" xmlns="" id="{4FD1822D-6EF2-CCB1-76AC-A770762EDBFB}"/>
+                <a16:creationId xmlns="" xmlns:a16="http://schemas.microsoft.com/office/drawing/2014/main" id="{4FD1822D-6EF2-CCB1-76AC-A770762EDBFB}"/>
               </a:ext>
             </a:extLst>
           </p:cNvPr>
@@ -21075,7 +21089,7 @@
           <p:cNvPr id="36" name="图片 35">
             <a:extLst>
               <a:ext uri="{FF2B5EF4-FFF2-40B4-BE49-F238E27FC236}">
-                <a16:creationId xmlns:a16="http://schemas.microsoft.com/office/drawing/2014/main" xmlns="" id="{9E02D9AC-14F1-BAD2-3488-0805428D78DE}"/>
+                <a16:creationId xmlns="" xmlns:a16="http://schemas.microsoft.com/office/drawing/2014/main" id="{9E02D9AC-14F1-BAD2-3488-0805428D78DE}"/>
               </a:ext>
             </a:extLst>
           </p:cNvPr>
@@ -21105,7 +21119,7 @@
           <p:cNvPr id="21" name="箭头: 右 20">
             <a:extLst>
               <a:ext uri="{FF2B5EF4-FFF2-40B4-BE49-F238E27FC236}">
-                <a16:creationId xmlns:a16="http://schemas.microsoft.com/office/drawing/2014/main" xmlns="" id="{712099D5-D46D-2313-85E7-AA26A729A7DC}"/>
+                <a16:creationId xmlns="" xmlns:a16="http://schemas.microsoft.com/office/drawing/2014/main" id="{712099D5-D46D-2313-85E7-AA26A729A7DC}"/>
               </a:ext>
             </a:extLst>
           </p:cNvPr>
@@ -21157,7 +21171,7 @@
           <p:cNvPr id="22" name="箭头: 右 21">
             <a:extLst>
               <a:ext uri="{FF2B5EF4-FFF2-40B4-BE49-F238E27FC236}">
-                <a16:creationId xmlns:a16="http://schemas.microsoft.com/office/drawing/2014/main" xmlns="" id="{1919A2B7-D3C5-A1AD-8659-FD3B9646534B}"/>
+                <a16:creationId xmlns="" xmlns:a16="http://schemas.microsoft.com/office/drawing/2014/main" id="{1919A2B7-D3C5-A1AD-8659-FD3B9646534B}"/>
               </a:ext>
             </a:extLst>
           </p:cNvPr>
@@ -21239,7 +21253,7 @@
           <p:cNvPr id="2" name="标题 1">
             <a:extLst>
               <a:ext uri="{FF2B5EF4-FFF2-40B4-BE49-F238E27FC236}">
-                <a16:creationId xmlns:a16="http://schemas.microsoft.com/office/drawing/2014/main" xmlns="" id="{80796E82-7314-2FBE-2DE8-DDD70D4DF27E}"/>
+                <a16:creationId xmlns="" xmlns:a16="http://schemas.microsoft.com/office/drawing/2014/main" id="{80796E82-7314-2FBE-2DE8-DDD70D4DF27E}"/>
               </a:ext>
             </a:extLst>
           </p:cNvPr>
@@ -21288,7 +21302,7 @@
           <p:cNvPr id="4" name="文本框 3">
             <a:extLst>
               <a:ext uri="{FF2B5EF4-FFF2-40B4-BE49-F238E27FC236}">
-                <a16:creationId xmlns:a16="http://schemas.microsoft.com/office/drawing/2014/main" xmlns="" id="{3E8E8225-E7B4-E598-7AEB-66BC2EF7864E}"/>
+                <a16:creationId xmlns="" xmlns:a16="http://schemas.microsoft.com/office/drawing/2014/main" id="{3E8E8225-E7B4-E598-7AEB-66BC2EF7864E}"/>
               </a:ext>
             </a:extLst>
           </p:cNvPr>
@@ -21382,7 +21396,7 @@
           <p:cNvPr id="94" name="椭圆 93">
             <a:extLst>
               <a:ext uri="{FF2B5EF4-FFF2-40B4-BE49-F238E27FC236}">
-                <a16:creationId xmlns:a16="http://schemas.microsoft.com/office/drawing/2014/main" xmlns="" id="{8BEE0963-F39F-E799-5A6C-7DB2D9695EA3}"/>
+                <a16:creationId xmlns="" xmlns:a16="http://schemas.microsoft.com/office/drawing/2014/main" id="{8BEE0963-F39F-E799-5A6C-7DB2D9695EA3}"/>
               </a:ext>
             </a:extLst>
           </p:cNvPr>
@@ -21434,7 +21448,7 @@
           <p:cNvPr id="3" name="椭圆 2">
             <a:extLst>
               <a:ext uri="{FF2B5EF4-FFF2-40B4-BE49-F238E27FC236}">
-                <a16:creationId xmlns:a16="http://schemas.microsoft.com/office/drawing/2014/main" xmlns="" id="{012F767B-5206-A517-0D25-41845DA1D568}"/>
+                <a16:creationId xmlns="" xmlns:a16="http://schemas.microsoft.com/office/drawing/2014/main" id="{012F767B-5206-A517-0D25-41845DA1D568}"/>
               </a:ext>
             </a:extLst>
           </p:cNvPr>
@@ -21486,7 +21500,7 @@
           <p:cNvPr id="21" name="箭头: 右 20">
             <a:extLst>
               <a:ext uri="{FF2B5EF4-FFF2-40B4-BE49-F238E27FC236}">
-                <a16:creationId xmlns:a16="http://schemas.microsoft.com/office/drawing/2014/main" xmlns="" id="{712099D5-D46D-2313-85E7-AA26A729A7DC}"/>
+                <a16:creationId xmlns="" xmlns:a16="http://schemas.microsoft.com/office/drawing/2014/main" id="{712099D5-D46D-2313-85E7-AA26A729A7DC}"/>
               </a:ext>
             </a:extLst>
           </p:cNvPr>
@@ -21538,7 +21552,7 @@
           <p:cNvPr id="22" name="箭头: 右 21">
             <a:extLst>
               <a:ext uri="{FF2B5EF4-FFF2-40B4-BE49-F238E27FC236}">
-                <a16:creationId xmlns:a16="http://schemas.microsoft.com/office/drawing/2014/main" xmlns="" id="{1919A2B7-D3C5-A1AD-8659-FD3B9646534B}"/>
+                <a16:creationId xmlns="" xmlns:a16="http://schemas.microsoft.com/office/drawing/2014/main" id="{1919A2B7-D3C5-A1AD-8659-FD3B9646534B}"/>
               </a:ext>
             </a:extLst>
           </p:cNvPr>
@@ -21590,7 +21604,7 @@
           <p:cNvPr id="20" name="椭圆 19">
             <a:extLst>
               <a:ext uri="{FF2B5EF4-FFF2-40B4-BE49-F238E27FC236}">
-                <a16:creationId xmlns:a16="http://schemas.microsoft.com/office/drawing/2014/main" xmlns="" id="{71FC337B-6083-D7E5-BB6D-172C403FA83F}"/>
+                <a16:creationId xmlns="" xmlns:a16="http://schemas.microsoft.com/office/drawing/2014/main" id="{71FC337B-6083-D7E5-BB6D-172C403FA83F}"/>
               </a:ext>
             </a:extLst>
           </p:cNvPr>
@@ -21646,7 +21660,7 @@
           <p:cNvPr id="23" name="椭圆 22">
             <a:extLst>
               <a:ext uri="{FF2B5EF4-FFF2-40B4-BE49-F238E27FC236}">
-                <a16:creationId xmlns:a16="http://schemas.microsoft.com/office/drawing/2014/main" xmlns="" id="{42806F08-B73F-5A19-8F02-2707349F41F2}"/>
+                <a16:creationId xmlns="" xmlns:a16="http://schemas.microsoft.com/office/drawing/2014/main" id="{42806F08-B73F-5A19-8F02-2707349F41F2}"/>
               </a:ext>
             </a:extLst>
           </p:cNvPr>
@@ -21702,7 +21716,7 @@
           <p:cNvPr id="29" name="图片 28">
             <a:extLst>
               <a:ext uri="{FF2B5EF4-FFF2-40B4-BE49-F238E27FC236}">
-                <a16:creationId xmlns:a16="http://schemas.microsoft.com/office/drawing/2014/main" xmlns="" id="{37828109-D1DB-24B1-070F-6C6C2342A787}"/>
+                <a16:creationId xmlns="" xmlns:a16="http://schemas.microsoft.com/office/drawing/2014/main" id="{37828109-D1DB-24B1-070F-6C6C2342A787}"/>
               </a:ext>
             </a:extLst>
           </p:cNvPr>
@@ -21732,7 +21746,7 @@
           <p:cNvPr id="30" name="图片 29">
             <a:extLst>
               <a:ext uri="{FF2B5EF4-FFF2-40B4-BE49-F238E27FC236}">
-                <a16:creationId xmlns:a16="http://schemas.microsoft.com/office/drawing/2014/main" xmlns="" id="{308EB72D-0591-1F78-12FC-CD798BD7E73D}"/>
+                <a16:creationId xmlns="" xmlns:a16="http://schemas.microsoft.com/office/drawing/2014/main" id="{308EB72D-0591-1F78-12FC-CD798BD7E73D}"/>
               </a:ext>
             </a:extLst>
           </p:cNvPr>
@@ -21762,7 +21776,7 @@
           <p:cNvPr id="31" name="图片 30">
             <a:extLst>
               <a:ext uri="{FF2B5EF4-FFF2-40B4-BE49-F238E27FC236}">
-                <a16:creationId xmlns:a16="http://schemas.microsoft.com/office/drawing/2014/main" xmlns="" id="{07F4B817-9FB7-F356-BFC2-674680D05075}"/>
+                <a16:creationId xmlns="" xmlns:a16="http://schemas.microsoft.com/office/drawing/2014/main" id="{07F4B817-9FB7-F356-BFC2-674680D05075}"/>
               </a:ext>
             </a:extLst>
           </p:cNvPr>
@@ -21792,7 +21806,7 @@
           <p:cNvPr id="32" name="图片 31">
             <a:extLst>
               <a:ext uri="{FF2B5EF4-FFF2-40B4-BE49-F238E27FC236}">
-                <a16:creationId xmlns:a16="http://schemas.microsoft.com/office/drawing/2014/main" xmlns="" id="{6AD0DB1A-3123-D4EB-783F-2A1EBF1F865D}"/>
+                <a16:creationId xmlns="" xmlns:a16="http://schemas.microsoft.com/office/drawing/2014/main" id="{6AD0DB1A-3123-D4EB-783F-2A1EBF1F865D}"/>
               </a:ext>
             </a:extLst>
           </p:cNvPr>
@@ -21822,7 +21836,7 @@
           <p:cNvPr id="33" name="图片 32">
             <a:extLst>
               <a:ext uri="{FF2B5EF4-FFF2-40B4-BE49-F238E27FC236}">
-                <a16:creationId xmlns:a16="http://schemas.microsoft.com/office/drawing/2014/main" xmlns="" id="{6EA6B283-FA33-8B5F-19D9-23C22512D6A2}"/>
+                <a16:creationId xmlns="" xmlns:a16="http://schemas.microsoft.com/office/drawing/2014/main" id="{6EA6B283-FA33-8B5F-19D9-23C22512D6A2}"/>
               </a:ext>
             </a:extLst>
           </p:cNvPr>
@@ -21852,7 +21866,7 @@
           <p:cNvPr id="34" name="图片 33">
             <a:extLst>
               <a:ext uri="{FF2B5EF4-FFF2-40B4-BE49-F238E27FC236}">
-                <a16:creationId xmlns:a16="http://schemas.microsoft.com/office/drawing/2014/main" xmlns="" id="{A7CC21E1-7467-1ACF-2ED7-68959584D6DF}"/>
+                <a16:creationId xmlns="" xmlns:a16="http://schemas.microsoft.com/office/drawing/2014/main" id="{A7CC21E1-7467-1ACF-2ED7-68959584D6DF}"/>
               </a:ext>
             </a:extLst>
           </p:cNvPr>
@@ -21882,7 +21896,7 @@
           <p:cNvPr id="35" name="图片 34">
             <a:extLst>
               <a:ext uri="{FF2B5EF4-FFF2-40B4-BE49-F238E27FC236}">
-                <a16:creationId xmlns:a16="http://schemas.microsoft.com/office/drawing/2014/main" xmlns="" id="{4FD1822D-6EF2-CCB1-76AC-A770762EDBFB}"/>
+                <a16:creationId xmlns="" xmlns:a16="http://schemas.microsoft.com/office/drawing/2014/main" id="{4FD1822D-6EF2-CCB1-76AC-A770762EDBFB}"/>
               </a:ext>
             </a:extLst>
           </p:cNvPr>
@@ -21912,7 +21926,7 @@
           <p:cNvPr id="36" name="图片 35">
             <a:extLst>
               <a:ext uri="{FF2B5EF4-FFF2-40B4-BE49-F238E27FC236}">
-                <a16:creationId xmlns:a16="http://schemas.microsoft.com/office/drawing/2014/main" xmlns="" id="{9E02D9AC-14F1-BAD2-3488-0805428D78DE}"/>
+                <a16:creationId xmlns="" xmlns:a16="http://schemas.microsoft.com/office/drawing/2014/main" id="{9E02D9AC-14F1-BAD2-3488-0805428D78DE}"/>
               </a:ext>
             </a:extLst>
           </p:cNvPr>
@@ -21972,7 +21986,7 @@
           <p:cNvPr id="21" name="图片 20">
             <a:extLst>
               <a:ext uri="{FF2B5EF4-FFF2-40B4-BE49-F238E27FC236}">
-                <a16:creationId xmlns:a16="http://schemas.microsoft.com/office/drawing/2014/main" xmlns="" id="{10E4E8DE-E31A-2625-3BAE-58C9DC6E1CD4}"/>
+                <a16:creationId xmlns="" xmlns:a16="http://schemas.microsoft.com/office/drawing/2014/main" id="{10E4E8DE-E31A-2625-3BAE-58C9DC6E1CD4}"/>
               </a:ext>
             </a:extLst>
           </p:cNvPr>
@@ -22002,7 +22016,7 @@
           <p:cNvPr id="23" name="图片 22">
             <a:extLst>
               <a:ext uri="{FF2B5EF4-FFF2-40B4-BE49-F238E27FC236}">
-                <a16:creationId xmlns:a16="http://schemas.microsoft.com/office/drawing/2014/main" xmlns="" id="{16647850-EC2C-0EB9-87DD-021513204952}"/>
+                <a16:creationId xmlns="" xmlns:a16="http://schemas.microsoft.com/office/drawing/2014/main" id="{16647850-EC2C-0EB9-87DD-021513204952}"/>
               </a:ext>
             </a:extLst>
           </p:cNvPr>
@@ -22032,7 +22046,7 @@
           <p:cNvPr id="27" name="图片 26">
             <a:extLst>
               <a:ext uri="{FF2B5EF4-FFF2-40B4-BE49-F238E27FC236}">
-                <a16:creationId xmlns:a16="http://schemas.microsoft.com/office/drawing/2014/main" xmlns="" id="{772A4570-CF22-2902-D9E1-D7E60C021041}"/>
+                <a16:creationId xmlns="" xmlns:a16="http://schemas.microsoft.com/office/drawing/2014/main" id="{772A4570-CF22-2902-D9E1-D7E60C021041}"/>
               </a:ext>
             </a:extLst>
           </p:cNvPr>
@@ -22062,7 +22076,7 @@
           <p:cNvPr id="29" name="图片 28">
             <a:extLst>
               <a:ext uri="{FF2B5EF4-FFF2-40B4-BE49-F238E27FC236}">
-                <a16:creationId xmlns:a16="http://schemas.microsoft.com/office/drawing/2014/main" xmlns="" id="{5128C50F-4299-3146-AEDE-C73B90459F44}"/>
+                <a16:creationId xmlns="" xmlns:a16="http://schemas.microsoft.com/office/drawing/2014/main" id="{5128C50F-4299-3146-AEDE-C73B90459F44}"/>
               </a:ext>
             </a:extLst>
           </p:cNvPr>
@@ -22092,7 +22106,7 @@
           <p:cNvPr id="31" name="图片 30">
             <a:extLst>
               <a:ext uri="{FF2B5EF4-FFF2-40B4-BE49-F238E27FC236}">
-                <a16:creationId xmlns:a16="http://schemas.microsoft.com/office/drawing/2014/main" xmlns="" id="{324F68F4-34AD-C9E9-3330-8E7CEFCD4AB8}"/>
+                <a16:creationId xmlns="" xmlns:a16="http://schemas.microsoft.com/office/drawing/2014/main" id="{324F68F4-34AD-C9E9-3330-8E7CEFCD4AB8}"/>
               </a:ext>
             </a:extLst>
           </p:cNvPr>
@@ -22122,7 +22136,7 @@
           <p:cNvPr id="33" name="图片 32">
             <a:extLst>
               <a:ext uri="{FF2B5EF4-FFF2-40B4-BE49-F238E27FC236}">
-                <a16:creationId xmlns:a16="http://schemas.microsoft.com/office/drawing/2014/main" xmlns="" id="{5B816CFB-BEEB-34C9-241C-39D4F80BE612}"/>
+                <a16:creationId xmlns="" xmlns:a16="http://schemas.microsoft.com/office/drawing/2014/main" id="{5B816CFB-BEEB-34C9-241C-39D4F80BE612}"/>
               </a:ext>
             </a:extLst>
           </p:cNvPr>
@@ -22152,7 +22166,7 @@
           <p:cNvPr id="35" name="图片 34">
             <a:extLst>
               <a:ext uri="{FF2B5EF4-FFF2-40B4-BE49-F238E27FC236}">
-                <a16:creationId xmlns:a16="http://schemas.microsoft.com/office/drawing/2014/main" xmlns="" id="{63EE9772-9831-CB1A-0402-4088D44FAAEA}"/>
+                <a16:creationId xmlns="" xmlns:a16="http://schemas.microsoft.com/office/drawing/2014/main" id="{63EE9772-9831-CB1A-0402-4088D44FAAEA}"/>
               </a:ext>
             </a:extLst>
           </p:cNvPr>
@@ -22182,7 +22196,7 @@
           <p:cNvPr id="37" name="图片 36">
             <a:extLst>
               <a:ext uri="{FF2B5EF4-FFF2-40B4-BE49-F238E27FC236}">
-                <a16:creationId xmlns:a16="http://schemas.microsoft.com/office/drawing/2014/main" xmlns="" id="{3BC861CE-A12C-44C5-DC11-968D86D804D5}"/>
+                <a16:creationId xmlns="" xmlns:a16="http://schemas.microsoft.com/office/drawing/2014/main" id="{3BC861CE-A12C-44C5-DC11-968D86D804D5}"/>
               </a:ext>
             </a:extLst>
           </p:cNvPr>
@@ -22242,7 +22256,7 @@
           <p:cNvPr id="2" name="标题 1">
             <a:extLst>
               <a:ext uri="{FF2B5EF4-FFF2-40B4-BE49-F238E27FC236}">
-                <a16:creationId xmlns:a16="http://schemas.microsoft.com/office/drawing/2014/main" xmlns="" id="{80796E82-7314-2FBE-2DE8-DDD70D4DF27E}"/>
+                <a16:creationId xmlns="" xmlns:a16="http://schemas.microsoft.com/office/drawing/2014/main" id="{80796E82-7314-2FBE-2DE8-DDD70D4DF27E}"/>
               </a:ext>
             </a:extLst>
           </p:cNvPr>
@@ -22291,7 +22305,7 @@
           <p:cNvPr id="4" name="文本框 3">
             <a:extLst>
               <a:ext uri="{FF2B5EF4-FFF2-40B4-BE49-F238E27FC236}">
-                <a16:creationId xmlns:a16="http://schemas.microsoft.com/office/drawing/2014/main" xmlns="" id="{3E8E8225-E7B4-E598-7AEB-66BC2EF7864E}"/>
+                <a16:creationId xmlns="" xmlns:a16="http://schemas.microsoft.com/office/drawing/2014/main" id="{3E8E8225-E7B4-E598-7AEB-66BC2EF7864E}"/>
               </a:ext>
             </a:extLst>
           </p:cNvPr>
@@ -22385,7 +22399,7 @@
           <p:cNvPr id="94" name="椭圆 93">
             <a:extLst>
               <a:ext uri="{FF2B5EF4-FFF2-40B4-BE49-F238E27FC236}">
-                <a16:creationId xmlns:a16="http://schemas.microsoft.com/office/drawing/2014/main" xmlns="" id="{8BEE0963-F39F-E799-5A6C-7DB2D9695EA3}"/>
+                <a16:creationId xmlns="" xmlns:a16="http://schemas.microsoft.com/office/drawing/2014/main" id="{8BEE0963-F39F-E799-5A6C-7DB2D9695EA3}"/>
               </a:ext>
             </a:extLst>
           </p:cNvPr>
@@ -22437,7 +22451,7 @@
           <p:cNvPr id="3" name="椭圆 2">
             <a:extLst>
               <a:ext uri="{FF2B5EF4-FFF2-40B4-BE49-F238E27FC236}">
-                <a16:creationId xmlns:a16="http://schemas.microsoft.com/office/drawing/2014/main" xmlns="" id="{012F767B-5206-A517-0D25-41845DA1D568}"/>
+                <a16:creationId xmlns="" xmlns:a16="http://schemas.microsoft.com/office/drawing/2014/main" id="{012F767B-5206-A517-0D25-41845DA1D568}"/>
               </a:ext>
             </a:extLst>
           </p:cNvPr>
@@ -22489,7 +22503,7 @@
           <p:cNvPr id="21" name="箭头: 右 20">
             <a:extLst>
               <a:ext uri="{FF2B5EF4-FFF2-40B4-BE49-F238E27FC236}">
-                <a16:creationId xmlns:a16="http://schemas.microsoft.com/office/drawing/2014/main" xmlns="" id="{712099D5-D46D-2313-85E7-AA26A729A7DC}"/>
+                <a16:creationId xmlns="" xmlns:a16="http://schemas.microsoft.com/office/drawing/2014/main" id="{712099D5-D46D-2313-85E7-AA26A729A7DC}"/>
               </a:ext>
             </a:extLst>
           </p:cNvPr>
@@ -22541,7 +22555,7 @@
           <p:cNvPr id="22" name="箭头: 右 21">
             <a:extLst>
               <a:ext uri="{FF2B5EF4-FFF2-40B4-BE49-F238E27FC236}">
-                <a16:creationId xmlns:a16="http://schemas.microsoft.com/office/drawing/2014/main" xmlns="" id="{1919A2B7-D3C5-A1AD-8659-FD3B9646534B}"/>
+                <a16:creationId xmlns="" xmlns:a16="http://schemas.microsoft.com/office/drawing/2014/main" id="{1919A2B7-D3C5-A1AD-8659-FD3B9646534B}"/>
               </a:ext>
             </a:extLst>
           </p:cNvPr>
@@ -22593,7 +22607,7 @@
           <p:cNvPr id="18" name="椭圆 17">
             <a:extLst>
               <a:ext uri="{FF2B5EF4-FFF2-40B4-BE49-F238E27FC236}">
-                <a16:creationId xmlns:a16="http://schemas.microsoft.com/office/drawing/2014/main" xmlns="" id="{F5A322F2-5817-3D48-1EC0-F4CD8343BB96}"/>
+                <a16:creationId xmlns="" xmlns:a16="http://schemas.microsoft.com/office/drawing/2014/main" id="{F5A322F2-5817-3D48-1EC0-F4CD8343BB96}"/>
               </a:ext>
             </a:extLst>
           </p:cNvPr>
@@ -22653,7 +22667,7 @@
           <p:cNvPr id="19" name="椭圆 18">
             <a:extLst>
               <a:ext uri="{FF2B5EF4-FFF2-40B4-BE49-F238E27FC236}">
-                <a16:creationId xmlns:a16="http://schemas.microsoft.com/office/drawing/2014/main" xmlns="" id="{7B553A98-99DD-ADE7-8F2C-82946FDF4A0F}"/>
+                <a16:creationId xmlns="" xmlns:a16="http://schemas.microsoft.com/office/drawing/2014/main" id="{7B553A98-99DD-ADE7-8F2C-82946FDF4A0F}"/>
               </a:ext>
             </a:extLst>
           </p:cNvPr>
@@ -22713,7 +22727,7 @@
           <p:cNvPr id="29" name="图片 28">
             <a:extLst>
               <a:ext uri="{FF2B5EF4-FFF2-40B4-BE49-F238E27FC236}">
-                <a16:creationId xmlns:a16="http://schemas.microsoft.com/office/drawing/2014/main" xmlns="" id="{37828109-D1DB-24B1-070F-6C6C2342A787}"/>
+                <a16:creationId xmlns="" xmlns:a16="http://schemas.microsoft.com/office/drawing/2014/main" id="{37828109-D1DB-24B1-070F-6C6C2342A787}"/>
               </a:ext>
             </a:extLst>
           </p:cNvPr>
@@ -22743,7 +22757,7 @@
           <p:cNvPr id="30" name="图片 29">
             <a:extLst>
               <a:ext uri="{FF2B5EF4-FFF2-40B4-BE49-F238E27FC236}">
-                <a16:creationId xmlns:a16="http://schemas.microsoft.com/office/drawing/2014/main" xmlns="" id="{308EB72D-0591-1F78-12FC-CD798BD7E73D}"/>
+                <a16:creationId xmlns="" xmlns:a16="http://schemas.microsoft.com/office/drawing/2014/main" id="{308EB72D-0591-1F78-12FC-CD798BD7E73D}"/>
               </a:ext>
             </a:extLst>
           </p:cNvPr>
@@ -22773,7 +22787,7 @@
           <p:cNvPr id="31" name="图片 30">
             <a:extLst>
               <a:ext uri="{FF2B5EF4-FFF2-40B4-BE49-F238E27FC236}">
-                <a16:creationId xmlns:a16="http://schemas.microsoft.com/office/drawing/2014/main" xmlns="" id="{07F4B817-9FB7-F356-BFC2-674680D05075}"/>
+                <a16:creationId xmlns="" xmlns:a16="http://schemas.microsoft.com/office/drawing/2014/main" id="{07F4B817-9FB7-F356-BFC2-674680D05075}"/>
               </a:ext>
             </a:extLst>
           </p:cNvPr>
@@ -22803,7 +22817,7 @@
           <p:cNvPr id="32" name="图片 31">
             <a:extLst>
               <a:ext uri="{FF2B5EF4-FFF2-40B4-BE49-F238E27FC236}">
-                <a16:creationId xmlns:a16="http://schemas.microsoft.com/office/drawing/2014/main" xmlns="" id="{6AD0DB1A-3123-D4EB-783F-2A1EBF1F865D}"/>
+                <a16:creationId xmlns="" xmlns:a16="http://schemas.microsoft.com/office/drawing/2014/main" id="{6AD0DB1A-3123-D4EB-783F-2A1EBF1F865D}"/>
               </a:ext>
             </a:extLst>
           </p:cNvPr>
@@ -22833,7 +22847,7 @@
           <p:cNvPr id="33" name="图片 32">
             <a:extLst>
               <a:ext uri="{FF2B5EF4-FFF2-40B4-BE49-F238E27FC236}">
-                <a16:creationId xmlns:a16="http://schemas.microsoft.com/office/drawing/2014/main" xmlns="" id="{6EA6B283-FA33-8B5F-19D9-23C22512D6A2}"/>
+                <a16:creationId xmlns="" xmlns:a16="http://schemas.microsoft.com/office/drawing/2014/main" id="{6EA6B283-FA33-8B5F-19D9-23C22512D6A2}"/>
               </a:ext>
             </a:extLst>
           </p:cNvPr>
@@ -22863,7 +22877,7 @@
           <p:cNvPr id="34" name="图片 33">
             <a:extLst>
               <a:ext uri="{FF2B5EF4-FFF2-40B4-BE49-F238E27FC236}">
-                <a16:creationId xmlns:a16="http://schemas.microsoft.com/office/drawing/2014/main" xmlns="" id="{A7CC21E1-7467-1ACF-2ED7-68959584D6DF}"/>
+                <a16:creationId xmlns="" xmlns:a16="http://schemas.microsoft.com/office/drawing/2014/main" id="{A7CC21E1-7467-1ACF-2ED7-68959584D6DF}"/>
               </a:ext>
             </a:extLst>
           </p:cNvPr>
@@ -22893,7 +22907,7 @@
           <p:cNvPr id="35" name="图片 34">
             <a:extLst>
               <a:ext uri="{FF2B5EF4-FFF2-40B4-BE49-F238E27FC236}">
-                <a16:creationId xmlns:a16="http://schemas.microsoft.com/office/drawing/2014/main" xmlns="" id="{4FD1822D-6EF2-CCB1-76AC-A770762EDBFB}"/>
+                <a16:creationId xmlns="" xmlns:a16="http://schemas.microsoft.com/office/drawing/2014/main" id="{4FD1822D-6EF2-CCB1-76AC-A770762EDBFB}"/>
               </a:ext>
             </a:extLst>
           </p:cNvPr>
@@ -22923,7 +22937,7 @@
           <p:cNvPr id="36" name="图片 35">
             <a:extLst>
               <a:ext uri="{FF2B5EF4-FFF2-40B4-BE49-F238E27FC236}">
-                <a16:creationId xmlns:a16="http://schemas.microsoft.com/office/drawing/2014/main" xmlns="" id="{9E02D9AC-14F1-BAD2-3488-0805428D78DE}"/>
+                <a16:creationId xmlns="" xmlns:a16="http://schemas.microsoft.com/office/drawing/2014/main" id="{9E02D9AC-14F1-BAD2-3488-0805428D78DE}"/>
               </a:ext>
             </a:extLst>
           </p:cNvPr>
@@ -22983,7 +22997,7 @@
           <p:cNvPr id="4" name="Google Shape;74;p14">
             <a:extLst>
               <a:ext uri="{FF2B5EF4-FFF2-40B4-BE49-F238E27FC236}">
-                <a16:creationId xmlns:a16="http://schemas.microsoft.com/office/drawing/2014/main" xmlns="" id="{F52A6963-84A4-0036-01C0-8A6443B594E4}"/>
+                <a16:creationId xmlns="" xmlns:a16="http://schemas.microsoft.com/office/drawing/2014/main" id="{F52A6963-84A4-0036-01C0-8A6443B594E4}"/>
               </a:ext>
             </a:extLst>
           </p:cNvPr>
@@ -23017,7 +23031,7 @@
           <p:cNvPr id="5" name="Google Shape;75;p14">
             <a:extLst>
               <a:ext uri="{FF2B5EF4-FFF2-40B4-BE49-F238E27FC236}">
-                <a16:creationId xmlns:a16="http://schemas.microsoft.com/office/drawing/2014/main" xmlns="" id="{404581EA-6F71-715C-CE7C-99A122F3F6E4}"/>
+                <a16:creationId xmlns="" xmlns:a16="http://schemas.microsoft.com/office/drawing/2014/main" id="{404581EA-6F71-715C-CE7C-99A122F3F6E4}"/>
               </a:ext>
             </a:extLst>
           </p:cNvPr>
@@ -23051,7 +23065,7 @@
           <p:cNvPr id="6" name="Google Shape;76;p14">
             <a:extLst>
               <a:ext uri="{FF2B5EF4-FFF2-40B4-BE49-F238E27FC236}">
-                <a16:creationId xmlns:a16="http://schemas.microsoft.com/office/drawing/2014/main" xmlns="" id="{A527F9F4-7B4A-2EA7-612E-AAA3DD8F9F91}"/>
+                <a16:creationId xmlns="" xmlns:a16="http://schemas.microsoft.com/office/drawing/2014/main" id="{A527F9F4-7B4A-2EA7-612E-AAA3DD8F9F91}"/>
               </a:ext>
             </a:extLst>
           </p:cNvPr>
@@ -23085,7 +23099,7 @@
           <p:cNvPr id="7" name="Google Shape;77;p14">
             <a:extLst>
               <a:ext uri="{FF2B5EF4-FFF2-40B4-BE49-F238E27FC236}">
-                <a16:creationId xmlns:a16="http://schemas.microsoft.com/office/drawing/2014/main" xmlns="" id="{FCDA0BCF-7B73-F1F2-4535-2A7D8DF8F9A5}"/>
+                <a16:creationId xmlns="" xmlns:a16="http://schemas.microsoft.com/office/drawing/2014/main" id="{FCDA0BCF-7B73-F1F2-4535-2A7D8DF8F9A5}"/>
               </a:ext>
             </a:extLst>
           </p:cNvPr>
@@ -23119,7 +23133,7 @@
           <p:cNvPr id="8" name="Google Shape;78;p14">
             <a:extLst>
               <a:ext uri="{FF2B5EF4-FFF2-40B4-BE49-F238E27FC236}">
-                <a16:creationId xmlns:a16="http://schemas.microsoft.com/office/drawing/2014/main" xmlns="" id="{0C8F405C-8C7A-9464-2835-C0C6BCE26B6A}"/>
+                <a16:creationId xmlns="" xmlns:a16="http://schemas.microsoft.com/office/drawing/2014/main" id="{0C8F405C-8C7A-9464-2835-C0C6BCE26B6A}"/>
               </a:ext>
             </a:extLst>
           </p:cNvPr>
@@ -23153,7 +23167,7 @@
           <p:cNvPr id="9" name="Google Shape;79;p14">
             <a:extLst>
               <a:ext uri="{FF2B5EF4-FFF2-40B4-BE49-F238E27FC236}">
-                <a16:creationId xmlns:a16="http://schemas.microsoft.com/office/drawing/2014/main" xmlns="" id="{E9EC9C58-B423-E735-B962-72835BD4EE86}"/>
+                <a16:creationId xmlns="" xmlns:a16="http://schemas.microsoft.com/office/drawing/2014/main" id="{E9EC9C58-B423-E735-B962-72835BD4EE86}"/>
               </a:ext>
             </a:extLst>
           </p:cNvPr>
@@ -23187,7 +23201,7 @@
           <p:cNvPr id="10" name="Google Shape;80;p14">
             <a:extLst>
               <a:ext uri="{FF2B5EF4-FFF2-40B4-BE49-F238E27FC236}">
-                <a16:creationId xmlns:a16="http://schemas.microsoft.com/office/drawing/2014/main" xmlns="" id="{BA0DDD85-240E-A853-DC83-F6457C5291E8}"/>
+                <a16:creationId xmlns="" xmlns:a16="http://schemas.microsoft.com/office/drawing/2014/main" id="{BA0DDD85-240E-A853-DC83-F6457C5291E8}"/>
               </a:ext>
             </a:extLst>
           </p:cNvPr>
@@ -23221,7 +23235,7 @@
           <p:cNvPr id="11" name="Google Shape;81;p14">
             <a:extLst>
               <a:ext uri="{FF2B5EF4-FFF2-40B4-BE49-F238E27FC236}">
-                <a16:creationId xmlns:a16="http://schemas.microsoft.com/office/drawing/2014/main" xmlns="" id="{78D0E7F2-A606-3D98-4CE9-4D32A4C0E2C6}"/>
+                <a16:creationId xmlns="" xmlns:a16="http://schemas.microsoft.com/office/drawing/2014/main" id="{78D0E7F2-A606-3D98-4CE9-4D32A4C0E2C6}"/>
               </a:ext>
             </a:extLst>
           </p:cNvPr>
@@ -23255,7 +23269,7 @@
           <p:cNvPr id="12" name="箭头: 五边形 11">
             <a:extLst>
               <a:ext uri="{FF2B5EF4-FFF2-40B4-BE49-F238E27FC236}">
-                <a16:creationId xmlns:a16="http://schemas.microsoft.com/office/drawing/2014/main" xmlns="" id="{E13F04AF-CA49-218E-5AA1-C8D4A89BCA7A}"/>
+                <a16:creationId xmlns="" xmlns:a16="http://schemas.microsoft.com/office/drawing/2014/main" id="{E13F04AF-CA49-218E-5AA1-C8D4A89BCA7A}"/>
               </a:ext>
             </a:extLst>
           </p:cNvPr>
@@ -23302,7 +23316,7 @@
           <p:cNvPr id="13" name="箭头: 五边形 12">
             <a:extLst>
               <a:ext uri="{FF2B5EF4-FFF2-40B4-BE49-F238E27FC236}">
-                <a16:creationId xmlns:a16="http://schemas.microsoft.com/office/drawing/2014/main" xmlns="" id="{05DEB904-DFEB-BAA8-7C26-B72CD611A811}"/>
+                <a16:creationId xmlns="" xmlns:a16="http://schemas.microsoft.com/office/drawing/2014/main" id="{05DEB904-DFEB-BAA8-7C26-B72CD611A811}"/>
               </a:ext>
             </a:extLst>
           </p:cNvPr>
@@ -23358,7 +23372,7 @@
           <p:cNvPr id="14" name="箭头: 五边形 13">
             <a:extLst>
               <a:ext uri="{FF2B5EF4-FFF2-40B4-BE49-F238E27FC236}">
-                <a16:creationId xmlns:a16="http://schemas.microsoft.com/office/drawing/2014/main" xmlns="" id="{FD3B5483-3F50-8FB0-25AC-EC051D3099FB}"/>
+                <a16:creationId xmlns="" xmlns:a16="http://schemas.microsoft.com/office/drawing/2014/main" id="{FD3B5483-3F50-8FB0-25AC-EC051D3099FB}"/>
               </a:ext>
             </a:extLst>
           </p:cNvPr>
@@ -23414,7 +23428,7 @@
           <p:cNvPr id="15" name="箭头: 五边形 14">
             <a:extLst>
               <a:ext uri="{FF2B5EF4-FFF2-40B4-BE49-F238E27FC236}">
-                <a16:creationId xmlns:a16="http://schemas.microsoft.com/office/drawing/2014/main" xmlns="" id="{A43EC445-08DE-C16A-E8F3-A1D64CDC87A4}"/>
+                <a16:creationId xmlns="" xmlns:a16="http://schemas.microsoft.com/office/drawing/2014/main" id="{A43EC445-08DE-C16A-E8F3-A1D64CDC87A4}"/>
               </a:ext>
             </a:extLst>
           </p:cNvPr>
@@ -23470,7 +23484,7 @@
           <p:cNvPr id="16" name="箭头: 五边形 15">
             <a:extLst>
               <a:ext uri="{FF2B5EF4-FFF2-40B4-BE49-F238E27FC236}">
-                <a16:creationId xmlns:a16="http://schemas.microsoft.com/office/drawing/2014/main" xmlns="" id="{B8062128-35C1-DC16-AC2E-34A3B7EFCE5D}"/>
+                <a16:creationId xmlns="" xmlns:a16="http://schemas.microsoft.com/office/drawing/2014/main" id="{B8062128-35C1-DC16-AC2E-34A3B7EFCE5D}"/>
               </a:ext>
             </a:extLst>
           </p:cNvPr>
@@ -23526,7 +23540,7 @@
           <p:cNvPr id="17" name="箭头: 五边形 16">
             <a:extLst>
               <a:ext uri="{FF2B5EF4-FFF2-40B4-BE49-F238E27FC236}">
-                <a16:creationId xmlns:a16="http://schemas.microsoft.com/office/drawing/2014/main" xmlns="" id="{9161E0C4-34BC-E5EF-2DA6-3E4BE128882D}"/>
+                <a16:creationId xmlns="" xmlns:a16="http://schemas.microsoft.com/office/drawing/2014/main" id="{9161E0C4-34BC-E5EF-2DA6-3E4BE128882D}"/>
               </a:ext>
             </a:extLst>
           </p:cNvPr>
@@ -23573,7 +23587,7 @@
           <p:cNvPr id="18" name="箭头: 五边形 17">
             <a:extLst>
               <a:ext uri="{FF2B5EF4-FFF2-40B4-BE49-F238E27FC236}">
-                <a16:creationId xmlns:a16="http://schemas.microsoft.com/office/drawing/2014/main" xmlns="" id="{B14F0095-88A1-E73B-341C-A51D4BF3BCE7}"/>
+                <a16:creationId xmlns="" xmlns:a16="http://schemas.microsoft.com/office/drawing/2014/main" id="{B14F0095-88A1-E73B-341C-A51D4BF3BCE7}"/>
               </a:ext>
             </a:extLst>
           </p:cNvPr>
@@ -23620,7 +23634,7 @@
           <p:cNvPr id="19" name="箭头: 五边形 18">
             <a:extLst>
               <a:ext uri="{FF2B5EF4-FFF2-40B4-BE49-F238E27FC236}">
-                <a16:creationId xmlns:a16="http://schemas.microsoft.com/office/drawing/2014/main" xmlns="" id="{E972E0E3-FC1A-AEDD-7D35-7285E0781540}"/>
+                <a16:creationId xmlns="" xmlns:a16="http://schemas.microsoft.com/office/drawing/2014/main" id="{E972E0E3-FC1A-AEDD-7D35-7285E0781540}"/>
               </a:ext>
             </a:extLst>
           </p:cNvPr>
@@ -23707,7 +23721,7 @@
           <p:cNvPr id="2" name="标题 1">
             <a:extLst>
               <a:ext uri="{FF2B5EF4-FFF2-40B4-BE49-F238E27FC236}">
-                <a16:creationId xmlns:a16="http://schemas.microsoft.com/office/drawing/2014/main" xmlns="" id="{2A9B6C59-89F9-5390-BB77-F8DB7EF7B310}"/>
+                <a16:creationId xmlns="" xmlns:a16="http://schemas.microsoft.com/office/drawing/2014/main" id="{2A9B6C59-89F9-5390-BB77-F8DB7EF7B310}"/>
               </a:ext>
             </a:extLst>
           </p:cNvPr>
@@ -23782,7 +23796,7 @@
           <p:cNvPr id="2" name="标题 1">
             <a:extLst>
               <a:ext uri="{FF2B5EF4-FFF2-40B4-BE49-F238E27FC236}">
-                <a16:creationId xmlns:a16="http://schemas.microsoft.com/office/drawing/2014/main" xmlns="" id="{80796E82-7314-2FBE-2DE8-DDD70D4DF27E}"/>
+                <a16:creationId xmlns="" xmlns:a16="http://schemas.microsoft.com/office/drawing/2014/main" id="{80796E82-7314-2FBE-2DE8-DDD70D4DF27E}"/>
               </a:ext>
             </a:extLst>
           </p:cNvPr>
@@ -23831,7 +23845,7 @@
           <p:cNvPr id="5" name="椭圆 4">
             <a:extLst>
               <a:ext uri="{FF2B5EF4-FFF2-40B4-BE49-F238E27FC236}">
-                <a16:creationId xmlns:a16="http://schemas.microsoft.com/office/drawing/2014/main" xmlns="" id="{A020CC41-9901-5A10-06D8-1F19650A3A6A}"/>
+                <a16:creationId xmlns="" xmlns:a16="http://schemas.microsoft.com/office/drawing/2014/main" id="{A020CC41-9901-5A10-06D8-1F19650A3A6A}"/>
               </a:ext>
             </a:extLst>
           </p:cNvPr>
@@ -23883,7 +23897,7 @@
           <p:cNvPr id="6" name="Google Shape;74;p14">
             <a:extLst>
               <a:ext uri="{FF2B5EF4-FFF2-40B4-BE49-F238E27FC236}">
-                <a16:creationId xmlns:a16="http://schemas.microsoft.com/office/drawing/2014/main" xmlns="" id="{8ABB2948-CF7D-7BD6-14B8-367574244CB2}"/>
+                <a16:creationId xmlns="" xmlns:a16="http://schemas.microsoft.com/office/drawing/2014/main" id="{8ABB2948-CF7D-7BD6-14B8-367574244CB2}"/>
               </a:ext>
             </a:extLst>
           </p:cNvPr>
@@ -23917,7 +23931,7 @@
           <p:cNvPr id="7" name="Google Shape;75;p14">
             <a:extLst>
               <a:ext uri="{FF2B5EF4-FFF2-40B4-BE49-F238E27FC236}">
-                <a16:creationId xmlns:a16="http://schemas.microsoft.com/office/drawing/2014/main" xmlns="" id="{744D1F6B-EBF7-049C-9CBC-D2BD265B8DB5}"/>
+                <a16:creationId xmlns="" xmlns:a16="http://schemas.microsoft.com/office/drawing/2014/main" id="{744D1F6B-EBF7-049C-9CBC-D2BD265B8DB5}"/>
               </a:ext>
             </a:extLst>
           </p:cNvPr>
@@ -23951,7 +23965,7 @@
           <p:cNvPr id="8" name="Google Shape;76;p14">
             <a:extLst>
               <a:ext uri="{FF2B5EF4-FFF2-40B4-BE49-F238E27FC236}">
-                <a16:creationId xmlns:a16="http://schemas.microsoft.com/office/drawing/2014/main" xmlns="" id="{A0604560-830C-4AC9-3717-031AA48B5D45}"/>
+                <a16:creationId xmlns="" xmlns:a16="http://schemas.microsoft.com/office/drawing/2014/main" id="{A0604560-830C-4AC9-3717-031AA48B5D45}"/>
               </a:ext>
             </a:extLst>
           </p:cNvPr>
@@ -23985,7 +23999,7 @@
           <p:cNvPr id="9" name="Google Shape;77;p14">
             <a:extLst>
               <a:ext uri="{FF2B5EF4-FFF2-40B4-BE49-F238E27FC236}">
-                <a16:creationId xmlns:a16="http://schemas.microsoft.com/office/drawing/2014/main" xmlns="" id="{DC03C87C-87BB-A5EB-0D50-DDB31F93A6C2}"/>
+                <a16:creationId xmlns="" xmlns:a16="http://schemas.microsoft.com/office/drawing/2014/main" id="{DC03C87C-87BB-A5EB-0D50-DDB31F93A6C2}"/>
               </a:ext>
             </a:extLst>
           </p:cNvPr>
@@ -24019,7 +24033,7 @@
           <p:cNvPr id="10" name="Google Shape;78;p14">
             <a:extLst>
               <a:ext uri="{FF2B5EF4-FFF2-40B4-BE49-F238E27FC236}">
-                <a16:creationId xmlns:a16="http://schemas.microsoft.com/office/drawing/2014/main" xmlns="" id="{281D3DED-9B64-E88B-FC5F-0C30B82A9484}"/>
+                <a16:creationId xmlns="" xmlns:a16="http://schemas.microsoft.com/office/drawing/2014/main" id="{281D3DED-9B64-E88B-FC5F-0C30B82A9484}"/>
               </a:ext>
             </a:extLst>
           </p:cNvPr>
@@ -24053,7 +24067,7 @@
           <p:cNvPr id="11" name="Google Shape;79;p14">
             <a:extLst>
               <a:ext uri="{FF2B5EF4-FFF2-40B4-BE49-F238E27FC236}">
-                <a16:creationId xmlns:a16="http://schemas.microsoft.com/office/drawing/2014/main" xmlns="" id="{0DAE55E6-D474-C395-BC84-8ACA3CE820A0}"/>
+                <a16:creationId xmlns="" xmlns:a16="http://schemas.microsoft.com/office/drawing/2014/main" id="{0DAE55E6-D474-C395-BC84-8ACA3CE820A0}"/>
               </a:ext>
             </a:extLst>
           </p:cNvPr>
@@ -24087,7 +24101,7 @@
           <p:cNvPr id="12" name="Google Shape;80;p14">
             <a:extLst>
               <a:ext uri="{FF2B5EF4-FFF2-40B4-BE49-F238E27FC236}">
-                <a16:creationId xmlns:a16="http://schemas.microsoft.com/office/drawing/2014/main" xmlns="" id="{3A5AAC50-9F06-A76F-B20B-35CF3612E825}"/>
+                <a16:creationId xmlns="" xmlns:a16="http://schemas.microsoft.com/office/drawing/2014/main" id="{3A5AAC50-9F06-A76F-B20B-35CF3612E825}"/>
               </a:ext>
             </a:extLst>
           </p:cNvPr>
@@ -24121,7 +24135,7 @@
           <p:cNvPr id="13" name="Google Shape;81;p14">
             <a:extLst>
               <a:ext uri="{FF2B5EF4-FFF2-40B4-BE49-F238E27FC236}">
-                <a16:creationId xmlns:a16="http://schemas.microsoft.com/office/drawing/2014/main" xmlns="" id="{F33B3BEC-1095-E464-2D03-703E55B0F8A0}"/>
+                <a16:creationId xmlns="" xmlns:a16="http://schemas.microsoft.com/office/drawing/2014/main" id="{F33B3BEC-1095-E464-2D03-703E55B0F8A0}"/>
               </a:ext>
             </a:extLst>
           </p:cNvPr>
@@ -24155,7 +24169,7 @@
           <p:cNvPr id="14" name="图片 13">
             <a:extLst>
               <a:ext uri="{FF2B5EF4-FFF2-40B4-BE49-F238E27FC236}">
-                <a16:creationId xmlns:a16="http://schemas.microsoft.com/office/drawing/2014/main" xmlns="" id="{A1247C65-E9FE-684D-C577-C3EFF757A026}"/>
+                <a16:creationId xmlns="" xmlns:a16="http://schemas.microsoft.com/office/drawing/2014/main" id="{A1247C65-E9FE-684D-C577-C3EFF757A026}"/>
               </a:ext>
             </a:extLst>
           </p:cNvPr>
@@ -24185,7 +24199,7 @@
           <p:cNvPr id="15" name="图片 14">
             <a:extLst>
               <a:ext uri="{FF2B5EF4-FFF2-40B4-BE49-F238E27FC236}">
-                <a16:creationId xmlns:a16="http://schemas.microsoft.com/office/drawing/2014/main" xmlns="" id="{2E9CE1E3-2135-0036-6AC6-4F023E9FB9FB}"/>
+                <a16:creationId xmlns="" xmlns:a16="http://schemas.microsoft.com/office/drawing/2014/main" id="{2E9CE1E3-2135-0036-6AC6-4F023E9FB9FB}"/>
               </a:ext>
             </a:extLst>
           </p:cNvPr>
@@ -24215,7 +24229,7 @@
           <p:cNvPr id="16" name="图片 15">
             <a:extLst>
               <a:ext uri="{FF2B5EF4-FFF2-40B4-BE49-F238E27FC236}">
-                <a16:creationId xmlns:a16="http://schemas.microsoft.com/office/drawing/2014/main" xmlns="" id="{E105324A-0DF5-3CC5-8FA4-5C776E05B929}"/>
+                <a16:creationId xmlns="" xmlns:a16="http://schemas.microsoft.com/office/drawing/2014/main" id="{E105324A-0DF5-3CC5-8FA4-5C776E05B929}"/>
               </a:ext>
             </a:extLst>
           </p:cNvPr>
@@ -24245,7 +24259,7 @@
           <p:cNvPr id="17" name="图片 16">
             <a:extLst>
               <a:ext uri="{FF2B5EF4-FFF2-40B4-BE49-F238E27FC236}">
-                <a16:creationId xmlns:a16="http://schemas.microsoft.com/office/drawing/2014/main" xmlns="" id="{9B118434-3A73-4D47-C6D6-FBDC473A6E94}"/>
+                <a16:creationId xmlns="" xmlns:a16="http://schemas.microsoft.com/office/drawing/2014/main" id="{9B118434-3A73-4D47-C6D6-FBDC473A6E94}"/>
               </a:ext>
             </a:extLst>
           </p:cNvPr>
@@ -24275,7 +24289,7 @@
           <p:cNvPr id="18" name="图片 17">
             <a:extLst>
               <a:ext uri="{FF2B5EF4-FFF2-40B4-BE49-F238E27FC236}">
-                <a16:creationId xmlns:a16="http://schemas.microsoft.com/office/drawing/2014/main" xmlns="" id="{B4FACCEA-FD77-524D-0769-3E9B324ECE01}"/>
+                <a16:creationId xmlns="" xmlns:a16="http://schemas.microsoft.com/office/drawing/2014/main" id="{B4FACCEA-FD77-524D-0769-3E9B324ECE01}"/>
               </a:ext>
             </a:extLst>
           </p:cNvPr>
@@ -24335,7 +24349,7 @@
           <p:cNvPr id="2" name="标题 1">
             <a:extLst>
               <a:ext uri="{FF2B5EF4-FFF2-40B4-BE49-F238E27FC236}">
-                <a16:creationId xmlns:a16="http://schemas.microsoft.com/office/drawing/2014/main" xmlns="" id="{80796E82-7314-2FBE-2DE8-DDD70D4DF27E}"/>
+                <a16:creationId xmlns="" xmlns:a16="http://schemas.microsoft.com/office/drawing/2014/main" id="{80796E82-7314-2FBE-2DE8-DDD70D4DF27E}"/>
               </a:ext>
             </a:extLst>
           </p:cNvPr>
@@ -24384,7 +24398,7 @@
           <p:cNvPr id="5" name="椭圆 4">
             <a:extLst>
               <a:ext uri="{FF2B5EF4-FFF2-40B4-BE49-F238E27FC236}">
-                <a16:creationId xmlns:a16="http://schemas.microsoft.com/office/drawing/2014/main" xmlns="" id="{A020CC41-9901-5A10-06D8-1F19650A3A6A}"/>
+                <a16:creationId xmlns="" xmlns:a16="http://schemas.microsoft.com/office/drawing/2014/main" id="{A020CC41-9901-5A10-06D8-1F19650A3A6A}"/>
               </a:ext>
             </a:extLst>
           </p:cNvPr>
@@ -24436,7 +24450,7 @@
           <p:cNvPr id="6" name="Google Shape;74;p14">
             <a:extLst>
               <a:ext uri="{FF2B5EF4-FFF2-40B4-BE49-F238E27FC236}">
-                <a16:creationId xmlns:a16="http://schemas.microsoft.com/office/drawing/2014/main" xmlns="" id="{8ABB2948-CF7D-7BD6-14B8-367574244CB2}"/>
+                <a16:creationId xmlns="" xmlns:a16="http://schemas.microsoft.com/office/drawing/2014/main" id="{8ABB2948-CF7D-7BD6-14B8-367574244CB2}"/>
               </a:ext>
             </a:extLst>
           </p:cNvPr>
@@ -24470,7 +24484,7 @@
           <p:cNvPr id="7" name="Google Shape;75;p14">
             <a:extLst>
               <a:ext uri="{FF2B5EF4-FFF2-40B4-BE49-F238E27FC236}">
-                <a16:creationId xmlns:a16="http://schemas.microsoft.com/office/drawing/2014/main" xmlns="" id="{744D1F6B-EBF7-049C-9CBC-D2BD265B8DB5}"/>
+                <a16:creationId xmlns="" xmlns:a16="http://schemas.microsoft.com/office/drawing/2014/main" id="{744D1F6B-EBF7-049C-9CBC-D2BD265B8DB5}"/>
               </a:ext>
             </a:extLst>
           </p:cNvPr>
@@ -24504,7 +24518,7 @@
           <p:cNvPr id="8" name="Google Shape;76;p14">
             <a:extLst>
               <a:ext uri="{FF2B5EF4-FFF2-40B4-BE49-F238E27FC236}">
-                <a16:creationId xmlns:a16="http://schemas.microsoft.com/office/drawing/2014/main" xmlns="" id="{A0604560-830C-4AC9-3717-031AA48B5D45}"/>
+                <a16:creationId xmlns="" xmlns:a16="http://schemas.microsoft.com/office/drawing/2014/main" id="{A0604560-830C-4AC9-3717-031AA48B5D45}"/>
               </a:ext>
             </a:extLst>
           </p:cNvPr>
@@ -24538,7 +24552,7 @@
           <p:cNvPr id="9" name="Google Shape;77;p14">
             <a:extLst>
               <a:ext uri="{FF2B5EF4-FFF2-40B4-BE49-F238E27FC236}">
-                <a16:creationId xmlns:a16="http://schemas.microsoft.com/office/drawing/2014/main" xmlns="" id="{DC03C87C-87BB-A5EB-0D50-DDB31F93A6C2}"/>
+                <a16:creationId xmlns="" xmlns:a16="http://schemas.microsoft.com/office/drawing/2014/main" id="{DC03C87C-87BB-A5EB-0D50-DDB31F93A6C2}"/>
               </a:ext>
             </a:extLst>
           </p:cNvPr>
@@ -24572,7 +24586,7 @@
           <p:cNvPr id="10" name="Google Shape;78;p14">
             <a:extLst>
               <a:ext uri="{FF2B5EF4-FFF2-40B4-BE49-F238E27FC236}">
-                <a16:creationId xmlns:a16="http://schemas.microsoft.com/office/drawing/2014/main" xmlns="" id="{281D3DED-9B64-E88B-FC5F-0C30B82A9484}"/>
+                <a16:creationId xmlns="" xmlns:a16="http://schemas.microsoft.com/office/drawing/2014/main" id="{281D3DED-9B64-E88B-FC5F-0C30B82A9484}"/>
               </a:ext>
             </a:extLst>
           </p:cNvPr>
@@ -24606,7 +24620,7 @@
           <p:cNvPr id="11" name="Google Shape;79;p14">
             <a:extLst>
               <a:ext uri="{FF2B5EF4-FFF2-40B4-BE49-F238E27FC236}">
-                <a16:creationId xmlns:a16="http://schemas.microsoft.com/office/drawing/2014/main" xmlns="" id="{0DAE55E6-D474-C395-BC84-8ACA3CE820A0}"/>
+                <a16:creationId xmlns="" xmlns:a16="http://schemas.microsoft.com/office/drawing/2014/main" id="{0DAE55E6-D474-C395-BC84-8ACA3CE820A0}"/>
               </a:ext>
             </a:extLst>
           </p:cNvPr>
@@ -24640,7 +24654,7 @@
           <p:cNvPr id="12" name="Google Shape;80;p14">
             <a:extLst>
               <a:ext uri="{FF2B5EF4-FFF2-40B4-BE49-F238E27FC236}">
-                <a16:creationId xmlns:a16="http://schemas.microsoft.com/office/drawing/2014/main" xmlns="" id="{3A5AAC50-9F06-A76F-B20B-35CF3612E825}"/>
+                <a16:creationId xmlns="" xmlns:a16="http://schemas.microsoft.com/office/drawing/2014/main" id="{3A5AAC50-9F06-A76F-B20B-35CF3612E825}"/>
               </a:ext>
             </a:extLst>
           </p:cNvPr>
@@ -24674,7 +24688,7 @@
           <p:cNvPr id="13" name="Google Shape;81;p14">
             <a:extLst>
               <a:ext uri="{FF2B5EF4-FFF2-40B4-BE49-F238E27FC236}">
-                <a16:creationId xmlns:a16="http://schemas.microsoft.com/office/drawing/2014/main" xmlns="" id="{F33B3BEC-1095-E464-2D03-703E55B0F8A0}"/>
+                <a16:creationId xmlns="" xmlns:a16="http://schemas.microsoft.com/office/drawing/2014/main" id="{F33B3BEC-1095-E464-2D03-703E55B0F8A0}"/>
               </a:ext>
             </a:extLst>
           </p:cNvPr>
@@ -24708,7 +24722,7 @@
           <p:cNvPr id="14" name="图片 13">
             <a:extLst>
               <a:ext uri="{FF2B5EF4-FFF2-40B4-BE49-F238E27FC236}">
-                <a16:creationId xmlns:a16="http://schemas.microsoft.com/office/drawing/2014/main" xmlns="" id="{A1247C65-E9FE-684D-C577-C3EFF757A026}"/>
+                <a16:creationId xmlns="" xmlns:a16="http://schemas.microsoft.com/office/drawing/2014/main" id="{A1247C65-E9FE-684D-C577-C3EFF757A026}"/>
               </a:ext>
             </a:extLst>
           </p:cNvPr>
@@ -24738,7 +24752,7 @@
           <p:cNvPr id="15" name="图片 14">
             <a:extLst>
               <a:ext uri="{FF2B5EF4-FFF2-40B4-BE49-F238E27FC236}">
-                <a16:creationId xmlns:a16="http://schemas.microsoft.com/office/drawing/2014/main" xmlns="" id="{2E9CE1E3-2135-0036-6AC6-4F023E9FB9FB}"/>
+                <a16:creationId xmlns="" xmlns:a16="http://schemas.microsoft.com/office/drawing/2014/main" id="{2E9CE1E3-2135-0036-6AC6-4F023E9FB9FB}"/>
               </a:ext>
             </a:extLst>
           </p:cNvPr>
@@ -24768,7 +24782,7 @@
           <p:cNvPr id="16" name="图片 15">
             <a:extLst>
               <a:ext uri="{FF2B5EF4-FFF2-40B4-BE49-F238E27FC236}">
-                <a16:creationId xmlns:a16="http://schemas.microsoft.com/office/drawing/2014/main" xmlns="" id="{E105324A-0DF5-3CC5-8FA4-5C776E05B929}"/>
+                <a16:creationId xmlns="" xmlns:a16="http://schemas.microsoft.com/office/drawing/2014/main" id="{E105324A-0DF5-3CC5-8FA4-5C776E05B929}"/>
               </a:ext>
             </a:extLst>
           </p:cNvPr>
@@ -24798,7 +24812,7 @@
           <p:cNvPr id="17" name="图片 16">
             <a:extLst>
               <a:ext uri="{FF2B5EF4-FFF2-40B4-BE49-F238E27FC236}">
-                <a16:creationId xmlns:a16="http://schemas.microsoft.com/office/drawing/2014/main" xmlns="" id="{9B118434-3A73-4D47-C6D6-FBDC473A6E94}"/>
+                <a16:creationId xmlns="" xmlns:a16="http://schemas.microsoft.com/office/drawing/2014/main" id="{9B118434-3A73-4D47-C6D6-FBDC473A6E94}"/>
               </a:ext>
             </a:extLst>
           </p:cNvPr>
@@ -24828,7 +24842,7 @@
           <p:cNvPr id="18" name="图片 17">
             <a:extLst>
               <a:ext uri="{FF2B5EF4-FFF2-40B4-BE49-F238E27FC236}">
-                <a16:creationId xmlns:a16="http://schemas.microsoft.com/office/drawing/2014/main" xmlns="" id="{B4FACCEA-FD77-524D-0769-3E9B324ECE01}"/>
+                <a16:creationId xmlns="" xmlns:a16="http://schemas.microsoft.com/office/drawing/2014/main" id="{B4FACCEA-FD77-524D-0769-3E9B324ECE01}"/>
               </a:ext>
             </a:extLst>
           </p:cNvPr>
@@ -24858,7 +24872,7 @@
           <p:cNvPr id="19" name="Google Shape;87;p14">
             <a:extLst>
               <a:ext uri="{FF2B5EF4-FFF2-40B4-BE49-F238E27FC236}">
-                <a16:creationId xmlns:a16="http://schemas.microsoft.com/office/drawing/2014/main" xmlns="" id="{D5F99ADA-5751-0003-A146-8C3479B5FA29}"/>
+                <a16:creationId xmlns="" xmlns:a16="http://schemas.microsoft.com/office/drawing/2014/main" id="{D5F99ADA-5751-0003-A146-8C3479B5FA29}"/>
               </a:ext>
             </a:extLst>
           </p:cNvPr>
@@ -24892,7 +24906,7 @@
           <p:cNvPr id="21" name="Google Shape;87;p14">
             <a:extLst>
               <a:ext uri="{FF2B5EF4-FFF2-40B4-BE49-F238E27FC236}">
-                <a16:creationId xmlns:a16="http://schemas.microsoft.com/office/drawing/2014/main" xmlns="" id="{90F13ACB-01F8-F61D-B504-33D42F0F054E}"/>
+                <a16:creationId xmlns="" xmlns:a16="http://schemas.microsoft.com/office/drawing/2014/main" id="{90F13ACB-01F8-F61D-B504-33D42F0F054E}"/>
               </a:ext>
             </a:extLst>
           </p:cNvPr>
@@ -24926,7 +24940,7 @@
           <p:cNvPr id="24" name="Google Shape;85;p14">
             <a:extLst>
               <a:ext uri="{FF2B5EF4-FFF2-40B4-BE49-F238E27FC236}">
-                <a16:creationId xmlns:a16="http://schemas.microsoft.com/office/drawing/2014/main" xmlns="" id="{8498F254-73E8-BE24-4CFC-E75E188DD02A}"/>
+                <a16:creationId xmlns="" xmlns:a16="http://schemas.microsoft.com/office/drawing/2014/main" id="{8498F254-73E8-BE24-4CFC-E75E188DD02A}"/>
               </a:ext>
             </a:extLst>
           </p:cNvPr>
@@ -24967,7 +24981,7 @@
           <p:cNvPr id="25" name="Google Shape;85;p14">
             <a:extLst>
               <a:ext uri="{FF2B5EF4-FFF2-40B4-BE49-F238E27FC236}">
-                <a16:creationId xmlns:a16="http://schemas.microsoft.com/office/drawing/2014/main" xmlns="" id="{5C78CA6E-6DFC-515D-2D93-7149CE8D13F3}"/>
+                <a16:creationId xmlns="" xmlns:a16="http://schemas.microsoft.com/office/drawing/2014/main" id="{5C78CA6E-6DFC-515D-2D93-7149CE8D13F3}"/>
               </a:ext>
             </a:extLst>
           </p:cNvPr>
@@ -25008,7 +25022,7 @@
           <p:cNvPr id="26" name="Google Shape;90;p14">
             <a:extLst>
               <a:ext uri="{FF2B5EF4-FFF2-40B4-BE49-F238E27FC236}">
-                <a16:creationId xmlns:a16="http://schemas.microsoft.com/office/drawing/2014/main" xmlns="" id="{70D7F9C8-3F19-0671-CC95-0C6FF2D659F6}"/>
+                <a16:creationId xmlns="" xmlns:a16="http://schemas.microsoft.com/office/drawing/2014/main" id="{70D7F9C8-3F19-0671-CC95-0C6FF2D659F6}"/>
               </a:ext>
             </a:extLst>
           </p:cNvPr>
@@ -25042,7 +25056,7 @@
           <p:cNvPr id="27" name="Google Shape;83;p14">
             <a:extLst>
               <a:ext uri="{FF2B5EF4-FFF2-40B4-BE49-F238E27FC236}">
-                <a16:creationId xmlns:a16="http://schemas.microsoft.com/office/drawing/2014/main" xmlns="" id="{7612AD67-07A2-FFEB-0DE5-F90CDC1B4A5C}"/>
+                <a16:creationId xmlns="" xmlns:a16="http://schemas.microsoft.com/office/drawing/2014/main" id="{7612AD67-07A2-FFEB-0DE5-F90CDC1B4A5C}"/>
               </a:ext>
             </a:extLst>
           </p:cNvPr>
@@ -25087,7 +25101,7 @@
           <p:cNvPr id="28" name="Google Shape;83;p14">
             <a:extLst>
               <a:ext uri="{FF2B5EF4-FFF2-40B4-BE49-F238E27FC236}">
-                <a16:creationId xmlns:a16="http://schemas.microsoft.com/office/drawing/2014/main" xmlns="" id="{8DAAC8FF-3497-68B4-671F-222AE70DDC00}"/>
+                <a16:creationId xmlns="" xmlns:a16="http://schemas.microsoft.com/office/drawing/2014/main" id="{8DAAC8FF-3497-68B4-671F-222AE70DDC00}"/>
               </a:ext>
             </a:extLst>
           </p:cNvPr>
@@ -25132,7 +25146,7 @@
           <p:cNvPr id="29" name="矩形 28">
             <a:extLst>
               <a:ext uri="{FF2B5EF4-FFF2-40B4-BE49-F238E27FC236}">
-                <a16:creationId xmlns:a16="http://schemas.microsoft.com/office/drawing/2014/main" xmlns="" id="{F5D95F4C-2AC2-CBDE-25EE-8B0D5572C4DD}"/>
+                <a16:creationId xmlns="" xmlns:a16="http://schemas.microsoft.com/office/drawing/2014/main" id="{F5D95F4C-2AC2-CBDE-25EE-8B0D5572C4DD}"/>
               </a:ext>
             </a:extLst>
           </p:cNvPr>
@@ -25183,7 +25197,7 @@
           <p:cNvPr id="30" name="文本框 29">
             <a:extLst>
               <a:ext uri="{FF2B5EF4-FFF2-40B4-BE49-F238E27FC236}">
-                <a16:creationId xmlns:a16="http://schemas.microsoft.com/office/drawing/2014/main" xmlns="" id="{02CD6288-94AE-B133-56AB-163E634896EC}"/>
+                <a16:creationId xmlns="" xmlns:a16="http://schemas.microsoft.com/office/drawing/2014/main" id="{02CD6288-94AE-B133-56AB-163E634896EC}"/>
               </a:ext>
             </a:extLst>
           </p:cNvPr>
@@ -25252,7 +25266,7 @@
           <p:cNvPr id="2" name="标题 1">
             <a:extLst>
               <a:ext uri="{FF2B5EF4-FFF2-40B4-BE49-F238E27FC236}">
-                <a16:creationId xmlns:a16="http://schemas.microsoft.com/office/drawing/2014/main" xmlns="" id="{80796E82-7314-2FBE-2DE8-DDD70D4DF27E}"/>
+                <a16:creationId xmlns="" xmlns:a16="http://schemas.microsoft.com/office/drawing/2014/main" id="{80796E82-7314-2FBE-2DE8-DDD70D4DF27E}"/>
               </a:ext>
             </a:extLst>
           </p:cNvPr>
@@ -25301,7 +25315,7 @@
           <p:cNvPr id="5" name="椭圆 4">
             <a:extLst>
               <a:ext uri="{FF2B5EF4-FFF2-40B4-BE49-F238E27FC236}">
-                <a16:creationId xmlns:a16="http://schemas.microsoft.com/office/drawing/2014/main" xmlns="" id="{A020CC41-9901-5A10-06D8-1F19650A3A6A}"/>
+                <a16:creationId xmlns="" xmlns:a16="http://schemas.microsoft.com/office/drawing/2014/main" id="{A020CC41-9901-5A10-06D8-1F19650A3A6A}"/>
               </a:ext>
             </a:extLst>
           </p:cNvPr>
@@ -25353,7 +25367,7 @@
           <p:cNvPr id="6" name="Google Shape;74;p14">
             <a:extLst>
               <a:ext uri="{FF2B5EF4-FFF2-40B4-BE49-F238E27FC236}">
-                <a16:creationId xmlns:a16="http://schemas.microsoft.com/office/drawing/2014/main" xmlns="" id="{8ABB2948-CF7D-7BD6-14B8-367574244CB2}"/>
+                <a16:creationId xmlns="" xmlns:a16="http://schemas.microsoft.com/office/drawing/2014/main" id="{8ABB2948-CF7D-7BD6-14B8-367574244CB2}"/>
               </a:ext>
             </a:extLst>
           </p:cNvPr>
@@ -25387,7 +25401,7 @@
           <p:cNvPr id="7" name="Google Shape;75;p14">
             <a:extLst>
               <a:ext uri="{FF2B5EF4-FFF2-40B4-BE49-F238E27FC236}">
-                <a16:creationId xmlns:a16="http://schemas.microsoft.com/office/drawing/2014/main" xmlns="" id="{744D1F6B-EBF7-049C-9CBC-D2BD265B8DB5}"/>
+                <a16:creationId xmlns="" xmlns:a16="http://schemas.microsoft.com/office/drawing/2014/main" id="{744D1F6B-EBF7-049C-9CBC-D2BD265B8DB5}"/>
               </a:ext>
             </a:extLst>
           </p:cNvPr>
@@ -25421,7 +25435,7 @@
           <p:cNvPr id="8" name="Google Shape;76;p14">
             <a:extLst>
               <a:ext uri="{FF2B5EF4-FFF2-40B4-BE49-F238E27FC236}">
-                <a16:creationId xmlns:a16="http://schemas.microsoft.com/office/drawing/2014/main" xmlns="" id="{A0604560-830C-4AC9-3717-031AA48B5D45}"/>
+                <a16:creationId xmlns="" xmlns:a16="http://schemas.microsoft.com/office/drawing/2014/main" id="{A0604560-830C-4AC9-3717-031AA48B5D45}"/>
               </a:ext>
             </a:extLst>
           </p:cNvPr>
@@ -25455,7 +25469,7 @@
           <p:cNvPr id="9" name="Google Shape;77;p14">
             <a:extLst>
               <a:ext uri="{FF2B5EF4-FFF2-40B4-BE49-F238E27FC236}">
-                <a16:creationId xmlns:a16="http://schemas.microsoft.com/office/drawing/2014/main" xmlns="" id="{DC03C87C-87BB-A5EB-0D50-DDB31F93A6C2}"/>
+                <a16:creationId xmlns="" xmlns:a16="http://schemas.microsoft.com/office/drawing/2014/main" id="{DC03C87C-87BB-A5EB-0D50-DDB31F93A6C2}"/>
               </a:ext>
             </a:extLst>
           </p:cNvPr>
@@ -25489,7 +25503,7 @@
           <p:cNvPr id="10" name="Google Shape;78;p14">
             <a:extLst>
               <a:ext uri="{FF2B5EF4-FFF2-40B4-BE49-F238E27FC236}">
-                <a16:creationId xmlns:a16="http://schemas.microsoft.com/office/drawing/2014/main" xmlns="" id="{281D3DED-9B64-E88B-FC5F-0C30B82A9484}"/>
+                <a16:creationId xmlns="" xmlns:a16="http://schemas.microsoft.com/office/drawing/2014/main" id="{281D3DED-9B64-E88B-FC5F-0C30B82A9484}"/>
               </a:ext>
             </a:extLst>
           </p:cNvPr>
@@ -25523,7 +25537,7 @@
           <p:cNvPr id="11" name="Google Shape;79;p14">
             <a:extLst>
               <a:ext uri="{FF2B5EF4-FFF2-40B4-BE49-F238E27FC236}">
-                <a16:creationId xmlns:a16="http://schemas.microsoft.com/office/drawing/2014/main" xmlns="" id="{0DAE55E6-D474-C395-BC84-8ACA3CE820A0}"/>
+                <a16:creationId xmlns="" xmlns:a16="http://schemas.microsoft.com/office/drawing/2014/main" id="{0DAE55E6-D474-C395-BC84-8ACA3CE820A0}"/>
               </a:ext>
             </a:extLst>
           </p:cNvPr>
@@ -25557,7 +25571,7 @@
           <p:cNvPr id="12" name="Google Shape;80;p14">
             <a:extLst>
               <a:ext uri="{FF2B5EF4-FFF2-40B4-BE49-F238E27FC236}">
-                <a16:creationId xmlns:a16="http://schemas.microsoft.com/office/drawing/2014/main" xmlns="" id="{3A5AAC50-9F06-A76F-B20B-35CF3612E825}"/>
+                <a16:creationId xmlns="" xmlns:a16="http://schemas.microsoft.com/office/drawing/2014/main" id="{3A5AAC50-9F06-A76F-B20B-35CF3612E825}"/>
               </a:ext>
             </a:extLst>
           </p:cNvPr>
@@ -25591,7 +25605,7 @@
           <p:cNvPr id="13" name="Google Shape;81;p14">
             <a:extLst>
               <a:ext uri="{FF2B5EF4-FFF2-40B4-BE49-F238E27FC236}">
-                <a16:creationId xmlns:a16="http://schemas.microsoft.com/office/drawing/2014/main" xmlns="" id="{F33B3BEC-1095-E464-2D03-703E55B0F8A0}"/>
+                <a16:creationId xmlns="" xmlns:a16="http://schemas.microsoft.com/office/drawing/2014/main" id="{F33B3BEC-1095-E464-2D03-703E55B0F8A0}"/>
               </a:ext>
             </a:extLst>
           </p:cNvPr>
@@ -25625,7 +25639,7 @@
           <p:cNvPr id="19" name="Google Shape;87;p14">
             <a:extLst>
               <a:ext uri="{FF2B5EF4-FFF2-40B4-BE49-F238E27FC236}">
-                <a16:creationId xmlns:a16="http://schemas.microsoft.com/office/drawing/2014/main" xmlns="" id="{D5F99ADA-5751-0003-A146-8C3479B5FA29}"/>
+                <a16:creationId xmlns="" xmlns:a16="http://schemas.microsoft.com/office/drawing/2014/main" id="{D5F99ADA-5751-0003-A146-8C3479B5FA29}"/>
               </a:ext>
             </a:extLst>
           </p:cNvPr>
@@ -25659,7 +25673,7 @@
           <p:cNvPr id="24" name="Google Shape;85;p14">
             <a:extLst>
               <a:ext uri="{FF2B5EF4-FFF2-40B4-BE49-F238E27FC236}">
-                <a16:creationId xmlns:a16="http://schemas.microsoft.com/office/drawing/2014/main" xmlns="" id="{8498F254-73E8-BE24-4CFC-E75E188DD02A}"/>
+                <a16:creationId xmlns="" xmlns:a16="http://schemas.microsoft.com/office/drawing/2014/main" id="{8498F254-73E8-BE24-4CFC-E75E188DD02A}"/>
               </a:ext>
             </a:extLst>
           </p:cNvPr>
@@ -25700,7 +25714,7 @@
           <p:cNvPr id="21" name="Google Shape;87;p14">
             <a:extLst>
               <a:ext uri="{FF2B5EF4-FFF2-40B4-BE49-F238E27FC236}">
-                <a16:creationId xmlns:a16="http://schemas.microsoft.com/office/drawing/2014/main" xmlns="" id="{90F13ACB-01F8-F61D-B504-33D42F0F054E}"/>
+                <a16:creationId xmlns="" xmlns:a16="http://schemas.microsoft.com/office/drawing/2014/main" id="{90F13ACB-01F8-F61D-B504-33D42F0F054E}"/>
               </a:ext>
             </a:extLst>
           </p:cNvPr>
@@ -25734,7 +25748,7 @@
           <p:cNvPr id="25" name="Google Shape;85;p14">
             <a:extLst>
               <a:ext uri="{FF2B5EF4-FFF2-40B4-BE49-F238E27FC236}">
-                <a16:creationId xmlns:a16="http://schemas.microsoft.com/office/drawing/2014/main" xmlns="" id="{5C78CA6E-6DFC-515D-2D93-7149CE8D13F3}"/>
+                <a16:creationId xmlns="" xmlns:a16="http://schemas.microsoft.com/office/drawing/2014/main" id="{5C78CA6E-6DFC-515D-2D93-7149CE8D13F3}"/>
               </a:ext>
             </a:extLst>
           </p:cNvPr>
@@ -25775,7 +25789,7 @@
           <p:cNvPr id="26" name="Google Shape;90;p14">
             <a:extLst>
               <a:ext uri="{FF2B5EF4-FFF2-40B4-BE49-F238E27FC236}">
-                <a16:creationId xmlns:a16="http://schemas.microsoft.com/office/drawing/2014/main" xmlns="" id="{70D7F9C8-3F19-0671-CC95-0C6FF2D659F6}"/>
+                <a16:creationId xmlns="" xmlns:a16="http://schemas.microsoft.com/office/drawing/2014/main" id="{70D7F9C8-3F19-0671-CC95-0C6FF2D659F6}"/>
               </a:ext>
             </a:extLst>
           </p:cNvPr>
@@ -25809,7 +25823,7 @@
           <p:cNvPr id="27" name="Google Shape;100;p14">
             <a:extLst>
               <a:ext uri="{FF2B5EF4-FFF2-40B4-BE49-F238E27FC236}">
-                <a16:creationId xmlns:a16="http://schemas.microsoft.com/office/drawing/2014/main" xmlns="" id="{F8A7C898-9B48-9B98-9416-6CC35654182E}"/>
+                <a16:creationId xmlns="" xmlns:a16="http://schemas.microsoft.com/office/drawing/2014/main" id="{F8A7C898-9B48-9B98-9416-6CC35654182E}"/>
               </a:ext>
             </a:extLst>
           </p:cNvPr>
@@ -25852,7 +25866,7 @@
           <p:cNvPr id="28" name="Google Shape;100;p14">
             <a:extLst>
               <a:ext uri="{FF2B5EF4-FFF2-40B4-BE49-F238E27FC236}">
-                <a16:creationId xmlns:a16="http://schemas.microsoft.com/office/drawing/2014/main" xmlns="" id="{3EA7DA9C-7016-E18A-3815-E4ABF57833E3}"/>
+                <a16:creationId xmlns="" xmlns:a16="http://schemas.microsoft.com/office/drawing/2014/main" id="{3EA7DA9C-7016-E18A-3815-E4ABF57833E3}"/>
               </a:ext>
             </a:extLst>
           </p:cNvPr>
@@ -25895,7 +25909,7 @@
           <p:cNvPr id="29" name="Google Shape;100;p14">
             <a:extLst>
               <a:ext uri="{FF2B5EF4-FFF2-40B4-BE49-F238E27FC236}">
-                <a16:creationId xmlns:a16="http://schemas.microsoft.com/office/drawing/2014/main" xmlns="" id="{A17C1FA6-D0D2-529D-9879-E520D1CE77D6}"/>
+                <a16:creationId xmlns="" xmlns:a16="http://schemas.microsoft.com/office/drawing/2014/main" id="{A17C1FA6-D0D2-529D-9879-E520D1CE77D6}"/>
               </a:ext>
             </a:extLst>
           </p:cNvPr>
@@ -25938,7 +25952,7 @@
           <p:cNvPr id="30" name="Google Shape;100;p14">
             <a:extLst>
               <a:ext uri="{FF2B5EF4-FFF2-40B4-BE49-F238E27FC236}">
-                <a16:creationId xmlns:a16="http://schemas.microsoft.com/office/drawing/2014/main" xmlns="" id="{04D7ED66-035D-0386-E0EE-BA6FE024830F}"/>
+                <a16:creationId xmlns="" xmlns:a16="http://schemas.microsoft.com/office/drawing/2014/main" id="{04D7ED66-035D-0386-E0EE-BA6FE024830F}"/>
               </a:ext>
             </a:extLst>
           </p:cNvPr>
@@ -25981,7 +25995,7 @@
           <p:cNvPr id="31" name="Google Shape;100;p14">
             <a:extLst>
               <a:ext uri="{FF2B5EF4-FFF2-40B4-BE49-F238E27FC236}">
-                <a16:creationId xmlns:a16="http://schemas.microsoft.com/office/drawing/2014/main" xmlns="" id="{C7775653-CC84-E4C0-151C-20531BC61B52}"/>
+                <a16:creationId xmlns="" xmlns:a16="http://schemas.microsoft.com/office/drawing/2014/main" id="{C7775653-CC84-E4C0-151C-20531BC61B52}"/>
               </a:ext>
             </a:extLst>
           </p:cNvPr>
@@ -26024,7 +26038,7 @@
           <p:cNvPr id="33" name="Google Shape;83;p14">
             <a:extLst>
               <a:ext uri="{FF2B5EF4-FFF2-40B4-BE49-F238E27FC236}">
-                <a16:creationId xmlns:a16="http://schemas.microsoft.com/office/drawing/2014/main" xmlns="" id="{BC3B66DE-CAB4-4145-73F1-EC5796C670B2}"/>
+                <a16:creationId xmlns="" xmlns:a16="http://schemas.microsoft.com/office/drawing/2014/main" id="{BC3B66DE-CAB4-4145-73F1-EC5796C670B2}"/>
               </a:ext>
             </a:extLst>
           </p:cNvPr>
@@ -26069,7 +26083,7 @@
           <p:cNvPr id="32" name="Google Shape;83;p14">
             <a:extLst>
               <a:ext uri="{FF2B5EF4-FFF2-40B4-BE49-F238E27FC236}">
-                <a16:creationId xmlns:a16="http://schemas.microsoft.com/office/drawing/2014/main" xmlns="" id="{D89174EE-20E3-9DC6-DAF2-2B277BF0CA73}"/>
+                <a16:creationId xmlns="" xmlns:a16="http://schemas.microsoft.com/office/drawing/2014/main" id="{D89174EE-20E3-9DC6-DAF2-2B277BF0CA73}"/>
               </a:ext>
             </a:extLst>
           </p:cNvPr>
@@ -26114,7 +26128,7 @@
           <p:cNvPr id="15" name="图片 14">
             <a:extLst>
               <a:ext uri="{FF2B5EF4-FFF2-40B4-BE49-F238E27FC236}">
-                <a16:creationId xmlns:a16="http://schemas.microsoft.com/office/drawing/2014/main" xmlns="" id="{2E9CE1E3-2135-0036-6AC6-4F023E9FB9FB}"/>
+                <a16:creationId xmlns="" xmlns:a16="http://schemas.microsoft.com/office/drawing/2014/main" id="{2E9CE1E3-2135-0036-6AC6-4F023E9FB9FB}"/>
               </a:ext>
             </a:extLst>
           </p:cNvPr>
@@ -26144,7 +26158,7 @@
           <p:cNvPr id="18" name="图片 17">
             <a:extLst>
               <a:ext uri="{FF2B5EF4-FFF2-40B4-BE49-F238E27FC236}">
-                <a16:creationId xmlns:a16="http://schemas.microsoft.com/office/drawing/2014/main" xmlns="" id="{B4FACCEA-FD77-524D-0769-3E9B324ECE01}"/>
+                <a16:creationId xmlns="" xmlns:a16="http://schemas.microsoft.com/office/drawing/2014/main" id="{B4FACCEA-FD77-524D-0769-3E9B324ECE01}"/>
               </a:ext>
             </a:extLst>
           </p:cNvPr>
@@ -26174,7 +26188,7 @@
           <p:cNvPr id="16" name="图片 15">
             <a:extLst>
               <a:ext uri="{FF2B5EF4-FFF2-40B4-BE49-F238E27FC236}">
-                <a16:creationId xmlns:a16="http://schemas.microsoft.com/office/drawing/2014/main" xmlns="" id="{E105324A-0DF5-3CC5-8FA4-5C776E05B929}"/>
+                <a16:creationId xmlns="" xmlns:a16="http://schemas.microsoft.com/office/drawing/2014/main" id="{E105324A-0DF5-3CC5-8FA4-5C776E05B929}"/>
               </a:ext>
             </a:extLst>
           </p:cNvPr>
@@ -26204,7 +26218,7 @@
           <p:cNvPr id="14" name="图片 13">
             <a:extLst>
               <a:ext uri="{FF2B5EF4-FFF2-40B4-BE49-F238E27FC236}">
-                <a16:creationId xmlns:a16="http://schemas.microsoft.com/office/drawing/2014/main" xmlns="" id="{A1247C65-E9FE-684D-C577-C3EFF757A026}"/>
+                <a16:creationId xmlns="" xmlns:a16="http://schemas.microsoft.com/office/drawing/2014/main" id="{A1247C65-E9FE-684D-C577-C3EFF757A026}"/>
               </a:ext>
             </a:extLst>
           </p:cNvPr>
@@ -26234,7 +26248,7 @@
           <p:cNvPr id="17" name="图片 16">
             <a:extLst>
               <a:ext uri="{FF2B5EF4-FFF2-40B4-BE49-F238E27FC236}">
-                <a16:creationId xmlns:a16="http://schemas.microsoft.com/office/drawing/2014/main" xmlns="" id="{9B118434-3A73-4D47-C6D6-FBDC473A6E94}"/>
+                <a16:creationId xmlns="" xmlns:a16="http://schemas.microsoft.com/office/drawing/2014/main" id="{9B118434-3A73-4D47-C6D6-FBDC473A6E94}"/>
               </a:ext>
             </a:extLst>
           </p:cNvPr>

--- a/机制图示.pptx
+++ b/机制图示.pptx
@@ -5,7 +5,7 @@
     <p:sldMasterId id="2147483648" r:id="rId1"/>
   </p:sldMasterIdLst>
   <p:notesMasterIdLst>
-    <p:notesMasterId r:id="rId35"/>
+    <p:notesMasterId r:id="rId37"/>
   </p:notesMasterIdLst>
   <p:sldIdLst>
     <p:sldId id="273" r:id="rId2"/>
@@ -41,6 +41,8 @@
     <p:sldId id="280" r:id="rId32"/>
     <p:sldId id="281" r:id="rId33"/>
     <p:sldId id="282" r:id="rId34"/>
+    <p:sldId id="290" r:id="rId35"/>
+    <p:sldId id="291" r:id="rId36"/>
   </p:sldIdLst>
   <p:sldSz cx="12192000" cy="6858000"/>
   <p:notesSz cx="6858000" cy="9144000"/>
@@ -229,7 +231,7 @@
           <a:p>
             <a:fld id="{93FFD0A6-741C-4C59-A922-D8D610EF6968}" type="datetimeFigureOut">
               <a:rPr lang="zh-CN" altLang="en-US" smtClean="0"/>
-              <a:t>2022/7/31</a:t>
+              <a:t>2022/8/1</a:t>
             </a:fld>
             <a:endParaRPr lang="zh-CN" altLang="en-US"/>
           </a:p>
@@ -627,7 +629,7 @@
           <p:cNvPr id="2" name="标题 1">
             <a:extLst>
               <a:ext uri="{FF2B5EF4-FFF2-40B4-BE49-F238E27FC236}">
-                <a16:creationId xmlns:a16="http://schemas.microsoft.com/office/drawing/2014/main" id="{4C529C05-6993-E374-2DE2-7EC1B69BA1EE}"/>
+                <a16:creationId xmlns:a16="http://schemas.microsoft.com/office/drawing/2014/main" xmlns="" id="{4C529C05-6993-E374-2DE2-7EC1B69BA1EE}"/>
               </a:ext>
             </a:extLst>
           </p:cNvPr>
@@ -664,7 +666,7 @@
           <p:cNvPr id="3" name="副标题 2">
             <a:extLst>
               <a:ext uri="{FF2B5EF4-FFF2-40B4-BE49-F238E27FC236}">
-                <a16:creationId xmlns:a16="http://schemas.microsoft.com/office/drawing/2014/main" id="{8D685AB2-71E0-83AD-E648-EA31522F89AA}"/>
+                <a16:creationId xmlns:a16="http://schemas.microsoft.com/office/drawing/2014/main" xmlns="" id="{8D685AB2-71E0-83AD-E648-EA31522F89AA}"/>
               </a:ext>
             </a:extLst>
           </p:cNvPr>
@@ -734,7 +736,7 @@
           <p:cNvPr id="4" name="日期占位符 3">
             <a:extLst>
               <a:ext uri="{FF2B5EF4-FFF2-40B4-BE49-F238E27FC236}">
-                <a16:creationId xmlns:a16="http://schemas.microsoft.com/office/drawing/2014/main" id="{C45A1BBE-92AA-97BD-9EDC-AF0FF54A8CA6}"/>
+                <a16:creationId xmlns:a16="http://schemas.microsoft.com/office/drawing/2014/main" xmlns="" id="{C45A1BBE-92AA-97BD-9EDC-AF0FF54A8CA6}"/>
               </a:ext>
             </a:extLst>
           </p:cNvPr>
@@ -752,7 +754,7 @@
           <a:p>
             <a:fld id="{BA054789-EACE-4F0B-85CE-A0AE8F37913A}" type="datetimeFigureOut">
               <a:rPr lang="zh-CN" altLang="en-US" smtClean="0"/>
-              <a:t>2022/7/31</a:t>
+              <a:t>2022/8/1</a:t>
             </a:fld>
             <a:endParaRPr lang="zh-CN" altLang="en-US"/>
           </a:p>
@@ -763,7 +765,7 @@
           <p:cNvPr id="5" name="页脚占位符 4">
             <a:extLst>
               <a:ext uri="{FF2B5EF4-FFF2-40B4-BE49-F238E27FC236}">
-                <a16:creationId xmlns:a16="http://schemas.microsoft.com/office/drawing/2014/main" id="{E277CA1F-C9EC-9993-71F1-866A8154ED53}"/>
+                <a16:creationId xmlns:a16="http://schemas.microsoft.com/office/drawing/2014/main" xmlns="" id="{E277CA1F-C9EC-9993-71F1-866A8154ED53}"/>
               </a:ext>
             </a:extLst>
           </p:cNvPr>
@@ -788,7 +790,7 @@
           <p:cNvPr id="6" name="灯片编号占位符 5">
             <a:extLst>
               <a:ext uri="{FF2B5EF4-FFF2-40B4-BE49-F238E27FC236}">
-                <a16:creationId xmlns:a16="http://schemas.microsoft.com/office/drawing/2014/main" id="{0922099B-A7A5-E88B-B7B1-0425B195CADF}"/>
+                <a16:creationId xmlns:a16="http://schemas.microsoft.com/office/drawing/2014/main" xmlns="" id="{0922099B-A7A5-E88B-B7B1-0425B195CADF}"/>
               </a:ext>
             </a:extLst>
           </p:cNvPr>
@@ -847,7 +849,7 @@
           <p:cNvPr id="2" name="标题 1">
             <a:extLst>
               <a:ext uri="{FF2B5EF4-FFF2-40B4-BE49-F238E27FC236}">
-                <a16:creationId xmlns:a16="http://schemas.microsoft.com/office/drawing/2014/main" id="{4F5DFE4F-2322-BE5D-1ACB-D8FCEDC42378}"/>
+                <a16:creationId xmlns:a16="http://schemas.microsoft.com/office/drawing/2014/main" xmlns="" id="{4F5DFE4F-2322-BE5D-1ACB-D8FCEDC42378}"/>
               </a:ext>
             </a:extLst>
           </p:cNvPr>
@@ -875,7 +877,7 @@
           <p:cNvPr id="3" name="竖排文字占位符 2">
             <a:extLst>
               <a:ext uri="{FF2B5EF4-FFF2-40B4-BE49-F238E27FC236}">
-                <a16:creationId xmlns:a16="http://schemas.microsoft.com/office/drawing/2014/main" id="{8088D73B-E816-C321-246D-CD37EBC9C0AB}"/>
+                <a16:creationId xmlns:a16="http://schemas.microsoft.com/office/drawing/2014/main" xmlns="" id="{8088D73B-E816-C321-246D-CD37EBC9C0AB}"/>
               </a:ext>
             </a:extLst>
           </p:cNvPr>
@@ -932,7 +934,7 @@
           <p:cNvPr id="4" name="日期占位符 3">
             <a:extLst>
               <a:ext uri="{FF2B5EF4-FFF2-40B4-BE49-F238E27FC236}">
-                <a16:creationId xmlns:a16="http://schemas.microsoft.com/office/drawing/2014/main" id="{8DECFDC4-0E3F-9145-8C63-E9FFF453FFAB}"/>
+                <a16:creationId xmlns:a16="http://schemas.microsoft.com/office/drawing/2014/main" xmlns="" id="{8DECFDC4-0E3F-9145-8C63-E9FFF453FFAB}"/>
               </a:ext>
             </a:extLst>
           </p:cNvPr>
@@ -950,7 +952,7 @@
           <a:p>
             <a:fld id="{BA054789-EACE-4F0B-85CE-A0AE8F37913A}" type="datetimeFigureOut">
               <a:rPr lang="zh-CN" altLang="en-US" smtClean="0"/>
-              <a:t>2022/7/31</a:t>
+              <a:t>2022/8/1</a:t>
             </a:fld>
             <a:endParaRPr lang="zh-CN" altLang="en-US"/>
           </a:p>
@@ -961,7 +963,7 @@
           <p:cNvPr id="5" name="页脚占位符 4">
             <a:extLst>
               <a:ext uri="{FF2B5EF4-FFF2-40B4-BE49-F238E27FC236}">
-                <a16:creationId xmlns:a16="http://schemas.microsoft.com/office/drawing/2014/main" id="{A3D62DD7-5525-B4BA-AA03-25FF4C0403A6}"/>
+                <a16:creationId xmlns:a16="http://schemas.microsoft.com/office/drawing/2014/main" xmlns="" id="{A3D62DD7-5525-B4BA-AA03-25FF4C0403A6}"/>
               </a:ext>
             </a:extLst>
           </p:cNvPr>
@@ -986,7 +988,7 @@
           <p:cNvPr id="6" name="灯片编号占位符 5">
             <a:extLst>
               <a:ext uri="{FF2B5EF4-FFF2-40B4-BE49-F238E27FC236}">
-                <a16:creationId xmlns:a16="http://schemas.microsoft.com/office/drawing/2014/main" id="{98F7AC82-750A-6BA1-A70D-D2E8ED618DE1}"/>
+                <a16:creationId xmlns:a16="http://schemas.microsoft.com/office/drawing/2014/main" xmlns="" id="{98F7AC82-750A-6BA1-A70D-D2E8ED618DE1}"/>
               </a:ext>
             </a:extLst>
           </p:cNvPr>
@@ -1045,7 +1047,7 @@
           <p:cNvPr id="2" name="竖排标题 1">
             <a:extLst>
               <a:ext uri="{FF2B5EF4-FFF2-40B4-BE49-F238E27FC236}">
-                <a16:creationId xmlns:a16="http://schemas.microsoft.com/office/drawing/2014/main" id="{4CF83B1B-91B5-671F-A161-727C9B763214}"/>
+                <a16:creationId xmlns:a16="http://schemas.microsoft.com/office/drawing/2014/main" xmlns="" id="{4CF83B1B-91B5-671F-A161-727C9B763214}"/>
               </a:ext>
             </a:extLst>
           </p:cNvPr>
@@ -1078,7 +1080,7 @@
           <p:cNvPr id="3" name="竖排文字占位符 2">
             <a:extLst>
               <a:ext uri="{FF2B5EF4-FFF2-40B4-BE49-F238E27FC236}">
-                <a16:creationId xmlns:a16="http://schemas.microsoft.com/office/drawing/2014/main" id="{BB08FF4A-FB49-2B3B-B3D5-164AC935EAC3}"/>
+                <a16:creationId xmlns:a16="http://schemas.microsoft.com/office/drawing/2014/main" xmlns="" id="{BB08FF4A-FB49-2B3B-B3D5-164AC935EAC3}"/>
               </a:ext>
             </a:extLst>
           </p:cNvPr>
@@ -1140,7 +1142,7 @@
           <p:cNvPr id="4" name="日期占位符 3">
             <a:extLst>
               <a:ext uri="{FF2B5EF4-FFF2-40B4-BE49-F238E27FC236}">
-                <a16:creationId xmlns:a16="http://schemas.microsoft.com/office/drawing/2014/main" id="{7BB95ED0-C4BA-DCCD-2E70-7B800185D571}"/>
+                <a16:creationId xmlns:a16="http://schemas.microsoft.com/office/drawing/2014/main" xmlns="" id="{7BB95ED0-C4BA-DCCD-2E70-7B800185D571}"/>
               </a:ext>
             </a:extLst>
           </p:cNvPr>
@@ -1158,7 +1160,7 @@
           <a:p>
             <a:fld id="{BA054789-EACE-4F0B-85CE-A0AE8F37913A}" type="datetimeFigureOut">
               <a:rPr lang="zh-CN" altLang="en-US" smtClean="0"/>
-              <a:t>2022/7/31</a:t>
+              <a:t>2022/8/1</a:t>
             </a:fld>
             <a:endParaRPr lang="zh-CN" altLang="en-US"/>
           </a:p>
@@ -1169,7 +1171,7 @@
           <p:cNvPr id="5" name="页脚占位符 4">
             <a:extLst>
               <a:ext uri="{FF2B5EF4-FFF2-40B4-BE49-F238E27FC236}">
-                <a16:creationId xmlns:a16="http://schemas.microsoft.com/office/drawing/2014/main" id="{1BF31E75-820B-0F48-C8C2-00D1C17A0DE1}"/>
+                <a16:creationId xmlns:a16="http://schemas.microsoft.com/office/drawing/2014/main" xmlns="" id="{1BF31E75-820B-0F48-C8C2-00D1C17A0DE1}"/>
               </a:ext>
             </a:extLst>
           </p:cNvPr>
@@ -1194,7 +1196,7 @@
           <p:cNvPr id="6" name="灯片编号占位符 5">
             <a:extLst>
               <a:ext uri="{FF2B5EF4-FFF2-40B4-BE49-F238E27FC236}">
-                <a16:creationId xmlns:a16="http://schemas.microsoft.com/office/drawing/2014/main" id="{C44676BC-DB8F-6385-CCAA-24A642617E4C}"/>
+                <a16:creationId xmlns:a16="http://schemas.microsoft.com/office/drawing/2014/main" xmlns="" id="{C44676BC-DB8F-6385-CCAA-24A642617E4C}"/>
               </a:ext>
             </a:extLst>
           </p:cNvPr>
@@ -1612,7 +1614,7 @@
           <p:cNvPr id="2" name="标题 1">
             <a:extLst>
               <a:ext uri="{FF2B5EF4-FFF2-40B4-BE49-F238E27FC236}">
-                <a16:creationId xmlns:a16="http://schemas.microsoft.com/office/drawing/2014/main" id="{4A602A98-C390-5A43-8761-0489D4B42846}"/>
+                <a16:creationId xmlns:a16="http://schemas.microsoft.com/office/drawing/2014/main" xmlns="" id="{4A602A98-C390-5A43-8761-0489D4B42846}"/>
               </a:ext>
             </a:extLst>
           </p:cNvPr>
@@ -1640,7 +1642,7 @@
           <p:cNvPr id="3" name="内容占位符 2">
             <a:extLst>
               <a:ext uri="{FF2B5EF4-FFF2-40B4-BE49-F238E27FC236}">
-                <a16:creationId xmlns:a16="http://schemas.microsoft.com/office/drawing/2014/main" id="{11B58BD3-77FD-090F-EBEA-977F10D69F9C}"/>
+                <a16:creationId xmlns:a16="http://schemas.microsoft.com/office/drawing/2014/main" xmlns="" id="{11B58BD3-77FD-090F-EBEA-977F10D69F9C}"/>
               </a:ext>
             </a:extLst>
           </p:cNvPr>
@@ -1697,7 +1699,7 @@
           <p:cNvPr id="4" name="日期占位符 3">
             <a:extLst>
               <a:ext uri="{FF2B5EF4-FFF2-40B4-BE49-F238E27FC236}">
-                <a16:creationId xmlns:a16="http://schemas.microsoft.com/office/drawing/2014/main" id="{2F2888FE-0D56-D838-DDA2-9036767B7B83}"/>
+                <a16:creationId xmlns:a16="http://schemas.microsoft.com/office/drawing/2014/main" xmlns="" id="{2F2888FE-0D56-D838-DDA2-9036767B7B83}"/>
               </a:ext>
             </a:extLst>
           </p:cNvPr>
@@ -1715,7 +1717,7 @@
           <a:p>
             <a:fld id="{BA054789-EACE-4F0B-85CE-A0AE8F37913A}" type="datetimeFigureOut">
               <a:rPr lang="zh-CN" altLang="en-US" smtClean="0"/>
-              <a:t>2022/7/31</a:t>
+              <a:t>2022/8/1</a:t>
             </a:fld>
             <a:endParaRPr lang="zh-CN" altLang="en-US"/>
           </a:p>
@@ -1726,7 +1728,7 @@
           <p:cNvPr id="5" name="页脚占位符 4">
             <a:extLst>
               <a:ext uri="{FF2B5EF4-FFF2-40B4-BE49-F238E27FC236}">
-                <a16:creationId xmlns:a16="http://schemas.microsoft.com/office/drawing/2014/main" id="{C9C7A18B-7856-24E0-6F3C-CD298036521A}"/>
+                <a16:creationId xmlns:a16="http://schemas.microsoft.com/office/drawing/2014/main" xmlns="" id="{C9C7A18B-7856-24E0-6F3C-CD298036521A}"/>
               </a:ext>
             </a:extLst>
           </p:cNvPr>
@@ -1751,7 +1753,7 @@
           <p:cNvPr id="6" name="灯片编号占位符 5">
             <a:extLst>
               <a:ext uri="{FF2B5EF4-FFF2-40B4-BE49-F238E27FC236}">
-                <a16:creationId xmlns:a16="http://schemas.microsoft.com/office/drawing/2014/main" id="{FC863C35-49EE-AE1E-476A-2115AB2F951A}"/>
+                <a16:creationId xmlns:a16="http://schemas.microsoft.com/office/drawing/2014/main" xmlns="" id="{FC863C35-49EE-AE1E-476A-2115AB2F951A}"/>
               </a:ext>
             </a:extLst>
           </p:cNvPr>
@@ -1810,7 +1812,7 @@
           <p:cNvPr id="2" name="标题 1">
             <a:extLst>
               <a:ext uri="{FF2B5EF4-FFF2-40B4-BE49-F238E27FC236}">
-                <a16:creationId xmlns:a16="http://schemas.microsoft.com/office/drawing/2014/main" id="{866638DE-98B5-DDC3-B3F8-3E4400828480}"/>
+                <a16:creationId xmlns:a16="http://schemas.microsoft.com/office/drawing/2014/main" xmlns="" id="{866638DE-98B5-DDC3-B3F8-3E4400828480}"/>
               </a:ext>
             </a:extLst>
           </p:cNvPr>
@@ -1847,7 +1849,7 @@
           <p:cNvPr id="3" name="文本占位符 2">
             <a:extLst>
               <a:ext uri="{FF2B5EF4-FFF2-40B4-BE49-F238E27FC236}">
-                <a16:creationId xmlns:a16="http://schemas.microsoft.com/office/drawing/2014/main" id="{04B7A2A4-817D-77B2-4735-132E59CD17F6}"/>
+                <a16:creationId xmlns:a16="http://schemas.microsoft.com/office/drawing/2014/main" xmlns="" id="{04B7A2A4-817D-77B2-4735-132E59CD17F6}"/>
               </a:ext>
             </a:extLst>
           </p:cNvPr>
@@ -1972,7 +1974,7 @@
           <p:cNvPr id="4" name="日期占位符 3">
             <a:extLst>
               <a:ext uri="{FF2B5EF4-FFF2-40B4-BE49-F238E27FC236}">
-                <a16:creationId xmlns:a16="http://schemas.microsoft.com/office/drawing/2014/main" id="{183CA83E-8AFE-5A62-E830-EB8E09B4095F}"/>
+                <a16:creationId xmlns:a16="http://schemas.microsoft.com/office/drawing/2014/main" xmlns="" id="{183CA83E-8AFE-5A62-E830-EB8E09B4095F}"/>
               </a:ext>
             </a:extLst>
           </p:cNvPr>
@@ -1990,7 +1992,7 @@
           <a:p>
             <a:fld id="{BA054789-EACE-4F0B-85CE-A0AE8F37913A}" type="datetimeFigureOut">
               <a:rPr lang="zh-CN" altLang="en-US" smtClean="0"/>
-              <a:t>2022/7/31</a:t>
+              <a:t>2022/8/1</a:t>
             </a:fld>
             <a:endParaRPr lang="zh-CN" altLang="en-US"/>
           </a:p>
@@ -2001,7 +2003,7 @@
           <p:cNvPr id="5" name="页脚占位符 4">
             <a:extLst>
               <a:ext uri="{FF2B5EF4-FFF2-40B4-BE49-F238E27FC236}">
-                <a16:creationId xmlns:a16="http://schemas.microsoft.com/office/drawing/2014/main" id="{5F95EF5D-59A1-5AE4-9F96-B75770EE6C75}"/>
+                <a16:creationId xmlns:a16="http://schemas.microsoft.com/office/drawing/2014/main" xmlns="" id="{5F95EF5D-59A1-5AE4-9F96-B75770EE6C75}"/>
               </a:ext>
             </a:extLst>
           </p:cNvPr>
@@ -2026,7 +2028,7 @@
           <p:cNvPr id="6" name="灯片编号占位符 5">
             <a:extLst>
               <a:ext uri="{FF2B5EF4-FFF2-40B4-BE49-F238E27FC236}">
-                <a16:creationId xmlns:a16="http://schemas.microsoft.com/office/drawing/2014/main" id="{AEDD6E4D-49DA-3B43-D4CC-1D98B7AAFF66}"/>
+                <a16:creationId xmlns:a16="http://schemas.microsoft.com/office/drawing/2014/main" xmlns="" id="{AEDD6E4D-49DA-3B43-D4CC-1D98B7AAFF66}"/>
               </a:ext>
             </a:extLst>
           </p:cNvPr>
@@ -2085,7 +2087,7 @@
           <p:cNvPr id="2" name="标题 1">
             <a:extLst>
               <a:ext uri="{FF2B5EF4-FFF2-40B4-BE49-F238E27FC236}">
-                <a16:creationId xmlns:a16="http://schemas.microsoft.com/office/drawing/2014/main" id="{6143119A-5638-5FB3-124E-3B30981F030A}"/>
+                <a16:creationId xmlns:a16="http://schemas.microsoft.com/office/drawing/2014/main" xmlns="" id="{6143119A-5638-5FB3-124E-3B30981F030A}"/>
               </a:ext>
             </a:extLst>
           </p:cNvPr>
@@ -2113,7 +2115,7 @@
           <p:cNvPr id="3" name="内容占位符 2">
             <a:extLst>
               <a:ext uri="{FF2B5EF4-FFF2-40B4-BE49-F238E27FC236}">
-                <a16:creationId xmlns:a16="http://schemas.microsoft.com/office/drawing/2014/main" id="{C8F1DC48-C2D4-79DF-114F-EF5EEEBA4D3D}"/>
+                <a16:creationId xmlns:a16="http://schemas.microsoft.com/office/drawing/2014/main" xmlns="" id="{C8F1DC48-C2D4-79DF-114F-EF5EEEBA4D3D}"/>
               </a:ext>
             </a:extLst>
           </p:cNvPr>
@@ -2175,7 +2177,7 @@
           <p:cNvPr id="4" name="内容占位符 3">
             <a:extLst>
               <a:ext uri="{FF2B5EF4-FFF2-40B4-BE49-F238E27FC236}">
-                <a16:creationId xmlns:a16="http://schemas.microsoft.com/office/drawing/2014/main" id="{5163DEDF-28BC-F60D-FCBD-0D577102FE83}"/>
+                <a16:creationId xmlns:a16="http://schemas.microsoft.com/office/drawing/2014/main" xmlns="" id="{5163DEDF-28BC-F60D-FCBD-0D577102FE83}"/>
               </a:ext>
             </a:extLst>
           </p:cNvPr>
@@ -2237,7 +2239,7 @@
           <p:cNvPr id="5" name="日期占位符 4">
             <a:extLst>
               <a:ext uri="{FF2B5EF4-FFF2-40B4-BE49-F238E27FC236}">
-                <a16:creationId xmlns:a16="http://schemas.microsoft.com/office/drawing/2014/main" id="{11352899-B0A5-67BA-4F8C-A6BEB19057FD}"/>
+                <a16:creationId xmlns:a16="http://schemas.microsoft.com/office/drawing/2014/main" xmlns="" id="{11352899-B0A5-67BA-4F8C-A6BEB19057FD}"/>
               </a:ext>
             </a:extLst>
           </p:cNvPr>
@@ -2255,7 +2257,7 @@
           <a:p>
             <a:fld id="{BA054789-EACE-4F0B-85CE-A0AE8F37913A}" type="datetimeFigureOut">
               <a:rPr lang="zh-CN" altLang="en-US" smtClean="0"/>
-              <a:t>2022/7/31</a:t>
+              <a:t>2022/8/1</a:t>
             </a:fld>
             <a:endParaRPr lang="zh-CN" altLang="en-US"/>
           </a:p>
@@ -2266,7 +2268,7 @@
           <p:cNvPr id="6" name="页脚占位符 5">
             <a:extLst>
               <a:ext uri="{FF2B5EF4-FFF2-40B4-BE49-F238E27FC236}">
-                <a16:creationId xmlns:a16="http://schemas.microsoft.com/office/drawing/2014/main" id="{A584D1DB-F7D5-5108-37F7-B12451D4AF43}"/>
+                <a16:creationId xmlns:a16="http://schemas.microsoft.com/office/drawing/2014/main" xmlns="" id="{A584D1DB-F7D5-5108-37F7-B12451D4AF43}"/>
               </a:ext>
             </a:extLst>
           </p:cNvPr>
@@ -2291,7 +2293,7 @@
           <p:cNvPr id="7" name="灯片编号占位符 6">
             <a:extLst>
               <a:ext uri="{FF2B5EF4-FFF2-40B4-BE49-F238E27FC236}">
-                <a16:creationId xmlns:a16="http://schemas.microsoft.com/office/drawing/2014/main" id="{2294CAD5-9704-832D-2AB9-684703BF36C6}"/>
+                <a16:creationId xmlns:a16="http://schemas.microsoft.com/office/drawing/2014/main" xmlns="" id="{2294CAD5-9704-832D-2AB9-684703BF36C6}"/>
               </a:ext>
             </a:extLst>
           </p:cNvPr>
@@ -2350,7 +2352,7 @@
           <p:cNvPr id="2" name="标题 1">
             <a:extLst>
               <a:ext uri="{FF2B5EF4-FFF2-40B4-BE49-F238E27FC236}">
-                <a16:creationId xmlns:a16="http://schemas.microsoft.com/office/drawing/2014/main" id="{5553C342-6EA7-A319-ED9F-F3DED51AB856}"/>
+                <a16:creationId xmlns:a16="http://schemas.microsoft.com/office/drawing/2014/main" xmlns="" id="{5553C342-6EA7-A319-ED9F-F3DED51AB856}"/>
               </a:ext>
             </a:extLst>
           </p:cNvPr>
@@ -2383,7 +2385,7 @@
           <p:cNvPr id="3" name="文本占位符 2">
             <a:extLst>
               <a:ext uri="{FF2B5EF4-FFF2-40B4-BE49-F238E27FC236}">
-                <a16:creationId xmlns:a16="http://schemas.microsoft.com/office/drawing/2014/main" id="{2A2E5CEB-B13F-86C3-3E47-796F7F60D6CC}"/>
+                <a16:creationId xmlns:a16="http://schemas.microsoft.com/office/drawing/2014/main" xmlns="" id="{2A2E5CEB-B13F-86C3-3E47-796F7F60D6CC}"/>
               </a:ext>
             </a:extLst>
           </p:cNvPr>
@@ -2454,7 +2456,7 @@
           <p:cNvPr id="4" name="内容占位符 3">
             <a:extLst>
               <a:ext uri="{FF2B5EF4-FFF2-40B4-BE49-F238E27FC236}">
-                <a16:creationId xmlns:a16="http://schemas.microsoft.com/office/drawing/2014/main" id="{A54930F9-E0D4-D998-09A2-343AA1F96076}"/>
+                <a16:creationId xmlns:a16="http://schemas.microsoft.com/office/drawing/2014/main" xmlns="" id="{A54930F9-E0D4-D998-09A2-343AA1F96076}"/>
               </a:ext>
             </a:extLst>
           </p:cNvPr>
@@ -2516,7 +2518,7 @@
           <p:cNvPr id="5" name="文本占位符 4">
             <a:extLst>
               <a:ext uri="{FF2B5EF4-FFF2-40B4-BE49-F238E27FC236}">
-                <a16:creationId xmlns:a16="http://schemas.microsoft.com/office/drawing/2014/main" id="{B4B7359A-E8FC-E1A9-A896-A49ED9AF86F8}"/>
+                <a16:creationId xmlns:a16="http://schemas.microsoft.com/office/drawing/2014/main" xmlns="" id="{B4B7359A-E8FC-E1A9-A896-A49ED9AF86F8}"/>
               </a:ext>
             </a:extLst>
           </p:cNvPr>
@@ -2587,7 +2589,7 @@
           <p:cNvPr id="6" name="内容占位符 5">
             <a:extLst>
               <a:ext uri="{FF2B5EF4-FFF2-40B4-BE49-F238E27FC236}">
-                <a16:creationId xmlns:a16="http://schemas.microsoft.com/office/drawing/2014/main" id="{4E52EA2F-1B41-D541-9632-9493F9B51AB0}"/>
+                <a16:creationId xmlns:a16="http://schemas.microsoft.com/office/drawing/2014/main" xmlns="" id="{4E52EA2F-1B41-D541-9632-9493F9B51AB0}"/>
               </a:ext>
             </a:extLst>
           </p:cNvPr>
@@ -2649,7 +2651,7 @@
           <p:cNvPr id="7" name="日期占位符 6">
             <a:extLst>
               <a:ext uri="{FF2B5EF4-FFF2-40B4-BE49-F238E27FC236}">
-                <a16:creationId xmlns:a16="http://schemas.microsoft.com/office/drawing/2014/main" id="{F8E2D812-175D-022A-8677-7639CB1825D7}"/>
+                <a16:creationId xmlns:a16="http://schemas.microsoft.com/office/drawing/2014/main" xmlns="" id="{F8E2D812-175D-022A-8677-7639CB1825D7}"/>
               </a:ext>
             </a:extLst>
           </p:cNvPr>
@@ -2667,7 +2669,7 @@
           <a:p>
             <a:fld id="{BA054789-EACE-4F0B-85CE-A0AE8F37913A}" type="datetimeFigureOut">
               <a:rPr lang="zh-CN" altLang="en-US" smtClean="0"/>
-              <a:t>2022/7/31</a:t>
+              <a:t>2022/8/1</a:t>
             </a:fld>
             <a:endParaRPr lang="zh-CN" altLang="en-US"/>
           </a:p>
@@ -2678,7 +2680,7 @@
           <p:cNvPr id="8" name="页脚占位符 7">
             <a:extLst>
               <a:ext uri="{FF2B5EF4-FFF2-40B4-BE49-F238E27FC236}">
-                <a16:creationId xmlns:a16="http://schemas.microsoft.com/office/drawing/2014/main" id="{5E2441E0-E886-23FB-143C-558A79ACC5D8}"/>
+                <a16:creationId xmlns:a16="http://schemas.microsoft.com/office/drawing/2014/main" xmlns="" id="{5E2441E0-E886-23FB-143C-558A79ACC5D8}"/>
               </a:ext>
             </a:extLst>
           </p:cNvPr>
@@ -2703,7 +2705,7 @@
           <p:cNvPr id="9" name="灯片编号占位符 8">
             <a:extLst>
               <a:ext uri="{FF2B5EF4-FFF2-40B4-BE49-F238E27FC236}">
-                <a16:creationId xmlns:a16="http://schemas.microsoft.com/office/drawing/2014/main" id="{CDCA61B1-70E8-1169-875E-DB108C50E55C}"/>
+                <a16:creationId xmlns:a16="http://schemas.microsoft.com/office/drawing/2014/main" xmlns="" id="{CDCA61B1-70E8-1169-875E-DB108C50E55C}"/>
               </a:ext>
             </a:extLst>
           </p:cNvPr>
@@ -2762,7 +2764,7 @@
           <p:cNvPr id="2" name="标题 1">
             <a:extLst>
               <a:ext uri="{FF2B5EF4-FFF2-40B4-BE49-F238E27FC236}">
-                <a16:creationId xmlns:a16="http://schemas.microsoft.com/office/drawing/2014/main" id="{F44D1D6C-24E0-86EE-37DA-EDEDDC1CFD42}"/>
+                <a16:creationId xmlns:a16="http://schemas.microsoft.com/office/drawing/2014/main" xmlns="" id="{F44D1D6C-24E0-86EE-37DA-EDEDDC1CFD42}"/>
               </a:ext>
             </a:extLst>
           </p:cNvPr>
@@ -2790,7 +2792,7 @@
           <p:cNvPr id="3" name="日期占位符 2">
             <a:extLst>
               <a:ext uri="{FF2B5EF4-FFF2-40B4-BE49-F238E27FC236}">
-                <a16:creationId xmlns:a16="http://schemas.microsoft.com/office/drawing/2014/main" id="{452FC26A-E9FB-0541-86DB-AEEE5AAB387E}"/>
+                <a16:creationId xmlns:a16="http://schemas.microsoft.com/office/drawing/2014/main" xmlns="" id="{452FC26A-E9FB-0541-86DB-AEEE5AAB387E}"/>
               </a:ext>
             </a:extLst>
           </p:cNvPr>
@@ -2808,7 +2810,7 @@
           <a:p>
             <a:fld id="{BA054789-EACE-4F0B-85CE-A0AE8F37913A}" type="datetimeFigureOut">
               <a:rPr lang="zh-CN" altLang="en-US" smtClean="0"/>
-              <a:t>2022/7/31</a:t>
+              <a:t>2022/8/1</a:t>
             </a:fld>
             <a:endParaRPr lang="zh-CN" altLang="en-US"/>
           </a:p>
@@ -2819,7 +2821,7 @@
           <p:cNvPr id="4" name="页脚占位符 3">
             <a:extLst>
               <a:ext uri="{FF2B5EF4-FFF2-40B4-BE49-F238E27FC236}">
-                <a16:creationId xmlns:a16="http://schemas.microsoft.com/office/drawing/2014/main" id="{914BC86C-F2F8-3396-17AC-0735983760FC}"/>
+                <a16:creationId xmlns:a16="http://schemas.microsoft.com/office/drawing/2014/main" xmlns="" id="{914BC86C-F2F8-3396-17AC-0735983760FC}"/>
               </a:ext>
             </a:extLst>
           </p:cNvPr>
@@ -2844,7 +2846,7 @@
           <p:cNvPr id="5" name="灯片编号占位符 4">
             <a:extLst>
               <a:ext uri="{FF2B5EF4-FFF2-40B4-BE49-F238E27FC236}">
-                <a16:creationId xmlns:a16="http://schemas.microsoft.com/office/drawing/2014/main" id="{BCD46C41-5FA4-E5F8-0E00-98EC89530535}"/>
+                <a16:creationId xmlns:a16="http://schemas.microsoft.com/office/drawing/2014/main" xmlns="" id="{BCD46C41-5FA4-E5F8-0E00-98EC89530535}"/>
               </a:ext>
             </a:extLst>
           </p:cNvPr>
@@ -2903,7 +2905,7 @@
           <p:cNvPr id="2" name="日期占位符 1">
             <a:extLst>
               <a:ext uri="{FF2B5EF4-FFF2-40B4-BE49-F238E27FC236}">
-                <a16:creationId xmlns:a16="http://schemas.microsoft.com/office/drawing/2014/main" id="{987885F3-BC73-F95E-1CC2-95AD9AFC4550}"/>
+                <a16:creationId xmlns:a16="http://schemas.microsoft.com/office/drawing/2014/main" xmlns="" id="{987885F3-BC73-F95E-1CC2-95AD9AFC4550}"/>
               </a:ext>
             </a:extLst>
           </p:cNvPr>
@@ -2921,7 +2923,7 @@
           <a:p>
             <a:fld id="{BA054789-EACE-4F0B-85CE-A0AE8F37913A}" type="datetimeFigureOut">
               <a:rPr lang="zh-CN" altLang="en-US" smtClean="0"/>
-              <a:t>2022/7/31</a:t>
+              <a:t>2022/8/1</a:t>
             </a:fld>
             <a:endParaRPr lang="zh-CN" altLang="en-US"/>
           </a:p>
@@ -2932,7 +2934,7 @@
           <p:cNvPr id="3" name="页脚占位符 2">
             <a:extLst>
               <a:ext uri="{FF2B5EF4-FFF2-40B4-BE49-F238E27FC236}">
-                <a16:creationId xmlns:a16="http://schemas.microsoft.com/office/drawing/2014/main" id="{3A45F5EE-A519-0C1C-324D-67E058F91DDB}"/>
+                <a16:creationId xmlns:a16="http://schemas.microsoft.com/office/drawing/2014/main" xmlns="" id="{3A45F5EE-A519-0C1C-324D-67E058F91DDB}"/>
               </a:ext>
             </a:extLst>
           </p:cNvPr>
@@ -2957,7 +2959,7 @@
           <p:cNvPr id="4" name="灯片编号占位符 3">
             <a:extLst>
               <a:ext uri="{FF2B5EF4-FFF2-40B4-BE49-F238E27FC236}">
-                <a16:creationId xmlns:a16="http://schemas.microsoft.com/office/drawing/2014/main" id="{67EC8A15-FD0F-6449-C8C4-244D9A47FC09}"/>
+                <a16:creationId xmlns:a16="http://schemas.microsoft.com/office/drawing/2014/main" xmlns="" id="{67EC8A15-FD0F-6449-C8C4-244D9A47FC09}"/>
               </a:ext>
             </a:extLst>
           </p:cNvPr>
@@ -3016,7 +3018,7 @@
           <p:cNvPr id="2" name="标题 1">
             <a:extLst>
               <a:ext uri="{FF2B5EF4-FFF2-40B4-BE49-F238E27FC236}">
-                <a16:creationId xmlns:a16="http://schemas.microsoft.com/office/drawing/2014/main" id="{8207E91F-BEEE-171E-0131-6E86365BBE2D}"/>
+                <a16:creationId xmlns:a16="http://schemas.microsoft.com/office/drawing/2014/main" xmlns="" id="{8207E91F-BEEE-171E-0131-6E86365BBE2D}"/>
               </a:ext>
             </a:extLst>
           </p:cNvPr>
@@ -3053,7 +3055,7 @@
           <p:cNvPr id="3" name="内容占位符 2">
             <a:extLst>
               <a:ext uri="{FF2B5EF4-FFF2-40B4-BE49-F238E27FC236}">
-                <a16:creationId xmlns:a16="http://schemas.microsoft.com/office/drawing/2014/main" id="{224A1AFF-50FF-8C59-9840-606EB237D707}"/>
+                <a16:creationId xmlns:a16="http://schemas.microsoft.com/office/drawing/2014/main" xmlns="" id="{224A1AFF-50FF-8C59-9840-606EB237D707}"/>
               </a:ext>
             </a:extLst>
           </p:cNvPr>
@@ -3143,7 +3145,7 @@
           <p:cNvPr id="4" name="文本占位符 3">
             <a:extLst>
               <a:ext uri="{FF2B5EF4-FFF2-40B4-BE49-F238E27FC236}">
-                <a16:creationId xmlns:a16="http://schemas.microsoft.com/office/drawing/2014/main" id="{1918F8C3-484E-3A1E-8EA0-D9C66B071D46}"/>
+                <a16:creationId xmlns:a16="http://schemas.microsoft.com/office/drawing/2014/main" xmlns="" id="{1918F8C3-484E-3A1E-8EA0-D9C66B071D46}"/>
               </a:ext>
             </a:extLst>
           </p:cNvPr>
@@ -3214,7 +3216,7 @@
           <p:cNvPr id="5" name="日期占位符 4">
             <a:extLst>
               <a:ext uri="{FF2B5EF4-FFF2-40B4-BE49-F238E27FC236}">
-                <a16:creationId xmlns:a16="http://schemas.microsoft.com/office/drawing/2014/main" id="{6708E08C-E838-BC00-6EA5-3C80B9A0F2BF}"/>
+                <a16:creationId xmlns:a16="http://schemas.microsoft.com/office/drawing/2014/main" xmlns="" id="{6708E08C-E838-BC00-6EA5-3C80B9A0F2BF}"/>
               </a:ext>
             </a:extLst>
           </p:cNvPr>
@@ -3232,7 +3234,7 @@
           <a:p>
             <a:fld id="{BA054789-EACE-4F0B-85CE-A0AE8F37913A}" type="datetimeFigureOut">
               <a:rPr lang="zh-CN" altLang="en-US" smtClean="0"/>
-              <a:t>2022/7/31</a:t>
+              <a:t>2022/8/1</a:t>
             </a:fld>
             <a:endParaRPr lang="zh-CN" altLang="en-US"/>
           </a:p>
@@ -3243,7 +3245,7 @@
           <p:cNvPr id="6" name="页脚占位符 5">
             <a:extLst>
               <a:ext uri="{FF2B5EF4-FFF2-40B4-BE49-F238E27FC236}">
-                <a16:creationId xmlns:a16="http://schemas.microsoft.com/office/drawing/2014/main" id="{439DBC6E-FDA4-993F-86BA-68C9D9CBCDA2}"/>
+                <a16:creationId xmlns:a16="http://schemas.microsoft.com/office/drawing/2014/main" xmlns="" id="{439DBC6E-FDA4-993F-86BA-68C9D9CBCDA2}"/>
               </a:ext>
             </a:extLst>
           </p:cNvPr>
@@ -3268,7 +3270,7 @@
           <p:cNvPr id="7" name="灯片编号占位符 6">
             <a:extLst>
               <a:ext uri="{FF2B5EF4-FFF2-40B4-BE49-F238E27FC236}">
-                <a16:creationId xmlns:a16="http://schemas.microsoft.com/office/drawing/2014/main" id="{84AC5D80-1CD5-A607-8281-BC0454CACBD2}"/>
+                <a16:creationId xmlns:a16="http://schemas.microsoft.com/office/drawing/2014/main" xmlns="" id="{84AC5D80-1CD5-A607-8281-BC0454CACBD2}"/>
               </a:ext>
             </a:extLst>
           </p:cNvPr>
@@ -3327,7 +3329,7 @@
           <p:cNvPr id="2" name="标题 1">
             <a:extLst>
               <a:ext uri="{FF2B5EF4-FFF2-40B4-BE49-F238E27FC236}">
-                <a16:creationId xmlns:a16="http://schemas.microsoft.com/office/drawing/2014/main" id="{8B87A630-13E3-6038-F332-B3BE60484A0E}"/>
+                <a16:creationId xmlns:a16="http://schemas.microsoft.com/office/drawing/2014/main" xmlns="" id="{8B87A630-13E3-6038-F332-B3BE60484A0E}"/>
               </a:ext>
             </a:extLst>
           </p:cNvPr>
@@ -3364,7 +3366,7 @@
           <p:cNvPr id="3" name="图片占位符 2">
             <a:extLst>
               <a:ext uri="{FF2B5EF4-FFF2-40B4-BE49-F238E27FC236}">
-                <a16:creationId xmlns:a16="http://schemas.microsoft.com/office/drawing/2014/main" id="{B92BC7D3-D3C2-E338-1906-89EBC814D58E}"/>
+                <a16:creationId xmlns:a16="http://schemas.microsoft.com/office/drawing/2014/main" xmlns="" id="{B92BC7D3-D3C2-E338-1906-89EBC814D58E}"/>
               </a:ext>
             </a:extLst>
           </p:cNvPr>
@@ -3431,7 +3433,7 @@
           <p:cNvPr id="4" name="文本占位符 3">
             <a:extLst>
               <a:ext uri="{FF2B5EF4-FFF2-40B4-BE49-F238E27FC236}">
-                <a16:creationId xmlns:a16="http://schemas.microsoft.com/office/drawing/2014/main" id="{07545A6D-4664-4BEC-EE9E-A985A49BADC9}"/>
+                <a16:creationId xmlns:a16="http://schemas.microsoft.com/office/drawing/2014/main" xmlns="" id="{07545A6D-4664-4BEC-EE9E-A985A49BADC9}"/>
               </a:ext>
             </a:extLst>
           </p:cNvPr>
@@ -3502,7 +3504,7 @@
           <p:cNvPr id="5" name="日期占位符 4">
             <a:extLst>
               <a:ext uri="{FF2B5EF4-FFF2-40B4-BE49-F238E27FC236}">
-                <a16:creationId xmlns:a16="http://schemas.microsoft.com/office/drawing/2014/main" id="{7C4A4C3B-C39E-7F62-7D92-3CC1CB7AE956}"/>
+                <a16:creationId xmlns:a16="http://schemas.microsoft.com/office/drawing/2014/main" xmlns="" id="{7C4A4C3B-C39E-7F62-7D92-3CC1CB7AE956}"/>
               </a:ext>
             </a:extLst>
           </p:cNvPr>
@@ -3520,7 +3522,7 @@
           <a:p>
             <a:fld id="{BA054789-EACE-4F0B-85CE-A0AE8F37913A}" type="datetimeFigureOut">
               <a:rPr lang="zh-CN" altLang="en-US" smtClean="0"/>
-              <a:t>2022/7/31</a:t>
+              <a:t>2022/8/1</a:t>
             </a:fld>
             <a:endParaRPr lang="zh-CN" altLang="en-US"/>
           </a:p>
@@ -3531,7 +3533,7 @@
           <p:cNvPr id="6" name="页脚占位符 5">
             <a:extLst>
               <a:ext uri="{FF2B5EF4-FFF2-40B4-BE49-F238E27FC236}">
-                <a16:creationId xmlns:a16="http://schemas.microsoft.com/office/drawing/2014/main" id="{ABCA2129-E1A8-A9AB-72DB-E364A7654AE6}"/>
+                <a16:creationId xmlns:a16="http://schemas.microsoft.com/office/drawing/2014/main" xmlns="" id="{ABCA2129-E1A8-A9AB-72DB-E364A7654AE6}"/>
               </a:ext>
             </a:extLst>
           </p:cNvPr>
@@ -3556,7 +3558,7 @@
           <p:cNvPr id="7" name="灯片编号占位符 6">
             <a:extLst>
               <a:ext uri="{FF2B5EF4-FFF2-40B4-BE49-F238E27FC236}">
-                <a16:creationId xmlns:a16="http://schemas.microsoft.com/office/drawing/2014/main" id="{6890FD23-C4A5-BC02-595B-A819F72BEB9C}"/>
+                <a16:creationId xmlns:a16="http://schemas.microsoft.com/office/drawing/2014/main" xmlns="" id="{6890FD23-C4A5-BC02-595B-A819F72BEB9C}"/>
               </a:ext>
             </a:extLst>
           </p:cNvPr>
@@ -3620,7 +3622,7 @@
           <p:cNvPr id="2" name="标题占位符 1">
             <a:extLst>
               <a:ext uri="{FF2B5EF4-FFF2-40B4-BE49-F238E27FC236}">
-                <a16:creationId xmlns:a16="http://schemas.microsoft.com/office/drawing/2014/main" id="{92000A49-3619-2406-82EF-AED9BE75F34E}"/>
+                <a16:creationId xmlns:a16="http://schemas.microsoft.com/office/drawing/2014/main" xmlns="" id="{92000A49-3619-2406-82EF-AED9BE75F34E}"/>
               </a:ext>
             </a:extLst>
           </p:cNvPr>
@@ -3658,7 +3660,7 @@
           <p:cNvPr id="3" name="文本占位符 2">
             <a:extLst>
               <a:ext uri="{FF2B5EF4-FFF2-40B4-BE49-F238E27FC236}">
-                <a16:creationId xmlns:a16="http://schemas.microsoft.com/office/drawing/2014/main" id="{D43FE0F5-0CBC-BDA9-24CE-A859521DA656}"/>
+                <a16:creationId xmlns:a16="http://schemas.microsoft.com/office/drawing/2014/main" xmlns="" id="{D43FE0F5-0CBC-BDA9-24CE-A859521DA656}"/>
               </a:ext>
             </a:extLst>
           </p:cNvPr>
@@ -3725,7 +3727,7 @@
           <p:cNvPr id="4" name="日期占位符 3">
             <a:extLst>
               <a:ext uri="{FF2B5EF4-FFF2-40B4-BE49-F238E27FC236}">
-                <a16:creationId xmlns:a16="http://schemas.microsoft.com/office/drawing/2014/main" id="{2233451F-B070-3253-A379-82BC5C68026A}"/>
+                <a16:creationId xmlns:a16="http://schemas.microsoft.com/office/drawing/2014/main" xmlns="" id="{2233451F-B070-3253-A379-82BC5C68026A}"/>
               </a:ext>
             </a:extLst>
           </p:cNvPr>
@@ -3761,7 +3763,7 @@
           <a:p>
             <a:fld id="{BA054789-EACE-4F0B-85CE-A0AE8F37913A}" type="datetimeFigureOut">
               <a:rPr lang="zh-CN" altLang="en-US" smtClean="0"/>
-              <a:t>2022/7/31</a:t>
+              <a:t>2022/8/1</a:t>
             </a:fld>
             <a:endParaRPr lang="zh-CN" altLang="en-US"/>
           </a:p>
@@ -3772,7 +3774,7 @@
           <p:cNvPr id="5" name="页脚占位符 4">
             <a:extLst>
               <a:ext uri="{FF2B5EF4-FFF2-40B4-BE49-F238E27FC236}">
-                <a16:creationId xmlns:a16="http://schemas.microsoft.com/office/drawing/2014/main" id="{06986DEC-0B9D-7F39-CE3E-66A01F226957}"/>
+                <a16:creationId xmlns:a16="http://schemas.microsoft.com/office/drawing/2014/main" xmlns="" id="{06986DEC-0B9D-7F39-CE3E-66A01F226957}"/>
               </a:ext>
             </a:extLst>
           </p:cNvPr>
@@ -3815,7 +3817,7 @@
           <p:cNvPr id="6" name="灯片编号占位符 5">
             <a:extLst>
               <a:ext uri="{FF2B5EF4-FFF2-40B4-BE49-F238E27FC236}">
-                <a16:creationId xmlns:a16="http://schemas.microsoft.com/office/drawing/2014/main" id="{4E5D66B3-A060-F0A8-8F68-EBE0B120344F}"/>
+                <a16:creationId xmlns:a16="http://schemas.microsoft.com/office/drawing/2014/main" xmlns="" id="{4E5D66B3-A060-F0A8-8F68-EBE0B120344F}"/>
               </a:ext>
             </a:extLst>
           </p:cNvPr>
@@ -4194,7 +4196,7 @@
           <p:cNvPr id="2" name="标题 1">
             <a:extLst>
               <a:ext uri="{FF2B5EF4-FFF2-40B4-BE49-F238E27FC236}">
-                <a16:creationId xmlns:a16="http://schemas.microsoft.com/office/drawing/2014/main" id="{2A9B6C59-89F9-5390-BB77-F8DB7EF7B310}"/>
+                <a16:creationId xmlns:a16="http://schemas.microsoft.com/office/drawing/2014/main" xmlns="" id="{2A9B6C59-89F9-5390-BB77-F8DB7EF7B310}"/>
               </a:ext>
             </a:extLst>
           </p:cNvPr>
@@ -4264,7 +4266,7 @@
           <p:cNvPr id="4" name="椭圆 3">
             <a:extLst>
               <a:ext uri="{FF2B5EF4-FFF2-40B4-BE49-F238E27FC236}">
-                <a16:creationId xmlns:a16="http://schemas.microsoft.com/office/drawing/2014/main" id="{94C17F89-4022-3282-1B5A-F455F1578F55}"/>
+                <a16:creationId xmlns:a16="http://schemas.microsoft.com/office/drawing/2014/main" xmlns="" id="{94C17F89-4022-3282-1B5A-F455F1578F55}"/>
               </a:ext>
             </a:extLst>
           </p:cNvPr>
@@ -5011,7 +5013,7 @@
           <p:cNvPr id="4" name="椭圆 3">
             <a:extLst>
               <a:ext uri="{FF2B5EF4-FFF2-40B4-BE49-F238E27FC236}">
-                <a16:creationId xmlns:a16="http://schemas.microsoft.com/office/drawing/2014/main" id="{94C17F89-4022-3282-1B5A-F455F1578F55}"/>
+                <a16:creationId xmlns:a16="http://schemas.microsoft.com/office/drawing/2014/main" xmlns="" id="{94C17F89-4022-3282-1B5A-F455F1578F55}"/>
               </a:ext>
             </a:extLst>
           </p:cNvPr>
@@ -5594,7 +5596,7 @@
           <p:cNvPr id="38" name="Google Shape;90;p14">
             <a:extLst>
               <a:ext uri="{FF2B5EF4-FFF2-40B4-BE49-F238E27FC236}">
-                <a16:creationId xmlns:a16="http://schemas.microsoft.com/office/drawing/2014/main" id="{70D7F9C8-3F19-0671-CC95-0C6FF2D659F6}"/>
+                <a16:creationId xmlns:a16="http://schemas.microsoft.com/office/drawing/2014/main" xmlns="" id="{70D7F9C8-3F19-0671-CC95-0C6FF2D659F6}"/>
               </a:ext>
             </a:extLst>
           </p:cNvPr>
@@ -5628,7 +5630,7 @@
           <p:cNvPr id="39" name="Google Shape;90;p14">
             <a:extLst>
               <a:ext uri="{FF2B5EF4-FFF2-40B4-BE49-F238E27FC236}">
-                <a16:creationId xmlns:a16="http://schemas.microsoft.com/office/drawing/2014/main" id="{70D7F9C8-3F19-0671-CC95-0C6FF2D659F6}"/>
+                <a16:creationId xmlns:a16="http://schemas.microsoft.com/office/drawing/2014/main" xmlns="" id="{70D7F9C8-3F19-0671-CC95-0C6FF2D659F6}"/>
               </a:ext>
             </a:extLst>
           </p:cNvPr>
@@ -5692,7 +5694,7 @@
           <p:cNvPr id="4" name="椭圆 3">
             <a:extLst>
               <a:ext uri="{FF2B5EF4-FFF2-40B4-BE49-F238E27FC236}">
-                <a16:creationId xmlns:a16="http://schemas.microsoft.com/office/drawing/2014/main" id="{94C17F89-4022-3282-1B5A-F455F1578F55}"/>
+                <a16:creationId xmlns:a16="http://schemas.microsoft.com/office/drawing/2014/main" xmlns="" id="{94C17F89-4022-3282-1B5A-F455F1578F55}"/>
               </a:ext>
             </a:extLst>
           </p:cNvPr>
@@ -6375,7 +6377,7 @@
           <p:cNvPr id="2" name="标题 1">
             <a:extLst>
               <a:ext uri="{FF2B5EF4-FFF2-40B4-BE49-F238E27FC236}">
-                <a16:creationId xmlns:a16="http://schemas.microsoft.com/office/drawing/2014/main" id="{2A9B6C59-89F9-5390-BB77-F8DB7EF7B310}"/>
+                <a16:creationId xmlns:a16="http://schemas.microsoft.com/office/drawing/2014/main" xmlns="" id="{2A9B6C59-89F9-5390-BB77-F8DB7EF7B310}"/>
               </a:ext>
             </a:extLst>
           </p:cNvPr>
@@ -6450,7 +6452,7 @@
           <p:cNvPr id="2" name="标题 1">
             <a:extLst>
               <a:ext uri="{FF2B5EF4-FFF2-40B4-BE49-F238E27FC236}">
-                <a16:creationId xmlns:a16="http://schemas.microsoft.com/office/drawing/2014/main" id="{80796E82-7314-2FBE-2DE8-DDD70D4DF27E}"/>
+                <a16:creationId xmlns:a16="http://schemas.microsoft.com/office/drawing/2014/main" xmlns="" id="{80796E82-7314-2FBE-2DE8-DDD70D4DF27E}"/>
               </a:ext>
             </a:extLst>
           </p:cNvPr>
@@ -6506,7 +6508,7 @@
           <p:cNvPr id="5" name="椭圆 4">
             <a:extLst>
               <a:ext uri="{FF2B5EF4-FFF2-40B4-BE49-F238E27FC236}">
-                <a16:creationId xmlns:a16="http://schemas.microsoft.com/office/drawing/2014/main" id="{A020CC41-9901-5A10-06D8-1F19650A3A6A}"/>
+                <a16:creationId xmlns:a16="http://schemas.microsoft.com/office/drawing/2014/main" xmlns="" id="{A020CC41-9901-5A10-06D8-1F19650A3A6A}"/>
               </a:ext>
             </a:extLst>
           </p:cNvPr>
@@ -6558,7 +6560,7 @@
           <p:cNvPr id="19" name="Google Shape;73;p14">
             <a:extLst>
               <a:ext uri="{FF2B5EF4-FFF2-40B4-BE49-F238E27FC236}">
-                <a16:creationId xmlns:a16="http://schemas.microsoft.com/office/drawing/2014/main" id="{3442D827-BE6F-DFBF-3B15-223B2753D9E9}"/>
+                <a16:creationId xmlns:a16="http://schemas.microsoft.com/office/drawing/2014/main" xmlns="" id="{3442D827-BE6F-DFBF-3B15-223B2753D9E9}"/>
               </a:ext>
             </a:extLst>
           </p:cNvPr>
@@ -6592,7 +6594,7 @@
           <p:cNvPr id="3" name="椭圆 2">
             <a:extLst>
               <a:ext uri="{FF2B5EF4-FFF2-40B4-BE49-F238E27FC236}">
-                <a16:creationId xmlns:a16="http://schemas.microsoft.com/office/drawing/2014/main" id="{6A049D51-9228-994D-60FB-A0B21405E162}"/>
+                <a16:creationId xmlns:a16="http://schemas.microsoft.com/office/drawing/2014/main" xmlns="" id="{6A049D51-9228-994D-60FB-A0B21405E162}"/>
               </a:ext>
             </a:extLst>
           </p:cNvPr>
@@ -6648,7 +6650,7 @@
           <p:cNvPr id="20" name="椭圆 19">
             <a:extLst>
               <a:ext uri="{FF2B5EF4-FFF2-40B4-BE49-F238E27FC236}">
-                <a16:creationId xmlns:a16="http://schemas.microsoft.com/office/drawing/2014/main" id="{1CB92BD5-35D8-92CB-D9E4-9F7E63F85095}"/>
+                <a16:creationId xmlns:a16="http://schemas.microsoft.com/office/drawing/2014/main" xmlns="" id="{1CB92BD5-35D8-92CB-D9E4-9F7E63F85095}"/>
               </a:ext>
             </a:extLst>
           </p:cNvPr>
@@ -6704,7 +6706,7 @@
           <p:cNvPr id="21" name="椭圆 20">
             <a:extLst>
               <a:ext uri="{FF2B5EF4-FFF2-40B4-BE49-F238E27FC236}">
-                <a16:creationId xmlns:a16="http://schemas.microsoft.com/office/drawing/2014/main" id="{CC0D471C-430C-0F88-B963-906AF37643E5}"/>
+                <a16:creationId xmlns:a16="http://schemas.microsoft.com/office/drawing/2014/main" xmlns="" id="{CC0D471C-430C-0F88-B963-906AF37643E5}"/>
               </a:ext>
             </a:extLst>
           </p:cNvPr>
@@ -6760,7 +6762,7 @@
           <p:cNvPr id="22" name="椭圆 21">
             <a:extLst>
               <a:ext uri="{FF2B5EF4-FFF2-40B4-BE49-F238E27FC236}">
-                <a16:creationId xmlns:a16="http://schemas.microsoft.com/office/drawing/2014/main" id="{ECCA1AA6-1921-4825-44D1-D03BE773AACC}"/>
+                <a16:creationId xmlns:a16="http://schemas.microsoft.com/office/drawing/2014/main" xmlns="" id="{ECCA1AA6-1921-4825-44D1-D03BE773AACC}"/>
               </a:ext>
             </a:extLst>
           </p:cNvPr>
@@ -6816,7 +6818,7 @@
           <p:cNvPr id="23" name="椭圆 22">
             <a:extLst>
               <a:ext uri="{FF2B5EF4-FFF2-40B4-BE49-F238E27FC236}">
-                <a16:creationId xmlns:a16="http://schemas.microsoft.com/office/drawing/2014/main" id="{3F21BD1A-C0DB-4604-449C-A115F86B74D3}"/>
+                <a16:creationId xmlns:a16="http://schemas.microsoft.com/office/drawing/2014/main" xmlns="" id="{3F21BD1A-C0DB-4604-449C-A115F86B74D3}"/>
               </a:ext>
             </a:extLst>
           </p:cNvPr>
@@ -6876,7 +6878,7 @@
           <p:cNvPr id="24" name="椭圆 23">
             <a:extLst>
               <a:ext uri="{FF2B5EF4-FFF2-40B4-BE49-F238E27FC236}">
-                <a16:creationId xmlns:a16="http://schemas.microsoft.com/office/drawing/2014/main" id="{153EDE49-BF0B-3BFF-8FAE-EA9476EE1014}"/>
+                <a16:creationId xmlns:a16="http://schemas.microsoft.com/office/drawing/2014/main" xmlns="" id="{153EDE49-BF0B-3BFF-8FAE-EA9476EE1014}"/>
               </a:ext>
             </a:extLst>
           </p:cNvPr>
@@ -6936,7 +6938,7 @@
           <p:cNvPr id="25" name="椭圆 24">
             <a:extLst>
               <a:ext uri="{FF2B5EF4-FFF2-40B4-BE49-F238E27FC236}">
-                <a16:creationId xmlns:a16="http://schemas.microsoft.com/office/drawing/2014/main" id="{96E59006-D453-BDF9-72CE-BDDB3896D922}"/>
+                <a16:creationId xmlns:a16="http://schemas.microsoft.com/office/drawing/2014/main" xmlns="" id="{96E59006-D453-BDF9-72CE-BDDB3896D922}"/>
               </a:ext>
             </a:extLst>
           </p:cNvPr>
@@ -6996,7 +6998,7 @@
           <p:cNvPr id="26" name="椭圆 25">
             <a:extLst>
               <a:ext uri="{FF2B5EF4-FFF2-40B4-BE49-F238E27FC236}">
-                <a16:creationId xmlns:a16="http://schemas.microsoft.com/office/drawing/2014/main" id="{76DDE1EF-9352-BD67-F294-8E6E8429488F}"/>
+                <a16:creationId xmlns:a16="http://schemas.microsoft.com/office/drawing/2014/main" xmlns="" id="{76DDE1EF-9352-BD67-F294-8E6E8429488F}"/>
               </a:ext>
             </a:extLst>
           </p:cNvPr>
@@ -7056,7 +7058,7 @@
           <p:cNvPr id="6" name="Google Shape;74;p14">
             <a:extLst>
               <a:ext uri="{FF2B5EF4-FFF2-40B4-BE49-F238E27FC236}">
-                <a16:creationId xmlns:a16="http://schemas.microsoft.com/office/drawing/2014/main" id="{8ABB2948-CF7D-7BD6-14B8-367574244CB2}"/>
+                <a16:creationId xmlns:a16="http://schemas.microsoft.com/office/drawing/2014/main" xmlns="" id="{8ABB2948-CF7D-7BD6-14B8-367574244CB2}"/>
               </a:ext>
             </a:extLst>
           </p:cNvPr>
@@ -7090,7 +7092,7 @@
           <p:cNvPr id="7" name="Google Shape;75;p14">
             <a:extLst>
               <a:ext uri="{FF2B5EF4-FFF2-40B4-BE49-F238E27FC236}">
-                <a16:creationId xmlns:a16="http://schemas.microsoft.com/office/drawing/2014/main" id="{744D1F6B-EBF7-049C-9CBC-D2BD265B8DB5}"/>
+                <a16:creationId xmlns:a16="http://schemas.microsoft.com/office/drawing/2014/main" xmlns="" id="{744D1F6B-EBF7-049C-9CBC-D2BD265B8DB5}"/>
               </a:ext>
             </a:extLst>
           </p:cNvPr>
@@ -7124,7 +7126,7 @@
           <p:cNvPr id="8" name="Google Shape;76;p14">
             <a:extLst>
               <a:ext uri="{FF2B5EF4-FFF2-40B4-BE49-F238E27FC236}">
-                <a16:creationId xmlns:a16="http://schemas.microsoft.com/office/drawing/2014/main" id="{A0604560-830C-4AC9-3717-031AA48B5D45}"/>
+                <a16:creationId xmlns:a16="http://schemas.microsoft.com/office/drawing/2014/main" xmlns="" id="{A0604560-830C-4AC9-3717-031AA48B5D45}"/>
               </a:ext>
             </a:extLst>
           </p:cNvPr>
@@ -7158,7 +7160,7 @@
           <p:cNvPr id="9" name="Google Shape;77;p14">
             <a:extLst>
               <a:ext uri="{FF2B5EF4-FFF2-40B4-BE49-F238E27FC236}">
-                <a16:creationId xmlns:a16="http://schemas.microsoft.com/office/drawing/2014/main" id="{DC03C87C-87BB-A5EB-0D50-DDB31F93A6C2}"/>
+                <a16:creationId xmlns:a16="http://schemas.microsoft.com/office/drawing/2014/main" xmlns="" id="{DC03C87C-87BB-A5EB-0D50-DDB31F93A6C2}"/>
               </a:ext>
             </a:extLst>
           </p:cNvPr>
@@ -7192,7 +7194,7 @@
           <p:cNvPr id="10" name="Google Shape;78;p14">
             <a:extLst>
               <a:ext uri="{FF2B5EF4-FFF2-40B4-BE49-F238E27FC236}">
-                <a16:creationId xmlns:a16="http://schemas.microsoft.com/office/drawing/2014/main" id="{281D3DED-9B64-E88B-FC5F-0C30B82A9484}"/>
+                <a16:creationId xmlns:a16="http://schemas.microsoft.com/office/drawing/2014/main" xmlns="" id="{281D3DED-9B64-E88B-FC5F-0C30B82A9484}"/>
               </a:ext>
             </a:extLst>
           </p:cNvPr>
@@ -7226,7 +7228,7 @@
           <p:cNvPr id="11" name="Google Shape;79;p14">
             <a:extLst>
               <a:ext uri="{FF2B5EF4-FFF2-40B4-BE49-F238E27FC236}">
-                <a16:creationId xmlns:a16="http://schemas.microsoft.com/office/drawing/2014/main" id="{0DAE55E6-D474-C395-BC84-8ACA3CE820A0}"/>
+                <a16:creationId xmlns:a16="http://schemas.microsoft.com/office/drawing/2014/main" xmlns="" id="{0DAE55E6-D474-C395-BC84-8ACA3CE820A0}"/>
               </a:ext>
             </a:extLst>
           </p:cNvPr>
@@ -7260,7 +7262,7 @@
           <p:cNvPr id="12" name="Google Shape;80;p14">
             <a:extLst>
               <a:ext uri="{FF2B5EF4-FFF2-40B4-BE49-F238E27FC236}">
-                <a16:creationId xmlns:a16="http://schemas.microsoft.com/office/drawing/2014/main" id="{3A5AAC50-9F06-A76F-B20B-35CF3612E825}"/>
+                <a16:creationId xmlns:a16="http://schemas.microsoft.com/office/drawing/2014/main" xmlns="" id="{3A5AAC50-9F06-A76F-B20B-35CF3612E825}"/>
               </a:ext>
             </a:extLst>
           </p:cNvPr>
@@ -7294,7 +7296,7 @@
           <p:cNvPr id="13" name="Google Shape;81;p14">
             <a:extLst>
               <a:ext uri="{FF2B5EF4-FFF2-40B4-BE49-F238E27FC236}">
-                <a16:creationId xmlns:a16="http://schemas.microsoft.com/office/drawing/2014/main" id="{F33B3BEC-1095-E464-2D03-703E55B0F8A0}"/>
+                <a16:creationId xmlns:a16="http://schemas.microsoft.com/office/drawing/2014/main" xmlns="" id="{F33B3BEC-1095-E464-2D03-703E55B0F8A0}"/>
               </a:ext>
             </a:extLst>
           </p:cNvPr>
@@ -7328,7 +7330,7 @@
           <p:cNvPr id="4" name="文本框 3">
             <a:extLst>
               <a:ext uri="{FF2B5EF4-FFF2-40B4-BE49-F238E27FC236}">
-                <a16:creationId xmlns:a16="http://schemas.microsoft.com/office/drawing/2014/main" id="{3E8E8225-E7B4-E598-7AEB-66BC2EF7864E}"/>
+                <a16:creationId xmlns:a16="http://schemas.microsoft.com/office/drawing/2014/main" xmlns="" id="{3E8E8225-E7B4-E598-7AEB-66BC2EF7864E}"/>
               </a:ext>
             </a:extLst>
           </p:cNvPr>
@@ -7408,7 +7410,7 @@
           <p:cNvPr id="2" name="标题 1">
             <a:extLst>
               <a:ext uri="{FF2B5EF4-FFF2-40B4-BE49-F238E27FC236}">
-                <a16:creationId xmlns:a16="http://schemas.microsoft.com/office/drawing/2014/main" id="{80796E82-7314-2FBE-2DE8-DDD70D4DF27E}"/>
+                <a16:creationId xmlns:a16="http://schemas.microsoft.com/office/drawing/2014/main" xmlns="" id="{80796E82-7314-2FBE-2DE8-DDD70D4DF27E}"/>
               </a:ext>
             </a:extLst>
           </p:cNvPr>
@@ -7457,7 +7459,7 @@
           <p:cNvPr id="5" name="椭圆 4">
             <a:extLst>
               <a:ext uri="{FF2B5EF4-FFF2-40B4-BE49-F238E27FC236}">
-                <a16:creationId xmlns:a16="http://schemas.microsoft.com/office/drawing/2014/main" id="{A020CC41-9901-5A10-06D8-1F19650A3A6A}"/>
+                <a16:creationId xmlns:a16="http://schemas.microsoft.com/office/drawing/2014/main" xmlns="" id="{A020CC41-9901-5A10-06D8-1F19650A3A6A}"/>
               </a:ext>
             </a:extLst>
           </p:cNvPr>
@@ -7509,7 +7511,7 @@
           <p:cNvPr id="19" name="Google Shape;73;p14">
             <a:extLst>
               <a:ext uri="{FF2B5EF4-FFF2-40B4-BE49-F238E27FC236}">
-                <a16:creationId xmlns:a16="http://schemas.microsoft.com/office/drawing/2014/main" id="{3442D827-BE6F-DFBF-3B15-223B2753D9E9}"/>
+                <a16:creationId xmlns:a16="http://schemas.microsoft.com/office/drawing/2014/main" xmlns="" id="{3442D827-BE6F-DFBF-3B15-223B2753D9E9}"/>
               </a:ext>
             </a:extLst>
           </p:cNvPr>
@@ -7543,7 +7545,7 @@
           <p:cNvPr id="6" name="Google Shape;74;p14">
             <a:extLst>
               <a:ext uri="{FF2B5EF4-FFF2-40B4-BE49-F238E27FC236}">
-                <a16:creationId xmlns:a16="http://schemas.microsoft.com/office/drawing/2014/main" id="{8ABB2948-CF7D-7BD6-14B8-367574244CB2}"/>
+                <a16:creationId xmlns:a16="http://schemas.microsoft.com/office/drawing/2014/main" xmlns="" id="{8ABB2948-CF7D-7BD6-14B8-367574244CB2}"/>
               </a:ext>
             </a:extLst>
           </p:cNvPr>
@@ -7577,7 +7579,7 @@
           <p:cNvPr id="7" name="Google Shape;75;p14">
             <a:extLst>
               <a:ext uri="{FF2B5EF4-FFF2-40B4-BE49-F238E27FC236}">
-                <a16:creationId xmlns:a16="http://schemas.microsoft.com/office/drawing/2014/main" id="{744D1F6B-EBF7-049C-9CBC-D2BD265B8DB5}"/>
+                <a16:creationId xmlns:a16="http://schemas.microsoft.com/office/drawing/2014/main" xmlns="" id="{744D1F6B-EBF7-049C-9CBC-D2BD265B8DB5}"/>
               </a:ext>
             </a:extLst>
           </p:cNvPr>
@@ -7611,7 +7613,7 @@
           <p:cNvPr id="8" name="Google Shape;76;p14">
             <a:extLst>
               <a:ext uri="{FF2B5EF4-FFF2-40B4-BE49-F238E27FC236}">
-                <a16:creationId xmlns:a16="http://schemas.microsoft.com/office/drawing/2014/main" id="{A0604560-830C-4AC9-3717-031AA48B5D45}"/>
+                <a16:creationId xmlns:a16="http://schemas.microsoft.com/office/drawing/2014/main" xmlns="" id="{A0604560-830C-4AC9-3717-031AA48B5D45}"/>
               </a:ext>
             </a:extLst>
           </p:cNvPr>
@@ -7645,7 +7647,7 @@
           <p:cNvPr id="9" name="Google Shape;77;p14">
             <a:extLst>
               <a:ext uri="{FF2B5EF4-FFF2-40B4-BE49-F238E27FC236}">
-                <a16:creationId xmlns:a16="http://schemas.microsoft.com/office/drawing/2014/main" id="{DC03C87C-87BB-A5EB-0D50-DDB31F93A6C2}"/>
+                <a16:creationId xmlns:a16="http://schemas.microsoft.com/office/drawing/2014/main" xmlns="" id="{DC03C87C-87BB-A5EB-0D50-DDB31F93A6C2}"/>
               </a:ext>
             </a:extLst>
           </p:cNvPr>
@@ -7679,7 +7681,7 @@
           <p:cNvPr id="10" name="Google Shape;78;p14">
             <a:extLst>
               <a:ext uri="{FF2B5EF4-FFF2-40B4-BE49-F238E27FC236}">
-                <a16:creationId xmlns:a16="http://schemas.microsoft.com/office/drawing/2014/main" id="{281D3DED-9B64-E88B-FC5F-0C30B82A9484}"/>
+                <a16:creationId xmlns:a16="http://schemas.microsoft.com/office/drawing/2014/main" xmlns="" id="{281D3DED-9B64-E88B-FC5F-0C30B82A9484}"/>
               </a:ext>
             </a:extLst>
           </p:cNvPr>
@@ -7713,7 +7715,7 @@
           <p:cNvPr id="11" name="Google Shape;79;p14">
             <a:extLst>
               <a:ext uri="{FF2B5EF4-FFF2-40B4-BE49-F238E27FC236}">
-                <a16:creationId xmlns:a16="http://schemas.microsoft.com/office/drawing/2014/main" id="{0DAE55E6-D474-C395-BC84-8ACA3CE820A0}"/>
+                <a16:creationId xmlns:a16="http://schemas.microsoft.com/office/drawing/2014/main" xmlns="" id="{0DAE55E6-D474-C395-BC84-8ACA3CE820A0}"/>
               </a:ext>
             </a:extLst>
           </p:cNvPr>
@@ -7747,7 +7749,7 @@
           <p:cNvPr id="12" name="Google Shape;80;p14">
             <a:extLst>
               <a:ext uri="{FF2B5EF4-FFF2-40B4-BE49-F238E27FC236}">
-                <a16:creationId xmlns:a16="http://schemas.microsoft.com/office/drawing/2014/main" id="{3A5AAC50-9F06-A76F-B20B-35CF3612E825}"/>
+                <a16:creationId xmlns:a16="http://schemas.microsoft.com/office/drawing/2014/main" xmlns="" id="{3A5AAC50-9F06-A76F-B20B-35CF3612E825}"/>
               </a:ext>
             </a:extLst>
           </p:cNvPr>
@@ -7781,7 +7783,7 @@
           <p:cNvPr id="13" name="Google Shape;81;p14">
             <a:extLst>
               <a:ext uri="{FF2B5EF4-FFF2-40B4-BE49-F238E27FC236}">
-                <a16:creationId xmlns:a16="http://schemas.microsoft.com/office/drawing/2014/main" id="{F33B3BEC-1095-E464-2D03-703E55B0F8A0}"/>
+                <a16:creationId xmlns:a16="http://schemas.microsoft.com/office/drawing/2014/main" xmlns="" id="{F33B3BEC-1095-E464-2D03-703E55B0F8A0}"/>
               </a:ext>
             </a:extLst>
           </p:cNvPr>
@@ -7815,7 +7817,7 @@
           <p:cNvPr id="4" name="文本框 3">
             <a:extLst>
               <a:ext uri="{FF2B5EF4-FFF2-40B4-BE49-F238E27FC236}">
-                <a16:creationId xmlns:a16="http://schemas.microsoft.com/office/drawing/2014/main" id="{3E8E8225-E7B4-E598-7AEB-66BC2EF7864E}"/>
+                <a16:creationId xmlns:a16="http://schemas.microsoft.com/office/drawing/2014/main" xmlns="" id="{3E8E8225-E7B4-E598-7AEB-66BC2EF7864E}"/>
               </a:ext>
             </a:extLst>
           </p:cNvPr>
@@ -7855,7 +7857,7 @@
           <p:cNvPr id="27" name="箭头: 五边形 26">
             <a:extLst>
               <a:ext uri="{FF2B5EF4-FFF2-40B4-BE49-F238E27FC236}">
-                <a16:creationId xmlns:a16="http://schemas.microsoft.com/office/drawing/2014/main" id="{E085494B-F842-4C01-038E-DB08191BB1BE}"/>
+                <a16:creationId xmlns:a16="http://schemas.microsoft.com/office/drawing/2014/main" xmlns="" id="{E085494B-F842-4C01-038E-DB08191BB1BE}"/>
               </a:ext>
             </a:extLst>
           </p:cNvPr>
@@ -7911,7 +7913,7 @@
           <p:cNvPr id="28" name="文本框 27">
             <a:extLst>
               <a:ext uri="{FF2B5EF4-FFF2-40B4-BE49-F238E27FC236}">
-                <a16:creationId xmlns:a16="http://schemas.microsoft.com/office/drawing/2014/main" id="{342B569A-49B6-3B3C-8998-DEDD42D51B66}"/>
+                <a16:creationId xmlns:a16="http://schemas.microsoft.com/office/drawing/2014/main" xmlns="" id="{342B569A-49B6-3B3C-8998-DEDD42D51B66}"/>
               </a:ext>
             </a:extLst>
           </p:cNvPr>
@@ -7947,7 +7949,7 @@
           <p:cNvPr id="29" name="箭头: 五边形 28">
             <a:extLst>
               <a:ext uri="{FF2B5EF4-FFF2-40B4-BE49-F238E27FC236}">
-                <a16:creationId xmlns:a16="http://schemas.microsoft.com/office/drawing/2014/main" id="{3523BFDC-8B96-7B81-3159-C26951EC2B7B}"/>
+                <a16:creationId xmlns:a16="http://schemas.microsoft.com/office/drawing/2014/main" xmlns="" id="{3523BFDC-8B96-7B81-3159-C26951EC2B7B}"/>
               </a:ext>
             </a:extLst>
           </p:cNvPr>
@@ -7994,7 +7996,7 @@
           <p:cNvPr id="30" name="文本框 29">
             <a:extLst>
               <a:ext uri="{FF2B5EF4-FFF2-40B4-BE49-F238E27FC236}">
-                <a16:creationId xmlns:a16="http://schemas.microsoft.com/office/drawing/2014/main" id="{082D8EAA-C93E-D6A9-69A4-C34D928A3F9E}"/>
+                <a16:creationId xmlns:a16="http://schemas.microsoft.com/office/drawing/2014/main" xmlns="" id="{082D8EAA-C93E-D6A9-69A4-C34D928A3F9E}"/>
               </a:ext>
             </a:extLst>
           </p:cNvPr>
@@ -8030,7 +8032,7 @@
           <p:cNvPr id="31" name="箭头: 五边形 30">
             <a:extLst>
               <a:ext uri="{FF2B5EF4-FFF2-40B4-BE49-F238E27FC236}">
-                <a16:creationId xmlns:a16="http://schemas.microsoft.com/office/drawing/2014/main" id="{4B9E0D9B-D17E-69E7-1F9A-99DE7710B7A1}"/>
+                <a16:creationId xmlns:a16="http://schemas.microsoft.com/office/drawing/2014/main" xmlns="" id="{4B9E0D9B-D17E-69E7-1F9A-99DE7710B7A1}"/>
               </a:ext>
             </a:extLst>
           </p:cNvPr>
@@ -8077,7 +8079,7 @@
           <p:cNvPr id="32" name="箭头: 五边形 31">
             <a:extLst>
               <a:ext uri="{FF2B5EF4-FFF2-40B4-BE49-F238E27FC236}">
-                <a16:creationId xmlns:a16="http://schemas.microsoft.com/office/drawing/2014/main" id="{1C58B850-E627-D01E-6544-6FC012CCC33C}"/>
+                <a16:creationId xmlns:a16="http://schemas.microsoft.com/office/drawing/2014/main" xmlns="" id="{1C58B850-E627-D01E-6544-6FC012CCC33C}"/>
               </a:ext>
             </a:extLst>
           </p:cNvPr>
@@ -8133,7 +8135,7 @@
           <p:cNvPr id="33" name="箭头: 五边形 32">
             <a:extLst>
               <a:ext uri="{FF2B5EF4-FFF2-40B4-BE49-F238E27FC236}">
-                <a16:creationId xmlns:a16="http://schemas.microsoft.com/office/drawing/2014/main" id="{C768AE66-F650-1A37-7440-B571549FE915}"/>
+                <a16:creationId xmlns:a16="http://schemas.microsoft.com/office/drawing/2014/main" xmlns="" id="{C768AE66-F650-1A37-7440-B571549FE915}"/>
               </a:ext>
             </a:extLst>
           </p:cNvPr>
@@ -8189,7 +8191,7 @@
           <p:cNvPr id="34" name="箭头: 五边形 33">
             <a:extLst>
               <a:ext uri="{FF2B5EF4-FFF2-40B4-BE49-F238E27FC236}">
-                <a16:creationId xmlns:a16="http://schemas.microsoft.com/office/drawing/2014/main" id="{C73CB313-5C49-648F-D809-8346206978D1}"/>
+                <a16:creationId xmlns:a16="http://schemas.microsoft.com/office/drawing/2014/main" xmlns="" id="{C73CB313-5C49-648F-D809-8346206978D1}"/>
               </a:ext>
             </a:extLst>
           </p:cNvPr>
@@ -8245,7 +8247,7 @@
           <p:cNvPr id="35" name="箭头: 五边形 34">
             <a:extLst>
               <a:ext uri="{FF2B5EF4-FFF2-40B4-BE49-F238E27FC236}">
-                <a16:creationId xmlns:a16="http://schemas.microsoft.com/office/drawing/2014/main" id="{FC836AD9-A293-8E3F-664B-E692D69616E5}"/>
+                <a16:creationId xmlns:a16="http://schemas.microsoft.com/office/drawing/2014/main" xmlns="" id="{FC836AD9-A293-8E3F-664B-E692D69616E5}"/>
               </a:ext>
             </a:extLst>
           </p:cNvPr>
@@ -8301,7 +8303,7 @@
           <p:cNvPr id="37" name="箭头: 五边形 36">
             <a:extLst>
               <a:ext uri="{FF2B5EF4-FFF2-40B4-BE49-F238E27FC236}">
-                <a16:creationId xmlns:a16="http://schemas.microsoft.com/office/drawing/2014/main" id="{05ECD475-37EE-63E8-E9E5-EF81A4619214}"/>
+                <a16:creationId xmlns:a16="http://schemas.microsoft.com/office/drawing/2014/main" xmlns="" id="{05ECD475-37EE-63E8-E9E5-EF81A4619214}"/>
               </a:ext>
             </a:extLst>
           </p:cNvPr>
@@ -8348,7 +8350,7 @@
           <p:cNvPr id="38" name="箭头: 五边形 37">
             <a:extLst>
               <a:ext uri="{FF2B5EF4-FFF2-40B4-BE49-F238E27FC236}">
-                <a16:creationId xmlns:a16="http://schemas.microsoft.com/office/drawing/2014/main" id="{A6B5F2C7-042E-A328-27E2-FE7EEBDB2BDD}"/>
+                <a16:creationId xmlns:a16="http://schemas.microsoft.com/office/drawing/2014/main" xmlns="" id="{A6B5F2C7-042E-A328-27E2-FE7EEBDB2BDD}"/>
               </a:ext>
             </a:extLst>
           </p:cNvPr>
@@ -8395,7 +8397,7 @@
           <p:cNvPr id="39" name="箭头: 五边形 38">
             <a:extLst>
               <a:ext uri="{FF2B5EF4-FFF2-40B4-BE49-F238E27FC236}">
-                <a16:creationId xmlns:a16="http://schemas.microsoft.com/office/drawing/2014/main" id="{2D55E881-1EC3-4110-7472-1065FE27C440}"/>
+                <a16:creationId xmlns:a16="http://schemas.microsoft.com/office/drawing/2014/main" xmlns="" id="{2D55E881-1EC3-4110-7472-1065FE27C440}"/>
               </a:ext>
             </a:extLst>
           </p:cNvPr>
@@ -8472,7 +8474,7 @@
           <p:cNvPr id="2" name="标题 1">
             <a:extLst>
               <a:ext uri="{FF2B5EF4-FFF2-40B4-BE49-F238E27FC236}">
-                <a16:creationId xmlns:a16="http://schemas.microsoft.com/office/drawing/2014/main" id="{80796E82-7314-2FBE-2DE8-DDD70D4DF27E}"/>
+                <a16:creationId xmlns:a16="http://schemas.microsoft.com/office/drawing/2014/main" xmlns="" id="{80796E82-7314-2FBE-2DE8-DDD70D4DF27E}"/>
               </a:ext>
             </a:extLst>
           </p:cNvPr>
@@ -8521,7 +8523,7 @@
           <p:cNvPr id="5" name="椭圆 4">
             <a:extLst>
               <a:ext uri="{FF2B5EF4-FFF2-40B4-BE49-F238E27FC236}">
-                <a16:creationId xmlns:a16="http://schemas.microsoft.com/office/drawing/2014/main" id="{A020CC41-9901-5A10-06D8-1F19650A3A6A}"/>
+                <a16:creationId xmlns:a16="http://schemas.microsoft.com/office/drawing/2014/main" xmlns="" id="{A020CC41-9901-5A10-06D8-1F19650A3A6A}"/>
               </a:ext>
             </a:extLst>
           </p:cNvPr>
@@ -8573,7 +8575,7 @@
           <p:cNvPr id="19" name="Google Shape;73;p14">
             <a:extLst>
               <a:ext uri="{FF2B5EF4-FFF2-40B4-BE49-F238E27FC236}">
-                <a16:creationId xmlns:a16="http://schemas.microsoft.com/office/drawing/2014/main" id="{3442D827-BE6F-DFBF-3B15-223B2753D9E9}"/>
+                <a16:creationId xmlns:a16="http://schemas.microsoft.com/office/drawing/2014/main" xmlns="" id="{3442D827-BE6F-DFBF-3B15-223B2753D9E9}"/>
               </a:ext>
             </a:extLst>
           </p:cNvPr>
@@ -8607,7 +8609,7 @@
           <p:cNvPr id="3" name="椭圆 2">
             <a:extLst>
               <a:ext uri="{FF2B5EF4-FFF2-40B4-BE49-F238E27FC236}">
-                <a16:creationId xmlns:a16="http://schemas.microsoft.com/office/drawing/2014/main" id="{6A049D51-9228-994D-60FB-A0B21405E162}"/>
+                <a16:creationId xmlns:a16="http://schemas.microsoft.com/office/drawing/2014/main" xmlns="" id="{6A049D51-9228-994D-60FB-A0B21405E162}"/>
               </a:ext>
             </a:extLst>
           </p:cNvPr>
@@ -8663,7 +8665,7 @@
           <p:cNvPr id="20" name="椭圆 19">
             <a:extLst>
               <a:ext uri="{FF2B5EF4-FFF2-40B4-BE49-F238E27FC236}">
-                <a16:creationId xmlns:a16="http://schemas.microsoft.com/office/drawing/2014/main" id="{1CB92BD5-35D8-92CB-D9E4-9F7E63F85095}"/>
+                <a16:creationId xmlns:a16="http://schemas.microsoft.com/office/drawing/2014/main" xmlns="" id="{1CB92BD5-35D8-92CB-D9E4-9F7E63F85095}"/>
               </a:ext>
             </a:extLst>
           </p:cNvPr>
@@ -8719,7 +8721,7 @@
           <p:cNvPr id="21" name="椭圆 20">
             <a:extLst>
               <a:ext uri="{FF2B5EF4-FFF2-40B4-BE49-F238E27FC236}">
-                <a16:creationId xmlns:a16="http://schemas.microsoft.com/office/drawing/2014/main" id="{CC0D471C-430C-0F88-B963-906AF37643E5}"/>
+                <a16:creationId xmlns:a16="http://schemas.microsoft.com/office/drawing/2014/main" xmlns="" id="{CC0D471C-430C-0F88-B963-906AF37643E5}"/>
               </a:ext>
             </a:extLst>
           </p:cNvPr>
@@ -8775,7 +8777,7 @@
           <p:cNvPr id="22" name="椭圆 21">
             <a:extLst>
               <a:ext uri="{FF2B5EF4-FFF2-40B4-BE49-F238E27FC236}">
-                <a16:creationId xmlns:a16="http://schemas.microsoft.com/office/drawing/2014/main" id="{ECCA1AA6-1921-4825-44D1-D03BE773AACC}"/>
+                <a16:creationId xmlns:a16="http://schemas.microsoft.com/office/drawing/2014/main" xmlns="" id="{ECCA1AA6-1921-4825-44D1-D03BE773AACC}"/>
               </a:ext>
             </a:extLst>
           </p:cNvPr>
@@ -8831,7 +8833,7 @@
           <p:cNvPr id="23" name="椭圆 22">
             <a:extLst>
               <a:ext uri="{FF2B5EF4-FFF2-40B4-BE49-F238E27FC236}">
-                <a16:creationId xmlns:a16="http://schemas.microsoft.com/office/drawing/2014/main" id="{3F21BD1A-C0DB-4604-449C-A115F86B74D3}"/>
+                <a16:creationId xmlns:a16="http://schemas.microsoft.com/office/drawing/2014/main" xmlns="" id="{3F21BD1A-C0DB-4604-449C-A115F86B74D3}"/>
               </a:ext>
             </a:extLst>
           </p:cNvPr>
@@ -8891,7 +8893,7 @@
           <p:cNvPr id="24" name="椭圆 23">
             <a:extLst>
               <a:ext uri="{FF2B5EF4-FFF2-40B4-BE49-F238E27FC236}">
-                <a16:creationId xmlns:a16="http://schemas.microsoft.com/office/drawing/2014/main" id="{153EDE49-BF0B-3BFF-8FAE-EA9476EE1014}"/>
+                <a16:creationId xmlns:a16="http://schemas.microsoft.com/office/drawing/2014/main" xmlns="" id="{153EDE49-BF0B-3BFF-8FAE-EA9476EE1014}"/>
               </a:ext>
             </a:extLst>
           </p:cNvPr>
@@ -8951,7 +8953,7 @@
           <p:cNvPr id="25" name="椭圆 24">
             <a:extLst>
               <a:ext uri="{FF2B5EF4-FFF2-40B4-BE49-F238E27FC236}">
-                <a16:creationId xmlns:a16="http://schemas.microsoft.com/office/drawing/2014/main" id="{96E59006-D453-BDF9-72CE-BDDB3896D922}"/>
+                <a16:creationId xmlns:a16="http://schemas.microsoft.com/office/drawing/2014/main" xmlns="" id="{96E59006-D453-BDF9-72CE-BDDB3896D922}"/>
               </a:ext>
             </a:extLst>
           </p:cNvPr>
@@ -9011,7 +9013,7 @@
           <p:cNvPr id="26" name="椭圆 25">
             <a:extLst>
               <a:ext uri="{FF2B5EF4-FFF2-40B4-BE49-F238E27FC236}">
-                <a16:creationId xmlns:a16="http://schemas.microsoft.com/office/drawing/2014/main" id="{76DDE1EF-9352-BD67-F294-8E6E8429488F}"/>
+                <a16:creationId xmlns:a16="http://schemas.microsoft.com/office/drawing/2014/main" xmlns="" id="{76DDE1EF-9352-BD67-F294-8E6E8429488F}"/>
               </a:ext>
             </a:extLst>
           </p:cNvPr>
@@ -9071,7 +9073,7 @@
           <p:cNvPr id="4" name="文本框 3">
             <a:extLst>
               <a:ext uri="{FF2B5EF4-FFF2-40B4-BE49-F238E27FC236}">
-                <a16:creationId xmlns:a16="http://schemas.microsoft.com/office/drawing/2014/main" id="{3E8E8225-E7B4-E598-7AEB-66BC2EF7864E}"/>
+                <a16:creationId xmlns:a16="http://schemas.microsoft.com/office/drawing/2014/main" xmlns="" id="{3E8E8225-E7B4-E598-7AEB-66BC2EF7864E}"/>
               </a:ext>
             </a:extLst>
           </p:cNvPr>
@@ -9121,7 +9123,7 @@
           <p:cNvPr id="27" name="Google Shape;74;p14">
             <a:extLst>
               <a:ext uri="{FF2B5EF4-FFF2-40B4-BE49-F238E27FC236}">
-                <a16:creationId xmlns:a16="http://schemas.microsoft.com/office/drawing/2014/main" id="{F001360C-F541-C9AF-53E6-BA5E50272227}"/>
+                <a16:creationId xmlns:a16="http://schemas.microsoft.com/office/drawing/2014/main" xmlns="" id="{F001360C-F541-C9AF-53E6-BA5E50272227}"/>
               </a:ext>
             </a:extLst>
           </p:cNvPr>
@@ -9155,7 +9157,7 @@
           <p:cNvPr id="28" name="Google Shape;75;p14">
             <a:extLst>
               <a:ext uri="{FF2B5EF4-FFF2-40B4-BE49-F238E27FC236}">
-                <a16:creationId xmlns:a16="http://schemas.microsoft.com/office/drawing/2014/main" id="{BC47DF63-D787-76FF-F6E1-924DB122ED98}"/>
+                <a16:creationId xmlns:a16="http://schemas.microsoft.com/office/drawing/2014/main" xmlns="" id="{BC47DF63-D787-76FF-F6E1-924DB122ED98}"/>
               </a:ext>
             </a:extLst>
           </p:cNvPr>
@@ -9189,7 +9191,7 @@
           <p:cNvPr id="29" name="Google Shape;76;p14">
             <a:extLst>
               <a:ext uri="{FF2B5EF4-FFF2-40B4-BE49-F238E27FC236}">
-                <a16:creationId xmlns:a16="http://schemas.microsoft.com/office/drawing/2014/main" id="{E6DB3436-E7A1-74A4-306B-891B37C2E2BC}"/>
+                <a16:creationId xmlns:a16="http://schemas.microsoft.com/office/drawing/2014/main" xmlns="" id="{E6DB3436-E7A1-74A4-306B-891B37C2E2BC}"/>
               </a:ext>
             </a:extLst>
           </p:cNvPr>
@@ -9223,7 +9225,7 @@
           <p:cNvPr id="30" name="Google Shape;77;p14">
             <a:extLst>
               <a:ext uri="{FF2B5EF4-FFF2-40B4-BE49-F238E27FC236}">
-                <a16:creationId xmlns:a16="http://schemas.microsoft.com/office/drawing/2014/main" id="{4732D7A8-7A22-D333-C97E-9E6837577A1F}"/>
+                <a16:creationId xmlns:a16="http://schemas.microsoft.com/office/drawing/2014/main" xmlns="" id="{4732D7A8-7A22-D333-C97E-9E6837577A1F}"/>
               </a:ext>
             </a:extLst>
           </p:cNvPr>
@@ -9257,7 +9259,7 @@
           <p:cNvPr id="31" name="Google Shape;78;p14">
             <a:extLst>
               <a:ext uri="{FF2B5EF4-FFF2-40B4-BE49-F238E27FC236}">
-                <a16:creationId xmlns:a16="http://schemas.microsoft.com/office/drawing/2014/main" id="{56A704A4-652B-FEB3-E4FD-002BB01DD9FD}"/>
+                <a16:creationId xmlns:a16="http://schemas.microsoft.com/office/drawing/2014/main" xmlns="" id="{56A704A4-652B-FEB3-E4FD-002BB01DD9FD}"/>
               </a:ext>
             </a:extLst>
           </p:cNvPr>
@@ -9291,7 +9293,7 @@
           <p:cNvPr id="32" name="Google Shape;79;p14">
             <a:extLst>
               <a:ext uri="{FF2B5EF4-FFF2-40B4-BE49-F238E27FC236}">
-                <a16:creationId xmlns:a16="http://schemas.microsoft.com/office/drawing/2014/main" id="{2B1EC5ED-8A2C-AFB1-031C-190E068ED4D4}"/>
+                <a16:creationId xmlns:a16="http://schemas.microsoft.com/office/drawing/2014/main" xmlns="" id="{2B1EC5ED-8A2C-AFB1-031C-190E068ED4D4}"/>
               </a:ext>
             </a:extLst>
           </p:cNvPr>
@@ -9325,7 +9327,7 @@
           <p:cNvPr id="33" name="Google Shape;80;p14">
             <a:extLst>
               <a:ext uri="{FF2B5EF4-FFF2-40B4-BE49-F238E27FC236}">
-                <a16:creationId xmlns:a16="http://schemas.microsoft.com/office/drawing/2014/main" id="{66CD08D3-5714-3526-9D5B-B8686C293498}"/>
+                <a16:creationId xmlns:a16="http://schemas.microsoft.com/office/drawing/2014/main" xmlns="" id="{66CD08D3-5714-3526-9D5B-B8686C293498}"/>
               </a:ext>
             </a:extLst>
           </p:cNvPr>
@@ -9359,7 +9361,7 @@
           <p:cNvPr id="34" name="Google Shape;81;p14">
             <a:extLst>
               <a:ext uri="{FF2B5EF4-FFF2-40B4-BE49-F238E27FC236}">
-                <a16:creationId xmlns:a16="http://schemas.microsoft.com/office/drawing/2014/main" id="{08D2C6F6-EC7E-991B-0ABD-435E54875096}"/>
+                <a16:creationId xmlns:a16="http://schemas.microsoft.com/office/drawing/2014/main" xmlns="" id="{08D2C6F6-EC7E-991B-0ABD-435E54875096}"/>
               </a:ext>
             </a:extLst>
           </p:cNvPr>
@@ -9393,7 +9395,7 @@
           <p:cNvPr id="35" name="箭头: 五边形 34">
             <a:extLst>
               <a:ext uri="{FF2B5EF4-FFF2-40B4-BE49-F238E27FC236}">
-                <a16:creationId xmlns:a16="http://schemas.microsoft.com/office/drawing/2014/main" id="{45CBFFAB-1872-D837-E2C6-E919DC9EBA01}"/>
+                <a16:creationId xmlns:a16="http://schemas.microsoft.com/office/drawing/2014/main" xmlns="" id="{45CBFFAB-1872-D837-E2C6-E919DC9EBA01}"/>
               </a:ext>
             </a:extLst>
           </p:cNvPr>
@@ -9440,7 +9442,7 @@
           <p:cNvPr id="36" name="箭头: 五边形 35">
             <a:extLst>
               <a:ext uri="{FF2B5EF4-FFF2-40B4-BE49-F238E27FC236}">
-                <a16:creationId xmlns:a16="http://schemas.microsoft.com/office/drawing/2014/main" id="{E1B40010-B40E-1B8F-1326-136C2A5B675C}"/>
+                <a16:creationId xmlns:a16="http://schemas.microsoft.com/office/drawing/2014/main" xmlns="" id="{E1B40010-B40E-1B8F-1326-136C2A5B675C}"/>
               </a:ext>
             </a:extLst>
           </p:cNvPr>
@@ -9496,7 +9498,7 @@
           <p:cNvPr id="37" name="箭头: 五边形 36">
             <a:extLst>
               <a:ext uri="{FF2B5EF4-FFF2-40B4-BE49-F238E27FC236}">
-                <a16:creationId xmlns:a16="http://schemas.microsoft.com/office/drawing/2014/main" id="{3D0F7E28-4B9F-42FB-3041-A660EACDA846}"/>
+                <a16:creationId xmlns:a16="http://schemas.microsoft.com/office/drawing/2014/main" xmlns="" id="{3D0F7E28-4B9F-42FB-3041-A660EACDA846}"/>
               </a:ext>
             </a:extLst>
           </p:cNvPr>
@@ -9552,7 +9554,7 @@
           <p:cNvPr id="38" name="箭头: 五边形 37">
             <a:extLst>
               <a:ext uri="{FF2B5EF4-FFF2-40B4-BE49-F238E27FC236}">
-                <a16:creationId xmlns:a16="http://schemas.microsoft.com/office/drawing/2014/main" id="{F2C895B2-888C-AE59-96AA-DC572DF8AECF}"/>
+                <a16:creationId xmlns:a16="http://schemas.microsoft.com/office/drawing/2014/main" xmlns="" id="{F2C895B2-888C-AE59-96AA-DC572DF8AECF}"/>
               </a:ext>
             </a:extLst>
           </p:cNvPr>
@@ -9608,7 +9610,7 @@
           <p:cNvPr id="39" name="箭头: 五边形 38">
             <a:extLst>
               <a:ext uri="{FF2B5EF4-FFF2-40B4-BE49-F238E27FC236}">
-                <a16:creationId xmlns:a16="http://schemas.microsoft.com/office/drawing/2014/main" id="{FE7171F9-6901-D35F-3EBF-EF312187A7B1}"/>
+                <a16:creationId xmlns:a16="http://schemas.microsoft.com/office/drawing/2014/main" xmlns="" id="{FE7171F9-6901-D35F-3EBF-EF312187A7B1}"/>
               </a:ext>
             </a:extLst>
           </p:cNvPr>
@@ -9664,7 +9666,7 @@
           <p:cNvPr id="40" name="箭头: 五边形 39">
             <a:extLst>
               <a:ext uri="{FF2B5EF4-FFF2-40B4-BE49-F238E27FC236}">
-                <a16:creationId xmlns:a16="http://schemas.microsoft.com/office/drawing/2014/main" id="{16B50CFD-37FF-2522-847C-ED21245232E4}"/>
+                <a16:creationId xmlns:a16="http://schemas.microsoft.com/office/drawing/2014/main" xmlns="" id="{16B50CFD-37FF-2522-847C-ED21245232E4}"/>
               </a:ext>
             </a:extLst>
           </p:cNvPr>
@@ -9711,7 +9713,7 @@
           <p:cNvPr id="41" name="箭头: 五边形 40">
             <a:extLst>
               <a:ext uri="{FF2B5EF4-FFF2-40B4-BE49-F238E27FC236}">
-                <a16:creationId xmlns:a16="http://schemas.microsoft.com/office/drawing/2014/main" id="{E064F493-09BD-2E6B-64E8-D8FB51398996}"/>
+                <a16:creationId xmlns:a16="http://schemas.microsoft.com/office/drawing/2014/main" xmlns="" id="{E064F493-09BD-2E6B-64E8-D8FB51398996}"/>
               </a:ext>
             </a:extLst>
           </p:cNvPr>
@@ -9758,7 +9760,7 @@
           <p:cNvPr id="42" name="箭头: 五边形 41">
             <a:extLst>
               <a:ext uri="{FF2B5EF4-FFF2-40B4-BE49-F238E27FC236}">
-                <a16:creationId xmlns:a16="http://schemas.microsoft.com/office/drawing/2014/main" id="{17EE7FAC-09DB-BC90-8147-28775EF08FEB}"/>
+                <a16:creationId xmlns:a16="http://schemas.microsoft.com/office/drawing/2014/main" xmlns="" id="{17EE7FAC-09DB-BC90-8147-28775EF08FEB}"/>
               </a:ext>
             </a:extLst>
           </p:cNvPr>
@@ -9835,7 +9837,7 @@
           <p:cNvPr id="2" name="标题 1">
             <a:extLst>
               <a:ext uri="{FF2B5EF4-FFF2-40B4-BE49-F238E27FC236}">
-                <a16:creationId xmlns:a16="http://schemas.microsoft.com/office/drawing/2014/main" id="{80796E82-7314-2FBE-2DE8-DDD70D4DF27E}"/>
+                <a16:creationId xmlns:a16="http://schemas.microsoft.com/office/drawing/2014/main" xmlns="" id="{80796E82-7314-2FBE-2DE8-DDD70D4DF27E}"/>
               </a:ext>
             </a:extLst>
           </p:cNvPr>
@@ -9884,7 +9886,7 @@
           <p:cNvPr id="5" name="椭圆 4">
             <a:extLst>
               <a:ext uri="{FF2B5EF4-FFF2-40B4-BE49-F238E27FC236}">
-                <a16:creationId xmlns:a16="http://schemas.microsoft.com/office/drawing/2014/main" id="{A020CC41-9901-5A10-06D8-1F19650A3A6A}"/>
+                <a16:creationId xmlns:a16="http://schemas.microsoft.com/office/drawing/2014/main" xmlns="" id="{A020CC41-9901-5A10-06D8-1F19650A3A6A}"/>
               </a:ext>
             </a:extLst>
           </p:cNvPr>
@@ -9936,7 +9938,7 @@
           <p:cNvPr id="19" name="Google Shape;73;p14">
             <a:extLst>
               <a:ext uri="{FF2B5EF4-FFF2-40B4-BE49-F238E27FC236}">
-                <a16:creationId xmlns:a16="http://schemas.microsoft.com/office/drawing/2014/main" id="{3442D827-BE6F-DFBF-3B15-223B2753D9E9}"/>
+                <a16:creationId xmlns:a16="http://schemas.microsoft.com/office/drawing/2014/main" xmlns="" id="{3442D827-BE6F-DFBF-3B15-223B2753D9E9}"/>
               </a:ext>
             </a:extLst>
           </p:cNvPr>
@@ -9970,7 +9972,7 @@
           <p:cNvPr id="6" name="Google Shape;74;p14">
             <a:extLst>
               <a:ext uri="{FF2B5EF4-FFF2-40B4-BE49-F238E27FC236}">
-                <a16:creationId xmlns:a16="http://schemas.microsoft.com/office/drawing/2014/main" id="{8ABB2948-CF7D-7BD6-14B8-367574244CB2}"/>
+                <a16:creationId xmlns:a16="http://schemas.microsoft.com/office/drawing/2014/main" xmlns="" id="{8ABB2948-CF7D-7BD6-14B8-367574244CB2}"/>
               </a:ext>
             </a:extLst>
           </p:cNvPr>
@@ -10004,7 +10006,7 @@
           <p:cNvPr id="7" name="Google Shape;75;p14">
             <a:extLst>
               <a:ext uri="{FF2B5EF4-FFF2-40B4-BE49-F238E27FC236}">
-                <a16:creationId xmlns:a16="http://schemas.microsoft.com/office/drawing/2014/main" id="{744D1F6B-EBF7-049C-9CBC-D2BD265B8DB5}"/>
+                <a16:creationId xmlns:a16="http://schemas.microsoft.com/office/drawing/2014/main" xmlns="" id="{744D1F6B-EBF7-049C-9CBC-D2BD265B8DB5}"/>
               </a:ext>
             </a:extLst>
           </p:cNvPr>
@@ -10038,7 +10040,7 @@
           <p:cNvPr id="8" name="Google Shape;76;p14">
             <a:extLst>
               <a:ext uri="{FF2B5EF4-FFF2-40B4-BE49-F238E27FC236}">
-                <a16:creationId xmlns:a16="http://schemas.microsoft.com/office/drawing/2014/main" id="{A0604560-830C-4AC9-3717-031AA48B5D45}"/>
+                <a16:creationId xmlns:a16="http://schemas.microsoft.com/office/drawing/2014/main" xmlns="" id="{A0604560-830C-4AC9-3717-031AA48B5D45}"/>
               </a:ext>
             </a:extLst>
           </p:cNvPr>
@@ -10072,7 +10074,7 @@
           <p:cNvPr id="9" name="Google Shape;77;p14">
             <a:extLst>
               <a:ext uri="{FF2B5EF4-FFF2-40B4-BE49-F238E27FC236}">
-                <a16:creationId xmlns:a16="http://schemas.microsoft.com/office/drawing/2014/main" id="{DC03C87C-87BB-A5EB-0D50-DDB31F93A6C2}"/>
+                <a16:creationId xmlns:a16="http://schemas.microsoft.com/office/drawing/2014/main" xmlns="" id="{DC03C87C-87BB-A5EB-0D50-DDB31F93A6C2}"/>
               </a:ext>
             </a:extLst>
           </p:cNvPr>
@@ -10106,7 +10108,7 @@
           <p:cNvPr id="10" name="Google Shape;78;p14">
             <a:extLst>
               <a:ext uri="{FF2B5EF4-FFF2-40B4-BE49-F238E27FC236}">
-                <a16:creationId xmlns:a16="http://schemas.microsoft.com/office/drawing/2014/main" id="{281D3DED-9B64-E88B-FC5F-0C30B82A9484}"/>
+                <a16:creationId xmlns:a16="http://schemas.microsoft.com/office/drawing/2014/main" xmlns="" id="{281D3DED-9B64-E88B-FC5F-0C30B82A9484}"/>
               </a:ext>
             </a:extLst>
           </p:cNvPr>
@@ -10140,7 +10142,7 @@
           <p:cNvPr id="11" name="Google Shape;79;p14">
             <a:extLst>
               <a:ext uri="{FF2B5EF4-FFF2-40B4-BE49-F238E27FC236}">
-                <a16:creationId xmlns:a16="http://schemas.microsoft.com/office/drawing/2014/main" id="{0DAE55E6-D474-C395-BC84-8ACA3CE820A0}"/>
+                <a16:creationId xmlns:a16="http://schemas.microsoft.com/office/drawing/2014/main" xmlns="" id="{0DAE55E6-D474-C395-BC84-8ACA3CE820A0}"/>
               </a:ext>
             </a:extLst>
           </p:cNvPr>
@@ -10174,7 +10176,7 @@
           <p:cNvPr id="12" name="Google Shape;80;p14">
             <a:extLst>
               <a:ext uri="{FF2B5EF4-FFF2-40B4-BE49-F238E27FC236}">
-                <a16:creationId xmlns:a16="http://schemas.microsoft.com/office/drawing/2014/main" id="{3A5AAC50-9F06-A76F-B20B-35CF3612E825}"/>
+                <a16:creationId xmlns:a16="http://schemas.microsoft.com/office/drawing/2014/main" xmlns="" id="{3A5AAC50-9F06-A76F-B20B-35CF3612E825}"/>
               </a:ext>
             </a:extLst>
           </p:cNvPr>
@@ -10208,7 +10210,7 @@
           <p:cNvPr id="13" name="Google Shape;81;p14">
             <a:extLst>
               <a:ext uri="{FF2B5EF4-FFF2-40B4-BE49-F238E27FC236}">
-                <a16:creationId xmlns:a16="http://schemas.microsoft.com/office/drawing/2014/main" id="{F33B3BEC-1095-E464-2D03-703E55B0F8A0}"/>
+                <a16:creationId xmlns:a16="http://schemas.microsoft.com/office/drawing/2014/main" xmlns="" id="{F33B3BEC-1095-E464-2D03-703E55B0F8A0}"/>
               </a:ext>
             </a:extLst>
           </p:cNvPr>
@@ -10242,7 +10244,7 @@
           <p:cNvPr id="4" name="文本框 3">
             <a:extLst>
               <a:ext uri="{FF2B5EF4-FFF2-40B4-BE49-F238E27FC236}">
-                <a16:creationId xmlns:a16="http://schemas.microsoft.com/office/drawing/2014/main" id="{3E8E8225-E7B4-E598-7AEB-66BC2EF7864E}"/>
+                <a16:creationId xmlns:a16="http://schemas.microsoft.com/office/drawing/2014/main" xmlns="" id="{3E8E8225-E7B4-E598-7AEB-66BC2EF7864E}"/>
               </a:ext>
             </a:extLst>
           </p:cNvPr>
@@ -10282,7 +10284,7 @@
           <p:cNvPr id="31" name="箭头: 五边形 30">
             <a:extLst>
               <a:ext uri="{FF2B5EF4-FFF2-40B4-BE49-F238E27FC236}">
-                <a16:creationId xmlns:a16="http://schemas.microsoft.com/office/drawing/2014/main" id="{4B9E0D9B-D17E-69E7-1F9A-99DE7710B7A1}"/>
+                <a16:creationId xmlns:a16="http://schemas.microsoft.com/office/drawing/2014/main" xmlns="" id="{4B9E0D9B-D17E-69E7-1F9A-99DE7710B7A1}"/>
               </a:ext>
             </a:extLst>
           </p:cNvPr>
@@ -10329,7 +10331,7 @@
           <p:cNvPr id="32" name="箭头: 五边形 31">
             <a:extLst>
               <a:ext uri="{FF2B5EF4-FFF2-40B4-BE49-F238E27FC236}">
-                <a16:creationId xmlns:a16="http://schemas.microsoft.com/office/drawing/2014/main" id="{1C58B850-E627-D01E-6544-6FC012CCC33C}"/>
+                <a16:creationId xmlns:a16="http://schemas.microsoft.com/office/drawing/2014/main" xmlns="" id="{1C58B850-E627-D01E-6544-6FC012CCC33C}"/>
               </a:ext>
             </a:extLst>
           </p:cNvPr>
@@ -10385,7 +10387,7 @@
           <p:cNvPr id="33" name="箭头: 五边形 32">
             <a:extLst>
               <a:ext uri="{FF2B5EF4-FFF2-40B4-BE49-F238E27FC236}">
-                <a16:creationId xmlns:a16="http://schemas.microsoft.com/office/drawing/2014/main" id="{C768AE66-F650-1A37-7440-B571549FE915}"/>
+                <a16:creationId xmlns:a16="http://schemas.microsoft.com/office/drawing/2014/main" xmlns="" id="{C768AE66-F650-1A37-7440-B571549FE915}"/>
               </a:ext>
             </a:extLst>
           </p:cNvPr>
@@ -10441,7 +10443,7 @@
           <p:cNvPr id="34" name="箭头: 五边形 33">
             <a:extLst>
               <a:ext uri="{FF2B5EF4-FFF2-40B4-BE49-F238E27FC236}">
-                <a16:creationId xmlns:a16="http://schemas.microsoft.com/office/drawing/2014/main" id="{C73CB313-5C49-648F-D809-8346206978D1}"/>
+                <a16:creationId xmlns:a16="http://schemas.microsoft.com/office/drawing/2014/main" xmlns="" id="{C73CB313-5C49-648F-D809-8346206978D1}"/>
               </a:ext>
             </a:extLst>
           </p:cNvPr>
@@ -10497,7 +10499,7 @@
           <p:cNvPr id="35" name="箭头: 五边形 34">
             <a:extLst>
               <a:ext uri="{FF2B5EF4-FFF2-40B4-BE49-F238E27FC236}">
-                <a16:creationId xmlns:a16="http://schemas.microsoft.com/office/drawing/2014/main" id="{FC836AD9-A293-8E3F-664B-E692D69616E5}"/>
+                <a16:creationId xmlns:a16="http://schemas.microsoft.com/office/drawing/2014/main" xmlns="" id="{FC836AD9-A293-8E3F-664B-E692D69616E5}"/>
               </a:ext>
             </a:extLst>
           </p:cNvPr>
@@ -10553,7 +10555,7 @@
           <p:cNvPr id="37" name="箭头: 五边形 36">
             <a:extLst>
               <a:ext uri="{FF2B5EF4-FFF2-40B4-BE49-F238E27FC236}">
-                <a16:creationId xmlns:a16="http://schemas.microsoft.com/office/drawing/2014/main" id="{05ECD475-37EE-63E8-E9E5-EF81A4619214}"/>
+                <a16:creationId xmlns:a16="http://schemas.microsoft.com/office/drawing/2014/main" xmlns="" id="{05ECD475-37EE-63E8-E9E5-EF81A4619214}"/>
               </a:ext>
             </a:extLst>
           </p:cNvPr>
@@ -10600,7 +10602,7 @@
           <p:cNvPr id="38" name="箭头: 五边形 37">
             <a:extLst>
               <a:ext uri="{FF2B5EF4-FFF2-40B4-BE49-F238E27FC236}">
-                <a16:creationId xmlns:a16="http://schemas.microsoft.com/office/drawing/2014/main" id="{A6B5F2C7-042E-A328-27E2-FE7EEBDB2BDD}"/>
+                <a16:creationId xmlns:a16="http://schemas.microsoft.com/office/drawing/2014/main" xmlns="" id="{A6B5F2C7-042E-A328-27E2-FE7EEBDB2BDD}"/>
               </a:ext>
             </a:extLst>
           </p:cNvPr>
@@ -10647,7 +10649,7 @@
           <p:cNvPr id="39" name="箭头: 五边形 38">
             <a:extLst>
               <a:ext uri="{FF2B5EF4-FFF2-40B4-BE49-F238E27FC236}">
-                <a16:creationId xmlns:a16="http://schemas.microsoft.com/office/drawing/2014/main" id="{2D55E881-1EC3-4110-7472-1065FE27C440}"/>
+                <a16:creationId xmlns:a16="http://schemas.microsoft.com/office/drawing/2014/main" xmlns="" id="{2D55E881-1EC3-4110-7472-1065FE27C440}"/>
               </a:ext>
             </a:extLst>
           </p:cNvPr>
@@ -10724,7 +10726,7 @@
           <p:cNvPr id="2" name="标题 1">
             <a:extLst>
               <a:ext uri="{FF2B5EF4-FFF2-40B4-BE49-F238E27FC236}">
-                <a16:creationId xmlns:a16="http://schemas.microsoft.com/office/drawing/2014/main" id="{80796E82-7314-2FBE-2DE8-DDD70D4DF27E}"/>
+                <a16:creationId xmlns:a16="http://schemas.microsoft.com/office/drawing/2014/main" xmlns="" id="{80796E82-7314-2FBE-2DE8-DDD70D4DF27E}"/>
               </a:ext>
             </a:extLst>
           </p:cNvPr>
@@ -10773,7 +10775,7 @@
           <p:cNvPr id="5" name="椭圆 4">
             <a:extLst>
               <a:ext uri="{FF2B5EF4-FFF2-40B4-BE49-F238E27FC236}">
-                <a16:creationId xmlns:a16="http://schemas.microsoft.com/office/drawing/2014/main" id="{A020CC41-9901-5A10-06D8-1F19650A3A6A}"/>
+                <a16:creationId xmlns:a16="http://schemas.microsoft.com/office/drawing/2014/main" xmlns="" id="{A020CC41-9901-5A10-06D8-1F19650A3A6A}"/>
               </a:ext>
             </a:extLst>
           </p:cNvPr>
@@ -10825,7 +10827,7 @@
           <p:cNvPr id="19" name="Google Shape;73;p14">
             <a:extLst>
               <a:ext uri="{FF2B5EF4-FFF2-40B4-BE49-F238E27FC236}">
-                <a16:creationId xmlns:a16="http://schemas.microsoft.com/office/drawing/2014/main" id="{3442D827-BE6F-DFBF-3B15-223B2753D9E9}"/>
+                <a16:creationId xmlns:a16="http://schemas.microsoft.com/office/drawing/2014/main" xmlns="" id="{3442D827-BE6F-DFBF-3B15-223B2753D9E9}"/>
               </a:ext>
             </a:extLst>
           </p:cNvPr>
@@ -10859,7 +10861,7 @@
           <p:cNvPr id="4" name="文本框 3">
             <a:extLst>
               <a:ext uri="{FF2B5EF4-FFF2-40B4-BE49-F238E27FC236}">
-                <a16:creationId xmlns:a16="http://schemas.microsoft.com/office/drawing/2014/main" id="{3E8E8225-E7B4-E598-7AEB-66BC2EF7864E}"/>
+                <a16:creationId xmlns:a16="http://schemas.microsoft.com/office/drawing/2014/main" xmlns="" id="{3E8E8225-E7B4-E598-7AEB-66BC2EF7864E}"/>
               </a:ext>
             </a:extLst>
           </p:cNvPr>
@@ -10909,7 +10911,7 @@
           <p:cNvPr id="22" name="椭圆 21">
             <a:extLst>
               <a:ext uri="{FF2B5EF4-FFF2-40B4-BE49-F238E27FC236}">
-                <a16:creationId xmlns:a16="http://schemas.microsoft.com/office/drawing/2014/main" id="{4E75EC5F-C5EA-EA42-7F36-03E60DC340EA}"/>
+                <a16:creationId xmlns:a16="http://schemas.microsoft.com/office/drawing/2014/main" xmlns="" id="{4E75EC5F-C5EA-EA42-7F36-03E60DC340EA}"/>
               </a:ext>
             </a:extLst>
           </p:cNvPr>
@@ -10965,7 +10967,7 @@
           <p:cNvPr id="23" name="椭圆 22">
             <a:extLst>
               <a:ext uri="{FF2B5EF4-FFF2-40B4-BE49-F238E27FC236}">
-                <a16:creationId xmlns:a16="http://schemas.microsoft.com/office/drawing/2014/main" id="{BA952E59-C089-7749-A0B7-A5088390FAB8}"/>
+                <a16:creationId xmlns:a16="http://schemas.microsoft.com/office/drawing/2014/main" xmlns="" id="{BA952E59-C089-7749-A0B7-A5088390FAB8}"/>
               </a:ext>
             </a:extLst>
           </p:cNvPr>
@@ -11021,7 +11023,7 @@
           <p:cNvPr id="24" name="椭圆 23">
             <a:extLst>
               <a:ext uri="{FF2B5EF4-FFF2-40B4-BE49-F238E27FC236}">
-                <a16:creationId xmlns:a16="http://schemas.microsoft.com/office/drawing/2014/main" id="{A4A4D5D7-187E-AE99-3C62-2864073C8838}"/>
+                <a16:creationId xmlns:a16="http://schemas.microsoft.com/office/drawing/2014/main" xmlns="" id="{A4A4D5D7-187E-AE99-3C62-2864073C8838}"/>
               </a:ext>
             </a:extLst>
           </p:cNvPr>
@@ -11081,7 +11083,7 @@
           <p:cNvPr id="25" name="椭圆 24">
             <a:extLst>
               <a:ext uri="{FF2B5EF4-FFF2-40B4-BE49-F238E27FC236}">
-                <a16:creationId xmlns:a16="http://schemas.microsoft.com/office/drawing/2014/main" id="{10CF8DA3-C49C-2BED-92B6-1728851E6352}"/>
+                <a16:creationId xmlns:a16="http://schemas.microsoft.com/office/drawing/2014/main" xmlns="" id="{10CF8DA3-C49C-2BED-92B6-1728851E6352}"/>
               </a:ext>
             </a:extLst>
           </p:cNvPr>
@@ -11141,7 +11143,7 @@
           <p:cNvPr id="3" name="矩形 2">
             <a:extLst>
               <a:ext uri="{FF2B5EF4-FFF2-40B4-BE49-F238E27FC236}">
-                <a16:creationId xmlns:a16="http://schemas.microsoft.com/office/drawing/2014/main" id="{E58FCDA4-B35B-B0FC-BF81-317243318E0C}"/>
+                <a16:creationId xmlns:a16="http://schemas.microsoft.com/office/drawing/2014/main" xmlns="" id="{E58FCDA4-B35B-B0FC-BF81-317243318E0C}"/>
               </a:ext>
             </a:extLst>
           </p:cNvPr>
@@ -11192,7 +11194,7 @@
           <p:cNvPr id="14" name="文本框 13">
             <a:extLst>
               <a:ext uri="{FF2B5EF4-FFF2-40B4-BE49-F238E27FC236}">
-                <a16:creationId xmlns:a16="http://schemas.microsoft.com/office/drawing/2014/main" id="{86C23270-8523-9E1F-9089-1BAE5BB2BA1E}"/>
+                <a16:creationId xmlns:a16="http://schemas.microsoft.com/office/drawing/2014/main" xmlns="" id="{86C23270-8523-9E1F-9089-1BAE5BB2BA1E}"/>
               </a:ext>
             </a:extLst>
           </p:cNvPr>
@@ -11231,7 +11233,7 @@
           <p:cNvPr id="28" name="Google Shape;95;p14">
             <a:extLst>
               <a:ext uri="{FF2B5EF4-FFF2-40B4-BE49-F238E27FC236}">
-                <a16:creationId xmlns:a16="http://schemas.microsoft.com/office/drawing/2014/main" id="{EEDC2338-19B0-9AEF-E3AB-A6669DB1AB3C}"/>
+                <a16:creationId xmlns:a16="http://schemas.microsoft.com/office/drawing/2014/main" xmlns="" id="{EEDC2338-19B0-9AEF-E3AB-A6669DB1AB3C}"/>
               </a:ext>
             </a:extLst>
           </p:cNvPr>
@@ -11276,7 +11278,7 @@
           <p:cNvPr id="30" name="Google Shape;95;p14">
             <a:extLst>
               <a:ext uri="{FF2B5EF4-FFF2-40B4-BE49-F238E27FC236}">
-                <a16:creationId xmlns:a16="http://schemas.microsoft.com/office/drawing/2014/main" id="{ED46A2FC-07A8-D7CB-1BD8-0E661350E51A}"/>
+                <a16:creationId xmlns:a16="http://schemas.microsoft.com/office/drawing/2014/main" xmlns="" id="{ED46A2FC-07A8-D7CB-1BD8-0E661350E51A}"/>
               </a:ext>
             </a:extLst>
           </p:cNvPr>
@@ -11321,7 +11323,7 @@
           <p:cNvPr id="40" name="Google Shape;95;p14">
             <a:extLst>
               <a:ext uri="{FF2B5EF4-FFF2-40B4-BE49-F238E27FC236}">
-                <a16:creationId xmlns:a16="http://schemas.microsoft.com/office/drawing/2014/main" id="{5C0D3D95-6875-4112-D7AD-10A524259CD9}"/>
+                <a16:creationId xmlns:a16="http://schemas.microsoft.com/office/drawing/2014/main" xmlns="" id="{5C0D3D95-6875-4112-D7AD-10A524259CD9}"/>
               </a:ext>
             </a:extLst>
           </p:cNvPr>
@@ -11366,7 +11368,7 @@
           <p:cNvPr id="36" name="Google Shape;95;p14">
             <a:extLst>
               <a:ext uri="{FF2B5EF4-FFF2-40B4-BE49-F238E27FC236}">
-                <a16:creationId xmlns:a16="http://schemas.microsoft.com/office/drawing/2014/main" id="{9E119CFD-5E2B-65ED-E815-3244ADC9A772}"/>
+                <a16:creationId xmlns:a16="http://schemas.microsoft.com/office/drawing/2014/main" xmlns="" id="{9E119CFD-5E2B-65ED-E815-3244ADC9A772}"/>
               </a:ext>
             </a:extLst>
           </p:cNvPr>
@@ -11411,7 +11413,7 @@
           <p:cNvPr id="41" name="Google Shape;95;p14">
             <a:extLst>
               <a:ext uri="{FF2B5EF4-FFF2-40B4-BE49-F238E27FC236}">
-                <a16:creationId xmlns:a16="http://schemas.microsoft.com/office/drawing/2014/main" id="{2EE8C164-4A50-6B68-5212-66A52AD354FF}"/>
+                <a16:creationId xmlns:a16="http://schemas.microsoft.com/office/drawing/2014/main" xmlns="" id="{2EE8C164-4A50-6B68-5212-66A52AD354FF}"/>
               </a:ext>
             </a:extLst>
           </p:cNvPr>
@@ -11456,7 +11458,7 @@
           <p:cNvPr id="42" name="文本框 41">
             <a:extLst>
               <a:ext uri="{FF2B5EF4-FFF2-40B4-BE49-F238E27FC236}">
-                <a16:creationId xmlns:a16="http://schemas.microsoft.com/office/drawing/2014/main" id="{30BA300D-7904-1EA9-E1AF-5BB52B9C2B3C}"/>
+                <a16:creationId xmlns:a16="http://schemas.microsoft.com/office/drawing/2014/main" xmlns="" id="{30BA300D-7904-1EA9-E1AF-5BB52B9C2B3C}"/>
               </a:ext>
             </a:extLst>
           </p:cNvPr>
@@ -11500,7 +11502,7 @@
           <p:cNvPr id="43" name="Google Shape;74;p14">
             <a:extLst>
               <a:ext uri="{FF2B5EF4-FFF2-40B4-BE49-F238E27FC236}">
-                <a16:creationId xmlns:a16="http://schemas.microsoft.com/office/drawing/2014/main" id="{E48899FC-526F-8B64-1631-CF40D6C5BAEC}"/>
+                <a16:creationId xmlns:a16="http://schemas.microsoft.com/office/drawing/2014/main" xmlns="" id="{E48899FC-526F-8B64-1631-CF40D6C5BAEC}"/>
               </a:ext>
             </a:extLst>
           </p:cNvPr>
@@ -11534,7 +11536,7 @@
           <p:cNvPr id="44" name="Google Shape;75;p14">
             <a:extLst>
               <a:ext uri="{FF2B5EF4-FFF2-40B4-BE49-F238E27FC236}">
-                <a16:creationId xmlns:a16="http://schemas.microsoft.com/office/drawing/2014/main" id="{088679CF-39C5-ECE6-59D7-27F53A9AB563}"/>
+                <a16:creationId xmlns:a16="http://schemas.microsoft.com/office/drawing/2014/main" xmlns="" id="{088679CF-39C5-ECE6-59D7-27F53A9AB563}"/>
               </a:ext>
             </a:extLst>
           </p:cNvPr>
@@ -11568,7 +11570,7 @@
           <p:cNvPr id="45" name="Google Shape;76;p14">
             <a:extLst>
               <a:ext uri="{FF2B5EF4-FFF2-40B4-BE49-F238E27FC236}">
-                <a16:creationId xmlns:a16="http://schemas.microsoft.com/office/drawing/2014/main" id="{AE138E72-5785-8C58-5E75-AFE4DE780F49}"/>
+                <a16:creationId xmlns:a16="http://schemas.microsoft.com/office/drawing/2014/main" xmlns="" id="{AE138E72-5785-8C58-5E75-AFE4DE780F49}"/>
               </a:ext>
             </a:extLst>
           </p:cNvPr>
@@ -11602,7 +11604,7 @@
           <p:cNvPr id="46" name="Google Shape;77;p14">
             <a:extLst>
               <a:ext uri="{FF2B5EF4-FFF2-40B4-BE49-F238E27FC236}">
-                <a16:creationId xmlns:a16="http://schemas.microsoft.com/office/drawing/2014/main" id="{66A469E8-3612-14E6-B23E-7FBEFD2A264F}"/>
+                <a16:creationId xmlns:a16="http://schemas.microsoft.com/office/drawing/2014/main" xmlns="" id="{66A469E8-3612-14E6-B23E-7FBEFD2A264F}"/>
               </a:ext>
             </a:extLst>
           </p:cNvPr>
@@ -11636,7 +11638,7 @@
           <p:cNvPr id="47" name="Google Shape;78;p14">
             <a:extLst>
               <a:ext uri="{FF2B5EF4-FFF2-40B4-BE49-F238E27FC236}">
-                <a16:creationId xmlns:a16="http://schemas.microsoft.com/office/drawing/2014/main" id="{BC96CA4D-3E93-F066-7EF4-6418372B4FCD}"/>
+                <a16:creationId xmlns:a16="http://schemas.microsoft.com/office/drawing/2014/main" xmlns="" id="{BC96CA4D-3E93-F066-7EF4-6418372B4FCD}"/>
               </a:ext>
             </a:extLst>
           </p:cNvPr>
@@ -11670,7 +11672,7 @@
           <p:cNvPr id="48" name="Google Shape;79;p14">
             <a:extLst>
               <a:ext uri="{FF2B5EF4-FFF2-40B4-BE49-F238E27FC236}">
-                <a16:creationId xmlns:a16="http://schemas.microsoft.com/office/drawing/2014/main" id="{ABE0846A-4C61-8491-DA0B-C55034726178}"/>
+                <a16:creationId xmlns:a16="http://schemas.microsoft.com/office/drawing/2014/main" xmlns="" id="{ABE0846A-4C61-8491-DA0B-C55034726178}"/>
               </a:ext>
             </a:extLst>
           </p:cNvPr>
@@ -11704,7 +11706,7 @@
           <p:cNvPr id="49" name="Google Shape;80;p14">
             <a:extLst>
               <a:ext uri="{FF2B5EF4-FFF2-40B4-BE49-F238E27FC236}">
-                <a16:creationId xmlns:a16="http://schemas.microsoft.com/office/drawing/2014/main" id="{B7F3B198-1A53-B78D-FABF-2828A0B7F923}"/>
+                <a16:creationId xmlns:a16="http://schemas.microsoft.com/office/drawing/2014/main" xmlns="" id="{B7F3B198-1A53-B78D-FABF-2828A0B7F923}"/>
               </a:ext>
             </a:extLst>
           </p:cNvPr>
@@ -11738,7 +11740,7 @@
           <p:cNvPr id="50" name="Google Shape;81;p14">
             <a:extLst>
               <a:ext uri="{FF2B5EF4-FFF2-40B4-BE49-F238E27FC236}">
-                <a16:creationId xmlns:a16="http://schemas.microsoft.com/office/drawing/2014/main" id="{4CBC555B-EEC2-5C97-BC99-4D39E31ADF7B}"/>
+                <a16:creationId xmlns:a16="http://schemas.microsoft.com/office/drawing/2014/main" xmlns="" id="{4CBC555B-EEC2-5C97-BC99-4D39E31ADF7B}"/>
               </a:ext>
             </a:extLst>
           </p:cNvPr>
@@ -11772,7 +11774,7 @@
           <p:cNvPr id="51" name="箭头: 五边形 50">
             <a:extLst>
               <a:ext uri="{FF2B5EF4-FFF2-40B4-BE49-F238E27FC236}">
-                <a16:creationId xmlns:a16="http://schemas.microsoft.com/office/drawing/2014/main" id="{A15E417E-5C3E-CBC1-B518-A7B4FB3DFA5F}"/>
+                <a16:creationId xmlns:a16="http://schemas.microsoft.com/office/drawing/2014/main" xmlns="" id="{A15E417E-5C3E-CBC1-B518-A7B4FB3DFA5F}"/>
               </a:ext>
             </a:extLst>
           </p:cNvPr>
@@ -11819,7 +11821,7 @@
           <p:cNvPr id="52" name="箭头: 五边形 51">
             <a:extLst>
               <a:ext uri="{FF2B5EF4-FFF2-40B4-BE49-F238E27FC236}">
-                <a16:creationId xmlns:a16="http://schemas.microsoft.com/office/drawing/2014/main" id="{3F990466-3C46-33F3-0E3C-1AC438764343}"/>
+                <a16:creationId xmlns:a16="http://schemas.microsoft.com/office/drawing/2014/main" xmlns="" id="{3F990466-3C46-33F3-0E3C-1AC438764343}"/>
               </a:ext>
             </a:extLst>
           </p:cNvPr>
@@ -11875,7 +11877,7 @@
           <p:cNvPr id="53" name="箭头: 五边形 52">
             <a:extLst>
               <a:ext uri="{FF2B5EF4-FFF2-40B4-BE49-F238E27FC236}">
-                <a16:creationId xmlns:a16="http://schemas.microsoft.com/office/drawing/2014/main" id="{82E481AF-A1FF-14F6-55A8-EF2C5038F04E}"/>
+                <a16:creationId xmlns:a16="http://schemas.microsoft.com/office/drawing/2014/main" xmlns="" id="{82E481AF-A1FF-14F6-55A8-EF2C5038F04E}"/>
               </a:ext>
             </a:extLst>
           </p:cNvPr>
@@ -11931,7 +11933,7 @@
           <p:cNvPr id="54" name="箭头: 五边形 53">
             <a:extLst>
               <a:ext uri="{FF2B5EF4-FFF2-40B4-BE49-F238E27FC236}">
-                <a16:creationId xmlns:a16="http://schemas.microsoft.com/office/drawing/2014/main" id="{0AB3C1ED-A3EF-0632-1FB9-9F2D89CE6389}"/>
+                <a16:creationId xmlns:a16="http://schemas.microsoft.com/office/drawing/2014/main" xmlns="" id="{0AB3C1ED-A3EF-0632-1FB9-9F2D89CE6389}"/>
               </a:ext>
             </a:extLst>
           </p:cNvPr>
@@ -11987,7 +11989,7 @@
           <p:cNvPr id="55" name="箭头: 五边形 54">
             <a:extLst>
               <a:ext uri="{FF2B5EF4-FFF2-40B4-BE49-F238E27FC236}">
-                <a16:creationId xmlns:a16="http://schemas.microsoft.com/office/drawing/2014/main" id="{97931E3B-652F-32D7-F2C2-5EDAC4D5B299}"/>
+                <a16:creationId xmlns:a16="http://schemas.microsoft.com/office/drawing/2014/main" xmlns="" id="{97931E3B-652F-32D7-F2C2-5EDAC4D5B299}"/>
               </a:ext>
             </a:extLst>
           </p:cNvPr>
@@ -12043,7 +12045,7 @@
           <p:cNvPr id="56" name="箭头: 五边形 55">
             <a:extLst>
               <a:ext uri="{FF2B5EF4-FFF2-40B4-BE49-F238E27FC236}">
-                <a16:creationId xmlns:a16="http://schemas.microsoft.com/office/drawing/2014/main" id="{BD53DE19-CAE1-79A8-2FA1-61C6E6E67D40}"/>
+                <a16:creationId xmlns:a16="http://schemas.microsoft.com/office/drawing/2014/main" xmlns="" id="{BD53DE19-CAE1-79A8-2FA1-61C6E6E67D40}"/>
               </a:ext>
             </a:extLst>
           </p:cNvPr>
@@ -12090,7 +12092,7 @@
           <p:cNvPr id="57" name="箭头: 五边形 56">
             <a:extLst>
               <a:ext uri="{FF2B5EF4-FFF2-40B4-BE49-F238E27FC236}">
-                <a16:creationId xmlns:a16="http://schemas.microsoft.com/office/drawing/2014/main" id="{54A7E9A7-A08E-D7A0-C9DD-95DEF8009AAF}"/>
+                <a16:creationId xmlns:a16="http://schemas.microsoft.com/office/drawing/2014/main" xmlns="" id="{54A7E9A7-A08E-D7A0-C9DD-95DEF8009AAF}"/>
               </a:ext>
             </a:extLst>
           </p:cNvPr>
@@ -12137,7 +12139,7 @@
           <p:cNvPr id="58" name="箭头: 五边形 57">
             <a:extLst>
               <a:ext uri="{FF2B5EF4-FFF2-40B4-BE49-F238E27FC236}">
-                <a16:creationId xmlns:a16="http://schemas.microsoft.com/office/drawing/2014/main" id="{17D488BC-2AD8-AA46-3898-7D1625A12033}"/>
+                <a16:creationId xmlns:a16="http://schemas.microsoft.com/office/drawing/2014/main" xmlns="" id="{17D488BC-2AD8-AA46-3898-7D1625A12033}"/>
               </a:ext>
             </a:extLst>
           </p:cNvPr>
@@ -12214,7 +12216,7 @@
           <p:cNvPr id="2" name="标题 1">
             <a:extLst>
               <a:ext uri="{FF2B5EF4-FFF2-40B4-BE49-F238E27FC236}">
-                <a16:creationId xmlns:a16="http://schemas.microsoft.com/office/drawing/2014/main" id="{80796E82-7314-2FBE-2DE8-DDD70D4DF27E}"/>
+                <a16:creationId xmlns:a16="http://schemas.microsoft.com/office/drawing/2014/main" xmlns="" id="{80796E82-7314-2FBE-2DE8-DDD70D4DF27E}"/>
               </a:ext>
             </a:extLst>
           </p:cNvPr>
@@ -12263,7 +12265,7 @@
           <p:cNvPr id="5" name="椭圆 4">
             <a:extLst>
               <a:ext uri="{FF2B5EF4-FFF2-40B4-BE49-F238E27FC236}">
-                <a16:creationId xmlns:a16="http://schemas.microsoft.com/office/drawing/2014/main" id="{A020CC41-9901-5A10-06D8-1F19650A3A6A}"/>
+                <a16:creationId xmlns:a16="http://schemas.microsoft.com/office/drawing/2014/main" xmlns="" id="{A020CC41-9901-5A10-06D8-1F19650A3A6A}"/>
               </a:ext>
             </a:extLst>
           </p:cNvPr>
@@ -12315,7 +12317,7 @@
           <p:cNvPr id="19" name="Google Shape;73;p14">
             <a:extLst>
               <a:ext uri="{FF2B5EF4-FFF2-40B4-BE49-F238E27FC236}">
-                <a16:creationId xmlns:a16="http://schemas.microsoft.com/office/drawing/2014/main" id="{3442D827-BE6F-DFBF-3B15-223B2753D9E9}"/>
+                <a16:creationId xmlns:a16="http://schemas.microsoft.com/office/drawing/2014/main" xmlns="" id="{3442D827-BE6F-DFBF-3B15-223B2753D9E9}"/>
               </a:ext>
             </a:extLst>
           </p:cNvPr>
@@ -12349,7 +12351,7 @@
           <p:cNvPr id="6" name="Google Shape;74;p14">
             <a:extLst>
               <a:ext uri="{FF2B5EF4-FFF2-40B4-BE49-F238E27FC236}">
-                <a16:creationId xmlns:a16="http://schemas.microsoft.com/office/drawing/2014/main" id="{8ABB2948-CF7D-7BD6-14B8-367574244CB2}"/>
+                <a16:creationId xmlns:a16="http://schemas.microsoft.com/office/drawing/2014/main" xmlns="" id="{8ABB2948-CF7D-7BD6-14B8-367574244CB2}"/>
               </a:ext>
             </a:extLst>
           </p:cNvPr>
@@ -12383,7 +12385,7 @@
           <p:cNvPr id="8" name="Google Shape;76;p14">
             <a:extLst>
               <a:ext uri="{FF2B5EF4-FFF2-40B4-BE49-F238E27FC236}">
-                <a16:creationId xmlns:a16="http://schemas.microsoft.com/office/drawing/2014/main" id="{A0604560-830C-4AC9-3717-031AA48B5D45}"/>
+                <a16:creationId xmlns:a16="http://schemas.microsoft.com/office/drawing/2014/main" xmlns="" id="{A0604560-830C-4AC9-3717-031AA48B5D45}"/>
               </a:ext>
             </a:extLst>
           </p:cNvPr>
@@ -12417,7 +12419,7 @@
           <p:cNvPr id="11" name="Google Shape;79;p14">
             <a:extLst>
               <a:ext uri="{FF2B5EF4-FFF2-40B4-BE49-F238E27FC236}">
-                <a16:creationId xmlns:a16="http://schemas.microsoft.com/office/drawing/2014/main" id="{0DAE55E6-D474-C395-BC84-8ACA3CE820A0}"/>
+                <a16:creationId xmlns:a16="http://schemas.microsoft.com/office/drawing/2014/main" xmlns="" id="{0DAE55E6-D474-C395-BC84-8ACA3CE820A0}"/>
               </a:ext>
             </a:extLst>
           </p:cNvPr>
@@ -12451,7 +12453,7 @@
           <p:cNvPr id="12" name="Google Shape;80;p14">
             <a:extLst>
               <a:ext uri="{FF2B5EF4-FFF2-40B4-BE49-F238E27FC236}">
-                <a16:creationId xmlns:a16="http://schemas.microsoft.com/office/drawing/2014/main" id="{3A5AAC50-9F06-A76F-B20B-35CF3612E825}"/>
+                <a16:creationId xmlns:a16="http://schemas.microsoft.com/office/drawing/2014/main" xmlns="" id="{3A5AAC50-9F06-A76F-B20B-35CF3612E825}"/>
               </a:ext>
             </a:extLst>
           </p:cNvPr>
@@ -12485,7 +12487,7 @@
           <p:cNvPr id="4" name="文本框 3">
             <a:extLst>
               <a:ext uri="{FF2B5EF4-FFF2-40B4-BE49-F238E27FC236}">
-                <a16:creationId xmlns:a16="http://schemas.microsoft.com/office/drawing/2014/main" id="{3E8E8225-E7B4-E598-7AEB-66BC2EF7864E}"/>
+                <a16:creationId xmlns:a16="http://schemas.microsoft.com/office/drawing/2014/main" xmlns="" id="{3E8E8225-E7B4-E598-7AEB-66BC2EF7864E}"/>
               </a:ext>
             </a:extLst>
           </p:cNvPr>
@@ -12525,7 +12527,7 @@
           <p:cNvPr id="31" name="箭头: 五边形 30">
             <a:extLst>
               <a:ext uri="{FF2B5EF4-FFF2-40B4-BE49-F238E27FC236}">
-                <a16:creationId xmlns:a16="http://schemas.microsoft.com/office/drawing/2014/main" id="{4B9E0D9B-D17E-69E7-1F9A-99DE7710B7A1}"/>
+                <a16:creationId xmlns:a16="http://schemas.microsoft.com/office/drawing/2014/main" xmlns="" id="{4B9E0D9B-D17E-69E7-1F9A-99DE7710B7A1}"/>
               </a:ext>
             </a:extLst>
           </p:cNvPr>
@@ -12572,7 +12574,7 @@
           <p:cNvPr id="33" name="箭头: 五边形 32">
             <a:extLst>
               <a:ext uri="{FF2B5EF4-FFF2-40B4-BE49-F238E27FC236}">
-                <a16:creationId xmlns:a16="http://schemas.microsoft.com/office/drawing/2014/main" id="{C768AE66-F650-1A37-7440-B571549FE915}"/>
+                <a16:creationId xmlns:a16="http://schemas.microsoft.com/office/drawing/2014/main" xmlns="" id="{C768AE66-F650-1A37-7440-B571549FE915}"/>
               </a:ext>
             </a:extLst>
           </p:cNvPr>
@@ -12628,7 +12630,7 @@
           <p:cNvPr id="35" name="箭头: 五边形 34">
             <a:extLst>
               <a:ext uri="{FF2B5EF4-FFF2-40B4-BE49-F238E27FC236}">
-                <a16:creationId xmlns:a16="http://schemas.microsoft.com/office/drawing/2014/main" id="{FC836AD9-A293-8E3F-664B-E692D69616E5}"/>
+                <a16:creationId xmlns:a16="http://schemas.microsoft.com/office/drawing/2014/main" xmlns="" id="{FC836AD9-A293-8E3F-664B-E692D69616E5}"/>
               </a:ext>
             </a:extLst>
           </p:cNvPr>
@@ -12684,7 +12686,7 @@
           <p:cNvPr id="37" name="箭头: 五边形 36">
             <a:extLst>
               <a:ext uri="{FF2B5EF4-FFF2-40B4-BE49-F238E27FC236}">
-                <a16:creationId xmlns:a16="http://schemas.microsoft.com/office/drawing/2014/main" id="{05ECD475-37EE-63E8-E9E5-EF81A4619214}"/>
+                <a16:creationId xmlns:a16="http://schemas.microsoft.com/office/drawing/2014/main" xmlns="" id="{05ECD475-37EE-63E8-E9E5-EF81A4619214}"/>
               </a:ext>
             </a:extLst>
           </p:cNvPr>
@@ -12731,7 +12733,7 @@
           <p:cNvPr id="30" name="Google Shape;75;p14">
             <a:extLst>
               <a:ext uri="{FF2B5EF4-FFF2-40B4-BE49-F238E27FC236}">
-                <a16:creationId xmlns:a16="http://schemas.microsoft.com/office/drawing/2014/main" id="{E8CD191A-BC20-B4B9-0F77-A770F7BFAC28}"/>
+                <a16:creationId xmlns:a16="http://schemas.microsoft.com/office/drawing/2014/main" xmlns="" id="{E8CD191A-BC20-B4B9-0F77-A770F7BFAC28}"/>
               </a:ext>
             </a:extLst>
           </p:cNvPr>
@@ -12765,7 +12767,7 @@
           <p:cNvPr id="36" name="Google Shape;77;p14">
             <a:extLst>
               <a:ext uri="{FF2B5EF4-FFF2-40B4-BE49-F238E27FC236}">
-                <a16:creationId xmlns:a16="http://schemas.microsoft.com/office/drawing/2014/main" id="{D2A03513-860E-AEB3-C60B-B28086582A81}"/>
+                <a16:creationId xmlns:a16="http://schemas.microsoft.com/office/drawing/2014/main" xmlns="" id="{D2A03513-860E-AEB3-C60B-B28086582A81}"/>
               </a:ext>
             </a:extLst>
           </p:cNvPr>
@@ -12799,7 +12801,7 @@
           <p:cNvPr id="40" name="Google Shape;78;p14">
             <a:extLst>
               <a:ext uri="{FF2B5EF4-FFF2-40B4-BE49-F238E27FC236}">
-                <a16:creationId xmlns:a16="http://schemas.microsoft.com/office/drawing/2014/main" id="{4192ED35-AB80-8468-99E1-C9A9BDA8A7D3}"/>
+                <a16:creationId xmlns:a16="http://schemas.microsoft.com/office/drawing/2014/main" xmlns="" id="{4192ED35-AB80-8468-99E1-C9A9BDA8A7D3}"/>
               </a:ext>
             </a:extLst>
           </p:cNvPr>
@@ -12833,7 +12835,7 @@
           <p:cNvPr id="41" name="Google Shape;81;p14">
             <a:extLst>
               <a:ext uri="{FF2B5EF4-FFF2-40B4-BE49-F238E27FC236}">
-                <a16:creationId xmlns:a16="http://schemas.microsoft.com/office/drawing/2014/main" id="{C0FC87F9-1543-0D73-36B0-9CD905C3E530}"/>
+                <a16:creationId xmlns:a16="http://schemas.microsoft.com/office/drawing/2014/main" xmlns="" id="{C0FC87F9-1543-0D73-36B0-9CD905C3E530}"/>
               </a:ext>
             </a:extLst>
           </p:cNvPr>
@@ -12867,7 +12869,7 @@
           <p:cNvPr id="42" name="箭头: 五边形 41">
             <a:extLst>
               <a:ext uri="{FF2B5EF4-FFF2-40B4-BE49-F238E27FC236}">
-                <a16:creationId xmlns:a16="http://schemas.microsoft.com/office/drawing/2014/main" id="{7EBEF984-F98B-ADD1-3CDC-6AB1174A8D83}"/>
+                <a16:creationId xmlns:a16="http://schemas.microsoft.com/office/drawing/2014/main" xmlns="" id="{7EBEF984-F98B-ADD1-3CDC-6AB1174A8D83}"/>
               </a:ext>
             </a:extLst>
           </p:cNvPr>
@@ -12923,7 +12925,7 @@
           <p:cNvPr id="43" name="箭头: 五边形 42">
             <a:extLst>
               <a:ext uri="{FF2B5EF4-FFF2-40B4-BE49-F238E27FC236}">
-                <a16:creationId xmlns:a16="http://schemas.microsoft.com/office/drawing/2014/main" id="{35BD309B-9ECD-3FBE-FBC4-1E1A07BE57C7}"/>
+                <a16:creationId xmlns:a16="http://schemas.microsoft.com/office/drawing/2014/main" xmlns="" id="{35BD309B-9ECD-3FBE-FBC4-1E1A07BE57C7}"/>
               </a:ext>
             </a:extLst>
           </p:cNvPr>
@@ -12979,7 +12981,7 @@
           <p:cNvPr id="44" name="箭头: 五边形 43">
             <a:extLst>
               <a:ext uri="{FF2B5EF4-FFF2-40B4-BE49-F238E27FC236}">
-                <a16:creationId xmlns:a16="http://schemas.microsoft.com/office/drawing/2014/main" id="{15FD29AB-A713-CB93-D601-DC1B84060FE1}"/>
+                <a16:creationId xmlns:a16="http://schemas.microsoft.com/office/drawing/2014/main" xmlns="" id="{15FD29AB-A713-CB93-D601-DC1B84060FE1}"/>
               </a:ext>
             </a:extLst>
           </p:cNvPr>
@@ -13026,7 +13028,7 @@
           <p:cNvPr id="45" name="箭头: 五边形 44">
             <a:extLst>
               <a:ext uri="{FF2B5EF4-FFF2-40B4-BE49-F238E27FC236}">
-                <a16:creationId xmlns:a16="http://schemas.microsoft.com/office/drawing/2014/main" id="{985479B4-7D41-B26B-85E4-9E2F0030D890}"/>
+                <a16:creationId xmlns:a16="http://schemas.microsoft.com/office/drawing/2014/main" xmlns="" id="{985479B4-7D41-B26B-85E4-9E2F0030D890}"/>
               </a:ext>
             </a:extLst>
           </p:cNvPr>
@@ -14242,7 +14244,7 @@
           <p:cNvPr id="41" name="椭圆 40">
             <a:extLst>
               <a:ext uri="{FF2B5EF4-FFF2-40B4-BE49-F238E27FC236}">
-                <a16:creationId xmlns:a16="http://schemas.microsoft.com/office/drawing/2014/main" id="{94C17F89-4022-3282-1B5A-F455F1578F55}"/>
+                <a16:creationId xmlns:a16="http://schemas.microsoft.com/office/drawing/2014/main" xmlns="" id="{94C17F89-4022-3282-1B5A-F455F1578F55}"/>
               </a:ext>
             </a:extLst>
           </p:cNvPr>
@@ -14294,7 +14296,7 @@
           <p:cNvPr id="42" name="Google Shape;85;p14">
             <a:extLst>
               <a:ext uri="{FF2B5EF4-FFF2-40B4-BE49-F238E27FC236}">
-                <a16:creationId xmlns:a16="http://schemas.microsoft.com/office/drawing/2014/main" id="{09D17530-BFD0-53F3-E337-2F4C46CDEEBD}"/>
+                <a16:creationId xmlns:a16="http://schemas.microsoft.com/office/drawing/2014/main" xmlns="" id="{09D17530-BFD0-53F3-E337-2F4C46CDEEBD}"/>
               </a:ext>
             </a:extLst>
           </p:cNvPr>
@@ -14360,7 +14362,7 @@
           <p:cNvPr id="2" name="标题 1">
             <a:extLst>
               <a:ext uri="{FF2B5EF4-FFF2-40B4-BE49-F238E27FC236}">
-                <a16:creationId xmlns:a16="http://schemas.microsoft.com/office/drawing/2014/main" id="{80796E82-7314-2FBE-2DE8-DDD70D4DF27E}"/>
+                <a16:creationId xmlns:a16="http://schemas.microsoft.com/office/drawing/2014/main" xmlns="" id="{80796E82-7314-2FBE-2DE8-DDD70D4DF27E}"/>
               </a:ext>
             </a:extLst>
           </p:cNvPr>
@@ -14409,7 +14411,7 @@
           <p:cNvPr id="5" name="椭圆 4">
             <a:extLst>
               <a:ext uri="{FF2B5EF4-FFF2-40B4-BE49-F238E27FC236}">
-                <a16:creationId xmlns:a16="http://schemas.microsoft.com/office/drawing/2014/main" id="{A020CC41-9901-5A10-06D8-1F19650A3A6A}"/>
+                <a16:creationId xmlns:a16="http://schemas.microsoft.com/office/drawing/2014/main" xmlns="" id="{A020CC41-9901-5A10-06D8-1F19650A3A6A}"/>
               </a:ext>
             </a:extLst>
           </p:cNvPr>
@@ -14461,7 +14463,7 @@
           <p:cNvPr id="19" name="Google Shape;73;p14">
             <a:extLst>
               <a:ext uri="{FF2B5EF4-FFF2-40B4-BE49-F238E27FC236}">
-                <a16:creationId xmlns:a16="http://schemas.microsoft.com/office/drawing/2014/main" id="{3442D827-BE6F-DFBF-3B15-223B2753D9E9}"/>
+                <a16:creationId xmlns:a16="http://schemas.microsoft.com/office/drawing/2014/main" xmlns="" id="{3442D827-BE6F-DFBF-3B15-223B2753D9E9}"/>
               </a:ext>
             </a:extLst>
           </p:cNvPr>
@@ -14495,7 +14497,7 @@
           <p:cNvPr id="4" name="文本框 3">
             <a:extLst>
               <a:ext uri="{FF2B5EF4-FFF2-40B4-BE49-F238E27FC236}">
-                <a16:creationId xmlns:a16="http://schemas.microsoft.com/office/drawing/2014/main" id="{3E8E8225-E7B4-E598-7AEB-66BC2EF7864E}"/>
+                <a16:creationId xmlns:a16="http://schemas.microsoft.com/office/drawing/2014/main" xmlns="" id="{3E8E8225-E7B4-E598-7AEB-66BC2EF7864E}"/>
               </a:ext>
             </a:extLst>
           </p:cNvPr>
@@ -14535,7 +14537,7 @@
           <p:cNvPr id="32" name="椭圆 31">
             <a:extLst>
               <a:ext uri="{FF2B5EF4-FFF2-40B4-BE49-F238E27FC236}">
-                <a16:creationId xmlns:a16="http://schemas.microsoft.com/office/drawing/2014/main" id="{7C1E3AD7-2822-E440-E62A-F1A4C70A8067}"/>
+                <a16:creationId xmlns:a16="http://schemas.microsoft.com/office/drawing/2014/main" xmlns="" id="{7C1E3AD7-2822-E440-E62A-F1A4C70A8067}"/>
               </a:ext>
             </a:extLst>
           </p:cNvPr>
@@ -14591,7 +14593,7 @@
           <p:cNvPr id="34" name="椭圆 33">
             <a:extLst>
               <a:ext uri="{FF2B5EF4-FFF2-40B4-BE49-F238E27FC236}">
-                <a16:creationId xmlns:a16="http://schemas.microsoft.com/office/drawing/2014/main" id="{C692896F-F031-2107-F5D8-57735A94BD39}"/>
+                <a16:creationId xmlns:a16="http://schemas.microsoft.com/office/drawing/2014/main" xmlns="" id="{C692896F-F031-2107-F5D8-57735A94BD39}"/>
               </a:ext>
             </a:extLst>
           </p:cNvPr>
@@ -14647,7 +14649,7 @@
           <p:cNvPr id="38" name="椭圆 37">
             <a:extLst>
               <a:ext uri="{FF2B5EF4-FFF2-40B4-BE49-F238E27FC236}">
-                <a16:creationId xmlns:a16="http://schemas.microsoft.com/office/drawing/2014/main" id="{E7E11154-FE44-F1B3-5655-92B62D92F525}"/>
+                <a16:creationId xmlns:a16="http://schemas.microsoft.com/office/drawing/2014/main" xmlns="" id="{E7E11154-FE44-F1B3-5655-92B62D92F525}"/>
               </a:ext>
             </a:extLst>
           </p:cNvPr>
@@ -14707,7 +14709,7 @@
           <p:cNvPr id="39" name="椭圆 38">
             <a:extLst>
               <a:ext uri="{FF2B5EF4-FFF2-40B4-BE49-F238E27FC236}">
-                <a16:creationId xmlns:a16="http://schemas.microsoft.com/office/drawing/2014/main" id="{5A744988-2ECB-D75A-B760-C02F9B2F609B}"/>
+                <a16:creationId xmlns:a16="http://schemas.microsoft.com/office/drawing/2014/main" xmlns="" id="{5A744988-2ECB-D75A-B760-C02F9B2F609B}"/>
               </a:ext>
             </a:extLst>
           </p:cNvPr>
@@ -14767,7 +14769,7 @@
           <p:cNvPr id="6" name="Google Shape;74;p14">
             <a:extLst>
               <a:ext uri="{FF2B5EF4-FFF2-40B4-BE49-F238E27FC236}">
-                <a16:creationId xmlns:a16="http://schemas.microsoft.com/office/drawing/2014/main" id="{8ABB2948-CF7D-7BD6-14B8-367574244CB2}"/>
+                <a16:creationId xmlns:a16="http://schemas.microsoft.com/office/drawing/2014/main" xmlns="" id="{8ABB2948-CF7D-7BD6-14B8-367574244CB2}"/>
               </a:ext>
             </a:extLst>
           </p:cNvPr>
@@ -14801,7 +14803,7 @@
           <p:cNvPr id="8" name="Google Shape;76;p14">
             <a:extLst>
               <a:ext uri="{FF2B5EF4-FFF2-40B4-BE49-F238E27FC236}">
-                <a16:creationId xmlns:a16="http://schemas.microsoft.com/office/drawing/2014/main" id="{A0604560-830C-4AC9-3717-031AA48B5D45}"/>
+                <a16:creationId xmlns:a16="http://schemas.microsoft.com/office/drawing/2014/main" xmlns="" id="{A0604560-830C-4AC9-3717-031AA48B5D45}"/>
               </a:ext>
             </a:extLst>
           </p:cNvPr>
@@ -14835,7 +14837,7 @@
           <p:cNvPr id="11" name="Google Shape;79;p14">
             <a:extLst>
               <a:ext uri="{FF2B5EF4-FFF2-40B4-BE49-F238E27FC236}">
-                <a16:creationId xmlns:a16="http://schemas.microsoft.com/office/drawing/2014/main" id="{0DAE55E6-D474-C395-BC84-8ACA3CE820A0}"/>
+                <a16:creationId xmlns:a16="http://schemas.microsoft.com/office/drawing/2014/main" xmlns="" id="{0DAE55E6-D474-C395-BC84-8ACA3CE820A0}"/>
               </a:ext>
             </a:extLst>
           </p:cNvPr>
@@ -14869,7 +14871,7 @@
           <p:cNvPr id="12" name="Google Shape;80;p14">
             <a:extLst>
               <a:ext uri="{FF2B5EF4-FFF2-40B4-BE49-F238E27FC236}">
-                <a16:creationId xmlns:a16="http://schemas.microsoft.com/office/drawing/2014/main" id="{3A5AAC50-9F06-A76F-B20B-35CF3612E825}"/>
+                <a16:creationId xmlns:a16="http://schemas.microsoft.com/office/drawing/2014/main" xmlns="" id="{3A5AAC50-9F06-A76F-B20B-35CF3612E825}"/>
               </a:ext>
             </a:extLst>
           </p:cNvPr>
@@ -14903,7 +14905,7 @@
           <p:cNvPr id="31" name="箭头: 五边形 30">
             <a:extLst>
               <a:ext uri="{FF2B5EF4-FFF2-40B4-BE49-F238E27FC236}">
-                <a16:creationId xmlns:a16="http://schemas.microsoft.com/office/drawing/2014/main" id="{4B9E0D9B-D17E-69E7-1F9A-99DE7710B7A1}"/>
+                <a16:creationId xmlns:a16="http://schemas.microsoft.com/office/drawing/2014/main" xmlns="" id="{4B9E0D9B-D17E-69E7-1F9A-99DE7710B7A1}"/>
               </a:ext>
             </a:extLst>
           </p:cNvPr>
@@ -14950,7 +14952,7 @@
           <p:cNvPr id="33" name="箭头: 五边形 32">
             <a:extLst>
               <a:ext uri="{FF2B5EF4-FFF2-40B4-BE49-F238E27FC236}">
-                <a16:creationId xmlns:a16="http://schemas.microsoft.com/office/drawing/2014/main" id="{C768AE66-F650-1A37-7440-B571549FE915}"/>
+                <a16:creationId xmlns:a16="http://schemas.microsoft.com/office/drawing/2014/main" xmlns="" id="{C768AE66-F650-1A37-7440-B571549FE915}"/>
               </a:ext>
             </a:extLst>
           </p:cNvPr>
@@ -15006,7 +15008,7 @@
           <p:cNvPr id="35" name="箭头: 五边形 34">
             <a:extLst>
               <a:ext uri="{FF2B5EF4-FFF2-40B4-BE49-F238E27FC236}">
-                <a16:creationId xmlns:a16="http://schemas.microsoft.com/office/drawing/2014/main" id="{FC836AD9-A293-8E3F-664B-E692D69616E5}"/>
+                <a16:creationId xmlns:a16="http://schemas.microsoft.com/office/drawing/2014/main" xmlns="" id="{FC836AD9-A293-8E3F-664B-E692D69616E5}"/>
               </a:ext>
             </a:extLst>
           </p:cNvPr>
@@ -15062,7 +15064,7 @@
           <p:cNvPr id="37" name="箭头: 五边形 36">
             <a:extLst>
               <a:ext uri="{FF2B5EF4-FFF2-40B4-BE49-F238E27FC236}">
-                <a16:creationId xmlns:a16="http://schemas.microsoft.com/office/drawing/2014/main" id="{05ECD475-37EE-63E8-E9E5-EF81A4619214}"/>
+                <a16:creationId xmlns:a16="http://schemas.microsoft.com/office/drawing/2014/main" xmlns="" id="{05ECD475-37EE-63E8-E9E5-EF81A4619214}"/>
               </a:ext>
             </a:extLst>
           </p:cNvPr>
@@ -15109,7 +15111,7 @@
           <p:cNvPr id="30" name="Google Shape;75;p14">
             <a:extLst>
               <a:ext uri="{FF2B5EF4-FFF2-40B4-BE49-F238E27FC236}">
-                <a16:creationId xmlns:a16="http://schemas.microsoft.com/office/drawing/2014/main" id="{E8CD191A-BC20-B4B9-0F77-A770F7BFAC28}"/>
+                <a16:creationId xmlns:a16="http://schemas.microsoft.com/office/drawing/2014/main" xmlns="" id="{E8CD191A-BC20-B4B9-0F77-A770F7BFAC28}"/>
               </a:ext>
             </a:extLst>
           </p:cNvPr>
@@ -15143,7 +15145,7 @@
           <p:cNvPr id="36" name="Google Shape;77;p14">
             <a:extLst>
               <a:ext uri="{FF2B5EF4-FFF2-40B4-BE49-F238E27FC236}">
-                <a16:creationId xmlns:a16="http://schemas.microsoft.com/office/drawing/2014/main" id="{D2A03513-860E-AEB3-C60B-B28086582A81}"/>
+                <a16:creationId xmlns:a16="http://schemas.microsoft.com/office/drawing/2014/main" xmlns="" id="{D2A03513-860E-AEB3-C60B-B28086582A81}"/>
               </a:ext>
             </a:extLst>
           </p:cNvPr>
@@ -15177,7 +15179,7 @@
           <p:cNvPr id="40" name="Google Shape;78;p14">
             <a:extLst>
               <a:ext uri="{FF2B5EF4-FFF2-40B4-BE49-F238E27FC236}">
-                <a16:creationId xmlns:a16="http://schemas.microsoft.com/office/drawing/2014/main" id="{4192ED35-AB80-8468-99E1-C9A9BDA8A7D3}"/>
+                <a16:creationId xmlns:a16="http://schemas.microsoft.com/office/drawing/2014/main" xmlns="" id="{4192ED35-AB80-8468-99E1-C9A9BDA8A7D3}"/>
               </a:ext>
             </a:extLst>
           </p:cNvPr>
@@ -15211,7 +15213,7 @@
           <p:cNvPr id="41" name="Google Shape;81;p14">
             <a:extLst>
               <a:ext uri="{FF2B5EF4-FFF2-40B4-BE49-F238E27FC236}">
-                <a16:creationId xmlns:a16="http://schemas.microsoft.com/office/drawing/2014/main" id="{C0FC87F9-1543-0D73-36B0-9CD905C3E530}"/>
+                <a16:creationId xmlns:a16="http://schemas.microsoft.com/office/drawing/2014/main" xmlns="" id="{C0FC87F9-1543-0D73-36B0-9CD905C3E530}"/>
               </a:ext>
             </a:extLst>
           </p:cNvPr>
@@ -15245,7 +15247,7 @@
           <p:cNvPr id="42" name="箭头: 五边形 41">
             <a:extLst>
               <a:ext uri="{FF2B5EF4-FFF2-40B4-BE49-F238E27FC236}">
-                <a16:creationId xmlns:a16="http://schemas.microsoft.com/office/drawing/2014/main" id="{7EBEF984-F98B-ADD1-3CDC-6AB1174A8D83}"/>
+                <a16:creationId xmlns:a16="http://schemas.microsoft.com/office/drawing/2014/main" xmlns="" id="{7EBEF984-F98B-ADD1-3CDC-6AB1174A8D83}"/>
               </a:ext>
             </a:extLst>
           </p:cNvPr>
@@ -15301,7 +15303,7 @@
           <p:cNvPr id="43" name="箭头: 五边形 42">
             <a:extLst>
               <a:ext uri="{FF2B5EF4-FFF2-40B4-BE49-F238E27FC236}">
-                <a16:creationId xmlns:a16="http://schemas.microsoft.com/office/drawing/2014/main" id="{35BD309B-9ECD-3FBE-FBC4-1E1A07BE57C7}"/>
+                <a16:creationId xmlns:a16="http://schemas.microsoft.com/office/drawing/2014/main" xmlns="" id="{35BD309B-9ECD-3FBE-FBC4-1E1A07BE57C7}"/>
               </a:ext>
             </a:extLst>
           </p:cNvPr>
@@ -15357,7 +15359,7 @@
           <p:cNvPr id="44" name="箭头: 五边形 43">
             <a:extLst>
               <a:ext uri="{FF2B5EF4-FFF2-40B4-BE49-F238E27FC236}">
-                <a16:creationId xmlns:a16="http://schemas.microsoft.com/office/drawing/2014/main" id="{15FD29AB-A713-CB93-D601-DC1B84060FE1}"/>
+                <a16:creationId xmlns:a16="http://schemas.microsoft.com/office/drawing/2014/main" xmlns="" id="{15FD29AB-A713-CB93-D601-DC1B84060FE1}"/>
               </a:ext>
             </a:extLst>
           </p:cNvPr>
@@ -15404,7 +15406,7 @@
           <p:cNvPr id="45" name="箭头: 五边形 44">
             <a:extLst>
               <a:ext uri="{FF2B5EF4-FFF2-40B4-BE49-F238E27FC236}">
-                <a16:creationId xmlns:a16="http://schemas.microsoft.com/office/drawing/2014/main" id="{985479B4-7D41-B26B-85E4-9E2F0030D890}"/>
+                <a16:creationId xmlns:a16="http://schemas.microsoft.com/office/drawing/2014/main" xmlns="" id="{985479B4-7D41-B26B-85E4-9E2F0030D890}"/>
               </a:ext>
             </a:extLst>
           </p:cNvPr>
@@ -15481,7 +15483,7 @@
           <p:cNvPr id="2" name="标题 1">
             <a:extLst>
               <a:ext uri="{FF2B5EF4-FFF2-40B4-BE49-F238E27FC236}">
-                <a16:creationId xmlns:a16="http://schemas.microsoft.com/office/drawing/2014/main" id="{80796E82-7314-2FBE-2DE8-DDD70D4DF27E}"/>
+                <a16:creationId xmlns:a16="http://schemas.microsoft.com/office/drawing/2014/main" xmlns="" id="{80796E82-7314-2FBE-2DE8-DDD70D4DF27E}"/>
               </a:ext>
             </a:extLst>
           </p:cNvPr>
@@ -15530,7 +15532,7 @@
           <p:cNvPr id="4" name="文本框 3">
             <a:extLst>
               <a:ext uri="{FF2B5EF4-FFF2-40B4-BE49-F238E27FC236}">
-                <a16:creationId xmlns:a16="http://schemas.microsoft.com/office/drawing/2014/main" id="{3E8E8225-E7B4-E598-7AEB-66BC2EF7864E}"/>
+                <a16:creationId xmlns:a16="http://schemas.microsoft.com/office/drawing/2014/main" xmlns="" id="{3E8E8225-E7B4-E598-7AEB-66BC2EF7864E}"/>
               </a:ext>
             </a:extLst>
           </p:cNvPr>
@@ -15570,7 +15572,7 @@
           <p:cNvPr id="94" name="椭圆 93">
             <a:extLst>
               <a:ext uri="{FF2B5EF4-FFF2-40B4-BE49-F238E27FC236}">
-                <a16:creationId xmlns:a16="http://schemas.microsoft.com/office/drawing/2014/main" id="{8BEE0963-F39F-E799-5A6C-7DB2D9695EA3}"/>
+                <a16:creationId xmlns:a16="http://schemas.microsoft.com/office/drawing/2014/main" xmlns="" id="{8BEE0963-F39F-E799-5A6C-7DB2D9695EA3}"/>
               </a:ext>
             </a:extLst>
           </p:cNvPr>
@@ -15622,7 +15624,7 @@
           <p:cNvPr id="95" name="Google Shape;73;p14">
             <a:extLst>
               <a:ext uri="{FF2B5EF4-FFF2-40B4-BE49-F238E27FC236}">
-                <a16:creationId xmlns:a16="http://schemas.microsoft.com/office/drawing/2014/main" id="{728B4BED-4470-8B41-5F52-AEAB959AE86A}"/>
+                <a16:creationId xmlns:a16="http://schemas.microsoft.com/office/drawing/2014/main" xmlns="" id="{728B4BED-4470-8B41-5F52-AEAB959AE86A}"/>
               </a:ext>
             </a:extLst>
           </p:cNvPr>
@@ -15656,7 +15658,7 @@
           <p:cNvPr id="96" name="椭圆 95">
             <a:extLst>
               <a:ext uri="{FF2B5EF4-FFF2-40B4-BE49-F238E27FC236}">
-                <a16:creationId xmlns:a16="http://schemas.microsoft.com/office/drawing/2014/main" id="{AF996894-1BC8-7090-4657-FC54AE71EC7F}"/>
+                <a16:creationId xmlns:a16="http://schemas.microsoft.com/office/drawing/2014/main" xmlns="" id="{AF996894-1BC8-7090-4657-FC54AE71EC7F}"/>
               </a:ext>
             </a:extLst>
           </p:cNvPr>
@@ -15712,7 +15714,7 @@
           <p:cNvPr id="97" name="椭圆 96">
             <a:extLst>
               <a:ext uri="{FF2B5EF4-FFF2-40B4-BE49-F238E27FC236}">
-                <a16:creationId xmlns:a16="http://schemas.microsoft.com/office/drawing/2014/main" id="{61254F9E-C540-E155-7BDC-015D0038A8F2}"/>
+                <a16:creationId xmlns:a16="http://schemas.microsoft.com/office/drawing/2014/main" xmlns="" id="{61254F9E-C540-E155-7BDC-015D0038A8F2}"/>
               </a:ext>
             </a:extLst>
           </p:cNvPr>
@@ -15768,7 +15770,7 @@
           <p:cNvPr id="98" name="椭圆 97">
             <a:extLst>
               <a:ext uri="{FF2B5EF4-FFF2-40B4-BE49-F238E27FC236}">
-                <a16:creationId xmlns:a16="http://schemas.microsoft.com/office/drawing/2014/main" id="{67AC39F3-9E15-C508-9F79-5833BA9DCC7E}"/>
+                <a16:creationId xmlns:a16="http://schemas.microsoft.com/office/drawing/2014/main" xmlns="" id="{67AC39F3-9E15-C508-9F79-5833BA9DCC7E}"/>
               </a:ext>
             </a:extLst>
           </p:cNvPr>
@@ -15828,7 +15830,7 @@
           <p:cNvPr id="99" name="椭圆 98">
             <a:extLst>
               <a:ext uri="{FF2B5EF4-FFF2-40B4-BE49-F238E27FC236}">
-                <a16:creationId xmlns:a16="http://schemas.microsoft.com/office/drawing/2014/main" id="{7078CA09-5A9E-D1A8-A854-B30AB88523FD}"/>
+                <a16:creationId xmlns:a16="http://schemas.microsoft.com/office/drawing/2014/main" xmlns="" id="{7078CA09-5A9E-D1A8-A854-B30AB88523FD}"/>
               </a:ext>
             </a:extLst>
           </p:cNvPr>
@@ -15888,7 +15890,7 @@
           <p:cNvPr id="100" name="Google Shape;74;p14">
             <a:extLst>
               <a:ext uri="{FF2B5EF4-FFF2-40B4-BE49-F238E27FC236}">
-                <a16:creationId xmlns:a16="http://schemas.microsoft.com/office/drawing/2014/main" id="{2D6CB586-E89B-F20A-E516-58B36CEB1867}"/>
+                <a16:creationId xmlns:a16="http://schemas.microsoft.com/office/drawing/2014/main" xmlns="" id="{2D6CB586-E89B-F20A-E516-58B36CEB1867}"/>
               </a:ext>
             </a:extLst>
           </p:cNvPr>
@@ -15922,7 +15924,7 @@
           <p:cNvPr id="101" name="Google Shape;76;p14">
             <a:extLst>
               <a:ext uri="{FF2B5EF4-FFF2-40B4-BE49-F238E27FC236}">
-                <a16:creationId xmlns:a16="http://schemas.microsoft.com/office/drawing/2014/main" id="{320E54BE-9086-C596-8E30-5802E54EFB64}"/>
+                <a16:creationId xmlns:a16="http://schemas.microsoft.com/office/drawing/2014/main" xmlns="" id="{320E54BE-9086-C596-8E30-5802E54EFB64}"/>
               </a:ext>
             </a:extLst>
           </p:cNvPr>
@@ -15956,7 +15958,7 @@
           <p:cNvPr id="102" name="Google Shape;79;p14">
             <a:extLst>
               <a:ext uri="{FF2B5EF4-FFF2-40B4-BE49-F238E27FC236}">
-                <a16:creationId xmlns:a16="http://schemas.microsoft.com/office/drawing/2014/main" id="{2CB29429-3A6A-075E-E051-F2605E6CF72B}"/>
+                <a16:creationId xmlns:a16="http://schemas.microsoft.com/office/drawing/2014/main" xmlns="" id="{2CB29429-3A6A-075E-E051-F2605E6CF72B}"/>
               </a:ext>
             </a:extLst>
           </p:cNvPr>
@@ -15990,7 +15992,7 @@
           <p:cNvPr id="103" name="Google Shape;80;p14">
             <a:extLst>
               <a:ext uri="{FF2B5EF4-FFF2-40B4-BE49-F238E27FC236}">
-                <a16:creationId xmlns:a16="http://schemas.microsoft.com/office/drawing/2014/main" id="{87A8869F-6890-93EE-47C2-B6909C99470B}"/>
+                <a16:creationId xmlns:a16="http://schemas.microsoft.com/office/drawing/2014/main" xmlns="" id="{87A8869F-6890-93EE-47C2-B6909C99470B}"/>
               </a:ext>
             </a:extLst>
           </p:cNvPr>
@@ -16024,7 +16026,7 @@
           <p:cNvPr id="104" name="箭头: 五边形 103">
             <a:extLst>
               <a:ext uri="{FF2B5EF4-FFF2-40B4-BE49-F238E27FC236}">
-                <a16:creationId xmlns:a16="http://schemas.microsoft.com/office/drawing/2014/main" id="{FEE47AE7-C9FA-4144-87DD-8E8CA1F603A1}"/>
+                <a16:creationId xmlns:a16="http://schemas.microsoft.com/office/drawing/2014/main" xmlns="" id="{FEE47AE7-C9FA-4144-87DD-8E8CA1F603A1}"/>
               </a:ext>
             </a:extLst>
           </p:cNvPr>
@@ -16071,7 +16073,7 @@
           <p:cNvPr id="105" name="箭头: 五边形 104">
             <a:extLst>
               <a:ext uri="{FF2B5EF4-FFF2-40B4-BE49-F238E27FC236}">
-                <a16:creationId xmlns:a16="http://schemas.microsoft.com/office/drawing/2014/main" id="{125693EC-2137-4901-2D9F-CA02EFB6EC1C}"/>
+                <a16:creationId xmlns:a16="http://schemas.microsoft.com/office/drawing/2014/main" xmlns="" id="{125693EC-2137-4901-2D9F-CA02EFB6EC1C}"/>
               </a:ext>
             </a:extLst>
           </p:cNvPr>
@@ -16127,7 +16129,7 @@
           <p:cNvPr id="106" name="箭头: 五边形 105">
             <a:extLst>
               <a:ext uri="{FF2B5EF4-FFF2-40B4-BE49-F238E27FC236}">
-                <a16:creationId xmlns:a16="http://schemas.microsoft.com/office/drawing/2014/main" id="{0A75FABD-C11D-5BF2-CA28-79F84BEC2D52}"/>
+                <a16:creationId xmlns:a16="http://schemas.microsoft.com/office/drawing/2014/main" xmlns="" id="{0A75FABD-C11D-5BF2-CA28-79F84BEC2D52}"/>
               </a:ext>
             </a:extLst>
           </p:cNvPr>
@@ -16183,7 +16185,7 @@
           <p:cNvPr id="107" name="箭头: 五边形 106">
             <a:extLst>
               <a:ext uri="{FF2B5EF4-FFF2-40B4-BE49-F238E27FC236}">
-                <a16:creationId xmlns:a16="http://schemas.microsoft.com/office/drawing/2014/main" id="{94FFE1CA-95B6-5FB5-0E93-C32CA673CFB0}"/>
+                <a16:creationId xmlns:a16="http://schemas.microsoft.com/office/drawing/2014/main" xmlns="" id="{94FFE1CA-95B6-5FB5-0E93-C32CA673CFB0}"/>
               </a:ext>
             </a:extLst>
           </p:cNvPr>
@@ -16230,7 +16232,7 @@
           <p:cNvPr id="108" name="Google Shape;75;p14">
             <a:extLst>
               <a:ext uri="{FF2B5EF4-FFF2-40B4-BE49-F238E27FC236}">
-                <a16:creationId xmlns:a16="http://schemas.microsoft.com/office/drawing/2014/main" id="{C28BC135-A694-D736-05E2-392BAA6546C4}"/>
+                <a16:creationId xmlns:a16="http://schemas.microsoft.com/office/drawing/2014/main" xmlns="" id="{C28BC135-A694-D736-05E2-392BAA6546C4}"/>
               </a:ext>
             </a:extLst>
           </p:cNvPr>
@@ -16264,7 +16266,7 @@
           <p:cNvPr id="109" name="Google Shape;77;p14">
             <a:extLst>
               <a:ext uri="{FF2B5EF4-FFF2-40B4-BE49-F238E27FC236}">
-                <a16:creationId xmlns:a16="http://schemas.microsoft.com/office/drawing/2014/main" id="{26E64EC8-A00D-85A2-55E9-80371504FA45}"/>
+                <a16:creationId xmlns:a16="http://schemas.microsoft.com/office/drawing/2014/main" xmlns="" id="{26E64EC8-A00D-85A2-55E9-80371504FA45}"/>
               </a:ext>
             </a:extLst>
           </p:cNvPr>
@@ -16298,7 +16300,7 @@
           <p:cNvPr id="110" name="Google Shape;78;p14">
             <a:extLst>
               <a:ext uri="{FF2B5EF4-FFF2-40B4-BE49-F238E27FC236}">
-                <a16:creationId xmlns:a16="http://schemas.microsoft.com/office/drawing/2014/main" id="{3776E30B-813F-0863-0AAF-08F593A4A164}"/>
+                <a16:creationId xmlns:a16="http://schemas.microsoft.com/office/drawing/2014/main" xmlns="" id="{3776E30B-813F-0863-0AAF-08F593A4A164}"/>
               </a:ext>
             </a:extLst>
           </p:cNvPr>
@@ -16332,7 +16334,7 @@
           <p:cNvPr id="111" name="Google Shape;81;p14">
             <a:extLst>
               <a:ext uri="{FF2B5EF4-FFF2-40B4-BE49-F238E27FC236}">
-                <a16:creationId xmlns:a16="http://schemas.microsoft.com/office/drawing/2014/main" id="{4C069DC5-4186-0285-5D83-B8FFA739F050}"/>
+                <a16:creationId xmlns:a16="http://schemas.microsoft.com/office/drawing/2014/main" xmlns="" id="{4C069DC5-4186-0285-5D83-B8FFA739F050}"/>
               </a:ext>
             </a:extLst>
           </p:cNvPr>
@@ -16366,7 +16368,7 @@
           <p:cNvPr id="112" name="箭头: 五边形 111">
             <a:extLst>
               <a:ext uri="{FF2B5EF4-FFF2-40B4-BE49-F238E27FC236}">
-                <a16:creationId xmlns:a16="http://schemas.microsoft.com/office/drawing/2014/main" id="{7CD9D67F-B213-AAAA-9054-02755BE2146A}"/>
+                <a16:creationId xmlns:a16="http://schemas.microsoft.com/office/drawing/2014/main" xmlns="" id="{7CD9D67F-B213-AAAA-9054-02755BE2146A}"/>
               </a:ext>
             </a:extLst>
           </p:cNvPr>
@@ -16422,7 +16424,7 @@
           <p:cNvPr id="113" name="箭头: 五边形 112">
             <a:extLst>
               <a:ext uri="{FF2B5EF4-FFF2-40B4-BE49-F238E27FC236}">
-                <a16:creationId xmlns:a16="http://schemas.microsoft.com/office/drawing/2014/main" id="{F8AE02EB-01D9-FA19-B065-CCE211B6884B}"/>
+                <a16:creationId xmlns:a16="http://schemas.microsoft.com/office/drawing/2014/main" xmlns="" id="{F8AE02EB-01D9-FA19-B065-CCE211B6884B}"/>
               </a:ext>
             </a:extLst>
           </p:cNvPr>
@@ -16478,7 +16480,7 @@
           <p:cNvPr id="114" name="箭头: 五边形 113">
             <a:extLst>
               <a:ext uri="{FF2B5EF4-FFF2-40B4-BE49-F238E27FC236}">
-                <a16:creationId xmlns:a16="http://schemas.microsoft.com/office/drawing/2014/main" id="{CD3E578E-DF8A-1EA0-3438-736889E4F552}"/>
+                <a16:creationId xmlns:a16="http://schemas.microsoft.com/office/drawing/2014/main" xmlns="" id="{CD3E578E-DF8A-1EA0-3438-736889E4F552}"/>
               </a:ext>
             </a:extLst>
           </p:cNvPr>
@@ -16525,7 +16527,7 @@
           <p:cNvPr id="115" name="箭头: 五边形 114">
             <a:extLst>
               <a:ext uri="{FF2B5EF4-FFF2-40B4-BE49-F238E27FC236}">
-                <a16:creationId xmlns:a16="http://schemas.microsoft.com/office/drawing/2014/main" id="{F8C96D6D-C8E2-1DE1-7975-1FE461A07D04}"/>
+                <a16:creationId xmlns:a16="http://schemas.microsoft.com/office/drawing/2014/main" xmlns="" id="{F8C96D6D-C8E2-1DE1-7975-1FE461A07D04}"/>
               </a:ext>
             </a:extLst>
           </p:cNvPr>
@@ -16602,7 +16604,7 @@
           <p:cNvPr id="2" name="标题 1">
             <a:extLst>
               <a:ext uri="{FF2B5EF4-FFF2-40B4-BE49-F238E27FC236}">
-                <a16:creationId xmlns:a16="http://schemas.microsoft.com/office/drawing/2014/main" id="{80796E82-7314-2FBE-2DE8-DDD70D4DF27E}"/>
+                <a16:creationId xmlns:a16="http://schemas.microsoft.com/office/drawing/2014/main" xmlns="" id="{80796E82-7314-2FBE-2DE8-DDD70D4DF27E}"/>
               </a:ext>
             </a:extLst>
           </p:cNvPr>
@@ -16651,7 +16653,7 @@
           <p:cNvPr id="4" name="文本框 3">
             <a:extLst>
               <a:ext uri="{FF2B5EF4-FFF2-40B4-BE49-F238E27FC236}">
-                <a16:creationId xmlns:a16="http://schemas.microsoft.com/office/drawing/2014/main" id="{3E8E8225-E7B4-E598-7AEB-66BC2EF7864E}"/>
+                <a16:creationId xmlns:a16="http://schemas.microsoft.com/office/drawing/2014/main" xmlns="" id="{3E8E8225-E7B4-E598-7AEB-66BC2EF7864E}"/>
               </a:ext>
             </a:extLst>
           </p:cNvPr>
@@ -16691,7 +16693,7 @@
           <p:cNvPr id="94" name="椭圆 93">
             <a:extLst>
               <a:ext uri="{FF2B5EF4-FFF2-40B4-BE49-F238E27FC236}">
-                <a16:creationId xmlns:a16="http://schemas.microsoft.com/office/drawing/2014/main" id="{8BEE0963-F39F-E799-5A6C-7DB2D9695EA3}"/>
+                <a16:creationId xmlns:a16="http://schemas.microsoft.com/office/drawing/2014/main" xmlns="" id="{8BEE0963-F39F-E799-5A6C-7DB2D9695EA3}"/>
               </a:ext>
             </a:extLst>
           </p:cNvPr>
@@ -16743,7 +16745,7 @@
           <p:cNvPr id="95" name="Google Shape;73;p14">
             <a:extLst>
               <a:ext uri="{FF2B5EF4-FFF2-40B4-BE49-F238E27FC236}">
-                <a16:creationId xmlns:a16="http://schemas.microsoft.com/office/drawing/2014/main" id="{728B4BED-4470-8B41-5F52-AEAB959AE86A}"/>
+                <a16:creationId xmlns:a16="http://schemas.microsoft.com/office/drawing/2014/main" xmlns="" id="{728B4BED-4470-8B41-5F52-AEAB959AE86A}"/>
               </a:ext>
             </a:extLst>
           </p:cNvPr>
@@ -16777,7 +16779,7 @@
           <p:cNvPr id="100" name="Google Shape;74;p14">
             <a:extLst>
               <a:ext uri="{FF2B5EF4-FFF2-40B4-BE49-F238E27FC236}">
-                <a16:creationId xmlns:a16="http://schemas.microsoft.com/office/drawing/2014/main" id="{2D6CB586-E89B-F20A-E516-58B36CEB1867}"/>
+                <a16:creationId xmlns:a16="http://schemas.microsoft.com/office/drawing/2014/main" xmlns="" id="{2D6CB586-E89B-F20A-E516-58B36CEB1867}"/>
               </a:ext>
             </a:extLst>
           </p:cNvPr>
@@ -16811,7 +16813,7 @@
           <p:cNvPr id="101" name="Google Shape;76;p14">
             <a:extLst>
               <a:ext uri="{FF2B5EF4-FFF2-40B4-BE49-F238E27FC236}">
-                <a16:creationId xmlns:a16="http://schemas.microsoft.com/office/drawing/2014/main" id="{320E54BE-9086-C596-8E30-5802E54EFB64}"/>
+                <a16:creationId xmlns:a16="http://schemas.microsoft.com/office/drawing/2014/main" xmlns="" id="{320E54BE-9086-C596-8E30-5802E54EFB64}"/>
               </a:ext>
             </a:extLst>
           </p:cNvPr>
@@ -16845,7 +16847,7 @@
           <p:cNvPr id="102" name="Google Shape;79;p14">
             <a:extLst>
               <a:ext uri="{FF2B5EF4-FFF2-40B4-BE49-F238E27FC236}">
-                <a16:creationId xmlns:a16="http://schemas.microsoft.com/office/drawing/2014/main" id="{2CB29429-3A6A-075E-E051-F2605E6CF72B}"/>
+                <a16:creationId xmlns:a16="http://schemas.microsoft.com/office/drawing/2014/main" xmlns="" id="{2CB29429-3A6A-075E-E051-F2605E6CF72B}"/>
               </a:ext>
             </a:extLst>
           </p:cNvPr>
@@ -16879,7 +16881,7 @@
           <p:cNvPr id="103" name="Google Shape;80;p14">
             <a:extLst>
               <a:ext uri="{FF2B5EF4-FFF2-40B4-BE49-F238E27FC236}">
-                <a16:creationId xmlns:a16="http://schemas.microsoft.com/office/drawing/2014/main" id="{87A8869F-6890-93EE-47C2-B6909C99470B}"/>
+                <a16:creationId xmlns:a16="http://schemas.microsoft.com/office/drawing/2014/main" xmlns="" id="{87A8869F-6890-93EE-47C2-B6909C99470B}"/>
               </a:ext>
             </a:extLst>
           </p:cNvPr>
@@ -16913,7 +16915,7 @@
           <p:cNvPr id="104" name="箭头: 五边形 103">
             <a:extLst>
               <a:ext uri="{FF2B5EF4-FFF2-40B4-BE49-F238E27FC236}">
-                <a16:creationId xmlns:a16="http://schemas.microsoft.com/office/drawing/2014/main" id="{FEE47AE7-C9FA-4144-87DD-8E8CA1F603A1}"/>
+                <a16:creationId xmlns:a16="http://schemas.microsoft.com/office/drawing/2014/main" xmlns="" id="{FEE47AE7-C9FA-4144-87DD-8E8CA1F603A1}"/>
               </a:ext>
             </a:extLst>
           </p:cNvPr>
@@ -16960,7 +16962,7 @@
           <p:cNvPr id="105" name="箭头: 五边形 104">
             <a:extLst>
               <a:ext uri="{FF2B5EF4-FFF2-40B4-BE49-F238E27FC236}">
-                <a16:creationId xmlns:a16="http://schemas.microsoft.com/office/drawing/2014/main" id="{125693EC-2137-4901-2D9F-CA02EFB6EC1C}"/>
+                <a16:creationId xmlns:a16="http://schemas.microsoft.com/office/drawing/2014/main" xmlns="" id="{125693EC-2137-4901-2D9F-CA02EFB6EC1C}"/>
               </a:ext>
             </a:extLst>
           </p:cNvPr>
@@ -17016,7 +17018,7 @@
           <p:cNvPr id="106" name="箭头: 五边形 105">
             <a:extLst>
               <a:ext uri="{FF2B5EF4-FFF2-40B4-BE49-F238E27FC236}">
-                <a16:creationId xmlns:a16="http://schemas.microsoft.com/office/drawing/2014/main" id="{0A75FABD-C11D-5BF2-CA28-79F84BEC2D52}"/>
+                <a16:creationId xmlns:a16="http://schemas.microsoft.com/office/drawing/2014/main" xmlns="" id="{0A75FABD-C11D-5BF2-CA28-79F84BEC2D52}"/>
               </a:ext>
             </a:extLst>
           </p:cNvPr>
@@ -17072,7 +17074,7 @@
           <p:cNvPr id="107" name="箭头: 五边形 106">
             <a:extLst>
               <a:ext uri="{FF2B5EF4-FFF2-40B4-BE49-F238E27FC236}">
-                <a16:creationId xmlns:a16="http://schemas.microsoft.com/office/drawing/2014/main" id="{94FFE1CA-95B6-5FB5-0E93-C32CA673CFB0}"/>
+                <a16:creationId xmlns:a16="http://schemas.microsoft.com/office/drawing/2014/main" xmlns="" id="{94FFE1CA-95B6-5FB5-0E93-C32CA673CFB0}"/>
               </a:ext>
             </a:extLst>
           </p:cNvPr>
@@ -17119,7 +17121,7 @@
           <p:cNvPr id="108" name="Google Shape;75;p14">
             <a:extLst>
               <a:ext uri="{FF2B5EF4-FFF2-40B4-BE49-F238E27FC236}">
-                <a16:creationId xmlns:a16="http://schemas.microsoft.com/office/drawing/2014/main" id="{C28BC135-A694-D736-05E2-392BAA6546C4}"/>
+                <a16:creationId xmlns:a16="http://schemas.microsoft.com/office/drawing/2014/main" xmlns="" id="{C28BC135-A694-D736-05E2-392BAA6546C4}"/>
               </a:ext>
             </a:extLst>
           </p:cNvPr>
@@ -17153,7 +17155,7 @@
           <p:cNvPr id="109" name="Google Shape;77;p14">
             <a:extLst>
               <a:ext uri="{FF2B5EF4-FFF2-40B4-BE49-F238E27FC236}">
-                <a16:creationId xmlns:a16="http://schemas.microsoft.com/office/drawing/2014/main" id="{26E64EC8-A00D-85A2-55E9-80371504FA45}"/>
+                <a16:creationId xmlns:a16="http://schemas.microsoft.com/office/drawing/2014/main" xmlns="" id="{26E64EC8-A00D-85A2-55E9-80371504FA45}"/>
               </a:ext>
             </a:extLst>
           </p:cNvPr>
@@ -17187,7 +17189,7 @@
           <p:cNvPr id="110" name="Google Shape;78;p14">
             <a:extLst>
               <a:ext uri="{FF2B5EF4-FFF2-40B4-BE49-F238E27FC236}">
-                <a16:creationId xmlns:a16="http://schemas.microsoft.com/office/drawing/2014/main" id="{3776E30B-813F-0863-0AAF-08F593A4A164}"/>
+                <a16:creationId xmlns:a16="http://schemas.microsoft.com/office/drawing/2014/main" xmlns="" id="{3776E30B-813F-0863-0AAF-08F593A4A164}"/>
               </a:ext>
             </a:extLst>
           </p:cNvPr>
@@ -17221,7 +17223,7 @@
           <p:cNvPr id="111" name="Google Shape;81;p14">
             <a:extLst>
               <a:ext uri="{FF2B5EF4-FFF2-40B4-BE49-F238E27FC236}">
-                <a16:creationId xmlns:a16="http://schemas.microsoft.com/office/drawing/2014/main" id="{4C069DC5-4186-0285-5D83-B8FFA739F050}"/>
+                <a16:creationId xmlns:a16="http://schemas.microsoft.com/office/drawing/2014/main" xmlns="" id="{4C069DC5-4186-0285-5D83-B8FFA739F050}"/>
               </a:ext>
             </a:extLst>
           </p:cNvPr>
@@ -17255,7 +17257,7 @@
           <p:cNvPr id="112" name="箭头: 五边形 111">
             <a:extLst>
               <a:ext uri="{FF2B5EF4-FFF2-40B4-BE49-F238E27FC236}">
-                <a16:creationId xmlns:a16="http://schemas.microsoft.com/office/drawing/2014/main" id="{7CD9D67F-B213-AAAA-9054-02755BE2146A}"/>
+                <a16:creationId xmlns:a16="http://schemas.microsoft.com/office/drawing/2014/main" xmlns="" id="{7CD9D67F-B213-AAAA-9054-02755BE2146A}"/>
               </a:ext>
             </a:extLst>
           </p:cNvPr>
@@ -17311,7 +17313,7 @@
           <p:cNvPr id="113" name="箭头: 五边形 112">
             <a:extLst>
               <a:ext uri="{FF2B5EF4-FFF2-40B4-BE49-F238E27FC236}">
-                <a16:creationId xmlns:a16="http://schemas.microsoft.com/office/drawing/2014/main" id="{F8AE02EB-01D9-FA19-B065-CCE211B6884B}"/>
+                <a16:creationId xmlns:a16="http://schemas.microsoft.com/office/drawing/2014/main" xmlns="" id="{F8AE02EB-01D9-FA19-B065-CCE211B6884B}"/>
               </a:ext>
             </a:extLst>
           </p:cNvPr>
@@ -17367,7 +17369,7 @@
           <p:cNvPr id="114" name="箭头: 五边形 113">
             <a:extLst>
               <a:ext uri="{FF2B5EF4-FFF2-40B4-BE49-F238E27FC236}">
-                <a16:creationId xmlns:a16="http://schemas.microsoft.com/office/drawing/2014/main" id="{CD3E578E-DF8A-1EA0-3438-736889E4F552}"/>
+                <a16:creationId xmlns:a16="http://schemas.microsoft.com/office/drawing/2014/main" xmlns="" id="{CD3E578E-DF8A-1EA0-3438-736889E4F552}"/>
               </a:ext>
             </a:extLst>
           </p:cNvPr>
@@ -17414,7 +17416,7 @@
           <p:cNvPr id="115" name="箭头: 五边形 114">
             <a:extLst>
               <a:ext uri="{FF2B5EF4-FFF2-40B4-BE49-F238E27FC236}">
-                <a16:creationId xmlns:a16="http://schemas.microsoft.com/office/drawing/2014/main" id="{F8C96D6D-C8E2-1DE1-7975-1FE461A07D04}"/>
+                <a16:creationId xmlns:a16="http://schemas.microsoft.com/office/drawing/2014/main" xmlns="" id="{F8C96D6D-C8E2-1DE1-7975-1FE461A07D04}"/>
               </a:ext>
             </a:extLst>
           </p:cNvPr>
@@ -17491,7 +17493,7 @@
           <p:cNvPr id="2" name="标题 1">
             <a:extLst>
               <a:ext uri="{FF2B5EF4-FFF2-40B4-BE49-F238E27FC236}">
-                <a16:creationId xmlns:a16="http://schemas.microsoft.com/office/drawing/2014/main" id="{80796E82-7314-2FBE-2DE8-DDD70D4DF27E}"/>
+                <a16:creationId xmlns:a16="http://schemas.microsoft.com/office/drawing/2014/main" xmlns="" id="{80796E82-7314-2FBE-2DE8-DDD70D4DF27E}"/>
               </a:ext>
             </a:extLst>
           </p:cNvPr>
@@ -17540,7 +17542,7 @@
           <p:cNvPr id="4" name="文本框 3">
             <a:extLst>
               <a:ext uri="{FF2B5EF4-FFF2-40B4-BE49-F238E27FC236}">
-                <a16:creationId xmlns:a16="http://schemas.microsoft.com/office/drawing/2014/main" id="{3E8E8225-E7B4-E598-7AEB-66BC2EF7864E}"/>
+                <a16:creationId xmlns:a16="http://schemas.microsoft.com/office/drawing/2014/main" xmlns="" id="{3E8E8225-E7B4-E598-7AEB-66BC2EF7864E}"/>
               </a:ext>
             </a:extLst>
           </p:cNvPr>
@@ -17580,7 +17582,7 @@
           <p:cNvPr id="94" name="椭圆 93">
             <a:extLst>
               <a:ext uri="{FF2B5EF4-FFF2-40B4-BE49-F238E27FC236}">
-                <a16:creationId xmlns:a16="http://schemas.microsoft.com/office/drawing/2014/main" id="{8BEE0963-F39F-E799-5A6C-7DB2D9695EA3}"/>
+                <a16:creationId xmlns:a16="http://schemas.microsoft.com/office/drawing/2014/main" xmlns="" id="{8BEE0963-F39F-E799-5A6C-7DB2D9695EA3}"/>
               </a:ext>
             </a:extLst>
           </p:cNvPr>
@@ -17632,7 +17634,7 @@
           <p:cNvPr id="95" name="Google Shape;73;p14">
             <a:extLst>
               <a:ext uri="{FF2B5EF4-FFF2-40B4-BE49-F238E27FC236}">
-                <a16:creationId xmlns:a16="http://schemas.microsoft.com/office/drawing/2014/main" id="{728B4BED-4470-8B41-5F52-AEAB959AE86A}"/>
+                <a16:creationId xmlns:a16="http://schemas.microsoft.com/office/drawing/2014/main" xmlns="" id="{728B4BED-4470-8B41-5F52-AEAB959AE86A}"/>
               </a:ext>
             </a:extLst>
           </p:cNvPr>
@@ -17666,7 +17668,7 @@
           <p:cNvPr id="23" name="椭圆 22">
             <a:extLst>
               <a:ext uri="{FF2B5EF4-FFF2-40B4-BE49-F238E27FC236}">
-                <a16:creationId xmlns:a16="http://schemas.microsoft.com/office/drawing/2014/main" id="{824F6C0B-F2BF-8F57-435A-24EF38F1CED2}"/>
+                <a16:creationId xmlns:a16="http://schemas.microsoft.com/office/drawing/2014/main" xmlns="" id="{824F6C0B-F2BF-8F57-435A-24EF38F1CED2}"/>
               </a:ext>
             </a:extLst>
           </p:cNvPr>
@@ -17722,7 +17724,7 @@
           <p:cNvPr id="24" name="椭圆 23">
             <a:extLst>
               <a:ext uri="{FF2B5EF4-FFF2-40B4-BE49-F238E27FC236}">
-                <a16:creationId xmlns:a16="http://schemas.microsoft.com/office/drawing/2014/main" id="{180D6603-04FC-C694-538B-19D759A53C63}"/>
+                <a16:creationId xmlns:a16="http://schemas.microsoft.com/office/drawing/2014/main" xmlns="" id="{180D6603-04FC-C694-538B-19D759A53C63}"/>
               </a:ext>
             </a:extLst>
           </p:cNvPr>
@@ -17782,7 +17784,7 @@
           <p:cNvPr id="100" name="Google Shape;74;p14">
             <a:extLst>
               <a:ext uri="{FF2B5EF4-FFF2-40B4-BE49-F238E27FC236}">
-                <a16:creationId xmlns:a16="http://schemas.microsoft.com/office/drawing/2014/main" id="{2D6CB586-E89B-F20A-E516-58B36CEB1867}"/>
+                <a16:creationId xmlns:a16="http://schemas.microsoft.com/office/drawing/2014/main" xmlns="" id="{2D6CB586-E89B-F20A-E516-58B36CEB1867}"/>
               </a:ext>
             </a:extLst>
           </p:cNvPr>
@@ -17816,7 +17818,7 @@
           <p:cNvPr id="101" name="Google Shape;76;p14">
             <a:extLst>
               <a:ext uri="{FF2B5EF4-FFF2-40B4-BE49-F238E27FC236}">
-                <a16:creationId xmlns:a16="http://schemas.microsoft.com/office/drawing/2014/main" id="{320E54BE-9086-C596-8E30-5802E54EFB64}"/>
+                <a16:creationId xmlns:a16="http://schemas.microsoft.com/office/drawing/2014/main" xmlns="" id="{320E54BE-9086-C596-8E30-5802E54EFB64}"/>
               </a:ext>
             </a:extLst>
           </p:cNvPr>
@@ -17850,7 +17852,7 @@
           <p:cNvPr id="102" name="Google Shape;79;p14">
             <a:extLst>
               <a:ext uri="{FF2B5EF4-FFF2-40B4-BE49-F238E27FC236}">
-                <a16:creationId xmlns:a16="http://schemas.microsoft.com/office/drawing/2014/main" id="{2CB29429-3A6A-075E-E051-F2605E6CF72B}"/>
+                <a16:creationId xmlns:a16="http://schemas.microsoft.com/office/drawing/2014/main" xmlns="" id="{2CB29429-3A6A-075E-E051-F2605E6CF72B}"/>
               </a:ext>
             </a:extLst>
           </p:cNvPr>
@@ -17884,7 +17886,7 @@
           <p:cNvPr id="103" name="Google Shape;80;p14">
             <a:extLst>
               <a:ext uri="{FF2B5EF4-FFF2-40B4-BE49-F238E27FC236}">
-                <a16:creationId xmlns:a16="http://schemas.microsoft.com/office/drawing/2014/main" id="{87A8869F-6890-93EE-47C2-B6909C99470B}"/>
+                <a16:creationId xmlns:a16="http://schemas.microsoft.com/office/drawing/2014/main" xmlns="" id="{87A8869F-6890-93EE-47C2-B6909C99470B}"/>
               </a:ext>
             </a:extLst>
           </p:cNvPr>
@@ -17918,7 +17920,7 @@
           <p:cNvPr id="104" name="箭头: 五边形 103">
             <a:extLst>
               <a:ext uri="{FF2B5EF4-FFF2-40B4-BE49-F238E27FC236}">
-                <a16:creationId xmlns:a16="http://schemas.microsoft.com/office/drawing/2014/main" id="{FEE47AE7-C9FA-4144-87DD-8E8CA1F603A1}"/>
+                <a16:creationId xmlns:a16="http://schemas.microsoft.com/office/drawing/2014/main" xmlns="" id="{FEE47AE7-C9FA-4144-87DD-8E8CA1F603A1}"/>
               </a:ext>
             </a:extLst>
           </p:cNvPr>
@@ -17965,7 +17967,7 @@
           <p:cNvPr id="105" name="箭头: 五边形 104">
             <a:extLst>
               <a:ext uri="{FF2B5EF4-FFF2-40B4-BE49-F238E27FC236}">
-                <a16:creationId xmlns:a16="http://schemas.microsoft.com/office/drawing/2014/main" id="{125693EC-2137-4901-2D9F-CA02EFB6EC1C}"/>
+                <a16:creationId xmlns:a16="http://schemas.microsoft.com/office/drawing/2014/main" xmlns="" id="{125693EC-2137-4901-2D9F-CA02EFB6EC1C}"/>
               </a:ext>
             </a:extLst>
           </p:cNvPr>
@@ -18021,7 +18023,7 @@
           <p:cNvPr id="106" name="箭头: 五边形 105">
             <a:extLst>
               <a:ext uri="{FF2B5EF4-FFF2-40B4-BE49-F238E27FC236}">
-                <a16:creationId xmlns:a16="http://schemas.microsoft.com/office/drawing/2014/main" id="{0A75FABD-C11D-5BF2-CA28-79F84BEC2D52}"/>
+                <a16:creationId xmlns:a16="http://schemas.microsoft.com/office/drawing/2014/main" xmlns="" id="{0A75FABD-C11D-5BF2-CA28-79F84BEC2D52}"/>
               </a:ext>
             </a:extLst>
           </p:cNvPr>
@@ -18077,7 +18079,7 @@
           <p:cNvPr id="107" name="箭头: 五边形 106">
             <a:extLst>
               <a:ext uri="{FF2B5EF4-FFF2-40B4-BE49-F238E27FC236}">
-                <a16:creationId xmlns:a16="http://schemas.microsoft.com/office/drawing/2014/main" id="{94FFE1CA-95B6-5FB5-0E93-C32CA673CFB0}"/>
+                <a16:creationId xmlns:a16="http://schemas.microsoft.com/office/drawing/2014/main" xmlns="" id="{94FFE1CA-95B6-5FB5-0E93-C32CA673CFB0}"/>
               </a:ext>
             </a:extLst>
           </p:cNvPr>
@@ -18124,7 +18126,7 @@
           <p:cNvPr id="108" name="Google Shape;75;p14">
             <a:extLst>
               <a:ext uri="{FF2B5EF4-FFF2-40B4-BE49-F238E27FC236}">
-                <a16:creationId xmlns:a16="http://schemas.microsoft.com/office/drawing/2014/main" id="{C28BC135-A694-D736-05E2-392BAA6546C4}"/>
+                <a16:creationId xmlns:a16="http://schemas.microsoft.com/office/drawing/2014/main" xmlns="" id="{C28BC135-A694-D736-05E2-392BAA6546C4}"/>
               </a:ext>
             </a:extLst>
           </p:cNvPr>
@@ -18158,7 +18160,7 @@
           <p:cNvPr id="109" name="Google Shape;77;p14">
             <a:extLst>
               <a:ext uri="{FF2B5EF4-FFF2-40B4-BE49-F238E27FC236}">
-                <a16:creationId xmlns:a16="http://schemas.microsoft.com/office/drawing/2014/main" id="{26E64EC8-A00D-85A2-55E9-80371504FA45}"/>
+                <a16:creationId xmlns:a16="http://schemas.microsoft.com/office/drawing/2014/main" xmlns="" id="{26E64EC8-A00D-85A2-55E9-80371504FA45}"/>
               </a:ext>
             </a:extLst>
           </p:cNvPr>
@@ -18192,7 +18194,7 @@
           <p:cNvPr id="110" name="Google Shape;78;p14">
             <a:extLst>
               <a:ext uri="{FF2B5EF4-FFF2-40B4-BE49-F238E27FC236}">
-                <a16:creationId xmlns:a16="http://schemas.microsoft.com/office/drawing/2014/main" id="{3776E30B-813F-0863-0AAF-08F593A4A164}"/>
+                <a16:creationId xmlns:a16="http://schemas.microsoft.com/office/drawing/2014/main" xmlns="" id="{3776E30B-813F-0863-0AAF-08F593A4A164}"/>
               </a:ext>
             </a:extLst>
           </p:cNvPr>
@@ -18226,7 +18228,7 @@
           <p:cNvPr id="111" name="Google Shape;81;p14">
             <a:extLst>
               <a:ext uri="{FF2B5EF4-FFF2-40B4-BE49-F238E27FC236}">
-                <a16:creationId xmlns:a16="http://schemas.microsoft.com/office/drawing/2014/main" id="{4C069DC5-4186-0285-5D83-B8FFA739F050}"/>
+                <a16:creationId xmlns:a16="http://schemas.microsoft.com/office/drawing/2014/main" xmlns="" id="{4C069DC5-4186-0285-5D83-B8FFA739F050}"/>
               </a:ext>
             </a:extLst>
           </p:cNvPr>
@@ -18260,7 +18262,7 @@
           <p:cNvPr id="112" name="箭头: 五边形 111">
             <a:extLst>
               <a:ext uri="{FF2B5EF4-FFF2-40B4-BE49-F238E27FC236}">
-                <a16:creationId xmlns:a16="http://schemas.microsoft.com/office/drawing/2014/main" id="{7CD9D67F-B213-AAAA-9054-02755BE2146A}"/>
+                <a16:creationId xmlns:a16="http://schemas.microsoft.com/office/drawing/2014/main" xmlns="" id="{7CD9D67F-B213-AAAA-9054-02755BE2146A}"/>
               </a:ext>
             </a:extLst>
           </p:cNvPr>
@@ -18316,7 +18318,7 @@
           <p:cNvPr id="113" name="箭头: 五边形 112">
             <a:extLst>
               <a:ext uri="{FF2B5EF4-FFF2-40B4-BE49-F238E27FC236}">
-                <a16:creationId xmlns:a16="http://schemas.microsoft.com/office/drawing/2014/main" id="{F8AE02EB-01D9-FA19-B065-CCE211B6884B}"/>
+                <a16:creationId xmlns:a16="http://schemas.microsoft.com/office/drawing/2014/main" xmlns="" id="{F8AE02EB-01D9-FA19-B065-CCE211B6884B}"/>
               </a:ext>
             </a:extLst>
           </p:cNvPr>
@@ -18372,7 +18374,7 @@
           <p:cNvPr id="114" name="箭头: 五边形 113">
             <a:extLst>
               <a:ext uri="{FF2B5EF4-FFF2-40B4-BE49-F238E27FC236}">
-                <a16:creationId xmlns:a16="http://schemas.microsoft.com/office/drawing/2014/main" id="{CD3E578E-DF8A-1EA0-3438-736889E4F552}"/>
+                <a16:creationId xmlns:a16="http://schemas.microsoft.com/office/drawing/2014/main" xmlns="" id="{CD3E578E-DF8A-1EA0-3438-736889E4F552}"/>
               </a:ext>
             </a:extLst>
           </p:cNvPr>
@@ -18419,7 +18421,7 @@
           <p:cNvPr id="115" name="箭头: 五边形 114">
             <a:extLst>
               <a:ext uri="{FF2B5EF4-FFF2-40B4-BE49-F238E27FC236}">
-                <a16:creationId xmlns:a16="http://schemas.microsoft.com/office/drawing/2014/main" id="{F8C96D6D-C8E2-1DE1-7975-1FE461A07D04}"/>
+                <a16:creationId xmlns:a16="http://schemas.microsoft.com/office/drawing/2014/main" xmlns="" id="{F8C96D6D-C8E2-1DE1-7975-1FE461A07D04}"/>
               </a:ext>
             </a:extLst>
           </p:cNvPr>
@@ -18506,7 +18508,7 @@
           <p:cNvPr id="2" name="标题 1">
             <a:extLst>
               <a:ext uri="{FF2B5EF4-FFF2-40B4-BE49-F238E27FC236}">
-                <a16:creationId xmlns:a16="http://schemas.microsoft.com/office/drawing/2014/main" id="{2A9B6C59-89F9-5390-BB77-F8DB7EF7B310}"/>
+                <a16:creationId xmlns:a16="http://schemas.microsoft.com/office/drawing/2014/main" xmlns="" id="{2A9B6C59-89F9-5390-BB77-F8DB7EF7B310}"/>
               </a:ext>
             </a:extLst>
           </p:cNvPr>
@@ -18537,6 +18539,14 @@
                 </a:solidFill>
               </a:rPr>
               <a:t>人形劇場（アリス）</a:t>
+            </a:r>
+            <a:r>
+              <a:rPr lang="en-US" altLang="ja-JP" b="1" dirty="0">
+                <a:solidFill>
+                  <a:schemeClr val="bg1"/>
+                </a:solidFill>
+              </a:rPr>
+              <a:t/>
             </a:r>
             <a:br>
               <a:rPr lang="en-US" altLang="ja-JP" b="1" dirty="0">
@@ -18588,7 +18598,7 @@
           <p:cNvPr id="2" name="标题 1">
             <a:extLst>
               <a:ext uri="{FF2B5EF4-FFF2-40B4-BE49-F238E27FC236}">
-                <a16:creationId xmlns:a16="http://schemas.microsoft.com/office/drawing/2014/main" id="{80796E82-7314-2FBE-2DE8-DDD70D4DF27E}"/>
+                <a16:creationId xmlns:a16="http://schemas.microsoft.com/office/drawing/2014/main" xmlns="" id="{80796E82-7314-2FBE-2DE8-DDD70D4DF27E}"/>
               </a:ext>
             </a:extLst>
           </p:cNvPr>
@@ -18630,7 +18640,7 @@
           <p:cNvPr id="4" name="文本框 3">
             <a:extLst>
               <a:ext uri="{FF2B5EF4-FFF2-40B4-BE49-F238E27FC236}">
-                <a16:creationId xmlns:a16="http://schemas.microsoft.com/office/drawing/2014/main" id="{3E8E8225-E7B4-E598-7AEB-66BC2EF7864E}"/>
+                <a16:creationId xmlns:a16="http://schemas.microsoft.com/office/drawing/2014/main" xmlns="" id="{3E8E8225-E7B4-E598-7AEB-66BC2EF7864E}"/>
               </a:ext>
             </a:extLst>
           </p:cNvPr>
@@ -18676,7 +18686,7 @@
           <p:cNvPr id="94" name="椭圆 93">
             <a:extLst>
               <a:ext uri="{FF2B5EF4-FFF2-40B4-BE49-F238E27FC236}">
-                <a16:creationId xmlns:a16="http://schemas.microsoft.com/office/drawing/2014/main" id="{8BEE0963-F39F-E799-5A6C-7DB2D9695EA3}"/>
+                <a16:creationId xmlns:a16="http://schemas.microsoft.com/office/drawing/2014/main" xmlns="" id="{8BEE0963-F39F-E799-5A6C-7DB2D9695EA3}"/>
               </a:ext>
             </a:extLst>
           </p:cNvPr>
@@ -18728,7 +18738,7 @@
           <p:cNvPr id="6" name="椭圆 5">
             <a:extLst>
               <a:ext uri="{FF2B5EF4-FFF2-40B4-BE49-F238E27FC236}">
-                <a16:creationId xmlns:a16="http://schemas.microsoft.com/office/drawing/2014/main" id="{1F3D5A18-117A-FBDB-A07B-D4E2DC2FC832}"/>
+                <a16:creationId xmlns:a16="http://schemas.microsoft.com/office/drawing/2014/main" xmlns="" id="{1F3D5A18-117A-FBDB-A07B-D4E2DC2FC832}"/>
               </a:ext>
             </a:extLst>
           </p:cNvPr>
@@ -18778,7 +18788,7 @@
           <p:cNvPr id="7" name="矩形 6">
             <a:extLst>
               <a:ext uri="{FF2B5EF4-FFF2-40B4-BE49-F238E27FC236}">
-                <a16:creationId xmlns:a16="http://schemas.microsoft.com/office/drawing/2014/main" id="{1DB7B11B-A7F7-8894-4BAF-68DD060767B3}"/>
+                <a16:creationId xmlns:a16="http://schemas.microsoft.com/office/drawing/2014/main" xmlns="" id="{1DB7B11B-A7F7-8894-4BAF-68DD060767B3}"/>
               </a:ext>
             </a:extLst>
           </p:cNvPr>
@@ -18828,7 +18838,7 @@
           <p:cNvPr id="16" name="矩形 15">
             <a:extLst>
               <a:ext uri="{FF2B5EF4-FFF2-40B4-BE49-F238E27FC236}">
-                <a16:creationId xmlns:a16="http://schemas.microsoft.com/office/drawing/2014/main" id="{5E103417-33D7-7A1E-5135-FE392A9238A1}"/>
+                <a16:creationId xmlns:a16="http://schemas.microsoft.com/office/drawing/2014/main" xmlns="" id="{5E103417-33D7-7A1E-5135-FE392A9238A1}"/>
               </a:ext>
             </a:extLst>
           </p:cNvPr>
@@ -18878,7 +18888,7 @@
           <p:cNvPr id="36" name="Google Shape;74;p14">
             <a:extLst>
               <a:ext uri="{FF2B5EF4-FFF2-40B4-BE49-F238E27FC236}">
-                <a16:creationId xmlns:a16="http://schemas.microsoft.com/office/drawing/2014/main" id="{2E2745A7-5382-D682-E846-353E49F51CE1}"/>
+                <a16:creationId xmlns:a16="http://schemas.microsoft.com/office/drawing/2014/main" xmlns="" id="{2E2745A7-5382-D682-E846-353E49F51CE1}"/>
               </a:ext>
             </a:extLst>
           </p:cNvPr>
@@ -18912,7 +18922,7 @@
           <p:cNvPr id="37" name="Google Shape;75;p14">
             <a:extLst>
               <a:ext uri="{FF2B5EF4-FFF2-40B4-BE49-F238E27FC236}">
-                <a16:creationId xmlns:a16="http://schemas.microsoft.com/office/drawing/2014/main" id="{E3E4915D-2F12-168B-349B-24CDEEB0083B}"/>
+                <a16:creationId xmlns:a16="http://schemas.microsoft.com/office/drawing/2014/main" xmlns="" id="{E3E4915D-2F12-168B-349B-24CDEEB0083B}"/>
               </a:ext>
             </a:extLst>
           </p:cNvPr>
@@ -18946,7 +18956,7 @@
           <p:cNvPr id="40" name="Google Shape;76;p14">
             <a:extLst>
               <a:ext uri="{FF2B5EF4-FFF2-40B4-BE49-F238E27FC236}">
-                <a16:creationId xmlns:a16="http://schemas.microsoft.com/office/drawing/2014/main" id="{1ECE9B11-635C-881C-CE5B-089C627E4372}"/>
+                <a16:creationId xmlns:a16="http://schemas.microsoft.com/office/drawing/2014/main" xmlns="" id="{1ECE9B11-635C-881C-CE5B-089C627E4372}"/>
               </a:ext>
             </a:extLst>
           </p:cNvPr>
@@ -18980,7 +18990,7 @@
           <p:cNvPr id="41" name="Google Shape;77;p14">
             <a:extLst>
               <a:ext uri="{FF2B5EF4-FFF2-40B4-BE49-F238E27FC236}">
-                <a16:creationId xmlns:a16="http://schemas.microsoft.com/office/drawing/2014/main" id="{B873D65F-C642-5A74-03EE-002969DF1388}"/>
+                <a16:creationId xmlns:a16="http://schemas.microsoft.com/office/drawing/2014/main" xmlns="" id="{B873D65F-C642-5A74-03EE-002969DF1388}"/>
               </a:ext>
             </a:extLst>
           </p:cNvPr>
@@ -19014,7 +19024,7 @@
           <p:cNvPr id="42" name="Google Shape;78;p14">
             <a:extLst>
               <a:ext uri="{FF2B5EF4-FFF2-40B4-BE49-F238E27FC236}">
-                <a16:creationId xmlns:a16="http://schemas.microsoft.com/office/drawing/2014/main" id="{971876C7-5053-73D0-155A-9D17633A0F55}"/>
+                <a16:creationId xmlns:a16="http://schemas.microsoft.com/office/drawing/2014/main" xmlns="" id="{971876C7-5053-73D0-155A-9D17633A0F55}"/>
               </a:ext>
             </a:extLst>
           </p:cNvPr>
@@ -19048,7 +19058,7 @@
           <p:cNvPr id="43" name="Google Shape;79;p14">
             <a:extLst>
               <a:ext uri="{FF2B5EF4-FFF2-40B4-BE49-F238E27FC236}">
-                <a16:creationId xmlns:a16="http://schemas.microsoft.com/office/drawing/2014/main" id="{D908096A-7B93-6872-9227-68EFA46E5FEC}"/>
+                <a16:creationId xmlns:a16="http://schemas.microsoft.com/office/drawing/2014/main" xmlns="" id="{D908096A-7B93-6872-9227-68EFA46E5FEC}"/>
               </a:ext>
             </a:extLst>
           </p:cNvPr>
@@ -19082,7 +19092,7 @@
           <p:cNvPr id="44" name="Google Shape;80;p14">
             <a:extLst>
               <a:ext uri="{FF2B5EF4-FFF2-40B4-BE49-F238E27FC236}">
-                <a16:creationId xmlns:a16="http://schemas.microsoft.com/office/drawing/2014/main" id="{5707B8C5-A5A8-44EF-7EA1-212D60CE4405}"/>
+                <a16:creationId xmlns:a16="http://schemas.microsoft.com/office/drawing/2014/main" xmlns="" id="{5707B8C5-A5A8-44EF-7EA1-212D60CE4405}"/>
               </a:ext>
             </a:extLst>
           </p:cNvPr>
@@ -19116,7 +19126,7 @@
           <p:cNvPr id="45" name="Google Shape;81;p14">
             <a:extLst>
               <a:ext uri="{FF2B5EF4-FFF2-40B4-BE49-F238E27FC236}">
-                <a16:creationId xmlns:a16="http://schemas.microsoft.com/office/drawing/2014/main" id="{258DAE7F-F09C-A31E-1F00-ADABD392EAF6}"/>
+                <a16:creationId xmlns:a16="http://schemas.microsoft.com/office/drawing/2014/main" xmlns="" id="{258DAE7F-F09C-A31E-1F00-ADABD392EAF6}"/>
               </a:ext>
             </a:extLst>
           </p:cNvPr>
@@ -19150,7 +19160,7 @@
           <p:cNvPr id="46" name="Google Shape;73;p14">
             <a:extLst>
               <a:ext uri="{FF2B5EF4-FFF2-40B4-BE49-F238E27FC236}">
-                <a16:creationId xmlns:a16="http://schemas.microsoft.com/office/drawing/2014/main" id="{C9BC361F-6BE4-6B47-4157-518F4E8B91B7}"/>
+                <a16:creationId xmlns:a16="http://schemas.microsoft.com/office/drawing/2014/main" xmlns="" id="{C9BC361F-6BE4-6B47-4157-518F4E8B91B7}"/>
               </a:ext>
             </a:extLst>
           </p:cNvPr>
@@ -19184,7 +19194,7 @@
           <p:cNvPr id="47" name="Google Shape;100;p14">
             <a:extLst>
               <a:ext uri="{FF2B5EF4-FFF2-40B4-BE49-F238E27FC236}">
-                <a16:creationId xmlns:a16="http://schemas.microsoft.com/office/drawing/2014/main" id="{FECEA0B3-9605-E3C1-399E-D5B289255275}"/>
+                <a16:creationId xmlns:a16="http://schemas.microsoft.com/office/drawing/2014/main" xmlns="" id="{FECEA0B3-9605-E3C1-399E-D5B289255275}"/>
               </a:ext>
             </a:extLst>
           </p:cNvPr>
@@ -19229,7 +19239,7 @@
           <p:cNvPr id="9" name="箭头: V 形 8">
             <a:extLst>
               <a:ext uri="{FF2B5EF4-FFF2-40B4-BE49-F238E27FC236}">
-                <a16:creationId xmlns:a16="http://schemas.microsoft.com/office/drawing/2014/main" id="{FD24A7BB-FA4E-991F-5929-18EE9CB4A9D9}"/>
+                <a16:creationId xmlns:a16="http://schemas.microsoft.com/office/drawing/2014/main" xmlns="" id="{FD24A7BB-FA4E-991F-5929-18EE9CB4A9D9}"/>
               </a:ext>
             </a:extLst>
           </p:cNvPr>
@@ -19277,7 +19287,7 @@
           <p:cNvPr id="18" name="箭头: V 形 17">
             <a:extLst>
               <a:ext uri="{FF2B5EF4-FFF2-40B4-BE49-F238E27FC236}">
-                <a16:creationId xmlns:a16="http://schemas.microsoft.com/office/drawing/2014/main" id="{8C372B4E-E0EB-3587-D05B-984150483764}"/>
+                <a16:creationId xmlns:a16="http://schemas.microsoft.com/office/drawing/2014/main" xmlns="" id="{8C372B4E-E0EB-3587-D05B-984150483764}"/>
               </a:ext>
             </a:extLst>
           </p:cNvPr>
@@ -19325,7 +19335,7 @@
           <p:cNvPr id="19" name="箭头: V 形 18">
             <a:extLst>
               <a:ext uri="{FF2B5EF4-FFF2-40B4-BE49-F238E27FC236}">
-                <a16:creationId xmlns:a16="http://schemas.microsoft.com/office/drawing/2014/main" id="{857EDEF0-9103-CEE8-DA27-765C3E2D1CF2}"/>
+                <a16:creationId xmlns:a16="http://schemas.microsoft.com/office/drawing/2014/main" xmlns="" id="{857EDEF0-9103-CEE8-DA27-765C3E2D1CF2}"/>
               </a:ext>
             </a:extLst>
           </p:cNvPr>
@@ -19373,7 +19383,7 @@
           <p:cNvPr id="20" name="箭头: V 形 19">
             <a:extLst>
               <a:ext uri="{FF2B5EF4-FFF2-40B4-BE49-F238E27FC236}">
-                <a16:creationId xmlns:a16="http://schemas.microsoft.com/office/drawing/2014/main" id="{42C49E84-E67A-1BB3-2501-0FDDEF0E34DA}"/>
+                <a16:creationId xmlns:a16="http://schemas.microsoft.com/office/drawing/2014/main" xmlns="" id="{42C49E84-E67A-1BB3-2501-0FDDEF0E34DA}"/>
               </a:ext>
             </a:extLst>
           </p:cNvPr>
@@ -19421,7 +19431,7 @@
           <p:cNvPr id="21" name="箭头: V 形 20">
             <a:extLst>
               <a:ext uri="{FF2B5EF4-FFF2-40B4-BE49-F238E27FC236}">
-                <a16:creationId xmlns:a16="http://schemas.microsoft.com/office/drawing/2014/main" id="{BC353627-9371-244D-7367-7A27EC648508}"/>
+                <a16:creationId xmlns:a16="http://schemas.microsoft.com/office/drawing/2014/main" xmlns="" id="{BC353627-9371-244D-7367-7A27EC648508}"/>
               </a:ext>
             </a:extLst>
           </p:cNvPr>
@@ -19469,7 +19479,7 @@
           <p:cNvPr id="22" name="箭头: V 形 21">
             <a:extLst>
               <a:ext uri="{FF2B5EF4-FFF2-40B4-BE49-F238E27FC236}">
-                <a16:creationId xmlns:a16="http://schemas.microsoft.com/office/drawing/2014/main" id="{41D7DFA2-1682-8959-1196-12E3B7C49765}"/>
+                <a16:creationId xmlns:a16="http://schemas.microsoft.com/office/drawing/2014/main" xmlns="" id="{41D7DFA2-1682-8959-1196-12E3B7C49765}"/>
               </a:ext>
             </a:extLst>
           </p:cNvPr>
@@ -19517,7 +19527,7 @@
           <p:cNvPr id="23" name="箭头: V 形 22">
             <a:extLst>
               <a:ext uri="{FF2B5EF4-FFF2-40B4-BE49-F238E27FC236}">
-                <a16:creationId xmlns:a16="http://schemas.microsoft.com/office/drawing/2014/main" id="{3E6B5B9D-8A94-166B-F4E4-0C03AFDA72FF}"/>
+                <a16:creationId xmlns:a16="http://schemas.microsoft.com/office/drawing/2014/main" xmlns="" id="{3E6B5B9D-8A94-166B-F4E4-0C03AFDA72FF}"/>
               </a:ext>
             </a:extLst>
           </p:cNvPr>
@@ -19565,7 +19575,7 @@
           <p:cNvPr id="24" name="箭头: V 形 23">
             <a:extLst>
               <a:ext uri="{FF2B5EF4-FFF2-40B4-BE49-F238E27FC236}">
-                <a16:creationId xmlns:a16="http://schemas.microsoft.com/office/drawing/2014/main" id="{58C2A296-BAAF-AA9E-2CEA-ABDFA8710114}"/>
+                <a16:creationId xmlns:a16="http://schemas.microsoft.com/office/drawing/2014/main" xmlns="" id="{58C2A296-BAAF-AA9E-2CEA-ABDFA8710114}"/>
               </a:ext>
             </a:extLst>
           </p:cNvPr>
@@ -19613,7 +19623,7 @@
           <p:cNvPr id="28" name="箭头: V 形 27">
             <a:extLst>
               <a:ext uri="{FF2B5EF4-FFF2-40B4-BE49-F238E27FC236}">
-                <a16:creationId xmlns:a16="http://schemas.microsoft.com/office/drawing/2014/main" id="{A543D7BC-1C9B-6A49-EC09-098BA7C87EA3}"/>
+                <a16:creationId xmlns:a16="http://schemas.microsoft.com/office/drawing/2014/main" xmlns="" id="{A543D7BC-1C9B-6A49-EC09-098BA7C87EA3}"/>
               </a:ext>
             </a:extLst>
           </p:cNvPr>
@@ -19661,7 +19671,7 @@
           <p:cNvPr id="29" name="箭头: V 形 28">
             <a:extLst>
               <a:ext uri="{FF2B5EF4-FFF2-40B4-BE49-F238E27FC236}">
-                <a16:creationId xmlns:a16="http://schemas.microsoft.com/office/drawing/2014/main" id="{D2AF5DF2-587F-46EB-F970-D8CFB9255024}"/>
+                <a16:creationId xmlns:a16="http://schemas.microsoft.com/office/drawing/2014/main" xmlns="" id="{D2AF5DF2-587F-46EB-F970-D8CFB9255024}"/>
               </a:ext>
             </a:extLst>
           </p:cNvPr>
@@ -19709,7 +19719,7 @@
           <p:cNvPr id="30" name="箭头: V 形 29">
             <a:extLst>
               <a:ext uri="{FF2B5EF4-FFF2-40B4-BE49-F238E27FC236}">
-                <a16:creationId xmlns:a16="http://schemas.microsoft.com/office/drawing/2014/main" id="{9419548B-7308-2803-27AC-502B1EDA4B21}"/>
+                <a16:creationId xmlns:a16="http://schemas.microsoft.com/office/drawing/2014/main" xmlns="" id="{9419548B-7308-2803-27AC-502B1EDA4B21}"/>
               </a:ext>
             </a:extLst>
           </p:cNvPr>
@@ -19757,7 +19767,7 @@
           <p:cNvPr id="31" name="箭头: V 形 30">
             <a:extLst>
               <a:ext uri="{FF2B5EF4-FFF2-40B4-BE49-F238E27FC236}">
-                <a16:creationId xmlns:a16="http://schemas.microsoft.com/office/drawing/2014/main" id="{5EA4D2E4-024B-6111-B464-CCAED25B06D2}"/>
+                <a16:creationId xmlns:a16="http://schemas.microsoft.com/office/drawing/2014/main" xmlns="" id="{5EA4D2E4-024B-6111-B464-CCAED25B06D2}"/>
               </a:ext>
             </a:extLst>
           </p:cNvPr>
@@ -19805,7 +19815,7 @@
           <p:cNvPr id="32" name="箭头: V 形 31">
             <a:extLst>
               <a:ext uri="{FF2B5EF4-FFF2-40B4-BE49-F238E27FC236}">
-                <a16:creationId xmlns:a16="http://schemas.microsoft.com/office/drawing/2014/main" id="{179930E0-6F7E-CCEA-3004-B6A577E77445}"/>
+                <a16:creationId xmlns:a16="http://schemas.microsoft.com/office/drawing/2014/main" xmlns="" id="{179930E0-6F7E-CCEA-3004-B6A577E77445}"/>
               </a:ext>
             </a:extLst>
           </p:cNvPr>
@@ -19853,7 +19863,7 @@
           <p:cNvPr id="33" name="箭头: V 形 32">
             <a:extLst>
               <a:ext uri="{FF2B5EF4-FFF2-40B4-BE49-F238E27FC236}">
-                <a16:creationId xmlns:a16="http://schemas.microsoft.com/office/drawing/2014/main" id="{BCFED254-F97D-29DC-0AF7-9A71396E1D9B}"/>
+                <a16:creationId xmlns:a16="http://schemas.microsoft.com/office/drawing/2014/main" xmlns="" id="{BCFED254-F97D-29DC-0AF7-9A71396E1D9B}"/>
               </a:ext>
             </a:extLst>
           </p:cNvPr>
@@ -19901,7 +19911,7 @@
           <p:cNvPr id="34" name="箭头: V 形 33">
             <a:extLst>
               <a:ext uri="{FF2B5EF4-FFF2-40B4-BE49-F238E27FC236}">
-                <a16:creationId xmlns:a16="http://schemas.microsoft.com/office/drawing/2014/main" id="{ADBFB33B-4138-0F9E-231F-DA43D8BCC91E}"/>
+                <a16:creationId xmlns:a16="http://schemas.microsoft.com/office/drawing/2014/main" xmlns="" id="{ADBFB33B-4138-0F9E-231F-DA43D8BCC91E}"/>
               </a:ext>
             </a:extLst>
           </p:cNvPr>
@@ -19949,7 +19959,7 @@
           <p:cNvPr id="35" name="箭头: V 形 34">
             <a:extLst>
               <a:ext uri="{FF2B5EF4-FFF2-40B4-BE49-F238E27FC236}">
-                <a16:creationId xmlns:a16="http://schemas.microsoft.com/office/drawing/2014/main" id="{E92C13C8-1702-EA52-0B0B-3C4AD4D4D38B}"/>
+                <a16:creationId xmlns:a16="http://schemas.microsoft.com/office/drawing/2014/main" xmlns="" id="{E92C13C8-1702-EA52-0B0B-3C4AD4D4D38B}"/>
               </a:ext>
             </a:extLst>
           </p:cNvPr>
@@ -20027,7 +20037,7 @@
           <p:cNvPr id="2" name="标题 1">
             <a:extLst>
               <a:ext uri="{FF2B5EF4-FFF2-40B4-BE49-F238E27FC236}">
-                <a16:creationId xmlns:a16="http://schemas.microsoft.com/office/drawing/2014/main" id="{80796E82-7314-2FBE-2DE8-DDD70D4DF27E}"/>
+                <a16:creationId xmlns:a16="http://schemas.microsoft.com/office/drawing/2014/main" xmlns="" id="{80796E82-7314-2FBE-2DE8-DDD70D4DF27E}"/>
               </a:ext>
             </a:extLst>
           </p:cNvPr>
@@ -20076,7 +20086,7 @@
           <p:cNvPr id="4" name="文本框 3">
             <a:extLst>
               <a:ext uri="{FF2B5EF4-FFF2-40B4-BE49-F238E27FC236}">
-                <a16:creationId xmlns:a16="http://schemas.microsoft.com/office/drawing/2014/main" id="{3E8E8225-E7B4-E598-7AEB-66BC2EF7864E}"/>
+                <a16:creationId xmlns:a16="http://schemas.microsoft.com/office/drawing/2014/main" xmlns="" id="{3E8E8225-E7B4-E598-7AEB-66BC2EF7864E}"/>
               </a:ext>
             </a:extLst>
           </p:cNvPr>
@@ -20122,7 +20132,7 @@
           <p:cNvPr id="94" name="椭圆 93">
             <a:extLst>
               <a:ext uri="{FF2B5EF4-FFF2-40B4-BE49-F238E27FC236}">
-                <a16:creationId xmlns:a16="http://schemas.microsoft.com/office/drawing/2014/main" id="{8BEE0963-F39F-E799-5A6C-7DB2D9695EA3}"/>
+                <a16:creationId xmlns:a16="http://schemas.microsoft.com/office/drawing/2014/main" xmlns="" id="{8BEE0963-F39F-E799-5A6C-7DB2D9695EA3}"/>
               </a:ext>
             </a:extLst>
           </p:cNvPr>
@@ -20174,7 +20184,7 @@
           <p:cNvPr id="6" name="椭圆 5">
             <a:extLst>
               <a:ext uri="{FF2B5EF4-FFF2-40B4-BE49-F238E27FC236}">
-                <a16:creationId xmlns:a16="http://schemas.microsoft.com/office/drawing/2014/main" id="{1F3D5A18-117A-FBDB-A07B-D4E2DC2FC832}"/>
+                <a16:creationId xmlns:a16="http://schemas.microsoft.com/office/drawing/2014/main" xmlns="" id="{1F3D5A18-117A-FBDB-A07B-D4E2DC2FC832}"/>
               </a:ext>
             </a:extLst>
           </p:cNvPr>
@@ -20224,7 +20234,7 @@
           <p:cNvPr id="7" name="矩形 6">
             <a:extLst>
               <a:ext uri="{FF2B5EF4-FFF2-40B4-BE49-F238E27FC236}">
-                <a16:creationId xmlns:a16="http://schemas.microsoft.com/office/drawing/2014/main" id="{1DB7B11B-A7F7-8894-4BAF-68DD060767B3}"/>
+                <a16:creationId xmlns:a16="http://schemas.microsoft.com/office/drawing/2014/main" xmlns="" id="{1DB7B11B-A7F7-8894-4BAF-68DD060767B3}"/>
               </a:ext>
             </a:extLst>
           </p:cNvPr>
@@ -20274,7 +20284,7 @@
           <p:cNvPr id="16" name="矩形 15">
             <a:extLst>
               <a:ext uri="{FF2B5EF4-FFF2-40B4-BE49-F238E27FC236}">
-                <a16:creationId xmlns:a16="http://schemas.microsoft.com/office/drawing/2014/main" id="{5E103417-33D7-7A1E-5135-FE392A9238A1}"/>
+                <a16:creationId xmlns:a16="http://schemas.microsoft.com/office/drawing/2014/main" xmlns="" id="{5E103417-33D7-7A1E-5135-FE392A9238A1}"/>
               </a:ext>
             </a:extLst>
           </p:cNvPr>
@@ -20324,7 +20334,7 @@
           <p:cNvPr id="36" name="Google Shape;74;p14">
             <a:extLst>
               <a:ext uri="{FF2B5EF4-FFF2-40B4-BE49-F238E27FC236}">
-                <a16:creationId xmlns:a16="http://schemas.microsoft.com/office/drawing/2014/main" id="{2E2745A7-5382-D682-E846-353E49F51CE1}"/>
+                <a16:creationId xmlns:a16="http://schemas.microsoft.com/office/drawing/2014/main" xmlns="" id="{2E2745A7-5382-D682-E846-353E49F51CE1}"/>
               </a:ext>
             </a:extLst>
           </p:cNvPr>
@@ -20358,7 +20368,7 @@
           <p:cNvPr id="37" name="Google Shape;75;p14">
             <a:extLst>
               <a:ext uri="{FF2B5EF4-FFF2-40B4-BE49-F238E27FC236}">
-                <a16:creationId xmlns:a16="http://schemas.microsoft.com/office/drawing/2014/main" id="{E3E4915D-2F12-168B-349B-24CDEEB0083B}"/>
+                <a16:creationId xmlns:a16="http://schemas.microsoft.com/office/drawing/2014/main" xmlns="" id="{E3E4915D-2F12-168B-349B-24CDEEB0083B}"/>
               </a:ext>
             </a:extLst>
           </p:cNvPr>
@@ -20392,7 +20402,7 @@
           <p:cNvPr id="40" name="Google Shape;76;p14">
             <a:extLst>
               <a:ext uri="{FF2B5EF4-FFF2-40B4-BE49-F238E27FC236}">
-                <a16:creationId xmlns:a16="http://schemas.microsoft.com/office/drawing/2014/main" id="{1ECE9B11-635C-881C-CE5B-089C627E4372}"/>
+                <a16:creationId xmlns:a16="http://schemas.microsoft.com/office/drawing/2014/main" xmlns="" id="{1ECE9B11-635C-881C-CE5B-089C627E4372}"/>
               </a:ext>
             </a:extLst>
           </p:cNvPr>
@@ -20426,7 +20436,7 @@
           <p:cNvPr id="41" name="Google Shape;77;p14">
             <a:extLst>
               <a:ext uri="{FF2B5EF4-FFF2-40B4-BE49-F238E27FC236}">
-                <a16:creationId xmlns:a16="http://schemas.microsoft.com/office/drawing/2014/main" id="{B873D65F-C642-5A74-03EE-002969DF1388}"/>
+                <a16:creationId xmlns:a16="http://schemas.microsoft.com/office/drawing/2014/main" xmlns="" id="{B873D65F-C642-5A74-03EE-002969DF1388}"/>
               </a:ext>
             </a:extLst>
           </p:cNvPr>
@@ -20460,7 +20470,7 @@
           <p:cNvPr id="42" name="Google Shape;78;p14">
             <a:extLst>
               <a:ext uri="{FF2B5EF4-FFF2-40B4-BE49-F238E27FC236}">
-                <a16:creationId xmlns:a16="http://schemas.microsoft.com/office/drawing/2014/main" id="{971876C7-5053-73D0-155A-9D17633A0F55}"/>
+                <a16:creationId xmlns:a16="http://schemas.microsoft.com/office/drawing/2014/main" xmlns="" id="{971876C7-5053-73D0-155A-9D17633A0F55}"/>
               </a:ext>
             </a:extLst>
           </p:cNvPr>
@@ -20494,7 +20504,7 @@
           <p:cNvPr id="43" name="Google Shape;79;p14">
             <a:extLst>
               <a:ext uri="{FF2B5EF4-FFF2-40B4-BE49-F238E27FC236}">
-                <a16:creationId xmlns:a16="http://schemas.microsoft.com/office/drawing/2014/main" id="{D908096A-7B93-6872-9227-68EFA46E5FEC}"/>
+                <a16:creationId xmlns:a16="http://schemas.microsoft.com/office/drawing/2014/main" xmlns="" id="{D908096A-7B93-6872-9227-68EFA46E5FEC}"/>
               </a:ext>
             </a:extLst>
           </p:cNvPr>
@@ -20528,7 +20538,7 @@
           <p:cNvPr id="44" name="Google Shape;80;p14">
             <a:extLst>
               <a:ext uri="{FF2B5EF4-FFF2-40B4-BE49-F238E27FC236}">
-                <a16:creationId xmlns:a16="http://schemas.microsoft.com/office/drawing/2014/main" id="{5707B8C5-A5A8-44EF-7EA1-212D60CE4405}"/>
+                <a16:creationId xmlns:a16="http://schemas.microsoft.com/office/drawing/2014/main" xmlns="" id="{5707B8C5-A5A8-44EF-7EA1-212D60CE4405}"/>
               </a:ext>
             </a:extLst>
           </p:cNvPr>
@@ -20562,7 +20572,7 @@
           <p:cNvPr id="45" name="Google Shape;81;p14">
             <a:extLst>
               <a:ext uri="{FF2B5EF4-FFF2-40B4-BE49-F238E27FC236}">
-                <a16:creationId xmlns:a16="http://schemas.microsoft.com/office/drawing/2014/main" id="{258DAE7F-F09C-A31E-1F00-ADABD392EAF6}"/>
+                <a16:creationId xmlns:a16="http://schemas.microsoft.com/office/drawing/2014/main" xmlns="" id="{258DAE7F-F09C-A31E-1F00-ADABD392EAF6}"/>
               </a:ext>
             </a:extLst>
           </p:cNvPr>
@@ -20596,7 +20606,7 @@
           <p:cNvPr id="38" name="Google Shape;73;p14">
             <a:extLst>
               <a:ext uri="{FF2B5EF4-FFF2-40B4-BE49-F238E27FC236}">
-                <a16:creationId xmlns:a16="http://schemas.microsoft.com/office/drawing/2014/main" id="{E0001BAF-FACE-D307-1D07-8A20E39EEA01}"/>
+                <a16:creationId xmlns:a16="http://schemas.microsoft.com/office/drawing/2014/main" xmlns="" id="{E0001BAF-FACE-D307-1D07-8A20E39EEA01}"/>
               </a:ext>
             </a:extLst>
           </p:cNvPr>
@@ -20630,7 +20640,7 @@
           <p:cNvPr id="39" name="Google Shape;100;p14">
             <a:extLst>
               <a:ext uri="{FF2B5EF4-FFF2-40B4-BE49-F238E27FC236}">
-                <a16:creationId xmlns:a16="http://schemas.microsoft.com/office/drawing/2014/main" id="{C645A3CD-E123-0AD2-7C08-708809D6E638}"/>
+                <a16:creationId xmlns:a16="http://schemas.microsoft.com/office/drawing/2014/main" xmlns="" id="{C645A3CD-E123-0AD2-7C08-708809D6E638}"/>
               </a:ext>
             </a:extLst>
           </p:cNvPr>
@@ -20675,7 +20685,7 @@
           <p:cNvPr id="3" name="等腰三角形 2">
             <a:extLst>
               <a:ext uri="{FF2B5EF4-FFF2-40B4-BE49-F238E27FC236}">
-                <a16:creationId xmlns:a16="http://schemas.microsoft.com/office/drawing/2014/main" id="{3958D119-CD60-7C80-CFD3-372C4AD8F295}"/>
+                <a16:creationId xmlns:a16="http://schemas.microsoft.com/office/drawing/2014/main" xmlns="" id="{3958D119-CD60-7C80-CFD3-372C4AD8F295}"/>
               </a:ext>
             </a:extLst>
           </p:cNvPr>
@@ -20724,7 +20734,7 @@
           <p:cNvPr id="46" name="等腰三角形 45">
             <a:extLst>
               <a:ext uri="{FF2B5EF4-FFF2-40B4-BE49-F238E27FC236}">
-                <a16:creationId xmlns:a16="http://schemas.microsoft.com/office/drawing/2014/main" id="{5C14F302-8A69-86B2-A50F-83427D1040CD}"/>
+                <a16:creationId xmlns:a16="http://schemas.microsoft.com/office/drawing/2014/main" xmlns="" id="{5C14F302-8A69-86B2-A50F-83427D1040CD}"/>
               </a:ext>
             </a:extLst>
           </p:cNvPr>
@@ -20773,7 +20783,7 @@
           <p:cNvPr id="47" name="等腰三角形 46">
             <a:extLst>
               <a:ext uri="{FF2B5EF4-FFF2-40B4-BE49-F238E27FC236}">
-                <a16:creationId xmlns:a16="http://schemas.microsoft.com/office/drawing/2014/main" id="{44104A55-FCFB-B777-5E13-988287C28FD2}"/>
+                <a16:creationId xmlns:a16="http://schemas.microsoft.com/office/drawing/2014/main" xmlns="" id="{44104A55-FCFB-B777-5E13-988287C28FD2}"/>
               </a:ext>
             </a:extLst>
           </p:cNvPr>
@@ -20822,7 +20832,7 @@
           <p:cNvPr id="48" name="等腰三角形 47">
             <a:extLst>
               <a:ext uri="{FF2B5EF4-FFF2-40B4-BE49-F238E27FC236}">
-                <a16:creationId xmlns:a16="http://schemas.microsoft.com/office/drawing/2014/main" id="{4E345FD8-5C2C-0616-0CF7-1418D66B0ABC}"/>
+                <a16:creationId xmlns:a16="http://schemas.microsoft.com/office/drawing/2014/main" xmlns="" id="{4E345FD8-5C2C-0616-0CF7-1418D66B0ABC}"/>
               </a:ext>
             </a:extLst>
           </p:cNvPr>
@@ -20871,7 +20881,7 @@
           <p:cNvPr id="49" name="等腰三角形 48">
             <a:extLst>
               <a:ext uri="{FF2B5EF4-FFF2-40B4-BE49-F238E27FC236}">
-                <a16:creationId xmlns:a16="http://schemas.microsoft.com/office/drawing/2014/main" id="{71BB4B96-7AF4-C164-AEA3-FEA62D216D12}"/>
+                <a16:creationId xmlns:a16="http://schemas.microsoft.com/office/drawing/2014/main" xmlns="" id="{71BB4B96-7AF4-C164-AEA3-FEA62D216D12}"/>
               </a:ext>
             </a:extLst>
           </p:cNvPr>
@@ -20920,7 +20930,7 @@
           <p:cNvPr id="50" name="等腰三角形 49">
             <a:extLst>
               <a:ext uri="{FF2B5EF4-FFF2-40B4-BE49-F238E27FC236}">
-                <a16:creationId xmlns:a16="http://schemas.microsoft.com/office/drawing/2014/main" id="{5190B8C1-0472-40DA-6E3E-8642A3B77B20}"/>
+                <a16:creationId xmlns:a16="http://schemas.microsoft.com/office/drawing/2014/main" xmlns="" id="{5190B8C1-0472-40DA-6E3E-8642A3B77B20}"/>
               </a:ext>
             </a:extLst>
           </p:cNvPr>
@@ -20969,7 +20979,7 @@
           <p:cNvPr id="51" name="等腰三角形 50">
             <a:extLst>
               <a:ext uri="{FF2B5EF4-FFF2-40B4-BE49-F238E27FC236}">
-                <a16:creationId xmlns:a16="http://schemas.microsoft.com/office/drawing/2014/main" id="{89F4727C-D5F0-4B4A-364B-C53427EB4EF4}"/>
+                <a16:creationId xmlns:a16="http://schemas.microsoft.com/office/drawing/2014/main" xmlns="" id="{89F4727C-D5F0-4B4A-364B-C53427EB4EF4}"/>
               </a:ext>
             </a:extLst>
           </p:cNvPr>
@@ -21018,7 +21028,7 @@
           <p:cNvPr id="52" name="等腰三角形 51">
             <a:extLst>
               <a:ext uri="{FF2B5EF4-FFF2-40B4-BE49-F238E27FC236}">
-                <a16:creationId xmlns:a16="http://schemas.microsoft.com/office/drawing/2014/main" id="{05BC28BD-C926-BEBE-1136-5FB5EE25CFB8}"/>
+                <a16:creationId xmlns:a16="http://schemas.microsoft.com/office/drawing/2014/main" xmlns="" id="{05BC28BD-C926-BEBE-1136-5FB5EE25CFB8}"/>
               </a:ext>
             </a:extLst>
           </p:cNvPr>
@@ -21107,7 +21117,7 @@
           <p:cNvPr id="2" name="标题 1">
             <a:extLst>
               <a:ext uri="{FF2B5EF4-FFF2-40B4-BE49-F238E27FC236}">
-                <a16:creationId xmlns:a16="http://schemas.microsoft.com/office/drawing/2014/main" id="{2A9B6C59-89F9-5390-BB77-F8DB7EF7B310}"/>
+                <a16:creationId xmlns:a16="http://schemas.microsoft.com/office/drawing/2014/main" xmlns="" id="{2A9B6C59-89F9-5390-BB77-F8DB7EF7B310}"/>
               </a:ext>
             </a:extLst>
           </p:cNvPr>
@@ -21182,7 +21192,7 @@
           <p:cNvPr id="2" name="标题 1">
             <a:extLst>
               <a:ext uri="{FF2B5EF4-FFF2-40B4-BE49-F238E27FC236}">
-                <a16:creationId xmlns:a16="http://schemas.microsoft.com/office/drawing/2014/main" id="{80796E82-7314-2FBE-2DE8-DDD70D4DF27E}"/>
+                <a16:creationId xmlns:a16="http://schemas.microsoft.com/office/drawing/2014/main" xmlns="" id="{80796E82-7314-2FBE-2DE8-DDD70D4DF27E}"/>
               </a:ext>
             </a:extLst>
           </p:cNvPr>
@@ -21224,7 +21234,7 @@
           <p:cNvPr id="4" name="文本框 3">
             <a:extLst>
               <a:ext uri="{FF2B5EF4-FFF2-40B4-BE49-F238E27FC236}">
-                <a16:creationId xmlns:a16="http://schemas.microsoft.com/office/drawing/2014/main" id="{3E8E8225-E7B4-E598-7AEB-66BC2EF7864E}"/>
+                <a16:creationId xmlns:a16="http://schemas.microsoft.com/office/drawing/2014/main" xmlns="" id="{3E8E8225-E7B4-E598-7AEB-66BC2EF7864E}"/>
               </a:ext>
             </a:extLst>
           </p:cNvPr>
@@ -21330,7 +21340,7 @@
           <p:cNvPr id="94" name="椭圆 93">
             <a:extLst>
               <a:ext uri="{FF2B5EF4-FFF2-40B4-BE49-F238E27FC236}">
-                <a16:creationId xmlns:a16="http://schemas.microsoft.com/office/drawing/2014/main" id="{8BEE0963-F39F-E799-5A6C-7DB2D9695EA3}"/>
+                <a16:creationId xmlns:a16="http://schemas.microsoft.com/office/drawing/2014/main" xmlns="" id="{8BEE0963-F39F-E799-5A6C-7DB2D9695EA3}"/>
               </a:ext>
             </a:extLst>
           </p:cNvPr>
@@ -21382,7 +21392,7 @@
           <p:cNvPr id="3" name="椭圆 2">
             <a:extLst>
               <a:ext uri="{FF2B5EF4-FFF2-40B4-BE49-F238E27FC236}">
-                <a16:creationId xmlns:a16="http://schemas.microsoft.com/office/drawing/2014/main" id="{012F767B-5206-A517-0D25-41845DA1D568}"/>
+                <a16:creationId xmlns:a16="http://schemas.microsoft.com/office/drawing/2014/main" xmlns="" id="{012F767B-5206-A517-0D25-41845DA1D568}"/>
               </a:ext>
             </a:extLst>
           </p:cNvPr>
@@ -21434,7 +21444,7 @@
           <p:cNvPr id="25" name="图片 24">
             <a:extLst>
               <a:ext uri="{FF2B5EF4-FFF2-40B4-BE49-F238E27FC236}">
-                <a16:creationId xmlns:a16="http://schemas.microsoft.com/office/drawing/2014/main" id="{09006F16-5378-003E-5C0E-8FF9FEC546D4}"/>
+                <a16:creationId xmlns:a16="http://schemas.microsoft.com/office/drawing/2014/main" xmlns="" id="{09006F16-5378-003E-5C0E-8FF9FEC546D4}"/>
               </a:ext>
             </a:extLst>
           </p:cNvPr>
@@ -21464,7 +21474,7 @@
           <p:cNvPr id="26" name="图片 25">
             <a:extLst>
               <a:ext uri="{FF2B5EF4-FFF2-40B4-BE49-F238E27FC236}">
-                <a16:creationId xmlns:a16="http://schemas.microsoft.com/office/drawing/2014/main" id="{2BAD37FB-EB9D-D370-2B51-8E35AAF38167}"/>
+                <a16:creationId xmlns:a16="http://schemas.microsoft.com/office/drawing/2014/main" xmlns="" id="{2BAD37FB-EB9D-D370-2B51-8E35AAF38167}"/>
               </a:ext>
             </a:extLst>
           </p:cNvPr>
@@ -21494,7 +21504,7 @@
           <p:cNvPr id="27" name="图片 26">
             <a:extLst>
               <a:ext uri="{FF2B5EF4-FFF2-40B4-BE49-F238E27FC236}">
-                <a16:creationId xmlns:a16="http://schemas.microsoft.com/office/drawing/2014/main" id="{1C0210CD-C266-B930-E638-BB546D154C74}"/>
+                <a16:creationId xmlns:a16="http://schemas.microsoft.com/office/drawing/2014/main" xmlns="" id="{1C0210CD-C266-B930-E638-BB546D154C74}"/>
               </a:ext>
             </a:extLst>
           </p:cNvPr>
@@ -21524,7 +21534,7 @@
           <p:cNvPr id="12" name="箭头: 右 11">
             <a:extLst>
               <a:ext uri="{FF2B5EF4-FFF2-40B4-BE49-F238E27FC236}">
-                <a16:creationId xmlns:a16="http://schemas.microsoft.com/office/drawing/2014/main" id="{CBE2E6AE-C4B4-960A-F745-009687CC64E1}"/>
+                <a16:creationId xmlns:a16="http://schemas.microsoft.com/office/drawing/2014/main" xmlns="" id="{CBE2E6AE-C4B4-960A-F745-009687CC64E1}"/>
               </a:ext>
             </a:extLst>
           </p:cNvPr>
@@ -21578,7 +21588,7 @@
           <p:cNvPr id="38" name="箭头: 右 37">
             <a:extLst>
               <a:ext uri="{FF2B5EF4-FFF2-40B4-BE49-F238E27FC236}">
-                <a16:creationId xmlns:a16="http://schemas.microsoft.com/office/drawing/2014/main" id="{D83C9897-8C6C-63D0-4980-561938006796}"/>
+                <a16:creationId xmlns:a16="http://schemas.microsoft.com/office/drawing/2014/main" xmlns="" id="{D83C9897-8C6C-63D0-4980-561938006796}"/>
               </a:ext>
             </a:extLst>
           </p:cNvPr>
@@ -21625,7 +21635,7 @@
           <p:cNvPr id="39" name="箭头: 右 38">
             <a:extLst>
               <a:ext uri="{FF2B5EF4-FFF2-40B4-BE49-F238E27FC236}">
-                <a16:creationId xmlns:a16="http://schemas.microsoft.com/office/drawing/2014/main" id="{7541AED3-F942-9EB8-6A5E-FD3C9A6A9741}"/>
+                <a16:creationId xmlns:a16="http://schemas.microsoft.com/office/drawing/2014/main" xmlns="" id="{7541AED3-F942-9EB8-6A5E-FD3C9A6A9741}"/>
               </a:ext>
             </a:extLst>
           </p:cNvPr>
@@ -21702,7 +21712,7 @@
           <p:cNvPr id="2" name="标题 1">
             <a:extLst>
               <a:ext uri="{FF2B5EF4-FFF2-40B4-BE49-F238E27FC236}">
-                <a16:creationId xmlns:a16="http://schemas.microsoft.com/office/drawing/2014/main" id="{80796E82-7314-2FBE-2DE8-DDD70D4DF27E}"/>
+                <a16:creationId xmlns:a16="http://schemas.microsoft.com/office/drawing/2014/main" xmlns="" id="{80796E82-7314-2FBE-2DE8-DDD70D4DF27E}"/>
               </a:ext>
             </a:extLst>
           </p:cNvPr>
@@ -21744,7 +21754,7 @@
           <p:cNvPr id="4" name="文本框 3">
             <a:extLst>
               <a:ext uri="{FF2B5EF4-FFF2-40B4-BE49-F238E27FC236}">
-                <a16:creationId xmlns:a16="http://schemas.microsoft.com/office/drawing/2014/main" id="{3E8E8225-E7B4-E598-7AEB-66BC2EF7864E}"/>
+                <a16:creationId xmlns:a16="http://schemas.microsoft.com/office/drawing/2014/main" xmlns="" id="{3E8E8225-E7B4-E598-7AEB-66BC2EF7864E}"/>
               </a:ext>
             </a:extLst>
           </p:cNvPr>
@@ -21801,7 +21811,7 @@
           <p:cNvPr id="94" name="椭圆 93">
             <a:extLst>
               <a:ext uri="{FF2B5EF4-FFF2-40B4-BE49-F238E27FC236}">
-                <a16:creationId xmlns:a16="http://schemas.microsoft.com/office/drawing/2014/main" id="{8BEE0963-F39F-E799-5A6C-7DB2D9695EA3}"/>
+                <a16:creationId xmlns:a16="http://schemas.microsoft.com/office/drawing/2014/main" xmlns="" id="{8BEE0963-F39F-E799-5A6C-7DB2D9695EA3}"/>
               </a:ext>
             </a:extLst>
           </p:cNvPr>
@@ -21853,7 +21863,7 @@
           <p:cNvPr id="3" name="椭圆 2">
             <a:extLst>
               <a:ext uri="{FF2B5EF4-FFF2-40B4-BE49-F238E27FC236}">
-                <a16:creationId xmlns:a16="http://schemas.microsoft.com/office/drawing/2014/main" id="{012F767B-5206-A517-0D25-41845DA1D568}"/>
+                <a16:creationId xmlns:a16="http://schemas.microsoft.com/office/drawing/2014/main" xmlns="" id="{012F767B-5206-A517-0D25-41845DA1D568}"/>
               </a:ext>
             </a:extLst>
           </p:cNvPr>
@@ -21905,7 +21915,7 @@
           <p:cNvPr id="13" name="椭圆 12">
             <a:extLst>
               <a:ext uri="{FF2B5EF4-FFF2-40B4-BE49-F238E27FC236}">
-                <a16:creationId xmlns:a16="http://schemas.microsoft.com/office/drawing/2014/main" id="{38B7E776-7869-C2EE-A5AD-FE07B12FAB74}"/>
+                <a16:creationId xmlns:a16="http://schemas.microsoft.com/office/drawing/2014/main" xmlns="" id="{38B7E776-7869-C2EE-A5AD-FE07B12FAB74}"/>
               </a:ext>
             </a:extLst>
           </p:cNvPr>
@@ -21961,7 +21971,7 @@
           <p:cNvPr id="14" name="椭圆 13">
             <a:extLst>
               <a:ext uri="{FF2B5EF4-FFF2-40B4-BE49-F238E27FC236}">
-                <a16:creationId xmlns:a16="http://schemas.microsoft.com/office/drawing/2014/main" id="{D8DD0DA6-117D-35B7-99A2-FF9219BEBA7A}"/>
+                <a16:creationId xmlns:a16="http://schemas.microsoft.com/office/drawing/2014/main" xmlns="" id="{D8DD0DA6-117D-35B7-99A2-FF9219BEBA7A}"/>
               </a:ext>
             </a:extLst>
           </p:cNvPr>
@@ -22021,7 +22031,7 @@
           <p:cNvPr id="15" name="椭圆 14">
             <a:extLst>
               <a:ext uri="{FF2B5EF4-FFF2-40B4-BE49-F238E27FC236}">
-                <a16:creationId xmlns:a16="http://schemas.microsoft.com/office/drawing/2014/main" id="{4473FF23-7236-BE2D-9F0F-D30171020183}"/>
+                <a16:creationId xmlns:a16="http://schemas.microsoft.com/office/drawing/2014/main" xmlns="" id="{4473FF23-7236-BE2D-9F0F-D30171020183}"/>
               </a:ext>
             </a:extLst>
           </p:cNvPr>
@@ -22081,7 +22091,7 @@
           <p:cNvPr id="16" name="椭圆 15">
             <a:extLst>
               <a:ext uri="{FF2B5EF4-FFF2-40B4-BE49-F238E27FC236}">
-                <a16:creationId xmlns:a16="http://schemas.microsoft.com/office/drawing/2014/main" id="{5B674586-3FAA-F398-D9DD-3C1412DB22B3}"/>
+                <a16:creationId xmlns:a16="http://schemas.microsoft.com/office/drawing/2014/main" xmlns="" id="{5B674586-3FAA-F398-D9DD-3C1412DB22B3}"/>
               </a:ext>
             </a:extLst>
           </p:cNvPr>
@@ -22141,7 +22151,7 @@
           <p:cNvPr id="17" name="椭圆 16">
             <a:extLst>
               <a:ext uri="{FF2B5EF4-FFF2-40B4-BE49-F238E27FC236}">
-                <a16:creationId xmlns:a16="http://schemas.microsoft.com/office/drawing/2014/main" id="{1B65CA99-0563-B4C2-F8E8-0F681E9BE5AA}"/>
+                <a16:creationId xmlns:a16="http://schemas.microsoft.com/office/drawing/2014/main" xmlns="" id="{1B65CA99-0563-B4C2-F8E8-0F681E9BE5AA}"/>
               </a:ext>
             </a:extLst>
           </p:cNvPr>
@@ -22201,7 +22211,7 @@
           <p:cNvPr id="18" name="椭圆 17">
             <a:extLst>
               <a:ext uri="{FF2B5EF4-FFF2-40B4-BE49-F238E27FC236}">
-                <a16:creationId xmlns:a16="http://schemas.microsoft.com/office/drawing/2014/main" id="{28E9B88E-5089-3E31-A173-9E6BFC411B12}"/>
+                <a16:creationId xmlns:a16="http://schemas.microsoft.com/office/drawing/2014/main" xmlns="" id="{28E9B88E-5089-3E31-A173-9E6BFC411B12}"/>
               </a:ext>
             </a:extLst>
           </p:cNvPr>
@@ -22257,7 +22267,7 @@
           <p:cNvPr id="19" name="椭圆 18">
             <a:extLst>
               <a:ext uri="{FF2B5EF4-FFF2-40B4-BE49-F238E27FC236}">
-                <a16:creationId xmlns:a16="http://schemas.microsoft.com/office/drawing/2014/main" id="{65071104-DAC5-B2F4-E32C-3E8685DC9ABB}"/>
+                <a16:creationId xmlns:a16="http://schemas.microsoft.com/office/drawing/2014/main" xmlns="" id="{65071104-DAC5-B2F4-E32C-3E8685DC9ABB}"/>
               </a:ext>
             </a:extLst>
           </p:cNvPr>
@@ -22313,7 +22323,7 @@
           <p:cNvPr id="20" name="椭圆 19">
             <a:extLst>
               <a:ext uri="{FF2B5EF4-FFF2-40B4-BE49-F238E27FC236}">
-                <a16:creationId xmlns:a16="http://schemas.microsoft.com/office/drawing/2014/main" id="{139AD470-0E68-4E4A-461B-9AC53FA9B15D}"/>
+                <a16:creationId xmlns:a16="http://schemas.microsoft.com/office/drawing/2014/main" xmlns="" id="{139AD470-0E68-4E4A-461B-9AC53FA9B15D}"/>
               </a:ext>
             </a:extLst>
           </p:cNvPr>
@@ -22399,7 +22409,7 @@
           <p:cNvPr id="21" name="图片 20">
             <a:extLst>
               <a:ext uri="{FF2B5EF4-FFF2-40B4-BE49-F238E27FC236}">
-                <a16:creationId xmlns:a16="http://schemas.microsoft.com/office/drawing/2014/main" id="{10E4E8DE-E31A-2625-3BAE-58C9DC6E1CD4}"/>
+                <a16:creationId xmlns:a16="http://schemas.microsoft.com/office/drawing/2014/main" xmlns="" id="{10E4E8DE-E31A-2625-3BAE-58C9DC6E1CD4}"/>
               </a:ext>
             </a:extLst>
           </p:cNvPr>
@@ -22429,7 +22439,7 @@
           <p:cNvPr id="23" name="图片 22">
             <a:extLst>
               <a:ext uri="{FF2B5EF4-FFF2-40B4-BE49-F238E27FC236}">
-                <a16:creationId xmlns:a16="http://schemas.microsoft.com/office/drawing/2014/main" id="{16647850-EC2C-0EB9-87DD-021513204952}"/>
+                <a16:creationId xmlns:a16="http://schemas.microsoft.com/office/drawing/2014/main" xmlns="" id="{16647850-EC2C-0EB9-87DD-021513204952}"/>
               </a:ext>
             </a:extLst>
           </p:cNvPr>
@@ -22459,7 +22469,7 @@
           <p:cNvPr id="27" name="图片 26">
             <a:extLst>
               <a:ext uri="{FF2B5EF4-FFF2-40B4-BE49-F238E27FC236}">
-                <a16:creationId xmlns:a16="http://schemas.microsoft.com/office/drawing/2014/main" id="{772A4570-CF22-2902-D9E1-D7E60C021041}"/>
+                <a16:creationId xmlns:a16="http://schemas.microsoft.com/office/drawing/2014/main" xmlns="" id="{772A4570-CF22-2902-D9E1-D7E60C021041}"/>
               </a:ext>
             </a:extLst>
           </p:cNvPr>
@@ -22489,7 +22499,7 @@
           <p:cNvPr id="29" name="图片 28">
             <a:extLst>
               <a:ext uri="{FF2B5EF4-FFF2-40B4-BE49-F238E27FC236}">
-                <a16:creationId xmlns:a16="http://schemas.microsoft.com/office/drawing/2014/main" id="{5128C50F-4299-3146-AEDE-C73B90459F44}"/>
+                <a16:creationId xmlns:a16="http://schemas.microsoft.com/office/drawing/2014/main" xmlns="" id="{5128C50F-4299-3146-AEDE-C73B90459F44}"/>
               </a:ext>
             </a:extLst>
           </p:cNvPr>
@@ -22519,7 +22529,7 @@
           <p:cNvPr id="31" name="图片 30">
             <a:extLst>
               <a:ext uri="{FF2B5EF4-FFF2-40B4-BE49-F238E27FC236}">
-                <a16:creationId xmlns:a16="http://schemas.microsoft.com/office/drawing/2014/main" id="{324F68F4-34AD-C9E9-3330-8E7CEFCD4AB8}"/>
+                <a16:creationId xmlns:a16="http://schemas.microsoft.com/office/drawing/2014/main" xmlns="" id="{324F68F4-34AD-C9E9-3330-8E7CEFCD4AB8}"/>
               </a:ext>
             </a:extLst>
           </p:cNvPr>
@@ -22549,7 +22559,7 @@
           <p:cNvPr id="33" name="图片 32">
             <a:extLst>
               <a:ext uri="{FF2B5EF4-FFF2-40B4-BE49-F238E27FC236}">
-                <a16:creationId xmlns:a16="http://schemas.microsoft.com/office/drawing/2014/main" id="{5B816CFB-BEEB-34C9-241C-39D4F80BE612}"/>
+                <a16:creationId xmlns:a16="http://schemas.microsoft.com/office/drawing/2014/main" xmlns="" id="{5B816CFB-BEEB-34C9-241C-39D4F80BE612}"/>
               </a:ext>
             </a:extLst>
           </p:cNvPr>
@@ -22579,7 +22589,7 @@
           <p:cNvPr id="35" name="图片 34">
             <a:extLst>
               <a:ext uri="{FF2B5EF4-FFF2-40B4-BE49-F238E27FC236}">
-                <a16:creationId xmlns:a16="http://schemas.microsoft.com/office/drawing/2014/main" id="{63EE9772-9831-CB1A-0402-4088D44FAAEA}"/>
+                <a16:creationId xmlns:a16="http://schemas.microsoft.com/office/drawing/2014/main" xmlns="" id="{63EE9772-9831-CB1A-0402-4088D44FAAEA}"/>
               </a:ext>
             </a:extLst>
           </p:cNvPr>
@@ -22609,7 +22619,7 @@
           <p:cNvPr id="37" name="图片 36">
             <a:extLst>
               <a:ext uri="{FF2B5EF4-FFF2-40B4-BE49-F238E27FC236}">
-                <a16:creationId xmlns:a16="http://schemas.microsoft.com/office/drawing/2014/main" id="{3BC861CE-A12C-44C5-DC11-968D86D804D5}"/>
+                <a16:creationId xmlns:a16="http://schemas.microsoft.com/office/drawing/2014/main" xmlns="" id="{3BC861CE-A12C-44C5-DC11-968D86D804D5}"/>
               </a:ext>
             </a:extLst>
           </p:cNvPr>
@@ -22669,7 +22679,7 @@
           <p:cNvPr id="2" name="标题 1">
             <a:extLst>
               <a:ext uri="{FF2B5EF4-FFF2-40B4-BE49-F238E27FC236}">
-                <a16:creationId xmlns:a16="http://schemas.microsoft.com/office/drawing/2014/main" id="{80796E82-7314-2FBE-2DE8-DDD70D4DF27E}"/>
+                <a16:creationId xmlns:a16="http://schemas.microsoft.com/office/drawing/2014/main" xmlns="" id="{80796E82-7314-2FBE-2DE8-DDD70D4DF27E}"/>
               </a:ext>
             </a:extLst>
           </p:cNvPr>
@@ -22718,7 +22728,7 @@
           <p:cNvPr id="4" name="文本框 3">
             <a:extLst>
               <a:ext uri="{FF2B5EF4-FFF2-40B4-BE49-F238E27FC236}">
-                <a16:creationId xmlns:a16="http://schemas.microsoft.com/office/drawing/2014/main" id="{3E8E8225-E7B4-E598-7AEB-66BC2EF7864E}"/>
+                <a16:creationId xmlns:a16="http://schemas.microsoft.com/office/drawing/2014/main" xmlns="" id="{3E8E8225-E7B4-E598-7AEB-66BC2EF7864E}"/>
               </a:ext>
             </a:extLst>
           </p:cNvPr>
@@ -22820,7 +22830,7 @@
           <p:cNvPr id="94" name="椭圆 93">
             <a:extLst>
               <a:ext uri="{FF2B5EF4-FFF2-40B4-BE49-F238E27FC236}">
-                <a16:creationId xmlns:a16="http://schemas.microsoft.com/office/drawing/2014/main" id="{8BEE0963-F39F-E799-5A6C-7DB2D9695EA3}"/>
+                <a16:creationId xmlns:a16="http://schemas.microsoft.com/office/drawing/2014/main" xmlns="" id="{8BEE0963-F39F-E799-5A6C-7DB2D9695EA3}"/>
               </a:ext>
             </a:extLst>
           </p:cNvPr>
@@ -22872,7 +22882,7 @@
           <p:cNvPr id="3" name="椭圆 2">
             <a:extLst>
               <a:ext uri="{FF2B5EF4-FFF2-40B4-BE49-F238E27FC236}">
-                <a16:creationId xmlns:a16="http://schemas.microsoft.com/office/drawing/2014/main" id="{012F767B-5206-A517-0D25-41845DA1D568}"/>
+                <a16:creationId xmlns:a16="http://schemas.microsoft.com/office/drawing/2014/main" xmlns="" id="{012F767B-5206-A517-0D25-41845DA1D568}"/>
               </a:ext>
             </a:extLst>
           </p:cNvPr>
@@ -22924,7 +22934,7 @@
           <p:cNvPr id="13" name="椭圆 12">
             <a:extLst>
               <a:ext uri="{FF2B5EF4-FFF2-40B4-BE49-F238E27FC236}">
-                <a16:creationId xmlns:a16="http://schemas.microsoft.com/office/drawing/2014/main" id="{38B7E776-7869-C2EE-A5AD-FE07B12FAB74}"/>
+                <a16:creationId xmlns:a16="http://schemas.microsoft.com/office/drawing/2014/main" xmlns="" id="{38B7E776-7869-C2EE-A5AD-FE07B12FAB74}"/>
               </a:ext>
             </a:extLst>
           </p:cNvPr>
@@ -22980,7 +22990,7 @@
           <p:cNvPr id="20" name="椭圆 19">
             <a:extLst>
               <a:ext uri="{FF2B5EF4-FFF2-40B4-BE49-F238E27FC236}">
-                <a16:creationId xmlns:a16="http://schemas.microsoft.com/office/drawing/2014/main" id="{139AD470-0E68-4E4A-461B-9AC53FA9B15D}"/>
+                <a16:creationId xmlns:a16="http://schemas.microsoft.com/office/drawing/2014/main" xmlns="" id="{139AD470-0E68-4E4A-461B-9AC53FA9B15D}"/>
               </a:ext>
             </a:extLst>
           </p:cNvPr>
@@ -23036,7 +23046,7 @@
           <p:cNvPr id="29" name="图片 28">
             <a:extLst>
               <a:ext uri="{FF2B5EF4-FFF2-40B4-BE49-F238E27FC236}">
-                <a16:creationId xmlns:a16="http://schemas.microsoft.com/office/drawing/2014/main" id="{37828109-D1DB-24B1-070F-6C6C2342A787}"/>
+                <a16:creationId xmlns:a16="http://schemas.microsoft.com/office/drawing/2014/main" xmlns="" id="{37828109-D1DB-24B1-070F-6C6C2342A787}"/>
               </a:ext>
             </a:extLst>
           </p:cNvPr>
@@ -23066,7 +23076,7 @@
           <p:cNvPr id="30" name="图片 29">
             <a:extLst>
               <a:ext uri="{FF2B5EF4-FFF2-40B4-BE49-F238E27FC236}">
-                <a16:creationId xmlns:a16="http://schemas.microsoft.com/office/drawing/2014/main" id="{308EB72D-0591-1F78-12FC-CD798BD7E73D}"/>
+                <a16:creationId xmlns:a16="http://schemas.microsoft.com/office/drawing/2014/main" xmlns="" id="{308EB72D-0591-1F78-12FC-CD798BD7E73D}"/>
               </a:ext>
             </a:extLst>
           </p:cNvPr>
@@ -23096,7 +23106,7 @@
           <p:cNvPr id="31" name="图片 30">
             <a:extLst>
               <a:ext uri="{FF2B5EF4-FFF2-40B4-BE49-F238E27FC236}">
-                <a16:creationId xmlns:a16="http://schemas.microsoft.com/office/drawing/2014/main" id="{07F4B817-9FB7-F356-BFC2-674680D05075}"/>
+                <a16:creationId xmlns:a16="http://schemas.microsoft.com/office/drawing/2014/main" xmlns="" id="{07F4B817-9FB7-F356-BFC2-674680D05075}"/>
               </a:ext>
             </a:extLst>
           </p:cNvPr>
@@ -23126,7 +23136,7 @@
           <p:cNvPr id="32" name="图片 31">
             <a:extLst>
               <a:ext uri="{FF2B5EF4-FFF2-40B4-BE49-F238E27FC236}">
-                <a16:creationId xmlns:a16="http://schemas.microsoft.com/office/drawing/2014/main" id="{6AD0DB1A-3123-D4EB-783F-2A1EBF1F865D}"/>
+                <a16:creationId xmlns:a16="http://schemas.microsoft.com/office/drawing/2014/main" xmlns="" id="{6AD0DB1A-3123-D4EB-783F-2A1EBF1F865D}"/>
               </a:ext>
             </a:extLst>
           </p:cNvPr>
@@ -23156,7 +23166,7 @@
           <p:cNvPr id="33" name="图片 32">
             <a:extLst>
               <a:ext uri="{FF2B5EF4-FFF2-40B4-BE49-F238E27FC236}">
-                <a16:creationId xmlns:a16="http://schemas.microsoft.com/office/drawing/2014/main" id="{6EA6B283-FA33-8B5F-19D9-23C22512D6A2}"/>
+                <a16:creationId xmlns:a16="http://schemas.microsoft.com/office/drawing/2014/main" xmlns="" id="{6EA6B283-FA33-8B5F-19D9-23C22512D6A2}"/>
               </a:ext>
             </a:extLst>
           </p:cNvPr>
@@ -23186,7 +23196,7 @@
           <p:cNvPr id="34" name="图片 33">
             <a:extLst>
               <a:ext uri="{FF2B5EF4-FFF2-40B4-BE49-F238E27FC236}">
-                <a16:creationId xmlns:a16="http://schemas.microsoft.com/office/drawing/2014/main" id="{A7CC21E1-7467-1ACF-2ED7-68959584D6DF}"/>
+                <a16:creationId xmlns:a16="http://schemas.microsoft.com/office/drawing/2014/main" xmlns="" id="{A7CC21E1-7467-1ACF-2ED7-68959584D6DF}"/>
               </a:ext>
             </a:extLst>
           </p:cNvPr>
@@ -23216,7 +23226,7 @@
           <p:cNvPr id="35" name="图片 34">
             <a:extLst>
               <a:ext uri="{FF2B5EF4-FFF2-40B4-BE49-F238E27FC236}">
-                <a16:creationId xmlns:a16="http://schemas.microsoft.com/office/drawing/2014/main" id="{4FD1822D-6EF2-CCB1-76AC-A770762EDBFB}"/>
+                <a16:creationId xmlns:a16="http://schemas.microsoft.com/office/drawing/2014/main" xmlns="" id="{4FD1822D-6EF2-CCB1-76AC-A770762EDBFB}"/>
               </a:ext>
             </a:extLst>
           </p:cNvPr>
@@ -23246,7 +23256,7 @@
           <p:cNvPr id="36" name="图片 35">
             <a:extLst>
               <a:ext uri="{FF2B5EF4-FFF2-40B4-BE49-F238E27FC236}">
-                <a16:creationId xmlns:a16="http://schemas.microsoft.com/office/drawing/2014/main" id="{9E02D9AC-14F1-BAD2-3488-0805428D78DE}"/>
+                <a16:creationId xmlns:a16="http://schemas.microsoft.com/office/drawing/2014/main" xmlns="" id="{9E02D9AC-14F1-BAD2-3488-0805428D78DE}"/>
               </a:ext>
             </a:extLst>
           </p:cNvPr>
@@ -23276,7 +23286,7 @@
           <p:cNvPr id="39" name="箭头: 右 38">
             <a:extLst>
               <a:ext uri="{FF2B5EF4-FFF2-40B4-BE49-F238E27FC236}">
-                <a16:creationId xmlns:a16="http://schemas.microsoft.com/office/drawing/2014/main" id="{E96F8D33-A9BF-94AC-B64B-D6CB8722BEEB}"/>
+                <a16:creationId xmlns:a16="http://schemas.microsoft.com/office/drawing/2014/main" xmlns="" id="{E96F8D33-A9BF-94AC-B64B-D6CB8722BEEB}"/>
               </a:ext>
             </a:extLst>
           </p:cNvPr>
@@ -23328,7 +23338,7 @@
           <p:cNvPr id="40" name="箭头: 右 39">
             <a:extLst>
               <a:ext uri="{FF2B5EF4-FFF2-40B4-BE49-F238E27FC236}">
-                <a16:creationId xmlns:a16="http://schemas.microsoft.com/office/drawing/2014/main" id="{9C2A8819-B668-0107-BB7F-64E2A52819BC}"/>
+                <a16:creationId xmlns:a16="http://schemas.microsoft.com/office/drawing/2014/main" xmlns="" id="{9C2A8819-B668-0107-BB7F-64E2A52819BC}"/>
               </a:ext>
             </a:extLst>
           </p:cNvPr>
@@ -23410,7 +23420,7 @@
           <p:cNvPr id="2" name="标题 1">
             <a:extLst>
               <a:ext uri="{FF2B5EF4-FFF2-40B4-BE49-F238E27FC236}">
-                <a16:creationId xmlns:a16="http://schemas.microsoft.com/office/drawing/2014/main" id="{80796E82-7314-2FBE-2DE8-DDD70D4DF27E}"/>
+                <a16:creationId xmlns:a16="http://schemas.microsoft.com/office/drawing/2014/main" xmlns="" id="{80796E82-7314-2FBE-2DE8-DDD70D4DF27E}"/>
               </a:ext>
             </a:extLst>
           </p:cNvPr>
@@ -23459,7 +23469,7 @@
           <p:cNvPr id="4" name="文本框 3">
             <a:extLst>
               <a:ext uri="{FF2B5EF4-FFF2-40B4-BE49-F238E27FC236}">
-                <a16:creationId xmlns:a16="http://schemas.microsoft.com/office/drawing/2014/main" id="{3E8E8225-E7B4-E598-7AEB-66BC2EF7864E}"/>
+                <a16:creationId xmlns:a16="http://schemas.microsoft.com/office/drawing/2014/main" xmlns="" id="{3E8E8225-E7B4-E598-7AEB-66BC2EF7864E}"/>
               </a:ext>
             </a:extLst>
           </p:cNvPr>
@@ -23553,7 +23563,7 @@
           <p:cNvPr id="94" name="椭圆 93">
             <a:extLst>
               <a:ext uri="{FF2B5EF4-FFF2-40B4-BE49-F238E27FC236}">
-                <a16:creationId xmlns:a16="http://schemas.microsoft.com/office/drawing/2014/main" id="{8BEE0963-F39F-E799-5A6C-7DB2D9695EA3}"/>
+                <a16:creationId xmlns:a16="http://schemas.microsoft.com/office/drawing/2014/main" xmlns="" id="{8BEE0963-F39F-E799-5A6C-7DB2D9695EA3}"/>
               </a:ext>
             </a:extLst>
           </p:cNvPr>
@@ -23605,7 +23615,7 @@
           <p:cNvPr id="3" name="椭圆 2">
             <a:extLst>
               <a:ext uri="{FF2B5EF4-FFF2-40B4-BE49-F238E27FC236}">
-                <a16:creationId xmlns:a16="http://schemas.microsoft.com/office/drawing/2014/main" id="{012F767B-5206-A517-0D25-41845DA1D568}"/>
+                <a16:creationId xmlns:a16="http://schemas.microsoft.com/office/drawing/2014/main" xmlns="" id="{012F767B-5206-A517-0D25-41845DA1D568}"/>
               </a:ext>
             </a:extLst>
           </p:cNvPr>
@@ -23657,7 +23667,7 @@
           <p:cNvPr id="18" name="椭圆 17">
             <a:extLst>
               <a:ext uri="{FF2B5EF4-FFF2-40B4-BE49-F238E27FC236}">
-                <a16:creationId xmlns:a16="http://schemas.microsoft.com/office/drawing/2014/main" id="{4B33E43D-6830-FFA6-F0D9-FE3548A9AEEB}"/>
+                <a16:creationId xmlns:a16="http://schemas.microsoft.com/office/drawing/2014/main" xmlns="" id="{4B33E43D-6830-FFA6-F0D9-FE3548A9AEEB}"/>
               </a:ext>
             </a:extLst>
           </p:cNvPr>
@@ -23717,7 +23727,7 @@
           <p:cNvPr id="19" name="椭圆 18">
             <a:extLst>
               <a:ext uri="{FF2B5EF4-FFF2-40B4-BE49-F238E27FC236}">
-                <a16:creationId xmlns:a16="http://schemas.microsoft.com/office/drawing/2014/main" id="{C1D855FC-C9AF-91CE-40B0-D44AA72FE829}"/>
+                <a16:creationId xmlns:a16="http://schemas.microsoft.com/office/drawing/2014/main" xmlns="" id="{C1D855FC-C9AF-91CE-40B0-D44AA72FE829}"/>
               </a:ext>
             </a:extLst>
           </p:cNvPr>
@@ -23777,7 +23787,7 @@
           <p:cNvPr id="29" name="图片 28">
             <a:extLst>
               <a:ext uri="{FF2B5EF4-FFF2-40B4-BE49-F238E27FC236}">
-                <a16:creationId xmlns:a16="http://schemas.microsoft.com/office/drawing/2014/main" id="{37828109-D1DB-24B1-070F-6C6C2342A787}"/>
+                <a16:creationId xmlns:a16="http://schemas.microsoft.com/office/drawing/2014/main" xmlns="" id="{37828109-D1DB-24B1-070F-6C6C2342A787}"/>
               </a:ext>
             </a:extLst>
           </p:cNvPr>
@@ -23807,7 +23817,7 @@
           <p:cNvPr id="30" name="图片 29">
             <a:extLst>
               <a:ext uri="{FF2B5EF4-FFF2-40B4-BE49-F238E27FC236}">
-                <a16:creationId xmlns:a16="http://schemas.microsoft.com/office/drawing/2014/main" id="{308EB72D-0591-1F78-12FC-CD798BD7E73D}"/>
+                <a16:creationId xmlns:a16="http://schemas.microsoft.com/office/drawing/2014/main" xmlns="" id="{308EB72D-0591-1F78-12FC-CD798BD7E73D}"/>
               </a:ext>
             </a:extLst>
           </p:cNvPr>
@@ -23837,7 +23847,7 @@
           <p:cNvPr id="31" name="图片 30">
             <a:extLst>
               <a:ext uri="{FF2B5EF4-FFF2-40B4-BE49-F238E27FC236}">
-                <a16:creationId xmlns:a16="http://schemas.microsoft.com/office/drawing/2014/main" id="{07F4B817-9FB7-F356-BFC2-674680D05075}"/>
+                <a16:creationId xmlns:a16="http://schemas.microsoft.com/office/drawing/2014/main" xmlns="" id="{07F4B817-9FB7-F356-BFC2-674680D05075}"/>
               </a:ext>
             </a:extLst>
           </p:cNvPr>
@@ -23867,7 +23877,7 @@
           <p:cNvPr id="32" name="图片 31">
             <a:extLst>
               <a:ext uri="{FF2B5EF4-FFF2-40B4-BE49-F238E27FC236}">
-                <a16:creationId xmlns:a16="http://schemas.microsoft.com/office/drawing/2014/main" id="{6AD0DB1A-3123-D4EB-783F-2A1EBF1F865D}"/>
+                <a16:creationId xmlns:a16="http://schemas.microsoft.com/office/drawing/2014/main" xmlns="" id="{6AD0DB1A-3123-D4EB-783F-2A1EBF1F865D}"/>
               </a:ext>
             </a:extLst>
           </p:cNvPr>
@@ -23897,7 +23907,7 @@
           <p:cNvPr id="33" name="图片 32">
             <a:extLst>
               <a:ext uri="{FF2B5EF4-FFF2-40B4-BE49-F238E27FC236}">
-                <a16:creationId xmlns:a16="http://schemas.microsoft.com/office/drawing/2014/main" id="{6EA6B283-FA33-8B5F-19D9-23C22512D6A2}"/>
+                <a16:creationId xmlns:a16="http://schemas.microsoft.com/office/drawing/2014/main" xmlns="" id="{6EA6B283-FA33-8B5F-19D9-23C22512D6A2}"/>
               </a:ext>
             </a:extLst>
           </p:cNvPr>
@@ -23927,7 +23937,7 @@
           <p:cNvPr id="34" name="图片 33">
             <a:extLst>
               <a:ext uri="{FF2B5EF4-FFF2-40B4-BE49-F238E27FC236}">
-                <a16:creationId xmlns:a16="http://schemas.microsoft.com/office/drawing/2014/main" id="{A7CC21E1-7467-1ACF-2ED7-68959584D6DF}"/>
+                <a16:creationId xmlns:a16="http://schemas.microsoft.com/office/drawing/2014/main" xmlns="" id="{A7CC21E1-7467-1ACF-2ED7-68959584D6DF}"/>
               </a:ext>
             </a:extLst>
           </p:cNvPr>
@@ -23957,7 +23967,7 @@
           <p:cNvPr id="35" name="图片 34">
             <a:extLst>
               <a:ext uri="{FF2B5EF4-FFF2-40B4-BE49-F238E27FC236}">
-                <a16:creationId xmlns:a16="http://schemas.microsoft.com/office/drawing/2014/main" id="{4FD1822D-6EF2-CCB1-76AC-A770762EDBFB}"/>
+                <a16:creationId xmlns:a16="http://schemas.microsoft.com/office/drawing/2014/main" xmlns="" id="{4FD1822D-6EF2-CCB1-76AC-A770762EDBFB}"/>
               </a:ext>
             </a:extLst>
           </p:cNvPr>
@@ -23987,7 +23997,7 @@
           <p:cNvPr id="36" name="图片 35">
             <a:extLst>
               <a:ext uri="{FF2B5EF4-FFF2-40B4-BE49-F238E27FC236}">
-                <a16:creationId xmlns:a16="http://schemas.microsoft.com/office/drawing/2014/main" id="{9E02D9AC-14F1-BAD2-3488-0805428D78DE}"/>
+                <a16:creationId xmlns:a16="http://schemas.microsoft.com/office/drawing/2014/main" xmlns="" id="{9E02D9AC-14F1-BAD2-3488-0805428D78DE}"/>
               </a:ext>
             </a:extLst>
           </p:cNvPr>
@@ -24017,7 +24027,7 @@
           <p:cNvPr id="21" name="箭头: 右 20">
             <a:extLst>
               <a:ext uri="{FF2B5EF4-FFF2-40B4-BE49-F238E27FC236}">
-                <a16:creationId xmlns:a16="http://schemas.microsoft.com/office/drawing/2014/main" id="{712099D5-D46D-2313-85E7-AA26A729A7DC}"/>
+                <a16:creationId xmlns:a16="http://schemas.microsoft.com/office/drawing/2014/main" xmlns="" id="{712099D5-D46D-2313-85E7-AA26A729A7DC}"/>
               </a:ext>
             </a:extLst>
           </p:cNvPr>
@@ -24069,7 +24079,7 @@
           <p:cNvPr id="22" name="箭头: 右 21">
             <a:extLst>
               <a:ext uri="{FF2B5EF4-FFF2-40B4-BE49-F238E27FC236}">
-                <a16:creationId xmlns:a16="http://schemas.microsoft.com/office/drawing/2014/main" id="{1919A2B7-D3C5-A1AD-8659-FD3B9646534B}"/>
+                <a16:creationId xmlns:a16="http://schemas.microsoft.com/office/drawing/2014/main" xmlns="" id="{1919A2B7-D3C5-A1AD-8659-FD3B9646534B}"/>
               </a:ext>
             </a:extLst>
           </p:cNvPr>
@@ -24151,7 +24161,7 @@
           <p:cNvPr id="2" name="标题 1">
             <a:extLst>
               <a:ext uri="{FF2B5EF4-FFF2-40B4-BE49-F238E27FC236}">
-                <a16:creationId xmlns:a16="http://schemas.microsoft.com/office/drawing/2014/main" id="{80796E82-7314-2FBE-2DE8-DDD70D4DF27E}"/>
+                <a16:creationId xmlns:a16="http://schemas.microsoft.com/office/drawing/2014/main" xmlns="" id="{80796E82-7314-2FBE-2DE8-DDD70D4DF27E}"/>
               </a:ext>
             </a:extLst>
           </p:cNvPr>
@@ -24200,7 +24210,7 @@
           <p:cNvPr id="4" name="文本框 3">
             <a:extLst>
               <a:ext uri="{FF2B5EF4-FFF2-40B4-BE49-F238E27FC236}">
-                <a16:creationId xmlns:a16="http://schemas.microsoft.com/office/drawing/2014/main" id="{3E8E8225-E7B4-E598-7AEB-66BC2EF7864E}"/>
+                <a16:creationId xmlns:a16="http://schemas.microsoft.com/office/drawing/2014/main" xmlns="" id="{3E8E8225-E7B4-E598-7AEB-66BC2EF7864E}"/>
               </a:ext>
             </a:extLst>
           </p:cNvPr>
@@ -24294,7 +24304,7 @@
           <p:cNvPr id="94" name="椭圆 93">
             <a:extLst>
               <a:ext uri="{FF2B5EF4-FFF2-40B4-BE49-F238E27FC236}">
-                <a16:creationId xmlns:a16="http://schemas.microsoft.com/office/drawing/2014/main" id="{8BEE0963-F39F-E799-5A6C-7DB2D9695EA3}"/>
+                <a16:creationId xmlns:a16="http://schemas.microsoft.com/office/drawing/2014/main" xmlns="" id="{8BEE0963-F39F-E799-5A6C-7DB2D9695EA3}"/>
               </a:ext>
             </a:extLst>
           </p:cNvPr>
@@ -24346,7 +24356,7 @@
           <p:cNvPr id="3" name="椭圆 2">
             <a:extLst>
               <a:ext uri="{FF2B5EF4-FFF2-40B4-BE49-F238E27FC236}">
-                <a16:creationId xmlns:a16="http://schemas.microsoft.com/office/drawing/2014/main" id="{012F767B-5206-A517-0D25-41845DA1D568}"/>
+                <a16:creationId xmlns:a16="http://schemas.microsoft.com/office/drawing/2014/main" xmlns="" id="{012F767B-5206-A517-0D25-41845DA1D568}"/>
               </a:ext>
             </a:extLst>
           </p:cNvPr>
@@ -24398,7 +24408,7 @@
           <p:cNvPr id="21" name="箭头: 右 20">
             <a:extLst>
               <a:ext uri="{FF2B5EF4-FFF2-40B4-BE49-F238E27FC236}">
-                <a16:creationId xmlns:a16="http://schemas.microsoft.com/office/drawing/2014/main" id="{712099D5-D46D-2313-85E7-AA26A729A7DC}"/>
+                <a16:creationId xmlns:a16="http://schemas.microsoft.com/office/drawing/2014/main" xmlns="" id="{712099D5-D46D-2313-85E7-AA26A729A7DC}"/>
               </a:ext>
             </a:extLst>
           </p:cNvPr>
@@ -24450,7 +24460,7 @@
           <p:cNvPr id="22" name="箭头: 右 21">
             <a:extLst>
               <a:ext uri="{FF2B5EF4-FFF2-40B4-BE49-F238E27FC236}">
-                <a16:creationId xmlns:a16="http://schemas.microsoft.com/office/drawing/2014/main" id="{1919A2B7-D3C5-A1AD-8659-FD3B9646534B}"/>
+                <a16:creationId xmlns:a16="http://schemas.microsoft.com/office/drawing/2014/main" xmlns="" id="{1919A2B7-D3C5-A1AD-8659-FD3B9646534B}"/>
               </a:ext>
             </a:extLst>
           </p:cNvPr>
@@ -24502,7 +24512,7 @@
           <p:cNvPr id="20" name="椭圆 19">
             <a:extLst>
               <a:ext uri="{FF2B5EF4-FFF2-40B4-BE49-F238E27FC236}">
-                <a16:creationId xmlns:a16="http://schemas.microsoft.com/office/drawing/2014/main" id="{71FC337B-6083-D7E5-BB6D-172C403FA83F}"/>
+                <a16:creationId xmlns:a16="http://schemas.microsoft.com/office/drawing/2014/main" xmlns="" id="{71FC337B-6083-D7E5-BB6D-172C403FA83F}"/>
               </a:ext>
             </a:extLst>
           </p:cNvPr>
@@ -24558,7 +24568,7 @@
           <p:cNvPr id="23" name="椭圆 22">
             <a:extLst>
               <a:ext uri="{FF2B5EF4-FFF2-40B4-BE49-F238E27FC236}">
-                <a16:creationId xmlns:a16="http://schemas.microsoft.com/office/drawing/2014/main" id="{42806F08-B73F-5A19-8F02-2707349F41F2}"/>
+                <a16:creationId xmlns:a16="http://schemas.microsoft.com/office/drawing/2014/main" xmlns="" id="{42806F08-B73F-5A19-8F02-2707349F41F2}"/>
               </a:ext>
             </a:extLst>
           </p:cNvPr>
@@ -24614,7 +24624,7 @@
           <p:cNvPr id="29" name="图片 28">
             <a:extLst>
               <a:ext uri="{FF2B5EF4-FFF2-40B4-BE49-F238E27FC236}">
-                <a16:creationId xmlns:a16="http://schemas.microsoft.com/office/drawing/2014/main" id="{37828109-D1DB-24B1-070F-6C6C2342A787}"/>
+                <a16:creationId xmlns:a16="http://schemas.microsoft.com/office/drawing/2014/main" xmlns="" id="{37828109-D1DB-24B1-070F-6C6C2342A787}"/>
               </a:ext>
             </a:extLst>
           </p:cNvPr>
@@ -24644,7 +24654,7 @@
           <p:cNvPr id="30" name="图片 29">
             <a:extLst>
               <a:ext uri="{FF2B5EF4-FFF2-40B4-BE49-F238E27FC236}">
-                <a16:creationId xmlns:a16="http://schemas.microsoft.com/office/drawing/2014/main" id="{308EB72D-0591-1F78-12FC-CD798BD7E73D}"/>
+                <a16:creationId xmlns:a16="http://schemas.microsoft.com/office/drawing/2014/main" xmlns="" id="{308EB72D-0591-1F78-12FC-CD798BD7E73D}"/>
               </a:ext>
             </a:extLst>
           </p:cNvPr>
@@ -24674,7 +24684,7 @@
           <p:cNvPr id="31" name="图片 30">
             <a:extLst>
               <a:ext uri="{FF2B5EF4-FFF2-40B4-BE49-F238E27FC236}">
-                <a16:creationId xmlns:a16="http://schemas.microsoft.com/office/drawing/2014/main" id="{07F4B817-9FB7-F356-BFC2-674680D05075}"/>
+                <a16:creationId xmlns:a16="http://schemas.microsoft.com/office/drawing/2014/main" xmlns="" id="{07F4B817-9FB7-F356-BFC2-674680D05075}"/>
               </a:ext>
             </a:extLst>
           </p:cNvPr>
@@ -24704,7 +24714,7 @@
           <p:cNvPr id="32" name="图片 31">
             <a:extLst>
               <a:ext uri="{FF2B5EF4-FFF2-40B4-BE49-F238E27FC236}">
-                <a16:creationId xmlns:a16="http://schemas.microsoft.com/office/drawing/2014/main" id="{6AD0DB1A-3123-D4EB-783F-2A1EBF1F865D}"/>
+                <a16:creationId xmlns:a16="http://schemas.microsoft.com/office/drawing/2014/main" xmlns="" id="{6AD0DB1A-3123-D4EB-783F-2A1EBF1F865D}"/>
               </a:ext>
             </a:extLst>
           </p:cNvPr>
@@ -24734,7 +24744,7 @@
           <p:cNvPr id="33" name="图片 32">
             <a:extLst>
               <a:ext uri="{FF2B5EF4-FFF2-40B4-BE49-F238E27FC236}">
-                <a16:creationId xmlns:a16="http://schemas.microsoft.com/office/drawing/2014/main" id="{6EA6B283-FA33-8B5F-19D9-23C22512D6A2}"/>
+                <a16:creationId xmlns:a16="http://schemas.microsoft.com/office/drawing/2014/main" xmlns="" id="{6EA6B283-FA33-8B5F-19D9-23C22512D6A2}"/>
               </a:ext>
             </a:extLst>
           </p:cNvPr>
@@ -24764,7 +24774,7 @@
           <p:cNvPr id="34" name="图片 33">
             <a:extLst>
               <a:ext uri="{FF2B5EF4-FFF2-40B4-BE49-F238E27FC236}">
-                <a16:creationId xmlns:a16="http://schemas.microsoft.com/office/drawing/2014/main" id="{A7CC21E1-7467-1ACF-2ED7-68959584D6DF}"/>
+                <a16:creationId xmlns:a16="http://schemas.microsoft.com/office/drawing/2014/main" xmlns="" id="{A7CC21E1-7467-1ACF-2ED7-68959584D6DF}"/>
               </a:ext>
             </a:extLst>
           </p:cNvPr>
@@ -24794,7 +24804,7 @@
           <p:cNvPr id="35" name="图片 34">
             <a:extLst>
               <a:ext uri="{FF2B5EF4-FFF2-40B4-BE49-F238E27FC236}">
-                <a16:creationId xmlns:a16="http://schemas.microsoft.com/office/drawing/2014/main" id="{4FD1822D-6EF2-CCB1-76AC-A770762EDBFB}"/>
+                <a16:creationId xmlns:a16="http://schemas.microsoft.com/office/drawing/2014/main" xmlns="" id="{4FD1822D-6EF2-CCB1-76AC-A770762EDBFB}"/>
               </a:ext>
             </a:extLst>
           </p:cNvPr>
@@ -24824,7 +24834,7 @@
           <p:cNvPr id="36" name="图片 35">
             <a:extLst>
               <a:ext uri="{FF2B5EF4-FFF2-40B4-BE49-F238E27FC236}">
-                <a16:creationId xmlns:a16="http://schemas.microsoft.com/office/drawing/2014/main" id="{9E02D9AC-14F1-BAD2-3488-0805428D78DE}"/>
+                <a16:creationId xmlns:a16="http://schemas.microsoft.com/office/drawing/2014/main" xmlns="" id="{9E02D9AC-14F1-BAD2-3488-0805428D78DE}"/>
               </a:ext>
             </a:extLst>
           </p:cNvPr>
@@ -24884,7 +24894,7 @@
           <p:cNvPr id="2" name="标题 1">
             <a:extLst>
               <a:ext uri="{FF2B5EF4-FFF2-40B4-BE49-F238E27FC236}">
-                <a16:creationId xmlns:a16="http://schemas.microsoft.com/office/drawing/2014/main" id="{80796E82-7314-2FBE-2DE8-DDD70D4DF27E}"/>
+                <a16:creationId xmlns:a16="http://schemas.microsoft.com/office/drawing/2014/main" xmlns="" id="{80796E82-7314-2FBE-2DE8-DDD70D4DF27E}"/>
               </a:ext>
             </a:extLst>
           </p:cNvPr>
@@ -24933,7 +24943,7 @@
           <p:cNvPr id="4" name="文本框 3">
             <a:extLst>
               <a:ext uri="{FF2B5EF4-FFF2-40B4-BE49-F238E27FC236}">
-                <a16:creationId xmlns:a16="http://schemas.microsoft.com/office/drawing/2014/main" id="{3E8E8225-E7B4-E598-7AEB-66BC2EF7864E}"/>
+                <a16:creationId xmlns:a16="http://schemas.microsoft.com/office/drawing/2014/main" xmlns="" id="{3E8E8225-E7B4-E598-7AEB-66BC2EF7864E}"/>
               </a:ext>
             </a:extLst>
           </p:cNvPr>
@@ -25027,7 +25037,7 @@
           <p:cNvPr id="94" name="椭圆 93">
             <a:extLst>
               <a:ext uri="{FF2B5EF4-FFF2-40B4-BE49-F238E27FC236}">
-                <a16:creationId xmlns:a16="http://schemas.microsoft.com/office/drawing/2014/main" id="{8BEE0963-F39F-E799-5A6C-7DB2D9695EA3}"/>
+                <a16:creationId xmlns:a16="http://schemas.microsoft.com/office/drawing/2014/main" xmlns="" id="{8BEE0963-F39F-E799-5A6C-7DB2D9695EA3}"/>
               </a:ext>
             </a:extLst>
           </p:cNvPr>
@@ -25079,7 +25089,7 @@
           <p:cNvPr id="3" name="椭圆 2">
             <a:extLst>
               <a:ext uri="{FF2B5EF4-FFF2-40B4-BE49-F238E27FC236}">
-                <a16:creationId xmlns:a16="http://schemas.microsoft.com/office/drawing/2014/main" id="{012F767B-5206-A517-0D25-41845DA1D568}"/>
+                <a16:creationId xmlns:a16="http://schemas.microsoft.com/office/drawing/2014/main" xmlns="" id="{012F767B-5206-A517-0D25-41845DA1D568}"/>
               </a:ext>
             </a:extLst>
           </p:cNvPr>
@@ -25131,7 +25141,7 @@
           <p:cNvPr id="21" name="箭头: 右 20">
             <a:extLst>
               <a:ext uri="{FF2B5EF4-FFF2-40B4-BE49-F238E27FC236}">
-                <a16:creationId xmlns:a16="http://schemas.microsoft.com/office/drawing/2014/main" id="{712099D5-D46D-2313-85E7-AA26A729A7DC}"/>
+                <a16:creationId xmlns:a16="http://schemas.microsoft.com/office/drawing/2014/main" xmlns="" id="{712099D5-D46D-2313-85E7-AA26A729A7DC}"/>
               </a:ext>
             </a:extLst>
           </p:cNvPr>
@@ -25183,7 +25193,7 @@
           <p:cNvPr id="22" name="箭头: 右 21">
             <a:extLst>
               <a:ext uri="{FF2B5EF4-FFF2-40B4-BE49-F238E27FC236}">
-                <a16:creationId xmlns:a16="http://schemas.microsoft.com/office/drawing/2014/main" id="{1919A2B7-D3C5-A1AD-8659-FD3B9646534B}"/>
+                <a16:creationId xmlns:a16="http://schemas.microsoft.com/office/drawing/2014/main" xmlns="" id="{1919A2B7-D3C5-A1AD-8659-FD3B9646534B}"/>
               </a:ext>
             </a:extLst>
           </p:cNvPr>
@@ -25235,7 +25245,7 @@
           <p:cNvPr id="18" name="椭圆 17">
             <a:extLst>
               <a:ext uri="{FF2B5EF4-FFF2-40B4-BE49-F238E27FC236}">
-                <a16:creationId xmlns:a16="http://schemas.microsoft.com/office/drawing/2014/main" id="{F5A322F2-5817-3D48-1EC0-F4CD8343BB96}"/>
+                <a16:creationId xmlns:a16="http://schemas.microsoft.com/office/drawing/2014/main" xmlns="" id="{F5A322F2-5817-3D48-1EC0-F4CD8343BB96}"/>
               </a:ext>
             </a:extLst>
           </p:cNvPr>
@@ -25295,7 +25305,7 @@
           <p:cNvPr id="19" name="椭圆 18">
             <a:extLst>
               <a:ext uri="{FF2B5EF4-FFF2-40B4-BE49-F238E27FC236}">
-                <a16:creationId xmlns:a16="http://schemas.microsoft.com/office/drawing/2014/main" id="{7B553A98-99DD-ADE7-8F2C-82946FDF4A0F}"/>
+                <a16:creationId xmlns:a16="http://schemas.microsoft.com/office/drawing/2014/main" xmlns="" id="{7B553A98-99DD-ADE7-8F2C-82946FDF4A0F}"/>
               </a:ext>
             </a:extLst>
           </p:cNvPr>
@@ -25355,7 +25365,7 @@
           <p:cNvPr id="29" name="图片 28">
             <a:extLst>
               <a:ext uri="{FF2B5EF4-FFF2-40B4-BE49-F238E27FC236}">
-                <a16:creationId xmlns:a16="http://schemas.microsoft.com/office/drawing/2014/main" id="{37828109-D1DB-24B1-070F-6C6C2342A787}"/>
+                <a16:creationId xmlns:a16="http://schemas.microsoft.com/office/drawing/2014/main" xmlns="" id="{37828109-D1DB-24B1-070F-6C6C2342A787}"/>
               </a:ext>
             </a:extLst>
           </p:cNvPr>
@@ -25385,7 +25395,7 @@
           <p:cNvPr id="30" name="图片 29">
             <a:extLst>
               <a:ext uri="{FF2B5EF4-FFF2-40B4-BE49-F238E27FC236}">
-                <a16:creationId xmlns:a16="http://schemas.microsoft.com/office/drawing/2014/main" id="{308EB72D-0591-1F78-12FC-CD798BD7E73D}"/>
+                <a16:creationId xmlns:a16="http://schemas.microsoft.com/office/drawing/2014/main" xmlns="" id="{308EB72D-0591-1F78-12FC-CD798BD7E73D}"/>
               </a:ext>
             </a:extLst>
           </p:cNvPr>
@@ -25415,7 +25425,7 @@
           <p:cNvPr id="31" name="图片 30">
             <a:extLst>
               <a:ext uri="{FF2B5EF4-FFF2-40B4-BE49-F238E27FC236}">
-                <a16:creationId xmlns:a16="http://schemas.microsoft.com/office/drawing/2014/main" id="{07F4B817-9FB7-F356-BFC2-674680D05075}"/>
+                <a16:creationId xmlns:a16="http://schemas.microsoft.com/office/drawing/2014/main" xmlns="" id="{07F4B817-9FB7-F356-BFC2-674680D05075}"/>
               </a:ext>
             </a:extLst>
           </p:cNvPr>
@@ -25445,7 +25455,7 @@
           <p:cNvPr id="32" name="图片 31">
             <a:extLst>
               <a:ext uri="{FF2B5EF4-FFF2-40B4-BE49-F238E27FC236}">
-                <a16:creationId xmlns:a16="http://schemas.microsoft.com/office/drawing/2014/main" id="{6AD0DB1A-3123-D4EB-783F-2A1EBF1F865D}"/>
+                <a16:creationId xmlns:a16="http://schemas.microsoft.com/office/drawing/2014/main" xmlns="" id="{6AD0DB1A-3123-D4EB-783F-2A1EBF1F865D}"/>
               </a:ext>
             </a:extLst>
           </p:cNvPr>
@@ -25475,7 +25485,7 @@
           <p:cNvPr id="33" name="图片 32">
             <a:extLst>
               <a:ext uri="{FF2B5EF4-FFF2-40B4-BE49-F238E27FC236}">
-                <a16:creationId xmlns:a16="http://schemas.microsoft.com/office/drawing/2014/main" id="{6EA6B283-FA33-8B5F-19D9-23C22512D6A2}"/>
+                <a16:creationId xmlns:a16="http://schemas.microsoft.com/office/drawing/2014/main" xmlns="" id="{6EA6B283-FA33-8B5F-19D9-23C22512D6A2}"/>
               </a:ext>
             </a:extLst>
           </p:cNvPr>
@@ -25505,7 +25515,7 @@
           <p:cNvPr id="34" name="图片 33">
             <a:extLst>
               <a:ext uri="{FF2B5EF4-FFF2-40B4-BE49-F238E27FC236}">
-                <a16:creationId xmlns:a16="http://schemas.microsoft.com/office/drawing/2014/main" id="{A7CC21E1-7467-1ACF-2ED7-68959584D6DF}"/>
+                <a16:creationId xmlns:a16="http://schemas.microsoft.com/office/drawing/2014/main" xmlns="" id="{A7CC21E1-7467-1ACF-2ED7-68959584D6DF}"/>
               </a:ext>
             </a:extLst>
           </p:cNvPr>
@@ -25535,7 +25545,7 @@
           <p:cNvPr id="35" name="图片 34">
             <a:extLst>
               <a:ext uri="{FF2B5EF4-FFF2-40B4-BE49-F238E27FC236}">
-                <a16:creationId xmlns:a16="http://schemas.microsoft.com/office/drawing/2014/main" id="{4FD1822D-6EF2-CCB1-76AC-A770762EDBFB}"/>
+                <a16:creationId xmlns:a16="http://schemas.microsoft.com/office/drawing/2014/main" xmlns="" id="{4FD1822D-6EF2-CCB1-76AC-A770762EDBFB}"/>
               </a:ext>
             </a:extLst>
           </p:cNvPr>
@@ -25565,7 +25575,7 @@
           <p:cNvPr id="36" name="图片 35">
             <a:extLst>
               <a:ext uri="{FF2B5EF4-FFF2-40B4-BE49-F238E27FC236}">
-                <a16:creationId xmlns:a16="http://schemas.microsoft.com/office/drawing/2014/main" id="{9E02D9AC-14F1-BAD2-3488-0805428D78DE}"/>
+                <a16:creationId xmlns:a16="http://schemas.microsoft.com/office/drawing/2014/main" xmlns="" id="{9E02D9AC-14F1-BAD2-3488-0805428D78DE}"/>
               </a:ext>
             </a:extLst>
           </p:cNvPr>
@@ -25594,6 +25604,1763 @@
     <p:extLst>
       <p:ext uri="{BB962C8B-B14F-4D97-AF65-F5344CB8AC3E}">
         <p14:creationId xmlns:p14="http://schemas.microsoft.com/office/powerpoint/2010/main" val="554961649"/>
+      </p:ext>
+    </p:extLst>
+  </p:cSld>
+  <p:clrMapOvr>
+    <a:masterClrMapping/>
+  </p:clrMapOvr>
+</p:sld>
+</file>
+
+<file path=ppt/slides/slide34.xml><?xml version="1.0" encoding="utf-8"?>
+<p:sld xmlns:a="http://schemas.openxmlformats.org/drawingml/2006/main" xmlns:r="http://schemas.openxmlformats.org/officeDocument/2006/relationships" xmlns:p="http://schemas.openxmlformats.org/presentationml/2006/main">
+  <p:cSld>
+    <p:spTree>
+      <p:nvGrpSpPr>
+        <p:cNvPr id="1" name=""/>
+        <p:cNvGrpSpPr/>
+        <p:nvPr/>
+      </p:nvGrpSpPr>
+      <p:grpSpPr>
+        <a:xfrm>
+          <a:off x="0" y="0"/>
+          <a:ext cx="0" cy="0"/>
+          <a:chOff x="0" y="0"/>
+          <a:chExt cx="0" cy="0"/>
+        </a:xfrm>
+      </p:grpSpPr>
+      <p:sp>
+        <p:nvSpPr>
+          <p:cNvPr id="2" name="标题 1">
+            <a:extLst>
+              <a:ext uri="{FF2B5EF4-FFF2-40B4-BE49-F238E27FC236}">
+                <a16:creationId xmlns:a16="http://schemas.microsoft.com/office/drawing/2014/main" xmlns="" id="{80796E82-7314-2FBE-2DE8-DDD70D4DF27E}"/>
+              </a:ext>
+            </a:extLst>
+          </p:cNvPr>
+          <p:cNvSpPr>
+            <a:spLocks noGrp="1"/>
+          </p:cNvSpPr>
+          <p:nvPr>
+            <p:ph type="title"/>
+          </p:nvPr>
+        </p:nvSpPr>
+        <p:spPr>
+          <a:xfrm>
+            <a:off x="415600" y="270286"/>
+            <a:ext cx="11360800" cy="763600"/>
+          </a:xfrm>
+        </p:spPr>
+        <p:txBody>
+          <a:bodyPr>
+            <a:normAutofit/>
+          </a:bodyPr>
+          <a:lstStyle/>
+          <a:p>
+            <a:r>
+              <a:rPr lang="ja-JP" altLang="en-US" sz="2800" dirty="0">
+                <a:latin typeface="黑体" panose="02010609060101010101" pitchFamily="49" charset="-122"/>
+                <a:ea typeface="黑体" panose="02010609060101010101" pitchFamily="49" charset="-122"/>
+              </a:rPr>
+              <a:t>夢幻</a:t>
+            </a:r>
+            <a:r>
+              <a:rPr lang="ja-JP" altLang="en-US" sz="2800" dirty="0" smtClean="0">
+                <a:latin typeface="黑体" panose="02010609060101010101" pitchFamily="49" charset="-122"/>
+                <a:ea typeface="黑体" panose="02010609060101010101" pitchFamily="49" charset="-122"/>
+              </a:rPr>
+              <a:t>パラダイス </a:t>
+            </a:r>
+            <a:r>
+              <a:rPr lang="en-US" altLang="zh-CN" sz="2800" dirty="0" smtClean="0">
+                <a:latin typeface="黑体" panose="02010609060101010101" pitchFamily="49" charset="-122"/>
+                <a:ea typeface="黑体" panose="02010609060101010101" pitchFamily="49" charset="-122"/>
+              </a:rPr>
+              <a:t>5-1</a:t>
+            </a:r>
+            <a:endParaRPr lang="zh-CN" altLang="en-US" sz="2800" dirty="0">
+              <a:latin typeface="黑体" panose="02010609060101010101" pitchFamily="49" charset="-122"/>
+              <a:ea typeface="黑体" panose="02010609060101010101" pitchFamily="49" charset="-122"/>
+            </a:endParaRPr>
+          </a:p>
+        </p:txBody>
+      </p:sp>
+      <p:sp>
+        <p:nvSpPr>
+          <p:cNvPr id="4" name="文本框 3">
+            <a:extLst>
+              <a:ext uri="{FF2B5EF4-FFF2-40B4-BE49-F238E27FC236}">
+                <a16:creationId xmlns:a16="http://schemas.microsoft.com/office/drawing/2014/main" xmlns="" id="{3E8E8225-E7B4-E598-7AEB-66BC2EF7864E}"/>
+              </a:ext>
+            </a:extLst>
+          </p:cNvPr>
+          <p:cNvSpPr txBox="1"/>
+          <p:nvPr/>
+        </p:nvSpPr>
+        <p:spPr>
+          <a:xfrm>
+            <a:off x="612559" y="1671863"/>
+            <a:ext cx="3335990" cy="369332"/>
+          </a:xfrm>
+          <a:prstGeom prst="rect">
+            <a:avLst/>
+          </a:prstGeom>
+          <a:noFill/>
+        </p:spPr>
+        <p:txBody>
+          <a:bodyPr wrap="square" rtlCol="0">
+            <a:spAutoFit/>
+          </a:bodyPr>
+          <a:lstStyle/>
+          <a:p>
+            <a:r>
+              <a:rPr lang="en-US" altLang="zh-CN" dirty="0" smtClean="0"/>
+              <a:t>1</a:t>
+            </a:r>
+            <a:endParaRPr lang="en-US" altLang="ja-JP" dirty="0"/>
+          </a:p>
+        </p:txBody>
+      </p:sp>
+      <p:sp>
+        <p:nvSpPr>
+          <p:cNvPr id="94" name="椭圆 93">
+            <a:extLst>
+              <a:ext uri="{FF2B5EF4-FFF2-40B4-BE49-F238E27FC236}">
+                <a16:creationId xmlns:a16="http://schemas.microsoft.com/office/drawing/2014/main" xmlns="" id="{8BEE0963-F39F-E799-5A6C-7DB2D9695EA3}"/>
+              </a:ext>
+            </a:extLst>
+          </p:cNvPr>
+          <p:cNvSpPr/>
+          <p:nvPr/>
+        </p:nvSpPr>
+        <p:spPr>
+          <a:xfrm>
+            <a:off x="4699366" y="1193119"/>
+            <a:ext cx="5212080" cy="5212080"/>
+          </a:xfrm>
+          <a:prstGeom prst="ellipse">
+            <a:avLst/>
+          </a:prstGeom>
+          <a:solidFill>
+            <a:schemeClr val="bg1">
+              <a:lumMod val="85000"/>
+            </a:schemeClr>
+          </a:solidFill>
+          <a:ln>
+            <a:noFill/>
+          </a:ln>
+        </p:spPr>
+        <p:style>
+          <a:lnRef idx="0">
+            <a:scrgbClr r="0" g="0" b="0"/>
+          </a:lnRef>
+          <a:fillRef idx="0">
+            <a:scrgbClr r="0" g="0" b="0"/>
+          </a:fillRef>
+          <a:effectRef idx="0">
+            <a:scrgbClr r="0" g="0" b="0"/>
+          </a:effectRef>
+          <a:fontRef idx="minor">
+            <a:schemeClr val="lt1"/>
+          </a:fontRef>
+        </p:style>
+        <p:txBody>
+          <a:bodyPr rtlCol="0" anchor="ctr"/>
+          <a:lstStyle/>
+          <a:p>
+            <a:pPr algn="ctr"/>
+            <a:endParaRPr lang="zh-CN" altLang="en-US" dirty="0"/>
+          </a:p>
+        </p:txBody>
+      </p:sp>
+      <p:sp>
+        <p:nvSpPr>
+          <p:cNvPr id="20" name="椭圆 19">
+            <a:extLst>
+              <a:ext uri="{FF2B5EF4-FFF2-40B4-BE49-F238E27FC236}">
+                <a16:creationId xmlns:a16="http://schemas.microsoft.com/office/drawing/2014/main" xmlns="" id="{1F3D5A18-117A-FBDB-A07B-D4E2DC2FC832}"/>
+              </a:ext>
+            </a:extLst>
+          </p:cNvPr>
+          <p:cNvSpPr/>
+          <p:nvPr/>
+        </p:nvSpPr>
+        <p:spPr>
+          <a:xfrm>
+            <a:off x="5991729" y="617607"/>
+            <a:ext cx="2548015" cy="1350664"/>
+          </a:xfrm>
+          <a:prstGeom prst="ellipse">
+            <a:avLst/>
+          </a:prstGeom>
+        </p:spPr>
+        <p:style>
+          <a:lnRef idx="2">
+            <a:schemeClr val="accent1">
+              <a:shade val="50000"/>
+            </a:schemeClr>
+          </a:lnRef>
+          <a:fillRef idx="1">
+            <a:schemeClr val="accent1"/>
+          </a:fillRef>
+          <a:effectRef idx="0">
+            <a:schemeClr val="accent1"/>
+          </a:effectRef>
+          <a:fontRef idx="minor">
+            <a:schemeClr val="lt1"/>
+          </a:fontRef>
+        </p:style>
+        <p:txBody>
+          <a:bodyPr rtlCol="0" anchor="ctr"/>
+          <a:lstStyle/>
+          <a:p>
+            <a:pPr algn="ctr"/>
+            <a:r>
+              <a:rPr lang="ja-JP" altLang="en-US" dirty="0"/>
+              <a:t>チェシャ猫</a:t>
+            </a:r>
+            <a:endParaRPr lang="zh-CN" altLang="en-US" dirty="0"/>
+          </a:p>
+        </p:txBody>
+      </p:sp>
+      <p:sp>
+        <p:nvSpPr>
+          <p:cNvPr id="23" name="矩形 22">
+            <a:extLst>
+              <a:ext uri="{FF2B5EF4-FFF2-40B4-BE49-F238E27FC236}">
+                <a16:creationId xmlns:a16="http://schemas.microsoft.com/office/drawing/2014/main" xmlns="" id="{1DB7B11B-A7F7-8894-4BAF-68DD060767B3}"/>
+              </a:ext>
+            </a:extLst>
+          </p:cNvPr>
+          <p:cNvSpPr/>
+          <p:nvPr/>
+        </p:nvSpPr>
+        <p:spPr>
+          <a:xfrm rot="1639184">
+            <a:off x="4485271" y="1406388"/>
+            <a:ext cx="1253765" cy="3124694"/>
+          </a:xfrm>
+          <a:prstGeom prst="rect">
+            <a:avLst/>
+          </a:prstGeom>
+        </p:spPr>
+        <p:style>
+          <a:lnRef idx="2">
+            <a:schemeClr val="accent5">
+              <a:shade val="50000"/>
+            </a:schemeClr>
+          </a:lnRef>
+          <a:fillRef idx="1">
+            <a:schemeClr val="accent5"/>
+          </a:fillRef>
+          <a:effectRef idx="0">
+            <a:schemeClr val="accent5"/>
+          </a:effectRef>
+          <a:fontRef idx="minor">
+            <a:schemeClr val="lt1"/>
+          </a:fontRef>
+        </p:style>
+        <p:txBody>
+          <a:bodyPr rtlCol="0" anchor="ctr"/>
+          <a:lstStyle/>
+          <a:p>
+            <a:pPr algn="ctr"/>
+            <a:r>
+              <a:rPr lang="ja-JP" altLang="en-US" dirty="0"/>
+              <a:t>青く光ってる手</a:t>
+            </a:r>
+            <a:endParaRPr lang="zh-CN" altLang="en-US" dirty="0"/>
+          </a:p>
+        </p:txBody>
+      </p:sp>
+      <p:sp>
+        <p:nvSpPr>
+          <p:cNvPr id="24" name="矩形 23">
+            <a:extLst>
+              <a:ext uri="{FF2B5EF4-FFF2-40B4-BE49-F238E27FC236}">
+                <a16:creationId xmlns:a16="http://schemas.microsoft.com/office/drawing/2014/main" xmlns="" id="{5E103417-33D7-7A1E-5135-FE392A9238A1}"/>
+              </a:ext>
+            </a:extLst>
+          </p:cNvPr>
+          <p:cNvSpPr/>
+          <p:nvPr/>
+        </p:nvSpPr>
+        <p:spPr>
+          <a:xfrm rot="19936508">
+            <a:off x="8772428" y="1405212"/>
+            <a:ext cx="1253765" cy="3124694"/>
+          </a:xfrm>
+          <a:prstGeom prst="rect">
+            <a:avLst/>
+          </a:prstGeom>
+        </p:spPr>
+        <p:style>
+          <a:lnRef idx="2">
+            <a:schemeClr val="accent3">
+              <a:shade val="50000"/>
+            </a:schemeClr>
+          </a:lnRef>
+          <a:fillRef idx="1">
+            <a:schemeClr val="accent3"/>
+          </a:fillRef>
+          <a:effectRef idx="0">
+            <a:schemeClr val="accent3"/>
+          </a:effectRef>
+          <a:fontRef idx="minor">
+            <a:schemeClr val="lt1"/>
+          </a:fontRef>
+        </p:style>
+        <p:txBody>
+          <a:bodyPr rtlCol="0" anchor="ctr"/>
+          <a:lstStyle/>
+          <a:p>
+            <a:pPr algn="ctr"/>
+            <a:r>
+              <a:rPr lang="ja-JP" altLang="en-US" dirty="0"/>
+              <a:t>光ってない手</a:t>
+            </a:r>
+            <a:endParaRPr lang="zh-CN" altLang="en-US" dirty="0"/>
+          </a:p>
+        </p:txBody>
+      </p:sp>
+      <p:pic>
+        <p:nvPicPr>
+          <p:cNvPr id="25" name="Google Shape;73;p14">
+            <a:extLst>
+              <a:ext uri="{FF2B5EF4-FFF2-40B4-BE49-F238E27FC236}">
+                <a16:creationId xmlns:a16="http://schemas.microsoft.com/office/drawing/2014/main" xmlns="" id="{728B4BED-4470-8B41-5F52-AEAB959AE86A}"/>
+              </a:ext>
+            </a:extLst>
+          </p:cNvPr>
+          <p:cNvPicPr preferRelativeResize="0"/>
+          <p:nvPr/>
+        </p:nvPicPr>
+        <p:blipFill>
+          <a:blip r:embed="rId2">
+            <a:alphaModFix/>
+          </a:blip>
+          <a:stretch>
+            <a:fillRect/>
+          </a:stretch>
+        </p:blipFill>
+        <p:spPr>
+          <a:xfrm rot="2022485">
+            <a:off x="5146879" y="5367956"/>
+            <a:ext cx="931980" cy="888488"/>
+          </a:xfrm>
+          <a:prstGeom prst="rect">
+            <a:avLst/>
+          </a:prstGeom>
+          <a:noFill/>
+          <a:ln>
+            <a:noFill/>
+          </a:ln>
+        </p:spPr>
+      </p:pic>
+      <p:pic>
+        <p:nvPicPr>
+          <p:cNvPr id="26" name="Google Shape;73;p14">
+            <a:extLst>
+              <a:ext uri="{FF2B5EF4-FFF2-40B4-BE49-F238E27FC236}">
+                <a16:creationId xmlns:a16="http://schemas.microsoft.com/office/drawing/2014/main" xmlns="" id="{728B4BED-4470-8B41-5F52-AEAB959AE86A}"/>
+              </a:ext>
+            </a:extLst>
+          </p:cNvPr>
+          <p:cNvPicPr preferRelativeResize="0"/>
+          <p:nvPr/>
+        </p:nvPicPr>
+        <p:blipFill>
+          <a:blip r:embed="rId2">
+            <a:alphaModFix/>
+          </a:blip>
+          <a:stretch>
+            <a:fillRect/>
+          </a:stretch>
+        </p:blipFill>
+        <p:spPr>
+          <a:xfrm>
+            <a:off x="6839416" y="5875972"/>
+            <a:ext cx="931980" cy="888488"/>
+          </a:xfrm>
+          <a:prstGeom prst="rect">
+            <a:avLst/>
+          </a:prstGeom>
+          <a:noFill/>
+          <a:ln>
+            <a:noFill/>
+          </a:ln>
+        </p:spPr>
+      </p:pic>
+      <p:pic>
+        <p:nvPicPr>
+          <p:cNvPr id="27" name="Google Shape;73;p14">
+            <a:extLst>
+              <a:ext uri="{FF2B5EF4-FFF2-40B4-BE49-F238E27FC236}">
+                <a16:creationId xmlns:a16="http://schemas.microsoft.com/office/drawing/2014/main" xmlns="" id="{728B4BED-4470-8B41-5F52-AEAB959AE86A}"/>
+              </a:ext>
+            </a:extLst>
+          </p:cNvPr>
+          <p:cNvPicPr preferRelativeResize="0"/>
+          <p:nvPr/>
+        </p:nvPicPr>
+        <p:blipFill>
+          <a:blip r:embed="rId2">
+            <a:alphaModFix/>
+          </a:blip>
+          <a:stretch>
+            <a:fillRect/>
+          </a:stretch>
+        </p:blipFill>
+        <p:spPr>
+          <a:xfrm rot="18836098">
+            <a:off x="8541003" y="5317148"/>
+            <a:ext cx="931980" cy="888488"/>
+          </a:xfrm>
+          <a:prstGeom prst="rect">
+            <a:avLst/>
+          </a:prstGeom>
+          <a:noFill/>
+          <a:ln>
+            <a:noFill/>
+          </a:ln>
+        </p:spPr>
+      </p:pic>
+      <p:sp>
+        <p:nvSpPr>
+          <p:cNvPr id="28" name="文本框 27"/>
+          <p:cNvSpPr txBox="1"/>
+          <p:nvPr/>
+        </p:nvSpPr>
+        <p:spPr>
+          <a:xfrm>
+            <a:off x="4961799" y="5863428"/>
+            <a:ext cx="1107996" cy="369332"/>
+          </a:xfrm>
+          <a:prstGeom prst="rect">
+            <a:avLst/>
+          </a:prstGeom>
+          <a:noFill/>
+        </p:spPr>
+        <p:txBody>
+          <a:bodyPr wrap="none" rtlCol="0">
+            <a:spAutoFit/>
+          </a:bodyPr>
+          <a:lstStyle/>
+          <a:p>
+            <a:r>
+              <a:rPr lang="ja-JP" altLang="en-US" dirty="0"/>
+              <a:t>オオカミ</a:t>
+            </a:r>
+            <a:endParaRPr lang="zh-CN" altLang="en-US" dirty="0"/>
+          </a:p>
+        </p:txBody>
+      </p:sp>
+      <p:sp>
+        <p:nvSpPr>
+          <p:cNvPr id="37" name="文本框 36"/>
+          <p:cNvSpPr txBox="1"/>
+          <p:nvPr/>
+        </p:nvSpPr>
+        <p:spPr>
+          <a:xfrm>
+            <a:off x="6751408" y="6320216"/>
+            <a:ext cx="1107996" cy="369332"/>
+          </a:xfrm>
+          <a:prstGeom prst="rect">
+            <a:avLst/>
+          </a:prstGeom>
+          <a:noFill/>
+        </p:spPr>
+        <p:txBody>
+          <a:bodyPr wrap="none" rtlCol="0">
+            <a:spAutoFit/>
+          </a:bodyPr>
+          <a:lstStyle/>
+          <a:p>
+            <a:r>
+              <a:rPr lang="ja-JP" altLang="en-US" dirty="0"/>
+              <a:t>オオカミ</a:t>
+            </a:r>
+            <a:endParaRPr lang="zh-CN" altLang="en-US" dirty="0"/>
+          </a:p>
+        </p:txBody>
+      </p:sp>
+      <p:sp>
+        <p:nvSpPr>
+          <p:cNvPr id="38" name="文本框 37"/>
+          <p:cNvSpPr txBox="1"/>
+          <p:nvPr/>
+        </p:nvSpPr>
+        <p:spPr>
+          <a:xfrm>
+            <a:off x="8626190" y="5691306"/>
+            <a:ext cx="1107996" cy="369332"/>
+          </a:xfrm>
+          <a:prstGeom prst="rect">
+            <a:avLst/>
+          </a:prstGeom>
+          <a:noFill/>
+        </p:spPr>
+        <p:txBody>
+          <a:bodyPr wrap="none" rtlCol="0">
+            <a:spAutoFit/>
+          </a:bodyPr>
+          <a:lstStyle/>
+          <a:p>
+            <a:r>
+              <a:rPr lang="ja-JP" altLang="en-US" dirty="0"/>
+              <a:t>オオカミ</a:t>
+            </a:r>
+            <a:endParaRPr lang="zh-CN" altLang="en-US" dirty="0"/>
+          </a:p>
+        </p:txBody>
+      </p:sp>
+      <p:sp>
+        <p:nvSpPr>
+          <p:cNvPr id="39" name="Google Shape;100;p14"/>
+          <p:cNvSpPr/>
+          <p:nvPr/>
+        </p:nvSpPr>
+        <p:spPr>
+          <a:xfrm rot="2120909">
+            <a:off x="6305831" y="972528"/>
+            <a:ext cx="1740133" cy="5462252"/>
+          </a:xfrm>
+          <a:prstGeom prst="rect">
+            <a:avLst/>
+          </a:prstGeom>
+          <a:solidFill>
+            <a:srgbClr val="F6B26B">
+              <a:alpha val="47780"/>
+            </a:srgbClr>
+          </a:solidFill>
+          <a:ln w="9525" cap="flat" cmpd="sng">
+            <a:solidFill>
+              <a:srgbClr val="FF9900"/>
+            </a:solidFill>
+            <a:prstDash val="solid"/>
+            <a:round/>
+            <a:headEnd type="none" w="sm" len="sm"/>
+            <a:tailEnd type="none" w="sm" len="sm"/>
+          </a:ln>
+        </p:spPr>
+        <p:txBody>
+          <a:bodyPr spcFirstLastPara="1" wrap="square" lIns="121900" tIns="121900" rIns="121900" bIns="121900" anchor="ctr" anchorCtr="0">
+            <a:noAutofit/>
+          </a:bodyPr>
+          <a:lstStyle/>
+          <a:p>
+            <a:endParaRPr sz="2400"/>
+          </a:p>
+        </p:txBody>
+      </p:sp>
+      <p:sp>
+        <p:nvSpPr>
+          <p:cNvPr id="40" name="Google Shape;100;p14"/>
+          <p:cNvSpPr/>
+          <p:nvPr/>
+        </p:nvSpPr>
+        <p:spPr>
+          <a:xfrm>
+            <a:off x="6386161" y="1085122"/>
+            <a:ext cx="1751475" cy="5462252"/>
+          </a:xfrm>
+          <a:prstGeom prst="rect">
+            <a:avLst/>
+          </a:prstGeom>
+          <a:solidFill>
+            <a:srgbClr val="F6B26B">
+              <a:alpha val="47780"/>
+            </a:srgbClr>
+          </a:solidFill>
+          <a:ln w="9525" cap="flat" cmpd="sng">
+            <a:solidFill>
+              <a:srgbClr val="FF9900"/>
+            </a:solidFill>
+            <a:prstDash val="solid"/>
+            <a:round/>
+            <a:headEnd type="none" w="sm" len="sm"/>
+            <a:tailEnd type="none" w="sm" len="sm"/>
+          </a:ln>
+        </p:spPr>
+        <p:txBody>
+          <a:bodyPr spcFirstLastPara="1" wrap="square" lIns="121900" tIns="121900" rIns="121900" bIns="121900" anchor="ctr" anchorCtr="0">
+            <a:noAutofit/>
+          </a:bodyPr>
+          <a:lstStyle/>
+          <a:p>
+            <a:endParaRPr sz="2400"/>
+          </a:p>
+        </p:txBody>
+      </p:sp>
+      <p:sp>
+        <p:nvSpPr>
+          <p:cNvPr id="41" name="Google Shape;100;p14"/>
+          <p:cNvSpPr/>
+          <p:nvPr/>
+        </p:nvSpPr>
+        <p:spPr>
+          <a:xfrm rot="19403614">
+            <a:off x="6481203" y="1139075"/>
+            <a:ext cx="1751475" cy="5462252"/>
+          </a:xfrm>
+          <a:prstGeom prst="rect">
+            <a:avLst/>
+          </a:prstGeom>
+          <a:solidFill>
+            <a:srgbClr val="F6B26B">
+              <a:alpha val="47780"/>
+            </a:srgbClr>
+          </a:solidFill>
+          <a:ln w="9525" cap="flat" cmpd="sng">
+            <a:solidFill>
+              <a:srgbClr val="FF9900"/>
+            </a:solidFill>
+            <a:prstDash val="solid"/>
+            <a:round/>
+            <a:headEnd type="none" w="sm" len="sm"/>
+            <a:tailEnd type="none" w="sm" len="sm"/>
+          </a:ln>
+        </p:spPr>
+        <p:txBody>
+          <a:bodyPr spcFirstLastPara="1" wrap="square" lIns="121900" tIns="121900" rIns="121900" bIns="121900" anchor="ctr" anchorCtr="0">
+            <a:noAutofit/>
+          </a:bodyPr>
+          <a:lstStyle/>
+          <a:p>
+            <a:endParaRPr sz="2400"/>
+          </a:p>
+        </p:txBody>
+      </p:sp>
+      <p:sp>
+        <p:nvSpPr>
+          <p:cNvPr id="82" name="箭头: V 形 20">
+            <a:extLst>
+              <a:ext uri="{FF2B5EF4-FFF2-40B4-BE49-F238E27FC236}">
+                <a16:creationId xmlns:a16="http://schemas.microsoft.com/office/drawing/2014/main" xmlns="" id="{BC353627-9371-244D-7367-7A27EC648508}"/>
+              </a:ext>
+            </a:extLst>
+          </p:cNvPr>
+          <p:cNvSpPr/>
+          <p:nvPr/>
+        </p:nvSpPr>
+        <p:spPr>
+          <a:xfrm>
+            <a:off x="5498208" y="2004289"/>
+            <a:ext cx="462172" cy="650450"/>
+          </a:xfrm>
+          <a:prstGeom prst="chevron">
+            <a:avLst/>
+          </a:prstGeom>
+        </p:spPr>
+        <p:style>
+          <a:lnRef idx="1">
+            <a:schemeClr val="accent4"/>
+          </a:lnRef>
+          <a:fillRef idx="2">
+            <a:schemeClr val="accent4"/>
+          </a:fillRef>
+          <a:effectRef idx="1">
+            <a:schemeClr val="accent4"/>
+          </a:effectRef>
+          <a:fontRef idx="minor">
+            <a:schemeClr val="dk1"/>
+          </a:fontRef>
+        </p:style>
+        <p:txBody>
+          <a:bodyPr rtlCol="0" anchor="ctr"/>
+          <a:lstStyle/>
+          <a:p>
+            <a:pPr algn="ctr"/>
+            <a:endParaRPr lang="zh-CN" altLang="en-US">
+              <a:solidFill>
+                <a:schemeClr val="tx1"/>
+              </a:solidFill>
+            </a:endParaRPr>
+          </a:p>
+        </p:txBody>
+      </p:sp>
+      <p:sp>
+        <p:nvSpPr>
+          <p:cNvPr id="83" name="箭头: V 形 21">
+            <a:extLst>
+              <a:ext uri="{FF2B5EF4-FFF2-40B4-BE49-F238E27FC236}">
+                <a16:creationId xmlns:a16="http://schemas.microsoft.com/office/drawing/2014/main" xmlns="" id="{41D7DFA2-1682-8959-1196-12E3B7C49765}"/>
+              </a:ext>
+            </a:extLst>
+          </p:cNvPr>
+          <p:cNvSpPr/>
+          <p:nvPr/>
+        </p:nvSpPr>
+        <p:spPr>
+          <a:xfrm>
+            <a:off x="5498208" y="3003577"/>
+            <a:ext cx="462172" cy="650450"/>
+          </a:xfrm>
+          <a:prstGeom prst="chevron">
+            <a:avLst/>
+          </a:prstGeom>
+        </p:spPr>
+        <p:style>
+          <a:lnRef idx="1">
+            <a:schemeClr val="accent4"/>
+          </a:lnRef>
+          <a:fillRef idx="2">
+            <a:schemeClr val="accent4"/>
+          </a:fillRef>
+          <a:effectRef idx="1">
+            <a:schemeClr val="accent4"/>
+          </a:effectRef>
+          <a:fontRef idx="minor">
+            <a:schemeClr val="dk1"/>
+          </a:fontRef>
+        </p:style>
+        <p:txBody>
+          <a:bodyPr rtlCol="0" anchor="ctr"/>
+          <a:lstStyle/>
+          <a:p>
+            <a:pPr algn="ctr"/>
+            <a:endParaRPr lang="zh-CN" altLang="en-US">
+              <a:solidFill>
+                <a:schemeClr val="tx1"/>
+              </a:solidFill>
+            </a:endParaRPr>
+          </a:p>
+        </p:txBody>
+      </p:sp>
+      <p:sp>
+        <p:nvSpPr>
+          <p:cNvPr id="84" name="箭头: V 形 22">
+            <a:extLst>
+              <a:ext uri="{FF2B5EF4-FFF2-40B4-BE49-F238E27FC236}">
+                <a16:creationId xmlns:a16="http://schemas.microsoft.com/office/drawing/2014/main" xmlns="" id="{3E6B5B9D-8A94-166B-F4E4-0C03AFDA72FF}"/>
+              </a:ext>
+            </a:extLst>
+          </p:cNvPr>
+          <p:cNvSpPr/>
+          <p:nvPr/>
+        </p:nvSpPr>
+        <p:spPr>
+          <a:xfrm>
+            <a:off x="5521881" y="4031362"/>
+            <a:ext cx="462172" cy="650450"/>
+          </a:xfrm>
+          <a:prstGeom prst="chevron">
+            <a:avLst/>
+          </a:prstGeom>
+        </p:spPr>
+        <p:style>
+          <a:lnRef idx="1">
+            <a:schemeClr val="accent4"/>
+          </a:lnRef>
+          <a:fillRef idx="2">
+            <a:schemeClr val="accent4"/>
+          </a:fillRef>
+          <a:effectRef idx="1">
+            <a:schemeClr val="accent4"/>
+          </a:effectRef>
+          <a:fontRef idx="minor">
+            <a:schemeClr val="dk1"/>
+          </a:fontRef>
+        </p:style>
+        <p:txBody>
+          <a:bodyPr rtlCol="0" anchor="ctr"/>
+          <a:lstStyle/>
+          <a:p>
+            <a:pPr algn="ctr"/>
+            <a:endParaRPr lang="zh-CN" altLang="en-US">
+              <a:solidFill>
+                <a:schemeClr val="tx1"/>
+              </a:solidFill>
+            </a:endParaRPr>
+          </a:p>
+        </p:txBody>
+      </p:sp>
+      <p:sp>
+        <p:nvSpPr>
+          <p:cNvPr id="85" name="箭头: V 形 23">
+            <a:extLst>
+              <a:ext uri="{FF2B5EF4-FFF2-40B4-BE49-F238E27FC236}">
+                <a16:creationId xmlns:a16="http://schemas.microsoft.com/office/drawing/2014/main" xmlns="" id="{58C2A296-BAAF-AA9E-2CEA-ABDFA8710114}"/>
+              </a:ext>
+            </a:extLst>
+          </p:cNvPr>
+          <p:cNvSpPr/>
+          <p:nvPr/>
+        </p:nvSpPr>
+        <p:spPr>
+          <a:xfrm>
+            <a:off x="5521881" y="5030650"/>
+            <a:ext cx="462172" cy="650450"/>
+          </a:xfrm>
+          <a:prstGeom prst="chevron">
+            <a:avLst/>
+          </a:prstGeom>
+        </p:spPr>
+        <p:style>
+          <a:lnRef idx="1">
+            <a:schemeClr val="accent4"/>
+          </a:lnRef>
+          <a:fillRef idx="2">
+            <a:schemeClr val="accent4"/>
+          </a:fillRef>
+          <a:effectRef idx="1">
+            <a:schemeClr val="accent4"/>
+          </a:effectRef>
+          <a:fontRef idx="minor">
+            <a:schemeClr val="dk1"/>
+          </a:fontRef>
+        </p:style>
+        <p:txBody>
+          <a:bodyPr rtlCol="0" anchor="ctr"/>
+          <a:lstStyle/>
+          <a:p>
+            <a:pPr algn="ctr"/>
+            <a:endParaRPr lang="zh-CN" altLang="en-US">
+              <a:solidFill>
+                <a:schemeClr val="tx1"/>
+              </a:solidFill>
+            </a:endParaRPr>
+          </a:p>
+        </p:txBody>
+      </p:sp>
+    </p:spTree>
+    <p:extLst>
+      <p:ext uri="{BB962C8B-B14F-4D97-AF65-F5344CB8AC3E}">
+        <p14:creationId xmlns:p14="http://schemas.microsoft.com/office/powerpoint/2010/main" val="3935081985"/>
+      </p:ext>
+    </p:extLst>
+  </p:cSld>
+  <p:clrMapOvr>
+    <a:masterClrMapping/>
+  </p:clrMapOvr>
+</p:sld>
+</file>
+
+<file path=ppt/slides/slide35.xml><?xml version="1.0" encoding="utf-8"?>
+<p:sld xmlns:a="http://schemas.openxmlformats.org/drawingml/2006/main" xmlns:r="http://schemas.openxmlformats.org/officeDocument/2006/relationships" xmlns:p="http://schemas.openxmlformats.org/presentationml/2006/main">
+  <p:cSld>
+    <p:spTree>
+      <p:nvGrpSpPr>
+        <p:cNvPr id="1" name=""/>
+        <p:cNvGrpSpPr/>
+        <p:nvPr/>
+      </p:nvGrpSpPr>
+      <p:grpSpPr>
+        <a:xfrm>
+          <a:off x="0" y="0"/>
+          <a:ext cx="0" cy="0"/>
+          <a:chOff x="0" y="0"/>
+          <a:chExt cx="0" cy="0"/>
+        </a:xfrm>
+      </p:grpSpPr>
+      <p:sp>
+        <p:nvSpPr>
+          <p:cNvPr id="2" name="标题 1">
+            <a:extLst>
+              <a:ext uri="{FF2B5EF4-FFF2-40B4-BE49-F238E27FC236}">
+                <a16:creationId xmlns:a16="http://schemas.microsoft.com/office/drawing/2014/main" xmlns="" id="{80796E82-7314-2FBE-2DE8-DDD70D4DF27E}"/>
+              </a:ext>
+            </a:extLst>
+          </p:cNvPr>
+          <p:cNvSpPr>
+            <a:spLocks noGrp="1"/>
+          </p:cNvSpPr>
+          <p:nvPr>
+            <p:ph type="title"/>
+          </p:nvPr>
+        </p:nvSpPr>
+        <p:spPr>
+          <a:xfrm>
+            <a:off x="415600" y="270286"/>
+            <a:ext cx="11360800" cy="763600"/>
+          </a:xfrm>
+        </p:spPr>
+        <p:txBody>
+          <a:bodyPr>
+            <a:normAutofit/>
+          </a:bodyPr>
+          <a:lstStyle/>
+          <a:p>
+            <a:r>
+              <a:rPr lang="ja-JP" altLang="en-US" sz="2800" dirty="0">
+                <a:latin typeface="黑体" panose="02010609060101010101" pitchFamily="49" charset="-122"/>
+                <a:ea typeface="黑体" panose="02010609060101010101" pitchFamily="49" charset="-122"/>
+              </a:rPr>
+              <a:t>夢幻</a:t>
+            </a:r>
+            <a:r>
+              <a:rPr lang="ja-JP" altLang="en-US" sz="2800" dirty="0" smtClean="0">
+                <a:latin typeface="黑体" panose="02010609060101010101" pitchFamily="49" charset="-122"/>
+                <a:ea typeface="黑体" panose="02010609060101010101" pitchFamily="49" charset="-122"/>
+              </a:rPr>
+              <a:t>パラダイス </a:t>
+            </a:r>
+            <a:r>
+              <a:rPr lang="en-US" altLang="zh-CN" sz="2800" dirty="0" smtClean="0">
+                <a:latin typeface="黑体" panose="02010609060101010101" pitchFamily="49" charset="-122"/>
+                <a:ea typeface="黑体" panose="02010609060101010101" pitchFamily="49" charset="-122"/>
+              </a:rPr>
+              <a:t>5-2</a:t>
+            </a:r>
+            <a:endParaRPr lang="zh-CN" altLang="en-US" sz="2800" dirty="0">
+              <a:latin typeface="黑体" panose="02010609060101010101" pitchFamily="49" charset="-122"/>
+              <a:ea typeface="黑体" panose="02010609060101010101" pitchFamily="49" charset="-122"/>
+            </a:endParaRPr>
+          </a:p>
+        </p:txBody>
+      </p:sp>
+      <p:sp>
+        <p:nvSpPr>
+          <p:cNvPr id="4" name="文本框 3">
+            <a:extLst>
+              <a:ext uri="{FF2B5EF4-FFF2-40B4-BE49-F238E27FC236}">
+                <a16:creationId xmlns:a16="http://schemas.microsoft.com/office/drawing/2014/main" xmlns="" id="{3E8E8225-E7B4-E598-7AEB-66BC2EF7864E}"/>
+              </a:ext>
+            </a:extLst>
+          </p:cNvPr>
+          <p:cNvSpPr txBox="1"/>
+          <p:nvPr/>
+        </p:nvSpPr>
+        <p:spPr>
+          <a:xfrm>
+            <a:off x="612559" y="1671863"/>
+            <a:ext cx="3335990" cy="369332"/>
+          </a:xfrm>
+          <a:prstGeom prst="rect">
+            <a:avLst/>
+          </a:prstGeom>
+          <a:noFill/>
+        </p:spPr>
+        <p:txBody>
+          <a:bodyPr wrap="square" rtlCol="0">
+            <a:spAutoFit/>
+          </a:bodyPr>
+          <a:lstStyle/>
+          <a:p>
+            <a:r>
+              <a:rPr lang="en-US" altLang="zh-CN" dirty="0" smtClean="0"/>
+              <a:t>1</a:t>
+            </a:r>
+            <a:endParaRPr lang="en-US" altLang="ja-JP" dirty="0"/>
+          </a:p>
+        </p:txBody>
+      </p:sp>
+      <p:sp>
+        <p:nvSpPr>
+          <p:cNvPr id="94" name="椭圆 93">
+            <a:extLst>
+              <a:ext uri="{FF2B5EF4-FFF2-40B4-BE49-F238E27FC236}">
+                <a16:creationId xmlns:a16="http://schemas.microsoft.com/office/drawing/2014/main" xmlns="" id="{8BEE0963-F39F-E799-5A6C-7DB2D9695EA3}"/>
+              </a:ext>
+            </a:extLst>
+          </p:cNvPr>
+          <p:cNvSpPr/>
+          <p:nvPr/>
+        </p:nvSpPr>
+        <p:spPr>
+          <a:xfrm>
+            <a:off x="4699366" y="1193119"/>
+            <a:ext cx="5212080" cy="5212080"/>
+          </a:xfrm>
+          <a:prstGeom prst="ellipse">
+            <a:avLst/>
+          </a:prstGeom>
+          <a:solidFill>
+            <a:schemeClr val="bg1">
+              <a:lumMod val="85000"/>
+            </a:schemeClr>
+          </a:solidFill>
+          <a:ln>
+            <a:noFill/>
+          </a:ln>
+        </p:spPr>
+        <p:style>
+          <a:lnRef idx="0">
+            <a:scrgbClr r="0" g="0" b="0"/>
+          </a:lnRef>
+          <a:fillRef idx="0">
+            <a:scrgbClr r="0" g="0" b="0"/>
+          </a:fillRef>
+          <a:effectRef idx="0">
+            <a:scrgbClr r="0" g="0" b="0"/>
+          </a:effectRef>
+          <a:fontRef idx="minor">
+            <a:schemeClr val="lt1"/>
+          </a:fontRef>
+        </p:style>
+        <p:txBody>
+          <a:bodyPr rtlCol="0" anchor="ctr"/>
+          <a:lstStyle/>
+          <a:p>
+            <a:pPr algn="ctr"/>
+            <a:endParaRPr lang="zh-CN" altLang="en-US" dirty="0"/>
+          </a:p>
+        </p:txBody>
+      </p:sp>
+      <p:sp>
+        <p:nvSpPr>
+          <p:cNvPr id="20" name="椭圆 19">
+            <a:extLst>
+              <a:ext uri="{FF2B5EF4-FFF2-40B4-BE49-F238E27FC236}">
+                <a16:creationId xmlns:a16="http://schemas.microsoft.com/office/drawing/2014/main" xmlns="" id="{1F3D5A18-117A-FBDB-A07B-D4E2DC2FC832}"/>
+              </a:ext>
+            </a:extLst>
+          </p:cNvPr>
+          <p:cNvSpPr/>
+          <p:nvPr/>
+        </p:nvSpPr>
+        <p:spPr>
+          <a:xfrm>
+            <a:off x="5991729" y="617607"/>
+            <a:ext cx="2548015" cy="1350664"/>
+          </a:xfrm>
+          <a:prstGeom prst="ellipse">
+            <a:avLst/>
+          </a:prstGeom>
+        </p:spPr>
+        <p:style>
+          <a:lnRef idx="2">
+            <a:schemeClr val="accent1">
+              <a:shade val="50000"/>
+            </a:schemeClr>
+          </a:lnRef>
+          <a:fillRef idx="1">
+            <a:schemeClr val="accent1"/>
+          </a:fillRef>
+          <a:effectRef idx="0">
+            <a:schemeClr val="accent1"/>
+          </a:effectRef>
+          <a:fontRef idx="minor">
+            <a:schemeClr val="lt1"/>
+          </a:fontRef>
+        </p:style>
+        <p:txBody>
+          <a:bodyPr rtlCol="0" anchor="ctr"/>
+          <a:lstStyle/>
+          <a:p>
+            <a:pPr algn="ctr"/>
+            <a:r>
+              <a:rPr lang="ja-JP" altLang="en-US" dirty="0"/>
+              <a:t>チェシャ猫</a:t>
+            </a:r>
+            <a:endParaRPr lang="zh-CN" altLang="en-US" dirty="0"/>
+          </a:p>
+        </p:txBody>
+      </p:sp>
+      <p:sp>
+        <p:nvSpPr>
+          <p:cNvPr id="23" name="矩形 22">
+            <a:extLst>
+              <a:ext uri="{FF2B5EF4-FFF2-40B4-BE49-F238E27FC236}">
+                <a16:creationId xmlns:a16="http://schemas.microsoft.com/office/drawing/2014/main" xmlns="" id="{1DB7B11B-A7F7-8894-4BAF-68DD060767B3}"/>
+              </a:ext>
+            </a:extLst>
+          </p:cNvPr>
+          <p:cNvSpPr/>
+          <p:nvPr/>
+        </p:nvSpPr>
+        <p:spPr>
+          <a:xfrm rot="20000864">
+            <a:off x="9136342" y="1394222"/>
+            <a:ext cx="1253765" cy="3124694"/>
+          </a:xfrm>
+          <a:prstGeom prst="rect">
+            <a:avLst/>
+          </a:prstGeom>
+        </p:spPr>
+        <p:style>
+          <a:lnRef idx="2">
+            <a:schemeClr val="accent5">
+              <a:shade val="50000"/>
+            </a:schemeClr>
+          </a:lnRef>
+          <a:fillRef idx="1">
+            <a:schemeClr val="accent5"/>
+          </a:fillRef>
+          <a:effectRef idx="0">
+            <a:schemeClr val="accent5"/>
+          </a:effectRef>
+          <a:fontRef idx="minor">
+            <a:schemeClr val="lt1"/>
+          </a:fontRef>
+        </p:style>
+        <p:txBody>
+          <a:bodyPr rtlCol="0" anchor="ctr"/>
+          <a:lstStyle/>
+          <a:p>
+            <a:pPr algn="ctr"/>
+            <a:r>
+              <a:rPr lang="ja-JP" altLang="en-US" dirty="0"/>
+              <a:t>青く光ってる手</a:t>
+            </a:r>
+            <a:endParaRPr lang="zh-CN" altLang="en-US" dirty="0"/>
+          </a:p>
+        </p:txBody>
+      </p:sp>
+      <p:sp>
+        <p:nvSpPr>
+          <p:cNvPr id="24" name="矩形 23">
+            <a:extLst>
+              <a:ext uri="{FF2B5EF4-FFF2-40B4-BE49-F238E27FC236}">
+                <a16:creationId xmlns:a16="http://schemas.microsoft.com/office/drawing/2014/main" xmlns="" id="{5E103417-33D7-7A1E-5135-FE392A9238A1}"/>
+              </a:ext>
+            </a:extLst>
+          </p:cNvPr>
+          <p:cNvSpPr/>
+          <p:nvPr/>
+        </p:nvSpPr>
+        <p:spPr>
+          <a:xfrm rot="1404797">
+            <a:off x="4288064" y="1357162"/>
+            <a:ext cx="1253765" cy="3124694"/>
+          </a:xfrm>
+          <a:prstGeom prst="rect">
+            <a:avLst/>
+          </a:prstGeom>
+        </p:spPr>
+        <p:style>
+          <a:lnRef idx="2">
+            <a:schemeClr val="accent3">
+              <a:shade val="50000"/>
+            </a:schemeClr>
+          </a:lnRef>
+          <a:fillRef idx="1">
+            <a:schemeClr val="accent3"/>
+          </a:fillRef>
+          <a:effectRef idx="0">
+            <a:schemeClr val="accent3"/>
+          </a:effectRef>
+          <a:fontRef idx="minor">
+            <a:schemeClr val="lt1"/>
+          </a:fontRef>
+        </p:style>
+        <p:txBody>
+          <a:bodyPr rtlCol="0" anchor="ctr"/>
+          <a:lstStyle/>
+          <a:p>
+            <a:pPr algn="ctr"/>
+            <a:r>
+              <a:rPr lang="ja-JP" altLang="en-US" dirty="0"/>
+              <a:t>光ってない手</a:t>
+            </a:r>
+            <a:endParaRPr lang="zh-CN" altLang="en-US" dirty="0"/>
+          </a:p>
+        </p:txBody>
+      </p:sp>
+      <p:pic>
+        <p:nvPicPr>
+          <p:cNvPr id="25" name="Google Shape;73;p14">
+            <a:extLst>
+              <a:ext uri="{FF2B5EF4-FFF2-40B4-BE49-F238E27FC236}">
+                <a16:creationId xmlns:a16="http://schemas.microsoft.com/office/drawing/2014/main" xmlns="" id="{728B4BED-4470-8B41-5F52-AEAB959AE86A}"/>
+              </a:ext>
+            </a:extLst>
+          </p:cNvPr>
+          <p:cNvPicPr preferRelativeResize="0"/>
+          <p:nvPr/>
+        </p:nvPicPr>
+        <p:blipFill>
+          <a:blip r:embed="rId2">
+            <a:alphaModFix/>
+          </a:blip>
+          <a:stretch>
+            <a:fillRect/>
+          </a:stretch>
+        </p:blipFill>
+        <p:spPr>
+          <a:xfrm rot="2022485">
+            <a:off x="5146879" y="5367956"/>
+            <a:ext cx="931980" cy="888488"/>
+          </a:xfrm>
+          <a:prstGeom prst="rect">
+            <a:avLst/>
+          </a:prstGeom>
+          <a:noFill/>
+          <a:ln>
+            <a:noFill/>
+          </a:ln>
+        </p:spPr>
+      </p:pic>
+      <p:pic>
+        <p:nvPicPr>
+          <p:cNvPr id="26" name="Google Shape;73;p14">
+            <a:extLst>
+              <a:ext uri="{FF2B5EF4-FFF2-40B4-BE49-F238E27FC236}">
+                <a16:creationId xmlns:a16="http://schemas.microsoft.com/office/drawing/2014/main" xmlns="" id="{728B4BED-4470-8B41-5F52-AEAB959AE86A}"/>
+              </a:ext>
+            </a:extLst>
+          </p:cNvPr>
+          <p:cNvPicPr preferRelativeResize="0"/>
+          <p:nvPr/>
+        </p:nvPicPr>
+        <p:blipFill>
+          <a:blip r:embed="rId2">
+            <a:alphaModFix/>
+          </a:blip>
+          <a:stretch>
+            <a:fillRect/>
+          </a:stretch>
+        </p:blipFill>
+        <p:spPr>
+          <a:xfrm>
+            <a:off x="6839416" y="5875972"/>
+            <a:ext cx="931980" cy="888488"/>
+          </a:xfrm>
+          <a:prstGeom prst="rect">
+            <a:avLst/>
+          </a:prstGeom>
+          <a:noFill/>
+          <a:ln>
+            <a:noFill/>
+          </a:ln>
+        </p:spPr>
+      </p:pic>
+      <p:pic>
+        <p:nvPicPr>
+          <p:cNvPr id="27" name="Google Shape;73;p14">
+            <a:extLst>
+              <a:ext uri="{FF2B5EF4-FFF2-40B4-BE49-F238E27FC236}">
+                <a16:creationId xmlns:a16="http://schemas.microsoft.com/office/drawing/2014/main" xmlns="" id="{728B4BED-4470-8B41-5F52-AEAB959AE86A}"/>
+              </a:ext>
+            </a:extLst>
+          </p:cNvPr>
+          <p:cNvPicPr preferRelativeResize="0"/>
+          <p:nvPr/>
+        </p:nvPicPr>
+        <p:blipFill>
+          <a:blip r:embed="rId2">
+            <a:alphaModFix/>
+          </a:blip>
+          <a:stretch>
+            <a:fillRect/>
+          </a:stretch>
+        </p:blipFill>
+        <p:spPr>
+          <a:xfrm rot="18836098">
+            <a:off x="8541003" y="5317148"/>
+            <a:ext cx="931980" cy="888488"/>
+          </a:xfrm>
+          <a:prstGeom prst="rect">
+            <a:avLst/>
+          </a:prstGeom>
+          <a:noFill/>
+          <a:ln>
+            <a:noFill/>
+          </a:ln>
+        </p:spPr>
+      </p:pic>
+      <p:sp>
+        <p:nvSpPr>
+          <p:cNvPr id="28" name="文本框 27"/>
+          <p:cNvSpPr txBox="1"/>
+          <p:nvPr/>
+        </p:nvSpPr>
+        <p:spPr>
+          <a:xfrm>
+            <a:off x="4961799" y="5863428"/>
+            <a:ext cx="1107996" cy="369332"/>
+          </a:xfrm>
+          <a:prstGeom prst="rect">
+            <a:avLst/>
+          </a:prstGeom>
+          <a:noFill/>
+        </p:spPr>
+        <p:txBody>
+          <a:bodyPr wrap="none" rtlCol="0">
+            <a:spAutoFit/>
+          </a:bodyPr>
+          <a:lstStyle/>
+          <a:p>
+            <a:r>
+              <a:rPr lang="ja-JP" altLang="en-US" dirty="0"/>
+              <a:t>オオカミ</a:t>
+            </a:r>
+            <a:endParaRPr lang="zh-CN" altLang="en-US" dirty="0"/>
+          </a:p>
+        </p:txBody>
+      </p:sp>
+      <p:sp>
+        <p:nvSpPr>
+          <p:cNvPr id="37" name="文本框 36"/>
+          <p:cNvSpPr txBox="1"/>
+          <p:nvPr/>
+        </p:nvSpPr>
+        <p:spPr>
+          <a:xfrm>
+            <a:off x="6751408" y="6320216"/>
+            <a:ext cx="1107996" cy="369332"/>
+          </a:xfrm>
+          <a:prstGeom prst="rect">
+            <a:avLst/>
+          </a:prstGeom>
+          <a:noFill/>
+        </p:spPr>
+        <p:txBody>
+          <a:bodyPr wrap="none" rtlCol="0">
+            <a:spAutoFit/>
+          </a:bodyPr>
+          <a:lstStyle/>
+          <a:p>
+            <a:r>
+              <a:rPr lang="ja-JP" altLang="en-US" dirty="0"/>
+              <a:t>オオカミ</a:t>
+            </a:r>
+            <a:endParaRPr lang="zh-CN" altLang="en-US" dirty="0"/>
+          </a:p>
+        </p:txBody>
+      </p:sp>
+      <p:sp>
+        <p:nvSpPr>
+          <p:cNvPr id="38" name="文本框 37"/>
+          <p:cNvSpPr txBox="1"/>
+          <p:nvPr/>
+        </p:nvSpPr>
+        <p:spPr>
+          <a:xfrm>
+            <a:off x="8626190" y="5691306"/>
+            <a:ext cx="1107996" cy="369332"/>
+          </a:xfrm>
+          <a:prstGeom prst="rect">
+            <a:avLst/>
+          </a:prstGeom>
+          <a:noFill/>
+        </p:spPr>
+        <p:txBody>
+          <a:bodyPr wrap="none" rtlCol="0">
+            <a:spAutoFit/>
+          </a:bodyPr>
+          <a:lstStyle/>
+          <a:p>
+            <a:r>
+              <a:rPr lang="ja-JP" altLang="en-US" dirty="0"/>
+              <a:t>オオカミ</a:t>
+            </a:r>
+            <a:endParaRPr lang="zh-CN" altLang="en-US" dirty="0"/>
+          </a:p>
+        </p:txBody>
+      </p:sp>
+      <p:sp>
+        <p:nvSpPr>
+          <p:cNvPr id="39" name="Google Shape;100;p14"/>
+          <p:cNvSpPr/>
+          <p:nvPr/>
+        </p:nvSpPr>
+        <p:spPr>
+          <a:xfrm rot="2120909">
+            <a:off x="6305831" y="972528"/>
+            <a:ext cx="1740133" cy="5462252"/>
+          </a:xfrm>
+          <a:prstGeom prst="rect">
+            <a:avLst/>
+          </a:prstGeom>
+          <a:solidFill>
+            <a:srgbClr val="F6B26B">
+              <a:alpha val="47780"/>
+            </a:srgbClr>
+          </a:solidFill>
+          <a:ln w="9525" cap="flat" cmpd="sng">
+            <a:solidFill>
+              <a:srgbClr val="FF9900"/>
+            </a:solidFill>
+            <a:prstDash val="solid"/>
+            <a:round/>
+            <a:headEnd type="none" w="sm" len="sm"/>
+            <a:tailEnd type="none" w="sm" len="sm"/>
+          </a:ln>
+        </p:spPr>
+        <p:txBody>
+          <a:bodyPr spcFirstLastPara="1" wrap="square" lIns="121900" tIns="121900" rIns="121900" bIns="121900" anchor="ctr" anchorCtr="0">
+            <a:noAutofit/>
+          </a:bodyPr>
+          <a:lstStyle/>
+          <a:p>
+            <a:endParaRPr sz="2400"/>
+          </a:p>
+        </p:txBody>
+      </p:sp>
+      <p:sp>
+        <p:nvSpPr>
+          <p:cNvPr id="40" name="Google Shape;100;p14"/>
+          <p:cNvSpPr/>
+          <p:nvPr/>
+        </p:nvSpPr>
+        <p:spPr>
+          <a:xfrm>
+            <a:off x="6386161" y="1085122"/>
+            <a:ext cx="1751475" cy="5462252"/>
+          </a:xfrm>
+          <a:prstGeom prst="rect">
+            <a:avLst/>
+          </a:prstGeom>
+          <a:solidFill>
+            <a:srgbClr val="F6B26B">
+              <a:alpha val="47780"/>
+            </a:srgbClr>
+          </a:solidFill>
+          <a:ln w="9525" cap="flat" cmpd="sng">
+            <a:solidFill>
+              <a:srgbClr val="FF9900"/>
+            </a:solidFill>
+            <a:prstDash val="solid"/>
+            <a:round/>
+            <a:headEnd type="none" w="sm" len="sm"/>
+            <a:tailEnd type="none" w="sm" len="sm"/>
+          </a:ln>
+        </p:spPr>
+        <p:txBody>
+          <a:bodyPr spcFirstLastPara="1" wrap="square" lIns="121900" tIns="121900" rIns="121900" bIns="121900" anchor="ctr" anchorCtr="0">
+            <a:noAutofit/>
+          </a:bodyPr>
+          <a:lstStyle/>
+          <a:p>
+            <a:endParaRPr sz="2400"/>
+          </a:p>
+        </p:txBody>
+      </p:sp>
+      <p:sp>
+        <p:nvSpPr>
+          <p:cNvPr id="41" name="Google Shape;100;p14"/>
+          <p:cNvSpPr/>
+          <p:nvPr/>
+        </p:nvSpPr>
+        <p:spPr>
+          <a:xfrm rot="19403614">
+            <a:off x="6481203" y="1139075"/>
+            <a:ext cx="1751475" cy="5462252"/>
+          </a:xfrm>
+          <a:prstGeom prst="rect">
+            <a:avLst/>
+          </a:prstGeom>
+          <a:solidFill>
+            <a:srgbClr val="F6B26B">
+              <a:alpha val="47780"/>
+            </a:srgbClr>
+          </a:solidFill>
+          <a:ln w="9525" cap="flat" cmpd="sng">
+            <a:solidFill>
+              <a:srgbClr val="FF9900"/>
+            </a:solidFill>
+            <a:prstDash val="solid"/>
+            <a:round/>
+            <a:headEnd type="none" w="sm" len="sm"/>
+            <a:tailEnd type="none" w="sm" len="sm"/>
+          </a:ln>
+        </p:spPr>
+        <p:txBody>
+          <a:bodyPr spcFirstLastPara="1" wrap="square" lIns="121900" tIns="121900" rIns="121900" bIns="121900" anchor="ctr" anchorCtr="0">
+            <a:noAutofit/>
+          </a:bodyPr>
+          <a:lstStyle/>
+          <a:p>
+            <a:endParaRPr sz="2400"/>
+          </a:p>
+        </p:txBody>
+      </p:sp>
+      <p:sp>
+        <p:nvSpPr>
+          <p:cNvPr id="82" name="箭头: V 形 20">
+            <a:extLst>
+              <a:ext uri="{FF2B5EF4-FFF2-40B4-BE49-F238E27FC236}">
+                <a16:creationId xmlns:a16="http://schemas.microsoft.com/office/drawing/2014/main" xmlns="" id="{BC353627-9371-244D-7367-7A27EC648508}"/>
+              </a:ext>
+            </a:extLst>
+          </p:cNvPr>
+          <p:cNvSpPr/>
+          <p:nvPr/>
+        </p:nvSpPr>
+        <p:spPr>
+          <a:xfrm rot="10800000">
+            <a:off x="8622176" y="1883944"/>
+            <a:ext cx="462172" cy="650450"/>
+          </a:xfrm>
+          <a:prstGeom prst="chevron">
+            <a:avLst/>
+          </a:prstGeom>
+        </p:spPr>
+        <p:style>
+          <a:lnRef idx="1">
+            <a:schemeClr val="accent4"/>
+          </a:lnRef>
+          <a:fillRef idx="2">
+            <a:schemeClr val="accent4"/>
+          </a:fillRef>
+          <a:effectRef idx="1">
+            <a:schemeClr val="accent4"/>
+          </a:effectRef>
+          <a:fontRef idx="minor">
+            <a:schemeClr val="dk1"/>
+          </a:fontRef>
+        </p:style>
+        <p:txBody>
+          <a:bodyPr rtlCol="0" anchor="ctr"/>
+          <a:lstStyle/>
+          <a:p>
+            <a:pPr algn="ctr"/>
+            <a:endParaRPr lang="zh-CN" altLang="en-US">
+              <a:solidFill>
+                <a:schemeClr val="tx1"/>
+              </a:solidFill>
+            </a:endParaRPr>
+          </a:p>
+        </p:txBody>
+      </p:sp>
+      <p:sp>
+        <p:nvSpPr>
+          <p:cNvPr id="83" name="箭头: V 形 21">
+            <a:extLst>
+              <a:ext uri="{FF2B5EF4-FFF2-40B4-BE49-F238E27FC236}">
+                <a16:creationId xmlns:a16="http://schemas.microsoft.com/office/drawing/2014/main" xmlns="" id="{41D7DFA2-1682-8959-1196-12E3B7C49765}"/>
+              </a:ext>
+            </a:extLst>
+          </p:cNvPr>
+          <p:cNvSpPr/>
+          <p:nvPr/>
+        </p:nvSpPr>
+        <p:spPr>
+          <a:xfrm rot="10800000">
+            <a:off x="8622176" y="2883232"/>
+            <a:ext cx="462172" cy="650450"/>
+          </a:xfrm>
+          <a:prstGeom prst="chevron">
+            <a:avLst/>
+          </a:prstGeom>
+        </p:spPr>
+        <p:style>
+          <a:lnRef idx="1">
+            <a:schemeClr val="accent4"/>
+          </a:lnRef>
+          <a:fillRef idx="2">
+            <a:schemeClr val="accent4"/>
+          </a:fillRef>
+          <a:effectRef idx="1">
+            <a:schemeClr val="accent4"/>
+          </a:effectRef>
+          <a:fontRef idx="minor">
+            <a:schemeClr val="dk1"/>
+          </a:fontRef>
+        </p:style>
+        <p:txBody>
+          <a:bodyPr rtlCol="0" anchor="ctr"/>
+          <a:lstStyle/>
+          <a:p>
+            <a:pPr algn="ctr"/>
+            <a:endParaRPr lang="zh-CN" altLang="en-US">
+              <a:solidFill>
+                <a:schemeClr val="tx1"/>
+              </a:solidFill>
+            </a:endParaRPr>
+          </a:p>
+        </p:txBody>
+      </p:sp>
+      <p:sp>
+        <p:nvSpPr>
+          <p:cNvPr id="84" name="箭头: V 形 22">
+            <a:extLst>
+              <a:ext uri="{FF2B5EF4-FFF2-40B4-BE49-F238E27FC236}">
+                <a16:creationId xmlns:a16="http://schemas.microsoft.com/office/drawing/2014/main" xmlns="" id="{3E6B5B9D-8A94-166B-F4E4-0C03AFDA72FF}"/>
+              </a:ext>
+            </a:extLst>
+          </p:cNvPr>
+          <p:cNvSpPr/>
+          <p:nvPr/>
+        </p:nvSpPr>
+        <p:spPr>
+          <a:xfrm rot="10800000">
+            <a:off x="8645849" y="3911017"/>
+            <a:ext cx="462172" cy="650450"/>
+          </a:xfrm>
+          <a:prstGeom prst="chevron">
+            <a:avLst/>
+          </a:prstGeom>
+        </p:spPr>
+        <p:style>
+          <a:lnRef idx="1">
+            <a:schemeClr val="accent4"/>
+          </a:lnRef>
+          <a:fillRef idx="2">
+            <a:schemeClr val="accent4"/>
+          </a:fillRef>
+          <a:effectRef idx="1">
+            <a:schemeClr val="accent4"/>
+          </a:effectRef>
+          <a:fontRef idx="minor">
+            <a:schemeClr val="dk1"/>
+          </a:fontRef>
+        </p:style>
+        <p:txBody>
+          <a:bodyPr rtlCol="0" anchor="ctr"/>
+          <a:lstStyle/>
+          <a:p>
+            <a:pPr algn="ctr"/>
+            <a:endParaRPr lang="zh-CN" altLang="en-US">
+              <a:solidFill>
+                <a:schemeClr val="tx1"/>
+              </a:solidFill>
+            </a:endParaRPr>
+          </a:p>
+        </p:txBody>
+      </p:sp>
+      <p:sp>
+        <p:nvSpPr>
+          <p:cNvPr id="85" name="箭头: V 形 23">
+            <a:extLst>
+              <a:ext uri="{FF2B5EF4-FFF2-40B4-BE49-F238E27FC236}">
+                <a16:creationId xmlns:a16="http://schemas.microsoft.com/office/drawing/2014/main" xmlns="" id="{58C2A296-BAAF-AA9E-2CEA-ABDFA8710114}"/>
+              </a:ext>
+            </a:extLst>
+          </p:cNvPr>
+          <p:cNvSpPr/>
+          <p:nvPr/>
+        </p:nvSpPr>
+        <p:spPr>
+          <a:xfrm rot="10800000">
+            <a:off x="8645849" y="4910305"/>
+            <a:ext cx="462172" cy="650450"/>
+          </a:xfrm>
+          <a:prstGeom prst="chevron">
+            <a:avLst/>
+          </a:prstGeom>
+        </p:spPr>
+        <p:style>
+          <a:lnRef idx="1">
+            <a:schemeClr val="accent4"/>
+          </a:lnRef>
+          <a:fillRef idx="2">
+            <a:schemeClr val="accent4"/>
+          </a:fillRef>
+          <a:effectRef idx="1">
+            <a:schemeClr val="accent4"/>
+          </a:effectRef>
+          <a:fontRef idx="minor">
+            <a:schemeClr val="dk1"/>
+          </a:fontRef>
+        </p:style>
+        <p:txBody>
+          <a:bodyPr rtlCol="0" anchor="ctr"/>
+          <a:lstStyle/>
+          <a:p>
+            <a:pPr algn="ctr"/>
+            <a:endParaRPr lang="zh-CN" altLang="en-US">
+              <a:solidFill>
+                <a:schemeClr val="tx1"/>
+              </a:solidFill>
+            </a:endParaRPr>
+          </a:p>
+        </p:txBody>
+      </p:sp>
+      <p:pic>
+        <p:nvPicPr>
+          <p:cNvPr id="29" name="Google Shape;73;p14">
+            <a:extLst>
+              <a:ext uri="{FF2B5EF4-FFF2-40B4-BE49-F238E27FC236}">
+                <a16:creationId xmlns:a16="http://schemas.microsoft.com/office/drawing/2014/main" xmlns="" id="{728B4BED-4470-8B41-5F52-AEAB959AE86A}"/>
+              </a:ext>
+            </a:extLst>
+          </p:cNvPr>
+          <p:cNvPicPr preferRelativeResize="0"/>
+          <p:nvPr/>
+        </p:nvPicPr>
+        <p:blipFill>
+          <a:blip r:embed="rId2">
+            <a:alphaModFix/>
+          </a:blip>
+          <a:stretch>
+            <a:fillRect/>
+          </a:stretch>
+        </p:blipFill>
+        <p:spPr>
+          <a:xfrm rot="5400000">
+            <a:off x="4128681" y="3372004"/>
+            <a:ext cx="931980" cy="888488"/>
+          </a:xfrm>
+          <a:prstGeom prst="rect">
+            <a:avLst/>
+          </a:prstGeom>
+          <a:noFill/>
+          <a:ln>
+            <a:noFill/>
+          </a:ln>
+        </p:spPr>
+      </p:pic>
+      <p:sp>
+        <p:nvSpPr>
+          <p:cNvPr id="30" name="文本框 29"/>
+          <p:cNvSpPr txBox="1"/>
+          <p:nvPr/>
+        </p:nvSpPr>
+        <p:spPr>
+          <a:xfrm>
+            <a:off x="3532814" y="3631582"/>
+            <a:ext cx="1107996" cy="369332"/>
+          </a:xfrm>
+          <a:prstGeom prst="rect">
+            <a:avLst/>
+          </a:prstGeom>
+          <a:noFill/>
+        </p:spPr>
+        <p:txBody>
+          <a:bodyPr wrap="none" rtlCol="0">
+            <a:spAutoFit/>
+          </a:bodyPr>
+          <a:lstStyle/>
+          <a:p>
+            <a:r>
+              <a:rPr lang="ja-JP" altLang="en-US" dirty="0"/>
+              <a:t>オオカミ</a:t>
+            </a:r>
+            <a:endParaRPr lang="zh-CN" altLang="en-US" dirty="0"/>
+          </a:p>
+        </p:txBody>
+      </p:sp>
+      <p:sp>
+        <p:nvSpPr>
+          <p:cNvPr id="31" name="Google Shape;100;p14">
+            <a:extLst>
+              <a:ext uri="{FF2B5EF4-FFF2-40B4-BE49-F238E27FC236}">
+                <a16:creationId xmlns:a16="http://schemas.microsoft.com/office/drawing/2014/main" xmlns="" id="{04D7ED66-035D-0386-E0EE-BA6FE024830F}"/>
+              </a:ext>
+            </a:extLst>
+          </p:cNvPr>
+          <p:cNvSpPr/>
+          <p:nvPr/>
+        </p:nvSpPr>
+        <p:spPr>
+          <a:xfrm rot="5400000">
+            <a:off x="6012896" y="1219034"/>
+            <a:ext cx="2583188" cy="5213912"/>
+          </a:xfrm>
+          <a:prstGeom prst="rect">
+            <a:avLst/>
+          </a:prstGeom>
+          <a:solidFill>
+            <a:srgbClr val="FF3300">
+              <a:alpha val="47451"/>
+            </a:srgbClr>
+          </a:solidFill>
+          <a:ln w="9525" cap="flat" cmpd="sng">
+            <a:noFill/>
+            <a:prstDash val="solid"/>
+            <a:round/>
+            <a:headEnd type="none" w="sm" len="sm"/>
+            <a:tailEnd type="none" w="sm" len="sm"/>
+          </a:ln>
+        </p:spPr>
+        <p:txBody>
+          <a:bodyPr spcFirstLastPara="1" wrap="square" lIns="121900" tIns="121900" rIns="121900" bIns="121900" anchor="ctr" anchorCtr="0">
+            <a:noAutofit/>
+          </a:bodyPr>
+          <a:lstStyle/>
+          <a:p>
+            <a:endParaRPr sz="2400"/>
+          </a:p>
+        </p:txBody>
+      </p:sp>
+    </p:spTree>
+    <p:extLst>
+      <p:ext uri="{BB962C8B-B14F-4D97-AF65-F5344CB8AC3E}">
+        <p14:creationId xmlns:p14="http://schemas.microsoft.com/office/powerpoint/2010/main" val="242906033"/>
       </p:ext>
     </p:extLst>
   </p:cSld>
@@ -25625,7 +27392,7 @@
           <p:cNvPr id="4" name="Google Shape;74;p14">
             <a:extLst>
               <a:ext uri="{FF2B5EF4-FFF2-40B4-BE49-F238E27FC236}">
-                <a16:creationId xmlns:a16="http://schemas.microsoft.com/office/drawing/2014/main" id="{F52A6963-84A4-0036-01C0-8A6443B594E4}"/>
+                <a16:creationId xmlns:a16="http://schemas.microsoft.com/office/drawing/2014/main" xmlns="" id="{F52A6963-84A4-0036-01C0-8A6443B594E4}"/>
               </a:ext>
             </a:extLst>
           </p:cNvPr>
@@ -25659,7 +27426,7 @@
           <p:cNvPr id="5" name="Google Shape;75;p14">
             <a:extLst>
               <a:ext uri="{FF2B5EF4-FFF2-40B4-BE49-F238E27FC236}">
-                <a16:creationId xmlns:a16="http://schemas.microsoft.com/office/drawing/2014/main" id="{404581EA-6F71-715C-CE7C-99A122F3F6E4}"/>
+                <a16:creationId xmlns:a16="http://schemas.microsoft.com/office/drawing/2014/main" xmlns="" id="{404581EA-6F71-715C-CE7C-99A122F3F6E4}"/>
               </a:ext>
             </a:extLst>
           </p:cNvPr>
@@ -25693,7 +27460,7 @@
           <p:cNvPr id="6" name="Google Shape;76;p14">
             <a:extLst>
               <a:ext uri="{FF2B5EF4-FFF2-40B4-BE49-F238E27FC236}">
-                <a16:creationId xmlns:a16="http://schemas.microsoft.com/office/drawing/2014/main" id="{A527F9F4-7B4A-2EA7-612E-AAA3DD8F9F91}"/>
+                <a16:creationId xmlns:a16="http://schemas.microsoft.com/office/drawing/2014/main" xmlns="" id="{A527F9F4-7B4A-2EA7-612E-AAA3DD8F9F91}"/>
               </a:ext>
             </a:extLst>
           </p:cNvPr>
@@ -25727,7 +27494,7 @@
           <p:cNvPr id="7" name="Google Shape;77;p14">
             <a:extLst>
               <a:ext uri="{FF2B5EF4-FFF2-40B4-BE49-F238E27FC236}">
-                <a16:creationId xmlns:a16="http://schemas.microsoft.com/office/drawing/2014/main" id="{FCDA0BCF-7B73-F1F2-4535-2A7D8DF8F9A5}"/>
+                <a16:creationId xmlns:a16="http://schemas.microsoft.com/office/drawing/2014/main" xmlns="" id="{FCDA0BCF-7B73-F1F2-4535-2A7D8DF8F9A5}"/>
               </a:ext>
             </a:extLst>
           </p:cNvPr>
@@ -25761,7 +27528,7 @@
           <p:cNvPr id="8" name="Google Shape;78;p14">
             <a:extLst>
               <a:ext uri="{FF2B5EF4-FFF2-40B4-BE49-F238E27FC236}">
-                <a16:creationId xmlns:a16="http://schemas.microsoft.com/office/drawing/2014/main" id="{0C8F405C-8C7A-9464-2835-C0C6BCE26B6A}"/>
+                <a16:creationId xmlns:a16="http://schemas.microsoft.com/office/drawing/2014/main" xmlns="" id="{0C8F405C-8C7A-9464-2835-C0C6BCE26B6A}"/>
               </a:ext>
             </a:extLst>
           </p:cNvPr>
@@ -25795,7 +27562,7 @@
           <p:cNvPr id="9" name="Google Shape;79;p14">
             <a:extLst>
               <a:ext uri="{FF2B5EF4-FFF2-40B4-BE49-F238E27FC236}">
-                <a16:creationId xmlns:a16="http://schemas.microsoft.com/office/drawing/2014/main" id="{E9EC9C58-B423-E735-B962-72835BD4EE86}"/>
+                <a16:creationId xmlns:a16="http://schemas.microsoft.com/office/drawing/2014/main" xmlns="" id="{E9EC9C58-B423-E735-B962-72835BD4EE86}"/>
               </a:ext>
             </a:extLst>
           </p:cNvPr>
@@ -25829,7 +27596,7 @@
           <p:cNvPr id="10" name="Google Shape;80;p14">
             <a:extLst>
               <a:ext uri="{FF2B5EF4-FFF2-40B4-BE49-F238E27FC236}">
-                <a16:creationId xmlns:a16="http://schemas.microsoft.com/office/drawing/2014/main" id="{BA0DDD85-240E-A853-DC83-F6457C5291E8}"/>
+                <a16:creationId xmlns:a16="http://schemas.microsoft.com/office/drawing/2014/main" xmlns="" id="{BA0DDD85-240E-A853-DC83-F6457C5291E8}"/>
               </a:ext>
             </a:extLst>
           </p:cNvPr>
@@ -25863,7 +27630,7 @@
           <p:cNvPr id="11" name="Google Shape;81;p14">
             <a:extLst>
               <a:ext uri="{FF2B5EF4-FFF2-40B4-BE49-F238E27FC236}">
-                <a16:creationId xmlns:a16="http://schemas.microsoft.com/office/drawing/2014/main" id="{78D0E7F2-A606-3D98-4CE9-4D32A4C0E2C6}"/>
+                <a16:creationId xmlns:a16="http://schemas.microsoft.com/office/drawing/2014/main" xmlns="" id="{78D0E7F2-A606-3D98-4CE9-4D32A4C0E2C6}"/>
               </a:ext>
             </a:extLst>
           </p:cNvPr>
@@ -25897,7 +27664,7 @@
           <p:cNvPr id="12" name="箭头: 五边形 11">
             <a:extLst>
               <a:ext uri="{FF2B5EF4-FFF2-40B4-BE49-F238E27FC236}">
-                <a16:creationId xmlns:a16="http://schemas.microsoft.com/office/drawing/2014/main" id="{E13F04AF-CA49-218E-5AA1-C8D4A89BCA7A}"/>
+                <a16:creationId xmlns:a16="http://schemas.microsoft.com/office/drawing/2014/main" xmlns="" id="{E13F04AF-CA49-218E-5AA1-C8D4A89BCA7A}"/>
               </a:ext>
             </a:extLst>
           </p:cNvPr>
@@ -25944,7 +27711,7 @@
           <p:cNvPr id="13" name="箭头: 五边形 12">
             <a:extLst>
               <a:ext uri="{FF2B5EF4-FFF2-40B4-BE49-F238E27FC236}">
-                <a16:creationId xmlns:a16="http://schemas.microsoft.com/office/drawing/2014/main" id="{05DEB904-DFEB-BAA8-7C26-B72CD611A811}"/>
+                <a16:creationId xmlns:a16="http://schemas.microsoft.com/office/drawing/2014/main" xmlns="" id="{05DEB904-DFEB-BAA8-7C26-B72CD611A811}"/>
               </a:ext>
             </a:extLst>
           </p:cNvPr>
@@ -26000,7 +27767,7 @@
           <p:cNvPr id="14" name="箭头: 五边形 13">
             <a:extLst>
               <a:ext uri="{FF2B5EF4-FFF2-40B4-BE49-F238E27FC236}">
-                <a16:creationId xmlns:a16="http://schemas.microsoft.com/office/drawing/2014/main" id="{FD3B5483-3F50-8FB0-25AC-EC051D3099FB}"/>
+                <a16:creationId xmlns:a16="http://schemas.microsoft.com/office/drawing/2014/main" xmlns="" id="{FD3B5483-3F50-8FB0-25AC-EC051D3099FB}"/>
               </a:ext>
             </a:extLst>
           </p:cNvPr>
@@ -26056,7 +27823,7 @@
           <p:cNvPr id="15" name="箭头: 五边形 14">
             <a:extLst>
               <a:ext uri="{FF2B5EF4-FFF2-40B4-BE49-F238E27FC236}">
-                <a16:creationId xmlns:a16="http://schemas.microsoft.com/office/drawing/2014/main" id="{A43EC445-08DE-C16A-E8F3-A1D64CDC87A4}"/>
+                <a16:creationId xmlns:a16="http://schemas.microsoft.com/office/drawing/2014/main" xmlns="" id="{A43EC445-08DE-C16A-E8F3-A1D64CDC87A4}"/>
               </a:ext>
             </a:extLst>
           </p:cNvPr>
@@ -26112,7 +27879,7 @@
           <p:cNvPr id="16" name="箭头: 五边形 15">
             <a:extLst>
               <a:ext uri="{FF2B5EF4-FFF2-40B4-BE49-F238E27FC236}">
-                <a16:creationId xmlns:a16="http://schemas.microsoft.com/office/drawing/2014/main" id="{B8062128-35C1-DC16-AC2E-34A3B7EFCE5D}"/>
+                <a16:creationId xmlns:a16="http://schemas.microsoft.com/office/drawing/2014/main" xmlns="" id="{B8062128-35C1-DC16-AC2E-34A3B7EFCE5D}"/>
               </a:ext>
             </a:extLst>
           </p:cNvPr>
@@ -26168,7 +27935,7 @@
           <p:cNvPr id="17" name="箭头: 五边形 16">
             <a:extLst>
               <a:ext uri="{FF2B5EF4-FFF2-40B4-BE49-F238E27FC236}">
-                <a16:creationId xmlns:a16="http://schemas.microsoft.com/office/drawing/2014/main" id="{9161E0C4-34BC-E5EF-2DA6-3E4BE128882D}"/>
+                <a16:creationId xmlns:a16="http://schemas.microsoft.com/office/drawing/2014/main" xmlns="" id="{9161E0C4-34BC-E5EF-2DA6-3E4BE128882D}"/>
               </a:ext>
             </a:extLst>
           </p:cNvPr>
@@ -26215,7 +27982,7 @@
           <p:cNvPr id="18" name="箭头: 五边形 17">
             <a:extLst>
               <a:ext uri="{FF2B5EF4-FFF2-40B4-BE49-F238E27FC236}">
-                <a16:creationId xmlns:a16="http://schemas.microsoft.com/office/drawing/2014/main" id="{B14F0095-88A1-E73B-341C-A51D4BF3BCE7}"/>
+                <a16:creationId xmlns:a16="http://schemas.microsoft.com/office/drawing/2014/main" xmlns="" id="{B14F0095-88A1-E73B-341C-A51D4BF3BCE7}"/>
               </a:ext>
             </a:extLst>
           </p:cNvPr>
@@ -26262,7 +28029,7 @@
           <p:cNvPr id="19" name="箭头: 五边形 18">
             <a:extLst>
               <a:ext uri="{FF2B5EF4-FFF2-40B4-BE49-F238E27FC236}">
-                <a16:creationId xmlns:a16="http://schemas.microsoft.com/office/drawing/2014/main" id="{E972E0E3-FC1A-AEDD-7D35-7285E0781540}"/>
+                <a16:creationId xmlns:a16="http://schemas.microsoft.com/office/drawing/2014/main" xmlns="" id="{E972E0E3-FC1A-AEDD-7D35-7285E0781540}"/>
               </a:ext>
             </a:extLst>
           </p:cNvPr>
@@ -26349,7 +28116,7 @@
           <p:cNvPr id="2" name="标题 1">
             <a:extLst>
               <a:ext uri="{FF2B5EF4-FFF2-40B4-BE49-F238E27FC236}">
-                <a16:creationId xmlns:a16="http://schemas.microsoft.com/office/drawing/2014/main" id="{2A9B6C59-89F9-5390-BB77-F8DB7EF7B310}"/>
+                <a16:creationId xmlns:a16="http://schemas.microsoft.com/office/drawing/2014/main" xmlns="" id="{2A9B6C59-89F9-5390-BB77-F8DB7EF7B310}"/>
               </a:ext>
             </a:extLst>
           </p:cNvPr>
@@ -26424,7 +28191,7 @@
           <p:cNvPr id="2" name="标题 1">
             <a:extLst>
               <a:ext uri="{FF2B5EF4-FFF2-40B4-BE49-F238E27FC236}">
-                <a16:creationId xmlns:a16="http://schemas.microsoft.com/office/drawing/2014/main" id="{80796E82-7314-2FBE-2DE8-DDD70D4DF27E}"/>
+                <a16:creationId xmlns:a16="http://schemas.microsoft.com/office/drawing/2014/main" xmlns="" id="{80796E82-7314-2FBE-2DE8-DDD70D4DF27E}"/>
               </a:ext>
             </a:extLst>
           </p:cNvPr>
@@ -26473,7 +28240,7 @@
           <p:cNvPr id="5" name="椭圆 4">
             <a:extLst>
               <a:ext uri="{FF2B5EF4-FFF2-40B4-BE49-F238E27FC236}">
-                <a16:creationId xmlns:a16="http://schemas.microsoft.com/office/drawing/2014/main" id="{A020CC41-9901-5A10-06D8-1F19650A3A6A}"/>
+                <a16:creationId xmlns:a16="http://schemas.microsoft.com/office/drawing/2014/main" xmlns="" id="{A020CC41-9901-5A10-06D8-1F19650A3A6A}"/>
               </a:ext>
             </a:extLst>
           </p:cNvPr>
@@ -26525,7 +28292,7 @@
           <p:cNvPr id="6" name="Google Shape;74;p14">
             <a:extLst>
               <a:ext uri="{FF2B5EF4-FFF2-40B4-BE49-F238E27FC236}">
-                <a16:creationId xmlns:a16="http://schemas.microsoft.com/office/drawing/2014/main" id="{8ABB2948-CF7D-7BD6-14B8-367574244CB2}"/>
+                <a16:creationId xmlns:a16="http://schemas.microsoft.com/office/drawing/2014/main" xmlns="" id="{8ABB2948-CF7D-7BD6-14B8-367574244CB2}"/>
               </a:ext>
             </a:extLst>
           </p:cNvPr>
@@ -26559,7 +28326,7 @@
           <p:cNvPr id="7" name="Google Shape;75;p14">
             <a:extLst>
               <a:ext uri="{FF2B5EF4-FFF2-40B4-BE49-F238E27FC236}">
-                <a16:creationId xmlns:a16="http://schemas.microsoft.com/office/drawing/2014/main" id="{744D1F6B-EBF7-049C-9CBC-D2BD265B8DB5}"/>
+                <a16:creationId xmlns:a16="http://schemas.microsoft.com/office/drawing/2014/main" xmlns="" id="{744D1F6B-EBF7-049C-9CBC-D2BD265B8DB5}"/>
               </a:ext>
             </a:extLst>
           </p:cNvPr>
@@ -26593,7 +28360,7 @@
           <p:cNvPr id="8" name="Google Shape;76;p14">
             <a:extLst>
               <a:ext uri="{FF2B5EF4-FFF2-40B4-BE49-F238E27FC236}">
-                <a16:creationId xmlns:a16="http://schemas.microsoft.com/office/drawing/2014/main" id="{A0604560-830C-4AC9-3717-031AA48B5D45}"/>
+                <a16:creationId xmlns:a16="http://schemas.microsoft.com/office/drawing/2014/main" xmlns="" id="{A0604560-830C-4AC9-3717-031AA48B5D45}"/>
               </a:ext>
             </a:extLst>
           </p:cNvPr>
@@ -26627,7 +28394,7 @@
           <p:cNvPr id="9" name="Google Shape;77;p14">
             <a:extLst>
               <a:ext uri="{FF2B5EF4-FFF2-40B4-BE49-F238E27FC236}">
-                <a16:creationId xmlns:a16="http://schemas.microsoft.com/office/drawing/2014/main" id="{DC03C87C-87BB-A5EB-0D50-DDB31F93A6C2}"/>
+                <a16:creationId xmlns:a16="http://schemas.microsoft.com/office/drawing/2014/main" xmlns="" id="{DC03C87C-87BB-A5EB-0D50-DDB31F93A6C2}"/>
               </a:ext>
             </a:extLst>
           </p:cNvPr>
@@ -26661,7 +28428,7 @@
           <p:cNvPr id="10" name="Google Shape;78;p14">
             <a:extLst>
               <a:ext uri="{FF2B5EF4-FFF2-40B4-BE49-F238E27FC236}">
-                <a16:creationId xmlns:a16="http://schemas.microsoft.com/office/drawing/2014/main" id="{281D3DED-9B64-E88B-FC5F-0C30B82A9484}"/>
+                <a16:creationId xmlns:a16="http://schemas.microsoft.com/office/drawing/2014/main" xmlns="" id="{281D3DED-9B64-E88B-FC5F-0C30B82A9484}"/>
               </a:ext>
             </a:extLst>
           </p:cNvPr>
@@ -26695,7 +28462,7 @@
           <p:cNvPr id="11" name="Google Shape;79;p14">
             <a:extLst>
               <a:ext uri="{FF2B5EF4-FFF2-40B4-BE49-F238E27FC236}">
-                <a16:creationId xmlns:a16="http://schemas.microsoft.com/office/drawing/2014/main" id="{0DAE55E6-D474-C395-BC84-8ACA3CE820A0}"/>
+                <a16:creationId xmlns:a16="http://schemas.microsoft.com/office/drawing/2014/main" xmlns="" id="{0DAE55E6-D474-C395-BC84-8ACA3CE820A0}"/>
               </a:ext>
             </a:extLst>
           </p:cNvPr>
@@ -26729,7 +28496,7 @@
           <p:cNvPr id="12" name="Google Shape;80;p14">
             <a:extLst>
               <a:ext uri="{FF2B5EF4-FFF2-40B4-BE49-F238E27FC236}">
-                <a16:creationId xmlns:a16="http://schemas.microsoft.com/office/drawing/2014/main" id="{3A5AAC50-9F06-A76F-B20B-35CF3612E825}"/>
+                <a16:creationId xmlns:a16="http://schemas.microsoft.com/office/drawing/2014/main" xmlns="" id="{3A5AAC50-9F06-A76F-B20B-35CF3612E825}"/>
               </a:ext>
             </a:extLst>
           </p:cNvPr>
@@ -26763,7 +28530,7 @@
           <p:cNvPr id="13" name="Google Shape;81;p14">
             <a:extLst>
               <a:ext uri="{FF2B5EF4-FFF2-40B4-BE49-F238E27FC236}">
-                <a16:creationId xmlns:a16="http://schemas.microsoft.com/office/drawing/2014/main" id="{F33B3BEC-1095-E464-2D03-703E55B0F8A0}"/>
+                <a16:creationId xmlns:a16="http://schemas.microsoft.com/office/drawing/2014/main" xmlns="" id="{F33B3BEC-1095-E464-2D03-703E55B0F8A0}"/>
               </a:ext>
             </a:extLst>
           </p:cNvPr>
@@ -26797,7 +28564,7 @@
           <p:cNvPr id="14" name="图片 13">
             <a:extLst>
               <a:ext uri="{FF2B5EF4-FFF2-40B4-BE49-F238E27FC236}">
-                <a16:creationId xmlns:a16="http://schemas.microsoft.com/office/drawing/2014/main" id="{A1247C65-E9FE-684D-C577-C3EFF757A026}"/>
+                <a16:creationId xmlns:a16="http://schemas.microsoft.com/office/drawing/2014/main" xmlns="" id="{A1247C65-E9FE-684D-C577-C3EFF757A026}"/>
               </a:ext>
             </a:extLst>
           </p:cNvPr>
@@ -26827,7 +28594,7 @@
           <p:cNvPr id="15" name="图片 14">
             <a:extLst>
               <a:ext uri="{FF2B5EF4-FFF2-40B4-BE49-F238E27FC236}">
-                <a16:creationId xmlns:a16="http://schemas.microsoft.com/office/drawing/2014/main" id="{2E9CE1E3-2135-0036-6AC6-4F023E9FB9FB}"/>
+                <a16:creationId xmlns:a16="http://schemas.microsoft.com/office/drawing/2014/main" xmlns="" id="{2E9CE1E3-2135-0036-6AC6-4F023E9FB9FB}"/>
               </a:ext>
             </a:extLst>
           </p:cNvPr>
@@ -26857,7 +28624,7 @@
           <p:cNvPr id="16" name="图片 15">
             <a:extLst>
               <a:ext uri="{FF2B5EF4-FFF2-40B4-BE49-F238E27FC236}">
-                <a16:creationId xmlns:a16="http://schemas.microsoft.com/office/drawing/2014/main" id="{E105324A-0DF5-3CC5-8FA4-5C776E05B929}"/>
+                <a16:creationId xmlns:a16="http://schemas.microsoft.com/office/drawing/2014/main" xmlns="" id="{E105324A-0DF5-3CC5-8FA4-5C776E05B929}"/>
               </a:ext>
             </a:extLst>
           </p:cNvPr>
@@ -26887,7 +28654,7 @@
           <p:cNvPr id="17" name="图片 16">
             <a:extLst>
               <a:ext uri="{FF2B5EF4-FFF2-40B4-BE49-F238E27FC236}">
-                <a16:creationId xmlns:a16="http://schemas.microsoft.com/office/drawing/2014/main" id="{9B118434-3A73-4D47-C6D6-FBDC473A6E94}"/>
+                <a16:creationId xmlns:a16="http://schemas.microsoft.com/office/drawing/2014/main" xmlns="" id="{9B118434-3A73-4D47-C6D6-FBDC473A6E94}"/>
               </a:ext>
             </a:extLst>
           </p:cNvPr>
@@ -26917,7 +28684,7 @@
           <p:cNvPr id="18" name="图片 17">
             <a:extLst>
               <a:ext uri="{FF2B5EF4-FFF2-40B4-BE49-F238E27FC236}">
-                <a16:creationId xmlns:a16="http://schemas.microsoft.com/office/drawing/2014/main" id="{B4FACCEA-FD77-524D-0769-3E9B324ECE01}"/>
+                <a16:creationId xmlns:a16="http://schemas.microsoft.com/office/drawing/2014/main" xmlns="" id="{B4FACCEA-FD77-524D-0769-3E9B324ECE01}"/>
               </a:ext>
             </a:extLst>
           </p:cNvPr>
@@ -26977,7 +28744,7 @@
           <p:cNvPr id="2" name="标题 1">
             <a:extLst>
               <a:ext uri="{FF2B5EF4-FFF2-40B4-BE49-F238E27FC236}">
-                <a16:creationId xmlns:a16="http://schemas.microsoft.com/office/drawing/2014/main" id="{80796E82-7314-2FBE-2DE8-DDD70D4DF27E}"/>
+                <a16:creationId xmlns:a16="http://schemas.microsoft.com/office/drawing/2014/main" xmlns="" id="{80796E82-7314-2FBE-2DE8-DDD70D4DF27E}"/>
               </a:ext>
             </a:extLst>
           </p:cNvPr>
@@ -27026,7 +28793,7 @@
           <p:cNvPr id="5" name="椭圆 4">
             <a:extLst>
               <a:ext uri="{FF2B5EF4-FFF2-40B4-BE49-F238E27FC236}">
-                <a16:creationId xmlns:a16="http://schemas.microsoft.com/office/drawing/2014/main" id="{A020CC41-9901-5A10-06D8-1F19650A3A6A}"/>
+                <a16:creationId xmlns:a16="http://schemas.microsoft.com/office/drawing/2014/main" xmlns="" id="{A020CC41-9901-5A10-06D8-1F19650A3A6A}"/>
               </a:ext>
             </a:extLst>
           </p:cNvPr>
@@ -27078,7 +28845,7 @@
           <p:cNvPr id="6" name="Google Shape;74;p14">
             <a:extLst>
               <a:ext uri="{FF2B5EF4-FFF2-40B4-BE49-F238E27FC236}">
-                <a16:creationId xmlns:a16="http://schemas.microsoft.com/office/drawing/2014/main" id="{8ABB2948-CF7D-7BD6-14B8-367574244CB2}"/>
+                <a16:creationId xmlns:a16="http://schemas.microsoft.com/office/drawing/2014/main" xmlns="" id="{8ABB2948-CF7D-7BD6-14B8-367574244CB2}"/>
               </a:ext>
             </a:extLst>
           </p:cNvPr>
@@ -27112,7 +28879,7 @@
           <p:cNvPr id="7" name="Google Shape;75;p14">
             <a:extLst>
               <a:ext uri="{FF2B5EF4-FFF2-40B4-BE49-F238E27FC236}">
-                <a16:creationId xmlns:a16="http://schemas.microsoft.com/office/drawing/2014/main" id="{744D1F6B-EBF7-049C-9CBC-D2BD265B8DB5}"/>
+                <a16:creationId xmlns:a16="http://schemas.microsoft.com/office/drawing/2014/main" xmlns="" id="{744D1F6B-EBF7-049C-9CBC-D2BD265B8DB5}"/>
               </a:ext>
             </a:extLst>
           </p:cNvPr>
@@ -27146,7 +28913,7 @@
           <p:cNvPr id="8" name="Google Shape;76;p14">
             <a:extLst>
               <a:ext uri="{FF2B5EF4-FFF2-40B4-BE49-F238E27FC236}">
-                <a16:creationId xmlns:a16="http://schemas.microsoft.com/office/drawing/2014/main" id="{A0604560-830C-4AC9-3717-031AA48B5D45}"/>
+                <a16:creationId xmlns:a16="http://schemas.microsoft.com/office/drawing/2014/main" xmlns="" id="{A0604560-830C-4AC9-3717-031AA48B5D45}"/>
               </a:ext>
             </a:extLst>
           </p:cNvPr>
@@ -27180,7 +28947,7 @@
           <p:cNvPr id="9" name="Google Shape;77;p14">
             <a:extLst>
               <a:ext uri="{FF2B5EF4-FFF2-40B4-BE49-F238E27FC236}">
-                <a16:creationId xmlns:a16="http://schemas.microsoft.com/office/drawing/2014/main" id="{DC03C87C-87BB-A5EB-0D50-DDB31F93A6C2}"/>
+                <a16:creationId xmlns:a16="http://schemas.microsoft.com/office/drawing/2014/main" xmlns="" id="{DC03C87C-87BB-A5EB-0D50-DDB31F93A6C2}"/>
               </a:ext>
             </a:extLst>
           </p:cNvPr>
@@ -27214,7 +28981,7 @@
           <p:cNvPr id="10" name="Google Shape;78;p14">
             <a:extLst>
               <a:ext uri="{FF2B5EF4-FFF2-40B4-BE49-F238E27FC236}">
-                <a16:creationId xmlns:a16="http://schemas.microsoft.com/office/drawing/2014/main" id="{281D3DED-9B64-E88B-FC5F-0C30B82A9484}"/>
+                <a16:creationId xmlns:a16="http://schemas.microsoft.com/office/drawing/2014/main" xmlns="" id="{281D3DED-9B64-E88B-FC5F-0C30B82A9484}"/>
               </a:ext>
             </a:extLst>
           </p:cNvPr>
@@ -27248,7 +29015,7 @@
           <p:cNvPr id="11" name="Google Shape;79;p14">
             <a:extLst>
               <a:ext uri="{FF2B5EF4-FFF2-40B4-BE49-F238E27FC236}">
-                <a16:creationId xmlns:a16="http://schemas.microsoft.com/office/drawing/2014/main" id="{0DAE55E6-D474-C395-BC84-8ACA3CE820A0}"/>
+                <a16:creationId xmlns:a16="http://schemas.microsoft.com/office/drawing/2014/main" xmlns="" id="{0DAE55E6-D474-C395-BC84-8ACA3CE820A0}"/>
               </a:ext>
             </a:extLst>
           </p:cNvPr>
@@ -27282,7 +29049,7 @@
           <p:cNvPr id="12" name="Google Shape;80;p14">
             <a:extLst>
               <a:ext uri="{FF2B5EF4-FFF2-40B4-BE49-F238E27FC236}">
-                <a16:creationId xmlns:a16="http://schemas.microsoft.com/office/drawing/2014/main" id="{3A5AAC50-9F06-A76F-B20B-35CF3612E825}"/>
+                <a16:creationId xmlns:a16="http://schemas.microsoft.com/office/drawing/2014/main" xmlns="" id="{3A5AAC50-9F06-A76F-B20B-35CF3612E825}"/>
               </a:ext>
             </a:extLst>
           </p:cNvPr>
@@ -27316,7 +29083,7 @@
           <p:cNvPr id="13" name="Google Shape;81;p14">
             <a:extLst>
               <a:ext uri="{FF2B5EF4-FFF2-40B4-BE49-F238E27FC236}">
-                <a16:creationId xmlns:a16="http://schemas.microsoft.com/office/drawing/2014/main" id="{F33B3BEC-1095-E464-2D03-703E55B0F8A0}"/>
+                <a16:creationId xmlns:a16="http://schemas.microsoft.com/office/drawing/2014/main" xmlns="" id="{F33B3BEC-1095-E464-2D03-703E55B0F8A0}"/>
               </a:ext>
             </a:extLst>
           </p:cNvPr>
@@ -27350,7 +29117,7 @@
           <p:cNvPr id="14" name="图片 13">
             <a:extLst>
               <a:ext uri="{FF2B5EF4-FFF2-40B4-BE49-F238E27FC236}">
-                <a16:creationId xmlns:a16="http://schemas.microsoft.com/office/drawing/2014/main" id="{A1247C65-E9FE-684D-C577-C3EFF757A026}"/>
+                <a16:creationId xmlns:a16="http://schemas.microsoft.com/office/drawing/2014/main" xmlns="" id="{A1247C65-E9FE-684D-C577-C3EFF757A026}"/>
               </a:ext>
             </a:extLst>
           </p:cNvPr>
@@ -27380,7 +29147,7 @@
           <p:cNvPr id="15" name="图片 14">
             <a:extLst>
               <a:ext uri="{FF2B5EF4-FFF2-40B4-BE49-F238E27FC236}">
-                <a16:creationId xmlns:a16="http://schemas.microsoft.com/office/drawing/2014/main" id="{2E9CE1E3-2135-0036-6AC6-4F023E9FB9FB}"/>
+                <a16:creationId xmlns:a16="http://schemas.microsoft.com/office/drawing/2014/main" xmlns="" id="{2E9CE1E3-2135-0036-6AC6-4F023E9FB9FB}"/>
               </a:ext>
             </a:extLst>
           </p:cNvPr>
@@ -27410,7 +29177,7 @@
           <p:cNvPr id="16" name="图片 15">
             <a:extLst>
               <a:ext uri="{FF2B5EF4-FFF2-40B4-BE49-F238E27FC236}">
-                <a16:creationId xmlns:a16="http://schemas.microsoft.com/office/drawing/2014/main" id="{E105324A-0DF5-3CC5-8FA4-5C776E05B929}"/>
+                <a16:creationId xmlns:a16="http://schemas.microsoft.com/office/drawing/2014/main" xmlns="" id="{E105324A-0DF5-3CC5-8FA4-5C776E05B929}"/>
               </a:ext>
             </a:extLst>
           </p:cNvPr>
@@ -27440,7 +29207,7 @@
           <p:cNvPr id="17" name="图片 16">
             <a:extLst>
               <a:ext uri="{FF2B5EF4-FFF2-40B4-BE49-F238E27FC236}">
-                <a16:creationId xmlns:a16="http://schemas.microsoft.com/office/drawing/2014/main" id="{9B118434-3A73-4D47-C6D6-FBDC473A6E94}"/>
+                <a16:creationId xmlns:a16="http://schemas.microsoft.com/office/drawing/2014/main" xmlns="" id="{9B118434-3A73-4D47-C6D6-FBDC473A6E94}"/>
               </a:ext>
             </a:extLst>
           </p:cNvPr>
@@ -27470,7 +29237,7 @@
           <p:cNvPr id="18" name="图片 17">
             <a:extLst>
               <a:ext uri="{FF2B5EF4-FFF2-40B4-BE49-F238E27FC236}">
-                <a16:creationId xmlns:a16="http://schemas.microsoft.com/office/drawing/2014/main" id="{B4FACCEA-FD77-524D-0769-3E9B324ECE01}"/>
+                <a16:creationId xmlns:a16="http://schemas.microsoft.com/office/drawing/2014/main" xmlns="" id="{B4FACCEA-FD77-524D-0769-3E9B324ECE01}"/>
               </a:ext>
             </a:extLst>
           </p:cNvPr>
@@ -27500,7 +29267,7 @@
           <p:cNvPr id="19" name="Google Shape;87;p14">
             <a:extLst>
               <a:ext uri="{FF2B5EF4-FFF2-40B4-BE49-F238E27FC236}">
-                <a16:creationId xmlns:a16="http://schemas.microsoft.com/office/drawing/2014/main" id="{D5F99ADA-5751-0003-A146-8C3479B5FA29}"/>
+                <a16:creationId xmlns:a16="http://schemas.microsoft.com/office/drawing/2014/main" xmlns="" id="{D5F99ADA-5751-0003-A146-8C3479B5FA29}"/>
               </a:ext>
             </a:extLst>
           </p:cNvPr>
@@ -27534,7 +29301,7 @@
           <p:cNvPr id="21" name="Google Shape;87;p14">
             <a:extLst>
               <a:ext uri="{FF2B5EF4-FFF2-40B4-BE49-F238E27FC236}">
-                <a16:creationId xmlns:a16="http://schemas.microsoft.com/office/drawing/2014/main" id="{90F13ACB-01F8-F61D-B504-33D42F0F054E}"/>
+                <a16:creationId xmlns:a16="http://schemas.microsoft.com/office/drawing/2014/main" xmlns="" id="{90F13ACB-01F8-F61D-B504-33D42F0F054E}"/>
               </a:ext>
             </a:extLst>
           </p:cNvPr>
@@ -27568,7 +29335,7 @@
           <p:cNvPr id="24" name="Google Shape;85;p14">
             <a:extLst>
               <a:ext uri="{FF2B5EF4-FFF2-40B4-BE49-F238E27FC236}">
-                <a16:creationId xmlns:a16="http://schemas.microsoft.com/office/drawing/2014/main" id="{8498F254-73E8-BE24-4CFC-E75E188DD02A}"/>
+                <a16:creationId xmlns:a16="http://schemas.microsoft.com/office/drawing/2014/main" xmlns="" id="{8498F254-73E8-BE24-4CFC-E75E188DD02A}"/>
               </a:ext>
             </a:extLst>
           </p:cNvPr>
@@ -27609,7 +29376,7 @@
           <p:cNvPr id="25" name="Google Shape;85;p14">
             <a:extLst>
               <a:ext uri="{FF2B5EF4-FFF2-40B4-BE49-F238E27FC236}">
-                <a16:creationId xmlns:a16="http://schemas.microsoft.com/office/drawing/2014/main" id="{5C78CA6E-6DFC-515D-2D93-7149CE8D13F3}"/>
+                <a16:creationId xmlns:a16="http://schemas.microsoft.com/office/drawing/2014/main" xmlns="" id="{5C78CA6E-6DFC-515D-2D93-7149CE8D13F3}"/>
               </a:ext>
             </a:extLst>
           </p:cNvPr>
@@ -27650,7 +29417,7 @@
           <p:cNvPr id="26" name="Google Shape;90;p14">
             <a:extLst>
               <a:ext uri="{FF2B5EF4-FFF2-40B4-BE49-F238E27FC236}">
-                <a16:creationId xmlns:a16="http://schemas.microsoft.com/office/drawing/2014/main" id="{70D7F9C8-3F19-0671-CC95-0C6FF2D659F6}"/>
+                <a16:creationId xmlns:a16="http://schemas.microsoft.com/office/drawing/2014/main" xmlns="" id="{70D7F9C8-3F19-0671-CC95-0C6FF2D659F6}"/>
               </a:ext>
             </a:extLst>
           </p:cNvPr>
@@ -27684,7 +29451,7 @@
           <p:cNvPr id="27" name="Google Shape;83;p14">
             <a:extLst>
               <a:ext uri="{FF2B5EF4-FFF2-40B4-BE49-F238E27FC236}">
-                <a16:creationId xmlns:a16="http://schemas.microsoft.com/office/drawing/2014/main" id="{7612AD67-07A2-FFEB-0DE5-F90CDC1B4A5C}"/>
+                <a16:creationId xmlns:a16="http://schemas.microsoft.com/office/drawing/2014/main" xmlns="" id="{7612AD67-07A2-FFEB-0DE5-F90CDC1B4A5C}"/>
               </a:ext>
             </a:extLst>
           </p:cNvPr>
@@ -27729,7 +29496,7 @@
           <p:cNvPr id="28" name="Google Shape;83;p14">
             <a:extLst>
               <a:ext uri="{FF2B5EF4-FFF2-40B4-BE49-F238E27FC236}">
-                <a16:creationId xmlns:a16="http://schemas.microsoft.com/office/drawing/2014/main" id="{8DAAC8FF-3497-68B4-671F-222AE70DDC00}"/>
+                <a16:creationId xmlns:a16="http://schemas.microsoft.com/office/drawing/2014/main" xmlns="" id="{8DAAC8FF-3497-68B4-671F-222AE70DDC00}"/>
               </a:ext>
             </a:extLst>
           </p:cNvPr>
@@ -27774,7 +29541,7 @@
           <p:cNvPr id="29" name="矩形 28">
             <a:extLst>
               <a:ext uri="{FF2B5EF4-FFF2-40B4-BE49-F238E27FC236}">
-                <a16:creationId xmlns:a16="http://schemas.microsoft.com/office/drawing/2014/main" id="{F5D95F4C-2AC2-CBDE-25EE-8B0D5572C4DD}"/>
+                <a16:creationId xmlns:a16="http://schemas.microsoft.com/office/drawing/2014/main" xmlns="" id="{F5D95F4C-2AC2-CBDE-25EE-8B0D5572C4DD}"/>
               </a:ext>
             </a:extLst>
           </p:cNvPr>
@@ -27825,7 +29592,7 @@
           <p:cNvPr id="30" name="文本框 29">
             <a:extLst>
               <a:ext uri="{FF2B5EF4-FFF2-40B4-BE49-F238E27FC236}">
-                <a16:creationId xmlns:a16="http://schemas.microsoft.com/office/drawing/2014/main" id="{02CD6288-94AE-B133-56AB-163E634896EC}"/>
+                <a16:creationId xmlns:a16="http://schemas.microsoft.com/office/drawing/2014/main" xmlns="" id="{02CD6288-94AE-B133-56AB-163E634896EC}"/>
               </a:ext>
             </a:extLst>
           </p:cNvPr>
@@ -27894,7 +29661,7 @@
           <p:cNvPr id="2" name="标题 1">
             <a:extLst>
               <a:ext uri="{FF2B5EF4-FFF2-40B4-BE49-F238E27FC236}">
-                <a16:creationId xmlns:a16="http://schemas.microsoft.com/office/drawing/2014/main" id="{80796E82-7314-2FBE-2DE8-DDD70D4DF27E}"/>
+                <a16:creationId xmlns:a16="http://schemas.microsoft.com/office/drawing/2014/main" xmlns="" id="{80796E82-7314-2FBE-2DE8-DDD70D4DF27E}"/>
               </a:ext>
             </a:extLst>
           </p:cNvPr>
@@ -27943,7 +29710,7 @@
           <p:cNvPr id="5" name="椭圆 4">
             <a:extLst>
               <a:ext uri="{FF2B5EF4-FFF2-40B4-BE49-F238E27FC236}">
-                <a16:creationId xmlns:a16="http://schemas.microsoft.com/office/drawing/2014/main" id="{A020CC41-9901-5A10-06D8-1F19650A3A6A}"/>
+                <a16:creationId xmlns:a16="http://schemas.microsoft.com/office/drawing/2014/main" xmlns="" id="{A020CC41-9901-5A10-06D8-1F19650A3A6A}"/>
               </a:ext>
             </a:extLst>
           </p:cNvPr>
@@ -27995,7 +29762,7 @@
           <p:cNvPr id="6" name="Google Shape;74;p14">
             <a:extLst>
               <a:ext uri="{FF2B5EF4-FFF2-40B4-BE49-F238E27FC236}">
-                <a16:creationId xmlns:a16="http://schemas.microsoft.com/office/drawing/2014/main" id="{8ABB2948-CF7D-7BD6-14B8-367574244CB2}"/>
+                <a16:creationId xmlns:a16="http://schemas.microsoft.com/office/drawing/2014/main" xmlns="" id="{8ABB2948-CF7D-7BD6-14B8-367574244CB2}"/>
               </a:ext>
             </a:extLst>
           </p:cNvPr>
@@ -28029,7 +29796,7 @@
           <p:cNvPr id="7" name="Google Shape;75;p14">
             <a:extLst>
               <a:ext uri="{FF2B5EF4-FFF2-40B4-BE49-F238E27FC236}">
-                <a16:creationId xmlns:a16="http://schemas.microsoft.com/office/drawing/2014/main" id="{744D1F6B-EBF7-049C-9CBC-D2BD265B8DB5}"/>
+                <a16:creationId xmlns:a16="http://schemas.microsoft.com/office/drawing/2014/main" xmlns="" id="{744D1F6B-EBF7-049C-9CBC-D2BD265B8DB5}"/>
               </a:ext>
             </a:extLst>
           </p:cNvPr>
@@ -28063,7 +29830,7 @@
           <p:cNvPr id="8" name="Google Shape;76;p14">
             <a:extLst>
               <a:ext uri="{FF2B5EF4-FFF2-40B4-BE49-F238E27FC236}">
-                <a16:creationId xmlns:a16="http://schemas.microsoft.com/office/drawing/2014/main" id="{A0604560-830C-4AC9-3717-031AA48B5D45}"/>
+                <a16:creationId xmlns:a16="http://schemas.microsoft.com/office/drawing/2014/main" xmlns="" id="{A0604560-830C-4AC9-3717-031AA48B5D45}"/>
               </a:ext>
             </a:extLst>
           </p:cNvPr>
@@ -28097,7 +29864,7 @@
           <p:cNvPr id="9" name="Google Shape;77;p14">
             <a:extLst>
               <a:ext uri="{FF2B5EF4-FFF2-40B4-BE49-F238E27FC236}">
-                <a16:creationId xmlns:a16="http://schemas.microsoft.com/office/drawing/2014/main" id="{DC03C87C-87BB-A5EB-0D50-DDB31F93A6C2}"/>
+                <a16:creationId xmlns:a16="http://schemas.microsoft.com/office/drawing/2014/main" xmlns="" id="{DC03C87C-87BB-A5EB-0D50-DDB31F93A6C2}"/>
               </a:ext>
             </a:extLst>
           </p:cNvPr>
@@ -28131,7 +29898,7 @@
           <p:cNvPr id="10" name="Google Shape;78;p14">
             <a:extLst>
               <a:ext uri="{FF2B5EF4-FFF2-40B4-BE49-F238E27FC236}">
-                <a16:creationId xmlns:a16="http://schemas.microsoft.com/office/drawing/2014/main" id="{281D3DED-9B64-E88B-FC5F-0C30B82A9484}"/>
+                <a16:creationId xmlns:a16="http://schemas.microsoft.com/office/drawing/2014/main" xmlns="" id="{281D3DED-9B64-E88B-FC5F-0C30B82A9484}"/>
               </a:ext>
             </a:extLst>
           </p:cNvPr>
@@ -28165,7 +29932,7 @@
           <p:cNvPr id="11" name="Google Shape;79;p14">
             <a:extLst>
               <a:ext uri="{FF2B5EF4-FFF2-40B4-BE49-F238E27FC236}">
-                <a16:creationId xmlns:a16="http://schemas.microsoft.com/office/drawing/2014/main" id="{0DAE55E6-D474-C395-BC84-8ACA3CE820A0}"/>
+                <a16:creationId xmlns:a16="http://schemas.microsoft.com/office/drawing/2014/main" xmlns="" id="{0DAE55E6-D474-C395-BC84-8ACA3CE820A0}"/>
               </a:ext>
             </a:extLst>
           </p:cNvPr>
@@ -28199,7 +29966,7 @@
           <p:cNvPr id="12" name="Google Shape;80;p14">
             <a:extLst>
               <a:ext uri="{FF2B5EF4-FFF2-40B4-BE49-F238E27FC236}">
-                <a16:creationId xmlns:a16="http://schemas.microsoft.com/office/drawing/2014/main" id="{3A5AAC50-9F06-A76F-B20B-35CF3612E825}"/>
+                <a16:creationId xmlns:a16="http://schemas.microsoft.com/office/drawing/2014/main" xmlns="" id="{3A5AAC50-9F06-A76F-B20B-35CF3612E825}"/>
               </a:ext>
             </a:extLst>
           </p:cNvPr>
@@ -28233,7 +30000,7 @@
           <p:cNvPr id="13" name="Google Shape;81;p14">
             <a:extLst>
               <a:ext uri="{FF2B5EF4-FFF2-40B4-BE49-F238E27FC236}">
-                <a16:creationId xmlns:a16="http://schemas.microsoft.com/office/drawing/2014/main" id="{F33B3BEC-1095-E464-2D03-703E55B0F8A0}"/>
+                <a16:creationId xmlns:a16="http://schemas.microsoft.com/office/drawing/2014/main" xmlns="" id="{F33B3BEC-1095-E464-2D03-703E55B0F8A0}"/>
               </a:ext>
             </a:extLst>
           </p:cNvPr>
@@ -28267,7 +30034,7 @@
           <p:cNvPr id="19" name="Google Shape;87;p14">
             <a:extLst>
               <a:ext uri="{FF2B5EF4-FFF2-40B4-BE49-F238E27FC236}">
-                <a16:creationId xmlns:a16="http://schemas.microsoft.com/office/drawing/2014/main" id="{D5F99ADA-5751-0003-A146-8C3479B5FA29}"/>
+                <a16:creationId xmlns:a16="http://schemas.microsoft.com/office/drawing/2014/main" xmlns="" id="{D5F99ADA-5751-0003-A146-8C3479B5FA29}"/>
               </a:ext>
             </a:extLst>
           </p:cNvPr>
@@ -28301,7 +30068,7 @@
           <p:cNvPr id="24" name="Google Shape;85;p14">
             <a:extLst>
               <a:ext uri="{FF2B5EF4-FFF2-40B4-BE49-F238E27FC236}">
-                <a16:creationId xmlns:a16="http://schemas.microsoft.com/office/drawing/2014/main" id="{8498F254-73E8-BE24-4CFC-E75E188DD02A}"/>
+                <a16:creationId xmlns:a16="http://schemas.microsoft.com/office/drawing/2014/main" xmlns="" id="{8498F254-73E8-BE24-4CFC-E75E188DD02A}"/>
               </a:ext>
             </a:extLst>
           </p:cNvPr>
@@ -28342,7 +30109,7 @@
           <p:cNvPr id="21" name="Google Shape;87;p14">
             <a:extLst>
               <a:ext uri="{FF2B5EF4-FFF2-40B4-BE49-F238E27FC236}">
-                <a16:creationId xmlns:a16="http://schemas.microsoft.com/office/drawing/2014/main" id="{90F13ACB-01F8-F61D-B504-33D42F0F054E}"/>
+                <a16:creationId xmlns:a16="http://schemas.microsoft.com/office/drawing/2014/main" xmlns="" id="{90F13ACB-01F8-F61D-B504-33D42F0F054E}"/>
               </a:ext>
             </a:extLst>
           </p:cNvPr>
@@ -28376,7 +30143,7 @@
           <p:cNvPr id="25" name="Google Shape;85;p14">
             <a:extLst>
               <a:ext uri="{FF2B5EF4-FFF2-40B4-BE49-F238E27FC236}">
-                <a16:creationId xmlns:a16="http://schemas.microsoft.com/office/drawing/2014/main" id="{5C78CA6E-6DFC-515D-2D93-7149CE8D13F3}"/>
+                <a16:creationId xmlns:a16="http://schemas.microsoft.com/office/drawing/2014/main" xmlns="" id="{5C78CA6E-6DFC-515D-2D93-7149CE8D13F3}"/>
               </a:ext>
             </a:extLst>
           </p:cNvPr>
@@ -28417,7 +30184,7 @@
           <p:cNvPr id="26" name="Google Shape;90;p14">
             <a:extLst>
               <a:ext uri="{FF2B5EF4-FFF2-40B4-BE49-F238E27FC236}">
-                <a16:creationId xmlns:a16="http://schemas.microsoft.com/office/drawing/2014/main" id="{70D7F9C8-3F19-0671-CC95-0C6FF2D659F6}"/>
+                <a16:creationId xmlns:a16="http://schemas.microsoft.com/office/drawing/2014/main" xmlns="" id="{70D7F9C8-3F19-0671-CC95-0C6FF2D659F6}"/>
               </a:ext>
             </a:extLst>
           </p:cNvPr>
@@ -28451,7 +30218,7 @@
           <p:cNvPr id="27" name="Google Shape;100;p14">
             <a:extLst>
               <a:ext uri="{FF2B5EF4-FFF2-40B4-BE49-F238E27FC236}">
-                <a16:creationId xmlns:a16="http://schemas.microsoft.com/office/drawing/2014/main" id="{F8A7C898-9B48-9B98-9416-6CC35654182E}"/>
+                <a16:creationId xmlns:a16="http://schemas.microsoft.com/office/drawing/2014/main" xmlns="" id="{F8A7C898-9B48-9B98-9416-6CC35654182E}"/>
               </a:ext>
             </a:extLst>
           </p:cNvPr>
@@ -28494,7 +30261,7 @@
           <p:cNvPr id="28" name="Google Shape;100;p14">
             <a:extLst>
               <a:ext uri="{FF2B5EF4-FFF2-40B4-BE49-F238E27FC236}">
-                <a16:creationId xmlns:a16="http://schemas.microsoft.com/office/drawing/2014/main" id="{3EA7DA9C-7016-E18A-3815-E4ABF57833E3}"/>
+                <a16:creationId xmlns:a16="http://schemas.microsoft.com/office/drawing/2014/main" xmlns="" id="{3EA7DA9C-7016-E18A-3815-E4ABF57833E3}"/>
               </a:ext>
             </a:extLst>
           </p:cNvPr>
@@ -28537,7 +30304,7 @@
           <p:cNvPr id="29" name="Google Shape;100;p14">
             <a:extLst>
               <a:ext uri="{FF2B5EF4-FFF2-40B4-BE49-F238E27FC236}">
-                <a16:creationId xmlns:a16="http://schemas.microsoft.com/office/drawing/2014/main" id="{A17C1FA6-D0D2-529D-9879-E520D1CE77D6}"/>
+                <a16:creationId xmlns:a16="http://schemas.microsoft.com/office/drawing/2014/main" xmlns="" id="{A17C1FA6-D0D2-529D-9879-E520D1CE77D6}"/>
               </a:ext>
             </a:extLst>
           </p:cNvPr>
@@ -28580,7 +30347,7 @@
           <p:cNvPr id="30" name="Google Shape;100;p14">
             <a:extLst>
               <a:ext uri="{FF2B5EF4-FFF2-40B4-BE49-F238E27FC236}">
-                <a16:creationId xmlns:a16="http://schemas.microsoft.com/office/drawing/2014/main" id="{04D7ED66-035D-0386-E0EE-BA6FE024830F}"/>
+                <a16:creationId xmlns:a16="http://schemas.microsoft.com/office/drawing/2014/main" xmlns="" id="{04D7ED66-035D-0386-E0EE-BA6FE024830F}"/>
               </a:ext>
             </a:extLst>
           </p:cNvPr>
@@ -28623,7 +30390,7 @@
           <p:cNvPr id="31" name="Google Shape;100;p14">
             <a:extLst>
               <a:ext uri="{FF2B5EF4-FFF2-40B4-BE49-F238E27FC236}">
-                <a16:creationId xmlns:a16="http://schemas.microsoft.com/office/drawing/2014/main" id="{C7775653-CC84-E4C0-151C-20531BC61B52}"/>
+                <a16:creationId xmlns:a16="http://schemas.microsoft.com/office/drawing/2014/main" xmlns="" id="{C7775653-CC84-E4C0-151C-20531BC61B52}"/>
               </a:ext>
             </a:extLst>
           </p:cNvPr>
@@ -28666,7 +30433,7 @@
           <p:cNvPr id="33" name="Google Shape;83;p14">
             <a:extLst>
               <a:ext uri="{FF2B5EF4-FFF2-40B4-BE49-F238E27FC236}">
-                <a16:creationId xmlns:a16="http://schemas.microsoft.com/office/drawing/2014/main" id="{BC3B66DE-CAB4-4145-73F1-EC5796C670B2}"/>
+                <a16:creationId xmlns:a16="http://schemas.microsoft.com/office/drawing/2014/main" xmlns="" id="{BC3B66DE-CAB4-4145-73F1-EC5796C670B2}"/>
               </a:ext>
             </a:extLst>
           </p:cNvPr>
@@ -28711,7 +30478,7 @@
           <p:cNvPr id="32" name="Google Shape;83;p14">
             <a:extLst>
               <a:ext uri="{FF2B5EF4-FFF2-40B4-BE49-F238E27FC236}">
-                <a16:creationId xmlns:a16="http://schemas.microsoft.com/office/drawing/2014/main" id="{D89174EE-20E3-9DC6-DAF2-2B277BF0CA73}"/>
+                <a16:creationId xmlns:a16="http://schemas.microsoft.com/office/drawing/2014/main" xmlns="" id="{D89174EE-20E3-9DC6-DAF2-2B277BF0CA73}"/>
               </a:ext>
             </a:extLst>
           </p:cNvPr>
@@ -28756,7 +30523,7 @@
           <p:cNvPr id="15" name="图片 14">
             <a:extLst>
               <a:ext uri="{FF2B5EF4-FFF2-40B4-BE49-F238E27FC236}">
-                <a16:creationId xmlns:a16="http://schemas.microsoft.com/office/drawing/2014/main" id="{2E9CE1E3-2135-0036-6AC6-4F023E9FB9FB}"/>
+                <a16:creationId xmlns:a16="http://schemas.microsoft.com/office/drawing/2014/main" xmlns="" id="{2E9CE1E3-2135-0036-6AC6-4F023E9FB9FB}"/>
               </a:ext>
             </a:extLst>
           </p:cNvPr>
@@ -28786,7 +30553,7 @@
           <p:cNvPr id="18" name="图片 17">
             <a:extLst>
               <a:ext uri="{FF2B5EF4-FFF2-40B4-BE49-F238E27FC236}">
-                <a16:creationId xmlns:a16="http://schemas.microsoft.com/office/drawing/2014/main" id="{B4FACCEA-FD77-524D-0769-3E9B324ECE01}"/>
+                <a16:creationId xmlns:a16="http://schemas.microsoft.com/office/drawing/2014/main" xmlns="" id="{B4FACCEA-FD77-524D-0769-3E9B324ECE01}"/>
               </a:ext>
             </a:extLst>
           </p:cNvPr>
@@ -28816,7 +30583,7 @@
           <p:cNvPr id="16" name="图片 15">
             <a:extLst>
               <a:ext uri="{FF2B5EF4-FFF2-40B4-BE49-F238E27FC236}">
-                <a16:creationId xmlns:a16="http://schemas.microsoft.com/office/drawing/2014/main" id="{E105324A-0DF5-3CC5-8FA4-5C776E05B929}"/>
+                <a16:creationId xmlns:a16="http://schemas.microsoft.com/office/drawing/2014/main" xmlns="" id="{E105324A-0DF5-3CC5-8FA4-5C776E05B929}"/>
               </a:ext>
             </a:extLst>
           </p:cNvPr>
@@ -28846,7 +30613,7 @@
           <p:cNvPr id="14" name="图片 13">
             <a:extLst>
               <a:ext uri="{FF2B5EF4-FFF2-40B4-BE49-F238E27FC236}">
-                <a16:creationId xmlns:a16="http://schemas.microsoft.com/office/drawing/2014/main" id="{A1247C65-E9FE-684D-C577-C3EFF757A026}"/>
+                <a16:creationId xmlns:a16="http://schemas.microsoft.com/office/drawing/2014/main" xmlns="" id="{A1247C65-E9FE-684D-C577-C3EFF757A026}"/>
               </a:ext>
             </a:extLst>
           </p:cNvPr>
@@ -28876,7 +30643,7 @@
           <p:cNvPr id="17" name="图片 16">
             <a:extLst>
               <a:ext uri="{FF2B5EF4-FFF2-40B4-BE49-F238E27FC236}">
-                <a16:creationId xmlns:a16="http://schemas.microsoft.com/office/drawing/2014/main" id="{9B118434-3A73-4D47-C6D6-FBDC473A6E94}"/>
+                <a16:creationId xmlns:a16="http://schemas.microsoft.com/office/drawing/2014/main" xmlns="" id="{9B118434-3A73-4D47-C6D6-FBDC473A6E94}"/>
               </a:ext>
             </a:extLst>
           </p:cNvPr>

--- a/机制图示.pptx
+++ b/机制图示.pptx
@@ -231,7 +231,7 @@
           <a:p>
             <a:fld id="{93FFD0A6-741C-4C59-A922-D8D610EF6968}" type="datetimeFigureOut">
               <a:rPr lang="zh-CN" altLang="en-US" smtClean="0"/>
-              <a:t>2022/8/1</a:t>
+              <a:t>2022/8/3</a:t>
             </a:fld>
             <a:endParaRPr lang="zh-CN" altLang="en-US"/>
           </a:p>
@@ -629,7 +629,7 @@
           <p:cNvPr id="2" name="标题 1">
             <a:extLst>
               <a:ext uri="{FF2B5EF4-FFF2-40B4-BE49-F238E27FC236}">
-                <a16:creationId xmlns:a16="http://schemas.microsoft.com/office/drawing/2014/main" xmlns="" id="{4C529C05-6993-E374-2DE2-7EC1B69BA1EE}"/>
+                <a16:creationId xmlns="" xmlns:a16="http://schemas.microsoft.com/office/drawing/2014/main" id="{4C529C05-6993-E374-2DE2-7EC1B69BA1EE}"/>
               </a:ext>
             </a:extLst>
           </p:cNvPr>
@@ -666,7 +666,7 @@
           <p:cNvPr id="3" name="副标题 2">
             <a:extLst>
               <a:ext uri="{FF2B5EF4-FFF2-40B4-BE49-F238E27FC236}">
-                <a16:creationId xmlns:a16="http://schemas.microsoft.com/office/drawing/2014/main" xmlns="" id="{8D685AB2-71E0-83AD-E648-EA31522F89AA}"/>
+                <a16:creationId xmlns="" xmlns:a16="http://schemas.microsoft.com/office/drawing/2014/main" id="{8D685AB2-71E0-83AD-E648-EA31522F89AA}"/>
               </a:ext>
             </a:extLst>
           </p:cNvPr>
@@ -736,7 +736,7 @@
           <p:cNvPr id="4" name="日期占位符 3">
             <a:extLst>
               <a:ext uri="{FF2B5EF4-FFF2-40B4-BE49-F238E27FC236}">
-                <a16:creationId xmlns:a16="http://schemas.microsoft.com/office/drawing/2014/main" xmlns="" id="{C45A1BBE-92AA-97BD-9EDC-AF0FF54A8CA6}"/>
+                <a16:creationId xmlns="" xmlns:a16="http://schemas.microsoft.com/office/drawing/2014/main" id="{C45A1BBE-92AA-97BD-9EDC-AF0FF54A8CA6}"/>
               </a:ext>
             </a:extLst>
           </p:cNvPr>
@@ -754,7 +754,7 @@
           <a:p>
             <a:fld id="{BA054789-EACE-4F0B-85CE-A0AE8F37913A}" type="datetimeFigureOut">
               <a:rPr lang="zh-CN" altLang="en-US" smtClean="0"/>
-              <a:t>2022/8/1</a:t>
+              <a:t>2022/8/3</a:t>
             </a:fld>
             <a:endParaRPr lang="zh-CN" altLang="en-US"/>
           </a:p>
@@ -765,7 +765,7 @@
           <p:cNvPr id="5" name="页脚占位符 4">
             <a:extLst>
               <a:ext uri="{FF2B5EF4-FFF2-40B4-BE49-F238E27FC236}">
-                <a16:creationId xmlns:a16="http://schemas.microsoft.com/office/drawing/2014/main" xmlns="" id="{E277CA1F-C9EC-9993-71F1-866A8154ED53}"/>
+                <a16:creationId xmlns="" xmlns:a16="http://schemas.microsoft.com/office/drawing/2014/main" id="{E277CA1F-C9EC-9993-71F1-866A8154ED53}"/>
               </a:ext>
             </a:extLst>
           </p:cNvPr>
@@ -790,7 +790,7 @@
           <p:cNvPr id="6" name="灯片编号占位符 5">
             <a:extLst>
               <a:ext uri="{FF2B5EF4-FFF2-40B4-BE49-F238E27FC236}">
-                <a16:creationId xmlns:a16="http://schemas.microsoft.com/office/drawing/2014/main" xmlns="" id="{0922099B-A7A5-E88B-B7B1-0425B195CADF}"/>
+                <a16:creationId xmlns="" xmlns:a16="http://schemas.microsoft.com/office/drawing/2014/main" id="{0922099B-A7A5-E88B-B7B1-0425B195CADF}"/>
               </a:ext>
             </a:extLst>
           </p:cNvPr>
@@ -849,7 +849,7 @@
           <p:cNvPr id="2" name="标题 1">
             <a:extLst>
               <a:ext uri="{FF2B5EF4-FFF2-40B4-BE49-F238E27FC236}">
-                <a16:creationId xmlns:a16="http://schemas.microsoft.com/office/drawing/2014/main" xmlns="" id="{4F5DFE4F-2322-BE5D-1ACB-D8FCEDC42378}"/>
+                <a16:creationId xmlns="" xmlns:a16="http://schemas.microsoft.com/office/drawing/2014/main" id="{4F5DFE4F-2322-BE5D-1ACB-D8FCEDC42378}"/>
               </a:ext>
             </a:extLst>
           </p:cNvPr>
@@ -877,7 +877,7 @@
           <p:cNvPr id="3" name="竖排文字占位符 2">
             <a:extLst>
               <a:ext uri="{FF2B5EF4-FFF2-40B4-BE49-F238E27FC236}">
-                <a16:creationId xmlns:a16="http://schemas.microsoft.com/office/drawing/2014/main" xmlns="" id="{8088D73B-E816-C321-246D-CD37EBC9C0AB}"/>
+                <a16:creationId xmlns="" xmlns:a16="http://schemas.microsoft.com/office/drawing/2014/main" id="{8088D73B-E816-C321-246D-CD37EBC9C0AB}"/>
               </a:ext>
             </a:extLst>
           </p:cNvPr>
@@ -934,7 +934,7 @@
           <p:cNvPr id="4" name="日期占位符 3">
             <a:extLst>
               <a:ext uri="{FF2B5EF4-FFF2-40B4-BE49-F238E27FC236}">
-                <a16:creationId xmlns:a16="http://schemas.microsoft.com/office/drawing/2014/main" xmlns="" id="{8DECFDC4-0E3F-9145-8C63-E9FFF453FFAB}"/>
+                <a16:creationId xmlns="" xmlns:a16="http://schemas.microsoft.com/office/drawing/2014/main" id="{8DECFDC4-0E3F-9145-8C63-E9FFF453FFAB}"/>
               </a:ext>
             </a:extLst>
           </p:cNvPr>
@@ -952,7 +952,7 @@
           <a:p>
             <a:fld id="{BA054789-EACE-4F0B-85CE-A0AE8F37913A}" type="datetimeFigureOut">
               <a:rPr lang="zh-CN" altLang="en-US" smtClean="0"/>
-              <a:t>2022/8/1</a:t>
+              <a:t>2022/8/3</a:t>
             </a:fld>
             <a:endParaRPr lang="zh-CN" altLang="en-US"/>
           </a:p>
@@ -963,7 +963,7 @@
           <p:cNvPr id="5" name="页脚占位符 4">
             <a:extLst>
               <a:ext uri="{FF2B5EF4-FFF2-40B4-BE49-F238E27FC236}">
-                <a16:creationId xmlns:a16="http://schemas.microsoft.com/office/drawing/2014/main" xmlns="" id="{A3D62DD7-5525-B4BA-AA03-25FF4C0403A6}"/>
+                <a16:creationId xmlns="" xmlns:a16="http://schemas.microsoft.com/office/drawing/2014/main" id="{A3D62DD7-5525-B4BA-AA03-25FF4C0403A6}"/>
               </a:ext>
             </a:extLst>
           </p:cNvPr>
@@ -988,7 +988,7 @@
           <p:cNvPr id="6" name="灯片编号占位符 5">
             <a:extLst>
               <a:ext uri="{FF2B5EF4-FFF2-40B4-BE49-F238E27FC236}">
-                <a16:creationId xmlns:a16="http://schemas.microsoft.com/office/drawing/2014/main" xmlns="" id="{98F7AC82-750A-6BA1-A70D-D2E8ED618DE1}"/>
+                <a16:creationId xmlns="" xmlns:a16="http://schemas.microsoft.com/office/drawing/2014/main" id="{98F7AC82-750A-6BA1-A70D-D2E8ED618DE1}"/>
               </a:ext>
             </a:extLst>
           </p:cNvPr>
@@ -1047,7 +1047,7 @@
           <p:cNvPr id="2" name="竖排标题 1">
             <a:extLst>
               <a:ext uri="{FF2B5EF4-FFF2-40B4-BE49-F238E27FC236}">
-                <a16:creationId xmlns:a16="http://schemas.microsoft.com/office/drawing/2014/main" xmlns="" id="{4CF83B1B-91B5-671F-A161-727C9B763214}"/>
+                <a16:creationId xmlns="" xmlns:a16="http://schemas.microsoft.com/office/drawing/2014/main" id="{4CF83B1B-91B5-671F-A161-727C9B763214}"/>
               </a:ext>
             </a:extLst>
           </p:cNvPr>
@@ -1080,7 +1080,7 @@
           <p:cNvPr id="3" name="竖排文字占位符 2">
             <a:extLst>
               <a:ext uri="{FF2B5EF4-FFF2-40B4-BE49-F238E27FC236}">
-                <a16:creationId xmlns:a16="http://schemas.microsoft.com/office/drawing/2014/main" xmlns="" id="{BB08FF4A-FB49-2B3B-B3D5-164AC935EAC3}"/>
+                <a16:creationId xmlns="" xmlns:a16="http://schemas.microsoft.com/office/drawing/2014/main" id="{BB08FF4A-FB49-2B3B-B3D5-164AC935EAC3}"/>
               </a:ext>
             </a:extLst>
           </p:cNvPr>
@@ -1142,7 +1142,7 @@
           <p:cNvPr id="4" name="日期占位符 3">
             <a:extLst>
               <a:ext uri="{FF2B5EF4-FFF2-40B4-BE49-F238E27FC236}">
-                <a16:creationId xmlns:a16="http://schemas.microsoft.com/office/drawing/2014/main" xmlns="" id="{7BB95ED0-C4BA-DCCD-2E70-7B800185D571}"/>
+                <a16:creationId xmlns="" xmlns:a16="http://schemas.microsoft.com/office/drawing/2014/main" id="{7BB95ED0-C4BA-DCCD-2E70-7B800185D571}"/>
               </a:ext>
             </a:extLst>
           </p:cNvPr>
@@ -1160,7 +1160,7 @@
           <a:p>
             <a:fld id="{BA054789-EACE-4F0B-85CE-A0AE8F37913A}" type="datetimeFigureOut">
               <a:rPr lang="zh-CN" altLang="en-US" smtClean="0"/>
-              <a:t>2022/8/1</a:t>
+              <a:t>2022/8/3</a:t>
             </a:fld>
             <a:endParaRPr lang="zh-CN" altLang="en-US"/>
           </a:p>
@@ -1171,7 +1171,7 @@
           <p:cNvPr id="5" name="页脚占位符 4">
             <a:extLst>
               <a:ext uri="{FF2B5EF4-FFF2-40B4-BE49-F238E27FC236}">
-                <a16:creationId xmlns:a16="http://schemas.microsoft.com/office/drawing/2014/main" xmlns="" id="{1BF31E75-820B-0F48-C8C2-00D1C17A0DE1}"/>
+                <a16:creationId xmlns="" xmlns:a16="http://schemas.microsoft.com/office/drawing/2014/main" id="{1BF31E75-820B-0F48-C8C2-00D1C17A0DE1}"/>
               </a:ext>
             </a:extLst>
           </p:cNvPr>
@@ -1196,7 +1196,7 @@
           <p:cNvPr id="6" name="灯片编号占位符 5">
             <a:extLst>
               <a:ext uri="{FF2B5EF4-FFF2-40B4-BE49-F238E27FC236}">
-                <a16:creationId xmlns:a16="http://schemas.microsoft.com/office/drawing/2014/main" xmlns="" id="{C44676BC-DB8F-6385-CCAA-24A642617E4C}"/>
+                <a16:creationId xmlns="" xmlns:a16="http://schemas.microsoft.com/office/drawing/2014/main" id="{C44676BC-DB8F-6385-CCAA-24A642617E4C}"/>
               </a:ext>
             </a:extLst>
           </p:cNvPr>
@@ -1614,7 +1614,7 @@
           <p:cNvPr id="2" name="标题 1">
             <a:extLst>
               <a:ext uri="{FF2B5EF4-FFF2-40B4-BE49-F238E27FC236}">
-                <a16:creationId xmlns:a16="http://schemas.microsoft.com/office/drawing/2014/main" xmlns="" id="{4A602A98-C390-5A43-8761-0489D4B42846}"/>
+                <a16:creationId xmlns="" xmlns:a16="http://schemas.microsoft.com/office/drawing/2014/main" id="{4A602A98-C390-5A43-8761-0489D4B42846}"/>
               </a:ext>
             </a:extLst>
           </p:cNvPr>
@@ -1642,7 +1642,7 @@
           <p:cNvPr id="3" name="内容占位符 2">
             <a:extLst>
               <a:ext uri="{FF2B5EF4-FFF2-40B4-BE49-F238E27FC236}">
-                <a16:creationId xmlns:a16="http://schemas.microsoft.com/office/drawing/2014/main" xmlns="" id="{11B58BD3-77FD-090F-EBEA-977F10D69F9C}"/>
+                <a16:creationId xmlns="" xmlns:a16="http://schemas.microsoft.com/office/drawing/2014/main" id="{11B58BD3-77FD-090F-EBEA-977F10D69F9C}"/>
               </a:ext>
             </a:extLst>
           </p:cNvPr>
@@ -1699,7 +1699,7 @@
           <p:cNvPr id="4" name="日期占位符 3">
             <a:extLst>
               <a:ext uri="{FF2B5EF4-FFF2-40B4-BE49-F238E27FC236}">
-                <a16:creationId xmlns:a16="http://schemas.microsoft.com/office/drawing/2014/main" xmlns="" id="{2F2888FE-0D56-D838-DDA2-9036767B7B83}"/>
+                <a16:creationId xmlns="" xmlns:a16="http://schemas.microsoft.com/office/drawing/2014/main" id="{2F2888FE-0D56-D838-DDA2-9036767B7B83}"/>
               </a:ext>
             </a:extLst>
           </p:cNvPr>
@@ -1717,7 +1717,7 @@
           <a:p>
             <a:fld id="{BA054789-EACE-4F0B-85CE-A0AE8F37913A}" type="datetimeFigureOut">
               <a:rPr lang="zh-CN" altLang="en-US" smtClean="0"/>
-              <a:t>2022/8/1</a:t>
+              <a:t>2022/8/3</a:t>
             </a:fld>
             <a:endParaRPr lang="zh-CN" altLang="en-US"/>
           </a:p>
@@ -1728,7 +1728,7 @@
           <p:cNvPr id="5" name="页脚占位符 4">
             <a:extLst>
               <a:ext uri="{FF2B5EF4-FFF2-40B4-BE49-F238E27FC236}">
-                <a16:creationId xmlns:a16="http://schemas.microsoft.com/office/drawing/2014/main" xmlns="" id="{C9C7A18B-7856-24E0-6F3C-CD298036521A}"/>
+                <a16:creationId xmlns="" xmlns:a16="http://schemas.microsoft.com/office/drawing/2014/main" id="{C9C7A18B-7856-24E0-6F3C-CD298036521A}"/>
               </a:ext>
             </a:extLst>
           </p:cNvPr>
@@ -1753,7 +1753,7 @@
           <p:cNvPr id="6" name="灯片编号占位符 5">
             <a:extLst>
               <a:ext uri="{FF2B5EF4-FFF2-40B4-BE49-F238E27FC236}">
-                <a16:creationId xmlns:a16="http://schemas.microsoft.com/office/drawing/2014/main" xmlns="" id="{FC863C35-49EE-AE1E-476A-2115AB2F951A}"/>
+                <a16:creationId xmlns="" xmlns:a16="http://schemas.microsoft.com/office/drawing/2014/main" id="{FC863C35-49EE-AE1E-476A-2115AB2F951A}"/>
               </a:ext>
             </a:extLst>
           </p:cNvPr>
@@ -1812,7 +1812,7 @@
           <p:cNvPr id="2" name="标题 1">
             <a:extLst>
               <a:ext uri="{FF2B5EF4-FFF2-40B4-BE49-F238E27FC236}">
-                <a16:creationId xmlns:a16="http://schemas.microsoft.com/office/drawing/2014/main" xmlns="" id="{866638DE-98B5-DDC3-B3F8-3E4400828480}"/>
+                <a16:creationId xmlns="" xmlns:a16="http://schemas.microsoft.com/office/drawing/2014/main" id="{866638DE-98B5-DDC3-B3F8-3E4400828480}"/>
               </a:ext>
             </a:extLst>
           </p:cNvPr>
@@ -1849,7 +1849,7 @@
           <p:cNvPr id="3" name="文本占位符 2">
             <a:extLst>
               <a:ext uri="{FF2B5EF4-FFF2-40B4-BE49-F238E27FC236}">
-                <a16:creationId xmlns:a16="http://schemas.microsoft.com/office/drawing/2014/main" xmlns="" id="{04B7A2A4-817D-77B2-4735-132E59CD17F6}"/>
+                <a16:creationId xmlns="" xmlns:a16="http://schemas.microsoft.com/office/drawing/2014/main" id="{04B7A2A4-817D-77B2-4735-132E59CD17F6}"/>
               </a:ext>
             </a:extLst>
           </p:cNvPr>
@@ -1974,7 +1974,7 @@
           <p:cNvPr id="4" name="日期占位符 3">
             <a:extLst>
               <a:ext uri="{FF2B5EF4-FFF2-40B4-BE49-F238E27FC236}">
-                <a16:creationId xmlns:a16="http://schemas.microsoft.com/office/drawing/2014/main" xmlns="" id="{183CA83E-8AFE-5A62-E830-EB8E09B4095F}"/>
+                <a16:creationId xmlns="" xmlns:a16="http://schemas.microsoft.com/office/drawing/2014/main" id="{183CA83E-8AFE-5A62-E830-EB8E09B4095F}"/>
               </a:ext>
             </a:extLst>
           </p:cNvPr>
@@ -1992,7 +1992,7 @@
           <a:p>
             <a:fld id="{BA054789-EACE-4F0B-85CE-A0AE8F37913A}" type="datetimeFigureOut">
               <a:rPr lang="zh-CN" altLang="en-US" smtClean="0"/>
-              <a:t>2022/8/1</a:t>
+              <a:t>2022/8/3</a:t>
             </a:fld>
             <a:endParaRPr lang="zh-CN" altLang="en-US"/>
           </a:p>
@@ -2003,7 +2003,7 @@
           <p:cNvPr id="5" name="页脚占位符 4">
             <a:extLst>
               <a:ext uri="{FF2B5EF4-FFF2-40B4-BE49-F238E27FC236}">
-                <a16:creationId xmlns:a16="http://schemas.microsoft.com/office/drawing/2014/main" xmlns="" id="{5F95EF5D-59A1-5AE4-9F96-B75770EE6C75}"/>
+                <a16:creationId xmlns="" xmlns:a16="http://schemas.microsoft.com/office/drawing/2014/main" id="{5F95EF5D-59A1-5AE4-9F96-B75770EE6C75}"/>
               </a:ext>
             </a:extLst>
           </p:cNvPr>
@@ -2028,7 +2028,7 @@
           <p:cNvPr id="6" name="灯片编号占位符 5">
             <a:extLst>
               <a:ext uri="{FF2B5EF4-FFF2-40B4-BE49-F238E27FC236}">
-                <a16:creationId xmlns:a16="http://schemas.microsoft.com/office/drawing/2014/main" xmlns="" id="{AEDD6E4D-49DA-3B43-D4CC-1D98B7AAFF66}"/>
+                <a16:creationId xmlns="" xmlns:a16="http://schemas.microsoft.com/office/drawing/2014/main" id="{AEDD6E4D-49DA-3B43-D4CC-1D98B7AAFF66}"/>
               </a:ext>
             </a:extLst>
           </p:cNvPr>
@@ -2087,7 +2087,7 @@
           <p:cNvPr id="2" name="标题 1">
             <a:extLst>
               <a:ext uri="{FF2B5EF4-FFF2-40B4-BE49-F238E27FC236}">
-                <a16:creationId xmlns:a16="http://schemas.microsoft.com/office/drawing/2014/main" xmlns="" id="{6143119A-5638-5FB3-124E-3B30981F030A}"/>
+                <a16:creationId xmlns="" xmlns:a16="http://schemas.microsoft.com/office/drawing/2014/main" id="{6143119A-5638-5FB3-124E-3B30981F030A}"/>
               </a:ext>
             </a:extLst>
           </p:cNvPr>
@@ -2115,7 +2115,7 @@
           <p:cNvPr id="3" name="内容占位符 2">
             <a:extLst>
               <a:ext uri="{FF2B5EF4-FFF2-40B4-BE49-F238E27FC236}">
-                <a16:creationId xmlns:a16="http://schemas.microsoft.com/office/drawing/2014/main" xmlns="" id="{C8F1DC48-C2D4-79DF-114F-EF5EEEBA4D3D}"/>
+                <a16:creationId xmlns="" xmlns:a16="http://schemas.microsoft.com/office/drawing/2014/main" id="{C8F1DC48-C2D4-79DF-114F-EF5EEEBA4D3D}"/>
               </a:ext>
             </a:extLst>
           </p:cNvPr>
@@ -2177,7 +2177,7 @@
           <p:cNvPr id="4" name="内容占位符 3">
             <a:extLst>
               <a:ext uri="{FF2B5EF4-FFF2-40B4-BE49-F238E27FC236}">
-                <a16:creationId xmlns:a16="http://schemas.microsoft.com/office/drawing/2014/main" xmlns="" id="{5163DEDF-28BC-F60D-FCBD-0D577102FE83}"/>
+                <a16:creationId xmlns="" xmlns:a16="http://schemas.microsoft.com/office/drawing/2014/main" id="{5163DEDF-28BC-F60D-FCBD-0D577102FE83}"/>
               </a:ext>
             </a:extLst>
           </p:cNvPr>
@@ -2239,7 +2239,7 @@
           <p:cNvPr id="5" name="日期占位符 4">
             <a:extLst>
               <a:ext uri="{FF2B5EF4-FFF2-40B4-BE49-F238E27FC236}">
-                <a16:creationId xmlns:a16="http://schemas.microsoft.com/office/drawing/2014/main" xmlns="" id="{11352899-B0A5-67BA-4F8C-A6BEB19057FD}"/>
+                <a16:creationId xmlns="" xmlns:a16="http://schemas.microsoft.com/office/drawing/2014/main" id="{11352899-B0A5-67BA-4F8C-A6BEB19057FD}"/>
               </a:ext>
             </a:extLst>
           </p:cNvPr>
@@ -2257,7 +2257,7 @@
           <a:p>
             <a:fld id="{BA054789-EACE-4F0B-85CE-A0AE8F37913A}" type="datetimeFigureOut">
               <a:rPr lang="zh-CN" altLang="en-US" smtClean="0"/>
-              <a:t>2022/8/1</a:t>
+              <a:t>2022/8/3</a:t>
             </a:fld>
             <a:endParaRPr lang="zh-CN" altLang="en-US"/>
           </a:p>
@@ -2268,7 +2268,7 @@
           <p:cNvPr id="6" name="页脚占位符 5">
             <a:extLst>
               <a:ext uri="{FF2B5EF4-FFF2-40B4-BE49-F238E27FC236}">
-                <a16:creationId xmlns:a16="http://schemas.microsoft.com/office/drawing/2014/main" xmlns="" id="{A584D1DB-F7D5-5108-37F7-B12451D4AF43}"/>
+                <a16:creationId xmlns="" xmlns:a16="http://schemas.microsoft.com/office/drawing/2014/main" id="{A584D1DB-F7D5-5108-37F7-B12451D4AF43}"/>
               </a:ext>
             </a:extLst>
           </p:cNvPr>
@@ -2293,7 +2293,7 @@
           <p:cNvPr id="7" name="灯片编号占位符 6">
             <a:extLst>
               <a:ext uri="{FF2B5EF4-FFF2-40B4-BE49-F238E27FC236}">
-                <a16:creationId xmlns:a16="http://schemas.microsoft.com/office/drawing/2014/main" xmlns="" id="{2294CAD5-9704-832D-2AB9-684703BF36C6}"/>
+                <a16:creationId xmlns="" xmlns:a16="http://schemas.microsoft.com/office/drawing/2014/main" id="{2294CAD5-9704-832D-2AB9-684703BF36C6}"/>
               </a:ext>
             </a:extLst>
           </p:cNvPr>
@@ -2352,7 +2352,7 @@
           <p:cNvPr id="2" name="标题 1">
             <a:extLst>
               <a:ext uri="{FF2B5EF4-FFF2-40B4-BE49-F238E27FC236}">
-                <a16:creationId xmlns:a16="http://schemas.microsoft.com/office/drawing/2014/main" xmlns="" id="{5553C342-6EA7-A319-ED9F-F3DED51AB856}"/>
+                <a16:creationId xmlns="" xmlns:a16="http://schemas.microsoft.com/office/drawing/2014/main" id="{5553C342-6EA7-A319-ED9F-F3DED51AB856}"/>
               </a:ext>
             </a:extLst>
           </p:cNvPr>
@@ -2385,7 +2385,7 @@
           <p:cNvPr id="3" name="文本占位符 2">
             <a:extLst>
               <a:ext uri="{FF2B5EF4-FFF2-40B4-BE49-F238E27FC236}">
-                <a16:creationId xmlns:a16="http://schemas.microsoft.com/office/drawing/2014/main" xmlns="" id="{2A2E5CEB-B13F-86C3-3E47-796F7F60D6CC}"/>
+                <a16:creationId xmlns="" xmlns:a16="http://schemas.microsoft.com/office/drawing/2014/main" id="{2A2E5CEB-B13F-86C3-3E47-796F7F60D6CC}"/>
               </a:ext>
             </a:extLst>
           </p:cNvPr>
@@ -2456,7 +2456,7 @@
           <p:cNvPr id="4" name="内容占位符 3">
             <a:extLst>
               <a:ext uri="{FF2B5EF4-FFF2-40B4-BE49-F238E27FC236}">
-                <a16:creationId xmlns:a16="http://schemas.microsoft.com/office/drawing/2014/main" xmlns="" id="{A54930F9-E0D4-D998-09A2-343AA1F96076}"/>
+                <a16:creationId xmlns="" xmlns:a16="http://schemas.microsoft.com/office/drawing/2014/main" id="{A54930F9-E0D4-D998-09A2-343AA1F96076}"/>
               </a:ext>
             </a:extLst>
           </p:cNvPr>
@@ -2518,7 +2518,7 @@
           <p:cNvPr id="5" name="文本占位符 4">
             <a:extLst>
               <a:ext uri="{FF2B5EF4-FFF2-40B4-BE49-F238E27FC236}">
-                <a16:creationId xmlns:a16="http://schemas.microsoft.com/office/drawing/2014/main" xmlns="" id="{B4B7359A-E8FC-E1A9-A896-A49ED9AF86F8}"/>
+                <a16:creationId xmlns="" xmlns:a16="http://schemas.microsoft.com/office/drawing/2014/main" id="{B4B7359A-E8FC-E1A9-A896-A49ED9AF86F8}"/>
               </a:ext>
             </a:extLst>
           </p:cNvPr>
@@ -2589,7 +2589,7 @@
           <p:cNvPr id="6" name="内容占位符 5">
             <a:extLst>
               <a:ext uri="{FF2B5EF4-FFF2-40B4-BE49-F238E27FC236}">
-                <a16:creationId xmlns:a16="http://schemas.microsoft.com/office/drawing/2014/main" xmlns="" id="{4E52EA2F-1B41-D541-9632-9493F9B51AB0}"/>
+                <a16:creationId xmlns="" xmlns:a16="http://schemas.microsoft.com/office/drawing/2014/main" id="{4E52EA2F-1B41-D541-9632-9493F9B51AB0}"/>
               </a:ext>
             </a:extLst>
           </p:cNvPr>
@@ -2651,7 +2651,7 @@
           <p:cNvPr id="7" name="日期占位符 6">
             <a:extLst>
               <a:ext uri="{FF2B5EF4-FFF2-40B4-BE49-F238E27FC236}">
-                <a16:creationId xmlns:a16="http://schemas.microsoft.com/office/drawing/2014/main" xmlns="" id="{F8E2D812-175D-022A-8677-7639CB1825D7}"/>
+                <a16:creationId xmlns="" xmlns:a16="http://schemas.microsoft.com/office/drawing/2014/main" id="{F8E2D812-175D-022A-8677-7639CB1825D7}"/>
               </a:ext>
             </a:extLst>
           </p:cNvPr>
@@ -2669,7 +2669,7 @@
           <a:p>
             <a:fld id="{BA054789-EACE-4F0B-85CE-A0AE8F37913A}" type="datetimeFigureOut">
               <a:rPr lang="zh-CN" altLang="en-US" smtClean="0"/>
-              <a:t>2022/8/1</a:t>
+              <a:t>2022/8/3</a:t>
             </a:fld>
             <a:endParaRPr lang="zh-CN" altLang="en-US"/>
           </a:p>
@@ -2680,7 +2680,7 @@
           <p:cNvPr id="8" name="页脚占位符 7">
             <a:extLst>
               <a:ext uri="{FF2B5EF4-FFF2-40B4-BE49-F238E27FC236}">
-                <a16:creationId xmlns:a16="http://schemas.microsoft.com/office/drawing/2014/main" xmlns="" id="{5E2441E0-E886-23FB-143C-558A79ACC5D8}"/>
+                <a16:creationId xmlns="" xmlns:a16="http://schemas.microsoft.com/office/drawing/2014/main" id="{5E2441E0-E886-23FB-143C-558A79ACC5D8}"/>
               </a:ext>
             </a:extLst>
           </p:cNvPr>
@@ -2705,7 +2705,7 @@
           <p:cNvPr id="9" name="灯片编号占位符 8">
             <a:extLst>
               <a:ext uri="{FF2B5EF4-FFF2-40B4-BE49-F238E27FC236}">
-                <a16:creationId xmlns:a16="http://schemas.microsoft.com/office/drawing/2014/main" xmlns="" id="{CDCA61B1-70E8-1169-875E-DB108C50E55C}"/>
+                <a16:creationId xmlns="" xmlns:a16="http://schemas.microsoft.com/office/drawing/2014/main" id="{CDCA61B1-70E8-1169-875E-DB108C50E55C}"/>
               </a:ext>
             </a:extLst>
           </p:cNvPr>
@@ -2764,7 +2764,7 @@
           <p:cNvPr id="2" name="标题 1">
             <a:extLst>
               <a:ext uri="{FF2B5EF4-FFF2-40B4-BE49-F238E27FC236}">
-                <a16:creationId xmlns:a16="http://schemas.microsoft.com/office/drawing/2014/main" xmlns="" id="{F44D1D6C-24E0-86EE-37DA-EDEDDC1CFD42}"/>
+                <a16:creationId xmlns="" xmlns:a16="http://schemas.microsoft.com/office/drawing/2014/main" id="{F44D1D6C-24E0-86EE-37DA-EDEDDC1CFD42}"/>
               </a:ext>
             </a:extLst>
           </p:cNvPr>
@@ -2792,7 +2792,7 @@
           <p:cNvPr id="3" name="日期占位符 2">
             <a:extLst>
               <a:ext uri="{FF2B5EF4-FFF2-40B4-BE49-F238E27FC236}">
-                <a16:creationId xmlns:a16="http://schemas.microsoft.com/office/drawing/2014/main" xmlns="" id="{452FC26A-E9FB-0541-86DB-AEEE5AAB387E}"/>
+                <a16:creationId xmlns="" xmlns:a16="http://schemas.microsoft.com/office/drawing/2014/main" id="{452FC26A-E9FB-0541-86DB-AEEE5AAB387E}"/>
               </a:ext>
             </a:extLst>
           </p:cNvPr>
@@ -2810,7 +2810,7 @@
           <a:p>
             <a:fld id="{BA054789-EACE-4F0B-85CE-A0AE8F37913A}" type="datetimeFigureOut">
               <a:rPr lang="zh-CN" altLang="en-US" smtClean="0"/>
-              <a:t>2022/8/1</a:t>
+              <a:t>2022/8/3</a:t>
             </a:fld>
             <a:endParaRPr lang="zh-CN" altLang="en-US"/>
           </a:p>
@@ -2821,7 +2821,7 @@
           <p:cNvPr id="4" name="页脚占位符 3">
             <a:extLst>
               <a:ext uri="{FF2B5EF4-FFF2-40B4-BE49-F238E27FC236}">
-                <a16:creationId xmlns:a16="http://schemas.microsoft.com/office/drawing/2014/main" xmlns="" id="{914BC86C-F2F8-3396-17AC-0735983760FC}"/>
+                <a16:creationId xmlns="" xmlns:a16="http://schemas.microsoft.com/office/drawing/2014/main" id="{914BC86C-F2F8-3396-17AC-0735983760FC}"/>
               </a:ext>
             </a:extLst>
           </p:cNvPr>
@@ -2846,7 +2846,7 @@
           <p:cNvPr id="5" name="灯片编号占位符 4">
             <a:extLst>
               <a:ext uri="{FF2B5EF4-FFF2-40B4-BE49-F238E27FC236}">
-                <a16:creationId xmlns:a16="http://schemas.microsoft.com/office/drawing/2014/main" xmlns="" id="{BCD46C41-5FA4-E5F8-0E00-98EC89530535}"/>
+                <a16:creationId xmlns="" xmlns:a16="http://schemas.microsoft.com/office/drawing/2014/main" id="{BCD46C41-5FA4-E5F8-0E00-98EC89530535}"/>
               </a:ext>
             </a:extLst>
           </p:cNvPr>
@@ -2905,7 +2905,7 @@
           <p:cNvPr id="2" name="日期占位符 1">
             <a:extLst>
               <a:ext uri="{FF2B5EF4-FFF2-40B4-BE49-F238E27FC236}">
-                <a16:creationId xmlns:a16="http://schemas.microsoft.com/office/drawing/2014/main" xmlns="" id="{987885F3-BC73-F95E-1CC2-95AD9AFC4550}"/>
+                <a16:creationId xmlns="" xmlns:a16="http://schemas.microsoft.com/office/drawing/2014/main" id="{987885F3-BC73-F95E-1CC2-95AD9AFC4550}"/>
               </a:ext>
             </a:extLst>
           </p:cNvPr>
@@ -2923,7 +2923,7 @@
           <a:p>
             <a:fld id="{BA054789-EACE-4F0B-85CE-A0AE8F37913A}" type="datetimeFigureOut">
               <a:rPr lang="zh-CN" altLang="en-US" smtClean="0"/>
-              <a:t>2022/8/1</a:t>
+              <a:t>2022/8/3</a:t>
             </a:fld>
             <a:endParaRPr lang="zh-CN" altLang="en-US"/>
           </a:p>
@@ -2934,7 +2934,7 @@
           <p:cNvPr id="3" name="页脚占位符 2">
             <a:extLst>
               <a:ext uri="{FF2B5EF4-FFF2-40B4-BE49-F238E27FC236}">
-                <a16:creationId xmlns:a16="http://schemas.microsoft.com/office/drawing/2014/main" xmlns="" id="{3A45F5EE-A519-0C1C-324D-67E058F91DDB}"/>
+                <a16:creationId xmlns="" xmlns:a16="http://schemas.microsoft.com/office/drawing/2014/main" id="{3A45F5EE-A519-0C1C-324D-67E058F91DDB}"/>
               </a:ext>
             </a:extLst>
           </p:cNvPr>
@@ -2959,7 +2959,7 @@
           <p:cNvPr id="4" name="灯片编号占位符 3">
             <a:extLst>
               <a:ext uri="{FF2B5EF4-FFF2-40B4-BE49-F238E27FC236}">
-                <a16:creationId xmlns:a16="http://schemas.microsoft.com/office/drawing/2014/main" xmlns="" id="{67EC8A15-FD0F-6449-C8C4-244D9A47FC09}"/>
+                <a16:creationId xmlns="" xmlns:a16="http://schemas.microsoft.com/office/drawing/2014/main" id="{67EC8A15-FD0F-6449-C8C4-244D9A47FC09}"/>
               </a:ext>
             </a:extLst>
           </p:cNvPr>
@@ -3018,7 +3018,7 @@
           <p:cNvPr id="2" name="标题 1">
             <a:extLst>
               <a:ext uri="{FF2B5EF4-FFF2-40B4-BE49-F238E27FC236}">
-                <a16:creationId xmlns:a16="http://schemas.microsoft.com/office/drawing/2014/main" xmlns="" id="{8207E91F-BEEE-171E-0131-6E86365BBE2D}"/>
+                <a16:creationId xmlns="" xmlns:a16="http://schemas.microsoft.com/office/drawing/2014/main" id="{8207E91F-BEEE-171E-0131-6E86365BBE2D}"/>
               </a:ext>
             </a:extLst>
           </p:cNvPr>
@@ -3055,7 +3055,7 @@
           <p:cNvPr id="3" name="内容占位符 2">
             <a:extLst>
               <a:ext uri="{FF2B5EF4-FFF2-40B4-BE49-F238E27FC236}">
-                <a16:creationId xmlns:a16="http://schemas.microsoft.com/office/drawing/2014/main" xmlns="" id="{224A1AFF-50FF-8C59-9840-606EB237D707}"/>
+                <a16:creationId xmlns="" xmlns:a16="http://schemas.microsoft.com/office/drawing/2014/main" id="{224A1AFF-50FF-8C59-9840-606EB237D707}"/>
               </a:ext>
             </a:extLst>
           </p:cNvPr>
@@ -3145,7 +3145,7 @@
           <p:cNvPr id="4" name="文本占位符 3">
             <a:extLst>
               <a:ext uri="{FF2B5EF4-FFF2-40B4-BE49-F238E27FC236}">
-                <a16:creationId xmlns:a16="http://schemas.microsoft.com/office/drawing/2014/main" xmlns="" id="{1918F8C3-484E-3A1E-8EA0-D9C66B071D46}"/>
+                <a16:creationId xmlns="" xmlns:a16="http://schemas.microsoft.com/office/drawing/2014/main" id="{1918F8C3-484E-3A1E-8EA0-D9C66B071D46}"/>
               </a:ext>
             </a:extLst>
           </p:cNvPr>
@@ -3216,7 +3216,7 @@
           <p:cNvPr id="5" name="日期占位符 4">
             <a:extLst>
               <a:ext uri="{FF2B5EF4-FFF2-40B4-BE49-F238E27FC236}">
-                <a16:creationId xmlns:a16="http://schemas.microsoft.com/office/drawing/2014/main" xmlns="" id="{6708E08C-E838-BC00-6EA5-3C80B9A0F2BF}"/>
+                <a16:creationId xmlns="" xmlns:a16="http://schemas.microsoft.com/office/drawing/2014/main" id="{6708E08C-E838-BC00-6EA5-3C80B9A0F2BF}"/>
               </a:ext>
             </a:extLst>
           </p:cNvPr>
@@ -3234,7 +3234,7 @@
           <a:p>
             <a:fld id="{BA054789-EACE-4F0B-85CE-A0AE8F37913A}" type="datetimeFigureOut">
               <a:rPr lang="zh-CN" altLang="en-US" smtClean="0"/>
-              <a:t>2022/8/1</a:t>
+              <a:t>2022/8/3</a:t>
             </a:fld>
             <a:endParaRPr lang="zh-CN" altLang="en-US"/>
           </a:p>
@@ -3245,7 +3245,7 @@
           <p:cNvPr id="6" name="页脚占位符 5">
             <a:extLst>
               <a:ext uri="{FF2B5EF4-FFF2-40B4-BE49-F238E27FC236}">
-                <a16:creationId xmlns:a16="http://schemas.microsoft.com/office/drawing/2014/main" xmlns="" id="{439DBC6E-FDA4-993F-86BA-68C9D9CBCDA2}"/>
+                <a16:creationId xmlns="" xmlns:a16="http://schemas.microsoft.com/office/drawing/2014/main" id="{439DBC6E-FDA4-993F-86BA-68C9D9CBCDA2}"/>
               </a:ext>
             </a:extLst>
           </p:cNvPr>
@@ -3270,7 +3270,7 @@
           <p:cNvPr id="7" name="灯片编号占位符 6">
             <a:extLst>
               <a:ext uri="{FF2B5EF4-FFF2-40B4-BE49-F238E27FC236}">
-                <a16:creationId xmlns:a16="http://schemas.microsoft.com/office/drawing/2014/main" xmlns="" id="{84AC5D80-1CD5-A607-8281-BC0454CACBD2}"/>
+                <a16:creationId xmlns="" xmlns:a16="http://schemas.microsoft.com/office/drawing/2014/main" id="{84AC5D80-1CD5-A607-8281-BC0454CACBD2}"/>
               </a:ext>
             </a:extLst>
           </p:cNvPr>
@@ -3329,7 +3329,7 @@
           <p:cNvPr id="2" name="标题 1">
             <a:extLst>
               <a:ext uri="{FF2B5EF4-FFF2-40B4-BE49-F238E27FC236}">
-                <a16:creationId xmlns:a16="http://schemas.microsoft.com/office/drawing/2014/main" xmlns="" id="{8B87A630-13E3-6038-F332-B3BE60484A0E}"/>
+                <a16:creationId xmlns="" xmlns:a16="http://schemas.microsoft.com/office/drawing/2014/main" id="{8B87A630-13E3-6038-F332-B3BE60484A0E}"/>
               </a:ext>
             </a:extLst>
           </p:cNvPr>
@@ -3366,7 +3366,7 @@
           <p:cNvPr id="3" name="图片占位符 2">
             <a:extLst>
               <a:ext uri="{FF2B5EF4-FFF2-40B4-BE49-F238E27FC236}">
-                <a16:creationId xmlns:a16="http://schemas.microsoft.com/office/drawing/2014/main" xmlns="" id="{B92BC7D3-D3C2-E338-1906-89EBC814D58E}"/>
+                <a16:creationId xmlns="" xmlns:a16="http://schemas.microsoft.com/office/drawing/2014/main" id="{B92BC7D3-D3C2-E338-1906-89EBC814D58E}"/>
               </a:ext>
             </a:extLst>
           </p:cNvPr>
@@ -3433,7 +3433,7 @@
           <p:cNvPr id="4" name="文本占位符 3">
             <a:extLst>
               <a:ext uri="{FF2B5EF4-FFF2-40B4-BE49-F238E27FC236}">
-                <a16:creationId xmlns:a16="http://schemas.microsoft.com/office/drawing/2014/main" xmlns="" id="{07545A6D-4664-4BEC-EE9E-A985A49BADC9}"/>
+                <a16:creationId xmlns="" xmlns:a16="http://schemas.microsoft.com/office/drawing/2014/main" id="{07545A6D-4664-4BEC-EE9E-A985A49BADC9}"/>
               </a:ext>
             </a:extLst>
           </p:cNvPr>
@@ -3504,7 +3504,7 @@
           <p:cNvPr id="5" name="日期占位符 4">
             <a:extLst>
               <a:ext uri="{FF2B5EF4-FFF2-40B4-BE49-F238E27FC236}">
-                <a16:creationId xmlns:a16="http://schemas.microsoft.com/office/drawing/2014/main" xmlns="" id="{7C4A4C3B-C39E-7F62-7D92-3CC1CB7AE956}"/>
+                <a16:creationId xmlns="" xmlns:a16="http://schemas.microsoft.com/office/drawing/2014/main" id="{7C4A4C3B-C39E-7F62-7D92-3CC1CB7AE956}"/>
               </a:ext>
             </a:extLst>
           </p:cNvPr>
@@ -3522,7 +3522,7 @@
           <a:p>
             <a:fld id="{BA054789-EACE-4F0B-85CE-A0AE8F37913A}" type="datetimeFigureOut">
               <a:rPr lang="zh-CN" altLang="en-US" smtClean="0"/>
-              <a:t>2022/8/1</a:t>
+              <a:t>2022/8/3</a:t>
             </a:fld>
             <a:endParaRPr lang="zh-CN" altLang="en-US"/>
           </a:p>
@@ -3533,7 +3533,7 @@
           <p:cNvPr id="6" name="页脚占位符 5">
             <a:extLst>
               <a:ext uri="{FF2B5EF4-FFF2-40B4-BE49-F238E27FC236}">
-                <a16:creationId xmlns:a16="http://schemas.microsoft.com/office/drawing/2014/main" xmlns="" id="{ABCA2129-E1A8-A9AB-72DB-E364A7654AE6}"/>
+                <a16:creationId xmlns="" xmlns:a16="http://schemas.microsoft.com/office/drawing/2014/main" id="{ABCA2129-E1A8-A9AB-72DB-E364A7654AE6}"/>
               </a:ext>
             </a:extLst>
           </p:cNvPr>
@@ -3558,7 +3558,7 @@
           <p:cNvPr id="7" name="灯片编号占位符 6">
             <a:extLst>
               <a:ext uri="{FF2B5EF4-FFF2-40B4-BE49-F238E27FC236}">
-                <a16:creationId xmlns:a16="http://schemas.microsoft.com/office/drawing/2014/main" xmlns="" id="{6890FD23-C4A5-BC02-595B-A819F72BEB9C}"/>
+                <a16:creationId xmlns="" xmlns:a16="http://schemas.microsoft.com/office/drawing/2014/main" id="{6890FD23-C4A5-BC02-595B-A819F72BEB9C}"/>
               </a:ext>
             </a:extLst>
           </p:cNvPr>
@@ -3622,7 +3622,7 @@
           <p:cNvPr id="2" name="标题占位符 1">
             <a:extLst>
               <a:ext uri="{FF2B5EF4-FFF2-40B4-BE49-F238E27FC236}">
-                <a16:creationId xmlns:a16="http://schemas.microsoft.com/office/drawing/2014/main" xmlns="" id="{92000A49-3619-2406-82EF-AED9BE75F34E}"/>
+                <a16:creationId xmlns="" xmlns:a16="http://schemas.microsoft.com/office/drawing/2014/main" id="{92000A49-3619-2406-82EF-AED9BE75F34E}"/>
               </a:ext>
             </a:extLst>
           </p:cNvPr>
@@ -3660,7 +3660,7 @@
           <p:cNvPr id="3" name="文本占位符 2">
             <a:extLst>
               <a:ext uri="{FF2B5EF4-FFF2-40B4-BE49-F238E27FC236}">
-                <a16:creationId xmlns:a16="http://schemas.microsoft.com/office/drawing/2014/main" xmlns="" id="{D43FE0F5-0CBC-BDA9-24CE-A859521DA656}"/>
+                <a16:creationId xmlns="" xmlns:a16="http://schemas.microsoft.com/office/drawing/2014/main" id="{D43FE0F5-0CBC-BDA9-24CE-A859521DA656}"/>
               </a:ext>
             </a:extLst>
           </p:cNvPr>
@@ -3727,7 +3727,7 @@
           <p:cNvPr id="4" name="日期占位符 3">
             <a:extLst>
               <a:ext uri="{FF2B5EF4-FFF2-40B4-BE49-F238E27FC236}">
-                <a16:creationId xmlns:a16="http://schemas.microsoft.com/office/drawing/2014/main" xmlns="" id="{2233451F-B070-3253-A379-82BC5C68026A}"/>
+                <a16:creationId xmlns="" xmlns:a16="http://schemas.microsoft.com/office/drawing/2014/main" id="{2233451F-B070-3253-A379-82BC5C68026A}"/>
               </a:ext>
             </a:extLst>
           </p:cNvPr>
@@ -3763,7 +3763,7 @@
           <a:p>
             <a:fld id="{BA054789-EACE-4F0B-85CE-A0AE8F37913A}" type="datetimeFigureOut">
               <a:rPr lang="zh-CN" altLang="en-US" smtClean="0"/>
-              <a:t>2022/8/1</a:t>
+              <a:t>2022/8/3</a:t>
             </a:fld>
             <a:endParaRPr lang="zh-CN" altLang="en-US"/>
           </a:p>
@@ -3774,7 +3774,7 @@
           <p:cNvPr id="5" name="页脚占位符 4">
             <a:extLst>
               <a:ext uri="{FF2B5EF4-FFF2-40B4-BE49-F238E27FC236}">
-                <a16:creationId xmlns:a16="http://schemas.microsoft.com/office/drawing/2014/main" xmlns="" id="{06986DEC-0B9D-7F39-CE3E-66A01F226957}"/>
+                <a16:creationId xmlns="" xmlns:a16="http://schemas.microsoft.com/office/drawing/2014/main" id="{06986DEC-0B9D-7F39-CE3E-66A01F226957}"/>
               </a:ext>
             </a:extLst>
           </p:cNvPr>
@@ -3817,7 +3817,7 @@
           <p:cNvPr id="6" name="灯片编号占位符 5">
             <a:extLst>
               <a:ext uri="{FF2B5EF4-FFF2-40B4-BE49-F238E27FC236}">
-                <a16:creationId xmlns:a16="http://schemas.microsoft.com/office/drawing/2014/main" xmlns="" id="{4E5D66B3-A060-F0A8-8F68-EBE0B120344F}"/>
+                <a16:creationId xmlns="" xmlns:a16="http://schemas.microsoft.com/office/drawing/2014/main" id="{4E5D66B3-A060-F0A8-8F68-EBE0B120344F}"/>
               </a:ext>
             </a:extLst>
           </p:cNvPr>
@@ -4196,7 +4196,7 @@
           <p:cNvPr id="2" name="标题 1">
             <a:extLst>
               <a:ext uri="{FF2B5EF4-FFF2-40B4-BE49-F238E27FC236}">
-                <a16:creationId xmlns:a16="http://schemas.microsoft.com/office/drawing/2014/main" xmlns="" id="{2A9B6C59-89F9-5390-BB77-F8DB7EF7B310}"/>
+                <a16:creationId xmlns="" xmlns:a16="http://schemas.microsoft.com/office/drawing/2014/main" id="{2A9B6C59-89F9-5390-BB77-F8DB7EF7B310}"/>
               </a:ext>
             </a:extLst>
           </p:cNvPr>
@@ -4266,7 +4266,7 @@
           <p:cNvPr id="4" name="椭圆 3">
             <a:extLst>
               <a:ext uri="{FF2B5EF4-FFF2-40B4-BE49-F238E27FC236}">
-                <a16:creationId xmlns:a16="http://schemas.microsoft.com/office/drawing/2014/main" xmlns="" id="{94C17F89-4022-3282-1B5A-F455F1578F55}"/>
+                <a16:creationId xmlns="" xmlns:a16="http://schemas.microsoft.com/office/drawing/2014/main" id="{94C17F89-4022-3282-1B5A-F455F1578F55}"/>
               </a:ext>
             </a:extLst>
           </p:cNvPr>
@@ -5013,7 +5013,7 @@
           <p:cNvPr id="4" name="椭圆 3">
             <a:extLst>
               <a:ext uri="{FF2B5EF4-FFF2-40B4-BE49-F238E27FC236}">
-                <a16:creationId xmlns:a16="http://schemas.microsoft.com/office/drawing/2014/main" xmlns="" id="{94C17F89-4022-3282-1B5A-F455F1578F55}"/>
+                <a16:creationId xmlns="" xmlns:a16="http://schemas.microsoft.com/office/drawing/2014/main" id="{94C17F89-4022-3282-1B5A-F455F1578F55}"/>
               </a:ext>
             </a:extLst>
           </p:cNvPr>
@@ -5596,7 +5596,7 @@
           <p:cNvPr id="38" name="Google Shape;90;p14">
             <a:extLst>
               <a:ext uri="{FF2B5EF4-FFF2-40B4-BE49-F238E27FC236}">
-                <a16:creationId xmlns:a16="http://schemas.microsoft.com/office/drawing/2014/main" xmlns="" id="{70D7F9C8-3F19-0671-CC95-0C6FF2D659F6}"/>
+                <a16:creationId xmlns="" xmlns:a16="http://schemas.microsoft.com/office/drawing/2014/main" id="{70D7F9C8-3F19-0671-CC95-0C6FF2D659F6}"/>
               </a:ext>
             </a:extLst>
           </p:cNvPr>
@@ -5630,7 +5630,7 @@
           <p:cNvPr id="39" name="Google Shape;90;p14">
             <a:extLst>
               <a:ext uri="{FF2B5EF4-FFF2-40B4-BE49-F238E27FC236}">
-                <a16:creationId xmlns:a16="http://schemas.microsoft.com/office/drawing/2014/main" xmlns="" id="{70D7F9C8-3F19-0671-CC95-0C6FF2D659F6}"/>
+                <a16:creationId xmlns="" xmlns:a16="http://schemas.microsoft.com/office/drawing/2014/main" id="{70D7F9C8-3F19-0671-CC95-0C6FF2D659F6}"/>
               </a:ext>
             </a:extLst>
           </p:cNvPr>
@@ -5694,7 +5694,7 @@
           <p:cNvPr id="4" name="椭圆 3">
             <a:extLst>
               <a:ext uri="{FF2B5EF4-FFF2-40B4-BE49-F238E27FC236}">
-                <a16:creationId xmlns:a16="http://schemas.microsoft.com/office/drawing/2014/main" xmlns="" id="{94C17F89-4022-3282-1B5A-F455F1578F55}"/>
+                <a16:creationId xmlns="" xmlns:a16="http://schemas.microsoft.com/office/drawing/2014/main" id="{94C17F89-4022-3282-1B5A-F455F1578F55}"/>
               </a:ext>
             </a:extLst>
           </p:cNvPr>
@@ -6377,7 +6377,7 @@
           <p:cNvPr id="2" name="标题 1">
             <a:extLst>
               <a:ext uri="{FF2B5EF4-FFF2-40B4-BE49-F238E27FC236}">
-                <a16:creationId xmlns:a16="http://schemas.microsoft.com/office/drawing/2014/main" xmlns="" id="{2A9B6C59-89F9-5390-BB77-F8DB7EF7B310}"/>
+                <a16:creationId xmlns="" xmlns:a16="http://schemas.microsoft.com/office/drawing/2014/main" id="{2A9B6C59-89F9-5390-BB77-F8DB7EF7B310}"/>
               </a:ext>
             </a:extLst>
           </p:cNvPr>
@@ -6452,7 +6452,7 @@
           <p:cNvPr id="2" name="标题 1">
             <a:extLst>
               <a:ext uri="{FF2B5EF4-FFF2-40B4-BE49-F238E27FC236}">
-                <a16:creationId xmlns:a16="http://schemas.microsoft.com/office/drawing/2014/main" xmlns="" id="{80796E82-7314-2FBE-2DE8-DDD70D4DF27E}"/>
+                <a16:creationId xmlns="" xmlns:a16="http://schemas.microsoft.com/office/drawing/2014/main" id="{80796E82-7314-2FBE-2DE8-DDD70D4DF27E}"/>
               </a:ext>
             </a:extLst>
           </p:cNvPr>
@@ -6508,7 +6508,7 @@
           <p:cNvPr id="5" name="椭圆 4">
             <a:extLst>
               <a:ext uri="{FF2B5EF4-FFF2-40B4-BE49-F238E27FC236}">
-                <a16:creationId xmlns:a16="http://schemas.microsoft.com/office/drawing/2014/main" xmlns="" id="{A020CC41-9901-5A10-06D8-1F19650A3A6A}"/>
+                <a16:creationId xmlns="" xmlns:a16="http://schemas.microsoft.com/office/drawing/2014/main" id="{A020CC41-9901-5A10-06D8-1F19650A3A6A}"/>
               </a:ext>
             </a:extLst>
           </p:cNvPr>
@@ -6560,7 +6560,7 @@
           <p:cNvPr id="19" name="Google Shape;73;p14">
             <a:extLst>
               <a:ext uri="{FF2B5EF4-FFF2-40B4-BE49-F238E27FC236}">
-                <a16:creationId xmlns:a16="http://schemas.microsoft.com/office/drawing/2014/main" xmlns="" id="{3442D827-BE6F-DFBF-3B15-223B2753D9E9}"/>
+                <a16:creationId xmlns="" xmlns:a16="http://schemas.microsoft.com/office/drawing/2014/main" id="{3442D827-BE6F-DFBF-3B15-223B2753D9E9}"/>
               </a:ext>
             </a:extLst>
           </p:cNvPr>
@@ -6594,7 +6594,7 @@
           <p:cNvPr id="3" name="椭圆 2">
             <a:extLst>
               <a:ext uri="{FF2B5EF4-FFF2-40B4-BE49-F238E27FC236}">
-                <a16:creationId xmlns:a16="http://schemas.microsoft.com/office/drawing/2014/main" xmlns="" id="{6A049D51-9228-994D-60FB-A0B21405E162}"/>
+                <a16:creationId xmlns="" xmlns:a16="http://schemas.microsoft.com/office/drawing/2014/main" id="{6A049D51-9228-994D-60FB-A0B21405E162}"/>
               </a:ext>
             </a:extLst>
           </p:cNvPr>
@@ -6650,7 +6650,7 @@
           <p:cNvPr id="20" name="椭圆 19">
             <a:extLst>
               <a:ext uri="{FF2B5EF4-FFF2-40B4-BE49-F238E27FC236}">
-                <a16:creationId xmlns:a16="http://schemas.microsoft.com/office/drawing/2014/main" xmlns="" id="{1CB92BD5-35D8-92CB-D9E4-9F7E63F85095}"/>
+                <a16:creationId xmlns="" xmlns:a16="http://schemas.microsoft.com/office/drawing/2014/main" id="{1CB92BD5-35D8-92CB-D9E4-9F7E63F85095}"/>
               </a:ext>
             </a:extLst>
           </p:cNvPr>
@@ -6706,7 +6706,7 @@
           <p:cNvPr id="21" name="椭圆 20">
             <a:extLst>
               <a:ext uri="{FF2B5EF4-FFF2-40B4-BE49-F238E27FC236}">
-                <a16:creationId xmlns:a16="http://schemas.microsoft.com/office/drawing/2014/main" xmlns="" id="{CC0D471C-430C-0F88-B963-906AF37643E5}"/>
+                <a16:creationId xmlns="" xmlns:a16="http://schemas.microsoft.com/office/drawing/2014/main" id="{CC0D471C-430C-0F88-B963-906AF37643E5}"/>
               </a:ext>
             </a:extLst>
           </p:cNvPr>
@@ -6762,7 +6762,7 @@
           <p:cNvPr id="22" name="椭圆 21">
             <a:extLst>
               <a:ext uri="{FF2B5EF4-FFF2-40B4-BE49-F238E27FC236}">
-                <a16:creationId xmlns:a16="http://schemas.microsoft.com/office/drawing/2014/main" xmlns="" id="{ECCA1AA6-1921-4825-44D1-D03BE773AACC}"/>
+                <a16:creationId xmlns="" xmlns:a16="http://schemas.microsoft.com/office/drawing/2014/main" id="{ECCA1AA6-1921-4825-44D1-D03BE773AACC}"/>
               </a:ext>
             </a:extLst>
           </p:cNvPr>
@@ -6818,7 +6818,7 @@
           <p:cNvPr id="23" name="椭圆 22">
             <a:extLst>
               <a:ext uri="{FF2B5EF4-FFF2-40B4-BE49-F238E27FC236}">
-                <a16:creationId xmlns:a16="http://schemas.microsoft.com/office/drawing/2014/main" xmlns="" id="{3F21BD1A-C0DB-4604-449C-A115F86B74D3}"/>
+                <a16:creationId xmlns="" xmlns:a16="http://schemas.microsoft.com/office/drawing/2014/main" id="{3F21BD1A-C0DB-4604-449C-A115F86B74D3}"/>
               </a:ext>
             </a:extLst>
           </p:cNvPr>
@@ -6878,7 +6878,7 @@
           <p:cNvPr id="24" name="椭圆 23">
             <a:extLst>
               <a:ext uri="{FF2B5EF4-FFF2-40B4-BE49-F238E27FC236}">
-                <a16:creationId xmlns:a16="http://schemas.microsoft.com/office/drawing/2014/main" xmlns="" id="{153EDE49-BF0B-3BFF-8FAE-EA9476EE1014}"/>
+                <a16:creationId xmlns="" xmlns:a16="http://schemas.microsoft.com/office/drawing/2014/main" id="{153EDE49-BF0B-3BFF-8FAE-EA9476EE1014}"/>
               </a:ext>
             </a:extLst>
           </p:cNvPr>
@@ -6938,7 +6938,7 @@
           <p:cNvPr id="25" name="椭圆 24">
             <a:extLst>
               <a:ext uri="{FF2B5EF4-FFF2-40B4-BE49-F238E27FC236}">
-                <a16:creationId xmlns:a16="http://schemas.microsoft.com/office/drawing/2014/main" xmlns="" id="{96E59006-D453-BDF9-72CE-BDDB3896D922}"/>
+                <a16:creationId xmlns="" xmlns:a16="http://schemas.microsoft.com/office/drawing/2014/main" id="{96E59006-D453-BDF9-72CE-BDDB3896D922}"/>
               </a:ext>
             </a:extLst>
           </p:cNvPr>
@@ -6998,7 +6998,7 @@
           <p:cNvPr id="26" name="椭圆 25">
             <a:extLst>
               <a:ext uri="{FF2B5EF4-FFF2-40B4-BE49-F238E27FC236}">
-                <a16:creationId xmlns:a16="http://schemas.microsoft.com/office/drawing/2014/main" xmlns="" id="{76DDE1EF-9352-BD67-F294-8E6E8429488F}"/>
+                <a16:creationId xmlns="" xmlns:a16="http://schemas.microsoft.com/office/drawing/2014/main" id="{76DDE1EF-9352-BD67-F294-8E6E8429488F}"/>
               </a:ext>
             </a:extLst>
           </p:cNvPr>
@@ -7058,7 +7058,7 @@
           <p:cNvPr id="6" name="Google Shape;74;p14">
             <a:extLst>
               <a:ext uri="{FF2B5EF4-FFF2-40B4-BE49-F238E27FC236}">
-                <a16:creationId xmlns:a16="http://schemas.microsoft.com/office/drawing/2014/main" xmlns="" id="{8ABB2948-CF7D-7BD6-14B8-367574244CB2}"/>
+                <a16:creationId xmlns="" xmlns:a16="http://schemas.microsoft.com/office/drawing/2014/main" id="{8ABB2948-CF7D-7BD6-14B8-367574244CB2}"/>
               </a:ext>
             </a:extLst>
           </p:cNvPr>
@@ -7092,7 +7092,7 @@
           <p:cNvPr id="7" name="Google Shape;75;p14">
             <a:extLst>
               <a:ext uri="{FF2B5EF4-FFF2-40B4-BE49-F238E27FC236}">
-                <a16:creationId xmlns:a16="http://schemas.microsoft.com/office/drawing/2014/main" xmlns="" id="{744D1F6B-EBF7-049C-9CBC-D2BD265B8DB5}"/>
+                <a16:creationId xmlns="" xmlns:a16="http://schemas.microsoft.com/office/drawing/2014/main" id="{744D1F6B-EBF7-049C-9CBC-D2BD265B8DB5}"/>
               </a:ext>
             </a:extLst>
           </p:cNvPr>
@@ -7126,7 +7126,7 @@
           <p:cNvPr id="8" name="Google Shape;76;p14">
             <a:extLst>
               <a:ext uri="{FF2B5EF4-FFF2-40B4-BE49-F238E27FC236}">
-                <a16:creationId xmlns:a16="http://schemas.microsoft.com/office/drawing/2014/main" xmlns="" id="{A0604560-830C-4AC9-3717-031AA48B5D45}"/>
+                <a16:creationId xmlns="" xmlns:a16="http://schemas.microsoft.com/office/drawing/2014/main" id="{A0604560-830C-4AC9-3717-031AA48B5D45}"/>
               </a:ext>
             </a:extLst>
           </p:cNvPr>
@@ -7160,7 +7160,7 @@
           <p:cNvPr id="9" name="Google Shape;77;p14">
             <a:extLst>
               <a:ext uri="{FF2B5EF4-FFF2-40B4-BE49-F238E27FC236}">
-                <a16:creationId xmlns:a16="http://schemas.microsoft.com/office/drawing/2014/main" xmlns="" id="{DC03C87C-87BB-A5EB-0D50-DDB31F93A6C2}"/>
+                <a16:creationId xmlns="" xmlns:a16="http://schemas.microsoft.com/office/drawing/2014/main" id="{DC03C87C-87BB-A5EB-0D50-DDB31F93A6C2}"/>
               </a:ext>
             </a:extLst>
           </p:cNvPr>
@@ -7194,7 +7194,7 @@
           <p:cNvPr id="10" name="Google Shape;78;p14">
             <a:extLst>
               <a:ext uri="{FF2B5EF4-FFF2-40B4-BE49-F238E27FC236}">
-                <a16:creationId xmlns:a16="http://schemas.microsoft.com/office/drawing/2014/main" xmlns="" id="{281D3DED-9B64-E88B-FC5F-0C30B82A9484}"/>
+                <a16:creationId xmlns="" xmlns:a16="http://schemas.microsoft.com/office/drawing/2014/main" id="{281D3DED-9B64-E88B-FC5F-0C30B82A9484}"/>
               </a:ext>
             </a:extLst>
           </p:cNvPr>
@@ -7228,7 +7228,7 @@
           <p:cNvPr id="11" name="Google Shape;79;p14">
             <a:extLst>
               <a:ext uri="{FF2B5EF4-FFF2-40B4-BE49-F238E27FC236}">
-                <a16:creationId xmlns:a16="http://schemas.microsoft.com/office/drawing/2014/main" xmlns="" id="{0DAE55E6-D474-C395-BC84-8ACA3CE820A0}"/>
+                <a16:creationId xmlns="" xmlns:a16="http://schemas.microsoft.com/office/drawing/2014/main" id="{0DAE55E6-D474-C395-BC84-8ACA3CE820A0}"/>
               </a:ext>
             </a:extLst>
           </p:cNvPr>
@@ -7262,7 +7262,7 @@
           <p:cNvPr id="12" name="Google Shape;80;p14">
             <a:extLst>
               <a:ext uri="{FF2B5EF4-FFF2-40B4-BE49-F238E27FC236}">
-                <a16:creationId xmlns:a16="http://schemas.microsoft.com/office/drawing/2014/main" xmlns="" id="{3A5AAC50-9F06-A76F-B20B-35CF3612E825}"/>
+                <a16:creationId xmlns="" xmlns:a16="http://schemas.microsoft.com/office/drawing/2014/main" id="{3A5AAC50-9F06-A76F-B20B-35CF3612E825}"/>
               </a:ext>
             </a:extLst>
           </p:cNvPr>
@@ -7296,7 +7296,7 @@
           <p:cNvPr id="13" name="Google Shape;81;p14">
             <a:extLst>
               <a:ext uri="{FF2B5EF4-FFF2-40B4-BE49-F238E27FC236}">
-                <a16:creationId xmlns:a16="http://schemas.microsoft.com/office/drawing/2014/main" xmlns="" id="{F33B3BEC-1095-E464-2D03-703E55B0F8A0}"/>
+                <a16:creationId xmlns="" xmlns:a16="http://schemas.microsoft.com/office/drawing/2014/main" id="{F33B3BEC-1095-E464-2D03-703E55B0F8A0}"/>
               </a:ext>
             </a:extLst>
           </p:cNvPr>
@@ -7330,7 +7330,7 @@
           <p:cNvPr id="4" name="文本框 3">
             <a:extLst>
               <a:ext uri="{FF2B5EF4-FFF2-40B4-BE49-F238E27FC236}">
-                <a16:creationId xmlns:a16="http://schemas.microsoft.com/office/drawing/2014/main" xmlns="" id="{3E8E8225-E7B4-E598-7AEB-66BC2EF7864E}"/>
+                <a16:creationId xmlns="" xmlns:a16="http://schemas.microsoft.com/office/drawing/2014/main" id="{3E8E8225-E7B4-E598-7AEB-66BC2EF7864E}"/>
               </a:ext>
             </a:extLst>
           </p:cNvPr>
@@ -7410,7 +7410,7 @@
           <p:cNvPr id="2" name="标题 1">
             <a:extLst>
               <a:ext uri="{FF2B5EF4-FFF2-40B4-BE49-F238E27FC236}">
-                <a16:creationId xmlns:a16="http://schemas.microsoft.com/office/drawing/2014/main" xmlns="" id="{80796E82-7314-2FBE-2DE8-DDD70D4DF27E}"/>
+                <a16:creationId xmlns="" xmlns:a16="http://schemas.microsoft.com/office/drawing/2014/main" id="{80796E82-7314-2FBE-2DE8-DDD70D4DF27E}"/>
               </a:ext>
             </a:extLst>
           </p:cNvPr>
@@ -7459,7 +7459,7 @@
           <p:cNvPr id="5" name="椭圆 4">
             <a:extLst>
               <a:ext uri="{FF2B5EF4-FFF2-40B4-BE49-F238E27FC236}">
-                <a16:creationId xmlns:a16="http://schemas.microsoft.com/office/drawing/2014/main" xmlns="" id="{A020CC41-9901-5A10-06D8-1F19650A3A6A}"/>
+                <a16:creationId xmlns="" xmlns:a16="http://schemas.microsoft.com/office/drawing/2014/main" id="{A020CC41-9901-5A10-06D8-1F19650A3A6A}"/>
               </a:ext>
             </a:extLst>
           </p:cNvPr>
@@ -7511,7 +7511,7 @@
           <p:cNvPr id="19" name="Google Shape;73;p14">
             <a:extLst>
               <a:ext uri="{FF2B5EF4-FFF2-40B4-BE49-F238E27FC236}">
-                <a16:creationId xmlns:a16="http://schemas.microsoft.com/office/drawing/2014/main" xmlns="" id="{3442D827-BE6F-DFBF-3B15-223B2753D9E9}"/>
+                <a16:creationId xmlns="" xmlns:a16="http://schemas.microsoft.com/office/drawing/2014/main" id="{3442D827-BE6F-DFBF-3B15-223B2753D9E9}"/>
               </a:ext>
             </a:extLst>
           </p:cNvPr>
@@ -7545,7 +7545,7 @@
           <p:cNvPr id="6" name="Google Shape;74;p14">
             <a:extLst>
               <a:ext uri="{FF2B5EF4-FFF2-40B4-BE49-F238E27FC236}">
-                <a16:creationId xmlns:a16="http://schemas.microsoft.com/office/drawing/2014/main" xmlns="" id="{8ABB2948-CF7D-7BD6-14B8-367574244CB2}"/>
+                <a16:creationId xmlns="" xmlns:a16="http://schemas.microsoft.com/office/drawing/2014/main" id="{8ABB2948-CF7D-7BD6-14B8-367574244CB2}"/>
               </a:ext>
             </a:extLst>
           </p:cNvPr>
@@ -7579,7 +7579,7 @@
           <p:cNvPr id="7" name="Google Shape;75;p14">
             <a:extLst>
               <a:ext uri="{FF2B5EF4-FFF2-40B4-BE49-F238E27FC236}">
-                <a16:creationId xmlns:a16="http://schemas.microsoft.com/office/drawing/2014/main" xmlns="" id="{744D1F6B-EBF7-049C-9CBC-D2BD265B8DB5}"/>
+                <a16:creationId xmlns="" xmlns:a16="http://schemas.microsoft.com/office/drawing/2014/main" id="{744D1F6B-EBF7-049C-9CBC-D2BD265B8DB5}"/>
               </a:ext>
             </a:extLst>
           </p:cNvPr>
@@ -7613,7 +7613,7 @@
           <p:cNvPr id="8" name="Google Shape;76;p14">
             <a:extLst>
               <a:ext uri="{FF2B5EF4-FFF2-40B4-BE49-F238E27FC236}">
-                <a16:creationId xmlns:a16="http://schemas.microsoft.com/office/drawing/2014/main" xmlns="" id="{A0604560-830C-4AC9-3717-031AA48B5D45}"/>
+                <a16:creationId xmlns="" xmlns:a16="http://schemas.microsoft.com/office/drawing/2014/main" id="{A0604560-830C-4AC9-3717-031AA48B5D45}"/>
               </a:ext>
             </a:extLst>
           </p:cNvPr>
@@ -7647,7 +7647,7 @@
           <p:cNvPr id="9" name="Google Shape;77;p14">
             <a:extLst>
               <a:ext uri="{FF2B5EF4-FFF2-40B4-BE49-F238E27FC236}">
-                <a16:creationId xmlns:a16="http://schemas.microsoft.com/office/drawing/2014/main" xmlns="" id="{DC03C87C-87BB-A5EB-0D50-DDB31F93A6C2}"/>
+                <a16:creationId xmlns="" xmlns:a16="http://schemas.microsoft.com/office/drawing/2014/main" id="{DC03C87C-87BB-A5EB-0D50-DDB31F93A6C2}"/>
               </a:ext>
             </a:extLst>
           </p:cNvPr>
@@ -7681,7 +7681,7 @@
           <p:cNvPr id="10" name="Google Shape;78;p14">
             <a:extLst>
               <a:ext uri="{FF2B5EF4-FFF2-40B4-BE49-F238E27FC236}">
-                <a16:creationId xmlns:a16="http://schemas.microsoft.com/office/drawing/2014/main" xmlns="" id="{281D3DED-9B64-E88B-FC5F-0C30B82A9484}"/>
+                <a16:creationId xmlns="" xmlns:a16="http://schemas.microsoft.com/office/drawing/2014/main" id="{281D3DED-9B64-E88B-FC5F-0C30B82A9484}"/>
               </a:ext>
             </a:extLst>
           </p:cNvPr>
@@ -7715,7 +7715,7 @@
           <p:cNvPr id="11" name="Google Shape;79;p14">
             <a:extLst>
               <a:ext uri="{FF2B5EF4-FFF2-40B4-BE49-F238E27FC236}">
-                <a16:creationId xmlns:a16="http://schemas.microsoft.com/office/drawing/2014/main" xmlns="" id="{0DAE55E6-D474-C395-BC84-8ACA3CE820A0}"/>
+                <a16:creationId xmlns="" xmlns:a16="http://schemas.microsoft.com/office/drawing/2014/main" id="{0DAE55E6-D474-C395-BC84-8ACA3CE820A0}"/>
               </a:ext>
             </a:extLst>
           </p:cNvPr>
@@ -7749,7 +7749,7 @@
           <p:cNvPr id="12" name="Google Shape;80;p14">
             <a:extLst>
               <a:ext uri="{FF2B5EF4-FFF2-40B4-BE49-F238E27FC236}">
-                <a16:creationId xmlns:a16="http://schemas.microsoft.com/office/drawing/2014/main" xmlns="" id="{3A5AAC50-9F06-A76F-B20B-35CF3612E825}"/>
+                <a16:creationId xmlns="" xmlns:a16="http://schemas.microsoft.com/office/drawing/2014/main" id="{3A5AAC50-9F06-A76F-B20B-35CF3612E825}"/>
               </a:ext>
             </a:extLst>
           </p:cNvPr>
@@ -7783,7 +7783,7 @@
           <p:cNvPr id="13" name="Google Shape;81;p14">
             <a:extLst>
               <a:ext uri="{FF2B5EF4-FFF2-40B4-BE49-F238E27FC236}">
-                <a16:creationId xmlns:a16="http://schemas.microsoft.com/office/drawing/2014/main" xmlns="" id="{F33B3BEC-1095-E464-2D03-703E55B0F8A0}"/>
+                <a16:creationId xmlns="" xmlns:a16="http://schemas.microsoft.com/office/drawing/2014/main" id="{F33B3BEC-1095-E464-2D03-703E55B0F8A0}"/>
               </a:ext>
             </a:extLst>
           </p:cNvPr>
@@ -7817,7 +7817,7 @@
           <p:cNvPr id="4" name="文本框 3">
             <a:extLst>
               <a:ext uri="{FF2B5EF4-FFF2-40B4-BE49-F238E27FC236}">
-                <a16:creationId xmlns:a16="http://schemas.microsoft.com/office/drawing/2014/main" xmlns="" id="{3E8E8225-E7B4-E598-7AEB-66BC2EF7864E}"/>
+                <a16:creationId xmlns="" xmlns:a16="http://schemas.microsoft.com/office/drawing/2014/main" id="{3E8E8225-E7B4-E598-7AEB-66BC2EF7864E}"/>
               </a:ext>
             </a:extLst>
           </p:cNvPr>
@@ -7857,7 +7857,7 @@
           <p:cNvPr id="27" name="箭头: 五边形 26">
             <a:extLst>
               <a:ext uri="{FF2B5EF4-FFF2-40B4-BE49-F238E27FC236}">
-                <a16:creationId xmlns:a16="http://schemas.microsoft.com/office/drawing/2014/main" xmlns="" id="{E085494B-F842-4C01-038E-DB08191BB1BE}"/>
+                <a16:creationId xmlns="" xmlns:a16="http://schemas.microsoft.com/office/drawing/2014/main" id="{E085494B-F842-4C01-038E-DB08191BB1BE}"/>
               </a:ext>
             </a:extLst>
           </p:cNvPr>
@@ -7913,7 +7913,7 @@
           <p:cNvPr id="28" name="文本框 27">
             <a:extLst>
               <a:ext uri="{FF2B5EF4-FFF2-40B4-BE49-F238E27FC236}">
-                <a16:creationId xmlns:a16="http://schemas.microsoft.com/office/drawing/2014/main" xmlns="" id="{342B569A-49B6-3B3C-8998-DEDD42D51B66}"/>
+                <a16:creationId xmlns="" xmlns:a16="http://schemas.microsoft.com/office/drawing/2014/main" id="{342B569A-49B6-3B3C-8998-DEDD42D51B66}"/>
               </a:ext>
             </a:extLst>
           </p:cNvPr>
@@ -7949,7 +7949,7 @@
           <p:cNvPr id="29" name="箭头: 五边形 28">
             <a:extLst>
               <a:ext uri="{FF2B5EF4-FFF2-40B4-BE49-F238E27FC236}">
-                <a16:creationId xmlns:a16="http://schemas.microsoft.com/office/drawing/2014/main" xmlns="" id="{3523BFDC-8B96-7B81-3159-C26951EC2B7B}"/>
+                <a16:creationId xmlns="" xmlns:a16="http://schemas.microsoft.com/office/drawing/2014/main" id="{3523BFDC-8B96-7B81-3159-C26951EC2B7B}"/>
               </a:ext>
             </a:extLst>
           </p:cNvPr>
@@ -7996,7 +7996,7 @@
           <p:cNvPr id="30" name="文本框 29">
             <a:extLst>
               <a:ext uri="{FF2B5EF4-FFF2-40B4-BE49-F238E27FC236}">
-                <a16:creationId xmlns:a16="http://schemas.microsoft.com/office/drawing/2014/main" xmlns="" id="{082D8EAA-C93E-D6A9-69A4-C34D928A3F9E}"/>
+                <a16:creationId xmlns="" xmlns:a16="http://schemas.microsoft.com/office/drawing/2014/main" id="{082D8EAA-C93E-D6A9-69A4-C34D928A3F9E}"/>
               </a:ext>
             </a:extLst>
           </p:cNvPr>
@@ -8032,7 +8032,7 @@
           <p:cNvPr id="31" name="箭头: 五边形 30">
             <a:extLst>
               <a:ext uri="{FF2B5EF4-FFF2-40B4-BE49-F238E27FC236}">
-                <a16:creationId xmlns:a16="http://schemas.microsoft.com/office/drawing/2014/main" xmlns="" id="{4B9E0D9B-D17E-69E7-1F9A-99DE7710B7A1}"/>
+                <a16:creationId xmlns="" xmlns:a16="http://schemas.microsoft.com/office/drawing/2014/main" id="{4B9E0D9B-D17E-69E7-1F9A-99DE7710B7A1}"/>
               </a:ext>
             </a:extLst>
           </p:cNvPr>
@@ -8079,7 +8079,7 @@
           <p:cNvPr id="32" name="箭头: 五边形 31">
             <a:extLst>
               <a:ext uri="{FF2B5EF4-FFF2-40B4-BE49-F238E27FC236}">
-                <a16:creationId xmlns:a16="http://schemas.microsoft.com/office/drawing/2014/main" xmlns="" id="{1C58B850-E627-D01E-6544-6FC012CCC33C}"/>
+                <a16:creationId xmlns="" xmlns:a16="http://schemas.microsoft.com/office/drawing/2014/main" id="{1C58B850-E627-D01E-6544-6FC012CCC33C}"/>
               </a:ext>
             </a:extLst>
           </p:cNvPr>
@@ -8135,7 +8135,7 @@
           <p:cNvPr id="33" name="箭头: 五边形 32">
             <a:extLst>
               <a:ext uri="{FF2B5EF4-FFF2-40B4-BE49-F238E27FC236}">
-                <a16:creationId xmlns:a16="http://schemas.microsoft.com/office/drawing/2014/main" xmlns="" id="{C768AE66-F650-1A37-7440-B571549FE915}"/>
+                <a16:creationId xmlns="" xmlns:a16="http://schemas.microsoft.com/office/drawing/2014/main" id="{C768AE66-F650-1A37-7440-B571549FE915}"/>
               </a:ext>
             </a:extLst>
           </p:cNvPr>
@@ -8191,7 +8191,7 @@
           <p:cNvPr id="34" name="箭头: 五边形 33">
             <a:extLst>
               <a:ext uri="{FF2B5EF4-FFF2-40B4-BE49-F238E27FC236}">
-                <a16:creationId xmlns:a16="http://schemas.microsoft.com/office/drawing/2014/main" xmlns="" id="{C73CB313-5C49-648F-D809-8346206978D1}"/>
+                <a16:creationId xmlns="" xmlns:a16="http://schemas.microsoft.com/office/drawing/2014/main" id="{C73CB313-5C49-648F-D809-8346206978D1}"/>
               </a:ext>
             </a:extLst>
           </p:cNvPr>
@@ -8247,7 +8247,7 @@
           <p:cNvPr id="35" name="箭头: 五边形 34">
             <a:extLst>
               <a:ext uri="{FF2B5EF4-FFF2-40B4-BE49-F238E27FC236}">
-                <a16:creationId xmlns:a16="http://schemas.microsoft.com/office/drawing/2014/main" xmlns="" id="{FC836AD9-A293-8E3F-664B-E692D69616E5}"/>
+                <a16:creationId xmlns="" xmlns:a16="http://schemas.microsoft.com/office/drawing/2014/main" id="{FC836AD9-A293-8E3F-664B-E692D69616E5}"/>
               </a:ext>
             </a:extLst>
           </p:cNvPr>
@@ -8303,7 +8303,7 @@
           <p:cNvPr id="37" name="箭头: 五边形 36">
             <a:extLst>
               <a:ext uri="{FF2B5EF4-FFF2-40B4-BE49-F238E27FC236}">
-                <a16:creationId xmlns:a16="http://schemas.microsoft.com/office/drawing/2014/main" xmlns="" id="{05ECD475-37EE-63E8-E9E5-EF81A4619214}"/>
+                <a16:creationId xmlns="" xmlns:a16="http://schemas.microsoft.com/office/drawing/2014/main" id="{05ECD475-37EE-63E8-E9E5-EF81A4619214}"/>
               </a:ext>
             </a:extLst>
           </p:cNvPr>
@@ -8350,7 +8350,7 @@
           <p:cNvPr id="38" name="箭头: 五边形 37">
             <a:extLst>
               <a:ext uri="{FF2B5EF4-FFF2-40B4-BE49-F238E27FC236}">
-                <a16:creationId xmlns:a16="http://schemas.microsoft.com/office/drawing/2014/main" xmlns="" id="{A6B5F2C7-042E-A328-27E2-FE7EEBDB2BDD}"/>
+                <a16:creationId xmlns="" xmlns:a16="http://schemas.microsoft.com/office/drawing/2014/main" id="{A6B5F2C7-042E-A328-27E2-FE7EEBDB2BDD}"/>
               </a:ext>
             </a:extLst>
           </p:cNvPr>
@@ -8397,7 +8397,7 @@
           <p:cNvPr id="39" name="箭头: 五边形 38">
             <a:extLst>
               <a:ext uri="{FF2B5EF4-FFF2-40B4-BE49-F238E27FC236}">
-                <a16:creationId xmlns:a16="http://schemas.microsoft.com/office/drawing/2014/main" xmlns="" id="{2D55E881-1EC3-4110-7472-1065FE27C440}"/>
+                <a16:creationId xmlns="" xmlns:a16="http://schemas.microsoft.com/office/drawing/2014/main" id="{2D55E881-1EC3-4110-7472-1065FE27C440}"/>
               </a:ext>
             </a:extLst>
           </p:cNvPr>
@@ -8474,7 +8474,7 @@
           <p:cNvPr id="2" name="标题 1">
             <a:extLst>
               <a:ext uri="{FF2B5EF4-FFF2-40B4-BE49-F238E27FC236}">
-                <a16:creationId xmlns:a16="http://schemas.microsoft.com/office/drawing/2014/main" xmlns="" id="{80796E82-7314-2FBE-2DE8-DDD70D4DF27E}"/>
+                <a16:creationId xmlns="" xmlns:a16="http://schemas.microsoft.com/office/drawing/2014/main" id="{80796E82-7314-2FBE-2DE8-DDD70D4DF27E}"/>
               </a:ext>
             </a:extLst>
           </p:cNvPr>
@@ -8523,7 +8523,7 @@
           <p:cNvPr id="5" name="椭圆 4">
             <a:extLst>
               <a:ext uri="{FF2B5EF4-FFF2-40B4-BE49-F238E27FC236}">
-                <a16:creationId xmlns:a16="http://schemas.microsoft.com/office/drawing/2014/main" xmlns="" id="{A020CC41-9901-5A10-06D8-1F19650A3A6A}"/>
+                <a16:creationId xmlns="" xmlns:a16="http://schemas.microsoft.com/office/drawing/2014/main" id="{A020CC41-9901-5A10-06D8-1F19650A3A6A}"/>
               </a:ext>
             </a:extLst>
           </p:cNvPr>
@@ -8575,7 +8575,7 @@
           <p:cNvPr id="19" name="Google Shape;73;p14">
             <a:extLst>
               <a:ext uri="{FF2B5EF4-FFF2-40B4-BE49-F238E27FC236}">
-                <a16:creationId xmlns:a16="http://schemas.microsoft.com/office/drawing/2014/main" xmlns="" id="{3442D827-BE6F-DFBF-3B15-223B2753D9E9}"/>
+                <a16:creationId xmlns="" xmlns:a16="http://schemas.microsoft.com/office/drawing/2014/main" id="{3442D827-BE6F-DFBF-3B15-223B2753D9E9}"/>
               </a:ext>
             </a:extLst>
           </p:cNvPr>
@@ -8609,7 +8609,7 @@
           <p:cNvPr id="3" name="椭圆 2">
             <a:extLst>
               <a:ext uri="{FF2B5EF4-FFF2-40B4-BE49-F238E27FC236}">
-                <a16:creationId xmlns:a16="http://schemas.microsoft.com/office/drawing/2014/main" xmlns="" id="{6A049D51-9228-994D-60FB-A0B21405E162}"/>
+                <a16:creationId xmlns="" xmlns:a16="http://schemas.microsoft.com/office/drawing/2014/main" id="{6A049D51-9228-994D-60FB-A0B21405E162}"/>
               </a:ext>
             </a:extLst>
           </p:cNvPr>
@@ -8665,7 +8665,7 @@
           <p:cNvPr id="20" name="椭圆 19">
             <a:extLst>
               <a:ext uri="{FF2B5EF4-FFF2-40B4-BE49-F238E27FC236}">
-                <a16:creationId xmlns:a16="http://schemas.microsoft.com/office/drawing/2014/main" xmlns="" id="{1CB92BD5-35D8-92CB-D9E4-9F7E63F85095}"/>
+                <a16:creationId xmlns="" xmlns:a16="http://schemas.microsoft.com/office/drawing/2014/main" id="{1CB92BD5-35D8-92CB-D9E4-9F7E63F85095}"/>
               </a:ext>
             </a:extLst>
           </p:cNvPr>
@@ -8721,7 +8721,7 @@
           <p:cNvPr id="21" name="椭圆 20">
             <a:extLst>
               <a:ext uri="{FF2B5EF4-FFF2-40B4-BE49-F238E27FC236}">
-                <a16:creationId xmlns:a16="http://schemas.microsoft.com/office/drawing/2014/main" xmlns="" id="{CC0D471C-430C-0F88-B963-906AF37643E5}"/>
+                <a16:creationId xmlns="" xmlns:a16="http://schemas.microsoft.com/office/drawing/2014/main" id="{CC0D471C-430C-0F88-B963-906AF37643E5}"/>
               </a:ext>
             </a:extLst>
           </p:cNvPr>
@@ -8777,7 +8777,7 @@
           <p:cNvPr id="22" name="椭圆 21">
             <a:extLst>
               <a:ext uri="{FF2B5EF4-FFF2-40B4-BE49-F238E27FC236}">
-                <a16:creationId xmlns:a16="http://schemas.microsoft.com/office/drawing/2014/main" xmlns="" id="{ECCA1AA6-1921-4825-44D1-D03BE773AACC}"/>
+                <a16:creationId xmlns="" xmlns:a16="http://schemas.microsoft.com/office/drawing/2014/main" id="{ECCA1AA6-1921-4825-44D1-D03BE773AACC}"/>
               </a:ext>
             </a:extLst>
           </p:cNvPr>
@@ -8833,7 +8833,7 @@
           <p:cNvPr id="23" name="椭圆 22">
             <a:extLst>
               <a:ext uri="{FF2B5EF4-FFF2-40B4-BE49-F238E27FC236}">
-                <a16:creationId xmlns:a16="http://schemas.microsoft.com/office/drawing/2014/main" xmlns="" id="{3F21BD1A-C0DB-4604-449C-A115F86B74D3}"/>
+                <a16:creationId xmlns="" xmlns:a16="http://schemas.microsoft.com/office/drawing/2014/main" id="{3F21BD1A-C0DB-4604-449C-A115F86B74D3}"/>
               </a:ext>
             </a:extLst>
           </p:cNvPr>
@@ -8893,7 +8893,7 @@
           <p:cNvPr id="24" name="椭圆 23">
             <a:extLst>
               <a:ext uri="{FF2B5EF4-FFF2-40B4-BE49-F238E27FC236}">
-                <a16:creationId xmlns:a16="http://schemas.microsoft.com/office/drawing/2014/main" xmlns="" id="{153EDE49-BF0B-3BFF-8FAE-EA9476EE1014}"/>
+                <a16:creationId xmlns="" xmlns:a16="http://schemas.microsoft.com/office/drawing/2014/main" id="{153EDE49-BF0B-3BFF-8FAE-EA9476EE1014}"/>
               </a:ext>
             </a:extLst>
           </p:cNvPr>
@@ -8953,7 +8953,7 @@
           <p:cNvPr id="25" name="椭圆 24">
             <a:extLst>
               <a:ext uri="{FF2B5EF4-FFF2-40B4-BE49-F238E27FC236}">
-                <a16:creationId xmlns:a16="http://schemas.microsoft.com/office/drawing/2014/main" xmlns="" id="{96E59006-D453-BDF9-72CE-BDDB3896D922}"/>
+                <a16:creationId xmlns="" xmlns:a16="http://schemas.microsoft.com/office/drawing/2014/main" id="{96E59006-D453-BDF9-72CE-BDDB3896D922}"/>
               </a:ext>
             </a:extLst>
           </p:cNvPr>
@@ -9013,7 +9013,7 @@
           <p:cNvPr id="26" name="椭圆 25">
             <a:extLst>
               <a:ext uri="{FF2B5EF4-FFF2-40B4-BE49-F238E27FC236}">
-                <a16:creationId xmlns:a16="http://schemas.microsoft.com/office/drawing/2014/main" xmlns="" id="{76DDE1EF-9352-BD67-F294-8E6E8429488F}"/>
+                <a16:creationId xmlns="" xmlns:a16="http://schemas.microsoft.com/office/drawing/2014/main" id="{76DDE1EF-9352-BD67-F294-8E6E8429488F}"/>
               </a:ext>
             </a:extLst>
           </p:cNvPr>
@@ -9073,7 +9073,7 @@
           <p:cNvPr id="4" name="文本框 3">
             <a:extLst>
               <a:ext uri="{FF2B5EF4-FFF2-40B4-BE49-F238E27FC236}">
-                <a16:creationId xmlns:a16="http://schemas.microsoft.com/office/drawing/2014/main" xmlns="" id="{3E8E8225-E7B4-E598-7AEB-66BC2EF7864E}"/>
+                <a16:creationId xmlns="" xmlns:a16="http://schemas.microsoft.com/office/drawing/2014/main" id="{3E8E8225-E7B4-E598-7AEB-66BC2EF7864E}"/>
               </a:ext>
             </a:extLst>
           </p:cNvPr>
@@ -9123,7 +9123,7 @@
           <p:cNvPr id="27" name="Google Shape;74;p14">
             <a:extLst>
               <a:ext uri="{FF2B5EF4-FFF2-40B4-BE49-F238E27FC236}">
-                <a16:creationId xmlns:a16="http://schemas.microsoft.com/office/drawing/2014/main" xmlns="" id="{F001360C-F541-C9AF-53E6-BA5E50272227}"/>
+                <a16:creationId xmlns="" xmlns:a16="http://schemas.microsoft.com/office/drawing/2014/main" id="{F001360C-F541-C9AF-53E6-BA5E50272227}"/>
               </a:ext>
             </a:extLst>
           </p:cNvPr>
@@ -9157,7 +9157,7 @@
           <p:cNvPr id="28" name="Google Shape;75;p14">
             <a:extLst>
               <a:ext uri="{FF2B5EF4-FFF2-40B4-BE49-F238E27FC236}">
-                <a16:creationId xmlns:a16="http://schemas.microsoft.com/office/drawing/2014/main" xmlns="" id="{BC47DF63-D787-76FF-F6E1-924DB122ED98}"/>
+                <a16:creationId xmlns="" xmlns:a16="http://schemas.microsoft.com/office/drawing/2014/main" id="{BC47DF63-D787-76FF-F6E1-924DB122ED98}"/>
               </a:ext>
             </a:extLst>
           </p:cNvPr>
@@ -9191,7 +9191,7 @@
           <p:cNvPr id="29" name="Google Shape;76;p14">
             <a:extLst>
               <a:ext uri="{FF2B5EF4-FFF2-40B4-BE49-F238E27FC236}">
-                <a16:creationId xmlns:a16="http://schemas.microsoft.com/office/drawing/2014/main" xmlns="" id="{E6DB3436-E7A1-74A4-306B-891B37C2E2BC}"/>
+                <a16:creationId xmlns="" xmlns:a16="http://schemas.microsoft.com/office/drawing/2014/main" id="{E6DB3436-E7A1-74A4-306B-891B37C2E2BC}"/>
               </a:ext>
             </a:extLst>
           </p:cNvPr>
@@ -9225,7 +9225,7 @@
           <p:cNvPr id="30" name="Google Shape;77;p14">
             <a:extLst>
               <a:ext uri="{FF2B5EF4-FFF2-40B4-BE49-F238E27FC236}">
-                <a16:creationId xmlns:a16="http://schemas.microsoft.com/office/drawing/2014/main" xmlns="" id="{4732D7A8-7A22-D333-C97E-9E6837577A1F}"/>
+                <a16:creationId xmlns="" xmlns:a16="http://schemas.microsoft.com/office/drawing/2014/main" id="{4732D7A8-7A22-D333-C97E-9E6837577A1F}"/>
               </a:ext>
             </a:extLst>
           </p:cNvPr>
@@ -9259,7 +9259,7 @@
           <p:cNvPr id="31" name="Google Shape;78;p14">
             <a:extLst>
               <a:ext uri="{FF2B5EF4-FFF2-40B4-BE49-F238E27FC236}">
-                <a16:creationId xmlns:a16="http://schemas.microsoft.com/office/drawing/2014/main" xmlns="" id="{56A704A4-652B-FEB3-E4FD-002BB01DD9FD}"/>
+                <a16:creationId xmlns="" xmlns:a16="http://schemas.microsoft.com/office/drawing/2014/main" id="{56A704A4-652B-FEB3-E4FD-002BB01DD9FD}"/>
               </a:ext>
             </a:extLst>
           </p:cNvPr>
@@ -9293,7 +9293,7 @@
           <p:cNvPr id="32" name="Google Shape;79;p14">
             <a:extLst>
               <a:ext uri="{FF2B5EF4-FFF2-40B4-BE49-F238E27FC236}">
-                <a16:creationId xmlns:a16="http://schemas.microsoft.com/office/drawing/2014/main" xmlns="" id="{2B1EC5ED-8A2C-AFB1-031C-190E068ED4D4}"/>
+                <a16:creationId xmlns="" xmlns:a16="http://schemas.microsoft.com/office/drawing/2014/main" id="{2B1EC5ED-8A2C-AFB1-031C-190E068ED4D4}"/>
               </a:ext>
             </a:extLst>
           </p:cNvPr>
@@ -9327,7 +9327,7 @@
           <p:cNvPr id="33" name="Google Shape;80;p14">
             <a:extLst>
               <a:ext uri="{FF2B5EF4-FFF2-40B4-BE49-F238E27FC236}">
-                <a16:creationId xmlns:a16="http://schemas.microsoft.com/office/drawing/2014/main" xmlns="" id="{66CD08D3-5714-3526-9D5B-B8686C293498}"/>
+                <a16:creationId xmlns="" xmlns:a16="http://schemas.microsoft.com/office/drawing/2014/main" id="{66CD08D3-5714-3526-9D5B-B8686C293498}"/>
               </a:ext>
             </a:extLst>
           </p:cNvPr>
@@ -9361,7 +9361,7 @@
           <p:cNvPr id="34" name="Google Shape;81;p14">
             <a:extLst>
               <a:ext uri="{FF2B5EF4-FFF2-40B4-BE49-F238E27FC236}">
-                <a16:creationId xmlns:a16="http://schemas.microsoft.com/office/drawing/2014/main" xmlns="" id="{08D2C6F6-EC7E-991B-0ABD-435E54875096}"/>
+                <a16:creationId xmlns="" xmlns:a16="http://schemas.microsoft.com/office/drawing/2014/main" id="{08D2C6F6-EC7E-991B-0ABD-435E54875096}"/>
               </a:ext>
             </a:extLst>
           </p:cNvPr>
@@ -9395,7 +9395,7 @@
           <p:cNvPr id="35" name="箭头: 五边形 34">
             <a:extLst>
               <a:ext uri="{FF2B5EF4-FFF2-40B4-BE49-F238E27FC236}">
-                <a16:creationId xmlns:a16="http://schemas.microsoft.com/office/drawing/2014/main" xmlns="" id="{45CBFFAB-1872-D837-E2C6-E919DC9EBA01}"/>
+                <a16:creationId xmlns="" xmlns:a16="http://schemas.microsoft.com/office/drawing/2014/main" id="{45CBFFAB-1872-D837-E2C6-E919DC9EBA01}"/>
               </a:ext>
             </a:extLst>
           </p:cNvPr>
@@ -9442,7 +9442,7 @@
           <p:cNvPr id="36" name="箭头: 五边形 35">
             <a:extLst>
               <a:ext uri="{FF2B5EF4-FFF2-40B4-BE49-F238E27FC236}">
-                <a16:creationId xmlns:a16="http://schemas.microsoft.com/office/drawing/2014/main" xmlns="" id="{E1B40010-B40E-1B8F-1326-136C2A5B675C}"/>
+                <a16:creationId xmlns="" xmlns:a16="http://schemas.microsoft.com/office/drawing/2014/main" id="{E1B40010-B40E-1B8F-1326-136C2A5B675C}"/>
               </a:ext>
             </a:extLst>
           </p:cNvPr>
@@ -9498,7 +9498,7 @@
           <p:cNvPr id="37" name="箭头: 五边形 36">
             <a:extLst>
               <a:ext uri="{FF2B5EF4-FFF2-40B4-BE49-F238E27FC236}">
-                <a16:creationId xmlns:a16="http://schemas.microsoft.com/office/drawing/2014/main" xmlns="" id="{3D0F7E28-4B9F-42FB-3041-A660EACDA846}"/>
+                <a16:creationId xmlns="" xmlns:a16="http://schemas.microsoft.com/office/drawing/2014/main" id="{3D0F7E28-4B9F-42FB-3041-A660EACDA846}"/>
               </a:ext>
             </a:extLst>
           </p:cNvPr>
@@ -9554,7 +9554,7 @@
           <p:cNvPr id="38" name="箭头: 五边形 37">
             <a:extLst>
               <a:ext uri="{FF2B5EF4-FFF2-40B4-BE49-F238E27FC236}">
-                <a16:creationId xmlns:a16="http://schemas.microsoft.com/office/drawing/2014/main" xmlns="" id="{F2C895B2-888C-AE59-96AA-DC572DF8AECF}"/>
+                <a16:creationId xmlns="" xmlns:a16="http://schemas.microsoft.com/office/drawing/2014/main" id="{F2C895B2-888C-AE59-96AA-DC572DF8AECF}"/>
               </a:ext>
             </a:extLst>
           </p:cNvPr>
@@ -9610,7 +9610,7 @@
           <p:cNvPr id="39" name="箭头: 五边形 38">
             <a:extLst>
               <a:ext uri="{FF2B5EF4-FFF2-40B4-BE49-F238E27FC236}">
-                <a16:creationId xmlns:a16="http://schemas.microsoft.com/office/drawing/2014/main" xmlns="" id="{FE7171F9-6901-D35F-3EBF-EF312187A7B1}"/>
+                <a16:creationId xmlns="" xmlns:a16="http://schemas.microsoft.com/office/drawing/2014/main" id="{FE7171F9-6901-D35F-3EBF-EF312187A7B1}"/>
               </a:ext>
             </a:extLst>
           </p:cNvPr>
@@ -9666,7 +9666,7 @@
           <p:cNvPr id="40" name="箭头: 五边形 39">
             <a:extLst>
               <a:ext uri="{FF2B5EF4-FFF2-40B4-BE49-F238E27FC236}">
-                <a16:creationId xmlns:a16="http://schemas.microsoft.com/office/drawing/2014/main" xmlns="" id="{16B50CFD-37FF-2522-847C-ED21245232E4}"/>
+                <a16:creationId xmlns="" xmlns:a16="http://schemas.microsoft.com/office/drawing/2014/main" id="{16B50CFD-37FF-2522-847C-ED21245232E4}"/>
               </a:ext>
             </a:extLst>
           </p:cNvPr>
@@ -9713,7 +9713,7 @@
           <p:cNvPr id="41" name="箭头: 五边形 40">
             <a:extLst>
               <a:ext uri="{FF2B5EF4-FFF2-40B4-BE49-F238E27FC236}">
-                <a16:creationId xmlns:a16="http://schemas.microsoft.com/office/drawing/2014/main" xmlns="" id="{E064F493-09BD-2E6B-64E8-D8FB51398996}"/>
+                <a16:creationId xmlns="" xmlns:a16="http://schemas.microsoft.com/office/drawing/2014/main" id="{E064F493-09BD-2E6B-64E8-D8FB51398996}"/>
               </a:ext>
             </a:extLst>
           </p:cNvPr>
@@ -9760,7 +9760,7 @@
           <p:cNvPr id="42" name="箭头: 五边形 41">
             <a:extLst>
               <a:ext uri="{FF2B5EF4-FFF2-40B4-BE49-F238E27FC236}">
-                <a16:creationId xmlns:a16="http://schemas.microsoft.com/office/drawing/2014/main" xmlns="" id="{17EE7FAC-09DB-BC90-8147-28775EF08FEB}"/>
+                <a16:creationId xmlns="" xmlns:a16="http://schemas.microsoft.com/office/drawing/2014/main" id="{17EE7FAC-09DB-BC90-8147-28775EF08FEB}"/>
               </a:ext>
             </a:extLst>
           </p:cNvPr>
@@ -9837,7 +9837,7 @@
           <p:cNvPr id="2" name="标题 1">
             <a:extLst>
               <a:ext uri="{FF2B5EF4-FFF2-40B4-BE49-F238E27FC236}">
-                <a16:creationId xmlns:a16="http://schemas.microsoft.com/office/drawing/2014/main" xmlns="" id="{80796E82-7314-2FBE-2DE8-DDD70D4DF27E}"/>
+                <a16:creationId xmlns="" xmlns:a16="http://schemas.microsoft.com/office/drawing/2014/main" id="{80796E82-7314-2FBE-2DE8-DDD70D4DF27E}"/>
               </a:ext>
             </a:extLst>
           </p:cNvPr>
@@ -9886,7 +9886,7 @@
           <p:cNvPr id="5" name="椭圆 4">
             <a:extLst>
               <a:ext uri="{FF2B5EF4-FFF2-40B4-BE49-F238E27FC236}">
-                <a16:creationId xmlns:a16="http://schemas.microsoft.com/office/drawing/2014/main" xmlns="" id="{A020CC41-9901-5A10-06D8-1F19650A3A6A}"/>
+                <a16:creationId xmlns="" xmlns:a16="http://schemas.microsoft.com/office/drawing/2014/main" id="{A020CC41-9901-5A10-06D8-1F19650A3A6A}"/>
               </a:ext>
             </a:extLst>
           </p:cNvPr>
@@ -9938,7 +9938,7 @@
           <p:cNvPr id="19" name="Google Shape;73;p14">
             <a:extLst>
               <a:ext uri="{FF2B5EF4-FFF2-40B4-BE49-F238E27FC236}">
-                <a16:creationId xmlns:a16="http://schemas.microsoft.com/office/drawing/2014/main" xmlns="" id="{3442D827-BE6F-DFBF-3B15-223B2753D9E9}"/>
+                <a16:creationId xmlns="" xmlns:a16="http://schemas.microsoft.com/office/drawing/2014/main" id="{3442D827-BE6F-DFBF-3B15-223B2753D9E9}"/>
               </a:ext>
             </a:extLst>
           </p:cNvPr>
@@ -9972,7 +9972,7 @@
           <p:cNvPr id="6" name="Google Shape;74;p14">
             <a:extLst>
               <a:ext uri="{FF2B5EF4-FFF2-40B4-BE49-F238E27FC236}">
-                <a16:creationId xmlns:a16="http://schemas.microsoft.com/office/drawing/2014/main" xmlns="" id="{8ABB2948-CF7D-7BD6-14B8-367574244CB2}"/>
+                <a16:creationId xmlns="" xmlns:a16="http://schemas.microsoft.com/office/drawing/2014/main" id="{8ABB2948-CF7D-7BD6-14B8-367574244CB2}"/>
               </a:ext>
             </a:extLst>
           </p:cNvPr>
@@ -10006,7 +10006,7 @@
           <p:cNvPr id="7" name="Google Shape;75;p14">
             <a:extLst>
               <a:ext uri="{FF2B5EF4-FFF2-40B4-BE49-F238E27FC236}">
-                <a16:creationId xmlns:a16="http://schemas.microsoft.com/office/drawing/2014/main" xmlns="" id="{744D1F6B-EBF7-049C-9CBC-D2BD265B8DB5}"/>
+                <a16:creationId xmlns="" xmlns:a16="http://schemas.microsoft.com/office/drawing/2014/main" id="{744D1F6B-EBF7-049C-9CBC-D2BD265B8DB5}"/>
               </a:ext>
             </a:extLst>
           </p:cNvPr>
@@ -10040,7 +10040,7 @@
           <p:cNvPr id="8" name="Google Shape;76;p14">
             <a:extLst>
               <a:ext uri="{FF2B5EF4-FFF2-40B4-BE49-F238E27FC236}">
-                <a16:creationId xmlns:a16="http://schemas.microsoft.com/office/drawing/2014/main" xmlns="" id="{A0604560-830C-4AC9-3717-031AA48B5D45}"/>
+                <a16:creationId xmlns="" xmlns:a16="http://schemas.microsoft.com/office/drawing/2014/main" id="{A0604560-830C-4AC9-3717-031AA48B5D45}"/>
               </a:ext>
             </a:extLst>
           </p:cNvPr>
@@ -10074,7 +10074,7 @@
           <p:cNvPr id="9" name="Google Shape;77;p14">
             <a:extLst>
               <a:ext uri="{FF2B5EF4-FFF2-40B4-BE49-F238E27FC236}">
-                <a16:creationId xmlns:a16="http://schemas.microsoft.com/office/drawing/2014/main" xmlns="" id="{DC03C87C-87BB-A5EB-0D50-DDB31F93A6C2}"/>
+                <a16:creationId xmlns="" xmlns:a16="http://schemas.microsoft.com/office/drawing/2014/main" id="{DC03C87C-87BB-A5EB-0D50-DDB31F93A6C2}"/>
               </a:ext>
             </a:extLst>
           </p:cNvPr>
@@ -10108,7 +10108,7 @@
           <p:cNvPr id="10" name="Google Shape;78;p14">
             <a:extLst>
               <a:ext uri="{FF2B5EF4-FFF2-40B4-BE49-F238E27FC236}">
-                <a16:creationId xmlns:a16="http://schemas.microsoft.com/office/drawing/2014/main" xmlns="" id="{281D3DED-9B64-E88B-FC5F-0C30B82A9484}"/>
+                <a16:creationId xmlns="" xmlns:a16="http://schemas.microsoft.com/office/drawing/2014/main" id="{281D3DED-9B64-E88B-FC5F-0C30B82A9484}"/>
               </a:ext>
             </a:extLst>
           </p:cNvPr>
@@ -10142,7 +10142,7 @@
           <p:cNvPr id="11" name="Google Shape;79;p14">
             <a:extLst>
               <a:ext uri="{FF2B5EF4-FFF2-40B4-BE49-F238E27FC236}">
-                <a16:creationId xmlns:a16="http://schemas.microsoft.com/office/drawing/2014/main" xmlns="" id="{0DAE55E6-D474-C395-BC84-8ACA3CE820A0}"/>
+                <a16:creationId xmlns="" xmlns:a16="http://schemas.microsoft.com/office/drawing/2014/main" id="{0DAE55E6-D474-C395-BC84-8ACA3CE820A0}"/>
               </a:ext>
             </a:extLst>
           </p:cNvPr>
@@ -10176,7 +10176,7 @@
           <p:cNvPr id="12" name="Google Shape;80;p14">
             <a:extLst>
               <a:ext uri="{FF2B5EF4-FFF2-40B4-BE49-F238E27FC236}">
-                <a16:creationId xmlns:a16="http://schemas.microsoft.com/office/drawing/2014/main" xmlns="" id="{3A5AAC50-9F06-A76F-B20B-35CF3612E825}"/>
+                <a16:creationId xmlns="" xmlns:a16="http://schemas.microsoft.com/office/drawing/2014/main" id="{3A5AAC50-9F06-A76F-B20B-35CF3612E825}"/>
               </a:ext>
             </a:extLst>
           </p:cNvPr>
@@ -10210,7 +10210,7 @@
           <p:cNvPr id="13" name="Google Shape;81;p14">
             <a:extLst>
               <a:ext uri="{FF2B5EF4-FFF2-40B4-BE49-F238E27FC236}">
-                <a16:creationId xmlns:a16="http://schemas.microsoft.com/office/drawing/2014/main" xmlns="" id="{F33B3BEC-1095-E464-2D03-703E55B0F8A0}"/>
+                <a16:creationId xmlns="" xmlns:a16="http://schemas.microsoft.com/office/drawing/2014/main" id="{F33B3BEC-1095-E464-2D03-703E55B0F8A0}"/>
               </a:ext>
             </a:extLst>
           </p:cNvPr>
@@ -10244,7 +10244,7 @@
           <p:cNvPr id="4" name="文本框 3">
             <a:extLst>
               <a:ext uri="{FF2B5EF4-FFF2-40B4-BE49-F238E27FC236}">
-                <a16:creationId xmlns:a16="http://schemas.microsoft.com/office/drawing/2014/main" xmlns="" id="{3E8E8225-E7B4-E598-7AEB-66BC2EF7864E}"/>
+                <a16:creationId xmlns="" xmlns:a16="http://schemas.microsoft.com/office/drawing/2014/main" id="{3E8E8225-E7B4-E598-7AEB-66BC2EF7864E}"/>
               </a:ext>
             </a:extLst>
           </p:cNvPr>
@@ -10284,7 +10284,7 @@
           <p:cNvPr id="31" name="箭头: 五边形 30">
             <a:extLst>
               <a:ext uri="{FF2B5EF4-FFF2-40B4-BE49-F238E27FC236}">
-                <a16:creationId xmlns:a16="http://schemas.microsoft.com/office/drawing/2014/main" xmlns="" id="{4B9E0D9B-D17E-69E7-1F9A-99DE7710B7A1}"/>
+                <a16:creationId xmlns="" xmlns:a16="http://schemas.microsoft.com/office/drawing/2014/main" id="{4B9E0D9B-D17E-69E7-1F9A-99DE7710B7A1}"/>
               </a:ext>
             </a:extLst>
           </p:cNvPr>
@@ -10331,7 +10331,7 @@
           <p:cNvPr id="32" name="箭头: 五边形 31">
             <a:extLst>
               <a:ext uri="{FF2B5EF4-FFF2-40B4-BE49-F238E27FC236}">
-                <a16:creationId xmlns:a16="http://schemas.microsoft.com/office/drawing/2014/main" xmlns="" id="{1C58B850-E627-D01E-6544-6FC012CCC33C}"/>
+                <a16:creationId xmlns="" xmlns:a16="http://schemas.microsoft.com/office/drawing/2014/main" id="{1C58B850-E627-D01E-6544-6FC012CCC33C}"/>
               </a:ext>
             </a:extLst>
           </p:cNvPr>
@@ -10387,7 +10387,7 @@
           <p:cNvPr id="33" name="箭头: 五边形 32">
             <a:extLst>
               <a:ext uri="{FF2B5EF4-FFF2-40B4-BE49-F238E27FC236}">
-                <a16:creationId xmlns:a16="http://schemas.microsoft.com/office/drawing/2014/main" xmlns="" id="{C768AE66-F650-1A37-7440-B571549FE915}"/>
+                <a16:creationId xmlns="" xmlns:a16="http://schemas.microsoft.com/office/drawing/2014/main" id="{C768AE66-F650-1A37-7440-B571549FE915}"/>
               </a:ext>
             </a:extLst>
           </p:cNvPr>
@@ -10443,7 +10443,7 @@
           <p:cNvPr id="34" name="箭头: 五边形 33">
             <a:extLst>
               <a:ext uri="{FF2B5EF4-FFF2-40B4-BE49-F238E27FC236}">
-                <a16:creationId xmlns:a16="http://schemas.microsoft.com/office/drawing/2014/main" xmlns="" id="{C73CB313-5C49-648F-D809-8346206978D1}"/>
+                <a16:creationId xmlns="" xmlns:a16="http://schemas.microsoft.com/office/drawing/2014/main" id="{C73CB313-5C49-648F-D809-8346206978D1}"/>
               </a:ext>
             </a:extLst>
           </p:cNvPr>
@@ -10499,7 +10499,7 @@
           <p:cNvPr id="35" name="箭头: 五边形 34">
             <a:extLst>
               <a:ext uri="{FF2B5EF4-FFF2-40B4-BE49-F238E27FC236}">
-                <a16:creationId xmlns:a16="http://schemas.microsoft.com/office/drawing/2014/main" xmlns="" id="{FC836AD9-A293-8E3F-664B-E692D69616E5}"/>
+                <a16:creationId xmlns="" xmlns:a16="http://schemas.microsoft.com/office/drawing/2014/main" id="{FC836AD9-A293-8E3F-664B-E692D69616E5}"/>
               </a:ext>
             </a:extLst>
           </p:cNvPr>
@@ -10555,7 +10555,7 @@
           <p:cNvPr id="37" name="箭头: 五边形 36">
             <a:extLst>
               <a:ext uri="{FF2B5EF4-FFF2-40B4-BE49-F238E27FC236}">
-                <a16:creationId xmlns:a16="http://schemas.microsoft.com/office/drawing/2014/main" xmlns="" id="{05ECD475-37EE-63E8-E9E5-EF81A4619214}"/>
+                <a16:creationId xmlns="" xmlns:a16="http://schemas.microsoft.com/office/drawing/2014/main" id="{05ECD475-37EE-63E8-E9E5-EF81A4619214}"/>
               </a:ext>
             </a:extLst>
           </p:cNvPr>
@@ -10602,7 +10602,7 @@
           <p:cNvPr id="38" name="箭头: 五边形 37">
             <a:extLst>
               <a:ext uri="{FF2B5EF4-FFF2-40B4-BE49-F238E27FC236}">
-                <a16:creationId xmlns:a16="http://schemas.microsoft.com/office/drawing/2014/main" xmlns="" id="{A6B5F2C7-042E-A328-27E2-FE7EEBDB2BDD}"/>
+                <a16:creationId xmlns="" xmlns:a16="http://schemas.microsoft.com/office/drawing/2014/main" id="{A6B5F2C7-042E-A328-27E2-FE7EEBDB2BDD}"/>
               </a:ext>
             </a:extLst>
           </p:cNvPr>
@@ -10649,7 +10649,7 @@
           <p:cNvPr id="39" name="箭头: 五边形 38">
             <a:extLst>
               <a:ext uri="{FF2B5EF4-FFF2-40B4-BE49-F238E27FC236}">
-                <a16:creationId xmlns:a16="http://schemas.microsoft.com/office/drawing/2014/main" xmlns="" id="{2D55E881-1EC3-4110-7472-1065FE27C440}"/>
+                <a16:creationId xmlns="" xmlns:a16="http://schemas.microsoft.com/office/drawing/2014/main" id="{2D55E881-1EC3-4110-7472-1065FE27C440}"/>
               </a:ext>
             </a:extLst>
           </p:cNvPr>
@@ -10726,7 +10726,7 @@
           <p:cNvPr id="2" name="标题 1">
             <a:extLst>
               <a:ext uri="{FF2B5EF4-FFF2-40B4-BE49-F238E27FC236}">
-                <a16:creationId xmlns:a16="http://schemas.microsoft.com/office/drawing/2014/main" xmlns="" id="{80796E82-7314-2FBE-2DE8-DDD70D4DF27E}"/>
+                <a16:creationId xmlns="" xmlns:a16="http://schemas.microsoft.com/office/drawing/2014/main" id="{80796E82-7314-2FBE-2DE8-DDD70D4DF27E}"/>
               </a:ext>
             </a:extLst>
           </p:cNvPr>
@@ -10775,7 +10775,7 @@
           <p:cNvPr id="5" name="椭圆 4">
             <a:extLst>
               <a:ext uri="{FF2B5EF4-FFF2-40B4-BE49-F238E27FC236}">
-                <a16:creationId xmlns:a16="http://schemas.microsoft.com/office/drawing/2014/main" xmlns="" id="{A020CC41-9901-5A10-06D8-1F19650A3A6A}"/>
+                <a16:creationId xmlns="" xmlns:a16="http://schemas.microsoft.com/office/drawing/2014/main" id="{A020CC41-9901-5A10-06D8-1F19650A3A6A}"/>
               </a:ext>
             </a:extLst>
           </p:cNvPr>
@@ -10827,7 +10827,7 @@
           <p:cNvPr id="19" name="Google Shape;73;p14">
             <a:extLst>
               <a:ext uri="{FF2B5EF4-FFF2-40B4-BE49-F238E27FC236}">
-                <a16:creationId xmlns:a16="http://schemas.microsoft.com/office/drawing/2014/main" xmlns="" id="{3442D827-BE6F-DFBF-3B15-223B2753D9E9}"/>
+                <a16:creationId xmlns="" xmlns:a16="http://schemas.microsoft.com/office/drawing/2014/main" id="{3442D827-BE6F-DFBF-3B15-223B2753D9E9}"/>
               </a:ext>
             </a:extLst>
           </p:cNvPr>
@@ -10861,7 +10861,7 @@
           <p:cNvPr id="4" name="文本框 3">
             <a:extLst>
               <a:ext uri="{FF2B5EF4-FFF2-40B4-BE49-F238E27FC236}">
-                <a16:creationId xmlns:a16="http://schemas.microsoft.com/office/drawing/2014/main" xmlns="" id="{3E8E8225-E7B4-E598-7AEB-66BC2EF7864E}"/>
+                <a16:creationId xmlns="" xmlns:a16="http://schemas.microsoft.com/office/drawing/2014/main" id="{3E8E8225-E7B4-E598-7AEB-66BC2EF7864E}"/>
               </a:ext>
             </a:extLst>
           </p:cNvPr>
@@ -10911,7 +10911,7 @@
           <p:cNvPr id="22" name="椭圆 21">
             <a:extLst>
               <a:ext uri="{FF2B5EF4-FFF2-40B4-BE49-F238E27FC236}">
-                <a16:creationId xmlns:a16="http://schemas.microsoft.com/office/drawing/2014/main" xmlns="" id="{4E75EC5F-C5EA-EA42-7F36-03E60DC340EA}"/>
+                <a16:creationId xmlns="" xmlns:a16="http://schemas.microsoft.com/office/drawing/2014/main" id="{4E75EC5F-C5EA-EA42-7F36-03E60DC340EA}"/>
               </a:ext>
             </a:extLst>
           </p:cNvPr>
@@ -10967,7 +10967,7 @@
           <p:cNvPr id="23" name="椭圆 22">
             <a:extLst>
               <a:ext uri="{FF2B5EF4-FFF2-40B4-BE49-F238E27FC236}">
-                <a16:creationId xmlns:a16="http://schemas.microsoft.com/office/drawing/2014/main" xmlns="" id="{BA952E59-C089-7749-A0B7-A5088390FAB8}"/>
+                <a16:creationId xmlns="" xmlns:a16="http://schemas.microsoft.com/office/drawing/2014/main" id="{BA952E59-C089-7749-A0B7-A5088390FAB8}"/>
               </a:ext>
             </a:extLst>
           </p:cNvPr>
@@ -11023,7 +11023,7 @@
           <p:cNvPr id="24" name="椭圆 23">
             <a:extLst>
               <a:ext uri="{FF2B5EF4-FFF2-40B4-BE49-F238E27FC236}">
-                <a16:creationId xmlns:a16="http://schemas.microsoft.com/office/drawing/2014/main" xmlns="" id="{A4A4D5D7-187E-AE99-3C62-2864073C8838}"/>
+                <a16:creationId xmlns="" xmlns:a16="http://schemas.microsoft.com/office/drawing/2014/main" id="{A4A4D5D7-187E-AE99-3C62-2864073C8838}"/>
               </a:ext>
             </a:extLst>
           </p:cNvPr>
@@ -11083,7 +11083,7 @@
           <p:cNvPr id="25" name="椭圆 24">
             <a:extLst>
               <a:ext uri="{FF2B5EF4-FFF2-40B4-BE49-F238E27FC236}">
-                <a16:creationId xmlns:a16="http://schemas.microsoft.com/office/drawing/2014/main" xmlns="" id="{10CF8DA3-C49C-2BED-92B6-1728851E6352}"/>
+                <a16:creationId xmlns="" xmlns:a16="http://schemas.microsoft.com/office/drawing/2014/main" id="{10CF8DA3-C49C-2BED-92B6-1728851E6352}"/>
               </a:ext>
             </a:extLst>
           </p:cNvPr>
@@ -11143,7 +11143,7 @@
           <p:cNvPr id="3" name="矩形 2">
             <a:extLst>
               <a:ext uri="{FF2B5EF4-FFF2-40B4-BE49-F238E27FC236}">
-                <a16:creationId xmlns:a16="http://schemas.microsoft.com/office/drawing/2014/main" xmlns="" id="{E58FCDA4-B35B-B0FC-BF81-317243318E0C}"/>
+                <a16:creationId xmlns="" xmlns:a16="http://schemas.microsoft.com/office/drawing/2014/main" id="{E58FCDA4-B35B-B0FC-BF81-317243318E0C}"/>
               </a:ext>
             </a:extLst>
           </p:cNvPr>
@@ -11194,7 +11194,7 @@
           <p:cNvPr id="14" name="文本框 13">
             <a:extLst>
               <a:ext uri="{FF2B5EF4-FFF2-40B4-BE49-F238E27FC236}">
-                <a16:creationId xmlns:a16="http://schemas.microsoft.com/office/drawing/2014/main" xmlns="" id="{86C23270-8523-9E1F-9089-1BAE5BB2BA1E}"/>
+                <a16:creationId xmlns="" xmlns:a16="http://schemas.microsoft.com/office/drawing/2014/main" id="{86C23270-8523-9E1F-9089-1BAE5BB2BA1E}"/>
               </a:ext>
             </a:extLst>
           </p:cNvPr>
@@ -11233,7 +11233,7 @@
           <p:cNvPr id="28" name="Google Shape;95;p14">
             <a:extLst>
               <a:ext uri="{FF2B5EF4-FFF2-40B4-BE49-F238E27FC236}">
-                <a16:creationId xmlns:a16="http://schemas.microsoft.com/office/drawing/2014/main" xmlns="" id="{EEDC2338-19B0-9AEF-E3AB-A6669DB1AB3C}"/>
+                <a16:creationId xmlns="" xmlns:a16="http://schemas.microsoft.com/office/drawing/2014/main" id="{EEDC2338-19B0-9AEF-E3AB-A6669DB1AB3C}"/>
               </a:ext>
             </a:extLst>
           </p:cNvPr>
@@ -11278,7 +11278,7 @@
           <p:cNvPr id="30" name="Google Shape;95;p14">
             <a:extLst>
               <a:ext uri="{FF2B5EF4-FFF2-40B4-BE49-F238E27FC236}">
-                <a16:creationId xmlns:a16="http://schemas.microsoft.com/office/drawing/2014/main" xmlns="" id="{ED46A2FC-07A8-D7CB-1BD8-0E661350E51A}"/>
+                <a16:creationId xmlns="" xmlns:a16="http://schemas.microsoft.com/office/drawing/2014/main" id="{ED46A2FC-07A8-D7CB-1BD8-0E661350E51A}"/>
               </a:ext>
             </a:extLst>
           </p:cNvPr>
@@ -11323,7 +11323,7 @@
           <p:cNvPr id="40" name="Google Shape;95;p14">
             <a:extLst>
               <a:ext uri="{FF2B5EF4-FFF2-40B4-BE49-F238E27FC236}">
-                <a16:creationId xmlns:a16="http://schemas.microsoft.com/office/drawing/2014/main" xmlns="" id="{5C0D3D95-6875-4112-D7AD-10A524259CD9}"/>
+                <a16:creationId xmlns="" xmlns:a16="http://schemas.microsoft.com/office/drawing/2014/main" id="{5C0D3D95-6875-4112-D7AD-10A524259CD9}"/>
               </a:ext>
             </a:extLst>
           </p:cNvPr>
@@ -11368,7 +11368,7 @@
           <p:cNvPr id="36" name="Google Shape;95;p14">
             <a:extLst>
               <a:ext uri="{FF2B5EF4-FFF2-40B4-BE49-F238E27FC236}">
-                <a16:creationId xmlns:a16="http://schemas.microsoft.com/office/drawing/2014/main" xmlns="" id="{9E119CFD-5E2B-65ED-E815-3244ADC9A772}"/>
+                <a16:creationId xmlns="" xmlns:a16="http://schemas.microsoft.com/office/drawing/2014/main" id="{9E119CFD-5E2B-65ED-E815-3244ADC9A772}"/>
               </a:ext>
             </a:extLst>
           </p:cNvPr>
@@ -11413,7 +11413,7 @@
           <p:cNvPr id="41" name="Google Shape;95;p14">
             <a:extLst>
               <a:ext uri="{FF2B5EF4-FFF2-40B4-BE49-F238E27FC236}">
-                <a16:creationId xmlns:a16="http://schemas.microsoft.com/office/drawing/2014/main" xmlns="" id="{2EE8C164-4A50-6B68-5212-66A52AD354FF}"/>
+                <a16:creationId xmlns="" xmlns:a16="http://schemas.microsoft.com/office/drawing/2014/main" id="{2EE8C164-4A50-6B68-5212-66A52AD354FF}"/>
               </a:ext>
             </a:extLst>
           </p:cNvPr>
@@ -11458,7 +11458,7 @@
           <p:cNvPr id="42" name="文本框 41">
             <a:extLst>
               <a:ext uri="{FF2B5EF4-FFF2-40B4-BE49-F238E27FC236}">
-                <a16:creationId xmlns:a16="http://schemas.microsoft.com/office/drawing/2014/main" xmlns="" id="{30BA300D-7904-1EA9-E1AF-5BB52B9C2B3C}"/>
+                <a16:creationId xmlns="" xmlns:a16="http://schemas.microsoft.com/office/drawing/2014/main" id="{30BA300D-7904-1EA9-E1AF-5BB52B9C2B3C}"/>
               </a:ext>
             </a:extLst>
           </p:cNvPr>
@@ -11502,7 +11502,7 @@
           <p:cNvPr id="43" name="Google Shape;74;p14">
             <a:extLst>
               <a:ext uri="{FF2B5EF4-FFF2-40B4-BE49-F238E27FC236}">
-                <a16:creationId xmlns:a16="http://schemas.microsoft.com/office/drawing/2014/main" xmlns="" id="{E48899FC-526F-8B64-1631-CF40D6C5BAEC}"/>
+                <a16:creationId xmlns="" xmlns:a16="http://schemas.microsoft.com/office/drawing/2014/main" id="{E48899FC-526F-8B64-1631-CF40D6C5BAEC}"/>
               </a:ext>
             </a:extLst>
           </p:cNvPr>
@@ -11536,7 +11536,7 @@
           <p:cNvPr id="44" name="Google Shape;75;p14">
             <a:extLst>
               <a:ext uri="{FF2B5EF4-FFF2-40B4-BE49-F238E27FC236}">
-                <a16:creationId xmlns:a16="http://schemas.microsoft.com/office/drawing/2014/main" xmlns="" id="{088679CF-39C5-ECE6-59D7-27F53A9AB563}"/>
+                <a16:creationId xmlns="" xmlns:a16="http://schemas.microsoft.com/office/drawing/2014/main" id="{088679CF-39C5-ECE6-59D7-27F53A9AB563}"/>
               </a:ext>
             </a:extLst>
           </p:cNvPr>
@@ -11570,7 +11570,7 @@
           <p:cNvPr id="45" name="Google Shape;76;p14">
             <a:extLst>
               <a:ext uri="{FF2B5EF4-FFF2-40B4-BE49-F238E27FC236}">
-                <a16:creationId xmlns:a16="http://schemas.microsoft.com/office/drawing/2014/main" xmlns="" id="{AE138E72-5785-8C58-5E75-AFE4DE780F49}"/>
+                <a16:creationId xmlns="" xmlns:a16="http://schemas.microsoft.com/office/drawing/2014/main" id="{AE138E72-5785-8C58-5E75-AFE4DE780F49}"/>
               </a:ext>
             </a:extLst>
           </p:cNvPr>
@@ -11604,7 +11604,7 @@
           <p:cNvPr id="46" name="Google Shape;77;p14">
             <a:extLst>
               <a:ext uri="{FF2B5EF4-FFF2-40B4-BE49-F238E27FC236}">
-                <a16:creationId xmlns:a16="http://schemas.microsoft.com/office/drawing/2014/main" xmlns="" id="{66A469E8-3612-14E6-B23E-7FBEFD2A264F}"/>
+                <a16:creationId xmlns="" xmlns:a16="http://schemas.microsoft.com/office/drawing/2014/main" id="{66A469E8-3612-14E6-B23E-7FBEFD2A264F}"/>
               </a:ext>
             </a:extLst>
           </p:cNvPr>
@@ -11638,7 +11638,7 @@
           <p:cNvPr id="47" name="Google Shape;78;p14">
             <a:extLst>
               <a:ext uri="{FF2B5EF4-FFF2-40B4-BE49-F238E27FC236}">
-                <a16:creationId xmlns:a16="http://schemas.microsoft.com/office/drawing/2014/main" xmlns="" id="{BC96CA4D-3E93-F066-7EF4-6418372B4FCD}"/>
+                <a16:creationId xmlns="" xmlns:a16="http://schemas.microsoft.com/office/drawing/2014/main" id="{BC96CA4D-3E93-F066-7EF4-6418372B4FCD}"/>
               </a:ext>
             </a:extLst>
           </p:cNvPr>
@@ -11672,7 +11672,7 @@
           <p:cNvPr id="48" name="Google Shape;79;p14">
             <a:extLst>
               <a:ext uri="{FF2B5EF4-FFF2-40B4-BE49-F238E27FC236}">
-                <a16:creationId xmlns:a16="http://schemas.microsoft.com/office/drawing/2014/main" xmlns="" id="{ABE0846A-4C61-8491-DA0B-C55034726178}"/>
+                <a16:creationId xmlns="" xmlns:a16="http://schemas.microsoft.com/office/drawing/2014/main" id="{ABE0846A-4C61-8491-DA0B-C55034726178}"/>
               </a:ext>
             </a:extLst>
           </p:cNvPr>
@@ -11706,7 +11706,7 @@
           <p:cNvPr id="49" name="Google Shape;80;p14">
             <a:extLst>
               <a:ext uri="{FF2B5EF4-FFF2-40B4-BE49-F238E27FC236}">
-                <a16:creationId xmlns:a16="http://schemas.microsoft.com/office/drawing/2014/main" xmlns="" id="{B7F3B198-1A53-B78D-FABF-2828A0B7F923}"/>
+                <a16:creationId xmlns="" xmlns:a16="http://schemas.microsoft.com/office/drawing/2014/main" id="{B7F3B198-1A53-B78D-FABF-2828A0B7F923}"/>
               </a:ext>
             </a:extLst>
           </p:cNvPr>
@@ -11740,7 +11740,7 @@
           <p:cNvPr id="50" name="Google Shape;81;p14">
             <a:extLst>
               <a:ext uri="{FF2B5EF4-FFF2-40B4-BE49-F238E27FC236}">
-                <a16:creationId xmlns:a16="http://schemas.microsoft.com/office/drawing/2014/main" xmlns="" id="{4CBC555B-EEC2-5C97-BC99-4D39E31ADF7B}"/>
+                <a16:creationId xmlns="" xmlns:a16="http://schemas.microsoft.com/office/drawing/2014/main" id="{4CBC555B-EEC2-5C97-BC99-4D39E31ADF7B}"/>
               </a:ext>
             </a:extLst>
           </p:cNvPr>
@@ -11774,7 +11774,7 @@
           <p:cNvPr id="51" name="箭头: 五边形 50">
             <a:extLst>
               <a:ext uri="{FF2B5EF4-FFF2-40B4-BE49-F238E27FC236}">
-                <a16:creationId xmlns:a16="http://schemas.microsoft.com/office/drawing/2014/main" xmlns="" id="{A15E417E-5C3E-CBC1-B518-A7B4FB3DFA5F}"/>
+                <a16:creationId xmlns="" xmlns:a16="http://schemas.microsoft.com/office/drawing/2014/main" id="{A15E417E-5C3E-CBC1-B518-A7B4FB3DFA5F}"/>
               </a:ext>
             </a:extLst>
           </p:cNvPr>
@@ -11821,7 +11821,7 @@
           <p:cNvPr id="52" name="箭头: 五边形 51">
             <a:extLst>
               <a:ext uri="{FF2B5EF4-FFF2-40B4-BE49-F238E27FC236}">
-                <a16:creationId xmlns:a16="http://schemas.microsoft.com/office/drawing/2014/main" xmlns="" id="{3F990466-3C46-33F3-0E3C-1AC438764343}"/>
+                <a16:creationId xmlns="" xmlns:a16="http://schemas.microsoft.com/office/drawing/2014/main" id="{3F990466-3C46-33F3-0E3C-1AC438764343}"/>
               </a:ext>
             </a:extLst>
           </p:cNvPr>
@@ -11877,7 +11877,7 @@
           <p:cNvPr id="53" name="箭头: 五边形 52">
             <a:extLst>
               <a:ext uri="{FF2B5EF4-FFF2-40B4-BE49-F238E27FC236}">
-                <a16:creationId xmlns:a16="http://schemas.microsoft.com/office/drawing/2014/main" xmlns="" id="{82E481AF-A1FF-14F6-55A8-EF2C5038F04E}"/>
+                <a16:creationId xmlns="" xmlns:a16="http://schemas.microsoft.com/office/drawing/2014/main" id="{82E481AF-A1FF-14F6-55A8-EF2C5038F04E}"/>
               </a:ext>
             </a:extLst>
           </p:cNvPr>
@@ -11933,7 +11933,7 @@
           <p:cNvPr id="54" name="箭头: 五边形 53">
             <a:extLst>
               <a:ext uri="{FF2B5EF4-FFF2-40B4-BE49-F238E27FC236}">
-                <a16:creationId xmlns:a16="http://schemas.microsoft.com/office/drawing/2014/main" xmlns="" id="{0AB3C1ED-A3EF-0632-1FB9-9F2D89CE6389}"/>
+                <a16:creationId xmlns="" xmlns:a16="http://schemas.microsoft.com/office/drawing/2014/main" id="{0AB3C1ED-A3EF-0632-1FB9-9F2D89CE6389}"/>
               </a:ext>
             </a:extLst>
           </p:cNvPr>
@@ -11989,7 +11989,7 @@
           <p:cNvPr id="55" name="箭头: 五边形 54">
             <a:extLst>
               <a:ext uri="{FF2B5EF4-FFF2-40B4-BE49-F238E27FC236}">
-                <a16:creationId xmlns:a16="http://schemas.microsoft.com/office/drawing/2014/main" xmlns="" id="{97931E3B-652F-32D7-F2C2-5EDAC4D5B299}"/>
+                <a16:creationId xmlns="" xmlns:a16="http://schemas.microsoft.com/office/drawing/2014/main" id="{97931E3B-652F-32D7-F2C2-5EDAC4D5B299}"/>
               </a:ext>
             </a:extLst>
           </p:cNvPr>
@@ -12045,7 +12045,7 @@
           <p:cNvPr id="56" name="箭头: 五边形 55">
             <a:extLst>
               <a:ext uri="{FF2B5EF4-FFF2-40B4-BE49-F238E27FC236}">
-                <a16:creationId xmlns:a16="http://schemas.microsoft.com/office/drawing/2014/main" xmlns="" id="{BD53DE19-CAE1-79A8-2FA1-61C6E6E67D40}"/>
+                <a16:creationId xmlns="" xmlns:a16="http://schemas.microsoft.com/office/drawing/2014/main" id="{BD53DE19-CAE1-79A8-2FA1-61C6E6E67D40}"/>
               </a:ext>
             </a:extLst>
           </p:cNvPr>
@@ -12092,7 +12092,7 @@
           <p:cNvPr id="57" name="箭头: 五边形 56">
             <a:extLst>
               <a:ext uri="{FF2B5EF4-FFF2-40B4-BE49-F238E27FC236}">
-                <a16:creationId xmlns:a16="http://schemas.microsoft.com/office/drawing/2014/main" xmlns="" id="{54A7E9A7-A08E-D7A0-C9DD-95DEF8009AAF}"/>
+                <a16:creationId xmlns="" xmlns:a16="http://schemas.microsoft.com/office/drawing/2014/main" id="{54A7E9A7-A08E-D7A0-C9DD-95DEF8009AAF}"/>
               </a:ext>
             </a:extLst>
           </p:cNvPr>
@@ -12139,7 +12139,7 @@
           <p:cNvPr id="58" name="箭头: 五边形 57">
             <a:extLst>
               <a:ext uri="{FF2B5EF4-FFF2-40B4-BE49-F238E27FC236}">
-                <a16:creationId xmlns:a16="http://schemas.microsoft.com/office/drawing/2014/main" xmlns="" id="{17D488BC-2AD8-AA46-3898-7D1625A12033}"/>
+                <a16:creationId xmlns="" xmlns:a16="http://schemas.microsoft.com/office/drawing/2014/main" id="{17D488BC-2AD8-AA46-3898-7D1625A12033}"/>
               </a:ext>
             </a:extLst>
           </p:cNvPr>
@@ -12216,7 +12216,7 @@
           <p:cNvPr id="2" name="标题 1">
             <a:extLst>
               <a:ext uri="{FF2B5EF4-FFF2-40B4-BE49-F238E27FC236}">
-                <a16:creationId xmlns:a16="http://schemas.microsoft.com/office/drawing/2014/main" xmlns="" id="{80796E82-7314-2FBE-2DE8-DDD70D4DF27E}"/>
+                <a16:creationId xmlns="" xmlns:a16="http://schemas.microsoft.com/office/drawing/2014/main" id="{80796E82-7314-2FBE-2DE8-DDD70D4DF27E}"/>
               </a:ext>
             </a:extLst>
           </p:cNvPr>
@@ -12265,7 +12265,7 @@
           <p:cNvPr id="5" name="椭圆 4">
             <a:extLst>
               <a:ext uri="{FF2B5EF4-FFF2-40B4-BE49-F238E27FC236}">
-                <a16:creationId xmlns:a16="http://schemas.microsoft.com/office/drawing/2014/main" xmlns="" id="{A020CC41-9901-5A10-06D8-1F19650A3A6A}"/>
+                <a16:creationId xmlns="" xmlns:a16="http://schemas.microsoft.com/office/drawing/2014/main" id="{A020CC41-9901-5A10-06D8-1F19650A3A6A}"/>
               </a:ext>
             </a:extLst>
           </p:cNvPr>
@@ -12317,7 +12317,7 @@
           <p:cNvPr id="19" name="Google Shape;73;p14">
             <a:extLst>
               <a:ext uri="{FF2B5EF4-FFF2-40B4-BE49-F238E27FC236}">
-                <a16:creationId xmlns:a16="http://schemas.microsoft.com/office/drawing/2014/main" xmlns="" id="{3442D827-BE6F-DFBF-3B15-223B2753D9E9}"/>
+                <a16:creationId xmlns="" xmlns:a16="http://schemas.microsoft.com/office/drawing/2014/main" id="{3442D827-BE6F-DFBF-3B15-223B2753D9E9}"/>
               </a:ext>
             </a:extLst>
           </p:cNvPr>
@@ -12351,7 +12351,7 @@
           <p:cNvPr id="6" name="Google Shape;74;p14">
             <a:extLst>
               <a:ext uri="{FF2B5EF4-FFF2-40B4-BE49-F238E27FC236}">
-                <a16:creationId xmlns:a16="http://schemas.microsoft.com/office/drawing/2014/main" xmlns="" id="{8ABB2948-CF7D-7BD6-14B8-367574244CB2}"/>
+                <a16:creationId xmlns="" xmlns:a16="http://schemas.microsoft.com/office/drawing/2014/main" id="{8ABB2948-CF7D-7BD6-14B8-367574244CB2}"/>
               </a:ext>
             </a:extLst>
           </p:cNvPr>
@@ -12385,7 +12385,7 @@
           <p:cNvPr id="8" name="Google Shape;76;p14">
             <a:extLst>
               <a:ext uri="{FF2B5EF4-FFF2-40B4-BE49-F238E27FC236}">
-                <a16:creationId xmlns:a16="http://schemas.microsoft.com/office/drawing/2014/main" xmlns="" id="{A0604560-830C-4AC9-3717-031AA48B5D45}"/>
+                <a16:creationId xmlns="" xmlns:a16="http://schemas.microsoft.com/office/drawing/2014/main" id="{A0604560-830C-4AC9-3717-031AA48B5D45}"/>
               </a:ext>
             </a:extLst>
           </p:cNvPr>
@@ -12419,7 +12419,7 @@
           <p:cNvPr id="11" name="Google Shape;79;p14">
             <a:extLst>
               <a:ext uri="{FF2B5EF4-FFF2-40B4-BE49-F238E27FC236}">
-                <a16:creationId xmlns:a16="http://schemas.microsoft.com/office/drawing/2014/main" xmlns="" id="{0DAE55E6-D474-C395-BC84-8ACA3CE820A0}"/>
+                <a16:creationId xmlns="" xmlns:a16="http://schemas.microsoft.com/office/drawing/2014/main" id="{0DAE55E6-D474-C395-BC84-8ACA3CE820A0}"/>
               </a:ext>
             </a:extLst>
           </p:cNvPr>
@@ -12453,7 +12453,7 @@
           <p:cNvPr id="12" name="Google Shape;80;p14">
             <a:extLst>
               <a:ext uri="{FF2B5EF4-FFF2-40B4-BE49-F238E27FC236}">
-                <a16:creationId xmlns:a16="http://schemas.microsoft.com/office/drawing/2014/main" xmlns="" id="{3A5AAC50-9F06-A76F-B20B-35CF3612E825}"/>
+                <a16:creationId xmlns="" xmlns:a16="http://schemas.microsoft.com/office/drawing/2014/main" id="{3A5AAC50-9F06-A76F-B20B-35CF3612E825}"/>
               </a:ext>
             </a:extLst>
           </p:cNvPr>
@@ -12487,7 +12487,7 @@
           <p:cNvPr id="4" name="文本框 3">
             <a:extLst>
               <a:ext uri="{FF2B5EF4-FFF2-40B4-BE49-F238E27FC236}">
-                <a16:creationId xmlns:a16="http://schemas.microsoft.com/office/drawing/2014/main" xmlns="" id="{3E8E8225-E7B4-E598-7AEB-66BC2EF7864E}"/>
+                <a16:creationId xmlns="" xmlns:a16="http://schemas.microsoft.com/office/drawing/2014/main" id="{3E8E8225-E7B4-E598-7AEB-66BC2EF7864E}"/>
               </a:ext>
             </a:extLst>
           </p:cNvPr>
@@ -12527,7 +12527,7 @@
           <p:cNvPr id="31" name="箭头: 五边形 30">
             <a:extLst>
               <a:ext uri="{FF2B5EF4-FFF2-40B4-BE49-F238E27FC236}">
-                <a16:creationId xmlns:a16="http://schemas.microsoft.com/office/drawing/2014/main" xmlns="" id="{4B9E0D9B-D17E-69E7-1F9A-99DE7710B7A1}"/>
+                <a16:creationId xmlns="" xmlns:a16="http://schemas.microsoft.com/office/drawing/2014/main" id="{4B9E0D9B-D17E-69E7-1F9A-99DE7710B7A1}"/>
               </a:ext>
             </a:extLst>
           </p:cNvPr>
@@ -12574,7 +12574,7 @@
           <p:cNvPr id="33" name="箭头: 五边形 32">
             <a:extLst>
               <a:ext uri="{FF2B5EF4-FFF2-40B4-BE49-F238E27FC236}">
-                <a16:creationId xmlns:a16="http://schemas.microsoft.com/office/drawing/2014/main" xmlns="" id="{C768AE66-F650-1A37-7440-B571549FE915}"/>
+                <a16:creationId xmlns="" xmlns:a16="http://schemas.microsoft.com/office/drawing/2014/main" id="{C768AE66-F650-1A37-7440-B571549FE915}"/>
               </a:ext>
             </a:extLst>
           </p:cNvPr>
@@ -12630,7 +12630,7 @@
           <p:cNvPr id="35" name="箭头: 五边形 34">
             <a:extLst>
               <a:ext uri="{FF2B5EF4-FFF2-40B4-BE49-F238E27FC236}">
-                <a16:creationId xmlns:a16="http://schemas.microsoft.com/office/drawing/2014/main" xmlns="" id="{FC836AD9-A293-8E3F-664B-E692D69616E5}"/>
+                <a16:creationId xmlns="" xmlns:a16="http://schemas.microsoft.com/office/drawing/2014/main" id="{FC836AD9-A293-8E3F-664B-E692D69616E5}"/>
               </a:ext>
             </a:extLst>
           </p:cNvPr>
@@ -12686,7 +12686,7 @@
           <p:cNvPr id="37" name="箭头: 五边形 36">
             <a:extLst>
               <a:ext uri="{FF2B5EF4-FFF2-40B4-BE49-F238E27FC236}">
-                <a16:creationId xmlns:a16="http://schemas.microsoft.com/office/drawing/2014/main" xmlns="" id="{05ECD475-37EE-63E8-E9E5-EF81A4619214}"/>
+                <a16:creationId xmlns="" xmlns:a16="http://schemas.microsoft.com/office/drawing/2014/main" id="{05ECD475-37EE-63E8-E9E5-EF81A4619214}"/>
               </a:ext>
             </a:extLst>
           </p:cNvPr>
@@ -12733,7 +12733,7 @@
           <p:cNvPr id="30" name="Google Shape;75;p14">
             <a:extLst>
               <a:ext uri="{FF2B5EF4-FFF2-40B4-BE49-F238E27FC236}">
-                <a16:creationId xmlns:a16="http://schemas.microsoft.com/office/drawing/2014/main" xmlns="" id="{E8CD191A-BC20-B4B9-0F77-A770F7BFAC28}"/>
+                <a16:creationId xmlns="" xmlns:a16="http://schemas.microsoft.com/office/drawing/2014/main" id="{E8CD191A-BC20-B4B9-0F77-A770F7BFAC28}"/>
               </a:ext>
             </a:extLst>
           </p:cNvPr>
@@ -12767,7 +12767,7 @@
           <p:cNvPr id="36" name="Google Shape;77;p14">
             <a:extLst>
               <a:ext uri="{FF2B5EF4-FFF2-40B4-BE49-F238E27FC236}">
-                <a16:creationId xmlns:a16="http://schemas.microsoft.com/office/drawing/2014/main" xmlns="" id="{D2A03513-860E-AEB3-C60B-B28086582A81}"/>
+                <a16:creationId xmlns="" xmlns:a16="http://schemas.microsoft.com/office/drawing/2014/main" id="{D2A03513-860E-AEB3-C60B-B28086582A81}"/>
               </a:ext>
             </a:extLst>
           </p:cNvPr>
@@ -12801,7 +12801,7 @@
           <p:cNvPr id="40" name="Google Shape;78;p14">
             <a:extLst>
               <a:ext uri="{FF2B5EF4-FFF2-40B4-BE49-F238E27FC236}">
-                <a16:creationId xmlns:a16="http://schemas.microsoft.com/office/drawing/2014/main" xmlns="" id="{4192ED35-AB80-8468-99E1-C9A9BDA8A7D3}"/>
+                <a16:creationId xmlns="" xmlns:a16="http://schemas.microsoft.com/office/drawing/2014/main" id="{4192ED35-AB80-8468-99E1-C9A9BDA8A7D3}"/>
               </a:ext>
             </a:extLst>
           </p:cNvPr>
@@ -12835,7 +12835,7 @@
           <p:cNvPr id="41" name="Google Shape;81;p14">
             <a:extLst>
               <a:ext uri="{FF2B5EF4-FFF2-40B4-BE49-F238E27FC236}">
-                <a16:creationId xmlns:a16="http://schemas.microsoft.com/office/drawing/2014/main" xmlns="" id="{C0FC87F9-1543-0D73-36B0-9CD905C3E530}"/>
+                <a16:creationId xmlns="" xmlns:a16="http://schemas.microsoft.com/office/drawing/2014/main" id="{C0FC87F9-1543-0D73-36B0-9CD905C3E530}"/>
               </a:ext>
             </a:extLst>
           </p:cNvPr>
@@ -12869,7 +12869,7 @@
           <p:cNvPr id="42" name="箭头: 五边形 41">
             <a:extLst>
               <a:ext uri="{FF2B5EF4-FFF2-40B4-BE49-F238E27FC236}">
-                <a16:creationId xmlns:a16="http://schemas.microsoft.com/office/drawing/2014/main" xmlns="" id="{7EBEF984-F98B-ADD1-3CDC-6AB1174A8D83}"/>
+                <a16:creationId xmlns="" xmlns:a16="http://schemas.microsoft.com/office/drawing/2014/main" id="{7EBEF984-F98B-ADD1-3CDC-6AB1174A8D83}"/>
               </a:ext>
             </a:extLst>
           </p:cNvPr>
@@ -12925,7 +12925,7 @@
           <p:cNvPr id="43" name="箭头: 五边形 42">
             <a:extLst>
               <a:ext uri="{FF2B5EF4-FFF2-40B4-BE49-F238E27FC236}">
-                <a16:creationId xmlns:a16="http://schemas.microsoft.com/office/drawing/2014/main" xmlns="" id="{35BD309B-9ECD-3FBE-FBC4-1E1A07BE57C7}"/>
+                <a16:creationId xmlns="" xmlns:a16="http://schemas.microsoft.com/office/drawing/2014/main" id="{35BD309B-9ECD-3FBE-FBC4-1E1A07BE57C7}"/>
               </a:ext>
             </a:extLst>
           </p:cNvPr>
@@ -12981,7 +12981,7 @@
           <p:cNvPr id="44" name="箭头: 五边形 43">
             <a:extLst>
               <a:ext uri="{FF2B5EF4-FFF2-40B4-BE49-F238E27FC236}">
-                <a16:creationId xmlns:a16="http://schemas.microsoft.com/office/drawing/2014/main" xmlns="" id="{15FD29AB-A713-CB93-D601-DC1B84060FE1}"/>
+                <a16:creationId xmlns="" xmlns:a16="http://schemas.microsoft.com/office/drawing/2014/main" id="{15FD29AB-A713-CB93-D601-DC1B84060FE1}"/>
               </a:ext>
             </a:extLst>
           </p:cNvPr>
@@ -13028,7 +13028,7 @@
           <p:cNvPr id="45" name="箭头: 五边形 44">
             <a:extLst>
               <a:ext uri="{FF2B5EF4-FFF2-40B4-BE49-F238E27FC236}">
-                <a16:creationId xmlns:a16="http://schemas.microsoft.com/office/drawing/2014/main" xmlns="" id="{985479B4-7D41-B26B-85E4-9E2F0030D890}"/>
+                <a16:creationId xmlns="" xmlns:a16="http://schemas.microsoft.com/office/drawing/2014/main" id="{985479B4-7D41-B26B-85E4-9E2F0030D890}"/>
               </a:ext>
             </a:extLst>
           </p:cNvPr>
@@ -14244,7 +14244,7 @@
           <p:cNvPr id="41" name="椭圆 40">
             <a:extLst>
               <a:ext uri="{FF2B5EF4-FFF2-40B4-BE49-F238E27FC236}">
-                <a16:creationId xmlns:a16="http://schemas.microsoft.com/office/drawing/2014/main" xmlns="" id="{94C17F89-4022-3282-1B5A-F455F1578F55}"/>
+                <a16:creationId xmlns="" xmlns:a16="http://schemas.microsoft.com/office/drawing/2014/main" id="{94C17F89-4022-3282-1B5A-F455F1578F55}"/>
               </a:ext>
             </a:extLst>
           </p:cNvPr>
@@ -14296,7 +14296,7 @@
           <p:cNvPr id="42" name="Google Shape;85;p14">
             <a:extLst>
               <a:ext uri="{FF2B5EF4-FFF2-40B4-BE49-F238E27FC236}">
-                <a16:creationId xmlns:a16="http://schemas.microsoft.com/office/drawing/2014/main" xmlns="" id="{09D17530-BFD0-53F3-E337-2F4C46CDEEBD}"/>
+                <a16:creationId xmlns="" xmlns:a16="http://schemas.microsoft.com/office/drawing/2014/main" id="{09D17530-BFD0-53F3-E337-2F4C46CDEEBD}"/>
               </a:ext>
             </a:extLst>
           </p:cNvPr>
@@ -14362,7 +14362,7 @@
           <p:cNvPr id="2" name="标题 1">
             <a:extLst>
               <a:ext uri="{FF2B5EF4-FFF2-40B4-BE49-F238E27FC236}">
-                <a16:creationId xmlns:a16="http://schemas.microsoft.com/office/drawing/2014/main" xmlns="" id="{80796E82-7314-2FBE-2DE8-DDD70D4DF27E}"/>
+                <a16:creationId xmlns="" xmlns:a16="http://schemas.microsoft.com/office/drawing/2014/main" id="{80796E82-7314-2FBE-2DE8-DDD70D4DF27E}"/>
               </a:ext>
             </a:extLst>
           </p:cNvPr>
@@ -14411,7 +14411,7 @@
           <p:cNvPr id="5" name="椭圆 4">
             <a:extLst>
               <a:ext uri="{FF2B5EF4-FFF2-40B4-BE49-F238E27FC236}">
-                <a16:creationId xmlns:a16="http://schemas.microsoft.com/office/drawing/2014/main" xmlns="" id="{A020CC41-9901-5A10-06D8-1F19650A3A6A}"/>
+                <a16:creationId xmlns="" xmlns:a16="http://schemas.microsoft.com/office/drawing/2014/main" id="{A020CC41-9901-5A10-06D8-1F19650A3A6A}"/>
               </a:ext>
             </a:extLst>
           </p:cNvPr>
@@ -14463,7 +14463,7 @@
           <p:cNvPr id="19" name="Google Shape;73;p14">
             <a:extLst>
               <a:ext uri="{FF2B5EF4-FFF2-40B4-BE49-F238E27FC236}">
-                <a16:creationId xmlns:a16="http://schemas.microsoft.com/office/drawing/2014/main" xmlns="" id="{3442D827-BE6F-DFBF-3B15-223B2753D9E9}"/>
+                <a16:creationId xmlns="" xmlns:a16="http://schemas.microsoft.com/office/drawing/2014/main" id="{3442D827-BE6F-DFBF-3B15-223B2753D9E9}"/>
               </a:ext>
             </a:extLst>
           </p:cNvPr>
@@ -14497,7 +14497,7 @@
           <p:cNvPr id="4" name="文本框 3">
             <a:extLst>
               <a:ext uri="{FF2B5EF4-FFF2-40B4-BE49-F238E27FC236}">
-                <a16:creationId xmlns:a16="http://schemas.microsoft.com/office/drawing/2014/main" xmlns="" id="{3E8E8225-E7B4-E598-7AEB-66BC2EF7864E}"/>
+                <a16:creationId xmlns="" xmlns:a16="http://schemas.microsoft.com/office/drawing/2014/main" id="{3E8E8225-E7B4-E598-7AEB-66BC2EF7864E}"/>
               </a:ext>
             </a:extLst>
           </p:cNvPr>
@@ -14537,7 +14537,7 @@
           <p:cNvPr id="32" name="椭圆 31">
             <a:extLst>
               <a:ext uri="{FF2B5EF4-FFF2-40B4-BE49-F238E27FC236}">
-                <a16:creationId xmlns:a16="http://schemas.microsoft.com/office/drawing/2014/main" xmlns="" id="{7C1E3AD7-2822-E440-E62A-F1A4C70A8067}"/>
+                <a16:creationId xmlns="" xmlns:a16="http://schemas.microsoft.com/office/drawing/2014/main" id="{7C1E3AD7-2822-E440-E62A-F1A4C70A8067}"/>
               </a:ext>
             </a:extLst>
           </p:cNvPr>
@@ -14593,7 +14593,7 @@
           <p:cNvPr id="34" name="椭圆 33">
             <a:extLst>
               <a:ext uri="{FF2B5EF4-FFF2-40B4-BE49-F238E27FC236}">
-                <a16:creationId xmlns:a16="http://schemas.microsoft.com/office/drawing/2014/main" xmlns="" id="{C692896F-F031-2107-F5D8-57735A94BD39}"/>
+                <a16:creationId xmlns="" xmlns:a16="http://schemas.microsoft.com/office/drawing/2014/main" id="{C692896F-F031-2107-F5D8-57735A94BD39}"/>
               </a:ext>
             </a:extLst>
           </p:cNvPr>
@@ -14649,7 +14649,7 @@
           <p:cNvPr id="38" name="椭圆 37">
             <a:extLst>
               <a:ext uri="{FF2B5EF4-FFF2-40B4-BE49-F238E27FC236}">
-                <a16:creationId xmlns:a16="http://schemas.microsoft.com/office/drawing/2014/main" xmlns="" id="{E7E11154-FE44-F1B3-5655-92B62D92F525}"/>
+                <a16:creationId xmlns="" xmlns:a16="http://schemas.microsoft.com/office/drawing/2014/main" id="{E7E11154-FE44-F1B3-5655-92B62D92F525}"/>
               </a:ext>
             </a:extLst>
           </p:cNvPr>
@@ -14709,7 +14709,7 @@
           <p:cNvPr id="39" name="椭圆 38">
             <a:extLst>
               <a:ext uri="{FF2B5EF4-FFF2-40B4-BE49-F238E27FC236}">
-                <a16:creationId xmlns:a16="http://schemas.microsoft.com/office/drawing/2014/main" xmlns="" id="{5A744988-2ECB-D75A-B760-C02F9B2F609B}"/>
+                <a16:creationId xmlns="" xmlns:a16="http://schemas.microsoft.com/office/drawing/2014/main" id="{5A744988-2ECB-D75A-B760-C02F9B2F609B}"/>
               </a:ext>
             </a:extLst>
           </p:cNvPr>
@@ -14769,7 +14769,7 @@
           <p:cNvPr id="6" name="Google Shape;74;p14">
             <a:extLst>
               <a:ext uri="{FF2B5EF4-FFF2-40B4-BE49-F238E27FC236}">
-                <a16:creationId xmlns:a16="http://schemas.microsoft.com/office/drawing/2014/main" xmlns="" id="{8ABB2948-CF7D-7BD6-14B8-367574244CB2}"/>
+                <a16:creationId xmlns="" xmlns:a16="http://schemas.microsoft.com/office/drawing/2014/main" id="{8ABB2948-CF7D-7BD6-14B8-367574244CB2}"/>
               </a:ext>
             </a:extLst>
           </p:cNvPr>
@@ -14803,7 +14803,7 @@
           <p:cNvPr id="8" name="Google Shape;76;p14">
             <a:extLst>
               <a:ext uri="{FF2B5EF4-FFF2-40B4-BE49-F238E27FC236}">
-                <a16:creationId xmlns:a16="http://schemas.microsoft.com/office/drawing/2014/main" xmlns="" id="{A0604560-830C-4AC9-3717-031AA48B5D45}"/>
+                <a16:creationId xmlns="" xmlns:a16="http://schemas.microsoft.com/office/drawing/2014/main" id="{A0604560-830C-4AC9-3717-031AA48B5D45}"/>
               </a:ext>
             </a:extLst>
           </p:cNvPr>
@@ -14837,7 +14837,7 @@
           <p:cNvPr id="11" name="Google Shape;79;p14">
             <a:extLst>
               <a:ext uri="{FF2B5EF4-FFF2-40B4-BE49-F238E27FC236}">
-                <a16:creationId xmlns:a16="http://schemas.microsoft.com/office/drawing/2014/main" xmlns="" id="{0DAE55E6-D474-C395-BC84-8ACA3CE820A0}"/>
+                <a16:creationId xmlns="" xmlns:a16="http://schemas.microsoft.com/office/drawing/2014/main" id="{0DAE55E6-D474-C395-BC84-8ACA3CE820A0}"/>
               </a:ext>
             </a:extLst>
           </p:cNvPr>
@@ -14871,7 +14871,7 @@
           <p:cNvPr id="12" name="Google Shape;80;p14">
             <a:extLst>
               <a:ext uri="{FF2B5EF4-FFF2-40B4-BE49-F238E27FC236}">
-                <a16:creationId xmlns:a16="http://schemas.microsoft.com/office/drawing/2014/main" xmlns="" id="{3A5AAC50-9F06-A76F-B20B-35CF3612E825}"/>
+                <a16:creationId xmlns="" xmlns:a16="http://schemas.microsoft.com/office/drawing/2014/main" id="{3A5AAC50-9F06-A76F-B20B-35CF3612E825}"/>
               </a:ext>
             </a:extLst>
           </p:cNvPr>
@@ -14905,7 +14905,7 @@
           <p:cNvPr id="31" name="箭头: 五边形 30">
             <a:extLst>
               <a:ext uri="{FF2B5EF4-FFF2-40B4-BE49-F238E27FC236}">
-                <a16:creationId xmlns:a16="http://schemas.microsoft.com/office/drawing/2014/main" xmlns="" id="{4B9E0D9B-D17E-69E7-1F9A-99DE7710B7A1}"/>
+                <a16:creationId xmlns="" xmlns:a16="http://schemas.microsoft.com/office/drawing/2014/main" id="{4B9E0D9B-D17E-69E7-1F9A-99DE7710B7A1}"/>
               </a:ext>
             </a:extLst>
           </p:cNvPr>
@@ -14952,7 +14952,7 @@
           <p:cNvPr id="33" name="箭头: 五边形 32">
             <a:extLst>
               <a:ext uri="{FF2B5EF4-FFF2-40B4-BE49-F238E27FC236}">
-                <a16:creationId xmlns:a16="http://schemas.microsoft.com/office/drawing/2014/main" xmlns="" id="{C768AE66-F650-1A37-7440-B571549FE915}"/>
+                <a16:creationId xmlns="" xmlns:a16="http://schemas.microsoft.com/office/drawing/2014/main" id="{C768AE66-F650-1A37-7440-B571549FE915}"/>
               </a:ext>
             </a:extLst>
           </p:cNvPr>
@@ -15008,7 +15008,7 @@
           <p:cNvPr id="35" name="箭头: 五边形 34">
             <a:extLst>
               <a:ext uri="{FF2B5EF4-FFF2-40B4-BE49-F238E27FC236}">
-                <a16:creationId xmlns:a16="http://schemas.microsoft.com/office/drawing/2014/main" xmlns="" id="{FC836AD9-A293-8E3F-664B-E692D69616E5}"/>
+                <a16:creationId xmlns="" xmlns:a16="http://schemas.microsoft.com/office/drawing/2014/main" id="{FC836AD9-A293-8E3F-664B-E692D69616E5}"/>
               </a:ext>
             </a:extLst>
           </p:cNvPr>
@@ -15064,7 +15064,7 @@
           <p:cNvPr id="37" name="箭头: 五边形 36">
             <a:extLst>
               <a:ext uri="{FF2B5EF4-FFF2-40B4-BE49-F238E27FC236}">
-                <a16:creationId xmlns:a16="http://schemas.microsoft.com/office/drawing/2014/main" xmlns="" id="{05ECD475-37EE-63E8-E9E5-EF81A4619214}"/>
+                <a16:creationId xmlns="" xmlns:a16="http://schemas.microsoft.com/office/drawing/2014/main" id="{05ECD475-37EE-63E8-E9E5-EF81A4619214}"/>
               </a:ext>
             </a:extLst>
           </p:cNvPr>
@@ -15111,7 +15111,7 @@
           <p:cNvPr id="30" name="Google Shape;75;p14">
             <a:extLst>
               <a:ext uri="{FF2B5EF4-FFF2-40B4-BE49-F238E27FC236}">
-                <a16:creationId xmlns:a16="http://schemas.microsoft.com/office/drawing/2014/main" xmlns="" id="{E8CD191A-BC20-B4B9-0F77-A770F7BFAC28}"/>
+                <a16:creationId xmlns="" xmlns:a16="http://schemas.microsoft.com/office/drawing/2014/main" id="{E8CD191A-BC20-B4B9-0F77-A770F7BFAC28}"/>
               </a:ext>
             </a:extLst>
           </p:cNvPr>
@@ -15145,7 +15145,7 @@
           <p:cNvPr id="36" name="Google Shape;77;p14">
             <a:extLst>
               <a:ext uri="{FF2B5EF4-FFF2-40B4-BE49-F238E27FC236}">
-                <a16:creationId xmlns:a16="http://schemas.microsoft.com/office/drawing/2014/main" xmlns="" id="{D2A03513-860E-AEB3-C60B-B28086582A81}"/>
+                <a16:creationId xmlns="" xmlns:a16="http://schemas.microsoft.com/office/drawing/2014/main" id="{D2A03513-860E-AEB3-C60B-B28086582A81}"/>
               </a:ext>
             </a:extLst>
           </p:cNvPr>
@@ -15179,7 +15179,7 @@
           <p:cNvPr id="40" name="Google Shape;78;p14">
             <a:extLst>
               <a:ext uri="{FF2B5EF4-FFF2-40B4-BE49-F238E27FC236}">
-                <a16:creationId xmlns:a16="http://schemas.microsoft.com/office/drawing/2014/main" xmlns="" id="{4192ED35-AB80-8468-99E1-C9A9BDA8A7D3}"/>
+                <a16:creationId xmlns="" xmlns:a16="http://schemas.microsoft.com/office/drawing/2014/main" id="{4192ED35-AB80-8468-99E1-C9A9BDA8A7D3}"/>
               </a:ext>
             </a:extLst>
           </p:cNvPr>
@@ -15213,7 +15213,7 @@
           <p:cNvPr id="41" name="Google Shape;81;p14">
             <a:extLst>
               <a:ext uri="{FF2B5EF4-FFF2-40B4-BE49-F238E27FC236}">
-                <a16:creationId xmlns:a16="http://schemas.microsoft.com/office/drawing/2014/main" xmlns="" id="{C0FC87F9-1543-0D73-36B0-9CD905C3E530}"/>
+                <a16:creationId xmlns="" xmlns:a16="http://schemas.microsoft.com/office/drawing/2014/main" id="{C0FC87F9-1543-0D73-36B0-9CD905C3E530}"/>
               </a:ext>
             </a:extLst>
           </p:cNvPr>
@@ -15247,7 +15247,7 @@
           <p:cNvPr id="42" name="箭头: 五边形 41">
             <a:extLst>
               <a:ext uri="{FF2B5EF4-FFF2-40B4-BE49-F238E27FC236}">
-                <a16:creationId xmlns:a16="http://schemas.microsoft.com/office/drawing/2014/main" xmlns="" id="{7EBEF984-F98B-ADD1-3CDC-6AB1174A8D83}"/>
+                <a16:creationId xmlns="" xmlns:a16="http://schemas.microsoft.com/office/drawing/2014/main" id="{7EBEF984-F98B-ADD1-3CDC-6AB1174A8D83}"/>
               </a:ext>
             </a:extLst>
           </p:cNvPr>
@@ -15303,7 +15303,7 @@
           <p:cNvPr id="43" name="箭头: 五边形 42">
             <a:extLst>
               <a:ext uri="{FF2B5EF4-FFF2-40B4-BE49-F238E27FC236}">
-                <a16:creationId xmlns:a16="http://schemas.microsoft.com/office/drawing/2014/main" xmlns="" id="{35BD309B-9ECD-3FBE-FBC4-1E1A07BE57C7}"/>
+                <a16:creationId xmlns="" xmlns:a16="http://schemas.microsoft.com/office/drawing/2014/main" id="{35BD309B-9ECD-3FBE-FBC4-1E1A07BE57C7}"/>
               </a:ext>
             </a:extLst>
           </p:cNvPr>
@@ -15359,7 +15359,7 @@
           <p:cNvPr id="44" name="箭头: 五边形 43">
             <a:extLst>
               <a:ext uri="{FF2B5EF4-FFF2-40B4-BE49-F238E27FC236}">
-                <a16:creationId xmlns:a16="http://schemas.microsoft.com/office/drawing/2014/main" xmlns="" id="{15FD29AB-A713-CB93-D601-DC1B84060FE1}"/>
+                <a16:creationId xmlns="" xmlns:a16="http://schemas.microsoft.com/office/drawing/2014/main" id="{15FD29AB-A713-CB93-D601-DC1B84060FE1}"/>
               </a:ext>
             </a:extLst>
           </p:cNvPr>
@@ -15406,7 +15406,7 @@
           <p:cNvPr id="45" name="箭头: 五边形 44">
             <a:extLst>
               <a:ext uri="{FF2B5EF4-FFF2-40B4-BE49-F238E27FC236}">
-                <a16:creationId xmlns:a16="http://schemas.microsoft.com/office/drawing/2014/main" xmlns="" id="{985479B4-7D41-B26B-85E4-9E2F0030D890}"/>
+                <a16:creationId xmlns="" xmlns:a16="http://schemas.microsoft.com/office/drawing/2014/main" id="{985479B4-7D41-B26B-85E4-9E2F0030D890}"/>
               </a:ext>
             </a:extLst>
           </p:cNvPr>
@@ -15483,7 +15483,7 @@
           <p:cNvPr id="2" name="标题 1">
             <a:extLst>
               <a:ext uri="{FF2B5EF4-FFF2-40B4-BE49-F238E27FC236}">
-                <a16:creationId xmlns:a16="http://schemas.microsoft.com/office/drawing/2014/main" xmlns="" id="{80796E82-7314-2FBE-2DE8-DDD70D4DF27E}"/>
+                <a16:creationId xmlns="" xmlns:a16="http://schemas.microsoft.com/office/drawing/2014/main" id="{80796E82-7314-2FBE-2DE8-DDD70D4DF27E}"/>
               </a:ext>
             </a:extLst>
           </p:cNvPr>
@@ -15532,7 +15532,7 @@
           <p:cNvPr id="4" name="文本框 3">
             <a:extLst>
               <a:ext uri="{FF2B5EF4-FFF2-40B4-BE49-F238E27FC236}">
-                <a16:creationId xmlns:a16="http://schemas.microsoft.com/office/drawing/2014/main" xmlns="" id="{3E8E8225-E7B4-E598-7AEB-66BC2EF7864E}"/>
+                <a16:creationId xmlns="" xmlns:a16="http://schemas.microsoft.com/office/drawing/2014/main" id="{3E8E8225-E7B4-E598-7AEB-66BC2EF7864E}"/>
               </a:ext>
             </a:extLst>
           </p:cNvPr>
@@ -15572,7 +15572,7 @@
           <p:cNvPr id="94" name="椭圆 93">
             <a:extLst>
               <a:ext uri="{FF2B5EF4-FFF2-40B4-BE49-F238E27FC236}">
-                <a16:creationId xmlns:a16="http://schemas.microsoft.com/office/drawing/2014/main" xmlns="" id="{8BEE0963-F39F-E799-5A6C-7DB2D9695EA3}"/>
+                <a16:creationId xmlns="" xmlns:a16="http://schemas.microsoft.com/office/drawing/2014/main" id="{8BEE0963-F39F-E799-5A6C-7DB2D9695EA3}"/>
               </a:ext>
             </a:extLst>
           </p:cNvPr>
@@ -15624,7 +15624,7 @@
           <p:cNvPr id="95" name="Google Shape;73;p14">
             <a:extLst>
               <a:ext uri="{FF2B5EF4-FFF2-40B4-BE49-F238E27FC236}">
-                <a16:creationId xmlns:a16="http://schemas.microsoft.com/office/drawing/2014/main" xmlns="" id="{728B4BED-4470-8B41-5F52-AEAB959AE86A}"/>
+                <a16:creationId xmlns="" xmlns:a16="http://schemas.microsoft.com/office/drawing/2014/main" id="{728B4BED-4470-8B41-5F52-AEAB959AE86A}"/>
               </a:ext>
             </a:extLst>
           </p:cNvPr>
@@ -15658,7 +15658,7 @@
           <p:cNvPr id="96" name="椭圆 95">
             <a:extLst>
               <a:ext uri="{FF2B5EF4-FFF2-40B4-BE49-F238E27FC236}">
-                <a16:creationId xmlns:a16="http://schemas.microsoft.com/office/drawing/2014/main" xmlns="" id="{AF996894-1BC8-7090-4657-FC54AE71EC7F}"/>
+                <a16:creationId xmlns="" xmlns:a16="http://schemas.microsoft.com/office/drawing/2014/main" id="{AF996894-1BC8-7090-4657-FC54AE71EC7F}"/>
               </a:ext>
             </a:extLst>
           </p:cNvPr>
@@ -15714,7 +15714,7 @@
           <p:cNvPr id="97" name="椭圆 96">
             <a:extLst>
               <a:ext uri="{FF2B5EF4-FFF2-40B4-BE49-F238E27FC236}">
-                <a16:creationId xmlns:a16="http://schemas.microsoft.com/office/drawing/2014/main" xmlns="" id="{61254F9E-C540-E155-7BDC-015D0038A8F2}"/>
+                <a16:creationId xmlns="" xmlns:a16="http://schemas.microsoft.com/office/drawing/2014/main" id="{61254F9E-C540-E155-7BDC-015D0038A8F2}"/>
               </a:ext>
             </a:extLst>
           </p:cNvPr>
@@ -15770,7 +15770,7 @@
           <p:cNvPr id="98" name="椭圆 97">
             <a:extLst>
               <a:ext uri="{FF2B5EF4-FFF2-40B4-BE49-F238E27FC236}">
-                <a16:creationId xmlns:a16="http://schemas.microsoft.com/office/drawing/2014/main" xmlns="" id="{67AC39F3-9E15-C508-9F79-5833BA9DCC7E}"/>
+                <a16:creationId xmlns="" xmlns:a16="http://schemas.microsoft.com/office/drawing/2014/main" id="{67AC39F3-9E15-C508-9F79-5833BA9DCC7E}"/>
               </a:ext>
             </a:extLst>
           </p:cNvPr>
@@ -15830,7 +15830,7 @@
           <p:cNvPr id="99" name="椭圆 98">
             <a:extLst>
               <a:ext uri="{FF2B5EF4-FFF2-40B4-BE49-F238E27FC236}">
-                <a16:creationId xmlns:a16="http://schemas.microsoft.com/office/drawing/2014/main" xmlns="" id="{7078CA09-5A9E-D1A8-A854-B30AB88523FD}"/>
+                <a16:creationId xmlns="" xmlns:a16="http://schemas.microsoft.com/office/drawing/2014/main" id="{7078CA09-5A9E-D1A8-A854-B30AB88523FD}"/>
               </a:ext>
             </a:extLst>
           </p:cNvPr>
@@ -15890,7 +15890,7 @@
           <p:cNvPr id="100" name="Google Shape;74;p14">
             <a:extLst>
               <a:ext uri="{FF2B5EF4-FFF2-40B4-BE49-F238E27FC236}">
-                <a16:creationId xmlns:a16="http://schemas.microsoft.com/office/drawing/2014/main" xmlns="" id="{2D6CB586-E89B-F20A-E516-58B36CEB1867}"/>
+                <a16:creationId xmlns="" xmlns:a16="http://schemas.microsoft.com/office/drawing/2014/main" id="{2D6CB586-E89B-F20A-E516-58B36CEB1867}"/>
               </a:ext>
             </a:extLst>
           </p:cNvPr>
@@ -15924,7 +15924,7 @@
           <p:cNvPr id="101" name="Google Shape;76;p14">
             <a:extLst>
               <a:ext uri="{FF2B5EF4-FFF2-40B4-BE49-F238E27FC236}">
-                <a16:creationId xmlns:a16="http://schemas.microsoft.com/office/drawing/2014/main" xmlns="" id="{320E54BE-9086-C596-8E30-5802E54EFB64}"/>
+                <a16:creationId xmlns="" xmlns:a16="http://schemas.microsoft.com/office/drawing/2014/main" id="{320E54BE-9086-C596-8E30-5802E54EFB64}"/>
               </a:ext>
             </a:extLst>
           </p:cNvPr>
@@ -15958,7 +15958,7 @@
           <p:cNvPr id="102" name="Google Shape;79;p14">
             <a:extLst>
               <a:ext uri="{FF2B5EF4-FFF2-40B4-BE49-F238E27FC236}">
-                <a16:creationId xmlns:a16="http://schemas.microsoft.com/office/drawing/2014/main" xmlns="" id="{2CB29429-3A6A-075E-E051-F2605E6CF72B}"/>
+                <a16:creationId xmlns="" xmlns:a16="http://schemas.microsoft.com/office/drawing/2014/main" id="{2CB29429-3A6A-075E-E051-F2605E6CF72B}"/>
               </a:ext>
             </a:extLst>
           </p:cNvPr>
@@ -15992,7 +15992,7 @@
           <p:cNvPr id="103" name="Google Shape;80;p14">
             <a:extLst>
               <a:ext uri="{FF2B5EF4-FFF2-40B4-BE49-F238E27FC236}">
-                <a16:creationId xmlns:a16="http://schemas.microsoft.com/office/drawing/2014/main" xmlns="" id="{87A8869F-6890-93EE-47C2-B6909C99470B}"/>
+                <a16:creationId xmlns="" xmlns:a16="http://schemas.microsoft.com/office/drawing/2014/main" id="{87A8869F-6890-93EE-47C2-B6909C99470B}"/>
               </a:ext>
             </a:extLst>
           </p:cNvPr>
@@ -16026,7 +16026,7 @@
           <p:cNvPr id="104" name="箭头: 五边形 103">
             <a:extLst>
               <a:ext uri="{FF2B5EF4-FFF2-40B4-BE49-F238E27FC236}">
-                <a16:creationId xmlns:a16="http://schemas.microsoft.com/office/drawing/2014/main" xmlns="" id="{FEE47AE7-C9FA-4144-87DD-8E8CA1F603A1}"/>
+                <a16:creationId xmlns="" xmlns:a16="http://schemas.microsoft.com/office/drawing/2014/main" id="{FEE47AE7-C9FA-4144-87DD-8E8CA1F603A1}"/>
               </a:ext>
             </a:extLst>
           </p:cNvPr>
@@ -16073,7 +16073,7 @@
           <p:cNvPr id="105" name="箭头: 五边形 104">
             <a:extLst>
               <a:ext uri="{FF2B5EF4-FFF2-40B4-BE49-F238E27FC236}">
-                <a16:creationId xmlns:a16="http://schemas.microsoft.com/office/drawing/2014/main" xmlns="" id="{125693EC-2137-4901-2D9F-CA02EFB6EC1C}"/>
+                <a16:creationId xmlns="" xmlns:a16="http://schemas.microsoft.com/office/drawing/2014/main" id="{125693EC-2137-4901-2D9F-CA02EFB6EC1C}"/>
               </a:ext>
             </a:extLst>
           </p:cNvPr>
@@ -16129,7 +16129,7 @@
           <p:cNvPr id="106" name="箭头: 五边形 105">
             <a:extLst>
               <a:ext uri="{FF2B5EF4-FFF2-40B4-BE49-F238E27FC236}">
-                <a16:creationId xmlns:a16="http://schemas.microsoft.com/office/drawing/2014/main" xmlns="" id="{0A75FABD-C11D-5BF2-CA28-79F84BEC2D52}"/>
+                <a16:creationId xmlns="" xmlns:a16="http://schemas.microsoft.com/office/drawing/2014/main" id="{0A75FABD-C11D-5BF2-CA28-79F84BEC2D52}"/>
               </a:ext>
             </a:extLst>
           </p:cNvPr>
@@ -16185,7 +16185,7 @@
           <p:cNvPr id="107" name="箭头: 五边形 106">
             <a:extLst>
               <a:ext uri="{FF2B5EF4-FFF2-40B4-BE49-F238E27FC236}">
-                <a16:creationId xmlns:a16="http://schemas.microsoft.com/office/drawing/2014/main" xmlns="" id="{94FFE1CA-95B6-5FB5-0E93-C32CA673CFB0}"/>
+                <a16:creationId xmlns="" xmlns:a16="http://schemas.microsoft.com/office/drawing/2014/main" id="{94FFE1CA-95B6-5FB5-0E93-C32CA673CFB0}"/>
               </a:ext>
             </a:extLst>
           </p:cNvPr>
@@ -16232,7 +16232,7 @@
           <p:cNvPr id="108" name="Google Shape;75;p14">
             <a:extLst>
               <a:ext uri="{FF2B5EF4-FFF2-40B4-BE49-F238E27FC236}">
-                <a16:creationId xmlns:a16="http://schemas.microsoft.com/office/drawing/2014/main" xmlns="" id="{C28BC135-A694-D736-05E2-392BAA6546C4}"/>
+                <a16:creationId xmlns="" xmlns:a16="http://schemas.microsoft.com/office/drawing/2014/main" id="{C28BC135-A694-D736-05E2-392BAA6546C4}"/>
               </a:ext>
             </a:extLst>
           </p:cNvPr>
@@ -16266,7 +16266,7 @@
           <p:cNvPr id="109" name="Google Shape;77;p14">
             <a:extLst>
               <a:ext uri="{FF2B5EF4-FFF2-40B4-BE49-F238E27FC236}">
-                <a16:creationId xmlns:a16="http://schemas.microsoft.com/office/drawing/2014/main" xmlns="" id="{26E64EC8-A00D-85A2-55E9-80371504FA45}"/>
+                <a16:creationId xmlns="" xmlns:a16="http://schemas.microsoft.com/office/drawing/2014/main" id="{26E64EC8-A00D-85A2-55E9-80371504FA45}"/>
               </a:ext>
             </a:extLst>
           </p:cNvPr>
@@ -16300,7 +16300,7 @@
           <p:cNvPr id="110" name="Google Shape;78;p14">
             <a:extLst>
               <a:ext uri="{FF2B5EF4-FFF2-40B4-BE49-F238E27FC236}">
-                <a16:creationId xmlns:a16="http://schemas.microsoft.com/office/drawing/2014/main" xmlns="" id="{3776E30B-813F-0863-0AAF-08F593A4A164}"/>
+                <a16:creationId xmlns="" xmlns:a16="http://schemas.microsoft.com/office/drawing/2014/main" id="{3776E30B-813F-0863-0AAF-08F593A4A164}"/>
               </a:ext>
             </a:extLst>
           </p:cNvPr>
@@ -16334,7 +16334,7 @@
           <p:cNvPr id="111" name="Google Shape;81;p14">
             <a:extLst>
               <a:ext uri="{FF2B5EF4-FFF2-40B4-BE49-F238E27FC236}">
-                <a16:creationId xmlns:a16="http://schemas.microsoft.com/office/drawing/2014/main" xmlns="" id="{4C069DC5-4186-0285-5D83-B8FFA739F050}"/>
+                <a16:creationId xmlns="" xmlns:a16="http://schemas.microsoft.com/office/drawing/2014/main" id="{4C069DC5-4186-0285-5D83-B8FFA739F050}"/>
               </a:ext>
             </a:extLst>
           </p:cNvPr>
@@ -16368,7 +16368,7 @@
           <p:cNvPr id="112" name="箭头: 五边形 111">
             <a:extLst>
               <a:ext uri="{FF2B5EF4-FFF2-40B4-BE49-F238E27FC236}">
-                <a16:creationId xmlns:a16="http://schemas.microsoft.com/office/drawing/2014/main" xmlns="" id="{7CD9D67F-B213-AAAA-9054-02755BE2146A}"/>
+                <a16:creationId xmlns="" xmlns:a16="http://schemas.microsoft.com/office/drawing/2014/main" id="{7CD9D67F-B213-AAAA-9054-02755BE2146A}"/>
               </a:ext>
             </a:extLst>
           </p:cNvPr>
@@ -16424,7 +16424,7 @@
           <p:cNvPr id="113" name="箭头: 五边形 112">
             <a:extLst>
               <a:ext uri="{FF2B5EF4-FFF2-40B4-BE49-F238E27FC236}">
-                <a16:creationId xmlns:a16="http://schemas.microsoft.com/office/drawing/2014/main" xmlns="" id="{F8AE02EB-01D9-FA19-B065-CCE211B6884B}"/>
+                <a16:creationId xmlns="" xmlns:a16="http://schemas.microsoft.com/office/drawing/2014/main" id="{F8AE02EB-01D9-FA19-B065-CCE211B6884B}"/>
               </a:ext>
             </a:extLst>
           </p:cNvPr>
@@ -16480,7 +16480,7 @@
           <p:cNvPr id="114" name="箭头: 五边形 113">
             <a:extLst>
               <a:ext uri="{FF2B5EF4-FFF2-40B4-BE49-F238E27FC236}">
-                <a16:creationId xmlns:a16="http://schemas.microsoft.com/office/drawing/2014/main" xmlns="" id="{CD3E578E-DF8A-1EA0-3438-736889E4F552}"/>
+                <a16:creationId xmlns="" xmlns:a16="http://schemas.microsoft.com/office/drawing/2014/main" id="{CD3E578E-DF8A-1EA0-3438-736889E4F552}"/>
               </a:ext>
             </a:extLst>
           </p:cNvPr>
@@ -16527,7 +16527,7 @@
           <p:cNvPr id="115" name="箭头: 五边形 114">
             <a:extLst>
               <a:ext uri="{FF2B5EF4-FFF2-40B4-BE49-F238E27FC236}">
-                <a16:creationId xmlns:a16="http://schemas.microsoft.com/office/drawing/2014/main" xmlns="" id="{F8C96D6D-C8E2-1DE1-7975-1FE461A07D04}"/>
+                <a16:creationId xmlns="" xmlns:a16="http://schemas.microsoft.com/office/drawing/2014/main" id="{F8C96D6D-C8E2-1DE1-7975-1FE461A07D04}"/>
               </a:ext>
             </a:extLst>
           </p:cNvPr>
@@ -16604,7 +16604,7 @@
           <p:cNvPr id="2" name="标题 1">
             <a:extLst>
               <a:ext uri="{FF2B5EF4-FFF2-40B4-BE49-F238E27FC236}">
-                <a16:creationId xmlns:a16="http://schemas.microsoft.com/office/drawing/2014/main" xmlns="" id="{80796E82-7314-2FBE-2DE8-DDD70D4DF27E}"/>
+                <a16:creationId xmlns="" xmlns:a16="http://schemas.microsoft.com/office/drawing/2014/main" id="{80796E82-7314-2FBE-2DE8-DDD70D4DF27E}"/>
               </a:ext>
             </a:extLst>
           </p:cNvPr>
@@ -16653,7 +16653,7 @@
           <p:cNvPr id="4" name="文本框 3">
             <a:extLst>
               <a:ext uri="{FF2B5EF4-FFF2-40B4-BE49-F238E27FC236}">
-                <a16:creationId xmlns:a16="http://schemas.microsoft.com/office/drawing/2014/main" xmlns="" id="{3E8E8225-E7B4-E598-7AEB-66BC2EF7864E}"/>
+                <a16:creationId xmlns="" xmlns:a16="http://schemas.microsoft.com/office/drawing/2014/main" id="{3E8E8225-E7B4-E598-7AEB-66BC2EF7864E}"/>
               </a:ext>
             </a:extLst>
           </p:cNvPr>
@@ -16693,7 +16693,7 @@
           <p:cNvPr id="94" name="椭圆 93">
             <a:extLst>
               <a:ext uri="{FF2B5EF4-FFF2-40B4-BE49-F238E27FC236}">
-                <a16:creationId xmlns:a16="http://schemas.microsoft.com/office/drawing/2014/main" xmlns="" id="{8BEE0963-F39F-E799-5A6C-7DB2D9695EA3}"/>
+                <a16:creationId xmlns="" xmlns:a16="http://schemas.microsoft.com/office/drawing/2014/main" id="{8BEE0963-F39F-E799-5A6C-7DB2D9695EA3}"/>
               </a:ext>
             </a:extLst>
           </p:cNvPr>
@@ -16745,7 +16745,7 @@
           <p:cNvPr id="95" name="Google Shape;73;p14">
             <a:extLst>
               <a:ext uri="{FF2B5EF4-FFF2-40B4-BE49-F238E27FC236}">
-                <a16:creationId xmlns:a16="http://schemas.microsoft.com/office/drawing/2014/main" xmlns="" id="{728B4BED-4470-8B41-5F52-AEAB959AE86A}"/>
+                <a16:creationId xmlns="" xmlns:a16="http://schemas.microsoft.com/office/drawing/2014/main" id="{728B4BED-4470-8B41-5F52-AEAB959AE86A}"/>
               </a:ext>
             </a:extLst>
           </p:cNvPr>
@@ -16779,7 +16779,7 @@
           <p:cNvPr id="100" name="Google Shape;74;p14">
             <a:extLst>
               <a:ext uri="{FF2B5EF4-FFF2-40B4-BE49-F238E27FC236}">
-                <a16:creationId xmlns:a16="http://schemas.microsoft.com/office/drawing/2014/main" xmlns="" id="{2D6CB586-E89B-F20A-E516-58B36CEB1867}"/>
+                <a16:creationId xmlns="" xmlns:a16="http://schemas.microsoft.com/office/drawing/2014/main" id="{2D6CB586-E89B-F20A-E516-58B36CEB1867}"/>
               </a:ext>
             </a:extLst>
           </p:cNvPr>
@@ -16813,7 +16813,7 @@
           <p:cNvPr id="101" name="Google Shape;76;p14">
             <a:extLst>
               <a:ext uri="{FF2B5EF4-FFF2-40B4-BE49-F238E27FC236}">
-                <a16:creationId xmlns:a16="http://schemas.microsoft.com/office/drawing/2014/main" xmlns="" id="{320E54BE-9086-C596-8E30-5802E54EFB64}"/>
+                <a16:creationId xmlns="" xmlns:a16="http://schemas.microsoft.com/office/drawing/2014/main" id="{320E54BE-9086-C596-8E30-5802E54EFB64}"/>
               </a:ext>
             </a:extLst>
           </p:cNvPr>
@@ -16847,7 +16847,7 @@
           <p:cNvPr id="102" name="Google Shape;79;p14">
             <a:extLst>
               <a:ext uri="{FF2B5EF4-FFF2-40B4-BE49-F238E27FC236}">
-                <a16:creationId xmlns:a16="http://schemas.microsoft.com/office/drawing/2014/main" xmlns="" id="{2CB29429-3A6A-075E-E051-F2605E6CF72B}"/>
+                <a16:creationId xmlns="" xmlns:a16="http://schemas.microsoft.com/office/drawing/2014/main" id="{2CB29429-3A6A-075E-E051-F2605E6CF72B}"/>
               </a:ext>
             </a:extLst>
           </p:cNvPr>
@@ -16881,7 +16881,7 @@
           <p:cNvPr id="103" name="Google Shape;80;p14">
             <a:extLst>
               <a:ext uri="{FF2B5EF4-FFF2-40B4-BE49-F238E27FC236}">
-                <a16:creationId xmlns:a16="http://schemas.microsoft.com/office/drawing/2014/main" xmlns="" id="{87A8869F-6890-93EE-47C2-B6909C99470B}"/>
+                <a16:creationId xmlns="" xmlns:a16="http://schemas.microsoft.com/office/drawing/2014/main" id="{87A8869F-6890-93EE-47C2-B6909C99470B}"/>
               </a:ext>
             </a:extLst>
           </p:cNvPr>
@@ -16915,7 +16915,7 @@
           <p:cNvPr id="104" name="箭头: 五边形 103">
             <a:extLst>
               <a:ext uri="{FF2B5EF4-FFF2-40B4-BE49-F238E27FC236}">
-                <a16:creationId xmlns:a16="http://schemas.microsoft.com/office/drawing/2014/main" xmlns="" id="{FEE47AE7-C9FA-4144-87DD-8E8CA1F603A1}"/>
+                <a16:creationId xmlns="" xmlns:a16="http://schemas.microsoft.com/office/drawing/2014/main" id="{FEE47AE7-C9FA-4144-87DD-8E8CA1F603A1}"/>
               </a:ext>
             </a:extLst>
           </p:cNvPr>
@@ -16962,7 +16962,7 @@
           <p:cNvPr id="105" name="箭头: 五边形 104">
             <a:extLst>
               <a:ext uri="{FF2B5EF4-FFF2-40B4-BE49-F238E27FC236}">
-                <a16:creationId xmlns:a16="http://schemas.microsoft.com/office/drawing/2014/main" xmlns="" id="{125693EC-2137-4901-2D9F-CA02EFB6EC1C}"/>
+                <a16:creationId xmlns="" xmlns:a16="http://schemas.microsoft.com/office/drawing/2014/main" id="{125693EC-2137-4901-2D9F-CA02EFB6EC1C}"/>
               </a:ext>
             </a:extLst>
           </p:cNvPr>
@@ -17018,7 +17018,7 @@
           <p:cNvPr id="106" name="箭头: 五边形 105">
             <a:extLst>
               <a:ext uri="{FF2B5EF4-FFF2-40B4-BE49-F238E27FC236}">
-                <a16:creationId xmlns:a16="http://schemas.microsoft.com/office/drawing/2014/main" xmlns="" id="{0A75FABD-C11D-5BF2-CA28-79F84BEC2D52}"/>
+                <a16:creationId xmlns="" xmlns:a16="http://schemas.microsoft.com/office/drawing/2014/main" id="{0A75FABD-C11D-5BF2-CA28-79F84BEC2D52}"/>
               </a:ext>
             </a:extLst>
           </p:cNvPr>
@@ -17074,7 +17074,7 @@
           <p:cNvPr id="107" name="箭头: 五边形 106">
             <a:extLst>
               <a:ext uri="{FF2B5EF4-FFF2-40B4-BE49-F238E27FC236}">
-                <a16:creationId xmlns:a16="http://schemas.microsoft.com/office/drawing/2014/main" xmlns="" id="{94FFE1CA-95B6-5FB5-0E93-C32CA673CFB0}"/>
+                <a16:creationId xmlns="" xmlns:a16="http://schemas.microsoft.com/office/drawing/2014/main" id="{94FFE1CA-95B6-5FB5-0E93-C32CA673CFB0}"/>
               </a:ext>
             </a:extLst>
           </p:cNvPr>
@@ -17121,7 +17121,7 @@
           <p:cNvPr id="108" name="Google Shape;75;p14">
             <a:extLst>
               <a:ext uri="{FF2B5EF4-FFF2-40B4-BE49-F238E27FC236}">
-                <a16:creationId xmlns:a16="http://schemas.microsoft.com/office/drawing/2014/main" xmlns="" id="{C28BC135-A694-D736-05E2-392BAA6546C4}"/>
+                <a16:creationId xmlns="" xmlns:a16="http://schemas.microsoft.com/office/drawing/2014/main" id="{C28BC135-A694-D736-05E2-392BAA6546C4}"/>
               </a:ext>
             </a:extLst>
           </p:cNvPr>
@@ -17155,7 +17155,7 @@
           <p:cNvPr id="109" name="Google Shape;77;p14">
             <a:extLst>
               <a:ext uri="{FF2B5EF4-FFF2-40B4-BE49-F238E27FC236}">
-                <a16:creationId xmlns:a16="http://schemas.microsoft.com/office/drawing/2014/main" xmlns="" id="{26E64EC8-A00D-85A2-55E9-80371504FA45}"/>
+                <a16:creationId xmlns="" xmlns:a16="http://schemas.microsoft.com/office/drawing/2014/main" id="{26E64EC8-A00D-85A2-55E9-80371504FA45}"/>
               </a:ext>
             </a:extLst>
           </p:cNvPr>
@@ -17189,7 +17189,7 @@
           <p:cNvPr id="110" name="Google Shape;78;p14">
             <a:extLst>
               <a:ext uri="{FF2B5EF4-FFF2-40B4-BE49-F238E27FC236}">
-                <a16:creationId xmlns:a16="http://schemas.microsoft.com/office/drawing/2014/main" xmlns="" id="{3776E30B-813F-0863-0AAF-08F593A4A164}"/>
+                <a16:creationId xmlns="" xmlns:a16="http://schemas.microsoft.com/office/drawing/2014/main" id="{3776E30B-813F-0863-0AAF-08F593A4A164}"/>
               </a:ext>
             </a:extLst>
           </p:cNvPr>
@@ -17223,7 +17223,7 @@
           <p:cNvPr id="111" name="Google Shape;81;p14">
             <a:extLst>
               <a:ext uri="{FF2B5EF4-FFF2-40B4-BE49-F238E27FC236}">
-                <a16:creationId xmlns:a16="http://schemas.microsoft.com/office/drawing/2014/main" xmlns="" id="{4C069DC5-4186-0285-5D83-B8FFA739F050}"/>
+                <a16:creationId xmlns="" xmlns:a16="http://schemas.microsoft.com/office/drawing/2014/main" id="{4C069DC5-4186-0285-5D83-B8FFA739F050}"/>
               </a:ext>
             </a:extLst>
           </p:cNvPr>
@@ -17257,7 +17257,7 @@
           <p:cNvPr id="112" name="箭头: 五边形 111">
             <a:extLst>
               <a:ext uri="{FF2B5EF4-FFF2-40B4-BE49-F238E27FC236}">
-                <a16:creationId xmlns:a16="http://schemas.microsoft.com/office/drawing/2014/main" xmlns="" id="{7CD9D67F-B213-AAAA-9054-02755BE2146A}"/>
+                <a16:creationId xmlns="" xmlns:a16="http://schemas.microsoft.com/office/drawing/2014/main" id="{7CD9D67F-B213-AAAA-9054-02755BE2146A}"/>
               </a:ext>
             </a:extLst>
           </p:cNvPr>
@@ -17313,7 +17313,7 @@
           <p:cNvPr id="113" name="箭头: 五边形 112">
             <a:extLst>
               <a:ext uri="{FF2B5EF4-FFF2-40B4-BE49-F238E27FC236}">
-                <a16:creationId xmlns:a16="http://schemas.microsoft.com/office/drawing/2014/main" xmlns="" id="{F8AE02EB-01D9-FA19-B065-CCE211B6884B}"/>
+                <a16:creationId xmlns="" xmlns:a16="http://schemas.microsoft.com/office/drawing/2014/main" id="{F8AE02EB-01D9-FA19-B065-CCE211B6884B}"/>
               </a:ext>
             </a:extLst>
           </p:cNvPr>
@@ -17369,7 +17369,7 @@
           <p:cNvPr id="114" name="箭头: 五边形 113">
             <a:extLst>
               <a:ext uri="{FF2B5EF4-FFF2-40B4-BE49-F238E27FC236}">
-                <a16:creationId xmlns:a16="http://schemas.microsoft.com/office/drawing/2014/main" xmlns="" id="{CD3E578E-DF8A-1EA0-3438-736889E4F552}"/>
+                <a16:creationId xmlns="" xmlns:a16="http://schemas.microsoft.com/office/drawing/2014/main" id="{CD3E578E-DF8A-1EA0-3438-736889E4F552}"/>
               </a:ext>
             </a:extLst>
           </p:cNvPr>
@@ -17416,7 +17416,7 @@
           <p:cNvPr id="115" name="箭头: 五边形 114">
             <a:extLst>
               <a:ext uri="{FF2B5EF4-FFF2-40B4-BE49-F238E27FC236}">
-                <a16:creationId xmlns:a16="http://schemas.microsoft.com/office/drawing/2014/main" xmlns="" id="{F8C96D6D-C8E2-1DE1-7975-1FE461A07D04}"/>
+                <a16:creationId xmlns="" xmlns:a16="http://schemas.microsoft.com/office/drawing/2014/main" id="{F8C96D6D-C8E2-1DE1-7975-1FE461A07D04}"/>
               </a:ext>
             </a:extLst>
           </p:cNvPr>
@@ -17493,7 +17493,7 @@
           <p:cNvPr id="2" name="标题 1">
             <a:extLst>
               <a:ext uri="{FF2B5EF4-FFF2-40B4-BE49-F238E27FC236}">
-                <a16:creationId xmlns:a16="http://schemas.microsoft.com/office/drawing/2014/main" xmlns="" id="{80796E82-7314-2FBE-2DE8-DDD70D4DF27E}"/>
+                <a16:creationId xmlns="" xmlns:a16="http://schemas.microsoft.com/office/drawing/2014/main" id="{80796E82-7314-2FBE-2DE8-DDD70D4DF27E}"/>
               </a:ext>
             </a:extLst>
           </p:cNvPr>
@@ -17542,7 +17542,7 @@
           <p:cNvPr id="4" name="文本框 3">
             <a:extLst>
               <a:ext uri="{FF2B5EF4-FFF2-40B4-BE49-F238E27FC236}">
-                <a16:creationId xmlns:a16="http://schemas.microsoft.com/office/drawing/2014/main" xmlns="" id="{3E8E8225-E7B4-E598-7AEB-66BC2EF7864E}"/>
+                <a16:creationId xmlns="" xmlns:a16="http://schemas.microsoft.com/office/drawing/2014/main" id="{3E8E8225-E7B4-E598-7AEB-66BC2EF7864E}"/>
               </a:ext>
             </a:extLst>
           </p:cNvPr>
@@ -17582,7 +17582,7 @@
           <p:cNvPr id="94" name="椭圆 93">
             <a:extLst>
               <a:ext uri="{FF2B5EF4-FFF2-40B4-BE49-F238E27FC236}">
-                <a16:creationId xmlns:a16="http://schemas.microsoft.com/office/drawing/2014/main" xmlns="" id="{8BEE0963-F39F-E799-5A6C-7DB2D9695EA3}"/>
+                <a16:creationId xmlns="" xmlns:a16="http://schemas.microsoft.com/office/drawing/2014/main" id="{8BEE0963-F39F-E799-5A6C-7DB2D9695EA3}"/>
               </a:ext>
             </a:extLst>
           </p:cNvPr>
@@ -17634,7 +17634,7 @@
           <p:cNvPr id="95" name="Google Shape;73;p14">
             <a:extLst>
               <a:ext uri="{FF2B5EF4-FFF2-40B4-BE49-F238E27FC236}">
-                <a16:creationId xmlns:a16="http://schemas.microsoft.com/office/drawing/2014/main" xmlns="" id="{728B4BED-4470-8B41-5F52-AEAB959AE86A}"/>
+                <a16:creationId xmlns="" xmlns:a16="http://schemas.microsoft.com/office/drawing/2014/main" id="{728B4BED-4470-8B41-5F52-AEAB959AE86A}"/>
               </a:ext>
             </a:extLst>
           </p:cNvPr>
@@ -17668,7 +17668,7 @@
           <p:cNvPr id="23" name="椭圆 22">
             <a:extLst>
               <a:ext uri="{FF2B5EF4-FFF2-40B4-BE49-F238E27FC236}">
-                <a16:creationId xmlns:a16="http://schemas.microsoft.com/office/drawing/2014/main" xmlns="" id="{824F6C0B-F2BF-8F57-435A-24EF38F1CED2}"/>
+                <a16:creationId xmlns="" xmlns:a16="http://schemas.microsoft.com/office/drawing/2014/main" id="{824F6C0B-F2BF-8F57-435A-24EF38F1CED2}"/>
               </a:ext>
             </a:extLst>
           </p:cNvPr>
@@ -17724,7 +17724,7 @@
           <p:cNvPr id="24" name="椭圆 23">
             <a:extLst>
               <a:ext uri="{FF2B5EF4-FFF2-40B4-BE49-F238E27FC236}">
-                <a16:creationId xmlns:a16="http://schemas.microsoft.com/office/drawing/2014/main" xmlns="" id="{180D6603-04FC-C694-538B-19D759A53C63}"/>
+                <a16:creationId xmlns="" xmlns:a16="http://schemas.microsoft.com/office/drawing/2014/main" id="{180D6603-04FC-C694-538B-19D759A53C63}"/>
               </a:ext>
             </a:extLst>
           </p:cNvPr>
@@ -17784,7 +17784,7 @@
           <p:cNvPr id="100" name="Google Shape;74;p14">
             <a:extLst>
               <a:ext uri="{FF2B5EF4-FFF2-40B4-BE49-F238E27FC236}">
-                <a16:creationId xmlns:a16="http://schemas.microsoft.com/office/drawing/2014/main" xmlns="" id="{2D6CB586-E89B-F20A-E516-58B36CEB1867}"/>
+                <a16:creationId xmlns="" xmlns:a16="http://schemas.microsoft.com/office/drawing/2014/main" id="{2D6CB586-E89B-F20A-E516-58B36CEB1867}"/>
               </a:ext>
             </a:extLst>
           </p:cNvPr>
@@ -17818,7 +17818,7 @@
           <p:cNvPr id="101" name="Google Shape;76;p14">
             <a:extLst>
               <a:ext uri="{FF2B5EF4-FFF2-40B4-BE49-F238E27FC236}">
-                <a16:creationId xmlns:a16="http://schemas.microsoft.com/office/drawing/2014/main" xmlns="" id="{320E54BE-9086-C596-8E30-5802E54EFB64}"/>
+                <a16:creationId xmlns="" xmlns:a16="http://schemas.microsoft.com/office/drawing/2014/main" id="{320E54BE-9086-C596-8E30-5802E54EFB64}"/>
               </a:ext>
             </a:extLst>
           </p:cNvPr>
@@ -17852,7 +17852,7 @@
           <p:cNvPr id="102" name="Google Shape;79;p14">
             <a:extLst>
               <a:ext uri="{FF2B5EF4-FFF2-40B4-BE49-F238E27FC236}">
-                <a16:creationId xmlns:a16="http://schemas.microsoft.com/office/drawing/2014/main" xmlns="" id="{2CB29429-3A6A-075E-E051-F2605E6CF72B}"/>
+                <a16:creationId xmlns="" xmlns:a16="http://schemas.microsoft.com/office/drawing/2014/main" id="{2CB29429-3A6A-075E-E051-F2605E6CF72B}"/>
               </a:ext>
             </a:extLst>
           </p:cNvPr>
@@ -17886,7 +17886,7 @@
           <p:cNvPr id="103" name="Google Shape;80;p14">
             <a:extLst>
               <a:ext uri="{FF2B5EF4-FFF2-40B4-BE49-F238E27FC236}">
-                <a16:creationId xmlns:a16="http://schemas.microsoft.com/office/drawing/2014/main" xmlns="" id="{87A8869F-6890-93EE-47C2-B6909C99470B}"/>
+                <a16:creationId xmlns="" xmlns:a16="http://schemas.microsoft.com/office/drawing/2014/main" id="{87A8869F-6890-93EE-47C2-B6909C99470B}"/>
               </a:ext>
             </a:extLst>
           </p:cNvPr>
@@ -17920,7 +17920,7 @@
           <p:cNvPr id="104" name="箭头: 五边形 103">
             <a:extLst>
               <a:ext uri="{FF2B5EF4-FFF2-40B4-BE49-F238E27FC236}">
-                <a16:creationId xmlns:a16="http://schemas.microsoft.com/office/drawing/2014/main" xmlns="" id="{FEE47AE7-C9FA-4144-87DD-8E8CA1F603A1}"/>
+                <a16:creationId xmlns="" xmlns:a16="http://schemas.microsoft.com/office/drawing/2014/main" id="{FEE47AE7-C9FA-4144-87DD-8E8CA1F603A1}"/>
               </a:ext>
             </a:extLst>
           </p:cNvPr>
@@ -17967,7 +17967,7 @@
           <p:cNvPr id="105" name="箭头: 五边形 104">
             <a:extLst>
               <a:ext uri="{FF2B5EF4-FFF2-40B4-BE49-F238E27FC236}">
-                <a16:creationId xmlns:a16="http://schemas.microsoft.com/office/drawing/2014/main" xmlns="" id="{125693EC-2137-4901-2D9F-CA02EFB6EC1C}"/>
+                <a16:creationId xmlns="" xmlns:a16="http://schemas.microsoft.com/office/drawing/2014/main" id="{125693EC-2137-4901-2D9F-CA02EFB6EC1C}"/>
               </a:ext>
             </a:extLst>
           </p:cNvPr>
@@ -18023,7 +18023,7 @@
           <p:cNvPr id="106" name="箭头: 五边形 105">
             <a:extLst>
               <a:ext uri="{FF2B5EF4-FFF2-40B4-BE49-F238E27FC236}">
-                <a16:creationId xmlns:a16="http://schemas.microsoft.com/office/drawing/2014/main" xmlns="" id="{0A75FABD-C11D-5BF2-CA28-79F84BEC2D52}"/>
+                <a16:creationId xmlns="" xmlns:a16="http://schemas.microsoft.com/office/drawing/2014/main" id="{0A75FABD-C11D-5BF2-CA28-79F84BEC2D52}"/>
               </a:ext>
             </a:extLst>
           </p:cNvPr>
@@ -18079,7 +18079,7 @@
           <p:cNvPr id="107" name="箭头: 五边形 106">
             <a:extLst>
               <a:ext uri="{FF2B5EF4-FFF2-40B4-BE49-F238E27FC236}">
-                <a16:creationId xmlns:a16="http://schemas.microsoft.com/office/drawing/2014/main" xmlns="" id="{94FFE1CA-95B6-5FB5-0E93-C32CA673CFB0}"/>
+                <a16:creationId xmlns="" xmlns:a16="http://schemas.microsoft.com/office/drawing/2014/main" id="{94FFE1CA-95B6-5FB5-0E93-C32CA673CFB0}"/>
               </a:ext>
             </a:extLst>
           </p:cNvPr>
@@ -18126,7 +18126,7 @@
           <p:cNvPr id="108" name="Google Shape;75;p14">
             <a:extLst>
               <a:ext uri="{FF2B5EF4-FFF2-40B4-BE49-F238E27FC236}">
-                <a16:creationId xmlns:a16="http://schemas.microsoft.com/office/drawing/2014/main" xmlns="" id="{C28BC135-A694-D736-05E2-392BAA6546C4}"/>
+                <a16:creationId xmlns="" xmlns:a16="http://schemas.microsoft.com/office/drawing/2014/main" id="{C28BC135-A694-D736-05E2-392BAA6546C4}"/>
               </a:ext>
             </a:extLst>
           </p:cNvPr>
@@ -18160,7 +18160,7 @@
           <p:cNvPr id="109" name="Google Shape;77;p14">
             <a:extLst>
               <a:ext uri="{FF2B5EF4-FFF2-40B4-BE49-F238E27FC236}">
-                <a16:creationId xmlns:a16="http://schemas.microsoft.com/office/drawing/2014/main" xmlns="" id="{26E64EC8-A00D-85A2-55E9-80371504FA45}"/>
+                <a16:creationId xmlns="" xmlns:a16="http://schemas.microsoft.com/office/drawing/2014/main" id="{26E64EC8-A00D-85A2-55E9-80371504FA45}"/>
               </a:ext>
             </a:extLst>
           </p:cNvPr>
@@ -18194,7 +18194,7 @@
           <p:cNvPr id="110" name="Google Shape;78;p14">
             <a:extLst>
               <a:ext uri="{FF2B5EF4-FFF2-40B4-BE49-F238E27FC236}">
-                <a16:creationId xmlns:a16="http://schemas.microsoft.com/office/drawing/2014/main" xmlns="" id="{3776E30B-813F-0863-0AAF-08F593A4A164}"/>
+                <a16:creationId xmlns="" xmlns:a16="http://schemas.microsoft.com/office/drawing/2014/main" id="{3776E30B-813F-0863-0AAF-08F593A4A164}"/>
               </a:ext>
             </a:extLst>
           </p:cNvPr>
@@ -18228,7 +18228,7 @@
           <p:cNvPr id="111" name="Google Shape;81;p14">
             <a:extLst>
               <a:ext uri="{FF2B5EF4-FFF2-40B4-BE49-F238E27FC236}">
-                <a16:creationId xmlns:a16="http://schemas.microsoft.com/office/drawing/2014/main" xmlns="" id="{4C069DC5-4186-0285-5D83-B8FFA739F050}"/>
+                <a16:creationId xmlns="" xmlns:a16="http://schemas.microsoft.com/office/drawing/2014/main" id="{4C069DC5-4186-0285-5D83-B8FFA739F050}"/>
               </a:ext>
             </a:extLst>
           </p:cNvPr>
@@ -18262,7 +18262,7 @@
           <p:cNvPr id="112" name="箭头: 五边形 111">
             <a:extLst>
               <a:ext uri="{FF2B5EF4-FFF2-40B4-BE49-F238E27FC236}">
-                <a16:creationId xmlns:a16="http://schemas.microsoft.com/office/drawing/2014/main" xmlns="" id="{7CD9D67F-B213-AAAA-9054-02755BE2146A}"/>
+                <a16:creationId xmlns="" xmlns:a16="http://schemas.microsoft.com/office/drawing/2014/main" id="{7CD9D67F-B213-AAAA-9054-02755BE2146A}"/>
               </a:ext>
             </a:extLst>
           </p:cNvPr>
@@ -18318,7 +18318,7 @@
           <p:cNvPr id="113" name="箭头: 五边形 112">
             <a:extLst>
               <a:ext uri="{FF2B5EF4-FFF2-40B4-BE49-F238E27FC236}">
-                <a16:creationId xmlns:a16="http://schemas.microsoft.com/office/drawing/2014/main" xmlns="" id="{F8AE02EB-01D9-FA19-B065-CCE211B6884B}"/>
+                <a16:creationId xmlns="" xmlns:a16="http://schemas.microsoft.com/office/drawing/2014/main" id="{F8AE02EB-01D9-FA19-B065-CCE211B6884B}"/>
               </a:ext>
             </a:extLst>
           </p:cNvPr>
@@ -18374,7 +18374,7 @@
           <p:cNvPr id="114" name="箭头: 五边形 113">
             <a:extLst>
               <a:ext uri="{FF2B5EF4-FFF2-40B4-BE49-F238E27FC236}">
-                <a16:creationId xmlns:a16="http://schemas.microsoft.com/office/drawing/2014/main" xmlns="" id="{CD3E578E-DF8A-1EA0-3438-736889E4F552}"/>
+                <a16:creationId xmlns="" xmlns:a16="http://schemas.microsoft.com/office/drawing/2014/main" id="{CD3E578E-DF8A-1EA0-3438-736889E4F552}"/>
               </a:ext>
             </a:extLst>
           </p:cNvPr>
@@ -18421,7 +18421,7 @@
           <p:cNvPr id="115" name="箭头: 五边形 114">
             <a:extLst>
               <a:ext uri="{FF2B5EF4-FFF2-40B4-BE49-F238E27FC236}">
-                <a16:creationId xmlns:a16="http://schemas.microsoft.com/office/drawing/2014/main" xmlns="" id="{F8C96D6D-C8E2-1DE1-7975-1FE461A07D04}"/>
+                <a16:creationId xmlns="" xmlns:a16="http://schemas.microsoft.com/office/drawing/2014/main" id="{F8C96D6D-C8E2-1DE1-7975-1FE461A07D04}"/>
               </a:ext>
             </a:extLst>
           </p:cNvPr>
@@ -18508,7 +18508,7 @@
           <p:cNvPr id="2" name="标题 1">
             <a:extLst>
               <a:ext uri="{FF2B5EF4-FFF2-40B4-BE49-F238E27FC236}">
-                <a16:creationId xmlns:a16="http://schemas.microsoft.com/office/drawing/2014/main" xmlns="" id="{2A9B6C59-89F9-5390-BB77-F8DB7EF7B310}"/>
+                <a16:creationId xmlns="" xmlns:a16="http://schemas.microsoft.com/office/drawing/2014/main" id="{2A9B6C59-89F9-5390-BB77-F8DB7EF7B310}"/>
               </a:ext>
             </a:extLst>
           </p:cNvPr>
@@ -18598,7 +18598,7 @@
           <p:cNvPr id="2" name="标题 1">
             <a:extLst>
               <a:ext uri="{FF2B5EF4-FFF2-40B4-BE49-F238E27FC236}">
-                <a16:creationId xmlns:a16="http://schemas.microsoft.com/office/drawing/2014/main" xmlns="" id="{80796E82-7314-2FBE-2DE8-DDD70D4DF27E}"/>
+                <a16:creationId xmlns="" xmlns:a16="http://schemas.microsoft.com/office/drawing/2014/main" id="{80796E82-7314-2FBE-2DE8-DDD70D4DF27E}"/>
               </a:ext>
             </a:extLst>
           </p:cNvPr>
@@ -18640,7 +18640,7 @@
           <p:cNvPr id="4" name="文本框 3">
             <a:extLst>
               <a:ext uri="{FF2B5EF4-FFF2-40B4-BE49-F238E27FC236}">
-                <a16:creationId xmlns:a16="http://schemas.microsoft.com/office/drawing/2014/main" xmlns="" id="{3E8E8225-E7B4-E598-7AEB-66BC2EF7864E}"/>
+                <a16:creationId xmlns="" xmlns:a16="http://schemas.microsoft.com/office/drawing/2014/main" id="{3E8E8225-E7B4-E598-7AEB-66BC2EF7864E}"/>
               </a:ext>
             </a:extLst>
           </p:cNvPr>
@@ -18686,7 +18686,7 @@
           <p:cNvPr id="94" name="椭圆 93">
             <a:extLst>
               <a:ext uri="{FF2B5EF4-FFF2-40B4-BE49-F238E27FC236}">
-                <a16:creationId xmlns:a16="http://schemas.microsoft.com/office/drawing/2014/main" xmlns="" id="{8BEE0963-F39F-E799-5A6C-7DB2D9695EA3}"/>
+                <a16:creationId xmlns="" xmlns:a16="http://schemas.microsoft.com/office/drawing/2014/main" id="{8BEE0963-F39F-E799-5A6C-7DB2D9695EA3}"/>
               </a:ext>
             </a:extLst>
           </p:cNvPr>
@@ -18738,7 +18738,7 @@
           <p:cNvPr id="6" name="椭圆 5">
             <a:extLst>
               <a:ext uri="{FF2B5EF4-FFF2-40B4-BE49-F238E27FC236}">
-                <a16:creationId xmlns:a16="http://schemas.microsoft.com/office/drawing/2014/main" xmlns="" id="{1F3D5A18-117A-FBDB-A07B-D4E2DC2FC832}"/>
+                <a16:creationId xmlns="" xmlns:a16="http://schemas.microsoft.com/office/drawing/2014/main" id="{1F3D5A18-117A-FBDB-A07B-D4E2DC2FC832}"/>
               </a:ext>
             </a:extLst>
           </p:cNvPr>
@@ -18788,7 +18788,7 @@
           <p:cNvPr id="7" name="矩形 6">
             <a:extLst>
               <a:ext uri="{FF2B5EF4-FFF2-40B4-BE49-F238E27FC236}">
-                <a16:creationId xmlns:a16="http://schemas.microsoft.com/office/drawing/2014/main" xmlns="" id="{1DB7B11B-A7F7-8894-4BAF-68DD060767B3}"/>
+                <a16:creationId xmlns="" xmlns:a16="http://schemas.microsoft.com/office/drawing/2014/main" id="{1DB7B11B-A7F7-8894-4BAF-68DD060767B3}"/>
               </a:ext>
             </a:extLst>
           </p:cNvPr>
@@ -18838,7 +18838,7 @@
           <p:cNvPr id="16" name="矩形 15">
             <a:extLst>
               <a:ext uri="{FF2B5EF4-FFF2-40B4-BE49-F238E27FC236}">
-                <a16:creationId xmlns:a16="http://schemas.microsoft.com/office/drawing/2014/main" xmlns="" id="{5E103417-33D7-7A1E-5135-FE392A9238A1}"/>
+                <a16:creationId xmlns="" xmlns:a16="http://schemas.microsoft.com/office/drawing/2014/main" id="{5E103417-33D7-7A1E-5135-FE392A9238A1}"/>
               </a:ext>
             </a:extLst>
           </p:cNvPr>
@@ -18888,7 +18888,7 @@
           <p:cNvPr id="36" name="Google Shape;74;p14">
             <a:extLst>
               <a:ext uri="{FF2B5EF4-FFF2-40B4-BE49-F238E27FC236}">
-                <a16:creationId xmlns:a16="http://schemas.microsoft.com/office/drawing/2014/main" xmlns="" id="{2E2745A7-5382-D682-E846-353E49F51CE1}"/>
+                <a16:creationId xmlns="" xmlns:a16="http://schemas.microsoft.com/office/drawing/2014/main" id="{2E2745A7-5382-D682-E846-353E49F51CE1}"/>
               </a:ext>
             </a:extLst>
           </p:cNvPr>
@@ -18922,7 +18922,7 @@
           <p:cNvPr id="37" name="Google Shape;75;p14">
             <a:extLst>
               <a:ext uri="{FF2B5EF4-FFF2-40B4-BE49-F238E27FC236}">
-                <a16:creationId xmlns:a16="http://schemas.microsoft.com/office/drawing/2014/main" xmlns="" id="{E3E4915D-2F12-168B-349B-24CDEEB0083B}"/>
+                <a16:creationId xmlns="" xmlns:a16="http://schemas.microsoft.com/office/drawing/2014/main" id="{E3E4915D-2F12-168B-349B-24CDEEB0083B}"/>
               </a:ext>
             </a:extLst>
           </p:cNvPr>
@@ -18956,7 +18956,7 @@
           <p:cNvPr id="40" name="Google Shape;76;p14">
             <a:extLst>
               <a:ext uri="{FF2B5EF4-FFF2-40B4-BE49-F238E27FC236}">
-                <a16:creationId xmlns:a16="http://schemas.microsoft.com/office/drawing/2014/main" xmlns="" id="{1ECE9B11-635C-881C-CE5B-089C627E4372}"/>
+                <a16:creationId xmlns="" xmlns:a16="http://schemas.microsoft.com/office/drawing/2014/main" id="{1ECE9B11-635C-881C-CE5B-089C627E4372}"/>
               </a:ext>
             </a:extLst>
           </p:cNvPr>
@@ -18990,7 +18990,7 @@
           <p:cNvPr id="41" name="Google Shape;77;p14">
             <a:extLst>
               <a:ext uri="{FF2B5EF4-FFF2-40B4-BE49-F238E27FC236}">
-                <a16:creationId xmlns:a16="http://schemas.microsoft.com/office/drawing/2014/main" xmlns="" id="{B873D65F-C642-5A74-03EE-002969DF1388}"/>
+                <a16:creationId xmlns="" xmlns:a16="http://schemas.microsoft.com/office/drawing/2014/main" id="{B873D65F-C642-5A74-03EE-002969DF1388}"/>
               </a:ext>
             </a:extLst>
           </p:cNvPr>
@@ -19024,7 +19024,7 @@
           <p:cNvPr id="42" name="Google Shape;78;p14">
             <a:extLst>
               <a:ext uri="{FF2B5EF4-FFF2-40B4-BE49-F238E27FC236}">
-                <a16:creationId xmlns:a16="http://schemas.microsoft.com/office/drawing/2014/main" xmlns="" id="{971876C7-5053-73D0-155A-9D17633A0F55}"/>
+                <a16:creationId xmlns="" xmlns:a16="http://schemas.microsoft.com/office/drawing/2014/main" id="{971876C7-5053-73D0-155A-9D17633A0F55}"/>
               </a:ext>
             </a:extLst>
           </p:cNvPr>
@@ -19058,7 +19058,7 @@
           <p:cNvPr id="43" name="Google Shape;79;p14">
             <a:extLst>
               <a:ext uri="{FF2B5EF4-FFF2-40B4-BE49-F238E27FC236}">
-                <a16:creationId xmlns:a16="http://schemas.microsoft.com/office/drawing/2014/main" xmlns="" id="{D908096A-7B93-6872-9227-68EFA46E5FEC}"/>
+                <a16:creationId xmlns="" xmlns:a16="http://schemas.microsoft.com/office/drawing/2014/main" id="{D908096A-7B93-6872-9227-68EFA46E5FEC}"/>
               </a:ext>
             </a:extLst>
           </p:cNvPr>
@@ -19092,7 +19092,7 @@
           <p:cNvPr id="44" name="Google Shape;80;p14">
             <a:extLst>
               <a:ext uri="{FF2B5EF4-FFF2-40B4-BE49-F238E27FC236}">
-                <a16:creationId xmlns:a16="http://schemas.microsoft.com/office/drawing/2014/main" xmlns="" id="{5707B8C5-A5A8-44EF-7EA1-212D60CE4405}"/>
+                <a16:creationId xmlns="" xmlns:a16="http://schemas.microsoft.com/office/drawing/2014/main" id="{5707B8C5-A5A8-44EF-7EA1-212D60CE4405}"/>
               </a:ext>
             </a:extLst>
           </p:cNvPr>
@@ -19126,7 +19126,7 @@
           <p:cNvPr id="45" name="Google Shape;81;p14">
             <a:extLst>
               <a:ext uri="{FF2B5EF4-FFF2-40B4-BE49-F238E27FC236}">
-                <a16:creationId xmlns:a16="http://schemas.microsoft.com/office/drawing/2014/main" xmlns="" id="{258DAE7F-F09C-A31E-1F00-ADABD392EAF6}"/>
+                <a16:creationId xmlns="" xmlns:a16="http://schemas.microsoft.com/office/drawing/2014/main" id="{258DAE7F-F09C-A31E-1F00-ADABD392EAF6}"/>
               </a:ext>
             </a:extLst>
           </p:cNvPr>
@@ -19160,7 +19160,7 @@
           <p:cNvPr id="46" name="Google Shape;73;p14">
             <a:extLst>
               <a:ext uri="{FF2B5EF4-FFF2-40B4-BE49-F238E27FC236}">
-                <a16:creationId xmlns:a16="http://schemas.microsoft.com/office/drawing/2014/main" xmlns="" id="{C9BC361F-6BE4-6B47-4157-518F4E8B91B7}"/>
+                <a16:creationId xmlns="" xmlns:a16="http://schemas.microsoft.com/office/drawing/2014/main" id="{C9BC361F-6BE4-6B47-4157-518F4E8B91B7}"/>
               </a:ext>
             </a:extLst>
           </p:cNvPr>
@@ -19194,7 +19194,7 @@
           <p:cNvPr id="47" name="Google Shape;100;p14">
             <a:extLst>
               <a:ext uri="{FF2B5EF4-FFF2-40B4-BE49-F238E27FC236}">
-                <a16:creationId xmlns:a16="http://schemas.microsoft.com/office/drawing/2014/main" xmlns="" id="{FECEA0B3-9605-E3C1-399E-D5B289255275}"/>
+                <a16:creationId xmlns="" xmlns:a16="http://schemas.microsoft.com/office/drawing/2014/main" id="{FECEA0B3-9605-E3C1-399E-D5B289255275}"/>
               </a:ext>
             </a:extLst>
           </p:cNvPr>
@@ -19239,7 +19239,7 @@
           <p:cNvPr id="9" name="箭头: V 形 8">
             <a:extLst>
               <a:ext uri="{FF2B5EF4-FFF2-40B4-BE49-F238E27FC236}">
-                <a16:creationId xmlns:a16="http://schemas.microsoft.com/office/drawing/2014/main" xmlns="" id="{FD24A7BB-FA4E-991F-5929-18EE9CB4A9D9}"/>
+                <a16:creationId xmlns="" xmlns:a16="http://schemas.microsoft.com/office/drawing/2014/main" id="{FD24A7BB-FA4E-991F-5929-18EE9CB4A9D9}"/>
               </a:ext>
             </a:extLst>
           </p:cNvPr>
@@ -19287,7 +19287,7 @@
           <p:cNvPr id="18" name="箭头: V 形 17">
             <a:extLst>
               <a:ext uri="{FF2B5EF4-FFF2-40B4-BE49-F238E27FC236}">
-                <a16:creationId xmlns:a16="http://schemas.microsoft.com/office/drawing/2014/main" xmlns="" id="{8C372B4E-E0EB-3587-D05B-984150483764}"/>
+                <a16:creationId xmlns="" xmlns:a16="http://schemas.microsoft.com/office/drawing/2014/main" id="{8C372B4E-E0EB-3587-D05B-984150483764}"/>
               </a:ext>
             </a:extLst>
           </p:cNvPr>
@@ -19335,7 +19335,7 @@
           <p:cNvPr id="19" name="箭头: V 形 18">
             <a:extLst>
               <a:ext uri="{FF2B5EF4-FFF2-40B4-BE49-F238E27FC236}">
-                <a16:creationId xmlns:a16="http://schemas.microsoft.com/office/drawing/2014/main" xmlns="" id="{857EDEF0-9103-CEE8-DA27-765C3E2D1CF2}"/>
+                <a16:creationId xmlns="" xmlns:a16="http://schemas.microsoft.com/office/drawing/2014/main" id="{857EDEF0-9103-CEE8-DA27-765C3E2D1CF2}"/>
               </a:ext>
             </a:extLst>
           </p:cNvPr>
@@ -19383,7 +19383,7 @@
           <p:cNvPr id="20" name="箭头: V 形 19">
             <a:extLst>
               <a:ext uri="{FF2B5EF4-FFF2-40B4-BE49-F238E27FC236}">
-                <a16:creationId xmlns:a16="http://schemas.microsoft.com/office/drawing/2014/main" xmlns="" id="{42C49E84-E67A-1BB3-2501-0FDDEF0E34DA}"/>
+                <a16:creationId xmlns="" xmlns:a16="http://schemas.microsoft.com/office/drawing/2014/main" id="{42C49E84-E67A-1BB3-2501-0FDDEF0E34DA}"/>
               </a:ext>
             </a:extLst>
           </p:cNvPr>
@@ -19431,7 +19431,7 @@
           <p:cNvPr id="21" name="箭头: V 形 20">
             <a:extLst>
               <a:ext uri="{FF2B5EF4-FFF2-40B4-BE49-F238E27FC236}">
-                <a16:creationId xmlns:a16="http://schemas.microsoft.com/office/drawing/2014/main" xmlns="" id="{BC353627-9371-244D-7367-7A27EC648508}"/>
+                <a16:creationId xmlns="" xmlns:a16="http://schemas.microsoft.com/office/drawing/2014/main" id="{BC353627-9371-244D-7367-7A27EC648508}"/>
               </a:ext>
             </a:extLst>
           </p:cNvPr>
@@ -19479,7 +19479,7 @@
           <p:cNvPr id="22" name="箭头: V 形 21">
             <a:extLst>
               <a:ext uri="{FF2B5EF4-FFF2-40B4-BE49-F238E27FC236}">
-                <a16:creationId xmlns:a16="http://schemas.microsoft.com/office/drawing/2014/main" xmlns="" id="{41D7DFA2-1682-8959-1196-12E3B7C49765}"/>
+                <a16:creationId xmlns="" xmlns:a16="http://schemas.microsoft.com/office/drawing/2014/main" id="{41D7DFA2-1682-8959-1196-12E3B7C49765}"/>
               </a:ext>
             </a:extLst>
           </p:cNvPr>
@@ -19527,7 +19527,7 @@
           <p:cNvPr id="23" name="箭头: V 形 22">
             <a:extLst>
               <a:ext uri="{FF2B5EF4-FFF2-40B4-BE49-F238E27FC236}">
-                <a16:creationId xmlns:a16="http://schemas.microsoft.com/office/drawing/2014/main" xmlns="" id="{3E6B5B9D-8A94-166B-F4E4-0C03AFDA72FF}"/>
+                <a16:creationId xmlns="" xmlns:a16="http://schemas.microsoft.com/office/drawing/2014/main" id="{3E6B5B9D-8A94-166B-F4E4-0C03AFDA72FF}"/>
               </a:ext>
             </a:extLst>
           </p:cNvPr>
@@ -19575,7 +19575,7 @@
           <p:cNvPr id="24" name="箭头: V 形 23">
             <a:extLst>
               <a:ext uri="{FF2B5EF4-FFF2-40B4-BE49-F238E27FC236}">
-                <a16:creationId xmlns:a16="http://schemas.microsoft.com/office/drawing/2014/main" xmlns="" id="{58C2A296-BAAF-AA9E-2CEA-ABDFA8710114}"/>
+                <a16:creationId xmlns="" xmlns:a16="http://schemas.microsoft.com/office/drawing/2014/main" id="{58C2A296-BAAF-AA9E-2CEA-ABDFA8710114}"/>
               </a:ext>
             </a:extLst>
           </p:cNvPr>
@@ -19623,7 +19623,7 @@
           <p:cNvPr id="28" name="箭头: V 形 27">
             <a:extLst>
               <a:ext uri="{FF2B5EF4-FFF2-40B4-BE49-F238E27FC236}">
-                <a16:creationId xmlns:a16="http://schemas.microsoft.com/office/drawing/2014/main" xmlns="" id="{A543D7BC-1C9B-6A49-EC09-098BA7C87EA3}"/>
+                <a16:creationId xmlns="" xmlns:a16="http://schemas.microsoft.com/office/drawing/2014/main" id="{A543D7BC-1C9B-6A49-EC09-098BA7C87EA3}"/>
               </a:ext>
             </a:extLst>
           </p:cNvPr>
@@ -19671,7 +19671,7 @@
           <p:cNvPr id="29" name="箭头: V 形 28">
             <a:extLst>
               <a:ext uri="{FF2B5EF4-FFF2-40B4-BE49-F238E27FC236}">
-                <a16:creationId xmlns:a16="http://schemas.microsoft.com/office/drawing/2014/main" xmlns="" id="{D2AF5DF2-587F-46EB-F970-D8CFB9255024}"/>
+                <a16:creationId xmlns="" xmlns:a16="http://schemas.microsoft.com/office/drawing/2014/main" id="{D2AF5DF2-587F-46EB-F970-D8CFB9255024}"/>
               </a:ext>
             </a:extLst>
           </p:cNvPr>
@@ -19719,7 +19719,7 @@
           <p:cNvPr id="30" name="箭头: V 形 29">
             <a:extLst>
               <a:ext uri="{FF2B5EF4-FFF2-40B4-BE49-F238E27FC236}">
-                <a16:creationId xmlns:a16="http://schemas.microsoft.com/office/drawing/2014/main" xmlns="" id="{9419548B-7308-2803-27AC-502B1EDA4B21}"/>
+                <a16:creationId xmlns="" xmlns:a16="http://schemas.microsoft.com/office/drawing/2014/main" id="{9419548B-7308-2803-27AC-502B1EDA4B21}"/>
               </a:ext>
             </a:extLst>
           </p:cNvPr>
@@ -19767,7 +19767,7 @@
           <p:cNvPr id="31" name="箭头: V 形 30">
             <a:extLst>
               <a:ext uri="{FF2B5EF4-FFF2-40B4-BE49-F238E27FC236}">
-                <a16:creationId xmlns:a16="http://schemas.microsoft.com/office/drawing/2014/main" xmlns="" id="{5EA4D2E4-024B-6111-B464-CCAED25B06D2}"/>
+                <a16:creationId xmlns="" xmlns:a16="http://schemas.microsoft.com/office/drawing/2014/main" id="{5EA4D2E4-024B-6111-B464-CCAED25B06D2}"/>
               </a:ext>
             </a:extLst>
           </p:cNvPr>
@@ -19815,7 +19815,7 @@
           <p:cNvPr id="32" name="箭头: V 形 31">
             <a:extLst>
               <a:ext uri="{FF2B5EF4-FFF2-40B4-BE49-F238E27FC236}">
-                <a16:creationId xmlns:a16="http://schemas.microsoft.com/office/drawing/2014/main" xmlns="" id="{179930E0-6F7E-CCEA-3004-B6A577E77445}"/>
+                <a16:creationId xmlns="" xmlns:a16="http://schemas.microsoft.com/office/drawing/2014/main" id="{179930E0-6F7E-CCEA-3004-B6A577E77445}"/>
               </a:ext>
             </a:extLst>
           </p:cNvPr>
@@ -19863,7 +19863,7 @@
           <p:cNvPr id="33" name="箭头: V 形 32">
             <a:extLst>
               <a:ext uri="{FF2B5EF4-FFF2-40B4-BE49-F238E27FC236}">
-                <a16:creationId xmlns:a16="http://schemas.microsoft.com/office/drawing/2014/main" xmlns="" id="{BCFED254-F97D-29DC-0AF7-9A71396E1D9B}"/>
+                <a16:creationId xmlns="" xmlns:a16="http://schemas.microsoft.com/office/drawing/2014/main" id="{BCFED254-F97D-29DC-0AF7-9A71396E1D9B}"/>
               </a:ext>
             </a:extLst>
           </p:cNvPr>
@@ -19911,7 +19911,7 @@
           <p:cNvPr id="34" name="箭头: V 形 33">
             <a:extLst>
               <a:ext uri="{FF2B5EF4-FFF2-40B4-BE49-F238E27FC236}">
-                <a16:creationId xmlns:a16="http://schemas.microsoft.com/office/drawing/2014/main" xmlns="" id="{ADBFB33B-4138-0F9E-231F-DA43D8BCC91E}"/>
+                <a16:creationId xmlns="" xmlns:a16="http://schemas.microsoft.com/office/drawing/2014/main" id="{ADBFB33B-4138-0F9E-231F-DA43D8BCC91E}"/>
               </a:ext>
             </a:extLst>
           </p:cNvPr>
@@ -19959,7 +19959,7 @@
           <p:cNvPr id="35" name="箭头: V 形 34">
             <a:extLst>
               <a:ext uri="{FF2B5EF4-FFF2-40B4-BE49-F238E27FC236}">
-                <a16:creationId xmlns:a16="http://schemas.microsoft.com/office/drawing/2014/main" xmlns="" id="{E92C13C8-1702-EA52-0B0B-3C4AD4D4D38B}"/>
+                <a16:creationId xmlns="" xmlns:a16="http://schemas.microsoft.com/office/drawing/2014/main" id="{E92C13C8-1702-EA52-0B0B-3C4AD4D4D38B}"/>
               </a:ext>
             </a:extLst>
           </p:cNvPr>
@@ -20037,7 +20037,7 @@
           <p:cNvPr id="2" name="标题 1">
             <a:extLst>
               <a:ext uri="{FF2B5EF4-FFF2-40B4-BE49-F238E27FC236}">
-                <a16:creationId xmlns:a16="http://schemas.microsoft.com/office/drawing/2014/main" xmlns="" id="{80796E82-7314-2FBE-2DE8-DDD70D4DF27E}"/>
+                <a16:creationId xmlns="" xmlns:a16="http://schemas.microsoft.com/office/drawing/2014/main" id="{80796E82-7314-2FBE-2DE8-DDD70D4DF27E}"/>
               </a:ext>
             </a:extLst>
           </p:cNvPr>
@@ -20086,7 +20086,7 @@
           <p:cNvPr id="4" name="文本框 3">
             <a:extLst>
               <a:ext uri="{FF2B5EF4-FFF2-40B4-BE49-F238E27FC236}">
-                <a16:creationId xmlns:a16="http://schemas.microsoft.com/office/drawing/2014/main" xmlns="" id="{3E8E8225-E7B4-E598-7AEB-66BC2EF7864E}"/>
+                <a16:creationId xmlns="" xmlns:a16="http://schemas.microsoft.com/office/drawing/2014/main" id="{3E8E8225-E7B4-E598-7AEB-66BC2EF7864E}"/>
               </a:ext>
             </a:extLst>
           </p:cNvPr>
@@ -20132,7 +20132,7 @@
           <p:cNvPr id="94" name="椭圆 93">
             <a:extLst>
               <a:ext uri="{FF2B5EF4-FFF2-40B4-BE49-F238E27FC236}">
-                <a16:creationId xmlns:a16="http://schemas.microsoft.com/office/drawing/2014/main" xmlns="" id="{8BEE0963-F39F-E799-5A6C-7DB2D9695EA3}"/>
+                <a16:creationId xmlns="" xmlns:a16="http://schemas.microsoft.com/office/drawing/2014/main" id="{8BEE0963-F39F-E799-5A6C-7DB2D9695EA3}"/>
               </a:ext>
             </a:extLst>
           </p:cNvPr>
@@ -20184,7 +20184,7 @@
           <p:cNvPr id="6" name="椭圆 5">
             <a:extLst>
               <a:ext uri="{FF2B5EF4-FFF2-40B4-BE49-F238E27FC236}">
-                <a16:creationId xmlns:a16="http://schemas.microsoft.com/office/drawing/2014/main" xmlns="" id="{1F3D5A18-117A-FBDB-A07B-D4E2DC2FC832}"/>
+                <a16:creationId xmlns="" xmlns:a16="http://schemas.microsoft.com/office/drawing/2014/main" id="{1F3D5A18-117A-FBDB-A07B-D4E2DC2FC832}"/>
               </a:ext>
             </a:extLst>
           </p:cNvPr>
@@ -20234,7 +20234,7 @@
           <p:cNvPr id="7" name="矩形 6">
             <a:extLst>
               <a:ext uri="{FF2B5EF4-FFF2-40B4-BE49-F238E27FC236}">
-                <a16:creationId xmlns:a16="http://schemas.microsoft.com/office/drawing/2014/main" xmlns="" id="{1DB7B11B-A7F7-8894-4BAF-68DD060767B3}"/>
+                <a16:creationId xmlns="" xmlns:a16="http://schemas.microsoft.com/office/drawing/2014/main" id="{1DB7B11B-A7F7-8894-4BAF-68DD060767B3}"/>
               </a:ext>
             </a:extLst>
           </p:cNvPr>
@@ -20284,7 +20284,7 @@
           <p:cNvPr id="16" name="矩形 15">
             <a:extLst>
               <a:ext uri="{FF2B5EF4-FFF2-40B4-BE49-F238E27FC236}">
-                <a16:creationId xmlns:a16="http://schemas.microsoft.com/office/drawing/2014/main" xmlns="" id="{5E103417-33D7-7A1E-5135-FE392A9238A1}"/>
+                <a16:creationId xmlns="" xmlns:a16="http://schemas.microsoft.com/office/drawing/2014/main" id="{5E103417-33D7-7A1E-5135-FE392A9238A1}"/>
               </a:ext>
             </a:extLst>
           </p:cNvPr>
@@ -20334,7 +20334,7 @@
           <p:cNvPr id="36" name="Google Shape;74;p14">
             <a:extLst>
               <a:ext uri="{FF2B5EF4-FFF2-40B4-BE49-F238E27FC236}">
-                <a16:creationId xmlns:a16="http://schemas.microsoft.com/office/drawing/2014/main" xmlns="" id="{2E2745A7-5382-D682-E846-353E49F51CE1}"/>
+                <a16:creationId xmlns="" xmlns:a16="http://schemas.microsoft.com/office/drawing/2014/main" id="{2E2745A7-5382-D682-E846-353E49F51CE1}"/>
               </a:ext>
             </a:extLst>
           </p:cNvPr>
@@ -20368,7 +20368,7 @@
           <p:cNvPr id="37" name="Google Shape;75;p14">
             <a:extLst>
               <a:ext uri="{FF2B5EF4-FFF2-40B4-BE49-F238E27FC236}">
-                <a16:creationId xmlns:a16="http://schemas.microsoft.com/office/drawing/2014/main" xmlns="" id="{E3E4915D-2F12-168B-349B-24CDEEB0083B}"/>
+                <a16:creationId xmlns="" xmlns:a16="http://schemas.microsoft.com/office/drawing/2014/main" id="{E3E4915D-2F12-168B-349B-24CDEEB0083B}"/>
               </a:ext>
             </a:extLst>
           </p:cNvPr>
@@ -20402,7 +20402,7 @@
           <p:cNvPr id="40" name="Google Shape;76;p14">
             <a:extLst>
               <a:ext uri="{FF2B5EF4-FFF2-40B4-BE49-F238E27FC236}">
-                <a16:creationId xmlns:a16="http://schemas.microsoft.com/office/drawing/2014/main" xmlns="" id="{1ECE9B11-635C-881C-CE5B-089C627E4372}"/>
+                <a16:creationId xmlns="" xmlns:a16="http://schemas.microsoft.com/office/drawing/2014/main" id="{1ECE9B11-635C-881C-CE5B-089C627E4372}"/>
               </a:ext>
             </a:extLst>
           </p:cNvPr>
@@ -20436,7 +20436,7 @@
           <p:cNvPr id="41" name="Google Shape;77;p14">
             <a:extLst>
               <a:ext uri="{FF2B5EF4-FFF2-40B4-BE49-F238E27FC236}">
-                <a16:creationId xmlns:a16="http://schemas.microsoft.com/office/drawing/2014/main" xmlns="" id="{B873D65F-C642-5A74-03EE-002969DF1388}"/>
+                <a16:creationId xmlns="" xmlns:a16="http://schemas.microsoft.com/office/drawing/2014/main" id="{B873D65F-C642-5A74-03EE-002969DF1388}"/>
               </a:ext>
             </a:extLst>
           </p:cNvPr>
@@ -20470,7 +20470,7 @@
           <p:cNvPr id="42" name="Google Shape;78;p14">
             <a:extLst>
               <a:ext uri="{FF2B5EF4-FFF2-40B4-BE49-F238E27FC236}">
-                <a16:creationId xmlns:a16="http://schemas.microsoft.com/office/drawing/2014/main" xmlns="" id="{971876C7-5053-73D0-155A-9D17633A0F55}"/>
+                <a16:creationId xmlns="" xmlns:a16="http://schemas.microsoft.com/office/drawing/2014/main" id="{971876C7-5053-73D0-155A-9D17633A0F55}"/>
               </a:ext>
             </a:extLst>
           </p:cNvPr>
@@ -20504,7 +20504,7 @@
           <p:cNvPr id="43" name="Google Shape;79;p14">
             <a:extLst>
               <a:ext uri="{FF2B5EF4-FFF2-40B4-BE49-F238E27FC236}">
-                <a16:creationId xmlns:a16="http://schemas.microsoft.com/office/drawing/2014/main" xmlns="" id="{D908096A-7B93-6872-9227-68EFA46E5FEC}"/>
+                <a16:creationId xmlns="" xmlns:a16="http://schemas.microsoft.com/office/drawing/2014/main" id="{D908096A-7B93-6872-9227-68EFA46E5FEC}"/>
               </a:ext>
             </a:extLst>
           </p:cNvPr>
@@ -20538,7 +20538,7 @@
           <p:cNvPr id="44" name="Google Shape;80;p14">
             <a:extLst>
               <a:ext uri="{FF2B5EF4-FFF2-40B4-BE49-F238E27FC236}">
-                <a16:creationId xmlns:a16="http://schemas.microsoft.com/office/drawing/2014/main" xmlns="" id="{5707B8C5-A5A8-44EF-7EA1-212D60CE4405}"/>
+                <a16:creationId xmlns="" xmlns:a16="http://schemas.microsoft.com/office/drawing/2014/main" id="{5707B8C5-A5A8-44EF-7EA1-212D60CE4405}"/>
               </a:ext>
             </a:extLst>
           </p:cNvPr>
@@ -20572,7 +20572,7 @@
           <p:cNvPr id="45" name="Google Shape;81;p14">
             <a:extLst>
               <a:ext uri="{FF2B5EF4-FFF2-40B4-BE49-F238E27FC236}">
-                <a16:creationId xmlns:a16="http://schemas.microsoft.com/office/drawing/2014/main" xmlns="" id="{258DAE7F-F09C-A31E-1F00-ADABD392EAF6}"/>
+                <a16:creationId xmlns="" xmlns:a16="http://schemas.microsoft.com/office/drawing/2014/main" id="{258DAE7F-F09C-A31E-1F00-ADABD392EAF6}"/>
               </a:ext>
             </a:extLst>
           </p:cNvPr>
@@ -20606,7 +20606,7 @@
           <p:cNvPr id="38" name="Google Shape;73;p14">
             <a:extLst>
               <a:ext uri="{FF2B5EF4-FFF2-40B4-BE49-F238E27FC236}">
-                <a16:creationId xmlns:a16="http://schemas.microsoft.com/office/drawing/2014/main" xmlns="" id="{E0001BAF-FACE-D307-1D07-8A20E39EEA01}"/>
+                <a16:creationId xmlns="" xmlns:a16="http://schemas.microsoft.com/office/drawing/2014/main" id="{E0001BAF-FACE-D307-1D07-8A20E39EEA01}"/>
               </a:ext>
             </a:extLst>
           </p:cNvPr>
@@ -20640,7 +20640,7 @@
           <p:cNvPr id="39" name="Google Shape;100;p14">
             <a:extLst>
               <a:ext uri="{FF2B5EF4-FFF2-40B4-BE49-F238E27FC236}">
-                <a16:creationId xmlns:a16="http://schemas.microsoft.com/office/drawing/2014/main" xmlns="" id="{C645A3CD-E123-0AD2-7C08-708809D6E638}"/>
+                <a16:creationId xmlns="" xmlns:a16="http://schemas.microsoft.com/office/drawing/2014/main" id="{C645A3CD-E123-0AD2-7C08-708809D6E638}"/>
               </a:ext>
             </a:extLst>
           </p:cNvPr>
@@ -20685,7 +20685,7 @@
           <p:cNvPr id="3" name="等腰三角形 2">
             <a:extLst>
               <a:ext uri="{FF2B5EF4-FFF2-40B4-BE49-F238E27FC236}">
-                <a16:creationId xmlns:a16="http://schemas.microsoft.com/office/drawing/2014/main" xmlns="" id="{3958D119-CD60-7C80-CFD3-372C4AD8F295}"/>
+                <a16:creationId xmlns="" xmlns:a16="http://schemas.microsoft.com/office/drawing/2014/main" id="{3958D119-CD60-7C80-CFD3-372C4AD8F295}"/>
               </a:ext>
             </a:extLst>
           </p:cNvPr>
@@ -20734,7 +20734,7 @@
           <p:cNvPr id="46" name="等腰三角形 45">
             <a:extLst>
               <a:ext uri="{FF2B5EF4-FFF2-40B4-BE49-F238E27FC236}">
-                <a16:creationId xmlns:a16="http://schemas.microsoft.com/office/drawing/2014/main" xmlns="" id="{5C14F302-8A69-86B2-A50F-83427D1040CD}"/>
+                <a16:creationId xmlns="" xmlns:a16="http://schemas.microsoft.com/office/drawing/2014/main" id="{5C14F302-8A69-86B2-A50F-83427D1040CD}"/>
               </a:ext>
             </a:extLst>
           </p:cNvPr>
@@ -20783,7 +20783,7 @@
           <p:cNvPr id="47" name="等腰三角形 46">
             <a:extLst>
               <a:ext uri="{FF2B5EF4-FFF2-40B4-BE49-F238E27FC236}">
-                <a16:creationId xmlns:a16="http://schemas.microsoft.com/office/drawing/2014/main" xmlns="" id="{44104A55-FCFB-B777-5E13-988287C28FD2}"/>
+                <a16:creationId xmlns="" xmlns:a16="http://schemas.microsoft.com/office/drawing/2014/main" id="{44104A55-FCFB-B777-5E13-988287C28FD2}"/>
               </a:ext>
             </a:extLst>
           </p:cNvPr>
@@ -20832,7 +20832,7 @@
           <p:cNvPr id="48" name="等腰三角形 47">
             <a:extLst>
               <a:ext uri="{FF2B5EF4-FFF2-40B4-BE49-F238E27FC236}">
-                <a16:creationId xmlns:a16="http://schemas.microsoft.com/office/drawing/2014/main" xmlns="" id="{4E345FD8-5C2C-0616-0CF7-1418D66B0ABC}"/>
+                <a16:creationId xmlns="" xmlns:a16="http://schemas.microsoft.com/office/drawing/2014/main" id="{4E345FD8-5C2C-0616-0CF7-1418D66B0ABC}"/>
               </a:ext>
             </a:extLst>
           </p:cNvPr>
@@ -20881,7 +20881,7 @@
           <p:cNvPr id="49" name="等腰三角形 48">
             <a:extLst>
               <a:ext uri="{FF2B5EF4-FFF2-40B4-BE49-F238E27FC236}">
-                <a16:creationId xmlns:a16="http://schemas.microsoft.com/office/drawing/2014/main" xmlns="" id="{71BB4B96-7AF4-C164-AEA3-FEA62D216D12}"/>
+                <a16:creationId xmlns="" xmlns:a16="http://schemas.microsoft.com/office/drawing/2014/main" id="{71BB4B96-7AF4-C164-AEA3-FEA62D216D12}"/>
               </a:ext>
             </a:extLst>
           </p:cNvPr>
@@ -20930,7 +20930,7 @@
           <p:cNvPr id="50" name="等腰三角形 49">
             <a:extLst>
               <a:ext uri="{FF2B5EF4-FFF2-40B4-BE49-F238E27FC236}">
-                <a16:creationId xmlns:a16="http://schemas.microsoft.com/office/drawing/2014/main" xmlns="" id="{5190B8C1-0472-40DA-6E3E-8642A3B77B20}"/>
+                <a16:creationId xmlns="" xmlns:a16="http://schemas.microsoft.com/office/drawing/2014/main" id="{5190B8C1-0472-40DA-6E3E-8642A3B77B20}"/>
               </a:ext>
             </a:extLst>
           </p:cNvPr>
@@ -20979,7 +20979,7 @@
           <p:cNvPr id="51" name="等腰三角形 50">
             <a:extLst>
               <a:ext uri="{FF2B5EF4-FFF2-40B4-BE49-F238E27FC236}">
-                <a16:creationId xmlns:a16="http://schemas.microsoft.com/office/drawing/2014/main" xmlns="" id="{89F4727C-D5F0-4B4A-364B-C53427EB4EF4}"/>
+                <a16:creationId xmlns="" xmlns:a16="http://schemas.microsoft.com/office/drawing/2014/main" id="{89F4727C-D5F0-4B4A-364B-C53427EB4EF4}"/>
               </a:ext>
             </a:extLst>
           </p:cNvPr>
@@ -21028,7 +21028,7 @@
           <p:cNvPr id="52" name="等腰三角形 51">
             <a:extLst>
               <a:ext uri="{FF2B5EF4-FFF2-40B4-BE49-F238E27FC236}">
-                <a16:creationId xmlns:a16="http://schemas.microsoft.com/office/drawing/2014/main" xmlns="" id="{05BC28BD-C926-BEBE-1136-5FB5EE25CFB8}"/>
+                <a16:creationId xmlns="" xmlns:a16="http://schemas.microsoft.com/office/drawing/2014/main" id="{05BC28BD-C926-BEBE-1136-5FB5EE25CFB8}"/>
               </a:ext>
             </a:extLst>
           </p:cNvPr>
@@ -21117,7 +21117,7 @@
           <p:cNvPr id="2" name="标题 1">
             <a:extLst>
               <a:ext uri="{FF2B5EF4-FFF2-40B4-BE49-F238E27FC236}">
-                <a16:creationId xmlns:a16="http://schemas.microsoft.com/office/drawing/2014/main" xmlns="" id="{2A9B6C59-89F9-5390-BB77-F8DB7EF7B310}"/>
+                <a16:creationId xmlns="" xmlns:a16="http://schemas.microsoft.com/office/drawing/2014/main" id="{2A9B6C59-89F9-5390-BB77-F8DB7EF7B310}"/>
               </a:ext>
             </a:extLst>
           </p:cNvPr>
@@ -21192,7 +21192,7 @@
           <p:cNvPr id="2" name="标题 1">
             <a:extLst>
               <a:ext uri="{FF2B5EF4-FFF2-40B4-BE49-F238E27FC236}">
-                <a16:creationId xmlns:a16="http://schemas.microsoft.com/office/drawing/2014/main" xmlns="" id="{80796E82-7314-2FBE-2DE8-DDD70D4DF27E}"/>
+                <a16:creationId xmlns="" xmlns:a16="http://schemas.microsoft.com/office/drawing/2014/main" id="{80796E82-7314-2FBE-2DE8-DDD70D4DF27E}"/>
               </a:ext>
             </a:extLst>
           </p:cNvPr>
@@ -21234,7 +21234,7 @@
           <p:cNvPr id="4" name="文本框 3">
             <a:extLst>
               <a:ext uri="{FF2B5EF4-FFF2-40B4-BE49-F238E27FC236}">
-                <a16:creationId xmlns:a16="http://schemas.microsoft.com/office/drawing/2014/main" xmlns="" id="{3E8E8225-E7B4-E598-7AEB-66BC2EF7864E}"/>
+                <a16:creationId xmlns="" xmlns:a16="http://schemas.microsoft.com/office/drawing/2014/main" id="{3E8E8225-E7B4-E598-7AEB-66BC2EF7864E}"/>
               </a:ext>
             </a:extLst>
           </p:cNvPr>
@@ -21340,7 +21340,7 @@
           <p:cNvPr id="94" name="椭圆 93">
             <a:extLst>
               <a:ext uri="{FF2B5EF4-FFF2-40B4-BE49-F238E27FC236}">
-                <a16:creationId xmlns:a16="http://schemas.microsoft.com/office/drawing/2014/main" xmlns="" id="{8BEE0963-F39F-E799-5A6C-7DB2D9695EA3}"/>
+                <a16:creationId xmlns="" xmlns:a16="http://schemas.microsoft.com/office/drawing/2014/main" id="{8BEE0963-F39F-E799-5A6C-7DB2D9695EA3}"/>
               </a:ext>
             </a:extLst>
           </p:cNvPr>
@@ -21392,7 +21392,7 @@
           <p:cNvPr id="3" name="椭圆 2">
             <a:extLst>
               <a:ext uri="{FF2B5EF4-FFF2-40B4-BE49-F238E27FC236}">
-                <a16:creationId xmlns:a16="http://schemas.microsoft.com/office/drawing/2014/main" xmlns="" id="{012F767B-5206-A517-0D25-41845DA1D568}"/>
+                <a16:creationId xmlns="" xmlns:a16="http://schemas.microsoft.com/office/drawing/2014/main" id="{012F767B-5206-A517-0D25-41845DA1D568}"/>
               </a:ext>
             </a:extLst>
           </p:cNvPr>
@@ -21444,7 +21444,7 @@
           <p:cNvPr id="25" name="图片 24">
             <a:extLst>
               <a:ext uri="{FF2B5EF4-FFF2-40B4-BE49-F238E27FC236}">
-                <a16:creationId xmlns:a16="http://schemas.microsoft.com/office/drawing/2014/main" xmlns="" id="{09006F16-5378-003E-5C0E-8FF9FEC546D4}"/>
+                <a16:creationId xmlns="" xmlns:a16="http://schemas.microsoft.com/office/drawing/2014/main" id="{09006F16-5378-003E-5C0E-8FF9FEC546D4}"/>
               </a:ext>
             </a:extLst>
           </p:cNvPr>
@@ -21474,7 +21474,7 @@
           <p:cNvPr id="26" name="图片 25">
             <a:extLst>
               <a:ext uri="{FF2B5EF4-FFF2-40B4-BE49-F238E27FC236}">
-                <a16:creationId xmlns:a16="http://schemas.microsoft.com/office/drawing/2014/main" xmlns="" id="{2BAD37FB-EB9D-D370-2B51-8E35AAF38167}"/>
+                <a16:creationId xmlns="" xmlns:a16="http://schemas.microsoft.com/office/drawing/2014/main" id="{2BAD37FB-EB9D-D370-2B51-8E35AAF38167}"/>
               </a:ext>
             </a:extLst>
           </p:cNvPr>
@@ -21504,7 +21504,7 @@
           <p:cNvPr id="27" name="图片 26">
             <a:extLst>
               <a:ext uri="{FF2B5EF4-FFF2-40B4-BE49-F238E27FC236}">
-                <a16:creationId xmlns:a16="http://schemas.microsoft.com/office/drawing/2014/main" xmlns="" id="{1C0210CD-C266-B930-E638-BB546D154C74}"/>
+                <a16:creationId xmlns="" xmlns:a16="http://schemas.microsoft.com/office/drawing/2014/main" id="{1C0210CD-C266-B930-E638-BB546D154C74}"/>
               </a:ext>
             </a:extLst>
           </p:cNvPr>
@@ -21534,7 +21534,7 @@
           <p:cNvPr id="12" name="箭头: 右 11">
             <a:extLst>
               <a:ext uri="{FF2B5EF4-FFF2-40B4-BE49-F238E27FC236}">
-                <a16:creationId xmlns:a16="http://schemas.microsoft.com/office/drawing/2014/main" xmlns="" id="{CBE2E6AE-C4B4-960A-F745-009687CC64E1}"/>
+                <a16:creationId xmlns="" xmlns:a16="http://schemas.microsoft.com/office/drawing/2014/main" id="{CBE2E6AE-C4B4-960A-F745-009687CC64E1}"/>
               </a:ext>
             </a:extLst>
           </p:cNvPr>
@@ -21588,7 +21588,7 @@
           <p:cNvPr id="38" name="箭头: 右 37">
             <a:extLst>
               <a:ext uri="{FF2B5EF4-FFF2-40B4-BE49-F238E27FC236}">
-                <a16:creationId xmlns:a16="http://schemas.microsoft.com/office/drawing/2014/main" xmlns="" id="{D83C9897-8C6C-63D0-4980-561938006796}"/>
+                <a16:creationId xmlns="" xmlns:a16="http://schemas.microsoft.com/office/drawing/2014/main" id="{D83C9897-8C6C-63D0-4980-561938006796}"/>
               </a:ext>
             </a:extLst>
           </p:cNvPr>
@@ -21635,7 +21635,7 @@
           <p:cNvPr id="39" name="箭头: 右 38">
             <a:extLst>
               <a:ext uri="{FF2B5EF4-FFF2-40B4-BE49-F238E27FC236}">
-                <a16:creationId xmlns:a16="http://schemas.microsoft.com/office/drawing/2014/main" xmlns="" id="{7541AED3-F942-9EB8-6A5E-FD3C9A6A9741}"/>
+                <a16:creationId xmlns="" xmlns:a16="http://schemas.microsoft.com/office/drawing/2014/main" id="{7541AED3-F942-9EB8-6A5E-FD3C9A6A9741}"/>
               </a:ext>
             </a:extLst>
           </p:cNvPr>
@@ -21712,7 +21712,7 @@
           <p:cNvPr id="2" name="标题 1">
             <a:extLst>
               <a:ext uri="{FF2B5EF4-FFF2-40B4-BE49-F238E27FC236}">
-                <a16:creationId xmlns:a16="http://schemas.microsoft.com/office/drawing/2014/main" xmlns="" id="{80796E82-7314-2FBE-2DE8-DDD70D4DF27E}"/>
+                <a16:creationId xmlns="" xmlns:a16="http://schemas.microsoft.com/office/drawing/2014/main" id="{80796E82-7314-2FBE-2DE8-DDD70D4DF27E}"/>
               </a:ext>
             </a:extLst>
           </p:cNvPr>
@@ -21754,7 +21754,7 @@
           <p:cNvPr id="4" name="文本框 3">
             <a:extLst>
               <a:ext uri="{FF2B5EF4-FFF2-40B4-BE49-F238E27FC236}">
-                <a16:creationId xmlns:a16="http://schemas.microsoft.com/office/drawing/2014/main" xmlns="" id="{3E8E8225-E7B4-E598-7AEB-66BC2EF7864E}"/>
+                <a16:creationId xmlns="" xmlns:a16="http://schemas.microsoft.com/office/drawing/2014/main" id="{3E8E8225-E7B4-E598-7AEB-66BC2EF7864E}"/>
               </a:ext>
             </a:extLst>
           </p:cNvPr>
@@ -21811,7 +21811,7 @@
           <p:cNvPr id="94" name="椭圆 93">
             <a:extLst>
               <a:ext uri="{FF2B5EF4-FFF2-40B4-BE49-F238E27FC236}">
-                <a16:creationId xmlns:a16="http://schemas.microsoft.com/office/drawing/2014/main" xmlns="" id="{8BEE0963-F39F-E799-5A6C-7DB2D9695EA3}"/>
+                <a16:creationId xmlns="" xmlns:a16="http://schemas.microsoft.com/office/drawing/2014/main" id="{8BEE0963-F39F-E799-5A6C-7DB2D9695EA3}"/>
               </a:ext>
             </a:extLst>
           </p:cNvPr>
@@ -21863,7 +21863,7 @@
           <p:cNvPr id="3" name="椭圆 2">
             <a:extLst>
               <a:ext uri="{FF2B5EF4-FFF2-40B4-BE49-F238E27FC236}">
-                <a16:creationId xmlns:a16="http://schemas.microsoft.com/office/drawing/2014/main" xmlns="" id="{012F767B-5206-A517-0D25-41845DA1D568}"/>
+                <a16:creationId xmlns="" xmlns:a16="http://schemas.microsoft.com/office/drawing/2014/main" id="{012F767B-5206-A517-0D25-41845DA1D568}"/>
               </a:ext>
             </a:extLst>
           </p:cNvPr>
@@ -21915,7 +21915,7 @@
           <p:cNvPr id="13" name="椭圆 12">
             <a:extLst>
               <a:ext uri="{FF2B5EF4-FFF2-40B4-BE49-F238E27FC236}">
-                <a16:creationId xmlns:a16="http://schemas.microsoft.com/office/drawing/2014/main" xmlns="" id="{38B7E776-7869-C2EE-A5AD-FE07B12FAB74}"/>
+                <a16:creationId xmlns="" xmlns:a16="http://schemas.microsoft.com/office/drawing/2014/main" id="{38B7E776-7869-C2EE-A5AD-FE07B12FAB74}"/>
               </a:ext>
             </a:extLst>
           </p:cNvPr>
@@ -21971,7 +21971,7 @@
           <p:cNvPr id="14" name="椭圆 13">
             <a:extLst>
               <a:ext uri="{FF2B5EF4-FFF2-40B4-BE49-F238E27FC236}">
-                <a16:creationId xmlns:a16="http://schemas.microsoft.com/office/drawing/2014/main" xmlns="" id="{D8DD0DA6-117D-35B7-99A2-FF9219BEBA7A}"/>
+                <a16:creationId xmlns="" xmlns:a16="http://schemas.microsoft.com/office/drawing/2014/main" id="{D8DD0DA6-117D-35B7-99A2-FF9219BEBA7A}"/>
               </a:ext>
             </a:extLst>
           </p:cNvPr>
@@ -22031,7 +22031,7 @@
           <p:cNvPr id="15" name="椭圆 14">
             <a:extLst>
               <a:ext uri="{FF2B5EF4-FFF2-40B4-BE49-F238E27FC236}">
-                <a16:creationId xmlns:a16="http://schemas.microsoft.com/office/drawing/2014/main" xmlns="" id="{4473FF23-7236-BE2D-9F0F-D30171020183}"/>
+                <a16:creationId xmlns="" xmlns:a16="http://schemas.microsoft.com/office/drawing/2014/main" id="{4473FF23-7236-BE2D-9F0F-D30171020183}"/>
               </a:ext>
             </a:extLst>
           </p:cNvPr>
@@ -22091,7 +22091,7 @@
           <p:cNvPr id="16" name="椭圆 15">
             <a:extLst>
               <a:ext uri="{FF2B5EF4-FFF2-40B4-BE49-F238E27FC236}">
-                <a16:creationId xmlns:a16="http://schemas.microsoft.com/office/drawing/2014/main" xmlns="" id="{5B674586-3FAA-F398-D9DD-3C1412DB22B3}"/>
+                <a16:creationId xmlns="" xmlns:a16="http://schemas.microsoft.com/office/drawing/2014/main" id="{5B674586-3FAA-F398-D9DD-3C1412DB22B3}"/>
               </a:ext>
             </a:extLst>
           </p:cNvPr>
@@ -22151,7 +22151,7 @@
           <p:cNvPr id="17" name="椭圆 16">
             <a:extLst>
               <a:ext uri="{FF2B5EF4-FFF2-40B4-BE49-F238E27FC236}">
-                <a16:creationId xmlns:a16="http://schemas.microsoft.com/office/drawing/2014/main" xmlns="" id="{1B65CA99-0563-B4C2-F8E8-0F681E9BE5AA}"/>
+                <a16:creationId xmlns="" xmlns:a16="http://schemas.microsoft.com/office/drawing/2014/main" id="{1B65CA99-0563-B4C2-F8E8-0F681E9BE5AA}"/>
               </a:ext>
             </a:extLst>
           </p:cNvPr>
@@ -22211,7 +22211,7 @@
           <p:cNvPr id="18" name="椭圆 17">
             <a:extLst>
               <a:ext uri="{FF2B5EF4-FFF2-40B4-BE49-F238E27FC236}">
-                <a16:creationId xmlns:a16="http://schemas.microsoft.com/office/drawing/2014/main" xmlns="" id="{28E9B88E-5089-3E31-A173-9E6BFC411B12}"/>
+                <a16:creationId xmlns="" xmlns:a16="http://schemas.microsoft.com/office/drawing/2014/main" id="{28E9B88E-5089-3E31-A173-9E6BFC411B12}"/>
               </a:ext>
             </a:extLst>
           </p:cNvPr>
@@ -22267,7 +22267,7 @@
           <p:cNvPr id="19" name="椭圆 18">
             <a:extLst>
               <a:ext uri="{FF2B5EF4-FFF2-40B4-BE49-F238E27FC236}">
-                <a16:creationId xmlns:a16="http://schemas.microsoft.com/office/drawing/2014/main" xmlns="" id="{65071104-DAC5-B2F4-E32C-3E8685DC9ABB}"/>
+                <a16:creationId xmlns="" xmlns:a16="http://schemas.microsoft.com/office/drawing/2014/main" id="{65071104-DAC5-B2F4-E32C-3E8685DC9ABB}"/>
               </a:ext>
             </a:extLst>
           </p:cNvPr>
@@ -22323,7 +22323,7 @@
           <p:cNvPr id="20" name="椭圆 19">
             <a:extLst>
               <a:ext uri="{FF2B5EF4-FFF2-40B4-BE49-F238E27FC236}">
-                <a16:creationId xmlns:a16="http://schemas.microsoft.com/office/drawing/2014/main" xmlns="" id="{139AD470-0E68-4E4A-461B-9AC53FA9B15D}"/>
+                <a16:creationId xmlns="" xmlns:a16="http://schemas.microsoft.com/office/drawing/2014/main" id="{139AD470-0E68-4E4A-461B-9AC53FA9B15D}"/>
               </a:ext>
             </a:extLst>
           </p:cNvPr>
@@ -22409,7 +22409,7 @@
           <p:cNvPr id="21" name="图片 20">
             <a:extLst>
               <a:ext uri="{FF2B5EF4-FFF2-40B4-BE49-F238E27FC236}">
-                <a16:creationId xmlns:a16="http://schemas.microsoft.com/office/drawing/2014/main" xmlns="" id="{10E4E8DE-E31A-2625-3BAE-58C9DC6E1CD4}"/>
+                <a16:creationId xmlns="" xmlns:a16="http://schemas.microsoft.com/office/drawing/2014/main" id="{10E4E8DE-E31A-2625-3BAE-58C9DC6E1CD4}"/>
               </a:ext>
             </a:extLst>
           </p:cNvPr>
@@ -22439,7 +22439,7 @@
           <p:cNvPr id="23" name="图片 22">
             <a:extLst>
               <a:ext uri="{FF2B5EF4-FFF2-40B4-BE49-F238E27FC236}">
-                <a16:creationId xmlns:a16="http://schemas.microsoft.com/office/drawing/2014/main" xmlns="" id="{16647850-EC2C-0EB9-87DD-021513204952}"/>
+                <a16:creationId xmlns="" xmlns:a16="http://schemas.microsoft.com/office/drawing/2014/main" id="{16647850-EC2C-0EB9-87DD-021513204952}"/>
               </a:ext>
             </a:extLst>
           </p:cNvPr>
@@ -22469,7 +22469,7 @@
           <p:cNvPr id="27" name="图片 26">
             <a:extLst>
               <a:ext uri="{FF2B5EF4-FFF2-40B4-BE49-F238E27FC236}">
-                <a16:creationId xmlns:a16="http://schemas.microsoft.com/office/drawing/2014/main" xmlns="" id="{772A4570-CF22-2902-D9E1-D7E60C021041}"/>
+                <a16:creationId xmlns="" xmlns:a16="http://schemas.microsoft.com/office/drawing/2014/main" id="{772A4570-CF22-2902-D9E1-D7E60C021041}"/>
               </a:ext>
             </a:extLst>
           </p:cNvPr>
@@ -22499,7 +22499,7 @@
           <p:cNvPr id="29" name="图片 28">
             <a:extLst>
               <a:ext uri="{FF2B5EF4-FFF2-40B4-BE49-F238E27FC236}">
-                <a16:creationId xmlns:a16="http://schemas.microsoft.com/office/drawing/2014/main" xmlns="" id="{5128C50F-4299-3146-AEDE-C73B90459F44}"/>
+                <a16:creationId xmlns="" xmlns:a16="http://schemas.microsoft.com/office/drawing/2014/main" id="{5128C50F-4299-3146-AEDE-C73B90459F44}"/>
               </a:ext>
             </a:extLst>
           </p:cNvPr>
@@ -22529,7 +22529,7 @@
           <p:cNvPr id="31" name="图片 30">
             <a:extLst>
               <a:ext uri="{FF2B5EF4-FFF2-40B4-BE49-F238E27FC236}">
-                <a16:creationId xmlns:a16="http://schemas.microsoft.com/office/drawing/2014/main" xmlns="" id="{324F68F4-34AD-C9E9-3330-8E7CEFCD4AB8}"/>
+                <a16:creationId xmlns="" xmlns:a16="http://schemas.microsoft.com/office/drawing/2014/main" id="{324F68F4-34AD-C9E9-3330-8E7CEFCD4AB8}"/>
               </a:ext>
             </a:extLst>
           </p:cNvPr>
@@ -22559,7 +22559,7 @@
           <p:cNvPr id="33" name="图片 32">
             <a:extLst>
               <a:ext uri="{FF2B5EF4-FFF2-40B4-BE49-F238E27FC236}">
-                <a16:creationId xmlns:a16="http://schemas.microsoft.com/office/drawing/2014/main" xmlns="" id="{5B816CFB-BEEB-34C9-241C-39D4F80BE612}"/>
+                <a16:creationId xmlns="" xmlns:a16="http://schemas.microsoft.com/office/drawing/2014/main" id="{5B816CFB-BEEB-34C9-241C-39D4F80BE612}"/>
               </a:ext>
             </a:extLst>
           </p:cNvPr>
@@ -22589,7 +22589,7 @@
           <p:cNvPr id="35" name="图片 34">
             <a:extLst>
               <a:ext uri="{FF2B5EF4-FFF2-40B4-BE49-F238E27FC236}">
-                <a16:creationId xmlns:a16="http://schemas.microsoft.com/office/drawing/2014/main" xmlns="" id="{63EE9772-9831-CB1A-0402-4088D44FAAEA}"/>
+                <a16:creationId xmlns="" xmlns:a16="http://schemas.microsoft.com/office/drawing/2014/main" id="{63EE9772-9831-CB1A-0402-4088D44FAAEA}"/>
               </a:ext>
             </a:extLst>
           </p:cNvPr>
@@ -22619,7 +22619,7 @@
           <p:cNvPr id="37" name="图片 36">
             <a:extLst>
               <a:ext uri="{FF2B5EF4-FFF2-40B4-BE49-F238E27FC236}">
-                <a16:creationId xmlns:a16="http://schemas.microsoft.com/office/drawing/2014/main" xmlns="" id="{3BC861CE-A12C-44C5-DC11-968D86D804D5}"/>
+                <a16:creationId xmlns="" xmlns:a16="http://schemas.microsoft.com/office/drawing/2014/main" id="{3BC861CE-A12C-44C5-DC11-968D86D804D5}"/>
               </a:ext>
             </a:extLst>
           </p:cNvPr>
@@ -22679,7 +22679,7 @@
           <p:cNvPr id="2" name="标题 1">
             <a:extLst>
               <a:ext uri="{FF2B5EF4-FFF2-40B4-BE49-F238E27FC236}">
-                <a16:creationId xmlns:a16="http://schemas.microsoft.com/office/drawing/2014/main" xmlns="" id="{80796E82-7314-2FBE-2DE8-DDD70D4DF27E}"/>
+                <a16:creationId xmlns="" xmlns:a16="http://schemas.microsoft.com/office/drawing/2014/main" id="{80796E82-7314-2FBE-2DE8-DDD70D4DF27E}"/>
               </a:ext>
             </a:extLst>
           </p:cNvPr>
@@ -22728,7 +22728,7 @@
           <p:cNvPr id="4" name="文本框 3">
             <a:extLst>
               <a:ext uri="{FF2B5EF4-FFF2-40B4-BE49-F238E27FC236}">
-                <a16:creationId xmlns:a16="http://schemas.microsoft.com/office/drawing/2014/main" xmlns="" id="{3E8E8225-E7B4-E598-7AEB-66BC2EF7864E}"/>
+                <a16:creationId xmlns="" xmlns:a16="http://schemas.microsoft.com/office/drawing/2014/main" id="{3E8E8225-E7B4-E598-7AEB-66BC2EF7864E}"/>
               </a:ext>
             </a:extLst>
           </p:cNvPr>
@@ -22830,7 +22830,7 @@
           <p:cNvPr id="94" name="椭圆 93">
             <a:extLst>
               <a:ext uri="{FF2B5EF4-FFF2-40B4-BE49-F238E27FC236}">
-                <a16:creationId xmlns:a16="http://schemas.microsoft.com/office/drawing/2014/main" xmlns="" id="{8BEE0963-F39F-E799-5A6C-7DB2D9695EA3}"/>
+                <a16:creationId xmlns="" xmlns:a16="http://schemas.microsoft.com/office/drawing/2014/main" id="{8BEE0963-F39F-E799-5A6C-7DB2D9695EA3}"/>
               </a:ext>
             </a:extLst>
           </p:cNvPr>
@@ -22882,7 +22882,7 @@
           <p:cNvPr id="3" name="椭圆 2">
             <a:extLst>
               <a:ext uri="{FF2B5EF4-FFF2-40B4-BE49-F238E27FC236}">
-                <a16:creationId xmlns:a16="http://schemas.microsoft.com/office/drawing/2014/main" xmlns="" id="{012F767B-5206-A517-0D25-41845DA1D568}"/>
+                <a16:creationId xmlns="" xmlns:a16="http://schemas.microsoft.com/office/drawing/2014/main" id="{012F767B-5206-A517-0D25-41845DA1D568}"/>
               </a:ext>
             </a:extLst>
           </p:cNvPr>
@@ -22934,7 +22934,7 @@
           <p:cNvPr id="13" name="椭圆 12">
             <a:extLst>
               <a:ext uri="{FF2B5EF4-FFF2-40B4-BE49-F238E27FC236}">
-                <a16:creationId xmlns:a16="http://schemas.microsoft.com/office/drawing/2014/main" xmlns="" id="{38B7E776-7869-C2EE-A5AD-FE07B12FAB74}"/>
+                <a16:creationId xmlns="" xmlns:a16="http://schemas.microsoft.com/office/drawing/2014/main" id="{38B7E776-7869-C2EE-A5AD-FE07B12FAB74}"/>
               </a:ext>
             </a:extLst>
           </p:cNvPr>
@@ -22990,7 +22990,7 @@
           <p:cNvPr id="20" name="椭圆 19">
             <a:extLst>
               <a:ext uri="{FF2B5EF4-FFF2-40B4-BE49-F238E27FC236}">
-                <a16:creationId xmlns:a16="http://schemas.microsoft.com/office/drawing/2014/main" xmlns="" id="{139AD470-0E68-4E4A-461B-9AC53FA9B15D}"/>
+                <a16:creationId xmlns="" xmlns:a16="http://schemas.microsoft.com/office/drawing/2014/main" id="{139AD470-0E68-4E4A-461B-9AC53FA9B15D}"/>
               </a:ext>
             </a:extLst>
           </p:cNvPr>
@@ -23046,7 +23046,7 @@
           <p:cNvPr id="29" name="图片 28">
             <a:extLst>
               <a:ext uri="{FF2B5EF4-FFF2-40B4-BE49-F238E27FC236}">
-                <a16:creationId xmlns:a16="http://schemas.microsoft.com/office/drawing/2014/main" xmlns="" id="{37828109-D1DB-24B1-070F-6C6C2342A787}"/>
+                <a16:creationId xmlns="" xmlns:a16="http://schemas.microsoft.com/office/drawing/2014/main" id="{37828109-D1DB-24B1-070F-6C6C2342A787}"/>
               </a:ext>
             </a:extLst>
           </p:cNvPr>
@@ -23076,7 +23076,7 @@
           <p:cNvPr id="30" name="图片 29">
             <a:extLst>
               <a:ext uri="{FF2B5EF4-FFF2-40B4-BE49-F238E27FC236}">
-                <a16:creationId xmlns:a16="http://schemas.microsoft.com/office/drawing/2014/main" xmlns="" id="{308EB72D-0591-1F78-12FC-CD798BD7E73D}"/>
+                <a16:creationId xmlns="" xmlns:a16="http://schemas.microsoft.com/office/drawing/2014/main" id="{308EB72D-0591-1F78-12FC-CD798BD7E73D}"/>
               </a:ext>
             </a:extLst>
           </p:cNvPr>
@@ -23106,7 +23106,7 @@
           <p:cNvPr id="31" name="图片 30">
             <a:extLst>
               <a:ext uri="{FF2B5EF4-FFF2-40B4-BE49-F238E27FC236}">
-                <a16:creationId xmlns:a16="http://schemas.microsoft.com/office/drawing/2014/main" xmlns="" id="{07F4B817-9FB7-F356-BFC2-674680D05075}"/>
+                <a16:creationId xmlns="" xmlns:a16="http://schemas.microsoft.com/office/drawing/2014/main" id="{07F4B817-9FB7-F356-BFC2-674680D05075}"/>
               </a:ext>
             </a:extLst>
           </p:cNvPr>
@@ -23136,7 +23136,7 @@
           <p:cNvPr id="32" name="图片 31">
             <a:extLst>
               <a:ext uri="{FF2B5EF4-FFF2-40B4-BE49-F238E27FC236}">
-                <a16:creationId xmlns:a16="http://schemas.microsoft.com/office/drawing/2014/main" xmlns="" id="{6AD0DB1A-3123-D4EB-783F-2A1EBF1F865D}"/>
+                <a16:creationId xmlns="" xmlns:a16="http://schemas.microsoft.com/office/drawing/2014/main" id="{6AD0DB1A-3123-D4EB-783F-2A1EBF1F865D}"/>
               </a:ext>
             </a:extLst>
           </p:cNvPr>
@@ -23166,7 +23166,7 @@
           <p:cNvPr id="33" name="图片 32">
             <a:extLst>
               <a:ext uri="{FF2B5EF4-FFF2-40B4-BE49-F238E27FC236}">
-                <a16:creationId xmlns:a16="http://schemas.microsoft.com/office/drawing/2014/main" xmlns="" id="{6EA6B283-FA33-8B5F-19D9-23C22512D6A2}"/>
+                <a16:creationId xmlns="" xmlns:a16="http://schemas.microsoft.com/office/drawing/2014/main" id="{6EA6B283-FA33-8B5F-19D9-23C22512D6A2}"/>
               </a:ext>
             </a:extLst>
           </p:cNvPr>
@@ -23196,7 +23196,7 @@
           <p:cNvPr id="34" name="图片 33">
             <a:extLst>
               <a:ext uri="{FF2B5EF4-FFF2-40B4-BE49-F238E27FC236}">
-                <a16:creationId xmlns:a16="http://schemas.microsoft.com/office/drawing/2014/main" xmlns="" id="{A7CC21E1-7467-1ACF-2ED7-68959584D6DF}"/>
+                <a16:creationId xmlns="" xmlns:a16="http://schemas.microsoft.com/office/drawing/2014/main" id="{A7CC21E1-7467-1ACF-2ED7-68959584D6DF}"/>
               </a:ext>
             </a:extLst>
           </p:cNvPr>
@@ -23226,7 +23226,7 @@
           <p:cNvPr id="35" name="图片 34">
             <a:extLst>
               <a:ext uri="{FF2B5EF4-FFF2-40B4-BE49-F238E27FC236}">
-                <a16:creationId xmlns:a16="http://schemas.microsoft.com/office/drawing/2014/main" xmlns="" id="{4FD1822D-6EF2-CCB1-76AC-A770762EDBFB}"/>
+                <a16:creationId xmlns="" xmlns:a16="http://schemas.microsoft.com/office/drawing/2014/main" id="{4FD1822D-6EF2-CCB1-76AC-A770762EDBFB}"/>
               </a:ext>
             </a:extLst>
           </p:cNvPr>
@@ -23256,7 +23256,7 @@
           <p:cNvPr id="36" name="图片 35">
             <a:extLst>
               <a:ext uri="{FF2B5EF4-FFF2-40B4-BE49-F238E27FC236}">
-                <a16:creationId xmlns:a16="http://schemas.microsoft.com/office/drawing/2014/main" xmlns="" id="{9E02D9AC-14F1-BAD2-3488-0805428D78DE}"/>
+                <a16:creationId xmlns="" xmlns:a16="http://schemas.microsoft.com/office/drawing/2014/main" id="{9E02D9AC-14F1-BAD2-3488-0805428D78DE}"/>
               </a:ext>
             </a:extLst>
           </p:cNvPr>
@@ -23286,7 +23286,7 @@
           <p:cNvPr id="39" name="箭头: 右 38">
             <a:extLst>
               <a:ext uri="{FF2B5EF4-FFF2-40B4-BE49-F238E27FC236}">
-                <a16:creationId xmlns:a16="http://schemas.microsoft.com/office/drawing/2014/main" xmlns="" id="{E96F8D33-A9BF-94AC-B64B-D6CB8722BEEB}"/>
+                <a16:creationId xmlns="" xmlns:a16="http://schemas.microsoft.com/office/drawing/2014/main" id="{E96F8D33-A9BF-94AC-B64B-D6CB8722BEEB}"/>
               </a:ext>
             </a:extLst>
           </p:cNvPr>
@@ -23338,7 +23338,7 @@
           <p:cNvPr id="40" name="箭头: 右 39">
             <a:extLst>
               <a:ext uri="{FF2B5EF4-FFF2-40B4-BE49-F238E27FC236}">
-                <a16:creationId xmlns:a16="http://schemas.microsoft.com/office/drawing/2014/main" xmlns="" id="{9C2A8819-B668-0107-BB7F-64E2A52819BC}"/>
+                <a16:creationId xmlns="" xmlns:a16="http://schemas.microsoft.com/office/drawing/2014/main" id="{9C2A8819-B668-0107-BB7F-64E2A52819BC}"/>
               </a:ext>
             </a:extLst>
           </p:cNvPr>
@@ -23420,7 +23420,7 @@
           <p:cNvPr id="2" name="标题 1">
             <a:extLst>
               <a:ext uri="{FF2B5EF4-FFF2-40B4-BE49-F238E27FC236}">
-                <a16:creationId xmlns:a16="http://schemas.microsoft.com/office/drawing/2014/main" xmlns="" id="{80796E82-7314-2FBE-2DE8-DDD70D4DF27E}"/>
+                <a16:creationId xmlns="" xmlns:a16="http://schemas.microsoft.com/office/drawing/2014/main" id="{80796E82-7314-2FBE-2DE8-DDD70D4DF27E}"/>
               </a:ext>
             </a:extLst>
           </p:cNvPr>
@@ -23469,7 +23469,7 @@
           <p:cNvPr id="4" name="文本框 3">
             <a:extLst>
               <a:ext uri="{FF2B5EF4-FFF2-40B4-BE49-F238E27FC236}">
-                <a16:creationId xmlns:a16="http://schemas.microsoft.com/office/drawing/2014/main" xmlns="" id="{3E8E8225-E7B4-E598-7AEB-66BC2EF7864E}"/>
+                <a16:creationId xmlns="" xmlns:a16="http://schemas.microsoft.com/office/drawing/2014/main" id="{3E8E8225-E7B4-E598-7AEB-66BC2EF7864E}"/>
               </a:ext>
             </a:extLst>
           </p:cNvPr>
@@ -23563,7 +23563,7 @@
           <p:cNvPr id="94" name="椭圆 93">
             <a:extLst>
               <a:ext uri="{FF2B5EF4-FFF2-40B4-BE49-F238E27FC236}">
-                <a16:creationId xmlns:a16="http://schemas.microsoft.com/office/drawing/2014/main" xmlns="" id="{8BEE0963-F39F-E799-5A6C-7DB2D9695EA3}"/>
+                <a16:creationId xmlns="" xmlns:a16="http://schemas.microsoft.com/office/drawing/2014/main" id="{8BEE0963-F39F-E799-5A6C-7DB2D9695EA3}"/>
               </a:ext>
             </a:extLst>
           </p:cNvPr>
@@ -23615,7 +23615,7 @@
           <p:cNvPr id="3" name="椭圆 2">
             <a:extLst>
               <a:ext uri="{FF2B5EF4-FFF2-40B4-BE49-F238E27FC236}">
-                <a16:creationId xmlns:a16="http://schemas.microsoft.com/office/drawing/2014/main" xmlns="" id="{012F767B-5206-A517-0D25-41845DA1D568}"/>
+                <a16:creationId xmlns="" xmlns:a16="http://schemas.microsoft.com/office/drawing/2014/main" id="{012F767B-5206-A517-0D25-41845DA1D568}"/>
               </a:ext>
             </a:extLst>
           </p:cNvPr>
@@ -23667,7 +23667,7 @@
           <p:cNvPr id="18" name="椭圆 17">
             <a:extLst>
               <a:ext uri="{FF2B5EF4-FFF2-40B4-BE49-F238E27FC236}">
-                <a16:creationId xmlns:a16="http://schemas.microsoft.com/office/drawing/2014/main" xmlns="" id="{4B33E43D-6830-FFA6-F0D9-FE3548A9AEEB}"/>
+                <a16:creationId xmlns="" xmlns:a16="http://schemas.microsoft.com/office/drawing/2014/main" id="{4B33E43D-6830-FFA6-F0D9-FE3548A9AEEB}"/>
               </a:ext>
             </a:extLst>
           </p:cNvPr>
@@ -23727,7 +23727,7 @@
           <p:cNvPr id="19" name="椭圆 18">
             <a:extLst>
               <a:ext uri="{FF2B5EF4-FFF2-40B4-BE49-F238E27FC236}">
-                <a16:creationId xmlns:a16="http://schemas.microsoft.com/office/drawing/2014/main" xmlns="" id="{C1D855FC-C9AF-91CE-40B0-D44AA72FE829}"/>
+                <a16:creationId xmlns="" xmlns:a16="http://schemas.microsoft.com/office/drawing/2014/main" id="{C1D855FC-C9AF-91CE-40B0-D44AA72FE829}"/>
               </a:ext>
             </a:extLst>
           </p:cNvPr>
@@ -23787,7 +23787,7 @@
           <p:cNvPr id="29" name="图片 28">
             <a:extLst>
               <a:ext uri="{FF2B5EF4-FFF2-40B4-BE49-F238E27FC236}">
-                <a16:creationId xmlns:a16="http://schemas.microsoft.com/office/drawing/2014/main" xmlns="" id="{37828109-D1DB-24B1-070F-6C6C2342A787}"/>
+                <a16:creationId xmlns="" xmlns:a16="http://schemas.microsoft.com/office/drawing/2014/main" id="{37828109-D1DB-24B1-070F-6C6C2342A787}"/>
               </a:ext>
             </a:extLst>
           </p:cNvPr>
@@ -23817,7 +23817,7 @@
           <p:cNvPr id="30" name="图片 29">
             <a:extLst>
               <a:ext uri="{FF2B5EF4-FFF2-40B4-BE49-F238E27FC236}">
-                <a16:creationId xmlns:a16="http://schemas.microsoft.com/office/drawing/2014/main" xmlns="" id="{308EB72D-0591-1F78-12FC-CD798BD7E73D}"/>
+                <a16:creationId xmlns="" xmlns:a16="http://schemas.microsoft.com/office/drawing/2014/main" id="{308EB72D-0591-1F78-12FC-CD798BD7E73D}"/>
               </a:ext>
             </a:extLst>
           </p:cNvPr>
@@ -23847,7 +23847,7 @@
           <p:cNvPr id="31" name="图片 30">
             <a:extLst>
               <a:ext uri="{FF2B5EF4-FFF2-40B4-BE49-F238E27FC236}">
-                <a16:creationId xmlns:a16="http://schemas.microsoft.com/office/drawing/2014/main" xmlns="" id="{07F4B817-9FB7-F356-BFC2-674680D05075}"/>
+                <a16:creationId xmlns="" xmlns:a16="http://schemas.microsoft.com/office/drawing/2014/main" id="{07F4B817-9FB7-F356-BFC2-674680D05075}"/>
               </a:ext>
             </a:extLst>
           </p:cNvPr>
@@ -23877,7 +23877,7 @@
           <p:cNvPr id="32" name="图片 31">
             <a:extLst>
               <a:ext uri="{FF2B5EF4-FFF2-40B4-BE49-F238E27FC236}">
-                <a16:creationId xmlns:a16="http://schemas.microsoft.com/office/drawing/2014/main" xmlns="" id="{6AD0DB1A-3123-D4EB-783F-2A1EBF1F865D}"/>
+                <a16:creationId xmlns="" xmlns:a16="http://schemas.microsoft.com/office/drawing/2014/main" id="{6AD0DB1A-3123-D4EB-783F-2A1EBF1F865D}"/>
               </a:ext>
             </a:extLst>
           </p:cNvPr>
@@ -23907,7 +23907,7 @@
           <p:cNvPr id="33" name="图片 32">
             <a:extLst>
               <a:ext uri="{FF2B5EF4-FFF2-40B4-BE49-F238E27FC236}">
-                <a16:creationId xmlns:a16="http://schemas.microsoft.com/office/drawing/2014/main" xmlns="" id="{6EA6B283-FA33-8B5F-19D9-23C22512D6A2}"/>
+                <a16:creationId xmlns="" xmlns:a16="http://schemas.microsoft.com/office/drawing/2014/main" id="{6EA6B283-FA33-8B5F-19D9-23C22512D6A2}"/>
               </a:ext>
             </a:extLst>
           </p:cNvPr>
@@ -23937,7 +23937,7 @@
           <p:cNvPr id="34" name="图片 33">
             <a:extLst>
               <a:ext uri="{FF2B5EF4-FFF2-40B4-BE49-F238E27FC236}">
-                <a16:creationId xmlns:a16="http://schemas.microsoft.com/office/drawing/2014/main" xmlns="" id="{A7CC21E1-7467-1ACF-2ED7-68959584D6DF}"/>
+                <a16:creationId xmlns="" xmlns:a16="http://schemas.microsoft.com/office/drawing/2014/main" id="{A7CC21E1-7467-1ACF-2ED7-68959584D6DF}"/>
               </a:ext>
             </a:extLst>
           </p:cNvPr>
@@ -23967,7 +23967,7 @@
           <p:cNvPr id="35" name="图片 34">
             <a:extLst>
               <a:ext uri="{FF2B5EF4-FFF2-40B4-BE49-F238E27FC236}">
-                <a16:creationId xmlns:a16="http://schemas.microsoft.com/office/drawing/2014/main" xmlns="" id="{4FD1822D-6EF2-CCB1-76AC-A770762EDBFB}"/>
+                <a16:creationId xmlns="" xmlns:a16="http://schemas.microsoft.com/office/drawing/2014/main" id="{4FD1822D-6EF2-CCB1-76AC-A770762EDBFB}"/>
               </a:ext>
             </a:extLst>
           </p:cNvPr>
@@ -23997,7 +23997,7 @@
           <p:cNvPr id="36" name="图片 35">
             <a:extLst>
               <a:ext uri="{FF2B5EF4-FFF2-40B4-BE49-F238E27FC236}">
-                <a16:creationId xmlns:a16="http://schemas.microsoft.com/office/drawing/2014/main" xmlns="" id="{9E02D9AC-14F1-BAD2-3488-0805428D78DE}"/>
+                <a16:creationId xmlns="" xmlns:a16="http://schemas.microsoft.com/office/drawing/2014/main" id="{9E02D9AC-14F1-BAD2-3488-0805428D78DE}"/>
               </a:ext>
             </a:extLst>
           </p:cNvPr>
@@ -24027,7 +24027,7 @@
           <p:cNvPr id="21" name="箭头: 右 20">
             <a:extLst>
               <a:ext uri="{FF2B5EF4-FFF2-40B4-BE49-F238E27FC236}">
-                <a16:creationId xmlns:a16="http://schemas.microsoft.com/office/drawing/2014/main" xmlns="" id="{712099D5-D46D-2313-85E7-AA26A729A7DC}"/>
+                <a16:creationId xmlns="" xmlns:a16="http://schemas.microsoft.com/office/drawing/2014/main" id="{712099D5-D46D-2313-85E7-AA26A729A7DC}"/>
               </a:ext>
             </a:extLst>
           </p:cNvPr>
@@ -24079,7 +24079,7 @@
           <p:cNvPr id="22" name="箭头: 右 21">
             <a:extLst>
               <a:ext uri="{FF2B5EF4-FFF2-40B4-BE49-F238E27FC236}">
-                <a16:creationId xmlns:a16="http://schemas.microsoft.com/office/drawing/2014/main" xmlns="" id="{1919A2B7-D3C5-A1AD-8659-FD3B9646534B}"/>
+                <a16:creationId xmlns="" xmlns:a16="http://schemas.microsoft.com/office/drawing/2014/main" id="{1919A2B7-D3C5-A1AD-8659-FD3B9646534B}"/>
               </a:ext>
             </a:extLst>
           </p:cNvPr>
@@ -24161,7 +24161,7 @@
           <p:cNvPr id="2" name="标题 1">
             <a:extLst>
               <a:ext uri="{FF2B5EF4-FFF2-40B4-BE49-F238E27FC236}">
-                <a16:creationId xmlns:a16="http://schemas.microsoft.com/office/drawing/2014/main" xmlns="" id="{80796E82-7314-2FBE-2DE8-DDD70D4DF27E}"/>
+                <a16:creationId xmlns="" xmlns:a16="http://schemas.microsoft.com/office/drawing/2014/main" id="{80796E82-7314-2FBE-2DE8-DDD70D4DF27E}"/>
               </a:ext>
             </a:extLst>
           </p:cNvPr>
@@ -24210,7 +24210,7 @@
           <p:cNvPr id="4" name="文本框 3">
             <a:extLst>
               <a:ext uri="{FF2B5EF4-FFF2-40B4-BE49-F238E27FC236}">
-                <a16:creationId xmlns:a16="http://schemas.microsoft.com/office/drawing/2014/main" xmlns="" id="{3E8E8225-E7B4-E598-7AEB-66BC2EF7864E}"/>
+                <a16:creationId xmlns="" xmlns:a16="http://schemas.microsoft.com/office/drawing/2014/main" id="{3E8E8225-E7B4-E598-7AEB-66BC2EF7864E}"/>
               </a:ext>
             </a:extLst>
           </p:cNvPr>
@@ -24304,7 +24304,7 @@
           <p:cNvPr id="94" name="椭圆 93">
             <a:extLst>
               <a:ext uri="{FF2B5EF4-FFF2-40B4-BE49-F238E27FC236}">
-                <a16:creationId xmlns:a16="http://schemas.microsoft.com/office/drawing/2014/main" xmlns="" id="{8BEE0963-F39F-E799-5A6C-7DB2D9695EA3}"/>
+                <a16:creationId xmlns="" xmlns:a16="http://schemas.microsoft.com/office/drawing/2014/main" id="{8BEE0963-F39F-E799-5A6C-7DB2D9695EA3}"/>
               </a:ext>
             </a:extLst>
           </p:cNvPr>
@@ -24356,7 +24356,7 @@
           <p:cNvPr id="3" name="椭圆 2">
             <a:extLst>
               <a:ext uri="{FF2B5EF4-FFF2-40B4-BE49-F238E27FC236}">
-                <a16:creationId xmlns:a16="http://schemas.microsoft.com/office/drawing/2014/main" xmlns="" id="{012F767B-5206-A517-0D25-41845DA1D568}"/>
+                <a16:creationId xmlns="" xmlns:a16="http://schemas.microsoft.com/office/drawing/2014/main" id="{012F767B-5206-A517-0D25-41845DA1D568}"/>
               </a:ext>
             </a:extLst>
           </p:cNvPr>
@@ -24408,7 +24408,7 @@
           <p:cNvPr id="21" name="箭头: 右 20">
             <a:extLst>
               <a:ext uri="{FF2B5EF4-FFF2-40B4-BE49-F238E27FC236}">
-                <a16:creationId xmlns:a16="http://schemas.microsoft.com/office/drawing/2014/main" xmlns="" id="{712099D5-D46D-2313-85E7-AA26A729A7DC}"/>
+                <a16:creationId xmlns="" xmlns:a16="http://schemas.microsoft.com/office/drawing/2014/main" id="{712099D5-D46D-2313-85E7-AA26A729A7DC}"/>
               </a:ext>
             </a:extLst>
           </p:cNvPr>
@@ -24460,7 +24460,7 @@
           <p:cNvPr id="22" name="箭头: 右 21">
             <a:extLst>
               <a:ext uri="{FF2B5EF4-FFF2-40B4-BE49-F238E27FC236}">
-                <a16:creationId xmlns:a16="http://schemas.microsoft.com/office/drawing/2014/main" xmlns="" id="{1919A2B7-D3C5-A1AD-8659-FD3B9646534B}"/>
+                <a16:creationId xmlns="" xmlns:a16="http://schemas.microsoft.com/office/drawing/2014/main" id="{1919A2B7-D3C5-A1AD-8659-FD3B9646534B}"/>
               </a:ext>
             </a:extLst>
           </p:cNvPr>
@@ -24512,7 +24512,7 @@
           <p:cNvPr id="20" name="椭圆 19">
             <a:extLst>
               <a:ext uri="{FF2B5EF4-FFF2-40B4-BE49-F238E27FC236}">
-                <a16:creationId xmlns:a16="http://schemas.microsoft.com/office/drawing/2014/main" xmlns="" id="{71FC337B-6083-D7E5-BB6D-172C403FA83F}"/>
+                <a16:creationId xmlns="" xmlns:a16="http://schemas.microsoft.com/office/drawing/2014/main" id="{71FC337B-6083-D7E5-BB6D-172C403FA83F}"/>
               </a:ext>
             </a:extLst>
           </p:cNvPr>
@@ -24568,7 +24568,7 @@
           <p:cNvPr id="23" name="椭圆 22">
             <a:extLst>
               <a:ext uri="{FF2B5EF4-FFF2-40B4-BE49-F238E27FC236}">
-                <a16:creationId xmlns:a16="http://schemas.microsoft.com/office/drawing/2014/main" xmlns="" id="{42806F08-B73F-5A19-8F02-2707349F41F2}"/>
+                <a16:creationId xmlns="" xmlns:a16="http://schemas.microsoft.com/office/drawing/2014/main" id="{42806F08-B73F-5A19-8F02-2707349F41F2}"/>
               </a:ext>
             </a:extLst>
           </p:cNvPr>
@@ -24624,7 +24624,7 @@
           <p:cNvPr id="29" name="图片 28">
             <a:extLst>
               <a:ext uri="{FF2B5EF4-FFF2-40B4-BE49-F238E27FC236}">
-                <a16:creationId xmlns:a16="http://schemas.microsoft.com/office/drawing/2014/main" xmlns="" id="{37828109-D1DB-24B1-070F-6C6C2342A787}"/>
+                <a16:creationId xmlns="" xmlns:a16="http://schemas.microsoft.com/office/drawing/2014/main" id="{37828109-D1DB-24B1-070F-6C6C2342A787}"/>
               </a:ext>
             </a:extLst>
           </p:cNvPr>
@@ -24654,7 +24654,7 @@
           <p:cNvPr id="30" name="图片 29">
             <a:extLst>
               <a:ext uri="{FF2B5EF4-FFF2-40B4-BE49-F238E27FC236}">
-                <a16:creationId xmlns:a16="http://schemas.microsoft.com/office/drawing/2014/main" xmlns="" id="{308EB72D-0591-1F78-12FC-CD798BD7E73D}"/>
+                <a16:creationId xmlns="" xmlns:a16="http://schemas.microsoft.com/office/drawing/2014/main" id="{308EB72D-0591-1F78-12FC-CD798BD7E73D}"/>
               </a:ext>
             </a:extLst>
           </p:cNvPr>
@@ -24684,7 +24684,7 @@
           <p:cNvPr id="31" name="图片 30">
             <a:extLst>
               <a:ext uri="{FF2B5EF4-FFF2-40B4-BE49-F238E27FC236}">
-                <a16:creationId xmlns:a16="http://schemas.microsoft.com/office/drawing/2014/main" xmlns="" id="{07F4B817-9FB7-F356-BFC2-674680D05075}"/>
+                <a16:creationId xmlns="" xmlns:a16="http://schemas.microsoft.com/office/drawing/2014/main" id="{07F4B817-9FB7-F356-BFC2-674680D05075}"/>
               </a:ext>
             </a:extLst>
           </p:cNvPr>
@@ -24714,7 +24714,7 @@
           <p:cNvPr id="32" name="图片 31">
             <a:extLst>
               <a:ext uri="{FF2B5EF4-FFF2-40B4-BE49-F238E27FC236}">
-                <a16:creationId xmlns:a16="http://schemas.microsoft.com/office/drawing/2014/main" xmlns="" id="{6AD0DB1A-3123-D4EB-783F-2A1EBF1F865D}"/>
+                <a16:creationId xmlns="" xmlns:a16="http://schemas.microsoft.com/office/drawing/2014/main" id="{6AD0DB1A-3123-D4EB-783F-2A1EBF1F865D}"/>
               </a:ext>
             </a:extLst>
           </p:cNvPr>
@@ -24744,7 +24744,7 @@
           <p:cNvPr id="33" name="图片 32">
             <a:extLst>
               <a:ext uri="{FF2B5EF4-FFF2-40B4-BE49-F238E27FC236}">
-                <a16:creationId xmlns:a16="http://schemas.microsoft.com/office/drawing/2014/main" xmlns="" id="{6EA6B283-FA33-8B5F-19D9-23C22512D6A2}"/>
+                <a16:creationId xmlns="" xmlns:a16="http://schemas.microsoft.com/office/drawing/2014/main" id="{6EA6B283-FA33-8B5F-19D9-23C22512D6A2}"/>
               </a:ext>
             </a:extLst>
           </p:cNvPr>
@@ -24774,7 +24774,7 @@
           <p:cNvPr id="34" name="图片 33">
             <a:extLst>
               <a:ext uri="{FF2B5EF4-FFF2-40B4-BE49-F238E27FC236}">
-                <a16:creationId xmlns:a16="http://schemas.microsoft.com/office/drawing/2014/main" xmlns="" id="{A7CC21E1-7467-1ACF-2ED7-68959584D6DF}"/>
+                <a16:creationId xmlns="" xmlns:a16="http://schemas.microsoft.com/office/drawing/2014/main" id="{A7CC21E1-7467-1ACF-2ED7-68959584D6DF}"/>
               </a:ext>
             </a:extLst>
           </p:cNvPr>
@@ -24804,7 +24804,7 @@
           <p:cNvPr id="35" name="图片 34">
             <a:extLst>
               <a:ext uri="{FF2B5EF4-FFF2-40B4-BE49-F238E27FC236}">
-                <a16:creationId xmlns:a16="http://schemas.microsoft.com/office/drawing/2014/main" xmlns="" id="{4FD1822D-6EF2-CCB1-76AC-A770762EDBFB}"/>
+                <a16:creationId xmlns="" xmlns:a16="http://schemas.microsoft.com/office/drawing/2014/main" id="{4FD1822D-6EF2-CCB1-76AC-A770762EDBFB}"/>
               </a:ext>
             </a:extLst>
           </p:cNvPr>
@@ -24834,7 +24834,7 @@
           <p:cNvPr id="36" name="图片 35">
             <a:extLst>
               <a:ext uri="{FF2B5EF4-FFF2-40B4-BE49-F238E27FC236}">
-                <a16:creationId xmlns:a16="http://schemas.microsoft.com/office/drawing/2014/main" xmlns="" id="{9E02D9AC-14F1-BAD2-3488-0805428D78DE}"/>
+                <a16:creationId xmlns="" xmlns:a16="http://schemas.microsoft.com/office/drawing/2014/main" id="{9E02D9AC-14F1-BAD2-3488-0805428D78DE}"/>
               </a:ext>
             </a:extLst>
           </p:cNvPr>
@@ -24894,7 +24894,7 @@
           <p:cNvPr id="2" name="标题 1">
             <a:extLst>
               <a:ext uri="{FF2B5EF4-FFF2-40B4-BE49-F238E27FC236}">
-                <a16:creationId xmlns:a16="http://schemas.microsoft.com/office/drawing/2014/main" xmlns="" id="{80796E82-7314-2FBE-2DE8-DDD70D4DF27E}"/>
+                <a16:creationId xmlns="" xmlns:a16="http://schemas.microsoft.com/office/drawing/2014/main" id="{80796E82-7314-2FBE-2DE8-DDD70D4DF27E}"/>
               </a:ext>
             </a:extLst>
           </p:cNvPr>
@@ -24943,7 +24943,7 @@
           <p:cNvPr id="4" name="文本框 3">
             <a:extLst>
               <a:ext uri="{FF2B5EF4-FFF2-40B4-BE49-F238E27FC236}">
-                <a16:creationId xmlns:a16="http://schemas.microsoft.com/office/drawing/2014/main" xmlns="" id="{3E8E8225-E7B4-E598-7AEB-66BC2EF7864E}"/>
+                <a16:creationId xmlns="" xmlns:a16="http://schemas.microsoft.com/office/drawing/2014/main" id="{3E8E8225-E7B4-E598-7AEB-66BC2EF7864E}"/>
               </a:ext>
             </a:extLst>
           </p:cNvPr>
@@ -25037,7 +25037,7 @@
           <p:cNvPr id="94" name="椭圆 93">
             <a:extLst>
               <a:ext uri="{FF2B5EF4-FFF2-40B4-BE49-F238E27FC236}">
-                <a16:creationId xmlns:a16="http://schemas.microsoft.com/office/drawing/2014/main" xmlns="" id="{8BEE0963-F39F-E799-5A6C-7DB2D9695EA3}"/>
+                <a16:creationId xmlns="" xmlns:a16="http://schemas.microsoft.com/office/drawing/2014/main" id="{8BEE0963-F39F-E799-5A6C-7DB2D9695EA3}"/>
               </a:ext>
             </a:extLst>
           </p:cNvPr>
@@ -25089,7 +25089,7 @@
           <p:cNvPr id="3" name="椭圆 2">
             <a:extLst>
               <a:ext uri="{FF2B5EF4-FFF2-40B4-BE49-F238E27FC236}">
-                <a16:creationId xmlns:a16="http://schemas.microsoft.com/office/drawing/2014/main" xmlns="" id="{012F767B-5206-A517-0D25-41845DA1D568}"/>
+                <a16:creationId xmlns="" xmlns:a16="http://schemas.microsoft.com/office/drawing/2014/main" id="{012F767B-5206-A517-0D25-41845DA1D568}"/>
               </a:ext>
             </a:extLst>
           </p:cNvPr>
@@ -25141,7 +25141,7 @@
           <p:cNvPr id="21" name="箭头: 右 20">
             <a:extLst>
               <a:ext uri="{FF2B5EF4-FFF2-40B4-BE49-F238E27FC236}">
-                <a16:creationId xmlns:a16="http://schemas.microsoft.com/office/drawing/2014/main" xmlns="" id="{712099D5-D46D-2313-85E7-AA26A729A7DC}"/>
+                <a16:creationId xmlns="" xmlns:a16="http://schemas.microsoft.com/office/drawing/2014/main" id="{712099D5-D46D-2313-85E7-AA26A729A7DC}"/>
               </a:ext>
             </a:extLst>
           </p:cNvPr>
@@ -25193,7 +25193,7 @@
           <p:cNvPr id="22" name="箭头: 右 21">
             <a:extLst>
               <a:ext uri="{FF2B5EF4-FFF2-40B4-BE49-F238E27FC236}">
-                <a16:creationId xmlns:a16="http://schemas.microsoft.com/office/drawing/2014/main" xmlns="" id="{1919A2B7-D3C5-A1AD-8659-FD3B9646534B}"/>
+                <a16:creationId xmlns="" xmlns:a16="http://schemas.microsoft.com/office/drawing/2014/main" id="{1919A2B7-D3C5-A1AD-8659-FD3B9646534B}"/>
               </a:ext>
             </a:extLst>
           </p:cNvPr>
@@ -25245,7 +25245,7 @@
           <p:cNvPr id="18" name="椭圆 17">
             <a:extLst>
               <a:ext uri="{FF2B5EF4-FFF2-40B4-BE49-F238E27FC236}">
-                <a16:creationId xmlns:a16="http://schemas.microsoft.com/office/drawing/2014/main" xmlns="" id="{F5A322F2-5817-3D48-1EC0-F4CD8343BB96}"/>
+                <a16:creationId xmlns="" xmlns:a16="http://schemas.microsoft.com/office/drawing/2014/main" id="{F5A322F2-5817-3D48-1EC0-F4CD8343BB96}"/>
               </a:ext>
             </a:extLst>
           </p:cNvPr>
@@ -25305,7 +25305,7 @@
           <p:cNvPr id="19" name="椭圆 18">
             <a:extLst>
               <a:ext uri="{FF2B5EF4-FFF2-40B4-BE49-F238E27FC236}">
-                <a16:creationId xmlns:a16="http://schemas.microsoft.com/office/drawing/2014/main" xmlns="" id="{7B553A98-99DD-ADE7-8F2C-82946FDF4A0F}"/>
+                <a16:creationId xmlns="" xmlns:a16="http://schemas.microsoft.com/office/drawing/2014/main" id="{7B553A98-99DD-ADE7-8F2C-82946FDF4A0F}"/>
               </a:ext>
             </a:extLst>
           </p:cNvPr>
@@ -25365,7 +25365,7 @@
           <p:cNvPr id="29" name="图片 28">
             <a:extLst>
               <a:ext uri="{FF2B5EF4-FFF2-40B4-BE49-F238E27FC236}">
-                <a16:creationId xmlns:a16="http://schemas.microsoft.com/office/drawing/2014/main" xmlns="" id="{37828109-D1DB-24B1-070F-6C6C2342A787}"/>
+                <a16:creationId xmlns="" xmlns:a16="http://schemas.microsoft.com/office/drawing/2014/main" id="{37828109-D1DB-24B1-070F-6C6C2342A787}"/>
               </a:ext>
             </a:extLst>
           </p:cNvPr>
@@ -25395,7 +25395,7 @@
           <p:cNvPr id="30" name="图片 29">
             <a:extLst>
               <a:ext uri="{FF2B5EF4-FFF2-40B4-BE49-F238E27FC236}">
-                <a16:creationId xmlns:a16="http://schemas.microsoft.com/office/drawing/2014/main" xmlns="" id="{308EB72D-0591-1F78-12FC-CD798BD7E73D}"/>
+                <a16:creationId xmlns="" xmlns:a16="http://schemas.microsoft.com/office/drawing/2014/main" id="{308EB72D-0591-1F78-12FC-CD798BD7E73D}"/>
               </a:ext>
             </a:extLst>
           </p:cNvPr>
@@ -25425,7 +25425,7 @@
           <p:cNvPr id="31" name="图片 30">
             <a:extLst>
               <a:ext uri="{FF2B5EF4-FFF2-40B4-BE49-F238E27FC236}">
-                <a16:creationId xmlns:a16="http://schemas.microsoft.com/office/drawing/2014/main" xmlns="" id="{07F4B817-9FB7-F356-BFC2-674680D05075}"/>
+                <a16:creationId xmlns="" xmlns:a16="http://schemas.microsoft.com/office/drawing/2014/main" id="{07F4B817-9FB7-F356-BFC2-674680D05075}"/>
               </a:ext>
             </a:extLst>
           </p:cNvPr>
@@ -25455,7 +25455,7 @@
           <p:cNvPr id="32" name="图片 31">
             <a:extLst>
               <a:ext uri="{FF2B5EF4-FFF2-40B4-BE49-F238E27FC236}">
-                <a16:creationId xmlns:a16="http://schemas.microsoft.com/office/drawing/2014/main" xmlns="" id="{6AD0DB1A-3123-D4EB-783F-2A1EBF1F865D}"/>
+                <a16:creationId xmlns="" xmlns:a16="http://schemas.microsoft.com/office/drawing/2014/main" id="{6AD0DB1A-3123-D4EB-783F-2A1EBF1F865D}"/>
               </a:ext>
             </a:extLst>
           </p:cNvPr>
@@ -25485,7 +25485,7 @@
           <p:cNvPr id="33" name="图片 32">
             <a:extLst>
               <a:ext uri="{FF2B5EF4-FFF2-40B4-BE49-F238E27FC236}">
-                <a16:creationId xmlns:a16="http://schemas.microsoft.com/office/drawing/2014/main" xmlns="" id="{6EA6B283-FA33-8B5F-19D9-23C22512D6A2}"/>
+                <a16:creationId xmlns="" xmlns:a16="http://schemas.microsoft.com/office/drawing/2014/main" id="{6EA6B283-FA33-8B5F-19D9-23C22512D6A2}"/>
               </a:ext>
             </a:extLst>
           </p:cNvPr>
@@ -25515,7 +25515,7 @@
           <p:cNvPr id="34" name="图片 33">
             <a:extLst>
               <a:ext uri="{FF2B5EF4-FFF2-40B4-BE49-F238E27FC236}">
-                <a16:creationId xmlns:a16="http://schemas.microsoft.com/office/drawing/2014/main" xmlns="" id="{A7CC21E1-7467-1ACF-2ED7-68959584D6DF}"/>
+                <a16:creationId xmlns="" xmlns:a16="http://schemas.microsoft.com/office/drawing/2014/main" id="{A7CC21E1-7467-1ACF-2ED7-68959584D6DF}"/>
               </a:ext>
             </a:extLst>
           </p:cNvPr>
@@ -25545,7 +25545,7 @@
           <p:cNvPr id="35" name="图片 34">
             <a:extLst>
               <a:ext uri="{FF2B5EF4-FFF2-40B4-BE49-F238E27FC236}">
-                <a16:creationId xmlns:a16="http://schemas.microsoft.com/office/drawing/2014/main" xmlns="" id="{4FD1822D-6EF2-CCB1-76AC-A770762EDBFB}"/>
+                <a16:creationId xmlns="" xmlns:a16="http://schemas.microsoft.com/office/drawing/2014/main" id="{4FD1822D-6EF2-CCB1-76AC-A770762EDBFB}"/>
               </a:ext>
             </a:extLst>
           </p:cNvPr>
@@ -25575,7 +25575,7 @@
           <p:cNvPr id="36" name="图片 35">
             <a:extLst>
               <a:ext uri="{FF2B5EF4-FFF2-40B4-BE49-F238E27FC236}">
-                <a16:creationId xmlns:a16="http://schemas.microsoft.com/office/drawing/2014/main" xmlns="" id="{9E02D9AC-14F1-BAD2-3488-0805428D78DE}"/>
+                <a16:creationId xmlns="" xmlns:a16="http://schemas.microsoft.com/office/drawing/2014/main" id="{9E02D9AC-14F1-BAD2-3488-0805428D78DE}"/>
               </a:ext>
             </a:extLst>
           </p:cNvPr>
@@ -25635,7 +25635,7 @@
           <p:cNvPr id="2" name="标题 1">
             <a:extLst>
               <a:ext uri="{FF2B5EF4-FFF2-40B4-BE49-F238E27FC236}">
-                <a16:creationId xmlns:a16="http://schemas.microsoft.com/office/drawing/2014/main" xmlns="" id="{80796E82-7314-2FBE-2DE8-DDD70D4DF27E}"/>
+                <a16:creationId xmlns="" xmlns:a16="http://schemas.microsoft.com/office/drawing/2014/main" id="{80796E82-7314-2FBE-2DE8-DDD70D4DF27E}"/>
               </a:ext>
             </a:extLst>
           </p:cNvPr>
@@ -25691,7 +25691,7 @@
           <p:cNvPr id="4" name="文本框 3">
             <a:extLst>
               <a:ext uri="{FF2B5EF4-FFF2-40B4-BE49-F238E27FC236}">
-                <a16:creationId xmlns:a16="http://schemas.microsoft.com/office/drawing/2014/main" xmlns="" id="{3E8E8225-E7B4-E598-7AEB-66BC2EF7864E}"/>
+                <a16:creationId xmlns="" xmlns:a16="http://schemas.microsoft.com/office/drawing/2014/main" id="{3E8E8225-E7B4-E598-7AEB-66BC2EF7864E}"/>
               </a:ext>
             </a:extLst>
           </p:cNvPr>
@@ -25727,7 +25727,7 @@
           <p:cNvPr id="94" name="椭圆 93">
             <a:extLst>
               <a:ext uri="{FF2B5EF4-FFF2-40B4-BE49-F238E27FC236}">
-                <a16:creationId xmlns:a16="http://schemas.microsoft.com/office/drawing/2014/main" xmlns="" id="{8BEE0963-F39F-E799-5A6C-7DB2D9695EA3}"/>
+                <a16:creationId xmlns="" xmlns:a16="http://schemas.microsoft.com/office/drawing/2014/main" id="{8BEE0963-F39F-E799-5A6C-7DB2D9695EA3}"/>
               </a:ext>
             </a:extLst>
           </p:cNvPr>
@@ -25779,7 +25779,7 @@
           <p:cNvPr id="20" name="椭圆 19">
             <a:extLst>
               <a:ext uri="{FF2B5EF4-FFF2-40B4-BE49-F238E27FC236}">
-                <a16:creationId xmlns:a16="http://schemas.microsoft.com/office/drawing/2014/main" xmlns="" id="{1F3D5A18-117A-FBDB-A07B-D4E2DC2FC832}"/>
+                <a16:creationId xmlns="" xmlns:a16="http://schemas.microsoft.com/office/drawing/2014/main" id="{1F3D5A18-117A-FBDB-A07B-D4E2DC2FC832}"/>
               </a:ext>
             </a:extLst>
           </p:cNvPr>
@@ -25829,7 +25829,7 @@
           <p:cNvPr id="23" name="矩形 22">
             <a:extLst>
               <a:ext uri="{FF2B5EF4-FFF2-40B4-BE49-F238E27FC236}">
-                <a16:creationId xmlns:a16="http://schemas.microsoft.com/office/drawing/2014/main" xmlns="" id="{1DB7B11B-A7F7-8894-4BAF-68DD060767B3}"/>
+                <a16:creationId xmlns="" xmlns:a16="http://schemas.microsoft.com/office/drawing/2014/main" id="{1DB7B11B-A7F7-8894-4BAF-68DD060767B3}"/>
               </a:ext>
             </a:extLst>
           </p:cNvPr>
@@ -25879,7 +25879,7 @@
           <p:cNvPr id="24" name="矩形 23">
             <a:extLst>
               <a:ext uri="{FF2B5EF4-FFF2-40B4-BE49-F238E27FC236}">
-                <a16:creationId xmlns:a16="http://schemas.microsoft.com/office/drawing/2014/main" xmlns="" id="{5E103417-33D7-7A1E-5135-FE392A9238A1}"/>
+                <a16:creationId xmlns="" xmlns:a16="http://schemas.microsoft.com/office/drawing/2014/main" id="{5E103417-33D7-7A1E-5135-FE392A9238A1}"/>
               </a:ext>
             </a:extLst>
           </p:cNvPr>
@@ -25929,7 +25929,7 @@
           <p:cNvPr id="25" name="Google Shape;73;p14">
             <a:extLst>
               <a:ext uri="{FF2B5EF4-FFF2-40B4-BE49-F238E27FC236}">
-                <a16:creationId xmlns:a16="http://schemas.microsoft.com/office/drawing/2014/main" xmlns="" id="{728B4BED-4470-8B41-5F52-AEAB959AE86A}"/>
+                <a16:creationId xmlns="" xmlns:a16="http://schemas.microsoft.com/office/drawing/2014/main" id="{728B4BED-4470-8B41-5F52-AEAB959AE86A}"/>
               </a:ext>
             </a:extLst>
           </p:cNvPr>
@@ -25963,7 +25963,7 @@
           <p:cNvPr id="26" name="Google Shape;73;p14">
             <a:extLst>
               <a:ext uri="{FF2B5EF4-FFF2-40B4-BE49-F238E27FC236}">
-                <a16:creationId xmlns:a16="http://schemas.microsoft.com/office/drawing/2014/main" xmlns="" id="{728B4BED-4470-8B41-5F52-AEAB959AE86A}"/>
+                <a16:creationId xmlns="" xmlns:a16="http://schemas.microsoft.com/office/drawing/2014/main" id="{728B4BED-4470-8B41-5F52-AEAB959AE86A}"/>
               </a:ext>
             </a:extLst>
           </p:cNvPr>
@@ -25997,7 +25997,7 @@
           <p:cNvPr id="27" name="Google Shape;73;p14">
             <a:extLst>
               <a:ext uri="{FF2B5EF4-FFF2-40B4-BE49-F238E27FC236}">
-                <a16:creationId xmlns:a16="http://schemas.microsoft.com/office/drawing/2014/main" xmlns="" id="{728B4BED-4470-8B41-5F52-AEAB959AE86A}"/>
+                <a16:creationId xmlns="" xmlns:a16="http://schemas.microsoft.com/office/drawing/2014/main" id="{728B4BED-4470-8B41-5F52-AEAB959AE86A}"/>
               </a:ext>
             </a:extLst>
           </p:cNvPr>
@@ -26238,7 +26238,7 @@
           <p:cNvPr id="82" name="箭头: V 形 20">
             <a:extLst>
               <a:ext uri="{FF2B5EF4-FFF2-40B4-BE49-F238E27FC236}">
-                <a16:creationId xmlns:a16="http://schemas.microsoft.com/office/drawing/2014/main" xmlns="" id="{BC353627-9371-244D-7367-7A27EC648508}"/>
+                <a16:creationId xmlns="" xmlns:a16="http://schemas.microsoft.com/office/drawing/2014/main" id="{BC353627-9371-244D-7367-7A27EC648508}"/>
               </a:ext>
             </a:extLst>
           </p:cNvPr>
@@ -26286,7 +26286,7 @@
           <p:cNvPr id="83" name="箭头: V 形 21">
             <a:extLst>
               <a:ext uri="{FF2B5EF4-FFF2-40B4-BE49-F238E27FC236}">
-                <a16:creationId xmlns:a16="http://schemas.microsoft.com/office/drawing/2014/main" xmlns="" id="{41D7DFA2-1682-8959-1196-12E3B7C49765}"/>
+                <a16:creationId xmlns="" xmlns:a16="http://schemas.microsoft.com/office/drawing/2014/main" id="{41D7DFA2-1682-8959-1196-12E3B7C49765}"/>
               </a:ext>
             </a:extLst>
           </p:cNvPr>
@@ -26334,7 +26334,7 @@
           <p:cNvPr id="84" name="箭头: V 形 22">
             <a:extLst>
               <a:ext uri="{FF2B5EF4-FFF2-40B4-BE49-F238E27FC236}">
-                <a16:creationId xmlns:a16="http://schemas.microsoft.com/office/drawing/2014/main" xmlns="" id="{3E6B5B9D-8A94-166B-F4E4-0C03AFDA72FF}"/>
+                <a16:creationId xmlns="" xmlns:a16="http://schemas.microsoft.com/office/drawing/2014/main" id="{3E6B5B9D-8A94-166B-F4E4-0C03AFDA72FF}"/>
               </a:ext>
             </a:extLst>
           </p:cNvPr>
@@ -26382,7 +26382,7 @@
           <p:cNvPr id="85" name="箭头: V 形 23">
             <a:extLst>
               <a:ext uri="{FF2B5EF4-FFF2-40B4-BE49-F238E27FC236}">
-                <a16:creationId xmlns:a16="http://schemas.microsoft.com/office/drawing/2014/main" xmlns="" id="{58C2A296-BAAF-AA9E-2CEA-ABDFA8710114}"/>
+                <a16:creationId xmlns="" xmlns:a16="http://schemas.microsoft.com/office/drawing/2014/main" id="{58C2A296-BAAF-AA9E-2CEA-ABDFA8710114}"/>
               </a:ext>
             </a:extLst>
           </p:cNvPr>
@@ -26460,7 +26460,7 @@
           <p:cNvPr id="2" name="标题 1">
             <a:extLst>
               <a:ext uri="{FF2B5EF4-FFF2-40B4-BE49-F238E27FC236}">
-                <a16:creationId xmlns:a16="http://schemas.microsoft.com/office/drawing/2014/main" xmlns="" id="{80796E82-7314-2FBE-2DE8-DDD70D4DF27E}"/>
+                <a16:creationId xmlns="" xmlns:a16="http://schemas.microsoft.com/office/drawing/2014/main" id="{80796E82-7314-2FBE-2DE8-DDD70D4DF27E}"/>
               </a:ext>
             </a:extLst>
           </p:cNvPr>
@@ -26516,7 +26516,7 @@
           <p:cNvPr id="4" name="文本框 3">
             <a:extLst>
               <a:ext uri="{FF2B5EF4-FFF2-40B4-BE49-F238E27FC236}">
-                <a16:creationId xmlns:a16="http://schemas.microsoft.com/office/drawing/2014/main" xmlns="" id="{3E8E8225-E7B4-E598-7AEB-66BC2EF7864E}"/>
+                <a16:creationId xmlns="" xmlns:a16="http://schemas.microsoft.com/office/drawing/2014/main" id="{3E8E8225-E7B4-E598-7AEB-66BC2EF7864E}"/>
               </a:ext>
             </a:extLst>
           </p:cNvPr>
@@ -26552,7 +26552,7 @@
           <p:cNvPr id="94" name="椭圆 93">
             <a:extLst>
               <a:ext uri="{FF2B5EF4-FFF2-40B4-BE49-F238E27FC236}">
-                <a16:creationId xmlns:a16="http://schemas.microsoft.com/office/drawing/2014/main" xmlns="" id="{8BEE0963-F39F-E799-5A6C-7DB2D9695EA3}"/>
+                <a16:creationId xmlns="" xmlns:a16="http://schemas.microsoft.com/office/drawing/2014/main" id="{8BEE0963-F39F-E799-5A6C-7DB2D9695EA3}"/>
               </a:ext>
             </a:extLst>
           </p:cNvPr>
@@ -26604,7 +26604,7 @@
           <p:cNvPr id="20" name="椭圆 19">
             <a:extLst>
               <a:ext uri="{FF2B5EF4-FFF2-40B4-BE49-F238E27FC236}">
-                <a16:creationId xmlns:a16="http://schemas.microsoft.com/office/drawing/2014/main" xmlns="" id="{1F3D5A18-117A-FBDB-A07B-D4E2DC2FC832}"/>
+                <a16:creationId xmlns="" xmlns:a16="http://schemas.microsoft.com/office/drawing/2014/main" id="{1F3D5A18-117A-FBDB-A07B-D4E2DC2FC832}"/>
               </a:ext>
             </a:extLst>
           </p:cNvPr>
@@ -26654,7 +26654,7 @@
           <p:cNvPr id="23" name="矩形 22">
             <a:extLst>
               <a:ext uri="{FF2B5EF4-FFF2-40B4-BE49-F238E27FC236}">
-                <a16:creationId xmlns:a16="http://schemas.microsoft.com/office/drawing/2014/main" xmlns="" id="{1DB7B11B-A7F7-8894-4BAF-68DD060767B3}"/>
+                <a16:creationId xmlns="" xmlns:a16="http://schemas.microsoft.com/office/drawing/2014/main" id="{1DB7B11B-A7F7-8894-4BAF-68DD060767B3}"/>
               </a:ext>
             </a:extLst>
           </p:cNvPr>
@@ -26704,7 +26704,7 @@
           <p:cNvPr id="24" name="矩形 23">
             <a:extLst>
               <a:ext uri="{FF2B5EF4-FFF2-40B4-BE49-F238E27FC236}">
-                <a16:creationId xmlns:a16="http://schemas.microsoft.com/office/drawing/2014/main" xmlns="" id="{5E103417-33D7-7A1E-5135-FE392A9238A1}"/>
+                <a16:creationId xmlns="" xmlns:a16="http://schemas.microsoft.com/office/drawing/2014/main" id="{5E103417-33D7-7A1E-5135-FE392A9238A1}"/>
               </a:ext>
             </a:extLst>
           </p:cNvPr>
@@ -26754,7 +26754,7 @@
           <p:cNvPr id="25" name="Google Shape;73;p14">
             <a:extLst>
               <a:ext uri="{FF2B5EF4-FFF2-40B4-BE49-F238E27FC236}">
-                <a16:creationId xmlns:a16="http://schemas.microsoft.com/office/drawing/2014/main" xmlns="" id="{728B4BED-4470-8B41-5F52-AEAB959AE86A}"/>
+                <a16:creationId xmlns="" xmlns:a16="http://schemas.microsoft.com/office/drawing/2014/main" id="{728B4BED-4470-8B41-5F52-AEAB959AE86A}"/>
               </a:ext>
             </a:extLst>
           </p:cNvPr>
@@ -26788,7 +26788,7 @@
           <p:cNvPr id="26" name="Google Shape;73;p14">
             <a:extLst>
               <a:ext uri="{FF2B5EF4-FFF2-40B4-BE49-F238E27FC236}">
-                <a16:creationId xmlns:a16="http://schemas.microsoft.com/office/drawing/2014/main" xmlns="" id="{728B4BED-4470-8B41-5F52-AEAB959AE86A}"/>
+                <a16:creationId xmlns="" xmlns:a16="http://schemas.microsoft.com/office/drawing/2014/main" id="{728B4BED-4470-8B41-5F52-AEAB959AE86A}"/>
               </a:ext>
             </a:extLst>
           </p:cNvPr>
@@ -26822,7 +26822,7 @@
           <p:cNvPr id="27" name="Google Shape;73;p14">
             <a:extLst>
               <a:ext uri="{FF2B5EF4-FFF2-40B4-BE49-F238E27FC236}">
-                <a16:creationId xmlns:a16="http://schemas.microsoft.com/office/drawing/2014/main" xmlns="" id="{728B4BED-4470-8B41-5F52-AEAB959AE86A}"/>
+                <a16:creationId xmlns="" xmlns:a16="http://schemas.microsoft.com/office/drawing/2014/main" id="{728B4BED-4470-8B41-5F52-AEAB959AE86A}"/>
               </a:ext>
             </a:extLst>
           </p:cNvPr>
@@ -26949,8 +26949,8 @@
         </p:nvSpPr>
         <p:spPr>
           <a:xfrm rot="2120909">
-            <a:off x="6305831" y="972528"/>
-            <a:ext cx="1740133" cy="5462252"/>
+            <a:off x="6148781" y="956574"/>
+            <a:ext cx="2009249" cy="5462252"/>
           </a:xfrm>
           <a:prstGeom prst="rect">
             <a:avLst/>
@@ -26988,8 +26988,8 @@
         </p:nvSpPr>
         <p:spPr>
           <a:xfrm>
-            <a:off x="6386161" y="1085122"/>
-            <a:ext cx="1751475" cy="5462252"/>
+            <a:off x="6208525" y="1085122"/>
+            <a:ext cx="2072800" cy="5462252"/>
           </a:xfrm>
           <a:prstGeom prst="rect">
             <a:avLst/>
@@ -27027,8 +27027,8 @@
         </p:nvSpPr>
         <p:spPr>
           <a:xfrm rot="19403614">
-            <a:off x="6481203" y="1139075"/>
-            <a:ext cx="1751475" cy="5462252"/>
+            <a:off x="6249744" y="1016585"/>
+            <a:ext cx="2037909" cy="5462252"/>
           </a:xfrm>
           <a:prstGeom prst="rect">
             <a:avLst/>
@@ -27063,7 +27063,7 @@
           <p:cNvPr id="82" name="箭头: V 形 20">
             <a:extLst>
               <a:ext uri="{FF2B5EF4-FFF2-40B4-BE49-F238E27FC236}">
-                <a16:creationId xmlns:a16="http://schemas.microsoft.com/office/drawing/2014/main" xmlns="" id="{BC353627-9371-244D-7367-7A27EC648508}"/>
+                <a16:creationId xmlns="" xmlns:a16="http://schemas.microsoft.com/office/drawing/2014/main" id="{BC353627-9371-244D-7367-7A27EC648508}"/>
               </a:ext>
             </a:extLst>
           </p:cNvPr>
@@ -27111,7 +27111,7 @@
           <p:cNvPr id="83" name="箭头: V 形 21">
             <a:extLst>
               <a:ext uri="{FF2B5EF4-FFF2-40B4-BE49-F238E27FC236}">
-                <a16:creationId xmlns:a16="http://schemas.microsoft.com/office/drawing/2014/main" xmlns="" id="{41D7DFA2-1682-8959-1196-12E3B7C49765}"/>
+                <a16:creationId xmlns="" xmlns:a16="http://schemas.microsoft.com/office/drawing/2014/main" id="{41D7DFA2-1682-8959-1196-12E3B7C49765}"/>
               </a:ext>
             </a:extLst>
           </p:cNvPr>
@@ -27159,7 +27159,7 @@
           <p:cNvPr id="84" name="箭头: V 形 22">
             <a:extLst>
               <a:ext uri="{FF2B5EF4-FFF2-40B4-BE49-F238E27FC236}">
-                <a16:creationId xmlns:a16="http://schemas.microsoft.com/office/drawing/2014/main" xmlns="" id="{3E6B5B9D-8A94-166B-F4E4-0C03AFDA72FF}"/>
+                <a16:creationId xmlns="" xmlns:a16="http://schemas.microsoft.com/office/drawing/2014/main" id="{3E6B5B9D-8A94-166B-F4E4-0C03AFDA72FF}"/>
               </a:ext>
             </a:extLst>
           </p:cNvPr>
@@ -27207,7 +27207,7 @@
           <p:cNvPr id="85" name="箭头: V 形 23">
             <a:extLst>
               <a:ext uri="{FF2B5EF4-FFF2-40B4-BE49-F238E27FC236}">
-                <a16:creationId xmlns:a16="http://schemas.microsoft.com/office/drawing/2014/main" xmlns="" id="{58C2A296-BAAF-AA9E-2CEA-ABDFA8710114}"/>
+                <a16:creationId xmlns="" xmlns:a16="http://schemas.microsoft.com/office/drawing/2014/main" id="{58C2A296-BAAF-AA9E-2CEA-ABDFA8710114}"/>
               </a:ext>
             </a:extLst>
           </p:cNvPr>
@@ -27255,7 +27255,7 @@
           <p:cNvPr id="29" name="Google Shape;73;p14">
             <a:extLst>
               <a:ext uri="{FF2B5EF4-FFF2-40B4-BE49-F238E27FC236}">
-                <a16:creationId xmlns:a16="http://schemas.microsoft.com/office/drawing/2014/main" xmlns="" id="{728B4BED-4470-8B41-5F52-AEAB959AE86A}"/>
+                <a16:creationId xmlns="" xmlns:a16="http://schemas.microsoft.com/office/drawing/2014/main" id="{728B4BED-4470-8B41-5F52-AEAB959AE86A}"/>
               </a:ext>
             </a:extLst>
           </p:cNvPr>
@@ -27319,7 +27319,7 @@
           <p:cNvPr id="31" name="Google Shape;100;p14">
             <a:extLst>
               <a:ext uri="{FF2B5EF4-FFF2-40B4-BE49-F238E27FC236}">
-                <a16:creationId xmlns:a16="http://schemas.microsoft.com/office/drawing/2014/main" xmlns="" id="{04D7ED66-035D-0386-E0EE-BA6FE024830F}"/>
+                <a16:creationId xmlns="" xmlns:a16="http://schemas.microsoft.com/office/drawing/2014/main" id="{04D7ED66-035D-0386-E0EE-BA6FE024830F}"/>
               </a:ext>
             </a:extLst>
           </p:cNvPr>
@@ -27392,7 +27392,7 @@
           <p:cNvPr id="4" name="Google Shape;74;p14">
             <a:extLst>
               <a:ext uri="{FF2B5EF4-FFF2-40B4-BE49-F238E27FC236}">
-                <a16:creationId xmlns:a16="http://schemas.microsoft.com/office/drawing/2014/main" xmlns="" id="{F52A6963-84A4-0036-01C0-8A6443B594E4}"/>
+                <a16:creationId xmlns="" xmlns:a16="http://schemas.microsoft.com/office/drawing/2014/main" id="{F52A6963-84A4-0036-01C0-8A6443B594E4}"/>
               </a:ext>
             </a:extLst>
           </p:cNvPr>
@@ -27426,7 +27426,7 @@
           <p:cNvPr id="5" name="Google Shape;75;p14">
             <a:extLst>
               <a:ext uri="{FF2B5EF4-FFF2-40B4-BE49-F238E27FC236}">
-                <a16:creationId xmlns:a16="http://schemas.microsoft.com/office/drawing/2014/main" xmlns="" id="{404581EA-6F71-715C-CE7C-99A122F3F6E4}"/>
+                <a16:creationId xmlns="" xmlns:a16="http://schemas.microsoft.com/office/drawing/2014/main" id="{404581EA-6F71-715C-CE7C-99A122F3F6E4}"/>
               </a:ext>
             </a:extLst>
           </p:cNvPr>
@@ -27460,7 +27460,7 @@
           <p:cNvPr id="6" name="Google Shape;76;p14">
             <a:extLst>
               <a:ext uri="{FF2B5EF4-FFF2-40B4-BE49-F238E27FC236}">
-                <a16:creationId xmlns:a16="http://schemas.microsoft.com/office/drawing/2014/main" xmlns="" id="{A527F9F4-7B4A-2EA7-612E-AAA3DD8F9F91}"/>
+                <a16:creationId xmlns="" xmlns:a16="http://schemas.microsoft.com/office/drawing/2014/main" id="{A527F9F4-7B4A-2EA7-612E-AAA3DD8F9F91}"/>
               </a:ext>
             </a:extLst>
           </p:cNvPr>
@@ -27494,7 +27494,7 @@
           <p:cNvPr id="7" name="Google Shape;77;p14">
             <a:extLst>
               <a:ext uri="{FF2B5EF4-FFF2-40B4-BE49-F238E27FC236}">
-                <a16:creationId xmlns:a16="http://schemas.microsoft.com/office/drawing/2014/main" xmlns="" id="{FCDA0BCF-7B73-F1F2-4535-2A7D8DF8F9A5}"/>
+                <a16:creationId xmlns="" xmlns:a16="http://schemas.microsoft.com/office/drawing/2014/main" id="{FCDA0BCF-7B73-F1F2-4535-2A7D8DF8F9A5}"/>
               </a:ext>
             </a:extLst>
           </p:cNvPr>
@@ -27528,7 +27528,7 @@
           <p:cNvPr id="8" name="Google Shape;78;p14">
             <a:extLst>
               <a:ext uri="{FF2B5EF4-FFF2-40B4-BE49-F238E27FC236}">
-                <a16:creationId xmlns:a16="http://schemas.microsoft.com/office/drawing/2014/main" xmlns="" id="{0C8F405C-8C7A-9464-2835-C0C6BCE26B6A}"/>
+                <a16:creationId xmlns="" xmlns:a16="http://schemas.microsoft.com/office/drawing/2014/main" id="{0C8F405C-8C7A-9464-2835-C0C6BCE26B6A}"/>
               </a:ext>
             </a:extLst>
           </p:cNvPr>
@@ -27562,7 +27562,7 @@
           <p:cNvPr id="9" name="Google Shape;79;p14">
             <a:extLst>
               <a:ext uri="{FF2B5EF4-FFF2-40B4-BE49-F238E27FC236}">
-                <a16:creationId xmlns:a16="http://schemas.microsoft.com/office/drawing/2014/main" xmlns="" id="{E9EC9C58-B423-E735-B962-72835BD4EE86}"/>
+                <a16:creationId xmlns="" xmlns:a16="http://schemas.microsoft.com/office/drawing/2014/main" id="{E9EC9C58-B423-E735-B962-72835BD4EE86}"/>
               </a:ext>
             </a:extLst>
           </p:cNvPr>
@@ -27596,7 +27596,7 @@
           <p:cNvPr id="10" name="Google Shape;80;p14">
             <a:extLst>
               <a:ext uri="{FF2B5EF4-FFF2-40B4-BE49-F238E27FC236}">
-                <a16:creationId xmlns:a16="http://schemas.microsoft.com/office/drawing/2014/main" xmlns="" id="{BA0DDD85-240E-A853-DC83-F6457C5291E8}"/>
+                <a16:creationId xmlns="" xmlns:a16="http://schemas.microsoft.com/office/drawing/2014/main" id="{BA0DDD85-240E-A853-DC83-F6457C5291E8}"/>
               </a:ext>
             </a:extLst>
           </p:cNvPr>
@@ -27630,7 +27630,7 @@
           <p:cNvPr id="11" name="Google Shape;81;p14">
             <a:extLst>
               <a:ext uri="{FF2B5EF4-FFF2-40B4-BE49-F238E27FC236}">
-                <a16:creationId xmlns:a16="http://schemas.microsoft.com/office/drawing/2014/main" xmlns="" id="{78D0E7F2-A606-3D98-4CE9-4D32A4C0E2C6}"/>
+                <a16:creationId xmlns="" xmlns:a16="http://schemas.microsoft.com/office/drawing/2014/main" id="{78D0E7F2-A606-3D98-4CE9-4D32A4C0E2C6}"/>
               </a:ext>
             </a:extLst>
           </p:cNvPr>
@@ -27664,7 +27664,7 @@
           <p:cNvPr id="12" name="箭头: 五边形 11">
             <a:extLst>
               <a:ext uri="{FF2B5EF4-FFF2-40B4-BE49-F238E27FC236}">
-                <a16:creationId xmlns:a16="http://schemas.microsoft.com/office/drawing/2014/main" xmlns="" id="{E13F04AF-CA49-218E-5AA1-C8D4A89BCA7A}"/>
+                <a16:creationId xmlns="" xmlns:a16="http://schemas.microsoft.com/office/drawing/2014/main" id="{E13F04AF-CA49-218E-5AA1-C8D4A89BCA7A}"/>
               </a:ext>
             </a:extLst>
           </p:cNvPr>
@@ -27711,7 +27711,7 @@
           <p:cNvPr id="13" name="箭头: 五边形 12">
             <a:extLst>
               <a:ext uri="{FF2B5EF4-FFF2-40B4-BE49-F238E27FC236}">
-                <a16:creationId xmlns:a16="http://schemas.microsoft.com/office/drawing/2014/main" xmlns="" id="{05DEB904-DFEB-BAA8-7C26-B72CD611A811}"/>
+                <a16:creationId xmlns="" xmlns:a16="http://schemas.microsoft.com/office/drawing/2014/main" id="{05DEB904-DFEB-BAA8-7C26-B72CD611A811}"/>
               </a:ext>
             </a:extLst>
           </p:cNvPr>
@@ -27767,7 +27767,7 @@
           <p:cNvPr id="14" name="箭头: 五边形 13">
             <a:extLst>
               <a:ext uri="{FF2B5EF4-FFF2-40B4-BE49-F238E27FC236}">
-                <a16:creationId xmlns:a16="http://schemas.microsoft.com/office/drawing/2014/main" xmlns="" id="{FD3B5483-3F50-8FB0-25AC-EC051D3099FB}"/>
+                <a16:creationId xmlns="" xmlns:a16="http://schemas.microsoft.com/office/drawing/2014/main" id="{FD3B5483-3F50-8FB0-25AC-EC051D3099FB}"/>
               </a:ext>
             </a:extLst>
           </p:cNvPr>
@@ -27823,7 +27823,7 @@
           <p:cNvPr id="15" name="箭头: 五边形 14">
             <a:extLst>
               <a:ext uri="{FF2B5EF4-FFF2-40B4-BE49-F238E27FC236}">
-                <a16:creationId xmlns:a16="http://schemas.microsoft.com/office/drawing/2014/main" xmlns="" id="{A43EC445-08DE-C16A-E8F3-A1D64CDC87A4}"/>
+                <a16:creationId xmlns="" xmlns:a16="http://schemas.microsoft.com/office/drawing/2014/main" id="{A43EC445-08DE-C16A-E8F3-A1D64CDC87A4}"/>
               </a:ext>
             </a:extLst>
           </p:cNvPr>
@@ -27879,7 +27879,7 @@
           <p:cNvPr id="16" name="箭头: 五边形 15">
             <a:extLst>
               <a:ext uri="{FF2B5EF4-FFF2-40B4-BE49-F238E27FC236}">
-                <a16:creationId xmlns:a16="http://schemas.microsoft.com/office/drawing/2014/main" xmlns="" id="{B8062128-35C1-DC16-AC2E-34A3B7EFCE5D}"/>
+                <a16:creationId xmlns="" xmlns:a16="http://schemas.microsoft.com/office/drawing/2014/main" id="{B8062128-35C1-DC16-AC2E-34A3B7EFCE5D}"/>
               </a:ext>
             </a:extLst>
           </p:cNvPr>
@@ -27935,7 +27935,7 @@
           <p:cNvPr id="17" name="箭头: 五边形 16">
             <a:extLst>
               <a:ext uri="{FF2B5EF4-FFF2-40B4-BE49-F238E27FC236}">
-                <a16:creationId xmlns:a16="http://schemas.microsoft.com/office/drawing/2014/main" xmlns="" id="{9161E0C4-34BC-E5EF-2DA6-3E4BE128882D}"/>
+                <a16:creationId xmlns="" xmlns:a16="http://schemas.microsoft.com/office/drawing/2014/main" id="{9161E0C4-34BC-E5EF-2DA6-3E4BE128882D}"/>
               </a:ext>
             </a:extLst>
           </p:cNvPr>
@@ -27982,7 +27982,7 @@
           <p:cNvPr id="18" name="箭头: 五边形 17">
             <a:extLst>
               <a:ext uri="{FF2B5EF4-FFF2-40B4-BE49-F238E27FC236}">
-                <a16:creationId xmlns:a16="http://schemas.microsoft.com/office/drawing/2014/main" xmlns="" id="{B14F0095-88A1-E73B-341C-A51D4BF3BCE7}"/>
+                <a16:creationId xmlns="" xmlns:a16="http://schemas.microsoft.com/office/drawing/2014/main" id="{B14F0095-88A1-E73B-341C-A51D4BF3BCE7}"/>
               </a:ext>
             </a:extLst>
           </p:cNvPr>
@@ -28029,7 +28029,7 @@
           <p:cNvPr id="19" name="箭头: 五边形 18">
             <a:extLst>
               <a:ext uri="{FF2B5EF4-FFF2-40B4-BE49-F238E27FC236}">
-                <a16:creationId xmlns:a16="http://schemas.microsoft.com/office/drawing/2014/main" xmlns="" id="{E972E0E3-FC1A-AEDD-7D35-7285E0781540}"/>
+                <a16:creationId xmlns="" xmlns:a16="http://schemas.microsoft.com/office/drawing/2014/main" id="{E972E0E3-FC1A-AEDD-7D35-7285E0781540}"/>
               </a:ext>
             </a:extLst>
           </p:cNvPr>
@@ -28116,7 +28116,7 @@
           <p:cNvPr id="2" name="标题 1">
             <a:extLst>
               <a:ext uri="{FF2B5EF4-FFF2-40B4-BE49-F238E27FC236}">
-                <a16:creationId xmlns:a16="http://schemas.microsoft.com/office/drawing/2014/main" xmlns="" id="{2A9B6C59-89F9-5390-BB77-F8DB7EF7B310}"/>
+                <a16:creationId xmlns="" xmlns:a16="http://schemas.microsoft.com/office/drawing/2014/main" id="{2A9B6C59-89F9-5390-BB77-F8DB7EF7B310}"/>
               </a:ext>
             </a:extLst>
           </p:cNvPr>
@@ -28191,7 +28191,7 @@
           <p:cNvPr id="2" name="标题 1">
             <a:extLst>
               <a:ext uri="{FF2B5EF4-FFF2-40B4-BE49-F238E27FC236}">
-                <a16:creationId xmlns:a16="http://schemas.microsoft.com/office/drawing/2014/main" xmlns="" id="{80796E82-7314-2FBE-2DE8-DDD70D4DF27E}"/>
+                <a16:creationId xmlns="" xmlns:a16="http://schemas.microsoft.com/office/drawing/2014/main" id="{80796E82-7314-2FBE-2DE8-DDD70D4DF27E}"/>
               </a:ext>
             </a:extLst>
           </p:cNvPr>
@@ -28240,7 +28240,7 @@
           <p:cNvPr id="5" name="椭圆 4">
             <a:extLst>
               <a:ext uri="{FF2B5EF4-FFF2-40B4-BE49-F238E27FC236}">
-                <a16:creationId xmlns:a16="http://schemas.microsoft.com/office/drawing/2014/main" xmlns="" id="{A020CC41-9901-5A10-06D8-1F19650A3A6A}"/>
+                <a16:creationId xmlns="" xmlns:a16="http://schemas.microsoft.com/office/drawing/2014/main" id="{A020CC41-9901-5A10-06D8-1F19650A3A6A}"/>
               </a:ext>
             </a:extLst>
           </p:cNvPr>
@@ -28292,7 +28292,7 @@
           <p:cNvPr id="6" name="Google Shape;74;p14">
             <a:extLst>
               <a:ext uri="{FF2B5EF4-FFF2-40B4-BE49-F238E27FC236}">
-                <a16:creationId xmlns:a16="http://schemas.microsoft.com/office/drawing/2014/main" xmlns="" id="{8ABB2948-CF7D-7BD6-14B8-367574244CB2}"/>
+                <a16:creationId xmlns="" xmlns:a16="http://schemas.microsoft.com/office/drawing/2014/main" id="{8ABB2948-CF7D-7BD6-14B8-367574244CB2}"/>
               </a:ext>
             </a:extLst>
           </p:cNvPr>
@@ -28326,7 +28326,7 @@
           <p:cNvPr id="7" name="Google Shape;75;p14">
             <a:extLst>
               <a:ext uri="{FF2B5EF4-FFF2-40B4-BE49-F238E27FC236}">
-                <a16:creationId xmlns:a16="http://schemas.microsoft.com/office/drawing/2014/main" xmlns="" id="{744D1F6B-EBF7-049C-9CBC-D2BD265B8DB5}"/>
+                <a16:creationId xmlns="" xmlns:a16="http://schemas.microsoft.com/office/drawing/2014/main" id="{744D1F6B-EBF7-049C-9CBC-D2BD265B8DB5}"/>
               </a:ext>
             </a:extLst>
           </p:cNvPr>
@@ -28360,7 +28360,7 @@
           <p:cNvPr id="8" name="Google Shape;76;p14">
             <a:extLst>
               <a:ext uri="{FF2B5EF4-FFF2-40B4-BE49-F238E27FC236}">
-                <a16:creationId xmlns:a16="http://schemas.microsoft.com/office/drawing/2014/main" xmlns="" id="{A0604560-830C-4AC9-3717-031AA48B5D45}"/>
+                <a16:creationId xmlns="" xmlns:a16="http://schemas.microsoft.com/office/drawing/2014/main" id="{A0604560-830C-4AC9-3717-031AA48B5D45}"/>
               </a:ext>
             </a:extLst>
           </p:cNvPr>
@@ -28394,7 +28394,7 @@
           <p:cNvPr id="9" name="Google Shape;77;p14">
             <a:extLst>
               <a:ext uri="{FF2B5EF4-FFF2-40B4-BE49-F238E27FC236}">
-                <a16:creationId xmlns:a16="http://schemas.microsoft.com/office/drawing/2014/main" xmlns="" id="{DC03C87C-87BB-A5EB-0D50-DDB31F93A6C2}"/>
+                <a16:creationId xmlns="" xmlns:a16="http://schemas.microsoft.com/office/drawing/2014/main" id="{DC03C87C-87BB-A5EB-0D50-DDB31F93A6C2}"/>
               </a:ext>
             </a:extLst>
           </p:cNvPr>
@@ -28428,7 +28428,7 @@
           <p:cNvPr id="10" name="Google Shape;78;p14">
             <a:extLst>
               <a:ext uri="{FF2B5EF4-FFF2-40B4-BE49-F238E27FC236}">
-                <a16:creationId xmlns:a16="http://schemas.microsoft.com/office/drawing/2014/main" xmlns="" id="{281D3DED-9B64-E88B-FC5F-0C30B82A9484}"/>
+                <a16:creationId xmlns="" xmlns:a16="http://schemas.microsoft.com/office/drawing/2014/main" id="{281D3DED-9B64-E88B-FC5F-0C30B82A9484}"/>
               </a:ext>
             </a:extLst>
           </p:cNvPr>
@@ -28462,7 +28462,7 @@
           <p:cNvPr id="11" name="Google Shape;79;p14">
             <a:extLst>
               <a:ext uri="{FF2B5EF4-FFF2-40B4-BE49-F238E27FC236}">
-                <a16:creationId xmlns:a16="http://schemas.microsoft.com/office/drawing/2014/main" xmlns="" id="{0DAE55E6-D474-C395-BC84-8ACA3CE820A0}"/>
+                <a16:creationId xmlns="" xmlns:a16="http://schemas.microsoft.com/office/drawing/2014/main" id="{0DAE55E6-D474-C395-BC84-8ACA3CE820A0}"/>
               </a:ext>
             </a:extLst>
           </p:cNvPr>
@@ -28496,7 +28496,7 @@
           <p:cNvPr id="12" name="Google Shape;80;p14">
             <a:extLst>
               <a:ext uri="{FF2B5EF4-FFF2-40B4-BE49-F238E27FC236}">
-                <a16:creationId xmlns:a16="http://schemas.microsoft.com/office/drawing/2014/main" xmlns="" id="{3A5AAC50-9F06-A76F-B20B-35CF3612E825}"/>
+                <a16:creationId xmlns="" xmlns:a16="http://schemas.microsoft.com/office/drawing/2014/main" id="{3A5AAC50-9F06-A76F-B20B-35CF3612E825}"/>
               </a:ext>
             </a:extLst>
           </p:cNvPr>
@@ -28530,7 +28530,7 @@
           <p:cNvPr id="13" name="Google Shape;81;p14">
             <a:extLst>
               <a:ext uri="{FF2B5EF4-FFF2-40B4-BE49-F238E27FC236}">
-                <a16:creationId xmlns:a16="http://schemas.microsoft.com/office/drawing/2014/main" xmlns="" id="{F33B3BEC-1095-E464-2D03-703E55B0F8A0}"/>
+                <a16:creationId xmlns="" xmlns:a16="http://schemas.microsoft.com/office/drawing/2014/main" id="{F33B3BEC-1095-E464-2D03-703E55B0F8A0}"/>
               </a:ext>
             </a:extLst>
           </p:cNvPr>
@@ -28564,7 +28564,7 @@
           <p:cNvPr id="14" name="图片 13">
             <a:extLst>
               <a:ext uri="{FF2B5EF4-FFF2-40B4-BE49-F238E27FC236}">
-                <a16:creationId xmlns:a16="http://schemas.microsoft.com/office/drawing/2014/main" xmlns="" id="{A1247C65-E9FE-684D-C577-C3EFF757A026}"/>
+                <a16:creationId xmlns="" xmlns:a16="http://schemas.microsoft.com/office/drawing/2014/main" id="{A1247C65-E9FE-684D-C577-C3EFF757A026}"/>
               </a:ext>
             </a:extLst>
           </p:cNvPr>
@@ -28594,7 +28594,7 @@
           <p:cNvPr id="15" name="图片 14">
             <a:extLst>
               <a:ext uri="{FF2B5EF4-FFF2-40B4-BE49-F238E27FC236}">
-                <a16:creationId xmlns:a16="http://schemas.microsoft.com/office/drawing/2014/main" xmlns="" id="{2E9CE1E3-2135-0036-6AC6-4F023E9FB9FB}"/>
+                <a16:creationId xmlns="" xmlns:a16="http://schemas.microsoft.com/office/drawing/2014/main" id="{2E9CE1E3-2135-0036-6AC6-4F023E9FB9FB}"/>
               </a:ext>
             </a:extLst>
           </p:cNvPr>
@@ -28624,7 +28624,7 @@
           <p:cNvPr id="16" name="图片 15">
             <a:extLst>
               <a:ext uri="{FF2B5EF4-FFF2-40B4-BE49-F238E27FC236}">
-                <a16:creationId xmlns:a16="http://schemas.microsoft.com/office/drawing/2014/main" xmlns="" id="{E105324A-0DF5-3CC5-8FA4-5C776E05B929}"/>
+                <a16:creationId xmlns="" xmlns:a16="http://schemas.microsoft.com/office/drawing/2014/main" id="{E105324A-0DF5-3CC5-8FA4-5C776E05B929}"/>
               </a:ext>
             </a:extLst>
           </p:cNvPr>
@@ -28654,7 +28654,7 @@
           <p:cNvPr id="17" name="图片 16">
             <a:extLst>
               <a:ext uri="{FF2B5EF4-FFF2-40B4-BE49-F238E27FC236}">
-                <a16:creationId xmlns:a16="http://schemas.microsoft.com/office/drawing/2014/main" xmlns="" id="{9B118434-3A73-4D47-C6D6-FBDC473A6E94}"/>
+                <a16:creationId xmlns="" xmlns:a16="http://schemas.microsoft.com/office/drawing/2014/main" id="{9B118434-3A73-4D47-C6D6-FBDC473A6E94}"/>
               </a:ext>
             </a:extLst>
           </p:cNvPr>
@@ -28684,7 +28684,7 @@
           <p:cNvPr id="18" name="图片 17">
             <a:extLst>
               <a:ext uri="{FF2B5EF4-FFF2-40B4-BE49-F238E27FC236}">
-                <a16:creationId xmlns:a16="http://schemas.microsoft.com/office/drawing/2014/main" xmlns="" id="{B4FACCEA-FD77-524D-0769-3E9B324ECE01}"/>
+                <a16:creationId xmlns="" xmlns:a16="http://schemas.microsoft.com/office/drawing/2014/main" id="{B4FACCEA-FD77-524D-0769-3E9B324ECE01}"/>
               </a:ext>
             </a:extLst>
           </p:cNvPr>
@@ -28744,7 +28744,7 @@
           <p:cNvPr id="2" name="标题 1">
             <a:extLst>
               <a:ext uri="{FF2B5EF4-FFF2-40B4-BE49-F238E27FC236}">
-                <a16:creationId xmlns:a16="http://schemas.microsoft.com/office/drawing/2014/main" xmlns="" id="{80796E82-7314-2FBE-2DE8-DDD70D4DF27E}"/>
+                <a16:creationId xmlns="" xmlns:a16="http://schemas.microsoft.com/office/drawing/2014/main" id="{80796E82-7314-2FBE-2DE8-DDD70D4DF27E}"/>
               </a:ext>
             </a:extLst>
           </p:cNvPr>
@@ -28793,7 +28793,7 @@
           <p:cNvPr id="5" name="椭圆 4">
             <a:extLst>
               <a:ext uri="{FF2B5EF4-FFF2-40B4-BE49-F238E27FC236}">
-                <a16:creationId xmlns:a16="http://schemas.microsoft.com/office/drawing/2014/main" xmlns="" id="{A020CC41-9901-5A10-06D8-1F19650A3A6A}"/>
+                <a16:creationId xmlns="" xmlns:a16="http://schemas.microsoft.com/office/drawing/2014/main" id="{A020CC41-9901-5A10-06D8-1F19650A3A6A}"/>
               </a:ext>
             </a:extLst>
           </p:cNvPr>
@@ -28845,7 +28845,7 @@
           <p:cNvPr id="6" name="Google Shape;74;p14">
             <a:extLst>
               <a:ext uri="{FF2B5EF4-FFF2-40B4-BE49-F238E27FC236}">
-                <a16:creationId xmlns:a16="http://schemas.microsoft.com/office/drawing/2014/main" xmlns="" id="{8ABB2948-CF7D-7BD6-14B8-367574244CB2}"/>
+                <a16:creationId xmlns="" xmlns:a16="http://schemas.microsoft.com/office/drawing/2014/main" id="{8ABB2948-CF7D-7BD6-14B8-367574244CB2}"/>
               </a:ext>
             </a:extLst>
           </p:cNvPr>
@@ -28879,7 +28879,7 @@
           <p:cNvPr id="7" name="Google Shape;75;p14">
             <a:extLst>
               <a:ext uri="{FF2B5EF4-FFF2-40B4-BE49-F238E27FC236}">
-                <a16:creationId xmlns:a16="http://schemas.microsoft.com/office/drawing/2014/main" xmlns="" id="{744D1F6B-EBF7-049C-9CBC-D2BD265B8DB5}"/>
+                <a16:creationId xmlns="" xmlns:a16="http://schemas.microsoft.com/office/drawing/2014/main" id="{744D1F6B-EBF7-049C-9CBC-D2BD265B8DB5}"/>
               </a:ext>
             </a:extLst>
           </p:cNvPr>
@@ -28913,7 +28913,7 @@
           <p:cNvPr id="8" name="Google Shape;76;p14">
             <a:extLst>
               <a:ext uri="{FF2B5EF4-FFF2-40B4-BE49-F238E27FC236}">
-                <a16:creationId xmlns:a16="http://schemas.microsoft.com/office/drawing/2014/main" xmlns="" id="{A0604560-830C-4AC9-3717-031AA48B5D45}"/>
+                <a16:creationId xmlns="" xmlns:a16="http://schemas.microsoft.com/office/drawing/2014/main" id="{A0604560-830C-4AC9-3717-031AA48B5D45}"/>
               </a:ext>
             </a:extLst>
           </p:cNvPr>
@@ -28947,7 +28947,7 @@
           <p:cNvPr id="9" name="Google Shape;77;p14">
             <a:extLst>
               <a:ext uri="{FF2B5EF4-FFF2-40B4-BE49-F238E27FC236}">
-                <a16:creationId xmlns:a16="http://schemas.microsoft.com/office/drawing/2014/main" xmlns="" id="{DC03C87C-87BB-A5EB-0D50-DDB31F93A6C2}"/>
+                <a16:creationId xmlns="" xmlns:a16="http://schemas.microsoft.com/office/drawing/2014/main" id="{DC03C87C-87BB-A5EB-0D50-DDB31F93A6C2}"/>
               </a:ext>
             </a:extLst>
           </p:cNvPr>
@@ -28981,7 +28981,7 @@
           <p:cNvPr id="10" name="Google Shape;78;p14">
             <a:extLst>
               <a:ext uri="{FF2B5EF4-FFF2-40B4-BE49-F238E27FC236}">
-                <a16:creationId xmlns:a16="http://schemas.microsoft.com/office/drawing/2014/main" xmlns="" id="{281D3DED-9B64-E88B-FC5F-0C30B82A9484}"/>
+                <a16:creationId xmlns="" xmlns:a16="http://schemas.microsoft.com/office/drawing/2014/main" id="{281D3DED-9B64-E88B-FC5F-0C30B82A9484}"/>
               </a:ext>
             </a:extLst>
           </p:cNvPr>
@@ -29015,7 +29015,7 @@
           <p:cNvPr id="11" name="Google Shape;79;p14">
             <a:extLst>
               <a:ext uri="{FF2B5EF4-FFF2-40B4-BE49-F238E27FC236}">
-                <a16:creationId xmlns:a16="http://schemas.microsoft.com/office/drawing/2014/main" xmlns="" id="{0DAE55E6-D474-C395-BC84-8ACA3CE820A0}"/>
+                <a16:creationId xmlns="" xmlns:a16="http://schemas.microsoft.com/office/drawing/2014/main" id="{0DAE55E6-D474-C395-BC84-8ACA3CE820A0}"/>
               </a:ext>
             </a:extLst>
           </p:cNvPr>
@@ -29049,7 +29049,7 @@
           <p:cNvPr id="12" name="Google Shape;80;p14">
             <a:extLst>
               <a:ext uri="{FF2B5EF4-FFF2-40B4-BE49-F238E27FC236}">
-                <a16:creationId xmlns:a16="http://schemas.microsoft.com/office/drawing/2014/main" xmlns="" id="{3A5AAC50-9F06-A76F-B20B-35CF3612E825}"/>
+                <a16:creationId xmlns="" xmlns:a16="http://schemas.microsoft.com/office/drawing/2014/main" id="{3A5AAC50-9F06-A76F-B20B-35CF3612E825}"/>
               </a:ext>
             </a:extLst>
           </p:cNvPr>
@@ -29083,7 +29083,7 @@
           <p:cNvPr id="13" name="Google Shape;81;p14">
             <a:extLst>
               <a:ext uri="{FF2B5EF4-FFF2-40B4-BE49-F238E27FC236}">
-                <a16:creationId xmlns:a16="http://schemas.microsoft.com/office/drawing/2014/main" xmlns="" id="{F33B3BEC-1095-E464-2D03-703E55B0F8A0}"/>
+                <a16:creationId xmlns="" xmlns:a16="http://schemas.microsoft.com/office/drawing/2014/main" id="{F33B3BEC-1095-E464-2D03-703E55B0F8A0}"/>
               </a:ext>
             </a:extLst>
           </p:cNvPr>
@@ -29117,7 +29117,7 @@
           <p:cNvPr id="14" name="图片 13">
             <a:extLst>
               <a:ext uri="{FF2B5EF4-FFF2-40B4-BE49-F238E27FC236}">
-                <a16:creationId xmlns:a16="http://schemas.microsoft.com/office/drawing/2014/main" xmlns="" id="{A1247C65-E9FE-684D-C577-C3EFF757A026}"/>
+                <a16:creationId xmlns="" xmlns:a16="http://schemas.microsoft.com/office/drawing/2014/main" id="{A1247C65-E9FE-684D-C577-C3EFF757A026}"/>
               </a:ext>
             </a:extLst>
           </p:cNvPr>
@@ -29147,7 +29147,7 @@
           <p:cNvPr id="15" name="图片 14">
             <a:extLst>
               <a:ext uri="{FF2B5EF4-FFF2-40B4-BE49-F238E27FC236}">
-                <a16:creationId xmlns:a16="http://schemas.microsoft.com/office/drawing/2014/main" xmlns="" id="{2E9CE1E3-2135-0036-6AC6-4F023E9FB9FB}"/>
+                <a16:creationId xmlns="" xmlns:a16="http://schemas.microsoft.com/office/drawing/2014/main" id="{2E9CE1E3-2135-0036-6AC6-4F023E9FB9FB}"/>
               </a:ext>
             </a:extLst>
           </p:cNvPr>
@@ -29177,7 +29177,7 @@
           <p:cNvPr id="16" name="图片 15">
             <a:extLst>
               <a:ext uri="{FF2B5EF4-FFF2-40B4-BE49-F238E27FC236}">
-                <a16:creationId xmlns:a16="http://schemas.microsoft.com/office/drawing/2014/main" xmlns="" id="{E105324A-0DF5-3CC5-8FA4-5C776E05B929}"/>
+                <a16:creationId xmlns="" xmlns:a16="http://schemas.microsoft.com/office/drawing/2014/main" id="{E105324A-0DF5-3CC5-8FA4-5C776E05B929}"/>
               </a:ext>
             </a:extLst>
           </p:cNvPr>
@@ -29207,7 +29207,7 @@
           <p:cNvPr id="17" name="图片 16">
             <a:extLst>
               <a:ext uri="{FF2B5EF4-FFF2-40B4-BE49-F238E27FC236}">
-                <a16:creationId xmlns:a16="http://schemas.microsoft.com/office/drawing/2014/main" xmlns="" id="{9B118434-3A73-4D47-C6D6-FBDC473A6E94}"/>
+                <a16:creationId xmlns="" xmlns:a16="http://schemas.microsoft.com/office/drawing/2014/main" id="{9B118434-3A73-4D47-C6D6-FBDC473A6E94}"/>
               </a:ext>
             </a:extLst>
           </p:cNvPr>
@@ -29237,7 +29237,7 @@
           <p:cNvPr id="18" name="图片 17">
             <a:extLst>
               <a:ext uri="{FF2B5EF4-FFF2-40B4-BE49-F238E27FC236}">
-                <a16:creationId xmlns:a16="http://schemas.microsoft.com/office/drawing/2014/main" xmlns="" id="{B4FACCEA-FD77-524D-0769-3E9B324ECE01}"/>
+                <a16:creationId xmlns="" xmlns:a16="http://schemas.microsoft.com/office/drawing/2014/main" id="{B4FACCEA-FD77-524D-0769-3E9B324ECE01}"/>
               </a:ext>
             </a:extLst>
           </p:cNvPr>
@@ -29267,7 +29267,7 @@
           <p:cNvPr id="19" name="Google Shape;87;p14">
             <a:extLst>
               <a:ext uri="{FF2B5EF4-FFF2-40B4-BE49-F238E27FC236}">
-                <a16:creationId xmlns:a16="http://schemas.microsoft.com/office/drawing/2014/main" xmlns="" id="{D5F99ADA-5751-0003-A146-8C3479B5FA29}"/>
+                <a16:creationId xmlns="" xmlns:a16="http://schemas.microsoft.com/office/drawing/2014/main" id="{D5F99ADA-5751-0003-A146-8C3479B5FA29}"/>
               </a:ext>
             </a:extLst>
           </p:cNvPr>
@@ -29301,7 +29301,7 @@
           <p:cNvPr id="21" name="Google Shape;87;p14">
             <a:extLst>
               <a:ext uri="{FF2B5EF4-FFF2-40B4-BE49-F238E27FC236}">
-                <a16:creationId xmlns:a16="http://schemas.microsoft.com/office/drawing/2014/main" xmlns="" id="{90F13ACB-01F8-F61D-B504-33D42F0F054E}"/>
+                <a16:creationId xmlns="" xmlns:a16="http://schemas.microsoft.com/office/drawing/2014/main" id="{90F13ACB-01F8-F61D-B504-33D42F0F054E}"/>
               </a:ext>
             </a:extLst>
           </p:cNvPr>
@@ -29335,7 +29335,7 @@
           <p:cNvPr id="24" name="Google Shape;85;p14">
             <a:extLst>
               <a:ext uri="{FF2B5EF4-FFF2-40B4-BE49-F238E27FC236}">
-                <a16:creationId xmlns:a16="http://schemas.microsoft.com/office/drawing/2014/main" xmlns="" id="{8498F254-73E8-BE24-4CFC-E75E188DD02A}"/>
+                <a16:creationId xmlns="" xmlns:a16="http://schemas.microsoft.com/office/drawing/2014/main" id="{8498F254-73E8-BE24-4CFC-E75E188DD02A}"/>
               </a:ext>
             </a:extLst>
           </p:cNvPr>
@@ -29376,7 +29376,7 @@
           <p:cNvPr id="25" name="Google Shape;85;p14">
             <a:extLst>
               <a:ext uri="{FF2B5EF4-FFF2-40B4-BE49-F238E27FC236}">
-                <a16:creationId xmlns:a16="http://schemas.microsoft.com/office/drawing/2014/main" xmlns="" id="{5C78CA6E-6DFC-515D-2D93-7149CE8D13F3}"/>
+                <a16:creationId xmlns="" xmlns:a16="http://schemas.microsoft.com/office/drawing/2014/main" id="{5C78CA6E-6DFC-515D-2D93-7149CE8D13F3}"/>
               </a:ext>
             </a:extLst>
           </p:cNvPr>
@@ -29417,7 +29417,7 @@
           <p:cNvPr id="26" name="Google Shape;90;p14">
             <a:extLst>
               <a:ext uri="{FF2B5EF4-FFF2-40B4-BE49-F238E27FC236}">
-                <a16:creationId xmlns:a16="http://schemas.microsoft.com/office/drawing/2014/main" xmlns="" id="{70D7F9C8-3F19-0671-CC95-0C6FF2D659F6}"/>
+                <a16:creationId xmlns="" xmlns:a16="http://schemas.microsoft.com/office/drawing/2014/main" id="{70D7F9C8-3F19-0671-CC95-0C6FF2D659F6}"/>
               </a:ext>
             </a:extLst>
           </p:cNvPr>
@@ -29451,7 +29451,7 @@
           <p:cNvPr id="27" name="Google Shape;83;p14">
             <a:extLst>
               <a:ext uri="{FF2B5EF4-FFF2-40B4-BE49-F238E27FC236}">
-                <a16:creationId xmlns:a16="http://schemas.microsoft.com/office/drawing/2014/main" xmlns="" id="{7612AD67-07A2-FFEB-0DE5-F90CDC1B4A5C}"/>
+                <a16:creationId xmlns="" xmlns:a16="http://schemas.microsoft.com/office/drawing/2014/main" id="{7612AD67-07A2-FFEB-0DE5-F90CDC1B4A5C}"/>
               </a:ext>
             </a:extLst>
           </p:cNvPr>
@@ -29496,7 +29496,7 @@
           <p:cNvPr id="28" name="Google Shape;83;p14">
             <a:extLst>
               <a:ext uri="{FF2B5EF4-FFF2-40B4-BE49-F238E27FC236}">
-                <a16:creationId xmlns:a16="http://schemas.microsoft.com/office/drawing/2014/main" xmlns="" id="{8DAAC8FF-3497-68B4-671F-222AE70DDC00}"/>
+                <a16:creationId xmlns="" xmlns:a16="http://schemas.microsoft.com/office/drawing/2014/main" id="{8DAAC8FF-3497-68B4-671F-222AE70DDC00}"/>
               </a:ext>
             </a:extLst>
           </p:cNvPr>
@@ -29541,7 +29541,7 @@
           <p:cNvPr id="29" name="矩形 28">
             <a:extLst>
               <a:ext uri="{FF2B5EF4-FFF2-40B4-BE49-F238E27FC236}">
-                <a16:creationId xmlns:a16="http://schemas.microsoft.com/office/drawing/2014/main" xmlns="" id="{F5D95F4C-2AC2-CBDE-25EE-8B0D5572C4DD}"/>
+                <a16:creationId xmlns="" xmlns:a16="http://schemas.microsoft.com/office/drawing/2014/main" id="{F5D95F4C-2AC2-CBDE-25EE-8B0D5572C4DD}"/>
               </a:ext>
             </a:extLst>
           </p:cNvPr>
@@ -29592,7 +29592,7 @@
           <p:cNvPr id="30" name="文本框 29">
             <a:extLst>
               <a:ext uri="{FF2B5EF4-FFF2-40B4-BE49-F238E27FC236}">
-                <a16:creationId xmlns:a16="http://schemas.microsoft.com/office/drawing/2014/main" xmlns="" id="{02CD6288-94AE-B133-56AB-163E634896EC}"/>
+                <a16:creationId xmlns="" xmlns:a16="http://schemas.microsoft.com/office/drawing/2014/main" id="{02CD6288-94AE-B133-56AB-163E634896EC}"/>
               </a:ext>
             </a:extLst>
           </p:cNvPr>
@@ -29661,7 +29661,7 @@
           <p:cNvPr id="2" name="标题 1">
             <a:extLst>
               <a:ext uri="{FF2B5EF4-FFF2-40B4-BE49-F238E27FC236}">
-                <a16:creationId xmlns:a16="http://schemas.microsoft.com/office/drawing/2014/main" xmlns="" id="{80796E82-7314-2FBE-2DE8-DDD70D4DF27E}"/>
+                <a16:creationId xmlns="" xmlns:a16="http://schemas.microsoft.com/office/drawing/2014/main" id="{80796E82-7314-2FBE-2DE8-DDD70D4DF27E}"/>
               </a:ext>
             </a:extLst>
           </p:cNvPr>
@@ -29710,7 +29710,7 @@
           <p:cNvPr id="5" name="椭圆 4">
             <a:extLst>
               <a:ext uri="{FF2B5EF4-FFF2-40B4-BE49-F238E27FC236}">
-                <a16:creationId xmlns:a16="http://schemas.microsoft.com/office/drawing/2014/main" xmlns="" id="{A020CC41-9901-5A10-06D8-1F19650A3A6A}"/>
+                <a16:creationId xmlns="" xmlns:a16="http://schemas.microsoft.com/office/drawing/2014/main" id="{A020CC41-9901-5A10-06D8-1F19650A3A6A}"/>
               </a:ext>
             </a:extLst>
           </p:cNvPr>
@@ -29762,7 +29762,7 @@
           <p:cNvPr id="6" name="Google Shape;74;p14">
             <a:extLst>
               <a:ext uri="{FF2B5EF4-FFF2-40B4-BE49-F238E27FC236}">
-                <a16:creationId xmlns:a16="http://schemas.microsoft.com/office/drawing/2014/main" xmlns="" id="{8ABB2948-CF7D-7BD6-14B8-367574244CB2}"/>
+                <a16:creationId xmlns="" xmlns:a16="http://schemas.microsoft.com/office/drawing/2014/main" id="{8ABB2948-CF7D-7BD6-14B8-367574244CB2}"/>
               </a:ext>
             </a:extLst>
           </p:cNvPr>
@@ -29796,7 +29796,7 @@
           <p:cNvPr id="7" name="Google Shape;75;p14">
             <a:extLst>
               <a:ext uri="{FF2B5EF4-FFF2-40B4-BE49-F238E27FC236}">
-                <a16:creationId xmlns:a16="http://schemas.microsoft.com/office/drawing/2014/main" xmlns="" id="{744D1F6B-EBF7-049C-9CBC-D2BD265B8DB5}"/>
+                <a16:creationId xmlns="" xmlns:a16="http://schemas.microsoft.com/office/drawing/2014/main" id="{744D1F6B-EBF7-049C-9CBC-D2BD265B8DB5}"/>
               </a:ext>
             </a:extLst>
           </p:cNvPr>
@@ -29830,7 +29830,7 @@
           <p:cNvPr id="8" name="Google Shape;76;p14">
             <a:extLst>
               <a:ext uri="{FF2B5EF4-FFF2-40B4-BE49-F238E27FC236}">
-                <a16:creationId xmlns:a16="http://schemas.microsoft.com/office/drawing/2014/main" xmlns="" id="{A0604560-830C-4AC9-3717-031AA48B5D45}"/>
+                <a16:creationId xmlns="" xmlns:a16="http://schemas.microsoft.com/office/drawing/2014/main" id="{A0604560-830C-4AC9-3717-031AA48B5D45}"/>
               </a:ext>
             </a:extLst>
           </p:cNvPr>
@@ -29864,7 +29864,7 @@
           <p:cNvPr id="9" name="Google Shape;77;p14">
             <a:extLst>
               <a:ext uri="{FF2B5EF4-FFF2-40B4-BE49-F238E27FC236}">
-                <a16:creationId xmlns:a16="http://schemas.microsoft.com/office/drawing/2014/main" xmlns="" id="{DC03C87C-87BB-A5EB-0D50-DDB31F93A6C2}"/>
+                <a16:creationId xmlns="" xmlns:a16="http://schemas.microsoft.com/office/drawing/2014/main" id="{DC03C87C-87BB-A5EB-0D50-DDB31F93A6C2}"/>
               </a:ext>
             </a:extLst>
           </p:cNvPr>
@@ -29898,7 +29898,7 @@
           <p:cNvPr id="10" name="Google Shape;78;p14">
             <a:extLst>
               <a:ext uri="{FF2B5EF4-FFF2-40B4-BE49-F238E27FC236}">
-                <a16:creationId xmlns:a16="http://schemas.microsoft.com/office/drawing/2014/main" xmlns="" id="{281D3DED-9B64-E88B-FC5F-0C30B82A9484}"/>
+                <a16:creationId xmlns="" xmlns:a16="http://schemas.microsoft.com/office/drawing/2014/main" id="{281D3DED-9B64-E88B-FC5F-0C30B82A9484}"/>
               </a:ext>
             </a:extLst>
           </p:cNvPr>
@@ -29932,7 +29932,7 @@
           <p:cNvPr id="11" name="Google Shape;79;p14">
             <a:extLst>
               <a:ext uri="{FF2B5EF4-FFF2-40B4-BE49-F238E27FC236}">
-                <a16:creationId xmlns:a16="http://schemas.microsoft.com/office/drawing/2014/main" xmlns="" id="{0DAE55E6-D474-C395-BC84-8ACA3CE820A0}"/>
+                <a16:creationId xmlns="" xmlns:a16="http://schemas.microsoft.com/office/drawing/2014/main" id="{0DAE55E6-D474-C395-BC84-8ACA3CE820A0}"/>
               </a:ext>
             </a:extLst>
           </p:cNvPr>
@@ -29966,7 +29966,7 @@
           <p:cNvPr id="12" name="Google Shape;80;p14">
             <a:extLst>
               <a:ext uri="{FF2B5EF4-FFF2-40B4-BE49-F238E27FC236}">
-                <a16:creationId xmlns:a16="http://schemas.microsoft.com/office/drawing/2014/main" xmlns="" id="{3A5AAC50-9F06-A76F-B20B-35CF3612E825}"/>
+                <a16:creationId xmlns="" xmlns:a16="http://schemas.microsoft.com/office/drawing/2014/main" id="{3A5AAC50-9F06-A76F-B20B-35CF3612E825}"/>
               </a:ext>
             </a:extLst>
           </p:cNvPr>
@@ -30000,7 +30000,7 @@
           <p:cNvPr id="13" name="Google Shape;81;p14">
             <a:extLst>
               <a:ext uri="{FF2B5EF4-FFF2-40B4-BE49-F238E27FC236}">
-                <a16:creationId xmlns:a16="http://schemas.microsoft.com/office/drawing/2014/main" xmlns="" id="{F33B3BEC-1095-E464-2D03-703E55B0F8A0}"/>
+                <a16:creationId xmlns="" xmlns:a16="http://schemas.microsoft.com/office/drawing/2014/main" id="{F33B3BEC-1095-E464-2D03-703E55B0F8A0}"/>
               </a:ext>
             </a:extLst>
           </p:cNvPr>
@@ -30034,7 +30034,7 @@
           <p:cNvPr id="19" name="Google Shape;87;p14">
             <a:extLst>
               <a:ext uri="{FF2B5EF4-FFF2-40B4-BE49-F238E27FC236}">
-                <a16:creationId xmlns:a16="http://schemas.microsoft.com/office/drawing/2014/main" xmlns="" id="{D5F99ADA-5751-0003-A146-8C3479B5FA29}"/>
+                <a16:creationId xmlns="" xmlns:a16="http://schemas.microsoft.com/office/drawing/2014/main" id="{D5F99ADA-5751-0003-A146-8C3479B5FA29}"/>
               </a:ext>
             </a:extLst>
           </p:cNvPr>
@@ -30068,7 +30068,7 @@
           <p:cNvPr id="24" name="Google Shape;85;p14">
             <a:extLst>
               <a:ext uri="{FF2B5EF4-FFF2-40B4-BE49-F238E27FC236}">
-                <a16:creationId xmlns:a16="http://schemas.microsoft.com/office/drawing/2014/main" xmlns="" id="{8498F254-73E8-BE24-4CFC-E75E188DD02A}"/>
+                <a16:creationId xmlns="" xmlns:a16="http://schemas.microsoft.com/office/drawing/2014/main" id="{8498F254-73E8-BE24-4CFC-E75E188DD02A}"/>
               </a:ext>
             </a:extLst>
           </p:cNvPr>
@@ -30109,7 +30109,7 @@
           <p:cNvPr id="21" name="Google Shape;87;p14">
             <a:extLst>
               <a:ext uri="{FF2B5EF4-FFF2-40B4-BE49-F238E27FC236}">
-                <a16:creationId xmlns:a16="http://schemas.microsoft.com/office/drawing/2014/main" xmlns="" id="{90F13ACB-01F8-F61D-B504-33D42F0F054E}"/>
+                <a16:creationId xmlns="" xmlns:a16="http://schemas.microsoft.com/office/drawing/2014/main" id="{90F13ACB-01F8-F61D-B504-33D42F0F054E}"/>
               </a:ext>
             </a:extLst>
           </p:cNvPr>
@@ -30143,7 +30143,7 @@
           <p:cNvPr id="25" name="Google Shape;85;p14">
             <a:extLst>
               <a:ext uri="{FF2B5EF4-FFF2-40B4-BE49-F238E27FC236}">
-                <a16:creationId xmlns:a16="http://schemas.microsoft.com/office/drawing/2014/main" xmlns="" id="{5C78CA6E-6DFC-515D-2D93-7149CE8D13F3}"/>
+                <a16:creationId xmlns="" xmlns:a16="http://schemas.microsoft.com/office/drawing/2014/main" id="{5C78CA6E-6DFC-515D-2D93-7149CE8D13F3}"/>
               </a:ext>
             </a:extLst>
           </p:cNvPr>
@@ -30184,7 +30184,7 @@
           <p:cNvPr id="26" name="Google Shape;90;p14">
             <a:extLst>
               <a:ext uri="{FF2B5EF4-FFF2-40B4-BE49-F238E27FC236}">
-                <a16:creationId xmlns:a16="http://schemas.microsoft.com/office/drawing/2014/main" xmlns="" id="{70D7F9C8-3F19-0671-CC95-0C6FF2D659F6}"/>
+                <a16:creationId xmlns="" xmlns:a16="http://schemas.microsoft.com/office/drawing/2014/main" id="{70D7F9C8-3F19-0671-CC95-0C6FF2D659F6}"/>
               </a:ext>
             </a:extLst>
           </p:cNvPr>
@@ -30218,7 +30218,7 @@
           <p:cNvPr id="27" name="Google Shape;100;p14">
             <a:extLst>
               <a:ext uri="{FF2B5EF4-FFF2-40B4-BE49-F238E27FC236}">
-                <a16:creationId xmlns:a16="http://schemas.microsoft.com/office/drawing/2014/main" xmlns="" id="{F8A7C898-9B48-9B98-9416-6CC35654182E}"/>
+                <a16:creationId xmlns="" xmlns:a16="http://schemas.microsoft.com/office/drawing/2014/main" id="{F8A7C898-9B48-9B98-9416-6CC35654182E}"/>
               </a:ext>
             </a:extLst>
           </p:cNvPr>
@@ -30261,7 +30261,7 @@
           <p:cNvPr id="28" name="Google Shape;100;p14">
             <a:extLst>
               <a:ext uri="{FF2B5EF4-FFF2-40B4-BE49-F238E27FC236}">
-                <a16:creationId xmlns:a16="http://schemas.microsoft.com/office/drawing/2014/main" xmlns="" id="{3EA7DA9C-7016-E18A-3815-E4ABF57833E3}"/>
+                <a16:creationId xmlns="" xmlns:a16="http://schemas.microsoft.com/office/drawing/2014/main" id="{3EA7DA9C-7016-E18A-3815-E4ABF57833E3}"/>
               </a:ext>
             </a:extLst>
           </p:cNvPr>
@@ -30304,7 +30304,7 @@
           <p:cNvPr id="29" name="Google Shape;100;p14">
             <a:extLst>
               <a:ext uri="{FF2B5EF4-FFF2-40B4-BE49-F238E27FC236}">
-                <a16:creationId xmlns:a16="http://schemas.microsoft.com/office/drawing/2014/main" xmlns="" id="{A17C1FA6-D0D2-529D-9879-E520D1CE77D6}"/>
+                <a16:creationId xmlns="" xmlns:a16="http://schemas.microsoft.com/office/drawing/2014/main" id="{A17C1FA6-D0D2-529D-9879-E520D1CE77D6}"/>
               </a:ext>
             </a:extLst>
           </p:cNvPr>
@@ -30347,7 +30347,7 @@
           <p:cNvPr id="30" name="Google Shape;100;p14">
             <a:extLst>
               <a:ext uri="{FF2B5EF4-FFF2-40B4-BE49-F238E27FC236}">
-                <a16:creationId xmlns:a16="http://schemas.microsoft.com/office/drawing/2014/main" xmlns="" id="{04D7ED66-035D-0386-E0EE-BA6FE024830F}"/>
+                <a16:creationId xmlns="" xmlns:a16="http://schemas.microsoft.com/office/drawing/2014/main" id="{04D7ED66-035D-0386-E0EE-BA6FE024830F}"/>
               </a:ext>
             </a:extLst>
           </p:cNvPr>
@@ -30390,7 +30390,7 @@
           <p:cNvPr id="31" name="Google Shape;100;p14">
             <a:extLst>
               <a:ext uri="{FF2B5EF4-FFF2-40B4-BE49-F238E27FC236}">
-                <a16:creationId xmlns:a16="http://schemas.microsoft.com/office/drawing/2014/main" xmlns="" id="{C7775653-CC84-E4C0-151C-20531BC61B52}"/>
+                <a16:creationId xmlns="" xmlns:a16="http://schemas.microsoft.com/office/drawing/2014/main" id="{C7775653-CC84-E4C0-151C-20531BC61B52}"/>
               </a:ext>
             </a:extLst>
           </p:cNvPr>
@@ -30433,7 +30433,7 @@
           <p:cNvPr id="33" name="Google Shape;83;p14">
             <a:extLst>
               <a:ext uri="{FF2B5EF4-FFF2-40B4-BE49-F238E27FC236}">
-                <a16:creationId xmlns:a16="http://schemas.microsoft.com/office/drawing/2014/main" xmlns="" id="{BC3B66DE-CAB4-4145-73F1-EC5796C670B2}"/>
+                <a16:creationId xmlns="" xmlns:a16="http://schemas.microsoft.com/office/drawing/2014/main" id="{BC3B66DE-CAB4-4145-73F1-EC5796C670B2}"/>
               </a:ext>
             </a:extLst>
           </p:cNvPr>
@@ -30478,7 +30478,7 @@
           <p:cNvPr id="32" name="Google Shape;83;p14">
             <a:extLst>
               <a:ext uri="{FF2B5EF4-FFF2-40B4-BE49-F238E27FC236}">
-                <a16:creationId xmlns:a16="http://schemas.microsoft.com/office/drawing/2014/main" xmlns="" id="{D89174EE-20E3-9DC6-DAF2-2B277BF0CA73}"/>
+                <a16:creationId xmlns="" xmlns:a16="http://schemas.microsoft.com/office/drawing/2014/main" id="{D89174EE-20E3-9DC6-DAF2-2B277BF0CA73}"/>
               </a:ext>
             </a:extLst>
           </p:cNvPr>
@@ -30523,7 +30523,7 @@
           <p:cNvPr id="15" name="图片 14">
             <a:extLst>
               <a:ext uri="{FF2B5EF4-FFF2-40B4-BE49-F238E27FC236}">
-                <a16:creationId xmlns:a16="http://schemas.microsoft.com/office/drawing/2014/main" xmlns="" id="{2E9CE1E3-2135-0036-6AC6-4F023E9FB9FB}"/>
+                <a16:creationId xmlns="" xmlns:a16="http://schemas.microsoft.com/office/drawing/2014/main" id="{2E9CE1E3-2135-0036-6AC6-4F023E9FB9FB}"/>
               </a:ext>
             </a:extLst>
           </p:cNvPr>
@@ -30553,7 +30553,7 @@
           <p:cNvPr id="18" name="图片 17">
             <a:extLst>
               <a:ext uri="{FF2B5EF4-FFF2-40B4-BE49-F238E27FC236}">
-                <a16:creationId xmlns:a16="http://schemas.microsoft.com/office/drawing/2014/main" xmlns="" id="{B4FACCEA-FD77-524D-0769-3E9B324ECE01}"/>
+                <a16:creationId xmlns="" xmlns:a16="http://schemas.microsoft.com/office/drawing/2014/main" id="{B4FACCEA-FD77-524D-0769-3E9B324ECE01}"/>
               </a:ext>
             </a:extLst>
           </p:cNvPr>
@@ -30583,7 +30583,7 @@
           <p:cNvPr id="16" name="图片 15">
             <a:extLst>
               <a:ext uri="{FF2B5EF4-FFF2-40B4-BE49-F238E27FC236}">
-                <a16:creationId xmlns:a16="http://schemas.microsoft.com/office/drawing/2014/main" xmlns="" id="{E105324A-0DF5-3CC5-8FA4-5C776E05B929}"/>
+                <a16:creationId xmlns="" xmlns:a16="http://schemas.microsoft.com/office/drawing/2014/main" id="{E105324A-0DF5-3CC5-8FA4-5C776E05B929}"/>
               </a:ext>
             </a:extLst>
           </p:cNvPr>
@@ -30613,7 +30613,7 @@
           <p:cNvPr id="14" name="图片 13">
             <a:extLst>
               <a:ext uri="{FF2B5EF4-FFF2-40B4-BE49-F238E27FC236}">
-                <a16:creationId xmlns:a16="http://schemas.microsoft.com/office/drawing/2014/main" xmlns="" id="{A1247C65-E9FE-684D-C577-C3EFF757A026}"/>
+                <a16:creationId xmlns="" xmlns:a16="http://schemas.microsoft.com/office/drawing/2014/main" id="{A1247C65-E9FE-684D-C577-C3EFF757A026}"/>
               </a:ext>
             </a:extLst>
           </p:cNvPr>
@@ -30643,7 +30643,7 @@
           <p:cNvPr id="17" name="图片 16">
             <a:extLst>
               <a:ext uri="{FF2B5EF4-FFF2-40B4-BE49-F238E27FC236}">
-                <a16:creationId xmlns:a16="http://schemas.microsoft.com/office/drawing/2014/main" xmlns="" id="{9B118434-3A73-4D47-C6D6-FBDC473A6E94}"/>
+                <a16:creationId xmlns="" xmlns:a16="http://schemas.microsoft.com/office/drawing/2014/main" id="{9B118434-3A73-4D47-C6D6-FBDC473A6E94}"/>
               </a:ext>
             </a:extLst>
           </p:cNvPr>

--- a/机制图示.pptx
+++ b/机制图示.pptx
@@ -629,7 +629,7 @@
           <p:cNvPr id="2" name="标题 1">
             <a:extLst>
               <a:ext uri="{FF2B5EF4-FFF2-40B4-BE49-F238E27FC236}">
-                <a16:creationId xmlns="" xmlns:a16="http://schemas.microsoft.com/office/drawing/2014/main" id="{4C529C05-6993-E374-2DE2-7EC1B69BA1EE}"/>
+                <a16:creationId xmlns:a16="http://schemas.microsoft.com/office/drawing/2014/main" xmlns="" id="{4C529C05-6993-E374-2DE2-7EC1B69BA1EE}"/>
               </a:ext>
             </a:extLst>
           </p:cNvPr>
@@ -666,7 +666,7 @@
           <p:cNvPr id="3" name="副标题 2">
             <a:extLst>
               <a:ext uri="{FF2B5EF4-FFF2-40B4-BE49-F238E27FC236}">
-                <a16:creationId xmlns="" xmlns:a16="http://schemas.microsoft.com/office/drawing/2014/main" id="{8D685AB2-71E0-83AD-E648-EA31522F89AA}"/>
+                <a16:creationId xmlns:a16="http://schemas.microsoft.com/office/drawing/2014/main" xmlns="" id="{8D685AB2-71E0-83AD-E648-EA31522F89AA}"/>
               </a:ext>
             </a:extLst>
           </p:cNvPr>
@@ -736,7 +736,7 @@
           <p:cNvPr id="4" name="日期占位符 3">
             <a:extLst>
               <a:ext uri="{FF2B5EF4-FFF2-40B4-BE49-F238E27FC236}">
-                <a16:creationId xmlns="" xmlns:a16="http://schemas.microsoft.com/office/drawing/2014/main" id="{C45A1BBE-92AA-97BD-9EDC-AF0FF54A8CA6}"/>
+                <a16:creationId xmlns:a16="http://schemas.microsoft.com/office/drawing/2014/main" xmlns="" id="{C45A1BBE-92AA-97BD-9EDC-AF0FF54A8CA6}"/>
               </a:ext>
             </a:extLst>
           </p:cNvPr>
@@ -765,7 +765,7 @@
           <p:cNvPr id="5" name="页脚占位符 4">
             <a:extLst>
               <a:ext uri="{FF2B5EF4-FFF2-40B4-BE49-F238E27FC236}">
-                <a16:creationId xmlns="" xmlns:a16="http://schemas.microsoft.com/office/drawing/2014/main" id="{E277CA1F-C9EC-9993-71F1-866A8154ED53}"/>
+                <a16:creationId xmlns:a16="http://schemas.microsoft.com/office/drawing/2014/main" xmlns="" id="{E277CA1F-C9EC-9993-71F1-866A8154ED53}"/>
               </a:ext>
             </a:extLst>
           </p:cNvPr>
@@ -790,7 +790,7 @@
           <p:cNvPr id="6" name="灯片编号占位符 5">
             <a:extLst>
               <a:ext uri="{FF2B5EF4-FFF2-40B4-BE49-F238E27FC236}">
-                <a16:creationId xmlns="" xmlns:a16="http://schemas.microsoft.com/office/drawing/2014/main" id="{0922099B-A7A5-E88B-B7B1-0425B195CADF}"/>
+                <a16:creationId xmlns:a16="http://schemas.microsoft.com/office/drawing/2014/main" xmlns="" id="{0922099B-A7A5-E88B-B7B1-0425B195CADF}"/>
               </a:ext>
             </a:extLst>
           </p:cNvPr>
@@ -849,7 +849,7 @@
           <p:cNvPr id="2" name="标题 1">
             <a:extLst>
               <a:ext uri="{FF2B5EF4-FFF2-40B4-BE49-F238E27FC236}">
-                <a16:creationId xmlns="" xmlns:a16="http://schemas.microsoft.com/office/drawing/2014/main" id="{4F5DFE4F-2322-BE5D-1ACB-D8FCEDC42378}"/>
+                <a16:creationId xmlns:a16="http://schemas.microsoft.com/office/drawing/2014/main" xmlns="" id="{4F5DFE4F-2322-BE5D-1ACB-D8FCEDC42378}"/>
               </a:ext>
             </a:extLst>
           </p:cNvPr>
@@ -877,7 +877,7 @@
           <p:cNvPr id="3" name="竖排文字占位符 2">
             <a:extLst>
               <a:ext uri="{FF2B5EF4-FFF2-40B4-BE49-F238E27FC236}">
-                <a16:creationId xmlns="" xmlns:a16="http://schemas.microsoft.com/office/drawing/2014/main" id="{8088D73B-E816-C321-246D-CD37EBC9C0AB}"/>
+                <a16:creationId xmlns:a16="http://schemas.microsoft.com/office/drawing/2014/main" xmlns="" id="{8088D73B-E816-C321-246D-CD37EBC9C0AB}"/>
               </a:ext>
             </a:extLst>
           </p:cNvPr>
@@ -934,7 +934,7 @@
           <p:cNvPr id="4" name="日期占位符 3">
             <a:extLst>
               <a:ext uri="{FF2B5EF4-FFF2-40B4-BE49-F238E27FC236}">
-                <a16:creationId xmlns="" xmlns:a16="http://schemas.microsoft.com/office/drawing/2014/main" id="{8DECFDC4-0E3F-9145-8C63-E9FFF453FFAB}"/>
+                <a16:creationId xmlns:a16="http://schemas.microsoft.com/office/drawing/2014/main" xmlns="" id="{8DECFDC4-0E3F-9145-8C63-E9FFF453FFAB}"/>
               </a:ext>
             </a:extLst>
           </p:cNvPr>
@@ -963,7 +963,7 @@
           <p:cNvPr id="5" name="页脚占位符 4">
             <a:extLst>
               <a:ext uri="{FF2B5EF4-FFF2-40B4-BE49-F238E27FC236}">
-                <a16:creationId xmlns="" xmlns:a16="http://schemas.microsoft.com/office/drawing/2014/main" id="{A3D62DD7-5525-B4BA-AA03-25FF4C0403A6}"/>
+                <a16:creationId xmlns:a16="http://schemas.microsoft.com/office/drawing/2014/main" xmlns="" id="{A3D62DD7-5525-B4BA-AA03-25FF4C0403A6}"/>
               </a:ext>
             </a:extLst>
           </p:cNvPr>
@@ -988,7 +988,7 @@
           <p:cNvPr id="6" name="灯片编号占位符 5">
             <a:extLst>
               <a:ext uri="{FF2B5EF4-FFF2-40B4-BE49-F238E27FC236}">
-                <a16:creationId xmlns="" xmlns:a16="http://schemas.microsoft.com/office/drawing/2014/main" id="{98F7AC82-750A-6BA1-A70D-D2E8ED618DE1}"/>
+                <a16:creationId xmlns:a16="http://schemas.microsoft.com/office/drawing/2014/main" xmlns="" id="{98F7AC82-750A-6BA1-A70D-D2E8ED618DE1}"/>
               </a:ext>
             </a:extLst>
           </p:cNvPr>
@@ -1047,7 +1047,7 @@
           <p:cNvPr id="2" name="竖排标题 1">
             <a:extLst>
               <a:ext uri="{FF2B5EF4-FFF2-40B4-BE49-F238E27FC236}">
-                <a16:creationId xmlns="" xmlns:a16="http://schemas.microsoft.com/office/drawing/2014/main" id="{4CF83B1B-91B5-671F-A161-727C9B763214}"/>
+                <a16:creationId xmlns:a16="http://schemas.microsoft.com/office/drawing/2014/main" xmlns="" id="{4CF83B1B-91B5-671F-A161-727C9B763214}"/>
               </a:ext>
             </a:extLst>
           </p:cNvPr>
@@ -1080,7 +1080,7 @@
           <p:cNvPr id="3" name="竖排文字占位符 2">
             <a:extLst>
               <a:ext uri="{FF2B5EF4-FFF2-40B4-BE49-F238E27FC236}">
-                <a16:creationId xmlns="" xmlns:a16="http://schemas.microsoft.com/office/drawing/2014/main" id="{BB08FF4A-FB49-2B3B-B3D5-164AC935EAC3}"/>
+                <a16:creationId xmlns:a16="http://schemas.microsoft.com/office/drawing/2014/main" xmlns="" id="{BB08FF4A-FB49-2B3B-B3D5-164AC935EAC3}"/>
               </a:ext>
             </a:extLst>
           </p:cNvPr>
@@ -1142,7 +1142,7 @@
           <p:cNvPr id="4" name="日期占位符 3">
             <a:extLst>
               <a:ext uri="{FF2B5EF4-FFF2-40B4-BE49-F238E27FC236}">
-                <a16:creationId xmlns="" xmlns:a16="http://schemas.microsoft.com/office/drawing/2014/main" id="{7BB95ED0-C4BA-DCCD-2E70-7B800185D571}"/>
+                <a16:creationId xmlns:a16="http://schemas.microsoft.com/office/drawing/2014/main" xmlns="" id="{7BB95ED0-C4BA-DCCD-2E70-7B800185D571}"/>
               </a:ext>
             </a:extLst>
           </p:cNvPr>
@@ -1171,7 +1171,7 @@
           <p:cNvPr id="5" name="页脚占位符 4">
             <a:extLst>
               <a:ext uri="{FF2B5EF4-FFF2-40B4-BE49-F238E27FC236}">
-                <a16:creationId xmlns="" xmlns:a16="http://schemas.microsoft.com/office/drawing/2014/main" id="{1BF31E75-820B-0F48-C8C2-00D1C17A0DE1}"/>
+                <a16:creationId xmlns:a16="http://schemas.microsoft.com/office/drawing/2014/main" xmlns="" id="{1BF31E75-820B-0F48-C8C2-00D1C17A0DE1}"/>
               </a:ext>
             </a:extLst>
           </p:cNvPr>
@@ -1196,7 +1196,7 @@
           <p:cNvPr id="6" name="灯片编号占位符 5">
             <a:extLst>
               <a:ext uri="{FF2B5EF4-FFF2-40B4-BE49-F238E27FC236}">
-                <a16:creationId xmlns="" xmlns:a16="http://schemas.microsoft.com/office/drawing/2014/main" id="{C44676BC-DB8F-6385-CCAA-24A642617E4C}"/>
+                <a16:creationId xmlns:a16="http://schemas.microsoft.com/office/drawing/2014/main" xmlns="" id="{C44676BC-DB8F-6385-CCAA-24A642617E4C}"/>
               </a:ext>
             </a:extLst>
           </p:cNvPr>
@@ -1614,7 +1614,7 @@
           <p:cNvPr id="2" name="标题 1">
             <a:extLst>
               <a:ext uri="{FF2B5EF4-FFF2-40B4-BE49-F238E27FC236}">
-                <a16:creationId xmlns="" xmlns:a16="http://schemas.microsoft.com/office/drawing/2014/main" id="{4A602A98-C390-5A43-8761-0489D4B42846}"/>
+                <a16:creationId xmlns:a16="http://schemas.microsoft.com/office/drawing/2014/main" xmlns="" id="{4A602A98-C390-5A43-8761-0489D4B42846}"/>
               </a:ext>
             </a:extLst>
           </p:cNvPr>
@@ -1642,7 +1642,7 @@
           <p:cNvPr id="3" name="内容占位符 2">
             <a:extLst>
               <a:ext uri="{FF2B5EF4-FFF2-40B4-BE49-F238E27FC236}">
-                <a16:creationId xmlns="" xmlns:a16="http://schemas.microsoft.com/office/drawing/2014/main" id="{11B58BD3-77FD-090F-EBEA-977F10D69F9C}"/>
+                <a16:creationId xmlns:a16="http://schemas.microsoft.com/office/drawing/2014/main" xmlns="" id="{11B58BD3-77FD-090F-EBEA-977F10D69F9C}"/>
               </a:ext>
             </a:extLst>
           </p:cNvPr>
@@ -1699,7 +1699,7 @@
           <p:cNvPr id="4" name="日期占位符 3">
             <a:extLst>
               <a:ext uri="{FF2B5EF4-FFF2-40B4-BE49-F238E27FC236}">
-                <a16:creationId xmlns="" xmlns:a16="http://schemas.microsoft.com/office/drawing/2014/main" id="{2F2888FE-0D56-D838-DDA2-9036767B7B83}"/>
+                <a16:creationId xmlns:a16="http://schemas.microsoft.com/office/drawing/2014/main" xmlns="" id="{2F2888FE-0D56-D838-DDA2-9036767B7B83}"/>
               </a:ext>
             </a:extLst>
           </p:cNvPr>
@@ -1728,7 +1728,7 @@
           <p:cNvPr id="5" name="页脚占位符 4">
             <a:extLst>
               <a:ext uri="{FF2B5EF4-FFF2-40B4-BE49-F238E27FC236}">
-                <a16:creationId xmlns="" xmlns:a16="http://schemas.microsoft.com/office/drawing/2014/main" id="{C9C7A18B-7856-24E0-6F3C-CD298036521A}"/>
+                <a16:creationId xmlns:a16="http://schemas.microsoft.com/office/drawing/2014/main" xmlns="" id="{C9C7A18B-7856-24E0-6F3C-CD298036521A}"/>
               </a:ext>
             </a:extLst>
           </p:cNvPr>
@@ -1753,7 +1753,7 @@
           <p:cNvPr id="6" name="灯片编号占位符 5">
             <a:extLst>
               <a:ext uri="{FF2B5EF4-FFF2-40B4-BE49-F238E27FC236}">
-                <a16:creationId xmlns="" xmlns:a16="http://schemas.microsoft.com/office/drawing/2014/main" id="{FC863C35-49EE-AE1E-476A-2115AB2F951A}"/>
+                <a16:creationId xmlns:a16="http://schemas.microsoft.com/office/drawing/2014/main" xmlns="" id="{FC863C35-49EE-AE1E-476A-2115AB2F951A}"/>
               </a:ext>
             </a:extLst>
           </p:cNvPr>
@@ -1812,7 +1812,7 @@
           <p:cNvPr id="2" name="标题 1">
             <a:extLst>
               <a:ext uri="{FF2B5EF4-FFF2-40B4-BE49-F238E27FC236}">
-                <a16:creationId xmlns="" xmlns:a16="http://schemas.microsoft.com/office/drawing/2014/main" id="{866638DE-98B5-DDC3-B3F8-3E4400828480}"/>
+                <a16:creationId xmlns:a16="http://schemas.microsoft.com/office/drawing/2014/main" xmlns="" id="{866638DE-98B5-DDC3-B3F8-3E4400828480}"/>
               </a:ext>
             </a:extLst>
           </p:cNvPr>
@@ -1849,7 +1849,7 @@
           <p:cNvPr id="3" name="文本占位符 2">
             <a:extLst>
               <a:ext uri="{FF2B5EF4-FFF2-40B4-BE49-F238E27FC236}">
-                <a16:creationId xmlns="" xmlns:a16="http://schemas.microsoft.com/office/drawing/2014/main" id="{04B7A2A4-817D-77B2-4735-132E59CD17F6}"/>
+                <a16:creationId xmlns:a16="http://schemas.microsoft.com/office/drawing/2014/main" xmlns="" id="{04B7A2A4-817D-77B2-4735-132E59CD17F6}"/>
               </a:ext>
             </a:extLst>
           </p:cNvPr>
@@ -1974,7 +1974,7 @@
           <p:cNvPr id="4" name="日期占位符 3">
             <a:extLst>
               <a:ext uri="{FF2B5EF4-FFF2-40B4-BE49-F238E27FC236}">
-                <a16:creationId xmlns="" xmlns:a16="http://schemas.microsoft.com/office/drawing/2014/main" id="{183CA83E-8AFE-5A62-E830-EB8E09B4095F}"/>
+                <a16:creationId xmlns:a16="http://schemas.microsoft.com/office/drawing/2014/main" xmlns="" id="{183CA83E-8AFE-5A62-E830-EB8E09B4095F}"/>
               </a:ext>
             </a:extLst>
           </p:cNvPr>
@@ -2003,7 +2003,7 @@
           <p:cNvPr id="5" name="页脚占位符 4">
             <a:extLst>
               <a:ext uri="{FF2B5EF4-FFF2-40B4-BE49-F238E27FC236}">
-                <a16:creationId xmlns="" xmlns:a16="http://schemas.microsoft.com/office/drawing/2014/main" id="{5F95EF5D-59A1-5AE4-9F96-B75770EE6C75}"/>
+                <a16:creationId xmlns:a16="http://schemas.microsoft.com/office/drawing/2014/main" xmlns="" id="{5F95EF5D-59A1-5AE4-9F96-B75770EE6C75}"/>
               </a:ext>
             </a:extLst>
           </p:cNvPr>
@@ -2028,7 +2028,7 @@
           <p:cNvPr id="6" name="灯片编号占位符 5">
             <a:extLst>
               <a:ext uri="{FF2B5EF4-FFF2-40B4-BE49-F238E27FC236}">
-                <a16:creationId xmlns="" xmlns:a16="http://schemas.microsoft.com/office/drawing/2014/main" id="{AEDD6E4D-49DA-3B43-D4CC-1D98B7AAFF66}"/>
+                <a16:creationId xmlns:a16="http://schemas.microsoft.com/office/drawing/2014/main" xmlns="" id="{AEDD6E4D-49DA-3B43-D4CC-1D98B7AAFF66}"/>
               </a:ext>
             </a:extLst>
           </p:cNvPr>
@@ -2087,7 +2087,7 @@
           <p:cNvPr id="2" name="标题 1">
             <a:extLst>
               <a:ext uri="{FF2B5EF4-FFF2-40B4-BE49-F238E27FC236}">
-                <a16:creationId xmlns="" xmlns:a16="http://schemas.microsoft.com/office/drawing/2014/main" id="{6143119A-5638-5FB3-124E-3B30981F030A}"/>
+                <a16:creationId xmlns:a16="http://schemas.microsoft.com/office/drawing/2014/main" xmlns="" id="{6143119A-5638-5FB3-124E-3B30981F030A}"/>
               </a:ext>
             </a:extLst>
           </p:cNvPr>
@@ -2115,7 +2115,7 @@
           <p:cNvPr id="3" name="内容占位符 2">
             <a:extLst>
               <a:ext uri="{FF2B5EF4-FFF2-40B4-BE49-F238E27FC236}">
-                <a16:creationId xmlns="" xmlns:a16="http://schemas.microsoft.com/office/drawing/2014/main" id="{C8F1DC48-C2D4-79DF-114F-EF5EEEBA4D3D}"/>
+                <a16:creationId xmlns:a16="http://schemas.microsoft.com/office/drawing/2014/main" xmlns="" id="{C8F1DC48-C2D4-79DF-114F-EF5EEEBA4D3D}"/>
               </a:ext>
             </a:extLst>
           </p:cNvPr>
@@ -2177,7 +2177,7 @@
           <p:cNvPr id="4" name="内容占位符 3">
             <a:extLst>
               <a:ext uri="{FF2B5EF4-FFF2-40B4-BE49-F238E27FC236}">
-                <a16:creationId xmlns="" xmlns:a16="http://schemas.microsoft.com/office/drawing/2014/main" id="{5163DEDF-28BC-F60D-FCBD-0D577102FE83}"/>
+                <a16:creationId xmlns:a16="http://schemas.microsoft.com/office/drawing/2014/main" xmlns="" id="{5163DEDF-28BC-F60D-FCBD-0D577102FE83}"/>
               </a:ext>
             </a:extLst>
           </p:cNvPr>
@@ -2239,7 +2239,7 @@
           <p:cNvPr id="5" name="日期占位符 4">
             <a:extLst>
               <a:ext uri="{FF2B5EF4-FFF2-40B4-BE49-F238E27FC236}">
-                <a16:creationId xmlns="" xmlns:a16="http://schemas.microsoft.com/office/drawing/2014/main" id="{11352899-B0A5-67BA-4F8C-A6BEB19057FD}"/>
+                <a16:creationId xmlns:a16="http://schemas.microsoft.com/office/drawing/2014/main" xmlns="" id="{11352899-B0A5-67BA-4F8C-A6BEB19057FD}"/>
               </a:ext>
             </a:extLst>
           </p:cNvPr>
@@ -2268,7 +2268,7 @@
           <p:cNvPr id="6" name="页脚占位符 5">
             <a:extLst>
               <a:ext uri="{FF2B5EF4-FFF2-40B4-BE49-F238E27FC236}">
-                <a16:creationId xmlns="" xmlns:a16="http://schemas.microsoft.com/office/drawing/2014/main" id="{A584D1DB-F7D5-5108-37F7-B12451D4AF43}"/>
+                <a16:creationId xmlns:a16="http://schemas.microsoft.com/office/drawing/2014/main" xmlns="" id="{A584D1DB-F7D5-5108-37F7-B12451D4AF43}"/>
               </a:ext>
             </a:extLst>
           </p:cNvPr>
@@ -2293,7 +2293,7 @@
           <p:cNvPr id="7" name="灯片编号占位符 6">
             <a:extLst>
               <a:ext uri="{FF2B5EF4-FFF2-40B4-BE49-F238E27FC236}">
-                <a16:creationId xmlns="" xmlns:a16="http://schemas.microsoft.com/office/drawing/2014/main" id="{2294CAD5-9704-832D-2AB9-684703BF36C6}"/>
+                <a16:creationId xmlns:a16="http://schemas.microsoft.com/office/drawing/2014/main" xmlns="" id="{2294CAD5-9704-832D-2AB9-684703BF36C6}"/>
               </a:ext>
             </a:extLst>
           </p:cNvPr>
@@ -2352,7 +2352,7 @@
           <p:cNvPr id="2" name="标题 1">
             <a:extLst>
               <a:ext uri="{FF2B5EF4-FFF2-40B4-BE49-F238E27FC236}">
-                <a16:creationId xmlns="" xmlns:a16="http://schemas.microsoft.com/office/drawing/2014/main" id="{5553C342-6EA7-A319-ED9F-F3DED51AB856}"/>
+                <a16:creationId xmlns:a16="http://schemas.microsoft.com/office/drawing/2014/main" xmlns="" id="{5553C342-6EA7-A319-ED9F-F3DED51AB856}"/>
               </a:ext>
             </a:extLst>
           </p:cNvPr>
@@ -2385,7 +2385,7 @@
           <p:cNvPr id="3" name="文本占位符 2">
             <a:extLst>
               <a:ext uri="{FF2B5EF4-FFF2-40B4-BE49-F238E27FC236}">
-                <a16:creationId xmlns="" xmlns:a16="http://schemas.microsoft.com/office/drawing/2014/main" id="{2A2E5CEB-B13F-86C3-3E47-796F7F60D6CC}"/>
+                <a16:creationId xmlns:a16="http://schemas.microsoft.com/office/drawing/2014/main" xmlns="" id="{2A2E5CEB-B13F-86C3-3E47-796F7F60D6CC}"/>
               </a:ext>
             </a:extLst>
           </p:cNvPr>
@@ -2456,7 +2456,7 @@
           <p:cNvPr id="4" name="内容占位符 3">
             <a:extLst>
               <a:ext uri="{FF2B5EF4-FFF2-40B4-BE49-F238E27FC236}">
-                <a16:creationId xmlns="" xmlns:a16="http://schemas.microsoft.com/office/drawing/2014/main" id="{A54930F9-E0D4-D998-09A2-343AA1F96076}"/>
+                <a16:creationId xmlns:a16="http://schemas.microsoft.com/office/drawing/2014/main" xmlns="" id="{A54930F9-E0D4-D998-09A2-343AA1F96076}"/>
               </a:ext>
             </a:extLst>
           </p:cNvPr>
@@ -2518,7 +2518,7 @@
           <p:cNvPr id="5" name="文本占位符 4">
             <a:extLst>
               <a:ext uri="{FF2B5EF4-FFF2-40B4-BE49-F238E27FC236}">
-                <a16:creationId xmlns="" xmlns:a16="http://schemas.microsoft.com/office/drawing/2014/main" id="{B4B7359A-E8FC-E1A9-A896-A49ED9AF86F8}"/>
+                <a16:creationId xmlns:a16="http://schemas.microsoft.com/office/drawing/2014/main" xmlns="" id="{B4B7359A-E8FC-E1A9-A896-A49ED9AF86F8}"/>
               </a:ext>
             </a:extLst>
           </p:cNvPr>
@@ -2589,7 +2589,7 @@
           <p:cNvPr id="6" name="内容占位符 5">
             <a:extLst>
               <a:ext uri="{FF2B5EF4-FFF2-40B4-BE49-F238E27FC236}">
-                <a16:creationId xmlns="" xmlns:a16="http://schemas.microsoft.com/office/drawing/2014/main" id="{4E52EA2F-1B41-D541-9632-9493F9B51AB0}"/>
+                <a16:creationId xmlns:a16="http://schemas.microsoft.com/office/drawing/2014/main" xmlns="" id="{4E52EA2F-1B41-D541-9632-9493F9B51AB0}"/>
               </a:ext>
             </a:extLst>
           </p:cNvPr>
@@ -2651,7 +2651,7 @@
           <p:cNvPr id="7" name="日期占位符 6">
             <a:extLst>
               <a:ext uri="{FF2B5EF4-FFF2-40B4-BE49-F238E27FC236}">
-                <a16:creationId xmlns="" xmlns:a16="http://schemas.microsoft.com/office/drawing/2014/main" id="{F8E2D812-175D-022A-8677-7639CB1825D7}"/>
+                <a16:creationId xmlns:a16="http://schemas.microsoft.com/office/drawing/2014/main" xmlns="" id="{F8E2D812-175D-022A-8677-7639CB1825D7}"/>
               </a:ext>
             </a:extLst>
           </p:cNvPr>
@@ -2680,7 +2680,7 @@
           <p:cNvPr id="8" name="页脚占位符 7">
             <a:extLst>
               <a:ext uri="{FF2B5EF4-FFF2-40B4-BE49-F238E27FC236}">
-                <a16:creationId xmlns="" xmlns:a16="http://schemas.microsoft.com/office/drawing/2014/main" id="{5E2441E0-E886-23FB-143C-558A79ACC5D8}"/>
+                <a16:creationId xmlns:a16="http://schemas.microsoft.com/office/drawing/2014/main" xmlns="" id="{5E2441E0-E886-23FB-143C-558A79ACC5D8}"/>
               </a:ext>
             </a:extLst>
           </p:cNvPr>
@@ -2705,7 +2705,7 @@
           <p:cNvPr id="9" name="灯片编号占位符 8">
             <a:extLst>
               <a:ext uri="{FF2B5EF4-FFF2-40B4-BE49-F238E27FC236}">
-                <a16:creationId xmlns="" xmlns:a16="http://schemas.microsoft.com/office/drawing/2014/main" id="{CDCA61B1-70E8-1169-875E-DB108C50E55C}"/>
+                <a16:creationId xmlns:a16="http://schemas.microsoft.com/office/drawing/2014/main" xmlns="" id="{CDCA61B1-70E8-1169-875E-DB108C50E55C}"/>
               </a:ext>
             </a:extLst>
           </p:cNvPr>
@@ -2764,7 +2764,7 @@
           <p:cNvPr id="2" name="标题 1">
             <a:extLst>
               <a:ext uri="{FF2B5EF4-FFF2-40B4-BE49-F238E27FC236}">
-                <a16:creationId xmlns="" xmlns:a16="http://schemas.microsoft.com/office/drawing/2014/main" id="{F44D1D6C-24E0-86EE-37DA-EDEDDC1CFD42}"/>
+                <a16:creationId xmlns:a16="http://schemas.microsoft.com/office/drawing/2014/main" xmlns="" id="{F44D1D6C-24E0-86EE-37DA-EDEDDC1CFD42}"/>
               </a:ext>
             </a:extLst>
           </p:cNvPr>
@@ -2792,7 +2792,7 @@
           <p:cNvPr id="3" name="日期占位符 2">
             <a:extLst>
               <a:ext uri="{FF2B5EF4-FFF2-40B4-BE49-F238E27FC236}">
-                <a16:creationId xmlns="" xmlns:a16="http://schemas.microsoft.com/office/drawing/2014/main" id="{452FC26A-E9FB-0541-86DB-AEEE5AAB387E}"/>
+                <a16:creationId xmlns:a16="http://schemas.microsoft.com/office/drawing/2014/main" xmlns="" id="{452FC26A-E9FB-0541-86DB-AEEE5AAB387E}"/>
               </a:ext>
             </a:extLst>
           </p:cNvPr>
@@ -2821,7 +2821,7 @@
           <p:cNvPr id="4" name="页脚占位符 3">
             <a:extLst>
               <a:ext uri="{FF2B5EF4-FFF2-40B4-BE49-F238E27FC236}">
-                <a16:creationId xmlns="" xmlns:a16="http://schemas.microsoft.com/office/drawing/2014/main" id="{914BC86C-F2F8-3396-17AC-0735983760FC}"/>
+                <a16:creationId xmlns:a16="http://schemas.microsoft.com/office/drawing/2014/main" xmlns="" id="{914BC86C-F2F8-3396-17AC-0735983760FC}"/>
               </a:ext>
             </a:extLst>
           </p:cNvPr>
@@ -2846,7 +2846,7 @@
           <p:cNvPr id="5" name="灯片编号占位符 4">
             <a:extLst>
               <a:ext uri="{FF2B5EF4-FFF2-40B4-BE49-F238E27FC236}">
-                <a16:creationId xmlns="" xmlns:a16="http://schemas.microsoft.com/office/drawing/2014/main" id="{BCD46C41-5FA4-E5F8-0E00-98EC89530535}"/>
+                <a16:creationId xmlns:a16="http://schemas.microsoft.com/office/drawing/2014/main" xmlns="" id="{BCD46C41-5FA4-E5F8-0E00-98EC89530535}"/>
               </a:ext>
             </a:extLst>
           </p:cNvPr>
@@ -2905,7 +2905,7 @@
           <p:cNvPr id="2" name="日期占位符 1">
             <a:extLst>
               <a:ext uri="{FF2B5EF4-FFF2-40B4-BE49-F238E27FC236}">
-                <a16:creationId xmlns="" xmlns:a16="http://schemas.microsoft.com/office/drawing/2014/main" id="{987885F3-BC73-F95E-1CC2-95AD9AFC4550}"/>
+                <a16:creationId xmlns:a16="http://schemas.microsoft.com/office/drawing/2014/main" xmlns="" id="{987885F3-BC73-F95E-1CC2-95AD9AFC4550}"/>
               </a:ext>
             </a:extLst>
           </p:cNvPr>
@@ -2934,7 +2934,7 @@
           <p:cNvPr id="3" name="页脚占位符 2">
             <a:extLst>
               <a:ext uri="{FF2B5EF4-FFF2-40B4-BE49-F238E27FC236}">
-                <a16:creationId xmlns="" xmlns:a16="http://schemas.microsoft.com/office/drawing/2014/main" id="{3A45F5EE-A519-0C1C-324D-67E058F91DDB}"/>
+                <a16:creationId xmlns:a16="http://schemas.microsoft.com/office/drawing/2014/main" xmlns="" id="{3A45F5EE-A519-0C1C-324D-67E058F91DDB}"/>
               </a:ext>
             </a:extLst>
           </p:cNvPr>
@@ -2959,7 +2959,7 @@
           <p:cNvPr id="4" name="灯片编号占位符 3">
             <a:extLst>
               <a:ext uri="{FF2B5EF4-FFF2-40B4-BE49-F238E27FC236}">
-                <a16:creationId xmlns="" xmlns:a16="http://schemas.microsoft.com/office/drawing/2014/main" id="{67EC8A15-FD0F-6449-C8C4-244D9A47FC09}"/>
+                <a16:creationId xmlns:a16="http://schemas.microsoft.com/office/drawing/2014/main" xmlns="" id="{67EC8A15-FD0F-6449-C8C4-244D9A47FC09}"/>
               </a:ext>
             </a:extLst>
           </p:cNvPr>
@@ -3018,7 +3018,7 @@
           <p:cNvPr id="2" name="标题 1">
             <a:extLst>
               <a:ext uri="{FF2B5EF4-FFF2-40B4-BE49-F238E27FC236}">
-                <a16:creationId xmlns="" xmlns:a16="http://schemas.microsoft.com/office/drawing/2014/main" id="{8207E91F-BEEE-171E-0131-6E86365BBE2D}"/>
+                <a16:creationId xmlns:a16="http://schemas.microsoft.com/office/drawing/2014/main" xmlns="" id="{8207E91F-BEEE-171E-0131-6E86365BBE2D}"/>
               </a:ext>
             </a:extLst>
           </p:cNvPr>
@@ -3055,7 +3055,7 @@
           <p:cNvPr id="3" name="内容占位符 2">
             <a:extLst>
               <a:ext uri="{FF2B5EF4-FFF2-40B4-BE49-F238E27FC236}">
-                <a16:creationId xmlns="" xmlns:a16="http://schemas.microsoft.com/office/drawing/2014/main" id="{224A1AFF-50FF-8C59-9840-606EB237D707}"/>
+                <a16:creationId xmlns:a16="http://schemas.microsoft.com/office/drawing/2014/main" xmlns="" id="{224A1AFF-50FF-8C59-9840-606EB237D707}"/>
               </a:ext>
             </a:extLst>
           </p:cNvPr>
@@ -3145,7 +3145,7 @@
           <p:cNvPr id="4" name="文本占位符 3">
             <a:extLst>
               <a:ext uri="{FF2B5EF4-FFF2-40B4-BE49-F238E27FC236}">
-                <a16:creationId xmlns="" xmlns:a16="http://schemas.microsoft.com/office/drawing/2014/main" id="{1918F8C3-484E-3A1E-8EA0-D9C66B071D46}"/>
+                <a16:creationId xmlns:a16="http://schemas.microsoft.com/office/drawing/2014/main" xmlns="" id="{1918F8C3-484E-3A1E-8EA0-D9C66B071D46}"/>
               </a:ext>
             </a:extLst>
           </p:cNvPr>
@@ -3216,7 +3216,7 @@
           <p:cNvPr id="5" name="日期占位符 4">
             <a:extLst>
               <a:ext uri="{FF2B5EF4-FFF2-40B4-BE49-F238E27FC236}">
-                <a16:creationId xmlns="" xmlns:a16="http://schemas.microsoft.com/office/drawing/2014/main" id="{6708E08C-E838-BC00-6EA5-3C80B9A0F2BF}"/>
+                <a16:creationId xmlns:a16="http://schemas.microsoft.com/office/drawing/2014/main" xmlns="" id="{6708E08C-E838-BC00-6EA5-3C80B9A0F2BF}"/>
               </a:ext>
             </a:extLst>
           </p:cNvPr>
@@ -3245,7 +3245,7 @@
           <p:cNvPr id="6" name="页脚占位符 5">
             <a:extLst>
               <a:ext uri="{FF2B5EF4-FFF2-40B4-BE49-F238E27FC236}">
-                <a16:creationId xmlns="" xmlns:a16="http://schemas.microsoft.com/office/drawing/2014/main" id="{439DBC6E-FDA4-993F-86BA-68C9D9CBCDA2}"/>
+                <a16:creationId xmlns:a16="http://schemas.microsoft.com/office/drawing/2014/main" xmlns="" id="{439DBC6E-FDA4-993F-86BA-68C9D9CBCDA2}"/>
               </a:ext>
             </a:extLst>
           </p:cNvPr>
@@ -3270,7 +3270,7 @@
           <p:cNvPr id="7" name="灯片编号占位符 6">
             <a:extLst>
               <a:ext uri="{FF2B5EF4-FFF2-40B4-BE49-F238E27FC236}">
-                <a16:creationId xmlns="" xmlns:a16="http://schemas.microsoft.com/office/drawing/2014/main" id="{84AC5D80-1CD5-A607-8281-BC0454CACBD2}"/>
+                <a16:creationId xmlns:a16="http://schemas.microsoft.com/office/drawing/2014/main" xmlns="" id="{84AC5D80-1CD5-A607-8281-BC0454CACBD2}"/>
               </a:ext>
             </a:extLst>
           </p:cNvPr>
@@ -3329,7 +3329,7 @@
           <p:cNvPr id="2" name="标题 1">
             <a:extLst>
               <a:ext uri="{FF2B5EF4-FFF2-40B4-BE49-F238E27FC236}">
-                <a16:creationId xmlns="" xmlns:a16="http://schemas.microsoft.com/office/drawing/2014/main" id="{8B87A630-13E3-6038-F332-B3BE60484A0E}"/>
+                <a16:creationId xmlns:a16="http://schemas.microsoft.com/office/drawing/2014/main" xmlns="" id="{8B87A630-13E3-6038-F332-B3BE60484A0E}"/>
               </a:ext>
             </a:extLst>
           </p:cNvPr>
@@ -3366,7 +3366,7 @@
           <p:cNvPr id="3" name="图片占位符 2">
             <a:extLst>
               <a:ext uri="{FF2B5EF4-FFF2-40B4-BE49-F238E27FC236}">
-                <a16:creationId xmlns="" xmlns:a16="http://schemas.microsoft.com/office/drawing/2014/main" id="{B92BC7D3-D3C2-E338-1906-89EBC814D58E}"/>
+                <a16:creationId xmlns:a16="http://schemas.microsoft.com/office/drawing/2014/main" xmlns="" id="{B92BC7D3-D3C2-E338-1906-89EBC814D58E}"/>
               </a:ext>
             </a:extLst>
           </p:cNvPr>
@@ -3433,7 +3433,7 @@
           <p:cNvPr id="4" name="文本占位符 3">
             <a:extLst>
               <a:ext uri="{FF2B5EF4-FFF2-40B4-BE49-F238E27FC236}">
-                <a16:creationId xmlns="" xmlns:a16="http://schemas.microsoft.com/office/drawing/2014/main" id="{07545A6D-4664-4BEC-EE9E-A985A49BADC9}"/>
+                <a16:creationId xmlns:a16="http://schemas.microsoft.com/office/drawing/2014/main" xmlns="" id="{07545A6D-4664-4BEC-EE9E-A985A49BADC9}"/>
               </a:ext>
             </a:extLst>
           </p:cNvPr>
@@ -3504,7 +3504,7 @@
           <p:cNvPr id="5" name="日期占位符 4">
             <a:extLst>
               <a:ext uri="{FF2B5EF4-FFF2-40B4-BE49-F238E27FC236}">
-                <a16:creationId xmlns="" xmlns:a16="http://schemas.microsoft.com/office/drawing/2014/main" id="{7C4A4C3B-C39E-7F62-7D92-3CC1CB7AE956}"/>
+                <a16:creationId xmlns:a16="http://schemas.microsoft.com/office/drawing/2014/main" xmlns="" id="{7C4A4C3B-C39E-7F62-7D92-3CC1CB7AE956}"/>
               </a:ext>
             </a:extLst>
           </p:cNvPr>
@@ -3533,7 +3533,7 @@
           <p:cNvPr id="6" name="页脚占位符 5">
             <a:extLst>
               <a:ext uri="{FF2B5EF4-FFF2-40B4-BE49-F238E27FC236}">
-                <a16:creationId xmlns="" xmlns:a16="http://schemas.microsoft.com/office/drawing/2014/main" id="{ABCA2129-E1A8-A9AB-72DB-E364A7654AE6}"/>
+                <a16:creationId xmlns:a16="http://schemas.microsoft.com/office/drawing/2014/main" xmlns="" id="{ABCA2129-E1A8-A9AB-72DB-E364A7654AE6}"/>
               </a:ext>
             </a:extLst>
           </p:cNvPr>
@@ -3558,7 +3558,7 @@
           <p:cNvPr id="7" name="灯片编号占位符 6">
             <a:extLst>
               <a:ext uri="{FF2B5EF4-FFF2-40B4-BE49-F238E27FC236}">
-                <a16:creationId xmlns="" xmlns:a16="http://schemas.microsoft.com/office/drawing/2014/main" id="{6890FD23-C4A5-BC02-595B-A819F72BEB9C}"/>
+                <a16:creationId xmlns:a16="http://schemas.microsoft.com/office/drawing/2014/main" xmlns="" id="{6890FD23-C4A5-BC02-595B-A819F72BEB9C}"/>
               </a:ext>
             </a:extLst>
           </p:cNvPr>
@@ -3622,7 +3622,7 @@
           <p:cNvPr id="2" name="标题占位符 1">
             <a:extLst>
               <a:ext uri="{FF2B5EF4-FFF2-40B4-BE49-F238E27FC236}">
-                <a16:creationId xmlns="" xmlns:a16="http://schemas.microsoft.com/office/drawing/2014/main" id="{92000A49-3619-2406-82EF-AED9BE75F34E}"/>
+                <a16:creationId xmlns:a16="http://schemas.microsoft.com/office/drawing/2014/main" xmlns="" id="{92000A49-3619-2406-82EF-AED9BE75F34E}"/>
               </a:ext>
             </a:extLst>
           </p:cNvPr>
@@ -3660,7 +3660,7 @@
           <p:cNvPr id="3" name="文本占位符 2">
             <a:extLst>
               <a:ext uri="{FF2B5EF4-FFF2-40B4-BE49-F238E27FC236}">
-                <a16:creationId xmlns="" xmlns:a16="http://schemas.microsoft.com/office/drawing/2014/main" id="{D43FE0F5-0CBC-BDA9-24CE-A859521DA656}"/>
+                <a16:creationId xmlns:a16="http://schemas.microsoft.com/office/drawing/2014/main" xmlns="" id="{D43FE0F5-0CBC-BDA9-24CE-A859521DA656}"/>
               </a:ext>
             </a:extLst>
           </p:cNvPr>
@@ -3727,7 +3727,7 @@
           <p:cNvPr id="4" name="日期占位符 3">
             <a:extLst>
               <a:ext uri="{FF2B5EF4-FFF2-40B4-BE49-F238E27FC236}">
-                <a16:creationId xmlns="" xmlns:a16="http://schemas.microsoft.com/office/drawing/2014/main" id="{2233451F-B070-3253-A379-82BC5C68026A}"/>
+                <a16:creationId xmlns:a16="http://schemas.microsoft.com/office/drawing/2014/main" xmlns="" id="{2233451F-B070-3253-A379-82BC5C68026A}"/>
               </a:ext>
             </a:extLst>
           </p:cNvPr>
@@ -3774,7 +3774,7 @@
           <p:cNvPr id="5" name="页脚占位符 4">
             <a:extLst>
               <a:ext uri="{FF2B5EF4-FFF2-40B4-BE49-F238E27FC236}">
-                <a16:creationId xmlns="" xmlns:a16="http://schemas.microsoft.com/office/drawing/2014/main" id="{06986DEC-0B9D-7F39-CE3E-66A01F226957}"/>
+                <a16:creationId xmlns:a16="http://schemas.microsoft.com/office/drawing/2014/main" xmlns="" id="{06986DEC-0B9D-7F39-CE3E-66A01F226957}"/>
               </a:ext>
             </a:extLst>
           </p:cNvPr>
@@ -3817,7 +3817,7 @@
           <p:cNvPr id="6" name="灯片编号占位符 5">
             <a:extLst>
               <a:ext uri="{FF2B5EF4-FFF2-40B4-BE49-F238E27FC236}">
-                <a16:creationId xmlns="" xmlns:a16="http://schemas.microsoft.com/office/drawing/2014/main" id="{4E5D66B3-A060-F0A8-8F68-EBE0B120344F}"/>
+                <a16:creationId xmlns:a16="http://schemas.microsoft.com/office/drawing/2014/main" xmlns="" id="{4E5D66B3-A060-F0A8-8F68-EBE0B120344F}"/>
               </a:ext>
             </a:extLst>
           </p:cNvPr>
@@ -4196,7 +4196,7 @@
           <p:cNvPr id="2" name="标题 1">
             <a:extLst>
               <a:ext uri="{FF2B5EF4-FFF2-40B4-BE49-F238E27FC236}">
-                <a16:creationId xmlns="" xmlns:a16="http://schemas.microsoft.com/office/drawing/2014/main" id="{2A9B6C59-89F9-5390-BB77-F8DB7EF7B310}"/>
+                <a16:creationId xmlns:a16="http://schemas.microsoft.com/office/drawing/2014/main" xmlns="" id="{2A9B6C59-89F9-5390-BB77-F8DB7EF7B310}"/>
               </a:ext>
             </a:extLst>
           </p:cNvPr>
@@ -4266,7 +4266,7 @@
           <p:cNvPr id="4" name="椭圆 3">
             <a:extLst>
               <a:ext uri="{FF2B5EF4-FFF2-40B4-BE49-F238E27FC236}">
-                <a16:creationId xmlns="" xmlns:a16="http://schemas.microsoft.com/office/drawing/2014/main" id="{94C17F89-4022-3282-1B5A-F455F1578F55}"/>
+                <a16:creationId xmlns:a16="http://schemas.microsoft.com/office/drawing/2014/main" xmlns="" id="{94C17F89-4022-3282-1B5A-F455F1578F55}"/>
               </a:ext>
             </a:extLst>
           </p:cNvPr>
@@ -5013,7 +5013,7 @@
           <p:cNvPr id="4" name="椭圆 3">
             <a:extLst>
               <a:ext uri="{FF2B5EF4-FFF2-40B4-BE49-F238E27FC236}">
-                <a16:creationId xmlns="" xmlns:a16="http://schemas.microsoft.com/office/drawing/2014/main" id="{94C17F89-4022-3282-1B5A-F455F1578F55}"/>
+                <a16:creationId xmlns:a16="http://schemas.microsoft.com/office/drawing/2014/main" xmlns="" id="{94C17F89-4022-3282-1B5A-F455F1578F55}"/>
               </a:ext>
             </a:extLst>
           </p:cNvPr>
@@ -5596,7 +5596,7 @@
           <p:cNvPr id="38" name="Google Shape;90;p14">
             <a:extLst>
               <a:ext uri="{FF2B5EF4-FFF2-40B4-BE49-F238E27FC236}">
-                <a16:creationId xmlns="" xmlns:a16="http://schemas.microsoft.com/office/drawing/2014/main" id="{70D7F9C8-3F19-0671-CC95-0C6FF2D659F6}"/>
+                <a16:creationId xmlns:a16="http://schemas.microsoft.com/office/drawing/2014/main" xmlns="" id="{70D7F9C8-3F19-0671-CC95-0C6FF2D659F6}"/>
               </a:ext>
             </a:extLst>
           </p:cNvPr>
@@ -5630,7 +5630,7 @@
           <p:cNvPr id="39" name="Google Shape;90;p14">
             <a:extLst>
               <a:ext uri="{FF2B5EF4-FFF2-40B4-BE49-F238E27FC236}">
-                <a16:creationId xmlns="" xmlns:a16="http://schemas.microsoft.com/office/drawing/2014/main" id="{70D7F9C8-3F19-0671-CC95-0C6FF2D659F6}"/>
+                <a16:creationId xmlns:a16="http://schemas.microsoft.com/office/drawing/2014/main" xmlns="" id="{70D7F9C8-3F19-0671-CC95-0C6FF2D659F6}"/>
               </a:ext>
             </a:extLst>
           </p:cNvPr>
@@ -5694,7 +5694,7 @@
           <p:cNvPr id="4" name="椭圆 3">
             <a:extLst>
               <a:ext uri="{FF2B5EF4-FFF2-40B4-BE49-F238E27FC236}">
-                <a16:creationId xmlns="" xmlns:a16="http://schemas.microsoft.com/office/drawing/2014/main" id="{94C17F89-4022-3282-1B5A-F455F1578F55}"/>
+                <a16:creationId xmlns:a16="http://schemas.microsoft.com/office/drawing/2014/main" xmlns="" id="{94C17F89-4022-3282-1B5A-F455F1578F55}"/>
               </a:ext>
             </a:extLst>
           </p:cNvPr>
@@ -6377,7 +6377,7 @@
           <p:cNvPr id="2" name="标题 1">
             <a:extLst>
               <a:ext uri="{FF2B5EF4-FFF2-40B4-BE49-F238E27FC236}">
-                <a16:creationId xmlns="" xmlns:a16="http://schemas.microsoft.com/office/drawing/2014/main" id="{2A9B6C59-89F9-5390-BB77-F8DB7EF7B310}"/>
+                <a16:creationId xmlns:a16="http://schemas.microsoft.com/office/drawing/2014/main" xmlns="" id="{2A9B6C59-89F9-5390-BB77-F8DB7EF7B310}"/>
               </a:ext>
             </a:extLst>
           </p:cNvPr>
@@ -6452,7 +6452,7 @@
           <p:cNvPr id="2" name="标题 1">
             <a:extLst>
               <a:ext uri="{FF2B5EF4-FFF2-40B4-BE49-F238E27FC236}">
-                <a16:creationId xmlns="" xmlns:a16="http://schemas.microsoft.com/office/drawing/2014/main" id="{80796E82-7314-2FBE-2DE8-DDD70D4DF27E}"/>
+                <a16:creationId xmlns:a16="http://schemas.microsoft.com/office/drawing/2014/main" xmlns="" id="{80796E82-7314-2FBE-2DE8-DDD70D4DF27E}"/>
               </a:ext>
             </a:extLst>
           </p:cNvPr>
@@ -6508,7 +6508,7 @@
           <p:cNvPr id="5" name="椭圆 4">
             <a:extLst>
               <a:ext uri="{FF2B5EF4-FFF2-40B4-BE49-F238E27FC236}">
-                <a16:creationId xmlns="" xmlns:a16="http://schemas.microsoft.com/office/drawing/2014/main" id="{A020CC41-9901-5A10-06D8-1F19650A3A6A}"/>
+                <a16:creationId xmlns:a16="http://schemas.microsoft.com/office/drawing/2014/main" xmlns="" id="{A020CC41-9901-5A10-06D8-1F19650A3A6A}"/>
               </a:ext>
             </a:extLst>
           </p:cNvPr>
@@ -6560,7 +6560,7 @@
           <p:cNvPr id="19" name="Google Shape;73;p14">
             <a:extLst>
               <a:ext uri="{FF2B5EF4-FFF2-40B4-BE49-F238E27FC236}">
-                <a16:creationId xmlns="" xmlns:a16="http://schemas.microsoft.com/office/drawing/2014/main" id="{3442D827-BE6F-DFBF-3B15-223B2753D9E9}"/>
+                <a16:creationId xmlns:a16="http://schemas.microsoft.com/office/drawing/2014/main" xmlns="" id="{3442D827-BE6F-DFBF-3B15-223B2753D9E9}"/>
               </a:ext>
             </a:extLst>
           </p:cNvPr>
@@ -6594,7 +6594,7 @@
           <p:cNvPr id="3" name="椭圆 2">
             <a:extLst>
               <a:ext uri="{FF2B5EF4-FFF2-40B4-BE49-F238E27FC236}">
-                <a16:creationId xmlns="" xmlns:a16="http://schemas.microsoft.com/office/drawing/2014/main" id="{6A049D51-9228-994D-60FB-A0B21405E162}"/>
+                <a16:creationId xmlns:a16="http://schemas.microsoft.com/office/drawing/2014/main" xmlns="" id="{6A049D51-9228-994D-60FB-A0B21405E162}"/>
               </a:ext>
             </a:extLst>
           </p:cNvPr>
@@ -6650,7 +6650,7 @@
           <p:cNvPr id="20" name="椭圆 19">
             <a:extLst>
               <a:ext uri="{FF2B5EF4-FFF2-40B4-BE49-F238E27FC236}">
-                <a16:creationId xmlns="" xmlns:a16="http://schemas.microsoft.com/office/drawing/2014/main" id="{1CB92BD5-35D8-92CB-D9E4-9F7E63F85095}"/>
+                <a16:creationId xmlns:a16="http://schemas.microsoft.com/office/drawing/2014/main" xmlns="" id="{1CB92BD5-35D8-92CB-D9E4-9F7E63F85095}"/>
               </a:ext>
             </a:extLst>
           </p:cNvPr>
@@ -6706,7 +6706,7 @@
           <p:cNvPr id="21" name="椭圆 20">
             <a:extLst>
               <a:ext uri="{FF2B5EF4-FFF2-40B4-BE49-F238E27FC236}">
-                <a16:creationId xmlns="" xmlns:a16="http://schemas.microsoft.com/office/drawing/2014/main" id="{CC0D471C-430C-0F88-B963-906AF37643E5}"/>
+                <a16:creationId xmlns:a16="http://schemas.microsoft.com/office/drawing/2014/main" xmlns="" id="{CC0D471C-430C-0F88-B963-906AF37643E5}"/>
               </a:ext>
             </a:extLst>
           </p:cNvPr>
@@ -6762,7 +6762,7 @@
           <p:cNvPr id="22" name="椭圆 21">
             <a:extLst>
               <a:ext uri="{FF2B5EF4-FFF2-40B4-BE49-F238E27FC236}">
-                <a16:creationId xmlns="" xmlns:a16="http://schemas.microsoft.com/office/drawing/2014/main" id="{ECCA1AA6-1921-4825-44D1-D03BE773AACC}"/>
+                <a16:creationId xmlns:a16="http://schemas.microsoft.com/office/drawing/2014/main" xmlns="" id="{ECCA1AA6-1921-4825-44D1-D03BE773AACC}"/>
               </a:ext>
             </a:extLst>
           </p:cNvPr>
@@ -6818,7 +6818,7 @@
           <p:cNvPr id="23" name="椭圆 22">
             <a:extLst>
               <a:ext uri="{FF2B5EF4-FFF2-40B4-BE49-F238E27FC236}">
-                <a16:creationId xmlns="" xmlns:a16="http://schemas.microsoft.com/office/drawing/2014/main" id="{3F21BD1A-C0DB-4604-449C-A115F86B74D3}"/>
+                <a16:creationId xmlns:a16="http://schemas.microsoft.com/office/drawing/2014/main" xmlns="" id="{3F21BD1A-C0DB-4604-449C-A115F86B74D3}"/>
               </a:ext>
             </a:extLst>
           </p:cNvPr>
@@ -6878,7 +6878,7 @@
           <p:cNvPr id="24" name="椭圆 23">
             <a:extLst>
               <a:ext uri="{FF2B5EF4-FFF2-40B4-BE49-F238E27FC236}">
-                <a16:creationId xmlns="" xmlns:a16="http://schemas.microsoft.com/office/drawing/2014/main" id="{153EDE49-BF0B-3BFF-8FAE-EA9476EE1014}"/>
+                <a16:creationId xmlns:a16="http://schemas.microsoft.com/office/drawing/2014/main" xmlns="" id="{153EDE49-BF0B-3BFF-8FAE-EA9476EE1014}"/>
               </a:ext>
             </a:extLst>
           </p:cNvPr>
@@ -6938,7 +6938,7 @@
           <p:cNvPr id="25" name="椭圆 24">
             <a:extLst>
               <a:ext uri="{FF2B5EF4-FFF2-40B4-BE49-F238E27FC236}">
-                <a16:creationId xmlns="" xmlns:a16="http://schemas.microsoft.com/office/drawing/2014/main" id="{96E59006-D453-BDF9-72CE-BDDB3896D922}"/>
+                <a16:creationId xmlns:a16="http://schemas.microsoft.com/office/drawing/2014/main" xmlns="" id="{96E59006-D453-BDF9-72CE-BDDB3896D922}"/>
               </a:ext>
             </a:extLst>
           </p:cNvPr>
@@ -6998,7 +6998,7 @@
           <p:cNvPr id="26" name="椭圆 25">
             <a:extLst>
               <a:ext uri="{FF2B5EF4-FFF2-40B4-BE49-F238E27FC236}">
-                <a16:creationId xmlns="" xmlns:a16="http://schemas.microsoft.com/office/drawing/2014/main" id="{76DDE1EF-9352-BD67-F294-8E6E8429488F}"/>
+                <a16:creationId xmlns:a16="http://schemas.microsoft.com/office/drawing/2014/main" xmlns="" id="{76DDE1EF-9352-BD67-F294-8E6E8429488F}"/>
               </a:ext>
             </a:extLst>
           </p:cNvPr>
@@ -7058,7 +7058,7 @@
           <p:cNvPr id="6" name="Google Shape;74;p14">
             <a:extLst>
               <a:ext uri="{FF2B5EF4-FFF2-40B4-BE49-F238E27FC236}">
-                <a16:creationId xmlns="" xmlns:a16="http://schemas.microsoft.com/office/drawing/2014/main" id="{8ABB2948-CF7D-7BD6-14B8-367574244CB2}"/>
+                <a16:creationId xmlns:a16="http://schemas.microsoft.com/office/drawing/2014/main" xmlns="" id="{8ABB2948-CF7D-7BD6-14B8-367574244CB2}"/>
               </a:ext>
             </a:extLst>
           </p:cNvPr>
@@ -7092,7 +7092,7 @@
           <p:cNvPr id="7" name="Google Shape;75;p14">
             <a:extLst>
               <a:ext uri="{FF2B5EF4-FFF2-40B4-BE49-F238E27FC236}">
-                <a16:creationId xmlns="" xmlns:a16="http://schemas.microsoft.com/office/drawing/2014/main" id="{744D1F6B-EBF7-049C-9CBC-D2BD265B8DB5}"/>
+                <a16:creationId xmlns:a16="http://schemas.microsoft.com/office/drawing/2014/main" xmlns="" id="{744D1F6B-EBF7-049C-9CBC-D2BD265B8DB5}"/>
               </a:ext>
             </a:extLst>
           </p:cNvPr>
@@ -7126,7 +7126,7 @@
           <p:cNvPr id="8" name="Google Shape;76;p14">
             <a:extLst>
               <a:ext uri="{FF2B5EF4-FFF2-40B4-BE49-F238E27FC236}">
-                <a16:creationId xmlns="" xmlns:a16="http://schemas.microsoft.com/office/drawing/2014/main" id="{A0604560-830C-4AC9-3717-031AA48B5D45}"/>
+                <a16:creationId xmlns:a16="http://schemas.microsoft.com/office/drawing/2014/main" xmlns="" id="{A0604560-830C-4AC9-3717-031AA48B5D45}"/>
               </a:ext>
             </a:extLst>
           </p:cNvPr>
@@ -7160,7 +7160,7 @@
           <p:cNvPr id="9" name="Google Shape;77;p14">
             <a:extLst>
               <a:ext uri="{FF2B5EF4-FFF2-40B4-BE49-F238E27FC236}">
-                <a16:creationId xmlns="" xmlns:a16="http://schemas.microsoft.com/office/drawing/2014/main" id="{DC03C87C-87BB-A5EB-0D50-DDB31F93A6C2}"/>
+                <a16:creationId xmlns:a16="http://schemas.microsoft.com/office/drawing/2014/main" xmlns="" id="{DC03C87C-87BB-A5EB-0D50-DDB31F93A6C2}"/>
               </a:ext>
             </a:extLst>
           </p:cNvPr>
@@ -7194,7 +7194,7 @@
           <p:cNvPr id="10" name="Google Shape;78;p14">
             <a:extLst>
               <a:ext uri="{FF2B5EF4-FFF2-40B4-BE49-F238E27FC236}">
-                <a16:creationId xmlns="" xmlns:a16="http://schemas.microsoft.com/office/drawing/2014/main" id="{281D3DED-9B64-E88B-FC5F-0C30B82A9484}"/>
+                <a16:creationId xmlns:a16="http://schemas.microsoft.com/office/drawing/2014/main" xmlns="" id="{281D3DED-9B64-E88B-FC5F-0C30B82A9484}"/>
               </a:ext>
             </a:extLst>
           </p:cNvPr>
@@ -7228,7 +7228,7 @@
           <p:cNvPr id="11" name="Google Shape;79;p14">
             <a:extLst>
               <a:ext uri="{FF2B5EF4-FFF2-40B4-BE49-F238E27FC236}">
-                <a16:creationId xmlns="" xmlns:a16="http://schemas.microsoft.com/office/drawing/2014/main" id="{0DAE55E6-D474-C395-BC84-8ACA3CE820A0}"/>
+                <a16:creationId xmlns:a16="http://schemas.microsoft.com/office/drawing/2014/main" xmlns="" id="{0DAE55E6-D474-C395-BC84-8ACA3CE820A0}"/>
               </a:ext>
             </a:extLst>
           </p:cNvPr>
@@ -7262,7 +7262,7 @@
           <p:cNvPr id="12" name="Google Shape;80;p14">
             <a:extLst>
               <a:ext uri="{FF2B5EF4-FFF2-40B4-BE49-F238E27FC236}">
-                <a16:creationId xmlns="" xmlns:a16="http://schemas.microsoft.com/office/drawing/2014/main" id="{3A5AAC50-9F06-A76F-B20B-35CF3612E825}"/>
+                <a16:creationId xmlns:a16="http://schemas.microsoft.com/office/drawing/2014/main" xmlns="" id="{3A5AAC50-9F06-A76F-B20B-35CF3612E825}"/>
               </a:ext>
             </a:extLst>
           </p:cNvPr>
@@ -7296,7 +7296,7 @@
           <p:cNvPr id="13" name="Google Shape;81;p14">
             <a:extLst>
               <a:ext uri="{FF2B5EF4-FFF2-40B4-BE49-F238E27FC236}">
-                <a16:creationId xmlns="" xmlns:a16="http://schemas.microsoft.com/office/drawing/2014/main" id="{F33B3BEC-1095-E464-2D03-703E55B0F8A0}"/>
+                <a16:creationId xmlns:a16="http://schemas.microsoft.com/office/drawing/2014/main" xmlns="" id="{F33B3BEC-1095-E464-2D03-703E55B0F8A0}"/>
               </a:ext>
             </a:extLst>
           </p:cNvPr>
@@ -7330,7 +7330,7 @@
           <p:cNvPr id="4" name="文本框 3">
             <a:extLst>
               <a:ext uri="{FF2B5EF4-FFF2-40B4-BE49-F238E27FC236}">
-                <a16:creationId xmlns="" xmlns:a16="http://schemas.microsoft.com/office/drawing/2014/main" id="{3E8E8225-E7B4-E598-7AEB-66BC2EF7864E}"/>
+                <a16:creationId xmlns:a16="http://schemas.microsoft.com/office/drawing/2014/main" xmlns="" id="{3E8E8225-E7B4-E598-7AEB-66BC2EF7864E}"/>
               </a:ext>
             </a:extLst>
           </p:cNvPr>
@@ -7410,7 +7410,7 @@
           <p:cNvPr id="2" name="标题 1">
             <a:extLst>
               <a:ext uri="{FF2B5EF4-FFF2-40B4-BE49-F238E27FC236}">
-                <a16:creationId xmlns="" xmlns:a16="http://schemas.microsoft.com/office/drawing/2014/main" id="{80796E82-7314-2FBE-2DE8-DDD70D4DF27E}"/>
+                <a16:creationId xmlns:a16="http://schemas.microsoft.com/office/drawing/2014/main" xmlns="" id="{80796E82-7314-2FBE-2DE8-DDD70D4DF27E}"/>
               </a:ext>
             </a:extLst>
           </p:cNvPr>
@@ -7459,7 +7459,7 @@
           <p:cNvPr id="5" name="椭圆 4">
             <a:extLst>
               <a:ext uri="{FF2B5EF4-FFF2-40B4-BE49-F238E27FC236}">
-                <a16:creationId xmlns="" xmlns:a16="http://schemas.microsoft.com/office/drawing/2014/main" id="{A020CC41-9901-5A10-06D8-1F19650A3A6A}"/>
+                <a16:creationId xmlns:a16="http://schemas.microsoft.com/office/drawing/2014/main" xmlns="" id="{A020CC41-9901-5A10-06D8-1F19650A3A6A}"/>
               </a:ext>
             </a:extLst>
           </p:cNvPr>
@@ -7511,7 +7511,7 @@
           <p:cNvPr id="19" name="Google Shape;73;p14">
             <a:extLst>
               <a:ext uri="{FF2B5EF4-FFF2-40B4-BE49-F238E27FC236}">
-                <a16:creationId xmlns="" xmlns:a16="http://schemas.microsoft.com/office/drawing/2014/main" id="{3442D827-BE6F-DFBF-3B15-223B2753D9E9}"/>
+                <a16:creationId xmlns:a16="http://schemas.microsoft.com/office/drawing/2014/main" xmlns="" id="{3442D827-BE6F-DFBF-3B15-223B2753D9E9}"/>
               </a:ext>
             </a:extLst>
           </p:cNvPr>
@@ -7545,7 +7545,7 @@
           <p:cNvPr id="6" name="Google Shape;74;p14">
             <a:extLst>
               <a:ext uri="{FF2B5EF4-FFF2-40B4-BE49-F238E27FC236}">
-                <a16:creationId xmlns="" xmlns:a16="http://schemas.microsoft.com/office/drawing/2014/main" id="{8ABB2948-CF7D-7BD6-14B8-367574244CB2}"/>
+                <a16:creationId xmlns:a16="http://schemas.microsoft.com/office/drawing/2014/main" xmlns="" id="{8ABB2948-CF7D-7BD6-14B8-367574244CB2}"/>
               </a:ext>
             </a:extLst>
           </p:cNvPr>
@@ -7579,7 +7579,7 @@
           <p:cNvPr id="7" name="Google Shape;75;p14">
             <a:extLst>
               <a:ext uri="{FF2B5EF4-FFF2-40B4-BE49-F238E27FC236}">
-                <a16:creationId xmlns="" xmlns:a16="http://schemas.microsoft.com/office/drawing/2014/main" id="{744D1F6B-EBF7-049C-9CBC-D2BD265B8DB5}"/>
+                <a16:creationId xmlns:a16="http://schemas.microsoft.com/office/drawing/2014/main" xmlns="" id="{744D1F6B-EBF7-049C-9CBC-D2BD265B8DB5}"/>
               </a:ext>
             </a:extLst>
           </p:cNvPr>
@@ -7613,7 +7613,7 @@
           <p:cNvPr id="8" name="Google Shape;76;p14">
             <a:extLst>
               <a:ext uri="{FF2B5EF4-FFF2-40B4-BE49-F238E27FC236}">
-                <a16:creationId xmlns="" xmlns:a16="http://schemas.microsoft.com/office/drawing/2014/main" id="{A0604560-830C-4AC9-3717-031AA48B5D45}"/>
+                <a16:creationId xmlns:a16="http://schemas.microsoft.com/office/drawing/2014/main" xmlns="" id="{A0604560-830C-4AC9-3717-031AA48B5D45}"/>
               </a:ext>
             </a:extLst>
           </p:cNvPr>
@@ -7647,7 +7647,7 @@
           <p:cNvPr id="9" name="Google Shape;77;p14">
             <a:extLst>
               <a:ext uri="{FF2B5EF4-FFF2-40B4-BE49-F238E27FC236}">
-                <a16:creationId xmlns="" xmlns:a16="http://schemas.microsoft.com/office/drawing/2014/main" id="{DC03C87C-87BB-A5EB-0D50-DDB31F93A6C2}"/>
+                <a16:creationId xmlns:a16="http://schemas.microsoft.com/office/drawing/2014/main" xmlns="" id="{DC03C87C-87BB-A5EB-0D50-DDB31F93A6C2}"/>
               </a:ext>
             </a:extLst>
           </p:cNvPr>
@@ -7681,7 +7681,7 @@
           <p:cNvPr id="10" name="Google Shape;78;p14">
             <a:extLst>
               <a:ext uri="{FF2B5EF4-FFF2-40B4-BE49-F238E27FC236}">
-                <a16:creationId xmlns="" xmlns:a16="http://schemas.microsoft.com/office/drawing/2014/main" id="{281D3DED-9B64-E88B-FC5F-0C30B82A9484}"/>
+                <a16:creationId xmlns:a16="http://schemas.microsoft.com/office/drawing/2014/main" xmlns="" id="{281D3DED-9B64-E88B-FC5F-0C30B82A9484}"/>
               </a:ext>
             </a:extLst>
           </p:cNvPr>
@@ -7715,7 +7715,7 @@
           <p:cNvPr id="11" name="Google Shape;79;p14">
             <a:extLst>
               <a:ext uri="{FF2B5EF4-FFF2-40B4-BE49-F238E27FC236}">
-                <a16:creationId xmlns="" xmlns:a16="http://schemas.microsoft.com/office/drawing/2014/main" id="{0DAE55E6-D474-C395-BC84-8ACA3CE820A0}"/>
+                <a16:creationId xmlns:a16="http://schemas.microsoft.com/office/drawing/2014/main" xmlns="" id="{0DAE55E6-D474-C395-BC84-8ACA3CE820A0}"/>
               </a:ext>
             </a:extLst>
           </p:cNvPr>
@@ -7749,7 +7749,7 @@
           <p:cNvPr id="12" name="Google Shape;80;p14">
             <a:extLst>
               <a:ext uri="{FF2B5EF4-FFF2-40B4-BE49-F238E27FC236}">
-                <a16:creationId xmlns="" xmlns:a16="http://schemas.microsoft.com/office/drawing/2014/main" id="{3A5AAC50-9F06-A76F-B20B-35CF3612E825}"/>
+                <a16:creationId xmlns:a16="http://schemas.microsoft.com/office/drawing/2014/main" xmlns="" id="{3A5AAC50-9F06-A76F-B20B-35CF3612E825}"/>
               </a:ext>
             </a:extLst>
           </p:cNvPr>
@@ -7783,7 +7783,7 @@
           <p:cNvPr id="13" name="Google Shape;81;p14">
             <a:extLst>
               <a:ext uri="{FF2B5EF4-FFF2-40B4-BE49-F238E27FC236}">
-                <a16:creationId xmlns="" xmlns:a16="http://schemas.microsoft.com/office/drawing/2014/main" id="{F33B3BEC-1095-E464-2D03-703E55B0F8A0}"/>
+                <a16:creationId xmlns:a16="http://schemas.microsoft.com/office/drawing/2014/main" xmlns="" id="{F33B3BEC-1095-E464-2D03-703E55B0F8A0}"/>
               </a:ext>
             </a:extLst>
           </p:cNvPr>
@@ -7817,7 +7817,7 @@
           <p:cNvPr id="4" name="文本框 3">
             <a:extLst>
               <a:ext uri="{FF2B5EF4-FFF2-40B4-BE49-F238E27FC236}">
-                <a16:creationId xmlns="" xmlns:a16="http://schemas.microsoft.com/office/drawing/2014/main" id="{3E8E8225-E7B4-E598-7AEB-66BC2EF7864E}"/>
+                <a16:creationId xmlns:a16="http://schemas.microsoft.com/office/drawing/2014/main" xmlns="" id="{3E8E8225-E7B4-E598-7AEB-66BC2EF7864E}"/>
               </a:ext>
             </a:extLst>
           </p:cNvPr>
@@ -7857,7 +7857,7 @@
           <p:cNvPr id="27" name="箭头: 五边形 26">
             <a:extLst>
               <a:ext uri="{FF2B5EF4-FFF2-40B4-BE49-F238E27FC236}">
-                <a16:creationId xmlns="" xmlns:a16="http://schemas.microsoft.com/office/drawing/2014/main" id="{E085494B-F842-4C01-038E-DB08191BB1BE}"/>
+                <a16:creationId xmlns:a16="http://schemas.microsoft.com/office/drawing/2014/main" xmlns="" id="{E085494B-F842-4C01-038E-DB08191BB1BE}"/>
               </a:ext>
             </a:extLst>
           </p:cNvPr>
@@ -7913,7 +7913,7 @@
           <p:cNvPr id="28" name="文本框 27">
             <a:extLst>
               <a:ext uri="{FF2B5EF4-FFF2-40B4-BE49-F238E27FC236}">
-                <a16:creationId xmlns="" xmlns:a16="http://schemas.microsoft.com/office/drawing/2014/main" id="{342B569A-49B6-3B3C-8998-DEDD42D51B66}"/>
+                <a16:creationId xmlns:a16="http://schemas.microsoft.com/office/drawing/2014/main" xmlns="" id="{342B569A-49B6-3B3C-8998-DEDD42D51B66}"/>
               </a:ext>
             </a:extLst>
           </p:cNvPr>
@@ -7949,7 +7949,7 @@
           <p:cNvPr id="29" name="箭头: 五边形 28">
             <a:extLst>
               <a:ext uri="{FF2B5EF4-FFF2-40B4-BE49-F238E27FC236}">
-                <a16:creationId xmlns="" xmlns:a16="http://schemas.microsoft.com/office/drawing/2014/main" id="{3523BFDC-8B96-7B81-3159-C26951EC2B7B}"/>
+                <a16:creationId xmlns:a16="http://schemas.microsoft.com/office/drawing/2014/main" xmlns="" id="{3523BFDC-8B96-7B81-3159-C26951EC2B7B}"/>
               </a:ext>
             </a:extLst>
           </p:cNvPr>
@@ -7996,7 +7996,7 @@
           <p:cNvPr id="30" name="文本框 29">
             <a:extLst>
               <a:ext uri="{FF2B5EF4-FFF2-40B4-BE49-F238E27FC236}">
-                <a16:creationId xmlns="" xmlns:a16="http://schemas.microsoft.com/office/drawing/2014/main" id="{082D8EAA-C93E-D6A9-69A4-C34D928A3F9E}"/>
+                <a16:creationId xmlns:a16="http://schemas.microsoft.com/office/drawing/2014/main" xmlns="" id="{082D8EAA-C93E-D6A9-69A4-C34D928A3F9E}"/>
               </a:ext>
             </a:extLst>
           </p:cNvPr>
@@ -8032,7 +8032,7 @@
           <p:cNvPr id="31" name="箭头: 五边形 30">
             <a:extLst>
               <a:ext uri="{FF2B5EF4-FFF2-40B4-BE49-F238E27FC236}">
-                <a16:creationId xmlns="" xmlns:a16="http://schemas.microsoft.com/office/drawing/2014/main" id="{4B9E0D9B-D17E-69E7-1F9A-99DE7710B7A1}"/>
+                <a16:creationId xmlns:a16="http://schemas.microsoft.com/office/drawing/2014/main" xmlns="" id="{4B9E0D9B-D17E-69E7-1F9A-99DE7710B7A1}"/>
               </a:ext>
             </a:extLst>
           </p:cNvPr>
@@ -8079,7 +8079,7 @@
           <p:cNvPr id="32" name="箭头: 五边形 31">
             <a:extLst>
               <a:ext uri="{FF2B5EF4-FFF2-40B4-BE49-F238E27FC236}">
-                <a16:creationId xmlns="" xmlns:a16="http://schemas.microsoft.com/office/drawing/2014/main" id="{1C58B850-E627-D01E-6544-6FC012CCC33C}"/>
+                <a16:creationId xmlns:a16="http://schemas.microsoft.com/office/drawing/2014/main" xmlns="" id="{1C58B850-E627-D01E-6544-6FC012CCC33C}"/>
               </a:ext>
             </a:extLst>
           </p:cNvPr>
@@ -8135,7 +8135,7 @@
           <p:cNvPr id="33" name="箭头: 五边形 32">
             <a:extLst>
               <a:ext uri="{FF2B5EF4-FFF2-40B4-BE49-F238E27FC236}">
-                <a16:creationId xmlns="" xmlns:a16="http://schemas.microsoft.com/office/drawing/2014/main" id="{C768AE66-F650-1A37-7440-B571549FE915}"/>
+                <a16:creationId xmlns:a16="http://schemas.microsoft.com/office/drawing/2014/main" xmlns="" id="{C768AE66-F650-1A37-7440-B571549FE915}"/>
               </a:ext>
             </a:extLst>
           </p:cNvPr>
@@ -8191,7 +8191,7 @@
           <p:cNvPr id="34" name="箭头: 五边形 33">
             <a:extLst>
               <a:ext uri="{FF2B5EF4-FFF2-40B4-BE49-F238E27FC236}">
-                <a16:creationId xmlns="" xmlns:a16="http://schemas.microsoft.com/office/drawing/2014/main" id="{C73CB313-5C49-648F-D809-8346206978D1}"/>
+                <a16:creationId xmlns:a16="http://schemas.microsoft.com/office/drawing/2014/main" xmlns="" id="{C73CB313-5C49-648F-D809-8346206978D1}"/>
               </a:ext>
             </a:extLst>
           </p:cNvPr>
@@ -8247,7 +8247,7 @@
           <p:cNvPr id="35" name="箭头: 五边形 34">
             <a:extLst>
               <a:ext uri="{FF2B5EF4-FFF2-40B4-BE49-F238E27FC236}">
-                <a16:creationId xmlns="" xmlns:a16="http://schemas.microsoft.com/office/drawing/2014/main" id="{FC836AD9-A293-8E3F-664B-E692D69616E5}"/>
+                <a16:creationId xmlns:a16="http://schemas.microsoft.com/office/drawing/2014/main" xmlns="" id="{FC836AD9-A293-8E3F-664B-E692D69616E5}"/>
               </a:ext>
             </a:extLst>
           </p:cNvPr>
@@ -8303,7 +8303,7 @@
           <p:cNvPr id="37" name="箭头: 五边形 36">
             <a:extLst>
               <a:ext uri="{FF2B5EF4-FFF2-40B4-BE49-F238E27FC236}">
-                <a16:creationId xmlns="" xmlns:a16="http://schemas.microsoft.com/office/drawing/2014/main" id="{05ECD475-37EE-63E8-E9E5-EF81A4619214}"/>
+                <a16:creationId xmlns:a16="http://schemas.microsoft.com/office/drawing/2014/main" xmlns="" id="{05ECD475-37EE-63E8-E9E5-EF81A4619214}"/>
               </a:ext>
             </a:extLst>
           </p:cNvPr>
@@ -8350,7 +8350,7 @@
           <p:cNvPr id="38" name="箭头: 五边形 37">
             <a:extLst>
               <a:ext uri="{FF2B5EF4-FFF2-40B4-BE49-F238E27FC236}">
-                <a16:creationId xmlns="" xmlns:a16="http://schemas.microsoft.com/office/drawing/2014/main" id="{A6B5F2C7-042E-A328-27E2-FE7EEBDB2BDD}"/>
+                <a16:creationId xmlns:a16="http://schemas.microsoft.com/office/drawing/2014/main" xmlns="" id="{A6B5F2C7-042E-A328-27E2-FE7EEBDB2BDD}"/>
               </a:ext>
             </a:extLst>
           </p:cNvPr>
@@ -8397,7 +8397,7 @@
           <p:cNvPr id="39" name="箭头: 五边形 38">
             <a:extLst>
               <a:ext uri="{FF2B5EF4-FFF2-40B4-BE49-F238E27FC236}">
-                <a16:creationId xmlns="" xmlns:a16="http://schemas.microsoft.com/office/drawing/2014/main" id="{2D55E881-1EC3-4110-7472-1065FE27C440}"/>
+                <a16:creationId xmlns:a16="http://schemas.microsoft.com/office/drawing/2014/main" xmlns="" id="{2D55E881-1EC3-4110-7472-1065FE27C440}"/>
               </a:ext>
             </a:extLst>
           </p:cNvPr>
@@ -8474,7 +8474,7 @@
           <p:cNvPr id="2" name="标题 1">
             <a:extLst>
               <a:ext uri="{FF2B5EF4-FFF2-40B4-BE49-F238E27FC236}">
-                <a16:creationId xmlns="" xmlns:a16="http://schemas.microsoft.com/office/drawing/2014/main" id="{80796E82-7314-2FBE-2DE8-DDD70D4DF27E}"/>
+                <a16:creationId xmlns:a16="http://schemas.microsoft.com/office/drawing/2014/main" xmlns="" id="{80796E82-7314-2FBE-2DE8-DDD70D4DF27E}"/>
               </a:ext>
             </a:extLst>
           </p:cNvPr>
@@ -8523,7 +8523,7 @@
           <p:cNvPr id="5" name="椭圆 4">
             <a:extLst>
               <a:ext uri="{FF2B5EF4-FFF2-40B4-BE49-F238E27FC236}">
-                <a16:creationId xmlns="" xmlns:a16="http://schemas.microsoft.com/office/drawing/2014/main" id="{A020CC41-9901-5A10-06D8-1F19650A3A6A}"/>
+                <a16:creationId xmlns:a16="http://schemas.microsoft.com/office/drawing/2014/main" xmlns="" id="{A020CC41-9901-5A10-06D8-1F19650A3A6A}"/>
               </a:ext>
             </a:extLst>
           </p:cNvPr>
@@ -8575,7 +8575,7 @@
           <p:cNvPr id="19" name="Google Shape;73;p14">
             <a:extLst>
               <a:ext uri="{FF2B5EF4-FFF2-40B4-BE49-F238E27FC236}">
-                <a16:creationId xmlns="" xmlns:a16="http://schemas.microsoft.com/office/drawing/2014/main" id="{3442D827-BE6F-DFBF-3B15-223B2753D9E9}"/>
+                <a16:creationId xmlns:a16="http://schemas.microsoft.com/office/drawing/2014/main" xmlns="" id="{3442D827-BE6F-DFBF-3B15-223B2753D9E9}"/>
               </a:ext>
             </a:extLst>
           </p:cNvPr>
@@ -8609,7 +8609,7 @@
           <p:cNvPr id="3" name="椭圆 2">
             <a:extLst>
               <a:ext uri="{FF2B5EF4-FFF2-40B4-BE49-F238E27FC236}">
-                <a16:creationId xmlns="" xmlns:a16="http://schemas.microsoft.com/office/drawing/2014/main" id="{6A049D51-9228-994D-60FB-A0B21405E162}"/>
+                <a16:creationId xmlns:a16="http://schemas.microsoft.com/office/drawing/2014/main" xmlns="" id="{6A049D51-9228-994D-60FB-A0B21405E162}"/>
               </a:ext>
             </a:extLst>
           </p:cNvPr>
@@ -8665,7 +8665,7 @@
           <p:cNvPr id="20" name="椭圆 19">
             <a:extLst>
               <a:ext uri="{FF2B5EF4-FFF2-40B4-BE49-F238E27FC236}">
-                <a16:creationId xmlns="" xmlns:a16="http://schemas.microsoft.com/office/drawing/2014/main" id="{1CB92BD5-35D8-92CB-D9E4-9F7E63F85095}"/>
+                <a16:creationId xmlns:a16="http://schemas.microsoft.com/office/drawing/2014/main" xmlns="" id="{1CB92BD5-35D8-92CB-D9E4-9F7E63F85095}"/>
               </a:ext>
             </a:extLst>
           </p:cNvPr>
@@ -8721,7 +8721,7 @@
           <p:cNvPr id="21" name="椭圆 20">
             <a:extLst>
               <a:ext uri="{FF2B5EF4-FFF2-40B4-BE49-F238E27FC236}">
-                <a16:creationId xmlns="" xmlns:a16="http://schemas.microsoft.com/office/drawing/2014/main" id="{CC0D471C-430C-0F88-B963-906AF37643E5}"/>
+                <a16:creationId xmlns:a16="http://schemas.microsoft.com/office/drawing/2014/main" xmlns="" id="{CC0D471C-430C-0F88-B963-906AF37643E5}"/>
               </a:ext>
             </a:extLst>
           </p:cNvPr>
@@ -8777,7 +8777,7 @@
           <p:cNvPr id="22" name="椭圆 21">
             <a:extLst>
               <a:ext uri="{FF2B5EF4-FFF2-40B4-BE49-F238E27FC236}">
-                <a16:creationId xmlns="" xmlns:a16="http://schemas.microsoft.com/office/drawing/2014/main" id="{ECCA1AA6-1921-4825-44D1-D03BE773AACC}"/>
+                <a16:creationId xmlns:a16="http://schemas.microsoft.com/office/drawing/2014/main" xmlns="" id="{ECCA1AA6-1921-4825-44D1-D03BE773AACC}"/>
               </a:ext>
             </a:extLst>
           </p:cNvPr>
@@ -8833,7 +8833,7 @@
           <p:cNvPr id="23" name="椭圆 22">
             <a:extLst>
               <a:ext uri="{FF2B5EF4-FFF2-40B4-BE49-F238E27FC236}">
-                <a16:creationId xmlns="" xmlns:a16="http://schemas.microsoft.com/office/drawing/2014/main" id="{3F21BD1A-C0DB-4604-449C-A115F86B74D3}"/>
+                <a16:creationId xmlns:a16="http://schemas.microsoft.com/office/drawing/2014/main" xmlns="" id="{3F21BD1A-C0DB-4604-449C-A115F86B74D3}"/>
               </a:ext>
             </a:extLst>
           </p:cNvPr>
@@ -8893,7 +8893,7 @@
           <p:cNvPr id="24" name="椭圆 23">
             <a:extLst>
               <a:ext uri="{FF2B5EF4-FFF2-40B4-BE49-F238E27FC236}">
-                <a16:creationId xmlns="" xmlns:a16="http://schemas.microsoft.com/office/drawing/2014/main" id="{153EDE49-BF0B-3BFF-8FAE-EA9476EE1014}"/>
+                <a16:creationId xmlns:a16="http://schemas.microsoft.com/office/drawing/2014/main" xmlns="" id="{153EDE49-BF0B-3BFF-8FAE-EA9476EE1014}"/>
               </a:ext>
             </a:extLst>
           </p:cNvPr>
@@ -8953,7 +8953,7 @@
           <p:cNvPr id="25" name="椭圆 24">
             <a:extLst>
               <a:ext uri="{FF2B5EF4-FFF2-40B4-BE49-F238E27FC236}">
-                <a16:creationId xmlns="" xmlns:a16="http://schemas.microsoft.com/office/drawing/2014/main" id="{96E59006-D453-BDF9-72CE-BDDB3896D922}"/>
+                <a16:creationId xmlns:a16="http://schemas.microsoft.com/office/drawing/2014/main" xmlns="" id="{96E59006-D453-BDF9-72CE-BDDB3896D922}"/>
               </a:ext>
             </a:extLst>
           </p:cNvPr>
@@ -9013,7 +9013,7 @@
           <p:cNvPr id="26" name="椭圆 25">
             <a:extLst>
               <a:ext uri="{FF2B5EF4-FFF2-40B4-BE49-F238E27FC236}">
-                <a16:creationId xmlns="" xmlns:a16="http://schemas.microsoft.com/office/drawing/2014/main" id="{76DDE1EF-9352-BD67-F294-8E6E8429488F}"/>
+                <a16:creationId xmlns:a16="http://schemas.microsoft.com/office/drawing/2014/main" xmlns="" id="{76DDE1EF-9352-BD67-F294-8E6E8429488F}"/>
               </a:ext>
             </a:extLst>
           </p:cNvPr>
@@ -9073,7 +9073,7 @@
           <p:cNvPr id="4" name="文本框 3">
             <a:extLst>
               <a:ext uri="{FF2B5EF4-FFF2-40B4-BE49-F238E27FC236}">
-                <a16:creationId xmlns="" xmlns:a16="http://schemas.microsoft.com/office/drawing/2014/main" id="{3E8E8225-E7B4-E598-7AEB-66BC2EF7864E}"/>
+                <a16:creationId xmlns:a16="http://schemas.microsoft.com/office/drawing/2014/main" xmlns="" id="{3E8E8225-E7B4-E598-7AEB-66BC2EF7864E}"/>
               </a:ext>
             </a:extLst>
           </p:cNvPr>
@@ -9123,7 +9123,7 @@
           <p:cNvPr id="27" name="Google Shape;74;p14">
             <a:extLst>
               <a:ext uri="{FF2B5EF4-FFF2-40B4-BE49-F238E27FC236}">
-                <a16:creationId xmlns="" xmlns:a16="http://schemas.microsoft.com/office/drawing/2014/main" id="{F001360C-F541-C9AF-53E6-BA5E50272227}"/>
+                <a16:creationId xmlns:a16="http://schemas.microsoft.com/office/drawing/2014/main" xmlns="" id="{F001360C-F541-C9AF-53E6-BA5E50272227}"/>
               </a:ext>
             </a:extLst>
           </p:cNvPr>
@@ -9157,7 +9157,7 @@
           <p:cNvPr id="28" name="Google Shape;75;p14">
             <a:extLst>
               <a:ext uri="{FF2B5EF4-FFF2-40B4-BE49-F238E27FC236}">
-                <a16:creationId xmlns="" xmlns:a16="http://schemas.microsoft.com/office/drawing/2014/main" id="{BC47DF63-D787-76FF-F6E1-924DB122ED98}"/>
+                <a16:creationId xmlns:a16="http://schemas.microsoft.com/office/drawing/2014/main" xmlns="" id="{BC47DF63-D787-76FF-F6E1-924DB122ED98}"/>
               </a:ext>
             </a:extLst>
           </p:cNvPr>
@@ -9191,7 +9191,7 @@
           <p:cNvPr id="29" name="Google Shape;76;p14">
             <a:extLst>
               <a:ext uri="{FF2B5EF4-FFF2-40B4-BE49-F238E27FC236}">
-                <a16:creationId xmlns="" xmlns:a16="http://schemas.microsoft.com/office/drawing/2014/main" id="{E6DB3436-E7A1-74A4-306B-891B37C2E2BC}"/>
+                <a16:creationId xmlns:a16="http://schemas.microsoft.com/office/drawing/2014/main" xmlns="" id="{E6DB3436-E7A1-74A4-306B-891B37C2E2BC}"/>
               </a:ext>
             </a:extLst>
           </p:cNvPr>
@@ -9225,7 +9225,7 @@
           <p:cNvPr id="30" name="Google Shape;77;p14">
             <a:extLst>
               <a:ext uri="{FF2B5EF4-FFF2-40B4-BE49-F238E27FC236}">
-                <a16:creationId xmlns="" xmlns:a16="http://schemas.microsoft.com/office/drawing/2014/main" id="{4732D7A8-7A22-D333-C97E-9E6837577A1F}"/>
+                <a16:creationId xmlns:a16="http://schemas.microsoft.com/office/drawing/2014/main" xmlns="" id="{4732D7A8-7A22-D333-C97E-9E6837577A1F}"/>
               </a:ext>
             </a:extLst>
           </p:cNvPr>
@@ -9259,7 +9259,7 @@
           <p:cNvPr id="31" name="Google Shape;78;p14">
             <a:extLst>
               <a:ext uri="{FF2B5EF4-FFF2-40B4-BE49-F238E27FC236}">
-                <a16:creationId xmlns="" xmlns:a16="http://schemas.microsoft.com/office/drawing/2014/main" id="{56A704A4-652B-FEB3-E4FD-002BB01DD9FD}"/>
+                <a16:creationId xmlns:a16="http://schemas.microsoft.com/office/drawing/2014/main" xmlns="" id="{56A704A4-652B-FEB3-E4FD-002BB01DD9FD}"/>
               </a:ext>
             </a:extLst>
           </p:cNvPr>
@@ -9293,7 +9293,7 @@
           <p:cNvPr id="32" name="Google Shape;79;p14">
             <a:extLst>
               <a:ext uri="{FF2B5EF4-FFF2-40B4-BE49-F238E27FC236}">
-                <a16:creationId xmlns="" xmlns:a16="http://schemas.microsoft.com/office/drawing/2014/main" id="{2B1EC5ED-8A2C-AFB1-031C-190E068ED4D4}"/>
+                <a16:creationId xmlns:a16="http://schemas.microsoft.com/office/drawing/2014/main" xmlns="" id="{2B1EC5ED-8A2C-AFB1-031C-190E068ED4D4}"/>
               </a:ext>
             </a:extLst>
           </p:cNvPr>
@@ -9327,7 +9327,7 @@
           <p:cNvPr id="33" name="Google Shape;80;p14">
             <a:extLst>
               <a:ext uri="{FF2B5EF4-FFF2-40B4-BE49-F238E27FC236}">
-                <a16:creationId xmlns="" xmlns:a16="http://schemas.microsoft.com/office/drawing/2014/main" id="{66CD08D3-5714-3526-9D5B-B8686C293498}"/>
+                <a16:creationId xmlns:a16="http://schemas.microsoft.com/office/drawing/2014/main" xmlns="" id="{66CD08D3-5714-3526-9D5B-B8686C293498}"/>
               </a:ext>
             </a:extLst>
           </p:cNvPr>
@@ -9361,7 +9361,7 @@
           <p:cNvPr id="34" name="Google Shape;81;p14">
             <a:extLst>
               <a:ext uri="{FF2B5EF4-FFF2-40B4-BE49-F238E27FC236}">
-                <a16:creationId xmlns="" xmlns:a16="http://schemas.microsoft.com/office/drawing/2014/main" id="{08D2C6F6-EC7E-991B-0ABD-435E54875096}"/>
+                <a16:creationId xmlns:a16="http://schemas.microsoft.com/office/drawing/2014/main" xmlns="" id="{08D2C6F6-EC7E-991B-0ABD-435E54875096}"/>
               </a:ext>
             </a:extLst>
           </p:cNvPr>
@@ -9395,7 +9395,7 @@
           <p:cNvPr id="35" name="箭头: 五边形 34">
             <a:extLst>
               <a:ext uri="{FF2B5EF4-FFF2-40B4-BE49-F238E27FC236}">
-                <a16:creationId xmlns="" xmlns:a16="http://schemas.microsoft.com/office/drawing/2014/main" id="{45CBFFAB-1872-D837-E2C6-E919DC9EBA01}"/>
+                <a16:creationId xmlns:a16="http://schemas.microsoft.com/office/drawing/2014/main" xmlns="" id="{45CBFFAB-1872-D837-E2C6-E919DC9EBA01}"/>
               </a:ext>
             </a:extLst>
           </p:cNvPr>
@@ -9442,7 +9442,7 @@
           <p:cNvPr id="36" name="箭头: 五边形 35">
             <a:extLst>
               <a:ext uri="{FF2B5EF4-FFF2-40B4-BE49-F238E27FC236}">
-                <a16:creationId xmlns="" xmlns:a16="http://schemas.microsoft.com/office/drawing/2014/main" id="{E1B40010-B40E-1B8F-1326-136C2A5B675C}"/>
+                <a16:creationId xmlns:a16="http://schemas.microsoft.com/office/drawing/2014/main" xmlns="" id="{E1B40010-B40E-1B8F-1326-136C2A5B675C}"/>
               </a:ext>
             </a:extLst>
           </p:cNvPr>
@@ -9498,7 +9498,7 @@
           <p:cNvPr id="37" name="箭头: 五边形 36">
             <a:extLst>
               <a:ext uri="{FF2B5EF4-FFF2-40B4-BE49-F238E27FC236}">
-                <a16:creationId xmlns="" xmlns:a16="http://schemas.microsoft.com/office/drawing/2014/main" id="{3D0F7E28-4B9F-42FB-3041-A660EACDA846}"/>
+                <a16:creationId xmlns:a16="http://schemas.microsoft.com/office/drawing/2014/main" xmlns="" id="{3D0F7E28-4B9F-42FB-3041-A660EACDA846}"/>
               </a:ext>
             </a:extLst>
           </p:cNvPr>
@@ -9554,7 +9554,7 @@
           <p:cNvPr id="38" name="箭头: 五边形 37">
             <a:extLst>
               <a:ext uri="{FF2B5EF4-FFF2-40B4-BE49-F238E27FC236}">
-                <a16:creationId xmlns="" xmlns:a16="http://schemas.microsoft.com/office/drawing/2014/main" id="{F2C895B2-888C-AE59-96AA-DC572DF8AECF}"/>
+                <a16:creationId xmlns:a16="http://schemas.microsoft.com/office/drawing/2014/main" xmlns="" id="{F2C895B2-888C-AE59-96AA-DC572DF8AECF}"/>
               </a:ext>
             </a:extLst>
           </p:cNvPr>
@@ -9610,7 +9610,7 @@
           <p:cNvPr id="39" name="箭头: 五边形 38">
             <a:extLst>
               <a:ext uri="{FF2B5EF4-FFF2-40B4-BE49-F238E27FC236}">
-                <a16:creationId xmlns="" xmlns:a16="http://schemas.microsoft.com/office/drawing/2014/main" id="{FE7171F9-6901-D35F-3EBF-EF312187A7B1}"/>
+                <a16:creationId xmlns:a16="http://schemas.microsoft.com/office/drawing/2014/main" xmlns="" id="{FE7171F9-6901-D35F-3EBF-EF312187A7B1}"/>
               </a:ext>
             </a:extLst>
           </p:cNvPr>
@@ -9666,7 +9666,7 @@
           <p:cNvPr id="40" name="箭头: 五边形 39">
             <a:extLst>
               <a:ext uri="{FF2B5EF4-FFF2-40B4-BE49-F238E27FC236}">
-                <a16:creationId xmlns="" xmlns:a16="http://schemas.microsoft.com/office/drawing/2014/main" id="{16B50CFD-37FF-2522-847C-ED21245232E4}"/>
+                <a16:creationId xmlns:a16="http://schemas.microsoft.com/office/drawing/2014/main" xmlns="" id="{16B50CFD-37FF-2522-847C-ED21245232E4}"/>
               </a:ext>
             </a:extLst>
           </p:cNvPr>
@@ -9713,7 +9713,7 @@
           <p:cNvPr id="41" name="箭头: 五边形 40">
             <a:extLst>
               <a:ext uri="{FF2B5EF4-FFF2-40B4-BE49-F238E27FC236}">
-                <a16:creationId xmlns="" xmlns:a16="http://schemas.microsoft.com/office/drawing/2014/main" id="{E064F493-09BD-2E6B-64E8-D8FB51398996}"/>
+                <a16:creationId xmlns:a16="http://schemas.microsoft.com/office/drawing/2014/main" xmlns="" id="{E064F493-09BD-2E6B-64E8-D8FB51398996}"/>
               </a:ext>
             </a:extLst>
           </p:cNvPr>
@@ -9760,7 +9760,7 @@
           <p:cNvPr id="42" name="箭头: 五边形 41">
             <a:extLst>
               <a:ext uri="{FF2B5EF4-FFF2-40B4-BE49-F238E27FC236}">
-                <a16:creationId xmlns="" xmlns:a16="http://schemas.microsoft.com/office/drawing/2014/main" id="{17EE7FAC-09DB-BC90-8147-28775EF08FEB}"/>
+                <a16:creationId xmlns:a16="http://schemas.microsoft.com/office/drawing/2014/main" xmlns="" id="{17EE7FAC-09DB-BC90-8147-28775EF08FEB}"/>
               </a:ext>
             </a:extLst>
           </p:cNvPr>
@@ -9837,7 +9837,7 @@
           <p:cNvPr id="2" name="标题 1">
             <a:extLst>
               <a:ext uri="{FF2B5EF4-FFF2-40B4-BE49-F238E27FC236}">
-                <a16:creationId xmlns="" xmlns:a16="http://schemas.microsoft.com/office/drawing/2014/main" id="{80796E82-7314-2FBE-2DE8-DDD70D4DF27E}"/>
+                <a16:creationId xmlns:a16="http://schemas.microsoft.com/office/drawing/2014/main" xmlns="" id="{80796E82-7314-2FBE-2DE8-DDD70D4DF27E}"/>
               </a:ext>
             </a:extLst>
           </p:cNvPr>
@@ -9886,7 +9886,7 @@
           <p:cNvPr id="5" name="椭圆 4">
             <a:extLst>
               <a:ext uri="{FF2B5EF4-FFF2-40B4-BE49-F238E27FC236}">
-                <a16:creationId xmlns="" xmlns:a16="http://schemas.microsoft.com/office/drawing/2014/main" id="{A020CC41-9901-5A10-06D8-1F19650A3A6A}"/>
+                <a16:creationId xmlns:a16="http://schemas.microsoft.com/office/drawing/2014/main" xmlns="" id="{A020CC41-9901-5A10-06D8-1F19650A3A6A}"/>
               </a:ext>
             </a:extLst>
           </p:cNvPr>
@@ -9938,7 +9938,7 @@
           <p:cNvPr id="19" name="Google Shape;73;p14">
             <a:extLst>
               <a:ext uri="{FF2B5EF4-FFF2-40B4-BE49-F238E27FC236}">
-                <a16:creationId xmlns="" xmlns:a16="http://schemas.microsoft.com/office/drawing/2014/main" id="{3442D827-BE6F-DFBF-3B15-223B2753D9E9}"/>
+                <a16:creationId xmlns:a16="http://schemas.microsoft.com/office/drawing/2014/main" xmlns="" id="{3442D827-BE6F-DFBF-3B15-223B2753D9E9}"/>
               </a:ext>
             </a:extLst>
           </p:cNvPr>
@@ -9972,7 +9972,7 @@
           <p:cNvPr id="6" name="Google Shape;74;p14">
             <a:extLst>
               <a:ext uri="{FF2B5EF4-FFF2-40B4-BE49-F238E27FC236}">
-                <a16:creationId xmlns="" xmlns:a16="http://schemas.microsoft.com/office/drawing/2014/main" id="{8ABB2948-CF7D-7BD6-14B8-367574244CB2}"/>
+                <a16:creationId xmlns:a16="http://schemas.microsoft.com/office/drawing/2014/main" xmlns="" id="{8ABB2948-CF7D-7BD6-14B8-367574244CB2}"/>
               </a:ext>
             </a:extLst>
           </p:cNvPr>
@@ -10006,7 +10006,7 @@
           <p:cNvPr id="7" name="Google Shape;75;p14">
             <a:extLst>
               <a:ext uri="{FF2B5EF4-FFF2-40B4-BE49-F238E27FC236}">
-                <a16:creationId xmlns="" xmlns:a16="http://schemas.microsoft.com/office/drawing/2014/main" id="{744D1F6B-EBF7-049C-9CBC-D2BD265B8DB5}"/>
+                <a16:creationId xmlns:a16="http://schemas.microsoft.com/office/drawing/2014/main" xmlns="" id="{744D1F6B-EBF7-049C-9CBC-D2BD265B8DB5}"/>
               </a:ext>
             </a:extLst>
           </p:cNvPr>
@@ -10040,7 +10040,7 @@
           <p:cNvPr id="8" name="Google Shape;76;p14">
             <a:extLst>
               <a:ext uri="{FF2B5EF4-FFF2-40B4-BE49-F238E27FC236}">
-                <a16:creationId xmlns="" xmlns:a16="http://schemas.microsoft.com/office/drawing/2014/main" id="{A0604560-830C-4AC9-3717-031AA48B5D45}"/>
+                <a16:creationId xmlns:a16="http://schemas.microsoft.com/office/drawing/2014/main" xmlns="" id="{A0604560-830C-4AC9-3717-031AA48B5D45}"/>
               </a:ext>
             </a:extLst>
           </p:cNvPr>
@@ -10074,7 +10074,7 @@
           <p:cNvPr id="9" name="Google Shape;77;p14">
             <a:extLst>
               <a:ext uri="{FF2B5EF4-FFF2-40B4-BE49-F238E27FC236}">
-                <a16:creationId xmlns="" xmlns:a16="http://schemas.microsoft.com/office/drawing/2014/main" id="{DC03C87C-87BB-A5EB-0D50-DDB31F93A6C2}"/>
+                <a16:creationId xmlns:a16="http://schemas.microsoft.com/office/drawing/2014/main" xmlns="" id="{DC03C87C-87BB-A5EB-0D50-DDB31F93A6C2}"/>
               </a:ext>
             </a:extLst>
           </p:cNvPr>
@@ -10108,7 +10108,7 @@
           <p:cNvPr id="10" name="Google Shape;78;p14">
             <a:extLst>
               <a:ext uri="{FF2B5EF4-FFF2-40B4-BE49-F238E27FC236}">
-                <a16:creationId xmlns="" xmlns:a16="http://schemas.microsoft.com/office/drawing/2014/main" id="{281D3DED-9B64-E88B-FC5F-0C30B82A9484}"/>
+                <a16:creationId xmlns:a16="http://schemas.microsoft.com/office/drawing/2014/main" xmlns="" id="{281D3DED-9B64-E88B-FC5F-0C30B82A9484}"/>
               </a:ext>
             </a:extLst>
           </p:cNvPr>
@@ -10142,7 +10142,7 @@
           <p:cNvPr id="11" name="Google Shape;79;p14">
             <a:extLst>
               <a:ext uri="{FF2B5EF4-FFF2-40B4-BE49-F238E27FC236}">
-                <a16:creationId xmlns="" xmlns:a16="http://schemas.microsoft.com/office/drawing/2014/main" id="{0DAE55E6-D474-C395-BC84-8ACA3CE820A0}"/>
+                <a16:creationId xmlns:a16="http://schemas.microsoft.com/office/drawing/2014/main" xmlns="" id="{0DAE55E6-D474-C395-BC84-8ACA3CE820A0}"/>
               </a:ext>
             </a:extLst>
           </p:cNvPr>
@@ -10176,7 +10176,7 @@
           <p:cNvPr id="12" name="Google Shape;80;p14">
             <a:extLst>
               <a:ext uri="{FF2B5EF4-FFF2-40B4-BE49-F238E27FC236}">
-                <a16:creationId xmlns="" xmlns:a16="http://schemas.microsoft.com/office/drawing/2014/main" id="{3A5AAC50-9F06-A76F-B20B-35CF3612E825}"/>
+                <a16:creationId xmlns:a16="http://schemas.microsoft.com/office/drawing/2014/main" xmlns="" id="{3A5AAC50-9F06-A76F-B20B-35CF3612E825}"/>
               </a:ext>
             </a:extLst>
           </p:cNvPr>
@@ -10210,7 +10210,7 @@
           <p:cNvPr id="13" name="Google Shape;81;p14">
             <a:extLst>
               <a:ext uri="{FF2B5EF4-FFF2-40B4-BE49-F238E27FC236}">
-                <a16:creationId xmlns="" xmlns:a16="http://schemas.microsoft.com/office/drawing/2014/main" id="{F33B3BEC-1095-E464-2D03-703E55B0F8A0}"/>
+                <a16:creationId xmlns:a16="http://schemas.microsoft.com/office/drawing/2014/main" xmlns="" id="{F33B3BEC-1095-E464-2D03-703E55B0F8A0}"/>
               </a:ext>
             </a:extLst>
           </p:cNvPr>
@@ -10244,7 +10244,7 @@
           <p:cNvPr id="4" name="文本框 3">
             <a:extLst>
               <a:ext uri="{FF2B5EF4-FFF2-40B4-BE49-F238E27FC236}">
-                <a16:creationId xmlns="" xmlns:a16="http://schemas.microsoft.com/office/drawing/2014/main" id="{3E8E8225-E7B4-E598-7AEB-66BC2EF7864E}"/>
+                <a16:creationId xmlns:a16="http://schemas.microsoft.com/office/drawing/2014/main" xmlns="" id="{3E8E8225-E7B4-E598-7AEB-66BC2EF7864E}"/>
               </a:ext>
             </a:extLst>
           </p:cNvPr>
@@ -10284,7 +10284,7 @@
           <p:cNvPr id="31" name="箭头: 五边形 30">
             <a:extLst>
               <a:ext uri="{FF2B5EF4-FFF2-40B4-BE49-F238E27FC236}">
-                <a16:creationId xmlns="" xmlns:a16="http://schemas.microsoft.com/office/drawing/2014/main" id="{4B9E0D9B-D17E-69E7-1F9A-99DE7710B7A1}"/>
+                <a16:creationId xmlns:a16="http://schemas.microsoft.com/office/drawing/2014/main" xmlns="" id="{4B9E0D9B-D17E-69E7-1F9A-99DE7710B7A1}"/>
               </a:ext>
             </a:extLst>
           </p:cNvPr>
@@ -10331,7 +10331,7 @@
           <p:cNvPr id="32" name="箭头: 五边形 31">
             <a:extLst>
               <a:ext uri="{FF2B5EF4-FFF2-40B4-BE49-F238E27FC236}">
-                <a16:creationId xmlns="" xmlns:a16="http://schemas.microsoft.com/office/drawing/2014/main" id="{1C58B850-E627-D01E-6544-6FC012CCC33C}"/>
+                <a16:creationId xmlns:a16="http://schemas.microsoft.com/office/drawing/2014/main" xmlns="" id="{1C58B850-E627-D01E-6544-6FC012CCC33C}"/>
               </a:ext>
             </a:extLst>
           </p:cNvPr>
@@ -10387,7 +10387,7 @@
           <p:cNvPr id="33" name="箭头: 五边形 32">
             <a:extLst>
               <a:ext uri="{FF2B5EF4-FFF2-40B4-BE49-F238E27FC236}">
-                <a16:creationId xmlns="" xmlns:a16="http://schemas.microsoft.com/office/drawing/2014/main" id="{C768AE66-F650-1A37-7440-B571549FE915}"/>
+                <a16:creationId xmlns:a16="http://schemas.microsoft.com/office/drawing/2014/main" xmlns="" id="{C768AE66-F650-1A37-7440-B571549FE915}"/>
               </a:ext>
             </a:extLst>
           </p:cNvPr>
@@ -10443,7 +10443,7 @@
           <p:cNvPr id="34" name="箭头: 五边形 33">
             <a:extLst>
               <a:ext uri="{FF2B5EF4-FFF2-40B4-BE49-F238E27FC236}">
-                <a16:creationId xmlns="" xmlns:a16="http://schemas.microsoft.com/office/drawing/2014/main" id="{C73CB313-5C49-648F-D809-8346206978D1}"/>
+                <a16:creationId xmlns:a16="http://schemas.microsoft.com/office/drawing/2014/main" xmlns="" id="{C73CB313-5C49-648F-D809-8346206978D1}"/>
               </a:ext>
             </a:extLst>
           </p:cNvPr>
@@ -10499,7 +10499,7 @@
           <p:cNvPr id="35" name="箭头: 五边形 34">
             <a:extLst>
               <a:ext uri="{FF2B5EF4-FFF2-40B4-BE49-F238E27FC236}">
-                <a16:creationId xmlns="" xmlns:a16="http://schemas.microsoft.com/office/drawing/2014/main" id="{FC836AD9-A293-8E3F-664B-E692D69616E5}"/>
+                <a16:creationId xmlns:a16="http://schemas.microsoft.com/office/drawing/2014/main" xmlns="" id="{FC836AD9-A293-8E3F-664B-E692D69616E5}"/>
               </a:ext>
             </a:extLst>
           </p:cNvPr>
@@ -10555,7 +10555,7 @@
           <p:cNvPr id="37" name="箭头: 五边形 36">
             <a:extLst>
               <a:ext uri="{FF2B5EF4-FFF2-40B4-BE49-F238E27FC236}">
-                <a16:creationId xmlns="" xmlns:a16="http://schemas.microsoft.com/office/drawing/2014/main" id="{05ECD475-37EE-63E8-E9E5-EF81A4619214}"/>
+                <a16:creationId xmlns:a16="http://schemas.microsoft.com/office/drawing/2014/main" xmlns="" id="{05ECD475-37EE-63E8-E9E5-EF81A4619214}"/>
               </a:ext>
             </a:extLst>
           </p:cNvPr>
@@ -10602,7 +10602,7 @@
           <p:cNvPr id="38" name="箭头: 五边形 37">
             <a:extLst>
               <a:ext uri="{FF2B5EF4-FFF2-40B4-BE49-F238E27FC236}">
-                <a16:creationId xmlns="" xmlns:a16="http://schemas.microsoft.com/office/drawing/2014/main" id="{A6B5F2C7-042E-A328-27E2-FE7EEBDB2BDD}"/>
+                <a16:creationId xmlns:a16="http://schemas.microsoft.com/office/drawing/2014/main" xmlns="" id="{A6B5F2C7-042E-A328-27E2-FE7EEBDB2BDD}"/>
               </a:ext>
             </a:extLst>
           </p:cNvPr>
@@ -10649,7 +10649,7 @@
           <p:cNvPr id="39" name="箭头: 五边形 38">
             <a:extLst>
               <a:ext uri="{FF2B5EF4-FFF2-40B4-BE49-F238E27FC236}">
-                <a16:creationId xmlns="" xmlns:a16="http://schemas.microsoft.com/office/drawing/2014/main" id="{2D55E881-1EC3-4110-7472-1065FE27C440}"/>
+                <a16:creationId xmlns:a16="http://schemas.microsoft.com/office/drawing/2014/main" xmlns="" id="{2D55E881-1EC3-4110-7472-1065FE27C440}"/>
               </a:ext>
             </a:extLst>
           </p:cNvPr>
@@ -10726,7 +10726,7 @@
           <p:cNvPr id="2" name="标题 1">
             <a:extLst>
               <a:ext uri="{FF2B5EF4-FFF2-40B4-BE49-F238E27FC236}">
-                <a16:creationId xmlns="" xmlns:a16="http://schemas.microsoft.com/office/drawing/2014/main" id="{80796E82-7314-2FBE-2DE8-DDD70D4DF27E}"/>
+                <a16:creationId xmlns:a16="http://schemas.microsoft.com/office/drawing/2014/main" xmlns="" id="{80796E82-7314-2FBE-2DE8-DDD70D4DF27E}"/>
               </a:ext>
             </a:extLst>
           </p:cNvPr>
@@ -10775,7 +10775,7 @@
           <p:cNvPr id="5" name="椭圆 4">
             <a:extLst>
               <a:ext uri="{FF2B5EF4-FFF2-40B4-BE49-F238E27FC236}">
-                <a16:creationId xmlns="" xmlns:a16="http://schemas.microsoft.com/office/drawing/2014/main" id="{A020CC41-9901-5A10-06D8-1F19650A3A6A}"/>
+                <a16:creationId xmlns:a16="http://schemas.microsoft.com/office/drawing/2014/main" xmlns="" id="{A020CC41-9901-5A10-06D8-1F19650A3A6A}"/>
               </a:ext>
             </a:extLst>
           </p:cNvPr>
@@ -10827,7 +10827,7 @@
           <p:cNvPr id="19" name="Google Shape;73;p14">
             <a:extLst>
               <a:ext uri="{FF2B5EF4-FFF2-40B4-BE49-F238E27FC236}">
-                <a16:creationId xmlns="" xmlns:a16="http://schemas.microsoft.com/office/drawing/2014/main" id="{3442D827-BE6F-DFBF-3B15-223B2753D9E9}"/>
+                <a16:creationId xmlns:a16="http://schemas.microsoft.com/office/drawing/2014/main" xmlns="" id="{3442D827-BE6F-DFBF-3B15-223B2753D9E9}"/>
               </a:ext>
             </a:extLst>
           </p:cNvPr>
@@ -10861,7 +10861,7 @@
           <p:cNvPr id="4" name="文本框 3">
             <a:extLst>
               <a:ext uri="{FF2B5EF4-FFF2-40B4-BE49-F238E27FC236}">
-                <a16:creationId xmlns="" xmlns:a16="http://schemas.microsoft.com/office/drawing/2014/main" id="{3E8E8225-E7B4-E598-7AEB-66BC2EF7864E}"/>
+                <a16:creationId xmlns:a16="http://schemas.microsoft.com/office/drawing/2014/main" xmlns="" id="{3E8E8225-E7B4-E598-7AEB-66BC2EF7864E}"/>
               </a:ext>
             </a:extLst>
           </p:cNvPr>
@@ -10911,7 +10911,7 @@
           <p:cNvPr id="22" name="椭圆 21">
             <a:extLst>
               <a:ext uri="{FF2B5EF4-FFF2-40B4-BE49-F238E27FC236}">
-                <a16:creationId xmlns="" xmlns:a16="http://schemas.microsoft.com/office/drawing/2014/main" id="{4E75EC5F-C5EA-EA42-7F36-03E60DC340EA}"/>
+                <a16:creationId xmlns:a16="http://schemas.microsoft.com/office/drawing/2014/main" xmlns="" id="{4E75EC5F-C5EA-EA42-7F36-03E60DC340EA}"/>
               </a:ext>
             </a:extLst>
           </p:cNvPr>
@@ -10967,7 +10967,7 @@
           <p:cNvPr id="23" name="椭圆 22">
             <a:extLst>
               <a:ext uri="{FF2B5EF4-FFF2-40B4-BE49-F238E27FC236}">
-                <a16:creationId xmlns="" xmlns:a16="http://schemas.microsoft.com/office/drawing/2014/main" id="{BA952E59-C089-7749-A0B7-A5088390FAB8}"/>
+                <a16:creationId xmlns:a16="http://schemas.microsoft.com/office/drawing/2014/main" xmlns="" id="{BA952E59-C089-7749-A0B7-A5088390FAB8}"/>
               </a:ext>
             </a:extLst>
           </p:cNvPr>
@@ -11023,7 +11023,7 @@
           <p:cNvPr id="24" name="椭圆 23">
             <a:extLst>
               <a:ext uri="{FF2B5EF4-FFF2-40B4-BE49-F238E27FC236}">
-                <a16:creationId xmlns="" xmlns:a16="http://schemas.microsoft.com/office/drawing/2014/main" id="{A4A4D5D7-187E-AE99-3C62-2864073C8838}"/>
+                <a16:creationId xmlns:a16="http://schemas.microsoft.com/office/drawing/2014/main" xmlns="" id="{A4A4D5D7-187E-AE99-3C62-2864073C8838}"/>
               </a:ext>
             </a:extLst>
           </p:cNvPr>
@@ -11083,7 +11083,7 @@
           <p:cNvPr id="25" name="椭圆 24">
             <a:extLst>
               <a:ext uri="{FF2B5EF4-FFF2-40B4-BE49-F238E27FC236}">
-                <a16:creationId xmlns="" xmlns:a16="http://schemas.microsoft.com/office/drawing/2014/main" id="{10CF8DA3-C49C-2BED-92B6-1728851E6352}"/>
+                <a16:creationId xmlns:a16="http://schemas.microsoft.com/office/drawing/2014/main" xmlns="" id="{10CF8DA3-C49C-2BED-92B6-1728851E6352}"/>
               </a:ext>
             </a:extLst>
           </p:cNvPr>
@@ -11143,7 +11143,7 @@
           <p:cNvPr id="3" name="矩形 2">
             <a:extLst>
               <a:ext uri="{FF2B5EF4-FFF2-40B4-BE49-F238E27FC236}">
-                <a16:creationId xmlns="" xmlns:a16="http://schemas.microsoft.com/office/drawing/2014/main" id="{E58FCDA4-B35B-B0FC-BF81-317243318E0C}"/>
+                <a16:creationId xmlns:a16="http://schemas.microsoft.com/office/drawing/2014/main" xmlns="" id="{E58FCDA4-B35B-B0FC-BF81-317243318E0C}"/>
               </a:ext>
             </a:extLst>
           </p:cNvPr>
@@ -11194,7 +11194,7 @@
           <p:cNvPr id="14" name="文本框 13">
             <a:extLst>
               <a:ext uri="{FF2B5EF4-FFF2-40B4-BE49-F238E27FC236}">
-                <a16:creationId xmlns="" xmlns:a16="http://schemas.microsoft.com/office/drawing/2014/main" id="{86C23270-8523-9E1F-9089-1BAE5BB2BA1E}"/>
+                <a16:creationId xmlns:a16="http://schemas.microsoft.com/office/drawing/2014/main" xmlns="" id="{86C23270-8523-9E1F-9089-1BAE5BB2BA1E}"/>
               </a:ext>
             </a:extLst>
           </p:cNvPr>
@@ -11233,7 +11233,7 @@
           <p:cNvPr id="28" name="Google Shape;95;p14">
             <a:extLst>
               <a:ext uri="{FF2B5EF4-FFF2-40B4-BE49-F238E27FC236}">
-                <a16:creationId xmlns="" xmlns:a16="http://schemas.microsoft.com/office/drawing/2014/main" id="{EEDC2338-19B0-9AEF-E3AB-A6669DB1AB3C}"/>
+                <a16:creationId xmlns:a16="http://schemas.microsoft.com/office/drawing/2014/main" xmlns="" id="{EEDC2338-19B0-9AEF-E3AB-A6669DB1AB3C}"/>
               </a:ext>
             </a:extLst>
           </p:cNvPr>
@@ -11278,7 +11278,7 @@
           <p:cNvPr id="30" name="Google Shape;95;p14">
             <a:extLst>
               <a:ext uri="{FF2B5EF4-FFF2-40B4-BE49-F238E27FC236}">
-                <a16:creationId xmlns="" xmlns:a16="http://schemas.microsoft.com/office/drawing/2014/main" id="{ED46A2FC-07A8-D7CB-1BD8-0E661350E51A}"/>
+                <a16:creationId xmlns:a16="http://schemas.microsoft.com/office/drawing/2014/main" xmlns="" id="{ED46A2FC-07A8-D7CB-1BD8-0E661350E51A}"/>
               </a:ext>
             </a:extLst>
           </p:cNvPr>
@@ -11323,7 +11323,7 @@
           <p:cNvPr id="40" name="Google Shape;95;p14">
             <a:extLst>
               <a:ext uri="{FF2B5EF4-FFF2-40B4-BE49-F238E27FC236}">
-                <a16:creationId xmlns="" xmlns:a16="http://schemas.microsoft.com/office/drawing/2014/main" id="{5C0D3D95-6875-4112-D7AD-10A524259CD9}"/>
+                <a16:creationId xmlns:a16="http://schemas.microsoft.com/office/drawing/2014/main" xmlns="" id="{5C0D3D95-6875-4112-D7AD-10A524259CD9}"/>
               </a:ext>
             </a:extLst>
           </p:cNvPr>
@@ -11368,7 +11368,7 @@
           <p:cNvPr id="36" name="Google Shape;95;p14">
             <a:extLst>
               <a:ext uri="{FF2B5EF4-FFF2-40B4-BE49-F238E27FC236}">
-                <a16:creationId xmlns="" xmlns:a16="http://schemas.microsoft.com/office/drawing/2014/main" id="{9E119CFD-5E2B-65ED-E815-3244ADC9A772}"/>
+                <a16:creationId xmlns:a16="http://schemas.microsoft.com/office/drawing/2014/main" xmlns="" id="{9E119CFD-5E2B-65ED-E815-3244ADC9A772}"/>
               </a:ext>
             </a:extLst>
           </p:cNvPr>
@@ -11413,7 +11413,7 @@
           <p:cNvPr id="41" name="Google Shape;95;p14">
             <a:extLst>
               <a:ext uri="{FF2B5EF4-FFF2-40B4-BE49-F238E27FC236}">
-                <a16:creationId xmlns="" xmlns:a16="http://schemas.microsoft.com/office/drawing/2014/main" id="{2EE8C164-4A50-6B68-5212-66A52AD354FF}"/>
+                <a16:creationId xmlns:a16="http://schemas.microsoft.com/office/drawing/2014/main" xmlns="" id="{2EE8C164-4A50-6B68-5212-66A52AD354FF}"/>
               </a:ext>
             </a:extLst>
           </p:cNvPr>
@@ -11458,7 +11458,7 @@
           <p:cNvPr id="42" name="文本框 41">
             <a:extLst>
               <a:ext uri="{FF2B5EF4-FFF2-40B4-BE49-F238E27FC236}">
-                <a16:creationId xmlns="" xmlns:a16="http://schemas.microsoft.com/office/drawing/2014/main" id="{30BA300D-7904-1EA9-E1AF-5BB52B9C2B3C}"/>
+                <a16:creationId xmlns:a16="http://schemas.microsoft.com/office/drawing/2014/main" xmlns="" id="{30BA300D-7904-1EA9-E1AF-5BB52B9C2B3C}"/>
               </a:ext>
             </a:extLst>
           </p:cNvPr>
@@ -11502,7 +11502,7 @@
           <p:cNvPr id="43" name="Google Shape;74;p14">
             <a:extLst>
               <a:ext uri="{FF2B5EF4-FFF2-40B4-BE49-F238E27FC236}">
-                <a16:creationId xmlns="" xmlns:a16="http://schemas.microsoft.com/office/drawing/2014/main" id="{E48899FC-526F-8B64-1631-CF40D6C5BAEC}"/>
+                <a16:creationId xmlns:a16="http://schemas.microsoft.com/office/drawing/2014/main" xmlns="" id="{E48899FC-526F-8B64-1631-CF40D6C5BAEC}"/>
               </a:ext>
             </a:extLst>
           </p:cNvPr>
@@ -11536,7 +11536,7 @@
           <p:cNvPr id="44" name="Google Shape;75;p14">
             <a:extLst>
               <a:ext uri="{FF2B5EF4-FFF2-40B4-BE49-F238E27FC236}">
-                <a16:creationId xmlns="" xmlns:a16="http://schemas.microsoft.com/office/drawing/2014/main" id="{088679CF-39C5-ECE6-59D7-27F53A9AB563}"/>
+                <a16:creationId xmlns:a16="http://schemas.microsoft.com/office/drawing/2014/main" xmlns="" id="{088679CF-39C5-ECE6-59D7-27F53A9AB563}"/>
               </a:ext>
             </a:extLst>
           </p:cNvPr>
@@ -11570,7 +11570,7 @@
           <p:cNvPr id="45" name="Google Shape;76;p14">
             <a:extLst>
               <a:ext uri="{FF2B5EF4-FFF2-40B4-BE49-F238E27FC236}">
-                <a16:creationId xmlns="" xmlns:a16="http://schemas.microsoft.com/office/drawing/2014/main" id="{AE138E72-5785-8C58-5E75-AFE4DE780F49}"/>
+                <a16:creationId xmlns:a16="http://schemas.microsoft.com/office/drawing/2014/main" xmlns="" id="{AE138E72-5785-8C58-5E75-AFE4DE780F49}"/>
               </a:ext>
             </a:extLst>
           </p:cNvPr>
@@ -11604,7 +11604,7 @@
           <p:cNvPr id="46" name="Google Shape;77;p14">
             <a:extLst>
               <a:ext uri="{FF2B5EF4-FFF2-40B4-BE49-F238E27FC236}">
-                <a16:creationId xmlns="" xmlns:a16="http://schemas.microsoft.com/office/drawing/2014/main" id="{66A469E8-3612-14E6-B23E-7FBEFD2A264F}"/>
+                <a16:creationId xmlns:a16="http://schemas.microsoft.com/office/drawing/2014/main" xmlns="" id="{66A469E8-3612-14E6-B23E-7FBEFD2A264F}"/>
               </a:ext>
             </a:extLst>
           </p:cNvPr>
@@ -11638,7 +11638,7 @@
           <p:cNvPr id="47" name="Google Shape;78;p14">
             <a:extLst>
               <a:ext uri="{FF2B5EF4-FFF2-40B4-BE49-F238E27FC236}">
-                <a16:creationId xmlns="" xmlns:a16="http://schemas.microsoft.com/office/drawing/2014/main" id="{BC96CA4D-3E93-F066-7EF4-6418372B4FCD}"/>
+                <a16:creationId xmlns:a16="http://schemas.microsoft.com/office/drawing/2014/main" xmlns="" id="{BC96CA4D-3E93-F066-7EF4-6418372B4FCD}"/>
               </a:ext>
             </a:extLst>
           </p:cNvPr>
@@ -11672,7 +11672,7 @@
           <p:cNvPr id="48" name="Google Shape;79;p14">
             <a:extLst>
               <a:ext uri="{FF2B5EF4-FFF2-40B4-BE49-F238E27FC236}">
-                <a16:creationId xmlns="" xmlns:a16="http://schemas.microsoft.com/office/drawing/2014/main" id="{ABE0846A-4C61-8491-DA0B-C55034726178}"/>
+                <a16:creationId xmlns:a16="http://schemas.microsoft.com/office/drawing/2014/main" xmlns="" id="{ABE0846A-4C61-8491-DA0B-C55034726178}"/>
               </a:ext>
             </a:extLst>
           </p:cNvPr>
@@ -11706,7 +11706,7 @@
           <p:cNvPr id="49" name="Google Shape;80;p14">
             <a:extLst>
               <a:ext uri="{FF2B5EF4-FFF2-40B4-BE49-F238E27FC236}">
-                <a16:creationId xmlns="" xmlns:a16="http://schemas.microsoft.com/office/drawing/2014/main" id="{B7F3B198-1A53-B78D-FABF-2828A0B7F923}"/>
+                <a16:creationId xmlns:a16="http://schemas.microsoft.com/office/drawing/2014/main" xmlns="" id="{B7F3B198-1A53-B78D-FABF-2828A0B7F923}"/>
               </a:ext>
             </a:extLst>
           </p:cNvPr>
@@ -11740,7 +11740,7 @@
           <p:cNvPr id="50" name="Google Shape;81;p14">
             <a:extLst>
               <a:ext uri="{FF2B5EF4-FFF2-40B4-BE49-F238E27FC236}">
-                <a16:creationId xmlns="" xmlns:a16="http://schemas.microsoft.com/office/drawing/2014/main" id="{4CBC555B-EEC2-5C97-BC99-4D39E31ADF7B}"/>
+                <a16:creationId xmlns:a16="http://schemas.microsoft.com/office/drawing/2014/main" xmlns="" id="{4CBC555B-EEC2-5C97-BC99-4D39E31ADF7B}"/>
               </a:ext>
             </a:extLst>
           </p:cNvPr>
@@ -11774,7 +11774,7 @@
           <p:cNvPr id="51" name="箭头: 五边形 50">
             <a:extLst>
               <a:ext uri="{FF2B5EF4-FFF2-40B4-BE49-F238E27FC236}">
-                <a16:creationId xmlns="" xmlns:a16="http://schemas.microsoft.com/office/drawing/2014/main" id="{A15E417E-5C3E-CBC1-B518-A7B4FB3DFA5F}"/>
+                <a16:creationId xmlns:a16="http://schemas.microsoft.com/office/drawing/2014/main" xmlns="" id="{A15E417E-5C3E-CBC1-B518-A7B4FB3DFA5F}"/>
               </a:ext>
             </a:extLst>
           </p:cNvPr>
@@ -11821,7 +11821,7 @@
           <p:cNvPr id="52" name="箭头: 五边形 51">
             <a:extLst>
               <a:ext uri="{FF2B5EF4-FFF2-40B4-BE49-F238E27FC236}">
-                <a16:creationId xmlns="" xmlns:a16="http://schemas.microsoft.com/office/drawing/2014/main" id="{3F990466-3C46-33F3-0E3C-1AC438764343}"/>
+                <a16:creationId xmlns:a16="http://schemas.microsoft.com/office/drawing/2014/main" xmlns="" id="{3F990466-3C46-33F3-0E3C-1AC438764343}"/>
               </a:ext>
             </a:extLst>
           </p:cNvPr>
@@ -11877,7 +11877,7 @@
           <p:cNvPr id="53" name="箭头: 五边形 52">
             <a:extLst>
               <a:ext uri="{FF2B5EF4-FFF2-40B4-BE49-F238E27FC236}">
-                <a16:creationId xmlns="" xmlns:a16="http://schemas.microsoft.com/office/drawing/2014/main" id="{82E481AF-A1FF-14F6-55A8-EF2C5038F04E}"/>
+                <a16:creationId xmlns:a16="http://schemas.microsoft.com/office/drawing/2014/main" xmlns="" id="{82E481AF-A1FF-14F6-55A8-EF2C5038F04E}"/>
               </a:ext>
             </a:extLst>
           </p:cNvPr>
@@ -11933,7 +11933,7 @@
           <p:cNvPr id="54" name="箭头: 五边形 53">
             <a:extLst>
               <a:ext uri="{FF2B5EF4-FFF2-40B4-BE49-F238E27FC236}">
-                <a16:creationId xmlns="" xmlns:a16="http://schemas.microsoft.com/office/drawing/2014/main" id="{0AB3C1ED-A3EF-0632-1FB9-9F2D89CE6389}"/>
+                <a16:creationId xmlns:a16="http://schemas.microsoft.com/office/drawing/2014/main" xmlns="" id="{0AB3C1ED-A3EF-0632-1FB9-9F2D89CE6389}"/>
               </a:ext>
             </a:extLst>
           </p:cNvPr>
@@ -11989,7 +11989,7 @@
           <p:cNvPr id="55" name="箭头: 五边形 54">
             <a:extLst>
               <a:ext uri="{FF2B5EF4-FFF2-40B4-BE49-F238E27FC236}">
-                <a16:creationId xmlns="" xmlns:a16="http://schemas.microsoft.com/office/drawing/2014/main" id="{97931E3B-652F-32D7-F2C2-5EDAC4D5B299}"/>
+                <a16:creationId xmlns:a16="http://schemas.microsoft.com/office/drawing/2014/main" xmlns="" id="{97931E3B-652F-32D7-F2C2-5EDAC4D5B299}"/>
               </a:ext>
             </a:extLst>
           </p:cNvPr>
@@ -12045,7 +12045,7 @@
           <p:cNvPr id="56" name="箭头: 五边形 55">
             <a:extLst>
               <a:ext uri="{FF2B5EF4-FFF2-40B4-BE49-F238E27FC236}">
-                <a16:creationId xmlns="" xmlns:a16="http://schemas.microsoft.com/office/drawing/2014/main" id="{BD53DE19-CAE1-79A8-2FA1-61C6E6E67D40}"/>
+                <a16:creationId xmlns:a16="http://schemas.microsoft.com/office/drawing/2014/main" xmlns="" id="{BD53DE19-CAE1-79A8-2FA1-61C6E6E67D40}"/>
               </a:ext>
             </a:extLst>
           </p:cNvPr>
@@ -12092,7 +12092,7 @@
           <p:cNvPr id="57" name="箭头: 五边形 56">
             <a:extLst>
               <a:ext uri="{FF2B5EF4-FFF2-40B4-BE49-F238E27FC236}">
-                <a16:creationId xmlns="" xmlns:a16="http://schemas.microsoft.com/office/drawing/2014/main" id="{54A7E9A7-A08E-D7A0-C9DD-95DEF8009AAF}"/>
+                <a16:creationId xmlns:a16="http://schemas.microsoft.com/office/drawing/2014/main" xmlns="" id="{54A7E9A7-A08E-D7A0-C9DD-95DEF8009AAF}"/>
               </a:ext>
             </a:extLst>
           </p:cNvPr>
@@ -12139,7 +12139,7 @@
           <p:cNvPr id="58" name="箭头: 五边形 57">
             <a:extLst>
               <a:ext uri="{FF2B5EF4-FFF2-40B4-BE49-F238E27FC236}">
-                <a16:creationId xmlns="" xmlns:a16="http://schemas.microsoft.com/office/drawing/2014/main" id="{17D488BC-2AD8-AA46-3898-7D1625A12033}"/>
+                <a16:creationId xmlns:a16="http://schemas.microsoft.com/office/drawing/2014/main" xmlns="" id="{17D488BC-2AD8-AA46-3898-7D1625A12033}"/>
               </a:ext>
             </a:extLst>
           </p:cNvPr>
@@ -12216,7 +12216,7 @@
           <p:cNvPr id="2" name="标题 1">
             <a:extLst>
               <a:ext uri="{FF2B5EF4-FFF2-40B4-BE49-F238E27FC236}">
-                <a16:creationId xmlns="" xmlns:a16="http://schemas.microsoft.com/office/drawing/2014/main" id="{80796E82-7314-2FBE-2DE8-DDD70D4DF27E}"/>
+                <a16:creationId xmlns:a16="http://schemas.microsoft.com/office/drawing/2014/main" xmlns="" id="{80796E82-7314-2FBE-2DE8-DDD70D4DF27E}"/>
               </a:ext>
             </a:extLst>
           </p:cNvPr>
@@ -12265,7 +12265,7 @@
           <p:cNvPr id="5" name="椭圆 4">
             <a:extLst>
               <a:ext uri="{FF2B5EF4-FFF2-40B4-BE49-F238E27FC236}">
-                <a16:creationId xmlns="" xmlns:a16="http://schemas.microsoft.com/office/drawing/2014/main" id="{A020CC41-9901-5A10-06D8-1F19650A3A6A}"/>
+                <a16:creationId xmlns:a16="http://schemas.microsoft.com/office/drawing/2014/main" xmlns="" id="{A020CC41-9901-5A10-06D8-1F19650A3A6A}"/>
               </a:ext>
             </a:extLst>
           </p:cNvPr>
@@ -12317,7 +12317,7 @@
           <p:cNvPr id="19" name="Google Shape;73;p14">
             <a:extLst>
               <a:ext uri="{FF2B5EF4-FFF2-40B4-BE49-F238E27FC236}">
-                <a16:creationId xmlns="" xmlns:a16="http://schemas.microsoft.com/office/drawing/2014/main" id="{3442D827-BE6F-DFBF-3B15-223B2753D9E9}"/>
+                <a16:creationId xmlns:a16="http://schemas.microsoft.com/office/drawing/2014/main" xmlns="" id="{3442D827-BE6F-DFBF-3B15-223B2753D9E9}"/>
               </a:ext>
             </a:extLst>
           </p:cNvPr>
@@ -12351,7 +12351,7 @@
           <p:cNvPr id="6" name="Google Shape;74;p14">
             <a:extLst>
               <a:ext uri="{FF2B5EF4-FFF2-40B4-BE49-F238E27FC236}">
-                <a16:creationId xmlns="" xmlns:a16="http://schemas.microsoft.com/office/drawing/2014/main" id="{8ABB2948-CF7D-7BD6-14B8-367574244CB2}"/>
+                <a16:creationId xmlns:a16="http://schemas.microsoft.com/office/drawing/2014/main" xmlns="" id="{8ABB2948-CF7D-7BD6-14B8-367574244CB2}"/>
               </a:ext>
             </a:extLst>
           </p:cNvPr>
@@ -12385,7 +12385,7 @@
           <p:cNvPr id="8" name="Google Shape;76;p14">
             <a:extLst>
               <a:ext uri="{FF2B5EF4-FFF2-40B4-BE49-F238E27FC236}">
-                <a16:creationId xmlns="" xmlns:a16="http://schemas.microsoft.com/office/drawing/2014/main" id="{A0604560-830C-4AC9-3717-031AA48B5D45}"/>
+                <a16:creationId xmlns:a16="http://schemas.microsoft.com/office/drawing/2014/main" xmlns="" id="{A0604560-830C-4AC9-3717-031AA48B5D45}"/>
               </a:ext>
             </a:extLst>
           </p:cNvPr>
@@ -12419,7 +12419,7 @@
           <p:cNvPr id="11" name="Google Shape;79;p14">
             <a:extLst>
               <a:ext uri="{FF2B5EF4-FFF2-40B4-BE49-F238E27FC236}">
-                <a16:creationId xmlns="" xmlns:a16="http://schemas.microsoft.com/office/drawing/2014/main" id="{0DAE55E6-D474-C395-BC84-8ACA3CE820A0}"/>
+                <a16:creationId xmlns:a16="http://schemas.microsoft.com/office/drawing/2014/main" xmlns="" id="{0DAE55E6-D474-C395-BC84-8ACA3CE820A0}"/>
               </a:ext>
             </a:extLst>
           </p:cNvPr>
@@ -12453,7 +12453,7 @@
           <p:cNvPr id="12" name="Google Shape;80;p14">
             <a:extLst>
               <a:ext uri="{FF2B5EF4-FFF2-40B4-BE49-F238E27FC236}">
-                <a16:creationId xmlns="" xmlns:a16="http://schemas.microsoft.com/office/drawing/2014/main" id="{3A5AAC50-9F06-A76F-B20B-35CF3612E825}"/>
+                <a16:creationId xmlns:a16="http://schemas.microsoft.com/office/drawing/2014/main" xmlns="" id="{3A5AAC50-9F06-A76F-B20B-35CF3612E825}"/>
               </a:ext>
             </a:extLst>
           </p:cNvPr>
@@ -12487,7 +12487,7 @@
           <p:cNvPr id="4" name="文本框 3">
             <a:extLst>
               <a:ext uri="{FF2B5EF4-FFF2-40B4-BE49-F238E27FC236}">
-                <a16:creationId xmlns="" xmlns:a16="http://schemas.microsoft.com/office/drawing/2014/main" id="{3E8E8225-E7B4-E598-7AEB-66BC2EF7864E}"/>
+                <a16:creationId xmlns:a16="http://schemas.microsoft.com/office/drawing/2014/main" xmlns="" id="{3E8E8225-E7B4-E598-7AEB-66BC2EF7864E}"/>
               </a:ext>
             </a:extLst>
           </p:cNvPr>
@@ -12527,7 +12527,7 @@
           <p:cNvPr id="31" name="箭头: 五边形 30">
             <a:extLst>
               <a:ext uri="{FF2B5EF4-FFF2-40B4-BE49-F238E27FC236}">
-                <a16:creationId xmlns="" xmlns:a16="http://schemas.microsoft.com/office/drawing/2014/main" id="{4B9E0D9B-D17E-69E7-1F9A-99DE7710B7A1}"/>
+                <a16:creationId xmlns:a16="http://schemas.microsoft.com/office/drawing/2014/main" xmlns="" id="{4B9E0D9B-D17E-69E7-1F9A-99DE7710B7A1}"/>
               </a:ext>
             </a:extLst>
           </p:cNvPr>
@@ -12574,7 +12574,7 @@
           <p:cNvPr id="33" name="箭头: 五边形 32">
             <a:extLst>
               <a:ext uri="{FF2B5EF4-FFF2-40B4-BE49-F238E27FC236}">
-                <a16:creationId xmlns="" xmlns:a16="http://schemas.microsoft.com/office/drawing/2014/main" id="{C768AE66-F650-1A37-7440-B571549FE915}"/>
+                <a16:creationId xmlns:a16="http://schemas.microsoft.com/office/drawing/2014/main" xmlns="" id="{C768AE66-F650-1A37-7440-B571549FE915}"/>
               </a:ext>
             </a:extLst>
           </p:cNvPr>
@@ -12630,7 +12630,7 @@
           <p:cNvPr id="35" name="箭头: 五边形 34">
             <a:extLst>
               <a:ext uri="{FF2B5EF4-FFF2-40B4-BE49-F238E27FC236}">
-                <a16:creationId xmlns="" xmlns:a16="http://schemas.microsoft.com/office/drawing/2014/main" id="{FC836AD9-A293-8E3F-664B-E692D69616E5}"/>
+                <a16:creationId xmlns:a16="http://schemas.microsoft.com/office/drawing/2014/main" xmlns="" id="{FC836AD9-A293-8E3F-664B-E692D69616E5}"/>
               </a:ext>
             </a:extLst>
           </p:cNvPr>
@@ -12686,7 +12686,7 @@
           <p:cNvPr id="37" name="箭头: 五边形 36">
             <a:extLst>
               <a:ext uri="{FF2B5EF4-FFF2-40B4-BE49-F238E27FC236}">
-                <a16:creationId xmlns="" xmlns:a16="http://schemas.microsoft.com/office/drawing/2014/main" id="{05ECD475-37EE-63E8-E9E5-EF81A4619214}"/>
+                <a16:creationId xmlns:a16="http://schemas.microsoft.com/office/drawing/2014/main" xmlns="" id="{05ECD475-37EE-63E8-E9E5-EF81A4619214}"/>
               </a:ext>
             </a:extLst>
           </p:cNvPr>
@@ -12733,7 +12733,7 @@
           <p:cNvPr id="30" name="Google Shape;75;p14">
             <a:extLst>
               <a:ext uri="{FF2B5EF4-FFF2-40B4-BE49-F238E27FC236}">
-                <a16:creationId xmlns="" xmlns:a16="http://schemas.microsoft.com/office/drawing/2014/main" id="{E8CD191A-BC20-B4B9-0F77-A770F7BFAC28}"/>
+                <a16:creationId xmlns:a16="http://schemas.microsoft.com/office/drawing/2014/main" xmlns="" id="{E8CD191A-BC20-B4B9-0F77-A770F7BFAC28}"/>
               </a:ext>
             </a:extLst>
           </p:cNvPr>
@@ -12767,7 +12767,7 @@
           <p:cNvPr id="36" name="Google Shape;77;p14">
             <a:extLst>
               <a:ext uri="{FF2B5EF4-FFF2-40B4-BE49-F238E27FC236}">
-                <a16:creationId xmlns="" xmlns:a16="http://schemas.microsoft.com/office/drawing/2014/main" id="{D2A03513-860E-AEB3-C60B-B28086582A81}"/>
+                <a16:creationId xmlns:a16="http://schemas.microsoft.com/office/drawing/2014/main" xmlns="" id="{D2A03513-860E-AEB3-C60B-B28086582A81}"/>
               </a:ext>
             </a:extLst>
           </p:cNvPr>
@@ -12801,7 +12801,7 @@
           <p:cNvPr id="40" name="Google Shape;78;p14">
             <a:extLst>
               <a:ext uri="{FF2B5EF4-FFF2-40B4-BE49-F238E27FC236}">
-                <a16:creationId xmlns="" xmlns:a16="http://schemas.microsoft.com/office/drawing/2014/main" id="{4192ED35-AB80-8468-99E1-C9A9BDA8A7D3}"/>
+                <a16:creationId xmlns:a16="http://schemas.microsoft.com/office/drawing/2014/main" xmlns="" id="{4192ED35-AB80-8468-99E1-C9A9BDA8A7D3}"/>
               </a:ext>
             </a:extLst>
           </p:cNvPr>
@@ -12835,7 +12835,7 @@
           <p:cNvPr id="41" name="Google Shape;81;p14">
             <a:extLst>
               <a:ext uri="{FF2B5EF4-FFF2-40B4-BE49-F238E27FC236}">
-                <a16:creationId xmlns="" xmlns:a16="http://schemas.microsoft.com/office/drawing/2014/main" id="{C0FC87F9-1543-0D73-36B0-9CD905C3E530}"/>
+                <a16:creationId xmlns:a16="http://schemas.microsoft.com/office/drawing/2014/main" xmlns="" id="{C0FC87F9-1543-0D73-36B0-9CD905C3E530}"/>
               </a:ext>
             </a:extLst>
           </p:cNvPr>
@@ -12869,7 +12869,7 @@
           <p:cNvPr id="42" name="箭头: 五边形 41">
             <a:extLst>
               <a:ext uri="{FF2B5EF4-FFF2-40B4-BE49-F238E27FC236}">
-                <a16:creationId xmlns="" xmlns:a16="http://schemas.microsoft.com/office/drawing/2014/main" id="{7EBEF984-F98B-ADD1-3CDC-6AB1174A8D83}"/>
+                <a16:creationId xmlns:a16="http://schemas.microsoft.com/office/drawing/2014/main" xmlns="" id="{7EBEF984-F98B-ADD1-3CDC-6AB1174A8D83}"/>
               </a:ext>
             </a:extLst>
           </p:cNvPr>
@@ -12925,7 +12925,7 @@
           <p:cNvPr id="43" name="箭头: 五边形 42">
             <a:extLst>
               <a:ext uri="{FF2B5EF4-FFF2-40B4-BE49-F238E27FC236}">
-                <a16:creationId xmlns="" xmlns:a16="http://schemas.microsoft.com/office/drawing/2014/main" id="{35BD309B-9ECD-3FBE-FBC4-1E1A07BE57C7}"/>
+                <a16:creationId xmlns:a16="http://schemas.microsoft.com/office/drawing/2014/main" xmlns="" id="{35BD309B-9ECD-3FBE-FBC4-1E1A07BE57C7}"/>
               </a:ext>
             </a:extLst>
           </p:cNvPr>
@@ -12981,7 +12981,7 @@
           <p:cNvPr id="44" name="箭头: 五边形 43">
             <a:extLst>
               <a:ext uri="{FF2B5EF4-FFF2-40B4-BE49-F238E27FC236}">
-                <a16:creationId xmlns="" xmlns:a16="http://schemas.microsoft.com/office/drawing/2014/main" id="{15FD29AB-A713-CB93-D601-DC1B84060FE1}"/>
+                <a16:creationId xmlns:a16="http://schemas.microsoft.com/office/drawing/2014/main" xmlns="" id="{15FD29AB-A713-CB93-D601-DC1B84060FE1}"/>
               </a:ext>
             </a:extLst>
           </p:cNvPr>
@@ -13028,7 +13028,7 @@
           <p:cNvPr id="45" name="箭头: 五边形 44">
             <a:extLst>
               <a:ext uri="{FF2B5EF4-FFF2-40B4-BE49-F238E27FC236}">
-                <a16:creationId xmlns="" xmlns:a16="http://schemas.microsoft.com/office/drawing/2014/main" id="{985479B4-7D41-B26B-85E4-9E2F0030D890}"/>
+                <a16:creationId xmlns:a16="http://schemas.microsoft.com/office/drawing/2014/main" xmlns="" id="{985479B4-7D41-B26B-85E4-9E2F0030D890}"/>
               </a:ext>
             </a:extLst>
           </p:cNvPr>
@@ -14244,7 +14244,7 @@
           <p:cNvPr id="41" name="椭圆 40">
             <a:extLst>
               <a:ext uri="{FF2B5EF4-FFF2-40B4-BE49-F238E27FC236}">
-                <a16:creationId xmlns="" xmlns:a16="http://schemas.microsoft.com/office/drawing/2014/main" id="{94C17F89-4022-3282-1B5A-F455F1578F55}"/>
+                <a16:creationId xmlns:a16="http://schemas.microsoft.com/office/drawing/2014/main" xmlns="" id="{94C17F89-4022-3282-1B5A-F455F1578F55}"/>
               </a:ext>
             </a:extLst>
           </p:cNvPr>
@@ -14296,7 +14296,7 @@
           <p:cNvPr id="42" name="Google Shape;85;p14">
             <a:extLst>
               <a:ext uri="{FF2B5EF4-FFF2-40B4-BE49-F238E27FC236}">
-                <a16:creationId xmlns="" xmlns:a16="http://schemas.microsoft.com/office/drawing/2014/main" id="{09D17530-BFD0-53F3-E337-2F4C46CDEEBD}"/>
+                <a16:creationId xmlns:a16="http://schemas.microsoft.com/office/drawing/2014/main" xmlns="" id="{09D17530-BFD0-53F3-E337-2F4C46CDEEBD}"/>
               </a:ext>
             </a:extLst>
           </p:cNvPr>
@@ -14362,7 +14362,7 @@
           <p:cNvPr id="2" name="标题 1">
             <a:extLst>
               <a:ext uri="{FF2B5EF4-FFF2-40B4-BE49-F238E27FC236}">
-                <a16:creationId xmlns="" xmlns:a16="http://schemas.microsoft.com/office/drawing/2014/main" id="{80796E82-7314-2FBE-2DE8-DDD70D4DF27E}"/>
+                <a16:creationId xmlns:a16="http://schemas.microsoft.com/office/drawing/2014/main" xmlns="" id="{80796E82-7314-2FBE-2DE8-DDD70D4DF27E}"/>
               </a:ext>
             </a:extLst>
           </p:cNvPr>
@@ -14411,7 +14411,7 @@
           <p:cNvPr id="5" name="椭圆 4">
             <a:extLst>
               <a:ext uri="{FF2B5EF4-FFF2-40B4-BE49-F238E27FC236}">
-                <a16:creationId xmlns="" xmlns:a16="http://schemas.microsoft.com/office/drawing/2014/main" id="{A020CC41-9901-5A10-06D8-1F19650A3A6A}"/>
+                <a16:creationId xmlns:a16="http://schemas.microsoft.com/office/drawing/2014/main" xmlns="" id="{A020CC41-9901-5A10-06D8-1F19650A3A6A}"/>
               </a:ext>
             </a:extLst>
           </p:cNvPr>
@@ -14463,7 +14463,7 @@
           <p:cNvPr id="19" name="Google Shape;73;p14">
             <a:extLst>
               <a:ext uri="{FF2B5EF4-FFF2-40B4-BE49-F238E27FC236}">
-                <a16:creationId xmlns="" xmlns:a16="http://schemas.microsoft.com/office/drawing/2014/main" id="{3442D827-BE6F-DFBF-3B15-223B2753D9E9}"/>
+                <a16:creationId xmlns:a16="http://schemas.microsoft.com/office/drawing/2014/main" xmlns="" id="{3442D827-BE6F-DFBF-3B15-223B2753D9E9}"/>
               </a:ext>
             </a:extLst>
           </p:cNvPr>
@@ -14497,7 +14497,7 @@
           <p:cNvPr id="4" name="文本框 3">
             <a:extLst>
               <a:ext uri="{FF2B5EF4-FFF2-40B4-BE49-F238E27FC236}">
-                <a16:creationId xmlns="" xmlns:a16="http://schemas.microsoft.com/office/drawing/2014/main" id="{3E8E8225-E7B4-E598-7AEB-66BC2EF7864E}"/>
+                <a16:creationId xmlns:a16="http://schemas.microsoft.com/office/drawing/2014/main" xmlns="" id="{3E8E8225-E7B4-E598-7AEB-66BC2EF7864E}"/>
               </a:ext>
             </a:extLst>
           </p:cNvPr>
@@ -14537,7 +14537,7 @@
           <p:cNvPr id="32" name="椭圆 31">
             <a:extLst>
               <a:ext uri="{FF2B5EF4-FFF2-40B4-BE49-F238E27FC236}">
-                <a16:creationId xmlns="" xmlns:a16="http://schemas.microsoft.com/office/drawing/2014/main" id="{7C1E3AD7-2822-E440-E62A-F1A4C70A8067}"/>
+                <a16:creationId xmlns:a16="http://schemas.microsoft.com/office/drawing/2014/main" xmlns="" id="{7C1E3AD7-2822-E440-E62A-F1A4C70A8067}"/>
               </a:ext>
             </a:extLst>
           </p:cNvPr>
@@ -14593,7 +14593,7 @@
           <p:cNvPr id="34" name="椭圆 33">
             <a:extLst>
               <a:ext uri="{FF2B5EF4-FFF2-40B4-BE49-F238E27FC236}">
-                <a16:creationId xmlns="" xmlns:a16="http://schemas.microsoft.com/office/drawing/2014/main" id="{C692896F-F031-2107-F5D8-57735A94BD39}"/>
+                <a16:creationId xmlns:a16="http://schemas.microsoft.com/office/drawing/2014/main" xmlns="" id="{C692896F-F031-2107-F5D8-57735A94BD39}"/>
               </a:ext>
             </a:extLst>
           </p:cNvPr>
@@ -14649,7 +14649,7 @@
           <p:cNvPr id="38" name="椭圆 37">
             <a:extLst>
               <a:ext uri="{FF2B5EF4-FFF2-40B4-BE49-F238E27FC236}">
-                <a16:creationId xmlns="" xmlns:a16="http://schemas.microsoft.com/office/drawing/2014/main" id="{E7E11154-FE44-F1B3-5655-92B62D92F525}"/>
+                <a16:creationId xmlns:a16="http://schemas.microsoft.com/office/drawing/2014/main" xmlns="" id="{E7E11154-FE44-F1B3-5655-92B62D92F525}"/>
               </a:ext>
             </a:extLst>
           </p:cNvPr>
@@ -14709,7 +14709,7 @@
           <p:cNvPr id="39" name="椭圆 38">
             <a:extLst>
               <a:ext uri="{FF2B5EF4-FFF2-40B4-BE49-F238E27FC236}">
-                <a16:creationId xmlns="" xmlns:a16="http://schemas.microsoft.com/office/drawing/2014/main" id="{5A744988-2ECB-D75A-B760-C02F9B2F609B}"/>
+                <a16:creationId xmlns:a16="http://schemas.microsoft.com/office/drawing/2014/main" xmlns="" id="{5A744988-2ECB-D75A-B760-C02F9B2F609B}"/>
               </a:ext>
             </a:extLst>
           </p:cNvPr>
@@ -14769,7 +14769,7 @@
           <p:cNvPr id="6" name="Google Shape;74;p14">
             <a:extLst>
               <a:ext uri="{FF2B5EF4-FFF2-40B4-BE49-F238E27FC236}">
-                <a16:creationId xmlns="" xmlns:a16="http://schemas.microsoft.com/office/drawing/2014/main" id="{8ABB2948-CF7D-7BD6-14B8-367574244CB2}"/>
+                <a16:creationId xmlns:a16="http://schemas.microsoft.com/office/drawing/2014/main" xmlns="" id="{8ABB2948-CF7D-7BD6-14B8-367574244CB2}"/>
               </a:ext>
             </a:extLst>
           </p:cNvPr>
@@ -14803,7 +14803,7 @@
           <p:cNvPr id="8" name="Google Shape;76;p14">
             <a:extLst>
               <a:ext uri="{FF2B5EF4-FFF2-40B4-BE49-F238E27FC236}">
-                <a16:creationId xmlns="" xmlns:a16="http://schemas.microsoft.com/office/drawing/2014/main" id="{A0604560-830C-4AC9-3717-031AA48B5D45}"/>
+                <a16:creationId xmlns:a16="http://schemas.microsoft.com/office/drawing/2014/main" xmlns="" id="{A0604560-830C-4AC9-3717-031AA48B5D45}"/>
               </a:ext>
             </a:extLst>
           </p:cNvPr>
@@ -14837,7 +14837,7 @@
           <p:cNvPr id="11" name="Google Shape;79;p14">
             <a:extLst>
               <a:ext uri="{FF2B5EF4-FFF2-40B4-BE49-F238E27FC236}">
-                <a16:creationId xmlns="" xmlns:a16="http://schemas.microsoft.com/office/drawing/2014/main" id="{0DAE55E6-D474-C395-BC84-8ACA3CE820A0}"/>
+                <a16:creationId xmlns:a16="http://schemas.microsoft.com/office/drawing/2014/main" xmlns="" id="{0DAE55E6-D474-C395-BC84-8ACA3CE820A0}"/>
               </a:ext>
             </a:extLst>
           </p:cNvPr>
@@ -14871,7 +14871,7 @@
           <p:cNvPr id="12" name="Google Shape;80;p14">
             <a:extLst>
               <a:ext uri="{FF2B5EF4-FFF2-40B4-BE49-F238E27FC236}">
-                <a16:creationId xmlns="" xmlns:a16="http://schemas.microsoft.com/office/drawing/2014/main" id="{3A5AAC50-9F06-A76F-B20B-35CF3612E825}"/>
+                <a16:creationId xmlns:a16="http://schemas.microsoft.com/office/drawing/2014/main" xmlns="" id="{3A5AAC50-9F06-A76F-B20B-35CF3612E825}"/>
               </a:ext>
             </a:extLst>
           </p:cNvPr>
@@ -14905,7 +14905,7 @@
           <p:cNvPr id="31" name="箭头: 五边形 30">
             <a:extLst>
               <a:ext uri="{FF2B5EF4-FFF2-40B4-BE49-F238E27FC236}">
-                <a16:creationId xmlns="" xmlns:a16="http://schemas.microsoft.com/office/drawing/2014/main" id="{4B9E0D9B-D17E-69E7-1F9A-99DE7710B7A1}"/>
+                <a16:creationId xmlns:a16="http://schemas.microsoft.com/office/drawing/2014/main" xmlns="" id="{4B9E0D9B-D17E-69E7-1F9A-99DE7710B7A1}"/>
               </a:ext>
             </a:extLst>
           </p:cNvPr>
@@ -14952,7 +14952,7 @@
           <p:cNvPr id="33" name="箭头: 五边形 32">
             <a:extLst>
               <a:ext uri="{FF2B5EF4-FFF2-40B4-BE49-F238E27FC236}">
-                <a16:creationId xmlns="" xmlns:a16="http://schemas.microsoft.com/office/drawing/2014/main" id="{C768AE66-F650-1A37-7440-B571549FE915}"/>
+                <a16:creationId xmlns:a16="http://schemas.microsoft.com/office/drawing/2014/main" xmlns="" id="{C768AE66-F650-1A37-7440-B571549FE915}"/>
               </a:ext>
             </a:extLst>
           </p:cNvPr>
@@ -15008,7 +15008,7 @@
           <p:cNvPr id="35" name="箭头: 五边形 34">
             <a:extLst>
               <a:ext uri="{FF2B5EF4-FFF2-40B4-BE49-F238E27FC236}">
-                <a16:creationId xmlns="" xmlns:a16="http://schemas.microsoft.com/office/drawing/2014/main" id="{FC836AD9-A293-8E3F-664B-E692D69616E5}"/>
+                <a16:creationId xmlns:a16="http://schemas.microsoft.com/office/drawing/2014/main" xmlns="" id="{FC836AD9-A293-8E3F-664B-E692D69616E5}"/>
               </a:ext>
             </a:extLst>
           </p:cNvPr>
@@ -15064,7 +15064,7 @@
           <p:cNvPr id="37" name="箭头: 五边形 36">
             <a:extLst>
               <a:ext uri="{FF2B5EF4-FFF2-40B4-BE49-F238E27FC236}">
-                <a16:creationId xmlns="" xmlns:a16="http://schemas.microsoft.com/office/drawing/2014/main" id="{05ECD475-37EE-63E8-E9E5-EF81A4619214}"/>
+                <a16:creationId xmlns:a16="http://schemas.microsoft.com/office/drawing/2014/main" xmlns="" id="{05ECD475-37EE-63E8-E9E5-EF81A4619214}"/>
               </a:ext>
             </a:extLst>
           </p:cNvPr>
@@ -15111,7 +15111,7 @@
           <p:cNvPr id="30" name="Google Shape;75;p14">
             <a:extLst>
               <a:ext uri="{FF2B5EF4-FFF2-40B4-BE49-F238E27FC236}">
-                <a16:creationId xmlns="" xmlns:a16="http://schemas.microsoft.com/office/drawing/2014/main" id="{E8CD191A-BC20-B4B9-0F77-A770F7BFAC28}"/>
+                <a16:creationId xmlns:a16="http://schemas.microsoft.com/office/drawing/2014/main" xmlns="" id="{E8CD191A-BC20-B4B9-0F77-A770F7BFAC28}"/>
               </a:ext>
             </a:extLst>
           </p:cNvPr>
@@ -15145,7 +15145,7 @@
           <p:cNvPr id="36" name="Google Shape;77;p14">
             <a:extLst>
               <a:ext uri="{FF2B5EF4-FFF2-40B4-BE49-F238E27FC236}">
-                <a16:creationId xmlns="" xmlns:a16="http://schemas.microsoft.com/office/drawing/2014/main" id="{D2A03513-860E-AEB3-C60B-B28086582A81}"/>
+                <a16:creationId xmlns:a16="http://schemas.microsoft.com/office/drawing/2014/main" xmlns="" id="{D2A03513-860E-AEB3-C60B-B28086582A81}"/>
               </a:ext>
             </a:extLst>
           </p:cNvPr>
@@ -15179,7 +15179,7 @@
           <p:cNvPr id="40" name="Google Shape;78;p14">
             <a:extLst>
               <a:ext uri="{FF2B5EF4-FFF2-40B4-BE49-F238E27FC236}">
-                <a16:creationId xmlns="" xmlns:a16="http://schemas.microsoft.com/office/drawing/2014/main" id="{4192ED35-AB80-8468-99E1-C9A9BDA8A7D3}"/>
+                <a16:creationId xmlns:a16="http://schemas.microsoft.com/office/drawing/2014/main" xmlns="" id="{4192ED35-AB80-8468-99E1-C9A9BDA8A7D3}"/>
               </a:ext>
             </a:extLst>
           </p:cNvPr>
@@ -15213,7 +15213,7 @@
           <p:cNvPr id="41" name="Google Shape;81;p14">
             <a:extLst>
               <a:ext uri="{FF2B5EF4-FFF2-40B4-BE49-F238E27FC236}">
-                <a16:creationId xmlns="" xmlns:a16="http://schemas.microsoft.com/office/drawing/2014/main" id="{C0FC87F9-1543-0D73-36B0-9CD905C3E530}"/>
+                <a16:creationId xmlns:a16="http://schemas.microsoft.com/office/drawing/2014/main" xmlns="" id="{C0FC87F9-1543-0D73-36B0-9CD905C3E530}"/>
               </a:ext>
             </a:extLst>
           </p:cNvPr>
@@ -15247,7 +15247,7 @@
           <p:cNvPr id="42" name="箭头: 五边形 41">
             <a:extLst>
               <a:ext uri="{FF2B5EF4-FFF2-40B4-BE49-F238E27FC236}">
-                <a16:creationId xmlns="" xmlns:a16="http://schemas.microsoft.com/office/drawing/2014/main" id="{7EBEF984-F98B-ADD1-3CDC-6AB1174A8D83}"/>
+                <a16:creationId xmlns:a16="http://schemas.microsoft.com/office/drawing/2014/main" xmlns="" id="{7EBEF984-F98B-ADD1-3CDC-6AB1174A8D83}"/>
               </a:ext>
             </a:extLst>
           </p:cNvPr>
@@ -15303,7 +15303,7 @@
           <p:cNvPr id="43" name="箭头: 五边形 42">
             <a:extLst>
               <a:ext uri="{FF2B5EF4-FFF2-40B4-BE49-F238E27FC236}">
-                <a16:creationId xmlns="" xmlns:a16="http://schemas.microsoft.com/office/drawing/2014/main" id="{35BD309B-9ECD-3FBE-FBC4-1E1A07BE57C7}"/>
+                <a16:creationId xmlns:a16="http://schemas.microsoft.com/office/drawing/2014/main" xmlns="" id="{35BD309B-9ECD-3FBE-FBC4-1E1A07BE57C7}"/>
               </a:ext>
             </a:extLst>
           </p:cNvPr>
@@ -15359,7 +15359,7 @@
           <p:cNvPr id="44" name="箭头: 五边形 43">
             <a:extLst>
               <a:ext uri="{FF2B5EF4-FFF2-40B4-BE49-F238E27FC236}">
-                <a16:creationId xmlns="" xmlns:a16="http://schemas.microsoft.com/office/drawing/2014/main" id="{15FD29AB-A713-CB93-D601-DC1B84060FE1}"/>
+                <a16:creationId xmlns:a16="http://schemas.microsoft.com/office/drawing/2014/main" xmlns="" id="{15FD29AB-A713-CB93-D601-DC1B84060FE1}"/>
               </a:ext>
             </a:extLst>
           </p:cNvPr>
@@ -15406,7 +15406,7 @@
           <p:cNvPr id="45" name="箭头: 五边形 44">
             <a:extLst>
               <a:ext uri="{FF2B5EF4-FFF2-40B4-BE49-F238E27FC236}">
-                <a16:creationId xmlns="" xmlns:a16="http://schemas.microsoft.com/office/drawing/2014/main" id="{985479B4-7D41-B26B-85E4-9E2F0030D890}"/>
+                <a16:creationId xmlns:a16="http://schemas.microsoft.com/office/drawing/2014/main" xmlns="" id="{985479B4-7D41-B26B-85E4-9E2F0030D890}"/>
               </a:ext>
             </a:extLst>
           </p:cNvPr>
@@ -15483,7 +15483,7 @@
           <p:cNvPr id="2" name="标题 1">
             <a:extLst>
               <a:ext uri="{FF2B5EF4-FFF2-40B4-BE49-F238E27FC236}">
-                <a16:creationId xmlns="" xmlns:a16="http://schemas.microsoft.com/office/drawing/2014/main" id="{80796E82-7314-2FBE-2DE8-DDD70D4DF27E}"/>
+                <a16:creationId xmlns:a16="http://schemas.microsoft.com/office/drawing/2014/main" xmlns="" id="{80796E82-7314-2FBE-2DE8-DDD70D4DF27E}"/>
               </a:ext>
             </a:extLst>
           </p:cNvPr>
@@ -15532,7 +15532,7 @@
           <p:cNvPr id="4" name="文本框 3">
             <a:extLst>
               <a:ext uri="{FF2B5EF4-FFF2-40B4-BE49-F238E27FC236}">
-                <a16:creationId xmlns="" xmlns:a16="http://schemas.microsoft.com/office/drawing/2014/main" id="{3E8E8225-E7B4-E598-7AEB-66BC2EF7864E}"/>
+                <a16:creationId xmlns:a16="http://schemas.microsoft.com/office/drawing/2014/main" xmlns="" id="{3E8E8225-E7B4-E598-7AEB-66BC2EF7864E}"/>
               </a:ext>
             </a:extLst>
           </p:cNvPr>
@@ -15572,7 +15572,7 @@
           <p:cNvPr id="94" name="椭圆 93">
             <a:extLst>
               <a:ext uri="{FF2B5EF4-FFF2-40B4-BE49-F238E27FC236}">
-                <a16:creationId xmlns="" xmlns:a16="http://schemas.microsoft.com/office/drawing/2014/main" id="{8BEE0963-F39F-E799-5A6C-7DB2D9695EA3}"/>
+                <a16:creationId xmlns:a16="http://schemas.microsoft.com/office/drawing/2014/main" xmlns="" id="{8BEE0963-F39F-E799-5A6C-7DB2D9695EA3}"/>
               </a:ext>
             </a:extLst>
           </p:cNvPr>
@@ -15624,7 +15624,7 @@
           <p:cNvPr id="95" name="Google Shape;73;p14">
             <a:extLst>
               <a:ext uri="{FF2B5EF4-FFF2-40B4-BE49-F238E27FC236}">
-                <a16:creationId xmlns="" xmlns:a16="http://schemas.microsoft.com/office/drawing/2014/main" id="{728B4BED-4470-8B41-5F52-AEAB959AE86A}"/>
+                <a16:creationId xmlns:a16="http://schemas.microsoft.com/office/drawing/2014/main" xmlns="" id="{728B4BED-4470-8B41-5F52-AEAB959AE86A}"/>
               </a:ext>
             </a:extLst>
           </p:cNvPr>
@@ -15658,7 +15658,7 @@
           <p:cNvPr id="96" name="椭圆 95">
             <a:extLst>
               <a:ext uri="{FF2B5EF4-FFF2-40B4-BE49-F238E27FC236}">
-                <a16:creationId xmlns="" xmlns:a16="http://schemas.microsoft.com/office/drawing/2014/main" id="{AF996894-1BC8-7090-4657-FC54AE71EC7F}"/>
+                <a16:creationId xmlns:a16="http://schemas.microsoft.com/office/drawing/2014/main" xmlns="" id="{AF996894-1BC8-7090-4657-FC54AE71EC7F}"/>
               </a:ext>
             </a:extLst>
           </p:cNvPr>
@@ -15714,7 +15714,7 @@
           <p:cNvPr id="97" name="椭圆 96">
             <a:extLst>
               <a:ext uri="{FF2B5EF4-FFF2-40B4-BE49-F238E27FC236}">
-                <a16:creationId xmlns="" xmlns:a16="http://schemas.microsoft.com/office/drawing/2014/main" id="{61254F9E-C540-E155-7BDC-015D0038A8F2}"/>
+                <a16:creationId xmlns:a16="http://schemas.microsoft.com/office/drawing/2014/main" xmlns="" id="{61254F9E-C540-E155-7BDC-015D0038A8F2}"/>
               </a:ext>
             </a:extLst>
           </p:cNvPr>
@@ -15770,7 +15770,7 @@
           <p:cNvPr id="98" name="椭圆 97">
             <a:extLst>
               <a:ext uri="{FF2B5EF4-FFF2-40B4-BE49-F238E27FC236}">
-                <a16:creationId xmlns="" xmlns:a16="http://schemas.microsoft.com/office/drawing/2014/main" id="{67AC39F3-9E15-C508-9F79-5833BA9DCC7E}"/>
+                <a16:creationId xmlns:a16="http://schemas.microsoft.com/office/drawing/2014/main" xmlns="" id="{67AC39F3-9E15-C508-9F79-5833BA9DCC7E}"/>
               </a:ext>
             </a:extLst>
           </p:cNvPr>
@@ -15830,7 +15830,7 @@
           <p:cNvPr id="99" name="椭圆 98">
             <a:extLst>
               <a:ext uri="{FF2B5EF4-FFF2-40B4-BE49-F238E27FC236}">
-                <a16:creationId xmlns="" xmlns:a16="http://schemas.microsoft.com/office/drawing/2014/main" id="{7078CA09-5A9E-D1A8-A854-B30AB88523FD}"/>
+                <a16:creationId xmlns:a16="http://schemas.microsoft.com/office/drawing/2014/main" xmlns="" id="{7078CA09-5A9E-D1A8-A854-B30AB88523FD}"/>
               </a:ext>
             </a:extLst>
           </p:cNvPr>
@@ -15890,7 +15890,7 @@
           <p:cNvPr id="100" name="Google Shape;74;p14">
             <a:extLst>
               <a:ext uri="{FF2B5EF4-FFF2-40B4-BE49-F238E27FC236}">
-                <a16:creationId xmlns="" xmlns:a16="http://schemas.microsoft.com/office/drawing/2014/main" id="{2D6CB586-E89B-F20A-E516-58B36CEB1867}"/>
+                <a16:creationId xmlns:a16="http://schemas.microsoft.com/office/drawing/2014/main" xmlns="" id="{2D6CB586-E89B-F20A-E516-58B36CEB1867}"/>
               </a:ext>
             </a:extLst>
           </p:cNvPr>
@@ -15924,7 +15924,7 @@
           <p:cNvPr id="101" name="Google Shape;76;p14">
             <a:extLst>
               <a:ext uri="{FF2B5EF4-FFF2-40B4-BE49-F238E27FC236}">
-                <a16:creationId xmlns="" xmlns:a16="http://schemas.microsoft.com/office/drawing/2014/main" id="{320E54BE-9086-C596-8E30-5802E54EFB64}"/>
+                <a16:creationId xmlns:a16="http://schemas.microsoft.com/office/drawing/2014/main" xmlns="" id="{320E54BE-9086-C596-8E30-5802E54EFB64}"/>
               </a:ext>
             </a:extLst>
           </p:cNvPr>
@@ -15958,7 +15958,7 @@
           <p:cNvPr id="102" name="Google Shape;79;p14">
             <a:extLst>
               <a:ext uri="{FF2B5EF4-FFF2-40B4-BE49-F238E27FC236}">
-                <a16:creationId xmlns="" xmlns:a16="http://schemas.microsoft.com/office/drawing/2014/main" id="{2CB29429-3A6A-075E-E051-F2605E6CF72B}"/>
+                <a16:creationId xmlns:a16="http://schemas.microsoft.com/office/drawing/2014/main" xmlns="" id="{2CB29429-3A6A-075E-E051-F2605E6CF72B}"/>
               </a:ext>
             </a:extLst>
           </p:cNvPr>
@@ -15992,7 +15992,7 @@
           <p:cNvPr id="103" name="Google Shape;80;p14">
             <a:extLst>
               <a:ext uri="{FF2B5EF4-FFF2-40B4-BE49-F238E27FC236}">
-                <a16:creationId xmlns="" xmlns:a16="http://schemas.microsoft.com/office/drawing/2014/main" id="{87A8869F-6890-93EE-47C2-B6909C99470B}"/>
+                <a16:creationId xmlns:a16="http://schemas.microsoft.com/office/drawing/2014/main" xmlns="" id="{87A8869F-6890-93EE-47C2-B6909C99470B}"/>
               </a:ext>
             </a:extLst>
           </p:cNvPr>
@@ -16026,7 +16026,7 @@
           <p:cNvPr id="104" name="箭头: 五边形 103">
             <a:extLst>
               <a:ext uri="{FF2B5EF4-FFF2-40B4-BE49-F238E27FC236}">
-                <a16:creationId xmlns="" xmlns:a16="http://schemas.microsoft.com/office/drawing/2014/main" id="{FEE47AE7-C9FA-4144-87DD-8E8CA1F603A1}"/>
+                <a16:creationId xmlns:a16="http://schemas.microsoft.com/office/drawing/2014/main" xmlns="" id="{FEE47AE7-C9FA-4144-87DD-8E8CA1F603A1}"/>
               </a:ext>
             </a:extLst>
           </p:cNvPr>
@@ -16073,7 +16073,7 @@
           <p:cNvPr id="105" name="箭头: 五边形 104">
             <a:extLst>
               <a:ext uri="{FF2B5EF4-FFF2-40B4-BE49-F238E27FC236}">
-                <a16:creationId xmlns="" xmlns:a16="http://schemas.microsoft.com/office/drawing/2014/main" id="{125693EC-2137-4901-2D9F-CA02EFB6EC1C}"/>
+                <a16:creationId xmlns:a16="http://schemas.microsoft.com/office/drawing/2014/main" xmlns="" id="{125693EC-2137-4901-2D9F-CA02EFB6EC1C}"/>
               </a:ext>
             </a:extLst>
           </p:cNvPr>
@@ -16129,7 +16129,7 @@
           <p:cNvPr id="106" name="箭头: 五边形 105">
             <a:extLst>
               <a:ext uri="{FF2B5EF4-FFF2-40B4-BE49-F238E27FC236}">
-                <a16:creationId xmlns="" xmlns:a16="http://schemas.microsoft.com/office/drawing/2014/main" id="{0A75FABD-C11D-5BF2-CA28-79F84BEC2D52}"/>
+                <a16:creationId xmlns:a16="http://schemas.microsoft.com/office/drawing/2014/main" xmlns="" id="{0A75FABD-C11D-5BF2-CA28-79F84BEC2D52}"/>
               </a:ext>
             </a:extLst>
           </p:cNvPr>
@@ -16185,7 +16185,7 @@
           <p:cNvPr id="107" name="箭头: 五边形 106">
             <a:extLst>
               <a:ext uri="{FF2B5EF4-FFF2-40B4-BE49-F238E27FC236}">
-                <a16:creationId xmlns="" xmlns:a16="http://schemas.microsoft.com/office/drawing/2014/main" id="{94FFE1CA-95B6-5FB5-0E93-C32CA673CFB0}"/>
+                <a16:creationId xmlns:a16="http://schemas.microsoft.com/office/drawing/2014/main" xmlns="" id="{94FFE1CA-95B6-5FB5-0E93-C32CA673CFB0}"/>
               </a:ext>
             </a:extLst>
           </p:cNvPr>
@@ -16232,7 +16232,7 @@
           <p:cNvPr id="108" name="Google Shape;75;p14">
             <a:extLst>
               <a:ext uri="{FF2B5EF4-FFF2-40B4-BE49-F238E27FC236}">
-                <a16:creationId xmlns="" xmlns:a16="http://schemas.microsoft.com/office/drawing/2014/main" id="{C28BC135-A694-D736-05E2-392BAA6546C4}"/>
+                <a16:creationId xmlns:a16="http://schemas.microsoft.com/office/drawing/2014/main" xmlns="" id="{C28BC135-A694-D736-05E2-392BAA6546C4}"/>
               </a:ext>
             </a:extLst>
           </p:cNvPr>
@@ -16266,7 +16266,7 @@
           <p:cNvPr id="109" name="Google Shape;77;p14">
             <a:extLst>
               <a:ext uri="{FF2B5EF4-FFF2-40B4-BE49-F238E27FC236}">
-                <a16:creationId xmlns="" xmlns:a16="http://schemas.microsoft.com/office/drawing/2014/main" id="{26E64EC8-A00D-85A2-55E9-80371504FA45}"/>
+                <a16:creationId xmlns:a16="http://schemas.microsoft.com/office/drawing/2014/main" xmlns="" id="{26E64EC8-A00D-85A2-55E9-80371504FA45}"/>
               </a:ext>
             </a:extLst>
           </p:cNvPr>
@@ -16300,7 +16300,7 @@
           <p:cNvPr id="110" name="Google Shape;78;p14">
             <a:extLst>
               <a:ext uri="{FF2B5EF4-FFF2-40B4-BE49-F238E27FC236}">
-                <a16:creationId xmlns="" xmlns:a16="http://schemas.microsoft.com/office/drawing/2014/main" id="{3776E30B-813F-0863-0AAF-08F593A4A164}"/>
+                <a16:creationId xmlns:a16="http://schemas.microsoft.com/office/drawing/2014/main" xmlns="" id="{3776E30B-813F-0863-0AAF-08F593A4A164}"/>
               </a:ext>
             </a:extLst>
           </p:cNvPr>
@@ -16334,7 +16334,7 @@
           <p:cNvPr id="111" name="Google Shape;81;p14">
             <a:extLst>
               <a:ext uri="{FF2B5EF4-FFF2-40B4-BE49-F238E27FC236}">
-                <a16:creationId xmlns="" xmlns:a16="http://schemas.microsoft.com/office/drawing/2014/main" id="{4C069DC5-4186-0285-5D83-B8FFA739F050}"/>
+                <a16:creationId xmlns:a16="http://schemas.microsoft.com/office/drawing/2014/main" xmlns="" id="{4C069DC5-4186-0285-5D83-B8FFA739F050}"/>
               </a:ext>
             </a:extLst>
           </p:cNvPr>
@@ -16368,7 +16368,7 @@
           <p:cNvPr id="112" name="箭头: 五边形 111">
             <a:extLst>
               <a:ext uri="{FF2B5EF4-FFF2-40B4-BE49-F238E27FC236}">
-                <a16:creationId xmlns="" xmlns:a16="http://schemas.microsoft.com/office/drawing/2014/main" id="{7CD9D67F-B213-AAAA-9054-02755BE2146A}"/>
+                <a16:creationId xmlns:a16="http://schemas.microsoft.com/office/drawing/2014/main" xmlns="" id="{7CD9D67F-B213-AAAA-9054-02755BE2146A}"/>
               </a:ext>
             </a:extLst>
           </p:cNvPr>
@@ -16424,7 +16424,7 @@
           <p:cNvPr id="113" name="箭头: 五边形 112">
             <a:extLst>
               <a:ext uri="{FF2B5EF4-FFF2-40B4-BE49-F238E27FC236}">
-                <a16:creationId xmlns="" xmlns:a16="http://schemas.microsoft.com/office/drawing/2014/main" id="{F8AE02EB-01D9-FA19-B065-CCE211B6884B}"/>
+                <a16:creationId xmlns:a16="http://schemas.microsoft.com/office/drawing/2014/main" xmlns="" id="{F8AE02EB-01D9-FA19-B065-CCE211B6884B}"/>
               </a:ext>
             </a:extLst>
           </p:cNvPr>
@@ -16480,7 +16480,7 @@
           <p:cNvPr id="114" name="箭头: 五边形 113">
             <a:extLst>
               <a:ext uri="{FF2B5EF4-FFF2-40B4-BE49-F238E27FC236}">
-                <a16:creationId xmlns="" xmlns:a16="http://schemas.microsoft.com/office/drawing/2014/main" id="{CD3E578E-DF8A-1EA0-3438-736889E4F552}"/>
+                <a16:creationId xmlns:a16="http://schemas.microsoft.com/office/drawing/2014/main" xmlns="" id="{CD3E578E-DF8A-1EA0-3438-736889E4F552}"/>
               </a:ext>
             </a:extLst>
           </p:cNvPr>
@@ -16527,7 +16527,7 @@
           <p:cNvPr id="115" name="箭头: 五边形 114">
             <a:extLst>
               <a:ext uri="{FF2B5EF4-FFF2-40B4-BE49-F238E27FC236}">
-                <a16:creationId xmlns="" xmlns:a16="http://schemas.microsoft.com/office/drawing/2014/main" id="{F8C96D6D-C8E2-1DE1-7975-1FE461A07D04}"/>
+                <a16:creationId xmlns:a16="http://schemas.microsoft.com/office/drawing/2014/main" xmlns="" id="{F8C96D6D-C8E2-1DE1-7975-1FE461A07D04}"/>
               </a:ext>
             </a:extLst>
           </p:cNvPr>
@@ -16604,7 +16604,7 @@
           <p:cNvPr id="2" name="标题 1">
             <a:extLst>
               <a:ext uri="{FF2B5EF4-FFF2-40B4-BE49-F238E27FC236}">
-                <a16:creationId xmlns="" xmlns:a16="http://schemas.microsoft.com/office/drawing/2014/main" id="{80796E82-7314-2FBE-2DE8-DDD70D4DF27E}"/>
+                <a16:creationId xmlns:a16="http://schemas.microsoft.com/office/drawing/2014/main" xmlns="" id="{80796E82-7314-2FBE-2DE8-DDD70D4DF27E}"/>
               </a:ext>
             </a:extLst>
           </p:cNvPr>
@@ -16653,7 +16653,7 @@
           <p:cNvPr id="4" name="文本框 3">
             <a:extLst>
               <a:ext uri="{FF2B5EF4-FFF2-40B4-BE49-F238E27FC236}">
-                <a16:creationId xmlns="" xmlns:a16="http://schemas.microsoft.com/office/drawing/2014/main" id="{3E8E8225-E7B4-E598-7AEB-66BC2EF7864E}"/>
+                <a16:creationId xmlns:a16="http://schemas.microsoft.com/office/drawing/2014/main" xmlns="" id="{3E8E8225-E7B4-E598-7AEB-66BC2EF7864E}"/>
               </a:ext>
             </a:extLst>
           </p:cNvPr>
@@ -16693,7 +16693,7 @@
           <p:cNvPr id="94" name="椭圆 93">
             <a:extLst>
               <a:ext uri="{FF2B5EF4-FFF2-40B4-BE49-F238E27FC236}">
-                <a16:creationId xmlns="" xmlns:a16="http://schemas.microsoft.com/office/drawing/2014/main" id="{8BEE0963-F39F-E799-5A6C-7DB2D9695EA3}"/>
+                <a16:creationId xmlns:a16="http://schemas.microsoft.com/office/drawing/2014/main" xmlns="" id="{8BEE0963-F39F-E799-5A6C-7DB2D9695EA3}"/>
               </a:ext>
             </a:extLst>
           </p:cNvPr>
@@ -16745,7 +16745,7 @@
           <p:cNvPr id="95" name="Google Shape;73;p14">
             <a:extLst>
               <a:ext uri="{FF2B5EF4-FFF2-40B4-BE49-F238E27FC236}">
-                <a16:creationId xmlns="" xmlns:a16="http://schemas.microsoft.com/office/drawing/2014/main" id="{728B4BED-4470-8B41-5F52-AEAB959AE86A}"/>
+                <a16:creationId xmlns:a16="http://schemas.microsoft.com/office/drawing/2014/main" xmlns="" id="{728B4BED-4470-8B41-5F52-AEAB959AE86A}"/>
               </a:ext>
             </a:extLst>
           </p:cNvPr>
@@ -16779,7 +16779,7 @@
           <p:cNvPr id="100" name="Google Shape;74;p14">
             <a:extLst>
               <a:ext uri="{FF2B5EF4-FFF2-40B4-BE49-F238E27FC236}">
-                <a16:creationId xmlns="" xmlns:a16="http://schemas.microsoft.com/office/drawing/2014/main" id="{2D6CB586-E89B-F20A-E516-58B36CEB1867}"/>
+                <a16:creationId xmlns:a16="http://schemas.microsoft.com/office/drawing/2014/main" xmlns="" id="{2D6CB586-E89B-F20A-E516-58B36CEB1867}"/>
               </a:ext>
             </a:extLst>
           </p:cNvPr>
@@ -16813,7 +16813,7 @@
           <p:cNvPr id="101" name="Google Shape;76;p14">
             <a:extLst>
               <a:ext uri="{FF2B5EF4-FFF2-40B4-BE49-F238E27FC236}">
-                <a16:creationId xmlns="" xmlns:a16="http://schemas.microsoft.com/office/drawing/2014/main" id="{320E54BE-9086-C596-8E30-5802E54EFB64}"/>
+                <a16:creationId xmlns:a16="http://schemas.microsoft.com/office/drawing/2014/main" xmlns="" id="{320E54BE-9086-C596-8E30-5802E54EFB64}"/>
               </a:ext>
             </a:extLst>
           </p:cNvPr>
@@ -16847,7 +16847,7 @@
           <p:cNvPr id="102" name="Google Shape;79;p14">
             <a:extLst>
               <a:ext uri="{FF2B5EF4-FFF2-40B4-BE49-F238E27FC236}">
-                <a16:creationId xmlns="" xmlns:a16="http://schemas.microsoft.com/office/drawing/2014/main" id="{2CB29429-3A6A-075E-E051-F2605E6CF72B}"/>
+                <a16:creationId xmlns:a16="http://schemas.microsoft.com/office/drawing/2014/main" xmlns="" id="{2CB29429-3A6A-075E-E051-F2605E6CF72B}"/>
               </a:ext>
             </a:extLst>
           </p:cNvPr>
@@ -16881,7 +16881,7 @@
           <p:cNvPr id="103" name="Google Shape;80;p14">
             <a:extLst>
               <a:ext uri="{FF2B5EF4-FFF2-40B4-BE49-F238E27FC236}">
-                <a16:creationId xmlns="" xmlns:a16="http://schemas.microsoft.com/office/drawing/2014/main" id="{87A8869F-6890-93EE-47C2-B6909C99470B}"/>
+                <a16:creationId xmlns:a16="http://schemas.microsoft.com/office/drawing/2014/main" xmlns="" id="{87A8869F-6890-93EE-47C2-B6909C99470B}"/>
               </a:ext>
             </a:extLst>
           </p:cNvPr>
@@ -16915,7 +16915,7 @@
           <p:cNvPr id="104" name="箭头: 五边形 103">
             <a:extLst>
               <a:ext uri="{FF2B5EF4-FFF2-40B4-BE49-F238E27FC236}">
-                <a16:creationId xmlns="" xmlns:a16="http://schemas.microsoft.com/office/drawing/2014/main" id="{FEE47AE7-C9FA-4144-87DD-8E8CA1F603A1}"/>
+                <a16:creationId xmlns:a16="http://schemas.microsoft.com/office/drawing/2014/main" xmlns="" id="{FEE47AE7-C9FA-4144-87DD-8E8CA1F603A1}"/>
               </a:ext>
             </a:extLst>
           </p:cNvPr>
@@ -16962,7 +16962,7 @@
           <p:cNvPr id="105" name="箭头: 五边形 104">
             <a:extLst>
               <a:ext uri="{FF2B5EF4-FFF2-40B4-BE49-F238E27FC236}">
-                <a16:creationId xmlns="" xmlns:a16="http://schemas.microsoft.com/office/drawing/2014/main" id="{125693EC-2137-4901-2D9F-CA02EFB6EC1C}"/>
+                <a16:creationId xmlns:a16="http://schemas.microsoft.com/office/drawing/2014/main" xmlns="" id="{125693EC-2137-4901-2D9F-CA02EFB6EC1C}"/>
               </a:ext>
             </a:extLst>
           </p:cNvPr>
@@ -17018,7 +17018,7 @@
           <p:cNvPr id="106" name="箭头: 五边形 105">
             <a:extLst>
               <a:ext uri="{FF2B5EF4-FFF2-40B4-BE49-F238E27FC236}">
-                <a16:creationId xmlns="" xmlns:a16="http://schemas.microsoft.com/office/drawing/2014/main" id="{0A75FABD-C11D-5BF2-CA28-79F84BEC2D52}"/>
+                <a16:creationId xmlns:a16="http://schemas.microsoft.com/office/drawing/2014/main" xmlns="" id="{0A75FABD-C11D-5BF2-CA28-79F84BEC2D52}"/>
               </a:ext>
             </a:extLst>
           </p:cNvPr>
@@ -17074,7 +17074,7 @@
           <p:cNvPr id="107" name="箭头: 五边形 106">
             <a:extLst>
               <a:ext uri="{FF2B5EF4-FFF2-40B4-BE49-F238E27FC236}">
-                <a16:creationId xmlns="" xmlns:a16="http://schemas.microsoft.com/office/drawing/2014/main" id="{94FFE1CA-95B6-5FB5-0E93-C32CA673CFB0}"/>
+                <a16:creationId xmlns:a16="http://schemas.microsoft.com/office/drawing/2014/main" xmlns="" id="{94FFE1CA-95B6-5FB5-0E93-C32CA673CFB0}"/>
               </a:ext>
             </a:extLst>
           </p:cNvPr>
@@ -17121,7 +17121,7 @@
           <p:cNvPr id="108" name="Google Shape;75;p14">
             <a:extLst>
               <a:ext uri="{FF2B5EF4-FFF2-40B4-BE49-F238E27FC236}">
-                <a16:creationId xmlns="" xmlns:a16="http://schemas.microsoft.com/office/drawing/2014/main" id="{C28BC135-A694-D736-05E2-392BAA6546C4}"/>
+                <a16:creationId xmlns:a16="http://schemas.microsoft.com/office/drawing/2014/main" xmlns="" id="{C28BC135-A694-D736-05E2-392BAA6546C4}"/>
               </a:ext>
             </a:extLst>
           </p:cNvPr>
@@ -17155,7 +17155,7 @@
           <p:cNvPr id="109" name="Google Shape;77;p14">
             <a:extLst>
               <a:ext uri="{FF2B5EF4-FFF2-40B4-BE49-F238E27FC236}">
-                <a16:creationId xmlns="" xmlns:a16="http://schemas.microsoft.com/office/drawing/2014/main" id="{26E64EC8-A00D-85A2-55E9-80371504FA45}"/>
+                <a16:creationId xmlns:a16="http://schemas.microsoft.com/office/drawing/2014/main" xmlns="" id="{26E64EC8-A00D-85A2-55E9-80371504FA45}"/>
               </a:ext>
             </a:extLst>
           </p:cNvPr>
@@ -17189,7 +17189,7 @@
           <p:cNvPr id="110" name="Google Shape;78;p14">
             <a:extLst>
               <a:ext uri="{FF2B5EF4-FFF2-40B4-BE49-F238E27FC236}">
-                <a16:creationId xmlns="" xmlns:a16="http://schemas.microsoft.com/office/drawing/2014/main" id="{3776E30B-813F-0863-0AAF-08F593A4A164}"/>
+                <a16:creationId xmlns:a16="http://schemas.microsoft.com/office/drawing/2014/main" xmlns="" id="{3776E30B-813F-0863-0AAF-08F593A4A164}"/>
               </a:ext>
             </a:extLst>
           </p:cNvPr>
@@ -17223,7 +17223,7 @@
           <p:cNvPr id="111" name="Google Shape;81;p14">
             <a:extLst>
               <a:ext uri="{FF2B5EF4-FFF2-40B4-BE49-F238E27FC236}">
-                <a16:creationId xmlns="" xmlns:a16="http://schemas.microsoft.com/office/drawing/2014/main" id="{4C069DC5-4186-0285-5D83-B8FFA739F050}"/>
+                <a16:creationId xmlns:a16="http://schemas.microsoft.com/office/drawing/2014/main" xmlns="" id="{4C069DC5-4186-0285-5D83-B8FFA739F050}"/>
               </a:ext>
             </a:extLst>
           </p:cNvPr>
@@ -17257,7 +17257,7 @@
           <p:cNvPr id="112" name="箭头: 五边形 111">
             <a:extLst>
               <a:ext uri="{FF2B5EF4-FFF2-40B4-BE49-F238E27FC236}">
-                <a16:creationId xmlns="" xmlns:a16="http://schemas.microsoft.com/office/drawing/2014/main" id="{7CD9D67F-B213-AAAA-9054-02755BE2146A}"/>
+                <a16:creationId xmlns:a16="http://schemas.microsoft.com/office/drawing/2014/main" xmlns="" id="{7CD9D67F-B213-AAAA-9054-02755BE2146A}"/>
               </a:ext>
             </a:extLst>
           </p:cNvPr>
@@ -17313,7 +17313,7 @@
           <p:cNvPr id="113" name="箭头: 五边形 112">
             <a:extLst>
               <a:ext uri="{FF2B5EF4-FFF2-40B4-BE49-F238E27FC236}">
-                <a16:creationId xmlns="" xmlns:a16="http://schemas.microsoft.com/office/drawing/2014/main" id="{F8AE02EB-01D9-FA19-B065-CCE211B6884B}"/>
+                <a16:creationId xmlns:a16="http://schemas.microsoft.com/office/drawing/2014/main" xmlns="" id="{F8AE02EB-01D9-FA19-B065-CCE211B6884B}"/>
               </a:ext>
             </a:extLst>
           </p:cNvPr>
@@ -17369,7 +17369,7 @@
           <p:cNvPr id="114" name="箭头: 五边形 113">
             <a:extLst>
               <a:ext uri="{FF2B5EF4-FFF2-40B4-BE49-F238E27FC236}">
-                <a16:creationId xmlns="" xmlns:a16="http://schemas.microsoft.com/office/drawing/2014/main" id="{CD3E578E-DF8A-1EA0-3438-736889E4F552}"/>
+                <a16:creationId xmlns:a16="http://schemas.microsoft.com/office/drawing/2014/main" xmlns="" id="{CD3E578E-DF8A-1EA0-3438-736889E4F552}"/>
               </a:ext>
             </a:extLst>
           </p:cNvPr>
@@ -17416,7 +17416,7 @@
           <p:cNvPr id="115" name="箭头: 五边形 114">
             <a:extLst>
               <a:ext uri="{FF2B5EF4-FFF2-40B4-BE49-F238E27FC236}">
-                <a16:creationId xmlns="" xmlns:a16="http://schemas.microsoft.com/office/drawing/2014/main" id="{F8C96D6D-C8E2-1DE1-7975-1FE461A07D04}"/>
+                <a16:creationId xmlns:a16="http://schemas.microsoft.com/office/drawing/2014/main" xmlns="" id="{F8C96D6D-C8E2-1DE1-7975-1FE461A07D04}"/>
               </a:ext>
             </a:extLst>
           </p:cNvPr>
@@ -17493,7 +17493,7 @@
           <p:cNvPr id="2" name="标题 1">
             <a:extLst>
               <a:ext uri="{FF2B5EF4-FFF2-40B4-BE49-F238E27FC236}">
-                <a16:creationId xmlns="" xmlns:a16="http://schemas.microsoft.com/office/drawing/2014/main" id="{80796E82-7314-2FBE-2DE8-DDD70D4DF27E}"/>
+                <a16:creationId xmlns:a16="http://schemas.microsoft.com/office/drawing/2014/main" xmlns="" id="{80796E82-7314-2FBE-2DE8-DDD70D4DF27E}"/>
               </a:ext>
             </a:extLst>
           </p:cNvPr>
@@ -17542,7 +17542,7 @@
           <p:cNvPr id="4" name="文本框 3">
             <a:extLst>
               <a:ext uri="{FF2B5EF4-FFF2-40B4-BE49-F238E27FC236}">
-                <a16:creationId xmlns="" xmlns:a16="http://schemas.microsoft.com/office/drawing/2014/main" id="{3E8E8225-E7B4-E598-7AEB-66BC2EF7864E}"/>
+                <a16:creationId xmlns:a16="http://schemas.microsoft.com/office/drawing/2014/main" xmlns="" id="{3E8E8225-E7B4-E598-7AEB-66BC2EF7864E}"/>
               </a:ext>
             </a:extLst>
           </p:cNvPr>
@@ -17582,7 +17582,7 @@
           <p:cNvPr id="94" name="椭圆 93">
             <a:extLst>
               <a:ext uri="{FF2B5EF4-FFF2-40B4-BE49-F238E27FC236}">
-                <a16:creationId xmlns="" xmlns:a16="http://schemas.microsoft.com/office/drawing/2014/main" id="{8BEE0963-F39F-E799-5A6C-7DB2D9695EA3}"/>
+                <a16:creationId xmlns:a16="http://schemas.microsoft.com/office/drawing/2014/main" xmlns="" id="{8BEE0963-F39F-E799-5A6C-7DB2D9695EA3}"/>
               </a:ext>
             </a:extLst>
           </p:cNvPr>
@@ -17634,7 +17634,7 @@
           <p:cNvPr id="95" name="Google Shape;73;p14">
             <a:extLst>
               <a:ext uri="{FF2B5EF4-FFF2-40B4-BE49-F238E27FC236}">
-                <a16:creationId xmlns="" xmlns:a16="http://schemas.microsoft.com/office/drawing/2014/main" id="{728B4BED-4470-8B41-5F52-AEAB959AE86A}"/>
+                <a16:creationId xmlns:a16="http://schemas.microsoft.com/office/drawing/2014/main" xmlns="" id="{728B4BED-4470-8B41-5F52-AEAB959AE86A}"/>
               </a:ext>
             </a:extLst>
           </p:cNvPr>
@@ -17668,7 +17668,7 @@
           <p:cNvPr id="23" name="椭圆 22">
             <a:extLst>
               <a:ext uri="{FF2B5EF4-FFF2-40B4-BE49-F238E27FC236}">
-                <a16:creationId xmlns="" xmlns:a16="http://schemas.microsoft.com/office/drawing/2014/main" id="{824F6C0B-F2BF-8F57-435A-24EF38F1CED2}"/>
+                <a16:creationId xmlns:a16="http://schemas.microsoft.com/office/drawing/2014/main" xmlns="" id="{824F6C0B-F2BF-8F57-435A-24EF38F1CED2}"/>
               </a:ext>
             </a:extLst>
           </p:cNvPr>
@@ -17724,7 +17724,7 @@
           <p:cNvPr id="24" name="椭圆 23">
             <a:extLst>
               <a:ext uri="{FF2B5EF4-FFF2-40B4-BE49-F238E27FC236}">
-                <a16:creationId xmlns="" xmlns:a16="http://schemas.microsoft.com/office/drawing/2014/main" id="{180D6603-04FC-C694-538B-19D759A53C63}"/>
+                <a16:creationId xmlns:a16="http://schemas.microsoft.com/office/drawing/2014/main" xmlns="" id="{180D6603-04FC-C694-538B-19D759A53C63}"/>
               </a:ext>
             </a:extLst>
           </p:cNvPr>
@@ -17784,7 +17784,7 @@
           <p:cNvPr id="100" name="Google Shape;74;p14">
             <a:extLst>
               <a:ext uri="{FF2B5EF4-FFF2-40B4-BE49-F238E27FC236}">
-                <a16:creationId xmlns="" xmlns:a16="http://schemas.microsoft.com/office/drawing/2014/main" id="{2D6CB586-E89B-F20A-E516-58B36CEB1867}"/>
+                <a16:creationId xmlns:a16="http://schemas.microsoft.com/office/drawing/2014/main" xmlns="" id="{2D6CB586-E89B-F20A-E516-58B36CEB1867}"/>
               </a:ext>
             </a:extLst>
           </p:cNvPr>
@@ -17818,7 +17818,7 @@
           <p:cNvPr id="101" name="Google Shape;76;p14">
             <a:extLst>
               <a:ext uri="{FF2B5EF4-FFF2-40B4-BE49-F238E27FC236}">
-                <a16:creationId xmlns="" xmlns:a16="http://schemas.microsoft.com/office/drawing/2014/main" id="{320E54BE-9086-C596-8E30-5802E54EFB64}"/>
+                <a16:creationId xmlns:a16="http://schemas.microsoft.com/office/drawing/2014/main" xmlns="" id="{320E54BE-9086-C596-8E30-5802E54EFB64}"/>
               </a:ext>
             </a:extLst>
           </p:cNvPr>
@@ -17852,7 +17852,7 @@
           <p:cNvPr id="102" name="Google Shape;79;p14">
             <a:extLst>
               <a:ext uri="{FF2B5EF4-FFF2-40B4-BE49-F238E27FC236}">
-                <a16:creationId xmlns="" xmlns:a16="http://schemas.microsoft.com/office/drawing/2014/main" id="{2CB29429-3A6A-075E-E051-F2605E6CF72B}"/>
+                <a16:creationId xmlns:a16="http://schemas.microsoft.com/office/drawing/2014/main" xmlns="" id="{2CB29429-3A6A-075E-E051-F2605E6CF72B}"/>
               </a:ext>
             </a:extLst>
           </p:cNvPr>
@@ -17886,7 +17886,7 @@
           <p:cNvPr id="103" name="Google Shape;80;p14">
             <a:extLst>
               <a:ext uri="{FF2B5EF4-FFF2-40B4-BE49-F238E27FC236}">
-                <a16:creationId xmlns="" xmlns:a16="http://schemas.microsoft.com/office/drawing/2014/main" id="{87A8869F-6890-93EE-47C2-B6909C99470B}"/>
+                <a16:creationId xmlns:a16="http://schemas.microsoft.com/office/drawing/2014/main" xmlns="" id="{87A8869F-6890-93EE-47C2-B6909C99470B}"/>
               </a:ext>
             </a:extLst>
           </p:cNvPr>
@@ -17920,7 +17920,7 @@
           <p:cNvPr id="104" name="箭头: 五边形 103">
             <a:extLst>
               <a:ext uri="{FF2B5EF4-FFF2-40B4-BE49-F238E27FC236}">
-                <a16:creationId xmlns="" xmlns:a16="http://schemas.microsoft.com/office/drawing/2014/main" id="{FEE47AE7-C9FA-4144-87DD-8E8CA1F603A1}"/>
+                <a16:creationId xmlns:a16="http://schemas.microsoft.com/office/drawing/2014/main" xmlns="" id="{FEE47AE7-C9FA-4144-87DD-8E8CA1F603A1}"/>
               </a:ext>
             </a:extLst>
           </p:cNvPr>
@@ -17967,7 +17967,7 @@
           <p:cNvPr id="105" name="箭头: 五边形 104">
             <a:extLst>
               <a:ext uri="{FF2B5EF4-FFF2-40B4-BE49-F238E27FC236}">
-                <a16:creationId xmlns="" xmlns:a16="http://schemas.microsoft.com/office/drawing/2014/main" id="{125693EC-2137-4901-2D9F-CA02EFB6EC1C}"/>
+                <a16:creationId xmlns:a16="http://schemas.microsoft.com/office/drawing/2014/main" xmlns="" id="{125693EC-2137-4901-2D9F-CA02EFB6EC1C}"/>
               </a:ext>
             </a:extLst>
           </p:cNvPr>
@@ -18023,7 +18023,7 @@
           <p:cNvPr id="106" name="箭头: 五边形 105">
             <a:extLst>
               <a:ext uri="{FF2B5EF4-FFF2-40B4-BE49-F238E27FC236}">
-                <a16:creationId xmlns="" xmlns:a16="http://schemas.microsoft.com/office/drawing/2014/main" id="{0A75FABD-C11D-5BF2-CA28-79F84BEC2D52}"/>
+                <a16:creationId xmlns:a16="http://schemas.microsoft.com/office/drawing/2014/main" xmlns="" id="{0A75FABD-C11D-5BF2-CA28-79F84BEC2D52}"/>
               </a:ext>
             </a:extLst>
           </p:cNvPr>
@@ -18079,7 +18079,7 @@
           <p:cNvPr id="107" name="箭头: 五边形 106">
             <a:extLst>
               <a:ext uri="{FF2B5EF4-FFF2-40B4-BE49-F238E27FC236}">
-                <a16:creationId xmlns="" xmlns:a16="http://schemas.microsoft.com/office/drawing/2014/main" id="{94FFE1CA-95B6-5FB5-0E93-C32CA673CFB0}"/>
+                <a16:creationId xmlns:a16="http://schemas.microsoft.com/office/drawing/2014/main" xmlns="" id="{94FFE1CA-95B6-5FB5-0E93-C32CA673CFB0}"/>
               </a:ext>
             </a:extLst>
           </p:cNvPr>
@@ -18126,7 +18126,7 @@
           <p:cNvPr id="108" name="Google Shape;75;p14">
             <a:extLst>
               <a:ext uri="{FF2B5EF4-FFF2-40B4-BE49-F238E27FC236}">
-                <a16:creationId xmlns="" xmlns:a16="http://schemas.microsoft.com/office/drawing/2014/main" id="{C28BC135-A694-D736-05E2-392BAA6546C4}"/>
+                <a16:creationId xmlns:a16="http://schemas.microsoft.com/office/drawing/2014/main" xmlns="" id="{C28BC135-A694-D736-05E2-392BAA6546C4}"/>
               </a:ext>
             </a:extLst>
           </p:cNvPr>
@@ -18160,7 +18160,7 @@
           <p:cNvPr id="109" name="Google Shape;77;p14">
             <a:extLst>
               <a:ext uri="{FF2B5EF4-FFF2-40B4-BE49-F238E27FC236}">
-                <a16:creationId xmlns="" xmlns:a16="http://schemas.microsoft.com/office/drawing/2014/main" id="{26E64EC8-A00D-85A2-55E9-80371504FA45}"/>
+                <a16:creationId xmlns:a16="http://schemas.microsoft.com/office/drawing/2014/main" xmlns="" id="{26E64EC8-A00D-85A2-55E9-80371504FA45}"/>
               </a:ext>
             </a:extLst>
           </p:cNvPr>
@@ -18194,7 +18194,7 @@
           <p:cNvPr id="110" name="Google Shape;78;p14">
             <a:extLst>
               <a:ext uri="{FF2B5EF4-FFF2-40B4-BE49-F238E27FC236}">
-                <a16:creationId xmlns="" xmlns:a16="http://schemas.microsoft.com/office/drawing/2014/main" id="{3776E30B-813F-0863-0AAF-08F593A4A164}"/>
+                <a16:creationId xmlns:a16="http://schemas.microsoft.com/office/drawing/2014/main" xmlns="" id="{3776E30B-813F-0863-0AAF-08F593A4A164}"/>
               </a:ext>
             </a:extLst>
           </p:cNvPr>
@@ -18228,7 +18228,7 @@
           <p:cNvPr id="111" name="Google Shape;81;p14">
             <a:extLst>
               <a:ext uri="{FF2B5EF4-FFF2-40B4-BE49-F238E27FC236}">
-                <a16:creationId xmlns="" xmlns:a16="http://schemas.microsoft.com/office/drawing/2014/main" id="{4C069DC5-4186-0285-5D83-B8FFA739F050}"/>
+                <a16:creationId xmlns:a16="http://schemas.microsoft.com/office/drawing/2014/main" xmlns="" id="{4C069DC5-4186-0285-5D83-B8FFA739F050}"/>
               </a:ext>
             </a:extLst>
           </p:cNvPr>
@@ -18262,7 +18262,7 @@
           <p:cNvPr id="112" name="箭头: 五边形 111">
             <a:extLst>
               <a:ext uri="{FF2B5EF4-FFF2-40B4-BE49-F238E27FC236}">
-                <a16:creationId xmlns="" xmlns:a16="http://schemas.microsoft.com/office/drawing/2014/main" id="{7CD9D67F-B213-AAAA-9054-02755BE2146A}"/>
+                <a16:creationId xmlns:a16="http://schemas.microsoft.com/office/drawing/2014/main" xmlns="" id="{7CD9D67F-B213-AAAA-9054-02755BE2146A}"/>
               </a:ext>
             </a:extLst>
           </p:cNvPr>
@@ -18318,7 +18318,7 @@
           <p:cNvPr id="113" name="箭头: 五边形 112">
             <a:extLst>
               <a:ext uri="{FF2B5EF4-FFF2-40B4-BE49-F238E27FC236}">
-                <a16:creationId xmlns="" xmlns:a16="http://schemas.microsoft.com/office/drawing/2014/main" id="{F8AE02EB-01D9-FA19-B065-CCE211B6884B}"/>
+                <a16:creationId xmlns:a16="http://schemas.microsoft.com/office/drawing/2014/main" xmlns="" id="{F8AE02EB-01D9-FA19-B065-CCE211B6884B}"/>
               </a:ext>
             </a:extLst>
           </p:cNvPr>
@@ -18374,7 +18374,7 @@
           <p:cNvPr id="114" name="箭头: 五边形 113">
             <a:extLst>
               <a:ext uri="{FF2B5EF4-FFF2-40B4-BE49-F238E27FC236}">
-                <a16:creationId xmlns="" xmlns:a16="http://schemas.microsoft.com/office/drawing/2014/main" id="{CD3E578E-DF8A-1EA0-3438-736889E4F552}"/>
+                <a16:creationId xmlns:a16="http://schemas.microsoft.com/office/drawing/2014/main" xmlns="" id="{CD3E578E-DF8A-1EA0-3438-736889E4F552}"/>
               </a:ext>
             </a:extLst>
           </p:cNvPr>
@@ -18421,7 +18421,7 @@
           <p:cNvPr id="115" name="箭头: 五边形 114">
             <a:extLst>
               <a:ext uri="{FF2B5EF4-FFF2-40B4-BE49-F238E27FC236}">
-                <a16:creationId xmlns="" xmlns:a16="http://schemas.microsoft.com/office/drawing/2014/main" id="{F8C96D6D-C8E2-1DE1-7975-1FE461A07D04}"/>
+                <a16:creationId xmlns:a16="http://schemas.microsoft.com/office/drawing/2014/main" xmlns="" id="{F8C96D6D-C8E2-1DE1-7975-1FE461A07D04}"/>
               </a:ext>
             </a:extLst>
           </p:cNvPr>
@@ -18508,7 +18508,7 @@
           <p:cNvPr id="2" name="标题 1">
             <a:extLst>
               <a:ext uri="{FF2B5EF4-FFF2-40B4-BE49-F238E27FC236}">
-                <a16:creationId xmlns="" xmlns:a16="http://schemas.microsoft.com/office/drawing/2014/main" id="{2A9B6C59-89F9-5390-BB77-F8DB7EF7B310}"/>
+                <a16:creationId xmlns:a16="http://schemas.microsoft.com/office/drawing/2014/main" xmlns="" id="{2A9B6C59-89F9-5390-BB77-F8DB7EF7B310}"/>
               </a:ext>
             </a:extLst>
           </p:cNvPr>
@@ -18598,7 +18598,7 @@
           <p:cNvPr id="2" name="标题 1">
             <a:extLst>
               <a:ext uri="{FF2B5EF4-FFF2-40B4-BE49-F238E27FC236}">
-                <a16:creationId xmlns="" xmlns:a16="http://schemas.microsoft.com/office/drawing/2014/main" id="{80796E82-7314-2FBE-2DE8-DDD70D4DF27E}"/>
+                <a16:creationId xmlns:a16="http://schemas.microsoft.com/office/drawing/2014/main" xmlns="" id="{80796E82-7314-2FBE-2DE8-DDD70D4DF27E}"/>
               </a:ext>
             </a:extLst>
           </p:cNvPr>
@@ -18640,7 +18640,7 @@
           <p:cNvPr id="4" name="文本框 3">
             <a:extLst>
               <a:ext uri="{FF2B5EF4-FFF2-40B4-BE49-F238E27FC236}">
-                <a16:creationId xmlns="" xmlns:a16="http://schemas.microsoft.com/office/drawing/2014/main" id="{3E8E8225-E7B4-E598-7AEB-66BC2EF7864E}"/>
+                <a16:creationId xmlns:a16="http://schemas.microsoft.com/office/drawing/2014/main" xmlns="" id="{3E8E8225-E7B4-E598-7AEB-66BC2EF7864E}"/>
               </a:ext>
             </a:extLst>
           </p:cNvPr>
@@ -18686,7 +18686,7 @@
           <p:cNvPr id="94" name="椭圆 93">
             <a:extLst>
               <a:ext uri="{FF2B5EF4-FFF2-40B4-BE49-F238E27FC236}">
-                <a16:creationId xmlns="" xmlns:a16="http://schemas.microsoft.com/office/drawing/2014/main" id="{8BEE0963-F39F-E799-5A6C-7DB2D9695EA3}"/>
+                <a16:creationId xmlns:a16="http://schemas.microsoft.com/office/drawing/2014/main" xmlns="" id="{8BEE0963-F39F-E799-5A6C-7DB2D9695EA3}"/>
               </a:ext>
             </a:extLst>
           </p:cNvPr>
@@ -18738,7 +18738,7 @@
           <p:cNvPr id="6" name="椭圆 5">
             <a:extLst>
               <a:ext uri="{FF2B5EF4-FFF2-40B4-BE49-F238E27FC236}">
-                <a16:creationId xmlns="" xmlns:a16="http://schemas.microsoft.com/office/drawing/2014/main" id="{1F3D5A18-117A-FBDB-A07B-D4E2DC2FC832}"/>
+                <a16:creationId xmlns:a16="http://schemas.microsoft.com/office/drawing/2014/main" xmlns="" id="{1F3D5A18-117A-FBDB-A07B-D4E2DC2FC832}"/>
               </a:ext>
             </a:extLst>
           </p:cNvPr>
@@ -18788,7 +18788,7 @@
           <p:cNvPr id="7" name="矩形 6">
             <a:extLst>
               <a:ext uri="{FF2B5EF4-FFF2-40B4-BE49-F238E27FC236}">
-                <a16:creationId xmlns="" xmlns:a16="http://schemas.microsoft.com/office/drawing/2014/main" id="{1DB7B11B-A7F7-8894-4BAF-68DD060767B3}"/>
+                <a16:creationId xmlns:a16="http://schemas.microsoft.com/office/drawing/2014/main" xmlns="" id="{1DB7B11B-A7F7-8894-4BAF-68DD060767B3}"/>
               </a:ext>
             </a:extLst>
           </p:cNvPr>
@@ -18838,7 +18838,7 @@
           <p:cNvPr id="16" name="矩形 15">
             <a:extLst>
               <a:ext uri="{FF2B5EF4-FFF2-40B4-BE49-F238E27FC236}">
-                <a16:creationId xmlns="" xmlns:a16="http://schemas.microsoft.com/office/drawing/2014/main" id="{5E103417-33D7-7A1E-5135-FE392A9238A1}"/>
+                <a16:creationId xmlns:a16="http://schemas.microsoft.com/office/drawing/2014/main" xmlns="" id="{5E103417-33D7-7A1E-5135-FE392A9238A1}"/>
               </a:ext>
             </a:extLst>
           </p:cNvPr>
@@ -18888,7 +18888,7 @@
           <p:cNvPr id="36" name="Google Shape;74;p14">
             <a:extLst>
               <a:ext uri="{FF2B5EF4-FFF2-40B4-BE49-F238E27FC236}">
-                <a16:creationId xmlns="" xmlns:a16="http://schemas.microsoft.com/office/drawing/2014/main" id="{2E2745A7-5382-D682-E846-353E49F51CE1}"/>
+                <a16:creationId xmlns:a16="http://schemas.microsoft.com/office/drawing/2014/main" xmlns="" id="{2E2745A7-5382-D682-E846-353E49F51CE1}"/>
               </a:ext>
             </a:extLst>
           </p:cNvPr>
@@ -18922,7 +18922,7 @@
           <p:cNvPr id="37" name="Google Shape;75;p14">
             <a:extLst>
               <a:ext uri="{FF2B5EF4-FFF2-40B4-BE49-F238E27FC236}">
-                <a16:creationId xmlns="" xmlns:a16="http://schemas.microsoft.com/office/drawing/2014/main" id="{E3E4915D-2F12-168B-349B-24CDEEB0083B}"/>
+                <a16:creationId xmlns:a16="http://schemas.microsoft.com/office/drawing/2014/main" xmlns="" id="{E3E4915D-2F12-168B-349B-24CDEEB0083B}"/>
               </a:ext>
             </a:extLst>
           </p:cNvPr>
@@ -18956,7 +18956,7 @@
           <p:cNvPr id="40" name="Google Shape;76;p14">
             <a:extLst>
               <a:ext uri="{FF2B5EF4-FFF2-40B4-BE49-F238E27FC236}">
-                <a16:creationId xmlns="" xmlns:a16="http://schemas.microsoft.com/office/drawing/2014/main" id="{1ECE9B11-635C-881C-CE5B-089C627E4372}"/>
+                <a16:creationId xmlns:a16="http://schemas.microsoft.com/office/drawing/2014/main" xmlns="" id="{1ECE9B11-635C-881C-CE5B-089C627E4372}"/>
               </a:ext>
             </a:extLst>
           </p:cNvPr>
@@ -18990,7 +18990,7 @@
           <p:cNvPr id="41" name="Google Shape;77;p14">
             <a:extLst>
               <a:ext uri="{FF2B5EF4-FFF2-40B4-BE49-F238E27FC236}">
-                <a16:creationId xmlns="" xmlns:a16="http://schemas.microsoft.com/office/drawing/2014/main" id="{B873D65F-C642-5A74-03EE-002969DF1388}"/>
+                <a16:creationId xmlns:a16="http://schemas.microsoft.com/office/drawing/2014/main" xmlns="" id="{B873D65F-C642-5A74-03EE-002969DF1388}"/>
               </a:ext>
             </a:extLst>
           </p:cNvPr>
@@ -19024,7 +19024,7 @@
           <p:cNvPr id="42" name="Google Shape;78;p14">
             <a:extLst>
               <a:ext uri="{FF2B5EF4-FFF2-40B4-BE49-F238E27FC236}">
-                <a16:creationId xmlns="" xmlns:a16="http://schemas.microsoft.com/office/drawing/2014/main" id="{971876C7-5053-73D0-155A-9D17633A0F55}"/>
+                <a16:creationId xmlns:a16="http://schemas.microsoft.com/office/drawing/2014/main" xmlns="" id="{971876C7-5053-73D0-155A-9D17633A0F55}"/>
               </a:ext>
             </a:extLst>
           </p:cNvPr>
@@ -19058,7 +19058,7 @@
           <p:cNvPr id="43" name="Google Shape;79;p14">
             <a:extLst>
               <a:ext uri="{FF2B5EF4-FFF2-40B4-BE49-F238E27FC236}">
-                <a16:creationId xmlns="" xmlns:a16="http://schemas.microsoft.com/office/drawing/2014/main" id="{D908096A-7B93-6872-9227-68EFA46E5FEC}"/>
+                <a16:creationId xmlns:a16="http://schemas.microsoft.com/office/drawing/2014/main" xmlns="" id="{D908096A-7B93-6872-9227-68EFA46E5FEC}"/>
               </a:ext>
             </a:extLst>
           </p:cNvPr>
@@ -19092,7 +19092,7 @@
           <p:cNvPr id="44" name="Google Shape;80;p14">
             <a:extLst>
               <a:ext uri="{FF2B5EF4-FFF2-40B4-BE49-F238E27FC236}">
-                <a16:creationId xmlns="" xmlns:a16="http://schemas.microsoft.com/office/drawing/2014/main" id="{5707B8C5-A5A8-44EF-7EA1-212D60CE4405}"/>
+                <a16:creationId xmlns:a16="http://schemas.microsoft.com/office/drawing/2014/main" xmlns="" id="{5707B8C5-A5A8-44EF-7EA1-212D60CE4405}"/>
               </a:ext>
             </a:extLst>
           </p:cNvPr>
@@ -19126,7 +19126,7 @@
           <p:cNvPr id="45" name="Google Shape;81;p14">
             <a:extLst>
               <a:ext uri="{FF2B5EF4-FFF2-40B4-BE49-F238E27FC236}">
-                <a16:creationId xmlns="" xmlns:a16="http://schemas.microsoft.com/office/drawing/2014/main" id="{258DAE7F-F09C-A31E-1F00-ADABD392EAF6}"/>
+                <a16:creationId xmlns:a16="http://schemas.microsoft.com/office/drawing/2014/main" xmlns="" id="{258DAE7F-F09C-A31E-1F00-ADABD392EAF6}"/>
               </a:ext>
             </a:extLst>
           </p:cNvPr>
@@ -19160,7 +19160,7 @@
           <p:cNvPr id="46" name="Google Shape;73;p14">
             <a:extLst>
               <a:ext uri="{FF2B5EF4-FFF2-40B4-BE49-F238E27FC236}">
-                <a16:creationId xmlns="" xmlns:a16="http://schemas.microsoft.com/office/drawing/2014/main" id="{C9BC361F-6BE4-6B47-4157-518F4E8B91B7}"/>
+                <a16:creationId xmlns:a16="http://schemas.microsoft.com/office/drawing/2014/main" xmlns="" id="{C9BC361F-6BE4-6B47-4157-518F4E8B91B7}"/>
               </a:ext>
             </a:extLst>
           </p:cNvPr>
@@ -19194,7 +19194,7 @@
           <p:cNvPr id="47" name="Google Shape;100;p14">
             <a:extLst>
               <a:ext uri="{FF2B5EF4-FFF2-40B4-BE49-F238E27FC236}">
-                <a16:creationId xmlns="" xmlns:a16="http://schemas.microsoft.com/office/drawing/2014/main" id="{FECEA0B3-9605-E3C1-399E-D5B289255275}"/>
+                <a16:creationId xmlns:a16="http://schemas.microsoft.com/office/drawing/2014/main" xmlns="" id="{FECEA0B3-9605-E3C1-399E-D5B289255275}"/>
               </a:ext>
             </a:extLst>
           </p:cNvPr>
@@ -19239,7 +19239,7 @@
           <p:cNvPr id="9" name="箭头: V 形 8">
             <a:extLst>
               <a:ext uri="{FF2B5EF4-FFF2-40B4-BE49-F238E27FC236}">
-                <a16:creationId xmlns="" xmlns:a16="http://schemas.microsoft.com/office/drawing/2014/main" id="{FD24A7BB-FA4E-991F-5929-18EE9CB4A9D9}"/>
+                <a16:creationId xmlns:a16="http://schemas.microsoft.com/office/drawing/2014/main" xmlns="" id="{FD24A7BB-FA4E-991F-5929-18EE9CB4A9D9}"/>
               </a:ext>
             </a:extLst>
           </p:cNvPr>
@@ -19287,7 +19287,7 @@
           <p:cNvPr id="18" name="箭头: V 形 17">
             <a:extLst>
               <a:ext uri="{FF2B5EF4-FFF2-40B4-BE49-F238E27FC236}">
-                <a16:creationId xmlns="" xmlns:a16="http://schemas.microsoft.com/office/drawing/2014/main" id="{8C372B4E-E0EB-3587-D05B-984150483764}"/>
+                <a16:creationId xmlns:a16="http://schemas.microsoft.com/office/drawing/2014/main" xmlns="" id="{8C372B4E-E0EB-3587-D05B-984150483764}"/>
               </a:ext>
             </a:extLst>
           </p:cNvPr>
@@ -19335,7 +19335,7 @@
           <p:cNvPr id="19" name="箭头: V 形 18">
             <a:extLst>
               <a:ext uri="{FF2B5EF4-FFF2-40B4-BE49-F238E27FC236}">
-                <a16:creationId xmlns="" xmlns:a16="http://schemas.microsoft.com/office/drawing/2014/main" id="{857EDEF0-9103-CEE8-DA27-765C3E2D1CF2}"/>
+                <a16:creationId xmlns:a16="http://schemas.microsoft.com/office/drawing/2014/main" xmlns="" id="{857EDEF0-9103-CEE8-DA27-765C3E2D1CF2}"/>
               </a:ext>
             </a:extLst>
           </p:cNvPr>
@@ -19383,7 +19383,7 @@
           <p:cNvPr id="20" name="箭头: V 形 19">
             <a:extLst>
               <a:ext uri="{FF2B5EF4-FFF2-40B4-BE49-F238E27FC236}">
-                <a16:creationId xmlns="" xmlns:a16="http://schemas.microsoft.com/office/drawing/2014/main" id="{42C49E84-E67A-1BB3-2501-0FDDEF0E34DA}"/>
+                <a16:creationId xmlns:a16="http://schemas.microsoft.com/office/drawing/2014/main" xmlns="" id="{42C49E84-E67A-1BB3-2501-0FDDEF0E34DA}"/>
               </a:ext>
             </a:extLst>
           </p:cNvPr>
@@ -19431,7 +19431,7 @@
           <p:cNvPr id="21" name="箭头: V 形 20">
             <a:extLst>
               <a:ext uri="{FF2B5EF4-FFF2-40B4-BE49-F238E27FC236}">
-                <a16:creationId xmlns="" xmlns:a16="http://schemas.microsoft.com/office/drawing/2014/main" id="{BC353627-9371-244D-7367-7A27EC648508}"/>
+                <a16:creationId xmlns:a16="http://schemas.microsoft.com/office/drawing/2014/main" xmlns="" id="{BC353627-9371-244D-7367-7A27EC648508}"/>
               </a:ext>
             </a:extLst>
           </p:cNvPr>
@@ -19479,7 +19479,7 @@
           <p:cNvPr id="22" name="箭头: V 形 21">
             <a:extLst>
               <a:ext uri="{FF2B5EF4-FFF2-40B4-BE49-F238E27FC236}">
-                <a16:creationId xmlns="" xmlns:a16="http://schemas.microsoft.com/office/drawing/2014/main" id="{41D7DFA2-1682-8959-1196-12E3B7C49765}"/>
+                <a16:creationId xmlns:a16="http://schemas.microsoft.com/office/drawing/2014/main" xmlns="" id="{41D7DFA2-1682-8959-1196-12E3B7C49765}"/>
               </a:ext>
             </a:extLst>
           </p:cNvPr>
@@ -19527,7 +19527,7 @@
           <p:cNvPr id="23" name="箭头: V 形 22">
             <a:extLst>
               <a:ext uri="{FF2B5EF4-FFF2-40B4-BE49-F238E27FC236}">
-                <a16:creationId xmlns="" xmlns:a16="http://schemas.microsoft.com/office/drawing/2014/main" id="{3E6B5B9D-8A94-166B-F4E4-0C03AFDA72FF}"/>
+                <a16:creationId xmlns:a16="http://schemas.microsoft.com/office/drawing/2014/main" xmlns="" id="{3E6B5B9D-8A94-166B-F4E4-0C03AFDA72FF}"/>
               </a:ext>
             </a:extLst>
           </p:cNvPr>
@@ -19575,7 +19575,7 @@
           <p:cNvPr id="24" name="箭头: V 形 23">
             <a:extLst>
               <a:ext uri="{FF2B5EF4-FFF2-40B4-BE49-F238E27FC236}">
-                <a16:creationId xmlns="" xmlns:a16="http://schemas.microsoft.com/office/drawing/2014/main" id="{58C2A296-BAAF-AA9E-2CEA-ABDFA8710114}"/>
+                <a16:creationId xmlns:a16="http://schemas.microsoft.com/office/drawing/2014/main" xmlns="" id="{58C2A296-BAAF-AA9E-2CEA-ABDFA8710114}"/>
               </a:ext>
             </a:extLst>
           </p:cNvPr>
@@ -19623,7 +19623,7 @@
           <p:cNvPr id="28" name="箭头: V 形 27">
             <a:extLst>
               <a:ext uri="{FF2B5EF4-FFF2-40B4-BE49-F238E27FC236}">
-                <a16:creationId xmlns="" xmlns:a16="http://schemas.microsoft.com/office/drawing/2014/main" id="{A543D7BC-1C9B-6A49-EC09-098BA7C87EA3}"/>
+                <a16:creationId xmlns:a16="http://schemas.microsoft.com/office/drawing/2014/main" xmlns="" id="{A543D7BC-1C9B-6A49-EC09-098BA7C87EA3}"/>
               </a:ext>
             </a:extLst>
           </p:cNvPr>
@@ -19671,7 +19671,7 @@
           <p:cNvPr id="29" name="箭头: V 形 28">
             <a:extLst>
               <a:ext uri="{FF2B5EF4-FFF2-40B4-BE49-F238E27FC236}">
-                <a16:creationId xmlns="" xmlns:a16="http://schemas.microsoft.com/office/drawing/2014/main" id="{D2AF5DF2-587F-46EB-F970-D8CFB9255024}"/>
+                <a16:creationId xmlns:a16="http://schemas.microsoft.com/office/drawing/2014/main" xmlns="" id="{D2AF5DF2-587F-46EB-F970-D8CFB9255024}"/>
               </a:ext>
             </a:extLst>
           </p:cNvPr>
@@ -19719,7 +19719,7 @@
           <p:cNvPr id="30" name="箭头: V 形 29">
             <a:extLst>
               <a:ext uri="{FF2B5EF4-FFF2-40B4-BE49-F238E27FC236}">
-                <a16:creationId xmlns="" xmlns:a16="http://schemas.microsoft.com/office/drawing/2014/main" id="{9419548B-7308-2803-27AC-502B1EDA4B21}"/>
+                <a16:creationId xmlns:a16="http://schemas.microsoft.com/office/drawing/2014/main" xmlns="" id="{9419548B-7308-2803-27AC-502B1EDA4B21}"/>
               </a:ext>
             </a:extLst>
           </p:cNvPr>
@@ -19767,7 +19767,7 @@
           <p:cNvPr id="31" name="箭头: V 形 30">
             <a:extLst>
               <a:ext uri="{FF2B5EF4-FFF2-40B4-BE49-F238E27FC236}">
-                <a16:creationId xmlns="" xmlns:a16="http://schemas.microsoft.com/office/drawing/2014/main" id="{5EA4D2E4-024B-6111-B464-CCAED25B06D2}"/>
+                <a16:creationId xmlns:a16="http://schemas.microsoft.com/office/drawing/2014/main" xmlns="" id="{5EA4D2E4-024B-6111-B464-CCAED25B06D2}"/>
               </a:ext>
             </a:extLst>
           </p:cNvPr>
@@ -19815,7 +19815,7 @@
           <p:cNvPr id="32" name="箭头: V 形 31">
             <a:extLst>
               <a:ext uri="{FF2B5EF4-FFF2-40B4-BE49-F238E27FC236}">
-                <a16:creationId xmlns="" xmlns:a16="http://schemas.microsoft.com/office/drawing/2014/main" id="{179930E0-6F7E-CCEA-3004-B6A577E77445}"/>
+                <a16:creationId xmlns:a16="http://schemas.microsoft.com/office/drawing/2014/main" xmlns="" id="{179930E0-6F7E-CCEA-3004-B6A577E77445}"/>
               </a:ext>
             </a:extLst>
           </p:cNvPr>
@@ -19863,7 +19863,7 @@
           <p:cNvPr id="33" name="箭头: V 形 32">
             <a:extLst>
               <a:ext uri="{FF2B5EF4-FFF2-40B4-BE49-F238E27FC236}">
-                <a16:creationId xmlns="" xmlns:a16="http://schemas.microsoft.com/office/drawing/2014/main" id="{BCFED254-F97D-29DC-0AF7-9A71396E1D9B}"/>
+                <a16:creationId xmlns:a16="http://schemas.microsoft.com/office/drawing/2014/main" xmlns="" id="{BCFED254-F97D-29DC-0AF7-9A71396E1D9B}"/>
               </a:ext>
             </a:extLst>
           </p:cNvPr>
@@ -19911,7 +19911,7 @@
           <p:cNvPr id="34" name="箭头: V 形 33">
             <a:extLst>
               <a:ext uri="{FF2B5EF4-FFF2-40B4-BE49-F238E27FC236}">
-                <a16:creationId xmlns="" xmlns:a16="http://schemas.microsoft.com/office/drawing/2014/main" id="{ADBFB33B-4138-0F9E-231F-DA43D8BCC91E}"/>
+                <a16:creationId xmlns:a16="http://schemas.microsoft.com/office/drawing/2014/main" xmlns="" id="{ADBFB33B-4138-0F9E-231F-DA43D8BCC91E}"/>
               </a:ext>
             </a:extLst>
           </p:cNvPr>
@@ -19959,7 +19959,7 @@
           <p:cNvPr id="35" name="箭头: V 形 34">
             <a:extLst>
               <a:ext uri="{FF2B5EF4-FFF2-40B4-BE49-F238E27FC236}">
-                <a16:creationId xmlns="" xmlns:a16="http://schemas.microsoft.com/office/drawing/2014/main" id="{E92C13C8-1702-EA52-0B0B-3C4AD4D4D38B}"/>
+                <a16:creationId xmlns:a16="http://schemas.microsoft.com/office/drawing/2014/main" xmlns="" id="{E92C13C8-1702-EA52-0B0B-3C4AD4D4D38B}"/>
               </a:ext>
             </a:extLst>
           </p:cNvPr>
@@ -20037,7 +20037,7 @@
           <p:cNvPr id="2" name="标题 1">
             <a:extLst>
               <a:ext uri="{FF2B5EF4-FFF2-40B4-BE49-F238E27FC236}">
-                <a16:creationId xmlns="" xmlns:a16="http://schemas.microsoft.com/office/drawing/2014/main" id="{80796E82-7314-2FBE-2DE8-DDD70D4DF27E}"/>
+                <a16:creationId xmlns:a16="http://schemas.microsoft.com/office/drawing/2014/main" xmlns="" id="{80796E82-7314-2FBE-2DE8-DDD70D4DF27E}"/>
               </a:ext>
             </a:extLst>
           </p:cNvPr>
@@ -20086,7 +20086,7 @@
           <p:cNvPr id="4" name="文本框 3">
             <a:extLst>
               <a:ext uri="{FF2B5EF4-FFF2-40B4-BE49-F238E27FC236}">
-                <a16:creationId xmlns="" xmlns:a16="http://schemas.microsoft.com/office/drawing/2014/main" id="{3E8E8225-E7B4-E598-7AEB-66BC2EF7864E}"/>
+                <a16:creationId xmlns:a16="http://schemas.microsoft.com/office/drawing/2014/main" xmlns="" id="{3E8E8225-E7B4-E598-7AEB-66BC2EF7864E}"/>
               </a:ext>
             </a:extLst>
           </p:cNvPr>
@@ -20132,7 +20132,7 @@
           <p:cNvPr id="94" name="椭圆 93">
             <a:extLst>
               <a:ext uri="{FF2B5EF4-FFF2-40B4-BE49-F238E27FC236}">
-                <a16:creationId xmlns="" xmlns:a16="http://schemas.microsoft.com/office/drawing/2014/main" id="{8BEE0963-F39F-E799-5A6C-7DB2D9695EA3}"/>
+                <a16:creationId xmlns:a16="http://schemas.microsoft.com/office/drawing/2014/main" xmlns="" id="{8BEE0963-F39F-E799-5A6C-7DB2D9695EA3}"/>
               </a:ext>
             </a:extLst>
           </p:cNvPr>
@@ -20184,7 +20184,7 @@
           <p:cNvPr id="6" name="椭圆 5">
             <a:extLst>
               <a:ext uri="{FF2B5EF4-FFF2-40B4-BE49-F238E27FC236}">
-                <a16:creationId xmlns="" xmlns:a16="http://schemas.microsoft.com/office/drawing/2014/main" id="{1F3D5A18-117A-FBDB-A07B-D4E2DC2FC832}"/>
+                <a16:creationId xmlns:a16="http://schemas.microsoft.com/office/drawing/2014/main" xmlns="" id="{1F3D5A18-117A-FBDB-A07B-D4E2DC2FC832}"/>
               </a:ext>
             </a:extLst>
           </p:cNvPr>
@@ -20234,7 +20234,7 @@
           <p:cNvPr id="7" name="矩形 6">
             <a:extLst>
               <a:ext uri="{FF2B5EF4-FFF2-40B4-BE49-F238E27FC236}">
-                <a16:creationId xmlns="" xmlns:a16="http://schemas.microsoft.com/office/drawing/2014/main" id="{1DB7B11B-A7F7-8894-4BAF-68DD060767B3}"/>
+                <a16:creationId xmlns:a16="http://schemas.microsoft.com/office/drawing/2014/main" xmlns="" id="{1DB7B11B-A7F7-8894-4BAF-68DD060767B3}"/>
               </a:ext>
             </a:extLst>
           </p:cNvPr>
@@ -20284,7 +20284,7 @@
           <p:cNvPr id="16" name="矩形 15">
             <a:extLst>
               <a:ext uri="{FF2B5EF4-FFF2-40B4-BE49-F238E27FC236}">
-                <a16:creationId xmlns="" xmlns:a16="http://schemas.microsoft.com/office/drawing/2014/main" id="{5E103417-33D7-7A1E-5135-FE392A9238A1}"/>
+                <a16:creationId xmlns:a16="http://schemas.microsoft.com/office/drawing/2014/main" xmlns="" id="{5E103417-33D7-7A1E-5135-FE392A9238A1}"/>
               </a:ext>
             </a:extLst>
           </p:cNvPr>
@@ -20334,7 +20334,7 @@
           <p:cNvPr id="36" name="Google Shape;74;p14">
             <a:extLst>
               <a:ext uri="{FF2B5EF4-FFF2-40B4-BE49-F238E27FC236}">
-                <a16:creationId xmlns="" xmlns:a16="http://schemas.microsoft.com/office/drawing/2014/main" id="{2E2745A7-5382-D682-E846-353E49F51CE1}"/>
+                <a16:creationId xmlns:a16="http://schemas.microsoft.com/office/drawing/2014/main" xmlns="" id="{2E2745A7-5382-D682-E846-353E49F51CE1}"/>
               </a:ext>
             </a:extLst>
           </p:cNvPr>
@@ -20368,7 +20368,7 @@
           <p:cNvPr id="37" name="Google Shape;75;p14">
             <a:extLst>
               <a:ext uri="{FF2B5EF4-FFF2-40B4-BE49-F238E27FC236}">
-                <a16:creationId xmlns="" xmlns:a16="http://schemas.microsoft.com/office/drawing/2014/main" id="{E3E4915D-2F12-168B-349B-24CDEEB0083B}"/>
+                <a16:creationId xmlns:a16="http://schemas.microsoft.com/office/drawing/2014/main" xmlns="" id="{E3E4915D-2F12-168B-349B-24CDEEB0083B}"/>
               </a:ext>
             </a:extLst>
           </p:cNvPr>
@@ -20402,7 +20402,7 @@
           <p:cNvPr id="40" name="Google Shape;76;p14">
             <a:extLst>
               <a:ext uri="{FF2B5EF4-FFF2-40B4-BE49-F238E27FC236}">
-                <a16:creationId xmlns="" xmlns:a16="http://schemas.microsoft.com/office/drawing/2014/main" id="{1ECE9B11-635C-881C-CE5B-089C627E4372}"/>
+                <a16:creationId xmlns:a16="http://schemas.microsoft.com/office/drawing/2014/main" xmlns="" id="{1ECE9B11-635C-881C-CE5B-089C627E4372}"/>
               </a:ext>
             </a:extLst>
           </p:cNvPr>
@@ -20436,7 +20436,7 @@
           <p:cNvPr id="41" name="Google Shape;77;p14">
             <a:extLst>
               <a:ext uri="{FF2B5EF4-FFF2-40B4-BE49-F238E27FC236}">
-                <a16:creationId xmlns="" xmlns:a16="http://schemas.microsoft.com/office/drawing/2014/main" id="{B873D65F-C642-5A74-03EE-002969DF1388}"/>
+                <a16:creationId xmlns:a16="http://schemas.microsoft.com/office/drawing/2014/main" xmlns="" id="{B873D65F-C642-5A74-03EE-002969DF1388}"/>
               </a:ext>
             </a:extLst>
           </p:cNvPr>
@@ -20470,7 +20470,7 @@
           <p:cNvPr id="42" name="Google Shape;78;p14">
             <a:extLst>
               <a:ext uri="{FF2B5EF4-FFF2-40B4-BE49-F238E27FC236}">
-                <a16:creationId xmlns="" xmlns:a16="http://schemas.microsoft.com/office/drawing/2014/main" id="{971876C7-5053-73D0-155A-9D17633A0F55}"/>
+                <a16:creationId xmlns:a16="http://schemas.microsoft.com/office/drawing/2014/main" xmlns="" id="{971876C7-5053-73D0-155A-9D17633A0F55}"/>
               </a:ext>
             </a:extLst>
           </p:cNvPr>
@@ -20504,7 +20504,7 @@
           <p:cNvPr id="43" name="Google Shape;79;p14">
             <a:extLst>
               <a:ext uri="{FF2B5EF4-FFF2-40B4-BE49-F238E27FC236}">
-                <a16:creationId xmlns="" xmlns:a16="http://schemas.microsoft.com/office/drawing/2014/main" id="{D908096A-7B93-6872-9227-68EFA46E5FEC}"/>
+                <a16:creationId xmlns:a16="http://schemas.microsoft.com/office/drawing/2014/main" xmlns="" id="{D908096A-7B93-6872-9227-68EFA46E5FEC}"/>
               </a:ext>
             </a:extLst>
           </p:cNvPr>
@@ -20538,7 +20538,7 @@
           <p:cNvPr id="44" name="Google Shape;80;p14">
             <a:extLst>
               <a:ext uri="{FF2B5EF4-FFF2-40B4-BE49-F238E27FC236}">
-                <a16:creationId xmlns="" xmlns:a16="http://schemas.microsoft.com/office/drawing/2014/main" id="{5707B8C5-A5A8-44EF-7EA1-212D60CE4405}"/>
+                <a16:creationId xmlns:a16="http://schemas.microsoft.com/office/drawing/2014/main" xmlns="" id="{5707B8C5-A5A8-44EF-7EA1-212D60CE4405}"/>
               </a:ext>
             </a:extLst>
           </p:cNvPr>
@@ -20572,7 +20572,7 @@
           <p:cNvPr id="45" name="Google Shape;81;p14">
             <a:extLst>
               <a:ext uri="{FF2B5EF4-FFF2-40B4-BE49-F238E27FC236}">
-                <a16:creationId xmlns="" xmlns:a16="http://schemas.microsoft.com/office/drawing/2014/main" id="{258DAE7F-F09C-A31E-1F00-ADABD392EAF6}"/>
+                <a16:creationId xmlns:a16="http://schemas.microsoft.com/office/drawing/2014/main" xmlns="" id="{258DAE7F-F09C-A31E-1F00-ADABD392EAF6}"/>
               </a:ext>
             </a:extLst>
           </p:cNvPr>
@@ -20606,7 +20606,7 @@
           <p:cNvPr id="38" name="Google Shape;73;p14">
             <a:extLst>
               <a:ext uri="{FF2B5EF4-FFF2-40B4-BE49-F238E27FC236}">
-                <a16:creationId xmlns="" xmlns:a16="http://schemas.microsoft.com/office/drawing/2014/main" id="{E0001BAF-FACE-D307-1D07-8A20E39EEA01}"/>
+                <a16:creationId xmlns:a16="http://schemas.microsoft.com/office/drawing/2014/main" xmlns="" id="{E0001BAF-FACE-D307-1D07-8A20E39EEA01}"/>
               </a:ext>
             </a:extLst>
           </p:cNvPr>
@@ -20640,7 +20640,7 @@
           <p:cNvPr id="39" name="Google Shape;100;p14">
             <a:extLst>
               <a:ext uri="{FF2B5EF4-FFF2-40B4-BE49-F238E27FC236}">
-                <a16:creationId xmlns="" xmlns:a16="http://schemas.microsoft.com/office/drawing/2014/main" id="{C645A3CD-E123-0AD2-7C08-708809D6E638}"/>
+                <a16:creationId xmlns:a16="http://schemas.microsoft.com/office/drawing/2014/main" xmlns="" id="{C645A3CD-E123-0AD2-7C08-708809D6E638}"/>
               </a:ext>
             </a:extLst>
           </p:cNvPr>
@@ -20685,7 +20685,7 @@
           <p:cNvPr id="3" name="等腰三角形 2">
             <a:extLst>
               <a:ext uri="{FF2B5EF4-FFF2-40B4-BE49-F238E27FC236}">
-                <a16:creationId xmlns="" xmlns:a16="http://schemas.microsoft.com/office/drawing/2014/main" id="{3958D119-CD60-7C80-CFD3-372C4AD8F295}"/>
+                <a16:creationId xmlns:a16="http://schemas.microsoft.com/office/drawing/2014/main" xmlns="" id="{3958D119-CD60-7C80-CFD3-372C4AD8F295}"/>
               </a:ext>
             </a:extLst>
           </p:cNvPr>
@@ -20734,7 +20734,7 @@
           <p:cNvPr id="46" name="等腰三角形 45">
             <a:extLst>
               <a:ext uri="{FF2B5EF4-FFF2-40B4-BE49-F238E27FC236}">
-                <a16:creationId xmlns="" xmlns:a16="http://schemas.microsoft.com/office/drawing/2014/main" id="{5C14F302-8A69-86B2-A50F-83427D1040CD}"/>
+                <a16:creationId xmlns:a16="http://schemas.microsoft.com/office/drawing/2014/main" xmlns="" id="{5C14F302-8A69-86B2-A50F-83427D1040CD}"/>
               </a:ext>
             </a:extLst>
           </p:cNvPr>
@@ -20783,7 +20783,7 @@
           <p:cNvPr id="47" name="等腰三角形 46">
             <a:extLst>
               <a:ext uri="{FF2B5EF4-FFF2-40B4-BE49-F238E27FC236}">
-                <a16:creationId xmlns="" xmlns:a16="http://schemas.microsoft.com/office/drawing/2014/main" id="{44104A55-FCFB-B777-5E13-988287C28FD2}"/>
+                <a16:creationId xmlns:a16="http://schemas.microsoft.com/office/drawing/2014/main" xmlns="" id="{44104A55-FCFB-B777-5E13-988287C28FD2}"/>
               </a:ext>
             </a:extLst>
           </p:cNvPr>
@@ -20832,7 +20832,7 @@
           <p:cNvPr id="48" name="等腰三角形 47">
             <a:extLst>
               <a:ext uri="{FF2B5EF4-FFF2-40B4-BE49-F238E27FC236}">
-                <a16:creationId xmlns="" xmlns:a16="http://schemas.microsoft.com/office/drawing/2014/main" id="{4E345FD8-5C2C-0616-0CF7-1418D66B0ABC}"/>
+                <a16:creationId xmlns:a16="http://schemas.microsoft.com/office/drawing/2014/main" xmlns="" id="{4E345FD8-5C2C-0616-0CF7-1418D66B0ABC}"/>
               </a:ext>
             </a:extLst>
           </p:cNvPr>
@@ -20881,7 +20881,7 @@
           <p:cNvPr id="49" name="等腰三角形 48">
             <a:extLst>
               <a:ext uri="{FF2B5EF4-FFF2-40B4-BE49-F238E27FC236}">
-                <a16:creationId xmlns="" xmlns:a16="http://schemas.microsoft.com/office/drawing/2014/main" id="{71BB4B96-7AF4-C164-AEA3-FEA62D216D12}"/>
+                <a16:creationId xmlns:a16="http://schemas.microsoft.com/office/drawing/2014/main" xmlns="" id="{71BB4B96-7AF4-C164-AEA3-FEA62D216D12}"/>
               </a:ext>
             </a:extLst>
           </p:cNvPr>
@@ -20930,7 +20930,7 @@
           <p:cNvPr id="50" name="等腰三角形 49">
             <a:extLst>
               <a:ext uri="{FF2B5EF4-FFF2-40B4-BE49-F238E27FC236}">
-                <a16:creationId xmlns="" xmlns:a16="http://schemas.microsoft.com/office/drawing/2014/main" id="{5190B8C1-0472-40DA-6E3E-8642A3B77B20}"/>
+                <a16:creationId xmlns:a16="http://schemas.microsoft.com/office/drawing/2014/main" xmlns="" id="{5190B8C1-0472-40DA-6E3E-8642A3B77B20}"/>
               </a:ext>
             </a:extLst>
           </p:cNvPr>
@@ -20979,7 +20979,7 @@
           <p:cNvPr id="51" name="等腰三角形 50">
             <a:extLst>
               <a:ext uri="{FF2B5EF4-FFF2-40B4-BE49-F238E27FC236}">
-                <a16:creationId xmlns="" xmlns:a16="http://schemas.microsoft.com/office/drawing/2014/main" id="{89F4727C-D5F0-4B4A-364B-C53427EB4EF4}"/>
+                <a16:creationId xmlns:a16="http://schemas.microsoft.com/office/drawing/2014/main" xmlns="" id="{89F4727C-D5F0-4B4A-364B-C53427EB4EF4}"/>
               </a:ext>
             </a:extLst>
           </p:cNvPr>
@@ -21028,7 +21028,7 @@
           <p:cNvPr id="52" name="等腰三角形 51">
             <a:extLst>
               <a:ext uri="{FF2B5EF4-FFF2-40B4-BE49-F238E27FC236}">
-                <a16:creationId xmlns="" xmlns:a16="http://schemas.microsoft.com/office/drawing/2014/main" id="{05BC28BD-C926-BEBE-1136-5FB5EE25CFB8}"/>
+                <a16:creationId xmlns:a16="http://schemas.microsoft.com/office/drawing/2014/main" xmlns="" id="{05BC28BD-C926-BEBE-1136-5FB5EE25CFB8}"/>
               </a:ext>
             </a:extLst>
           </p:cNvPr>
@@ -21117,7 +21117,7 @@
           <p:cNvPr id="2" name="标题 1">
             <a:extLst>
               <a:ext uri="{FF2B5EF4-FFF2-40B4-BE49-F238E27FC236}">
-                <a16:creationId xmlns="" xmlns:a16="http://schemas.microsoft.com/office/drawing/2014/main" id="{2A9B6C59-89F9-5390-BB77-F8DB7EF7B310}"/>
+                <a16:creationId xmlns:a16="http://schemas.microsoft.com/office/drawing/2014/main" xmlns="" id="{2A9B6C59-89F9-5390-BB77-F8DB7EF7B310}"/>
               </a:ext>
             </a:extLst>
           </p:cNvPr>
@@ -21192,7 +21192,7 @@
           <p:cNvPr id="2" name="标题 1">
             <a:extLst>
               <a:ext uri="{FF2B5EF4-FFF2-40B4-BE49-F238E27FC236}">
-                <a16:creationId xmlns="" xmlns:a16="http://schemas.microsoft.com/office/drawing/2014/main" id="{80796E82-7314-2FBE-2DE8-DDD70D4DF27E}"/>
+                <a16:creationId xmlns:a16="http://schemas.microsoft.com/office/drawing/2014/main" xmlns="" id="{80796E82-7314-2FBE-2DE8-DDD70D4DF27E}"/>
               </a:ext>
             </a:extLst>
           </p:cNvPr>
@@ -21234,7 +21234,7 @@
           <p:cNvPr id="4" name="文本框 3">
             <a:extLst>
               <a:ext uri="{FF2B5EF4-FFF2-40B4-BE49-F238E27FC236}">
-                <a16:creationId xmlns="" xmlns:a16="http://schemas.microsoft.com/office/drawing/2014/main" id="{3E8E8225-E7B4-E598-7AEB-66BC2EF7864E}"/>
+                <a16:creationId xmlns:a16="http://schemas.microsoft.com/office/drawing/2014/main" xmlns="" id="{3E8E8225-E7B4-E598-7AEB-66BC2EF7864E}"/>
               </a:ext>
             </a:extLst>
           </p:cNvPr>
@@ -21340,7 +21340,7 @@
           <p:cNvPr id="94" name="椭圆 93">
             <a:extLst>
               <a:ext uri="{FF2B5EF4-FFF2-40B4-BE49-F238E27FC236}">
-                <a16:creationId xmlns="" xmlns:a16="http://schemas.microsoft.com/office/drawing/2014/main" id="{8BEE0963-F39F-E799-5A6C-7DB2D9695EA3}"/>
+                <a16:creationId xmlns:a16="http://schemas.microsoft.com/office/drawing/2014/main" xmlns="" id="{8BEE0963-F39F-E799-5A6C-7DB2D9695EA3}"/>
               </a:ext>
             </a:extLst>
           </p:cNvPr>
@@ -21392,7 +21392,7 @@
           <p:cNvPr id="3" name="椭圆 2">
             <a:extLst>
               <a:ext uri="{FF2B5EF4-FFF2-40B4-BE49-F238E27FC236}">
-                <a16:creationId xmlns="" xmlns:a16="http://schemas.microsoft.com/office/drawing/2014/main" id="{012F767B-5206-A517-0D25-41845DA1D568}"/>
+                <a16:creationId xmlns:a16="http://schemas.microsoft.com/office/drawing/2014/main" xmlns="" id="{012F767B-5206-A517-0D25-41845DA1D568}"/>
               </a:ext>
             </a:extLst>
           </p:cNvPr>
@@ -21444,7 +21444,7 @@
           <p:cNvPr id="25" name="图片 24">
             <a:extLst>
               <a:ext uri="{FF2B5EF4-FFF2-40B4-BE49-F238E27FC236}">
-                <a16:creationId xmlns="" xmlns:a16="http://schemas.microsoft.com/office/drawing/2014/main" id="{09006F16-5378-003E-5C0E-8FF9FEC546D4}"/>
+                <a16:creationId xmlns:a16="http://schemas.microsoft.com/office/drawing/2014/main" xmlns="" id="{09006F16-5378-003E-5C0E-8FF9FEC546D4}"/>
               </a:ext>
             </a:extLst>
           </p:cNvPr>
@@ -21474,7 +21474,7 @@
           <p:cNvPr id="26" name="图片 25">
             <a:extLst>
               <a:ext uri="{FF2B5EF4-FFF2-40B4-BE49-F238E27FC236}">
-                <a16:creationId xmlns="" xmlns:a16="http://schemas.microsoft.com/office/drawing/2014/main" id="{2BAD37FB-EB9D-D370-2B51-8E35AAF38167}"/>
+                <a16:creationId xmlns:a16="http://schemas.microsoft.com/office/drawing/2014/main" xmlns="" id="{2BAD37FB-EB9D-D370-2B51-8E35AAF38167}"/>
               </a:ext>
             </a:extLst>
           </p:cNvPr>
@@ -21504,7 +21504,7 @@
           <p:cNvPr id="27" name="图片 26">
             <a:extLst>
               <a:ext uri="{FF2B5EF4-FFF2-40B4-BE49-F238E27FC236}">
-                <a16:creationId xmlns="" xmlns:a16="http://schemas.microsoft.com/office/drawing/2014/main" id="{1C0210CD-C266-B930-E638-BB546D154C74}"/>
+                <a16:creationId xmlns:a16="http://schemas.microsoft.com/office/drawing/2014/main" xmlns="" id="{1C0210CD-C266-B930-E638-BB546D154C74}"/>
               </a:ext>
             </a:extLst>
           </p:cNvPr>
@@ -21534,7 +21534,7 @@
           <p:cNvPr id="12" name="箭头: 右 11">
             <a:extLst>
               <a:ext uri="{FF2B5EF4-FFF2-40B4-BE49-F238E27FC236}">
-                <a16:creationId xmlns="" xmlns:a16="http://schemas.microsoft.com/office/drawing/2014/main" id="{CBE2E6AE-C4B4-960A-F745-009687CC64E1}"/>
+                <a16:creationId xmlns:a16="http://schemas.microsoft.com/office/drawing/2014/main" xmlns="" id="{CBE2E6AE-C4B4-960A-F745-009687CC64E1}"/>
               </a:ext>
             </a:extLst>
           </p:cNvPr>
@@ -21588,7 +21588,7 @@
           <p:cNvPr id="38" name="箭头: 右 37">
             <a:extLst>
               <a:ext uri="{FF2B5EF4-FFF2-40B4-BE49-F238E27FC236}">
-                <a16:creationId xmlns="" xmlns:a16="http://schemas.microsoft.com/office/drawing/2014/main" id="{D83C9897-8C6C-63D0-4980-561938006796}"/>
+                <a16:creationId xmlns:a16="http://schemas.microsoft.com/office/drawing/2014/main" xmlns="" id="{D83C9897-8C6C-63D0-4980-561938006796}"/>
               </a:ext>
             </a:extLst>
           </p:cNvPr>
@@ -21635,7 +21635,7 @@
           <p:cNvPr id="39" name="箭头: 右 38">
             <a:extLst>
               <a:ext uri="{FF2B5EF4-FFF2-40B4-BE49-F238E27FC236}">
-                <a16:creationId xmlns="" xmlns:a16="http://schemas.microsoft.com/office/drawing/2014/main" id="{7541AED3-F942-9EB8-6A5E-FD3C9A6A9741}"/>
+                <a16:creationId xmlns:a16="http://schemas.microsoft.com/office/drawing/2014/main" xmlns="" id="{7541AED3-F942-9EB8-6A5E-FD3C9A6A9741}"/>
               </a:ext>
             </a:extLst>
           </p:cNvPr>
@@ -21712,7 +21712,7 @@
           <p:cNvPr id="2" name="标题 1">
             <a:extLst>
               <a:ext uri="{FF2B5EF4-FFF2-40B4-BE49-F238E27FC236}">
-                <a16:creationId xmlns="" xmlns:a16="http://schemas.microsoft.com/office/drawing/2014/main" id="{80796E82-7314-2FBE-2DE8-DDD70D4DF27E}"/>
+                <a16:creationId xmlns:a16="http://schemas.microsoft.com/office/drawing/2014/main" xmlns="" id="{80796E82-7314-2FBE-2DE8-DDD70D4DF27E}"/>
               </a:ext>
             </a:extLst>
           </p:cNvPr>
@@ -21754,7 +21754,7 @@
           <p:cNvPr id="4" name="文本框 3">
             <a:extLst>
               <a:ext uri="{FF2B5EF4-FFF2-40B4-BE49-F238E27FC236}">
-                <a16:creationId xmlns="" xmlns:a16="http://schemas.microsoft.com/office/drawing/2014/main" id="{3E8E8225-E7B4-E598-7AEB-66BC2EF7864E}"/>
+                <a16:creationId xmlns:a16="http://schemas.microsoft.com/office/drawing/2014/main" xmlns="" id="{3E8E8225-E7B4-E598-7AEB-66BC2EF7864E}"/>
               </a:ext>
             </a:extLst>
           </p:cNvPr>
@@ -21811,7 +21811,7 @@
           <p:cNvPr id="94" name="椭圆 93">
             <a:extLst>
               <a:ext uri="{FF2B5EF4-FFF2-40B4-BE49-F238E27FC236}">
-                <a16:creationId xmlns="" xmlns:a16="http://schemas.microsoft.com/office/drawing/2014/main" id="{8BEE0963-F39F-E799-5A6C-7DB2D9695EA3}"/>
+                <a16:creationId xmlns:a16="http://schemas.microsoft.com/office/drawing/2014/main" xmlns="" id="{8BEE0963-F39F-E799-5A6C-7DB2D9695EA3}"/>
               </a:ext>
             </a:extLst>
           </p:cNvPr>
@@ -21863,7 +21863,7 @@
           <p:cNvPr id="3" name="椭圆 2">
             <a:extLst>
               <a:ext uri="{FF2B5EF4-FFF2-40B4-BE49-F238E27FC236}">
-                <a16:creationId xmlns="" xmlns:a16="http://schemas.microsoft.com/office/drawing/2014/main" id="{012F767B-5206-A517-0D25-41845DA1D568}"/>
+                <a16:creationId xmlns:a16="http://schemas.microsoft.com/office/drawing/2014/main" xmlns="" id="{012F767B-5206-A517-0D25-41845DA1D568}"/>
               </a:ext>
             </a:extLst>
           </p:cNvPr>
@@ -21915,7 +21915,7 @@
           <p:cNvPr id="13" name="椭圆 12">
             <a:extLst>
               <a:ext uri="{FF2B5EF4-FFF2-40B4-BE49-F238E27FC236}">
-                <a16:creationId xmlns="" xmlns:a16="http://schemas.microsoft.com/office/drawing/2014/main" id="{38B7E776-7869-C2EE-A5AD-FE07B12FAB74}"/>
+                <a16:creationId xmlns:a16="http://schemas.microsoft.com/office/drawing/2014/main" xmlns="" id="{38B7E776-7869-C2EE-A5AD-FE07B12FAB74}"/>
               </a:ext>
             </a:extLst>
           </p:cNvPr>
@@ -21971,7 +21971,7 @@
           <p:cNvPr id="14" name="椭圆 13">
             <a:extLst>
               <a:ext uri="{FF2B5EF4-FFF2-40B4-BE49-F238E27FC236}">
-                <a16:creationId xmlns="" xmlns:a16="http://schemas.microsoft.com/office/drawing/2014/main" id="{D8DD0DA6-117D-35B7-99A2-FF9219BEBA7A}"/>
+                <a16:creationId xmlns:a16="http://schemas.microsoft.com/office/drawing/2014/main" xmlns="" id="{D8DD0DA6-117D-35B7-99A2-FF9219BEBA7A}"/>
               </a:ext>
             </a:extLst>
           </p:cNvPr>
@@ -22031,7 +22031,7 @@
           <p:cNvPr id="15" name="椭圆 14">
             <a:extLst>
               <a:ext uri="{FF2B5EF4-FFF2-40B4-BE49-F238E27FC236}">
-                <a16:creationId xmlns="" xmlns:a16="http://schemas.microsoft.com/office/drawing/2014/main" id="{4473FF23-7236-BE2D-9F0F-D30171020183}"/>
+                <a16:creationId xmlns:a16="http://schemas.microsoft.com/office/drawing/2014/main" xmlns="" id="{4473FF23-7236-BE2D-9F0F-D30171020183}"/>
               </a:ext>
             </a:extLst>
           </p:cNvPr>
@@ -22091,7 +22091,7 @@
           <p:cNvPr id="16" name="椭圆 15">
             <a:extLst>
               <a:ext uri="{FF2B5EF4-FFF2-40B4-BE49-F238E27FC236}">
-                <a16:creationId xmlns="" xmlns:a16="http://schemas.microsoft.com/office/drawing/2014/main" id="{5B674586-3FAA-F398-D9DD-3C1412DB22B3}"/>
+                <a16:creationId xmlns:a16="http://schemas.microsoft.com/office/drawing/2014/main" xmlns="" id="{5B674586-3FAA-F398-D9DD-3C1412DB22B3}"/>
               </a:ext>
             </a:extLst>
           </p:cNvPr>
@@ -22151,7 +22151,7 @@
           <p:cNvPr id="17" name="椭圆 16">
             <a:extLst>
               <a:ext uri="{FF2B5EF4-FFF2-40B4-BE49-F238E27FC236}">
-                <a16:creationId xmlns="" xmlns:a16="http://schemas.microsoft.com/office/drawing/2014/main" id="{1B65CA99-0563-B4C2-F8E8-0F681E9BE5AA}"/>
+                <a16:creationId xmlns:a16="http://schemas.microsoft.com/office/drawing/2014/main" xmlns="" id="{1B65CA99-0563-B4C2-F8E8-0F681E9BE5AA}"/>
               </a:ext>
             </a:extLst>
           </p:cNvPr>
@@ -22211,7 +22211,7 @@
           <p:cNvPr id="18" name="椭圆 17">
             <a:extLst>
               <a:ext uri="{FF2B5EF4-FFF2-40B4-BE49-F238E27FC236}">
-                <a16:creationId xmlns="" xmlns:a16="http://schemas.microsoft.com/office/drawing/2014/main" id="{28E9B88E-5089-3E31-A173-9E6BFC411B12}"/>
+                <a16:creationId xmlns:a16="http://schemas.microsoft.com/office/drawing/2014/main" xmlns="" id="{28E9B88E-5089-3E31-A173-9E6BFC411B12}"/>
               </a:ext>
             </a:extLst>
           </p:cNvPr>
@@ -22267,7 +22267,7 @@
           <p:cNvPr id="19" name="椭圆 18">
             <a:extLst>
               <a:ext uri="{FF2B5EF4-FFF2-40B4-BE49-F238E27FC236}">
-                <a16:creationId xmlns="" xmlns:a16="http://schemas.microsoft.com/office/drawing/2014/main" id="{65071104-DAC5-B2F4-E32C-3E8685DC9ABB}"/>
+                <a16:creationId xmlns:a16="http://schemas.microsoft.com/office/drawing/2014/main" xmlns="" id="{65071104-DAC5-B2F4-E32C-3E8685DC9ABB}"/>
               </a:ext>
             </a:extLst>
           </p:cNvPr>
@@ -22323,7 +22323,7 @@
           <p:cNvPr id="20" name="椭圆 19">
             <a:extLst>
               <a:ext uri="{FF2B5EF4-FFF2-40B4-BE49-F238E27FC236}">
-                <a16:creationId xmlns="" xmlns:a16="http://schemas.microsoft.com/office/drawing/2014/main" id="{139AD470-0E68-4E4A-461B-9AC53FA9B15D}"/>
+                <a16:creationId xmlns:a16="http://schemas.microsoft.com/office/drawing/2014/main" xmlns="" id="{139AD470-0E68-4E4A-461B-9AC53FA9B15D}"/>
               </a:ext>
             </a:extLst>
           </p:cNvPr>
@@ -22409,7 +22409,7 @@
           <p:cNvPr id="21" name="图片 20">
             <a:extLst>
               <a:ext uri="{FF2B5EF4-FFF2-40B4-BE49-F238E27FC236}">
-                <a16:creationId xmlns="" xmlns:a16="http://schemas.microsoft.com/office/drawing/2014/main" id="{10E4E8DE-E31A-2625-3BAE-58C9DC6E1CD4}"/>
+                <a16:creationId xmlns:a16="http://schemas.microsoft.com/office/drawing/2014/main" xmlns="" id="{10E4E8DE-E31A-2625-3BAE-58C9DC6E1CD4}"/>
               </a:ext>
             </a:extLst>
           </p:cNvPr>
@@ -22439,7 +22439,7 @@
           <p:cNvPr id="23" name="图片 22">
             <a:extLst>
               <a:ext uri="{FF2B5EF4-FFF2-40B4-BE49-F238E27FC236}">
-                <a16:creationId xmlns="" xmlns:a16="http://schemas.microsoft.com/office/drawing/2014/main" id="{16647850-EC2C-0EB9-87DD-021513204952}"/>
+                <a16:creationId xmlns:a16="http://schemas.microsoft.com/office/drawing/2014/main" xmlns="" id="{16647850-EC2C-0EB9-87DD-021513204952}"/>
               </a:ext>
             </a:extLst>
           </p:cNvPr>
@@ -22469,7 +22469,7 @@
           <p:cNvPr id="27" name="图片 26">
             <a:extLst>
               <a:ext uri="{FF2B5EF4-FFF2-40B4-BE49-F238E27FC236}">
-                <a16:creationId xmlns="" xmlns:a16="http://schemas.microsoft.com/office/drawing/2014/main" id="{772A4570-CF22-2902-D9E1-D7E60C021041}"/>
+                <a16:creationId xmlns:a16="http://schemas.microsoft.com/office/drawing/2014/main" xmlns="" id="{772A4570-CF22-2902-D9E1-D7E60C021041}"/>
               </a:ext>
             </a:extLst>
           </p:cNvPr>
@@ -22499,7 +22499,7 @@
           <p:cNvPr id="29" name="图片 28">
             <a:extLst>
               <a:ext uri="{FF2B5EF4-FFF2-40B4-BE49-F238E27FC236}">
-                <a16:creationId xmlns="" xmlns:a16="http://schemas.microsoft.com/office/drawing/2014/main" id="{5128C50F-4299-3146-AEDE-C73B90459F44}"/>
+                <a16:creationId xmlns:a16="http://schemas.microsoft.com/office/drawing/2014/main" xmlns="" id="{5128C50F-4299-3146-AEDE-C73B90459F44}"/>
               </a:ext>
             </a:extLst>
           </p:cNvPr>
@@ -22529,7 +22529,7 @@
           <p:cNvPr id="31" name="图片 30">
             <a:extLst>
               <a:ext uri="{FF2B5EF4-FFF2-40B4-BE49-F238E27FC236}">
-                <a16:creationId xmlns="" xmlns:a16="http://schemas.microsoft.com/office/drawing/2014/main" id="{324F68F4-34AD-C9E9-3330-8E7CEFCD4AB8}"/>
+                <a16:creationId xmlns:a16="http://schemas.microsoft.com/office/drawing/2014/main" xmlns="" id="{324F68F4-34AD-C9E9-3330-8E7CEFCD4AB8}"/>
               </a:ext>
             </a:extLst>
           </p:cNvPr>
@@ -22559,7 +22559,7 @@
           <p:cNvPr id="33" name="图片 32">
             <a:extLst>
               <a:ext uri="{FF2B5EF4-FFF2-40B4-BE49-F238E27FC236}">
-                <a16:creationId xmlns="" xmlns:a16="http://schemas.microsoft.com/office/drawing/2014/main" id="{5B816CFB-BEEB-34C9-241C-39D4F80BE612}"/>
+                <a16:creationId xmlns:a16="http://schemas.microsoft.com/office/drawing/2014/main" xmlns="" id="{5B816CFB-BEEB-34C9-241C-39D4F80BE612}"/>
               </a:ext>
             </a:extLst>
           </p:cNvPr>
@@ -22589,7 +22589,7 @@
           <p:cNvPr id="35" name="图片 34">
             <a:extLst>
               <a:ext uri="{FF2B5EF4-FFF2-40B4-BE49-F238E27FC236}">
-                <a16:creationId xmlns="" xmlns:a16="http://schemas.microsoft.com/office/drawing/2014/main" id="{63EE9772-9831-CB1A-0402-4088D44FAAEA}"/>
+                <a16:creationId xmlns:a16="http://schemas.microsoft.com/office/drawing/2014/main" xmlns="" id="{63EE9772-9831-CB1A-0402-4088D44FAAEA}"/>
               </a:ext>
             </a:extLst>
           </p:cNvPr>
@@ -22619,7 +22619,7 @@
           <p:cNvPr id="37" name="图片 36">
             <a:extLst>
               <a:ext uri="{FF2B5EF4-FFF2-40B4-BE49-F238E27FC236}">
-                <a16:creationId xmlns="" xmlns:a16="http://schemas.microsoft.com/office/drawing/2014/main" id="{3BC861CE-A12C-44C5-DC11-968D86D804D5}"/>
+                <a16:creationId xmlns:a16="http://schemas.microsoft.com/office/drawing/2014/main" xmlns="" id="{3BC861CE-A12C-44C5-DC11-968D86D804D5}"/>
               </a:ext>
             </a:extLst>
           </p:cNvPr>
@@ -22679,7 +22679,7 @@
           <p:cNvPr id="2" name="标题 1">
             <a:extLst>
               <a:ext uri="{FF2B5EF4-FFF2-40B4-BE49-F238E27FC236}">
-                <a16:creationId xmlns="" xmlns:a16="http://schemas.microsoft.com/office/drawing/2014/main" id="{80796E82-7314-2FBE-2DE8-DDD70D4DF27E}"/>
+                <a16:creationId xmlns:a16="http://schemas.microsoft.com/office/drawing/2014/main" xmlns="" id="{80796E82-7314-2FBE-2DE8-DDD70D4DF27E}"/>
               </a:ext>
             </a:extLst>
           </p:cNvPr>
@@ -22728,7 +22728,7 @@
           <p:cNvPr id="4" name="文本框 3">
             <a:extLst>
               <a:ext uri="{FF2B5EF4-FFF2-40B4-BE49-F238E27FC236}">
-                <a16:creationId xmlns="" xmlns:a16="http://schemas.microsoft.com/office/drawing/2014/main" id="{3E8E8225-E7B4-E598-7AEB-66BC2EF7864E}"/>
+                <a16:creationId xmlns:a16="http://schemas.microsoft.com/office/drawing/2014/main" xmlns="" id="{3E8E8225-E7B4-E598-7AEB-66BC2EF7864E}"/>
               </a:ext>
             </a:extLst>
           </p:cNvPr>
@@ -22830,7 +22830,7 @@
           <p:cNvPr id="94" name="椭圆 93">
             <a:extLst>
               <a:ext uri="{FF2B5EF4-FFF2-40B4-BE49-F238E27FC236}">
-                <a16:creationId xmlns="" xmlns:a16="http://schemas.microsoft.com/office/drawing/2014/main" id="{8BEE0963-F39F-E799-5A6C-7DB2D9695EA3}"/>
+                <a16:creationId xmlns:a16="http://schemas.microsoft.com/office/drawing/2014/main" xmlns="" id="{8BEE0963-F39F-E799-5A6C-7DB2D9695EA3}"/>
               </a:ext>
             </a:extLst>
           </p:cNvPr>
@@ -22882,7 +22882,7 @@
           <p:cNvPr id="3" name="椭圆 2">
             <a:extLst>
               <a:ext uri="{FF2B5EF4-FFF2-40B4-BE49-F238E27FC236}">
-                <a16:creationId xmlns="" xmlns:a16="http://schemas.microsoft.com/office/drawing/2014/main" id="{012F767B-5206-A517-0D25-41845DA1D568}"/>
+                <a16:creationId xmlns:a16="http://schemas.microsoft.com/office/drawing/2014/main" xmlns="" id="{012F767B-5206-A517-0D25-41845DA1D568}"/>
               </a:ext>
             </a:extLst>
           </p:cNvPr>
@@ -22934,7 +22934,7 @@
           <p:cNvPr id="13" name="椭圆 12">
             <a:extLst>
               <a:ext uri="{FF2B5EF4-FFF2-40B4-BE49-F238E27FC236}">
-                <a16:creationId xmlns="" xmlns:a16="http://schemas.microsoft.com/office/drawing/2014/main" id="{38B7E776-7869-C2EE-A5AD-FE07B12FAB74}"/>
+                <a16:creationId xmlns:a16="http://schemas.microsoft.com/office/drawing/2014/main" xmlns="" id="{38B7E776-7869-C2EE-A5AD-FE07B12FAB74}"/>
               </a:ext>
             </a:extLst>
           </p:cNvPr>
@@ -22990,7 +22990,7 @@
           <p:cNvPr id="20" name="椭圆 19">
             <a:extLst>
               <a:ext uri="{FF2B5EF4-FFF2-40B4-BE49-F238E27FC236}">
-                <a16:creationId xmlns="" xmlns:a16="http://schemas.microsoft.com/office/drawing/2014/main" id="{139AD470-0E68-4E4A-461B-9AC53FA9B15D}"/>
+                <a16:creationId xmlns:a16="http://schemas.microsoft.com/office/drawing/2014/main" xmlns="" id="{139AD470-0E68-4E4A-461B-9AC53FA9B15D}"/>
               </a:ext>
             </a:extLst>
           </p:cNvPr>
@@ -23046,7 +23046,7 @@
           <p:cNvPr id="29" name="图片 28">
             <a:extLst>
               <a:ext uri="{FF2B5EF4-FFF2-40B4-BE49-F238E27FC236}">
-                <a16:creationId xmlns="" xmlns:a16="http://schemas.microsoft.com/office/drawing/2014/main" id="{37828109-D1DB-24B1-070F-6C6C2342A787}"/>
+                <a16:creationId xmlns:a16="http://schemas.microsoft.com/office/drawing/2014/main" xmlns="" id="{37828109-D1DB-24B1-070F-6C6C2342A787}"/>
               </a:ext>
             </a:extLst>
           </p:cNvPr>
@@ -23076,7 +23076,7 @@
           <p:cNvPr id="30" name="图片 29">
             <a:extLst>
               <a:ext uri="{FF2B5EF4-FFF2-40B4-BE49-F238E27FC236}">
-                <a16:creationId xmlns="" xmlns:a16="http://schemas.microsoft.com/office/drawing/2014/main" id="{308EB72D-0591-1F78-12FC-CD798BD7E73D}"/>
+                <a16:creationId xmlns:a16="http://schemas.microsoft.com/office/drawing/2014/main" xmlns="" id="{308EB72D-0591-1F78-12FC-CD798BD7E73D}"/>
               </a:ext>
             </a:extLst>
           </p:cNvPr>
@@ -23106,7 +23106,7 @@
           <p:cNvPr id="31" name="图片 30">
             <a:extLst>
               <a:ext uri="{FF2B5EF4-FFF2-40B4-BE49-F238E27FC236}">
-                <a16:creationId xmlns="" xmlns:a16="http://schemas.microsoft.com/office/drawing/2014/main" id="{07F4B817-9FB7-F356-BFC2-674680D05075}"/>
+                <a16:creationId xmlns:a16="http://schemas.microsoft.com/office/drawing/2014/main" xmlns="" id="{07F4B817-9FB7-F356-BFC2-674680D05075}"/>
               </a:ext>
             </a:extLst>
           </p:cNvPr>
@@ -23136,7 +23136,7 @@
           <p:cNvPr id="32" name="图片 31">
             <a:extLst>
               <a:ext uri="{FF2B5EF4-FFF2-40B4-BE49-F238E27FC236}">
-                <a16:creationId xmlns="" xmlns:a16="http://schemas.microsoft.com/office/drawing/2014/main" id="{6AD0DB1A-3123-D4EB-783F-2A1EBF1F865D}"/>
+                <a16:creationId xmlns:a16="http://schemas.microsoft.com/office/drawing/2014/main" xmlns="" id="{6AD0DB1A-3123-D4EB-783F-2A1EBF1F865D}"/>
               </a:ext>
             </a:extLst>
           </p:cNvPr>
@@ -23166,7 +23166,7 @@
           <p:cNvPr id="33" name="图片 32">
             <a:extLst>
               <a:ext uri="{FF2B5EF4-FFF2-40B4-BE49-F238E27FC236}">
-                <a16:creationId xmlns="" xmlns:a16="http://schemas.microsoft.com/office/drawing/2014/main" id="{6EA6B283-FA33-8B5F-19D9-23C22512D6A2}"/>
+                <a16:creationId xmlns:a16="http://schemas.microsoft.com/office/drawing/2014/main" xmlns="" id="{6EA6B283-FA33-8B5F-19D9-23C22512D6A2}"/>
               </a:ext>
             </a:extLst>
           </p:cNvPr>
@@ -23196,7 +23196,7 @@
           <p:cNvPr id="34" name="图片 33">
             <a:extLst>
               <a:ext uri="{FF2B5EF4-FFF2-40B4-BE49-F238E27FC236}">
-                <a16:creationId xmlns="" xmlns:a16="http://schemas.microsoft.com/office/drawing/2014/main" id="{A7CC21E1-7467-1ACF-2ED7-68959584D6DF}"/>
+                <a16:creationId xmlns:a16="http://schemas.microsoft.com/office/drawing/2014/main" xmlns="" id="{A7CC21E1-7467-1ACF-2ED7-68959584D6DF}"/>
               </a:ext>
             </a:extLst>
           </p:cNvPr>
@@ -23226,7 +23226,7 @@
           <p:cNvPr id="35" name="图片 34">
             <a:extLst>
               <a:ext uri="{FF2B5EF4-FFF2-40B4-BE49-F238E27FC236}">
-                <a16:creationId xmlns="" xmlns:a16="http://schemas.microsoft.com/office/drawing/2014/main" id="{4FD1822D-6EF2-CCB1-76AC-A770762EDBFB}"/>
+                <a16:creationId xmlns:a16="http://schemas.microsoft.com/office/drawing/2014/main" xmlns="" id="{4FD1822D-6EF2-CCB1-76AC-A770762EDBFB}"/>
               </a:ext>
             </a:extLst>
           </p:cNvPr>
@@ -23256,7 +23256,7 @@
           <p:cNvPr id="36" name="图片 35">
             <a:extLst>
               <a:ext uri="{FF2B5EF4-FFF2-40B4-BE49-F238E27FC236}">
-                <a16:creationId xmlns="" xmlns:a16="http://schemas.microsoft.com/office/drawing/2014/main" id="{9E02D9AC-14F1-BAD2-3488-0805428D78DE}"/>
+                <a16:creationId xmlns:a16="http://schemas.microsoft.com/office/drawing/2014/main" xmlns="" id="{9E02D9AC-14F1-BAD2-3488-0805428D78DE}"/>
               </a:ext>
             </a:extLst>
           </p:cNvPr>
@@ -23286,7 +23286,7 @@
           <p:cNvPr id="39" name="箭头: 右 38">
             <a:extLst>
               <a:ext uri="{FF2B5EF4-FFF2-40B4-BE49-F238E27FC236}">
-                <a16:creationId xmlns="" xmlns:a16="http://schemas.microsoft.com/office/drawing/2014/main" id="{E96F8D33-A9BF-94AC-B64B-D6CB8722BEEB}"/>
+                <a16:creationId xmlns:a16="http://schemas.microsoft.com/office/drawing/2014/main" xmlns="" id="{E96F8D33-A9BF-94AC-B64B-D6CB8722BEEB}"/>
               </a:ext>
             </a:extLst>
           </p:cNvPr>
@@ -23338,7 +23338,7 @@
           <p:cNvPr id="40" name="箭头: 右 39">
             <a:extLst>
               <a:ext uri="{FF2B5EF4-FFF2-40B4-BE49-F238E27FC236}">
-                <a16:creationId xmlns="" xmlns:a16="http://schemas.microsoft.com/office/drawing/2014/main" id="{9C2A8819-B668-0107-BB7F-64E2A52819BC}"/>
+                <a16:creationId xmlns:a16="http://schemas.microsoft.com/office/drawing/2014/main" xmlns="" id="{9C2A8819-B668-0107-BB7F-64E2A52819BC}"/>
               </a:ext>
             </a:extLst>
           </p:cNvPr>
@@ -23420,7 +23420,7 @@
           <p:cNvPr id="2" name="标题 1">
             <a:extLst>
               <a:ext uri="{FF2B5EF4-FFF2-40B4-BE49-F238E27FC236}">
-                <a16:creationId xmlns="" xmlns:a16="http://schemas.microsoft.com/office/drawing/2014/main" id="{80796E82-7314-2FBE-2DE8-DDD70D4DF27E}"/>
+                <a16:creationId xmlns:a16="http://schemas.microsoft.com/office/drawing/2014/main" xmlns="" id="{80796E82-7314-2FBE-2DE8-DDD70D4DF27E}"/>
               </a:ext>
             </a:extLst>
           </p:cNvPr>
@@ -23469,7 +23469,7 @@
           <p:cNvPr id="4" name="文本框 3">
             <a:extLst>
               <a:ext uri="{FF2B5EF4-FFF2-40B4-BE49-F238E27FC236}">
-                <a16:creationId xmlns="" xmlns:a16="http://schemas.microsoft.com/office/drawing/2014/main" id="{3E8E8225-E7B4-E598-7AEB-66BC2EF7864E}"/>
+                <a16:creationId xmlns:a16="http://schemas.microsoft.com/office/drawing/2014/main" xmlns="" id="{3E8E8225-E7B4-E598-7AEB-66BC2EF7864E}"/>
               </a:ext>
             </a:extLst>
           </p:cNvPr>
@@ -23563,7 +23563,7 @@
           <p:cNvPr id="94" name="椭圆 93">
             <a:extLst>
               <a:ext uri="{FF2B5EF4-FFF2-40B4-BE49-F238E27FC236}">
-                <a16:creationId xmlns="" xmlns:a16="http://schemas.microsoft.com/office/drawing/2014/main" id="{8BEE0963-F39F-E799-5A6C-7DB2D9695EA3}"/>
+                <a16:creationId xmlns:a16="http://schemas.microsoft.com/office/drawing/2014/main" xmlns="" id="{8BEE0963-F39F-E799-5A6C-7DB2D9695EA3}"/>
               </a:ext>
             </a:extLst>
           </p:cNvPr>
@@ -23615,7 +23615,7 @@
           <p:cNvPr id="3" name="椭圆 2">
             <a:extLst>
               <a:ext uri="{FF2B5EF4-FFF2-40B4-BE49-F238E27FC236}">
-                <a16:creationId xmlns="" xmlns:a16="http://schemas.microsoft.com/office/drawing/2014/main" id="{012F767B-5206-A517-0D25-41845DA1D568}"/>
+                <a16:creationId xmlns:a16="http://schemas.microsoft.com/office/drawing/2014/main" xmlns="" id="{012F767B-5206-A517-0D25-41845DA1D568}"/>
               </a:ext>
             </a:extLst>
           </p:cNvPr>
@@ -23667,7 +23667,7 @@
           <p:cNvPr id="18" name="椭圆 17">
             <a:extLst>
               <a:ext uri="{FF2B5EF4-FFF2-40B4-BE49-F238E27FC236}">
-                <a16:creationId xmlns="" xmlns:a16="http://schemas.microsoft.com/office/drawing/2014/main" id="{4B33E43D-6830-FFA6-F0D9-FE3548A9AEEB}"/>
+                <a16:creationId xmlns:a16="http://schemas.microsoft.com/office/drawing/2014/main" xmlns="" id="{4B33E43D-6830-FFA6-F0D9-FE3548A9AEEB}"/>
               </a:ext>
             </a:extLst>
           </p:cNvPr>
@@ -23727,7 +23727,7 @@
           <p:cNvPr id="19" name="椭圆 18">
             <a:extLst>
               <a:ext uri="{FF2B5EF4-FFF2-40B4-BE49-F238E27FC236}">
-                <a16:creationId xmlns="" xmlns:a16="http://schemas.microsoft.com/office/drawing/2014/main" id="{C1D855FC-C9AF-91CE-40B0-D44AA72FE829}"/>
+                <a16:creationId xmlns:a16="http://schemas.microsoft.com/office/drawing/2014/main" xmlns="" id="{C1D855FC-C9AF-91CE-40B0-D44AA72FE829}"/>
               </a:ext>
             </a:extLst>
           </p:cNvPr>
@@ -23787,7 +23787,7 @@
           <p:cNvPr id="29" name="图片 28">
             <a:extLst>
               <a:ext uri="{FF2B5EF4-FFF2-40B4-BE49-F238E27FC236}">
-                <a16:creationId xmlns="" xmlns:a16="http://schemas.microsoft.com/office/drawing/2014/main" id="{37828109-D1DB-24B1-070F-6C6C2342A787}"/>
+                <a16:creationId xmlns:a16="http://schemas.microsoft.com/office/drawing/2014/main" xmlns="" id="{37828109-D1DB-24B1-070F-6C6C2342A787}"/>
               </a:ext>
             </a:extLst>
           </p:cNvPr>
@@ -23817,7 +23817,7 @@
           <p:cNvPr id="30" name="图片 29">
             <a:extLst>
               <a:ext uri="{FF2B5EF4-FFF2-40B4-BE49-F238E27FC236}">
-                <a16:creationId xmlns="" xmlns:a16="http://schemas.microsoft.com/office/drawing/2014/main" id="{308EB72D-0591-1F78-12FC-CD798BD7E73D}"/>
+                <a16:creationId xmlns:a16="http://schemas.microsoft.com/office/drawing/2014/main" xmlns="" id="{308EB72D-0591-1F78-12FC-CD798BD7E73D}"/>
               </a:ext>
             </a:extLst>
           </p:cNvPr>
@@ -23847,7 +23847,7 @@
           <p:cNvPr id="31" name="图片 30">
             <a:extLst>
               <a:ext uri="{FF2B5EF4-FFF2-40B4-BE49-F238E27FC236}">
-                <a16:creationId xmlns="" xmlns:a16="http://schemas.microsoft.com/office/drawing/2014/main" id="{07F4B817-9FB7-F356-BFC2-674680D05075}"/>
+                <a16:creationId xmlns:a16="http://schemas.microsoft.com/office/drawing/2014/main" xmlns="" id="{07F4B817-9FB7-F356-BFC2-674680D05075}"/>
               </a:ext>
             </a:extLst>
           </p:cNvPr>
@@ -23877,7 +23877,7 @@
           <p:cNvPr id="32" name="图片 31">
             <a:extLst>
               <a:ext uri="{FF2B5EF4-FFF2-40B4-BE49-F238E27FC236}">
-                <a16:creationId xmlns="" xmlns:a16="http://schemas.microsoft.com/office/drawing/2014/main" id="{6AD0DB1A-3123-D4EB-783F-2A1EBF1F865D}"/>
+                <a16:creationId xmlns:a16="http://schemas.microsoft.com/office/drawing/2014/main" xmlns="" id="{6AD0DB1A-3123-D4EB-783F-2A1EBF1F865D}"/>
               </a:ext>
             </a:extLst>
           </p:cNvPr>
@@ -23907,7 +23907,7 @@
           <p:cNvPr id="33" name="图片 32">
             <a:extLst>
               <a:ext uri="{FF2B5EF4-FFF2-40B4-BE49-F238E27FC236}">
-                <a16:creationId xmlns="" xmlns:a16="http://schemas.microsoft.com/office/drawing/2014/main" id="{6EA6B283-FA33-8B5F-19D9-23C22512D6A2}"/>
+                <a16:creationId xmlns:a16="http://schemas.microsoft.com/office/drawing/2014/main" xmlns="" id="{6EA6B283-FA33-8B5F-19D9-23C22512D6A2}"/>
               </a:ext>
             </a:extLst>
           </p:cNvPr>
@@ -23937,7 +23937,7 @@
           <p:cNvPr id="34" name="图片 33">
             <a:extLst>
               <a:ext uri="{FF2B5EF4-FFF2-40B4-BE49-F238E27FC236}">
-                <a16:creationId xmlns="" xmlns:a16="http://schemas.microsoft.com/office/drawing/2014/main" id="{A7CC21E1-7467-1ACF-2ED7-68959584D6DF}"/>
+                <a16:creationId xmlns:a16="http://schemas.microsoft.com/office/drawing/2014/main" xmlns="" id="{A7CC21E1-7467-1ACF-2ED7-68959584D6DF}"/>
               </a:ext>
             </a:extLst>
           </p:cNvPr>
@@ -23967,7 +23967,7 @@
           <p:cNvPr id="35" name="图片 34">
             <a:extLst>
               <a:ext uri="{FF2B5EF4-FFF2-40B4-BE49-F238E27FC236}">
-                <a16:creationId xmlns="" xmlns:a16="http://schemas.microsoft.com/office/drawing/2014/main" id="{4FD1822D-6EF2-CCB1-76AC-A770762EDBFB}"/>
+                <a16:creationId xmlns:a16="http://schemas.microsoft.com/office/drawing/2014/main" xmlns="" id="{4FD1822D-6EF2-CCB1-76AC-A770762EDBFB}"/>
               </a:ext>
             </a:extLst>
           </p:cNvPr>
@@ -23997,7 +23997,7 @@
           <p:cNvPr id="36" name="图片 35">
             <a:extLst>
               <a:ext uri="{FF2B5EF4-FFF2-40B4-BE49-F238E27FC236}">
-                <a16:creationId xmlns="" xmlns:a16="http://schemas.microsoft.com/office/drawing/2014/main" id="{9E02D9AC-14F1-BAD2-3488-0805428D78DE}"/>
+                <a16:creationId xmlns:a16="http://schemas.microsoft.com/office/drawing/2014/main" xmlns="" id="{9E02D9AC-14F1-BAD2-3488-0805428D78DE}"/>
               </a:ext>
             </a:extLst>
           </p:cNvPr>
@@ -24027,7 +24027,7 @@
           <p:cNvPr id="21" name="箭头: 右 20">
             <a:extLst>
               <a:ext uri="{FF2B5EF4-FFF2-40B4-BE49-F238E27FC236}">
-                <a16:creationId xmlns="" xmlns:a16="http://schemas.microsoft.com/office/drawing/2014/main" id="{712099D5-D46D-2313-85E7-AA26A729A7DC}"/>
+                <a16:creationId xmlns:a16="http://schemas.microsoft.com/office/drawing/2014/main" xmlns="" id="{712099D5-D46D-2313-85E7-AA26A729A7DC}"/>
               </a:ext>
             </a:extLst>
           </p:cNvPr>
@@ -24079,7 +24079,7 @@
           <p:cNvPr id="22" name="箭头: 右 21">
             <a:extLst>
               <a:ext uri="{FF2B5EF4-FFF2-40B4-BE49-F238E27FC236}">
-                <a16:creationId xmlns="" xmlns:a16="http://schemas.microsoft.com/office/drawing/2014/main" id="{1919A2B7-D3C5-A1AD-8659-FD3B9646534B}"/>
+                <a16:creationId xmlns:a16="http://schemas.microsoft.com/office/drawing/2014/main" xmlns="" id="{1919A2B7-D3C5-A1AD-8659-FD3B9646534B}"/>
               </a:ext>
             </a:extLst>
           </p:cNvPr>
@@ -24161,7 +24161,7 @@
           <p:cNvPr id="2" name="标题 1">
             <a:extLst>
               <a:ext uri="{FF2B5EF4-FFF2-40B4-BE49-F238E27FC236}">
-                <a16:creationId xmlns="" xmlns:a16="http://schemas.microsoft.com/office/drawing/2014/main" id="{80796E82-7314-2FBE-2DE8-DDD70D4DF27E}"/>
+                <a16:creationId xmlns:a16="http://schemas.microsoft.com/office/drawing/2014/main" xmlns="" id="{80796E82-7314-2FBE-2DE8-DDD70D4DF27E}"/>
               </a:ext>
             </a:extLst>
           </p:cNvPr>
@@ -24210,7 +24210,7 @@
           <p:cNvPr id="4" name="文本框 3">
             <a:extLst>
               <a:ext uri="{FF2B5EF4-FFF2-40B4-BE49-F238E27FC236}">
-                <a16:creationId xmlns="" xmlns:a16="http://schemas.microsoft.com/office/drawing/2014/main" id="{3E8E8225-E7B4-E598-7AEB-66BC2EF7864E}"/>
+                <a16:creationId xmlns:a16="http://schemas.microsoft.com/office/drawing/2014/main" xmlns="" id="{3E8E8225-E7B4-E598-7AEB-66BC2EF7864E}"/>
               </a:ext>
             </a:extLst>
           </p:cNvPr>
@@ -24304,7 +24304,7 @@
           <p:cNvPr id="94" name="椭圆 93">
             <a:extLst>
               <a:ext uri="{FF2B5EF4-FFF2-40B4-BE49-F238E27FC236}">
-                <a16:creationId xmlns="" xmlns:a16="http://schemas.microsoft.com/office/drawing/2014/main" id="{8BEE0963-F39F-E799-5A6C-7DB2D9695EA3}"/>
+                <a16:creationId xmlns:a16="http://schemas.microsoft.com/office/drawing/2014/main" xmlns="" id="{8BEE0963-F39F-E799-5A6C-7DB2D9695EA3}"/>
               </a:ext>
             </a:extLst>
           </p:cNvPr>
@@ -24356,7 +24356,7 @@
           <p:cNvPr id="3" name="椭圆 2">
             <a:extLst>
               <a:ext uri="{FF2B5EF4-FFF2-40B4-BE49-F238E27FC236}">
-                <a16:creationId xmlns="" xmlns:a16="http://schemas.microsoft.com/office/drawing/2014/main" id="{012F767B-5206-A517-0D25-41845DA1D568}"/>
+                <a16:creationId xmlns:a16="http://schemas.microsoft.com/office/drawing/2014/main" xmlns="" id="{012F767B-5206-A517-0D25-41845DA1D568}"/>
               </a:ext>
             </a:extLst>
           </p:cNvPr>
@@ -24408,7 +24408,7 @@
           <p:cNvPr id="21" name="箭头: 右 20">
             <a:extLst>
               <a:ext uri="{FF2B5EF4-FFF2-40B4-BE49-F238E27FC236}">
-                <a16:creationId xmlns="" xmlns:a16="http://schemas.microsoft.com/office/drawing/2014/main" id="{712099D5-D46D-2313-85E7-AA26A729A7DC}"/>
+                <a16:creationId xmlns:a16="http://schemas.microsoft.com/office/drawing/2014/main" xmlns="" id="{712099D5-D46D-2313-85E7-AA26A729A7DC}"/>
               </a:ext>
             </a:extLst>
           </p:cNvPr>
@@ -24460,7 +24460,7 @@
           <p:cNvPr id="22" name="箭头: 右 21">
             <a:extLst>
               <a:ext uri="{FF2B5EF4-FFF2-40B4-BE49-F238E27FC236}">
-                <a16:creationId xmlns="" xmlns:a16="http://schemas.microsoft.com/office/drawing/2014/main" id="{1919A2B7-D3C5-A1AD-8659-FD3B9646534B}"/>
+                <a16:creationId xmlns:a16="http://schemas.microsoft.com/office/drawing/2014/main" xmlns="" id="{1919A2B7-D3C5-A1AD-8659-FD3B9646534B}"/>
               </a:ext>
             </a:extLst>
           </p:cNvPr>
@@ -24512,7 +24512,7 @@
           <p:cNvPr id="20" name="椭圆 19">
             <a:extLst>
               <a:ext uri="{FF2B5EF4-FFF2-40B4-BE49-F238E27FC236}">
-                <a16:creationId xmlns="" xmlns:a16="http://schemas.microsoft.com/office/drawing/2014/main" id="{71FC337B-6083-D7E5-BB6D-172C403FA83F}"/>
+                <a16:creationId xmlns:a16="http://schemas.microsoft.com/office/drawing/2014/main" xmlns="" id="{71FC337B-6083-D7E5-BB6D-172C403FA83F}"/>
               </a:ext>
             </a:extLst>
           </p:cNvPr>
@@ -24568,7 +24568,7 @@
           <p:cNvPr id="23" name="椭圆 22">
             <a:extLst>
               <a:ext uri="{FF2B5EF4-FFF2-40B4-BE49-F238E27FC236}">
-                <a16:creationId xmlns="" xmlns:a16="http://schemas.microsoft.com/office/drawing/2014/main" id="{42806F08-B73F-5A19-8F02-2707349F41F2}"/>
+                <a16:creationId xmlns:a16="http://schemas.microsoft.com/office/drawing/2014/main" xmlns="" id="{42806F08-B73F-5A19-8F02-2707349F41F2}"/>
               </a:ext>
             </a:extLst>
           </p:cNvPr>
@@ -24624,7 +24624,7 @@
           <p:cNvPr id="29" name="图片 28">
             <a:extLst>
               <a:ext uri="{FF2B5EF4-FFF2-40B4-BE49-F238E27FC236}">
-                <a16:creationId xmlns="" xmlns:a16="http://schemas.microsoft.com/office/drawing/2014/main" id="{37828109-D1DB-24B1-070F-6C6C2342A787}"/>
+                <a16:creationId xmlns:a16="http://schemas.microsoft.com/office/drawing/2014/main" xmlns="" id="{37828109-D1DB-24B1-070F-6C6C2342A787}"/>
               </a:ext>
             </a:extLst>
           </p:cNvPr>
@@ -24654,7 +24654,7 @@
           <p:cNvPr id="30" name="图片 29">
             <a:extLst>
               <a:ext uri="{FF2B5EF4-FFF2-40B4-BE49-F238E27FC236}">
-                <a16:creationId xmlns="" xmlns:a16="http://schemas.microsoft.com/office/drawing/2014/main" id="{308EB72D-0591-1F78-12FC-CD798BD7E73D}"/>
+                <a16:creationId xmlns:a16="http://schemas.microsoft.com/office/drawing/2014/main" xmlns="" id="{308EB72D-0591-1F78-12FC-CD798BD7E73D}"/>
               </a:ext>
             </a:extLst>
           </p:cNvPr>
@@ -24684,7 +24684,7 @@
           <p:cNvPr id="31" name="图片 30">
             <a:extLst>
               <a:ext uri="{FF2B5EF4-FFF2-40B4-BE49-F238E27FC236}">
-                <a16:creationId xmlns="" xmlns:a16="http://schemas.microsoft.com/office/drawing/2014/main" id="{07F4B817-9FB7-F356-BFC2-674680D05075}"/>
+                <a16:creationId xmlns:a16="http://schemas.microsoft.com/office/drawing/2014/main" xmlns="" id="{07F4B817-9FB7-F356-BFC2-674680D05075}"/>
               </a:ext>
             </a:extLst>
           </p:cNvPr>
@@ -24714,7 +24714,7 @@
           <p:cNvPr id="32" name="图片 31">
             <a:extLst>
               <a:ext uri="{FF2B5EF4-FFF2-40B4-BE49-F238E27FC236}">
-                <a16:creationId xmlns="" xmlns:a16="http://schemas.microsoft.com/office/drawing/2014/main" id="{6AD0DB1A-3123-D4EB-783F-2A1EBF1F865D}"/>
+                <a16:creationId xmlns:a16="http://schemas.microsoft.com/office/drawing/2014/main" xmlns="" id="{6AD0DB1A-3123-D4EB-783F-2A1EBF1F865D}"/>
               </a:ext>
             </a:extLst>
           </p:cNvPr>
@@ -24744,7 +24744,7 @@
           <p:cNvPr id="33" name="图片 32">
             <a:extLst>
               <a:ext uri="{FF2B5EF4-FFF2-40B4-BE49-F238E27FC236}">
-                <a16:creationId xmlns="" xmlns:a16="http://schemas.microsoft.com/office/drawing/2014/main" id="{6EA6B283-FA33-8B5F-19D9-23C22512D6A2}"/>
+                <a16:creationId xmlns:a16="http://schemas.microsoft.com/office/drawing/2014/main" xmlns="" id="{6EA6B283-FA33-8B5F-19D9-23C22512D6A2}"/>
               </a:ext>
             </a:extLst>
           </p:cNvPr>
@@ -24774,7 +24774,7 @@
           <p:cNvPr id="34" name="图片 33">
             <a:extLst>
               <a:ext uri="{FF2B5EF4-FFF2-40B4-BE49-F238E27FC236}">
-                <a16:creationId xmlns="" xmlns:a16="http://schemas.microsoft.com/office/drawing/2014/main" id="{A7CC21E1-7467-1ACF-2ED7-68959584D6DF}"/>
+                <a16:creationId xmlns:a16="http://schemas.microsoft.com/office/drawing/2014/main" xmlns="" id="{A7CC21E1-7467-1ACF-2ED7-68959584D6DF}"/>
               </a:ext>
             </a:extLst>
           </p:cNvPr>
@@ -24804,7 +24804,7 @@
           <p:cNvPr id="35" name="图片 34">
             <a:extLst>
               <a:ext uri="{FF2B5EF4-FFF2-40B4-BE49-F238E27FC236}">
-                <a16:creationId xmlns="" xmlns:a16="http://schemas.microsoft.com/office/drawing/2014/main" id="{4FD1822D-6EF2-CCB1-76AC-A770762EDBFB}"/>
+                <a16:creationId xmlns:a16="http://schemas.microsoft.com/office/drawing/2014/main" xmlns="" id="{4FD1822D-6EF2-CCB1-76AC-A770762EDBFB}"/>
               </a:ext>
             </a:extLst>
           </p:cNvPr>
@@ -24834,7 +24834,7 @@
           <p:cNvPr id="36" name="图片 35">
             <a:extLst>
               <a:ext uri="{FF2B5EF4-FFF2-40B4-BE49-F238E27FC236}">
-                <a16:creationId xmlns="" xmlns:a16="http://schemas.microsoft.com/office/drawing/2014/main" id="{9E02D9AC-14F1-BAD2-3488-0805428D78DE}"/>
+                <a16:creationId xmlns:a16="http://schemas.microsoft.com/office/drawing/2014/main" xmlns="" id="{9E02D9AC-14F1-BAD2-3488-0805428D78DE}"/>
               </a:ext>
             </a:extLst>
           </p:cNvPr>
@@ -24894,7 +24894,7 @@
           <p:cNvPr id="2" name="标题 1">
             <a:extLst>
               <a:ext uri="{FF2B5EF4-FFF2-40B4-BE49-F238E27FC236}">
-                <a16:creationId xmlns="" xmlns:a16="http://schemas.microsoft.com/office/drawing/2014/main" id="{80796E82-7314-2FBE-2DE8-DDD70D4DF27E}"/>
+                <a16:creationId xmlns:a16="http://schemas.microsoft.com/office/drawing/2014/main" xmlns="" id="{80796E82-7314-2FBE-2DE8-DDD70D4DF27E}"/>
               </a:ext>
             </a:extLst>
           </p:cNvPr>
@@ -24943,7 +24943,7 @@
           <p:cNvPr id="4" name="文本框 3">
             <a:extLst>
               <a:ext uri="{FF2B5EF4-FFF2-40B4-BE49-F238E27FC236}">
-                <a16:creationId xmlns="" xmlns:a16="http://schemas.microsoft.com/office/drawing/2014/main" id="{3E8E8225-E7B4-E598-7AEB-66BC2EF7864E}"/>
+                <a16:creationId xmlns:a16="http://schemas.microsoft.com/office/drawing/2014/main" xmlns="" id="{3E8E8225-E7B4-E598-7AEB-66BC2EF7864E}"/>
               </a:ext>
             </a:extLst>
           </p:cNvPr>
@@ -25037,7 +25037,7 @@
           <p:cNvPr id="94" name="椭圆 93">
             <a:extLst>
               <a:ext uri="{FF2B5EF4-FFF2-40B4-BE49-F238E27FC236}">
-                <a16:creationId xmlns="" xmlns:a16="http://schemas.microsoft.com/office/drawing/2014/main" id="{8BEE0963-F39F-E799-5A6C-7DB2D9695EA3}"/>
+                <a16:creationId xmlns:a16="http://schemas.microsoft.com/office/drawing/2014/main" xmlns="" id="{8BEE0963-F39F-E799-5A6C-7DB2D9695EA3}"/>
               </a:ext>
             </a:extLst>
           </p:cNvPr>
@@ -25089,7 +25089,7 @@
           <p:cNvPr id="3" name="椭圆 2">
             <a:extLst>
               <a:ext uri="{FF2B5EF4-FFF2-40B4-BE49-F238E27FC236}">
-                <a16:creationId xmlns="" xmlns:a16="http://schemas.microsoft.com/office/drawing/2014/main" id="{012F767B-5206-A517-0D25-41845DA1D568}"/>
+                <a16:creationId xmlns:a16="http://schemas.microsoft.com/office/drawing/2014/main" xmlns="" id="{012F767B-5206-A517-0D25-41845DA1D568}"/>
               </a:ext>
             </a:extLst>
           </p:cNvPr>
@@ -25141,7 +25141,7 @@
           <p:cNvPr id="21" name="箭头: 右 20">
             <a:extLst>
               <a:ext uri="{FF2B5EF4-FFF2-40B4-BE49-F238E27FC236}">
-                <a16:creationId xmlns="" xmlns:a16="http://schemas.microsoft.com/office/drawing/2014/main" id="{712099D5-D46D-2313-85E7-AA26A729A7DC}"/>
+                <a16:creationId xmlns:a16="http://schemas.microsoft.com/office/drawing/2014/main" xmlns="" id="{712099D5-D46D-2313-85E7-AA26A729A7DC}"/>
               </a:ext>
             </a:extLst>
           </p:cNvPr>
@@ -25193,7 +25193,7 @@
           <p:cNvPr id="22" name="箭头: 右 21">
             <a:extLst>
               <a:ext uri="{FF2B5EF4-FFF2-40B4-BE49-F238E27FC236}">
-                <a16:creationId xmlns="" xmlns:a16="http://schemas.microsoft.com/office/drawing/2014/main" id="{1919A2B7-D3C5-A1AD-8659-FD3B9646534B}"/>
+                <a16:creationId xmlns:a16="http://schemas.microsoft.com/office/drawing/2014/main" xmlns="" id="{1919A2B7-D3C5-A1AD-8659-FD3B9646534B}"/>
               </a:ext>
             </a:extLst>
           </p:cNvPr>
@@ -25245,7 +25245,7 @@
           <p:cNvPr id="18" name="椭圆 17">
             <a:extLst>
               <a:ext uri="{FF2B5EF4-FFF2-40B4-BE49-F238E27FC236}">
-                <a16:creationId xmlns="" xmlns:a16="http://schemas.microsoft.com/office/drawing/2014/main" id="{F5A322F2-5817-3D48-1EC0-F4CD8343BB96}"/>
+                <a16:creationId xmlns:a16="http://schemas.microsoft.com/office/drawing/2014/main" xmlns="" id="{F5A322F2-5817-3D48-1EC0-F4CD8343BB96}"/>
               </a:ext>
             </a:extLst>
           </p:cNvPr>
@@ -25305,7 +25305,7 @@
           <p:cNvPr id="19" name="椭圆 18">
             <a:extLst>
               <a:ext uri="{FF2B5EF4-FFF2-40B4-BE49-F238E27FC236}">
-                <a16:creationId xmlns="" xmlns:a16="http://schemas.microsoft.com/office/drawing/2014/main" id="{7B553A98-99DD-ADE7-8F2C-82946FDF4A0F}"/>
+                <a16:creationId xmlns:a16="http://schemas.microsoft.com/office/drawing/2014/main" xmlns="" id="{7B553A98-99DD-ADE7-8F2C-82946FDF4A0F}"/>
               </a:ext>
             </a:extLst>
           </p:cNvPr>
@@ -25365,7 +25365,7 @@
           <p:cNvPr id="29" name="图片 28">
             <a:extLst>
               <a:ext uri="{FF2B5EF4-FFF2-40B4-BE49-F238E27FC236}">
-                <a16:creationId xmlns="" xmlns:a16="http://schemas.microsoft.com/office/drawing/2014/main" id="{37828109-D1DB-24B1-070F-6C6C2342A787}"/>
+                <a16:creationId xmlns:a16="http://schemas.microsoft.com/office/drawing/2014/main" xmlns="" id="{37828109-D1DB-24B1-070F-6C6C2342A787}"/>
               </a:ext>
             </a:extLst>
           </p:cNvPr>
@@ -25395,7 +25395,7 @@
           <p:cNvPr id="30" name="图片 29">
             <a:extLst>
               <a:ext uri="{FF2B5EF4-FFF2-40B4-BE49-F238E27FC236}">
-                <a16:creationId xmlns="" xmlns:a16="http://schemas.microsoft.com/office/drawing/2014/main" id="{308EB72D-0591-1F78-12FC-CD798BD7E73D}"/>
+                <a16:creationId xmlns:a16="http://schemas.microsoft.com/office/drawing/2014/main" xmlns="" id="{308EB72D-0591-1F78-12FC-CD798BD7E73D}"/>
               </a:ext>
             </a:extLst>
           </p:cNvPr>
@@ -25425,7 +25425,7 @@
           <p:cNvPr id="31" name="图片 30">
             <a:extLst>
               <a:ext uri="{FF2B5EF4-FFF2-40B4-BE49-F238E27FC236}">
-                <a16:creationId xmlns="" xmlns:a16="http://schemas.microsoft.com/office/drawing/2014/main" id="{07F4B817-9FB7-F356-BFC2-674680D05075}"/>
+                <a16:creationId xmlns:a16="http://schemas.microsoft.com/office/drawing/2014/main" xmlns="" id="{07F4B817-9FB7-F356-BFC2-674680D05075}"/>
               </a:ext>
             </a:extLst>
           </p:cNvPr>
@@ -25455,7 +25455,7 @@
           <p:cNvPr id="32" name="图片 31">
             <a:extLst>
               <a:ext uri="{FF2B5EF4-FFF2-40B4-BE49-F238E27FC236}">
-                <a16:creationId xmlns="" xmlns:a16="http://schemas.microsoft.com/office/drawing/2014/main" id="{6AD0DB1A-3123-D4EB-783F-2A1EBF1F865D}"/>
+                <a16:creationId xmlns:a16="http://schemas.microsoft.com/office/drawing/2014/main" xmlns="" id="{6AD0DB1A-3123-D4EB-783F-2A1EBF1F865D}"/>
               </a:ext>
             </a:extLst>
           </p:cNvPr>
@@ -25485,7 +25485,7 @@
           <p:cNvPr id="33" name="图片 32">
             <a:extLst>
               <a:ext uri="{FF2B5EF4-FFF2-40B4-BE49-F238E27FC236}">
-                <a16:creationId xmlns="" xmlns:a16="http://schemas.microsoft.com/office/drawing/2014/main" id="{6EA6B283-FA33-8B5F-19D9-23C22512D6A2}"/>
+                <a16:creationId xmlns:a16="http://schemas.microsoft.com/office/drawing/2014/main" xmlns="" id="{6EA6B283-FA33-8B5F-19D9-23C22512D6A2}"/>
               </a:ext>
             </a:extLst>
           </p:cNvPr>
@@ -25515,7 +25515,7 @@
           <p:cNvPr id="34" name="图片 33">
             <a:extLst>
               <a:ext uri="{FF2B5EF4-FFF2-40B4-BE49-F238E27FC236}">
-                <a16:creationId xmlns="" xmlns:a16="http://schemas.microsoft.com/office/drawing/2014/main" id="{A7CC21E1-7467-1ACF-2ED7-68959584D6DF}"/>
+                <a16:creationId xmlns:a16="http://schemas.microsoft.com/office/drawing/2014/main" xmlns="" id="{A7CC21E1-7467-1ACF-2ED7-68959584D6DF}"/>
               </a:ext>
             </a:extLst>
           </p:cNvPr>
@@ -25545,7 +25545,7 @@
           <p:cNvPr id="35" name="图片 34">
             <a:extLst>
               <a:ext uri="{FF2B5EF4-FFF2-40B4-BE49-F238E27FC236}">
-                <a16:creationId xmlns="" xmlns:a16="http://schemas.microsoft.com/office/drawing/2014/main" id="{4FD1822D-6EF2-CCB1-76AC-A770762EDBFB}"/>
+                <a16:creationId xmlns:a16="http://schemas.microsoft.com/office/drawing/2014/main" xmlns="" id="{4FD1822D-6EF2-CCB1-76AC-A770762EDBFB}"/>
               </a:ext>
             </a:extLst>
           </p:cNvPr>
@@ -25575,7 +25575,7 @@
           <p:cNvPr id="36" name="图片 35">
             <a:extLst>
               <a:ext uri="{FF2B5EF4-FFF2-40B4-BE49-F238E27FC236}">
-                <a16:creationId xmlns="" xmlns:a16="http://schemas.microsoft.com/office/drawing/2014/main" id="{9E02D9AC-14F1-BAD2-3488-0805428D78DE}"/>
+                <a16:creationId xmlns:a16="http://schemas.microsoft.com/office/drawing/2014/main" xmlns="" id="{9E02D9AC-14F1-BAD2-3488-0805428D78DE}"/>
               </a:ext>
             </a:extLst>
           </p:cNvPr>
@@ -25635,7 +25635,7 @@
           <p:cNvPr id="2" name="标题 1">
             <a:extLst>
               <a:ext uri="{FF2B5EF4-FFF2-40B4-BE49-F238E27FC236}">
-                <a16:creationId xmlns="" xmlns:a16="http://schemas.microsoft.com/office/drawing/2014/main" id="{80796E82-7314-2FBE-2DE8-DDD70D4DF27E}"/>
+                <a16:creationId xmlns:a16="http://schemas.microsoft.com/office/drawing/2014/main" xmlns="" id="{80796E82-7314-2FBE-2DE8-DDD70D4DF27E}"/>
               </a:ext>
             </a:extLst>
           </p:cNvPr>
@@ -25688,46 +25688,10 @@
       </p:sp>
       <p:sp>
         <p:nvSpPr>
-          <p:cNvPr id="4" name="文本框 3">
-            <a:extLst>
-              <a:ext uri="{FF2B5EF4-FFF2-40B4-BE49-F238E27FC236}">
-                <a16:creationId xmlns="" xmlns:a16="http://schemas.microsoft.com/office/drawing/2014/main" id="{3E8E8225-E7B4-E598-7AEB-66BC2EF7864E}"/>
-              </a:ext>
-            </a:extLst>
-          </p:cNvPr>
-          <p:cNvSpPr txBox="1"/>
-          <p:nvPr/>
-        </p:nvSpPr>
-        <p:spPr>
-          <a:xfrm>
-            <a:off x="612559" y="1671863"/>
-            <a:ext cx="3335990" cy="369332"/>
-          </a:xfrm>
-          <a:prstGeom prst="rect">
-            <a:avLst/>
-          </a:prstGeom>
-          <a:noFill/>
-        </p:spPr>
-        <p:txBody>
-          <a:bodyPr wrap="square" rtlCol="0">
-            <a:spAutoFit/>
-          </a:bodyPr>
-          <a:lstStyle/>
-          <a:p>
-            <a:r>
-              <a:rPr lang="en-US" altLang="zh-CN" dirty="0" smtClean="0"/>
-              <a:t>1</a:t>
-            </a:r>
-            <a:endParaRPr lang="en-US" altLang="ja-JP" dirty="0"/>
-          </a:p>
-        </p:txBody>
-      </p:sp>
-      <p:sp>
-        <p:nvSpPr>
           <p:cNvPr id="94" name="椭圆 93">
             <a:extLst>
               <a:ext uri="{FF2B5EF4-FFF2-40B4-BE49-F238E27FC236}">
-                <a16:creationId xmlns="" xmlns:a16="http://schemas.microsoft.com/office/drawing/2014/main" id="{8BEE0963-F39F-E799-5A6C-7DB2D9695EA3}"/>
+                <a16:creationId xmlns:a16="http://schemas.microsoft.com/office/drawing/2014/main" xmlns="" id="{8BEE0963-F39F-E799-5A6C-7DB2D9695EA3}"/>
               </a:ext>
             </a:extLst>
           </p:cNvPr>
@@ -25779,7 +25743,7 @@
           <p:cNvPr id="20" name="椭圆 19">
             <a:extLst>
               <a:ext uri="{FF2B5EF4-FFF2-40B4-BE49-F238E27FC236}">
-                <a16:creationId xmlns="" xmlns:a16="http://schemas.microsoft.com/office/drawing/2014/main" id="{1F3D5A18-117A-FBDB-A07B-D4E2DC2FC832}"/>
+                <a16:creationId xmlns:a16="http://schemas.microsoft.com/office/drawing/2014/main" xmlns="" id="{1F3D5A18-117A-FBDB-A07B-D4E2DC2FC832}"/>
               </a:ext>
             </a:extLst>
           </p:cNvPr>
@@ -25829,7 +25793,7 @@
           <p:cNvPr id="23" name="矩形 22">
             <a:extLst>
               <a:ext uri="{FF2B5EF4-FFF2-40B4-BE49-F238E27FC236}">
-                <a16:creationId xmlns="" xmlns:a16="http://schemas.microsoft.com/office/drawing/2014/main" id="{1DB7B11B-A7F7-8894-4BAF-68DD060767B3}"/>
+                <a16:creationId xmlns:a16="http://schemas.microsoft.com/office/drawing/2014/main" xmlns="" id="{1DB7B11B-A7F7-8894-4BAF-68DD060767B3}"/>
               </a:ext>
             </a:extLst>
           </p:cNvPr>
@@ -25879,7 +25843,7 @@
           <p:cNvPr id="24" name="矩形 23">
             <a:extLst>
               <a:ext uri="{FF2B5EF4-FFF2-40B4-BE49-F238E27FC236}">
-                <a16:creationId xmlns="" xmlns:a16="http://schemas.microsoft.com/office/drawing/2014/main" id="{5E103417-33D7-7A1E-5135-FE392A9238A1}"/>
+                <a16:creationId xmlns:a16="http://schemas.microsoft.com/office/drawing/2014/main" xmlns="" id="{5E103417-33D7-7A1E-5135-FE392A9238A1}"/>
               </a:ext>
             </a:extLst>
           </p:cNvPr>
@@ -25929,7 +25893,7 @@
           <p:cNvPr id="25" name="Google Shape;73;p14">
             <a:extLst>
               <a:ext uri="{FF2B5EF4-FFF2-40B4-BE49-F238E27FC236}">
-                <a16:creationId xmlns="" xmlns:a16="http://schemas.microsoft.com/office/drawing/2014/main" id="{728B4BED-4470-8B41-5F52-AEAB959AE86A}"/>
+                <a16:creationId xmlns:a16="http://schemas.microsoft.com/office/drawing/2014/main" xmlns="" id="{728B4BED-4470-8B41-5F52-AEAB959AE86A}"/>
               </a:ext>
             </a:extLst>
           </p:cNvPr>
@@ -25963,7 +25927,7 @@
           <p:cNvPr id="26" name="Google Shape;73;p14">
             <a:extLst>
               <a:ext uri="{FF2B5EF4-FFF2-40B4-BE49-F238E27FC236}">
-                <a16:creationId xmlns="" xmlns:a16="http://schemas.microsoft.com/office/drawing/2014/main" id="{728B4BED-4470-8B41-5F52-AEAB959AE86A}"/>
+                <a16:creationId xmlns:a16="http://schemas.microsoft.com/office/drawing/2014/main" xmlns="" id="{728B4BED-4470-8B41-5F52-AEAB959AE86A}"/>
               </a:ext>
             </a:extLst>
           </p:cNvPr>
@@ -25997,7 +25961,7 @@
           <p:cNvPr id="27" name="Google Shape;73;p14">
             <a:extLst>
               <a:ext uri="{FF2B5EF4-FFF2-40B4-BE49-F238E27FC236}">
-                <a16:creationId xmlns="" xmlns:a16="http://schemas.microsoft.com/office/drawing/2014/main" id="{728B4BED-4470-8B41-5F52-AEAB959AE86A}"/>
+                <a16:creationId xmlns:a16="http://schemas.microsoft.com/office/drawing/2014/main" xmlns="" id="{728B4BED-4470-8B41-5F52-AEAB959AE86A}"/>
               </a:ext>
             </a:extLst>
           </p:cNvPr>
@@ -26238,7 +26202,7 @@
           <p:cNvPr id="82" name="箭头: V 形 20">
             <a:extLst>
               <a:ext uri="{FF2B5EF4-FFF2-40B4-BE49-F238E27FC236}">
-                <a16:creationId xmlns="" xmlns:a16="http://schemas.microsoft.com/office/drawing/2014/main" id="{BC353627-9371-244D-7367-7A27EC648508}"/>
+                <a16:creationId xmlns:a16="http://schemas.microsoft.com/office/drawing/2014/main" xmlns="" id="{BC353627-9371-244D-7367-7A27EC648508}"/>
               </a:ext>
             </a:extLst>
           </p:cNvPr>
@@ -26286,7 +26250,7 @@
           <p:cNvPr id="83" name="箭头: V 形 21">
             <a:extLst>
               <a:ext uri="{FF2B5EF4-FFF2-40B4-BE49-F238E27FC236}">
-                <a16:creationId xmlns="" xmlns:a16="http://schemas.microsoft.com/office/drawing/2014/main" id="{41D7DFA2-1682-8959-1196-12E3B7C49765}"/>
+                <a16:creationId xmlns:a16="http://schemas.microsoft.com/office/drawing/2014/main" xmlns="" id="{41D7DFA2-1682-8959-1196-12E3B7C49765}"/>
               </a:ext>
             </a:extLst>
           </p:cNvPr>
@@ -26334,7 +26298,7 @@
           <p:cNvPr id="84" name="箭头: V 形 22">
             <a:extLst>
               <a:ext uri="{FF2B5EF4-FFF2-40B4-BE49-F238E27FC236}">
-                <a16:creationId xmlns="" xmlns:a16="http://schemas.microsoft.com/office/drawing/2014/main" id="{3E6B5B9D-8A94-166B-F4E4-0C03AFDA72FF}"/>
+                <a16:creationId xmlns:a16="http://schemas.microsoft.com/office/drawing/2014/main" xmlns="" id="{3E6B5B9D-8A94-166B-F4E4-0C03AFDA72FF}"/>
               </a:ext>
             </a:extLst>
           </p:cNvPr>
@@ -26382,7 +26346,7 @@
           <p:cNvPr id="85" name="箭头: V 形 23">
             <a:extLst>
               <a:ext uri="{FF2B5EF4-FFF2-40B4-BE49-F238E27FC236}">
-                <a16:creationId xmlns="" xmlns:a16="http://schemas.microsoft.com/office/drawing/2014/main" id="{58C2A296-BAAF-AA9E-2CEA-ABDFA8710114}"/>
+                <a16:creationId xmlns:a16="http://schemas.microsoft.com/office/drawing/2014/main" xmlns="" id="{58C2A296-BAAF-AA9E-2CEA-ABDFA8710114}"/>
               </a:ext>
             </a:extLst>
           </p:cNvPr>
@@ -26460,7 +26424,7 @@
           <p:cNvPr id="2" name="标题 1">
             <a:extLst>
               <a:ext uri="{FF2B5EF4-FFF2-40B4-BE49-F238E27FC236}">
-                <a16:creationId xmlns="" xmlns:a16="http://schemas.microsoft.com/office/drawing/2014/main" id="{80796E82-7314-2FBE-2DE8-DDD70D4DF27E}"/>
+                <a16:creationId xmlns:a16="http://schemas.microsoft.com/office/drawing/2014/main" xmlns="" id="{80796E82-7314-2FBE-2DE8-DDD70D4DF27E}"/>
               </a:ext>
             </a:extLst>
           </p:cNvPr>
@@ -26513,46 +26477,10 @@
       </p:sp>
       <p:sp>
         <p:nvSpPr>
-          <p:cNvPr id="4" name="文本框 3">
-            <a:extLst>
-              <a:ext uri="{FF2B5EF4-FFF2-40B4-BE49-F238E27FC236}">
-                <a16:creationId xmlns="" xmlns:a16="http://schemas.microsoft.com/office/drawing/2014/main" id="{3E8E8225-E7B4-E598-7AEB-66BC2EF7864E}"/>
-              </a:ext>
-            </a:extLst>
-          </p:cNvPr>
-          <p:cNvSpPr txBox="1"/>
-          <p:nvPr/>
-        </p:nvSpPr>
-        <p:spPr>
-          <a:xfrm>
-            <a:off x="612559" y="1671863"/>
-            <a:ext cx="3335990" cy="369332"/>
-          </a:xfrm>
-          <a:prstGeom prst="rect">
-            <a:avLst/>
-          </a:prstGeom>
-          <a:noFill/>
-        </p:spPr>
-        <p:txBody>
-          <a:bodyPr wrap="square" rtlCol="0">
-            <a:spAutoFit/>
-          </a:bodyPr>
-          <a:lstStyle/>
-          <a:p>
-            <a:r>
-              <a:rPr lang="en-US" altLang="zh-CN" dirty="0" smtClean="0"/>
-              <a:t>1</a:t>
-            </a:r>
-            <a:endParaRPr lang="en-US" altLang="ja-JP" dirty="0"/>
-          </a:p>
-        </p:txBody>
-      </p:sp>
-      <p:sp>
-        <p:nvSpPr>
           <p:cNvPr id="94" name="椭圆 93">
             <a:extLst>
               <a:ext uri="{FF2B5EF4-FFF2-40B4-BE49-F238E27FC236}">
-                <a16:creationId xmlns="" xmlns:a16="http://schemas.microsoft.com/office/drawing/2014/main" id="{8BEE0963-F39F-E799-5A6C-7DB2D9695EA3}"/>
+                <a16:creationId xmlns:a16="http://schemas.microsoft.com/office/drawing/2014/main" xmlns="" id="{8BEE0963-F39F-E799-5A6C-7DB2D9695EA3}"/>
               </a:ext>
             </a:extLst>
           </p:cNvPr>
@@ -26604,7 +26532,7 @@
           <p:cNvPr id="20" name="椭圆 19">
             <a:extLst>
               <a:ext uri="{FF2B5EF4-FFF2-40B4-BE49-F238E27FC236}">
-                <a16:creationId xmlns="" xmlns:a16="http://schemas.microsoft.com/office/drawing/2014/main" id="{1F3D5A18-117A-FBDB-A07B-D4E2DC2FC832}"/>
+                <a16:creationId xmlns:a16="http://schemas.microsoft.com/office/drawing/2014/main" xmlns="" id="{1F3D5A18-117A-FBDB-A07B-D4E2DC2FC832}"/>
               </a:ext>
             </a:extLst>
           </p:cNvPr>
@@ -26654,7 +26582,7 @@
           <p:cNvPr id="23" name="矩形 22">
             <a:extLst>
               <a:ext uri="{FF2B5EF4-FFF2-40B4-BE49-F238E27FC236}">
-                <a16:creationId xmlns="" xmlns:a16="http://schemas.microsoft.com/office/drawing/2014/main" id="{1DB7B11B-A7F7-8894-4BAF-68DD060767B3}"/>
+                <a16:creationId xmlns:a16="http://schemas.microsoft.com/office/drawing/2014/main" xmlns="" id="{1DB7B11B-A7F7-8894-4BAF-68DD060767B3}"/>
               </a:ext>
             </a:extLst>
           </p:cNvPr>
@@ -26704,7 +26632,7 @@
           <p:cNvPr id="24" name="矩形 23">
             <a:extLst>
               <a:ext uri="{FF2B5EF4-FFF2-40B4-BE49-F238E27FC236}">
-                <a16:creationId xmlns="" xmlns:a16="http://schemas.microsoft.com/office/drawing/2014/main" id="{5E103417-33D7-7A1E-5135-FE392A9238A1}"/>
+                <a16:creationId xmlns:a16="http://schemas.microsoft.com/office/drawing/2014/main" xmlns="" id="{5E103417-33D7-7A1E-5135-FE392A9238A1}"/>
               </a:ext>
             </a:extLst>
           </p:cNvPr>
@@ -26754,7 +26682,7 @@
           <p:cNvPr id="25" name="Google Shape;73;p14">
             <a:extLst>
               <a:ext uri="{FF2B5EF4-FFF2-40B4-BE49-F238E27FC236}">
-                <a16:creationId xmlns="" xmlns:a16="http://schemas.microsoft.com/office/drawing/2014/main" id="{728B4BED-4470-8B41-5F52-AEAB959AE86A}"/>
+                <a16:creationId xmlns:a16="http://schemas.microsoft.com/office/drawing/2014/main" xmlns="" id="{728B4BED-4470-8B41-5F52-AEAB959AE86A}"/>
               </a:ext>
             </a:extLst>
           </p:cNvPr>
@@ -26788,7 +26716,7 @@
           <p:cNvPr id="26" name="Google Shape;73;p14">
             <a:extLst>
               <a:ext uri="{FF2B5EF4-FFF2-40B4-BE49-F238E27FC236}">
-                <a16:creationId xmlns="" xmlns:a16="http://schemas.microsoft.com/office/drawing/2014/main" id="{728B4BED-4470-8B41-5F52-AEAB959AE86A}"/>
+                <a16:creationId xmlns:a16="http://schemas.microsoft.com/office/drawing/2014/main" xmlns="" id="{728B4BED-4470-8B41-5F52-AEAB959AE86A}"/>
               </a:ext>
             </a:extLst>
           </p:cNvPr>
@@ -26822,7 +26750,7 @@
           <p:cNvPr id="27" name="Google Shape;73;p14">
             <a:extLst>
               <a:ext uri="{FF2B5EF4-FFF2-40B4-BE49-F238E27FC236}">
-                <a16:creationId xmlns="" xmlns:a16="http://schemas.microsoft.com/office/drawing/2014/main" id="{728B4BED-4470-8B41-5F52-AEAB959AE86A}"/>
+                <a16:creationId xmlns:a16="http://schemas.microsoft.com/office/drawing/2014/main" xmlns="" id="{728B4BED-4470-8B41-5F52-AEAB959AE86A}"/>
               </a:ext>
             </a:extLst>
           </p:cNvPr>
@@ -27063,7 +26991,7 @@
           <p:cNvPr id="82" name="箭头: V 形 20">
             <a:extLst>
               <a:ext uri="{FF2B5EF4-FFF2-40B4-BE49-F238E27FC236}">
-                <a16:creationId xmlns="" xmlns:a16="http://schemas.microsoft.com/office/drawing/2014/main" id="{BC353627-9371-244D-7367-7A27EC648508}"/>
+                <a16:creationId xmlns:a16="http://schemas.microsoft.com/office/drawing/2014/main" xmlns="" id="{BC353627-9371-244D-7367-7A27EC648508}"/>
               </a:ext>
             </a:extLst>
           </p:cNvPr>
@@ -27111,7 +27039,7 @@
           <p:cNvPr id="83" name="箭头: V 形 21">
             <a:extLst>
               <a:ext uri="{FF2B5EF4-FFF2-40B4-BE49-F238E27FC236}">
-                <a16:creationId xmlns="" xmlns:a16="http://schemas.microsoft.com/office/drawing/2014/main" id="{41D7DFA2-1682-8959-1196-12E3B7C49765}"/>
+                <a16:creationId xmlns:a16="http://schemas.microsoft.com/office/drawing/2014/main" xmlns="" id="{41D7DFA2-1682-8959-1196-12E3B7C49765}"/>
               </a:ext>
             </a:extLst>
           </p:cNvPr>
@@ -27159,7 +27087,7 @@
           <p:cNvPr id="84" name="箭头: V 形 22">
             <a:extLst>
               <a:ext uri="{FF2B5EF4-FFF2-40B4-BE49-F238E27FC236}">
-                <a16:creationId xmlns="" xmlns:a16="http://schemas.microsoft.com/office/drawing/2014/main" id="{3E6B5B9D-8A94-166B-F4E4-0C03AFDA72FF}"/>
+                <a16:creationId xmlns:a16="http://schemas.microsoft.com/office/drawing/2014/main" xmlns="" id="{3E6B5B9D-8A94-166B-F4E4-0C03AFDA72FF}"/>
               </a:ext>
             </a:extLst>
           </p:cNvPr>
@@ -27207,7 +27135,7 @@
           <p:cNvPr id="85" name="箭头: V 形 23">
             <a:extLst>
               <a:ext uri="{FF2B5EF4-FFF2-40B4-BE49-F238E27FC236}">
-                <a16:creationId xmlns="" xmlns:a16="http://schemas.microsoft.com/office/drawing/2014/main" id="{58C2A296-BAAF-AA9E-2CEA-ABDFA8710114}"/>
+                <a16:creationId xmlns:a16="http://schemas.microsoft.com/office/drawing/2014/main" xmlns="" id="{58C2A296-BAAF-AA9E-2CEA-ABDFA8710114}"/>
               </a:ext>
             </a:extLst>
           </p:cNvPr>
@@ -27255,7 +27183,7 @@
           <p:cNvPr id="29" name="Google Shape;73;p14">
             <a:extLst>
               <a:ext uri="{FF2B5EF4-FFF2-40B4-BE49-F238E27FC236}">
-                <a16:creationId xmlns="" xmlns:a16="http://schemas.microsoft.com/office/drawing/2014/main" id="{728B4BED-4470-8B41-5F52-AEAB959AE86A}"/>
+                <a16:creationId xmlns:a16="http://schemas.microsoft.com/office/drawing/2014/main" xmlns="" id="{728B4BED-4470-8B41-5F52-AEAB959AE86A}"/>
               </a:ext>
             </a:extLst>
           </p:cNvPr>
@@ -27319,7 +27247,7 @@
           <p:cNvPr id="31" name="Google Shape;100;p14">
             <a:extLst>
               <a:ext uri="{FF2B5EF4-FFF2-40B4-BE49-F238E27FC236}">
-                <a16:creationId xmlns="" xmlns:a16="http://schemas.microsoft.com/office/drawing/2014/main" id="{04D7ED66-035D-0386-E0EE-BA6FE024830F}"/>
+                <a16:creationId xmlns:a16="http://schemas.microsoft.com/office/drawing/2014/main" xmlns="" id="{04D7ED66-035D-0386-E0EE-BA6FE024830F}"/>
               </a:ext>
             </a:extLst>
           </p:cNvPr>
@@ -27392,7 +27320,7 @@
           <p:cNvPr id="4" name="Google Shape;74;p14">
             <a:extLst>
               <a:ext uri="{FF2B5EF4-FFF2-40B4-BE49-F238E27FC236}">
-                <a16:creationId xmlns="" xmlns:a16="http://schemas.microsoft.com/office/drawing/2014/main" id="{F52A6963-84A4-0036-01C0-8A6443B594E4}"/>
+                <a16:creationId xmlns:a16="http://schemas.microsoft.com/office/drawing/2014/main" xmlns="" id="{F52A6963-84A4-0036-01C0-8A6443B594E4}"/>
               </a:ext>
             </a:extLst>
           </p:cNvPr>
@@ -27426,7 +27354,7 @@
           <p:cNvPr id="5" name="Google Shape;75;p14">
             <a:extLst>
               <a:ext uri="{FF2B5EF4-FFF2-40B4-BE49-F238E27FC236}">
-                <a16:creationId xmlns="" xmlns:a16="http://schemas.microsoft.com/office/drawing/2014/main" id="{404581EA-6F71-715C-CE7C-99A122F3F6E4}"/>
+                <a16:creationId xmlns:a16="http://schemas.microsoft.com/office/drawing/2014/main" xmlns="" id="{404581EA-6F71-715C-CE7C-99A122F3F6E4}"/>
               </a:ext>
             </a:extLst>
           </p:cNvPr>
@@ -27460,7 +27388,7 @@
           <p:cNvPr id="6" name="Google Shape;76;p14">
             <a:extLst>
               <a:ext uri="{FF2B5EF4-FFF2-40B4-BE49-F238E27FC236}">
-                <a16:creationId xmlns="" xmlns:a16="http://schemas.microsoft.com/office/drawing/2014/main" id="{A527F9F4-7B4A-2EA7-612E-AAA3DD8F9F91}"/>
+                <a16:creationId xmlns:a16="http://schemas.microsoft.com/office/drawing/2014/main" xmlns="" id="{A527F9F4-7B4A-2EA7-612E-AAA3DD8F9F91}"/>
               </a:ext>
             </a:extLst>
           </p:cNvPr>
@@ -27494,7 +27422,7 @@
           <p:cNvPr id="7" name="Google Shape;77;p14">
             <a:extLst>
               <a:ext uri="{FF2B5EF4-FFF2-40B4-BE49-F238E27FC236}">
-                <a16:creationId xmlns="" xmlns:a16="http://schemas.microsoft.com/office/drawing/2014/main" id="{FCDA0BCF-7B73-F1F2-4535-2A7D8DF8F9A5}"/>
+                <a16:creationId xmlns:a16="http://schemas.microsoft.com/office/drawing/2014/main" xmlns="" id="{FCDA0BCF-7B73-F1F2-4535-2A7D8DF8F9A5}"/>
               </a:ext>
             </a:extLst>
           </p:cNvPr>
@@ -27528,7 +27456,7 @@
           <p:cNvPr id="8" name="Google Shape;78;p14">
             <a:extLst>
               <a:ext uri="{FF2B5EF4-FFF2-40B4-BE49-F238E27FC236}">
-                <a16:creationId xmlns="" xmlns:a16="http://schemas.microsoft.com/office/drawing/2014/main" id="{0C8F405C-8C7A-9464-2835-C0C6BCE26B6A}"/>
+                <a16:creationId xmlns:a16="http://schemas.microsoft.com/office/drawing/2014/main" xmlns="" id="{0C8F405C-8C7A-9464-2835-C0C6BCE26B6A}"/>
               </a:ext>
             </a:extLst>
           </p:cNvPr>
@@ -27562,7 +27490,7 @@
           <p:cNvPr id="9" name="Google Shape;79;p14">
             <a:extLst>
               <a:ext uri="{FF2B5EF4-FFF2-40B4-BE49-F238E27FC236}">
-                <a16:creationId xmlns="" xmlns:a16="http://schemas.microsoft.com/office/drawing/2014/main" id="{E9EC9C58-B423-E735-B962-72835BD4EE86}"/>
+                <a16:creationId xmlns:a16="http://schemas.microsoft.com/office/drawing/2014/main" xmlns="" id="{E9EC9C58-B423-E735-B962-72835BD4EE86}"/>
               </a:ext>
             </a:extLst>
           </p:cNvPr>
@@ -27596,7 +27524,7 @@
           <p:cNvPr id="10" name="Google Shape;80;p14">
             <a:extLst>
               <a:ext uri="{FF2B5EF4-FFF2-40B4-BE49-F238E27FC236}">
-                <a16:creationId xmlns="" xmlns:a16="http://schemas.microsoft.com/office/drawing/2014/main" id="{BA0DDD85-240E-A853-DC83-F6457C5291E8}"/>
+                <a16:creationId xmlns:a16="http://schemas.microsoft.com/office/drawing/2014/main" xmlns="" id="{BA0DDD85-240E-A853-DC83-F6457C5291E8}"/>
               </a:ext>
             </a:extLst>
           </p:cNvPr>
@@ -27630,7 +27558,7 @@
           <p:cNvPr id="11" name="Google Shape;81;p14">
             <a:extLst>
               <a:ext uri="{FF2B5EF4-FFF2-40B4-BE49-F238E27FC236}">
-                <a16:creationId xmlns="" xmlns:a16="http://schemas.microsoft.com/office/drawing/2014/main" id="{78D0E7F2-A606-3D98-4CE9-4D32A4C0E2C6}"/>
+                <a16:creationId xmlns:a16="http://schemas.microsoft.com/office/drawing/2014/main" xmlns="" id="{78D0E7F2-A606-3D98-4CE9-4D32A4C0E2C6}"/>
               </a:ext>
             </a:extLst>
           </p:cNvPr>
@@ -27664,7 +27592,7 @@
           <p:cNvPr id="12" name="箭头: 五边形 11">
             <a:extLst>
               <a:ext uri="{FF2B5EF4-FFF2-40B4-BE49-F238E27FC236}">
-                <a16:creationId xmlns="" xmlns:a16="http://schemas.microsoft.com/office/drawing/2014/main" id="{E13F04AF-CA49-218E-5AA1-C8D4A89BCA7A}"/>
+                <a16:creationId xmlns:a16="http://schemas.microsoft.com/office/drawing/2014/main" xmlns="" id="{E13F04AF-CA49-218E-5AA1-C8D4A89BCA7A}"/>
               </a:ext>
             </a:extLst>
           </p:cNvPr>
@@ -27711,7 +27639,7 @@
           <p:cNvPr id="13" name="箭头: 五边形 12">
             <a:extLst>
               <a:ext uri="{FF2B5EF4-FFF2-40B4-BE49-F238E27FC236}">
-                <a16:creationId xmlns="" xmlns:a16="http://schemas.microsoft.com/office/drawing/2014/main" id="{05DEB904-DFEB-BAA8-7C26-B72CD611A811}"/>
+                <a16:creationId xmlns:a16="http://schemas.microsoft.com/office/drawing/2014/main" xmlns="" id="{05DEB904-DFEB-BAA8-7C26-B72CD611A811}"/>
               </a:ext>
             </a:extLst>
           </p:cNvPr>
@@ -27767,7 +27695,7 @@
           <p:cNvPr id="14" name="箭头: 五边形 13">
             <a:extLst>
               <a:ext uri="{FF2B5EF4-FFF2-40B4-BE49-F238E27FC236}">
-                <a16:creationId xmlns="" xmlns:a16="http://schemas.microsoft.com/office/drawing/2014/main" id="{FD3B5483-3F50-8FB0-25AC-EC051D3099FB}"/>
+                <a16:creationId xmlns:a16="http://schemas.microsoft.com/office/drawing/2014/main" xmlns="" id="{FD3B5483-3F50-8FB0-25AC-EC051D3099FB}"/>
               </a:ext>
             </a:extLst>
           </p:cNvPr>
@@ -27823,7 +27751,7 @@
           <p:cNvPr id="15" name="箭头: 五边形 14">
             <a:extLst>
               <a:ext uri="{FF2B5EF4-FFF2-40B4-BE49-F238E27FC236}">
-                <a16:creationId xmlns="" xmlns:a16="http://schemas.microsoft.com/office/drawing/2014/main" id="{A43EC445-08DE-C16A-E8F3-A1D64CDC87A4}"/>
+                <a16:creationId xmlns:a16="http://schemas.microsoft.com/office/drawing/2014/main" xmlns="" id="{A43EC445-08DE-C16A-E8F3-A1D64CDC87A4}"/>
               </a:ext>
             </a:extLst>
           </p:cNvPr>
@@ -27879,7 +27807,7 @@
           <p:cNvPr id="16" name="箭头: 五边形 15">
             <a:extLst>
               <a:ext uri="{FF2B5EF4-FFF2-40B4-BE49-F238E27FC236}">
-                <a16:creationId xmlns="" xmlns:a16="http://schemas.microsoft.com/office/drawing/2014/main" id="{B8062128-35C1-DC16-AC2E-34A3B7EFCE5D}"/>
+                <a16:creationId xmlns:a16="http://schemas.microsoft.com/office/drawing/2014/main" xmlns="" id="{B8062128-35C1-DC16-AC2E-34A3B7EFCE5D}"/>
               </a:ext>
             </a:extLst>
           </p:cNvPr>
@@ -27935,7 +27863,7 @@
           <p:cNvPr id="17" name="箭头: 五边形 16">
             <a:extLst>
               <a:ext uri="{FF2B5EF4-FFF2-40B4-BE49-F238E27FC236}">
-                <a16:creationId xmlns="" xmlns:a16="http://schemas.microsoft.com/office/drawing/2014/main" id="{9161E0C4-34BC-E5EF-2DA6-3E4BE128882D}"/>
+                <a16:creationId xmlns:a16="http://schemas.microsoft.com/office/drawing/2014/main" xmlns="" id="{9161E0C4-34BC-E5EF-2DA6-3E4BE128882D}"/>
               </a:ext>
             </a:extLst>
           </p:cNvPr>
@@ -27982,7 +27910,7 @@
           <p:cNvPr id="18" name="箭头: 五边形 17">
             <a:extLst>
               <a:ext uri="{FF2B5EF4-FFF2-40B4-BE49-F238E27FC236}">
-                <a16:creationId xmlns="" xmlns:a16="http://schemas.microsoft.com/office/drawing/2014/main" id="{B14F0095-88A1-E73B-341C-A51D4BF3BCE7}"/>
+                <a16:creationId xmlns:a16="http://schemas.microsoft.com/office/drawing/2014/main" xmlns="" id="{B14F0095-88A1-E73B-341C-A51D4BF3BCE7}"/>
               </a:ext>
             </a:extLst>
           </p:cNvPr>
@@ -28029,7 +27957,7 @@
           <p:cNvPr id="19" name="箭头: 五边形 18">
             <a:extLst>
               <a:ext uri="{FF2B5EF4-FFF2-40B4-BE49-F238E27FC236}">
-                <a16:creationId xmlns="" xmlns:a16="http://schemas.microsoft.com/office/drawing/2014/main" id="{E972E0E3-FC1A-AEDD-7D35-7285E0781540}"/>
+                <a16:creationId xmlns:a16="http://schemas.microsoft.com/office/drawing/2014/main" xmlns="" id="{E972E0E3-FC1A-AEDD-7D35-7285E0781540}"/>
               </a:ext>
             </a:extLst>
           </p:cNvPr>
@@ -28116,7 +28044,7 @@
           <p:cNvPr id="2" name="标题 1">
             <a:extLst>
               <a:ext uri="{FF2B5EF4-FFF2-40B4-BE49-F238E27FC236}">
-                <a16:creationId xmlns="" xmlns:a16="http://schemas.microsoft.com/office/drawing/2014/main" id="{2A9B6C59-89F9-5390-BB77-F8DB7EF7B310}"/>
+                <a16:creationId xmlns:a16="http://schemas.microsoft.com/office/drawing/2014/main" xmlns="" id="{2A9B6C59-89F9-5390-BB77-F8DB7EF7B310}"/>
               </a:ext>
             </a:extLst>
           </p:cNvPr>
@@ -28191,7 +28119,7 @@
           <p:cNvPr id="2" name="标题 1">
             <a:extLst>
               <a:ext uri="{FF2B5EF4-FFF2-40B4-BE49-F238E27FC236}">
-                <a16:creationId xmlns="" xmlns:a16="http://schemas.microsoft.com/office/drawing/2014/main" id="{80796E82-7314-2FBE-2DE8-DDD70D4DF27E}"/>
+                <a16:creationId xmlns:a16="http://schemas.microsoft.com/office/drawing/2014/main" xmlns="" id="{80796E82-7314-2FBE-2DE8-DDD70D4DF27E}"/>
               </a:ext>
             </a:extLst>
           </p:cNvPr>
@@ -28240,7 +28168,7 @@
           <p:cNvPr id="5" name="椭圆 4">
             <a:extLst>
               <a:ext uri="{FF2B5EF4-FFF2-40B4-BE49-F238E27FC236}">
-                <a16:creationId xmlns="" xmlns:a16="http://schemas.microsoft.com/office/drawing/2014/main" id="{A020CC41-9901-5A10-06D8-1F19650A3A6A}"/>
+                <a16:creationId xmlns:a16="http://schemas.microsoft.com/office/drawing/2014/main" xmlns="" id="{A020CC41-9901-5A10-06D8-1F19650A3A6A}"/>
               </a:ext>
             </a:extLst>
           </p:cNvPr>
@@ -28292,7 +28220,7 @@
           <p:cNvPr id="6" name="Google Shape;74;p14">
             <a:extLst>
               <a:ext uri="{FF2B5EF4-FFF2-40B4-BE49-F238E27FC236}">
-                <a16:creationId xmlns="" xmlns:a16="http://schemas.microsoft.com/office/drawing/2014/main" id="{8ABB2948-CF7D-7BD6-14B8-367574244CB2}"/>
+                <a16:creationId xmlns:a16="http://schemas.microsoft.com/office/drawing/2014/main" xmlns="" id="{8ABB2948-CF7D-7BD6-14B8-367574244CB2}"/>
               </a:ext>
             </a:extLst>
           </p:cNvPr>
@@ -28326,7 +28254,7 @@
           <p:cNvPr id="7" name="Google Shape;75;p14">
             <a:extLst>
               <a:ext uri="{FF2B5EF4-FFF2-40B4-BE49-F238E27FC236}">
-                <a16:creationId xmlns="" xmlns:a16="http://schemas.microsoft.com/office/drawing/2014/main" id="{744D1F6B-EBF7-049C-9CBC-D2BD265B8DB5}"/>
+                <a16:creationId xmlns:a16="http://schemas.microsoft.com/office/drawing/2014/main" xmlns="" id="{744D1F6B-EBF7-049C-9CBC-D2BD265B8DB5}"/>
               </a:ext>
             </a:extLst>
           </p:cNvPr>
@@ -28360,7 +28288,7 @@
           <p:cNvPr id="8" name="Google Shape;76;p14">
             <a:extLst>
               <a:ext uri="{FF2B5EF4-FFF2-40B4-BE49-F238E27FC236}">
-                <a16:creationId xmlns="" xmlns:a16="http://schemas.microsoft.com/office/drawing/2014/main" id="{A0604560-830C-4AC9-3717-031AA48B5D45}"/>
+                <a16:creationId xmlns:a16="http://schemas.microsoft.com/office/drawing/2014/main" xmlns="" id="{A0604560-830C-4AC9-3717-031AA48B5D45}"/>
               </a:ext>
             </a:extLst>
           </p:cNvPr>
@@ -28394,7 +28322,7 @@
           <p:cNvPr id="9" name="Google Shape;77;p14">
             <a:extLst>
               <a:ext uri="{FF2B5EF4-FFF2-40B4-BE49-F238E27FC236}">
-                <a16:creationId xmlns="" xmlns:a16="http://schemas.microsoft.com/office/drawing/2014/main" id="{DC03C87C-87BB-A5EB-0D50-DDB31F93A6C2}"/>
+                <a16:creationId xmlns:a16="http://schemas.microsoft.com/office/drawing/2014/main" xmlns="" id="{DC03C87C-87BB-A5EB-0D50-DDB31F93A6C2}"/>
               </a:ext>
             </a:extLst>
           </p:cNvPr>
@@ -28428,7 +28356,7 @@
           <p:cNvPr id="10" name="Google Shape;78;p14">
             <a:extLst>
               <a:ext uri="{FF2B5EF4-FFF2-40B4-BE49-F238E27FC236}">
-                <a16:creationId xmlns="" xmlns:a16="http://schemas.microsoft.com/office/drawing/2014/main" id="{281D3DED-9B64-E88B-FC5F-0C30B82A9484}"/>
+                <a16:creationId xmlns:a16="http://schemas.microsoft.com/office/drawing/2014/main" xmlns="" id="{281D3DED-9B64-E88B-FC5F-0C30B82A9484}"/>
               </a:ext>
             </a:extLst>
           </p:cNvPr>
@@ -28462,7 +28390,7 @@
           <p:cNvPr id="11" name="Google Shape;79;p14">
             <a:extLst>
               <a:ext uri="{FF2B5EF4-FFF2-40B4-BE49-F238E27FC236}">
-                <a16:creationId xmlns="" xmlns:a16="http://schemas.microsoft.com/office/drawing/2014/main" id="{0DAE55E6-D474-C395-BC84-8ACA3CE820A0}"/>
+                <a16:creationId xmlns:a16="http://schemas.microsoft.com/office/drawing/2014/main" xmlns="" id="{0DAE55E6-D474-C395-BC84-8ACA3CE820A0}"/>
               </a:ext>
             </a:extLst>
           </p:cNvPr>
@@ -28496,7 +28424,7 @@
           <p:cNvPr id="12" name="Google Shape;80;p14">
             <a:extLst>
               <a:ext uri="{FF2B5EF4-FFF2-40B4-BE49-F238E27FC236}">
-                <a16:creationId xmlns="" xmlns:a16="http://schemas.microsoft.com/office/drawing/2014/main" id="{3A5AAC50-9F06-A76F-B20B-35CF3612E825}"/>
+                <a16:creationId xmlns:a16="http://schemas.microsoft.com/office/drawing/2014/main" xmlns="" id="{3A5AAC50-9F06-A76F-B20B-35CF3612E825}"/>
               </a:ext>
             </a:extLst>
           </p:cNvPr>
@@ -28530,7 +28458,7 @@
           <p:cNvPr id="13" name="Google Shape;81;p14">
             <a:extLst>
               <a:ext uri="{FF2B5EF4-FFF2-40B4-BE49-F238E27FC236}">
-                <a16:creationId xmlns="" xmlns:a16="http://schemas.microsoft.com/office/drawing/2014/main" id="{F33B3BEC-1095-E464-2D03-703E55B0F8A0}"/>
+                <a16:creationId xmlns:a16="http://schemas.microsoft.com/office/drawing/2014/main" xmlns="" id="{F33B3BEC-1095-E464-2D03-703E55B0F8A0}"/>
               </a:ext>
             </a:extLst>
           </p:cNvPr>
@@ -28564,7 +28492,7 @@
           <p:cNvPr id="14" name="图片 13">
             <a:extLst>
               <a:ext uri="{FF2B5EF4-FFF2-40B4-BE49-F238E27FC236}">
-                <a16:creationId xmlns="" xmlns:a16="http://schemas.microsoft.com/office/drawing/2014/main" id="{A1247C65-E9FE-684D-C577-C3EFF757A026}"/>
+                <a16:creationId xmlns:a16="http://schemas.microsoft.com/office/drawing/2014/main" xmlns="" id="{A1247C65-E9FE-684D-C577-C3EFF757A026}"/>
               </a:ext>
             </a:extLst>
           </p:cNvPr>
@@ -28594,7 +28522,7 @@
           <p:cNvPr id="15" name="图片 14">
             <a:extLst>
               <a:ext uri="{FF2B5EF4-FFF2-40B4-BE49-F238E27FC236}">
-                <a16:creationId xmlns="" xmlns:a16="http://schemas.microsoft.com/office/drawing/2014/main" id="{2E9CE1E3-2135-0036-6AC6-4F023E9FB9FB}"/>
+                <a16:creationId xmlns:a16="http://schemas.microsoft.com/office/drawing/2014/main" xmlns="" id="{2E9CE1E3-2135-0036-6AC6-4F023E9FB9FB}"/>
               </a:ext>
             </a:extLst>
           </p:cNvPr>
@@ -28624,7 +28552,7 @@
           <p:cNvPr id="16" name="图片 15">
             <a:extLst>
               <a:ext uri="{FF2B5EF4-FFF2-40B4-BE49-F238E27FC236}">
-                <a16:creationId xmlns="" xmlns:a16="http://schemas.microsoft.com/office/drawing/2014/main" id="{E105324A-0DF5-3CC5-8FA4-5C776E05B929}"/>
+                <a16:creationId xmlns:a16="http://schemas.microsoft.com/office/drawing/2014/main" xmlns="" id="{E105324A-0DF5-3CC5-8FA4-5C776E05B929}"/>
               </a:ext>
             </a:extLst>
           </p:cNvPr>
@@ -28654,7 +28582,7 @@
           <p:cNvPr id="17" name="图片 16">
             <a:extLst>
               <a:ext uri="{FF2B5EF4-FFF2-40B4-BE49-F238E27FC236}">
-                <a16:creationId xmlns="" xmlns:a16="http://schemas.microsoft.com/office/drawing/2014/main" id="{9B118434-3A73-4D47-C6D6-FBDC473A6E94}"/>
+                <a16:creationId xmlns:a16="http://schemas.microsoft.com/office/drawing/2014/main" xmlns="" id="{9B118434-3A73-4D47-C6D6-FBDC473A6E94}"/>
               </a:ext>
             </a:extLst>
           </p:cNvPr>
@@ -28684,7 +28612,7 @@
           <p:cNvPr id="18" name="图片 17">
             <a:extLst>
               <a:ext uri="{FF2B5EF4-FFF2-40B4-BE49-F238E27FC236}">
-                <a16:creationId xmlns="" xmlns:a16="http://schemas.microsoft.com/office/drawing/2014/main" id="{B4FACCEA-FD77-524D-0769-3E9B324ECE01}"/>
+                <a16:creationId xmlns:a16="http://schemas.microsoft.com/office/drawing/2014/main" xmlns="" id="{B4FACCEA-FD77-524D-0769-3E9B324ECE01}"/>
               </a:ext>
             </a:extLst>
           </p:cNvPr>
@@ -28744,7 +28672,7 @@
           <p:cNvPr id="2" name="标题 1">
             <a:extLst>
               <a:ext uri="{FF2B5EF4-FFF2-40B4-BE49-F238E27FC236}">
-                <a16:creationId xmlns="" xmlns:a16="http://schemas.microsoft.com/office/drawing/2014/main" id="{80796E82-7314-2FBE-2DE8-DDD70D4DF27E}"/>
+                <a16:creationId xmlns:a16="http://schemas.microsoft.com/office/drawing/2014/main" xmlns="" id="{80796E82-7314-2FBE-2DE8-DDD70D4DF27E}"/>
               </a:ext>
             </a:extLst>
           </p:cNvPr>
@@ -28793,7 +28721,7 @@
           <p:cNvPr id="5" name="椭圆 4">
             <a:extLst>
               <a:ext uri="{FF2B5EF4-FFF2-40B4-BE49-F238E27FC236}">
-                <a16:creationId xmlns="" xmlns:a16="http://schemas.microsoft.com/office/drawing/2014/main" id="{A020CC41-9901-5A10-06D8-1F19650A3A6A}"/>
+                <a16:creationId xmlns:a16="http://schemas.microsoft.com/office/drawing/2014/main" xmlns="" id="{A020CC41-9901-5A10-06D8-1F19650A3A6A}"/>
               </a:ext>
             </a:extLst>
           </p:cNvPr>
@@ -28845,7 +28773,7 @@
           <p:cNvPr id="6" name="Google Shape;74;p14">
             <a:extLst>
               <a:ext uri="{FF2B5EF4-FFF2-40B4-BE49-F238E27FC236}">
-                <a16:creationId xmlns="" xmlns:a16="http://schemas.microsoft.com/office/drawing/2014/main" id="{8ABB2948-CF7D-7BD6-14B8-367574244CB2}"/>
+                <a16:creationId xmlns:a16="http://schemas.microsoft.com/office/drawing/2014/main" xmlns="" id="{8ABB2948-CF7D-7BD6-14B8-367574244CB2}"/>
               </a:ext>
             </a:extLst>
           </p:cNvPr>
@@ -28879,7 +28807,7 @@
           <p:cNvPr id="7" name="Google Shape;75;p14">
             <a:extLst>
               <a:ext uri="{FF2B5EF4-FFF2-40B4-BE49-F238E27FC236}">
-                <a16:creationId xmlns="" xmlns:a16="http://schemas.microsoft.com/office/drawing/2014/main" id="{744D1F6B-EBF7-049C-9CBC-D2BD265B8DB5}"/>
+                <a16:creationId xmlns:a16="http://schemas.microsoft.com/office/drawing/2014/main" xmlns="" id="{744D1F6B-EBF7-049C-9CBC-D2BD265B8DB5}"/>
               </a:ext>
             </a:extLst>
           </p:cNvPr>
@@ -28913,7 +28841,7 @@
           <p:cNvPr id="8" name="Google Shape;76;p14">
             <a:extLst>
               <a:ext uri="{FF2B5EF4-FFF2-40B4-BE49-F238E27FC236}">
-                <a16:creationId xmlns="" xmlns:a16="http://schemas.microsoft.com/office/drawing/2014/main" id="{A0604560-830C-4AC9-3717-031AA48B5D45}"/>
+                <a16:creationId xmlns:a16="http://schemas.microsoft.com/office/drawing/2014/main" xmlns="" id="{A0604560-830C-4AC9-3717-031AA48B5D45}"/>
               </a:ext>
             </a:extLst>
           </p:cNvPr>
@@ -28947,7 +28875,7 @@
           <p:cNvPr id="9" name="Google Shape;77;p14">
             <a:extLst>
               <a:ext uri="{FF2B5EF4-FFF2-40B4-BE49-F238E27FC236}">
-                <a16:creationId xmlns="" xmlns:a16="http://schemas.microsoft.com/office/drawing/2014/main" id="{DC03C87C-87BB-A5EB-0D50-DDB31F93A6C2}"/>
+                <a16:creationId xmlns:a16="http://schemas.microsoft.com/office/drawing/2014/main" xmlns="" id="{DC03C87C-87BB-A5EB-0D50-DDB31F93A6C2}"/>
               </a:ext>
             </a:extLst>
           </p:cNvPr>
@@ -28981,7 +28909,7 @@
           <p:cNvPr id="10" name="Google Shape;78;p14">
             <a:extLst>
               <a:ext uri="{FF2B5EF4-FFF2-40B4-BE49-F238E27FC236}">
-                <a16:creationId xmlns="" xmlns:a16="http://schemas.microsoft.com/office/drawing/2014/main" id="{281D3DED-9B64-E88B-FC5F-0C30B82A9484}"/>
+                <a16:creationId xmlns:a16="http://schemas.microsoft.com/office/drawing/2014/main" xmlns="" id="{281D3DED-9B64-E88B-FC5F-0C30B82A9484}"/>
               </a:ext>
             </a:extLst>
           </p:cNvPr>
@@ -29015,7 +28943,7 @@
           <p:cNvPr id="11" name="Google Shape;79;p14">
             <a:extLst>
               <a:ext uri="{FF2B5EF4-FFF2-40B4-BE49-F238E27FC236}">
-                <a16:creationId xmlns="" xmlns:a16="http://schemas.microsoft.com/office/drawing/2014/main" id="{0DAE55E6-D474-C395-BC84-8ACA3CE820A0}"/>
+                <a16:creationId xmlns:a16="http://schemas.microsoft.com/office/drawing/2014/main" xmlns="" id="{0DAE55E6-D474-C395-BC84-8ACA3CE820A0}"/>
               </a:ext>
             </a:extLst>
           </p:cNvPr>
@@ -29049,7 +28977,7 @@
           <p:cNvPr id="12" name="Google Shape;80;p14">
             <a:extLst>
               <a:ext uri="{FF2B5EF4-FFF2-40B4-BE49-F238E27FC236}">
-                <a16:creationId xmlns="" xmlns:a16="http://schemas.microsoft.com/office/drawing/2014/main" id="{3A5AAC50-9F06-A76F-B20B-35CF3612E825}"/>
+                <a16:creationId xmlns:a16="http://schemas.microsoft.com/office/drawing/2014/main" xmlns="" id="{3A5AAC50-9F06-A76F-B20B-35CF3612E825}"/>
               </a:ext>
             </a:extLst>
           </p:cNvPr>
@@ -29083,7 +29011,7 @@
           <p:cNvPr id="13" name="Google Shape;81;p14">
             <a:extLst>
               <a:ext uri="{FF2B5EF4-FFF2-40B4-BE49-F238E27FC236}">
-                <a16:creationId xmlns="" xmlns:a16="http://schemas.microsoft.com/office/drawing/2014/main" id="{F33B3BEC-1095-E464-2D03-703E55B0F8A0}"/>
+                <a16:creationId xmlns:a16="http://schemas.microsoft.com/office/drawing/2014/main" xmlns="" id="{F33B3BEC-1095-E464-2D03-703E55B0F8A0}"/>
               </a:ext>
             </a:extLst>
           </p:cNvPr>
@@ -29117,7 +29045,7 @@
           <p:cNvPr id="14" name="图片 13">
             <a:extLst>
               <a:ext uri="{FF2B5EF4-FFF2-40B4-BE49-F238E27FC236}">
-                <a16:creationId xmlns="" xmlns:a16="http://schemas.microsoft.com/office/drawing/2014/main" id="{A1247C65-E9FE-684D-C577-C3EFF757A026}"/>
+                <a16:creationId xmlns:a16="http://schemas.microsoft.com/office/drawing/2014/main" xmlns="" id="{A1247C65-E9FE-684D-C577-C3EFF757A026}"/>
               </a:ext>
             </a:extLst>
           </p:cNvPr>
@@ -29147,7 +29075,7 @@
           <p:cNvPr id="15" name="图片 14">
             <a:extLst>
               <a:ext uri="{FF2B5EF4-FFF2-40B4-BE49-F238E27FC236}">
-                <a16:creationId xmlns="" xmlns:a16="http://schemas.microsoft.com/office/drawing/2014/main" id="{2E9CE1E3-2135-0036-6AC6-4F023E9FB9FB}"/>
+                <a16:creationId xmlns:a16="http://schemas.microsoft.com/office/drawing/2014/main" xmlns="" id="{2E9CE1E3-2135-0036-6AC6-4F023E9FB9FB}"/>
               </a:ext>
             </a:extLst>
           </p:cNvPr>
@@ -29177,7 +29105,7 @@
           <p:cNvPr id="16" name="图片 15">
             <a:extLst>
               <a:ext uri="{FF2B5EF4-FFF2-40B4-BE49-F238E27FC236}">
-                <a16:creationId xmlns="" xmlns:a16="http://schemas.microsoft.com/office/drawing/2014/main" id="{E105324A-0DF5-3CC5-8FA4-5C776E05B929}"/>
+                <a16:creationId xmlns:a16="http://schemas.microsoft.com/office/drawing/2014/main" xmlns="" id="{E105324A-0DF5-3CC5-8FA4-5C776E05B929}"/>
               </a:ext>
             </a:extLst>
           </p:cNvPr>
@@ -29207,7 +29135,7 @@
           <p:cNvPr id="17" name="图片 16">
             <a:extLst>
               <a:ext uri="{FF2B5EF4-FFF2-40B4-BE49-F238E27FC236}">
-                <a16:creationId xmlns="" xmlns:a16="http://schemas.microsoft.com/office/drawing/2014/main" id="{9B118434-3A73-4D47-C6D6-FBDC473A6E94}"/>
+                <a16:creationId xmlns:a16="http://schemas.microsoft.com/office/drawing/2014/main" xmlns="" id="{9B118434-3A73-4D47-C6D6-FBDC473A6E94}"/>
               </a:ext>
             </a:extLst>
           </p:cNvPr>
@@ -29237,7 +29165,7 @@
           <p:cNvPr id="18" name="图片 17">
             <a:extLst>
               <a:ext uri="{FF2B5EF4-FFF2-40B4-BE49-F238E27FC236}">
-                <a16:creationId xmlns="" xmlns:a16="http://schemas.microsoft.com/office/drawing/2014/main" id="{B4FACCEA-FD77-524D-0769-3E9B324ECE01}"/>
+                <a16:creationId xmlns:a16="http://schemas.microsoft.com/office/drawing/2014/main" xmlns="" id="{B4FACCEA-FD77-524D-0769-3E9B324ECE01}"/>
               </a:ext>
             </a:extLst>
           </p:cNvPr>
@@ -29267,7 +29195,7 @@
           <p:cNvPr id="19" name="Google Shape;87;p14">
             <a:extLst>
               <a:ext uri="{FF2B5EF4-FFF2-40B4-BE49-F238E27FC236}">
-                <a16:creationId xmlns="" xmlns:a16="http://schemas.microsoft.com/office/drawing/2014/main" id="{D5F99ADA-5751-0003-A146-8C3479B5FA29}"/>
+                <a16:creationId xmlns:a16="http://schemas.microsoft.com/office/drawing/2014/main" xmlns="" id="{D5F99ADA-5751-0003-A146-8C3479B5FA29}"/>
               </a:ext>
             </a:extLst>
           </p:cNvPr>
@@ -29301,7 +29229,7 @@
           <p:cNvPr id="21" name="Google Shape;87;p14">
             <a:extLst>
               <a:ext uri="{FF2B5EF4-FFF2-40B4-BE49-F238E27FC236}">
-                <a16:creationId xmlns="" xmlns:a16="http://schemas.microsoft.com/office/drawing/2014/main" id="{90F13ACB-01F8-F61D-B504-33D42F0F054E}"/>
+                <a16:creationId xmlns:a16="http://schemas.microsoft.com/office/drawing/2014/main" xmlns="" id="{90F13ACB-01F8-F61D-B504-33D42F0F054E}"/>
               </a:ext>
             </a:extLst>
           </p:cNvPr>
@@ -29335,7 +29263,7 @@
           <p:cNvPr id="24" name="Google Shape;85;p14">
             <a:extLst>
               <a:ext uri="{FF2B5EF4-FFF2-40B4-BE49-F238E27FC236}">
-                <a16:creationId xmlns="" xmlns:a16="http://schemas.microsoft.com/office/drawing/2014/main" id="{8498F254-73E8-BE24-4CFC-E75E188DD02A}"/>
+                <a16:creationId xmlns:a16="http://schemas.microsoft.com/office/drawing/2014/main" xmlns="" id="{8498F254-73E8-BE24-4CFC-E75E188DD02A}"/>
               </a:ext>
             </a:extLst>
           </p:cNvPr>
@@ -29376,7 +29304,7 @@
           <p:cNvPr id="25" name="Google Shape;85;p14">
             <a:extLst>
               <a:ext uri="{FF2B5EF4-FFF2-40B4-BE49-F238E27FC236}">
-                <a16:creationId xmlns="" xmlns:a16="http://schemas.microsoft.com/office/drawing/2014/main" id="{5C78CA6E-6DFC-515D-2D93-7149CE8D13F3}"/>
+                <a16:creationId xmlns:a16="http://schemas.microsoft.com/office/drawing/2014/main" xmlns="" id="{5C78CA6E-6DFC-515D-2D93-7149CE8D13F3}"/>
               </a:ext>
             </a:extLst>
           </p:cNvPr>
@@ -29417,7 +29345,7 @@
           <p:cNvPr id="26" name="Google Shape;90;p14">
             <a:extLst>
               <a:ext uri="{FF2B5EF4-FFF2-40B4-BE49-F238E27FC236}">
-                <a16:creationId xmlns="" xmlns:a16="http://schemas.microsoft.com/office/drawing/2014/main" id="{70D7F9C8-3F19-0671-CC95-0C6FF2D659F6}"/>
+                <a16:creationId xmlns:a16="http://schemas.microsoft.com/office/drawing/2014/main" xmlns="" id="{70D7F9C8-3F19-0671-CC95-0C6FF2D659F6}"/>
               </a:ext>
             </a:extLst>
           </p:cNvPr>
@@ -29451,7 +29379,7 @@
           <p:cNvPr id="27" name="Google Shape;83;p14">
             <a:extLst>
               <a:ext uri="{FF2B5EF4-FFF2-40B4-BE49-F238E27FC236}">
-                <a16:creationId xmlns="" xmlns:a16="http://schemas.microsoft.com/office/drawing/2014/main" id="{7612AD67-07A2-FFEB-0DE5-F90CDC1B4A5C}"/>
+                <a16:creationId xmlns:a16="http://schemas.microsoft.com/office/drawing/2014/main" xmlns="" id="{7612AD67-07A2-FFEB-0DE5-F90CDC1B4A5C}"/>
               </a:ext>
             </a:extLst>
           </p:cNvPr>
@@ -29496,7 +29424,7 @@
           <p:cNvPr id="28" name="Google Shape;83;p14">
             <a:extLst>
               <a:ext uri="{FF2B5EF4-FFF2-40B4-BE49-F238E27FC236}">
-                <a16:creationId xmlns="" xmlns:a16="http://schemas.microsoft.com/office/drawing/2014/main" id="{8DAAC8FF-3497-68B4-671F-222AE70DDC00}"/>
+                <a16:creationId xmlns:a16="http://schemas.microsoft.com/office/drawing/2014/main" xmlns="" id="{8DAAC8FF-3497-68B4-671F-222AE70DDC00}"/>
               </a:ext>
             </a:extLst>
           </p:cNvPr>
@@ -29541,7 +29469,7 @@
           <p:cNvPr id="29" name="矩形 28">
             <a:extLst>
               <a:ext uri="{FF2B5EF4-FFF2-40B4-BE49-F238E27FC236}">
-                <a16:creationId xmlns="" xmlns:a16="http://schemas.microsoft.com/office/drawing/2014/main" id="{F5D95F4C-2AC2-CBDE-25EE-8B0D5572C4DD}"/>
+                <a16:creationId xmlns:a16="http://schemas.microsoft.com/office/drawing/2014/main" xmlns="" id="{F5D95F4C-2AC2-CBDE-25EE-8B0D5572C4DD}"/>
               </a:ext>
             </a:extLst>
           </p:cNvPr>
@@ -29592,7 +29520,7 @@
           <p:cNvPr id="30" name="文本框 29">
             <a:extLst>
               <a:ext uri="{FF2B5EF4-FFF2-40B4-BE49-F238E27FC236}">
-                <a16:creationId xmlns="" xmlns:a16="http://schemas.microsoft.com/office/drawing/2014/main" id="{02CD6288-94AE-B133-56AB-163E634896EC}"/>
+                <a16:creationId xmlns:a16="http://schemas.microsoft.com/office/drawing/2014/main" xmlns="" id="{02CD6288-94AE-B133-56AB-163E634896EC}"/>
               </a:ext>
             </a:extLst>
           </p:cNvPr>
@@ -29661,7 +29589,7 @@
           <p:cNvPr id="2" name="标题 1">
             <a:extLst>
               <a:ext uri="{FF2B5EF4-FFF2-40B4-BE49-F238E27FC236}">
-                <a16:creationId xmlns="" xmlns:a16="http://schemas.microsoft.com/office/drawing/2014/main" id="{80796E82-7314-2FBE-2DE8-DDD70D4DF27E}"/>
+                <a16:creationId xmlns:a16="http://schemas.microsoft.com/office/drawing/2014/main" xmlns="" id="{80796E82-7314-2FBE-2DE8-DDD70D4DF27E}"/>
               </a:ext>
             </a:extLst>
           </p:cNvPr>
@@ -29710,7 +29638,7 @@
           <p:cNvPr id="5" name="椭圆 4">
             <a:extLst>
               <a:ext uri="{FF2B5EF4-FFF2-40B4-BE49-F238E27FC236}">
-                <a16:creationId xmlns="" xmlns:a16="http://schemas.microsoft.com/office/drawing/2014/main" id="{A020CC41-9901-5A10-06D8-1F19650A3A6A}"/>
+                <a16:creationId xmlns:a16="http://schemas.microsoft.com/office/drawing/2014/main" xmlns="" id="{A020CC41-9901-5A10-06D8-1F19650A3A6A}"/>
               </a:ext>
             </a:extLst>
           </p:cNvPr>
@@ -29762,7 +29690,7 @@
           <p:cNvPr id="6" name="Google Shape;74;p14">
             <a:extLst>
               <a:ext uri="{FF2B5EF4-FFF2-40B4-BE49-F238E27FC236}">
-                <a16:creationId xmlns="" xmlns:a16="http://schemas.microsoft.com/office/drawing/2014/main" id="{8ABB2948-CF7D-7BD6-14B8-367574244CB2}"/>
+                <a16:creationId xmlns:a16="http://schemas.microsoft.com/office/drawing/2014/main" xmlns="" id="{8ABB2948-CF7D-7BD6-14B8-367574244CB2}"/>
               </a:ext>
             </a:extLst>
           </p:cNvPr>
@@ -29796,7 +29724,7 @@
           <p:cNvPr id="7" name="Google Shape;75;p14">
             <a:extLst>
               <a:ext uri="{FF2B5EF4-FFF2-40B4-BE49-F238E27FC236}">
-                <a16:creationId xmlns="" xmlns:a16="http://schemas.microsoft.com/office/drawing/2014/main" id="{744D1F6B-EBF7-049C-9CBC-D2BD265B8DB5}"/>
+                <a16:creationId xmlns:a16="http://schemas.microsoft.com/office/drawing/2014/main" xmlns="" id="{744D1F6B-EBF7-049C-9CBC-D2BD265B8DB5}"/>
               </a:ext>
             </a:extLst>
           </p:cNvPr>
@@ -29830,7 +29758,7 @@
           <p:cNvPr id="8" name="Google Shape;76;p14">
             <a:extLst>
               <a:ext uri="{FF2B5EF4-FFF2-40B4-BE49-F238E27FC236}">
-                <a16:creationId xmlns="" xmlns:a16="http://schemas.microsoft.com/office/drawing/2014/main" id="{A0604560-830C-4AC9-3717-031AA48B5D45}"/>
+                <a16:creationId xmlns:a16="http://schemas.microsoft.com/office/drawing/2014/main" xmlns="" id="{A0604560-830C-4AC9-3717-031AA48B5D45}"/>
               </a:ext>
             </a:extLst>
           </p:cNvPr>
@@ -29864,7 +29792,7 @@
           <p:cNvPr id="9" name="Google Shape;77;p14">
             <a:extLst>
               <a:ext uri="{FF2B5EF4-FFF2-40B4-BE49-F238E27FC236}">
-                <a16:creationId xmlns="" xmlns:a16="http://schemas.microsoft.com/office/drawing/2014/main" id="{DC03C87C-87BB-A5EB-0D50-DDB31F93A6C2}"/>
+                <a16:creationId xmlns:a16="http://schemas.microsoft.com/office/drawing/2014/main" xmlns="" id="{DC03C87C-87BB-A5EB-0D50-DDB31F93A6C2}"/>
               </a:ext>
             </a:extLst>
           </p:cNvPr>
@@ -29898,7 +29826,7 @@
           <p:cNvPr id="10" name="Google Shape;78;p14">
             <a:extLst>
               <a:ext uri="{FF2B5EF4-FFF2-40B4-BE49-F238E27FC236}">
-                <a16:creationId xmlns="" xmlns:a16="http://schemas.microsoft.com/office/drawing/2014/main" id="{281D3DED-9B64-E88B-FC5F-0C30B82A9484}"/>
+                <a16:creationId xmlns:a16="http://schemas.microsoft.com/office/drawing/2014/main" xmlns="" id="{281D3DED-9B64-E88B-FC5F-0C30B82A9484}"/>
               </a:ext>
             </a:extLst>
           </p:cNvPr>
@@ -29932,7 +29860,7 @@
           <p:cNvPr id="11" name="Google Shape;79;p14">
             <a:extLst>
               <a:ext uri="{FF2B5EF4-FFF2-40B4-BE49-F238E27FC236}">
-                <a16:creationId xmlns="" xmlns:a16="http://schemas.microsoft.com/office/drawing/2014/main" id="{0DAE55E6-D474-C395-BC84-8ACA3CE820A0}"/>
+                <a16:creationId xmlns:a16="http://schemas.microsoft.com/office/drawing/2014/main" xmlns="" id="{0DAE55E6-D474-C395-BC84-8ACA3CE820A0}"/>
               </a:ext>
             </a:extLst>
           </p:cNvPr>
@@ -29966,7 +29894,7 @@
           <p:cNvPr id="12" name="Google Shape;80;p14">
             <a:extLst>
               <a:ext uri="{FF2B5EF4-FFF2-40B4-BE49-F238E27FC236}">
-                <a16:creationId xmlns="" xmlns:a16="http://schemas.microsoft.com/office/drawing/2014/main" id="{3A5AAC50-9F06-A76F-B20B-35CF3612E825}"/>
+                <a16:creationId xmlns:a16="http://schemas.microsoft.com/office/drawing/2014/main" xmlns="" id="{3A5AAC50-9F06-A76F-B20B-35CF3612E825}"/>
               </a:ext>
             </a:extLst>
           </p:cNvPr>
@@ -30000,7 +29928,7 @@
           <p:cNvPr id="13" name="Google Shape;81;p14">
             <a:extLst>
               <a:ext uri="{FF2B5EF4-FFF2-40B4-BE49-F238E27FC236}">
-                <a16:creationId xmlns="" xmlns:a16="http://schemas.microsoft.com/office/drawing/2014/main" id="{F33B3BEC-1095-E464-2D03-703E55B0F8A0}"/>
+                <a16:creationId xmlns:a16="http://schemas.microsoft.com/office/drawing/2014/main" xmlns="" id="{F33B3BEC-1095-E464-2D03-703E55B0F8A0}"/>
               </a:ext>
             </a:extLst>
           </p:cNvPr>
@@ -30034,7 +29962,7 @@
           <p:cNvPr id="19" name="Google Shape;87;p14">
             <a:extLst>
               <a:ext uri="{FF2B5EF4-FFF2-40B4-BE49-F238E27FC236}">
-                <a16:creationId xmlns="" xmlns:a16="http://schemas.microsoft.com/office/drawing/2014/main" id="{D5F99ADA-5751-0003-A146-8C3479B5FA29}"/>
+                <a16:creationId xmlns:a16="http://schemas.microsoft.com/office/drawing/2014/main" xmlns="" id="{D5F99ADA-5751-0003-A146-8C3479B5FA29}"/>
               </a:ext>
             </a:extLst>
           </p:cNvPr>
@@ -30068,7 +29996,7 @@
           <p:cNvPr id="24" name="Google Shape;85;p14">
             <a:extLst>
               <a:ext uri="{FF2B5EF4-FFF2-40B4-BE49-F238E27FC236}">
-                <a16:creationId xmlns="" xmlns:a16="http://schemas.microsoft.com/office/drawing/2014/main" id="{8498F254-73E8-BE24-4CFC-E75E188DD02A}"/>
+                <a16:creationId xmlns:a16="http://schemas.microsoft.com/office/drawing/2014/main" xmlns="" id="{8498F254-73E8-BE24-4CFC-E75E188DD02A}"/>
               </a:ext>
             </a:extLst>
           </p:cNvPr>
@@ -30109,7 +30037,7 @@
           <p:cNvPr id="21" name="Google Shape;87;p14">
             <a:extLst>
               <a:ext uri="{FF2B5EF4-FFF2-40B4-BE49-F238E27FC236}">
-                <a16:creationId xmlns="" xmlns:a16="http://schemas.microsoft.com/office/drawing/2014/main" id="{90F13ACB-01F8-F61D-B504-33D42F0F054E}"/>
+                <a16:creationId xmlns:a16="http://schemas.microsoft.com/office/drawing/2014/main" xmlns="" id="{90F13ACB-01F8-F61D-B504-33D42F0F054E}"/>
               </a:ext>
             </a:extLst>
           </p:cNvPr>
@@ -30143,7 +30071,7 @@
           <p:cNvPr id="25" name="Google Shape;85;p14">
             <a:extLst>
               <a:ext uri="{FF2B5EF4-FFF2-40B4-BE49-F238E27FC236}">
-                <a16:creationId xmlns="" xmlns:a16="http://schemas.microsoft.com/office/drawing/2014/main" id="{5C78CA6E-6DFC-515D-2D93-7149CE8D13F3}"/>
+                <a16:creationId xmlns:a16="http://schemas.microsoft.com/office/drawing/2014/main" xmlns="" id="{5C78CA6E-6DFC-515D-2D93-7149CE8D13F3}"/>
               </a:ext>
             </a:extLst>
           </p:cNvPr>
@@ -30184,7 +30112,7 @@
           <p:cNvPr id="26" name="Google Shape;90;p14">
             <a:extLst>
               <a:ext uri="{FF2B5EF4-FFF2-40B4-BE49-F238E27FC236}">
-                <a16:creationId xmlns="" xmlns:a16="http://schemas.microsoft.com/office/drawing/2014/main" id="{70D7F9C8-3F19-0671-CC95-0C6FF2D659F6}"/>
+                <a16:creationId xmlns:a16="http://schemas.microsoft.com/office/drawing/2014/main" xmlns="" id="{70D7F9C8-3F19-0671-CC95-0C6FF2D659F6}"/>
               </a:ext>
             </a:extLst>
           </p:cNvPr>
@@ -30218,7 +30146,7 @@
           <p:cNvPr id="27" name="Google Shape;100;p14">
             <a:extLst>
               <a:ext uri="{FF2B5EF4-FFF2-40B4-BE49-F238E27FC236}">
-                <a16:creationId xmlns="" xmlns:a16="http://schemas.microsoft.com/office/drawing/2014/main" id="{F8A7C898-9B48-9B98-9416-6CC35654182E}"/>
+                <a16:creationId xmlns:a16="http://schemas.microsoft.com/office/drawing/2014/main" xmlns="" id="{F8A7C898-9B48-9B98-9416-6CC35654182E}"/>
               </a:ext>
             </a:extLst>
           </p:cNvPr>
@@ -30261,7 +30189,7 @@
           <p:cNvPr id="28" name="Google Shape;100;p14">
             <a:extLst>
               <a:ext uri="{FF2B5EF4-FFF2-40B4-BE49-F238E27FC236}">
-                <a16:creationId xmlns="" xmlns:a16="http://schemas.microsoft.com/office/drawing/2014/main" id="{3EA7DA9C-7016-E18A-3815-E4ABF57833E3}"/>
+                <a16:creationId xmlns:a16="http://schemas.microsoft.com/office/drawing/2014/main" xmlns="" id="{3EA7DA9C-7016-E18A-3815-E4ABF57833E3}"/>
               </a:ext>
             </a:extLst>
           </p:cNvPr>
@@ -30304,7 +30232,7 @@
           <p:cNvPr id="29" name="Google Shape;100;p14">
             <a:extLst>
               <a:ext uri="{FF2B5EF4-FFF2-40B4-BE49-F238E27FC236}">
-                <a16:creationId xmlns="" xmlns:a16="http://schemas.microsoft.com/office/drawing/2014/main" id="{A17C1FA6-D0D2-529D-9879-E520D1CE77D6}"/>
+                <a16:creationId xmlns:a16="http://schemas.microsoft.com/office/drawing/2014/main" xmlns="" id="{A17C1FA6-D0D2-529D-9879-E520D1CE77D6}"/>
               </a:ext>
             </a:extLst>
           </p:cNvPr>
@@ -30347,7 +30275,7 @@
           <p:cNvPr id="30" name="Google Shape;100;p14">
             <a:extLst>
               <a:ext uri="{FF2B5EF4-FFF2-40B4-BE49-F238E27FC236}">
-                <a16:creationId xmlns="" xmlns:a16="http://schemas.microsoft.com/office/drawing/2014/main" id="{04D7ED66-035D-0386-E0EE-BA6FE024830F}"/>
+                <a16:creationId xmlns:a16="http://schemas.microsoft.com/office/drawing/2014/main" xmlns="" id="{04D7ED66-035D-0386-E0EE-BA6FE024830F}"/>
               </a:ext>
             </a:extLst>
           </p:cNvPr>
@@ -30390,7 +30318,7 @@
           <p:cNvPr id="31" name="Google Shape;100;p14">
             <a:extLst>
               <a:ext uri="{FF2B5EF4-FFF2-40B4-BE49-F238E27FC236}">
-                <a16:creationId xmlns="" xmlns:a16="http://schemas.microsoft.com/office/drawing/2014/main" id="{C7775653-CC84-E4C0-151C-20531BC61B52}"/>
+                <a16:creationId xmlns:a16="http://schemas.microsoft.com/office/drawing/2014/main" xmlns="" id="{C7775653-CC84-E4C0-151C-20531BC61B52}"/>
               </a:ext>
             </a:extLst>
           </p:cNvPr>
@@ -30433,7 +30361,7 @@
           <p:cNvPr id="33" name="Google Shape;83;p14">
             <a:extLst>
               <a:ext uri="{FF2B5EF4-FFF2-40B4-BE49-F238E27FC236}">
-                <a16:creationId xmlns="" xmlns:a16="http://schemas.microsoft.com/office/drawing/2014/main" id="{BC3B66DE-CAB4-4145-73F1-EC5796C670B2}"/>
+                <a16:creationId xmlns:a16="http://schemas.microsoft.com/office/drawing/2014/main" xmlns="" id="{BC3B66DE-CAB4-4145-73F1-EC5796C670B2}"/>
               </a:ext>
             </a:extLst>
           </p:cNvPr>
@@ -30478,7 +30406,7 @@
           <p:cNvPr id="32" name="Google Shape;83;p14">
             <a:extLst>
               <a:ext uri="{FF2B5EF4-FFF2-40B4-BE49-F238E27FC236}">
-                <a16:creationId xmlns="" xmlns:a16="http://schemas.microsoft.com/office/drawing/2014/main" id="{D89174EE-20E3-9DC6-DAF2-2B277BF0CA73}"/>
+                <a16:creationId xmlns:a16="http://schemas.microsoft.com/office/drawing/2014/main" xmlns="" id="{D89174EE-20E3-9DC6-DAF2-2B277BF0CA73}"/>
               </a:ext>
             </a:extLst>
           </p:cNvPr>
@@ -30523,7 +30451,7 @@
           <p:cNvPr id="15" name="图片 14">
             <a:extLst>
               <a:ext uri="{FF2B5EF4-FFF2-40B4-BE49-F238E27FC236}">
-                <a16:creationId xmlns="" xmlns:a16="http://schemas.microsoft.com/office/drawing/2014/main" id="{2E9CE1E3-2135-0036-6AC6-4F023E9FB9FB}"/>
+                <a16:creationId xmlns:a16="http://schemas.microsoft.com/office/drawing/2014/main" xmlns="" id="{2E9CE1E3-2135-0036-6AC6-4F023E9FB9FB}"/>
               </a:ext>
             </a:extLst>
           </p:cNvPr>
@@ -30553,7 +30481,7 @@
           <p:cNvPr id="18" name="图片 17">
             <a:extLst>
               <a:ext uri="{FF2B5EF4-FFF2-40B4-BE49-F238E27FC236}">
-                <a16:creationId xmlns="" xmlns:a16="http://schemas.microsoft.com/office/drawing/2014/main" id="{B4FACCEA-FD77-524D-0769-3E9B324ECE01}"/>
+                <a16:creationId xmlns:a16="http://schemas.microsoft.com/office/drawing/2014/main" xmlns="" id="{B4FACCEA-FD77-524D-0769-3E9B324ECE01}"/>
               </a:ext>
             </a:extLst>
           </p:cNvPr>
@@ -30583,7 +30511,7 @@
           <p:cNvPr id="16" name="图片 15">
             <a:extLst>
               <a:ext uri="{FF2B5EF4-FFF2-40B4-BE49-F238E27FC236}">
-                <a16:creationId xmlns="" xmlns:a16="http://schemas.microsoft.com/office/drawing/2014/main" id="{E105324A-0DF5-3CC5-8FA4-5C776E05B929}"/>
+                <a16:creationId xmlns:a16="http://schemas.microsoft.com/office/drawing/2014/main" xmlns="" id="{E105324A-0DF5-3CC5-8FA4-5C776E05B929}"/>
               </a:ext>
             </a:extLst>
           </p:cNvPr>
@@ -30613,7 +30541,7 @@
           <p:cNvPr id="14" name="图片 13">
             <a:extLst>
               <a:ext uri="{FF2B5EF4-FFF2-40B4-BE49-F238E27FC236}">
-                <a16:creationId xmlns="" xmlns:a16="http://schemas.microsoft.com/office/drawing/2014/main" id="{A1247C65-E9FE-684D-C577-C3EFF757A026}"/>
+                <a16:creationId xmlns:a16="http://schemas.microsoft.com/office/drawing/2014/main" xmlns="" id="{A1247C65-E9FE-684D-C577-C3EFF757A026}"/>
               </a:ext>
             </a:extLst>
           </p:cNvPr>
@@ -30643,7 +30571,7 @@
           <p:cNvPr id="17" name="图片 16">
             <a:extLst>
               <a:ext uri="{FF2B5EF4-FFF2-40B4-BE49-F238E27FC236}">
-                <a16:creationId xmlns="" xmlns:a16="http://schemas.microsoft.com/office/drawing/2014/main" id="{9B118434-3A73-4D47-C6D6-FBDC473A6E94}"/>
+                <a16:creationId xmlns:a16="http://schemas.microsoft.com/office/drawing/2014/main" xmlns="" id="{9B118434-3A73-4D47-C6D6-FBDC473A6E94}"/>
               </a:ext>
             </a:extLst>
           </p:cNvPr>

--- a/机制图示.pptx
+++ b/机制图示.pptx
@@ -231,7 +231,7 @@
           <a:p>
             <a:fld id="{93FFD0A6-741C-4C59-A922-D8D610EF6968}" type="datetimeFigureOut">
               <a:rPr lang="zh-CN" altLang="en-US" smtClean="0"/>
-              <a:t>2022/8/3</a:t>
+              <a:t>2022/8/5</a:t>
             </a:fld>
             <a:endParaRPr lang="zh-CN" altLang="en-US"/>
           </a:p>
@@ -629,7 +629,7 @@
           <p:cNvPr id="2" name="标题 1">
             <a:extLst>
               <a:ext uri="{FF2B5EF4-FFF2-40B4-BE49-F238E27FC236}">
-                <a16:creationId xmlns:a16="http://schemas.microsoft.com/office/drawing/2014/main" xmlns="" id="{4C529C05-6993-E374-2DE2-7EC1B69BA1EE}"/>
+                <a16:creationId xmlns="" xmlns:a16="http://schemas.microsoft.com/office/drawing/2014/main" id="{4C529C05-6993-E374-2DE2-7EC1B69BA1EE}"/>
               </a:ext>
             </a:extLst>
           </p:cNvPr>
@@ -666,7 +666,7 @@
           <p:cNvPr id="3" name="副标题 2">
             <a:extLst>
               <a:ext uri="{FF2B5EF4-FFF2-40B4-BE49-F238E27FC236}">
-                <a16:creationId xmlns:a16="http://schemas.microsoft.com/office/drawing/2014/main" xmlns="" id="{8D685AB2-71E0-83AD-E648-EA31522F89AA}"/>
+                <a16:creationId xmlns="" xmlns:a16="http://schemas.microsoft.com/office/drawing/2014/main" id="{8D685AB2-71E0-83AD-E648-EA31522F89AA}"/>
               </a:ext>
             </a:extLst>
           </p:cNvPr>
@@ -736,7 +736,7 @@
           <p:cNvPr id="4" name="日期占位符 3">
             <a:extLst>
               <a:ext uri="{FF2B5EF4-FFF2-40B4-BE49-F238E27FC236}">
-                <a16:creationId xmlns:a16="http://schemas.microsoft.com/office/drawing/2014/main" xmlns="" id="{C45A1BBE-92AA-97BD-9EDC-AF0FF54A8CA6}"/>
+                <a16:creationId xmlns="" xmlns:a16="http://schemas.microsoft.com/office/drawing/2014/main" id="{C45A1BBE-92AA-97BD-9EDC-AF0FF54A8CA6}"/>
               </a:ext>
             </a:extLst>
           </p:cNvPr>
@@ -754,7 +754,7 @@
           <a:p>
             <a:fld id="{BA054789-EACE-4F0B-85CE-A0AE8F37913A}" type="datetimeFigureOut">
               <a:rPr lang="zh-CN" altLang="en-US" smtClean="0"/>
-              <a:t>2022/8/3</a:t>
+              <a:t>2022/8/5</a:t>
             </a:fld>
             <a:endParaRPr lang="zh-CN" altLang="en-US"/>
           </a:p>
@@ -765,7 +765,7 @@
           <p:cNvPr id="5" name="页脚占位符 4">
             <a:extLst>
               <a:ext uri="{FF2B5EF4-FFF2-40B4-BE49-F238E27FC236}">
-                <a16:creationId xmlns:a16="http://schemas.microsoft.com/office/drawing/2014/main" xmlns="" id="{E277CA1F-C9EC-9993-71F1-866A8154ED53}"/>
+                <a16:creationId xmlns="" xmlns:a16="http://schemas.microsoft.com/office/drawing/2014/main" id="{E277CA1F-C9EC-9993-71F1-866A8154ED53}"/>
               </a:ext>
             </a:extLst>
           </p:cNvPr>
@@ -790,7 +790,7 @@
           <p:cNvPr id="6" name="灯片编号占位符 5">
             <a:extLst>
               <a:ext uri="{FF2B5EF4-FFF2-40B4-BE49-F238E27FC236}">
-                <a16:creationId xmlns:a16="http://schemas.microsoft.com/office/drawing/2014/main" xmlns="" id="{0922099B-A7A5-E88B-B7B1-0425B195CADF}"/>
+                <a16:creationId xmlns="" xmlns:a16="http://schemas.microsoft.com/office/drawing/2014/main" id="{0922099B-A7A5-E88B-B7B1-0425B195CADF}"/>
               </a:ext>
             </a:extLst>
           </p:cNvPr>
@@ -849,7 +849,7 @@
           <p:cNvPr id="2" name="标题 1">
             <a:extLst>
               <a:ext uri="{FF2B5EF4-FFF2-40B4-BE49-F238E27FC236}">
-                <a16:creationId xmlns:a16="http://schemas.microsoft.com/office/drawing/2014/main" xmlns="" id="{4F5DFE4F-2322-BE5D-1ACB-D8FCEDC42378}"/>
+                <a16:creationId xmlns="" xmlns:a16="http://schemas.microsoft.com/office/drawing/2014/main" id="{4F5DFE4F-2322-BE5D-1ACB-D8FCEDC42378}"/>
               </a:ext>
             </a:extLst>
           </p:cNvPr>
@@ -877,7 +877,7 @@
           <p:cNvPr id="3" name="竖排文字占位符 2">
             <a:extLst>
               <a:ext uri="{FF2B5EF4-FFF2-40B4-BE49-F238E27FC236}">
-                <a16:creationId xmlns:a16="http://schemas.microsoft.com/office/drawing/2014/main" xmlns="" id="{8088D73B-E816-C321-246D-CD37EBC9C0AB}"/>
+                <a16:creationId xmlns="" xmlns:a16="http://schemas.microsoft.com/office/drawing/2014/main" id="{8088D73B-E816-C321-246D-CD37EBC9C0AB}"/>
               </a:ext>
             </a:extLst>
           </p:cNvPr>
@@ -934,7 +934,7 @@
           <p:cNvPr id="4" name="日期占位符 3">
             <a:extLst>
               <a:ext uri="{FF2B5EF4-FFF2-40B4-BE49-F238E27FC236}">
-                <a16:creationId xmlns:a16="http://schemas.microsoft.com/office/drawing/2014/main" xmlns="" id="{8DECFDC4-0E3F-9145-8C63-E9FFF453FFAB}"/>
+                <a16:creationId xmlns="" xmlns:a16="http://schemas.microsoft.com/office/drawing/2014/main" id="{8DECFDC4-0E3F-9145-8C63-E9FFF453FFAB}"/>
               </a:ext>
             </a:extLst>
           </p:cNvPr>
@@ -952,7 +952,7 @@
           <a:p>
             <a:fld id="{BA054789-EACE-4F0B-85CE-A0AE8F37913A}" type="datetimeFigureOut">
               <a:rPr lang="zh-CN" altLang="en-US" smtClean="0"/>
-              <a:t>2022/8/3</a:t>
+              <a:t>2022/8/5</a:t>
             </a:fld>
             <a:endParaRPr lang="zh-CN" altLang="en-US"/>
           </a:p>
@@ -963,7 +963,7 @@
           <p:cNvPr id="5" name="页脚占位符 4">
             <a:extLst>
               <a:ext uri="{FF2B5EF4-FFF2-40B4-BE49-F238E27FC236}">
-                <a16:creationId xmlns:a16="http://schemas.microsoft.com/office/drawing/2014/main" xmlns="" id="{A3D62DD7-5525-B4BA-AA03-25FF4C0403A6}"/>
+                <a16:creationId xmlns="" xmlns:a16="http://schemas.microsoft.com/office/drawing/2014/main" id="{A3D62DD7-5525-B4BA-AA03-25FF4C0403A6}"/>
               </a:ext>
             </a:extLst>
           </p:cNvPr>
@@ -988,7 +988,7 @@
           <p:cNvPr id="6" name="灯片编号占位符 5">
             <a:extLst>
               <a:ext uri="{FF2B5EF4-FFF2-40B4-BE49-F238E27FC236}">
-                <a16:creationId xmlns:a16="http://schemas.microsoft.com/office/drawing/2014/main" xmlns="" id="{98F7AC82-750A-6BA1-A70D-D2E8ED618DE1}"/>
+                <a16:creationId xmlns="" xmlns:a16="http://schemas.microsoft.com/office/drawing/2014/main" id="{98F7AC82-750A-6BA1-A70D-D2E8ED618DE1}"/>
               </a:ext>
             </a:extLst>
           </p:cNvPr>
@@ -1047,7 +1047,7 @@
           <p:cNvPr id="2" name="竖排标题 1">
             <a:extLst>
               <a:ext uri="{FF2B5EF4-FFF2-40B4-BE49-F238E27FC236}">
-                <a16:creationId xmlns:a16="http://schemas.microsoft.com/office/drawing/2014/main" xmlns="" id="{4CF83B1B-91B5-671F-A161-727C9B763214}"/>
+                <a16:creationId xmlns="" xmlns:a16="http://schemas.microsoft.com/office/drawing/2014/main" id="{4CF83B1B-91B5-671F-A161-727C9B763214}"/>
               </a:ext>
             </a:extLst>
           </p:cNvPr>
@@ -1080,7 +1080,7 @@
           <p:cNvPr id="3" name="竖排文字占位符 2">
             <a:extLst>
               <a:ext uri="{FF2B5EF4-FFF2-40B4-BE49-F238E27FC236}">
-                <a16:creationId xmlns:a16="http://schemas.microsoft.com/office/drawing/2014/main" xmlns="" id="{BB08FF4A-FB49-2B3B-B3D5-164AC935EAC3}"/>
+                <a16:creationId xmlns="" xmlns:a16="http://schemas.microsoft.com/office/drawing/2014/main" id="{BB08FF4A-FB49-2B3B-B3D5-164AC935EAC3}"/>
               </a:ext>
             </a:extLst>
           </p:cNvPr>
@@ -1142,7 +1142,7 @@
           <p:cNvPr id="4" name="日期占位符 3">
             <a:extLst>
               <a:ext uri="{FF2B5EF4-FFF2-40B4-BE49-F238E27FC236}">
-                <a16:creationId xmlns:a16="http://schemas.microsoft.com/office/drawing/2014/main" xmlns="" id="{7BB95ED0-C4BA-DCCD-2E70-7B800185D571}"/>
+                <a16:creationId xmlns="" xmlns:a16="http://schemas.microsoft.com/office/drawing/2014/main" id="{7BB95ED0-C4BA-DCCD-2E70-7B800185D571}"/>
               </a:ext>
             </a:extLst>
           </p:cNvPr>
@@ -1160,7 +1160,7 @@
           <a:p>
             <a:fld id="{BA054789-EACE-4F0B-85CE-A0AE8F37913A}" type="datetimeFigureOut">
               <a:rPr lang="zh-CN" altLang="en-US" smtClean="0"/>
-              <a:t>2022/8/3</a:t>
+              <a:t>2022/8/5</a:t>
             </a:fld>
             <a:endParaRPr lang="zh-CN" altLang="en-US"/>
           </a:p>
@@ -1171,7 +1171,7 @@
           <p:cNvPr id="5" name="页脚占位符 4">
             <a:extLst>
               <a:ext uri="{FF2B5EF4-FFF2-40B4-BE49-F238E27FC236}">
-                <a16:creationId xmlns:a16="http://schemas.microsoft.com/office/drawing/2014/main" xmlns="" id="{1BF31E75-820B-0F48-C8C2-00D1C17A0DE1}"/>
+                <a16:creationId xmlns="" xmlns:a16="http://schemas.microsoft.com/office/drawing/2014/main" id="{1BF31E75-820B-0F48-C8C2-00D1C17A0DE1}"/>
               </a:ext>
             </a:extLst>
           </p:cNvPr>
@@ -1196,7 +1196,7 @@
           <p:cNvPr id="6" name="灯片编号占位符 5">
             <a:extLst>
               <a:ext uri="{FF2B5EF4-FFF2-40B4-BE49-F238E27FC236}">
-                <a16:creationId xmlns:a16="http://schemas.microsoft.com/office/drawing/2014/main" xmlns="" id="{C44676BC-DB8F-6385-CCAA-24A642617E4C}"/>
+                <a16:creationId xmlns="" xmlns:a16="http://schemas.microsoft.com/office/drawing/2014/main" id="{C44676BC-DB8F-6385-CCAA-24A642617E4C}"/>
               </a:ext>
             </a:extLst>
           </p:cNvPr>
@@ -1614,7 +1614,7 @@
           <p:cNvPr id="2" name="标题 1">
             <a:extLst>
               <a:ext uri="{FF2B5EF4-FFF2-40B4-BE49-F238E27FC236}">
-                <a16:creationId xmlns:a16="http://schemas.microsoft.com/office/drawing/2014/main" xmlns="" id="{4A602A98-C390-5A43-8761-0489D4B42846}"/>
+                <a16:creationId xmlns="" xmlns:a16="http://schemas.microsoft.com/office/drawing/2014/main" id="{4A602A98-C390-5A43-8761-0489D4B42846}"/>
               </a:ext>
             </a:extLst>
           </p:cNvPr>
@@ -1642,7 +1642,7 @@
           <p:cNvPr id="3" name="内容占位符 2">
             <a:extLst>
               <a:ext uri="{FF2B5EF4-FFF2-40B4-BE49-F238E27FC236}">
-                <a16:creationId xmlns:a16="http://schemas.microsoft.com/office/drawing/2014/main" xmlns="" id="{11B58BD3-77FD-090F-EBEA-977F10D69F9C}"/>
+                <a16:creationId xmlns="" xmlns:a16="http://schemas.microsoft.com/office/drawing/2014/main" id="{11B58BD3-77FD-090F-EBEA-977F10D69F9C}"/>
               </a:ext>
             </a:extLst>
           </p:cNvPr>
@@ -1699,7 +1699,7 @@
           <p:cNvPr id="4" name="日期占位符 3">
             <a:extLst>
               <a:ext uri="{FF2B5EF4-FFF2-40B4-BE49-F238E27FC236}">
-                <a16:creationId xmlns:a16="http://schemas.microsoft.com/office/drawing/2014/main" xmlns="" id="{2F2888FE-0D56-D838-DDA2-9036767B7B83}"/>
+                <a16:creationId xmlns="" xmlns:a16="http://schemas.microsoft.com/office/drawing/2014/main" id="{2F2888FE-0D56-D838-DDA2-9036767B7B83}"/>
               </a:ext>
             </a:extLst>
           </p:cNvPr>
@@ -1717,7 +1717,7 @@
           <a:p>
             <a:fld id="{BA054789-EACE-4F0B-85CE-A0AE8F37913A}" type="datetimeFigureOut">
               <a:rPr lang="zh-CN" altLang="en-US" smtClean="0"/>
-              <a:t>2022/8/3</a:t>
+              <a:t>2022/8/5</a:t>
             </a:fld>
             <a:endParaRPr lang="zh-CN" altLang="en-US"/>
           </a:p>
@@ -1728,7 +1728,7 @@
           <p:cNvPr id="5" name="页脚占位符 4">
             <a:extLst>
               <a:ext uri="{FF2B5EF4-FFF2-40B4-BE49-F238E27FC236}">
-                <a16:creationId xmlns:a16="http://schemas.microsoft.com/office/drawing/2014/main" xmlns="" id="{C9C7A18B-7856-24E0-6F3C-CD298036521A}"/>
+                <a16:creationId xmlns="" xmlns:a16="http://schemas.microsoft.com/office/drawing/2014/main" id="{C9C7A18B-7856-24E0-6F3C-CD298036521A}"/>
               </a:ext>
             </a:extLst>
           </p:cNvPr>
@@ -1753,7 +1753,7 @@
           <p:cNvPr id="6" name="灯片编号占位符 5">
             <a:extLst>
               <a:ext uri="{FF2B5EF4-FFF2-40B4-BE49-F238E27FC236}">
-                <a16:creationId xmlns:a16="http://schemas.microsoft.com/office/drawing/2014/main" xmlns="" id="{FC863C35-49EE-AE1E-476A-2115AB2F951A}"/>
+                <a16:creationId xmlns="" xmlns:a16="http://schemas.microsoft.com/office/drawing/2014/main" id="{FC863C35-49EE-AE1E-476A-2115AB2F951A}"/>
               </a:ext>
             </a:extLst>
           </p:cNvPr>
@@ -1812,7 +1812,7 @@
           <p:cNvPr id="2" name="标题 1">
             <a:extLst>
               <a:ext uri="{FF2B5EF4-FFF2-40B4-BE49-F238E27FC236}">
-                <a16:creationId xmlns:a16="http://schemas.microsoft.com/office/drawing/2014/main" xmlns="" id="{866638DE-98B5-DDC3-B3F8-3E4400828480}"/>
+                <a16:creationId xmlns="" xmlns:a16="http://schemas.microsoft.com/office/drawing/2014/main" id="{866638DE-98B5-DDC3-B3F8-3E4400828480}"/>
               </a:ext>
             </a:extLst>
           </p:cNvPr>
@@ -1849,7 +1849,7 @@
           <p:cNvPr id="3" name="文本占位符 2">
             <a:extLst>
               <a:ext uri="{FF2B5EF4-FFF2-40B4-BE49-F238E27FC236}">
-                <a16:creationId xmlns:a16="http://schemas.microsoft.com/office/drawing/2014/main" xmlns="" id="{04B7A2A4-817D-77B2-4735-132E59CD17F6}"/>
+                <a16:creationId xmlns="" xmlns:a16="http://schemas.microsoft.com/office/drawing/2014/main" id="{04B7A2A4-817D-77B2-4735-132E59CD17F6}"/>
               </a:ext>
             </a:extLst>
           </p:cNvPr>
@@ -1974,7 +1974,7 @@
           <p:cNvPr id="4" name="日期占位符 3">
             <a:extLst>
               <a:ext uri="{FF2B5EF4-FFF2-40B4-BE49-F238E27FC236}">
-                <a16:creationId xmlns:a16="http://schemas.microsoft.com/office/drawing/2014/main" xmlns="" id="{183CA83E-8AFE-5A62-E830-EB8E09B4095F}"/>
+                <a16:creationId xmlns="" xmlns:a16="http://schemas.microsoft.com/office/drawing/2014/main" id="{183CA83E-8AFE-5A62-E830-EB8E09B4095F}"/>
               </a:ext>
             </a:extLst>
           </p:cNvPr>
@@ -1992,7 +1992,7 @@
           <a:p>
             <a:fld id="{BA054789-EACE-4F0B-85CE-A0AE8F37913A}" type="datetimeFigureOut">
               <a:rPr lang="zh-CN" altLang="en-US" smtClean="0"/>
-              <a:t>2022/8/3</a:t>
+              <a:t>2022/8/5</a:t>
             </a:fld>
             <a:endParaRPr lang="zh-CN" altLang="en-US"/>
           </a:p>
@@ -2003,7 +2003,7 @@
           <p:cNvPr id="5" name="页脚占位符 4">
             <a:extLst>
               <a:ext uri="{FF2B5EF4-FFF2-40B4-BE49-F238E27FC236}">
-                <a16:creationId xmlns:a16="http://schemas.microsoft.com/office/drawing/2014/main" xmlns="" id="{5F95EF5D-59A1-5AE4-9F96-B75770EE6C75}"/>
+                <a16:creationId xmlns="" xmlns:a16="http://schemas.microsoft.com/office/drawing/2014/main" id="{5F95EF5D-59A1-5AE4-9F96-B75770EE6C75}"/>
               </a:ext>
             </a:extLst>
           </p:cNvPr>
@@ -2028,7 +2028,7 @@
           <p:cNvPr id="6" name="灯片编号占位符 5">
             <a:extLst>
               <a:ext uri="{FF2B5EF4-FFF2-40B4-BE49-F238E27FC236}">
-                <a16:creationId xmlns:a16="http://schemas.microsoft.com/office/drawing/2014/main" xmlns="" id="{AEDD6E4D-49DA-3B43-D4CC-1D98B7AAFF66}"/>
+                <a16:creationId xmlns="" xmlns:a16="http://schemas.microsoft.com/office/drawing/2014/main" id="{AEDD6E4D-49DA-3B43-D4CC-1D98B7AAFF66}"/>
               </a:ext>
             </a:extLst>
           </p:cNvPr>
@@ -2087,7 +2087,7 @@
           <p:cNvPr id="2" name="标题 1">
             <a:extLst>
               <a:ext uri="{FF2B5EF4-FFF2-40B4-BE49-F238E27FC236}">
-                <a16:creationId xmlns:a16="http://schemas.microsoft.com/office/drawing/2014/main" xmlns="" id="{6143119A-5638-5FB3-124E-3B30981F030A}"/>
+                <a16:creationId xmlns="" xmlns:a16="http://schemas.microsoft.com/office/drawing/2014/main" id="{6143119A-5638-5FB3-124E-3B30981F030A}"/>
               </a:ext>
             </a:extLst>
           </p:cNvPr>
@@ -2115,7 +2115,7 @@
           <p:cNvPr id="3" name="内容占位符 2">
             <a:extLst>
               <a:ext uri="{FF2B5EF4-FFF2-40B4-BE49-F238E27FC236}">
-                <a16:creationId xmlns:a16="http://schemas.microsoft.com/office/drawing/2014/main" xmlns="" id="{C8F1DC48-C2D4-79DF-114F-EF5EEEBA4D3D}"/>
+                <a16:creationId xmlns="" xmlns:a16="http://schemas.microsoft.com/office/drawing/2014/main" id="{C8F1DC48-C2D4-79DF-114F-EF5EEEBA4D3D}"/>
               </a:ext>
             </a:extLst>
           </p:cNvPr>
@@ -2177,7 +2177,7 @@
           <p:cNvPr id="4" name="内容占位符 3">
             <a:extLst>
               <a:ext uri="{FF2B5EF4-FFF2-40B4-BE49-F238E27FC236}">
-                <a16:creationId xmlns:a16="http://schemas.microsoft.com/office/drawing/2014/main" xmlns="" id="{5163DEDF-28BC-F60D-FCBD-0D577102FE83}"/>
+                <a16:creationId xmlns="" xmlns:a16="http://schemas.microsoft.com/office/drawing/2014/main" id="{5163DEDF-28BC-F60D-FCBD-0D577102FE83}"/>
               </a:ext>
             </a:extLst>
           </p:cNvPr>
@@ -2239,7 +2239,7 @@
           <p:cNvPr id="5" name="日期占位符 4">
             <a:extLst>
               <a:ext uri="{FF2B5EF4-FFF2-40B4-BE49-F238E27FC236}">
-                <a16:creationId xmlns:a16="http://schemas.microsoft.com/office/drawing/2014/main" xmlns="" id="{11352899-B0A5-67BA-4F8C-A6BEB19057FD}"/>
+                <a16:creationId xmlns="" xmlns:a16="http://schemas.microsoft.com/office/drawing/2014/main" id="{11352899-B0A5-67BA-4F8C-A6BEB19057FD}"/>
               </a:ext>
             </a:extLst>
           </p:cNvPr>
@@ -2257,7 +2257,7 @@
           <a:p>
             <a:fld id="{BA054789-EACE-4F0B-85CE-A0AE8F37913A}" type="datetimeFigureOut">
               <a:rPr lang="zh-CN" altLang="en-US" smtClean="0"/>
-              <a:t>2022/8/3</a:t>
+              <a:t>2022/8/5</a:t>
             </a:fld>
             <a:endParaRPr lang="zh-CN" altLang="en-US"/>
           </a:p>
@@ -2268,7 +2268,7 @@
           <p:cNvPr id="6" name="页脚占位符 5">
             <a:extLst>
               <a:ext uri="{FF2B5EF4-FFF2-40B4-BE49-F238E27FC236}">
-                <a16:creationId xmlns:a16="http://schemas.microsoft.com/office/drawing/2014/main" xmlns="" id="{A584D1DB-F7D5-5108-37F7-B12451D4AF43}"/>
+                <a16:creationId xmlns="" xmlns:a16="http://schemas.microsoft.com/office/drawing/2014/main" id="{A584D1DB-F7D5-5108-37F7-B12451D4AF43}"/>
               </a:ext>
             </a:extLst>
           </p:cNvPr>
@@ -2293,7 +2293,7 @@
           <p:cNvPr id="7" name="灯片编号占位符 6">
             <a:extLst>
               <a:ext uri="{FF2B5EF4-FFF2-40B4-BE49-F238E27FC236}">
-                <a16:creationId xmlns:a16="http://schemas.microsoft.com/office/drawing/2014/main" xmlns="" id="{2294CAD5-9704-832D-2AB9-684703BF36C6}"/>
+                <a16:creationId xmlns="" xmlns:a16="http://schemas.microsoft.com/office/drawing/2014/main" id="{2294CAD5-9704-832D-2AB9-684703BF36C6}"/>
               </a:ext>
             </a:extLst>
           </p:cNvPr>
@@ -2352,7 +2352,7 @@
           <p:cNvPr id="2" name="标题 1">
             <a:extLst>
               <a:ext uri="{FF2B5EF4-FFF2-40B4-BE49-F238E27FC236}">
-                <a16:creationId xmlns:a16="http://schemas.microsoft.com/office/drawing/2014/main" xmlns="" id="{5553C342-6EA7-A319-ED9F-F3DED51AB856}"/>
+                <a16:creationId xmlns="" xmlns:a16="http://schemas.microsoft.com/office/drawing/2014/main" id="{5553C342-6EA7-A319-ED9F-F3DED51AB856}"/>
               </a:ext>
             </a:extLst>
           </p:cNvPr>
@@ -2385,7 +2385,7 @@
           <p:cNvPr id="3" name="文本占位符 2">
             <a:extLst>
               <a:ext uri="{FF2B5EF4-FFF2-40B4-BE49-F238E27FC236}">
-                <a16:creationId xmlns:a16="http://schemas.microsoft.com/office/drawing/2014/main" xmlns="" id="{2A2E5CEB-B13F-86C3-3E47-796F7F60D6CC}"/>
+                <a16:creationId xmlns="" xmlns:a16="http://schemas.microsoft.com/office/drawing/2014/main" id="{2A2E5CEB-B13F-86C3-3E47-796F7F60D6CC}"/>
               </a:ext>
             </a:extLst>
           </p:cNvPr>
@@ -2456,7 +2456,7 @@
           <p:cNvPr id="4" name="内容占位符 3">
             <a:extLst>
               <a:ext uri="{FF2B5EF4-FFF2-40B4-BE49-F238E27FC236}">
-                <a16:creationId xmlns:a16="http://schemas.microsoft.com/office/drawing/2014/main" xmlns="" id="{A54930F9-E0D4-D998-09A2-343AA1F96076}"/>
+                <a16:creationId xmlns="" xmlns:a16="http://schemas.microsoft.com/office/drawing/2014/main" id="{A54930F9-E0D4-D998-09A2-343AA1F96076}"/>
               </a:ext>
             </a:extLst>
           </p:cNvPr>
@@ -2518,7 +2518,7 @@
           <p:cNvPr id="5" name="文本占位符 4">
             <a:extLst>
               <a:ext uri="{FF2B5EF4-FFF2-40B4-BE49-F238E27FC236}">
-                <a16:creationId xmlns:a16="http://schemas.microsoft.com/office/drawing/2014/main" xmlns="" id="{B4B7359A-E8FC-E1A9-A896-A49ED9AF86F8}"/>
+                <a16:creationId xmlns="" xmlns:a16="http://schemas.microsoft.com/office/drawing/2014/main" id="{B4B7359A-E8FC-E1A9-A896-A49ED9AF86F8}"/>
               </a:ext>
             </a:extLst>
           </p:cNvPr>
@@ -2589,7 +2589,7 @@
           <p:cNvPr id="6" name="内容占位符 5">
             <a:extLst>
               <a:ext uri="{FF2B5EF4-FFF2-40B4-BE49-F238E27FC236}">
-                <a16:creationId xmlns:a16="http://schemas.microsoft.com/office/drawing/2014/main" xmlns="" id="{4E52EA2F-1B41-D541-9632-9493F9B51AB0}"/>
+                <a16:creationId xmlns="" xmlns:a16="http://schemas.microsoft.com/office/drawing/2014/main" id="{4E52EA2F-1B41-D541-9632-9493F9B51AB0}"/>
               </a:ext>
             </a:extLst>
           </p:cNvPr>
@@ -2651,7 +2651,7 @@
           <p:cNvPr id="7" name="日期占位符 6">
             <a:extLst>
               <a:ext uri="{FF2B5EF4-FFF2-40B4-BE49-F238E27FC236}">
-                <a16:creationId xmlns:a16="http://schemas.microsoft.com/office/drawing/2014/main" xmlns="" id="{F8E2D812-175D-022A-8677-7639CB1825D7}"/>
+                <a16:creationId xmlns="" xmlns:a16="http://schemas.microsoft.com/office/drawing/2014/main" id="{F8E2D812-175D-022A-8677-7639CB1825D7}"/>
               </a:ext>
             </a:extLst>
           </p:cNvPr>
@@ -2669,7 +2669,7 @@
           <a:p>
             <a:fld id="{BA054789-EACE-4F0B-85CE-A0AE8F37913A}" type="datetimeFigureOut">
               <a:rPr lang="zh-CN" altLang="en-US" smtClean="0"/>
-              <a:t>2022/8/3</a:t>
+              <a:t>2022/8/5</a:t>
             </a:fld>
             <a:endParaRPr lang="zh-CN" altLang="en-US"/>
           </a:p>
@@ -2680,7 +2680,7 @@
           <p:cNvPr id="8" name="页脚占位符 7">
             <a:extLst>
               <a:ext uri="{FF2B5EF4-FFF2-40B4-BE49-F238E27FC236}">
-                <a16:creationId xmlns:a16="http://schemas.microsoft.com/office/drawing/2014/main" xmlns="" id="{5E2441E0-E886-23FB-143C-558A79ACC5D8}"/>
+                <a16:creationId xmlns="" xmlns:a16="http://schemas.microsoft.com/office/drawing/2014/main" id="{5E2441E0-E886-23FB-143C-558A79ACC5D8}"/>
               </a:ext>
             </a:extLst>
           </p:cNvPr>
@@ -2705,7 +2705,7 @@
           <p:cNvPr id="9" name="灯片编号占位符 8">
             <a:extLst>
               <a:ext uri="{FF2B5EF4-FFF2-40B4-BE49-F238E27FC236}">
-                <a16:creationId xmlns:a16="http://schemas.microsoft.com/office/drawing/2014/main" xmlns="" id="{CDCA61B1-70E8-1169-875E-DB108C50E55C}"/>
+                <a16:creationId xmlns="" xmlns:a16="http://schemas.microsoft.com/office/drawing/2014/main" id="{CDCA61B1-70E8-1169-875E-DB108C50E55C}"/>
               </a:ext>
             </a:extLst>
           </p:cNvPr>
@@ -2764,7 +2764,7 @@
           <p:cNvPr id="2" name="标题 1">
             <a:extLst>
               <a:ext uri="{FF2B5EF4-FFF2-40B4-BE49-F238E27FC236}">
-                <a16:creationId xmlns:a16="http://schemas.microsoft.com/office/drawing/2014/main" xmlns="" id="{F44D1D6C-24E0-86EE-37DA-EDEDDC1CFD42}"/>
+                <a16:creationId xmlns="" xmlns:a16="http://schemas.microsoft.com/office/drawing/2014/main" id="{F44D1D6C-24E0-86EE-37DA-EDEDDC1CFD42}"/>
               </a:ext>
             </a:extLst>
           </p:cNvPr>
@@ -2792,7 +2792,7 @@
           <p:cNvPr id="3" name="日期占位符 2">
             <a:extLst>
               <a:ext uri="{FF2B5EF4-FFF2-40B4-BE49-F238E27FC236}">
-                <a16:creationId xmlns:a16="http://schemas.microsoft.com/office/drawing/2014/main" xmlns="" id="{452FC26A-E9FB-0541-86DB-AEEE5AAB387E}"/>
+                <a16:creationId xmlns="" xmlns:a16="http://schemas.microsoft.com/office/drawing/2014/main" id="{452FC26A-E9FB-0541-86DB-AEEE5AAB387E}"/>
               </a:ext>
             </a:extLst>
           </p:cNvPr>
@@ -2810,7 +2810,7 @@
           <a:p>
             <a:fld id="{BA054789-EACE-4F0B-85CE-A0AE8F37913A}" type="datetimeFigureOut">
               <a:rPr lang="zh-CN" altLang="en-US" smtClean="0"/>
-              <a:t>2022/8/3</a:t>
+              <a:t>2022/8/5</a:t>
             </a:fld>
             <a:endParaRPr lang="zh-CN" altLang="en-US"/>
           </a:p>
@@ -2821,7 +2821,7 @@
           <p:cNvPr id="4" name="页脚占位符 3">
             <a:extLst>
               <a:ext uri="{FF2B5EF4-FFF2-40B4-BE49-F238E27FC236}">
-                <a16:creationId xmlns:a16="http://schemas.microsoft.com/office/drawing/2014/main" xmlns="" id="{914BC86C-F2F8-3396-17AC-0735983760FC}"/>
+                <a16:creationId xmlns="" xmlns:a16="http://schemas.microsoft.com/office/drawing/2014/main" id="{914BC86C-F2F8-3396-17AC-0735983760FC}"/>
               </a:ext>
             </a:extLst>
           </p:cNvPr>
@@ -2846,7 +2846,7 @@
           <p:cNvPr id="5" name="灯片编号占位符 4">
             <a:extLst>
               <a:ext uri="{FF2B5EF4-FFF2-40B4-BE49-F238E27FC236}">
-                <a16:creationId xmlns:a16="http://schemas.microsoft.com/office/drawing/2014/main" xmlns="" id="{BCD46C41-5FA4-E5F8-0E00-98EC89530535}"/>
+                <a16:creationId xmlns="" xmlns:a16="http://schemas.microsoft.com/office/drawing/2014/main" id="{BCD46C41-5FA4-E5F8-0E00-98EC89530535}"/>
               </a:ext>
             </a:extLst>
           </p:cNvPr>
@@ -2905,7 +2905,7 @@
           <p:cNvPr id="2" name="日期占位符 1">
             <a:extLst>
               <a:ext uri="{FF2B5EF4-FFF2-40B4-BE49-F238E27FC236}">
-                <a16:creationId xmlns:a16="http://schemas.microsoft.com/office/drawing/2014/main" xmlns="" id="{987885F3-BC73-F95E-1CC2-95AD9AFC4550}"/>
+                <a16:creationId xmlns="" xmlns:a16="http://schemas.microsoft.com/office/drawing/2014/main" id="{987885F3-BC73-F95E-1CC2-95AD9AFC4550}"/>
               </a:ext>
             </a:extLst>
           </p:cNvPr>
@@ -2923,7 +2923,7 @@
           <a:p>
             <a:fld id="{BA054789-EACE-4F0B-85CE-A0AE8F37913A}" type="datetimeFigureOut">
               <a:rPr lang="zh-CN" altLang="en-US" smtClean="0"/>
-              <a:t>2022/8/3</a:t>
+              <a:t>2022/8/5</a:t>
             </a:fld>
             <a:endParaRPr lang="zh-CN" altLang="en-US"/>
           </a:p>
@@ -2934,7 +2934,7 @@
           <p:cNvPr id="3" name="页脚占位符 2">
             <a:extLst>
               <a:ext uri="{FF2B5EF4-FFF2-40B4-BE49-F238E27FC236}">
-                <a16:creationId xmlns:a16="http://schemas.microsoft.com/office/drawing/2014/main" xmlns="" id="{3A45F5EE-A519-0C1C-324D-67E058F91DDB}"/>
+                <a16:creationId xmlns="" xmlns:a16="http://schemas.microsoft.com/office/drawing/2014/main" id="{3A45F5EE-A519-0C1C-324D-67E058F91DDB}"/>
               </a:ext>
             </a:extLst>
           </p:cNvPr>
@@ -2959,7 +2959,7 @@
           <p:cNvPr id="4" name="灯片编号占位符 3">
             <a:extLst>
               <a:ext uri="{FF2B5EF4-FFF2-40B4-BE49-F238E27FC236}">
-                <a16:creationId xmlns:a16="http://schemas.microsoft.com/office/drawing/2014/main" xmlns="" id="{67EC8A15-FD0F-6449-C8C4-244D9A47FC09}"/>
+                <a16:creationId xmlns="" xmlns:a16="http://schemas.microsoft.com/office/drawing/2014/main" id="{67EC8A15-FD0F-6449-C8C4-244D9A47FC09}"/>
               </a:ext>
             </a:extLst>
           </p:cNvPr>
@@ -3018,7 +3018,7 @@
           <p:cNvPr id="2" name="标题 1">
             <a:extLst>
               <a:ext uri="{FF2B5EF4-FFF2-40B4-BE49-F238E27FC236}">
-                <a16:creationId xmlns:a16="http://schemas.microsoft.com/office/drawing/2014/main" xmlns="" id="{8207E91F-BEEE-171E-0131-6E86365BBE2D}"/>
+                <a16:creationId xmlns="" xmlns:a16="http://schemas.microsoft.com/office/drawing/2014/main" id="{8207E91F-BEEE-171E-0131-6E86365BBE2D}"/>
               </a:ext>
             </a:extLst>
           </p:cNvPr>
@@ -3055,7 +3055,7 @@
           <p:cNvPr id="3" name="内容占位符 2">
             <a:extLst>
               <a:ext uri="{FF2B5EF4-FFF2-40B4-BE49-F238E27FC236}">
-                <a16:creationId xmlns:a16="http://schemas.microsoft.com/office/drawing/2014/main" xmlns="" id="{224A1AFF-50FF-8C59-9840-606EB237D707}"/>
+                <a16:creationId xmlns="" xmlns:a16="http://schemas.microsoft.com/office/drawing/2014/main" id="{224A1AFF-50FF-8C59-9840-606EB237D707}"/>
               </a:ext>
             </a:extLst>
           </p:cNvPr>
@@ -3145,7 +3145,7 @@
           <p:cNvPr id="4" name="文本占位符 3">
             <a:extLst>
               <a:ext uri="{FF2B5EF4-FFF2-40B4-BE49-F238E27FC236}">
-                <a16:creationId xmlns:a16="http://schemas.microsoft.com/office/drawing/2014/main" xmlns="" id="{1918F8C3-484E-3A1E-8EA0-D9C66B071D46}"/>
+                <a16:creationId xmlns="" xmlns:a16="http://schemas.microsoft.com/office/drawing/2014/main" id="{1918F8C3-484E-3A1E-8EA0-D9C66B071D46}"/>
               </a:ext>
             </a:extLst>
           </p:cNvPr>
@@ -3216,7 +3216,7 @@
           <p:cNvPr id="5" name="日期占位符 4">
             <a:extLst>
               <a:ext uri="{FF2B5EF4-FFF2-40B4-BE49-F238E27FC236}">
-                <a16:creationId xmlns:a16="http://schemas.microsoft.com/office/drawing/2014/main" xmlns="" id="{6708E08C-E838-BC00-6EA5-3C80B9A0F2BF}"/>
+                <a16:creationId xmlns="" xmlns:a16="http://schemas.microsoft.com/office/drawing/2014/main" id="{6708E08C-E838-BC00-6EA5-3C80B9A0F2BF}"/>
               </a:ext>
             </a:extLst>
           </p:cNvPr>
@@ -3234,7 +3234,7 @@
           <a:p>
             <a:fld id="{BA054789-EACE-4F0B-85CE-A0AE8F37913A}" type="datetimeFigureOut">
               <a:rPr lang="zh-CN" altLang="en-US" smtClean="0"/>
-              <a:t>2022/8/3</a:t>
+              <a:t>2022/8/5</a:t>
             </a:fld>
             <a:endParaRPr lang="zh-CN" altLang="en-US"/>
           </a:p>
@@ -3245,7 +3245,7 @@
           <p:cNvPr id="6" name="页脚占位符 5">
             <a:extLst>
               <a:ext uri="{FF2B5EF4-FFF2-40B4-BE49-F238E27FC236}">
-                <a16:creationId xmlns:a16="http://schemas.microsoft.com/office/drawing/2014/main" xmlns="" id="{439DBC6E-FDA4-993F-86BA-68C9D9CBCDA2}"/>
+                <a16:creationId xmlns="" xmlns:a16="http://schemas.microsoft.com/office/drawing/2014/main" id="{439DBC6E-FDA4-993F-86BA-68C9D9CBCDA2}"/>
               </a:ext>
             </a:extLst>
           </p:cNvPr>
@@ -3270,7 +3270,7 @@
           <p:cNvPr id="7" name="灯片编号占位符 6">
             <a:extLst>
               <a:ext uri="{FF2B5EF4-FFF2-40B4-BE49-F238E27FC236}">
-                <a16:creationId xmlns:a16="http://schemas.microsoft.com/office/drawing/2014/main" xmlns="" id="{84AC5D80-1CD5-A607-8281-BC0454CACBD2}"/>
+                <a16:creationId xmlns="" xmlns:a16="http://schemas.microsoft.com/office/drawing/2014/main" id="{84AC5D80-1CD5-A607-8281-BC0454CACBD2}"/>
               </a:ext>
             </a:extLst>
           </p:cNvPr>
@@ -3329,7 +3329,7 @@
           <p:cNvPr id="2" name="标题 1">
             <a:extLst>
               <a:ext uri="{FF2B5EF4-FFF2-40B4-BE49-F238E27FC236}">
-                <a16:creationId xmlns:a16="http://schemas.microsoft.com/office/drawing/2014/main" xmlns="" id="{8B87A630-13E3-6038-F332-B3BE60484A0E}"/>
+                <a16:creationId xmlns="" xmlns:a16="http://schemas.microsoft.com/office/drawing/2014/main" id="{8B87A630-13E3-6038-F332-B3BE60484A0E}"/>
               </a:ext>
             </a:extLst>
           </p:cNvPr>
@@ -3366,7 +3366,7 @@
           <p:cNvPr id="3" name="图片占位符 2">
             <a:extLst>
               <a:ext uri="{FF2B5EF4-FFF2-40B4-BE49-F238E27FC236}">
-                <a16:creationId xmlns:a16="http://schemas.microsoft.com/office/drawing/2014/main" xmlns="" id="{B92BC7D3-D3C2-E338-1906-89EBC814D58E}"/>
+                <a16:creationId xmlns="" xmlns:a16="http://schemas.microsoft.com/office/drawing/2014/main" id="{B92BC7D3-D3C2-E338-1906-89EBC814D58E}"/>
               </a:ext>
             </a:extLst>
           </p:cNvPr>
@@ -3433,7 +3433,7 @@
           <p:cNvPr id="4" name="文本占位符 3">
             <a:extLst>
               <a:ext uri="{FF2B5EF4-FFF2-40B4-BE49-F238E27FC236}">
-                <a16:creationId xmlns:a16="http://schemas.microsoft.com/office/drawing/2014/main" xmlns="" id="{07545A6D-4664-4BEC-EE9E-A985A49BADC9}"/>
+                <a16:creationId xmlns="" xmlns:a16="http://schemas.microsoft.com/office/drawing/2014/main" id="{07545A6D-4664-4BEC-EE9E-A985A49BADC9}"/>
               </a:ext>
             </a:extLst>
           </p:cNvPr>
@@ -3504,7 +3504,7 @@
           <p:cNvPr id="5" name="日期占位符 4">
             <a:extLst>
               <a:ext uri="{FF2B5EF4-FFF2-40B4-BE49-F238E27FC236}">
-                <a16:creationId xmlns:a16="http://schemas.microsoft.com/office/drawing/2014/main" xmlns="" id="{7C4A4C3B-C39E-7F62-7D92-3CC1CB7AE956}"/>
+                <a16:creationId xmlns="" xmlns:a16="http://schemas.microsoft.com/office/drawing/2014/main" id="{7C4A4C3B-C39E-7F62-7D92-3CC1CB7AE956}"/>
               </a:ext>
             </a:extLst>
           </p:cNvPr>
@@ -3522,7 +3522,7 @@
           <a:p>
             <a:fld id="{BA054789-EACE-4F0B-85CE-A0AE8F37913A}" type="datetimeFigureOut">
               <a:rPr lang="zh-CN" altLang="en-US" smtClean="0"/>
-              <a:t>2022/8/3</a:t>
+              <a:t>2022/8/5</a:t>
             </a:fld>
             <a:endParaRPr lang="zh-CN" altLang="en-US"/>
           </a:p>
@@ -3533,7 +3533,7 @@
           <p:cNvPr id="6" name="页脚占位符 5">
             <a:extLst>
               <a:ext uri="{FF2B5EF4-FFF2-40B4-BE49-F238E27FC236}">
-                <a16:creationId xmlns:a16="http://schemas.microsoft.com/office/drawing/2014/main" xmlns="" id="{ABCA2129-E1A8-A9AB-72DB-E364A7654AE6}"/>
+                <a16:creationId xmlns="" xmlns:a16="http://schemas.microsoft.com/office/drawing/2014/main" id="{ABCA2129-E1A8-A9AB-72DB-E364A7654AE6}"/>
               </a:ext>
             </a:extLst>
           </p:cNvPr>
@@ -3558,7 +3558,7 @@
           <p:cNvPr id="7" name="灯片编号占位符 6">
             <a:extLst>
               <a:ext uri="{FF2B5EF4-FFF2-40B4-BE49-F238E27FC236}">
-                <a16:creationId xmlns:a16="http://schemas.microsoft.com/office/drawing/2014/main" xmlns="" id="{6890FD23-C4A5-BC02-595B-A819F72BEB9C}"/>
+                <a16:creationId xmlns="" xmlns:a16="http://schemas.microsoft.com/office/drawing/2014/main" id="{6890FD23-C4A5-BC02-595B-A819F72BEB9C}"/>
               </a:ext>
             </a:extLst>
           </p:cNvPr>
@@ -3622,7 +3622,7 @@
           <p:cNvPr id="2" name="标题占位符 1">
             <a:extLst>
               <a:ext uri="{FF2B5EF4-FFF2-40B4-BE49-F238E27FC236}">
-                <a16:creationId xmlns:a16="http://schemas.microsoft.com/office/drawing/2014/main" xmlns="" id="{92000A49-3619-2406-82EF-AED9BE75F34E}"/>
+                <a16:creationId xmlns="" xmlns:a16="http://schemas.microsoft.com/office/drawing/2014/main" id="{92000A49-3619-2406-82EF-AED9BE75F34E}"/>
               </a:ext>
             </a:extLst>
           </p:cNvPr>
@@ -3660,7 +3660,7 @@
           <p:cNvPr id="3" name="文本占位符 2">
             <a:extLst>
               <a:ext uri="{FF2B5EF4-FFF2-40B4-BE49-F238E27FC236}">
-                <a16:creationId xmlns:a16="http://schemas.microsoft.com/office/drawing/2014/main" xmlns="" id="{D43FE0F5-0CBC-BDA9-24CE-A859521DA656}"/>
+                <a16:creationId xmlns="" xmlns:a16="http://schemas.microsoft.com/office/drawing/2014/main" id="{D43FE0F5-0CBC-BDA9-24CE-A859521DA656}"/>
               </a:ext>
             </a:extLst>
           </p:cNvPr>
@@ -3727,7 +3727,7 @@
           <p:cNvPr id="4" name="日期占位符 3">
             <a:extLst>
               <a:ext uri="{FF2B5EF4-FFF2-40B4-BE49-F238E27FC236}">
-                <a16:creationId xmlns:a16="http://schemas.microsoft.com/office/drawing/2014/main" xmlns="" id="{2233451F-B070-3253-A379-82BC5C68026A}"/>
+                <a16:creationId xmlns="" xmlns:a16="http://schemas.microsoft.com/office/drawing/2014/main" id="{2233451F-B070-3253-A379-82BC5C68026A}"/>
               </a:ext>
             </a:extLst>
           </p:cNvPr>
@@ -3763,7 +3763,7 @@
           <a:p>
             <a:fld id="{BA054789-EACE-4F0B-85CE-A0AE8F37913A}" type="datetimeFigureOut">
               <a:rPr lang="zh-CN" altLang="en-US" smtClean="0"/>
-              <a:t>2022/8/3</a:t>
+              <a:t>2022/8/5</a:t>
             </a:fld>
             <a:endParaRPr lang="zh-CN" altLang="en-US"/>
           </a:p>
@@ -3774,7 +3774,7 @@
           <p:cNvPr id="5" name="页脚占位符 4">
             <a:extLst>
               <a:ext uri="{FF2B5EF4-FFF2-40B4-BE49-F238E27FC236}">
-                <a16:creationId xmlns:a16="http://schemas.microsoft.com/office/drawing/2014/main" xmlns="" id="{06986DEC-0B9D-7F39-CE3E-66A01F226957}"/>
+                <a16:creationId xmlns="" xmlns:a16="http://schemas.microsoft.com/office/drawing/2014/main" id="{06986DEC-0B9D-7F39-CE3E-66A01F226957}"/>
               </a:ext>
             </a:extLst>
           </p:cNvPr>
@@ -3817,7 +3817,7 @@
           <p:cNvPr id="6" name="灯片编号占位符 5">
             <a:extLst>
               <a:ext uri="{FF2B5EF4-FFF2-40B4-BE49-F238E27FC236}">
-                <a16:creationId xmlns:a16="http://schemas.microsoft.com/office/drawing/2014/main" xmlns="" id="{4E5D66B3-A060-F0A8-8F68-EBE0B120344F}"/>
+                <a16:creationId xmlns="" xmlns:a16="http://schemas.microsoft.com/office/drawing/2014/main" id="{4E5D66B3-A060-F0A8-8F68-EBE0B120344F}"/>
               </a:ext>
             </a:extLst>
           </p:cNvPr>
@@ -4196,7 +4196,7 @@
           <p:cNvPr id="2" name="标题 1">
             <a:extLst>
               <a:ext uri="{FF2B5EF4-FFF2-40B4-BE49-F238E27FC236}">
-                <a16:creationId xmlns:a16="http://schemas.microsoft.com/office/drawing/2014/main" xmlns="" id="{2A9B6C59-89F9-5390-BB77-F8DB7EF7B310}"/>
+                <a16:creationId xmlns="" xmlns:a16="http://schemas.microsoft.com/office/drawing/2014/main" id="{2A9B6C59-89F9-5390-BB77-F8DB7EF7B310}"/>
               </a:ext>
             </a:extLst>
           </p:cNvPr>
@@ -4266,7 +4266,7 @@
           <p:cNvPr id="4" name="椭圆 3">
             <a:extLst>
               <a:ext uri="{FF2B5EF4-FFF2-40B4-BE49-F238E27FC236}">
-                <a16:creationId xmlns:a16="http://schemas.microsoft.com/office/drawing/2014/main" xmlns="" id="{94C17F89-4022-3282-1B5A-F455F1578F55}"/>
+                <a16:creationId xmlns="" xmlns:a16="http://schemas.microsoft.com/office/drawing/2014/main" id="{94C17F89-4022-3282-1B5A-F455F1578F55}"/>
               </a:ext>
             </a:extLst>
           </p:cNvPr>
@@ -5013,7 +5013,7 @@
           <p:cNvPr id="4" name="椭圆 3">
             <a:extLst>
               <a:ext uri="{FF2B5EF4-FFF2-40B4-BE49-F238E27FC236}">
-                <a16:creationId xmlns:a16="http://schemas.microsoft.com/office/drawing/2014/main" xmlns="" id="{94C17F89-4022-3282-1B5A-F455F1578F55}"/>
+                <a16:creationId xmlns="" xmlns:a16="http://schemas.microsoft.com/office/drawing/2014/main" id="{94C17F89-4022-3282-1B5A-F455F1578F55}"/>
               </a:ext>
             </a:extLst>
           </p:cNvPr>
@@ -5596,7 +5596,7 @@
           <p:cNvPr id="38" name="Google Shape;90;p14">
             <a:extLst>
               <a:ext uri="{FF2B5EF4-FFF2-40B4-BE49-F238E27FC236}">
-                <a16:creationId xmlns:a16="http://schemas.microsoft.com/office/drawing/2014/main" xmlns="" id="{70D7F9C8-3F19-0671-CC95-0C6FF2D659F6}"/>
+                <a16:creationId xmlns="" xmlns:a16="http://schemas.microsoft.com/office/drawing/2014/main" id="{70D7F9C8-3F19-0671-CC95-0C6FF2D659F6}"/>
               </a:ext>
             </a:extLst>
           </p:cNvPr>
@@ -5630,7 +5630,7 @@
           <p:cNvPr id="39" name="Google Shape;90;p14">
             <a:extLst>
               <a:ext uri="{FF2B5EF4-FFF2-40B4-BE49-F238E27FC236}">
-                <a16:creationId xmlns:a16="http://schemas.microsoft.com/office/drawing/2014/main" xmlns="" id="{70D7F9C8-3F19-0671-CC95-0C6FF2D659F6}"/>
+                <a16:creationId xmlns="" xmlns:a16="http://schemas.microsoft.com/office/drawing/2014/main" id="{70D7F9C8-3F19-0671-CC95-0C6FF2D659F6}"/>
               </a:ext>
             </a:extLst>
           </p:cNvPr>
@@ -5694,7 +5694,7 @@
           <p:cNvPr id="4" name="椭圆 3">
             <a:extLst>
               <a:ext uri="{FF2B5EF4-FFF2-40B4-BE49-F238E27FC236}">
-                <a16:creationId xmlns:a16="http://schemas.microsoft.com/office/drawing/2014/main" xmlns="" id="{94C17F89-4022-3282-1B5A-F455F1578F55}"/>
+                <a16:creationId xmlns="" xmlns:a16="http://schemas.microsoft.com/office/drawing/2014/main" id="{94C17F89-4022-3282-1B5A-F455F1578F55}"/>
               </a:ext>
             </a:extLst>
           </p:cNvPr>
@@ -6377,7 +6377,7 @@
           <p:cNvPr id="2" name="标题 1">
             <a:extLst>
               <a:ext uri="{FF2B5EF4-FFF2-40B4-BE49-F238E27FC236}">
-                <a16:creationId xmlns:a16="http://schemas.microsoft.com/office/drawing/2014/main" xmlns="" id="{2A9B6C59-89F9-5390-BB77-F8DB7EF7B310}"/>
+                <a16:creationId xmlns="" xmlns:a16="http://schemas.microsoft.com/office/drawing/2014/main" id="{2A9B6C59-89F9-5390-BB77-F8DB7EF7B310}"/>
               </a:ext>
             </a:extLst>
           </p:cNvPr>
@@ -6452,7 +6452,7 @@
           <p:cNvPr id="2" name="标题 1">
             <a:extLst>
               <a:ext uri="{FF2B5EF4-FFF2-40B4-BE49-F238E27FC236}">
-                <a16:creationId xmlns:a16="http://schemas.microsoft.com/office/drawing/2014/main" xmlns="" id="{80796E82-7314-2FBE-2DE8-DDD70D4DF27E}"/>
+                <a16:creationId xmlns="" xmlns:a16="http://schemas.microsoft.com/office/drawing/2014/main" id="{80796E82-7314-2FBE-2DE8-DDD70D4DF27E}"/>
               </a:ext>
             </a:extLst>
           </p:cNvPr>
@@ -6508,7 +6508,7 @@
           <p:cNvPr id="5" name="椭圆 4">
             <a:extLst>
               <a:ext uri="{FF2B5EF4-FFF2-40B4-BE49-F238E27FC236}">
-                <a16:creationId xmlns:a16="http://schemas.microsoft.com/office/drawing/2014/main" xmlns="" id="{A020CC41-9901-5A10-06D8-1F19650A3A6A}"/>
+                <a16:creationId xmlns="" xmlns:a16="http://schemas.microsoft.com/office/drawing/2014/main" id="{A020CC41-9901-5A10-06D8-1F19650A3A6A}"/>
               </a:ext>
             </a:extLst>
           </p:cNvPr>
@@ -6560,7 +6560,7 @@
           <p:cNvPr id="19" name="Google Shape;73;p14">
             <a:extLst>
               <a:ext uri="{FF2B5EF4-FFF2-40B4-BE49-F238E27FC236}">
-                <a16:creationId xmlns:a16="http://schemas.microsoft.com/office/drawing/2014/main" xmlns="" id="{3442D827-BE6F-DFBF-3B15-223B2753D9E9}"/>
+                <a16:creationId xmlns="" xmlns:a16="http://schemas.microsoft.com/office/drawing/2014/main" id="{3442D827-BE6F-DFBF-3B15-223B2753D9E9}"/>
               </a:ext>
             </a:extLst>
           </p:cNvPr>
@@ -6594,7 +6594,7 @@
           <p:cNvPr id="3" name="椭圆 2">
             <a:extLst>
               <a:ext uri="{FF2B5EF4-FFF2-40B4-BE49-F238E27FC236}">
-                <a16:creationId xmlns:a16="http://schemas.microsoft.com/office/drawing/2014/main" xmlns="" id="{6A049D51-9228-994D-60FB-A0B21405E162}"/>
+                <a16:creationId xmlns="" xmlns:a16="http://schemas.microsoft.com/office/drawing/2014/main" id="{6A049D51-9228-994D-60FB-A0B21405E162}"/>
               </a:ext>
             </a:extLst>
           </p:cNvPr>
@@ -6650,7 +6650,7 @@
           <p:cNvPr id="20" name="椭圆 19">
             <a:extLst>
               <a:ext uri="{FF2B5EF4-FFF2-40B4-BE49-F238E27FC236}">
-                <a16:creationId xmlns:a16="http://schemas.microsoft.com/office/drawing/2014/main" xmlns="" id="{1CB92BD5-35D8-92CB-D9E4-9F7E63F85095}"/>
+                <a16:creationId xmlns="" xmlns:a16="http://schemas.microsoft.com/office/drawing/2014/main" id="{1CB92BD5-35D8-92CB-D9E4-9F7E63F85095}"/>
               </a:ext>
             </a:extLst>
           </p:cNvPr>
@@ -6706,7 +6706,7 @@
           <p:cNvPr id="21" name="椭圆 20">
             <a:extLst>
               <a:ext uri="{FF2B5EF4-FFF2-40B4-BE49-F238E27FC236}">
-                <a16:creationId xmlns:a16="http://schemas.microsoft.com/office/drawing/2014/main" xmlns="" id="{CC0D471C-430C-0F88-B963-906AF37643E5}"/>
+                <a16:creationId xmlns="" xmlns:a16="http://schemas.microsoft.com/office/drawing/2014/main" id="{CC0D471C-430C-0F88-B963-906AF37643E5}"/>
               </a:ext>
             </a:extLst>
           </p:cNvPr>
@@ -6762,7 +6762,7 @@
           <p:cNvPr id="22" name="椭圆 21">
             <a:extLst>
               <a:ext uri="{FF2B5EF4-FFF2-40B4-BE49-F238E27FC236}">
-                <a16:creationId xmlns:a16="http://schemas.microsoft.com/office/drawing/2014/main" xmlns="" id="{ECCA1AA6-1921-4825-44D1-D03BE773AACC}"/>
+                <a16:creationId xmlns="" xmlns:a16="http://schemas.microsoft.com/office/drawing/2014/main" id="{ECCA1AA6-1921-4825-44D1-D03BE773AACC}"/>
               </a:ext>
             </a:extLst>
           </p:cNvPr>
@@ -6818,7 +6818,7 @@
           <p:cNvPr id="23" name="椭圆 22">
             <a:extLst>
               <a:ext uri="{FF2B5EF4-FFF2-40B4-BE49-F238E27FC236}">
-                <a16:creationId xmlns:a16="http://schemas.microsoft.com/office/drawing/2014/main" xmlns="" id="{3F21BD1A-C0DB-4604-449C-A115F86B74D3}"/>
+                <a16:creationId xmlns="" xmlns:a16="http://schemas.microsoft.com/office/drawing/2014/main" id="{3F21BD1A-C0DB-4604-449C-A115F86B74D3}"/>
               </a:ext>
             </a:extLst>
           </p:cNvPr>
@@ -6878,7 +6878,7 @@
           <p:cNvPr id="24" name="椭圆 23">
             <a:extLst>
               <a:ext uri="{FF2B5EF4-FFF2-40B4-BE49-F238E27FC236}">
-                <a16:creationId xmlns:a16="http://schemas.microsoft.com/office/drawing/2014/main" xmlns="" id="{153EDE49-BF0B-3BFF-8FAE-EA9476EE1014}"/>
+                <a16:creationId xmlns="" xmlns:a16="http://schemas.microsoft.com/office/drawing/2014/main" id="{153EDE49-BF0B-3BFF-8FAE-EA9476EE1014}"/>
               </a:ext>
             </a:extLst>
           </p:cNvPr>
@@ -6938,7 +6938,7 @@
           <p:cNvPr id="25" name="椭圆 24">
             <a:extLst>
               <a:ext uri="{FF2B5EF4-FFF2-40B4-BE49-F238E27FC236}">
-                <a16:creationId xmlns:a16="http://schemas.microsoft.com/office/drawing/2014/main" xmlns="" id="{96E59006-D453-BDF9-72CE-BDDB3896D922}"/>
+                <a16:creationId xmlns="" xmlns:a16="http://schemas.microsoft.com/office/drawing/2014/main" id="{96E59006-D453-BDF9-72CE-BDDB3896D922}"/>
               </a:ext>
             </a:extLst>
           </p:cNvPr>
@@ -6998,7 +6998,7 @@
           <p:cNvPr id="26" name="椭圆 25">
             <a:extLst>
               <a:ext uri="{FF2B5EF4-FFF2-40B4-BE49-F238E27FC236}">
-                <a16:creationId xmlns:a16="http://schemas.microsoft.com/office/drawing/2014/main" xmlns="" id="{76DDE1EF-9352-BD67-F294-8E6E8429488F}"/>
+                <a16:creationId xmlns="" xmlns:a16="http://schemas.microsoft.com/office/drawing/2014/main" id="{76DDE1EF-9352-BD67-F294-8E6E8429488F}"/>
               </a:ext>
             </a:extLst>
           </p:cNvPr>
@@ -7058,7 +7058,7 @@
           <p:cNvPr id="6" name="Google Shape;74;p14">
             <a:extLst>
               <a:ext uri="{FF2B5EF4-FFF2-40B4-BE49-F238E27FC236}">
-                <a16:creationId xmlns:a16="http://schemas.microsoft.com/office/drawing/2014/main" xmlns="" id="{8ABB2948-CF7D-7BD6-14B8-367574244CB2}"/>
+                <a16:creationId xmlns="" xmlns:a16="http://schemas.microsoft.com/office/drawing/2014/main" id="{8ABB2948-CF7D-7BD6-14B8-367574244CB2}"/>
               </a:ext>
             </a:extLst>
           </p:cNvPr>
@@ -7092,7 +7092,7 @@
           <p:cNvPr id="7" name="Google Shape;75;p14">
             <a:extLst>
               <a:ext uri="{FF2B5EF4-FFF2-40B4-BE49-F238E27FC236}">
-                <a16:creationId xmlns:a16="http://schemas.microsoft.com/office/drawing/2014/main" xmlns="" id="{744D1F6B-EBF7-049C-9CBC-D2BD265B8DB5}"/>
+                <a16:creationId xmlns="" xmlns:a16="http://schemas.microsoft.com/office/drawing/2014/main" id="{744D1F6B-EBF7-049C-9CBC-D2BD265B8DB5}"/>
               </a:ext>
             </a:extLst>
           </p:cNvPr>
@@ -7126,7 +7126,7 @@
           <p:cNvPr id="8" name="Google Shape;76;p14">
             <a:extLst>
               <a:ext uri="{FF2B5EF4-FFF2-40B4-BE49-F238E27FC236}">
-                <a16:creationId xmlns:a16="http://schemas.microsoft.com/office/drawing/2014/main" xmlns="" id="{A0604560-830C-4AC9-3717-031AA48B5D45}"/>
+                <a16:creationId xmlns="" xmlns:a16="http://schemas.microsoft.com/office/drawing/2014/main" id="{A0604560-830C-4AC9-3717-031AA48B5D45}"/>
               </a:ext>
             </a:extLst>
           </p:cNvPr>
@@ -7160,7 +7160,7 @@
           <p:cNvPr id="9" name="Google Shape;77;p14">
             <a:extLst>
               <a:ext uri="{FF2B5EF4-FFF2-40B4-BE49-F238E27FC236}">
-                <a16:creationId xmlns:a16="http://schemas.microsoft.com/office/drawing/2014/main" xmlns="" id="{DC03C87C-87BB-A5EB-0D50-DDB31F93A6C2}"/>
+                <a16:creationId xmlns="" xmlns:a16="http://schemas.microsoft.com/office/drawing/2014/main" id="{DC03C87C-87BB-A5EB-0D50-DDB31F93A6C2}"/>
               </a:ext>
             </a:extLst>
           </p:cNvPr>
@@ -7194,7 +7194,7 @@
           <p:cNvPr id="10" name="Google Shape;78;p14">
             <a:extLst>
               <a:ext uri="{FF2B5EF4-FFF2-40B4-BE49-F238E27FC236}">
-                <a16:creationId xmlns:a16="http://schemas.microsoft.com/office/drawing/2014/main" xmlns="" id="{281D3DED-9B64-E88B-FC5F-0C30B82A9484}"/>
+                <a16:creationId xmlns="" xmlns:a16="http://schemas.microsoft.com/office/drawing/2014/main" id="{281D3DED-9B64-E88B-FC5F-0C30B82A9484}"/>
               </a:ext>
             </a:extLst>
           </p:cNvPr>
@@ -7228,7 +7228,7 @@
           <p:cNvPr id="11" name="Google Shape;79;p14">
             <a:extLst>
               <a:ext uri="{FF2B5EF4-FFF2-40B4-BE49-F238E27FC236}">
-                <a16:creationId xmlns:a16="http://schemas.microsoft.com/office/drawing/2014/main" xmlns="" id="{0DAE55E6-D474-C395-BC84-8ACA3CE820A0}"/>
+                <a16:creationId xmlns="" xmlns:a16="http://schemas.microsoft.com/office/drawing/2014/main" id="{0DAE55E6-D474-C395-BC84-8ACA3CE820A0}"/>
               </a:ext>
             </a:extLst>
           </p:cNvPr>
@@ -7262,7 +7262,7 @@
           <p:cNvPr id="12" name="Google Shape;80;p14">
             <a:extLst>
               <a:ext uri="{FF2B5EF4-FFF2-40B4-BE49-F238E27FC236}">
-                <a16:creationId xmlns:a16="http://schemas.microsoft.com/office/drawing/2014/main" xmlns="" id="{3A5AAC50-9F06-A76F-B20B-35CF3612E825}"/>
+                <a16:creationId xmlns="" xmlns:a16="http://schemas.microsoft.com/office/drawing/2014/main" id="{3A5AAC50-9F06-A76F-B20B-35CF3612E825}"/>
               </a:ext>
             </a:extLst>
           </p:cNvPr>
@@ -7296,7 +7296,7 @@
           <p:cNvPr id="13" name="Google Shape;81;p14">
             <a:extLst>
               <a:ext uri="{FF2B5EF4-FFF2-40B4-BE49-F238E27FC236}">
-                <a16:creationId xmlns:a16="http://schemas.microsoft.com/office/drawing/2014/main" xmlns="" id="{F33B3BEC-1095-E464-2D03-703E55B0F8A0}"/>
+                <a16:creationId xmlns="" xmlns:a16="http://schemas.microsoft.com/office/drawing/2014/main" id="{F33B3BEC-1095-E464-2D03-703E55B0F8A0}"/>
               </a:ext>
             </a:extLst>
           </p:cNvPr>
@@ -7330,7 +7330,7 @@
           <p:cNvPr id="4" name="文本框 3">
             <a:extLst>
               <a:ext uri="{FF2B5EF4-FFF2-40B4-BE49-F238E27FC236}">
-                <a16:creationId xmlns:a16="http://schemas.microsoft.com/office/drawing/2014/main" xmlns="" id="{3E8E8225-E7B4-E598-7AEB-66BC2EF7864E}"/>
+                <a16:creationId xmlns="" xmlns:a16="http://schemas.microsoft.com/office/drawing/2014/main" id="{3E8E8225-E7B4-E598-7AEB-66BC2EF7864E}"/>
               </a:ext>
             </a:extLst>
           </p:cNvPr>
@@ -7410,7 +7410,7 @@
           <p:cNvPr id="2" name="标题 1">
             <a:extLst>
               <a:ext uri="{FF2B5EF4-FFF2-40B4-BE49-F238E27FC236}">
-                <a16:creationId xmlns:a16="http://schemas.microsoft.com/office/drawing/2014/main" xmlns="" id="{80796E82-7314-2FBE-2DE8-DDD70D4DF27E}"/>
+                <a16:creationId xmlns="" xmlns:a16="http://schemas.microsoft.com/office/drawing/2014/main" id="{80796E82-7314-2FBE-2DE8-DDD70D4DF27E}"/>
               </a:ext>
             </a:extLst>
           </p:cNvPr>
@@ -7459,7 +7459,7 @@
           <p:cNvPr id="5" name="椭圆 4">
             <a:extLst>
               <a:ext uri="{FF2B5EF4-FFF2-40B4-BE49-F238E27FC236}">
-                <a16:creationId xmlns:a16="http://schemas.microsoft.com/office/drawing/2014/main" xmlns="" id="{A020CC41-9901-5A10-06D8-1F19650A3A6A}"/>
+                <a16:creationId xmlns="" xmlns:a16="http://schemas.microsoft.com/office/drawing/2014/main" id="{A020CC41-9901-5A10-06D8-1F19650A3A6A}"/>
               </a:ext>
             </a:extLst>
           </p:cNvPr>
@@ -7511,7 +7511,7 @@
           <p:cNvPr id="19" name="Google Shape;73;p14">
             <a:extLst>
               <a:ext uri="{FF2B5EF4-FFF2-40B4-BE49-F238E27FC236}">
-                <a16:creationId xmlns:a16="http://schemas.microsoft.com/office/drawing/2014/main" xmlns="" id="{3442D827-BE6F-DFBF-3B15-223B2753D9E9}"/>
+                <a16:creationId xmlns="" xmlns:a16="http://schemas.microsoft.com/office/drawing/2014/main" id="{3442D827-BE6F-DFBF-3B15-223B2753D9E9}"/>
               </a:ext>
             </a:extLst>
           </p:cNvPr>
@@ -7545,7 +7545,7 @@
           <p:cNvPr id="6" name="Google Shape;74;p14">
             <a:extLst>
               <a:ext uri="{FF2B5EF4-FFF2-40B4-BE49-F238E27FC236}">
-                <a16:creationId xmlns:a16="http://schemas.microsoft.com/office/drawing/2014/main" xmlns="" id="{8ABB2948-CF7D-7BD6-14B8-367574244CB2}"/>
+                <a16:creationId xmlns="" xmlns:a16="http://schemas.microsoft.com/office/drawing/2014/main" id="{8ABB2948-CF7D-7BD6-14B8-367574244CB2}"/>
               </a:ext>
             </a:extLst>
           </p:cNvPr>
@@ -7579,7 +7579,7 @@
           <p:cNvPr id="7" name="Google Shape;75;p14">
             <a:extLst>
               <a:ext uri="{FF2B5EF4-FFF2-40B4-BE49-F238E27FC236}">
-                <a16:creationId xmlns:a16="http://schemas.microsoft.com/office/drawing/2014/main" xmlns="" id="{744D1F6B-EBF7-049C-9CBC-D2BD265B8DB5}"/>
+                <a16:creationId xmlns="" xmlns:a16="http://schemas.microsoft.com/office/drawing/2014/main" id="{744D1F6B-EBF7-049C-9CBC-D2BD265B8DB5}"/>
               </a:ext>
             </a:extLst>
           </p:cNvPr>
@@ -7613,7 +7613,7 @@
           <p:cNvPr id="8" name="Google Shape;76;p14">
             <a:extLst>
               <a:ext uri="{FF2B5EF4-FFF2-40B4-BE49-F238E27FC236}">
-                <a16:creationId xmlns:a16="http://schemas.microsoft.com/office/drawing/2014/main" xmlns="" id="{A0604560-830C-4AC9-3717-031AA48B5D45}"/>
+                <a16:creationId xmlns="" xmlns:a16="http://schemas.microsoft.com/office/drawing/2014/main" id="{A0604560-830C-4AC9-3717-031AA48B5D45}"/>
               </a:ext>
             </a:extLst>
           </p:cNvPr>
@@ -7647,7 +7647,7 @@
           <p:cNvPr id="9" name="Google Shape;77;p14">
             <a:extLst>
               <a:ext uri="{FF2B5EF4-FFF2-40B4-BE49-F238E27FC236}">
-                <a16:creationId xmlns:a16="http://schemas.microsoft.com/office/drawing/2014/main" xmlns="" id="{DC03C87C-87BB-A5EB-0D50-DDB31F93A6C2}"/>
+                <a16:creationId xmlns="" xmlns:a16="http://schemas.microsoft.com/office/drawing/2014/main" id="{DC03C87C-87BB-A5EB-0D50-DDB31F93A6C2}"/>
               </a:ext>
             </a:extLst>
           </p:cNvPr>
@@ -7681,7 +7681,7 @@
           <p:cNvPr id="10" name="Google Shape;78;p14">
             <a:extLst>
               <a:ext uri="{FF2B5EF4-FFF2-40B4-BE49-F238E27FC236}">
-                <a16:creationId xmlns:a16="http://schemas.microsoft.com/office/drawing/2014/main" xmlns="" id="{281D3DED-9B64-E88B-FC5F-0C30B82A9484}"/>
+                <a16:creationId xmlns="" xmlns:a16="http://schemas.microsoft.com/office/drawing/2014/main" id="{281D3DED-9B64-E88B-FC5F-0C30B82A9484}"/>
               </a:ext>
             </a:extLst>
           </p:cNvPr>
@@ -7715,7 +7715,7 @@
           <p:cNvPr id="11" name="Google Shape;79;p14">
             <a:extLst>
               <a:ext uri="{FF2B5EF4-FFF2-40B4-BE49-F238E27FC236}">
-                <a16:creationId xmlns:a16="http://schemas.microsoft.com/office/drawing/2014/main" xmlns="" id="{0DAE55E6-D474-C395-BC84-8ACA3CE820A0}"/>
+                <a16:creationId xmlns="" xmlns:a16="http://schemas.microsoft.com/office/drawing/2014/main" id="{0DAE55E6-D474-C395-BC84-8ACA3CE820A0}"/>
               </a:ext>
             </a:extLst>
           </p:cNvPr>
@@ -7749,7 +7749,7 @@
           <p:cNvPr id="12" name="Google Shape;80;p14">
             <a:extLst>
               <a:ext uri="{FF2B5EF4-FFF2-40B4-BE49-F238E27FC236}">
-                <a16:creationId xmlns:a16="http://schemas.microsoft.com/office/drawing/2014/main" xmlns="" id="{3A5AAC50-9F06-A76F-B20B-35CF3612E825}"/>
+                <a16:creationId xmlns="" xmlns:a16="http://schemas.microsoft.com/office/drawing/2014/main" id="{3A5AAC50-9F06-A76F-B20B-35CF3612E825}"/>
               </a:ext>
             </a:extLst>
           </p:cNvPr>
@@ -7783,7 +7783,7 @@
           <p:cNvPr id="13" name="Google Shape;81;p14">
             <a:extLst>
               <a:ext uri="{FF2B5EF4-FFF2-40B4-BE49-F238E27FC236}">
-                <a16:creationId xmlns:a16="http://schemas.microsoft.com/office/drawing/2014/main" xmlns="" id="{F33B3BEC-1095-E464-2D03-703E55B0F8A0}"/>
+                <a16:creationId xmlns="" xmlns:a16="http://schemas.microsoft.com/office/drawing/2014/main" id="{F33B3BEC-1095-E464-2D03-703E55B0F8A0}"/>
               </a:ext>
             </a:extLst>
           </p:cNvPr>
@@ -7817,7 +7817,7 @@
           <p:cNvPr id="4" name="文本框 3">
             <a:extLst>
               <a:ext uri="{FF2B5EF4-FFF2-40B4-BE49-F238E27FC236}">
-                <a16:creationId xmlns:a16="http://schemas.microsoft.com/office/drawing/2014/main" xmlns="" id="{3E8E8225-E7B4-E598-7AEB-66BC2EF7864E}"/>
+                <a16:creationId xmlns="" xmlns:a16="http://schemas.microsoft.com/office/drawing/2014/main" id="{3E8E8225-E7B4-E598-7AEB-66BC2EF7864E}"/>
               </a:ext>
             </a:extLst>
           </p:cNvPr>
@@ -7857,7 +7857,7 @@
           <p:cNvPr id="27" name="箭头: 五边形 26">
             <a:extLst>
               <a:ext uri="{FF2B5EF4-FFF2-40B4-BE49-F238E27FC236}">
-                <a16:creationId xmlns:a16="http://schemas.microsoft.com/office/drawing/2014/main" xmlns="" id="{E085494B-F842-4C01-038E-DB08191BB1BE}"/>
+                <a16:creationId xmlns="" xmlns:a16="http://schemas.microsoft.com/office/drawing/2014/main" id="{E085494B-F842-4C01-038E-DB08191BB1BE}"/>
               </a:ext>
             </a:extLst>
           </p:cNvPr>
@@ -7913,7 +7913,7 @@
           <p:cNvPr id="28" name="文本框 27">
             <a:extLst>
               <a:ext uri="{FF2B5EF4-FFF2-40B4-BE49-F238E27FC236}">
-                <a16:creationId xmlns:a16="http://schemas.microsoft.com/office/drawing/2014/main" xmlns="" id="{342B569A-49B6-3B3C-8998-DEDD42D51B66}"/>
+                <a16:creationId xmlns="" xmlns:a16="http://schemas.microsoft.com/office/drawing/2014/main" id="{342B569A-49B6-3B3C-8998-DEDD42D51B66}"/>
               </a:ext>
             </a:extLst>
           </p:cNvPr>
@@ -7949,7 +7949,7 @@
           <p:cNvPr id="29" name="箭头: 五边形 28">
             <a:extLst>
               <a:ext uri="{FF2B5EF4-FFF2-40B4-BE49-F238E27FC236}">
-                <a16:creationId xmlns:a16="http://schemas.microsoft.com/office/drawing/2014/main" xmlns="" id="{3523BFDC-8B96-7B81-3159-C26951EC2B7B}"/>
+                <a16:creationId xmlns="" xmlns:a16="http://schemas.microsoft.com/office/drawing/2014/main" id="{3523BFDC-8B96-7B81-3159-C26951EC2B7B}"/>
               </a:ext>
             </a:extLst>
           </p:cNvPr>
@@ -7996,7 +7996,7 @@
           <p:cNvPr id="30" name="文本框 29">
             <a:extLst>
               <a:ext uri="{FF2B5EF4-FFF2-40B4-BE49-F238E27FC236}">
-                <a16:creationId xmlns:a16="http://schemas.microsoft.com/office/drawing/2014/main" xmlns="" id="{082D8EAA-C93E-D6A9-69A4-C34D928A3F9E}"/>
+                <a16:creationId xmlns="" xmlns:a16="http://schemas.microsoft.com/office/drawing/2014/main" id="{082D8EAA-C93E-D6A9-69A4-C34D928A3F9E}"/>
               </a:ext>
             </a:extLst>
           </p:cNvPr>
@@ -8032,7 +8032,7 @@
           <p:cNvPr id="31" name="箭头: 五边形 30">
             <a:extLst>
               <a:ext uri="{FF2B5EF4-FFF2-40B4-BE49-F238E27FC236}">
-                <a16:creationId xmlns:a16="http://schemas.microsoft.com/office/drawing/2014/main" xmlns="" id="{4B9E0D9B-D17E-69E7-1F9A-99DE7710B7A1}"/>
+                <a16:creationId xmlns="" xmlns:a16="http://schemas.microsoft.com/office/drawing/2014/main" id="{4B9E0D9B-D17E-69E7-1F9A-99DE7710B7A1}"/>
               </a:ext>
             </a:extLst>
           </p:cNvPr>
@@ -8079,7 +8079,7 @@
           <p:cNvPr id="32" name="箭头: 五边形 31">
             <a:extLst>
               <a:ext uri="{FF2B5EF4-FFF2-40B4-BE49-F238E27FC236}">
-                <a16:creationId xmlns:a16="http://schemas.microsoft.com/office/drawing/2014/main" xmlns="" id="{1C58B850-E627-D01E-6544-6FC012CCC33C}"/>
+                <a16:creationId xmlns="" xmlns:a16="http://schemas.microsoft.com/office/drawing/2014/main" id="{1C58B850-E627-D01E-6544-6FC012CCC33C}"/>
               </a:ext>
             </a:extLst>
           </p:cNvPr>
@@ -8135,7 +8135,7 @@
           <p:cNvPr id="33" name="箭头: 五边形 32">
             <a:extLst>
               <a:ext uri="{FF2B5EF4-FFF2-40B4-BE49-F238E27FC236}">
-                <a16:creationId xmlns:a16="http://schemas.microsoft.com/office/drawing/2014/main" xmlns="" id="{C768AE66-F650-1A37-7440-B571549FE915}"/>
+                <a16:creationId xmlns="" xmlns:a16="http://schemas.microsoft.com/office/drawing/2014/main" id="{C768AE66-F650-1A37-7440-B571549FE915}"/>
               </a:ext>
             </a:extLst>
           </p:cNvPr>
@@ -8191,7 +8191,7 @@
           <p:cNvPr id="34" name="箭头: 五边形 33">
             <a:extLst>
               <a:ext uri="{FF2B5EF4-FFF2-40B4-BE49-F238E27FC236}">
-                <a16:creationId xmlns:a16="http://schemas.microsoft.com/office/drawing/2014/main" xmlns="" id="{C73CB313-5C49-648F-D809-8346206978D1}"/>
+                <a16:creationId xmlns="" xmlns:a16="http://schemas.microsoft.com/office/drawing/2014/main" id="{C73CB313-5C49-648F-D809-8346206978D1}"/>
               </a:ext>
             </a:extLst>
           </p:cNvPr>
@@ -8247,7 +8247,7 @@
           <p:cNvPr id="35" name="箭头: 五边形 34">
             <a:extLst>
               <a:ext uri="{FF2B5EF4-FFF2-40B4-BE49-F238E27FC236}">
-                <a16:creationId xmlns:a16="http://schemas.microsoft.com/office/drawing/2014/main" xmlns="" id="{FC836AD9-A293-8E3F-664B-E692D69616E5}"/>
+                <a16:creationId xmlns="" xmlns:a16="http://schemas.microsoft.com/office/drawing/2014/main" id="{FC836AD9-A293-8E3F-664B-E692D69616E5}"/>
               </a:ext>
             </a:extLst>
           </p:cNvPr>
@@ -8303,7 +8303,7 @@
           <p:cNvPr id="37" name="箭头: 五边形 36">
             <a:extLst>
               <a:ext uri="{FF2B5EF4-FFF2-40B4-BE49-F238E27FC236}">
-                <a16:creationId xmlns:a16="http://schemas.microsoft.com/office/drawing/2014/main" xmlns="" id="{05ECD475-37EE-63E8-E9E5-EF81A4619214}"/>
+                <a16:creationId xmlns="" xmlns:a16="http://schemas.microsoft.com/office/drawing/2014/main" id="{05ECD475-37EE-63E8-E9E5-EF81A4619214}"/>
               </a:ext>
             </a:extLst>
           </p:cNvPr>
@@ -8350,7 +8350,7 @@
           <p:cNvPr id="38" name="箭头: 五边形 37">
             <a:extLst>
               <a:ext uri="{FF2B5EF4-FFF2-40B4-BE49-F238E27FC236}">
-                <a16:creationId xmlns:a16="http://schemas.microsoft.com/office/drawing/2014/main" xmlns="" id="{A6B5F2C7-042E-A328-27E2-FE7EEBDB2BDD}"/>
+                <a16:creationId xmlns="" xmlns:a16="http://schemas.microsoft.com/office/drawing/2014/main" id="{A6B5F2C7-042E-A328-27E2-FE7EEBDB2BDD}"/>
               </a:ext>
             </a:extLst>
           </p:cNvPr>
@@ -8397,7 +8397,7 @@
           <p:cNvPr id="39" name="箭头: 五边形 38">
             <a:extLst>
               <a:ext uri="{FF2B5EF4-FFF2-40B4-BE49-F238E27FC236}">
-                <a16:creationId xmlns:a16="http://schemas.microsoft.com/office/drawing/2014/main" xmlns="" id="{2D55E881-1EC3-4110-7472-1065FE27C440}"/>
+                <a16:creationId xmlns="" xmlns:a16="http://schemas.microsoft.com/office/drawing/2014/main" id="{2D55E881-1EC3-4110-7472-1065FE27C440}"/>
               </a:ext>
             </a:extLst>
           </p:cNvPr>
@@ -8474,7 +8474,7 @@
           <p:cNvPr id="2" name="标题 1">
             <a:extLst>
               <a:ext uri="{FF2B5EF4-FFF2-40B4-BE49-F238E27FC236}">
-                <a16:creationId xmlns:a16="http://schemas.microsoft.com/office/drawing/2014/main" xmlns="" id="{80796E82-7314-2FBE-2DE8-DDD70D4DF27E}"/>
+                <a16:creationId xmlns="" xmlns:a16="http://schemas.microsoft.com/office/drawing/2014/main" id="{80796E82-7314-2FBE-2DE8-DDD70D4DF27E}"/>
               </a:ext>
             </a:extLst>
           </p:cNvPr>
@@ -8523,7 +8523,7 @@
           <p:cNvPr id="5" name="椭圆 4">
             <a:extLst>
               <a:ext uri="{FF2B5EF4-FFF2-40B4-BE49-F238E27FC236}">
-                <a16:creationId xmlns:a16="http://schemas.microsoft.com/office/drawing/2014/main" xmlns="" id="{A020CC41-9901-5A10-06D8-1F19650A3A6A}"/>
+                <a16:creationId xmlns="" xmlns:a16="http://schemas.microsoft.com/office/drawing/2014/main" id="{A020CC41-9901-5A10-06D8-1F19650A3A6A}"/>
               </a:ext>
             </a:extLst>
           </p:cNvPr>
@@ -8575,7 +8575,7 @@
           <p:cNvPr id="19" name="Google Shape;73;p14">
             <a:extLst>
               <a:ext uri="{FF2B5EF4-FFF2-40B4-BE49-F238E27FC236}">
-                <a16:creationId xmlns:a16="http://schemas.microsoft.com/office/drawing/2014/main" xmlns="" id="{3442D827-BE6F-DFBF-3B15-223B2753D9E9}"/>
+                <a16:creationId xmlns="" xmlns:a16="http://schemas.microsoft.com/office/drawing/2014/main" id="{3442D827-BE6F-DFBF-3B15-223B2753D9E9}"/>
               </a:ext>
             </a:extLst>
           </p:cNvPr>
@@ -8609,7 +8609,7 @@
           <p:cNvPr id="3" name="椭圆 2">
             <a:extLst>
               <a:ext uri="{FF2B5EF4-FFF2-40B4-BE49-F238E27FC236}">
-                <a16:creationId xmlns:a16="http://schemas.microsoft.com/office/drawing/2014/main" xmlns="" id="{6A049D51-9228-994D-60FB-A0B21405E162}"/>
+                <a16:creationId xmlns="" xmlns:a16="http://schemas.microsoft.com/office/drawing/2014/main" id="{6A049D51-9228-994D-60FB-A0B21405E162}"/>
               </a:ext>
             </a:extLst>
           </p:cNvPr>
@@ -8665,7 +8665,7 @@
           <p:cNvPr id="20" name="椭圆 19">
             <a:extLst>
               <a:ext uri="{FF2B5EF4-FFF2-40B4-BE49-F238E27FC236}">
-                <a16:creationId xmlns:a16="http://schemas.microsoft.com/office/drawing/2014/main" xmlns="" id="{1CB92BD5-35D8-92CB-D9E4-9F7E63F85095}"/>
+                <a16:creationId xmlns="" xmlns:a16="http://schemas.microsoft.com/office/drawing/2014/main" id="{1CB92BD5-35D8-92CB-D9E4-9F7E63F85095}"/>
               </a:ext>
             </a:extLst>
           </p:cNvPr>
@@ -8721,7 +8721,7 @@
           <p:cNvPr id="21" name="椭圆 20">
             <a:extLst>
               <a:ext uri="{FF2B5EF4-FFF2-40B4-BE49-F238E27FC236}">
-                <a16:creationId xmlns:a16="http://schemas.microsoft.com/office/drawing/2014/main" xmlns="" id="{CC0D471C-430C-0F88-B963-906AF37643E5}"/>
+                <a16:creationId xmlns="" xmlns:a16="http://schemas.microsoft.com/office/drawing/2014/main" id="{CC0D471C-430C-0F88-B963-906AF37643E5}"/>
               </a:ext>
             </a:extLst>
           </p:cNvPr>
@@ -8777,7 +8777,7 @@
           <p:cNvPr id="22" name="椭圆 21">
             <a:extLst>
               <a:ext uri="{FF2B5EF4-FFF2-40B4-BE49-F238E27FC236}">
-                <a16:creationId xmlns:a16="http://schemas.microsoft.com/office/drawing/2014/main" xmlns="" id="{ECCA1AA6-1921-4825-44D1-D03BE773AACC}"/>
+                <a16:creationId xmlns="" xmlns:a16="http://schemas.microsoft.com/office/drawing/2014/main" id="{ECCA1AA6-1921-4825-44D1-D03BE773AACC}"/>
               </a:ext>
             </a:extLst>
           </p:cNvPr>
@@ -8833,7 +8833,7 @@
           <p:cNvPr id="23" name="椭圆 22">
             <a:extLst>
               <a:ext uri="{FF2B5EF4-FFF2-40B4-BE49-F238E27FC236}">
-                <a16:creationId xmlns:a16="http://schemas.microsoft.com/office/drawing/2014/main" xmlns="" id="{3F21BD1A-C0DB-4604-449C-A115F86B74D3}"/>
+                <a16:creationId xmlns="" xmlns:a16="http://schemas.microsoft.com/office/drawing/2014/main" id="{3F21BD1A-C0DB-4604-449C-A115F86B74D3}"/>
               </a:ext>
             </a:extLst>
           </p:cNvPr>
@@ -8893,7 +8893,7 @@
           <p:cNvPr id="24" name="椭圆 23">
             <a:extLst>
               <a:ext uri="{FF2B5EF4-FFF2-40B4-BE49-F238E27FC236}">
-                <a16:creationId xmlns:a16="http://schemas.microsoft.com/office/drawing/2014/main" xmlns="" id="{153EDE49-BF0B-3BFF-8FAE-EA9476EE1014}"/>
+                <a16:creationId xmlns="" xmlns:a16="http://schemas.microsoft.com/office/drawing/2014/main" id="{153EDE49-BF0B-3BFF-8FAE-EA9476EE1014}"/>
               </a:ext>
             </a:extLst>
           </p:cNvPr>
@@ -8953,7 +8953,7 @@
           <p:cNvPr id="25" name="椭圆 24">
             <a:extLst>
               <a:ext uri="{FF2B5EF4-FFF2-40B4-BE49-F238E27FC236}">
-                <a16:creationId xmlns:a16="http://schemas.microsoft.com/office/drawing/2014/main" xmlns="" id="{96E59006-D453-BDF9-72CE-BDDB3896D922}"/>
+                <a16:creationId xmlns="" xmlns:a16="http://schemas.microsoft.com/office/drawing/2014/main" id="{96E59006-D453-BDF9-72CE-BDDB3896D922}"/>
               </a:ext>
             </a:extLst>
           </p:cNvPr>
@@ -9013,7 +9013,7 @@
           <p:cNvPr id="26" name="椭圆 25">
             <a:extLst>
               <a:ext uri="{FF2B5EF4-FFF2-40B4-BE49-F238E27FC236}">
-                <a16:creationId xmlns:a16="http://schemas.microsoft.com/office/drawing/2014/main" xmlns="" id="{76DDE1EF-9352-BD67-F294-8E6E8429488F}"/>
+                <a16:creationId xmlns="" xmlns:a16="http://schemas.microsoft.com/office/drawing/2014/main" id="{76DDE1EF-9352-BD67-F294-8E6E8429488F}"/>
               </a:ext>
             </a:extLst>
           </p:cNvPr>
@@ -9073,7 +9073,7 @@
           <p:cNvPr id="4" name="文本框 3">
             <a:extLst>
               <a:ext uri="{FF2B5EF4-FFF2-40B4-BE49-F238E27FC236}">
-                <a16:creationId xmlns:a16="http://schemas.microsoft.com/office/drawing/2014/main" xmlns="" id="{3E8E8225-E7B4-E598-7AEB-66BC2EF7864E}"/>
+                <a16:creationId xmlns="" xmlns:a16="http://schemas.microsoft.com/office/drawing/2014/main" id="{3E8E8225-E7B4-E598-7AEB-66BC2EF7864E}"/>
               </a:ext>
             </a:extLst>
           </p:cNvPr>
@@ -9123,7 +9123,7 @@
           <p:cNvPr id="27" name="Google Shape;74;p14">
             <a:extLst>
               <a:ext uri="{FF2B5EF4-FFF2-40B4-BE49-F238E27FC236}">
-                <a16:creationId xmlns:a16="http://schemas.microsoft.com/office/drawing/2014/main" xmlns="" id="{F001360C-F541-C9AF-53E6-BA5E50272227}"/>
+                <a16:creationId xmlns="" xmlns:a16="http://schemas.microsoft.com/office/drawing/2014/main" id="{F001360C-F541-C9AF-53E6-BA5E50272227}"/>
               </a:ext>
             </a:extLst>
           </p:cNvPr>
@@ -9157,7 +9157,7 @@
           <p:cNvPr id="28" name="Google Shape;75;p14">
             <a:extLst>
               <a:ext uri="{FF2B5EF4-FFF2-40B4-BE49-F238E27FC236}">
-                <a16:creationId xmlns:a16="http://schemas.microsoft.com/office/drawing/2014/main" xmlns="" id="{BC47DF63-D787-76FF-F6E1-924DB122ED98}"/>
+                <a16:creationId xmlns="" xmlns:a16="http://schemas.microsoft.com/office/drawing/2014/main" id="{BC47DF63-D787-76FF-F6E1-924DB122ED98}"/>
               </a:ext>
             </a:extLst>
           </p:cNvPr>
@@ -9191,7 +9191,7 @@
           <p:cNvPr id="29" name="Google Shape;76;p14">
             <a:extLst>
               <a:ext uri="{FF2B5EF4-FFF2-40B4-BE49-F238E27FC236}">
-                <a16:creationId xmlns:a16="http://schemas.microsoft.com/office/drawing/2014/main" xmlns="" id="{E6DB3436-E7A1-74A4-306B-891B37C2E2BC}"/>
+                <a16:creationId xmlns="" xmlns:a16="http://schemas.microsoft.com/office/drawing/2014/main" id="{E6DB3436-E7A1-74A4-306B-891B37C2E2BC}"/>
               </a:ext>
             </a:extLst>
           </p:cNvPr>
@@ -9225,7 +9225,7 @@
           <p:cNvPr id="30" name="Google Shape;77;p14">
             <a:extLst>
               <a:ext uri="{FF2B5EF4-FFF2-40B4-BE49-F238E27FC236}">
-                <a16:creationId xmlns:a16="http://schemas.microsoft.com/office/drawing/2014/main" xmlns="" id="{4732D7A8-7A22-D333-C97E-9E6837577A1F}"/>
+                <a16:creationId xmlns="" xmlns:a16="http://schemas.microsoft.com/office/drawing/2014/main" id="{4732D7A8-7A22-D333-C97E-9E6837577A1F}"/>
               </a:ext>
             </a:extLst>
           </p:cNvPr>
@@ -9259,7 +9259,7 @@
           <p:cNvPr id="31" name="Google Shape;78;p14">
             <a:extLst>
               <a:ext uri="{FF2B5EF4-FFF2-40B4-BE49-F238E27FC236}">
-                <a16:creationId xmlns:a16="http://schemas.microsoft.com/office/drawing/2014/main" xmlns="" id="{56A704A4-652B-FEB3-E4FD-002BB01DD9FD}"/>
+                <a16:creationId xmlns="" xmlns:a16="http://schemas.microsoft.com/office/drawing/2014/main" id="{56A704A4-652B-FEB3-E4FD-002BB01DD9FD}"/>
               </a:ext>
             </a:extLst>
           </p:cNvPr>
@@ -9293,7 +9293,7 @@
           <p:cNvPr id="32" name="Google Shape;79;p14">
             <a:extLst>
               <a:ext uri="{FF2B5EF4-FFF2-40B4-BE49-F238E27FC236}">
-                <a16:creationId xmlns:a16="http://schemas.microsoft.com/office/drawing/2014/main" xmlns="" id="{2B1EC5ED-8A2C-AFB1-031C-190E068ED4D4}"/>
+                <a16:creationId xmlns="" xmlns:a16="http://schemas.microsoft.com/office/drawing/2014/main" id="{2B1EC5ED-8A2C-AFB1-031C-190E068ED4D4}"/>
               </a:ext>
             </a:extLst>
           </p:cNvPr>
@@ -9327,7 +9327,7 @@
           <p:cNvPr id="33" name="Google Shape;80;p14">
             <a:extLst>
               <a:ext uri="{FF2B5EF4-FFF2-40B4-BE49-F238E27FC236}">
-                <a16:creationId xmlns:a16="http://schemas.microsoft.com/office/drawing/2014/main" xmlns="" id="{66CD08D3-5714-3526-9D5B-B8686C293498}"/>
+                <a16:creationId xmlns="" xmlns:a16="http://schemas.microsoft.com/office/drawing/2014/main" id="{66CD08D3-5714-3526-9D5B-B8686C293498}"/>
               </a:ext>
             </a:extLst>
           </p:cNvPr>
@@ -9361,7 +9361,7 @@
           <p:cNvPr id="34" name="Google Shape;81;p14">
             <a:extLst>
               <a:ext uri="{FF2B5EF4-FFF2-40B4-BE49-F238E27FC236}">
-                <a16:creationId xmlns:a16="http://schemas.microsoft.com/office/drawing/2014/main" xmlns="" id="{08D2C6F6-EC7E-991B-0ABD-435E54875096}"/>
+                <a16:creationId xmlns="" xmlns:a16="http://schemas.microsoft.com/office/drawing/2014/main" id="{08D2C6F6-EC7E-991B-0ABD-435E54875096}"/>
               </a:ext>
             </a:extLst>
           </p:cNvPr>
@@ -9395,7 +9395,7 @@
           <p:cNvPr id="35" name="箭头: 五边形 34">
             <a:extLst>
               <a:ext uri="{FF2B5EF4-FFF2-40B4-BE49-F238E27FC236}">
-                <a16:creationId xmlns:a16="http://schemas.microsoft.com/office/drawing/2014/main" xmlns="" id="{45CBFFAB-1872-D837-E2C6-E919DC9EBA01}"/>
+                <a16:creationId xmlns="" xmlns:a16="http://schemas.microsoft.com/office/drawing/2014/main" id="{45CBFFAB-1872-D837-E2C6-E919DC9EBA01}"/>
               </a:ext>
             </a:extLst>
           </p:cNvPr>
@@ -9442,7 +9442,7 @@
           <p:cNvPr id="36" name="箭头: 五边形 35">
             <a:extLst>
               <a:ext uri="{FF2B5EF4-FFF2-40B4-BE49-F238E27FC236}">
-                <a16:creationId xmlns:a16="http://schemas.microsoft.com/office/drawing/2014/main" xmlns="" id="{E1B40010-B40E-1B8F-1326-136C2A5B675C}"/>
+                <a16:creationId xmlns="" xmlns:a16="http://schemas.microsoft.com/office/drawing/2014/main" id="{E1B40010-B40E-1B8F-1326-136C2A5B675C}"/>
               </a:ext>
             </a:extLst>
           </p:cNvPr>
@@ -9498,7 +9498,7 @@
           <p:cNvPr id="37" name="箭头: 五边形 36">
             <a:extLst>
               <a:ext uri="{FF2B5EF4-FFF2-40B4-BE49-F238E27FC236}">
-                <a16:creationId xmlns:a16="http://schemas.microsoft.com/office/drawing/2014/main" xmlns="" id="{3D0F7E28-4B9F-42FB-3041-A660EACDA846}"/>
+                <a16:creationId xmlns="" xmlns:a16="http://schemas.microsoft.com/office/drawing/2014/main" id="{3D0F7E28-4B9F-42FB-3041-A660EACDA846}"/>
               </a:ext>
             </a:extLst>
           </p:cNvPr>
@@ -9554,7 +9554,7 @@
           <p:cNvPr id="38" name="箭头: 五边形 37">
             <a:extLst>
               <a:ext uri="{FF2B5EF4-FFF2-40B4-BE49-F238E27FC236}">
-                <a16:creationId xmlns:a16="http://schemas.microsoft.com/office/drawing/2014/main" xmlns="" id="{F2C895B2-888C-AE59-96AA-DC572DF8AECF}"/>
+                <a16:creationId xmlns="" xmlns:a16="http://schemas.microsoft.com/office/drawing/2014/main" id="{F2C895B2-888C-AE59-96AA-DC572DF8AECF}"/>
               </a:ext>
             </a:extLst>
           </p:cNvPr>
@@ -9610,7 +9610,7 @@
           <p:cNvPr id="39" name="箭头: 五边形 38">
             <a:extLst>
               <a:ext uri="{FF2B5EF4-FFF2-40B4-BE49-F238E27FC236}">
-                <a16:creationId xmlns:a16="http://schemas.microsoft.com/office/drawing/2014/main" xmlns="" id="{FE7171F9-6901-D35F-3EBF-EF312187A7B1}"/>
+                <a16:creationId xmlns="" xmlns:a16="http://schemas.microsoft.com/office/drawing/2014/main" id="{FE7171F9-6901-D35F-3EBF-EF312187A7B1}"/>
               </a:ext>
             </a:extLst>
           </p:cNvPr>
@@ -9666,7 +9666,7 @@
           <p:cNvPr id="40" name="箭头: 五边形 39">
             <a:extLst>
               <a:ext uri="{FF2B5EF4-FFF2-40B4-BE49-F238E27FC236}">
-                <a16:creationId xmlns:a16="http://schemas.microsoft.com/office/drawing/2014/main" xmlns="" id="{16B50CFD-37FF-2522-847C-ED21245232E4}"/>
+                <a16:creationId xmlns="" xmlns:a16="http://schemas.microsoft.com/office/drawing/2014/main" id="{16B50CFD-37FF-2522-847C-ED21245232E4}"/>
               </a:ext>
             </a:extLst>
           </p:cNvPr>
@@ -9713,7 +9713,7 @@
           <p:cNvPr id="41" name="箭头: 五边形 40">
             <a:extLst>
               <a:ext uri="{FF2B5EF4-FFF2-40B4-BE49-F238E27FC236}">
-                <a16:creationId xmlns:a16="http://schemas.microsoft.com/office/drawing/2014/main" xmlns="" id="{E064F493-09BD-2E6B-64E8-D8FB51398996}"/>
+                <a16:creationId xmlns="" xmlns:a16="http://schemas.microsoft.com/office/drawing/2014/main" id="{E064F493-09BD-2E6B-64E8-D8FB51398996}"/>
               </a:ext>
             </a:extLst>
           </p:cNvPr>
@@ -9760,7 +9760,7 @@
           <p:cNvPr id="42" name="箭头: 五边形 41">
             <a:extLst>
               <a:ext uri="{FF2B5EF4-FFF2-40B4-BE49-F238E27FC236}">
-                <a16:creationId xmlns:a16="http://schemas.microsoft.com/office/drawing/2014/main" xmlns="" id="{17EE7FAC-09DB-BC90-8147-28775EF08FEB}"/>
+                <a16:creationId xmlns="" xmlns:a16="http://schemas.microsoft.com/office/drawing/2014/main" id="{17EE7FAC-09DB-BC90-8147-28775EF08FEB}"/>
               </a:ext>
             </a:extLst>
           </p:cNvPr>
@@ -9837,7 +9837,7 @@
           <p:cNvPr id="2" name="标题 1">
             <a:extLst>
               <a:ext uri="{FF2B5EF4-FFF2-40B4-BE49-F238E27FC236}">
-                <a16:creationId xmlns:a16="http://schemas.microsoft.com/office/drawing/2014/main" xmlns="" id="{80796E82-7314-2FBE-2DE8-DDD70D4DF27E}"/>
+                <a16:creationId xmlns="" xmlns:a16="http://schemas.microsoft.com/office/drawing/2014/main" id="{80796E82-7314-2FBE-2DE8-DDD70D4DF27E}"/>
               </a:ext>
             </a:extLst>
           </p:cNvPr>
@@ -9886,7 +9886,7 @@
           <p:cNvPr id="5" name="椭圆 4">
             <a:extLst>
               <a:ext uri="{FF2B5EF4-FFF2-40B4-BE49-F238E27FC236}">
-                <a16:creationId xmlns:a16="http://schemas.microsoft.com/office/drawing/2014/main" xmlns="" id="{A020CC41-9901-5A10-06D8-1F19650A3A6A}"/>
+                <a16:creationId xmlns="" xmlns:a16="http://schemas.microsoft.com/office/drawing/2014/main" id="{A020CC41-9901-5A10-06D8-1F19650A3A6A}"/>
               </a:ext>
             </a:extLst>
           </p:cNvPr>
@@ -9938,7 +9938,7 @@
           <p:cNvPr id="19" name="Google Shape;73;p14">
             <a:extLst>
               <a:ext uri="{FF2B5EF4-FFF2-40B4-BE49-F238E27FC236}">
-                <a16:creationId xmlns:a16="http://schemas.microsoft.com/office/drawing/2014/main" xmlns="" id="{3442D827-BE6F-DFBF-3B15-223B2753D9E9}"/>
+                <a16:creationId xmlns="" xmlns:a16="http://schemas.microsoft.com/office/drawing/2014/main" id="{3442D827-BE6F-DFBF-3B15-223B2753D9E9}"/>
               </a:ext>
             </a:extLst>
           </p:cNvPr>
@@ -9972,7 +9972,7 @@
           <p:cNvPr id="6" name="Google Shape;74;p14">
             <a:extLst>
               <a:ext uri="{FF2B5EF4-FFF2-40B4-BE49-F238E27FC236}">
-                <a16:creationId xmlns:a16="http://schemas.microsoft.com/office/drawing/2014/main" xmlns="" id="{8ABB2948-CF7D-7BD6-14B8-367574244CB2}"/>
+                <a16:creationId xmlns="" xmlns:a16="http://schemas.microsoft.com/office/drawing/2014/main" id="{8ABB2948-CF7D-7BD6-14B8-367574244CB2}"/>
               </a:ext>
             </a:extLst>
           </p:cNvPr>
@@ -10006,7 +10006,7 @@
           <p:cNvPr id="7" name="Google Shape;75;p14">
             <a:extLst>
               <a:ext uri="{FF2B5EF4-FFF2-40B4-BE49-F238E27FC236}">
-                <a16:creationId xmlns:a16="http://schemas.microsoft.com/office/drawing/2014/main" xmlns="" id="{744D1F6B-EBF7-049C-9CBC-D2BD265B8DB5}"/>
+                <a16:creationId xmlns="" xmlns:a16="http://schemas.microsoft.com/office/drawing/2014/main" id="{744D1F6B-EBF7-049C-9CBC-D2BD265B8DB5}"/>
               </a:ext>
             </a:extLst>
           </p:cNvPr>
@@ -10040,7 +10040,7 @@
           <p:cNvPr id="8" name="Google Shape;76;p14">
             <a:extLst>
               <a:ext uri="{FF2B5EF4-FFF2-40B4-BE49-F238E27FC236}">
-                <a16:creationId xmlns:a16="http://schemas.microsoft.com/office/drawing/2014/main" xmlns="" id="{A0604560-830C-4AC9-3717-031AA48B5D45}"/>
+                <a16:creationId xmlns="" xmlns:a16="http://schemas.microsoft.com/office/drawing/2014/main" id="{A0604560-830C-4AC9-3717-031AA48B5D45}"/>
               </a:ext>
             </a:extLst>
           </p:cNvPr>
@@ -10074,7 +10074,7 @@
           <p:cNvPr id="9" name="Google Shape;77;p14">
             <a:extLst>
               <a:ext uri="{FF2B5EF4-FFF2-40B4-BE49-F238E27FC236}">
-                <a16:creationId xmlns:a16="http://schemas.microsoft.com/office/drawing/2014/main" xmlns="" id="{DC03C87C-87BB-A5EB-0D50-DDB31F93A6C2}"/>
+                <a16:creationId xmlns="" xmlns:a16="http://schemas.microsoft.com/office/drawing/2014/main" id="{DC03C87C-87BB-A5EB-0D50-DDB31F93A6C2}"/>
               </a:ext>
             </a:extLst>
           </p:cNvPr>
@@ -10108,7 +10108,7 @@
           <p:cNvPr id="10" name="Google Shape;78;p14">
             <a:extLst>
               <a:ext uri="{FF2B5EF4-FFF2-40B4-BE49-F238E27FC236}">
-                <a16:creationId xmlns:a16="http://schemas.microsoft.com/office/drawing/2014/main" xmlns="" id="{281D3DED-9B64-E88B-FC5F-0C30B82A9484}"/>
+                <a16:creationId xmlns="" xmlns:a16="http://schemas.microsoft.com/office/drawing/2014/main" id="{281D3DED-9B64-E88B-FC5F-0C30B82A9484}"/>
               </a:ext>
             </a:extLst>
           </p:cNvPr>
@@ -10142,7 +10142,7 @@
           <p:cNvPr id="11" name="Google Shape;79;p14">
             <a:extLst>
               <a:ext uri="{FF2B5EF4-FFF2-40B4-BE49-F238E27FC236}">
-                <a16:creationId xmlns:a16="http://schemas.microsoft.com/office/drawing/2014/main" xmlns="" id="{0DAE55E6-D474-C395-BC84-8ACA3CE820A0}"/>
+                <a16:creationId xmlns="" xmlns:a16="http://schemas.microsoft.com/office/drawing/2014/main" id="{0DAE55E6-D474-C395-BC84-8ACA3CE820A0}"/>
               </a:ext>
             </a:extLst>
           </p:cNvPr>
@@ -10176,7 +10176,7 @@
           <p:cNvPr id="12" name="Google Shape;80;p14">
             <a:extLst>
               <a:ext uri="{FF2B5EF4-FFF2-40B4-BE49-F238E27FC236}">
-                <a16:creationId xmlns:a16="http://schemas.microsoft.com/office/drawing/2014/main" xmlns="" id="{3A5AAC50-9F06-A76F-B20B-35CF3612E825}"/>
+                <a16:creationId xmlns="" xmlns:a16="http://schemas.microsoft.com/office/drawing/2014/main" id="{3A5AAC50-9F06-A76F-B20B-35CF3612E825}"/>
               </a:ext>
             </a:extLst>
           </p:cNvPr>
@@ -10210,7 +10210,7 @@
           <p:cNvPr id="13" name="Google Shape;81;p14">
             <a:extLst>
               <a:ext uri="{FF2B5EF4-FFF2-40B4-BE49-F238E27FC236}">
-                <a16:creationId xmlns:a16="http://schemas.microsoft.com/office/drawing/2014/main" xmlns="" id="{F33B3BEC-1095-E464-2D03-703E55B0F8A0}"/>
+                <a16:creationId xmlns="" xmlns:a16="http://schemas.microsoft.com/office/drawing/2014/main" id="{F33B3BEC-1095-E464-2D03-703E55B0F8A0}"/>
               </a:ext>
             </a:extLst>
           </p:cNvPr>
@@ -10244,7 +10244,7 @@
           <p:cNvPr id="4" name="文本框 3">
             <a:extLst>
               <a:ext uri="{FF2B5EF4-FFF2-40B4-BE49-F238E27FC236}">
-                <a16:creationId xmlns:a16="http://schemas.microsoft.com/office/drawing/2014/main" xmlns="" id="{3E8E8225-E7B4-E598-7AEB-66BC2EF7864E}"/>
+                <a16:creationId xmlns="" xmlns:a16="http://schemas.microsoft.com/office/drawing/2014/main" id="{3E8E8225-E7B4-E598-7AEB-66BC2EF7864E}"/>
               </a:ext>
             </a:extLst>
           </p:cNvPr>
@@ -10284,7 +10284,7 @@
           <p:cNvPr id="31" name="箭头: 五边形 30">
             <a:extLst>
               <a:ext uri="{FF2B5EF4-FFF2-40B4-BE49-F238E27FC236}">
-                <a16:creationId xmlns:a16="http://schemas.microsoft.com/office/drawing/2014/main" xmlns="" id="{4B9E0D9B-D17E-69E7-1F9A-99DE7710B7A1}"/>
+                <a16:creationId xmlns="" xmlns:a16="http://schemas.microsoft.com/office/drawing/2014/main" id="{4B9E0D9B-D17E-69E7-1F9A-99DE7710B7A1}"/>
               </a:ext>
             </a:extLst>
           </p:cNvPr>
@@ -10331,7 +10331,7 @@
           <p:cNvPr id="32" name="箭头: 五边形 31">
             <a:extLst>
               <a:ext uri="{FF2B5EF4-FFF2-40B4-BE49-F238E27FC236}">
-                <a16:creationId xmlns:a16="http://schemas.microsoft.com/office/drawing/2014/main" xmlns="" id="{1C58B850-E627-D01E-6544-6FC012CCC33C}"/>
+                <a16:creationId xmlns="" xmlns:a16="http://schemas.microsoft.com/office/drawing/2014/main" id="{1C58B850-E627-D01E-6544-6FC012CCC33C}"/>
               </a:ext>
             </a:extLst>
           </p:cNvPr>
@@ -10387,7 +10387,7 @@
           <p:cNvPr id="33" name="箭头: 五边形 32">
             <a:extLst>
               <a:ext uri="{FF2B5EF4-FFF2-40B4-BE49-F238E27FC236}">
-                <a16:creationId xmlns:a16="http://schemas.microsoft.com/office/drawing/2014/main" xmlns="" id="{C768AE66-F650-1A37-7440-B571549FE915}"/>
+                <a16:creationId xmlns="" xmlns:a16="http://schemas.microsoft.com/office/drawing/2014/main" id="{C768AE66-F650-1A37-7440-B571549FE915}"/>
               </a:ext>
             </a:extLst>
           </p:cNvPr>
@@ -10443,7 +10443,7 @@
           <p:cNvPr id="34" name="箭头: 五边形 33">
             <a:extLst>
               <a:ext uri="{FF2B5EF4-FFF2-40B4-BE49-F238E27FC236}">
-                <a16:creationId xmlns:a16="http://schemas.microsoft.com/office/drawing/2014/main" xmlns="" id="{C73CB313-5C49-648F-D809-8346206978D1}"/>
+                <a16:creationId xmlns="" xmlns:a16="http://schemas.microsoft.com/office/drawing/2014/main" id="{C73CB313-5C49-648F-D809-8346206978D1}"/>
               </a:ext>
             </a:extLst>
           </p:cNvPr>
@@ -10499,7 +10499,7 @@
           <p:cNvPr id="35" name="箭头: 五边形 34">
             <a:extLst>
               <a:ext uri="{FF2B5EF4-FFF2-40B4-BE49-F238E27FC236}">
-                <a16:creationId xmlns:a16="http://schemas.microsoft.com/office/drawing/2014/main" xmlns="" id="{FC836AD9-A293-8E3F-664B-E692D69616E5}"/>
+                <a16:creationId xmlns="" xmlns:a16="http://schemas.microsoft.com/office/drawing/2014/main" id="{FC836AD9-A293-8E3F-664B-E692D69616E5}"/>
               </a:ext>
             </a:extLst>
           </p:cNvPr>
@@ -10555,7 +10555,7 @@
           <p:cNvPr id="37" name="箭头: 五边形 36">
             <a:extLst>
               <a:ext uri="{FF2B5EF4-FFF2-40B4-BE49-F238E27FC236}">
-                <a16:creationId xmlns:a16="http://schemas.microsoft.com/office/drawing/2014/main" xmlns="" id="{05ECD475-37EE-63E8-E9E5-EF81A4619214}"/>
+                <a16:creationId xmlns="" xmlns:a16="http://schemas.microsoft.com/office/drawing/2014/main" id="{05ECD475-37EE-63E8-E9E5-EF81A4619214}"/>
               </a:ext>
             </a:extLst>
           </p:cNvPr>
@@ -10602,7 +10602,7 @@
           <p:cNvPr id="38" name="箭头: 五边形 37">
             <a:extLst>
               <a:ext uri="{FF2B5EF4-FFF2-40B4-BE49-F238E27FC236}">
-                <a16:creationId xmlns:a16="http://schemas.microsoft.com/office/drawing/2014/main" xmlns="" id="{A6B5F2C7-042E-A328-27E2-FE7EEBDB2BDD}"/>
+                <a16:creationId xmlns="" xmlns:a16="http://schemas.microsoft.com/office/drawing/2014/main" id="{A6B5F2C7-042E-A328-27E2-FE7EEBDB2BDD}"/>
               </a:ext>
             </a:extLst>
           </p:cNvPr>
@@ -10649,7 +10649,7 @@
           <p:cNvPr id="39" name="箭头: 五边形 38">
             <a:extLst>
               <a:ext uri="{FF2B5EF4-FFF2-40B4-BE49-F238E27FC236}">
-                <a16:creationId xmlns:a16="http://schemas.microsoft.com/office/drawing/2014/main" xmlns="" id="{2D55E881-1EC3-4110-7472-1065FE27C440}"/>
+                <a16:creationId xmlns="" xmlns:a16="http://schemas.microsoft.com/office/drawing/2014/main" id="{2D55E881-1EC3-4110-7472-1065FE27C440}"/>
               </a:ext>
             </a:extLst>
           </p:cNvPr>
@@ -10726,7 +10726,7 @@
           <p:cNvPr id="2" name="标题 1">
             <a:extLst>
               <a:ext uri="{FF2B5EF4-FFF2-40B4-BE49-F238E27FC236}">
-                <a16:creationId xmlns:a16="http://schemas.microsoft.com/office/drawing/2014/main" xmlns="" id="{80796E82-7314-2FBE-2DE8-DDD70D4DF27E}"/>
+                <a16:creationId xmlns="" xmlns:a16="http://schemas.microsoft.com/office/drawing/2014/main" id="{80796E82-7314-2FBE-2DE8-DDD70D4DF27E}"/>
               </a:ext>
             </a:extLst>
           </p:cNvPr>
@@ -10775,7 +10775,7 @@
           <p:cNvPr id="5" name="椭圆 4">
             <a:extLst>
               <a:ext uri="{FF2B5EF4-FFF2-40B4-BE49-F238E27FC236}">
-                <a16:creationId xmlns:a16="http://schemas.microsoft.com/office/drawing/2014/main" xmlns="" id="{A020CC41-9901-5A10-06D8-1F19650A3A6A}"/>
+                <a16:creationId xmlns="" xmlns:a16="http://schemas.microsoft.com/office/drawing/2014/main" id="{A020CC41-9901-5A10-06D8-1F19650A3A6A}"/>
               </a:ext>
             </a:extLst>
           </p:cNvPr>
@@ -10827,7 +10827,7 @@
           <p:cNvPr id="19" name="Google Shape;73;p14">
             <a:extLst>
               <a:ext uri="{FF2B5EF4-FFF2-40B4-BE49-F238E27FC236}">
-                <a16:creationId xmlns:a16="http://schemas.microsoft.com/office/drawing/2014/main" xmlns="" id="{3442D827-BE6F-DFBF-3B15-223B2753D9E9}"/>
+                <a16:creationId xmlns="" xmlns:a16="http://schemas.microsoft.com/office/drawing/2014/main" id="{3442D827-BE6F-DFBF-3B15-223B2753D9E9}"/>
               </a:ext>
             </a:extLst>
           </p:cNvPr>
@@ -10861,7 +10861,7 @@
           <p:cNvPr id="4" name="文本框 3">
             <a:extLst>
               <a:ext uri="{FF2B5EF4-FFF2-40B4-BE49-F238E27FC236}">
-                <a16:creationId xmlns:a16="http://schemas.microsoft.com/office/drawing/2014/main" xmlns="" id="{3E8E8225-E7B4-E598-7AEB-66BC2EF7864E}"/>
+                <a16:creationId xmlns="" xmlns:a16="http://schemas.microsoft.com/office/drawing/2014/main" id="{3E8E8225-E7B4-E598-7AEB-66BC2EF7864E}"/>
               </a:ext>
             </a:extLst>
           </p:cNvPr>
@@ -10911,7 +10911,7 @@
           <p:cNvPr id="22" name="椭圆 21">
             <a:extLst>
               <a:ext uri="{FF2B5EF4-FFF2-40B4-BE49-F238E27FC236}">
-                <a16:creationId xmlns:a16="http://schemas.microsoft.com/office/drawing/2014/main" xmlns="" id="{4E75EC5F-C5EA-EA42-7F36-03E60DC340EA}"/>
+                <a16:creationId xmlns="" xmlns:a16="http://schemas.microsoft.com/office/drawing/2014/main" id="{4E75EC5F-C5EA-EA42-7F36-03E60DC340EA}"/>
               </a:ext>
             </a:extLst>
           </p:cNvPr>
@@ -10967,7 +10967,7 @@
           <p:cNvPr id="23" name="椭圆 22">
             <a:extLst>
               <a:ext uri="{FF2B5EF4-FFF2-40B4-BE49-F238E27FC236}">
-                <a16:creationId xmlns:a16="http://schemas.microsoft.com/office/drawing/2014/main" xmlns="" id="{BA952E59-C089-7749-A0B7-A5088390FAB8}"/>
+                <a16:creationId xmlns="" xmlns:a16="http://schemas.microsoft.com/office/drawing/2014/main" id="{BA952E59-C089-7749-A0B7-A5088390FAB8}"/>
               </a:ext>
             </a:extLst>
           </p:cNvPr>
@@ -11023,7 +11023,7 @@
           <p:cNvPr id="24" name="椭圆 23">
             <a:extLst>
               <a:ext uri="{FF2B5EF4-FFF2-40B4-BE49-F238E27FC236}">
-                <a16:creationId xmlns:a16="http://schemas.microsoft.com/office/drawing/2014/main" xmlns="" id="{A4A4D5D7-187E-AE99-3C62-2864073C8838}"/>
+                <a16:creationId xmlns="" xmlns:a16="http://schemas.microsoft.com/office/drawing/2014/main" id="{A4A4D5D7-187E-AE99-3C62-2864073C8838}"/>
               </a:ext>
             </a:extLst>
           </p:cNvPr>
@@ -11083,7 +11083,7 @@
           <p:cNvPr id="25" name="椭圆 24">
             <a:extLst>
               <a:ext uri="{FF2B5EF4-FFF2-40B4-BE49-F238E27FC236}">
-                <a16:creationId xmlns:a16="http://schemas.microsoft.com/office/drawing/2014/main" xmlns="" id="{10CF8DA3-C49C-2BED-92B6-1728851E6352}"/>
+                <a16:creationId xmlns="" xmlns:a16="http://schemas.microsoft.com/office/drawing/2014/main" id="{10CF8DA3-C49C-2BED-92B6-1728851E6352}"/>
               </a:ext>
             </a:extLst>
           </p:cNvPr>
@@ -11143,7 +11143,7 @@
           <p:cNvPr id="3" name="矩形 2">
             <a:extLst>
               <a:ext uri="{FF2B5EF4-FFF2-40B4-BE49-F238E27FC236}">
-                <a16:creationId xmlns:a16="http://schemas.microsoft.com/office/drawing/2014/main" xmlns="" id="{E58FCDA4-B35B-B0FC-BF81-317243318E0C}"/>
+                <a16:creationId xmlns="" xmlns:a16="http://schemas.microsoft.com/office/drawing/2014/main" id="{E58FCDA4-B35B-B0FC-BF81-317243318E0C}"/>
               </a:ext>
             </a:extLst>
           </p:cNvPr>
@@ -11194,7 +11194,7 @@
           <p:cNvPr id="14" name="文本框 13">
             <a:extLst>
               <a:ext uri="{FF2B5EF4-FFF2-40B4-BE49-F238E27FC236}">
-                <a16:creationId xmlns:a16="http://schemas.microsoft.com/office/drawing/2014/main" xmlns="" id="{86C23270-8523-9E1F-9089-1BAE5BB2BA1E}"/>
+                <a16:creationId xmlns="" xmlns:a16="http://schemas.microsoft.com/office/drawing/2014/main" id="{86C23270-8523-9E1F-9089-1BAE5BB2BA1E}"/>
               </a:ext>
             </a:extLst>
           </p:cNvPr>
@@ -11233,7 +11233,7 @@
           <p:cNvPr id="28" name="Google Shape;95;p14">
             <a:extLst>
               <a:ext uri="{FF2B5EF4-FFF2-40B4-BE49-F238E27FC236}">
-                <a16:creationId xmlns:a16="http://schemas.microsoft.com/office/drawing/2014/main" xmlns="" id="{EEDC2338-19B0-9AEF-E3AB-A6669DB1AB3C}"/>
+                <a16:creationId xmlns="" xmlns:a16="http://schemas.microsoft.com/office/drawing/2014/main" id="{EEDC2338-19B0-9AEF-E3AB-A6669DB1AB3C}"/>
               </a:ext>
             </a:extLst>
           </p:cNvPr>
@@ -11278,7 +11278,7 @@
           <p:cNvPr id="30" name="Google Shape;95;p14">
             <a:extLst>
               <a:ext uri="{FF2B5EF4-FFF2-40B4-BE49-F238E27FC236}">
-                <a16:creationId xmlns:a16="http://schemas.microsoft.com/office/drawing/2014/main" xmlns="" id="{ED46A2FC-07A8-D7CB-1BD8-0E661350E51A}"/>
+                <a16:creationId xmlns="" xmlns:a16="http://schemas.microsoft.com/office/drawing/2014/main" id="{ED46A2FC-07A8-D7CB-1BD8-0E661350E51A}"/>
               </a:ext>
             </a:extLst>
           </p:cNvPr>
@@ -11323,7 +11323,7 @@
           <p:cNvPr id="40" name="Google Shape;95;p14">
             <a:extLst>
               <a:ext uri="{FF2B5EF4-FFF2-40B4-BE49-F238E27FC236}">
-                <a16:creationId xmlns:a16="http://schemas.microsoft.com/office/drawing/2014/main" xmlns="" id="{5C0D3D95-6875-4112-D7AD-10A524259CD9}"/>
+                <a16:creationId xmlns="" xmlns:a16="http://schemas.microsoft.com/office/drawing/2014/main" id="{5C0D3D95-6875-4112-D7AD-10A524259CD9}"/>
               </a:ext>
             </a:extLst>
           </p:cNvPr>
@@ -11368,7 +11368,7 @@
           <p:cNvPr id="36" name="Google Shape;95;p14">
             <a:extLst>
               <a:ext uri="{FF2B5EF4-FFF2-40B4-BE49-F238E27FC236}">
-                <a16:creationId xmlns:a16="http://schemas.microsoft.com/office/drawing/2014/main" xmlns="" id="{9E119CFD-5E2B-65ED-E815-3244ADC9A772}"/>
+                <a16:creationId xmlns="" xmlns:a16="http://schemas.microsoft.com/office/drawing/2014/main" id="{9E119CFD-5E2B-65ED-E815-3244ADC9A772}"/>
               </a:ext>
             </a:extLst>
           </p:cNvPr>
@@ -11413,7 +11413,7 @@
           <p:cNvPr id="41" name="Google Shape;95;p14">
             <a:extLst>
               <a:ext uri="{FF2B5EF4-FFF2-40B4-BE49-F238E27FC236}">
-                <a16:creationId xmlns:a16="http://schemas.microsoft.com/office/drawing/2014/main" xmlns="" id="{2EE8C164-4A50-6B68-5212-66A52AD354FF}"/>
+                <a16:creationId xmlns="" xmlns:a16="http://schemas.microsoft.com/office/drawing/2014/main" id="{2EE8C164-4A50-6B68-5212-66A52AD354FF}"/>
               </a:ext>
             </a:extLst>
           </p:cNvPr>
@@ -11458,7 +11458,7 @@
           <p:cNvPr id="42" name="文本框 41">
             <a:extLst>
               <a:ext uri="{FF2B5EF4-FFF2-40B4-BE49-F238E27FC236}">
-                <a16:creationId xmlns:a16="http://schemas.microsoft.com/office/drawing/2014/main" xmlns="" id="{30BA300D-7904-1EA9-E1AF-5BB52B9C2B3C}"/>
+                <a16:creationId xmlns="" xmlns:a16="http://schemas.microsoft.com/office/drawing/2014/main" id="{30BA300D-7904-1EA9-E1AF-5BB52B9C2B3C}"/>
               </a:ext>
             </a:extLst>
           </p:cNvPr>
@@ -11502,7 +11502,7 @@
           <p:cNvPr id="43" name="Google Shape;74;p14">
             <a:extLst>
               <a:ext uri="{FF2B5EF4-FFF2-40B4-BE49-F238E27FC236}">
-                <a16:creationId xmlns:a16="http://schemas.microsoft.com/office/drawing/2014/main" xmlns="" id="{E48899FC-526F-8B64-1631-CF40D6C5BAEC}"/>
+                <a16:creationId xmlns="" xmlns:a16="http://schemas.microsoft.com/office/drawing/2014/main" id="{E48899FC-526F-8B64-1631-CF40D6C5BAEC}"/>
               </a:ext>
             </a:extLst>
           </p:cNvPr>
@@ -11536,7 +11536,7 @@
           <p:cNvPr id="44" name="Google Shape;75;p14">
             <a:extLst>
               <a:ext uri="{FF2B5EF4-FFF2-40B4-BE49-F238E27FC236}">
-                <a16:creationId xmlns:a16="http://schemas.microsoft.com/office/drawing/2014/main" xmlns="" id="{088679CF-39C5-ECE6-59D7-27F53A9AB563}"/>
+                <a16:creationId xmlns="" xmlns:a16="http://schemas.microsoft.com/office/drawing/2014/main" id="{088679CF-39C5-ECE6-59D7-27F53A9AB563}"/>
               </a:ext>
             </a:extLst>
           </p:cNvPr>
@@ -11570,7 +11570,7 @@
           <p:cNvPr id="45" name="Google Shape;76;p14">
             <a:extLst>
               <a:ext uri="{FF2B5EF4-FFF2-40B4-BE49-F238E27FC236}">
-                <a16:creationId xmlns:a16="http://schemas.microsoft.com/office/drawing/2014/main" xmlns="" id="{AE138E72-5785-8C58-5E75-AFE4DE780F49}"/>
+                <a16:creationId xmlns="" xmlns:a16="http://schemas.microsoft.com/office/drawing/2014/main" id="{AE138E72-5785-8C58-5E75-AFE4DE780F49}"/>
               </a:ext>
             </a:extLst>
           </p:cNvPr>
@@ -11604,7 +11604,7 @@
           <p:cNvPr id="46" name="Google Shape;77;p14">
             <a:extLst>
               <a:ext uri="{FF2B5EF4-FFF2-40B4-BE49-F238E27FC236}">
-                <a16:creationId xmlns:a16="http://schemas.microsoft.com/office/drawing/2014/main" xmlns="" id="{66A469E8-3612-14E6-B23E-7FBEFD2A264F}"/>
+                <a16:creationId xmlns="" xmlns:a16="http://schemas.microsoft.com/office/drawing/2014/main" id="{66A469E8-3612-14E6-B23E-7FBEFD2A264F}"/>
               </a:ext>
             </a:extLst>
           </p:cNvPr>
@@ -11638,7 +11638,7 @@
           <p:cNvPr id="47" name="Google Shape;78;p14">
             <a:extLst>
               <a:ext uri="{FF2B5EF4-FFF2-40B4-BE49-F238E27FC236}">
-                <a16:creationId xmlns:a16="http://schemas.microsoft.com/office/drawing/2014/main" xmlns="" id="{BC96CA4D-3E93-F066-7EF4-6418372B4FCD}"/>
+                <a16:creationId xmlns="" xmlns:a16="http://schemas.microsoft.com/office/drawing/2014/main" id="{BC96CA4D-3E93-F066-7EF4-6418372B4FCD}"/>
               </a:ext>
             </a:extLst>
           </p:cNvPr>
@@ -11672,7 +11672,7 @@
           <p:cNvPr id="48" name="Google Shape;79;p14">
             <a:extLst>
               <a:ext uri="{FF2B5EF4-FFF2-40B4-BE49-F238E27FC236}">
-                <a16:creationId xmlns:a16="http://schemas.microsoft.com/office/drawing/2014/main" xmlns="" id="{ABE0846A-4C61-8491-DA0B-C55034726178}"/>
+                <a16:creationId xmlns="" xmlns:a16="http://schemas.microsoft.com/office/drawing/2014/main" id="{ABE0846A-4C61-8491-DA0B-C55034726178}"/>
               </a:ext>
             </a:extLst>
           </p:cNvPr>
@@ -11706,7 +11706,7 @@
           <p:cNvPr id="49" name="Google Shape;80;p14">
             <a:extLst>
               <a:ext uri="{FF2B5EF4-FFF2-40B4-BE49-F238E27FC236}">
-                <a16:creationId xmlns:a16="http://schemas.microsoft.com/office/drawing/2014/main" xmlns="" id="{B7F3B198-1A53-B78D-FABF-2828A0B7F923}"/>
+                <a16:creationId xmlns="" xmlns:a16="http://schemas.microsoft.com/office/drawing/2014/main" id="{B7F3B198-1A53-B78D-FABF-2828A0B7F923}"/>
               </a:ext>
             </a:extLst>
           </p:cNvPr>
@@ -11740,7 +11740,7 @@
           <p:cNvPr id="50" name="Google Shape;81;p14">
             <a:extLst>
               <a:ext uri="{FF2B5EF4-FFF2-40B4-BE49-F238E27FC236}">
-                <a16:creationId xmlns:a16="http://schemas.microsoft.com/office/drawing/2014/main" xmlns="" id="{4CBC555B-EEC2-5C97-BC99-4D39E31ADF7B}"/>
+                <a16:creationId xmlns="" xmlns:a16="http://schemas.microsoft.com/office/drawing/2014/main" id="{4CBC555B-EEC2-5C97-BC99-4D39E31ADF7B}"/>
               </a:ext>
             </a:extLst>
           </p:cNvPr>
@@ -11774,7 +11774,7 @@
           <p:cNvPr id="51" name="箭头: 五边形 50">
             <a:extLst>
               <a:ext uri="{FF2B5EF4-FFF2-40B4-BE49-F238E27FC236}">
-                <a16:creationId xmlns:a16="http://schemas.microsoft.com/office/drawing/2014/main" xmlns="" id="{A15E417E-5C3E-CBC1-B518-A7B4FB3DFA5F}"/>
+                <a16:creationId xmlns="" xmlns:a16="http://schemas.microsoft.com/office/drawing/2014/main" id="{A15E417E-5C3E-CBC1-B518-A7B4FB3DFA5F}"/>
               </a:ext>
             </a:extLst>
           </p:cNvPr>
@@ -11821,7 +11821,7 @@
           <p:cNvPr id="52" name="箭头: 五边形 51">
             <a:extLst>
               <a:ext uri="{FF2B5EF4-FFF2-40B4-BE49-F238E27FC236}">
-                <a16:creationId xmlns:a16="http://schemas.microsoft.com/office/drawing/2014/main" xmlns="" id="{3F990466-3C46-33F3-0E3C-1AC438764343}"/>
+                <a16:creationId xmlns="" xmlns:a16="http://schemas.microsoft.com/office/drawing/2014/main" id="{3F990466-3C46-33F3-0E3C-1AC438764343}"/>
               </a:ext>
             </a:extLst>
           </p:cNvPr>
@@ -11877,7 +11877,7 @@
           <p:cNvPr id="53" name="箭头: 五边形 52">
             <a:extLst>
               <a:ext uri="{FF2B5EF4-FFF2-40B4-BE49-F238E27FC236}">
-                <a16:creationId xmlns:a16="http://schemas.microsoft.com/office/drawing/2014/main" xmlns="" id="{82E481AF-A1FF-14F6-55A8-EF2C5038F04E}"/>
+                <a16:creationId xmlns="" xmlns:a16="http://schemas.microsoft.com/office/drawing/2014/main" id="{82E481AF-A1FF-14F6-55A8-EF2C5038F04E}"/>
               </a:ext>
             </a:extLst>
           </p:cNvPr>
@@ -11933,7 +11933,7 @@
           <p:cNvPr id="54" name="箭头: 五边形 53">
             <a:extLst>
               <a:ext uri="{FF2B5EF4-FFF2-40B4-BE49-F238E27FC236}">
-                <a16:creationId xmlns:a16="http://schemas.microsoft.com/office/drawing/2014/main" xmlns="" id="{0AB3C1ED-A3EF-0632-1FB9-9F2D89CE6389}"/>
+                <a16:creationId xmlns="" xmlns:a16="http://schemas.microsoft.com/office/drawing/2014/main" id="{0AB3C1ED-A3EF-0632-1FB9-9F2D89CE6389}"/>
               </a:ext>
             </a:extLst>
           </p:cNvPr>
@@ -11989,7 +11989,7 @@
           <p:cNvPr id="55" name="箭头: 五边形 54">
             <a:extLst>
               <a:ext uri="{FF2B5EF4-FFF2-40B4-BE49-F238E27FC236}">
-                <a16:creationId xmlns:a16="http://schemas.microsoft.com/office/drawing/2014/main" xmlns="" id="{97931E3B-652F-32D7-F2C2-5EDAC4D5B299}"/>
+                <a16:creationId xmlns="" xmlns:a16="http://schemas.microsoft.com/office/drawing/2014/main" id="{97931E3B-652F-32D7-F2C2-5EDAC4D5B299}"/>
               </a:ext>
             </a:extLst>
           </p:cNvPr>
@@ -12045,7 +12045,7 @@
           <p:cNvPr id="56" name="箭头: 五边形 55">
             <a:extLst>
               <a:ext uri="{FF2B5EF4-FFF2-40B4-BE49-F238E27FC236}">
-                <a16:creationId xmlns:a16="http://schemas.microsoft.com/office/drawing/2014/main" xmlns="" id="{BD53DE19-CAE1-79A8-2FA1-61C6E6E67D40}"/>
+                <a16:creationId xmlns="" xmlns:a16="http://schemas.microsoft.com/office/drawing/2014/main" id="{BD53DE19-CAE1-79A8-2FA1-61C6E6E67D40}"/>
               </a:ext>
             </a:extLst>
           </p:cNvPr>
@@ -12092,7 +12092,7 @@
           <p:cNvPr id="57" name="箭头: 五边形 56">
             <a:extLst>
               <a:ext uri="{FF2B5EF4-FFF2-40B4-BE49-F238E27FC236}">
-                <a16:creationId xmlns:a16="http://schemas.microsoft.com/office/drawing/2014/main" xmlns="" id="{54A7E9A7-A08E-D7A0-C9DD-95DEF8009AAF}"/>
+                <a16:creationId xmlns="" xmlns:a16="http://schemas.microsoft.com/office/drawing/2014/main" id="{54A7E9A7-A08E-D7A0-C9DD-95DEF8009AAF}"/>
               </a:ext>
             </a:extLst>
           </p:cNvPr>
@@ -12139,7 +12139,7 @@
           <p:cNvPr id="58" name="箭头: 五边形 57">
             <a:extLst>
               <a:ext uri="{FF2B5EF4-FFF2-40B4-BE49-F238E27FC236}">
-                <a16:creationId xmlns:a16="http://schemas.microsoft.com/office/drawing/2014/main" xmlns="" id="{17D488BC-2AD8-AA46-3898-7D1625A12033}"/>
+                <a16:creationId xmlns="" xmlns:a16="http://schemas.microsoft.com/office/drawing/2014/main" id="{17D488BC-2AD8-AA46-3898-7D1625A12033}"/>
               </a:ext>
             </a:extLst>
           </p:cNvPr>
@@ -12216,7 +12216,7 @@
           <p:cNvPr id="2" name="标题 1">
             <a:extLst>
               <a:ext uri="{FF2B5EF4-FFF2-40B4-BE49-F238E27FC236}">
-                <a16:creationId xmlns:a16="http://schemas.microsoft.com/office/drawing/2014/main" xmlns="" id="{80796E82-7314-2FBE-2DE8-DDD70D4DF27E}"/>
+                <a16:creationId xmlns="" xmlns:a16="http://schemas.microsoft.com/office/drawing/2014/main" id="{80796E82-7314-2FBE-2DE8-DDD70D4DF27E}"/>
               </a:ext>
             </a:extLst>
           </p:cNvPr>
@@ -12265,7 +12265,7 @@
           <p:cNvPr id="5" name="椭圆 4">
             <a:extLst>
               <a:ext uri="{FF2B5EF4-FFF2-40B4-BE49-F238E27FC236}">
-                <a16:creationId xmlns:a16="http://schemas.microsoft.com/office/drawing/2014/main" xmlns="" id="{A020CC41-9901-5A10-06D8-1F19650A3A6A}"/>
+                <a16:creationId xmlns="" xmlns:a16="http://schemas.microsoft.com/office/drawing/2014/main" id="{A020CC41-9901-5A10-06D8-1F19650A3A6A}"/>
               </a:ext>
             </a:extLst>
           </p:cNvPr>
@@ -12317,7 +12317,7 @@
           <p:cNvPr id="19" name="Google Shape;73;p14">
             <a:extLst>
               <a:ext uri="{FF2B5EF4-FFF2-40B4-BE49-F238E27FC236}">
-                <a16:creationId xmlns:a16="http://schemas.microsoft.com/office/drawing/2014/main" xmlns="" id="{3442D827-BE6F-DFBF-3B15-223B2753D9E9}"/>
+                <a16:creationId xmlns="" xmlns:a16="http://schemas.microsoft.com/office/drawing/2014/main" id="{3442D827-BE6F-DFBF-3B15-223B2753D9E9}"/>
               </a:ext>
             </a:extLst>
           </p:cNvPr>
@@ -12351,7 +12351,7 @@
           <p:cNvPr id="6" name="Google Shape;74;p14">
             <a:extLst>
               <a:ext uri="{FF2B5EF4-FFF2-40B4-BE49-F238E27FC236}">
-                <a16:creationId xmlns:a16="http://schemas.microsoft.com/office/drawing/2014/main" xmlns="" id="{8ABB2948-CF7D-7BD6-14B8-367574244CB2}"/>
+                <a16:creationId xmlns="" xmlns:a16="http://schemas.microsoft.com/office/drawing/2014/main" id="{8ABB2948-CF7D-7BD6-14B8-367574244CB2}"/>
               </a:ext>
             </a:extLst>
           </p:cNvPr>
@@ -12385,7 +12385,7 @@
           <p:cNvPr id="8" name="Google Shape;76;p14">
             <a:extLst>
               <a:ext uri="{FF2B5EF4-FFF2-40B4-BE49-F238E27FC236}">
-                <a16:creationId xmlns:a16="http://schemas.microsoft.com/office/drawing/2014/main" xmlns="" id="{A0604560-830C-4AC9-3717-031AA48B5D45}"/>
+                <a16:creationId xmlns="" xmlns:a16="http://schemas.microsoft.com/office/drawing/2014/main" id="{A0604560-830C-4AC9-3717-031AA48B5D45}"/>
               </a:ext>
             </a:extLst>
           </p:cNvPr>
@@ -12419,7 +12419,7 @@
           <p:cNvPr id="11" name="Google Shape;79;p14">
             <a:extLst>
               <a:ext uri="{FF2B5EF4-FFF2-40B4-BE49-F238E27FC236}">
-                <a16:creationId xmlns:a16="http://schemas.microsoft.com/office/drawing/2014/main" xmlns="" id="{0DAE55E6-D474-C395-BC84-8ACA3CE820A0}"/>
+                <a16:creationId xmlns="" xmlns:a16="http://schemas.microsoft.com/office/drawing/2014/main" id="{0DAE55E6-D474-C395-BC84-8ACA3CE820A0}"/>
               </a:ext>
             </a:extLst>
           </p:cNvPr>
@@ -12453,7 +12453,7 @@
           <p:cNvPr id="12" name="Google Shape;80;p14">
             <a:extLst>
               <a:ext uri="{FF2B5EF4-FFF2-40B4-BE49-F238E27FC236}">
-                <a16:creationId xmlns:a16="http://schemas.microsoft.com/office/drawing/2014/main" xmlns="" id="{3A5AAC50-9F06-A76F-B20B-35CF3612E825}"/>
+                <a16:creationId xmlns="" xmlns:a16="http://schemas.microsoft.com/office/drawing/2014/main" id="{3A5AAC50-9F06-A76F-B20B-35CF3612E825}"/>
               </a:ext>
             </a:extLst>
           </p:cNvPr>
@@ -12487,7 +12487,7 @@
           <p:cNvPr id="4" name="文本框 3">
             <a:extLst>
               <a:ext uri="{FF2B5EF4-FFF2-40B4-BE49-F238E27FC236}">
-                <a16:creationId xmlns:a16="http://schemas.microsoft.com/office/drawing/2014/main" xmlns="" id="{3E8E8225-E7B4-E598-7AEB-66BC2EF7864E}"/>
+                <a16:creationId xmlns="" xmlns:a16="http://schemas.microsoft.com/office/drawing/2014/main" id="{3E8E8225-E7B4-E598-7AEB-66BC2EF7864E}"/>
               </a:ext>
             </a:extLst>
           </p:cNvPr>
@@ -12527,7 +12527,7 @@
           <p:cNvPr id="31" name="箭头: 五边形 30">
             <a:extLst>
               <a:ext uri="{FF2B5EF4-FFF2-40B4-BE49-F238E27FC236}">
-                <a16:creationId xmlns:a16="http://schemas.microsoft.com/office/drawing/2014/main" xmlns="" id="{4B9E0D9B-D17E-69E7-1F9A-99DE7710B7A1}"/>
+                <a16:creationId xmlns="" xmlns:a16="http://schemas.microsoft.com/office/drawing/2014/main" id="{4B9E0D9B-D17E-69E7-1F9A-99DE7710B7A1}"/>
               </a:ext>
             </a:extLst>
           </p:cNvPr>
@@ -12574,7 +12574,7 @@
           <p:cNvPr id="33" name="箭头: 五边形 32">
             <a:extLst>
               <a:ext uri="{FF2B5EF4-FFF2-40B4-BE49-F238E27FC236}">
-                <a16:creationId xmlns:a16="http://schemas.microsoft.com/office/drawing/2014/main" xmlns="" id="{C768AE66-F650-1A37-7440-B571549FE915}"/>
+                <a16:creationId xmlns="" xmlns:a16="http://schemas.microsoft.com/office/drawing/2014/main" id="{C768AE66-F650-1A37-7440-B571549FE915}"/>
               </a:ext>
             </a:extLst>
           </p:cNvPr>
@@ -12630,7 +12630,7 @@
           <p:cNvPr id="35" name="箭头: 五边形 34">
             <a:extLst>
               <a:ext uri="{FF2B5EF4-FFF2-40B4-BE49-F238E27FC236}">
-                <a16:creationId xmlns:a16="http://schemas.microsoft.com/office/drawing/2014/main" xmlns="" id="{FC836AD9-A293-8E3F-664B-E692D69616E5}"/>
+                <a16:creationId xmlns="" xmlns:a16="http://schemas.microsoft.com/office/drawing/2014/main" id="{FC836AD9-A293-8E3F-664B-E692D69616E5}"/>
               </a:ext>
             </a:extLst>
           </p:cNvPr>
@@ -12686,7 +12686,7 @@
           <p:cNvPr id="37" name="箭头: 五边形 36">
             <a:extLst>
               <a:ext uri="{FF2B5EF4-FFF2-40B4-BE49-F238E27FC236}">
-                <a16:creationId xmlns:a16="http://schemas.microsoft.com/office/drawing/2014/main" xmlns="" id="{05ECD475-37EE-63E8-E9E5-EF81A4619214}"/>
+                <a16:creationId xmlns="" xmlns:a16="http://schemas.microsoft.com/office/drawing/2014/main" id="{05ECD475-37EE-63E8-E9E5-EF81A4619214}"/>
               </a:ext>
             </a:extLst>
           </p:cNvPr>
@@ -12733,7 +12733,7 @@
           <p:cNvPr id="30" name="Google Shape;75;p14">
             <a:extLst>
               <a:ext uri="{FF2B5EF4-FFF2-40B4-BE49-F238E27FC236}">
-                <a16:creationId xmlns:a16="http://schemas.microsoft.com/office/drawing/2014/main" xmlns="" id="{E8CD191A-BC20-B4B9-0F77-A770F7BFAC28}"/>
+                <a16:creationId xmlns="" xmlns:a16="http://schemas.microsoft.com/office/drawing/2014/main" id="{E8CD191A-BC20-B4B9-0F77-A770F7BFAC28}"/>
               </a:ext>
             </a:extLst>
           </p:cNvPr>
@@ -12767,7 +12767,7 @@
           <p:cNvPr id="36" name="Google Shape;77;p14">
             <a:extLst>
               <a:ext uri="{FF2B5EF4-FFF2-40B4-BE49-F238E27FC236}">
-                <a16:creationId xmlns:a16="http://schemas.microsoft.com/office/drawing/2014/main" xmlns="" id="{D2A03513-860E-AEB3-C60B-B28086582A81}"/>
+                <a16:creationId xmlns="" xmlns:a16="http://schemas.microsoft.com/office/drawing/2014/main" id="{D2A03513-860E-AEB3-C60B-B28086582A81}"/>
               </a:ext>
             </a:extLst>
           </p:cNvPr>
@@ -12801,7 +12801,7 @@
           <p:cNvPr id="40" name="Google Shape;78;p14">
             <a:extLst>
               <a:ext uri="{FF2B5EF4-FFF2-40B4-BE49-F238E27FC236}">
-                <a16:creationId xmlns:a16="http://schemas.microsoft.com/office/drawing/2014/main" xmlns="" id="{4192ED35-AB80-8468-99E1-C9A9BDA8A7D3}"/>
+                <a16:creationId xmlns="" xmlns:a16="http://schemas.microsoft.com/office/drawing/2014/main" id="{4192ED35-AB80-8468-99E1-C9A9BDA8A7D3}"/>
               </a:ext>
             </a:extLst>
           </p:cNvPr>
@@ -12835,7 +12835,7 @@
           <p:cNvPr id="41" name="Google Shape;81;p14">
             <a:extLst>
               <a:ext uri="{FF2B5EF4-FFF2-40B4-BE49-F238E27FC236}">
-                <a16:creationId xmlns:a16="http://schemas.microsoft.com/office/drawing/2014/main" xmlns="" id="{C0FC87F9-1543-0D73-36B0-9CD905C3E530}"/>
+                <a16:creationId xmlns="" xmlns:a16="http://schemas.microsoft.com/office/drawing/2014/main" id="{C0FC87F9-1543-0D73-36B0-9CD905C3E530}"/>
               </a:ext>
             </a:extLst>
           </p:cNvPr>
@@ -12869,7 +12869,7 @@
           <p:cNvPr id="42" name="箭头: 五边形 41">
             <a:extLst>
               <a:ext uri="{FF2B5EF4-FFF2-40B4-BE49-F238E27FC236}">
-                <a16:creationId xmlns:a16="http://schemas.microsoft.com/office/drawing/2014/main" xmlns="" id="{7EBEF984-F98B-ADD1-3CDC-6AB1174A8D83}"/>
+                <a16:creationId xmlns="" xmlns:a16="http://schemas.microsoft.com/office/drawing/2014/main" id="{7EBEF984-F98B-ADD1-3CDC-6AB1174A8D83}"/>
               </a:ext>
             </a:extLst>
           </p:cNvPr>
@@ -12925,7 +12925,7 @@
           <p:cNvPr id="43" name="箭头: 五边形 42">
             <a:extLst>
               <a:ext uri="{FF2B5EF4-FFF2-40B4-BE49-F238E27FC236}">
-                <a16:creationId xmlns:a16="http://schemas.microsoft.com/office/drawing/2014/main" xmlns="" id="{35BD309B-9ECD-3FBE-FBC4-1E1A07BE57C7}"/>
+                <a16:creationId xmlns="" xmlns:a16="http://schemas.microsoft.com/office/drawing/2014/main" id="{35BD309B-9ECD-3FBE-FBC4-1E1A07BE57C7}"/>
               </a:ext>
             </a:extLst>
           </p:cNvPr>
@@ -12981,7 +12981,7 @@
           <p:cNvPr id="44" name="箭头: 五边形 43">
             <a:extLst>
               <a:ext uri="{FF2B5EF4-FFF2-40B4-BE49-F238E27FC236}">
-                <a16:creationId xmlns:a16="http://schemas.microsoft.com/office/drawing/2014/main" xmlns="" id="{15FD29AB-A713-CB93-D601-DC1B84060FE1}"/>
+                <a16:creationId xmlns="" xmlns:a16="http://schemas.microsoft.com/office/drawing/2014/main" id="{15FD29AB-A713-CB93-D601-DC1B84060FE1}"/>
               </a:ext>
             </a:extLst>
           </p:cNvPr>
@@ -13028,7 +13028,7 @@
           <p:cNvPr id="45" name="箭头: 五边形 44">
             <a:extLst>
               <a:ext uri="{FF2B5EF4-FFF2-40B4-BE49-F238E27FC236}">
-                <a16:creationId xmlns:a16="http://schemas.microsoft.com/office/drawing/2014/main" xmlns="" id="{985479B4-7D41-B26B-85E4-9E2F0030D890}"/>
+                <a16:creationId xmlns="" xmlns:a16="http://schemas.microsoft.com/office/drawing/2014/main" id="{985479B4-7D41-B26B-85E4-9E2F0030D890}"/>
               </a:ext>
             </a:extLst>
           </p:cNvPr>
@@ -13100,48 +13100,6 @@
           <a:chExt cx="0" cy="0"/>
         </a:xfrm>
       </p:grpSpPr>
-      <p:sp>
-        <p:nvSpPr>
-          <p:cNvPr id="63" name="Google Shape;63;p14"/>
-          <p:cNvSpPr txBox="1">
-            <a:spLocks noGrp="1"/>
-          </p:cNvSpPr>
-          <p:nvPr>
-            <p:ph type="title"/>
-          </p:nvPr>
-        </p:nvSpPr>
-        <p:spPr>
-          <a:xfrm>
-            <a:off x="261067" y="220600"/>
-            <a:ext cx="11360800" cy="545365"/>
-          </a:xfrm>
-          <a:prstGeom prst="rect">
-            <a:avLst/>
-          </a:prstGeom>
-        </p:spPr>
-        <p:txBody>
-          <a:bodyPr spcFirstLastPara="1" vert="horz" wrap="square" lIns="121900" tIns="121900" rIns="121900" bIns="121900" rtlCol="0" anchor="t" anchorCtr="0">
-            <a:spAutoFit/>
-          </a:bodyPr>
-          <a:lstStyle/>
-          <a:p>
-            <a:pPr>
-              <a:buSzPts val="990"/>
-            </a:pPr>
-            <a:r>
-              <a:rPr lang="ja" altLang="en-US" sz="2160" dirty="0">
-                <a:latin typeface="黑体" panose="02010609060101010101" pitchFamily="49" charset="-122"/>
-                <a:ea typeface="黑体" panose="02010609060101010101" pitchFamily="49" charset="-122"/>
-              </a:rPr>
-              <a:t>素材置き場（コピーして使う用）</a:t>
-            </a:r>
-            <a:endParaRPr sz="2160" dirty="0">
-              <a:latin typeface="黑体" panose="02010609060101010101" pitchFamily="49" charset="-122"/>
-              <a:ea typeface="黑体" panose="02010609060101010101" pitchFamily="49" charset="-122"/>
-            </a:endParaRPr>
-          </a:p>
-        </p:txBody>
-      </p:sp>
       <p:pic>
         <p:nvPicPr>
           <p:cNvPr id="64" name="Google Shape;64;p14"/>
@@ -14244,7 +14202,7 @@
           <p:cNvPr id="41" name="椭圆 40">
             <a:extLst>
               <a:ext uri="{FF2B5EF4-FFF2-40B4-BE49-F238E27FC236}">
-                <a16:creationId xmlns:a16="http://schemas.microsoft.com/office/drawing/2014/main" xmlns="" id="{94C17F89-4022-3282-1B5A-F455F1578F55}"/>
+                <a16:creationId xmlns="" xmlns:a16="http://schemas.microsoft.com/office/drawing/2014/main" id="{94C17F89-4022-3282-1B5A-F455F1578F55}"/>
               </a:ext>
             </a:extLst>
           </p:cNvPr>
@@ -14296,7 +14254,7 @@
           <p:cNvPr id="42" name="Google Shape;85;p14">
             <a:extLst>
               <a:ext uri="{FF2B5EF4-FFF2-40B4-BE49-F238E27FC236}">
-                <a16:creationId xmlns:a16="http://schemas.microsoft.com/office/drawing/2014/main" xmlns="" id="{09D17530-BFD0-53F3-E337-2F4C46CDEEBD}"/>
+                <a16:creationId xmlns="" xmlns:a16="http://schemas.microsoft.com/office/drawing/2014/main" id="{09D17530-BFD0-53F3-E337-2F4C46CDEEBD}"/>
               </a:ext>
             </a:extLst>
           </p:cNvPr>
@@ -14362,7 +14320,7 @@
           <p:cNvPr id="2" name="标题 1">
             <a:extLst>
               <a:ext uri="{FF2B5EF4-FFF2-40B4-BE49-F238E27FC236}">
-                <a16:creationId xmlns:a16="http://schemas.microsoft.com/office/drawing/2014/main" xmlns="" id="{80796E82-7314-2FBE-2DE8-DDD70D4DF27E}"/>
+                <a16:creationId xmlns="" xmlns:a16="http://schemas.microsoft.com/office/drawing/2014/main" id="{80796E82-7314-2FBE-2DE8-DDD70D4DF27E}"/>
               </a:ext>
             </a:extLst>
           </p:cNvPr>
@@ -14411,7 +14369,7 @@
           <p:cNvPr id="5" name="椭圆 4">
             <a:extLst>
               <a:ext uri="{FF2B5EF4-FFF2-40B4-BE49-F238E27FC236}">
-                <a16:creationId xmlns:a16="http://schemas.microsoft.com/office/drawing/2014/main" xmlns="" id="{A020CC41-9901-5A10-06D8-1F19650A3A6A}"/>
+                <a16:creationId xmlns="" xmlns:a16="http://schemas.microsoft.com/office/drawing/2014/main" id="{A020CC41-9901-5A10-06D8-1F19650A3A6A}"/>
               </a:ext>
             </a:extLst>
           </p:cNvPr>
@@ -14463,7 +14421,7 @@
           <p:cNvPr id="19" name="Google Shape;73;p14">
             <a:extLst>
               <a:ext uri="{FF2B5EF4-FFF2-40B4-BE49-F238E27FC236}">
-                <a16:creationId xmlns:a16="http://schemas.microsoft.com/office/drawing/2014/main" xmlns="" id="{3442D827-BE6F-DFBF-3B15-223B2753D9E9}"/>
+                <a16:creationId xmlns="" xmlns:a16="http://schemas.microsoft.com/office/drawing/2014/main" id="{3442D827-BE6F-DFBF-3B15-223B2753D9E9}"/>
               </a:ext>
             </a:extLst>
           </p:cNvPr>
@@ -14497,7 +14455,7 @@
           <p:cNvPr id="4" name="文本框 3">
             <a:extLst>
               <a:ext uri="{FF2B5EF4-FFF2-40B4-BE49-F238E27FC236}">
-                <a16:creationId xmlns:a16="http://schemas.microsoft.com/office/drawing/2014/main" xmlns="" id="{3E8E8225-E7B4-E598-7AEB-66BC2EF7864E}"/>
+                <a16:creationId xmlns="" xmlns:a16="http://schemas.microsoft.com/office/drawing/2014/main" id="{3E8E8225-E7B4-E598-7AEB-66BC2EF7864E}"/>
               </a:ext>
             </a:extLst>
           </p:cNvPr>
@@ -14537,7 +14495,7 @@
           <p:cNvPr id="32" name="椭圆 31">
             <a:extLst>
               <a:ext uri="{FF2B5EF4-FFF2-40B4-BE49-F238E27FC236}">
-                <a16:creationId xmlns:a16="http://schemas.microsoft.com/office/drawing/2014/main" xmlns="" id="{7C1E3AD7-2822-E440-E62A-F1A4C70A8067}"/>
+                <a16:creationId xmlns="" xmlns:a16="http://schemas.microsoft.com/office/drawing/2014/main" id="{7C1E3AD7-2822-E440-E62A-F1A4C70A8067}"/>
               </a:ext>
             </a:extLst>
           </p:cNvPr>
@@ -14593,7 +14551,7 @@
           <p:cNvPr id="34" name="椭圆 33">
             <a:extLst>
               <a:ext uri="{FF2B5EF4-FFF2-40B4-BE49-F238E27FC236}">
-                <a16:creationId xmlns:a16="http://schemas.microsoft.com/office/drawing/2014/main" xmlns="" id="{C692896F-F031-2107-F5D8-57735A94BD39}"/>
+                <a16:creationId xmlns="" xmlns:a16="http://schemas.microsoft.com/office/drawing/2014/main" id="{C692896F-F031-2107-F5D8-57735A94BD39}"/>
               </a:ext>
             </a:extLst>
           </p:cNvPr>
@@ -14649,7 +14607,7 @@
           <p:cNvPr id="38" name="椭圆 37">
             <a:extLst>
               <a:ext uri="{FF2B5EF4-FFF2-40B4-BE49-F238E27FC236}">
-                <a16:creationId xmlns:a16="http://schemas.microsoft.com/office/drawing/2014/main" xmlns="" id="{E7E11154-FE44-F1B3-5655-92B62D92F525}"/>
+                <a16:creationId xmlns="" xmlns:a16="http://schemas.microsoft.com/office/drawing/2014/main" id="{E7E11154-FE44-F1B3-5655-92B62D92F525}"/>
               </a:ext>
             </a:extLst>
           </p:cNvPr>
@@ -14709,7 +14667,7 @@
           <p:cNvPr id="39" name="椭圆 38">
             <a:extLst>
               <a:ext uri="{FF2B5EF4-FFF2-40B4-BE49-F238E27FC236}">
-                <a16:creationId xmlns:a16="http://schemas.microsoft.com/office/drawing/2014/main" xmlns="" id="{5A744988-2ECB-D75A-B760-C02F9B2F609B}"/>
+                <a16:creationId xmlns="" xmlns:a16="http://schemas.microsoft.com/office/drawing/2014/main" id="{5A744988-2ECB-D75A-B760-C02F9B2F609B}"/>
               </a:ext>
             </a:extLst>
           </p:cNvPr>
@@ -14769,7 +14727,7 @@
           <p:cNvPr id="6" name="Google Shape;74;p14">
             <a:extLst>
               <a:ext uri="{FF2B5EF4-FFF2-40B4-BE49-F238E27FC236}">
-                <a16:creationId xmlns:a16="http://schemas.microsoft.com/office/drawing/2014/main" xmlns="" id="{8ABB2948-CF7D-7BD6-14B8-367574244CB2}"/>
+                <a16:creationId xmlns="" xmlns:a16="http://schemas.microsoft.com/office/drawing/2014/main" id="{8ABB2948-CF7D-7BD6-14B8-367574244CB2}"/>
               </a:ext>
             </a:extLst>
           </p:cNvPr>
@@ -14803,7 +14761,7 @@
           <p:cNvPr id="8" name="Google Shape;76;p14">
             <a:extLst>
               <a:ext uri="{FF2B5EF4-FFF2-40B4-BE49-F238E27FC236}">
-                <a16:creationId xmlns:a16="http://schemas.microsoft.com/office/drawing/2014/main" xmlns="" id="{A0604560-830C-4AC9-3717-031AA48B5D45}"/>
+                <a16:creationId xmlns="" xmlns:a16="http://schemas.microsoft.com/office/drawing/2014/main" id="{A0604560-830C-4AC9-3717-031AA48B5D45}"/>
               </a:ext>
             </a:extLst>
           </p:cNvPr>
@@ -14837,7 +14795,7 @@
           <p:cNvPr id="11" name="Google Shape;79;p14">
             <a:extLst>
               <a:ext uri="{FF2B5EF4-FFF2-40B4-BE49-F238E27FC236}">
-                <a16:creationId xmlns:a16="http://schemas.microsoft.com/office/drawing/2014/main" xmlns="" id="{0DAE55E6-D474-C395-BC84-8ACA3CE820A0}"/>
+                <a16:creationId xmlns="" xmlns:a16="http://schemas.microsoft.com/office/drawing/2014/main" id="{0DAE55E6-D474-C395-BC84-8ACA3CE820A0}"/>
               </a:ext>
             </a:extLst>
           </p:cNvPr>
@@ -14871,7 +14829,7 @@
           <p:cNvPr id="12" name="Google Shape;80;p14">
             <a:extLst>
               <a:ext uri="{FF2B5EF4-FFF2-40B4-BE49-F238E27FC236}">
-                <a16:creationId xmlns:a16="http://schemas.microsoft.com/office/drawing/2014/main" xmlns="" id="{3A5AAC50-9F06-A76F-B20B-35CF3612E825}"/>
+                <a16:creationId xmlns="" xmlns:a16="http://schemas.microsoft.com/office/drawing/2014/main" id="{3A5AAC50-9F06-A76F-B20B-35CF3612E825}"/>
               </a:ext>
             </a:extLst>
           </p:cNvPr>
@@ -14905,7 +14863,7 @@
           <p:cNvPr id="31" name="箭头: 五边形 30">
             <a:extLst>
               <a:ext uri="{FF2B5EF4-FFF2-40B4-BE49-F238E27FC236}">
-                <a16:creationId xmlns:a16="http://schemas.microsoft.com/office/drawing/2014/main" xmlns="" id="{4B9E0D9B-D17E-69E7-1F9A-99DE7710B7A1}"/>
+                <a16:creationId xmlns="" xmlns:a16="http://schemas.microsoft.com/office/drawing/2014/main" id="{4B9E0D9B-D17E-69E7-1F9A-99DE7710B7A1}"/>
               </a:ext>
             </a:extLst>
           </p:cNvPr>
@@ -14952,7 +14910,7 @@
           <p:cNvPr id="33" name="箭头: 五边形 32">
             <a:extLst>
               <a:ext uri="{FF2B5EF4-FFF2-40B4-BE49-F238E27FC236}">
-                <a16:creationId xmlns:a16="http://schemas.microsoft.com/office/drawing/2014/main" xmlns="" id="{C768AE66-F650-1A37-7440-B571549FE915}"/>
+                <a16:creationId xmlns="" xmlns:a16="http://schemas.microsoft.com/office/drawing/2014/main" id="{C768AE66-F650-1A37-7440-B571549FE915}"/>
               </a:ext>
             </a:extLst>
           </p:cNvPr>
@@ -15008,7 +14966,7 @@
           <p:cNvPr id="35" name="箭头: 五边形 34">
             <a:extLst>
               <a:ext uri="{FF2B5EF4-FFF2-40B4-BE49-F238E27FC236}">
-                <a16:creationId xmlns:a16="http://schemas.microsoft.com/office/drawing/2014/main" xmlns="" id="{FC836AD9-A293-8E3F-664B-E692D69616E5}"/>
+                <a16:creationId xmlns="" xmlns:a16="http://schemas.microsoft.com/office/drawing/2014/main" id="{FC836AD9-A293-8E3F-664B-E692D69616E5}"/>
               </a:ext>
             </a:extLst>
           </p:cNvPr>
@@ -15064,7 +15022,7 @@
           <p:cNvPr id="37" name="箭头: 五边形 36">
             <a:extLst>
               <a:ext uri="{FF2B5EF4-FFF2-40B4-BE49-F238E27FC236}">
-                <a16:creationId xmlns:a16="http://schemas.microsoft.com/office/drawing/2014/main" xmlns="" id="{05ECD475-37EE-63E8-E9E5-EF81A4619214}"/>
+                <a16:creationId xmlns="" xmlns:a16="http://schemas.microsoft.com/office/drawing/2014/main" id="{05ECD475-37EE-63E8-E9E5-EF81A4619214}"/>
               </a:ext>
             </a:extLst>
           </p:cNvPr>
@@ -15111,7 +15069,7 @@
           <p:cNvPr id="30" name="Google Shape;75;p14">
             <a:extLst>
               <a:ext uri="{FF2B5EF4-FFF2-40B4-BE49-F238E27FC236}">
-                <a16:creationId xmlns:a16="http://schemas.microsoft.com/office/drawing/2014/main" xmlns="" id="{E8CD191A-BC20-B4B9-0F77-A770F7BFAC28}"/>
+                <a16:creationId xmlns="" xmlns:a16="http://schemas.microsoft.com/office/drawing/2014/main" id="{E8CD191A-BC20-B4B9-0F77-A770F7BFAC28}"/>
               </a:ext>
             </a:extLst>
           </p:cNvPr>
@@ -15145,7 +15103,7 @@
           <p:cNvPr id="36" name="Google Shape;77;p14">
             <a:extLst>
               <a:ext uri="{FF2B5EF4-FFF2-40B4-BE49-F238E27FC236}">
-                <a16:creationId xmlns:a16="http://schemas.microsoft.com/office/drawing/2014/main" xmlns="" id="{D2A03513-860E-AEB3-C60B-B28086582A81}"/>
+                <a16:creationId xmlns="" xmlns:a16="http://schemas.microsoft.com/office/drawing/2014/main" id="{D2A03513-860E-AEB3-C60B-B28086582A81}"/>
               </a:ext>
             </a:extLst>
           </p:cNvPr>
@@ -15179,7 +15137,7 @@
           <p:cNvPr id="40" name="Google Shape;78;p14">
             <a:extLst>
               <a:ext uri="{FF2B5EF4-FFF2-40B4-BE49-F238E27FC236}">
-                <a16:creationId xmlns:a16="http://schemas.microsoft.com/office/drawing/2014/main" xmlns="" id="{4192ED35-AB80-8468-99E1-C9A9BDA8A7D3}"/>
+                <a16:creationId xmlns="" xmlns:a16="http://schemas.microsoft.com/office/drawing/2014/main" id="{4192ED35-AB80-8468-99E1-C9A9BDA8A7D3}"/>
               </a:ext>
             </a:extLst>
           </p:cNvPr>
@@ -15213,7 +15171,7 @@
           <p:cNvPr id="41" name="Google Shape;81;p14">
             <a:extLst>
               <a:ext uri="{FF2B5EF4-FFF2-40B4-BE49-F238E27FC236}">
-                <a16:creationId xmlns:a16="http://schemas.microsoft.com/office/drawing/2014/main" xmlns="" id="{C0FC87F9-1543-0D73-36B0-9CD905C3E530}"/>
+                <a16:creationId xmlns="" xmlns:a16="http://schemas.microsoft.com/office/drawing/2014/main" id="{C0FC87F9-1543-0D73-36B0-9CD905C3E530}"/>
               </a:ext>
             </a:extLst>
           </p:cNvPr>
@@ -15247,7 +15205,7 @@
           <p:cNvPr id="42" name="箭头: 五边形 41">
             <a:extLst>
               <a:ext uri="{FF2B5EF4-FFF2-40B4-BE49-F238E27FC236}">
-                <a16:creationId xmlns:a16="http://schemas.microsoft.com/office/drawing/2014/main" xmlns="" id="{7EBEF984-F98B-ADD1-3CDC-6AB1174A8D83}"/>
+                <a16:creationId xmlns="" xmlns:a16="http://schemas.microsoft.com/office/drawing/2014/main" id="{7EBEF984-F98B-ADD1-3CDC-6AB1174A8D83}"/>
               </a:ext>
             </a:extLst>
           </p:cNvPr>
@@ -15303,7 +15261,7 @@
           <p:cNvPr id="43" name="箭头: 五边形 42">
             <a:extLst>
               <a:ext uri="{FF2B5EF4-FFF2-40B4-BE49-F238E27FC236}">
-                <a16:creationId xmlns:a16="http://schemas.microsoft.com/office/drawing/2014/main" xmlns="" id="{35BD309B-9ECD-3FBE-FBC4-1E1A07BE57C7}"/>
+                <a16:creationId xmlns="" xmlns:a16="http://schemas.microsoft.com/office/drawing/2014/main" id="{35BD309B-9ECD-3FBE-FBC4-1E1A07BE57C7}"/>
               </a:ext>
             </a:extLst>
           </p:cNvPr>
@@ -15359,7 +15317,7 @@
           <p:cNvPr id="44" name="箭头: 五边形 43">
             <a:extLst>
               <a:ext uri="{FF2B5EF4-FFF2-40B4-BE49-F238E27FC236}">
-                <a16:creationId xmlns:a16="http://schemas.microsoft.com/office/drawing/2014/main" xmlns="" id="{15FD29AB-A713-CB93-D601-DC1B84060FE1}"/>
+                <a16:creationId xmlns="" xmlns:a16="http://schemas.microsoft.com/office/drawing/2014/main" id="{15FD29AB-A713-CB93-D601-DC1B84060FE1}"/>
               </a:ext>
             </a:extLst>
           </p:cNvPr>
@@ -15406,7 +15364,7 @@
           <p:cNvPr id="45" name="箭头: 五边形 44">
             <a:extLst>
               <a:ext uri="{FF2B5EF4-FFF2-40B4-BE49-F238E27FC236}">
-                <a16:creationId xmlns:a16="http://schemas.microsoft.com/office/drawing/2014/main" xmlns="" id="{985479B4-7D41-B26B-85E4-9E2F0030D890}"/>
+                <a16:creationId xmlns="" xmlns:a16="http://schemas.microsoft.com/office/drawing/2014/main" id="{985479B4-7D41-B26B-85E4-9E2F0030D890}"/>
               </a:ext>
             </a:extLst>
           </p:cNvPr>
@@ -15483,7 +15441,7 @@
           <p:cNvPr id="2" name="标题 1">
             <a:extLst>
               <a:ext uri="{FF2B5EF4-FFF2-40B4-BE49-F238E27FC236}">
-                <a16:creationId xmlns:a16="http://schemas.microsoft.com/office/drawing/2014/main" xmlns="" id="{80796E82-7314-2FBE-2DE8-DDD70D4DF27E}"/>
+                <a16:creationId xmlns="" xmlns:a16="http://schemas.microsoft.com/office/drawing/2014/main" id="{80796E82-7314-2FBE-2DE8-DDD70D4DF27E}"/>
               </a:ext>
             </a:extLst>
           </p:cNvPr>
@@ -15532,7 +15490,7 @@
           <p:cNvPr id="4" name="文本框 3">
             <a:extLst>
               <a:ext uri="{FF2B5EF4-FFF2-40B4-BE49-F238E27FC236}">
-                <a16:creationId xmlns:a16="http://schemas.microsoft.com/office/drawing/2014/main" xmlns="" id="{3E8E8225-E7B4-E598-7AEB-66BC2EF7864E}"/>
+                <a16:creationId xmlns="" xmlns:a16="http://schemas.microsoft.com/office/drawing/2014/main" id="{3E8E8225-E7B4-E598-7AEB-66BC2EF7864E}"/>
               </a:ext>
             </a:extLst>
           </p:cNvPr>
@@ -15572,7 +15530,7 @@
           <p:cNvPr id="94" name="椭圆 93">
             <a:extLst>
               <a:ext uri="{FF2B5EF4-FFF2-40B4-BE49-F238E27FC236}">
-                <a16:creationId xmlns:a16="http://schemas.microsoft.com/office/drawing/2014/main" xmlns="" id="{8BEE0963-F39F-E799-5A6C-7DB2D9695EA3}"/>
+                <a16:creationId xmlns="" xmlns:a16="http://schemas.microsoft.com/office/drawing/2014/main" id="{8BEE0963-F39F-E799-5A6C-7DB2D9695EA3}"/>
               </a:ext>
             </a:extLst>
           </p:cNvPr>
@@ -15624,7 +15582,7 @@
           <p:cNvPr id="95" name="Google Shape;73;p14">
             <a:extLst>
               <a:ext uri="{FF2B5EF4-FFF2-40B4-BE49-F238E27FC236}">
-                <a16:creationId xmlns:a16="http://schemas.microsoft.com/office/drawing/2014/main" xmlns="" id="{728B4BED-4470-8B41-5F52-AEAB959AE86A}"/>
+                <a16:creationId xmlns="" xmlns:a16="http://schemas.microsoft.com/office/drawing/2014/main" id="{728B4BED-4470-8B41-5F52-AEAB959AE86A}"/>
               </a:ext>
             </a:extLst>
           </p:cNvPr>
@@ -15658,7 +15616,7 @@
           <p:cNvPr id="96" name="椭圆 95">
             <a:extLst>
               <a:ext uri="{FF2B5EF4-FFF2-40B4-BE49-F238E27FC236}">
-                <a16:creationId xmlns:a16="http://schemas.microsoft.com/office/drawing/2014/main" xmlns="" id="{AF996894-1BC8-7090-4657-FC54AE71EC7F}"/>
+                <a16:creationId xmlns="" xmlns:a16="http://schemas.microsoft.com/office/drawing/2014/main" id="{AF996894-1BC8-7090-4657-FC54AE71EC7F}"/>
               </a:ext>
             </a:extLst>
           </p:cNvPr>
@@ -15714,7 +15672,7 @@
           <p:cNvPr id="97" name="椭圆 96">
             <a:extLst>
               <a:ext uri="{FF2B5EF4-FFF2-40B4-BE49-F238E27FC236}">
-                <a16:creationId xmlns:a16="http://schemas.microsoft.com/office/drawing/2014/main" xmlns="" id="{61254F9E-C540-E155-7BDC-015D0038A8F2}"/>
+                <a16:creationId xmlns="" xmlns:a16="http://schemas.microsoft.com/office/drawing/2014/main" id="{61254F9E-C540-E155-7BDC-015D0038A8F2}"/>
               </a:ext>
             </a:extLst>
           </p:cNvPr>
@@ -15770,7 +15728,7 @@
           <p:cNvPr id="98" name="椭圆 97">
             <a:extLst>
               <a:ext uri="{FF2B5EF4-FFF2-40B4-BE49-F238E27FC236}">
-                <a16:creationId xmlns:a16="http://schemas.microsoft.com/office/drawing/2014/main" xmlns="" id="{67AC39F3-9E15-C508-9F79-5833BA9DCC7E}"/>
+                <a16:creationId xmlns="" xmlns:a16="http://schemas.microsoft.com/office/drawing/2014/main" id="{67AC39F3-9E15-C508-9F79-5833BA9DCC7E}"/>
               </a:ext>
             </a:extLst>
           </p:cNvPr>
@@ -15830,7 +15788,7 @@
           <p:cNvPr id="99" name="椭圆 98">
             <a:extLst>
               <a:ext uri="{FF2B5EF4-FFF2-40B4-BE49-F238E27FC236}">
-                <a16:creationId xmlns:a16="http://schemas.microsoft.com/office/drawing/2014/main" xmlns="" id="{7078CA09-5A9E-D1A8-A854-B30AB88523FD}"/>
+                <a16:creationId xmlns="" xmlns:a16="http://schemas.microsoft.com/office/drawing/2014/main" id="{7078CA09-5A9E-D1A8-A854-B30AB88523FD}"/>
               </a:ext>
             </a:extLst>
           </p:cNvPr>
@@ -15890,7 +15848,7 @@
           <p:cNvPr id="100" name="Google Shape;74;p14">
             <a:extLst>
               <a:ext uri="{FF2B5EF4-FFF2-40B4-BE49-F238E27FC236}">
-                <a16:creationId xmlns:a16="http://schemas.microsoft.com/office/drawing/2014/main" xmlns="" id="{2D6CB586-E89B-F20A-E516-58B36CEB1867}"/>
+                <a16:creationId xmlns="" xmlns:a16="http://schemas.microsoft.com/office/drawing/2014/main" id="{2D6CB586-E89B-F20A-E516-58B36CEB1867}"/>
               </a:ext>
             </a:extLst>
           </p:cNvPr>
@@ -15924,7 +15882,7 @@
           <p:cNvPr id="101" name="Google Shape;76;p14">
             <a:extLst>
               <a:ext uri="{FF2B5EF4-FFF2-40B4-BE49-F238E27FC236}">
-                <a16:creationId xmlns:a16="http://schemas.microsoft.com/office/drawing/2014/main" xmlns="" id="{320E54BE-9086-C596-8E30-5802E54EFB64}"/>
+                <a16:creationId xmlns="" xmlns:a16="http://schemas.microsoft.com/office/drawing/2014/main" id="{320E54BE-9086-C596-8E30-5802E54EFB64}"/>
               </a:ext>
             </a:extLst>
           </p:cNvPr>
@@ -15958,7 +15916,7 @@
           <p:cNvPr id="102" name="Google Shape;79;p14">
             <a:extLst>
               <a:ext uri="{FF2B5EF4-FFF2-40B4-BE49-F238E27FC236}">
-                <a16:creationId xmlns:a16="http://schemas.microsoft.com/office/drawing/2014/main" xmlns="" id="{2CB29429-3A6A-075E-E051-F2605E6CF72B}"/>
+                <a16:creationId xmlns="" xmlns:a16="http://schemas.microsoft.com/office/drawing/2014/main" id="{2CB29429-3A6A-075E-E051-F2605E6CF72B}"/>
               </a:ext>
             </a:extLst>
           </p:cNvPr>
@@ -15992,7 +15950,7 @@
           <p:cNvPr id="103" name="Google Shape;80;p14">
             <a:extLst>
               <a:ext uri="{FF2B5EF4-FFF2-40B4-BE49-F238E27FC236}">
-                <a16:creationId xmlns:a16="http://schemas.microsoft.com/office/drawing/2014/main" xmlns="" id="{87A8869F-6890-93EE-47C2-B6909C99470B}"/>
+                <a16:creationId xmlns="" xmlns:a16="http://schemas.microsoft.com/office/drawing/2014/main" id="{87A8869F-6890-93EE-47C2-B6909C99470B}"/>
               </a:ext>
             </a:extLst>
           </p:cNvPr>
@@ -16026,7 +15984,7 @@
           <p:cNvPr id="104" name="箭头: 五边形 103">
             <a:extLst>
               <a:ext uri="{FF2B5EF4-FFF2-40B4-BE49-F238E27FC236}">
-                <a16:creationId xmlns:a16="http://schemas.microsoft.com/office/drawing/2014/main" xmlns="" id="{FEE47AE7-C9FA-4144-87DD-8E8CA1F603A1}"/>
+                <a16:creationId xmlns="" xmlns:a16="http://schemas.microsoft.com/office/drawing/2014/main" id="{FEE47AE7-C9FA-4144-87DD-8E8CA1F603A1}"/>
               </a:ext>
             </a:extLst>
           </p:cNvPr>
@@ -16073,7 +16031,7 @@
           <p:cNvPr id="105" name="箭头: 五边形 104">
             <a:extLst>
               <a:ext uri="{FF2B5EF4-FFF2-40B4-BE49-F238E27FC236}">
-                <a16:creationId xmlns:a16="http://schemas.microsoft.com/office/drawing/2014/main" xmlns="" id="{125693EC-2137-4901-2D9F-CA02EFB6EC1C}"/>
+                <a16:creationId xmlns="" xmlns:a16="http://schemas.microsoft.com/office/drawing/2014/main" id="{125693EC-2137-4901-2D9F-CA02EFB6EC1C}"/>
               </a:ext>
             </a:extLst>
           </p:cNvPr>
@@ -16129,7 +16087,7 @@
           <p:cNvPr id="106" name="箭头: 五边形 105">
             <a:extLst>
               <a:ext uri="{FF2B5EF4-FFF2-40B4-BE49-F238E27FC236}">
-                <a16:creationId xmlns:a16="http://schemas.microsoft.com/office/drawing/2014/main" xmlns="" id="{0A75FABD-C11D-5BF2-CA28-79F84BEC2D52}"/>
+                <a16:creationId xmlns="" xmlns:a16="http://schemas.microsoft.com/office/drawing/2014/main" id="{0A75FABD-C11D-5BF2-CA28-79F84BEC2D52}"/>
               </a:ext>
             </a:extLst>
           </p:cNvPr>
@@ -16185,7 +16143,7 @@
           <p:cNvPr id="107" name="箭头: 五边形 106">
             <a:extLst>
               <a:ext uri="{FF2B5EF4-FFF2-40B4-BE49-F238E27FC236}">
-                <a16:creationId xmlns:a16="http://schemas.microsoft.com/office/drawing/2014/main" xmlns="" id="{94FFE1CA-95B6-5FB5-0E93-C32CA673CFB0}"/>
+                <a16:creationId xmlns="" xmlns:a16="http://schemas.microsoft.com/office/drawing/2014/main" id="{94FFE1CA-95B6-5FB5-0E93-C32CA673CFB0}"/>
               </a:ext>
             </a:extLst>
           </p:cNvPr>
@@ -16232,7 +16190,7 @@
           <p:cNvPr id="108" name="Google Shape;75;p14">
             <a:extLst>
               <a:ext uri="{FF2B5EF4-FFF2-40B4-BE49-F238E27FC236}">
-                <a16:creationId xmlns:a16="http://schemas.microsoft.com/office/drawing/2014/main" xmlns="" id="{C28BC135-A694-D736-05E2-392BAA6546C4}"/>
+                <a16:creationId xmlns="" xmlns:a16="http://schemas.microsoft.com/office/drawing/2014/main" id="{C28BC135-A694-D736-05E2-392BAA6546C4}"/>
               </a:ext>
             </a:extLst>
           </p:cNvPr>
@@ -16266,7 +16224,7 @@
           <p:cNvPr id="109" name="Google Shape;77;p14">
             <a:extLst>
               <a:ext uri="{FF2B5EF4-FFF2-40B4-BE49-F238E27FC236}">
-                <a16:creationId xmlns:a16="http://schemas.microsoft.com/office/drawing/2014/main" xmlns="" id="{26E64EC8-A00D-85A2-55E9-80371504FA45}"/>
+                <a16:creationId xmlns="" xmlns:a16="http://schemas.microsoft.com/office/drawing/2014/main" id="{26E64EC8-A00D-85A2-55E9-80371504FA45}"/>
               </a:ext>
             </a:extLst>
           </p:cNvPr>
@@ -16300,7 +16258,7 @@
           <p:cNvPr id="110" name="Google Shape;78;p14">
             <a:extLst>
               <a:ext uri="{FF2B5EF4-FFF2-40B4-BE49-F238E27FC236}">
-                <a16:creationId xmlns:a16="http://schemas.microsoft.com/office/drawing/2014/main" xmlns="" id="{3776E30B-813F-0863-0AAF-08F593A4A164}"/>
+                <a16:creationId xmlns="" xmlns:a16="http://schemas.microsoft.com/office/drawing/2014/main" id="{3776E30B-813F-0863-0AAF-08F593A4A164}"/>
               </a:ext>
             </a:extLst>
           </p:cNvPr>
@@ -16334,7 +16292,7 @@
           <p:cNvPr id="111" name="Google Shape;81;p14">
             <a:extLst>
               <a:ext uri="{FF2B5EF4-FFF2-40B4-BE49-F238E27FC236}">
-                <a16:creationId xmlns:a16="http://schemas.microsoft.com/office/drawing/2014/main" xmlns="" id="{4C069DC5-4186-0285-5D83-B8FFA739F050}"/>
+                <a16:creationId xmlns="" xmlns:a16="http://schemas.microsoft.com/office/drawing/2014/main" id="{4C069DC5-4186-0285-5D83-B8FFA739F050}"/>
               </a:ext>
             </a:extLst>
           </p:cNvPr>
@@ -16368,7 +16326,7 @@
           <p:cNvPr id="112" name="箭头: 五边形 111">
             <a:extLst>
               <a:ext uri="{FF2B5EF4-FFF2-40B4-BE49-F238E27FC236}">
-                <a16:creationId xmlns:a16="http://schemas.microsoft.com/office/drawing/2014/main" xmlns="" id="{7CD9D67F-B213-AAAA-9054-02755BE2146A}"/>
+                <a16:creationId xmlns="" xmlns:a16="http://schemas.microsoft.com/office/drawing/2014/main" id="{7CD9D67F-B213-AAAA-9054-02755BE2146A}"/>
               </a:ext>
             </a:extLst>
           </p:cNvPr>
@@ -16424,7 +16382,7 @@
           <p:cNvPr id="113" name="箭头: 五边形 112">
             <a:extLst>
               <a:ext uri="{FF2B5EF4-FFF2-40B4-BE49-F238E27FC236}">
-                <a16:creationId xmlns:a16="http://schemas.microsoft.com/office/drawing/2014/main" xmlns="" id="{F8AE02EB-01D9-FA19-B065-CCE211B6884B}"/>
+                <a16:creationId xmlns="" xmlns:a16="http://schemas.microsoft.com/office/drawing/2014/main" id="{F8AE02EB-01D9-FA19-B065-CCE211B6884B}"/>
               </a:ext>
             </a:extLst>
           </p:cNvPr>
@@ -16480,7 +16438,7 @@
           <p:cNvPr id="114" name="箭头: 五边形 113">
             <a:extLst>
               <a:ext uri="{FF2B5EF4-FFF2-40B4-BE49-F238E27FC236}">
-                <a16:creationId xmlns:a16="http://schemas.microsoft.com/office/drawing/2014/main" xmlns="" id="{CD3E578E-DF8A-1EA0-3438-736889E4F552}"/>
+                <a16:creationId xmlns="" xmlns:a16="http://schemas.microsoft.com/office/drawing/2014/main" id="{CD3E578E-DF8A-1EA0-3438-736889E4F552}"/>
               </a:ext>
             </a:extLst>
           </p:cNvPr>
@@ -16527,7 +16485,7 @@
           <p:cNvPr id="115" name="箭头: 五边形 114">
             <a:extLst>
               <a:ext uri="{FF2B5EF4-FFF2-40B4-BE49-F238E27FC236}">
-                <a16:creationId xmlns:a16="http://schemas.microsoft.com/office/drawing/2014/main" xmlns="" id="{F8C96D6D-C8E2-1DE1-7975-1FE461A07D04}"/>
+                <a16:creationId xmlns="" xmlns:a16="http://schemas.microsoft.com/office/drawing/2014/main" id="{F8C96D6D-C8E2-1DE1-7975-1FE461A07D04}"/>
               </a:ext>
             </a:extLst>
           </p:cNvPr>
@@ -16604,7 +16562,7 @@
           <p:cNvPr id="2" name="标题 1">
             <a:extLst>
               <a:ext uri="{FF2B5EF4-FFF2-40B4-BE49-F238E27FC236}">
-                <a16:creationId xmlns:a16="http://schemas.microsoft.com/office/drawing/2014/main" xmlns="" id="{80796E82-7314-2FBE-2DE8-DDD70D4DF27E}"/>
+                <a16:creationId xmlns="" xmlns:a16="http://schemas.microsoft.com/office/drawing/2014/main" id="{80796E82-7314-2FBE-2DE8-DDD70D4DF27E}"/>
               </a:ext>
             </a:extLst>
           </p:cNvPr>
@@ -16653,7 +16611,7 @@
           <p:cNvPr id="4" name="文本框 3">
             <a:extLst>
               <a:ext uri="{FF2B5EF4-FFF2-40B4-BE49-F238E27FC236}">
-                <a16:creationId xmlns:a16="http://schemas.microsoft.com/office/drawing/2014/main" xmlns="" id="{3E8E8225-E7B4-E598-7AEB-66BC2EF7864E}"/>
+                <a16:creationId xmlns="" xmlns:a16="http://schemas.microsoft.com/office/drawing/2014/main" id="{3E8E8225-E7B4-E598-7AEB-66BC2EF7864E}"/>
               </a:ext>
             </a:extLst>
           </p:cNvPr>
@@ -16693,7 +16651,7 @@
           <p:cNvPr id="94" name="椭圆 93">
             <a:extLst>
               <a:ext uri="{FF2B5EF4-FFF2-40B4-BE49-F238E27FC236}">
-                <a16:creationId xmlns:a16="http://schemas.microsoft.com/office/drawing/2014/main" xmlns="" id="{8BEE0963-F39F-E799-5A6C-7DB2D9695EA3}"/>
+                <a16:creationId xmlns="" xmlns:a16="http://schemas.microsoft.com/office/drawing/2014/main" id="{8BEE0963-F39F-E799-5A6C-7DB2D9695EA3}"/>
               </a:ext>
             </a:extLst>
           </p:cNvPr>
@@ -16745,7 +16703,7 @@
           <p:cNvPr id="95" name="Google Shape;73;p14">
             <a:extLst>
               <a:ext uri="{FF2B5EF4-FFF2-40B4-BE49-F238E27FC236}">
-                <a16:creationId xmlns:a16="http://schemas.microsoft.com/office/drawing/2014/main" xmlns="" id="{728B4BED-4470-8B41-5F52-AEAB959AE86A}"/>
+                <a16:creationId xmlns="" xmlns:a16="http://schemas.microsoft.com/office/drawing/2014/main" id="{728B4BED-4470-8B41-5F52-AEAB959AE86A}"/>
               </a:ext>
             </a:extLst>
           </p:cNvPr>
@@ -16779,7 +16737,7 @@
           <p:cNvPr id="100" name="Google Shape;74;p14">
             <a:extLst>
               <a:ext uri="{FF2B5EF4-FFF2-40B4-BE49-F238E27FC236}">
-                <a16:creationId xmlns:a16="http://schemas.microsoft.com/office/drawing/2014/main" xmlns="" id="{2D6CB586-E89B-F20A-E516-58B36CEB1867}"/>
+                <a16:creationId xmlns="" xmlns:a16="http://schemas.microsoft.com/office/drawing/2014/main" id="{2D6CB586-E89B-F20A-E516-58B36CEB1867}"/>
               </a:ext>
             </a:extLst>
           </p:cNvPr>
@@ -16813,7 +16771,7 @@
           <p:cNvPr id="101" name="Google Shape;76;p14">
             <a:extLst>
               <a:ext uri="{FF2B5EF4-FFF2-40B4-BE49-F238E27FC236}">
-                <a16:creationId xmlns:a16="http://schemas.microsoft.com/office/drawing/2014/main" xmlns="" id="{320E54BE-9086-C596-8E30-5802E54EFB64}"/>
+                <a16:creationId xmlns="" xmlns:a16="http://schemas.microsoft.com/office/drawing/2014/main" id="{320E54BE-9086-C596-8E30-5802E54EFB64}"/>
               </a:ext>
             </a:extLst>
           </p:cNvPr>
@@ -16847,7 +16805,7 @@
           <p:cNvPr id="102" name="Google Shape;79;p14">
             <a:extLst>
               <a:ext uri="{FF2B5EF4-FFF2-40B4-BE49-F238E27FC236}">
-                <a16:creationId xmlns:a16="http://schemas.microsoft.com/office/drawing/2014/main" xmlns="" id="{2CB29429-3A6A-075E-E051-F2605E6CF72B}"/>
+                <a16:creationId xmlns="" xmlns:a16="http://schemas.microsoft.com/office/drawing/2014/main" id="{2CB29429-3A6A-075E-E051-F2605E6CF72B}"/>
               </a:ext>
             </a:extLst>
           </p:cNvPr>
@@ -16881,7 +16839,7 @@
           <p:cNvPr id="103" name="Google Shape;80;p14">
             <a:extLst>
               <a:ext uri="{FF2B5EF4-FFF2-40B4-BE49-F238E27FC236}">
-                <a16:creationId xmlns:a16="http://schemas.microsoft.com/office/drawing/2014/main" xmlns="" id="{87A8869F-6890-93EE-47C2-B6909C99470B}"/>
+                <a16:creationId xmlns="" xmlns:a16="http://schemas.microsoft.com/office/drawing/2014/main" id="{87A8869F-6890-93EE-47C2-B6909C99470B}"/>
               </a:ext>
             </a:extLst>
           </p:cNvPr>
@@ -16915,7 +16873,7 @@
           <p:cNvPr id="104" name="箭头: 五边形 103">
             <a:extLst>
               <a:ext uri="{FF2B5EF4-FFF2-40B4-BE49-F238E27FC236}">
-                <a16:creationId xmlns:a16="http://schemas.microsoft.com/office/drawing/2014/main" xmlns="" id="{FEE47AE7-C9FA-4144-87DD-8E8CA1F603A1}"/>
+                <a16:creationId xmlns="" xmlns:a16="http://schemas.microsoft.com/office/drawing/2014/main" id="{FEE47AE7-C9FA-4144-87DD-8E8CA1F603A1}"/>
               </a:ext>
             </a:extLst>
           </p:cNvPr>
@@ -16962,7 +16920,7 @@
           <p:cNvPr id="105" name="箭头: 五边形 104">
             <a:extLst>
               <a:ext uri="{FF2B5EF4-FFF2-40B4-BE49-F238E27FC236}">
-                <a16:creationId xmlns:a16="http://schemas.microsoft.com/office/drawing/2014/main" xmlns="" id="{125693EC-2137-4901-2D9F-CA02EFB6EC1C}"/>
+                <a16:creationId xmlns="" xmlns:a16="http://schemas.microsoft.com/office/drawing/2014/main" id="{125693EC-2137-4901-2D9F-CA02EFB6EC1C}"/>
               </a:ext>
             </a:extLst>
           </p:cNvPr>
@@ -17018,7 +16976,7 @@
           <p:cNvPr id="106" name="箭头: 五边形 105">
             <a:extLst>
               <a:ext uri="{FF2B5EF4-FFF2-40B4-BE49-F238E27FC236}">
-                <a16:creationId xmlns:a16="http://schemas.microsoft.com/office/drawing/2014/main" xmlns="" id="{0A75FABD-C11D-5BF2-CA28-79F84BEC2D52}"/>
+                <a16:creationId xmlns="" xmlns:a16="http://schemas.microsoft.com/office/drawing/2014/main" id="{0A75FABD-C11D-5BF2-CA28-79F84BEC2D52}"/>
               </a:ext>
             </a:extLst>
           </p:cNvPr>
@@ -17074,7 +17032,7 @@
           <p:cNvPr id="107" name="箭头: 五边形 106">
             <a:extLst>
               <a:ext uri="{FF2B5EF4-FFF2-40B4-BE49-F238E27FC236}">
-                <a16:creationId xmlns:a16="http://schemas.microsoft.com/office/drawing/2014/main" xmlns="" id="{94FFE1CA-95B6-5FB5-0E93-C32CA673CFB0}"/>
+                <a16:creationId xmlns="" xmlns:a16="http://schemas.microsoft.com/office/drawing/2014/main" id="{94FFE1CA-95B6-5FB5-0E93-C32CA673CFB0}"/>
               </a:ext>
             </a:extLst>
           </p:cNvPr>
@@ -17121,7 +17079,7 @@
           <p:cNvPr id="108" name="Google Shape;75;p14">
             <a:extLst>
               <a:ext uri="{FF2B5EF4-FFF2-40B4-BE49-F238E27FC236}">
-                <a16:creationId xmlns:a16="http://schemas.microsoft.com/office/drawing/2014/main" xmlns="" id="{C28BC135-A694-D736-05E2-392BAA6546C4}"/>
+                <a16:creationId xmlns="" xmlns:a16="http://schemas.microsoft.com/office/drawing/2014/main" id="{C28BC135-A694-D736-05E2-392BAA6546C4}"/>
               </a:ext>
             </a:extLst>
           </p:cNvPr>
@@ -17155,7 +17113,7 @@
           <p:cNvPr id="109" name="Google Shape;77;p14">
             <a:extLst>
               <a:ext uri="{FF2B5EF4-FFF2-40B4-BE49-F238E27FC236}">
-                <a16:creationId xmlns:a16="http://schemas.microsoft.com/office/drawing/2014/main" xmlns="" id="{26E64EC8-A00D-85A2-55E9-80371504FA45}"/>
+                <a16:creationId xmlns="" xmlns:a16="http://schemas.microsoft.com/office/drawing/2014/main" id="{26E64EC8-A00D-85A2-55E9-80371504FA45}"/>
               </a:ext>
             </a:extLst>
           </p:cNvPr>
@@ -17189,7 +17147,7 @@
           <p:cNvPr id="110" name="Google Shape;78;p14">
             <a:extLst>
               <a:ext uri="{FF2B5EF4-FFF2-40B4-BE49-F238E27FC236}">
-                <a16:creationId xmlns:a16="http://schemas.microsoft.com/office/drawing/2014/main" xmlns="" id="{3776E30B-813F-0863-0AAF-08F593A4A164}"/>
+                <a16:creationId xmlns="" xmlns:a16="http://schemas.microsoft.com/office/drawing/2014/main" id="{3776E30B-813F-0863-0AAF-08F593A4A164}"/>
               </a:ext>
             </a:extLst>
           </p:cNvPr>
@@ -17223,7 +17181,7 @@
           <p:cNvPr id="111" name="Google Shape;81;p14">
             <a:extLst>
               <a:ext uri="{FF2B5EF4-FFF2-40B4-BE49-F238E27FC236}">
-                <a16:creationId xmlns:a16="http://schemas.microsoft.com/office/drawing/2014/main" xmlns="" id="{4C069DC5-4186-0285-5D83-B8FFA739F050}"/>
+                <a16:creationId xmlns="" xmlns:a16="http://schemas.microsoft.com/office/drawing/2014/main" id="{4C069DC5-4186-0285-5D83-B8FFA739F050}"/>
               </a:ext>
             </a:extLst>
           </p:cNvPr>
@@ -17257,7 +17215,7 @@
           <p:cNvPr id="112" name="箭头: 五边形 111">
             <a:extLst>
               <a:ext uri="{FF2B5EF4-FFF2-40B4-BE49-F238E27FC236}">
-                <a16:creationId xmlns:a16="http://schemas.microsoft.com/office/drawing/2014/main" xmlns="" id="{7CD9D67F-B213-AAAA-9054-02755BE2146A}"/>
+                <a16:creationId xmlns="" xmlns:a16="http://schemas.microsoft.com/office/drawing/2014/main" id="{7CD9D67F-B213-AAAA-9054-02755BE2146A}"/>
               </a:ext>
             </a:extLst>
           </p:cNvPr>
@@ -17313,7 +17271,7 @@
           <p:cNvPr id="113" name="箭头: 五边形 112">
             <a:extLst>
               <a:ext uri="{FF2B5EF4-FFF2-40B4-BE49-F238E27FC236}">
-                <a16:creationId xmlns:a16="http://schemas.microsoft.com/office/drawing/2014/main" xmlns="" id="{F8AE02EB-01D9-FA19-B065-CCE211B6884B}"/>
+                <a16:creationId xmlns="" xmlns:a16="http://schemas.microsoft.com/office/drawing/2014/main" id="{F8AE02EB-01D9-FA19-B065-CCE211B6884B}"/>
               </a:ext>
             </a:extLst>
           </p:cNvPr>
@@ -17369,7 +17327,7 @@
           <p:cNvPr id="114" name="箭头: 五边形 113">
             <a:extLst>
               <a:ext uri="{FF2B5EF4-FFF2-40B4-BE49-F238E27FC236}">
-                <a16:creationId xmlns:a16="http://schemas.microsoft.com/office/drawing/2014/main" xmlns="" id="{CD3E578E-DF8A-1EA0-3438-736889E4F552}"/>
+                <a16:creationId xmlns="" xmlns:a16="http://schemas.microsoft.com/office/drawing/2014/main" id="{CD3E578E-DF8A-1EA0-3438-736889E4F552}"/>
               </a:ext>
             </a:extLst>
           </p:cNvPr>
@@ -17416,7 +17374,7 @@
           <p:cNvPr id="115" name="箭头: 五边形 114">
             <a:extLst>
               <a:ext uri="{FF2B5EF4-FFF2-40B4-BE49-F238E27FC236}">
-                <a16:creationId xmlns:a16="http://schemas.microsoft.com/office/drawing/2014/main" xmlns="" id="{F8C96D6D-C8E2-1DE1-7975-1FE461A07D04}"/>
+                <a16:creationId xmlns="" xmlns:a16="http://schemas.microsoft.com/office/drawing/2014/main" id="{F8C96D6D-C8E2-1DE1-7975-1FE461A07D04}"/>
               </a:ext>
             </a:extLst>
           </p:cNvPr>
@@ -17493,7 +17451,7 @@
           <p:cNvPr id="2" name="标题 1">
             <a:extLst>
               <a:ext uri="{FF2B5EF4-FFF2-40B4-BE49-F238E27FC236}">
-                <a16:creationId xmlns:a16="http://schemas.microsoft.com/office/drawing/2014/main" xmlns="" id="{80796E82-7314-2FBE-2DE8-DDD70D4DF27E}"/>
+                <a16:creationId xmlns="" xmlns:a16="http://schemas.microsoft.com/office/drawing/2014/main" id="{80796E82-7314-2FBE-2DE8-DDD70D4DF27E}"/>
               </a:ext>
             </a:extLst>
           </p:cNvPr>
@@ -17542,7 +17500,7 @@
           <p:cNvPr id="4" name="文本框 3">
             <a:extLst>
               <a:ext uri="{FF2B5EF4-FFF2-40B4-BE49-F238E27FC236}">
-                <a16:creationId xmlns:a16="http://schemas.microsoft.com/office/drawing/2014/main" xmlns="" id="{3E8E8225-E7B4-E598-7AEB-66BC2EF7864E}"/>
+                <a16:creationId xmlns="" xmlns:a16="http://schemas.microsoft.com/office/drawing/2014/main" id="{3E8E8225-E7B4-E598-7AEB-66BC2EF7864E}"/>
               </a:ext>
             </a:extLst>
           </p:cNvPr>
@@ -17582,7 +17540,7 @@
           <p:cNvPr id="94" name="椭圆 93">
             <a:extLst>
               <a:ext uri="{FF2B5EF4-FFF2-40B4-BE49-F238E27FC236}">
-                <a16:creationId xmlns:a16="http://schemas.microsoft.com/office/drawing/2014/main" xmlns="" id="{8BEE0963-F39F-E799-5A6C-7DB2D9695EA3}"/>
+                <a16:creationId xmlns="" xmlns:a16="http://schemas.microsoft.com/office/drawing/2014/main" id="{8BEE0963-F39F-E799-5A6C-7DB2D9695EA3}"/>
               </a:ext>
             </a:extLst>
           </p:cNvPr>
@@ -17634,7 +17592,7 @@
           <p:cNvPr id="95" name="Google Shape;73;p14">
             <a:extLst>
               <a:ext uri="{FF2B5EF4-FFF2-40B4-BE49-F238E27FC236}">
-                <a16:creationId xmlns:a16="http://schemas.microsoft.com/office/drawing/2014/main" xmlns="" id="{728B4BED-4470-8B41-5F52-AEAB959AE86A}"/>
+                <a16:creationId xmlns="" xmlns:a16="http://schemas.microsoft.com/office/drawing/2014/main" id="{728B4BED-4470-8B41-5F52-AEAB959AE86A}"/>
               </a:ext>
             </a:extLst>
           </p:cNvPr>
@@ -17668,7 +17626,7 @@
           <p:cNvPr id="23" name="椭圆 22">
             <a:extLst>
               <a:ext uri="{FF2B5EF4-FFF2-40B4-BE49-F238E27FC236}">
-                <a16:creationId xmlns:a16="http://schemas.microsoft.com/office/drawing/2014/main" xmlns="" id="{824F6C0B-F2BF-8F57-435A-24EF38F1CED2}"/>
+                <a16:creationId xmlns="" xmlns:a16="http://schemas.microsoft.com/office/drawing/2014/main" id="{824F6C0B-F2BF-8F57-435A-24EF38F1CED2}"/>
               </a:ext>
             </a:extLst>
           </p:cNvPr>
@@ -17724,7 +17682,7 @@
           <p:cNvPr id="24" name="椭圆 23">
             <a:extLst>
               <a:ext uri="{FF2B5EF4-FFF2-40B4-BE49-F238E27FC236}">
-                <a16:creationId xmlns:a16="http://schemas.microsoft.com/office/drawing/2014/main" xmlns="" id="{180D6603-04FC-C694-538B-19D759A53C63}"/>
+                <a16:creationId xmlns="" xmlns:a16="http://schemas.microsoft.com/office/drawing/2014/main" id="{180D6603-04FC-C694-538B-19D759A53C63}"/>
               </a:ext>
             </a:extLst>
           </p:cNvPr>
@@ -17784,7 +17742,7 @@
           <p:cNvPr id="100" name="Google Shape;74;p14">
             <a:extLst>
               <a:ext uri="{FF2B5EF4-FFF2-40B4-BE49-F238E27FC236}">
-                <a16:creationId xmlns:a16="http://schemas.microsoft.com/office/drawing/2014/main" xmlns="" id="{2D6CB586-E89B-F20A-E516-58B36CEB1867}"/>
+                <a16:creationId xmlns="" xmlns:a16="http://schemas.microsoft.com/office/drawing/2014/main" id="{2D6CB586-E89B-F20A-E516-58B36CEB1867}"/>
               </a:ext>
             </a:extLst>
           </p:cNvPr>
@@ -17818,7 +17776,7 @@
           <p:cNvPr id="101" name="Google Shape;76;p14">
             <a:extLst>
               <a:ext uri="{FF2B5EF4-FFF2-40B4-BE49-F238E27FC236}">
-                <a16:creationId xmlns:a16="http://schemas.microsoft.com/office/drawing/2014/main" xmlns="" id="{320E54BE-9086-C596-8E30-5802E54EFB64}"/>
+                <a16:creationId xmlns="" xmlns:a16="http://schemas.microsoft.com/office/drawing/2014/main" id="{320E54BE-9086-C596-8E30-5802E54EFB64}"/>
               </a:ext>
             </a:extLst>
           </p:cNvPr>
@@ -17852,7 +17810,7 @@
           <p:cNvPr id="102" name="Google Shape;79;p14">
             <a:extLst>
               <a:ext uri="{FF2B5EF4-FFF2-40B4-BE49-F238E27FC236}">
-                <a16:creationId xmlns:a16="http://schemas.microsoft.com/office/drawing/2014/main" xmlns="" id="{2CB29429-3A6A-075E-E051-F2605E6CF72B}"/>
+                <a16:creationId xmlns="" xmlns:a16="http://schemas.microsoft.com/office/drawing/2014/main" id="{2CB29429-3A6A-075E-E051-F2605E6CF72B}"/>
               </a:ext>
             </a:extLst>
           </p:cNvPr>
@@ -17886,7 +17844,7 @@
           <p:cNvPr id="103" name="Google Shape;80;p14">
             <a:extLst>
               <a:ext uri="{FF2B5EF4-FFF2-40B4-BE49-F238E27FC236}">
-                <a16:creationId xmlns:a16="http://schemas.microsoft.com/office/drawing/2014/main" xmlns="" id="{87A8869F-6890-93EE-47C2-B6909C99470B}"/>
+                <a16:creationId xmlns="" xmlns:a16="http://schemas.microsoft.com/office/drawing/2014/main" id="{87A8869F-6890-93EE-47C2-B6909C99470B}"/>
               </a:ext>
             </a:extLst>
           </p:cNvPr>
@@ -17920,7 +17878,7 @@
           <p:cNvPr id="104" name="箭头: 五边形 103">
             <a:extLst>
               <a:ext uri="{FF2B5EF4-FFF2-40B4-BE49-F238E27FC236}">
-                <a16:creationId xmlns:a16="http://schemas.microsoft.com/office/drawing/2014/main" xmlns="" id="{FEE47AE7-C9FA-4144-87DD-8E8CA1F603A1}"/>
+                <a16:creationId xmlns="" xmlns:a16="http://schemas.microsoft.com/office/drawing/2014/main" id="{FEE47AE7-C9FA-4144-87DD-8E8CA1F603A1}"/>
               </a:ext>
             </a:extLst>
           </p:cNvPr>
@@ -17967,7 +17925,7 @@
           <p:cNvPr id="105" name="箭头: 五边形 104">
             <a:extLst>
               <a:ext uri="{FF2B5EF4-FFF2-40B4-BE49-F238E27FC236}">
-                <a16:creationId xmlns:a16="http://schemas.microsoft.com/office/drawing/2014/main" xmlns="" id="{125693EC-2137-4901-2D9F-CA02EFB6EC1C}"/>
+                <a16:creationId xmlns="" xmlns:a16="http://schemas.microsoft.com/office/drawing/2014/main" id="{125693EC-2137-4901-2D9F-CA02EFB6EC1C}"/>
               </a:ext>
             </a:extLst>
           </p:cNvPr>
@@ -18023,7 +17981,7 @@
           <p:cNvPr id="106" name="箭头: 五边形 105">
             <a:extLst>
               <a:ext uri="{FF2B5EF4-FFF2-40B4-BE49-F238E27FC236}">
-                <a16:creationId xmlns:a16="http://schemas.microsoft.com/office/drawing/2014/main" xmlns="" id="{0A75FABD-C11D-5BF2-CA28-79F84BEC2D52}"/>
+                <a16:creationId xmlns="" xmlns:a16="http://schemas.microsoft.com/office/drawing/2014/main" id="{0A75FABD-C11D-5BF2-CA28-79F84BEC2D52}"/>
               </a:ext>
             </a:extLst>
           </p:cNvPr>
@@ -18079,7 +18037,7 @@
           <p:cNvPr id="107" name="箭头: 五边形 106">
             <a:extLst>
               <a:ext uri="{FF2B5EF4-FFF2-40B4-BE49-F238E27FC236}">
-                <a16:creationId xmlns:a16="http://schemas.microsoft.com/office/drawing/2014/main" xmlns="" id="{94FFE1CA-95B6-5FB5-0E93-C32CA673CFB0}"/>
+                <a16:creationId xmlns="" xmlns:a16="http://schemas.microsoft.com/office/drawing/2014/main" id="{94FFE1CA-95B6-5FB5-0E93-C32CA673CFB0}"/>
               </a:ext>
             </a:extLst>
           </p:cNvPr>
@@ -18126,7 +18084,7 @@
           <p:cNvPr id="108" name="Google Shape;75;p14">
             <a:extLst>
               <a:ext uri="{FF2B5EF4-FFF2-40B4-BE49-F238E27FC236}">
-                <a16:creationId xmlns:a16="http://schemas.microsoft.com/office/drawing/2014/main" xmlns="" id="{C28BC135-A694-D736-05E2-392BAA6546C4}"/>
+                <a16:creationId xmlns="" xmlns:a16="http://schemas.microsoft.com/office/drawing/2014/main" id="{C28BC135-A694-D736-05E2-392BAA6546C4}"/>
               </a:ext>
             </a:extLst>
           </p:cNvPr>
@@ -18160,7 +18118,7 @@
           <p:cNvPr id="109" name="Google Shape;77;p14">
             <a:extLst>
               <a:ext uri="{FF2B5EF4-FFF2-40B4-BE49-F238E27FC236}">
-                <a16:creationId xmlns:a16="http://schemas.microsoft.com/office/drawing/2014/main" xmlns="" id="{26E64EC8-A00D-85A2-55E9-80371504FA45}"/>
+                <a16:creationId xmlns="" xmlns:a16="http://schemas.microsoft.com/office/drawing/2014/main" id="{26E64EC8-A00D-85A2-55E9-80371504FA45}"/>
               </a:ext>
             </a:extLst>
           </p:cNvPr>
@@ -18194,7 +18152,7 @@
           <p:cNvPr id="110" name="Google Shape;78;p14">
             <a:extLst>
               <a:ext uri="{FF2B5EF4-FFF2-40B4-BE49-F238E27FC236}">
-                <a16:creationId xmlns:a16="http://schemas.microsoft.com/office/drawing/2014/main" xmlns="" id="{3776E30B-813F-0863-0AAF-08F593A4A164}"/>
+                <a16:creationId xmlns="" xmlns:a16="http://schemas.microsoft.com/office/drawing/2014/main" id="{3776E30B-813F-0863-0AAF-08F593A4A164}"/>
               </a:ext>
             </a:extLst>
           </p:cNvPr>
@@ -18228,7 +18186,7 @@
           <p:cNvPr id="111" name="Google Shape;81;p14">
             <a:extLst>
               <a:ext uri="{FF2B5EF4-FFF2-40B4-BE49-F238E27FC236}">
-                <a16:creationId xmlns:a16="http://schemas.microsoft.com/office/drawing/2014/main" xmlns="" id="{4C069DC5-4186-0285-5D83-B8FFA739F050}"/>
+                <a16:creationId xmlns="" xmlns:a16="http://schemas.microsoft.com/office/drawing/2014/main" id="{4C069DC5-4186-0285-5D83-B8FFA739F050}"/>
               </a:ext>
             </a:extLst>
           </p:cNvPr>
@@ -18262,7 +18220,7 @@
           <p:cNvPr id="112" name="箭头: 五边形 111">
             <a:extLst>
               <a:ext uri="{FF2B5EF4-FFF2-40B4-BE49-F238E27FC236}">
-                <a16:creationId xmlns:a16="http://schemas.microsoft.com/office/drawing/2014/main" xmlns="" id="{7CD9D67F-B213-AAAA-9054-02755BE2146A}"/>
+                <a16:creationId xmlns="" xmlns:a16="http://schemas.microsoft.com/office/drawing/2014/main" id="{7CD9D67F-B213-AAAA-9054-02755BE2146A}"/>
               </a:ext>
             </a:extLst>
           </p:cNvPr>
@@ -18318,7 +18276,7 @@
           <p:cNvPr id="113" name="箭头: 五边形 112">
             <a:extLst>
               <a:ext uri="{FF2B5EF4-FFF2-40B4-BE49-F238E27FC236}">
-                <a16:creationId xmlns:a16="http://schemas.microsoft.com/office/drawing/2014/main" xmlns="" id="{F8AE02EB-01D9-FA19-B065-CCE211B6884B}"/>
+                <a16:creationId xmlns="" xmlns:a16="http://schemas.microsoft.com/office/drawing/2014/main" id="{F8AE02EB-01D9-FA19-B065-CCE211B6884B}"/>
               </a:ext>
             </a:extLst>
           </p:cNvPr>
@@ -18374,7 +18332,7 @@
           <p:cNvPr id="114" name="箭头: 五边形 113">
             <a:extLst>
               <a:ext uri="{FF2B5EF4-FFF2-40B4-BE49-F238E27FC236}">
-                <a16:creationId xmlns:a16="http://schemas.microsoft.com/office/drawing/2014/main" xmlns="" id="{CD3E578E-DF8A-1EA0-3438-736889E4F552}"/>
+                <a16:creationId xmlns="" xmlns:a16="http://schemas.microsoft.com/office/drawing/2014/main" id="{CD3E578E-DF8A-1EA0-3438-736889E4F552}"/>
               </a:ext>
             </a:extLst>
           </p:cNvPr>
@@ -18421,7 +18379,7 @@
           <p:cNvPr id="115" name="箭头: 五边形 114">
             <a:extLst>
               <a:ext uri="{FF2B5EF4-FFF2-40B4-BE49-F238E27FC236}">
-                <a16:creationId xmlns:a16="http://schemas.microsoft.com/office/drawing/2014/main" xmlns="" id="{F8C96D6D-C8E2-1DE1-7975-1FE461A07D04}"/>
+                <a16:creationId xmlns="" xmlns:a16="http://schemas.microsoft.com/office/drawing/2014/main" id="{F8C96D6D-C8E2-1DE1-7975-1FE461A07D04}"/>
               </a:ext>
             </a:extLst>
           </p:cNvPr>
@@ -18508,7 +18466,7 @@
           <p:cNvPr id="2" name="标题 1">
             <a:extLst>
               <a:ext uri="{FF2B5EF4-FFF2-40B4-BE49-F238E27FC236}">
-                <a16:creationId xmlns:a16="http://schemas.microsoft.com/office/drawing/2014/main" xmlns="" id="{2A9B6C59-89F9-5390-BB77-F8DB7EF7B310}"/>
+                <a16:creationId xmlns="" xmlns:a16="http://schemas.microsoft.com/office/drawing/2014/main" id="{2A9B6C59-89F9-5390-BB77-F8DB7EF7B310}"/>
               </a:ext>
             </a:extLst>
           </p:cNvPr>
@@ -18598,7 +18556,7 @@
           <p:cNvPr id="2" name="标题 1">
             <a:extLst>
               <a:ext uri="{FF2B5EF4-FFF2-40B4-BE49-F238E27FC236}">
-                <a16:creationId xmlns:a16="http://schemas.microsoft.com/office/drawing/2014/main" xmlns="" id="{80796E82-7314-2FBE-2DE8-DDD70D4DF27E}"/>
+                <a16:creationId xmlns="" xmlns:a16="http://schemas.microsoft.com/office/drawing/2014/main" id="{80796E82-7314-2FBE-2DE8-DDD70D4DF27E}"/>
               </a:ext>
             </a:extLst>
           </p:cNvPr>
@@ -18640,7 +18598,7 @@
           <p:cNvPr id="4" name="文本框 3">
             <a:extLst>
               <a:ext uri="{FF2B5EF4-FFF2-40B4-BE49-F238E27FC236}">
-                <a16:creationId xmlns:a16="http://schemas.microsoft.com/office/drawing/2014/main" xmlns="" id="{3E8E8225-E7B4-E598-7AEB-66BC2EF7864E}"/>
+                <a16:creationId xmlns="" xmlns:a16="http://schemas.microsoft.com/office/drawing/2014/main" id="{3E8E8225-E7B4-E598-7AEB-66BC2EF7864E}"/>
               </a:ext>
             </a:extLst>
           </p:cNvPr>
@@ -18686,7 +18644,7 @@
           <p:cNvPr id="94" name="椭圆 93">
             <a:extLst>
               <a:ext uri="{FF2B5EF4-FFF2-40B4-BE49-F238E27FC236}">
-                <a16:creationId xmlns:a16="http://schemas.microsoft.com/office/drawing/2014/main" xmlns="" id="{8BEE0963-F39F-E799-5A6C-7DB2D9695EA3}"/>
+                <a16:creationId xmlns="" xmlns:a16="http://schemas.microsoft.com/office/drawing/2014/main" id="{8BEE0963-F39F-E799-5A6C-7DB2D9695EA3}"/>
               </a:ext>
             </a:extLst>
           </p:cNvPr>
@@ -18738,7 +18696,7 @@
           <p:cNvPr id="6" name="椭圆 5">
             <a:extLst>
               <a:ext uri="{FF2B5EF4-FFF2-40B4-BE49-F238E27FC236}">
-                <a16:creationId xmlns:a16="http://schemas.microsoft.com/office/drawing/2014/main" xmlns="" id="{1F3D5A18-117A-FBDB-A07B-D4E2DC2FC832}"/>
+                <a16:creationId xmlns="" xmlns:a16="http://schemas.microsoft.com/office/drawing/2014/main" id="{1F3D5A18-117A-FBDB-A07B-D4E2DC2FC832}"/>
               </a:ext>
             </a:extLst>
           </p:cNvPr>
@@ -18788,7 +18746,7 @@
           <p:cNvPr id="7" name="矩形 6">
             <a:extLst>
               <a:ext uri="{FF2B5EF4-FFF2-40B4-BE49-F238E27FC236}">
-                <a16:creationId xmlns:a16="http://schemas.microsoft.com/office/drawing/2014/main" xmlns="" id="{1DB7B11B-A7F7-8894-4BAF-68DD060767B3}"/>
+                <a16:creationId xmlns="" xmlns:a16="http://schemas.microsoft.com/office/drawing/2014/main" id="{1DB7B11B-A7F7-8894-4BAF-68DD060767B3}"/>
               </a:ext>
             </a:extLst>
           </p:cNvPr>
@@ -18838,7 +18796,7 @@
           <p:cNvPr id="16" name="矩形 15">
             <a:extLst>
               <a:ext uri="{FF2B5EF4-FFF2-40B4-BE49-F238E27FC236}">
-                <a16:creationId xmlns:a16="http://schemas.microsoft.com/office/drawing/2014/main" xmlns="" id="{5E103417-33D7-7A1E-5135-FE392A9238A1}"/>
+                <a16:creationId xmlns="" xmlns:a16="http://schemas.microsoft.com/office/drawing/2014/main" id="{5E103417-33D7-7A1E-5135-FE392A9238A1}"/>
               </a:ext>
             </a:extLst>
           </p:cNvPr>
@@ -18888,7 +18846,7 @@
           <p:cNvPr id="36" name="Google Shape;74;p14">
             <a:extLst>
               <a:ext uri="{FF2B5EF4-FFF2-40B4-BE49-F238E27FC236}">
-                <a16:creationId xmlns:a16="http://schemas.microsoft.com/office/drawing/2014/main" xmlns="" id="{2E2745A7-5382-D682-E846-353E49F51CE1}"/>
+                <a16:creationId xmlns="" xmlns:a16="http://schemas.microsoft.com/office/drawing/2014/main" id="{2E2745A7-5382-D682-E846-353E49F51CE1}"/>
               </a:ext>
             </a:extLst>
           </p:cNvPr>
@@ -18922,7 +18880,7 @@
           <p:cNvPr id="37" name="Google Shape;75;p14">
             <a:extLst>
               <a:ext uri="{FF2B5EF4-FFF2-40B4-BE49-F238E27FC236}">
-                <a16:creationId xmlns:a16="http://schemas.microsoft.com/office/drawing/2014/main" xmlns="" id="{E3E4915D-2F12-168B-349B-24CDEEB0083B}"/>
+                <a16:creationId xmlns="" xmlns:a16="http://schemas.microsoft.com/office/drawing/2014/main" id="{E3E4915D-2F12-168B-349B-24CDEEB0083B}"/>
               </a:ext>
             </a:extLst>
           </p:cNvPr>
@@ -18956,7 +18914,7 @@
           <p:cNvPr id="40" name="Google Shape;76;p14">
             <a:extLst>
               <a:ext uri="{FF2B5EF4-FFF2-40B4-BE49-F238E27FC236}">
-                <a16:creationId xmlns:a16="http://schemas.microsoft.com/office/drawing/2014/main" xmlns="" id="{1ECE9B11-635C-881C-CE5B-089C627E4372}"/>
+                <a16:creationId xmlns="" xmlns:a16="http://schemas.microsoft.com/office/drawing/2014/main" id="{1ECE9B11-635C-881C-CE5B-089C627E4372}"/>
               </a:ext>
             </a:extLst>
           </p:cNvPr>
@@ -18990,7 +18948,7 @@
           <p:cNvPr id="41" name="Google Shape;77;p14">
             <a:extLst>
               <a:ext uri="{FF2B5EF4-FFF2-40B4-BE49-F238E27FC236}">
-                <a16:creationId xmlns:a16="http://schemas.microsoft.com/office/drawing/2014/main" xmlns="" id="{B873D65F-C642-5A74-03EE-002969DF1388}"/>
+                <a16:creationId xmlns="" xmlns:a16="http://schemas.microsoft.com/office/drawing/2014/main" id="{B873D65F-C642-5A74-03EE-002969DF1388}"/>
               </a:ext>
             </a:extLst>
           </p:cNvPr>
@@ -19024,7 +18982,7 @@
           <p:cNvPr id="42" name="Google Shape;78;p14">
             <a:extLst>
               <a:ext uri="{FF2B5EF4-FFF2-40B4-BE49-F238E27FC236}">
-                <a16:creationId xmlns:a16="http://schemas.microsoft.com/office/drawing/2014/main" xmlns="" id="{971876C7-5053-73D0-155A-9D17633A0F55}"/>
+                <a16:creationId xmlns="" xmlns:a16="http://schemas.microsoft.com/office/drawing/2014/main" id="{971876C7-5053-73D0-155A-9D17633A0F55}"/>
               </a:ext>
             </a:extLst>
           </p:cNvPr>
@@ -19058,7 +19016,7 @@
           <p:cNvPr id="43" name="Google Shape;79;p14">
             <a:extLst>
               <a:ext uri="{FF2B5EF4-FFF2-40B4-BE49-F238E27FC236}">
-                <a16:creationId xmlns:a16="http://schemas.microsoft.com/office/drawing/2014/main" xmlns="" id="{D908096A-7B93-6872-9227-68EFA46E5FEC}"/>
+                <a16:creationId xmlns="" xmlns:a16="http://schemas.microsoft.com/office/drawing/2014/main" id="{D908096A-7B93-6872-9227-68EFA46E5FEC}"/>
               </a:ext>
             </a:extLst>
           </p:cNvPr>
@@ -19092,7 +19050,7 @@
           <p:cNvPr id="44" name="Google Shape;80;p14">
             <a:extLst>
               <a:ext uri="{FF2B5EF4-FFF2-40B4-BE49-F238E27FC236}">
-                <a16:creationId xmlns:a16="http://schemas.microsoft.com/office/drawing/2014/main" xmlns="" id="{5707B8C5-A5A8-44EF-7EA1-212D60CE4405}"/>
+                <a16:creationId xmlns="" xmlns:a16="http://schemas.microsoft.com/office/drawing/2014/main" id="{5707B8C5-A5A8-44EF-7EA1-212D60CE4405}"/>
               </a:ext>
             </a:extLst>
           </p:cNvPr>
@@ -19126,7 +19084,7 @@
           <p:cNvPr id="45" name="Google Shape;81;p14">
             <a:extLst>
               <a:ext uri="{FF2B5EF4-FFF2-40B4-BE49-F238E27FC236}">
-                <a16:creationId xmlns:a16="http://schemas.microsoft.com/office/drawing/2014/main" xmlns="" id="{258DAE7F-F09C-A31E-1F00-ADABD392EAF6}"/>
+                <a16:creationId xmlns="" xmlns:a16="http://schemas.microsoft.com/office/drawing/2014/main" id="{258DAE7F-F09C-A31E-1F00-ADABD392EAF6}"/>
               </a:ext>
             </a:extLst>
           </p:cNvPr>
@@ -19160,7 +19118,7 @@
           <p:cNvPr id="46" name="Google Shape;73;p14">
             <a:extLst>
               <a:ext uri="{FF2B5EF4-FFF2-40B4-BE49-F238E27FC236}">
-                <a16:creationId xmlns:a16="http://schemas.microsoft.com/office/drawing/2014/main" xmlns="" id="{C9BC361F-6BE4-6B47-4157-518F4E8B91B7}"/>
+                <a16:creationId xmlns="" xmlns:a16="http://schemas.microsoft.com/office/drawing/2014/main" id="{C9BC361F-6BE4-6B47-4157-518F4E8B91B7}"/>
               </a:ext>
             </a:extLst>
           </p:cNvPr>
@@ -19194,7 +19152,7 @@
           <p:cNvPr id="47" name="Google Shape;100;p14">
             <a:extLst>
               <a:ext uri="{FF2B5EF4-FFF2-40B4-BE49-F238E27FC236}">
-                <a16:creationId xmlns:a16="http://schemas.microsoft.com/office/drawing/2014/main" xmlns="" id="{FECEA0B3-9605-E3C1-399E-D5B289255275}"/>
+                <a16:creationId xmlns="" xmlns:a16="http://schemas.microsoft.com/office/drawing/2014/main" id="{FECEA0B3-9605-E3C1-399E-D5B289255275}"/>
               </a:ext>
             </a:extLst>
           </p:cNvPr>
@@ -19239,7 +19197,7 @@
           <p:cNvPr id="9" name="箭头: V 形 8">
             <a:extLst>
               <a:ext uri="{FF2B5EF4-FFF2-40B4-BE49-F238E27FC236}">
-                <a16:creationId xmlns:a16="http://schemas.microsoft.com/office/drawing/2014/main" xmlns="" id="{FD24A7BB-FA4E-991F-5929-18EE9CB4A9D9}"/>
+                <a16:creationId xmlns="" xmlns:a16="http://schemas.microsoft.com/office/drawing/2014/main" id="{FD24A7BB-FA4E-991F-5929-18EE9CB4A9D9}"/>
               </a:ext>
             </a:extLst>
           </p:cNvPr>
@@ -19287,7 +19245,7 @@
           <p:cNvPr id="18" name="箭头: V 形 17">
             <a:extLst>
               <a:ext uri="{FF2B5EF4-FFF2-40B4-BE49-F238E27FC236}">
-                <a16:creationId xmlns:a16="http://schemas.microsoft.com/office/drawing/2014/main" xmlns="" id="{8C372B4E-E0EB-3587-D05B-984150483764}"/>
+                <a16:creationId xmlns="" xmlns:a16="http://schemas.microsoft.com/office/drawing/2014/main" id="{8C372B4E-E0EB-3587-D05B-984150483764}"/>
               </a:ext>
             </a:extLst>
           </p:cNvPr>
@@ -19335,7 +19293,7 @@
           <p:cNvPr id="19" name="箭头: V 形 18">
             <a:extLst>
               <a:ext uri="{FF2B5EF4-FFF2-40B4-BE49-F238E27FC236}">
-                <a16:creationId xmlns:a16="http://schemas.microsoft.com/office/drawing/2014/main" xmlns="" id="{857EDEF0-9103-CEE8-DA27-765C3E2D1CF2}"/>
+                <a16:creationId xmlns="" xmlns:a16="http://schemas.microsoft.com/office/drawing/2014/main" id="{857EDEF0-9103-CEE8-DA27-765C3E2D1CF2}"/>
               </a:ext>
             </a:extLst>
           </p:cNvPr>
@@ -19383,7 +19341,7 @@
           <p:cNvPr id="20" name="箭头: V 形 19">
             <a:extLst>
               <a:ext uri="{FF2B5EF4-FFF2-40B4-BE49-F238E27FC236}">
-                <a16:creationId xmlns:a16="http://schemas.microsoft.com/office/drawing/2014/main" xmlns="" id="{42C49E84-E67A-1BB3-2501-0FDDEF0E34DA}"/>
+                <a16:creationId xmlns="" xmlns:a16="http://schemas.microsoft.com/office/drawing/2014/main" id="{42C49E84-E67A-1BB3-2501-0FDDEF0E34DA}"/>
               </a:ext>
             </a:extLst>
           </p:cNvPr>
@@ -19431,7 +19389,7 @@
           <p:cNvPr id="21" name="箭头: V 形 20">
             <a:extLst>
               <a:ext uri="{FF2B5EF4-FFF2-40B4-BE49-F238E27FC236}">
-                <a16:creationId xmlns:a16="http://schemas.microsoft.com/office/drawing/2014/main" xmlns="" id="{BC353627-9371-244D-7367-7A27EC648508}"/>
+                <a16:creationId xmlns="" xmlns:a16="http://schemas.microsoft.com/office/drawing/2014/main" id="{BC353627-9371-244D-7367-7A27EC648508}"/>
               </a:ext>
             </a:extLst>
           </p:cNvPr>
@@ -19479,7 +19437,7 @@
           <p:cNvPr id="22" name="箭头: V 形 21">
             <a:extLst>
               <a:ext uri="{FF2B5EF4-FFF2-40B4-BE49-F238E27FC236}">
-                <a16:creationId xmlns:a16="http://schemas.microsoft.com/office/drawing/2014/main" xmlns="" id="{41D7DFA2-1682-8959-1196-12E3B7C49765}"/>
+                <a16:creationId xmlns="" xmlns:a16="http://schemas.microsoft.com/office/drawing/2014/main" id="{41D7DFA2-1682-8959-1196-12E3B7C49765}"/>
               </a:ext>
             </a:extLst>
           </p:cNvPr>
@@ -19527,7 +19485,7 @@
           <p:cNvPr id="23" name="箭头: V 形 22">
             <a:extLst>
               <a:ext uri="{FF2B5EF4-FFF2-40B4-BE49-F238E27FC236}">
-                <a16:creationId xmlns:a16="http://schemas.microsoft.com/office/drawing/2014/main" xmlns="" id="{3E6B5B9D-8A94-166B-F4E4-0C03AFDA72FF}"/>
+                <a16:creationId xmlns="" xmlns:a16="http://schemas.microsoft.com/office/drawing/2014/main" id="{3E6B5B9D-8A94-166B-F4E4-0C03AFDA72FF}"/>
               </a:ext>
             </a:extLst>
           </p:cNvPr>
@@ -19575,7 +19533,7 @@
           <p:cNvPr id="24" name="箭头: V 形 23">
             <a:extLst>
               <a:ext uri="{FF2B5EF4-FFF2-40B4-BE49-F238E27FC236}">
-                <a16:creationId xmlns:a16="http://schemas.microsoft.com/office/drawing/2014/main" xmlns="" id="{58C2A296-BAAF-AA9E-2CEA-ABDFA8710114}"/>
+                <a16:creationId xmlns="" xmlns:a16="http://schemas.microsoft.com/office/drawing/2014/main" id="{58C2A296-BAAF-AA9E-2CEA-ABDFA8710114}"/>
               </a:ext>
             </a:extLst>
           </p:cNvPr>
@@ -19623,7 +19581,7 @@
           <p:cNvPr id="28" name="箭头: V 形 27">
             <a:extLst>
               <a:ext uri="{FF2B5EF4-FFF2-40B4-BE49-F238E27FC236}">
-                <a16:creationId xmlns:a16="http://schemas.microsoft.com/office/drawing/2014/main" xmlns="" id="{A543D7BC-1C9B-6A49-EC09-098BA7C87EA3}"/>
+                <a16:creationId xmlns="" xmlns:a16="http://schemas.microsoft.com/office/drawing/2014/main" id="{A543D7BC-1C9B-6A49-EC09-098BA7C87EA3}"/>
               </a:ext>
             </a:extLst>
           </p:cNvPr>
@@ -19671,7 +19629,7 @@
           <p:cNvPr id="29" name="箭头: V 形 28">
             <a:extLst>
               <a:ext uri="{FF2B5EF4-FFF2-40B4-BE49-F238E27FC236}">
-                <a16:creationId xmlns:a16="http://schemas.microsoft.com/office/drawing/2014/main" xmlns="" id="{D2AF5DF2-587F-46EB-F970-D8CFB9255024}"/>
+                <a16:creationId xmlns="" xmlns:a16="http://schemas.microsoft.com/office/drawing/2014/main" id="{D2AF5DF2-587F-46EB-F970-D8CFB9255024}"/>
               </a:ext>
             </a:extLst>
           </p:cNvPr>
@@ -19719,7 +19677,7 @@
           <p:cNvPr id="30" name="箭头: V 形 29">
             <a:extLst>
               <a:ext uri="{FF2B5EF4-FFF2-40B4-BE49-F238E27FC236}">
-                <a16:creationId xmlns:a16="http://schemas.microsoft.com/office/drawing/2014/main" xmlns="" id="{9419548B-7308-2803-27AC-502B1EDA4B21}"/>
+                <a16:creationId xmlns="" xmlns:a16="http://schemas.microsoft.com/office/drawing/2014/main" id="{9419548B-7308-2803-27AC-502B1EDA4B21}"/>
               </a:ext>
             </a:extLst>
           </p:cNvPr>
@@ -19767,7 +19725,7 @@
           <p:cNvPr id="31" name="箭头: V 形 30">
             <a:extLst>
               <a:ext uri="{FF2B5EF4-FFF2-40B4-BE49-F238E27FC236}">
-                <a16:creationId xmlns:a16="http://schemas.microsoft.com/office/drawing/2014/main" xmlns="" id="{5EA4D2E4-024B-6111-B464-CCAED25B06D2}"/>
+                <a16:creationId xmlns="" xmlns:a16="http://schemas.microsoft.com/office/drawing/2014/main" id="{5EA4D2E4-024B-6111-B464-CCAED25B06D2}"/>
               </a:ext>
             </a:extLst>
           </p:cNvPr>
@@ -19815,7 +19773,7 @@
           <p:cNvPr id="32" name="箭头: V 形 31">
             <a:extLst>
               <a:ext uri="{FF2B5EF4-FFF2-40B4-BE49-F238E27FC236}">
-                <a16:creationId xmlns:a16="http://schemas.microsoft.com/office/drawing/2014/main" xmlns="" id="{179930E0-6F7E-CCEA-3004-B6A577E77445}"/>
+                <a16:creationId xmlns="" xmlns:a16="http://schemas.microsoft.com/office/drawing/2014/main" id="{179930E0-6F7E-CCEA-3004-B6A577E77445}"/>
               </a:ext>
             </a:extLst>
           </p:cNvPr>
@@ -19863,7 +19821,7 @@
           <p:cNvPr id="33" name="箭头: V 形 32">
             <a:extLst>
               <a:ext uri="{FF2B5EF4-FFF2-40B4-BE49-F238E27FC236}">
-                <a16:creationId xmlns:a16="http://schemas.microsoft.com/office/drawing/2014/main" xmlns="" id="{BCFED254-F97D-29DC-0AF7-9A71396E1D9B}"/>
+                <a16:creationId xmlns="" xmlns:a16="http://schemas.microsoft.com/office/drawing/2014/main" id="{BCFED254-F97D-29DC-0AF7-9A71396E1D9B}"/>
               </a:ext>
             </a:extLst>
           </p:cNvPr>
@@ -19911,7 +19869,7 @@
           <p:cNvPr id="34" name="箭头: V 形 33">
             <a:extLst>
               <a:ext uri="{FF2B5EF4-FFF2-40B4-BE49-F238E27FC236}">
-                <a16:creationId xmlns:a16="http://schemas.microsoft.com/office/drawing/2014/main" xmlns="" id="{ADBFB33B-4138-0F9E-231F-DA43D8BCC91E}"/>
+                <a16:creationId xmlns="" xmlns:a16="http://schemas.microsoft.com/office/drawing/2014/main" id="{ADBFB33B-4138-0F9E-231F-DA43D8BCC91E}"/>
               </a:ext>
             </a:extLst>
           </p:cNvPr>
@@ -19959,7 +19917,7 @@
           <p:cNvPr id="35" name="箭头: V 形 34">
             <a:extLst>
               <a:ext uri="{FF2B5EF4-FFF2-40B4-BE49-F238E27FC236}">
-                <a16:creationId xmlns:a16="http://schemas.microsoft.com/office/drawing/2014/main" xmlns="" id="{E92C13C8-1702-EA52-0B0B-3C4AD4D4D38B}"/>
+                <a16:creationId xmlns="" xmlns:a16="http://schemas.microsoft.com/office/drawing/2014/main" id="{E92C13C8-1702-EA52-0B0B-3C4AD4D4D38B}"/>
               </a:ext>
             </a:extLst>
           </p:cNvPr>
@@ -20037,7 +19995,7 @@
           <p:cNvPr id="2" name="标题 1">
             <a:extLst>
               <a:ext uri="{FF2B5EF4-FFF2-40B4-BE49-F238E27FC236}">
-                <a16:creationId xmlns:a16="http://schemas.microsoft.com/office/drawing/2014/main" xmlns="" id="{80796E82-7314-2FBE-2DE8-DDD70D4DF27E}"/>
+                <a16:creationId xmlns="" xmlns:a16="http://schemas.microsoft.com/office/drawing/2014/main" id="{80796E82-7314-2FBE-2DE8-DDD70D4DF27E}"/>
               </a:ext>
             </a:extLst>
           </p:cNvPr>
@@ -20086,7 +20044,7 @@
           <p:cNvPr id="4" name="文本框 3">
             <a:extLst>
               <a:ext uri="{FF2B5EF4-FFF2-40B4-BE49-F238E27FC236}">
-                <a16:creationId xmlns:a16="http://schemas.microsoft.com/office/drawing/2014/main" xmlns="" id="{3E8E8225-E7B4-E598-7AEB-66BC2EF7864E}"/>
+                <a16:creationId xmlns="" xmlns:a16="http://schemas.microsoft.com/office/drawing/2014/main" id="{3E8E8225-E7B4-E598-7AEB-66BC2EF7864E}"/>
               </a:ext>
             </a:extLst>
           </p:cNvPr>
@@ -20132,7 +20090,7 @@
           <p:cNvPr id="94" name="椭圆 93">
             <a:extLst>
               <a:ext uri="{FF2B5EF4-FFF2-40B4-BE49-F238E27FC236}">
-                <a16:creationId xmlns:a16="http://schemas.microsoft.com/office/drawing/2014/main" xmlns="" id="{8BEE0963-F39F-E799-5A6C-7DB2D9695EA3}"/>
+                <a16:creationId xmlns="" xmlns:a16="http://schemas.microsoft.com/office/drawing/2014/main" id="{8BEE0963-F39F-E799-5A6C-7DB2D9695EA3}"/>
               </a:ext>
             </a:extLst>
           </p:cNvPr>
@@ -20184,7 +20142,7 @@
           <p:cNvPr id="6" name="椭圆 5">
             <a:extLst>
               <a:ext uri="{FF2B5EF4-FFF2-40B4-BE49-F238E27FC236}">
-                <a16:creationId xmlns:a16="http://schemas.microsoft.com/office/drawing/2014/main" xmlns="" id="{1F3D5A18-117A-FBDB-A07B-D4E2DC2FC832}"/>
+                <a16:creationId xmlns="" xmlns:a16="http://schemas.microsoft.com/office/drawing/2014/main" id="{1F3D5A18-117A-FBDB-A07B-D4E2DC2FC832}"/>
               </a:ext>
             </a:extLst>
           </p:cNvPr>
@@ -20234,7 +20192,7 @@
           <p:cNvPr id="7" name="矩形 6">
             <a:extLst>
               <a:ext uri="{FF2B5EF4-FFF2-40B4-BE49-F238E27FC236}">
-                <a16:creationId xmlns:a16="http://schemas.microsoft.com/office/drawing/2014/main" xmlns="" id="{1DB7B11B-A7F7-8894-4BAF-68DD060767B3}"/>
+                <a16:creationId xmlns="" xmlns:a16="http://schemas.microsoft.com/office/drawing/2014/main" id="{1DB7B11B-A7F7-8894-4BAF-68DD060767B3}"/>
               </a:ext>
             </a:extLst>
           </p:cNvPr>
@@ -20284,7 +20242,7 @@
           <p:cNvPr id="16" name="矩形 15">
             <a:extLst>
               <a:ext uri="{FF2B5EF4-FFF2-40B4-BE49-F238E27FC236}">
-                <a16:creationId xmlns:a16="http://schemas.microsoft.com/office/drawing/2014/main" xmlns="" id="{5E103417-33D7-7A1E-5135-FE392A9238A1}"/>
+                <a16:creationId xmlns="" xmlns:a16="http://schemas.microsoft.com/office/drawing/2014/main" id="{5E103417-33D7-7A1E-5135-FE392A9238A1}"/>
               </a:ext>
             </a:extLst>
           </p:cNvPr>
@@ -20334,7 +20292,7 @@
           <p:cNvPr id="36" name="Google Shape;74;p14">
             <a:extLst>
               <a:ext uri="{FF2B5EF4-FFF2-40B4-BE49-F238E27FC236}">
-                <a16:creationId xmlns:a16="http://schemas.microsoft.com/office/drawing/2014/main" xmlns="" id="{2E2745A7-5382-D682-E846-353E49F51CE1}"/>
+                <a16:creationId xmlns="" xmlns:a16="http://schemas.microsoft.com/office/drawing/2014/main" id="{2E2745A7-5382-D682-E846-353E49F51CE1}"/>
               </a:ext>
             </a:extLst>
           </p:cNvPr>
@@ -20368,7 +20326,7 @@
           <p:cNvPr id="37" name="Google Shape;75;p14">
             <a:extLst>
               <a:ext uri="{FF2B5EF4-FFF2-40B4-BE49-F238E27FC236}">
-                <a16:creationId xmlns:a16="http://schemas.microsoft.com/office/drawing/2014/main" xmlns="" id="{E3E4915D-2F12-168B-349B-24CDEEB0083B}"/>
+                <a16:creationId xmlns="" xmlns:a16="http://schemas.microsoft.com/office/drawing/2014/main" id="{E3E4915D-2F12-168B-349B-24CDEEB0083B}"/>
               </a:ext>
             </a:extLst>
           </p:cNvPr>
@@ -20402,7 +20360,7 @@
           <p:cNvPr id="40" name="Google Shape;76;p14">
             <a:extLst>
               <a:ext uri="{FF2B5EF4-FFF2-40B4-BE49-F238E27FC236}">
-                <a16:creationId xmlns:a16="http://schemas.microsoft.com/office/drawing/2014/main" xmlns="" id="{1ECE9B11-635C-881C-CE5B-089C627E4372}"/>
+                <a16:creationId xmlns="" xmlns:a16="http://schemas.microsoft.com/office/drawing/2014/main" id="{1ECE9B11-635C-881C-CE5B-089C627E4372}"/>
               </a:ext>
             </a:extLst>
           </p:cNvPr>
@@ -20436,7 +20394,7 @@
           <p:cNvPr id="41" name="Google Shape;77;p14">
             <a:extLst>
               <a:ext uri="{FF2B5EF4-FFF2-40B4-BE49-F238E27FC236}">
-                <a16:creationId xmlns:a16="http://schemas.microsoft.com/office/drawing/2014/main" xmlns="" id="{B873D65F-C642-5A74-03EE-002969DF1388}"/>
+                <a16:creationId xmlns="" xmlns:a16="http://schemas.microsoft.com/office/drawing/2014/main" id="{B873D65F-C642-5A74-03EE-002969DF1388}"/>
               </a:ext>
             </a:extLst>
           </p:cNvPr>
@@ -20470,7 +20428,7 @@
           <p:cNvPr id="42" name="Google Shape;78;p14">
             <a:extLst>
               <a:ext uri="{FF2B5EF4-FFF2-40B4-BE49-F238E27FC236}">
-                <a16:creationId xmlns:a16="http://schemas.microsoft.com/office/drawing/2014/main" xmlns="" id="{971876C7-5053-73D0-155A-9D17633A0F55}"/>
+                <a16:creationId xmlns="" xmlns:a16="http://schemas.microsoft.com/office/drawing/2014/main" id="{971876C7-5053-73D0-155A-9D17633A0F55}"/>
               </a:ext>
             </a:extLst>
           </p:cNvPr>
@@ -20504,7 +20462,7 @@
           <p:cNvPr id="43" name="Google Shape;79;p14">
             <a:extLst>
               <a:ext uri="{FF2B5EF4-FFF2-40B4-BE49-F238E27FC236}">
-                <a16:creationId xmlns:a16="http://schemas.microsoft.com/office/drawing/2014/main" xmlns="" id="{D908096A-7B93-6872-9227-68EFA46E5FEC}"/>
+                <a16:creationId xmlns="" xmlns:a16="http://schemas.microsoft.com/office/drawing/2014/main" id="{D908096A-7B93-6872-9227-68EFA46E5FEC}"/>
               </a:ext>
             </a:extLst>
           </p:cNvPr>
@@ -20538,7 +20496,7 @@
           <p:cNvPr id="44" name="Google Shape;80;p14">
             <a:extLst>
               <a:ext uri="{FF2B5EF4-FFF2-40B4-BE49-F238E27FC236}">
-                <a16:creationId xmlns:a16="http://schemas.microsoft.com/office/drawing/2014/main" xmlns="" id="{5707B8C5-A5A8-44EF-7EA1-212D60CE4405}"/>
+                <a16:creationId xmlns="" xmlns:a16="http://schemas.microsoft.com/office/drawing/2014/main" id="{5707B8C5-A5A8-44EF-7EA1-212D60CE4405}"/>
               </a:ext>
             </a:extLst>
           </p:cNvPr>
@@ -20572,7 +20530,7 @@
           <p:cNvPr id="45" name="Google Shape;81;p14">
             <a:extLst>
               <a:ext uri="{FF2B5EF4-FFF2-40B4-BE49-F238E27FC236}">
-                <a16:creationId xmlns:a16="http://schemas.microsoft.com/office/drawing/2014/main" xmlns="" id="{258DAE7F-F09C-A31E-1F00-ADABD392EAF6}"/>
+                <a16:creationId xmlns="" xmlns:a16="http://schemas.microsoft.com/office/drawing/2014/main" id="{258DAE7F-F09C-A31E-1F00-ADABD392EAF6}"/>
               </a:ext>
             </a:extLst>
           </p:cNvPr>
@@ -20606,7 +20564,7 @@
           <p:cNvPr id="38" name="Google Shape;73;p14">
             <a:extLst>
               <a:ext uri="{FF2B5EF4-FFF2-40B4-BE49-F238E27FC236}">
-                <a16:creationId xmlns:a16="http://schemas.microsoft.com/office/drawing/2014/main" xmlns="" id="{E0001BAF-FACE-D307-1D07-8A20E39EEA01}"/>
+                <a16:creationId xmlns="" xmlns:a16="http://schemas.microsoft.com/office/drawing/2014/main" id="{E0001BAF-FACE-D307-1D07-8A20E39EEA01}"/>
               </a:ext>
             </a:extLst>
           </p:cNvPr>
@@ -20640,7 +20598,7 @@
           <p:cNvPr id="39" name="Google Shape;100;p14">
             <a:extLst>
               <a:ext uri="{FF2B5EF4-FFF2-40B4-BE49-F238E27FC236}">
-                <a16:creationId xmlns:a16="http://schemas.microsoft.com/office/drawing/2014/main" xmlns="" id="{C645A3CD-E123-0AD2-7C08-708809D6E638}"/>
+                <a16:creationId xmlns="" xmlns:a16="http://schemas.microsoft.com/office/drawing/2014/main" id="{C645A3CD-E123-0AD2-7C08-708809D6E638}"/>
               </a:ext>
             </a:extLst>
           </p:cNvPr>
@@ -20685,7 +20643,7 @@
           <p:cNvPr id="3" name="等腰三角形 2">
             <a:extLst>
               <a:ext uri="{FF2B5EF4-FFF2-40B4-BE49-F238E27FC236}">
-                <a16:creationId xmlns:a16="http://schemas.microsoft.com/office/drawing/2014/main" xmlns="" id="{3958D119-CD60-7C80-CFD3-372C4AD8F295}"/>
+                <a16:creationId xmlns="" xmlns:a16="http://schemas.microsoft.com/office/drawing/2014/main" id="{3958D119-CD60-7C80-CFD3-372C4AD8F295}"/>
               </a:ext>
             </a:extLst>
           </p:cNvPr>
@@ -20734,7 +20692,7 @@
           <p:cNvPr id="46" name="等腰三角形 45">
             <a:extLst>
               <a:ext uri="{FF2B5EF4-FFF2-40B4-BE49-F238E27FC236}">
-                <a16:creationId xmlns:a16="http://schemas.microsoft.com/office/drawing/2014/main" xmlns="" id="{5C14F302-8A69-86B2-A50F-83427D1040CD}"/>
+                <a16:creationId xmlns="" xmlns:a16="http://schemas.microsoft.com/office/drawing/2014/main" id="{5C14F302-8A69-86B2-A50F-83427D1040CD}"/>
               </a:ext>
             </a:extLst>
           </p:cNvPr>
@@ -20783,7 +20741,7 @@
           <p:cNvPr id="47" name="等腰三角形 46">
             <a:extLst>
               <a:ext uri="{FF2B5EF4-FFF2-40B4-BE49-F238E27FC236}">
-                <a16:creationId xmlns:a16="http://schemas.microsoft.com/office/drawing/2014/main" xmlns="" id="{44104A55-FCFB-B777-5E13-988287C28FD2}"/>
+                <a16:creationId xmlns="" xmlns:a16="http://schemas.microsoft.com/office/drawing/2014/main" id="{44104A55-FCFB-B777-5E13-988287C28FD2}"/>
               </a:ext>
             </a:extLst>
           </p:cNvPr>
@@ -20832,7 +20790,7 @@
           <p:cNvPr id="48" name="等腰三角形 47">
             <a:extLst>
               <a:ext uri="{FF2B5EF4-FFF2-40B4-BE49-F238E27FC236}">
-                <a16:creationId xmlns:a16="http://schemas.microsoft.com/office/drawing/2014/main" xmlns="" id="{4E345FD8-5C2C-0616-0CF7-1418D66B0ABC}"/>
+                <a16:creationId xmlns="" xmlns:a16="http://schemas.microsoft.com/office/drawing/2014/main" id="{4E345FD8-5C2C-0616-0CF7-1418D66B0ABC}"/>
               </a:ext>
             </a:extLst>
           </p:cNvPr>
@@ -20881,7 +20839,7 @@
           <p:cNvPr id="49" name="等腰三角形 48">
             <a:extLst>
               <a:ext uri="{FF2B5EF4-FFF2-40B4-BE49-F238E27FC236}">
-                <a16:creationId xmlns:a16="http://schemas.microsoft.com/office/drawing/2014/main" xmlns="" id="{71BB4B96-7AF4-C164-AEA3-FEA62D216D12}"/>
+                <a16:creationId xmlns="" xmlns:a16="http://schemas.microsoft.com/office/drawing/2014/main" id="{71BB4B96-7AF4-C164-AEA3-FEA62D216D12}"/>
               </a:ext>
             </a:extLst>
           </p:cNvPr>
@@ -20930,7 +20888,7 @@
           <p:cNvPr id="50" name="等腰三角形 49">
             <a:extLst>
               <a:ext uri="{FF2B5EF4-FFF2-40B4-BE49-F238E27FC236}">
-                <a16:creationId xmlns:a16="http://schemas.microsoft.com/office/drawing/2014/main" xmlns="" id="{5190B8C1-0472-40DA-6E3E-8642A3B77B20}"/>
+                <a16:creationId xmlns="" xmlns:a16="http://schemas.microsoft.com/office/drawing/2014/main" id="{5190B8C1-0472-40DA-6E3E-8642A3B77B20}"/>
               </a:ext>
             </a:extLst>
           </p:cNvPr>
@@ -20979,7 +20937,7 @@
           <p:cNvPr id="51" name="等腰三角形 50">
             <a:extLst>
               <a:ext uri="{FF2B5EF4-FFF2-40B4-BE49-F238E27FC236}">
-                <a16:creationId xmlns:a16="http://schemas.microsoft.com/office/drawing/2014/main" xmlns="" id="{89F4727C-D5F0-4B4A-364B-C53427EB4EF4}"/>
+                <a16:creationId xmlns="" xmlns:a16="http://schemas.microsoft.com/office/drawing/2014/main" id="{89F4727C-D5F0-4B4A-364B-C53427EB4EF4}"/>
               </a:ext>
             </a:extLst>
           </p:cNvPr>
@@ -21028,7 +20986,7 @@
           <p:cNvPr id="52" name="等腰三角形 51">
             <a:extLst>
               <a:ext uri="{FF2B5EF4-FFF2-40B4-BE49-F238E27FC236}">
-                <a16:creationId xmlns:a16="http://schemas.microsoft.com/office/drawing/2014/main" xmlns="" id="{05BC28BD-C926-BEBE-1136-5FB5EE25CFB8}"/>
+                <a16:creationId xmlns="" xmlns:a16="http://schemas.microsoft.com/office/drawing/2014/main" id="{05BC28BD-C926-BEBE-1136-5FB5EE25CFB8}"/>
               </a:ext>
             </a:extLst>
           </p:cNvPr>
@@ -21117,7 +21075,7 @@
           <p:cNvPr id="2" name="标题 1">
             <a:extLst>
               <a:ext uri="{FF2B5EF4-FFF2-40B4-BE49-F238E27FC236}">
-                <a16:creationId xmlns:a16="http://schemas.microsoft.com/office/drawing/2014/main" xmlns="" id="{2A9B6C59-89F9-5390-BB77-F8DB7EF7B310}"/>
+                <a16:creationId xmlns="" xmlns:a16="http://schemas.microsoft.com/office/drawing/2014/main" id="{2A9B6C59-89F9-5390-BB77-F8DB7EF7B310}"/>
               </a:ext>
             </a:extLst>
           </p:cNvPr>
@@ -21192,7 +21150,7 @@
           <p:cNvPr id="2" name="标题 1">
             <a:extLst>
               <a:ext uri="{FF2B5EF4-FFF2-40B4-BE49-F238E27FC236}">
-                <a16:creationId xmlns:a16="http://schemas.microsoft.com/office/drawing/2014/main" xmlns="" id="{80796E82-7314-2FBE-2DE8-DDD70D4DF27E}"/>
+                <a16:creationId xmlns="" xmlns:a16="http://schemas.microsoft.com/office/drawing/2014/main" id="{80796E82-7314-2FBE-2DE8-DDD70D4DF27E}"/>
               </a:ext>
             </a:extLst>
           </p:cNvPr>
@@ -21234,7 +21192,7 @@
           <p:cNvPr id="4" name="文本框 3">
             <a:extLst>
               <a:ext uri="{FF2B5EF4-FFF2-40B4-BE49-F238E27FC236}">
-                <a16:creationId xmlns:a16="http://schemas.microsoft.com/office/drawing/2014/main" xmlns="" id="{3E8E8225-E7B4-E598-7AEB-66BC2EF7864E}"/>
+                <a16:creationId xmlns="" xmlns:a16="http://schemas.microsoft.com/office/drawing/2014/main" id="{3E8E8225-E7B4-E598-7AEB-66BC2EF7864E}"/>
               </a:ext>
             </a:extLst>
           </p:cNvPr>
@@ -21340,7 +21298,7 @@
           <p:cNvPr id="94" name="椭圆 93">
             <a:extLst>
               <a:ext uri="{FF2B5EF4-FFF2-40B4-BE49-F238E27FC236}">
-                <a16:creationId xmlns:a16="http://schemas.microsoft.com/office/drawing/2014/main" xmlns="" id="{8BEE0963-F39F-E799-5A6C-7DB2D9695EA3}"/>
+                <a16:creationId xmlns="" xmlns:a16="http://schemas.microsoft.com/office/drawing/2014/main" id="{8BEE0963-F39F-E799-5A6C-7DB2D9695EA3}"/>
               </a:ext>
             </a:extLst>
           </p:cNvPr>
@@ -21392,7 +21350,7 @@
           <p:cNvPr id="3" name="椭圆 2">
             <a:extLst>
               <a:ext uri="{FF2B5EF4-FFF2-40B4-BE49-F238E27FC236}">
-                <a16:creationId xmlns:a16="http://schemas.microsoft.com/office/drawing/2014/main" xmlns="" id="{012F767B-5206-A517-0D25-41845DA1D568}"/>
+                <a16:creationId xmlns="" xmlns:a16="http://schemas.microsoft.com/office/drawing/2014/main" id="{012F767B-5206-A517-0D25-41845DA1D568}"/>
               </a:ext>
             </a:extLst>
           </p:cNvPr>
@@ -21444,7 +21402,7 @@
           <p:cNvPr id="25" name="图片 24">
             <a:extLst>
               <a:ext uri="{FF2B5EF4-FFF2-40B4-BE49-F238E27FC236}">
-                <a16:creationId xmlns:a16="http://schemas.microsoft.com/office/drawing/2014/main" xmlns="" id="{09006F16-5378-003E-5C0E-8FF9FEC546D4}"/>
+                <a16:creationId xmlns="" xmlns:a16="http://schemas.microsoft.com/office/drawing/2014/main" id="{09006F16-5378-003E-5C0E-8FF9FEC546D4}"/>
               </a:ext>
             </a:extLst>
           </p:cNvPr>
@@ -21474,7 +21432,7 @@
           <p:cNvPr id="26" name="图片 25">
             <a:extLst>
               <a:ext uri="{FF2B5EF4-FFF2-40B4-BE49-F238E27FC236}">
-                <a16:creationId xmlns:a16="http://schemas.microsoft.com/office/drawing/2014/main" xmlns="" id="{2BAD37FB-EB9D-D370-2B51-8E35AAF38167}"/>
+                <a16:creationId xmlns="" xmlns:a16="http://schemas.microsoft.com/office/drawing/2014/main" id="{2BAD37FB-EB9D-D370-2B51-8E35AAF38167}"/>
               </a:ext>
             </a:extLst>
           </p:cNvPr>
@@ -21504,7 +21462,7 @@
           <p:cNvPr id="27" name="图片 26">
             <a:extLst>
               <a:ext uri="{FF2B5EF4-FFF2-40B4-BE49-F238E27FC236}">
-                <a16:creationId xmlns:a16="http://schemas.microsoft.com/office/drawing/2014/main" xmlns="" id="{1C0210CD-C266-B930-E638-BB546D154C74}"/>
+                <a16:creationId xmlns="" xmlns:a16="http://schemas.microsoft.com/office/drawing/2014/main" id="{1C0210CD-C266-B930-E638-BB546D154C74}"/>
               </a:ext>
             </a:extLst>
           </p:cNvPr>
@@ -21534,7 +21492,7 @@
           <p:cNvPr id="12" name="箭头: 右 11">
             <a:extLst>
               <a:ext uri="{FF2B5EF4-FFF2-40B4-BE49-F238E27FC236}">
-                <a16:creationId xmlns:a16="http://schemas.microsoft.com/office/drawing/2014/main" xmlns="" id="{CBE2E6AE-C4B4-960A-F745-009687CC64E1}"/>
+                <a16:creationId xmlns="" xmlns:a16="http://schemas.microsoft.com/office/drawing/2014/main" id="{CBE2E6AE-C4B4-960A-F745-009687CC64E1}"/>
               </a:ext>
             </a:extLst>
           </p:cNvPr>
@@ -21588,7 +21546,7 @@
           <p:cNvPr id="38" name="箭头: 右 37">
             <a:extLst>
               <a:ext uri="{FF2B5EF4-FFF2-40B4-BE49-F238E27FC236}">
-                <a16:creationId xmlns:a16="http://schemas.microsoft.com/office/drawing/2014/main" xmlns="" id="{D83C9897-8C6C-63D0-4980-561938006796}"/>
+                <a16:creationId xmlns="" xmlns:a16="http://schemas.microsoft.com/office/drawing/2014/main" id="{D83C9897-8C6C-63D0-4980-561938006796}"/>
               </a:ext>
             </a:extLst>
           </p:cNvPr>
@@ -21635,7 +21593,7 @@
           <p:cNvPr id="39" name="箭头: 右 38">
             <a:extLst>
               <a:ext uri="{FF2B5EF4-FFF2-40B4-BE49-F238E27FC236}">
-                <a16:creationId xmlns:a16="http://schemas.microsoft.com/office/drawing/2014/main" xmlns="" id="{7541AED3-F942-9EB8-6A5E-FD3C9A6A9741}"/>
+                <a16:creationId xmlns="" xmlns:a16="http://schemas.microsoft.com/office/drawing/2014/main" id="{7541AED3-F942-9EB8-6A5E-FD3C9A6A9741}"/>
               </a:ext>
             </a:extLst>
           </p:cNvPr>
@@ -21712,7 +21670,7 @@
           <p:cNvPr id="2" name="标题 1">
             <a:extLst>
               <a:ext uri="{FF2B5EF4-FFF2-40B4-BE49-F238E27FC236}">
-                <a16:creationId xmlns:a16="http://schemas.microsoft.com/office/drawing/2014/main" xmlns="" id="{80796E82-7314-2FBE-2DE8-DDD70D4DF27E}"/>
+                <a16:creationId xmlns="" xmlns:a16="http://schemas.microsoft.com/office/drawing/2014/main" id="{80796E82-7314-2FBE-2DE8-DDD70D4DF27E}"/>
               </a:ext>
             </a:extLst>
           </p:cNvPr>
@@ -21754,7 +21712,7 @@
           <p:cNvPr id="4" name="文本框 3">
             <a:extLst>
               <a:ext uri="{FF2B5EF4-FFF2-40B4-BE49-F238E27FC236}">
-                <a16:creationId xmlns:a16="http://schemas.microsoft.com/office/drawing/2014/main" xmlns="" id="{3E8E8225-E7B4-E598-7AEB-66BC2EF7864E}"/>
+                <a16:creationId xmlns="" xmlns:a16="http://schemas.microsoft.com/office/drawing/2014/main" id="{3E8E8225-E7B4-E598-7AEB-66BC2EF7864E}"/>
               </a:ext>
             </a:extLst>
           </p:cNvPr>
@@ -21811,7 +21769,7 @@
           <p:cNvPr id="94" name="椭圆 93">
             <a:extLst>
               <a:ext uri="{FF2B5EF4-FFF2-40B4-BE49-F238E27FC236}">
-                <a16:creationId xmlns:a16="http://schemas.microsoft.com/office/drawing/2014/main" xmlns="" id="{8BEE0963-F39F-E799-5A6C-7DB2D9695EA3}"/>
+                <a16:creationId xmlns="" xmlns:a16="http://schemas.microsoft.com/office/drawing/2014/main" id="{8BEE0963-F39F-E799-5A6C-7DB2D9695EA3}"/>
               </a:ext>
             </a:extLst>
           </p:cNvPr>
@@ -21863,7 +21821,7 @@
           <p:cNvPr id="3" name="椭圆 2">
             <a:extLst>
               <a:ext uri="{FF2B5EF4-FFF2-40B4-BE49-F238E27FC236}">
-                <a16:creationId xmlns:a16="http://schemas.microsoft.com/office/drawing/2014/main" xmlns="" id="{012F767B-5206-A517-0D25-41845DA1D568}"/>
+                <a16:creationId xmlns="" xmlns:a16="http://schemas.microsoft.com/office/drawing/2014/main" id="{012F767B-5206-A517-0D25-41845DA1D568}"/>
               </a:ext>
             </a:extLst>
           </p:cNvPr>
@@ -21915,7 +21873,7 @@
           <p:cNvPr id="13" name="椭圆 12">
             <a:extLst>
               <a:ext uri="{FF2B5EF4-FFF2-40B4-BE49-F238E27FC236}">
-                <a16:creationId xmlns:a16="http://schemas.microsoft.com/office/drawing/2014/main" xmlns="" id="{38B7E776-7869-C2EE-A5AD-FE07B12FAB74}"/>
+                <a16:creationId xmlns="" xmlns:a16="http://schemas.microsoft.com/office/drawing/2014/main" id="{38B7E776-7869-C2EE-A5AD-FE07B12FAB74}"/>
               </a:ext>
             </a:extLst>
           </p:cNvPr>
@@ -21971,7 +21929,7 @@
           <p:cNvPr id="14" name="椭圆 13">
             <a:extLst>
               <a:ext uri="{FF2B5EF4-FFF2-40B4-BE49-F238E27FC236}">
-                <a16:creationId xmlns:a16="http://schemas.microsoft.com/office/drawing/2014/main" xmlns="" id="{D8DD0DA6-117D-35B7-99A2-FF9219BEBA7A}"/>
+                <a16:creationId xmlns="" xmlns:a16="http://schemas.microsoft.com/office/drawing/2014/main" id="{D8DD0DA6-117D-35B7-99A2-FF9219BEBA7A}"/>
               </a:ext>
             </a:extLst>
           </p:cNvPr>
@@ -22031,7 +21989,7 @@
           <p:cNvPr id="15" name="椭圆 14">
             <a:extLst>
               <a:ext uri="{FF2B5EF4-FFF2-40B4-BE49-F238E27FC236}">
-                <a16:creationId xmlns:a16="http://schemas.microsoft.com/office/drawing/2014/main" xmlns="" id="{4473FF23-7236-BE2D-9F0F-D30171020183}"/>
+                <a16:creationId xmlns="" xmlns:a16="http://schemas.microsoft.com/office/drawing/2014/main" id="{4473FF23-7236-BE2D-9F0F-D30171020183}"/>
               </a:ext>
             </a:extLst>
           </p:cNvPr>
@@ -22091,7 +22049,7 @@
           <p:cNvPr id="16" name="椭圆 15">
             <a:extLst>
               <a:ext uri="{FF2B5EF4-FFF2-40B4-BE49-F238E27FC236}">
-                <a16:creationId xmlns:a16="http://schemas.microsoft.com/office/drawing/2014/main" xmlns="" id="{5B674586-3FAA-F398-D9DD-3C1412DB22B3}"/>
+                <a16:creationId xmlns="" xmlns:a16="http://schemas.microsoft.com/office/drawing/2014/main" id="{5B674586-3FAA-F398-D9DD-3C1412DB22B3}"/>
               </a:ext>
             </a:extLst>
           </p:cNvPr>
@@ -22151,7 +22109,7 @@
           <p:cNvPr id="17" name="椭圆 16">
             <a:extLst>
               <a:ext uri="{FF2B5EF4-FFF2-40B4-BE49-F238E27FC236}">
-                <a16:creationId xmlns:a16="http://schemas.microsoft.com/office/drawing/2014/main" xmlns="" id="{1B65CA99-0563-B4C2-F8E8-0F681E9BE5AA}"/>
+                <a16:creationId xmlns="" xmlns:a16="http://schemas.microsoft.com/office/drawing/2014/main" id="{1B65CA99-0563-B4C2-F8E8-0F681E9BE5AA}"/>
               </a:ext>
             </a:extLst>
           </p:cNvPr>
@@ -22211,7 +22169,7 @@
           <p:cNvPr id="18" name="椭圆 17">
             <a:extLst>
               <a:ext uri="{FF2B5EF4-FFF2-40B4-BE49-F238E27FC236}">
-                <a16:creationId xmlns:a16="http://schemas.microsoft.com/office/drawing/2014/main" xmlns="" id="{28E9B88E-5089-3E31-A173-9E6BFC411B12}"/>
+                <a16:creationId xmlns="" xmlns:a16="http://schemas.microsoft.com/office/drawing/2014/main" id="{28E9B88E-5089-3E31-A173-9E6BFC411B12}"/>
               </a:ext>
             </a:extLst>
           </p:cNvPr>
@@ -22267,7 +22225,7 @@
           <p:cNvPr id="19" name="椭圆 18">
             <a:extLst>
               <a:ext uri="{FF2B5EF4-FFF2-40B4-BE49-F238E27FC236}">
-                <a16:creationId xmlns:a16="http://schemas.microsoft.com/office/drawing/2014/main" xmlns="" id="{65071104-DAC5-B2F4-E32C-3E8685DC9ABB}"/>
+                <a16:creationId xmlns="" xmlns:a16="http://schemas.microsoft.com/office/drawing/2014/main" id="{65071104-DAC5-B2F4-E32C-3E8685DC9ABB}"/>
               </a:ext>
             </a:extLst>
           </p:cNvPr>
@@ -22323,7 +22281,7 @@
           <p:cNvPr id="20" name="椭圆 19">
             <a:extLst>
               <a:ext uri="{FF2B5EF4-FFF2-40B4-BE49-F238E27FC236}">
-                <a16:creationId xmlns:a16="http://schemas.microsoft.com/office/drawing/2014/main" xmlns="" id="{139AD470-0E68-4E4A-461B-9AC53FA9B15D}"/>
+                <a16:creationId xmlns="" xmlns:a16="http://schemas.microsoft.com/office/drawing/2014/main" id="{139AD470-0E68-4E4A-461B-9AC53FA9B15D}"/>
               </a:ext>
             </a:extLst>
           </p:cNvPr>
@@ -22409,7 +22367,7 @@
           <p:cNvPr id="21" name="图片 20">
             <a:extLst>
               <a:ext uri="{FF2B5EF4-FFF2-40B4-BE49-F238E27FC236}">
-                <a16:creationId xmlns:a16="http://schemas.microsoft.com/office/drawing/2014/main" xmlns="" id="{10E4E8DE-E31A-2625-3BAE-58C9DC6E1CD4}"/>
+                <a16:creationId xmlns="" xmlns:a16="http://schemas.microsoft.com/office/drawing/2014/main" id="{10E4E8DE-E31A-2625-3BAE-58C9DC6E1CD4}"/>
               </a:ext>
             </a:extLst>
           </p:cNvPr>
@@ -22439,7 +22397,7 @@
           <p:cNvPr id="23" name="图片 22">
             <a:extLst>
               <a:ext uri="{FF2B5EF4-FFF2-40B4-BE49-F238E27FC236}">
-                <a16:creationId xmlns:a16="http://schemas.microsoft.com/office/drawing/2014/main" xmlns="" id="{16647850-EC2C-0EB9-87DD-021513204952}"/>
+                <a16:creationId xmlns="" xmlns:a16="http://schemas.microsoft.com/office/drawing/2014/main" id="{16647850-EC2C-0EB9-87DD-021513204952}"/>
               </a:ext>
             </a:extLst>
           </p:cNvPr>
@@ -22469,7 +22427,7 @@
           <p:cNvPr id="27" name="图片 26">
             <a:extLst>
               <a:ext uri="{FF2B5EF4-FFF2-40B4-BE49-F238E27FC236}">
-                <a16:creationId xmlns:a16="http://schemas.microsoft.com/office/drawing/2014/main" xmlns="" id="{772A4570-CF22-2902-D9E1-D7E60C021041}"/>
+                <a16:creationId xmlns="" xmlns:a16="http://schemas.microsoft.com/office/drawing/2014/main" id="{772A4570-CF22-2902-D9E1-D7E60C021041}"/>
               </a:ext>
             </a:extLst>
           </p:cNvPr>
@@ -22499,7 +22457,7 @@
           <p:cNvPr id="29" name="图片 28">
             <a:extLst>
               <a:ext uri="{FF2B5EF4-FFF2-40B4-BE49-F238E27FC236}">
-                <a16:creationId xmlns:a16="http://schemas.microsoft.com/office/drawing/2014/main" xmlns="" id="{5128C50F-4299-3146-AEDE-C73B90459F44}"/>
+                <a16:creationId xmlns="" xmlns:a16="http://schemas.microsoft.com/office/drawing/2014/main" id="{5128C50F-4299-3146-AEDE-C73B90459F44}"/>
               </a:ext>
             </a:extLst>
           </p:cNvPr>
@@ -22529,7 +22487,7 @@
           <p:cNvPr id="31" name="图片 30">
             <a:extLst>
               <a:ext uri="{FF2B5EF4-FFF2-40B4-BE49-F238E27FC236}">
-                <a16:creationId xmlns:a16="http://schemas.microsoft.com/office/drawing/2014/main" xmlns="" id="{324F68F4-34AD-C9E9-3330-8E7CEFCD4AB8}"/>
+                <a16:creationId xmlns="" xmlns:a16="http://schemas.microsoft.com/office/drawing/2014/main" id="{324F68F4-34AD-C9E9-3330-8E7CEFCD4AB8}"/>
               </a:ext>
             </a:extLst>
           </p:cNvPr>
@@ -22559,7 +22517,7 @@
           <p:cNvPr id="33" name="图片 32">
             <a:extLst>
               <a:ext uri="{FF2B5EF4-FFF2-40B4-BE49-F238E27FC236}">
-                <a16:creationId xmlns:a16="http://schemas.microsoft.com/office/drawing/2014/main" xmlns="" id="{5B816CFB-BEEB-34C9-241C-39D4F80BE612}"/>
+                <a16:creationId xmlns="" xmlns:a16="http://schemas.microsoft.com/office/drawing/2014/main" id="{5B816CFB-BEEB-34C9-241C-39D4F80BE612}"/>
               </a:ext>
             </a:extLst>
           </p:cNvPr>
@@ -22589,7 +22547,7 @@
           <p:cNvPr id="35" name="图片 34">
             <a:extLst>
               <a:ext uri="{FF2B5EF4-FFF2-40B4-BE49-F238E27FC236}">
-                <a16:creationId xmlns:a16="http://schemas.microsoft.com/office/drawing/2014/main" xmlns="" id="{63EE9772-9831-CB1A-0402-4088D44FAAEA}"/>
+                <a16:creationId xmlns="" xmlns:a16="http://schemas.microsoft.com/office/drawing/2014/main" id="{63EE9772-9831-CB1A-0402-4088D44FAAEA}"/>
               </a:ext>
             </a:extLst>
           </p:cNvPr>
@@ -22619,7 +22577,7 @@
           <p:cNvPr id="37" name="图片 36">
             <a:extLst>
               <a:ext uri="{FF2B5EF4-FFF2-40B4-BE49-F238E27FC236}">
-                <a16:creationId xmlns:a16="http://schemas.microsoft.com/office/drawing/2014/main" xmlns="" id="{3BC861CE-A12C-44C5-DC11-968D86D804D5}"/>
+                <a16:creationId xmlns="" xmlns:a16="http://schemas.microsoft.com/office/drawing/2014/main" id="{3BC861CE-A12C-44C5-DC11-968D86D804D5}"/>
               </a:ext>
             </a:extLst>
           </p:cNvPr>
@@ -22679,7 +22637,7 @@
           <p:cNvPr id="2" name="标题 1">
             <a:extLst>
               <a:ext uri="{FF2B5EF4-FFF2-40B4-BE49-F238E27FC236}">
-                <a16:creationId xmlns:a16="http://schemas.microsoft.com/office/drawing/2014/main" xmlns="" id="{80796E82-7314-2FBE-2DE8-DDD70D4DF27E}"/>
+                <a16:creationId xmlns="" xmlns:a16="http://schemas.microsoft.com/office/drawing/2014/main" id="{80796E82-7314-2FBE-2DE8-DDD70D4DF27E}"/>
               </a:ext>
             </a:extLst>
           </p:cNvPr>
@@ -22728,7 +22686,7 @@
           <p:cNvPr id="4" name="文本框 3">
             <a:extLst>
               <a:ext uri="{FF2B5EF4-FFF2-40B4-BE49-F238E27FC236}">
-                <a16:creationId xmlns:a16="http://schemas.microsoft.com/office/drawing/2014/main" xmlns="" id="{3E8E8225-E7B4-E598-7AEB-66BC2EF7864E}"/>
+                <a16:creationId xmlns="" xmlns:a16="http://schemas.microsoft.com/office/drawing/2014/main" id="{3E8E8225-E7B4-E598-7AEB-66BC2EF7864E}"/>
               </a:ext>
             </a:extLst>
           </p:cNvPr>
@@ -22830,7 +22788,7 @@
           <p:cNvPr id="94" name="椭圆 93">
             <a:extLst>
               <a:ext uri="{FF2B5EF4-FFF2-40B4-BE49-F238E27FC236}">
-                <a16:creationId xmlns:a16="http://schemas.microsoft.com/office/drawing/2014/main" xmlns="" id="{8BEE0963-F39F-E799-5A6C-7DB2D9695EA3}"/>
+                <a16:creationId xmlns="" xmlns:a16="http://schemas.microsoft.com/office/drawing/2014/main" id="{8BEE0963-F39F-E799-5A6C-7DB2D9695EA3}"/>
               </a:ext>
             </a:extLst>
           </p:cNvPr>
@@ -22882,7 +22840,7 @@
           <p:cNvPr id="3" name="椭圆 2">
             <a:extLst>
               <a:ext uri="{FF2B5EF4-FFF2-40B4-BE49-F238E27FC236}">
-                <a16:creationId xmlns:a16="http://schemas.microsoft.com/office/drawing/2014/main" xmlns="" id="{012F767B-5206-A517-0D25-41845DA1D568}"/>
+                <a16:creationId xmlns="" xmlns:a16="http://schemas.microsoft.com/office/drawing/2014/main" id="{012F767B-5206-A517-0D25-41845DA1D568}"/>
               </a:ext>
             </a:extLst>
           </p:cNvPr>
@@ -22934,7 +22892,7 @@
           <p:cNvPr id="13" name="椭圆 12">
             <a:extLst>
               <a:ext uri="{FF2B5EF4-FFF2-40B4-BE49-F238E27FC236}">
-                <a16:creationId xmlns:a16="http://schemas.microsoft.com/office/drawing/2014/main" xmlns="" id="{38B7E776-7869-C2EE-A5AD-FE07B12FAB74}"/>
+                <a16:creationId xmlns="" xmlns:a16="http://schemas.microsoft.com/office/drawing/2014/main" id="{38B7E776-7869-C2EE-A5AD-FE07B12FAB74}"/>
               </a:ext>
             </a:extLst>
           </p:cNvPr>
@@ -22990,7 +22948,7 @@
           <p:cNvPr id="20" name="椭圆 19">
             <a:extLst>
               <a:ext uri="{FF2B5EF4-FFF2-40B4-BE49-F238E27FC236}">
-                <a16:creationId xmlns:a16="http://schemas.microsoft.com/office/drawing/2014/main" xmlns="" id="{139AD470-0E68-4E4A-461B-9AC53FA9B15D}"/>
+                <a16:creationId xmlns="" xmlns:a16="http://schemas.microsoft.com/office/drawing/2014/main" id="{139AD470-0E68-4E4A-461B-9AC53FA9B15D}"/>
               </a:ext>
             </a:extLst>
           </p:cNvPr>
@@ -23046,7 +23004,7 @@
           <p:cNvPr id="29" name="图片 28">
             <a:extLst>
               <a:ext uri="{FF2B5EF4-FFF2-40B4-BE49-F238E27FC236}">
-                <a16:creationId xmlns:a16="http://schemas.microsoft.com/office/drawing/2014/main" xmlns="" id="{37828109-D1DB-24B1-070F-6C6C2342A787}"/>
+                <a16:creationId xmlns="" xmlns:a16="http://schemas.microsoft.com/office/drawing/2014/main" id="{37828109-D1DB-24B1-070F-6C6C2342A787}"/>
               </a:ext>
             </a:extLst>
           </p:cNvPr>
@@ -23076,7 +23034,7 @@
           <p:cNvPr id="30" name="图片 29">
             <a:extLst>
               <a:ext uri="{FF2B5EF4-FFF2-40B4-BE49-F238E27FC236}">
-                <a16:creationId xmlns:a16="http://schemas.microsoft.com/office/drawing/2014/main" xmlns="" id="{308EB72D-0591-1F78-12FC-CD798BD7E73D}"/>
+                <a16:creationId xmlns="" xmlns:a16="http://schemas.microsoft.com/office/drawing/2014/main" id="{308EB72D-0591-1F78-12FC-CD798BD7E73D}"/>
               </a:ext>
             </a:extLst>
           </p:cNvPr>
@@ -23106,7 +23064,7 @@
           <p:cNvPr id="31" name="图片 30">
             <a:extLst>
               <a:ext uri="{FF2B5EF4-FFF2-40B4-BE49-F238E27FC236}">
-                <a16:creationId xmlns:a16="http://schemas.microsoft.com/office/drawing/2014/main" xmlns="" id="{07F4B817-9FB7-F356-BFC2-674680D05075}"/>
+                <a16:creationId xmlns="" xmlns:a16="http://schemas.microsoft.com/office/drawing/2014/main" id="{07F4B817-9FB7-F356-BFC2-674680D05075}"/>
               </a:ext>
             </a:extLst>
           </p:cNvPr>
@@ -23136,7 +23094,7 @@
           <p:cNvPr id="32" name="图片 31">
             <a:extLst>
               <a:ext uri="{FF2B5EF4-FFF2-40B4-BE49-F238E27FC236}">
-                <a16:creationId xmlns:a16="http://schemas.microsoft.com/office/drawing/2014/main" xmlns="" id="{6AD0DB1A-3123-D4EB-783F-2A1EBF1F865D}"/>
+                <a16:creationId xmlns="" xmlns:a16="http://schemas.microsoft.com/office/drawing/2014/main" id="{6AD0DB1A-3123-D4EB-783F-2A1EBF1F865D}"/>
               </a:ext>
             </a:extLst>
           </p:cNvPr>
@@ -23166,7 +23124,7 @@
           <p:cNvPr id="33" name="图片 32">
             <a:extLst>
               <a:ext uri="{FF2B5EF4-FFF2-40B4-BE49-F238E27FC236}">
-                <a16:creationId xmlns:a16="http://schemas.microsoft.com/office/drawing/2014/main" xmlns="" id="{6EA6B283-FA33-8B5F-19D9-23C22512D6A2}"/>
+                <a16:creationId xmlns="" xmlns:a16="http://schemas.microsoft.com/office/drawing/2014/main" id="{6EA6B283-FA33-8B5F-19D9-23C22512D6A2}"/>
               </a:ext>
             </a:extLst>
           </p:cNvPr>
@@ -23196,7 +23154,7 @@
           <p:cNvPr id="34" name="图片 33">
             <a:extLst>
               <a:ext uri="{FF2B5EF4-FFF2-40B4-BE49-F238E27FC236}">
-                <a16:creationId xmlns:a16="http://schemas.microsoft.com/office/drawing/2014/main" xmlns="" id="{A7CC21E1-7467-1ACF-2ED7-68959584D6DF}"/>
+                <a16:creationId xmlns="" xmlns:a16="http://schemas.microsoft.com/office/drawing/2014/main" id="{A7CC21E1-7467-1ACF-2ED7-68959584D6DF}"/>
               </a:ext>
             </a:extLst>
           </p:cNvPr>
@@ -23226,7 +23184,7 @@
           <p:cNvPr id="35" name="图片 34">
             <a:extLst>
               <a:ext uri="{FF2B5EF4-FFF2-40B4-BE49-F238E27FC236}">
-                <a16:creationId xmlns:a16="http://schemas.microsoft.com/office/drawing/2014/main" xmlns="" id="{4FD1822D-6EF2-CCB1-76AC-A770762EDBFB}"/>
+                <a16:creationId xmlns="" xmlns:a16="http://schemas.microsoft.com/office/drawing/2014/main" id="{4FD1822D-6EF2-CCB1-76AC-A770762EDBFB}"/>
               </a:ext>
             </a:extLst>
           </p:cNvPr>
@@ -23256,7 +23214,7 @@
           <p:cNvPr id="36" name="图片 35">
             <a:extLst>
               <a:ext uri="{FF2B5EF4-FFF2-40B4-BE49-F238E27FC236}">
-                <a16:creationId xmlns:a16="http://schemas.microsoft.com/office/drawing/2014/main" xmlns="" id="{9E02D9AC-14F1-BAD2-3488-0805428D78DE}"/>
+                <a16:creationId xmlns="" xmlns:a16="http://schemas.microsoft.com/office/drawing/2014/main" id="{9E02D9AC-14F1-BAD2-3488-0805428D78DE}"/>
               </a:ext>
             </a:extLst>
           </p:cNvPr>
@@ -23286,7 +23244,7 @@
           <p:cNvPr id="39" name="箭头: 右 38">
             <a:extLst>
               <a:ext uri="{FF2B5EF4-FFF2-40B4-BE49-F238E27FC236}">
-                <a16:creationId xmlns:a16="http://schemas.microsoft.com/office/drawing/2014/main" xmlns="" id="{E96F8D33-A9BF-94AC-B64B-D6CB8722BEEB}"/>
+                <a16:creationId xmlns="" xmlns:a16="http://schemas.microsoft.com/office/drawing/2014/main" id="{E96F8D33-A9BF-94AC-B64B-D6CB8722BEEB}"/>
               </a:ext>
             </a:extLst>
           </p:cNvPr>
@@ -23338,7 +23296,7 @@
           <p:cNvPr id="40" name="箭头: 右 39">
             <a:extLst>
               <a:ext uri="{FF2B5EF4-FFF2-40B4-BE49-F238E27FC236}">
-                <a16:creationId xmlns:a16="http://schemas.microsoft.com/office/drawing/2014/main" xmlns="" id="{9C2A8819-B668-0107-BB7F-64E2A52819BC}"/>
+                <a16:creationId xmlns="" xmlns:a16="http://schemas.microsoft.com/office/drawing/2014/main" id="{9C2A8819-B668-0107-BB7F-64E2A52819BC}"/>
               </a:ext>
             </a:extLst>
           </p:cNvPr>
@@ -23420,7 +23378,7 @@
           <p:cNvPr id="2" name="标题 1">
             <a:extLst>
               <a:ext uri="{FF2B5EF4-FFF2-40B4-BE49-F238E27FC236}">
-                <a16:creationId xmlns:a16="http://schemas.microsoft.com/office/drawing/2014/main" xmlns="" id="{80796E82-7314-2FBE-2DE8-DDD70D4DF27E}"/>
+                <a16:creationId xmlns="" xmlns:a16="http://schemas.microsoft.com/office/drawing/2014/main" id="{80796E82-7314-2FBE-2DE8-DDD70D4DF27E}"/>
               </a:ext>
             </a:extLst>
           </p:cNvPr>
@@ -23469,7 +23427,7 @@
           <p:cNvPr id="4" name="文本框 3">
             <a:extLst>
               <a:ext uri="{FF2B5EF4-FFF2-40B4-BE49-F238E27FC236}">
-                <a16:creationId xmlns:a16="http://schemas.microsoft.com/office/drawing/2014/main" xmlns="" id="{3E8E8225-E7B4-E598-7AEB-66BC2EF7864E}"/>
+                <a16:creationId xmlns="" xmlns:a16="http://schemas.microsoft.com/office/drawing/2014/main" id="{3E8E8225-E7B4-E598-7AEB-66BC2EF7864E}"/>
               </a:ext>
             </a:extLst>
           </p:cNvPr>
@@ -23563,7 +23521,7 @@
           <p:cNvPr id="94" name="椭圆 93">
             <a:extLst>
               <a:ext uri="{FF2B5EF4-FFF2-40B4-BE49-F238E27FC236}">
-                <a16:creationId xmlns:a16="http://schemas.microsoft.com/office/drawing/2014/main" xmlns="" id="{8BEE0963-F39F-E799-5A6C-7DB2D9695EA3}"/>
+                <a16:creationId xmlns="" xmlns:a16="http://schemas.microsoft.com/office/drawing/2014/main" id="{8BEE0963-F39F-E799-5A6C-7DB2D9695EA3}"/>
               </a:ext>
             </a:extLst>
           </p:cNvPr>
@@ -23615,7 +23573,7 @@
           <p:cNvPr id="3" name="椭圆 2">
             <a:extLst>
               <a:ext uri="{FF2B5EF4-FFF2-40B4-BE49-F238E27FC236}">
-                <a16:creationId xmlns:a16="http://schemas.microsoft.com/office/drawing/2014/main" xmlns="" id="{012F767B-5206-A517-0D25-41845DA1D568}"/>
+                <a16:creationId xmlns="" xmlns:a16="http://schemas.microsoft.com/office/drawing/2014/main" id="{012F767B-5206-A517-0D25-41845DA1D568}"/>
               </a:ext>
             </a:extLst>
           </p:cNvPr>
@@ -23667,7 +23625,7 @@
           <p:cNvPr id="18" name="椭圆 17">
             <a:extLst>
               <a:ext uri="{FF2B5EF4-FFF2-40B4-BE49-F238E27FC236}">
-                <a16:creationId xmlns:a16="http://schemas.microsoft.com/office/drawing/2014/main" xmlns="" id="{4B33E43D-6830-FFA6-F0D9-FE3548A9AEEB}"/>
+                <a16:creationId xmlns="" xmlns:a16="http://schemas.microsoft.com/office/drawing/2014/main" id="{4B33E43D-6830-FFA6-F0D9-FE3548A9AEEB}"/>
               </a:ext>
             </a:extLst>
           </p:cNvPr>
@@ -23727,7 +23685,7 @@
           <p:cNvPr id="19" name="椭圆 18">
             <a:extLst>
               <a:ext uri="{FF2B5EF4-FFF2-40B4-BE49-F238E27FC236}">
-                <a16:creationId xmlns:a16="http://schemas.microsoft.com/office/drawing/2014/main" xmlns="" id="{C1D855FC-C9AF-91CE-40B0-D44AA72FE829}"/>
+                <a16:creationId xmlns="" xmlns:a16="http://schemas.microsoft.com/office/drawing/2014/main" id="{C1D855FC-C9AF-91CE-40B0-D44AA72FE829}"/>
               </a:ext>
             </a:extLst>
           </p:cNvPr>
@@ -23787,7 +23745,7 @@
           <p:cNvPr id="29" name="图片 28">
             <a:extLst>
               <a:ext uri="{FF2B5EF4-FFF2-40B4-BE49-F238E27FC236}">
-                <a16:creationId xmlns:a16="http://schemas.microsoft.com/office/drawing/2014/main" xmlns="" id="{37828109-D1DB-24B1-070F-6C6C2342A787}"/>
+                <a16:creationId xmlns="" xmlns:a16="http://schemas.microsoft.com/office/drawing/2014/main" id="{37828109-D1DB-24B1-070F-6C6C2342A787}"/>
               </a:ext>
             </a:extLst>
           </p:cNvPr>
@@ -23817,7 +23775,7 @@
           <p:cNvPr id="30" name="图片 29">
             <a:extLst>
               <a:ext uri="{FF2B5EF4-FFF2-40B4-BE49-F238E27FC236}">
-                <a16:creationId xmlns:a16="http://schemas.microsoft.com/office/drawing/2014/main" xmlns="" id="{308EB72D-0591-1F78-12FC-CD798BD7E73D}"/>
+                <a16:creationId xmlns="" xmlns:a16="http://schemas.microsoft.com/office/drawing/2014/main" id="{308EB72D-0591-1F78-12FC-CD798BD7E73D}"/>
               </a:ext>
             </a:extLst>
           </p:cNvPr>
@@ -23847,7 +23805,7 @@
           <p:cNvPr id="31" name="图片 30">
             <a:extLst>
               <a:ext uri="{FF2B5EF4-FFF2-40B4-BE49-F238E27FC236}">
-                <a16:creationId xmlns:a16="http://schemas.microsoft.com/office/drawing/2014/main" xmlns="" id="{07F4B817-9FB7-F356-BFC2-674680D05075}"/>
+                <a16:creationId xmlns="" xmlns:a16="http://schemas.microsoft.com/office/drawing/2014/main" id="{07F4B817-9FB7-F356-BFC2-674680D05075}"/>
               </a:ext>
             </a:extLst>
           </p:cNvPr>
@@ -23877,7 +23835,7 @@
           <p:cNvPr id="32" name="图片 31">
             <a:extLst>
               <a:ext uri="{FF2B5EF4-FFF2-40B4-BE49-F238E27FC236}">
-                <a16:creationId xmlns:a16="http://schemas.microsoft.com/office/drawing/2014/main" xmlns="" id="{6AD0DB1A-3123-D4EB-783F-2A1EBF1F865D}"/>
+                <a16:creationId xmlns="" xmlns:a16="http://schemas.microsoft.com/office/drawing/2014/main" id="{6AD0DB1A-3123-D4EB-783F-2A1EBF1F865D}"/>
               </a:ext>
             </a:extLst>
           </p:cNvPr>
@@ -23907,7 +23865,7 @@
           <p:cNvPr id="33" name="图片 32">
             <a:extLst>
               <a:ext uri="{FF2B5EF4-FFF2-40B4-BE49-F238E27FC236}">
-                <a16:creationId xmlns:a16="http://schemas.microsoft.com/office/drawing/2014/main" xmlns="" id="{6EA6B283-FA33-8B5F-19D9-23C22512D6A2}"/>
+                <a16:creationId xmlns="" xmlns:a16="http://schemas.microsoft.com/office/drawing/2014/main" id="{6EA6B283-FA33-8B5F-19D9-23C22512D6A2}"/>
               </a:ext>
             </a:extLst>
           </p:cNvPr>
@@ -23937,7 +23895,7 @@
           <p:cNvPr id="34" name="图片 33">
             <a:extLst>
               <a:ext uri="{FF2B5EF4-FFF2-40B4-BE49-F238E27FC236}">
-                <a16:creationId xmlns:a16="http://schemas.microsoft.com/office/drawing/2014/main" xmlns="" id="{A7CC21E1-7467-1ACF-2ED7-68959584D6DF}"/>
+                <a16:creationId xmlns="" xmlns:a16="http://schemas.microsoft.com/office/drawing/2014/main" id="{A7CC21E1-7467-1ACF-2ED7-68959584D6DF}"/>
               </a:ext>
             </a:extLst>
           </p:cNvPr>
@@ -23967,7 +23925,7 @@
           <p:cNvPr id="35" name="图片 34">
             <a:extLst>
               <a:ext uri="{FF2B5EF4-FFF2-40B4-BE49-F238E27FC236}">
-                <a16:creationId xmlns:a16="http://schemas.microsoft.com/office/drawing/2014/main" xmlns="" id="{4FD1822D-6EF2-CCB1-76AC-A770762EDBFB}"/>
+                <a16:creationId xmlns="" xmlns:a16="http://schemas.microsoft.com/office/drawing/2014/main" id="{4FD1822D-6EF2-CCB1-76AC-A770762EDBFB}"/>
               </a:ext>
             </a:extLst>
           </p:cNvPr>
@@ -23997,7 +23955,7 @@
           <p:cNvPr id="36" name="图片 35">
             <a:extLst>
               <a:ext uri="{FF2B5EF4-FFF2-40B4-BE49-F238E27FC236}">
-                <a16:creationId xmlns:a16="http://schemas.microsoft.com/office/drawing/2014/main" xmlns="" id="{9E02D9AC-14F1-BAD2-3488-0805428D78DE}"/>
+                <a16:creationId xmlns="" xmlns:a16="http://schemas.microsoft.com/office/drawing/2014/main" id="{9E02D9AC-14F1-BAD2-3488-0805428D78DE}"/>
               </a:ext>
             </a:extLst>
           </p:cNvPr>
@@ -24027,7 +23985,7 @@
           <p:cNvPr id="21" name="箭头: 右 20">
             <a:extLst>
               <a:ext uri="{FF2B5EF4-FFF2-40B4-BE49-F238E27FC236}">
-                <a16:creationId xmlns:a16="http://schemas.microsoft.com/office/drawing/2014/main" xmlns="" id="{712099D5-D46D-2313-85E7-AA26A729A7DC}"/>
+                <a16:creationId xmlns="" xmlns:a16="http://schemas.microsoft.com/office/drawing/2014/main" id="{712099D5-D46D-2313-85E7-AA26A729A7DC}"/>
               </a:ext>
             </a:extLst>
           </p:cNvPr>
@@ -24079,7 +24037,7 @@
           <p:cNvPr id="22" name="箭头: 右 21">
             <a:extLst>
               <a:ext uri="{FF2B5EF4-FFF2-40B4-BE49-F238E27FC236}">
-                <a16:creationId xmlns:a16="http://schemas.microsoft.com/office/drawing/2014/main" xmlns="" id="{1919A2B7-D3C5-A1AD-8659-FD3B9646534B}"/>
+                <a16:creationId xmlns="" xmlns:a16="http://schemas.microsoft.com/office/drawing/2014/main" id="{1919A2B7-D3C5-A1AD-8659-FD3B9646534B}"/>
               </a:ext>
             </a:extLst>
           </p:cNvPr>
@@ -24161,7 +24119,7 @@
           <p:cNvPr id="2" name="标题 1">
             <a:extLst>
               <a:ext uri="{FF2B5EF4-FFF2-40B4-BE49-F238E27FC236}">
-                <a16:creationId xmlns:a16="http://schemas.microsoft.com/office/drawing/2014/main" xmlns="" id="{80796E82-7314-2FBE-2DE8-DDD70D4DF27E}"/>
+                <a16:creationId xmlns="" xmlns:a16="http://schemas.microsoft.com/office/drawing/2014/main" id="{80796E82-7314-2FBE-2DE8-DDD70D4DF27E}"/>
               </a:ext>
             </a:extLst>
           </p:cNvPr>
@@ -24210,7 +24168,7 @@
           <p:cNvPr id="4" name="文本框 3">
             <a:extLst>
               <a:ext uri="{FF2B5EF4-FFF2-40B4-BE49-F238E27FC236}">
-                <a16:creationId xmlns:a16="http://schemas.microsoft.com/office/drawing/2014/main" xmlns="" id="{3E8E8225-E7B4-E598-7AEB-66BC2EF7864E}"/>
+                <a16:creationId xmlns="" xmlns:a16="http://schemas.microsoft.com/office/drawing/2014/main" id="{3E8E8225-E7B4-E598-7AEB-66BC2EF7864E}"/>
               </a:ext>
             </a:extLst>
           </p:cNvPr>
@@ -24304,7 +24262,7 @@
           <p:cNvPr id="94" name="椭圆 93">
             <a:extLst>
               <a:ext uri="{FF2B5EF4-FFF2-40B4-BE49-F238E27FC236}">
-                <a16:creationId xmlns:a16="http://schemas.microsoft.com/office/drawing/2014/main" xmlns="" id="{8BEE0963-F39F-E799-5A6C-7DB2D9695EA3}"/>
+                <a16:creationId xmlns="" xmlns:a16="http://schemas.microsoft.com/office/drawing/2014/main" id="{8BEE0963-F39F-E799-5A6C-7DB2D9695EA3}"/>
               </a:ext>
             </a:extLst>
           </p:cNvPr>
@@ -24356,7 +24314,7 @@
           <p:cNvPr id="3" name="椭圆 2">
             <a:extLst>
               <a:ext uri="{FF2B5EF4-FFF2-40B4-BE49-F238E27FC236}">
-                <a16:creationId xmlns:a16="http://schemas.microsoft.com/office/drawing/2014/main" xmlns="" id="{012F767B-5206-A517-0D25-41845DA1D568}"/>
+                <a16:creationId xmlns="" xmlns:a16="http://schemas.microsoft.com/office/drawing/2014/main" id="{012F767B-5206-A517-0D25-41845DA1D568}"/>
               </a:ext>
             </a:extLst>
           </p:cNvPr>
@@ -24408,7 +24366,7 @@
           <p:cNvPr id="21" name="箭头: 右 20">
             <a:extLst>
               <a:ext uri="{FF2B5EF4-FFF2-40B4-BE49-F238E27FC236}">
-                <a16:creationId xmlns:a16="http://schemas.microsoft.com/office/drawing/2014/main" xmlns="" id="{712099D5-D46D-2313-85E7-AA26A729A7DC}"/>
+                <a16:creationId xmlns="" xmlns:a16="http://schemas.microsoft.com/office/drawing/2014/main" id="{712099D5-D46D-2313-85E7-AA26A729A7DC}"/>
               </a:ext>
             </a:extLst>
           </p:cNvPr>
@@ -24460,7 +24418,7 @@
           <p:cNvPr id="22" name="箭头: 右 21">
             <a:extLst>
               <a:ext uri="{FF2B5EF4-FFF2-40B4-BE49-F238E27FC236}">
-                <a16:creationId xmlns:a16="http://schemas.microsoft.com/office/drawing/2014/main" xmlns="" id="{1919A2B7-D3C5-A1AD-8659-FD3B9646534B}"/>
+                <a16:creationId xmlns="" xmlns:a16="http://schemas.microsoft.com/office/drawing/2014/main" id="{1919A2B7-D3C5-A1AD-8659-FD3B9646534B}"/>
               </a:ext>
             </a:extLst>
           </p:cNvPr>
@@ -24512,7 +24470,7 @@
           <p:cNvPr id="20" name="椭圆 19">
             <a:extLst>
               <a:ext uri="{FF2B5EF4-FFF2-40B4-BE49-F238E27FC236}">
-                <a16:creationId xmlns:a16="http://schemas.microsoft.com/office/drawing/2014/main" xmlns="" id="{71FC337B-6083-D7E5-BB6D-172C403FA83F}"/>
+                <a16:creationId xmlns="" xmlns:a16="http://schemas.microsoft.com/office/drawing/2014/main" id="{71FC337B-6083-D7E5-BB6D-172C403FA83F}"/>
               </a:ext>
             </a:extLst>
           </p:cNvPr>
@@ -24568,7 +24526,7 @@
           <p:cNvPr id="23" name="椭圆 22">
             <a:extLst>
               <a:ext uri="{FF2B5EF4-FFF2-40B4-BE49-F238E27FC236}">
-                <a16:creationId xmlns:a16="http://schemas.microsoft.com/office/drawing/2014/main" xmlns="" id="{42806F08-B73F-5A19-8F02-2707349F41F2}"/>
+                <a16:creationId xmlns="" xmlns:a16="http://schemas.microsoft.com/office/drawing/2014/main" id="{42806F08-B73F-5A19-8F02-2707349F41F2}"/>
               </a:ext>
             </a:extLst>
           </p:cNvPr>
@@ -24624,7 +24582,7 @@
           <p:cNvPr id="29" name="图片 28">
             <a:extLst>
               <a:ext uri="{FF2B5EF4-FFF2-40B4-BE49-F238E27FC236}">
-                <a16:creationId xmlns:a16="http://schemas.microsoft.com/office/drawing/2014/main" xmlns="" id="{37828109-D1DB-24B1-070F-6C6C2342A787}"/>
+                <a16:creationId xmlns="" xmlns:a16="http://schemas.microsoft.com/office/drawing/2014/main" id="{37828109-D1DB-24B1-070F-6C6C2342A787}"/>
               </a:ext>
             </a:extLst>
           </p:cNvPr>
@@ -24654,7 +24612,7 @@
           <p:cNvPr id="30" name="图片 29">
             <a:extLst>
               <a:ext uri="{FF2B5EF4-FFF2-40B4-BE49-F238E27FC236}">
-                <a16:creationId xmlns:a16="http://schemas.microsoft.com/office/drawing/2014/main" xmlns="" id="{308EB72D-0591-1F78-12FC-CD798BD7E73D}"/>
+                <a16:creationId xmlns="" xmlns:a16="http://schemas.microsoft.com/office/drawing/2014/main" id="{308EB72D-0591-1F78-12FC-CD798BD7E73D}"/>
               </a:ext>
             </a:extLst>
           </p:cNvPr>
@@ -24684,7 +24642,7 @@
           <p:cNvPr id="31" name="图片 30">
             <a:extLst>
               <a:ext uri="{FF2B5EF4-FFF2-40B4-BE49-F238E27FC236}">
-                <a16:creationId xmlns:a16="http://schemas.microsoft.com/office/drawing/2014/main" xmlns="" id="{07F4B817-9FB7-F356-BFC2-674680D05075}"/>
+                <a16:creationId xmlns="" xmlns:a16="http://schemas.microsoft.com/office/drawing/2014/main" id="{07F4B817-9FB7-F356-BFC2-674680D05075}"/>
               </a:ext>
             </a:extLst>
           </p:cNvPr>
@@ -24714,7 +24672,7 @@
           <p:cNvPr id="32" name="图片 31">
             <a:extLst>
               <a:ext uri="{FF2B5EF4-FFF2-40B4-BE49-F238E27FC236}">
-                <a16:creationId xmlns:a16="http://schemas.microsoft.com/office/drawing/2014/main" xmlns="" id="{6AD0DB1A-3123-D4EB-783F-2A1EBF1F865D}"/>
+                <a16:creationId xmlns="" xmlns:a16="http://schemas.microsoft.com/office/drawing/2014/main" id="{6AD0DB1A-3123-D4EB-783F-2A1EBF1F865D}"/>
               </a:ext>
             </a:extLst>
           </p:cNvPr>
@@ -24744,7 +24702,7 @@
           <p:cNvPr id="33" name="图片 32">
             <a:extLst>
               <a:ext uri="{FF2B5EF4-FFF2-40B4-BE49-F238E27FC236}">
-                <a16:creationId xmlns:a16="http://schemas.microsoft.com/office/drawing/2014/main" xmlns="" id="{6EA6B283-FA33-8B5F-19D9-23C22512D6A2}"/>
+                <a16:creationId xmlns="" xmlns:a16="http://schemas.microsoft.com/office/drawing/2014/main" id="{6EA6B283-FA33-8B5F-19D9-23C22512D6A2}"/>
               </a:ext>
             </a:extLst>
           </p:cNvPr>
@@ -24774,7 +24732,7 @@
           <p:cNvPr id="34" name="图片 33">
             <a:extLst>
               <a:ext uri="{FF2B5EF4-FFF2-40B4-BE49-F238E27FC236}">
-                <a16:creationId xmlns:a16="http://schemas.microsoft.com/office/drawing/2014/main" xmlns="" id="{A7CC21E1-7467-1ACF-2ED7-68959584D6DF}"/>
+                <a16:creationId xmlns="" xmlns:a16="http://schemas.microsoft.com/office/drawing/2014/main" id="{A7CC21E1-7467-1ACF-2ED7-68959584D6DF}"/>
               </a:ext>
             </a:extLst>
           </p:cNvPr>
@@ -24804,7 +24762,7 @@
           <p:cNvPr id="35" name="图片 34">
             <a:extLst>
               <a:ext uri="{FF2B5EF4-FFF2-40B4-BE49-F238E27FC236}">
-                <a16:creationId xmlns:a16="http://schemas.microsoft.com/office/drawing/2014/main" xmlns="" id="{4FD1822D-6EF2-CCB1-76AC-A770762EDBFB}"/>
+                <a16:creationId xmlns="" xmlns:a16="http://schemas.microsoft.com/office/drawing/2014/main" id="{4FD1822D-6EF2-CCB1-76AC-A770762EDBFB}"/>
               </a:ext>
             </a:extLst>
           </p:cNvPr>
@@ -24834,7 +24792,7 @@
           <p:cNvPr id="36" name="图片 35">
             <a:extLst>
               <a:ext uri="{FF2B5EF4-FFF2-40B4-BE49-F238E27FC236}">
-                <a16:creationId xmlns:a16="http://schemas.microsoft.com/office/drawing/2014/main" xmlns="" id="{9E02D9AC-14F1-BAD2-3488-0805428D78DE}"/>
+                <a16:creationId xmlns="" xmlns:a16="http://schemas.microsoft.com/office/drawing/2014/main" id="{9E02D9AC-14F1-BAD2-3488-0805428D78DE}"/>
               </a:ext>
             </a:extLst>
           </p:cNvPr>
@@ -24894,7 +24852,7 @@
           <p:cNvPr id="2" name="标题 1">
             <a:extLst>
               <a:ext uri="{FF2B5EF4-FFF2-40B4-BE49-F238E27FC236}">
-                <a16:creationId xmlns:a16="http://schemas.microsoft.com/office/drawing/2014/main" xmlns="" id="{80796E82-7314-2FBE-2DE8-DDD70D4DF27E}"/>
+                <a16:creationId xmlns="" xmlns:a16="http://schemas.microsoft.com/office/drawing/2014/main" id="{80796E82-7314-2FBE-2DE8-DDD70D4DF27E}"/>
               </a:ext>
             </a:extLst>
           </p:cNvPr>
@@ -24943,7 +24901,7 @@
           <p:cNvPr id="4" name="文本框 3">
             <a:extLst>
               <a:ext uri="{FF2B5EF4-FFF2-40B4-BE49-F238E27FC236}">
-                <a16:creationId xmlns:a16="http://schemas.microsoft.com/office/drawing/2014/main" xmlns="" id="{3E8E8225-E7B4-E598-7AEB-66BC2EF7864E}"/>
+                <a16:creationId xmlns="" xmlns:a16="http://schemas.microsoft.com/office/drawing/2014/main" id="{3E8E8225-E7B4-E598-7AEB-66BC2EF7864E}"/>
               </a:ext>
             </a:extLst>
           </p:cNvPr>
@@ -25037,7 +24995,7 @@
           <p:cNvPr id="94" name="椭圆 93">
             <a:extLst>
               <a:ext uri="{FF2B5EF4-FFF2-40B4-BE49-F238E27FC236}">
-                <a16:creationId xmlns:a16="http://schemas.microsoft.com/office/drawing/2014/main" xmlns="" id="{8BEE0963-F39F-E799-5A6C-7DB2D9695EA3}"/>
+                <a16:creationId xmlns="" xmlns:a16="http://schemas.microsoft.com/office/drawing/2014/main" id="{8BEE0963-F39F-E799-5A6C-7DB2D9695EA3}"/>
               </a:ext>
             </a:extLst>
           </p:cNvPr>
@@ -25089,7 +25047,7 @@
           <p:cNvPr id="3" name="椭圆 2">
             <a:extLst>
               <a:ext uri="{FF2B5EF4-FFF2-40B4-BE49-F238E27FC236}">
-                <a16:creationId xmlns:a16="http://schemas.microsoft.com/office/drawing/2014/main" xmlns="" id="{012F767B-5206-A517-0D25-41845DA1D568}"/>
+                <a16:creationId xmlns="" xmlns:a16="http://schemas.microsoft.com/office/drawing/2014/main" id="{012F767B-5206-A517-0D25-41845DA1D568}"/>
               </a:ext>
             </a:extLst>
           </p:cNvPr>
@@ -25141,7 +25099,7 @@
           <p:cNvPr id="21" name="箭头: 右 20">
             <a:extLst>
               <a:ext uri="{FF2B5EF4-FFF2-40B4-BE49-F238E27FC236}">
-                <a16:creationId xmlns:a16="http://schemas.microsoft.com/office/drawing/2014/main" xmlns="" id="{712099D5-D46D-2313-85E7-AA26A729A7DC}"/>
+                <a16:creationId xmlns="" xmlns:a16="http://schemas.microsoft.com/office/drawing/2014/main" id="{712099D5-D46D-2313-85E7-AA26A729A7DC}"/>
               </a:ext>
             </a:extLst>
           </p:cNvPr>
@@ -25193,7 +25151,7 @@
           <p:cNvPr id="22" name="箭头: 右 21">
             <a:extLst>
               <a:ext uri="{FF2B5EF4-FFF2-40B4-BE49-F238E27FC236}">
-                <a16:creationId xmlns:a16="http://schemas.microsoft.com/office/drawing/2014/main" xmlns="" id="{1919A2B7-D3C5-A1AD-8659-FD3B9646534B}"/>
+                <a16:creationId xmlns="" xmlns:a16="http://schemas.microsoft.com/office/drawing/2014/main" id="{1919A2B7-D3C5-A1AD-8659-FD3B9646534B}"/>
               </a:ext>
             </a:extLst>
           </p:cNvPr>
@@ -25245,7 +25203,7 @@
           <p:cNvPr id="18" name="椭圆 17">
             <a:extLst>
               <a:ext uri="{FF2B5EF4-FFF2-40B4-BE49-F238E27FC236}">
-                <a16:creationId xmlns:a16="http://schemas.microsoft.com/office/drawing/2014/main" xmlns="" id="{F5A322F2-5817-3D48-1EC0-F4CD8343BB96}"/>
+                <a16:creationId xmlns="" xmlns:a16="http://schemas.microsoft.com/office/drawing/2014/main" id="{F5A322F2-5817-3D48-1EC0-F4CD8343BB96}"/>
               </a:ext>
             </a:extLst>
           </p:cNvPr>
@@ -25305,7 +25263,7 @@
           <p:cNvPr id="19" name="椭圆 18">
             <a:extLst>
               <a:ext uri="{FF2B5EF4-FFF2-40B4-BE49-F238E27FC236}">
-                <a16:creationId xmlns:a16="http://schemas.microsoft.com/office/drawing/2014/main" xmlns="" id="{7B553A98-99DD-ADE7-8F2C-82946FDF4A0F}"/>
+                <a16:creationId xmlns="" xmlns:a16="http://schemas.microsoft.com/office/drawing/2014/main" id="{7B553A98-99DD-ADE7-8F2C-82946FDF4A0F}"/>
               </a:ext>
             </a:extLst>
           </p:cNvPr>
@@ -25365,7 +25323,7 @@
           <p:cNvPr id="29" name="图片 28">
             <a:extLst>
               <a:ext uri="{FF2B5EF4-FFF2-40B4-BE49-F238E27FC236}">
-                <a16:creationId xmlns:a16="http://schemas.microsoft.com/office/drawing/2014/main" xmlns="" id="{37828109-D1DB-24B1-070F-6C6C2342A787}"/>
+                <a16:creationId xmlns="" xmlns:a16="http://schemas.microsoft.com/office/drawing/2014/main" id="{37828109-D1DB-24B1-070F-6C6C2342A787}"/>
               </a:ext>
             </a:extLst>
           </p:cNvPr>
@@ -25395,7 +25353,7 @@
           <p:cNvPr id="30" name="图片 29">
             <a:extLst>
               <a:ext uri="{FF2B5EF4-FFF2-40B4-BE49-F238E27FC236}">
-                <a16:creationId xmlns:a16="http://schemas.microsoft.com/office/drawing/2014/main" xmlns="" id="{308EB72D-0591-1F78-12FC-CD798BD7E73D}"/>
+                <a16:creationId xmlns="" xmlns:a16="http://schemas.microsoft.com/office/drawing/2014/main" id="{308EB72D-0591-1F78-12FC-CD798BD7E73D}"/>
               </a:ext>
             </a:extLst>
           </p:cNvPr>
@@ -25425,7 +25383,7 @@
           <p:cNvPr id="31" name="图片 30">
             <a:extLst>
               <a:ext uri="{FF2B5EF4-FFF2-40B4-BE49-F238E27FC236}">
-                <a16:creationId xmlns:a16="http://schemas.microsoft.com/office/drawing/2014/main" xmlns="" id="{07F4B817-9FB7-F356-BFC2-674680D05075}"/>
+                <a16:creationId xmlns="" xmlns:a16="http://schemas.microsoft.com/office/drawing/2014/main" id="{07F4B817-9FB7-F356-BFC2-674680D05075}"/>
               </a:ext>
             </a:extLst>
           </p:cNvPr>
@@ -25455,7 +25413,7 @@
           <p:cNvPr id="32" name="图片 31">
             <a:extLst>
               <a:ext uri="{FF2B5EF4-FFF2-40B4-BE49-F238E27FC236}">
-                <a16:creationId xmlns:a16="http://schemas.microsoft.com/office/drawing/2014/main" xmlns="" id="{6AD0DB1A-3123-D4EB-783F-2A1EBF1F865D}"/>
+                <a16:creationId xmlns="" xmlns:a16="http://schemas.microsoft.com/office/drawing/2014/main" id="{6AD0DB1A-3123-D4EB-783F-2A1EBF1F865D}"/>
               </a:ext>
             </a:extLst>
           </p:cNvPr>
@@ -25485,7 +25443,7 @@
           <p:cNvPr id="33" name="图片 32">
             <a:extLst>
               <a:ext uri="{FF2B5EF4-FFF2-40B4-BE49-F238E27FC236}">
-                <a16:creationId xmlns:a16="http://schemas.microsoft.com/office/drawing/2014/main" xmlns="" id="{6EA6B283-FA33-8B5F-19D9-23C22512D6A2}"/>
+                <a16:creationId xmlns="" xmlns:a16="http://schemas.microsoft.com/office/drawing/2014/main" id="{6EA6B283-FA33-8B5F-19D9-23C22512D6A2}"/>
               </a:ext>
             </a:extLst>
           </p:cNvPr>
@@ -25515,7 +25473,7 @@
           <p:cNvPr id="34" name="图片 33">
             <a:extLst>
               <a:ext uri="{FF2B5EF4-FFF2-40B4-BE49-F238E27FC236}">
-                <a16:creationId xmlns:a16="http://schemas.microsoft.com/office/drawing/2014/main" xmlns="" id="{A7CC21E1-7467-1ACF-2ED7-68959584D6DF}"/>
+                <a16:creationId xmlns="" xmlns:a16="http://schemas.microsoft.com/office/drawing/2014/main" id="{A7CC21E1-7467-1ACF-2ED7-68959584D6DF}"/>
               </a:ext>
             </a:extLst>
           </p:cNvPr>
@@ -25545,7 +25503,7 @@
           <p:cNvPr id="35" name="图片 34">
             <a:extLst>
               <a:ext uri="{FF2B5EF4-FFF2-40B4-BE49-F238E27FC236}">
-                <a16:creationId xmlns:a16="http://schemas.microsoft.com/office/drawing/2014/main" xmlns="" id="{4FD1822D-6EF2-CCB1-76AC-A770762EDBFB}"/>
+                <a16:creationId xmlns="" xmlns:a16="http://schemas.microsoft.com/office/drawing/2014/main" id="{4FD1822D-6EF2-CCB1-76AC-A770762EDBFB}"/>
               </a:ext>
             </a:extLst>
           </p:cNvPr>
@@ -25575,7 +25533,7 @@
           <p:cNvPr id="36" name="图片 35">
             <a:extLst>
               <a:ext uri="{FF2B5EF4-FFF2-40B4-BE49-F238E27FC236}">
-                <a16:creationId xmlns:a16="http://schemas.microsoft.com/office/drawing/2014/main" xmlns="" id="{9E02D9AC-14F1-BAD2-3488-0805428D78DE}"/>
+                <a16:creationId xmlns="" xmlns:a16="http://schemas.microsoft.com/office/drawing/2014/main" id="{9E02D9AC-14F1-BAD2-3488-0805428D78DE}"/>
               </a:ext>
             </a:extLst>
           </p:cNvPr>
@@ -25635,7 +25593,7 @@
           <p:cNvPr id="2" name="标题 1">
             <a:extLst>
               <a:ext uri="{FF2B5EF4-FFF2-40B4-BE49-F238E27FC236}">
-                <a16:creationId xmlns:a16="http://schemas.microsoft.com/office/drawing/2014/main" xmlns="" id="{80796E82-7314-2FBE-2DE8-DDD70D4DF27E}"/>
+                <a16:creationId xmlns="" xmlns:a16="http://schemas.microsoft.com/office/drawing/2014/main" id="{80796E82-7314-2FBE-2DE8-DDD70D4DF27E}"/>
               </a:ext>
             </a:extLst>
           </p:cNvPr>
@@ -25691,7 +25649,7 @@
           <p:cNvPr id="94" name="椭圆 93">
             <a:extLst>
               <a:ext uri="{FF2B5EF4-FFF2-40B4-BE49-F238E27FC236}">
-                <a16:creationId xmlns:a16="http://schemas.microsoft.com/office/drawing/2014/main" xmlns="" id="{8BEE0963-F39F-E799-5A6C-7DB2D9695EA3}"/>
+                <a16:creationId xmlns="" xmlns:a16="http://schemas.microsoft.com/office/drawing/2014/main" id="{8BEE0963-F39F-E799-5A6C-7DB2D9695EA3}"/>
               </a:ext>
             </a:extLst>
           </p:cNvPr>
@@ -25743,7 +25701,7 @@
           <p:cNvPr id="20" name="椭圆 19">
             <a:extLst>
               <a:ext uri="{FF2B5EF4-FFF2-40B4-BE49-F238E27FC236}">
-                <a16:creationId xmlns:a16="http://schemas.microsoft.com/office/drawing/2014/main" xmlns="" id="{1F3D5A18-117A-FBDB-A07B-D4E2DC2FC832}"/>
+                <a16:creationId xmlns="" xmlns:a16="http://schemas.microsoft.com/office/drawing/2014/main" id="{1F3D5A18-117A-FBDB-A07B-D4E2DC2FC832}"/>
               </a:ext>
             </a:extLst>
           </p:cNvPr>
@@ -25793,7 +25751,7 @@
           <p:cNvPr id="23" name="矩形 22">
             <a:extLst>
               <a:ext uri="{FF2B5EF4-FFF2-40B4-BE49-F238E27FC236}">
-                <a16:creationId xmlns:a16="http://schemas.microsoft.com/office/drawing/2014/main" xmlns="" id="{1DB7B11B-A7F7-8894-4BAF-68DD060767B3}"/>
+                <a16:creationId xmlns="" xmlns:a16="http://schemas.microsoft.com/office/drawing/2014/main" id="{1DB7B11B-A7F7-8894-4BAF-68DD060767B3}"/>
               </a:ext>
             </a:extLst>
           </p:cNvPr>
@@ -25843,7 +25801,7 @@
           <p:cNvPr id="24" name="矩形 23">
             <a:extLst>
               <a:ext uri="{FF2B5EF4-FFF2-40B4-BE49-F238E27FC236}">
-                <a16:creationId xmlns:a16="http://schemas.microsoft.com/office/drawing/2014/main" xmlns="" id="{5E103417-33D7-7A1E-5135-FE392A9238A1}"/>
+                <a16:creationId xmlns="" xmlns:a16="http://schemas.microsoft.com/office/drawing/2014/main" id="{5E103417-33D7-7A1E-5135-FE392A9238A1}"/>
               </a:ext>
             </a:extLst>
           </p:cNvPr>
@@ -25893,7 +25851,7 @@
           <p:cNvPr id="25" name="Google Shape;73;p14">
             <a:extLst>
               <a:ext uri="{FF2B5EF4-FFF2-40B4-BE49-F238E27FC236}">
-                <a16:creationId xmlns:a16="http://schemas.microsoft.com/office/drawing/2014/main" xmlns="" id="{728B4BED-4470-8B41-5F52-AEAB959AE86A}"/>
+                <a16:creationId xmlns="" xmlns:a16="http://schemas.microsoft.com/office/drawing/2014/main" id="{728B4BED-4470-8B41-5F52-AEAB959AE86A}"/>
               </a:ext>
             </a:extLst>
           </p:cNvPr>
@@ -25927,7 +25885,7 @@
           <p:cNvPr id="26" name="Google Shape;73;p14">
             <a:extLst>
               <a:ext uri="{FF2B5EF4-FFF2-40B4-BE49-F238E27FC236}">
-                <a16:creationId xmlns:a16="http://schemas.microsoft.com/office/drawing/2014/main" xmlns="" id="{728B4BED-4470-8B41-5F52-AEAB959AE86A}"/>
+                <a16:creationId xmlns="" xmlns:a16="http://schemas.microsoft.com/office/drawing/2014/main" id="{728B4BED-4470-8B41-5F52-AEAB959AE86A}"/>
               </a:ext>
             </a:extLst>
           </p:cNvPr>
@@ -25961,7 +25919,7 @@
           <p:cNvPr id="27" name="Google Shape;73;p14">
             <a:extLst>
               <a:ext uri="{FF2B5EF4-FFF2-40B4-BE49-F238E27FC236}">
-                <a16:creationId xmlns:a16="http://schemas.microsoft.com/office/drawing/2014/main" xmlns="" id="{728B4BED-4470-8B41-5F52-AEAB959AE86A}"/>
+                <a16:creationId xmlns="" xmlns:a16="http://schemas.microsoft.com/office/drawing/2014/main" id="{728B4BED-4470-8B41-5F52-AEAB959AE86A}"/>
               </a:ext>
             </a:extLst>
           </p:cNvPr>
@@ -26202,7 +26160,7 @@
           <p:cNvPr id="82" name="箭头: V 形 20">
             <a:extLst>
               <a:ext uri="{FF2B5EF4-FFF2-40B4-BE49-F238E27FC236}">
-                <a16:creationId xmlns:a16="http://schemas.microsoft.com/office/drawing/2014/main" xmlns="" id="{BC353627-9371-244D-7367-7A27EC648508}"/>
+                <a16:creationId xmlns="" xmlns:a16="http://schemas.microsoft.com/office/drawing/2014/main" id="{BC353627-9371-244D-7367-7A27EC648508}"/>
               </a:ext>
             </a:extLst>
           </p:cNvPr>
@@ -26250,7 +26208,7 @@
           <p:cNvPr id="83" name="箭头: V 形 21">
             <a:extLst>
               <a:ext uri="{FF2B5EF4-FFF2-40B4-BE49-F238E27FC236}">
-                <a16:creationId xmlns:a16="http://schemas.microsoft.com/office/drawing/2014/main" xmlns="" id="{41D7DFA2-1682-8959-1196-12E3B7C49765}"/>
+                <a16:creationId xmlns="" xmlns:a16="http://schemas.microsoft.com/office/drawing/2014/main" id="{41D7DFA2-1682-8959-1196-12E3B7C49765}"/>
               </a:ext>
             </a:extLst>
           </p:cNvPr>
@@ -26298,7 +26256,7 @@
           <p:cNvPr id="84" name="箭头: V 形 22">
             <a:extLst>
               <a:ext uri="{FF2B5EF4-FFF2-40B4-BE49-F238E27FC236}">
-                <a16:creationId xmlns:a16="http://schemas.microsoft.com/office/drawing/2014/main" xmlns="" id="{3E6B5B9D-8A94-166B-F4E4-0C03AFDA72FF}"/>
+                <a16:creationId xmlns="" xmlns:a16="http://schemas.microsoft.com/office/drawing/2014/main" id="{3E6B5B9D-8A94-166B-F4E4-0C03AFDA72FF}"/>
               </a:ext>
             </a:extLst>
           </p:cNvPr>
@@ -26346,7 +26304,7 @@
           <p:cNvPr id="85" name="箭头: V 形 23">
             <a:extLst>
               <a:ext uri="{FF2B5EF4-FFF2-40B4-BE49-F238E27FC236}">
-                <a16:creationId xmlns:a16="http://schemas.microsoft.com/office/drawing/2014/main" xmlns="" id="{58C2A296-BAAF-AA9E-2CEA-ABDFA8710114}"/>
+                <a16:creationId xmlns="" xmlns:a16="http://schemas.microsoft.com/office/drawing/2014/main" id="{58C2A296-BAAF-AA9E-2CEA-ABDFA8710114}"/>
               </a:ext>
             </a:extLst>
           </p:cNvPr>
@@ -26424,7 +26382,7 @@
           <p:cNvPr id="2" name="标题 1">
             <a:extLst>
               <a:ext uri="{FF2B5EF4-FFF2-40B4-BE49-F238E27FC236}">
-                <a16:creationId xmlns:a16="http://schemas.microsoft.com/office/drawing/2014/main" xmlns="" id="{80796E82-7314-2FBE-2DE8-DDD70D4DF27E}"/>
+                <a16:creationId xmlns="" xmlns:a16="http://schemas.microsoft.com/office/drawing/2014/main" id="{80796E82-7314-2FBE-2DE8-DDD70D4DF27E}"/>
               </a:ext>
             </a:extLst>
           </p:cNvPr>
@@ -26480,7 +26438,7 @@
           <p:cNvPr id="94" name="椭圆 93">
             <a:extLst>
               <a:ext uri="{FF2B5EF4-FFF2-40B4-BE49-F238E27FC236}">
-                <a16:creationId xmlns:a16="http://schemas.microsoft.com/office/drawing/2014/main" xmlns="" id="{8BEE0963-F39F-E799-5A6C-7DB2D9695EA3}"/>
+                <a16:creationId xmlns="" xmlns:a16="http://schemas.microsoft.com/office/drawing/2014/main" id="{8BEE0963-F39F-E799-5A6C-7DB2D9695EA3}"/>
               </a:ext>
             </a:extLst>
           </p:cNvPr>
@@ -26532,7 +26490,7 @@
           <p:cNvPr id="20" name="椭圆 19">
             <a:extLst>
               <a:ext uri="{FF2B5EF4-FFF2-40B4-BE49-F238E27FC236}">
-                <a16:creationId xmlns:a16="http://schemas.microsoft.com/office/drawing/2014/main" xmlns="" id="{1F3D5A18-117A-FBDB-A07B-D4E2DC2FC832}"/>
+                <a16:creationId xmlns="" xmlns:a16="http://schemas.microsoft.com/office/drawing/2014/main" id="{1F3D5A18-117A-FBDB-A07B-D4E2DC2FC832}"/>
               </a:ext>
             </a:extLst>
           </p:cNvPr>
@@ -26582,7 +26540,7 @@
           <p:cNvPr id="23" name="矩形 22">
             <a:extLst>
               <a:ext uri="{FF2B5EF4-FFF2-40B4-BE49-F238E27FC236}">
-                <a16:creationId xmlns:a16="http://schemas.microsoft.com/office/drawing/2014/main" xmlns="" id="{1DB7B11B-A7F7-8894-4BAF-68DD060767B3}"/>
+                <a16:creationId xmlns="" xmlns:a16="http://schemas.microsoft.com/office/drawing/2014/main" id="{1DB7B11B-A7F7-8894-4BAF-68DD060767B3}"/>
               </a:ext>
             </a:extLst>
           </p:cNvPr>
@@ -26632,7 +26590,7 @@
           <p:cNvPr id="24" name="矩形 23">
             <a:extLst>
               <a:ext uri="{FF2B5EF4-FFF2-40B4-BE49-F238E27FC236}">
-                <a16:creationId xmlns:a16="http://schemas.microsoft.com/office/drawing/2014/main" xmlns="" id="{5E103417-33D7-7A1E-5135-FE392A9238A1}"/>
+                <a16:creationId xmlns="" xmlns:a16="http://schemas.microsoft.com/office/drawing/2014/main" id="{5E103417-33D7-7A1E-5135-FE392A9238A1}"/>
               </a:ext>
             </a:extLst>
           </p:cNvPr>
@@ -26682,7 +26640,7 @@
           <p:cNvPr id="25" name="Google Shape;73;p14">
             <a:extLst>
               <a:ext uri="{FF2B5EF4-FFF2-40B4-BE49-F238E27FC236}">
-                <a16:creationId xmlns:a16="http://schemas.microsoft.com/office/drawing/2014/main" xmlns="" id="{728B4BED-4470-8B41-5F52-AEAB959AE86A}"/>
+                <a16:creationId xmlns="" xmlns:a16="http://schemas.microsoft.com/office/drawing/2014/main" id="{728B4BED-4470-8B41-5F52-AEAB959AE86A}"/>
               </a:ext>
             </a:extLst>
           </p:cNvPr>
@@ -26716,7 +26674,7 @@
           <p:cNvPr id="26" name="Google Shape;73;p14">
             <a:extLst>
               <a:ext uri="{FF2B5EF4-FFF2-40B4-BE49-F238E27FC236}">
-                <a16:creationId xmlns:a16="http://schemas.microsoft.com/office/drawing/2014/main" xmlns="" id="{728B4BED-4470-8B41-5F52-AEAB959AE86A}"/>
+                <a16:creationId xmlns="" xmlns:a16="http://schemas.microsoft.com/office/drawing/2014/main" id="{728B4BED-4470-8B41-5F52-AEAB959AE86A}"/>
               </a:ext>
             </a:extLst>
           </p:cNvPr>
@@ -26750,7 +26708,7 @@
           <p:cNvPr id="27" name="Google Shape;73;p14">
             <a:extLst>
               <a:ext uri="{FF2B5EF4-FFF2-40B4-BE49-F238E27FC236}">
-                <a16:creationId xmlns:a16="http://schemas.microsoft.com/office/drawing/2014/main" xmlns="" id="{728B4BED-4470-8B41-5F52-AEAB959AE86A}"/>
+                <a16:creationId xmlns="" xmlns:a16="http://schemas.microsoft.com/office/drawing/2014/main" id="{728B4BED-4470-8B41-5F52-AEAB959AE86A}"/>
               </a:ext>
             </a:extLst>
           </p:cNvPr>
@@ -26991,7 +26949,7 @@
           <p:cNvPr id="82" name="箭头: V 形 20">
             <a:extLst>
               <a:ext uri="{FF2B5EF4-FFF2-40B4-BE49-F238E27FC236}">
-                <a16:creationId xmlns:a16="http://schemas.microsoft.com/office/drawing/2014/main" xmlns="" id="{BC353627-9371-244D-7367-7A27EC648508}"/>
+                <a16:creationId xmlns="" xmlns:a16="http://schemas.microsoft.com/office/drawing/2014/main" id="{BC353627-9371-244D-7367-7A27EC648508}"/>
               </a:ext>
             </a:extLst>
           </p:cNvPr>
@@ -27039,7 +26997,7 @@
           <p:cNvPr id="83" name="箭头: V 形 21">
             <a:extLst>
               <a:ext uri="{FF2B5EF4-FFF2-40B4-BE49-F238E27FC236}">
-                <a16:creationId xmlns:a16="http://schemas.microsoft.com/office/drawing/2014/main" xmlns="" id="{41D7DFA2-1682-8959-1196-12E3B7C49765}"/>
+                <a16:creationId xmlns="" xmlns:a16="http://schemas.microsoft.com/office/drawing/2014/main" id="{41D7DFA2-1682-8959-1196-12E3B7C49765}"/>
               </a:ext>
             </a:extLst>
           </p:cNvPr>
@@ -27087,7 +27045,7 @@
           <p:cNvPr id="84" name="箭头: V 形 22">
             <a:extLst>
               <a:ext uri="{FF2B5EF4-FFF2-40B4-BE49-F238E27FC236}">
-                <a16:creationId xmlns:a16="http://schemas.microsoft.com/office/drawing/2014/main" xmlns="" id="{3E6B5B9D-8A94-166B-F4E4-0C03AFDA72FF}"/>
+                <a16:creationId xmlns="" xmlns:a16="http://schemas.microsoft.com/office/drawing/2014/main" id="{3E6B5B9D-8A94-166B-F4E4-0C03AFDA72FF}"/>
               </a:ext>
             </a:extLst>
           </p:cNvPr>
@@ -27135,7 +27093,7 @@
           <p:cNvPr id="85" name="箭头: V 形 23">
             <a:extLst>
               <a:ext uri="{FF2B5EF4-FFF2-40B4-BE49-F238E27FC236}">
-                <a16:creationId xmlns:a16="http://schemas.microsoft.com/office/drawing/2014/main" xmlns="" id="{58C2A296-BAAF-AA9E-2CEA-ABDFA8710114}"/>
+                <a16:creationId xmlns="" xmlns:a16="http://schemas.microsoft.com/office/drawing/2014/main" id="{58C2A296-BAAF-AA9E-2CEA-ABDFA8710114}"/>
               </a:ext>
             </a:extLst>
           </p:cNvPr>
@@ -27183,7 +27141,7 @@
           <p:cNvPr id="29" name="Google Shape;73;p14">
             <a:extLst>
               <a:ext uri="{FF2B5EF4-FFF2-40B4-BE49-F238E27FC236}">
-                <a16:creationId xmlns:a16="http://schemas.microsoft.com/office/drawing/2014/main" xmlns="" id="{728B4BED-4470-8B41-5F52-AEAB959AE86A}"/>
+                <a16:creationId xmlns="" xmlns:a16="http://schemas.microsoft.com/office/drawing/2014/main" id="{728B4BED-4470-8B41-5F52-AEAB959AE86A}"/>
               </a:ext>
             </a:extLst>
           </p:cNvPr>
@@ -27247,7 +27205,7 @@
           <p:cNvPr id="31" name="Google Shape;100;p14">
             <a:extLst>
               <a:ext uri="{FF2B5EF4-FFF2-40B4-BE49-F238E27FC236}">
-                <a16:creationId xmlns:a16="http://schemas.microsoft.com/office/drawing/2014/main" xmlns="" id="{04D7ED66-035D-0386-E0EE-BA6FE024830F}"/>
+                <a16:creationId xmlns="" xmlns:a16="http://schemas.microsoft.com/office/drawing/2014/main" id="{04D7ED66-035D-0386-E0EE-BA6FE024830F}"/>
               </a:ext>
             </a:extLst>
           </p:cNvPr>
@@ -27320,7 +27278,7 @@
           <p:cNvPr id="4" name="Google Shape;74;p14">
             <a:extLst>
               <a:ext uri="{FF2B5EF4-FFF2-40B4-BE49-F238E27FC236}">
-                <a16:creationId xmlns:a16="http://schemas.microsoft.com/office/drawing/2014/main" xmlns="" id="{F52A6963-84A4-0036-01C0-8A6443B594E4}"/>
+                <a16:creationId xmlns="" xmlns:a16="http://schemas.microsoft.com/office/drawing/2014/main" id="{F52A6963-84A4-0036-01C0-8A6443B594E4}"/>
               </a:ext>
             </a:extLst>
           </p:cNvPr>
@@ -27354,7 +27312,7 @@
           <p:cNvPr id="5" name="Google Shape;75;p14">
             <a:extLst>
               <a:ext uri="{FF2B5EF4-FFF2-40B4-BE49-F238E27FC236}">
-                <a16:creationId xmlns:a16="http://schemas.microsoft.com/office/drawing/2014/main" xmlns="" id="{404581EA-6F71-715C-CE7C-99A122F3F6E4}"/>
+                <a16:creationId xmlns="" xmlns:a16="http://schemas.microsoft.com/office/drawing/2014/main" id="{404581EA-6F71-715C-CE7C-99A122F3F6E4}"/>
               </a:ext>
             </a:extLst>
           </p:cNvPr>
@@ -27388,7 +27346,7 @@
           <p:cNvPr id="6" name="Google Shape;76;p14">
             <a:extLst>
               <a:ext uri="{FF2B5EF4-FFF2-40B4-BE49-F238E27FC236}">
-                <a16:creationId xmlns:a16="http://schemas.microsoft.com/office/drawing/2014/main" xmlns="" id="{A527F9F4-7B4A-2EA7-612E-AAA3DD8F9F91}"/>
+                <a16:creationId xmlns="" xmlns:a16="http://schemas.microsoft.com/office/drawing/2014/main" id="{A527F9F4-7B4A-2EA7-612E-AAA3DD8F9F91}"/>
               </a:ext>
             </a:extLst>
           </p:cNvPr>
@@ -27422,7 +27380,7 @@
           <p:cNvPr id="7" name="Google Shape;77;p14">
             <a:extLst>
               <a:ext uri="{FF2B5EF4-FFF2-40B4-BE49-F238E27FC236}">
-                <a16:creationId xmlns:a16="http://schemas.microsoft.com/office/drawing/2014/main" xmlns="" id="{FCDA0BCF-7B73-F1F2-4535-2A7D8DF8F9A5}"/>
+                <a16:creationId xmlns="" xmlns:a16="http://schemas.microsoft.com/office/drawing/2014/main" id="{FCDA0BCF-7B73-F1F2-4535-2A7D8DF8F9A5}"/>
               </a:ext>
             </a:extLst>
           </p:cNvPr>
@@ -27456,7 +27414,7 @@
           <p:cNvPr id="8" name="Google Shape;78;p14">
             <a:extLst>
               <a:ext uri="{FF2B5EF4-FFF2-40B4-BE49-F238E27FC236}">
-                <a16:creationId xmlns:a16="http://schemas.microsoft.com/office/drawing/2014/main" xmlns="" id="{0C8F405C-8C7A-9464-2835-C0C6BCE26B6A}"/>
+                <a16:creationId xmlns="" xmlns:a16="http://schemas.microsoft.com/office/drawing/2014/main" id="{0C8F405C-8C7A-9464-2835-C0C6BCE26B6A}"/>
               </a:ext>
             </a:extLst>
           </p:cNvPr>
@@ -27490,7 +27448,7 @@
           <p:cNvPr id="9" name="Google Shape;79;p14">
             <a:extLst>
               <a:ext uri="{FF2B5EF4-FFF2-40B4-BE49-F238E27FC236}">
-                <a16:creationId xmlns:a16="http://schemas.microsoft.com/office/drawing/2014/main" xmlns="" id="{E9EC9C58-B423-E735-B962-72835BD4EE86}"/>
+                <a16:creationId xmlns="" xmlns:a16="http://schemas.microsoft.com/office/drawing/2014/main" id="{E9EC9C58-B423-E735-B962-72835BD4EE86}"/>
               </a:ext>
             </a:extLst>
           </p:cNvPr>
@@ -27524,7 +27482,7 @@
           <p:cNvPr id="10" name="Google Shape;80;p14">
             <a:extLst>
               <a:ext uri="{FF2B5EF4-FFF2-40B4-BE49-F238E27FC236}">
-                <a16:creationId xmlns:a16="http://schemas.microsoft.com/office/drawing/2014/main" xmlns="" id="{BA0DDD85-240E-A853-DC83-F6457C5291E8}"/>
+                <a16:creationId xmlns="" xmlns:a16="http://schemas.microsoft.com/office/drawing/2014/main" id="{BA0DDD85-240E-A853-DC83-F6457C5291E8}"/>
               </a:ext>
             </a:extLst>
           </p:cNvPr>
@@ -27558,7 +27516,7 @@
           <p:cNvPr id="11" name="Google Shape;81;p14">
             <a:extLst>
               <a:ext uri="{FF2B5EF4-FFF2-40B4-BE49-F238E27FC236}">
-                <a16:creationId xmlns:a16="http://schemas.microsoft.com/office/drawing/2014/main" xmlns="" id="{78D0E7F2-A606-3D98-4CE9-4D32A4C0E2C6}"/>
+                <a16:creationId xmlns="" xmlns:a16="http://schemas.microsoft.com/office/drawing/2014/main" id="{78D0E7F2-A606-3D98-4CE9-4D32A4C0E2C6}"/>
               </a:ext>
             </a:extLst>
           </p:cNvPr>
@@ -27592,7 +27550,7 @@
           <p:cNvPr id="12" name="箭头: 五边形 11">
             <a:extLst>
               <a:ext uri="{FF2B5EF4-FFF2-40B4-BE49-F238E27FC236}">
-                <a16:creationId xmlns:a16="http://schemas.microsoft.com/office/drawing/2014/main" xmlns="" id="{E13F04AF-CA49-218E-5AA1-C8D4A89BCA7A}"/>
+                <a16:creationId xmlns="" xmlns:a16="http://schemas.microsoft.com/office/drawing/2014/main" id="{E13F04AF-CA49-218E-5AA1-C8D4A89BCA7A}"/>
               </a:ext>
             </a:extLst>
           </p:cNvPr>
@@ -27639,7 +27597,7 @@
           <p:cNvPr id="13" name="箭头: 五边形 12">
             <a:extLst>
               <a:ext uri="{FF2B5EF4-FFF2-40B4-BE49-F238E27FC236}">
-                <a16:creationId xmlns:a16="http://schemas.microsoft.com/office/drawing/2014/main" xmlns="" id="{05DEB904-DFEB-BAA8-7C26-B72CD611A811}"/>
+                <a16:creationId xmlns="" xmlns:a16="http://schemas.microsoft.com/office/drawing/2014/main" id="{05DEB904-DFEB-BAA8-7C26-B72CD611A811}"/>
               </a:ext>
             </a:extLst>
           </p:cNvPr>
@@ -27695,7 +27653,7 @@
           <p:cNvPr id="14" name="箭头: 五边形 13">
             <a:extLst>
               <a:ext uri="{FF2B5EF4-FFF2-40B4-BE49-F238E27FC236}">
-                <a16:creationId xmlns:a16="http://schemas.microsoft.com/office/drawing/2014/main" xmlns="" id="{FD3B5483-3F50-8FB0-25AC-EC051D3099FB}"/>
+                <a16:creationId xmlns="" xmlns:a16="http://schemas.microsoft.com/office/drawing/2014/main" id="{FD3B5483-3F50-8FB0-25AC-EC051D3099FB}"/>
               </a:ext>
             </a:extLst>
           </p:cNvPr>
@@ -27751,7 +27709,7 @@
           <p:cNvPr id="15" name="箭头: 五边形 14">
             <a:extLst>
               <a:ext uri="{FF2B5EF4-FFF2-40B4-BE49-F238E27FC236}">
-                <a16:creationId xmlns:a16="http://schemas.microsoft.com/office/drawing/2014/main" xmlns="" id="{A43EC445-08DE-C16A-E8F3-A1D64CDC87A4}"/>
+                <a16:creationId xmlns="" xmlns:a16="http://schemas.microsoft.com/office/drawing/2014/main" id="{A43EC445-08DE-C16A-E8F3-A1D64CDC87A4}"/>
               </a:ext>
             </a:extLst>
           </p:cNvPr>
@@ -27807,7 +27765,7 @@
           <p:cNvPr id="16" name="箭头: 五边形 15">
             <a:extLst>
               <a:ext uri="{FF2B5EF4-FFF2-40B4-BE49-F238E27FC236}">
-                <a16:creationId xmlns:a16="http://schemas.microsoft.com/office/drawing/2014/main" xmlns="" id="{B8062128-35C1-DC16-AC2E-34A3B7EFCE5D}"/>
+                <a16:creationId xmlns="" xmlns:a16="http://schemas.microsoft.com/office/drawing/2014/main" id="{B8062128-35C1-DC16-AC2E-34A3B7EFCE5D}"/>
               </a:ext>
             </a:extLst>
           </p:cNvPr>
@@ -27863,7 +27821,7 @@
           <p:cNvPr id="17" name="箭头: 五边形 16">
             <a:extLst>
               <a:ext uri="{FF2B5EF4-FFF2-40B4-BE49-F238E27FC236}">
-                <a16:creationId xmlns:a16="http://schemas.microsoft.com/office/drawing/2014/main" xmlns="" id="{9161E0C4-34BC-E5EF-2DA6-3E4BE128882D}"/>
+                <a16:creationId xmlns="" xmlns:a16="http://schemas.microsoft.com/office/drawing/2014/main" id="{9161E0C4-34BC-E5EF-2DA6-3E4BE128882D}"/>
               </a:ext>
             </a:extLst>
           </p:cNvPr>
@@ -27910,7 +27868,7 @@
           <p:cNvPr id="18" name="箭头: 五边形 17">
             <a:extLst>
               <a:ext uri="{FF2B5EF4-FFF2-40B4-BE49-F238E27FC236}">
-                <a16:creationId xmlns:a16="http://schemas.microsoft.com/office/drawing/2014/main" xmlns="" id="{B14F0095-88A1-E73B-341C-A51D4BF3BCE7}"/>
+                <a16:creationId xmlns="" xmlns:a16="http://schemas.microsoft.com/office/drawing/2014/main" id="{B14F0095-88A1-E73B-341C-A51D4BF3BCE7}"/>
               </a:ext>
             </a:extLst>
           </p:cNvPr>
@@ -27957,7 +27915,7 @@
           <p:cNvPr id="19" name="箭头: 五边形 18">
             <a:extLst>
               <a:ext uri="{FF2B5EF4-FFF2-40B4-BE49-F238E27FC236}">
-                <a16:creationId xmlns:a16="http://schemas.microsoft.com/office/drawing/2014/main" xmlns="" id="{E972E0E3-FC1A-AEDD-7D35-7285E0781540}"/>
+                <a16:creationId xmlns="" xmlns:a16="http://schemas.microsoft.com/office/drawing/2014/main" id="{E972E0E3-FC1A-AEDD-7D35-7285E0781540}"/>
               </a:ext>
             </a:extLst>
           </p:cNvPr>
@@ -28044,7 +28002,7 @@
           <p:cNvPr id="2" name="标题 1">
             <a:extLst>
               <a:ext uri="{FF2B5EF4-FFF2-40B4-BE49-F238E27FC236}">
-                <a16:creationId xmlns:a16="http://schemas.microsoft.com/office/drawing/2014/main" xmlns="" id="{2A9B6C59-89F9-5390-BB77-F8DB7EF7B310}"/>
+                <a16:creationId xmlns="" xmlns:a16="http://schemas.microsoft.com/office/drawing/2014/main" id="{2A9B6C59-89F9-5390-BB77-F8DB7EF7B310}"/>
               </a:ext>
             </a:extLst>
           </p:cNvPr>
@@ -28119,7 +28077,7 @@
           <p:cNvPr id="2" name="标题 1">
             <a:extLst>
               <a:ext uri="{FF2B5EF4-FFF2-40B4-BE49-F238E27FC236}">
-                <a16:creationId xmlns:a16="http://schemas.microsoft.com/office/drawing/2014/main" xmlns="" id="{80796E82-7314-2FBE-2DE8-DDD70D4DF27E}"/>
+                <a16:creationId xmlns="" xmlns:a16="http://schemas.microsoft.com/office/drawing/2014/main" id="{80796E82-7314-2FBE-2DE8-DDD70D4DF27E}"/>
               </a:ext>
             </a:extLst>
           </p:cNvPr>
@@ -28168,7 +28126,7 @@
           <p:cNvPr id="5" name="椭圆 4">
             <a:extLst>
               <a:ext uri="{FF2B5EF4-FFF2-40B4-BE49-F238E27FC236}">
-                <a16:creationId xmlns:a16="http://schemas.microsoft.com/office/drawing/2014/main" xmlns="" id="{A020CC41-9901-5A10-06D8-1F19650A3A6A}"/>
+                <a16:creationId xmlns="" xmlns:a16="http://schemas.microsoft.com/office/drawing/2014/main" id="{A020CC41-9901-5A10-06D8-1F19650A3A6A}"/>
               </a:ext>
             </a:extLst>
           </p:cNvPr>
@@ -28220,7 +28178,7 @@
           <p:cNvPr id="6" name="Google Shape;74;p14">
             <a:extLst>
               <a:ext uri="{FF2B5EF4-FFF2-40B4-BE49-F238E27FC236}">
-                <a16:creationId xmlns:a16="http://schemas.microsoft.com/office/drawing/2014/main" xmlns="" id="{8ABB2948-CF7D-7BD6-14B8-367574244CB2}"/>
+                <a16:creationId xmlns="" xmlns:a16="http://schemas.microsoft.com/office/drawing/2014/main" id="{8ABB2948-CF7D-7BD6-14B8-367574244CB2}"/>
               </a:ext>
             </a:extLst>
           </p:cNvPr>
@@ -28254,7 +28212,7 @@
           <p:cNvPr id="7" name="Google Shape;75;p14">
             <a:extLst>
               <a:ext uri="{FF2B5EF4-FFF2-40B4-BE49-F238E27FC236}">
-                <a16:creationId xmlns:a16="http://schemas.microsoft.com/office/drawing/2014/main" xmlns="" id="{744D1F6B-EBF7-049C-9CBC-D2BD265B8DB5}"/>
+                <a16:creationId xmlns="" xmlns:a16="http://schemas.microsoft.com/office/drawing/2014/main" id="{744D1F6B-EBF7-049C-9CBC-D2BD265B8DB5}"/>
               </a:ext>
             </a:extLst>
           </p:cNvPr>
@@ -28288,7 +28246,7 @@
           <p:cNvPr id="8" name="Google Shape;76;p14">
             <a:extLst>
               <a:ext uri="{FF2B5EF4-FFF2-40B4-BE49-F238E27FC236}">
-                <a16:creationId xmlns:a16="http://schemas.microsoft.com/office/drawing/2014/main" xmlns="" id="{A0604560-830C-4AC9-3717-031AA48B5D45}"/>
+                <a16:creationId xmlns="" xmlns:a16="http://schemas.microsoft.com/office/drawing/2014/main" id="{A0604560-830C-4AC9-3717-031AA48B5D45}"/>
               </a:ext>
             </a:extLst>
           </p:cNvPr>
@@ -28322,7 +28280,7 @@
           <p:cNvPr id="9" name="Google Shape;77;p14">
             <a:extLst>
               <a:ext uri="{FF2B5EF4-FFF2-40B4-BE49-F238E27FC236}">
-                <a16:creationId xmlns:a16="http://schemas.microsoft.com/office/drawing/2014/main" xmlns="" id="{DC03C87C-87BB-A5EB-0D50-DDB31F93A6C2}"/>
+                <a16:creationId xmlns="" xmlns:a16="http://schemas.microsoft.com/office/drawing/2014/main" id="{DC03C87C-87BB-A5EB-0D50-DDB31F93A6C2}"/>
               </a:ext>
             </a:extLst>
           </p:cNvPr>
@@ -28356,7 +28314,7 @@
           <p:cNvPr id="10" name="Google Shape;78;p14">
             <a:extLst>
               <a:ext uri="{FF2B5EF4-FFF2-40B4-BE49-F238E27FC236}">
-                <a16:creationId xmlns:a16="http://schemas.microsoft.com/office/drawing/2014/main" xmlns="" id="{281D3DED-9B64-E88B-FC5F-0C30B82A9484}"/>
+                <a16:creationId xmlns="" xmlns:a16="http://schemas.microsoft.com/office/drawing/2014/main" id="{281D3DED-9B64-E88B-FC5F-0C30B82A9484}"/>
               </a:ext>
             </a:extLst>
           </p:cNvPr>
@@ -28390,7 +28348,7 @@
           <p:cNvPr id="11" name="Google Shape;79;p14">
             <a:extLst>
               <a:ext uri="{FF2B5EF4-FFF2-40B4-BE49-F238E27FC236}">
-                <a16:creationId xmlns:a16="http://schemas.microsoft.com/office/drawing/2014/main" xmlns="" id="{0DAE55E6-D474-C395-BC84-8ACA3CE820A0}"/>
+                <a16:creationId xmlns="" xmlns:a16="http://schemas.microsoft.com/office/drawing/2014/main" id="{0DAE55E6-D474-C395-BC84-8ACA3CE820A0}"/>
               </a:ext>
             </a:extLst>
           </p:cNvPr>
@@ -28424,7 +28382,7 @@
           <p:cNvPr id="12" name="Google Shape;80;p14">
             <a:extLst>
               <a:ext uri="{FF2B5EF4-FFF2-40B4-BE49-F238E27FC236}">
-                <a16:creationId xmlns:a16="http://schemas.microsoft.com/office/drawing/2014/main" xmlns="" id="{3A5AAC50-9F06-A76F-B20B-35CF3612E825}"/>
+                <a16:creationId xmlns="" xmlns:a16="http://schemas.microsoft.com/office/drawing/2014/main" id="{3A5AAC50-9F06-A76F-B20B-35CF3612E825}"/>
               </a:ext>
             </a:extLst>
           </p:cNvPr>
@@ -28458,7 +28416,7 @@
           <p:cNvPr id="13" name="Google Shape;81;p14">
             <a:extLst>
               <a:ext uri="{FF2B5EF4-FFF2-40B4-BE49-F238E27FC236}">
-                <a16:creationId xmlns:a16="http://schemas.microsoft.com/office/drawing/2014/main" xmlns="" id="{F33B3BEC-1095-E464-2D03-703E55B0F8A0}"/>
+                <a16:creationId xmlns="" xmlns:a16="http://schemas.microsoft.com/office/drawing/2014/main" id="{F33B3BEC-1095-E464-2D03-703E55B0F8A0}"/>
               </a:ext>
             </a:extLst>
           </p:cNvPr>
@@ -28492,7 +28450,7 @@
           <p:cNvPr id="14" name="图片 13">
             <a:extLst>
               <a:ext uri="{FF2B5EF4-FFF2-40B4-BE49-F238E27FC236}">
-                <a16:creationId xmlns:a16="http://schemas.microsoft.com/office/drawing/2014/main" xmlns="" id="{A1247C65-E9FE-684D-C577-C3EFF757A026}"/>
+                <a16:creationId xmlns="" xmlns:a16="http://schemas.microsoft.com/office/drawing/2014/main" id="{A1247C65-E9FE-684D-C577-C3EFF757A026}"/>
               </a:ext>
             </a:extLst>
           </p:cNvPr>
@@ -28522,7 +28480,7 @@
           <p:cNvPr id="15" name="图片 14">
             <a:extLst>
               <a:ext uri="{FF2B5EF4-FFF2-40B4-BE49-F238E27FC236}">
-                <a16:creationId xmlns:a16="http://schemas.microsoft.com/office/drawing/2014/main" xmlns="" id="{2E9CE1E3-2135-0036-6AC6-4F023E9FB9FB}"/>
+                <a16:creationId xmlns="" xmlns:a16="http://schemas.microsoft.com/office/drawing/2014/main" id="{2E9CE1E3-2135-0036-6AC6-4F023E9FB9FB}"/>
               </a:ext>
             </a:extLst>
           </p:cNvPr>
@@ -28552,7 +28510,7 @@
           <p:cNvPr id="16" name="图片 15">
             <a:extLst>
               <a:ext uri="{FF2B5EF4-FFF2-40B4-BE49-F238E27FC236}">
-                <a16:creationId xmlns:a16="http://schemas.microsoft.com/office/drawing/2014/main" xmlns="" id="{E105324A-0DF5-3CC5-8FA4-5C776E05B929}"/>
+                <a16:creationId xmlns="" xmlns:a16="http://schemas.microsoft.com/office/drawing/2014/main" id="{E105324A-0DF5-3CC5-8FA4-5C776E05B929}"/>
               </a:ext>
             </a:extLst>
           </p:cNvPr>
@@ -28582,7 +28540,7 @@
           <p:cNvPr id="17" name="图片 16">
             <a:extLst>
               <a:ext uri="{FF2B5EF4-FFF2-40B4-BE49-F238E27FC236}">
-                <a16:creationId xmlns:a16="http://schemas.microsoft.com/office/drawing/2014/main" xmlns="" id="{9B118434-3A73-4D47-C6D6-FBDC473A6E94}"/>
+                <a16:creationId xmlns="" xmlns:a16="http://schemas.microsoft.com/office/drawing/2014/main" id="{9B118434-3A73-4D47-C6D6-FBDC473A6E94}"/>
               </a:ext>
             </a:extLst>
           </p:cNvPr>
@@ -28612,7 +28570,7 @@
           <p:cNvPr id="18" name="图片 17">
             <a:extLst>
               <a:ext uri="{FF2B5EF4-FFF2-40B4-BE49-F238E27FC236}">
-                <a16:creationId xmlns:a16="http://schemas.microsoft.com/office/drawing/2014/main" xmlns="" id="{B4FACCEA-FD77-524D-0769-3E9B324ECE01}"/>
+                <a16:creationId xmlns="" xmlns:a16="http://schemas.microsoft.com/office/drawing/2014/main" id="{B4FACCEA-FD77-524D-0769-3E9B324ECE01}"/>
               </a:ext>
             </a:extLst>
           </p:cNvPr>
@@ -28672,7 +28630,7 @@
           <p:cNvPr id="2" name="标题 1">
             <a:extLst>
               <a:ext uri="{FF2B5EF4-FFF2-40B4-BE49-F238E27FC236}">
-                <a16:creationId xmlns:a16="http://schemas.microsoft.com/office/drawing/2014/main" xmlns="" id="{80796E82-7314-2FBE-2DE8-DDD70D4DF27E}"/>
+                <a16:creationId xmlns="" xmlns:a16="http://schemas.microsoft.com/office/drawing/2014/main" id="{80796E82-7314-2FBE-2DE8-DDD70D4DF27E}"/>
               </a:ext>
             </a:extLst>
           </p:cNvPr>
@@ -28721,7 +28679,7 @@
           <p:cNvPr id="5" name="椭圆 4">
             <a:extLst>
               <a:ext uri="{FF2B5EF4-FFF2-40B4-BE49-F238E27FC236}">
-                <a16:creationId xmlns:a16="http://schemas.microsoft.com/office/drawing/2014/main" xmlns="" id="{A020CC41-9901-5A10-06D8-1F19650A3A6A}"/>
+                <a16:creationId xmlns="" xmlns:a16="http://schemas.microsoft.com/office/drawing/2014/main" id="{A020CC41-9901-5A10-06D8-1F19650A3A6A}"/>
               </a:ext>
             </a:extLst>
           </p:cNvPr>
@@ -28773,7 +28731,7 @@
           <p:cNvPr id="6" name="Google Shape;74;p14">
             <a:extLst>
               <a:ext uri="{FF2B5EF4-FFF2-40B4-BE49-F238E27FC236}">
-                <a16:creationId xmlns:a16="http://schemas.microsoft.com/office/drawing/2014/main" xmlns="" id="{8ABB2948-CF7D-7BD6-14B8-367574244CB2}"/>
+                <a16:creationId xmlns="" xmlns:a16="http://schemas.microsoft.com/office/drawing/2014/main" id="{8ABB2948-CF7D-7BD6-14B8-367574244CB2}"/>
               </a:ext>
             </a:extLst>
           </p:cNvPr>
@@ -28807,7 +28765,7 @@
           <p:cNvPr id="7" name="Google Shape;75;p14">
             <a:extLst>
               <a:ext uri="{FF2B5EF4-FFF2-40B4-BE49-F238E27FC236}">
-                <a16:creationId xmlns:a16="http://schemas.microsoft.com/office/drawing/2014/main" xmlns="" id="{744D1F6B-EBF7-049C-9CBC-D2BD265B8DB5}"/>
+                <a16:creationId xmlns="" xmlns:a16="http://schemas.microsoft.com/office/drawing/2014/main" id="{744D1F6B-EBF7-049C-9CBC-D2BD265B8DB5}"/>
               </a:ext>
             </a:extLst>
           </p:cNvPr>
@@ -28841,7 +28799,7 @@
           <p:cNvPr id="8" name="Google Shape;76;p14">
             <a:extLst>
               <a:ext uri="{FF2B5EF4-FFF2-40B4-BE49-F238E27FC236}">
-                <a16:creationId xmlns:a16="http://schemas.microsoft.com/office/drawing/2014/main" xmlns="" id="{A0604560-830C-4AC9-3717-031AA48B5D45}"/>
+                <a16:creationId xmlns="" xmlns:a16="http://schemas.microsoft.com/office/drawing/2014/main" id="{A0604560-830C-4AC9-3717-031AA48B5D45}"/>
               </a:ext>
             </a:extLst>
           </p:cNvPr>
@@ -28875,7 +28833,7 @@
           <p:cNvPr id="9" name="Google Shape;77;p14">
             <a:extLst>
               <a:ext uri="{FF2B5EF4-FFF2-40B4-BE49-F238E27FC236}">
-                <a16:creationId xmlns:a16="http://schemas.microsoft.com/office/drawing/2014/main" xmlns="" id="{DC03C87C-87BB-A5EB-0D50-DDB31F93A6C2}"/>
+                <a16:creationId xmlns="" xmlns:a16="http://schemas.microsoft.com/office/drawing/2014/main" id="{DC03C87C-87BB-A5EB-0D50-DDB31F93A6C2}"/>
               </a:ext>
             </a:extLst>
           </p:cNvPr>
@@ -28909,7 +28867,7 @@
           <p:cNvPr id="10" name="Google Shape;78;p14">
             <a:extLst>
               <a:ext uri="{FF2B5EF4-FFF2-40B4-BE49-F238E27FC236}">
-                <a16:creationId xmlns:a16="http://schemas.microsoft.com/office/drawing/2014/main" xmlns="" id="{281D3DED-9B64-E88B-FC5F-0C30B82A9484}"/>
+                <a16:creationId xmlns="" xmlns:a16="http://schemas.microsoft.com/office/drawing/2014/main" id="{281D3DED-9B64-E88B-FC5F-0C30B82A9484}"/>
               </a:ext>
             </a:extLst>
           </p:cNvPr>
@@ -28943,7 +28901,7 @@
           <p:cNvPr id="11" name="Google Shape;79;p14">
             <a:extLst>
               <a:ext uri="{FF2B5EF4-FFF2-40B4-BE49-F238E27FC236}">
-                <a16:creationId xmlns:a16="http://schemas.microsoft.com/office/drawing/2014/main" xmlns="" id="{0DAE55E6-D474-C395-BC84-8ACA3CE820A0}"/>
+                <a16:creationId xmlns="" xmlns:a16="http://schemas.microsoft.com/office/drawing/2014/main" id="{0DAE55E6-D474-C395-BC84-8ACA3CE820A0}"/>
               </a:ext>
             </a:extLst>
           </p:cNvPr>
@@ -28977,7 +28935,7 @@
           <p:cNvPr id="12" name="Google Shape;80;p14">
             <a:extLst>
               <a:ext uri="{FF2B5EF4-FFF2-40B4-BE49-F238E27FC236}">
-                <a16:creationId xmlns:a16="http://schemas.microsoft.com/office/drawing/2014/main" xmlns="" id="{3A5AAC50-9F06-A76F-B20B-35CF3612E825}"/>
+                <a16:creationId xmlns="" xmlns:a16="http://schemas.microsoft.com/office/drawing/2014/main" id="{3A5AAC50-9F06-A76F-B20B-35CF3612E825}"/>
               </a:ext>
             </a:extLst>
           </p:cNvPr>
@@ -29011,7 +28969,7 @@
           <p:cNvPr id="13" name="Google Shape;81;p14">
             <a:extLst>
               <a:ext uri="{FF2B5EF4-FFF2-40B4-BE49-F238E27FC236}">
-                <a16:creationId xmlns:a16="http://schemas.microsoft.com/office/drawing/2014/main" xmlns="" id="{F33B3BEC-1095-E464-2D03-703E55B0F8A0}"/>
+                <a16:creationId xmlns="" xmlns:a16="http://schemas.microsoft.com/office/drawing/2014/main" id="{F33B3BEC-1095-E464-2D03-703E55B0F8A0}"/>
               </a:ext>
             </a:extLst>
           </p:cNvPr>
@@ -29045,7 +29003,7 @@
           <p:cNvPr id="14" name="图片 13">
             <a:extLst>
               <a:ext uri="{FF2B5EF4-FFF2-40B4-BE49-F238E27FC236}">
-                <a16:creationId xmlns:a16="http://schemas.microsoft.com/office/drawing/2014/main" xmlns="" id="{A1247C65-E9FE-684D-C577-C3EFF757A026}"/>
+                <a16:creationId xmlns="" xmlns:a16="http://schemas.microsoft.com/office/drawing/2014/main" id="{A1247C65-E9FE-684D-C577-C3EFF757A026}"/>
               </a:ext>
             </a:extLst>
           </p:cNvPr>
@@ -29075,7 +29033,7 @@
           <p:cNvPr id="15" name="图片 14">
             <a:extLst>
               <a:ext uri="{FF2B5EF4-FFF2-40B4-BE49-F238E27FC236}">
-                <a16:creationId xmlns:a16="http://schemas.microsoft.com/office/drawing/2014/main" xmlns="" id="{2E9CE1E3-2135-0036-6AC6-4F023E9FB9FB}"/>
+                <a16:creationId xmlns="" xmlns:a16="http://schemas.microsoft.com/office/drawing/2014/main" id="{2E9CE1E3-2135-0036-6AC6-4F023E9FB9FB}"/>
               </a:ext>
             </a:extLst>
           </p:cNvPr>
@@ -29105,7 +29063,7 @@
           <p:cNvPr id="16" name="图片 15">
             <a:extLst>
               <a:ext uri="{FF2B5EF4-FFF2-40B4-BE49-F238E27FC236}">
-                <a16:creationId xmlns:a16="http://schemas.microsoft.com/office/drawing/2014/main" xmlns="" id="{E105324A-0DF5-3CC5-8FA4-5C776E05B929}"/>
+                <a16:creationId xmlns="" xmlns:a16="http://schemas.microsoft.com/office/drawing/2014/main" id="{E105324A-0DF5-3CC5-8FA4-5C776E05B929}"/>
               </a:ext>
             </a:extLst>
           </p:cNvPr>
@@ -29135,7 +29093,7 @@
           <p:cNvPr id="17" name="图片 16">
             <a:extLst>
               <a:ext uri="{FF2B5EF4-FFF2-40B4-BE49-F238E27FC236}">
-                <a16:creationId xmlns:a16="http://schemas.microsoft.com/office/drawing/2014/main" xmlns="" id="{9B118434-3A73-4D47-C6D6-FBDC473A6E94}"/>
+                <a16:creationId xmlns="" xmlns:a16="http://schemas.microsoft.com/office/drawing/2014/main" id="{9B118434-3A73-4D47-C6D6-FBDC473A6E94}"/>
               </a:ext>
             </a:extLst>
           </p:cNvPr>
@@ -29165,7 +29123,7 @@
           <p:cNvPr id="18" name="图片 17">
             <a:extLst>
               <a:ext uri="{FF2B5EF4-FFF2-40B4-BE49-F238E27FC236}">
-                <a16:creationId xmlns:a16="http://schemas.microsoft.com/office/drawing/2014/main" xmlns="" id="{B4FACCEA-FD77-524D-0769-3E9B324ECE01}"/>
+                <a16:creationId xmlns="" xmlns:a16="http://schemas.microsoft.com/office/drawing/2014/main" id="{B4FACCEA-FD77-524D-0769-3E9B324ECE01}"/>
               </a:ext>
             </a:extLst>
           </p:cNvPr>
@@ -29195,7 +29153,7 @@
           <p:cNvPr id="19" name="Google Shape;87;p14">
             <a:extLst>
               <a:ext uri="{FF2B5EF4-FFF2-40B4-BE49-F238E27FC236}">
-                <a16:creationId xmlns:a16="http://schemas.microsoft.com/office/drawing/2014/main" xmlns="" id="{D5F99ADA-5751-0003-A146-8C3479B5FA29}"/>
+                <a16:creationId xmlns="" xmlns:a16="http://schemas.microsoft.com/office/drawing/2014/main" id="{D5F99ADA-5751-0003-A146-8C3479B5FA29}"/>
               </a:ext>
             </a:extLst>
           </p:cNvPr>
@@ -29229,7 +29187,7 @@
           <p:cNvPr id="21" name="Google Shape;87;p14">
             <a:extLst>
               <a:ext uri="{FF2B5EF4-FFF2-40B4-BE49-F238E27FC236}">
-                <a16:creationId xmlns:a16="http://schemas.microsoft.com/office/drawing/2014/main" xmlns="" id="{90F13ACB-01F8-F61D-B504-33D42F0F054E}"/>
+                <a16:creationId xmlns="" xmlns:a16="http://schemas.microsoft.com/office/drawing/2014/main" id="{90F13ACB-01F8-F61D-B504-33D42F0F054E}"/>
               </a:ext>
             </a:extLst>
           </p:cNvPr>
@@ -29263,7 +29221,7 @@
           <p:cNvPr id="24" name="Google Shape;85;p14">
             <a:extLst>
               <a:ext uri="{FF2B5EF4-FFF2-40B4-BE49-F238E27FC236}">
-                <a16:creationId xmlns:a16="http://schemas.microsoft.com/office/drawing/2014/main" xmlns="" id="{8498F254-73E8-BE24-4CFC-E75E188DD02A}"/>
+                <a16:creationId xmlns="" xmlns:a16="http://schemas.microsoft.com/office/drawing/2014/main" id="{8498F254-73E8-BE24-4CFC-E75E188DD02A}"/>
               </a:ext>
             </a:extLst>
           </p:cNvPr>
@@ -29304,7 +29262,7 @@
           <p:cNvPr id="25" name="Google Shape;85;p14">
             <a:extLst>
               <a:ext uri="{FF2B5EF4-FFF2-40B4-BE49-F238E27FC236}">
-                <a16:creationId xmlns:a16="http://schemas.microsoft.com/office/drawing/2014/main" xmlns="" id="{5C78CA6E-6DFC-515D-2D93-7149CE8D13F3}"/>
+                <a16:creationId xmlns="" xmlns:a16="http://schemas.microsoft.com/office/drawing/2014/main" id="{5C78CA6E-6DFC-515D-2D93-7149CE8D13F3}"/>
               </a:ext>
             </a:extLst>
           </p:cNvPr>
@@ -29345,7 +29303,7 @@
           <p:cNvPr id="26" name="Google Shape;90;p14">
             <a:extLst>
               <a:ext uri="{FF2B5EF4-FFF2-40B4-BE49-F238E27FC236}">
-                <a16:creationId xmlns:a16="http://schemas.microsoft.com/office/drawing/2014/main" xmlns="" id="{70D7F9C8-3F19-0671-CC95-0C6FF2D659F6}"/>
+                <a16:creationId xmlns="" xmlns:a16="http://schemas.microsoft.com/office/drawing/2014/main" id="{70D7F9C8-3F19-0671-CC95-0C6FF2D659F6}"/>
               </a:ext>
             </a:extLst>
           </p:cNvPr>
@@ -29379,7 +29337,7 @@
           <p:cNvPr id="27" name="Google Shape;83;p14">
             <a:extLst>
               <a:ext uri="{FF2B5EF4-FFF2-40B4-BE49-F238E27FC236}">
-                <a16:creationId xmlns:a16="http://schemas.microsoft.com/office/drawing/2014/main" xmlns="" id="{7612AD67-07A2-FFEB-0DE5-F90CDC1B4A5C}"/>
+                <a16:creationId xmlns="" xmlns:a16="http://schemas.microsoft.com/office/drawing/2014/main" id="{7612AD67-07A2-FFEB-0DE5-F90CDC1B4A5C}"/>
               </a:ext>
             </a:extLst>
           </p:cNvPr>
@@ -29424,7 +29382,7 @@
           <p:cNvPr id="28" name="Google Shape;83;p14">
             <a:extLst>
               <a:ext uri="{FF2B5EF4-FFF2-40B4-BE49-F238E27FC236}">
-                <a16:creationId xmlns:a16="http://schemas.microsoft.com/office/drawing/2014/main" xmlns="" id="{8DAAC8FF-3497-68B4-671F-222AE70DDC00}"/>
+                <a16:creationId xmlns="" xmlns:a16="http://schemas.microsoft.com/office/drawing/2014/main" id="{8DAAC8FF-3497-68B4-671F-222AE70DDC00}"/>
               </a:ext>
             </a:extLst>
           </p:cNvPr>
@@ -29469,7 +29427,7 @@
           <p:cNvPr id="29" name="矩形 28">
             <a:extLst>
               <a:ext uri="{FF2B5EF4-FFF2-40B4-BE49-F238E27FC236}">
-                <a16:creationId xmlns:a16="http://schemas.microsoft.com/office/drawing/2014/main" xmlns="" id="{F5D95F4C-2AC2-CBDE-25EE-8B0D5572C4DD}"/>
+                <a16:creationId xmlns="" xmlns:a16="http://schemas.microsoft.com/office/drawing/2014/main" id="{F5D95F4C-2AC2-CBDE-25EE-8B0D5572C4DD}"/>
               </a:ext>
             </a:extLst>
           </p:cNvPr>
@@ -29520,7 +29478,7 @@
           <p:cNvPr id="30" name="文本框 29">
             <a:extLst>
               <a:ext uri="{FF2B5EF4-FFF2-40B4-BE49-F238E27FC236}">
-                <a16:creationId xmlns:a16="http://schemas.microsoft.com/office/drawing/2014/main" xmlns="" id="{02CD6288-94AE-B133-56AB-163E634896EC}"/>
+                <a16:creationId xmlns="" xmlns:a16="http://schemas.microsoft.com/office/drawing/2014/main" id="{02CD6288-94AE-B133-56AB-163E634896EC}"/>
               </a:ext>
             </a:extLst>
           </p:cNvPr>
@@ -29589,7 +29547,7 @@
           <p:cNvPr id="2" name="标题 1">
             <a:extLst>
               <a:ext uri="{FF2B5EF4-FFF2-40B4-BE49-F238E27FC236}">
-                <a16:creationId xmlns:a16="http://schemas.microsoft.com/office/drawing/2014/main" xmlns="" id="{80796E82-7314-2FBE-2DE8-DDD70D4DF27E}"/>
+                <a16:creationId xmlns="" xmlns:a16="http://schemas.microsoft.com/office/drawing/2014/main" id="{80796E82-7314-2FBE-2DE8-DDD70D4DF27E}"/>
               </a:ext>
             </a:extLst>
           </p:cNvPr>
@@ -29638,7 +29596,7 @@
           <p:cNvPr id="5" name="椭圆 4">
             <a:extLst>
               <a:ext uri="{FF2B5EF4-FFF2-40B4-BE49-F238E27FC236}">
-                <a16:creationId xmlns:a16="http://schemas.microsoft.com/office/drawing/2014/main" xmlns="" id="{A020CC41-9901-5A10-06D8-1F19650A3A6A}"/>
+                <a16:creationId xmlns="" xmlns:a16="http://schemas.microsoft.com/office/drawing/2014/main" id="{A020CC41-9901-5A10-06D8-1F19650A3A6A}"/>
               </a:ext>
             </a:extLst>
           </p:cNvPr>
@@ -29690,7 +29648,7 @@
           <p:cNvPr id="6" name="Google Shape;74;p14">
             <a:extLst>
               <a:ext uri="{FF2B5EF4-FFF2-40B4-BE49-F238E27FC236}">
-                <a16:creationId xmlns:a16="http://schemas.microsoft.com/office/drawing/2014/main" xmlns="" id="{8ABB2948-CF7D-7BD6-14B8-367574244CB2}"/>
+                <a16:creationId xmlns="" xmlns:a16="http://schemas.microsoft.com/office/drawing/2014/main" id="{8ABB2948-CF7D-7BD6-14B8-367574244CB2}"/>
               </a:ext>
             </a:extLst>
           </p:cNvPr>
@@ -29724,7 +29682,7 @@
           <p:cNvPr id="7" name="Google Shape;75;p14">
             <a:extLst>
               <a:ext uri="{FF2B5EF4-FFF2-40B4-BE49-F238E27FC236}">
-                <a16:creationId xmlns:a16="http://schemas.microsoft.com/office/drawing/2014/main" xmlns="" id="{744D1F6B-EBF7-049C-9CBC-D2BD265B8DB5}"/>
+                <a16:creationId xmlns="" xmlns:a16="http://schemas.microsoft.com/office/drawing/2014/main" id="{744D1F6B-EBF7-049C-9CBC-D2BD265B8DB5}"/>
               </a:ext>
             </a:extLst>
           </p:cNvPr>
@@ -29758,7 +29716,7 @@
           <p:cNvPr id="8" name="Google Shape;76;p14">
             <a:extLst>
               <a:ext uri="{FF2B5EF4-FFF2-40B4-BE49-F238E27FC236}">
-                <a16:creationId xmlns:a16="http://schemas.microsoft.com/office/drawing/2014/main" xmlns="" id="{A0604560-830C-4AC9-3717-031AA48B5D45}"/>
+                <a16:creationId xmlns="" xmlns:a16="http://schemas.microsoft.com/office/drawing/2014/main" id="{A0604560-830C-4AC9-3717-031AA48B5D45}"/>
               </a:ext>
             </a:extLst>
           </p:cNvPr>
@@ -29792,7 +29750,7 @@
           <p:cNvPr id="9" name="Google Shape;77;p14">
             <a:extLst>
               <a:ext uri="{FF2B5EF4-FFF2-40B4-BE49-F238E27FC236}">
-                <a16:creationId xmlns:a16="http://schemas.microsoft.com/office/drawing/2014/main" xmlns="" id="{DC03C87C-87BB-A5EB-0D50-DDB31F93A6C2}"/>
+                <a16:creationId xmlns="" xmlns:a16="http://schemas.microsoft.com/office/drawing/2014/main" id="{DC03C87C-87BB-A5EB-0D50-DDB31F93A6C2}"/>
               </a:ext>
             </a:extLst>
           </p:cNvPr>
@@ -29826,7 +29784,7 @@
           <p:cNvPr id="10" name="Google Shape;78;p14">
             <a:extLst>
               <a:ext uri="{FF2B5EF4-FFF2-40B4-BE49-F238E27FC236}">
-                <a16:creationId xmlns:a16="http://schemas.microsoft.com/office/drawing/2014/main" xmlns="" id="{281D3DED-9B64-E88B-FC5F-0C30B82A9484}"/>
+                <a16:creationId xmlns="" xmlns:a16="http://schemas.microsoft.com/office/drawing/2014/main" id="{281D3DED-9B64-E88B-FC5F-0C30B82A9484}"/>
               </a:ext>
             </a:extLst>
           </p:cNvPr>
@@ -29860,7 +29818,7 @@
           <p:cNvPr id="11" name="Google Shape;79;p14">
             <a:extLst>
               <a:ext uri="{FF2B5EF4-FFF2-40B4-BE49-F238E27FC236}">
-                <a16:creationId xmlns:a16="http://schemas.microsoft.com/office/drawing/2014/main" xmlns="" id="{0DAE55E6-D474-C395-BC84-8ACA3CE820A0}"/>
+                <a16:creationId xmlns="" xmlns:a16="http://schemas.microsoft.com/office/drawing/2014/main" id="{0DAE55E6-D474-C395-BC84-8ACA3CE820A0}"/>
               </a:ext>
             </a:extLst>
           </p:cNvPr>
@@ -29894,7 +29852,7 @@
           <p:cNvPr id="12" name="Google Shape;80;p14">
             <a:extLst>
               <a:ext uri="{FF2B5EF4-FFF2-40B4-BE49-F238E27FC236}">
-                <a16:creationId xmlns:a16="http://schemas.microsoft.com/office/drawing/2014/main" xmlns="" id="{3A5AAC50-9F06-A76F-B20B-35CF3612E825}"/>
+                <a16:creationId xmlns="" xmlns:a16="http://schemas.microsoft.com/office/drawing/2014/main" id="{3A5AAC50-9F06-A76F-B20B-35CF3612E825}"/>
               </a:ext>
             </a:extLst>
           </p:cNvPr>
@@ -29928,7 +29886,7 @@
           <p:cNvPr id="13" name="Google Shape;81;p14">
             <a:extLst>
               <a:ext uri="{FF2B5EF4-FFF2-40B4-BE49-F238E27FC236}">
-                <a16:creationId xmlns:a16="http://schemas.microsoft.com/office/drawing/2014/main" xmlns="" id="{F33B3BEC-1095-E464-2D03-703E55B0F8A0}"/>
+                <a16:creationId xmlns="" xmlns:a16="http://schemas.microsoft.com/office/drawing/2014/main" id="{F33B3BEC-1095-E464-2D03-703E55B0F8A0}"/>
               </a:ext>
             </a:extLst>
           </p:cNvPr>
@@ -29962,7 +29920,7 @@
           <p:cNvPr id="19" name="Google Shape;87;p14">
             <a:extLst>
               <a:ext uri="{FF2B5EF4-FFF2-40B4-BE49-F238E27FC236}">
-                <a16:creationId xmlns:a16="http://schemas.microsoft.com/office/drawing/2014/main" xmlns="" id="{D5F99ADA-5751-0003-A146-8C3479B5FA29}"/>
+                <a16:creationId xmlns="" xmlns:a16="http://schemas.microsoft.com/office/drawing/2014/main" id="{D5F99ADA-5751-0003-A146-8C3479B5FA29}"/>
               </a:ext>
             </a:extLst>
           </p:cNvPr>
@@ -29996,7 +29954,7 @@
           <p:cNvPr id="24" name="Google Shape;85;p14">
             <a:extLst>
               <a:ext uri="{FF2B5EF4-FFF2-40B4-BE49-F238E27FC236}">
-                <a16:creationId xmlns:a16="http://schemas.microsoft.com/office/drawing/2014/main" xmlns="" id="{8498F254-73E8-BE24-4CFC-E75E188DD02A}"/>
+                <a16:creationId xmlns="" xmlns:a16="http://schemas.microsoft.com/office/drawing/2014/main" id="{8498F254-73E8-BE24-4CFC-E75E188DD02A}"/>
               </a:ext>
             </a:extLst>
           </p:cNvPr>
@@ -30037,7 +29995,7 @@
           <p:cNvPr id="21" name="Google Shape;87;p14">
             <a:extLst>
               <a:ext uri="{FF2B5EF4-FFF2-40B4-BE49-F238E27FC236}">
-                <a16:creationId xmlns:a16="http://schemas.microsoft.com/office/drawing/2014/main" xmlns="" id="{90F13ACB-01F8-F61D-B504-33D42F0F054E}"/>
+                <a16:creationId xmlns="" xmlns:a16="http://schemas.microsoft.com/office/drawing/2014/main" id="{90F13ACB-01F8-F61D-B504-33D42F0F054E}"/>
               </a:ext>
             </a:extLst>
           </p:cNvPr>
@@ -30071,7 +30029,7 @@
           <p:cNvPr id="25" name="Google Shape;85;p14">
             <a:extLst>
               <a:ext uri="{FF2B5EF4-FFF2-40B4-BE49-F238E27FC236}">
-                <a16:creationId xmlns:a16="http://schemas.microsoft.com/office/drawing/2014/main" xmlns="" id="{5C78CA6E-6DFC-515D-2D93-7149CE8D13F3}"/>
+                <a16:creationId xmlns="" xmlns:a16="http://schemas.microsoft.com/office/drawing/2014/main" id="{5C78CA6E-6DFC-515D-2D93-7149CE8D13F3}"/>
               </a:ext>
             </a:extLst>
           </p:cNvPr>
@@ -30112,7 +30070,7 @@
           <p:cNvPr id="26" name="Google Shape;90;p14">
             <a:extLst>
               <a:ext uri="{FF2B5EF4-FFF2-40B4-BE49-F238E27FC236}">
-                <a16:creationId xmlns:a16="http://schemas.microsoft.com/office/drawing/2014/main" xmlns="" id="{70D7F9C8-3F19-0671-CC95-0C6FF2D659F6}"/>
+                <a16:creationId xmlns="" xmlns:a16="http://schemas.microsoft.com/office/drawing/2014/main" id="{70D7F9C8-3F19-0671-CC95-0C6FF2D659F6}"/>
               </a:ext>
             </a:extLst>
           </p:cNvPr>
@@ -30146,7 +30104,7 @@
           <p:cNvPr id="27" name="Google Shape;100;p14">
             <a:extLst>
               <a:ext uri="{FF2B5EF4-FFF2-40B4-BE49-F238E27FC236}">
-                <a16:creationId xmlns:a16="http://schemas.microsoft.com/office/drawing/2014/main" xmlns="" id="{F8A7C898-9B48-9B98-9416-6CC35654182E}"/>
+                <a16:creationId xmlns="" xmlns:a16="http://schemas.microsoft.com/office/drawing/2014/main" id="{F8A7C898-9B48-9B98-9416-6CC35654182E}"/>
               </a:ext>
             </a:extLst>
           </p:cNvPr>
@@ -30189,7 +30147,7 @@
           <p:cNvPr id="28" name="Google Shape;100;p14">
             <a:extLst>
               <a:ext uri="{FF2B5EF4-FFF2-40B4-BE49-F238E27FC236}">
-                <a16:creationId xmlns:a16="http://schemas.microsoft.com/office/drawing/2014/main" xmlns="" id="{3EA7DA9C-7016-E18A-3815-E4ABF57833E3}"/>
+                <a16:creationId xmlns="" xmlns:a16="http://schemas.microsoft.com/office/drawing/2014/main" id="{3EA7DA9C-7016-E18A-3815-E4ABF57833E3}"/>
               </a:ext>
             </a:extLst>
           </p:cNvPr>
@@ -30232,7 +30190,7 @@
           <p:cNvPr id="29" name="Google Shape;100;p14">
             <a:extLst>
               <a:ext uri="{FF2B5EF4-FFF2-40B4-BE49-F238E27FC236}">
-                <a16:creationId xmlns:a16="http://schemas.microsoft.com/office/drawing/2014/main" xmlns="" id="{A17C1FA6-D0D2-529D-9879-E520D1CE77D6}"/>
+                <a16:creationId xmlns="" xmlns:a16="http://schemas.microsoft.com/office/drawing/2014/main" id="{A17C1FA6-D0D2-529D-9879-E520D1CE77D6}"/>
               </a:ext>
             </a:extLst>
           </p:cNvPr>
@@ -30275,7 +30233,7 @@
           <p:cNvPr id="30" name="Google Shape;100;p14">
             <a:extLst>
               <a:ext uri="{FF2B5EF4-FFF2-40B4-BE49-F238E27FC236}">
-                <a16:creationId xmlns:a16="http://schemas.microsoft.com/office/drawing/2014/main" xmlns="" id="{04D7ED66-035D-0386-E0EE-BA6FE024830F}"/>
+                <a16:creationId xmlns="" xmlns:a16="http://schemas.microsoft.com/office/drawing/2014/main" id="{04D7ED66-035D-0386-E0EE-BA6FE024830F}"/>
               </a:ext>
             </a:extLst>
           </p:cNvPr>
@@ -30318,7 +30276,7 @@
           <p:cNvPr id="31" name="Google Shape;100;p14">
             <a:extLst>
               <a:ext uri="{FF2B5EF4-FFF2-40B4-BE49-F238E27FC236}">
-                <a16:creationId xmlns:a16="http://schemas.microsoft.com/office/drawing/2014/main" xmlns="" id="{C7775653-CC84-E4C0-151C-20531BC61B52}"/>
+                <a16:creationId xmlns="" xmlns:a16="http://schemas.microsoft.com/office/drawing/2014/main" id="{C7775653-CC84-E4C0-151C-20531BC61B52}"/>
               </a:ext>
             </a:extLst>
           </p:cNvPr>
@@ -30361,7 +30319,7 @@
           <p:cNvPr id="33" name="Google Shape;83;p14">
             <a:extLst>
               <a:ext uri="{FF2B5EF4-FFF2-40B4-BE49-F238E27FC236}">
-                <a16:creationId xmlns:a16="http://schemas.microsoft.com/office/drawing/2014/main" xmlns="" id="{BC3B66DE-CAB4-4145-73F1-EC5796C670B2}"/>
+                <a16:creationId xmlns="" xmlns:a16="http://schemas.microsoft.com/office/drawing/2014/main" id="{BC3B66DE-CAB4-4145-73F1-EC5796C670B2}"/>
               </a:ext>
             </a:extLst>
           </p:cNvPr>
@@ -30406,7 +30364,7 @@
           <p:cNvPr id="32" name="Google Shape;83;p14">
             <a:extLst>
               <a:ext uri="{FF2B5EF4-FFF2-40B4-BE49-F238E27FC236}">
-                <a16:creationId xmlns:a16="http://schemas.microsoft.com/office/drawing/2014/main" xmlns="" id="{D89174EE-20E3-9DC6-DAF2-2B277BF0CA73}"/>
+                <a16:creationId xmlns="" xmlns:a16="http://schemas.microsoft.com/office/drawing/2014/main" id="{D89174EE-20E3-9DC6-DAF2-2B277BF0CA73}"/>
               </a:ext>
             </a:extLst>
           </p:cNvPr>
@@ -30451,7 +30409,7 @@
           <p:cNvPr id="15" name="图片 14">
             <a:extLst>
               <a:ext uri="{FF2B5EF4-FFF2-40B4-BE49-F238E27FC236}">
-                <a16:creationId xmlns:a16="http://schemas.microsoft.com/office/drawing/2014/main" xmlns="" id="{2E9CE1E3-2135-0036-6AC6-4F023E9FB9FB}"/>
+                <a16:creationId xmlns="" xmlns:a16="http://schemas.microsoft.com/office/drawing/2014/main" id="{2E9CE1E3-2135-0036-6AC6-4F023E9FB9FB}"/>
               </a:ext>
             </a:extLst>
           </p:cNvPr>
@@ -30481,7 +30439,7 @@
           <p:cNvPr id="18" name="图片 17">
             <a:extLst>
               <a:ext uri="{FF2B5EF4-FFF2-40B4-BE49-F238E27FC236}">
-                <a16:creationId xmlns:a16="http://schemas.microsoft.com/office/drawing/2014/main" xmlns="" id="{B4FACCEA-FD77-524D-0769-3E9B324ECE01}"/>
+                <a16:creationId xmlns="" xmlns:a16="http://schemas.microsoft.com/office/drawing/2014/main" id="{B4FACCEA-FD77-524D-0769-3E9B324ECE01}"/>
               </a:ext>
             </a:extLst>
           </p:cNvPr>
@@ -30511,7 +30469,7 @@
           <p:cNvPr id="16" name="图片 15">
             <a:extLst>
               <a:ext uri="{FF2B5EF4-FFF2-40B4-BE49-F238E27FC236}">
-                <a16:creationId xmlns:a16="http://schemas.microsoft.com/office/drawing/2014/main" xmlns="" id="{E105324A-0DF5-3CC5-8FA4-5C776E05B929}"/>
+                <a16:creationId xmlns="" xmlns:a16="http://schemas.microsoft.com/office/drawing/2014/main" id="{E105324A-0DF5-3CC5-8FA4-5C776E05B929}"/>
               </a:ext>
             </a:extLst>
           </p:cNvPr>
@@ -30541,7 +30499,7 @@
           <p:cNvPr id="14" name="图片 13">
             <a:extLst>
               <a:ext uri="{FF2B5EF4-FFF2-40B4-BE49-F238E27FC236}">
-                <a16:creationId xmlns:a16="http://schemas.microsoft.com/office/drawing/2014/main" xmlns="" id="{A1247C65-E9FE-684D-C577-C3EFF757A026}"/>
+                <a16:creationId xmlns="" xmlns:a16="http://schemas.microsoft.com/office/drawing/2014/main" id="{A1247C65-E9FE-684D-C577-C3EFF757A026}"/>
               </a:ext>
             </a:extLst>
           </p:cNvPr>
@@ -30571,7 +30529,7 @@
           <p:cNvPr id="17" name="图片 16">
             <a:extLst>
               <a:ext uri="{FF2B5EF4-FFF2-40B4-BE49-F238E27FC236}">
-                <a16:creationId xmlns:a16="http://schemas.microsoft.com/office/drawing/2014/main" xmlns="" id="{9B118434-3A73-4D47-C6D6-FBDC473A6E94}"/>
+                <a16:creationId xmlns="" xmlns:a16="http://schemas.microsoft.com/office/drawing/2014/main" id="{9B118434-3A73-4D47-C6D6-FBDC473A6E94}"/>
               </a:ext>
             </a:extLst>
           </p:cNvPr>
